--- a/courses/apcsp/lect22.pptx
+++ b/courses/apcsp/lect22.pptx
@@ -5,35 +5,38 @@
     <p:sldMasterId id="2147483791" r:id="rId1"/>
   </p:sldMasterIdLst>
   <p:notesMasterIdLst>
-    <p:notesMasterId r:id="rId28"/>
+    <p:notesMasterId r:id="rId31"/>
   </p:notesMasterIdLst>
   <p:sldIdLst>
     <p:sldId id="256" r:id="rId2"/>
     <p:sldId id="540" r:id="rId3"/>
     <p:sldId id="553" r:id="rId4"/>
-    <p:sldId id="551" r:id="rId5"/>
-    <p:sldId id="302" r:id="rId6"/>
-    <p:sldId id="618" r:id="rId7"/>
-    <p:sldId id="615" r:id="rId8"/>
-    <p:sldId id="616" r:id="rId9"/>
-    <p:sldId id="617" r:id="rId10"/>
-    <p:sldId id="552" r:id="rId11"/>
-    <p:sldId id="554" r:id="rId12"/>
-    <p:sldId id="557" r:id="rId13"/>
-    <p:sldId id="559" r:id="rId14"/>
-    <p:sldId id="556" r:id="rId15"/>
-    <p:sldId id="560" r:id="rId16"/>
-    <p:sldId id="561" r:id="rId17"/>
-    <p:sldId id="598" r:id="rId18"/>
-    <p:sldId id="612" r:id="rId19"/>
-    <p:sldId id="600" r:id="rId20"/>
-    <p:sldId id="601" r:id="rId21"/>
-    <p:sldId id="588" r:id="rId22"/>
-    <p:sldId id="589" r:id="rId23"/>
-    <p:sldId id="602" r:id="rId24"/>
-    <p:sldId id="608" r:id="rId25"/>
-    <p:sldId id="609" r:id="rId26"/>
-    <p:sldId id="613" r:id="rId27"/>
+    <p:sldId id="620" r:id="rId5"/>
+    <p:sldId id="621" r:id="rId6"/>
+    <p:sldId id="551" r:id="rId7"/>
+    <p:sldId id="302" r:id="rId8"/>
+    <p:sldId id="552" r:id="rId9"/>
+    <p:sldId id="618" r:id="rId10"/>
+    <p:sldId id="615" r:id="rId11"/>
+    <p:sldId id="616" r:id="rId12"/>
+    <p:sldId id="617" r:id="rId13"/>
+    <p:sldId id="554" r:id="rId14"/>
+    <p:sldId id="557" r:id="rId15"/>
+    <p:sldId id="559" r:id="rId16"/>
+    <p:sldId id="619" r:id="rId17"/>
+    <p:sldId id="556" r:id="rId18"/>
+    <p:sldId id="560" r:id="rId19"/>
+    <p:sldId id="561" r:id="rId20"/>
+    <p:sldId id="598" r:id="rId21"/>
+    <p:sldId id="612" r:id="rId22"/>
+    <p:sldId id="600" r:id="rId23"/>
+    <p:sldId id="601" r:id="rId24"/>
+    <p:sldId id="588" r:id="rId25"/>
+    <p:sldId id="589" r:id="rId26"/>
+    <p:sldId id="602" r:id="rId27"/>
+    <p:sldId id="608" r:id="rId28"/>
+    <p:sldId id="609" r:id="rId29"/>
+    <p:sldId id="613" r:id="rId30"/>
   </p:sldIdLst>
   <p:sldSz cx="9144000" cy="5715000" type="screen16x10"/>
   <p:notesSz cx="6858000" cy="9144000"/>
@@ -143,7 +146,7 @@
 <file path=ppt/revisionInfo.xml><?xml version="1.0" encoding="utf-8"?>
 <p1510:revInfo xmlns:a="http://schemas.openxmlformats.org/drawingml/2006/main" xmlns:r="http://schemas.openxmlformats.org/officeDocument/2006/relationships" xmlns:p1510="http://schemas.microsoft.com/office/powerpoint/2015/10/main">
   <p1510:revLst>
-    <p1510:client id="{0E2AE9A0-AA60-BB4A-B160-C870111F23F3}" v="2471" dt="2021-05-06T04:39:59.717"/>
+    <p1510:client id="{0E2AE9A0-AA60-BB4A-B160-C870111F23F3}" v="3052" dt="2021-05-07T12:04:44.916"/>
   </p1510:revLst>
 </p1510:revInfo>
 </file>
@@ -3968,7 +3971,7 @@
   <pc:docChgLst>
     <pc:chgData name="Long B Nguyen" userId="f59fb8f3-a021-417a-8bc1-65c8d471c621" providerId="ADAL" clId="{0E2AE9A0-AA60-BB4A-B160-C870111F23F3}"/>
     <pc:docChg chg="undo custSel addSld delSld modSld">
-      <pc:chgData name="Long B Nguyen" userId="f59fb8f3-a021-417a-8bc1-65c8d471c621" providerId="ADAL" clId="{0E2AE9A0-AA60-BB4A-B160-C870111F23F3}" dt="2021-05-06T04:39:59.717" v="5760"/>
+      <pc:chgData name="Long B Nguyen" userId="f59fb8f3-a021-417a-8bc1-65c8d471c621" providerId="ADAL" clId="{0E2AE9A0-AA60-BB4A-B160-C870111F23F3}" dt="2021-05-07T12:04:44.914" v="6588" actId="20577"/>
       <pc:docMkLst>
         <pc:docMk/>
       </pc:docMkLst>
@@ -4273,7 +4276,7 @@
         </pc:sldMkLst>
       </pc:sldChg>
       <pc:sldChg chg="addSp modSp add mod modAnim">
-        <pc:chgData name="Long B Nguyen" userId="f59fb8f3-a021-417a-8bc1-65c8d471c621" providerId="ADAL" clId="{0E2AE9A0-AA60-BB4A-B160-C870111F23F3}" dt="2021-05-06T04:39:59.717" v="5760"/>
+        <pc:chgData name="Long B Nguyen" userId="f59fb8f3-a021-417a-8bc1-65c8d471c621" providerId="ADAL" clId="{0E2AE9A0-AA60-BB4A-B160-C870111F23F3}" dt="2021-05-07T12:04:44.914" v="6588" actId="20577"/>
         <pc:sldMkLst>
           <pc:docMk/>
           <pc:sldMk cId="1466770109" sldId="551"/>
@@ -4295,7 +4298,7 @@
           </ac:spMkLst>
         </pc:spChg>
         <pc:spChg chg="mod">
-          <ac:chgData name="Long B Nguyen" userId="f59fb8f3-a021-417a-8bc1-65c8d471c621" providerId="ADAL" clId="{0E2AE9A0-AA60-BB4A-B160-C870111F23F3}" dt="2021-05-04T22:16:27.738" v="1167" actId="20577"/>
+          <ac:chgData name="Long B Nguyen" userId="f59fb8f3-a021-417a-8bc1-65c8d471c621" providerId="ADAL" clId="{0E2AE9A0-AA60-BB4A-B160-C870111F23F3}" dt="2021-05-07T12:04:44.914" v="6588" actId="20577"/>
           <ac:spMkLst>
             <pc:docMk/>
             <pc:sldMk cId="1466770109" sldId="551"/>
@@ -4311,64 +4314,255 @@
           </ac:picMkLst>
         </pc:picChg>
       </pc:sldChg>
+      <pc:sldChg chg="addSp modSp add del mod modAnim">
+        <pc:chgData name="Long B Nguyen" userId="f59fb8f3-a021-417a-8bc1-65c8d471c621" providerId="ADAL" clId="{0E2AE9A0-AA60-BB4A-B160-C870111F23F3}" dt="2021-05-07T11:56:35.417" v="6391" actId="2696"/>
+        <pc:sldMkLst>
+          <pc:docMk/>
+          <pc:sldMk cId="2853411292" sldId="552"/>
+        </pc:sldMkLst>
+        <pc:spChg chg="add mod">
+          <ac:chgData name="Long B Nguyen" userId="f59fb8f3-a021-417a-8bc1-65c8d471c621" providerId="ADAL" clId="{0E2AE9A0-AA60-BB4A-B160-C870111F23F3}" dt="2021-05-06T04:39:59.717" v="5760"/>
+          <ac:spMkLst>
+            <pc:docMk/>
+            <pc:sldMk cId="2853411292" sldId="552"/>
+            <ac:spMk id="2" creationId="{676CE5E9-0770-7D40-A2D2-7D96FDD0BEB5}"/>
+          </ac:spMkLst>
+        </pc:spChg>
+        <pc:spChg chg="mod">
+          <ac:chgData name="Long B Nguyen" userId="f59fb8f3-a021-417a-8bc1-65c8d471c621" providerId="ADAL" clId="{0E2AE9A0-AA60-BB4A-B160-C870111F23F3}" dt="2021-05-04T22:17:27.755" v="1173" actId="255"/>
+          <ac:spMkLst>
+            <pc:docMk/>
+            <pc:sldMk cId="2853411292" sldId="552"/>
+            <ac:spMk id="6146" creationId="{EAA042DF-FAF2-DA4B-9FB9-A8E93FAB0389}"/>
+          </ac:spMkLst>
+        </pc:spChg>
+        <pc:spChg chg="mod">
+          <ac:chgData name="Long B Nguyen" userId="f59fb8f3-a021-417a-8bc1-65c8d471c621" providerId="ADAL" clId="{0E2AE9A0-AA60-BB4A-B160-C870111F23F3}" dt="2021-05-04T16:46:39.267" v="1117" actId="1076"/>
+          <ac:spMkLst>
+            <pc:docMk/>
+            <pc:sldMk cId="2853411292" sldId="552"/>
+            <ac:spMk id="186370" creationId="{C5506108-D6E6-9641-98CC-A9DA92AF0478}"/>
+          </ac:spMkLst>
+        </pc:spChg>
+      </pc:sldChg>
+      <pc:sldChg chg="add">
+        <pc:chgData name="Long B Nguyen" userId="f59fb8f3-a021-417a-8bc1-65c8d471c621" providerId="ADAL" clId="{0E2AE9A0-AA60-BB4A-B160-C870111F23F3}" dt="2021-05-07T11:56:39.185" v="6392"/>
+        <pc:sldMkLst>
+          <pc:docMk/>
+          <pc:sldMk cId="3614929084" sldId="552"/>
+        </pc:sldMkLst>
+      </pc:sldChg>
+      <pc:sldChg chg="addSp modSp add mod modAnim">
+        <pc:chgData name="Long B Nguyen" userId="f59fb8f3-a021-417a-8bc1-65c8d471c621" providerId="ADAL" clId="{0E2AE9A0-AA60-BB4A-B160-C870111F23F3}" dt="2021-05-07T12:01:25.594" v="6545"/>
+        <pc:sldMkLst>
+          <pc:docMk/>
+          <pc:sldMk cId="3802582321" sldId="553"/>
+        </pc:sldMkLst>
+        <pc:spChg chg="add mod">
+          <ac:chgData name="Long B Nguyen" userId="f59fb8f3-a021-417a-8bc1-65c8d471c621" providerId="ADAL" clId="{0E2AE9A0-AA60-BB4A-B160-C870111F23F3}" dt="2021-05-06T04:39:59.717" v="5760"/>
+          <ac:spMkLst>
+            <pc:docMk/>
+            <pc:sldMk cId="3802582321" sldId="553"/>
+            <ac:spMk id="2" creationId="{212358BB-7F38-DE4B-B13F-EC3F7FF7E613}"/>
+          </ac:spMkLst>
+        </pc:spChg>
+        <pc:spChg chg="mod">
+          <ac:chgData name="Long B Nguyen" userId="f59fb8f3-a021-417a-8bc1-65c8d471c621" providerId="ADAL" clId="{0E2AE9A0-AA60-BB4A-B160-C870111F23F3}" dt="2021-05-07T12:00:55.561" v="6543" actId="20577"/>
+          <ac:spMkLst>
+            <pc:docMk/>
+            <pc:sldMk cId="3802582321" sldId="553"/>
+            <ac:spMk id="6146" creationId="{EAA042DF-FAF2-DA4B-9FB9-A8E93FAB0389}"/>
+          </ac:spMkLst>
+        </pc:spChg>
+        <pc:spChg chg="mod">
+          <ac:chgData name="Long B Nguyen" userId="f59fb8f3-a021-417a-8bc1-65c8d471c621" providerId="ADAL" clId="{0E2AE9A0-AA60-BB4A-B160-C870111F23F3}" dt="2021-05-04T22:15:42.997" v="1160" actId="1076"/>
+          <ac:spMkLst>
+            <pc:docMk/>
+            <pc:sldMk cId="3802582321" sldId="553"/>
+            <ac:spMk id="186370" creationId="{C5506108-D6E6-9641-98CC-A9DA92AF0478}"/>
+          </ac:spMkLst>
+        </pc:spChg>
+        <pc:cxnChg chg="add mod">
+          <ac:chgData name="Long B Nguyen" userId="f59fb8f3-a021-417a-8bc1-65c8d471c621" providerId="ADAL" clId="{0E2AE9A0-AA60-BB4A-B160-C870111F23F3}" dt="2021-05-07T12:00:07.539" v="6539" actId="692"/>
+          <ac:cxnSpMkLst>
+            <pc:docMk/>
+            <pc:sldMk cId="3802582321" sldId="553"/>
+            <ac:cxnSpMk id="4" creationId="{6F7FAA95-1CB1-6246-9247-83FDFD7281C5}"/>
+          </ac:cxnSpMkLst>
+        </pc:cxnChg>
+        <pc:cxnChg chg="add mod">
+          <ac:chgData name="Long B Nguyen" userId="f59fb8f3-a021-417a-8bc1-65c8d471c621" providerId="ADAL" clId="{0E2AE9A0-AA60-BB4A-B160-C870111F23F3}" dt="2021-05-07T12:00:16.595" v="6541" actId="1076"/>
+          <ac:cxnSpMkLst>
+            <pc:docMk/>
+            <pc:sldMk cId="3802582321" sldId="553"/>
+            <ac:cxnSpMk id="9" creationId="{696833A3-9446-104B-8B36-CF472B191E13}"/>
+          </ac:cxnSpMkLst>
+        </pc:cxnChg>
+      </pc:sldChg>
+      <pc:sldChg chg="addSp delSp modSp add mod modAnim">
+        <pc:chgData name="Long B Nguyen" userId="f59fb8f3-a021-417a-8bc1-65c8d471c621" providerId="ADAL" clId="{0E2AE9A0-AA60-BB4A-B160-C870111F23F3}" dt="2021-05-06T04:39:59.717" v="5760"/>
+        <pc:sldMkLst>
+          <pc:docMk/>
+          <pc:sldMk cId="2716603920" sldId="554"/>
+        </pc:sldMkLst>
+        <pc:spChg chg="add del mod">
+          <ac:chgData name="Long B Nguyen" userId="f59fb8f3-a021-417a-8bc1-65c8d471c621" providerId="ADAL" clId="{0E2AE9A0-AA60-BB4A-B160-C870111F23F3}" dt="2021-05-04T22:31:56.106" v="1250"/>
+          <ac:spMkLst>
+            <pc:docMk/>
+            <pc:sldMk cId="2716603920" sldId="554"/>
+            <ac:spMk id="2" creationId="{91FACAD6-67CF-D048-A67F-38828B978B2A}"/>
+          </ac:spMkLst>
+        </pc:spChg>
+        <pc:spChg chg="add mod">
+          <ac:chgData name="Long B Nguyen" userId="f59fb8f3-a021-417a-8bc1-65c8d471c621" providerId="ADAL" clId="{0E2AE9A0-AA60-BB4A-B160-C870111F23F3}" dt="2021-05-06T04:39:59.717" v="5760"/>
+          <ac:spMkLst>
+            <pc:docMk/>
+            <pc:sldMk cId="2716603920" sldId="554"/>
+            <ac:spMk id="2" creationId="{EAEC08EF-B495-0248-BDF8-D62158BA5FFD}"/>
+          </ac:spMkLst>
+        </pc:spChg>
+        <pc:spChg chg="mod">
+          <ac:chgData name="Long B Nguyen" userId="f59fb8f3-a021-417a-8bc1-65c8d471c621" providerId="ADAL" clId="{0E2AE9A0-AA60-BB4A-B160-C870111F23F3}" dt="2021-05-06T03:36:30.204" v="5620" actId="113"/>
+          <ac:spMkLst>
+            <pc:docMk/>
+            <pc:sldMk cId="2716603920" sldId="554"/>
+            <ac:spMk id="6146" creationId="{EAA042DF-FAF2-DA4B-9FB9-A8E93FAB0389}"/>
+          </ac:spMkLst>
+        </pc:spChg>
+        <pc:spChg chg="mod">
+          <ac:chgData name="Long B Nguyen" userId="f59fb8f3-a021-417a-8bc1-65c8d471c621" providerId="ADAL" clId="{0E2AE9A0-AA60-BB4A-B160-C870111F23F3}" dt="2021-05-04T22:28:32.008" v="1198" actId="20577"/>
+          <ac:spMkLst>
+            <pc:docMk/>
+            <pc:sldMk cId="2716603920" sldId="554"/>
+            <ac:spMk id="186370" creationId="{C5506108-D6E6-9641-98CC-A9DA92AF0478}"/>
+          </ac:spMkLst>
+        </pc:spChg>
+      </pc:sldChg>
+      <pc:sldChg chg="new del">
+        <pc:chgData name="Long B Nguyen" userId="f59fb8f3-a021-417a-8bc1-65c8d471c621" providerId="ADAL" clId="{0E2AE9A0-AA60-BB4A-B160-C870111F23F3}" dt="2021-05-05T22:24:48.929" v="5448" actId="2696"/>
+        <pc:sldMkLst>
+          <pc:docMk/>
+          <pc:sldMk cId="1079926079" sldId="555"/>
+        </pc:sldMkLst>
+      </pc:sldChg>
       <pc:sldChg chg="addSp modSp add mod modAnim">
         <pc:chgData name="Long B Nguyen" userId="f59fb8f3-a021-417a-8bc1-65c8d471c621" providerId="ADAL" clId="{0E2AE9A0-AA60-BB4A-B160-C870111F23F3}" dt="2021-05-06T04:39:59.717" v="5760"/>
         <pc:sldMkLst>
           <pc:docMk/>
-          <pc:sldMk cId="2853411292" sldId="552"/>
+          <pc:sldMk cId="63885118" sldId="556"/>
         </pc:sldMkLst>
         <pc:spChg chg="add mod">
           <ac:chgData name="Long B Nguyen" userId="f59fb8f3-a021-417a-8bc1-65c8d471c621" providerId="ADAL" clId="{0E2AE9A0-AA60-BB4A-B160-C870111F23F3}" dt="2021-05-06T04:39:59.717" v="5760"/>
           <ac:spMkLst>
             <pc:docMk/>
-            <pc:sldMk cId="2853411292" sldId="552"/>
-            <ac:spMk id="2" creationId="{676CE5E9-0770-7D40-A2D2-7D96FDD0BEB5}"/>
-          </ac:spMkLst>
-        </pc:spChg>
-        <pc:spChg chg="mod">
-          <ac:chgData name="Long B Nguyen" userId="f59fb8f3-a021-417a-8bc1-65c8d471c621" providerId="ADAL" clId="{0E2AE9A0-AA60-BB4A-B160-C870111F23F3}" dt="2021-05-04T22:17:27.755" v="1173" actId="255"/>
-          <ac:spMkLst>
-            <pc:docMk/>
-            <pc:sldMk cId="2853411292" sldId="552"/>
+            <pc:sldMk cId="63885118" sldId="556"/>
+            <ac:spMk id="2" creationId="{B20B7105-DF5A-C340-AECE-D8A3C15DF162}"/>
+          </ac:spMkLst>
+        </pc:spChg>
+        <pc:spChg chg="mod">
+          <ac:chgData name="Long B Nguyen" userId="f59fb8f3-a021-417a-8bc1-65c8d471c621" providerId="ADAL" clId="{0E2AE9A0-AA60-BB4A-B160-C870111F23F3}" dt="2021-05-06T03:38:16.367" v="5660" actId="20577"/>
+          <ac:spMkLst>
+            <pc:docMk/>
+            <pc:sldMk cId="63885118" sldId="556"/>
             <ac:spMk id="6146" creationId="{EAA042DF-FAF2-DA4B-9FB9-A8E93FAB0389}"/>
           </ac:spMkLst>
         </pc:spChg>
         <pc:spChg chg="mod">
-          <ac:chgData name="Long B Nguyen" userId="f59fb8f3-a021-417a-8bc1-65c8d471c621" providerId="ADAL" clId="{0E2AE9A0-AA60-BB4A-B160-C870111F23F3}" dt="2021-05-04T16:46:39.267" v="1117" actId="1076"/>
-          <ac:spMkLst>
-            <pc:docMk/>
-            <pc:sldMk cId="2853411292" sldId="552"/>
+          <ac:chgData name="Long B Nguyen" userId="f59fb8f3-a021-417a-8bc1-65c8d471c621" providerId="ADAL" clId="{0E2AE9A0-AA60-BB4A-B160-C870111F23F3}" dt="2021-05-05T02:21:16.279" v="2187" actId="20577"/>
+          <ac:spMkLst>
+            <pc:docMk/>
+            <pc:sldMk cId="63885118" sldId="556"/>
             <ac:spMk id="186370" creationId="{C5506108-D6E6-9641-98CC-A9DA92AF0478}"/>
           </ac:spMkLst>
         </pc:spChg>
+      </pc:sldChg>
+      <pc:sldChg chg="del">
+        <pc:chgData name="Long B Nguyen" userId="f59fb8f3-a021-417a-8bc1-65c8d471c621" providerId="ADAL" clId="{0E2AE9A0-AA60-BB4A-B160-C870111F23F3}" dt="2021-05-04T16:19:25.283" v="16" actId="2696"/>
+        <pc:sldMkLst>
+          <pc:docMk/>
+          <pc:sldMk cId="1925924244" sldId="556"/>
+        </pc:sldMkLst>
       </pc:sldChg>
       <pc:sldChg chg="addSp modSp add mod modAnim">
         <pc:chgData name="Long B Nguyen" userId="f59fb8f3-a021-417a-8bc1-65c8d471c621" providerId="ADAL" clId="{0E2AE9A0-AA60-BB4A-B160-C870111F23F3}" dt="2021-05-06T04:39:59.717" v="5760"/>
         <pc:sldMkLst>
           <pc:docMk/>
-          <pc:sldMk cId="3802582321" sldId="553"/>
+          <pc:sldMk cId="1296694967" sldId="557"/>
         </pc:sldMkLst>
         <pc:spChg chg="add mod">
           <ac:chgData name="Long B Nguyen" userId="f59fb8f3-a021-417a-8bc1-65c8d471c621" providerId="ADAL" clId="{0E2AE9A0-AA60-BB4A-B160-C870111F23F3}" dt="2021-05-06T04:39:59.717" v="5760"/>
           <ac:spMkLst>
             <pc:docMk/>
-            <pc:sldMk cId="3802582321" sldId="553"/>
-            <ac:spMk id="2" creationId="{212358BB-7F38-DE4B-B13F-EC3F7FF7E613}"/>
-          </ac:spMkLst>
-        </pc:spChg>
-        <pc:spChg chg="mod">
-          <ac:chgData name="Long B Nguyen" userId="f59fb8f3-a021-417a-8bc1-65c8d471c621" providerId="ADAL" clId="{0E2AE9A0-AA60-BB4A-B160-C870111F23F3}" dt="2021-05-05T02:11:33.883" v="1669" actId="20577"/>
-          <ac:spMkLst>
-            <pc:docMk/>
-            <pc:sldMk cId="3802582321" sldId="553"/>
+            <pc:sldMk cId="1296694967" sldId="557"/>
+            <ac:spMk id="2" creationId="{8E7659A5-BFDF-0941-9706-1003922E6812}"/>
+          </ac:spMkLst>
+        </pc:spChg>
+        <pc:spChg chg="mod">
+          <ac:chgData name="Long B Nguyen" userId="f59fb8f3-a021-417a-8bc1-65c8d471c621" providerId="ADAL" clId="{0E2AE9A0-AA60-BB4A-B160-C870111F23F3}" dt="2021-05-06T03:37:27.977" v="5644" actId="20577"/>
+          <ac:spMkLst>
+            <pc:docMk/>
+            <pc:sldMk cId="1296694967" sldId="557"/>
             <ac:spMk id="6146" creationId="{EAA042DF-FAF2-DA4B-9FB9-A8E93FAB0389}"/>
           </ac:spMkLst>
         </pc:spChg>
         <pc:spChg chg="mod">
-          <ac:chgData name="Long B Nguyen" userId="f59fb8f3-a021-417a-8bc1-65c8d471c621" providerId="ADAL" clId="{0E2AE9A0-AA60-BB4A-B160-C870111F23F3}" dt="2021-05-04T22:15:42.997" v="1160" actId="1076"/>
-          <ac:spMkLst>
-            <pc:docMk/>
-            <pc:sldMk cId="3802582321" sldId="553"/>
+          <ac:chgData name="Long B Nguyen" userId="f59fb8f3-a021-417a-8bc1-65c8d471c621" providerId="ADAL" clId="{0E2AE9A0-AA60-BB4A-B160-C870111F23F3}" dt="2021-05-04T22:39:28.485" v="1429" actId="20577"/>
+          <ac:spMkLst>
+            <pc:docMk/>
+            <pc:sldMk cId="1296694967" sldId="557"/>
+            <ac:spMk id="186370" creationId="{C5506108-D6E6-9641-98CC-A9DA92AF0478}"/>
+          </ac:spMkLst>
+        </pc:spChg>
+      </pc:sldChg>
+      <pc:sldChg chg="modSp add del mod">
+        <pc:chgData name="Long B Nguyen" userId="f59fb8f3-a021-417a-8bc1-65c8d471c621" providerId="ADAL" clId="{0E2AE9A0-AA60-BB4A-B160-C870111F23F3}" dt="2021-05-05T21:33:32.440" v="3641" actId="2696"/>
+        <pc:sldMkLst>
+          <pc:docMk/>
+          <pc:sldMk cId="2441755984" sldId="558"/>
+        </pc:sldMkLst>
+        <pc:spChg chg="mod">
+          <ac:chgData name="Long B Nguyen" userId="f59fb8f3-a021-417a-8bc1-65c8d471c621" providerId="ADAL" clId="{0E2AE9A0-AA60-BB4A-B160-C870111F23F3}" dt="2021-05-05T02:17:38.279" v="2075" actId="20577"/>
+          <ac:spMkLst>
+            <pc:docMk/>
+            <pc:sldMk cId="2441755984" sldId="558"/>
+            <ac:spMk id="6146" creationId="{EAA042DF-FAF2-DA4B-9FB9-A8E93FAB0389}"/>
+          </ac:spMkLst>
+        </pc:spChg>
+      </pc:sldChg>
+      <pc:sldChg chg="del">
+        <pc:chgData name="Long B Nguyen" userId="f59fb8f3-a021-417a-8bc1-65c8d471c621" providerId="ADAL" clId="{0E2AE9A0-AA60-BB4A-B160-C870111F23F3}" dt="2021-05-04T16:19:25.283" v="16" actId="2696"/>
+        <pc:sldMkLst>
+          <pc:docMk/>
+          <pc:sldMk cId="748879865" sldId="559"/>
+        </pc:sldMkLst>
+      </pc:sldChg>
+      <pc:sldChg chg="addSp modSp add mod modAnim">
+        <pc:chgData name="Long B Nguyen" userId="f59fb8f3-a021-417a-8bc1-65c8d471c621" providerId="ADAL" clId="{0E2AE9A0-AA60-BB4A-B160-C870111F23F3}" dt="2021-05-06T04:39:59.717" v="5760"/>
+        <pc:sldMkLst>
+          <pc:docMk/>
+          <pc:sldMk cId="2856452792" sldId="559"/>
+        </pc:sldMkLst>
+        <pc:spChg chg="add mod">
+          <ac:chgData name="Long B Nguyen" userId="f59fb8f3-a021-417a-8bc1-65c8d471c621" providerId="ADAL" clId="{0E2AE9A0-AA60-BB4A-B160-C870111F23F3}" dt="2021-05-06T04:39:59.717" v="5760"/>
+          <ac:spMkLst>
+            <pc:docMk/>
+            <pc:sldMk cId="2856452792" sldId="559"/>
+            <ac:spMk id="2" creationId="{9C3CA69A-9F9B-CC4B-BBCA-6F6F89332FC4}"/>
+          </ac:spMkLst>
+        </pc:spChg>
+        <pc:spChg chg="mod">
+          <ac:chgData name="Long B Nguyen" userId="f59fb8f3-a021-417a-8bc1-65c8d471c621" providerId="ADAL" clId="{0E2AE9A0-AA60-BB4A-B160-C870111F23F3}" dt="2021-05-06T03:39:23.431" v="5671" actId="20577"/>
+          <ac:spMkLst>
+            <pc:docMk/>
+            <pc:sldMk cId="2856452792" sldId="559"/>
+            <ac:spMk id="6146" creationId="{EAA042DF-FAF2-DA4B-9FB9-A8E93FAB0389}"/>
+          </ac:spMkLst>
+        </pc:spChg>
+        <pc:spChg chg="mod">
+          <ac:chgData name="Long B Nguyen" userId="f59fb8f3-a021-417a-8bc1-65c8d471c621" providerId="ADAL" clId="{0E2AE9A0-AA60-BB4A-B160-C870111F23F3}" dt="2021-05-05T02:28:29.285" v="2493" actId="20577"/>
+          <ac:spMkLst>
+            <pc:docMk/>
+            <pc:sldMk cId="2856452792" sldId="559"/>
             <ac:spMk id="186370" creationId="{C5506108-D6E6-9641-98CC-A9DA92AF0478}"/>
           </ac:spMkLst>
         </pc:spChg>
@@ -4377,76 +4571,75 @@
         <pc:chgData name="Long B Nguyen" userId="f59fb8f3-a021-417a-8bc1-65c8d471c621" providerId="ADAL" clId="{0E2AE9A0-AA60-BB4A-B160-C870111F23F3}" dt="2021-05-06T04:39:59.717" v="5760"/>
         <pc:sldMkLst>
           <pc:docMk/>
-          <pc:sldMk cId="2716603920" sldId="554"/>
-        </pc:sldMkLst>
-        <pc:spChg chg="add del mod">
-          <ac:chgData name="Long B Nguyen" userId="f59fb8f3-a021-417a-8bc1-65c8d471c621" providerId="ADAL" clId="{0E2AE9A0-AA60-BB4A-B160-C870111F23F3}" dt="2021-05-04T22:31:56.106" v="1250"/>
-          <ac:spMkLst>
-            <pc:docMk/>
-            <pc:sldMk cId="2716603920" sldId="554"/>
-            <ac:spMk id="2" creationId="{91FACAD6-67CF-D048-A67F-38828B978B2A}"/>
-          </ac:spMkLst>
-        </pc:spChg>
+          <pc:sldMk cId="1421442645" sldId="560"/>
+        </pc:sldMkLst>
         <pc:spChg chg="add mod">
           <ac:chgData name="Long B Nguyen" userId="f59fb8f3-a021-417a-8bc1-65c8d471c621" providerId="ADAL" clId="{0E2AE9A0-AA60-BB4A-B160-C870111F23F3}" dt="2021-05-06T04:39:59.717" v="5760"/>
           <ac:spMkLst>
             <pc:docMk/>
-            <pc:sldMk cId="2716603920" sldId="554"/>
-            <ac:spMk id="2" creationId="{EAEC08EF-B495-0248-BDF8-D62158BA5FFD}"/>
-          </ac:spMkLst>
-        </pc:spChg>
-        <pc:spChg chg="mod">
-          <ac:chgData name="Long B Nguyen" userId="f59fb8f3-a021-417a-8bc1-65c8d471c621" providerId="ADAL" clId="{0E2AE9A0-AA60-BB4A-B160-C870111F23F3}" dt="2021-05-06T03:36:30.204" v="5620" actId="113"/>
-          <ac:spMkLst>
-            <pc:docMk/>
-            <pc:sldMk cId="2716603920" sldId="554"/>
+            <pc:sldMk cId="1421442645" sldId="560"/>
+            <ac:spMk id="2" creationId="{3F3777BB-3610-4B44-80AB-6B366FF42E17}"/>
+          </ac:spMkLst>
+        </pc:spChg>
+        <pc:spChg chg="add del mod">
+          <ac:chgData name="Long B Nguyen" userId="f59fb8f3-a021-417a-8bc1-65c8d471c621" providerId="ADAL" clId="{0E2AE9A0-AA60-BB4A-B160-C870111F23F3}" dt="2021-05-05T21:29:34.660" v="3553" actId="478"/>
+          <ac:spMkLst>
+            <pc:docMk/>
+            <pc:sldMk cId="1421442645" sldId="560"/>
+            <ac:spMk id="3" creationId="{AB4FE4FC-2971-B943-A976-B130B6E93B71}"/>
+          </ac:spMkLst>
+        </pc:spChg>
+        <pc:spChg chg="mod">
+          <ac:chgData name="Long B Nguyen" userId="f59fb8f3-a021-417a-8bc1-65c8d471c621" providerId="ADAL" clId="{0E2AE9A0-AA60-BB4A-B160-C870111F23F3}" dt="2021-05-06T03:42:05.881" v="5676" actId="20577"/>
+          <ac:spMkLst>
+            <pc:docMk/>
+            <pc:sldMk cId="1421442645" sldId="560"/>
             <ac:spMk id="6146" creationId="{EAA042DF-FAF2-DA4B-9FB9-A8E93FAB0389}"/>
           </ac:spMkLst>
         </pc:spChg>
-        <pc:spChg chg="mod">
-          <ac:chgData name="Long B Nguyen" userId="f59fb8f3-a021-417a-8bc1-65c8d471c621" providerId="ADAL" clId="{0E2AE9A0-AA60-BB4A-B160-C870111F23F3}" dt="2021-05-04T22:28:32.008" v="1198" actId="20577"/>
-          <ac:spMkLst>
-            <pc:docMk/>
-            <pc:sldMk cId="2716603920" sldId="554"/>
+        <pc:spChg chg="del mod">
+          <ac:chgData name="Long B Nguyen" userId="f59fb8f3-a021-417a-8bc1-65c8d471c621" providerId="ADAL" clId="{0E2AE9A0-AA60-BB4A-B160-C870111F23F3}" dt="2021-05-05T21:29:32.583" v="3552" actId="478"/>
+          <ac:spMkLst>
+            <pc:docMk/>
+            <pc:sldMk cId="1421442645" sldId="560"/>
             <ac:spMk id="186370" creationId="{C5506108-D6E6-9641-98CC-A9DA92AF0478}"/>
           </ac:spMkLst>
         </pc:spChg>
       </pc:sldChg>
-      <pc:sldChg chg="new del">
-        <pc:chgData name="Long B Nguyen" userId="f59fb8f3-a021-417a-8bc1-65c8d471c621" providerId="ADAL" clId="{0E2AE9A0-AA60-BB4A-B160-C870111F23F3}" dt="2021-05-05T22:24:48.929" v="5448" actId="2696"/>
-        <pc:sldMkLst>
-          <pc:docMk/>
-          <pc:sldMk cId="1079926079" sldId="555"/>
+      <pc:sldChg chg="del">
+        <pc:chgData name="Long B Nguyen" userId="f59fb8f3-a021-417a-8bc1-65c8d471c621" providerId="ADAL" clId="{0E2AE9A0-AA60-BB4A-B160-C870111F23F3}" dt="2021-05-04T16:19:25.283" v="16" actId="2696"/>
+        <pc:sldMkLst>
+          <pc:docMk/>
+          <pc:sldMk cId="3841479407" sldId="560"/>
+        </pc:sldMkLst>
+      </pc:sldChg>
+      <pc:sldChg chg="del">
+        <pc:chgData name="Long B Nguyen" userId="f59fb8f3-a021-417a-8bc1-65c8d471c621" providerId="ADAL" clId="{0E2AE9A0-AA60-BB4A-B160-C870111F23F3}" dt="2021-05-04T16:19:25.283" v="16" actId="2696"/>
+        <pc:sldMkLst>
+          <pc:docMk/>
+          <pc:sldMk cId="558292674" sldId="561"/>
         </pc:sldMkLst>
       </pc:sldChg>
       <pc:sldChg chg="addSp modSp add mod modAnim">
         <pc:chgData name="Long B Nguyen" userId="f59fb8f3-a021-417a-8bc1-65c8d471c621" providerId="ADAL" clId="{0E2AE9A0-AA60-BB4A-B160-C870111F23F3}" dt="2021-05-06T04:39:59.717" v="5760"/>
         <pc:sldMkLst>
           <pc:docMk/>
-          <pc:sldMk cId="63885118" sldId="556"/>
+          <pc:sldMk cId="4162457998" sldId="561"/>
         </pc:sldMkLst>
         <pc:spChg chg="add mod">
           <ac:chgData name="Long B Nguyen" userId="f59fb8f3-a021-417a-8bc1-65c8d471c621" providerId="ADAL" clId="{0E2AE9A0-AA60-BB4A-B160-C870111F23F3}" dt="2021-05-06T04:39:59.717" v="5760"/>
           <ac:spMkLst>
             <pc:docMk/>
-            <pc:sldMk cId="63885118" sldId="556"/>
-            <ac:spMk id="2" creationId="{B20B7105-DF5A-C340-AECE-D8A3C15DF162}"/>
-          </ac:spMkLst>
-        </pc:spChg>
-        <pc:spChg chg="mod">
-          <ac:chgData name="Long B Nguyen" userId="f59fb8f3-a021-417a-8bc1-65c8d471c621" providerId="ADAL" clId="{0E2AE9A0-AA60-BB4A-B160-C870111F23F3}" dt="2021-05-06T03:38:16.367" v="5660" actId="20577"/>
-          <ac:spMkLst>
-            <pc:docMk/>
-            <pc:sldMk cId="63885118" sldId="556"/>
+            <pc:sldMk cId="4162457998" sldId="561"/>
+            <ac:spMk id="2" creationId="{8FBD42D2-FB35-334B-9DC6-7C44CA59319B}"/>
+          </ac:spMkLst>
+        </pc:spChg>
+        <pc:spChg chg="mod">
+          <ac:chgData name="Long B Nguyen" userId="f59fb8f3-a021-417a-8bc1-65c8d471c621" providerId="ADAL" clId="{0E2AE9A0-AA60-BB4A-B160-C870111F23F3}" dt="2021-05-05T21:55:59.668" v="4288" actId="20577"/>
+          <ac:spMkLst>
+            <pc:docMk/>
+            <pc:sldMk cId="4162457998" sldId="561"/>
             <ac:spMk id="6146" creationId="{EAA042DF-FAF2-DA4B-9FB9-A8E93FAB0389}"/>
-          </ac:spMkLst>
-        </pc:spChg>
-        <pc:spChg chg="mod">
-          <ac:chgData name="Long B Nguyen" userId="f59fb8f3-a021-417a-8bc1-65c8d471c621" providerId="ADAL" clId="{0E2AE9A0-AA60-BB4A-B160-C870111F23F3}" dt="2021-05-05T02:21:16.279" v="2187" actId="20577"/>
-          <ac:spMkLst>
-            <pc:docMk/>
-            <pc:sldMk cId="63885118" sldId="556"/>
-            <ac:spMk id="186370" creationId="{C5506108-D6E6-9641-98CC-A9DA92AF0478}"/>
           </ac:spMkLst>
         </pc:spChg>
       </pc:sldChg>
@@ -4454,52 +4647,163 @@
         <pc:chgData name="Long B Nguyen" userId="f59fb8f3-a021-417a-8bc1-65c8d471c621" providerId="ADAL" clId="{0E2AE9A0-AA60-BB4A-B160-C870111F23F3}" dt="2021-05-04T16:19:25.283" v="16" actId="2696"/>
         <pc:sldMkLst>
           <pc:docMk/>
-          <pc:sldMk cId="1925924244" sldId="556"/>
-        </pc:sldMkLst>
-      </pc:sldChg>
-      <pc:sldChg chg="addSp modSp add mod modAnim">
+          <pc:sldMk cId="3239512120" sldId="562"/>
+        </pc:sldMkLst>
+      </pc:sldChg>
+      <pc:sldChg chg="del">
+        <pc:chgData name="Long B Nguyen" userId="f59fb8f3-a021-417a-8bc1-65c8d471c621" providerId="ADAL" clId="{0E2AE9A0-AA60-BB4A-B160-C870111F23F3}" dt="2021-05-04T16:19:25.283" v="16" actId="2696"/>
+        <pc:sldMkLst>
+          <pc:docMk/>
+          <pc:sldMk cId="62561003" sldId="564"/>
+        </pc:sldMkLst>
+      </pc:sldChg>
+      <pc:sldChg chg="del">
+        <pc:chgData name="Long B Nguyen" userId="f59fb8f3-a021-417a-8bc1-65c8d471c621" providerId="ADAL" clId="{0E2AE9A0-AA60-BB4A-B160-C870111F23F3}" dt="2021-05-04T16:19:25.283" v="16" actId="2696"/>
+        <pc:sldMkLst>
+          <pc:docMk/>
+          <pc:sldMk cId="1496186937" sldId="565"/>
+        </pc:sldMkLst>
+      </pc:sldChg>
+      <pc:sldChg chg="del">
+        <pc:chgData name="Long B Nguyen" userId="f59fb8f3-a021-417a-8bc1-65c8d471c621" providerId="ADAL" clId="{0E2AE9A0-AA60-BB4A-B160-C870111F23F3}" dt="2021-05-04T16:19:25.283" v="16" actId="2696"/>
+        <pc:sldMkLst>
+          <pc:docMk/>
+          <pc:sldMk cId="1123629102" sldId="566"/>
+        </pc:sldMkLst>
+      </pc:sldChg>
+      <pc:sldChg chg="del">
+        <pc:chgData name="Long B Nguyen" userId="f59fb8f3-a021-417a-8bc1-65c8d471c621" providerId="ADAL" clId="{0E2AE9A0-AA60-BB4A-B160-C870111F23F3}" dt="2021-05-04T16:19:25.283" v="16" actId="2696"/>
+        <pc:sldMkLst>
+          <pc:docMk/>
+          <pc:sldMk cId="3949497385" sldId="567"/>
+        </pc:sldMkLst>
+      </pc:sldChg>
+      <pc:sldChg chg="del">
+        <pc:chgData name="Long B Nguyen" userId="f59fb8f3-a021-417a-8bc1-65c8d471c621" providerId="ADAL" clId="{0E2AE9A0-AA60-BB4A-B160-C870111F23F3}" dt="2021-05-04T16:19:25.283" v="16" actId="2696"/>
+        <pc:sldMkLst>
+          <pc:docMk/>
+          <pc:sldMk cId="3008892020" sldId="569"/>
+        </pc:sldMkLst>
+      </pc:sldChg>
+      <pc:sldChg chg="del">
+        <pc:chgData name="Long B Nguyen" userId="f59fb8f3-a021-417a-8bc1-65c8d471c621" providerId="ADAL" clId="{0E2AE9A0-AA60-BB4A-B160-C870111F23F3}" dt="2021-05-04T16:19:25.283" v="16" actId="2696"/>
+        <pc:sldMkLst>
+          <pc:docMk/>
+          <pc:sldMk cId="2526255488" sldId="570"/>
+        </pc:sldMkLst>
+      </pc:sldChg>
+      <pc:sldChg chg="del">
+        <pc:chgData name="Long B Nguyen" userId="f59fb8f3-a021-417a-8bc1-65c8d471c621" providerId="ADAL" clId="{0E2AE9A0-AA60-BB4A-B160-C870111F23F3}" dt="2021-05-04T16:19:25.283" v="16" actId="2696"/>
+        <pc:sldMkLst>
+          <pc:docMk/>
+          <pc:sldMk cId="4110945301" sldId="574"/>
+        </pc:sldMkLst>
+      </pc:sldChg>
+      <pc:sldChg chg="del">
+        <pc:chgData name="Long B Nguyen" userId="f59fb8f3-a021-417a-8bc1-65c8d471c621" providerId="ADAL" clId="{0E2AE9A0-AA60-BB4A-B160-C870111F23F3}" dt="2021-05-04T16:19:25.283" v="16" actId="2696"/>
+        <pc:sldMkLst>
+          <pc:docMk/>
+          <pc:sldMk cId="2954573052" sldId="576"/>
+        </pc:sldMkLst>
+      </pc:sldChg>
+      <pc:sldChg chg="del">
+        <pc:chgData name="Long B Nguyen" userId="f59fb8f3-a021-417a-8bc1-65c8d471c621" providerId="ADAL" clId="{0E2AE9A0-AA60-BB4A-B160-C870111F23F3}" dt="2021-05-04T16:19:25.283" v="16" actId="2696"/>
+        <pc:sldMkLst>
+          <pc:docMk/>
+          <pc:sldMk cId="1547101256" sldId="577"/>
+        </pc:sldMkLst>
+      </pc:sldChg>
+      <pc:sldChg chg="del">
+        <pc:chgData name="Long B Nguyen" userId="f59fb8f3-a021-417a-8bc1-65c8d471c621" providerId="ADAL" clId="{0E2AE9A0-AA60-BB4A-B160-C870111F23F3}" dt="2021-05-04T16:19:25.283" v="16" actId="2696"/>
+        <pc:sldMkLst>
+          <pc:docMk/>
+          <pc:sldMk cId="891751900" sldId="579"/>
+        </pc:sldMkLst>
+      </pc:sldChg>
+      <pc:sldChg chg="del">
+        <pc:chgData name="Long B Nguyen" userId="f59fb8f3-a021-417a-8bc1-65c8d471c621" providerId="ADAL" clId="{0E2AE9A0-AA60-BB4A-B160-C870111F23F3}" dt="2021-05-04T16:19:25.283" v="16" actId="2696"/>
+        <pc:sldMkLst>
+          <pc:docMk/>
+          <pc:sldMk cId="2483610180" sldId="580"/>
+        </pc:sldMkLst>
+      </pc:sldChg>
+      <pc:sldChg chg="del">
+        <pc:chgData name="Long B Nguyen" userId="f59fb8f3-a021-417a-8bc1-65c8d471c621" providerId="ADAL" clId="{0E2AE9A0-AA60-BB4A-B160-C870111F23F3}" dt="2021-05-04T16:19:25.283" v="16" actId="2696"/>
+        <pc:sldMkLst>
+          <pc:docMk/>
+          <pc:sldMk cId="830544632" sldId="581"/>
+        </pc:sldMkLst>
+      </pc:sldChg>
+      <pc:sldChg chg="del">
+        <pc:chgData name="Long B Nguyen" userId="f59fb8f3-a021-417a-8bc1-65c8d471c621" providerId="ADAL" clId="{0E2AE9A0-AA60-BB4A-B160-C870111F23F3}" dt="2021-05-04T16:19:25.283" v="16" actId="2696"/>
+        <pc:sldMkLst>
+          <pc:docMk/>
+          <pc:sldMk cId="1603111093" sldId="582"/>
+        </pc:sldMkLst>
+      </pc:sldChg>
+      <pc:sldChg chg="del">
+        <pc:chgData name="Long B Nguyen" userId="f59fb8f3-a021-417a-8bc1-65c8d471c621" providerId="ADAL" clId="{0E2AE9A0-AA60-BB4A-B160-C870111F23F3}" dt="2021-05-04T16:19:25.283" v="16" actId="2696"/>
+        <pc:sldMkLst>
+          <pc:docMk/>
+          <pc:sldMk cId="788052383" sldId="583"/>
+        </pc:sldMkLst>
+      </pc:sldChg>
+      <pc:sldChg chg="del">
+        <pc:chgData name="Long B Nguyen" userId="f59fb8f3-a021-417a-8bc1-65c8d471c621" providerId="ADAL" clId="{0E2AE9A0-AA60-BB4A-B160-C870111F23F3}" dt="2021-05-04T16:19:25.283" v="16" actId="2696"/>
+        <pc:sldMkLst>
+          <pc:docMk/>
+          <pc:sldMk cId="865366439" sldId="584"/>
+        </pc:sldMkLst>
+      </pc:sldChg>
+      <pc:sldChg chg="del">
+        <pc:chgData name="Long B Nguyen" userId="f59fb8f3-a021-417a-8bc1-65c8d471c621" providerId="ADAL" clId="{0E2AE9A0-AA60-BB4A-B160-C870111F23F3}" dt="2021-05-04T16:19:25.283" v="16" actId="2696"/>
+        <pc:sldMkLst>
+          <pc:docMk/>
+          <pc:sldMk cId="1535655186" sldId="585"/>
+        </pc:sldMkLst>
+      </pc:sldChg>
+      <pc:sldChg chg="del">
+        <pc:chgData name="Long B Nguyen" userId="f59fb8f3-a021-417a-8bc1-65c8d471c621" providerId="ADAL" clId="{0E2AE9A0-AA60-BB4A-B160-C870111F23F3}" dt="2021-05-04T16:19:25.283" v="16" actId="2696"/>
+        <pc:sldMkLst>
+          <pc:docMk/>
+          <pc:sldMk cId="976775625" sldId="586"/>
+        </pc:sldMkLst>
+      </pc:sldChg>
+      <pc:sldChg chg="del">
+        <pc:chgData name="Long B Nguyen" userId="f59fb8f3-a021-417a-8bc1-65c8d471c621" providerId="ADAL" clId="{0E2AE9A0-AA60-BB4A-B160-C870111F23F3}" dt="2021-05-04T16:19:25.283" v="16" actId="2696"/>
+        <pc:sldMkLst>
+          <pc:docMk/>
+          <pc:sldMk cId="419832948" sldId="587"/>
+        </pc:sldMkLst>
+      </pc:sldChg>
+      <pc:sldChg chg="addSp modSp add mod">
         <pc:chgData name="Long B Nguyen" userId="f59fb8f3-a021-417a-8bc1-65c8d471c621" providerId="ADAL" clId="{0E2AE9A0-AA60-BB4A-B160-C870111F23F3}" dt="2021-05-06T04:39:59.717" v="5760"/>
         <pc:sldMkLst>
           <pc:docMk/>
-          <pc:sldMk cId="1296694967" sldId="557"/>
+          <pc:sldMk cId="3124746191" sldId="588"/>
         </pc:sldMkLst>
         <pc:spChg chg="add mod">
           <ac:chgData name="Long B Nguyen" userId="f59fb8f3-a021-417a-8bc1-65c8d471c621" providerId="ADAL" clId="{0E2AE9A0-AA60-BB4A-B160-C870111F23F3}" dt="2021-05-06T04:39:59.717" v="5760"/>
           <ac:spMkLst>
             <pc:docMk/>
-            <pc:sldMk cId="1296694967" sldId="557"/>
-            <ac:spMk id="2" creationId="{8E7659A5-BFDF-0941-9706-1003922E6812}"/>
-          </ac:spMkLst>
-        </pc:spChg>
-        <pc:spChg chg="mod">
-          <ac:chgData name="Long B Nguyen" userId="f59fb8f3-a021-417a-8bc1-65c8d471c621" providerId="ADAL" clId="{0E2AE9A0-AA60-BB4A-B160-C870111F23F3}" dt="2021-05-06T03:37:27.977" v="5644" actId="20577"/>
-          <ac:spMkLst>
-            <pc:docMk/>
-            <pc:sldMk cId="1296694967" sldId="557"/>
-            <ac:spMk id="6146" creationId="{EAA042DF-FAF2-DA4B-9FB9-A8E93FAB0389}"/>
-          </ac:spMkLst>
-        </pc:spChg>
-        <pc:spChg chg="mod">
-          <ac:chgData name="Long B Nguyen" userId="f59fb8f3-a021-417a-8bc1-65c8d471c621" providerId="ADAL" clId="{0E2AE9A0-AA60-BB4A-B160-C870111F23F3}" dt="2021-05-04T22:39:28.485" v="1429" actId="20577"/>
-          <ac:spMkLst>
-            <pc:docMk/>
-            <pc:sldMk cId="1296694967" sldId="557"/>
-            <ac:spMk id="186370" creationId="{C5506108-D6E6-9641-98CC-A9DA92AF0478}"/>
-          </ac:spMkLst>
-        </pc:spChg>
-      </pc:sldChg>
-      <pc:sldChg chg="modSp add del mod">
-        <pc:chgData name="Long B Nguyen" userId="f59fb8f3-a021-417a-8bc1-65c8d471c621" providerId="ADAL" clId="{0E2AE9A0-AA60-BB4A-B160-C870111F23F3}" dt="2021-05-05T21:33:32.440" v="3641" actId="2696"/>
-        <pc:sldMkLst>
-          <pc:docMk/>
-          <pc:sldMk cId="2441755984" sldId="558"/>
-        </pc:sldMkLst>
-        <pc:spChg chg="mod">
-          <ac:chgData name="Long B Nguyen" userId="f59fb8f3-a021-417a-8bc1-65c8d471c621" providerId="ADAL" clId="{0E2AE9A0-AA60-BB4A-B160-C870111F23F3}" dt="2021-05-05T02:17:38.279" v="2075" actId="20577"/>
-          <ac:spMkLst>
-            <pc:docMk/>
-            <pc:sldMk cId="2441755984" sldId="558"/>
-            <ac:spMk id="6146" creationId="{EAA042DF-FAF2-DA4B-9FB9-A8E93FAB0389}"/>
+            <pc:sldMk cId="3124746191" sldId="588"/>
+            <ac:spMk id="2" creationId="{F18D6BF9-3478-624B-A505-7A23E9DDF205}"/>
+          </ac:spMkLst>
+        </pc:spChg>
+        <pc:spChg chg="mod">
+          <ac:chgData name="Long B Nguyen" userId="f59fb8f3-a021-417a-8bc1-65c8d471c621" providerId="ADAL" clId="{0E2AE9A0-AA60-BB4A-B160-C870111F23F3}" dt="2021-05-05T21:54:01.272" v="4280" actId="20577"/>
+          <ac:spMkLst>
+            <pc:docMk/>
+            <pc:sldMk cId="3124746191" sldId="588"/>
+            <ac:spMk id="47105" creationId="{C8154E32-04E5-994F-A863-516F32A3B719}"/>
+          </ac:spMkLst>
+        </pc:spChg>
+        <pc:spChg chg="mod">
+          <ac:chgData name="Long B Nguyen" userId="f59fb8f3-a021-417a-8bc1-65c8d471c621" providerId="ADAL" clId="{0E2AE9A0-AA60-BB4A-B160-C870111F23F3}" dt="2021-05-05T21:53:58.077" v="4269" actId="20577"/>
+          <ac:spMkLst>
+            <pc:docMk/>
+            <pc:sldMk cId="3124746191" sldId="588"/>
+            <ac:spMk id="47106" creationId="{03AAE472-E2B9-5B45-9120-3BE39D1BFBEC}"/>
           </ac:spMkLst>
         </pc:spChg>
       </pc:sldChg>
@@ -4507,301 +4811,31 @@
         <pc:chgData name="Long B Nguyen" userId="f59fb8f3-a021-417a-8bc1-65c8d471c621" providerId="ADAL" clId="{0E2AE9A0-AA60-BB4A-B160-C870111F23F3}" dt="2021-05-04T16:19:25.283" v="16" actId="2696"/>
         <pc:sldMkLst>
           <pc:docMk/>
-          <pc:sldMk cId="748879865" sldId="559"/>
-        </pc:sldMkLst>
-      </pc:sldChg>
-      <pc:sldChg chg="addSp modSp add mod modAnim">
-        <pc:chgData name="Long B Nguyen" userId="f59fb8f3-a021-417a-8bc1-65c8d471c621" providerId="ADAL" clId="{0E2AE9A0-AA60-BB4A-B160-C870111F23F3}" dt="2021-05-06T04:39:59.717" v="5760"/>
-        <pc:sldMkLst>
-          <pc:docMk/>
-          <pc:sldMk cId="2856452792" sldId="559"/>
+          <pc:sldMk cId="3142613135" sldId="588"/>
+        </pc:sldMkLst>
+      </pc:sldChg>
+      <pc:sldChg chg="addSp delSp modSp add mod modAnim">
+        <pc:chgData name="Long B Nguyen" userId="f59fb8f3-a021-417a-8bc1-65c8d471c621" providerId="ADAL" clId="{0E2AE9A0-AA60-BB4A-B160-C870111F23F3}" dt="2021-05-07T11:55:40.426" v="6390"/>
+        <pc:sldMkLst>
+          <pc:docMk/>
+          <pc:sldMk cId="2267031669" sldId="589"/>
         </pc:sldMkLst>
         <pc:spChg chg="add mod">
           <ac:chgData name="Long B Nguyen" userId="f59fb8f3-a021-417a-8bc1-65c8d471c621" providerId="ADAL" clId="{0E2AE9A0-AA60-BB4A-B160-C870111F23F3}" dt="2021-05-06T04:39:59.717" v="5760"/>
           <ac:spMkLst>
             <pc:docMk/>
-            <pc:sldMk cId="2856452792" sldId="559"/>
-            <ac:spMk id="2" creationId="{9C3CA69A-9F9B-CC4B-BBCA-6F6F89332FC4}"/>
-          </ac:spMkLst>
-        </pc:spChg>
-        <pc:spChg chg="mod">
-          <ac:chgData name="Long B Nguyen" userId="f59fb8f3-a021-417a-8bc1-65c8d471c621" providerId="ADAL" clId="{0E2AE9A0-AA60-BB4A-B160-C870111F23F3}" dt="2021-05-06T03:39:23.431" v="5671" actId="20577"/>
-          <ac:spMkLst>
-            <pc:docMk/>
-            <pc:sldMk cId="2856452792" sldId="559"/>
-            <ac:spMk id="6146" creationId="{EAA042DF-FAF2-DA4B-9FB9-A8E93FAB0389}"/>
-          </ac:spMkLst>
-        </pc:spChg>
-        <pc:spChg chg="mod">
-          <ac:chgData name="Long B Nguyen" userId="f59fb8f3-a021-417a-8bc1-65c8d471c621" providerId="ADAL" clId="{0E2AE9A0-AA60-BB4A-B160-C870111F23F3}" dt="2021-05-05T02:28:29.285" v="2493" actId="20577"/>
-          <ac:spMkLst>
-            <pc:docMk/>
-            <pc:sldMk cId="2856452792" sldId="559"/>
-            <ac:spMk id="186370" creationId="{C5506108-D6E6-9641-98CC-A9DA92AF0478}"/>
-          </ac:spMkLst>
-        </pc:spChg>
-      </pc:sldChg>
-      <pc:sldChg chg="addSp delSp modSp add mod modAnim">
-        <pc:chgData name="Long B Nguyen" userId="f59fb8f3-a021-417a-8bc1-65c8d471c621" providerId="ADAL" clId="{0E2AE9A0-AA60-BB4A-B160-C870111F23F3}" dt="2021-05-06T04:39:59.717" v="5760"/>
-        <pc:sldMkLst>
-          <pc:docMk/>
-          <pc:sldMk cId="1421442645" sldId="560"/>
-        </pc:sldMkLst>
-        <pc:spChg chg="add mod">
-          <ac:chgData name="Long B Nguyen" userId="f59fb8f3-a021-417a-8bc1-65c8d471c621" providerId="ADAL" clId="{0E2AE9A0-AA60-BB4A-B160-C870111F23F3}" dt="2021-05-06T04:39:59.717" v="5760"/>
-          <ac:spMkLst>
-            <pc:docMk/>
-            <pc:sldMk cId="1421442645" sldId="560"/>
-            <ac:spMk id="2" creationId="{3F3777BB-3610-4B44-80AB-6B366FF42E17}"/>
-          </ac:spMkLst>
-        </pc:spChg>
-        <pc:spChg chg="add del mod">
-          <ac:chgData name="Long B Nguyen" userId="f59fb8f3-a021-417a-8bc1-65c8d471c621" providerId="ADAL" clId="{0E2AE9A0-AA60-BB4A-B160-C870111F23F3}" dt="2021-05-05T21:29:34.660" v="3553" actId="478"/>
-          <ac:spMkLst>
-            <pc:docMk/>
-            <pc:sldMk cId="1421442645" sldId="560"/>
-            <ac:spMk id="3" creationId="{AB4FE4FC-2971-B943-A976-B130B6E93B71}"/>
-          </ac:spMkLst>
-        </pc:spChg>
-        <pc:spChg chg="mod">
-          <ac:chgData name="Long B Nguyen" userId="f59fb8f3-a021-417a-8bc1-65c8d471c621" providerId="ADAL" clId="{0E2AE9A0-AA60-BB4A-B160-C870111F23F3}" dt="2021-05-06T03:42:05.881" v="5676" actId="20577"/>
-          <ac:spMkLst>
-            <pc:docMk/>
-            <pc:sldMk cId="1421442645" sldId="560"/>
-            <ac:spMk id="6146" creationId="{EAA042DF-FAF2-DA4B-9FB9-A8E93FAB0389}"/>
-          </ac:spMkLst>
-        </pc:spChg>
-        <pc:spChg chg="del mod">
-          <ac:chgData name="Long B Nguyen" userId="f59fb8f3-a021-417a-8bc1-65c8d471c621" providerId="ADAL" clId="{0E2AE9A0-AA60-BB4A-B160-C870111F23F3}" dt="2021-05-05T21:29:32.583" v="3552" actId="478"/>
-          <ac:spMkLst>
-            <pc:docMk/>
-            <pc:sldMk cId="1421442645" sldId="560"/>
-            <ac:spMk id="186370" creationId="{C5506108-D6E6-9641-98CC-A9DA92AF0478}"/>
-          </ac:spMkLst>
-        </pc:spChg>
-      </pc:sldChg>
-      <pc:sldChg chg="del">
-        <pc:chgData name="Long B Nguyen" userId="f59fb8f3-a021-417a-8bc1-65c8d471c621" providerId="ADAL" clId="{0E2AE9A0-AA60-BB4A-B160-C870111F23F3}" dt="2021-05-04T16:19:25.283" v="16" actId="2696"/>
-        <pc:sldMkLst>
-          <pc:docMk/>
-          <pc:sldMk cId="3841479407" sldId="560"/>
-        </pc:sldMkLst>
-      </pc:sldChg>
-      <pc:sldChg chg="del">
-        <pc:chgData name="Long B Nguyen" userId="f59fb8f3-a021-417a-8bc1-65c8d471c621" providerId="ADAL" clId="{0E2AE9A0-AA60-BB4A-B160-C870111F23F3}" dt="2021-05-04T16:19:25.283" v="16" actId="2696"/>
-        <pc:sldMkLst>
-          <pc:docMk/>
-          <pc:sldMk cId="558292674" sldId="561"/>
-        </pc:sldMkLst>
-      </pc:sldChg>
-      <pc:sldChg chg="addSp modSp add mod modAnim">
-        <pc:chgData name="Long B Nguyen" userId="f59fb8f3-a021-417a-8bc1-65c8d471c621" providerId="ADAL" clId="{0E2AE9A0-AA60-BB4A-B160-C870111F23F3}" dt="2021-05-06T04:39:59.717" v="5760"/>
-        <pc:sldMkLst>
-          <pc:docMk/>
-          <pc:sldMk cId="4162457998" sldId="561"/>
-        </pc:sldMkLst>
-        <pc:spChg chg="add mod">
-          <ac:chgData name="Long B Nguyen" userId="f59fb8f3-a021-417a-8bc1-65c8d471c621" providerId="ADAL" clId="{0E2AE9A0-AA60-BB4A-B160-C870111F23F3}" dt="2021-05-06T04:39:59.717" v="5760"/>
-          <ac:spMkLst>
-            <pc:docMk/>
-            <pc:sldMk cId="4162457998" sldId="561"/>
-            <ac:spMk id="2" creationId="{8FBD42D2-FB35-334B-9DC6-7C44CA59319B}"/>
-          </ac:spMkLst>
-        </pc:spChg>
-        <pc:spChg chg="mod">
-          <ac:chgData name="Long B Nguyen" userId="f59fb8f3-a021-417a-8bc1-65c8d471c621" providerId="ADAL" clId="{0E2AE9A0-AA60-BB4A-B160-C870111F23F3}" dt="2021-05-05T21:55:59.668" v="4288" actId="20577"/>
-          <ac:spMkLst>
-            <pc:docMk/>
-            <pc:sldMk cId="4162457998" sldId="561"/>
-            <ac:spMk id="6146" creationId="{EAA042DF-FAF2-DA4B-9FB9-A8E93FAB0389}"/>
-          </ac:spMkLst>
-        </pc:spChg>
-      </pc:sldChg>
-      <pc:sldChg chg="del">
-        <pc:chgData name="Long B Nguyen" userId="f59fb8f3-a021-417a-8bc1-65c8d471c621" providerId="ADAL" clId="{0E2AE9A0-AA60-BB4A-B160-C870111F23F3}" dt="2021-05-04T16:19:25.283" v="16" actId="2696"/>
-        <pc:sldMkLst>
-          <pc:docMk/>
-          <pc:sldMk cId="3239512120" sldId="562"/>
-        </pc:sldMkLst>
-      </pc:sldChg>
-      <pc:sldChg chg="del">
-        <pc:chgData name="Long B Nguyen" userId="f59fb8f3-a021-417a-8bc1-65c8d471c621" providerId="ADAL" clId="{0E2AE9A0-AA60-BB4A-B160-C870111F23F3}" dt="2021-05-04T16:19:25.283" v="16" actId="2696"/>
-        <pc:sldMkLst>
-          <pc:docMk/>
-          <pc:sldMk cId="62561003" sldId="564"/>
-        </pc:sldMkLst>
-      </pc:sldChg>
-      <pc:sldChg chg="del">
-        <pc:chgData name="Long B Nguyen" userId="f59fb8f3-a021-417a-8bc1-65c8d471c621" providerId="ADAL" clId="{0E2AE9A0-AA60-BB4A-B160-C870111F23F3}" dt="2021-05-04T16:19:25.283" v="16" actId="2696"/>
-        <pc:sldMkLst>
-          <pc:docMk/>
-          <pc:sldMk cId="1496186937" sldId="565"/>
-        </pc:sldMkLst>
-      </pc:sldChg>
-      <pc:sldChg chg="del">
-        <pc:chgData name="Long B Nguyen" userId="f59fb8f3-a021-417a-8bc1-65c8d471c621" providerId="ADAL" clId="{0E2AE9A0-AA60-BB4A-B160-C870111F23F3}" dt="2021-05-04T16:19:25.283" v="16" actId="2696"/>
-        <pc:sldMkLst>
-          <pc:docMk/>
-          <pc:sldMk cId="1123629102" sldId="566"/>
-        </pc:sldMkLst>
-      </pc:sldChg>
-      <pc:sldChg chg="del">
-        <pc:chgData name="Long B Nguyen" userId="f59fb8f3-a021-417a-8bc1-65c8d471c621" providerId="ADAL" clId="{0E2AE9A0-AA60-BB4A-B160-C870111F23F3}" dt="2021-05-04T16:19:25.283" v="16" actId="2696"/>
-        <pc:sldMkLst>
-          <pc:docMk/>
-          <pc:sldMk cId="3949497385" sldId="567"/>
-        </pc:sldMkLst>
-      </pc:sldChg>
-      <pc:sldChg chg="del">
-        <pc:chgData name="Long B Nguyen" userId="f59fb8f3-a021-417a-8bc1-65c8d471c621" providerId="ADAL" clId="{0E2AE9A0-AA60-BB4A-B160-C870111F23F3}" dt="2021-05-04T16:19:25.283" v="16" actId="2696"/>
-        <pc:sldMkLst>
-          <pc:docMk/>
-          <pc:sldMk cId="3008892020" sldId="569"/>
-        </pc:sldMkLst>
-      </pc:sldChg>
-      <pc:sldChg chg="del">
-        <pc:chgData name="Long B Nguyen" userId="f59fb8f3-a021-417a-8bc1-65c8d471c621" providerId="ADAL" clId="{0E2AE9A0-AA60-BB4A-B160-C870111F23F3}" dt="2021-05-04T16:19:25.283" v="16" actId="2696"/>
-        <pc:sldMkLst>
-          <pc:docMk/>
-          <pc:sldMk cId="2526255488" sldId="570"/>
-        </pc:sldMkLst>
-      </pc:sldChg>
-      <pc:sldChg chg="del">
-        <pc:chgData name="Long B Nguyen" userId="f59fb8f3-a021-417a-8bc1-65c8d471c621" providerId="ADAL" clId="{0E2AE9A0-AA60-BB4A-B160-C870111F23F3}" dt="2021-05-04T16:19:25.283" v="16" actId="2696"/>
-        <pc:sldMkLst>
-          <pc:docMk/>
-          <pc:sldMk cId="4110945301" sldId="574"/>
-        </pc:sldMkLst>
-      </pc:sldChg>
-      <pc:sldChg chg="del">
-        <pc:chgData name="Long B Nguyen" userId="f59fb8f3-a021-417a-8bc1-65c8d471c621" providerId="ADAL" clId="{0E2AE9A0-AA60-BB4A-B160-C870111F23F3}" dt="2021-05-04T16:19:25.283" v="16" actId="2696"/>
-        <pc:sldMkLst>
-          <pc:docMk/>
-          <pc:sldMk cId="2954573052" sldId="576"/>
-        </pc:sldMkLst>
-      </pc:sldChg>
-      <pc:sldChg chg="del">
-        <pc:chgData name="Long B Nguyen" userId="f59fb8f3-a021-417a-8bc1-65c8d471c621" providerId="ADAL" clId="{0E2AE9A0-AA60-BB4A-B160-C870111F23F3}" dt="2021-05-04T16:19:25.283" v="16" actId="2696"/>
-        <pc:sldMkLst>
-          <pc:docMk/>
-          <pc:sldMk cId="1547101256" sldId="577"/>
-        </pc:sldMkLst>
-      </pc:sldChg>
-      <pc:sldChg chg="del">
-        <pc:chgData name="Long B Nguyen" userId="f59fb8f3-a021-417a-8bc1-65c8d471c621" providerId="ADAL" clId="{0E2AE9A0-AA60-BB4A-B160-C870111F23F3}" dt="2021-05-04T16:19:25.283" v="16" actId="2696"/>
-        <pc:sldMkLst>
-          <pc:docMk/>
-          <pc:sldMk cId="891751900" sldId="579"/>
-        </pc:sldMkLst>
-      </pc:sldChg>
-      <pc:sldChg chg="del">
-        <pc:chgData name="Long B Nguyen" userId="f59fb8f3-a021-417a-8bc1-65c8d471c621" providerId="ADAL" clId="{0E2AE9A0-AA60-BB4A-B160-C870111F23F3}" dt="2021-05-04T16:19:25.283" v="16" actId="2696"/>
-        <pc:sldMkLst>
-          <pc:docMk/>
-          <pc:sldMk cId="2483610180" sldId="580"/>
-        </pc:sldMkLst>
-      </pc:sldChg>
-      <pc:sldChg chg="del">
-        <pc:chgData name="Long B Nguyen" userId="f59fb8f3-a021-417a-8bc1-65c8d471c621" providerId="ADAL" clId="{0E2AE9A0-AA60-BB4A-B160-C870111F23F3}" dt="2021-05-04T16:19:25.283" v="16" actId="2696"/>
-        <pc:sldMkLst>
-          <pc:docMk/>
-          <pc:sldMk cId="830544632" sldId="581"/>
-        </pc:sldMkLst>
-      </pc:sldChg>
-      <pc:sldChg chg="del">
-        <pc:chgData name="Long B Nguyen" userId="f59fb8f3-a021-417a-8bc1-65c8d471c621" providerId="ADAL" clId="{0E2AE9A0-AA60-BB4A-B160-C870111F23F3}" dt="2021-05-04T16:19:25.283" v="16" actId="2696"/>
-        <pc:sldMkLst>
-          <pc:docMk/>
-          <pc:sldMk cId="1603111093" sldId="582"/>
-        </pc:sldMkLst>
-      </pc:sldChg>
-      <pc:sldChg chg="del">
-        <pc:chgData name="Long B Nguyen" userId="f59fb8f3-a021-417a-8bc1-65c8d471c621" providerId="ADAL" clId="{0E2AE9A0-AA60-BB4A-B160-C870111F23F3}" dt="2021-05-04T16:19:25.283" v="16" actId="2696"/>
-        <pc:sldMkLst>
-          <pc:docMk/>
-          <pc:sldMk cId="788052383" sldId="583"/>
-        </pc:sldMkLst>
-      </pc:sldChg>
-      <pc:sldChg chg="del">
-        <pc:chgData name="Long B Nguyen" userId="f59fb8f3-a021-417a-8bc1-65c8d471c621" providerId="ADAL" clId="{0E2AE9A0-AA60-BB4A-B160-C870111F23F3}" dt="2021-05-04T16:19:25.283" v="16" actId="2696"/>
-        <pc:sldMkLst>
-          <pc:docMk/>
-          <pc:sldMk cId="865366439" sldId="584"/>
-        </pc:sldMkLst>
-      </pc:sldChg>
-      <pc:sldChg chg="del">
-        <pc:chgData name="Long B Nguyen" userId="f59fb8f3-a021-417a-8bc1-65c8d471c621" providerId="ADAL" clId="{0E2AE9A0-AA60-BB4A-B160-C870111F23F3}" dt="2021-05-04T16:19:25.283" v="16" actId="2696"/>
-        <pc:sldMkLst>
-          <pc:docMk/>
-          <pc:sldMk cId="1535655186" sldId="585"/>
-        </pc:sldMkLst>
-      </pc:sldChg>
-      <pc:sldChg chg="del">
-        <pc:chgData name="Long B Nguyen" userId="f59fb8f3-a021-417a-8bc1-65c8d471c621" providerId="ADAL" clId="{0E2AE9A0-AA60-BB4A-B160-C870111F23F3}" dt="2021-05-04T16:19:25.283" v="16" actId="2696"/>
-        <pc:sldMkLst>
-          <pc:docMk/>
-          <pc:sldMk cId="976775625" sldId="586"/>
-        </pc:sldMkLst>
-      </pc:sldChg>
-      <pc:sldChg chg="del">
-        <pc:chgData name="Long B Nguyen" userId="f59fb8f3-a021-417a-8bc1-65c8d471c621" providerId="ADAL" clId="{0E2AE9A0-AA60-BB4A-B160-C870111F23F3}" dt="2021-05-04T16:19:25.283" v="16" actId="2696"/>
-        <pc:sldMkLst>
-          <pc:docMk/>
-          <pc:sldMk cId="419832948" sldId="587"/>
-        </pc:sldMkLst>
-      </pc:sldChg>
-      <pc:sldChg chg="addSp modSp add mod">
-        <pc:chgData name="Long B Nguyen" userId="f59fb8f3-a021-417a-8bc1-65c8d471c621" providerId="ADAL" clId="{0E2AE9A0-AA60-BB4A-B160-C870111F23F3}" dt="2021-05-06T04:39:59.717" v="5760"/>
-        <pc:sldMkLst>
-          <pc:docMk/>
-          <pc:sldMk cId="3124746191" sldId="588"/>
-        </pc:sldMkLst>
-        <pc:spChg chg="add mod">
-          <ac:chgData name="Long B Nguyen" userId="f59fb8f3-a021-417a-8bc1-65c8d471c621" providerId="ADAL" clId="{0E2AE9A0-AA60-BB4A-B160-C870111F23F3}" dt="2021-05-06T04:39:59.717" v="5760"/>
-          <ac:spMkLst>
-            <pc:docMk/>
-            <pc:sldMk cId="3124746191" sldId="588"/>
-            <ac:spMk id="2" creationId="{F18D6BF9-3478-624B-A505-7A23E9DDF205}"/>
-          </ac:spMkLst>
-        </pc:spChg>
-        <pc:spChg chg="mod">
-          <ac:chgData name="Long B Nguyen" userId="f59fb8f3-a021-417a-8bc1-65c8d471c621" providerId="ADAL" clId="{0E2AE9A0-AA60-BB4A-B160-C870111F23F3}" dt="2021-05-05T21:54:01.272" v="4280" actId="20577"/>
-          <ac:spMkLst>
-            <pc:docMk/>
-            <pc:sldMk cId="3124746191" sldId="588"/>
-            <ac:spMk id="47105" creationId="{C8154E32-04E5-994F-A863-516F32A3B719}"/>
-          </ac:spMkLst>
-        </pc:spChg>
-        <pc:spChg chg="mod">
-          <ac:chgData name="Long B Nguyen" userId="f59fb8f3-a021-417a-8bc1-65c8d471c621" providerId="ADAL" clId="{0E2AE9A0-AA60-BB4A-B160-C870111F23F3}" dt="2021-05-05T21:53:58.077" v="4269" actId="20577"/>
-          <ac:spMkLst>
-            <pc:docMk/>
-            <pc:sldMk cId="3124746191" sldId="588"/>
-            <ac:spMk id="47106" creationId="{03AAE472-E2B9-5B45-9120-3BE39D1BFBEC}"/>
-          </ac:spMkLst>
-        </pc:spChg>
-      </pc:sldChg>
-      <pc:sldChg chg="del">
-        <pc:chgData name="Long B Nguyen" userId="f59fb8f3-a021-417a-8bc1-65c8d471c621" providerId="ADAL" clId="{0E2AE9A0-AA60-BB4A-B160-C870111F23F3}" dt="2021-05-04T16:19:25.283" v="16" actId="2696"/>
-        <pc:sldMkLst>
-          <pc:docMk/>
-          <pc:sldMk cId="3142613135" sldId="588"/>
-        </pc:sldMkLst>
-      </pc:sldChg>
-      <pc:sldChg chg="addSp delSp modSp add mod">
-        <pc:chgData name="Long B Nguyen" userId="f59fb8f3-a021-417a-8bc1-65c8d471c621" providerId="ADAL" clId="{0E2AE9A0-AA60-BB4A-B160-C870111F23F3}" dt="2021-05-06T04:39:59.717" v="5760"/>
-        <pc:sldMkLst>
-          <pc:docMk/>
-          <pc:sldMk cId="2267031669" sldId="589"/>
-        </pc:sldMkLst>
-        <pc:spChg chg="add mod">
-          <ac:chgData name="Long B Nguyen" userId="f59fb8f3-a021-417a-8bc1-65c8d471c621" providerId="ADAL" clId="{0E2AE9A0-AA60-BB4A-B160-C870111F23F3}" dt="2021-05-06T04:39:59.717" v="5760"/>
-          <ac:spMkLst>
-            <pc:docMk/>
             <pc:sldMk cId="2267031669" sldId="589"/>
             <ac:spMk id="2" creationId="{AAE5DC38-A514-8846-BB0C-2845CB131A8A}"/>
           </ac:spMkLst>
         </pc:spChg>
+        <pc:spChg chg="add mod">
+          <ac:chgData name="Long B Nguyen" userId="f59fb8f3-a021-417a-8bc1-65c8d471c621" providerId="ADAL" clId="{0E2AE9A0-AA60-BB4A-B160-C870111F23F3}" dt="2021-05-07T11:55:30.477" v="6389" actId="1076"/>
+          <ac:spMkLst>
+            <pc:docMk/>
+            <pc:sldMk cId="2267031669" sldId="589"/>
+            <ac:spMk id="3" creationId="{157C9F1F-BE23-5541-957D-6CB6CA2E8125}"/>
+          </ac:spMkLst>
+        </pc:spChg>
         <pc:spChg chg="mod">
           <ac:chgData name="Long B Nguyen" userId="f59fb8f3-a021-417a-8bc1-65c8d471c621" providerId="ADAL" clId="{0E2AE9A0-AA60-BB4A-B160-C870111F23F3}" dt="2021-05-05T21:54:08.346" v="4282" actId="1076"/>
           <ac:spMkLst>
@@ -4819,7 +4853,7 @@
           </ac:spMkLst>
         </pc:spChg>
         <pc:picChg chg="mod">
-          <ac:chgData name="Long B Nguyen" userId="f59fb8f3-a021-417a-8bc1-65c8d471c621" providerId="ADAL" clId="{0E2AE9A0-AA60-BB4A-B160-C870111F23F3}" dt="2021-05-05T21:54:22.517" v="4287" actId="1076"/>
+          <ac:chgData name="Long B Nguyen" userId="f59fb8f3-a021-417a-8bc1-65c8d471c621" providerId="ADAL" clId="{0E2AE9A0-AA60-BB4A-B160-C870111F23F3}" dt="2021-05-07T11:55:19.867" v="6385" actId="1076"/>
           <ac:picMkLst>
             <pc:docMk/>
             <pc:sldMk cId="2267031669" sldId="589"/>
@@ -4894,7 +4928,7 @@
         </pc:spChg>
       </pc:sldChg>
       <pc:sldChg chg="addSp modSp add mod modAnim">
-        <pc:chgData name="Long B Nguyen" userId="f59fb8f3-a021-417a-8bc1-65c8d471c621" providerId="ADAL" clId="{0E2AE9A0-AA60-BB4A-B160-C870111F23F3}" dt="2021-05-06T04:39:59.717" v="5760"/>
+        <pc:chgData name="Long B Nguyen" userId="f59fb8f3-a021-417a-8bc1-65c8d471c621" providerId="ADAL" clId="{0E2AE9A0-AA60-BB4A-B160-C870111F23F3}" dt="2021-05-06T16:55:40.477" v="5821" actId="255"/>
         <pc:sldMkLst>
           <pc:docMk/>
           <pc:sldMk cId="3182606397" sldId="600"/>
@@ -4908,7 +4942,7 @@
           </ac:spMkLst>
         </pc:spChg>
         <pc:spChg chg="mod">
-          <ac:chgData name="Long B Nguyen" userId="f59fb8f3-a021-417a-8bc1-65c8d471c621" providerId="ADAL" clId="{0E2AE9A0-AA60-BB4A-B160-C870111F23F3}" dt="2021-05-05T21:52:31.879" v="4214" actId="2711"/>
+          <ac:chgData name="Long B Nguyen" userId="f59fb8f3-a021-417a-8bc1-65c8d471c621" providerId="ADAL" clId="{0E2AE9A0-AA60-BB4A-B160-C870111F23F3}" dt="2021-05-06T16:55:40.477" v="5821" actId="255"/>
           <ac:spMkLst>
             <pc:docMk/>
             <pc:sldMk cId="3182606397" sldId="600"/>
@@ -4925,7 +4959,7 @@
         </pc:spChg>
       </pc:sldChg>
       <pc:sldChg chg="addSp modSp add mod">
-        <pc:chgData name="Long B Nguyen" userId="f59fb8f3-a021-417a-8bc1-65c8d471c621" providerId="ADAL" clId="{0E2AE9A0-AA60-BB4A-B160-C870111F23F3}" dt="2021-05-06T04:39:59.717" v="5760"/>
+        <pc:chgData name="Long B Nguyen" userId="f59fb8f3-a021-417a-8bc1-65c8d471c621" providerId="ADAL" clId="{0E2AE9A0-AA60-BB4A-B160-C870111F23F3}" dt="2021-05-07T11:53:49.995" v="6218" actId="20577"/>
         <pc:sldMkLst>
           <pc:docMk/>
           <pc:sldMk cId="1311847592" sldId="601"/>
@@ -4939,7 +4973,7 @@
           </ac:spMkLst>
         </pc:spChg>
         <pc:spChg chg="mod">
-          <ac:chgData name="Long B Nguyen" userId="f59fb8f3-a021-417a-8bc1-65c8d471c621" providerId="ADAL" clId="{0E2AE9A0-AA60-BB4A-B160-C870111F23F3}" dt="2021-05-05T21:53:40.961" v="4265" actId="20577"/>
+          <ac:chgData name="Long B Nguyen" userId="f59fb8f3-a021-417a-8bc1-65c8d471c621" providerId="ADAL" clId="{0E2AE9A0-AA60-BB4A-B160-C870111F23F3}" dt="2021-05-07T11:53:49.995" v="6218" actId="20577"/>
           <ac:spMkLst>
             <pc:docMk/>
             <pc:sldMk cId="1311847592" sldId="601"/>
@@ -5260,6 +5294,91 @@
             <ac:spMk id="3" creationId="{68EE4754-4E64-0E43-8081-45CEF8E72EE2}"/>
           </ac:spMkLst>
         </pc:spChg>
+      </pc:sldChg>
+      <pc:sldChg chg="modSp add mod modAnim">
+        <pc:chgData name="Long B Nguyen" userId="f59fb8f3-a021-417a-8bc1-65c8d471c621" providerId="ADAL" clId="{0E2AE9A0-AA60-BB4A-B160-C870111F23F3}" dt="2021-05-07T11:57:04.458" v="6446" actId="20577"/>
+        <pc:sldMkLst>
+          <pc:docMk/>
+          <pc:sldMk cId="328759724" sldId="619"/>
+        </pc:sldMkLst>
+        <pc:spChg chg="mod">
+          <ac:chgData name="Long B Nguyen" userId="f59fb8f3-a021-417a-8bc1-65c8d471c621" providerId="ADAL" clId="{0E2AE9A0-AA60-BB4A-B160-C870111F23F3}" dt="2021-05-07T11:57:04.458" v="6446" actId="20577"/>
+          <ac:spMkLst>
+            <pc:docMk/>
+            <pc:sldMk cId="328759724" sldId="619"/>
+            <ac:spMk id="6146" creationId="{EAA042DF-FAF2-DA4B-9FB9-A8E93FAB0389}"/>
+          </ac:spMkLst>
+        </pc:spChg>
+        <pc:spChg chg="mod">
+          <ac:chgData name="Long B Nguyen" userId="f59fb8f3-a021-417a-8bc1-65c8d471c621" providerId="ADAL" clId="{0E2AE9A0-AA60-BB4A-B160-C870111F23F3}" dt="2021-05-07T11:57:01.423" v="6445" actId="20577"/>
+          <ac:spMkLst>
+            <pc:docMk/>
+            <pc:sldMk cId="328759724" sldId="619"/>
+            <ac:spMk id="186370" creationId="{C5506108-D6E6-9641-98CC-A9DA92AF0478}"/>
+          </ac:spMkLst>
+        </pc:spChg>
+      </pc:sldChg>
+      <pc:sldChg chg="modSp add mod modAnim">
+        <pc:chgData name="Long B Nguyen" userId="f59fb8f3-a021-417a-8bc1-65c8d471c621" providerId="ADAL" clId="{0E2AE9A0-AA60-BB4A-B160-C870111F23F3}" dt="2021-05-07T12:02:33.220" v="6553"/>
+        <pc:sldMkLst>
+          <pc:docMk/>
+          <pc:sldMk cId="2497825085" sldId="620"/>
+        </pc:sldMkLst>
+        <pc:spChg chg="mod">
+          <ac:chgData name="Long B Nguyen" userId="f59fb8f3-a021-417a-8bc1-65c8d471c621" providerId="ADAL" clId="{0E2AE9A0-AA60-BB4A-B160-C870111F23F3}" dt="2021-05-07T12:02:17.851" v="6550" actId="20577"/>
+          <ac:spMkLst>
+            <pc:docMk/>
+            <pc:sldMk cId="2497825085" sldId="620"/>
+            <ac:spMk id="6146" creationId="{EAA042DF-FAF2-DA4B-9FB9-A8E93FAB0389}"/>
+          </ac:spMkLst>
+        </pc:spChg>
+        <pc:cxnChg chg="mod">
+          <ac:chgData name="Long B Nguyen" userId="f59fb8f3-a021-417a-8bc1-65c8d471c621" providerId="ADAL" clId="{0E2AE9A0-AA60-BB4A-B160-C870111F23F3}" dt="2021-05-07T12:01:52.225" v="6547" actId="14100"/>
+          <ac:cxnSpMkLst>
+            <pc:docMk/>
+            <pc:sldMk cId="2497825085" sldId="620"/>
+            <ac:cxnSpMk id="4" creationId="{6F7FAA95-1CB1-6246-9247-83FDFD7281C5}"/>
+          </ac:cxnSpMkLst>
+        </pc:cxnChg>
+        <pc:cxnChg chg="mod">
+          <ac:chgData name="Long B Nguyen" userId="f59fb8f3-a021-417a-8bc1-65c8d471c621" providerId="ADAL" clId="{0E2AE9A0-AA60-BB4A-B160-C870111F23F3}" dt="2021-05-07T12:01:58.428" v="6549" actId="14100"/>
+          <ac:cxnSpMkLst>
+            <pc:docMk/>
+            <pc:sldMk cId="2497825085" sldId="620"/>
+            <ac:cxnSpMk id="9" creationId="{696833A3-9446-104B-8B36-CF472B191E13}"/>
+          </ac:cxnSpMkLst>
+        </pc:cxnChg>
+      </pc:sldChg>
+      <pc:sldChg chg="modSp add mod modAnim">
+        <pc:chgData name="Long B Nguyen" userId="f59fb8f3-a021-417a-8bc1-65c8d471c621" providerId="ADAL" clId="{0E2AE9A0-AA60-BB4A-B160-C870111F23F3}" dt="2021-05-07T12:04:21.599" v="6571" actId="14100"/>
+        <pc:sldMkLst>
+          <pc:docMk/>
+          <pc:sldMk cId="5411246" sldId="621"/>
+        </pc:sldMkLst>
+        <pc:spChg chg="mod">
+          <ac:chgData name="Long B Nguyen" userId="f59fb8f3-a021-417a-8bc1-65c8d471c621" providerId="ADAL" clId="{0E2AE9A0-AA60-BB4A-B160-C870111F23F3}" dt="2021-05-07T12:03:10.838" v="6563" actId="20577"/>
+          <ac:spMkLst>
+            <pc:docMk/>
+            <pc:sldMk cId="5411246" sldId="621"/>
+            <ac:spMk id="6146" creationId="{EAA042DF-FAF2-DA4B-9FB9-A8E93FAB0389}"/>
+          </ac:spMkLst>
+        </pc:spChg>
+        <pc:cxnChg chg="mod">
+          <ac:chgData name="Long B Nguyen" userId="f59fb8f3-a021-417a-8bc1-65c8d471c621" providerId="ADAL" clId="{0E2AE9A0-AA60-BB4A-B160-C870111F23F3}" dt="2021-05-07T12:04:21.599" v="6571" actId="14100"/>
+          <ac:cxnSpMkLst>
+            <pc:docMk/>
+            <pc:sldMk cId="5411246" sldId="621"/>
+            <ac:cxnSpMk id="4" creationId="{6F7FAA95-1CB1-6246-9247-83FDFD7281C5}"/>
+          </ac:cxnSpMkLst>
+        </pc:cxnChg>
+        <pc:cxnChg chg="mod">
+          <ac:chgData name="Long B Nguyen" userId="f59fb8f3-a021-417a-8bc1-65c8d471c621" providerId="ADAL" clId="{0E2AE9A0-AA60-BB4A-B160-C870111F23F3}" dt="2021-05-07T12:04:09.723" v="6568" actId="14100"/>
+          <ac:cxnSpMkLst>
+            <pc:docMk/>
+            <pc:sldMk cId="5411246" sldId="621"/>
+            <ac:cxnSpMk id="9" creationId="{696833A3-9446-104B-8B36-CF472B191E13}"/>
+          </ac:cxnSpMkLst>
+        </pc:cxnChg>
       </pc:sldChg>
     </pc:docChg>
   </pc:docChgLst>
@@ -6754,7 +6873,7 @@
           <a:p>
             <a:fld id="{6EDD99D2-A624-5E4F-A4E3-584054837B5A}" type="datetimeFigureOut">
               <a:rPr lang="en-US" smtClean="0"/>
-              <a:t>5/5/21</a:t>
+              <a:t>5/7/21</a:t>
             </a:fld>
             <a:endParaRPr lang="en-US"/>
           </a:p>
@@ -7189,7 +7308,7 @@
             <a:fld id="{5D14BB6E-FC96-344A-B4E0-27895B327A35}" type="slidenum">
               <a:rPr lang="en-US" altLang="en-US"/>
               <a:pPr/>
-              <a:t>17</a:t>
+              <a:t>20</a:t>
             </a:fld>
             <a:endParaRPr lang="en-US" altLang="en-US"/>
           </a:p>
@@ -7486,7 +7605,7 @@
             <a:fld id="{5D14BB6E-FC96-344A-B4E0-27895B327A35}" type="slidenum">
               <a:rPr lang="en-US" altLang="en-US"/>
               <a:pPr/>
-              <a:t>18</a:t>
+              <a:t>21</a:t>
             </a:fld>
             <a:endParaRPr lang="en-US" altLang="en-US"/>
           </a:p>
@@ -7783,7 +7902,7 @@
             <a:fld id="{FCBA7E5D-E628-7140-9B10-1F7D24B99C84}" type="slidenum">
               <a:rPr lang="en-US" altLang="en-US"/>
               <a:pPr/>
-              <a:t>19</a:t>
+              <a:t>22</a:t>
             </a:fld>
             <a:endParaRPr lang="en-US" altLang="en-US"/>
           </a:p>
@@ -8080,7 +8199,7 @@
             <a:fld id="{0008C2E0-0108-EB41-994F-E03D233417C9}" type="slidenum">
               <a:rPr lang="en-US" altLang="en-US"/>
               <a:pPr/>
-              <a:t>20</a:t>
+              <a:t>23</a:t>
             </a:fld>
             <a:endParaRPr lang="en-US" altLang="en-US"/>
           </a:p>
@@ -8377,7 +8496,7 @@
             <a:fld id="{6E6D6B7F-7411-6E4B-BF22-D422F16A5770}" type="slidenum">
               <a:rPr lang="en-US" altLang="en-US"/>
               <a:pPr/>
-              <a:t>23</a:t>
+              <a:t>26</a:t>
             </a:fld>
             <a:endParaRPr lang="en-US" altLang="en-US"/>
           </a:p>
@@ -8674,7 +8793,7 @@
             <a:fld id="{DCBB9DCE-5A7A-B94F-B67C-E0D6D63D7B14}" type="slidenum">
               <a:rPr lang="en-US" altLang="en-US"/>
               <a:pPr/>
-              <a:t>24</a:t>
+              <a:t>27</a:t>
             </a:fld>
             <a:endParaRPr lang="en-US" altLang="en-US"/>
           </a:p>
@@ -8971,7 +9090,7 @@
             <a:fld id="{A7B9A0AC-20AE-7345-A5A8-A613CAD6762C}" type="slidenum">
               <a:rPr lang="en-US" altLang="en-US"/>
               <a:pPr/>
-              <a:t>25</a:t>
+              <a:t>28</a:t>
             </a:fld>
             <a:endParaRPr lang="en-US" altLang="en-US"/>
           </a:p>
@@ -9268,7 +9387,7 @@
             <a:fld id="{A7B9A0AC-20AE-7345-A5A8-A613CAD6762C}" type="slidenum">
               <a:rPr lang="en-US" altLang="en-US"/>
               <a:pPr/>
-              <a:t>26</a:t>
+              <a:t>29</a:t>
             </a:fld>
             <a:endParaRPr lang="en-US" altLang="en-US"/>
           </a:p>
@@ -9528,7 +9647,7 @@
           <a:p>
             <a:fld id="{C96F47CA-F895-6945-BE27-26692229FACF}" type="datetime1">
               <a:rPr lang="en-US" smtClean="0"/>
-              <a:t>5/6/21</a:t>
+              <a:t>5/7/21</a:t>
             </a:fld>
             <a:endParaRPr lang="en-US" dirty="0"/>
           </a:p>
@@ -9698,7 +9817,7 @@
           <a:p>
             <a:fld id="{AF706D67-2012-D043-9F80-5C2BDD609BD3}" type="datetime1">
               <a:rPr lang="en-US" smtClean="0"/>
-              <a:t>5/6/21</a:t>
+              <a:t>5/7/21</a:t>
             </a:fld>
             <a:endParaRPr lang="en-US" dirty="0"/>
           </a:p>
@@ -9878,7 +9997,7 @@
           <a:p>
             <a:fld id="{5B79ACE4-03B6-794A-A48C-13F9598CCD28}" type="datetime1">
               <a:rPr lang="en-US" smtClean="0"/>
-              <a:t>5/6/21</a:t>
+              <a:t>5/7/21</a:t>
             </a:fld>
             <a:endParaRPr lang="en-US" dirty="0"/>
           </a:p>
@@ -10048,7 +10167,7 @@
           <a:p>
             <a:fld id="{6DA7C96B-D6FF-5D47-8EF3-542FD5A88E7C}" type="datetime1">
               <a:rPr lang="en-US" smtClean="0"/>
-              <a:t>5/6/21</a:t>
+              <a:t>5/7/21</a:t>
             </a:fld>
             <a:endParaRPr lang="en-US" dirty="0"/>
           </a:p>
@@ -10294,7 +10413,7 @@
           <a:p>
             <a:fld id="{5A6358E7-4856-3046-9420-8ADBF7A86D8C}" type="datetime1">
               <a:rPr lang="en-US" smtClean="0"/>
-              <a:t>5/6/21</a:t>
+              <a:t>5/7/21</a:t>
             </a:fld>
             <a:endParaRPr lang="en-US" dirty="0"/>
           </a:p>
@@ -10526,7 +10645,7 @@
           <a:p>
             <a:fld id="{6779F35A-9F43-7048-AA95-2DCA7E8C0780}" type="datetime1">
               <a:rPr lang="en-US" smtClean="0"/>
-              <a:t>5/6/21</a:t>
+              <a:t>5/7/21</a:t>
             </a:fld>
             <a:endParaRPr lang="en-US" dirty="0"/>
           </a:p>
@@ -10893,7 +11012,7 @@
           <a:p>
             <a:fld id="{B7CB2D7C-E370-DC40-8D10-DF8CB1A188CA}" type="datetime1">
               <a:rPr lang="en-US" smtClean="0"/>
-              <a:t>5/6/21</a:t>
+              <a:t>5/7/21</a:t>
             </a:fld>
             <a:endParaRPr lang="en-US" dirty="0"/>
           </a:p>
@@ -11011,7 +11130,7 @@
           <a:p>
             <a:fld id="{68AA69A2-3CD0-BE49-AF6E-9E037A40F43F}" type="datetime1">
               <a:rPr lang="en-US" smtClean="0"/>
-              <a:t>5/6/21</a:t>
+              <a:t>5/7/21</a:t>
             </a:fld>
             <a:endParaRPr lang="en-US" dirty="0"/>
           </a:p>
@@ -11106,7 +11225,7 @@
           <a:p>
             <a:fld id="{1EB50D9D-ACA9-3C4A-A3FC-7A265C0CEBD3}" type="datetime1">
               <a:rPr lang="en-US" smtClean="0"/>
-              <a:t>5/6/21</a:t>
+              <a:t>5/7/21</a:t>
             </a:fld>
             <a:endParaRPr lang="en-US" dirty="0"/>
           </a:p>
@@ -11383,7 +11502,7 @@
           <a:p>
             <a:fld id="{A08B2DD4-8739-D748-B308-CD7D801B0131}" type="datetime1">
               <a:rPr lang="en-US" smtClean="0"/>
-              <a:t>5/6/21</a:t>
+              <a:t>5/7/21</a:t>
             </a:fld>
             <a:endParaRPr lang="en-US" dirty="0"/>
           </a:p>
@@ -11640,7 +11759,7 @@
           <a:p>
             <a:fld id="{98622575-E24A-D548-838B-E385F9D0E59A}" type="datetime1">
               <a:rPr lang="en-US" smtClean="0"/>
-              <a:t>5/6/21</a:t>
+              <a:t>5/7/21</a:t>
             </a:fld>
             <a:endParaRPr lang="en-US" dirty="0"/>
           </a:p>
@@ -11853,7 +11972,7 @@
           <a:p>
             <a:fld id="{272BAF4E-9F7C-284D-B40D-0B83E546F887}" type="datetime1">
               <a:rPr lang="en-US" smtClean="0"/>
-              <a:t>5/6/21</a:t>
+              <a:t>5/7/21</a:t>
             </a:fld>
             <a:endParaRPr lang="en-US" dirty="0"/>
           </a:p>
@@ -12730,479 +12849,60 @@
       </p:grpSpPr>
       <p:sp>
         <p:nvSpPr>
-          <p:cNvPr id="186370" name="Rectangle 2">
+          <p:cNvPr id="2" name="Title 1">
             <a:extLst>
               <a:ext uri="{FF2B5EF4-FFF2-40B4-BE49-F238E27FC236}">
-                <a16:creationId xmlns:a16="http://schemas.microsoft.com/office/drawing/2014/main" id="{C5506108-D6E6-9641-98CC-A9DA92AF0478}"/>
+                <a16:creationId xmlns:a16="http://schemas.microsoft.com/office/drawing/2014/main" id="{7464CC47-36D9-624B-9F3B-C88093C610C7}"/>
               </a:ext>
             </a:extLst>
           </p:cNvPr>
           <p:cNvSpPr>
-            <a:spLocks noGrp="1" noChangeArrowheads="1"/>
+            <a:spLocks noGrp="1"/>
           </p:cNvSpPr>
           <p:nvPr>
             <p:ph type="title"/>
           </p:nvPr>
         </p:nvSpPr>
-        <p:spPr>
-          <a:xfrm>
-            <a:off x="154112" y="0"/>
-            <a:ext cx="7724240" cy="679442"/>
-          </a:xfrm>
-        </p:spPr>
+        <p:spPr/>
         <p:txBody>
           <a:bodyPr/>
           <a:lstStyle/>
           <a:p>
-            <a:pPr eaLnBrk="1" hangingPunct="1">
-              <a:defRPr/>
-            </a:pPr>
-            <a:r>
-              <a:rPr lang="en-US" sz="2333" dirty="0"/>
-              <a:t>Binary Search</a:t>
-            </a:r>
+            <a:endParaRPr lang="en-US"/>
           </a:p>
         </p:txBody>
       </p:sp>
       <p:sp>
         <p:nvSpPr>
-          <p:cNvPr id="6146" name="Rectangle 3">
+          <p:cNvPr id="3" name="Content Placeholder 2">
             <a:extLst>
               <a:ext uri="{FF2B5EF4-FFF2-40B4-BE49-F238E27FC236}">
-                <a16:creationId xmlns:a16="http://schemas.microsoft.com/office/drawing/2014/main" id="{EAA042DF-FAF2-DA4B-9FB9-A8E93FAB0389}"/>
+                <a16:creationId xmlns:a16="http://schemas.microsoft.com/office/drawing/2014/main" id="{B6F1201F-1679-8440-B6C2-F002130193EB}"/>
               </a:ext>
             </a:extLst>
           </p:cNvPr>
           <p:cNvSpPr>
-            <a:spLocks noGrp="1" noChangeArrowheads="1"/>
+            <a:spLocks noGrp="1"/>
           </p:cNvSpPr>
           <p:nvPr>
-            <p:ph type="body" idx="1"/>
+            <p:ph idx="1"/>
           </p:nvPr>
         </p:nvSpPr>
-        <p:spPr>
-          <a:xfrm>
-            <a:off x="154112" y="585627"/>
-            <a:ext cx="8517277" cy="5129373"/>
-          </a:xfrm>
-        </p:spPr>
+        <p:spPr/>
         <p:txBody>
           <a:bodyPr/>
           <a:lstStyle/>
           <a:p>
-            <a:pPr marL="0" indent="0">
-              <a:buNone/>
-            </a:pPr>
-            <a:r>
-              <a:rPr lang="en-US" altLang="en-US" sz="2000" dirty="0">
-                <a:ea typeface="ＭＳ Ｐゴシック" panose="020B0600070205080204" pitchFamily="34" charset="-128"/>
-              </a:rPr>
-              <a:t>Implement binary search. </a:t>
-            </a:r>
-            <a:r>
-              <a:rPr lang="en-US" sz="2000" dirty="0"/>
-              <a:t>Data must be in sorted order to use the binary search algorithm. </a:t>
-            </a:r>
-          </a:p>
-          <a:p>
-            <a:pPr marL="0" indent="0">
-              <a:buNone/>
-            </a:pPr>
-            <a:endParaRPr lang="en-US" altLang="en-US" sz="1833" dirty="0">
-              <a:ea typeface="ＭＳ Ｐゴシック" panose="020B0600070205080204" pitchFamily="34" charset="-128"/>
-            </a:endParaRPr>
-          </a:p>
-          <a:p>
-            <a:pPr marL="0" indent="0">
-              <a:buNone/>
-            </a:pPr>
-            <a:r>
-              <a:rPr lang="en-US" sz="1800" b="1" dirty="0">
-                <a:solidFill>
-                  <a:srgbClr val="34A327"/>
-                </a:solidFill>
-                <a:latin typeface="Inconsolata" panose="020B0609030003000000" pitchFamily="49" charset="77"/>
-              </a:rPr>
-              <a:t>def</a:t>
-            </a:r>
-            <a:r>
-              <a:rPr lang="en-US" sz="1800" b="1" dirty="0">
-                <a:solidFill>
-                  <a:srgbClr val="000000"/>
-                </a:solidFill>
-                <a:latin typeface="Inconsolata" panose="020B0609030003000000" pitchFamily="49" charset="77"/>
-              </a:rPr>
-              <a:t> </a:t>
-            </a:r>
-            <a:r>
-              <a:rPr lang="en-US" sz="1800" b="1" dirty="0" err="1">
-                <a:solidFill>
-                  <a:srgbClr val="3C9FF2"/>
-                </a:solidFill>
-                <a:latin typeface="Inconsolata" panose="020B0609030003000000" pitchFamily="49" charset="77"/>
-              </a:rPr>
-              <a:t>binary_search</a:t>
-            </a:r>
-            <a:r>
-              <a:rPr lang="en-US" sz="1800" b="1" dirty="0">
-                <a:solidFill>
-                  <a:srgbClr val="000000"/>
-                </a:solidFill>
-                <a:latin typeface="Inconsolata" panose="020B0609030003000000" pitchFamily="49" charset="77"/>
-              </a:rPr>
-              <a:t>(</a:t>
-            </a:r>
-            <a:r>
-              <a:rPr lang="en-US" sz="1800" b="1" dirty="0" err="1">
-                <a:solidFill>
-                  <a:srgbClr val="000000"/>
-                </a:solidFill>
-                <a:latin typeface="Inconsolata" panose="020B0609030003000000" pitchFamily="49" charset="77"/>
-              </a:rPr>
-              <a:t>sorted_lst</a:t>
-            </a:r>
-            <a:r>
-              <a:rPr lang="en-US" sz="1800" b="1" dirty="0">
-                <a:solidFill>
-                  <a:srgbClr val="000000"/>
-                </a:solidFill>
-                <a:latin typeface="Inconsolata" panose="020B0609030003000000" pitchFamily="49" charset="77"/>
-              </a:rPr>
-              <a:t>, target): </a:t>
-            </a:r>
-          </a:p>
-          <a:p>
-            <a:pPr marL="0" indent="0">
-              <a:buNone/>
-            </a:pPr>
-            <a:r>
-              <a:rPr lang="en-US" sz="1800" b="1" dirty="0">
-                <a:solidFill>
-                  <a:srgbClr val="000000"/>
-                </a:solidFill>
-                <a:latin typeface="Inconsolata" panose="020B0609030003000000" pitchFamily="49" charset="77"/>
-              </a:rPr>
-              <a:t>	min, max = 0, </a:t>
-            </a:r>
-            <a:r>
-              <a:rPr lang="en-US" sz="1800" b="1" dirty="0" err="1">
-                <a:solidFill>
-                  <a:srgbClr val="000000"/>
-                </a:solidFill>
-                <a:latin typeface="Inconsolata" panose="020B0609030003000000" pitchFamily="49" charset="77"/>
-              </a:rPr>
-              <a:t>len</a:t>
-            </a:r>
-            <a:r>
-              <a:rPr lang="en-US" sz="1800" b="1" dirty="0">
-                <a:solidFill>
-                  <a:srgbClr val="000000"/>
-                </a:solidFill>
-                <a:latin typeface="Inconsolata" panose="020B0609030003000000" pitchFamily="49" charset="77"/>
-              </a:rPr>
-              <a:t>(</a:t>
-            </a:r>
-            <a:r>
-              <a:rPr lang="en-US" sz="1800" b="1" dirty="0" err="1">
-                <a:solidFill>
-                  <a:srgbClr val="000000"/>
-                </a:solidFill>
-                <a:latin typeface="Inconsolata" panose="020B0609030003000000" pitchFamily="49" charset="77"/>
-              </a:rPr>
-              <a:t>sorted_list</a:t>
-            </a:r>
-            <a:r>
-              <a:rPr lang="en-US" sz="1800" b="1" dirty="0">
-                <a:solidFill>
-                  <a:srgbClr val="000000"/>
-                </a:solidFill>
-                <a:latin typeface="Inconsolata" panose="020B0609030003000000" pitchFamily="49" charset="77"/>
-              </a:rPr>
-              <a:t>)-1</a:t>
-            </a:r>
-          </a:p>
-          <a:p>
-            <a:pPr marL="0" indent="0">
-              <a:buNone/>
-            </a:pPr>
-            <a:r>
-              <a:rPr lang="en-US" sz="1800" b="1" dirty="0">
-                <a:solidFill>
-                  <a:srgbClr val="006699"/>
-                </a:solidFill>
-                <a:latin typeface="Inconsolata" panose="020B0609030003000000" pitchFamily="49" charset="77"/>
-              </a:rPr>
-              <a:t>	while min &lt;= max</a:t>
-            </a:r>
-            <a:r>
-              <a:rPr lang="en-US" sz="1800" b="1" dirty="0">
-                <a:solidFill>
-                  <a:srgbClr val="336666"/>
-                </a:solidFill>
-                <a:latin typeface="Inconsolata" panose="020B0609030003000000" pitchFamily="49" charset="77"/>
-              </a:rPr>
-              <a:t>:</a:t>
-            </a:r>
-          </a:p>
-          <a:p>
-            <a:pPr marL="0" indent="0">
-              <a:buNone/>
-            </a:pPr>
-            <a:r>
-              <a:rPr lang="en-US" sz="1800" b="1" dirty="0">
-                <a:solidFill>
-                  <a:srgbClr val="336666"/>
-                </a:solidFill>
-                <a:latin typeface="Inconsolata" panose="020B0609030003000000" pitchFamily="49" charset="77"/>
-              </a:rPr>
-              <a:t>	    </a:t>
-            </a:r>
-            <a:r>
-              <a:rPr lang="en-US" sz="1800" b="1" dirty="0">
-                <a:solidFill>
-                  <a:srgbClr val="000000"/>
-                </a:solidFill>
-                <a:latin typeface="Inconsolata" panose="020B0609030003000000" pitchFamily="49" charset="77"/>
-              </a:rPr>
-              <a:t>mid = (min + max)//2</a:t>
-            </a:r>
-          </a:p>
-          <a:p>
-            <a:pPr marL="0" indent="0">
-              <a:buNone/>
-            </a:pPr>
-            <a:r>
-              <a:rPr lang="en-US" sz="1800" b="1" dirty="0">
-                <a:solidFill>
-                  <a:srgbClr val="336666"/>
-                </a:solidFill>
-                <a:latin typeface="Inconsolata" panose="020B0609030003000000" pitchFamily="49" charset="77"/>
-              </a:rPr>
-              <a:t>	    if </a:t>
-            </a:r>
-            <a:r>
-              <a:rPr lang="en-US" sz="1800" b="1" dirty="0" err="1">
-                <a:solidFill>
-                  <a:srgbClr val="336666"/>
-                </a:solidFill>
-                <a:latin typeface="Inconsolata" panose="020B0609030003000000" pitchFamily="49" charset="77"/>
-              </a:rPr>
-              <a:t>sorted_lst</a:t>
-            </a:r>
-            <a:r>
-              <a:rPr lang="en-US" sz="1800" b="1" dirty="0">
-                <a:solidFill>
-                  <a:srgbClr val="336666"/>
-                </a:solidFill>
-                <a:latin typeface="Inconsolata" panose="020B0609030003000000" pitchFamily="49" charset="77"/>
-              </a:rPr>
-              <a:t>[mid] &lt; target:</a:t>
-            </a:r>
-          </a:p>
-          <a:p>
-            <a:pPr marL="0" indent="0">
-              <a:buNone/>
-            </a:pPr>
-            <a:r>
-              <a:rPr lang="en-US" sz="1800" b="1" dirty="0">
-                <a:solidFill>
-                  <a:srgbClr val="336666"/>
-                </a:solidFill>
-                <a:latin typeface="Inconsolata" panose="020B0609030003000000" pitchFamily="49" charset="77"/>
-              </a:rPr>
-              <a:t>	        min = mid + 1</a:t>
-            </a:r>
-          </a:p>
-          <a:p>
-            <a:pPr marL="0" indent="0">
-              <a:buNone/>
-            </a:pPr>
-            <a:r>
-              <a:rPr lang="en-US" sz="1800" b="1" dirty="0">
-                <a:solidFill>
-                  <a:srgbClr val="336666"/>
-                </a:solidFill>
-                <a:latin typeface="Inconsolata" panose="020B0609030003000000" pitchFamily="49" charset="77"/>
-              </a:rPr>
-              <a:t>	    </a:t>
-            </a:r>
-            <a:r>
-              <a:rPr lang="en-US" sz="1800" b="1" dirty="0" err="1">
-                <a:solidFill>
-                  <a:srgbClr val="336666"/>
-                </a:solidFill>
-                <a:latin typeface="Inconsolata" panose="020B0609030003000000" pitchFamily="49" charset="77"/>
-              </a:rPr>
-              <a:t>elif</a:t>
-            </a:r>
-            <a:r>
-              <a:rPr lang="en-US" sz="1800" b="1" dirty="0">
-                <a:solidFill>
-                  <a:srgbClr val="336666"/>
-                </a:solidFill>
-                <a:latin typeface="Inconsolata" panose="020B0609030003000000" pitchFamily="49" charset="77"/>
-              </a:rPr>
-              <a:t> </a:t>
-            </a:r>
-            <a:r>
-              <a:rPr lang="en-US" sz="1800" b="1" dirty="0" err="1">
-                <a:solidFill>
-                  <a:srgbClr val="336666"/>
-                </a:solidFill>
-                <a:latin typeface="Inconsolata" panose="020B0609030003000000" pitchFamily="49" charset="77"/>
-              </a:rPr>
-              <a:t>sorted_lst</a:t>
-            </a:r>
-            <a:r>
-              <a:rPr lang="en-US" sz="1800" b="1" dirty="0">
-                <a:solidFill>
-                  <a:srgbClr val="336666"/>
-                </a:solidFill>
-                <a:latin typeface="Inconsolata" panose="020B0609030003000000" pitchFamily="49" charset="77"/>
-              </a:rPr>
-              <a:t>[mid] &gt; target:</a:t>
-            </a:r>
-          </a:p>
-          <a:p>
-            <a:pPr marL="0" indent="0">
-              <a:buNone/>
-            </a:pPr>
-            <a:r>
-              <a:rPr lang="en-US" sz="1800" b="1" dirty="0">
-                <a:solidFill>
-                  <a:srgbClr val="336666"/>
-                </a:solidFill>
-                <a:latin typeface="Inconsolata" panose="020B0609030003000000" pitchFamily="49" charset="77"/>
-              </a:rPr>
-              <a:t>	        max = mid – 1</a:t>
-            </a:r>
-          </a:p>
-          <a:p>
-            <a:pPr marL="0" indent="0">
-              <a:buNone/>
-            </a:pPr>
-            <a:r>
-              <a:rPr lang="en-US" sz="1800" b="1" dirty="0">
-                <a:solidFill>
-                  <a:srgbClr val="336666"/>
-                </a:solidFill>
-                <a:latin typeface="Inconsolata" panose="020B0609030003000000" pitchFamily="49" charset="77"/>
-              </a:rPr>
-              <a:t>	    </a:t>
-            </a:r>
-            <a:r>
-              <a:rPr lang="en-US" sz="1800" b="1" dirty="0" err="1">
-                <a:solidFill>
-                  <a:srgbClr val="336666"/>
-                </a:solidFill>
-                <a:latin typeface="Inconsolata" panose="020B0609030003000000" pitchFamily="49" charset="77"/>
-              </a:rPr>
-              <a:t>elif</a:t>
-            </a:r>
-            <a:r>
-              <a:rPr lang="en-US" sz="1800" b="1" dirty="0">
-                <a:solidFill>
-                  <a:srgbClr val="336666"/>
-                </a:solidFill>
-                <a:latin typeface="Inconsolata" panose="020B0609030003000000" pitchFamily="49" charset="77"/>
-              </a:rPr>
-              <a:t> </a:t>
-            </a:r>
-            <a:r>
-              <a:rPr lang="en-US" sz="1800" b="1" dirty="0" err="1">
-                <a:solidFill>
-                  <a:srgbClr val="336666"/>
-                </a:solidFill>
-                <a:latin typeface="Inconsolata" panose="020B0609030003000000" pitchFamily="49" charset="77"/>
-              </a:rPr>
-              <a:t>sorted_lst</a:t>
-            </a:r>
-            <a:r>
-              <a:rPr lang="en-US" sz="1800" b="1" dirty="0">
-                <a:solidFill>
-                  <a:srgbClr val="336666"/>
-                </a:solidFill>
-                <a:latin typeface="Inconsolata" panose="020B0609030003000000" pitchFamily="49" charset="77"/>
-              </a:rPr>
-              <a:t>[mid] == target:</a:t>
-            </a:r>
-          </a:p>
-          <a:p>
-            <a:pPr marL="0" indent="0">
-              <a:buNone/>
-            </a:pPr>
-            <a:r>
-              <a:rPr lang="en-US" sz="1800" b="1" dirty="0">
-                <a:solidFill>
-                  <a:srgbClr val="336666"/>
-                </a:solidFill>
-                <a:latin typeface="Inconsolata" panose="020B0609030003000000" pitchFamily="49" charset="77"/>
-              </a:rPr>
-              <a:t>		  return mid</a:t>
-            </a:r>
-          </a:p>
-          <a:p>
-            <a:pPr marL="0" indent="0">
-              <a:buNone/>
-            </a:pPr>
-            <a:r>
-              <a:rPr lang="en-US" sz="1800" b="1" dirty="0">
-                <a:solidFill>
-                  <a:srgbClr val="34A327"/>
-                </a:solidFill>
-                <a:latin typeface="Inconsolata" panose="020B0609030003000000" pitchFamily="49" charset="77"/>
-              </a:rPr>
-              <a:t>   	return</a:t>
-            </a:r>
-            <a:r>
-              <a:rPr lang="en-US" sz="1800" b="1" dirty="0">
-                <a:solidFill>
-                  <a:srgbClr val="000000"/>
-                </a:solidFill>
-                <a:latin typeface="Inconsolata" panose="020B0609030003000000" pitchFamily="49" charset="77"/>
-              </a:rPr>
-              <a:t> -1 </a:t>
-            </a:r>
-            <a:endParaRPr lang="en-US" altLang="en-US" sz="1833" dirty="0">
-              <a:ea typeface="ＭＳ Ｐゴシック" panose="020B0600070205080204" pitchFamily="34" charset="-128"/>
-            </a:endParaRPr>
-          </a:p>
-          <a:p>
-            <a:pPr marL="0" indent="0">
-              <a:buNone/>
-            </a:pPr>
-            <a:endParaRPr lang="en-US" sz="1800" b="1" dirty="0">
-              <a:solidFill>
-                <a:srgbClr val="336666"/>
-              </a:solidFill>
-              <a:latin typeface="INCONSOLATA" panose="020B0609030003000000" pitchFamily="49" charset="77"/>
-            </a:endParaRPr>
-          </a:p>
-          <a:p>
-            <a:pPr marL="0" indent="0">
-              <a:buNone/>
-            </a:pPr>
-            <a:endParaRPr lang="en-US" sz="1800" b="1" dirty="0">
-              <a:latin typeface="Inconsolata" panose="020B0609030003000000" pitchFamily="49" charset="77"/>
-            </a:endParaRPr>
-          </a:p>
-          <a:p>
-            <a:pPr marL="0" indent="0">
-              <a:buNone/>
-            </a:pPr>
-            <a:endParaRPr lang="en-US" altLang="en-US" sz="1833" dirty="0">
-              <a:latin typeface="Courier New" panose="02070309020205020404" pitchFamily="49" charset="0"/>
-              <a:ea typeface="ＭＳ Ｐゴシック" panose="020B0600070205080204" pitchFamily="34" charset="-128"/>
-            </a:endParaRPr>
+            <a:endParaRPr lang="en-US"/>
           </a:p>
         </p:txBody>
       </p:sp>
       <p:sp>
         <p:nvSpPr>
-          <p:cNvPr id="2" name="Slide Number Placeholder 1">
+          <p:cNvPr id="4" name="Slide Number Placeholder 3">
             <a:extLst>
               <a:ext uri="{FF2B5EF4-FFF2-40B4-BE49-F238E27FC236}">
-                <a16:creationId xmlns:a16="http://schemas.microsoft.com/office/drawing/2014/main" id="{676CE5E9-0770-7D40-A2D2-7D96FDD0BEB5}"/>
+                <a16:creationId xmlns:a16="http://schemas.microsoft.com/office/drawing/2014/main" id="{C3DE5CB8-F54A-ED45-A1D7-7CCAC3C5D721}"/>
               </a:ext>
             </a:extLst>
           </p:cNvPr>
@@ -13226,571 +12926,379 @@
           </a:p>
         </p:txBody>
       </p:sp>
+      <p:pic>
+        <p:nvPicPr>
+          <p:cNvPr id="2050" name="Picture 2" descr="Selection Sort">
+            <a:extLst>
+              <a:ext uri="{FF2B5EF4-FFF2-40B4-BE49-F238E27FC236}">
+                <a16:creationId xmlns:a16="http://schemas.microsoft.com/office/drawing/2014/main" id="{4C1A8568-6BE7-864B-9CB6-B14EFA657C18}"/>
+              </a:ext>
+            </a:extLst>
+          </p:cNvPr>
+          <p:cNvPicPr>
+            <a:picLocks noChangeAspect="1" noChangeArrowheads="1"/>
+          </p:cNvPicPr>
+          <p:nvPr/>
+        </p:nvPicPr>
+        <p:blipFill>
+          <a:blip r:embed="rId2">
+            <a:extLst>
+              <a:ext uri="{28A0092B-C50C-407E-A947-70E740481C1C}">
+                <a14:useLocalDpi xmlns:a14="http://schemas.microsoft.com/office/drawing/2010/main" val="0"/>
+              </a:ext>
+            </a:extLst>
+          </a:blip>
+          <a:srcRect/>
+          <a:stretch>
+            <a:fillRect/>
+          </a:stretch>
+        </p:blipFill>
+        <p:spPr bwMode="auto">
+          <a:xfrm>
+            <a:off x="1570556" y="304271"/>
+            <a:ext cx="5755992" cy="5065160"/>
+          </a:xfrm>
+          <a:prstGeom prst="rect">
+            <a:avLst/>
+          </a:prstGeom>
+          <a:noFill/>
+          <a:extLst>
+            <a:ext uri="{909E8E84-426E-40DD-AFC4-6F175D3DCCD1}">
+              <a14:hiddenFill xmlns:a14="http://schemas.microsoft.com/office/drawing/2010/main">
+                <a:solidFill>
+                  <a:srgbClr val="FFFFFF"/>
+                </a:solidFill>
+              </a14:hiddenFill>
+            </a:ext>
+          </a:extLst>
+        </p:spPr>
+      </p:pic>
     </p:spTree>
     <p:extLst>
       <p:ext uri="{BB962C8B-B14F-4D97-AF65-F5344CB8AC3E}">
-        <p14:creationId xmlns:p14="http://schemas.microsoft.com/office/powerpoint/2010/main" val="2853411292"/>
+        <p14:creationId xmlns:p14="http://schemas.microsoft.com/office/powerpoint/2010/main" val="4014748011"/>
       </p:ext>
     </p:extLst>
   </p:cSld>
   <p:clrMapOvr>
     <a:masterClrMapping/>
   </p:clrMapOvr>
-  <p:timing>
-    <p:tnLst>
-      <p:par>
-        <p:cTn id="1" dur="indefinite" restart="never" nodeType="tmRoot">
-          <p:childTnLst>
-            <p:seq concurrent="1" nextAc="seek">
-              <p:cTn id="2" dur="indefinite" nodeType="mainSeq">
-                <p:childTnLst>
-                  <p:par>
-                    <p:cTn id="3" fill="hold">
-                      <p:stCondLst>
-                        <p:cond delay="indefinite"/>
-                      </p:stCondLst>
-                      <p:childTnLst>
-                        <p:par>
-                          <p:cTn id="4" fill="hold">
-                            <p:stCondLst>
-                              <p:cond delay="0"/>
-                            </p:stCondLst>
-                            <p:childTnLst>
-                              <p:par>
-                                <p:cTn id="5" presetID="1" presetClass="entr" presetSubtype="0" fill="hold" nodeType="clickEffect">
-                                  <p:stCondLst>
-                                    <p:cond delay="0"/>
-                                  </p:stCondLst>
-                                  <p:childTnLst>
-                                    <p:set>
-                                      <p:cBhvr>
-                                        <p:cTn id="6" dur="1" fill="hold">
-                                          <p:stCondLst>
-                                            <p:cond delay="0"/>
-                                          </p:stCondLst>
-                                        </p:cTn>
-                                        <p:tgtEl>
-                                          <p:spTgt spid="6146">
-                                            <p:txEl>
-                                              <p:pRg st="2" end="2"/>
-                                            </p:txEl>
-                                          </p:spTgt>
-                                        </p:tgtEl>
-                                        <p:attrNameLst>
-                                          <p:attrName>style.visibility</p:attrName>
-                                        </p:attrNameLst>
-                                      </p:cBhvr>
-                                      <p:to>
-                                        <p:strVal val="visible"/>
-                                      </p:to>
-                                    </p:set>
-                                  </p:childTnLst>
-                                </p:cTn>
-                              </p:par>
-                              <p:par>
-                                <p:cTn id="7" presetID="1" presetClass="entr" presetSubtype="0" fill="hold" nodeType="withEffect">
-                                  <p:stCondLst>
-                                    <p:cond delay="0"/>
-                                  </p:stCondLst>
-                                  <p:childTnLst>
-                                    <p:set>
-                                      <p:cBhvr>
-                                        <p:cTn id="8" dur="1" fill="hold">
-                                          <p:stCondLst>
-                                            <p:cond delay="0"/>
-                                          </p:stCondLst>
-                                        </p:cTn>
-                                        <p:tgtEl>
-                                          <p:spTgt spid="6146">
-                                            <p:txEl>
-                                              <p:pRg st="3" end="3"/>
-                                            </p:txEl>
-                                          </p:spTgt>
-                                        </p:tgtEl>
-                                        <p:attrNameLst>
-                                          <p:attrName>style.visibility</p:attrName>
-                                        </p:attrNameLst>
-                                      </p:cBhvr>
-                                      <p:to>
-                                        <p:strVal val="visible"/>
-                                      </p:to>
-                                    </p:set>
-                                  </p:childTnLst>
-                                </p:cTn>
-                              </p:par>
-                            </p:childTnLst>
-                          </p:cTn>
-                        </p:par>
-                      </p:childTnLst>
-                    </p:cTn>
-                  </p:par>
-                  <p:par>
-                    <p:cTn id="9" fill="hold">
-                      <p:stCondLst>
-                        <p:cond delay="indefinite"/>
-                      </p:stCondLst>
-                      <p:childTnLst>
-                        <p:par>
-                          <p:cTn id="10" fill="hold">
-                            <p:stCondLst>
-                              <p:cond delay="0"/>
-                            </p:stCondLst>
-                            <p:childTnLst>
-                              <p:par>
-                                <p:cTn id="11" presetID="1" presetClass="entr" presetSubtype="0" fill="hold" nodeType="clickEffect">
-                                  <p:stCondLst>
-                                    <p:cond delay="0"/>
-                                  </p:stCondLst>
-                                  <p:childTnLst>
-                                    <p:set>
-                                      <p:cBhvr>
-                                        <p:cTn id="12" dur="1" fill="hold">
-                                          <p:stCondLst>
-                                            <p:cond delay="0"/>
-                                          </p:stCondLst>
-                                        </p:cTn>
-                                        <p:tgtEl>
-                                          <p:spTgt spid="6146">
-                                            <p:txEl>
-                                              <p:pRg st="4" end="4"/>
-                                            </p:txEl>
-                                          </p:spTgt>
-                                        </p:tgtEl>
-                                        <p:attrNameLst>
-                                          <p:attrName>style.visibility</p:attrName>
-                                        </p:attrNameLst>
-                                      </p:cBhvr>
-                                      <p:to>
-                                        <p:strVal val="visible"/>
-                                      </p:to>
-                                    </p:set>
-                                  </p:childTnLst>
-                                </p:cTn>
-                              </p:par>
-                            </p:childTnLst>
-                          </p:cTn>
-                        </p:par>
-                      </p:childTnLst>
-                    </p:cTn>
-                  </p:par>
-                  <p:par>
-                    <p:cTn id="13" fill="hold">
-                      <p:stCondLst>
-                        <p:cond delay="indefinite"/>
-                      </p:stCondLst>
-                      <p:childTnLst>
-                        <p:par>
-                          <p:cTn id="14" fill="hold">
-                            <p:stCondLst>
-                              <p:cond delay="0"/>
-                            </p:stCondLst>
-                            <p:childTnLst>
-                              <p:par>
-                                <p:cTn id="15" presetID="1" presetClass="entr" presetSubtype="0" fill="hold" nodeType="clickEffect">
-                                  <p:stCondLst>
-                                    <p:cond delay="0"/>
-                                  </p:stCondLst>
-                                  <p:childTnLst>
-                                    <p:set>
-                                      <p:cBhvr>
-                                        <p:cTn id="16" dur="1" fill="hold">
-                                          <p:stCondLst>
-                                            <p:cond delay="0"/>
-                                          </p:stCondLst>
-                                        </p:cTn>
-                                        <p:tgtEl>
-                                          <p:spTgt spid="6146">
-                                            <p:txEl>
-                                              <p:pRg st="5" end="5"/>
-                                            </p:txEl>
-                                          </p:spTgt>
-                                        </p:tgtEl>
-                                        <p:attrNameLst>
-                                          <p:attrName>style.visibility</p:attrName>
-                                        </p:attrNameLst>
-                                      </p:cBhvr>
-                                      <p:to>
-                                        <p:strVal val="visible"/>
-                                      </p:to>
-                                    </p:set>
-                                  </p:childTnLst>
-                                </p:cTn>
-                              </p:par>
-                            </p:childTnLst>
-                          </p:cTn>
-                        </p:par>
-                      </p:childTnLst>
-                    </p:cTn>
-                  </p:par>
-                  <p:par>
-                    <p:cTn id="17" fill="hold">
-                      <p:stCondLst>
-                        <p:cond delay="indefinite"/>
-                      </p:stCondLst>
-                      <p:childTnLst>
-                        <p:par>
-                          <p:cTn id="18" fill="hold">
-                            <p:stCondLst>
-                              <p:cond delay="0"/>
-                            </p:stCondLst>
-                            <p:childTnLst>
-                              <p:par>
-                                <p:cTn id="19" presetID="1" presetClass="entr" presetSubtype="0" fill="hold" nodeType="clickEffect">
-                                  <p:stCondLst>
-                                    <p:cond delay="0"/>
-                                  </p:stCondLst>
-                                  <p:childTnLst>
-                                    <p:set>
-                                      <p:cBhvr>
-                                        <p:cTn id="20" dur="1" fill="hold">
-                                          <p:stCondLst>
-                                            <p:cond delay="0"/>
-                                          </p:stCondLst>
-                                        </p:cTn>
-                                        <p:tgtEl>
-                                          <p:spTgt spid="6146">
-                                            <p:txEl>
-                                              <p:pRg st="6" end="6"/>
-                                            </p:txEl>
-                                          </p:spTgt>
-                                        </p:tgtEl>
-                                        <p:attrNameLst>
-                                          <p:attrName>style.visibility</p:attrName>
-                                        </p:attrNameLst>
-                                      </p:cBhvr>
-                                      <p:to>
-                                        <p:strVal val="visible"/>
-                                      </p:to>
-                                    </p:set>
-                                  </p:childTnLst>
-                                </p:cTn>
-                              </p:par>
-                            </p:childTnLst>
-                          </p:cTn>
-                        </p:par>
-                      </p:childTnLst>
-                    </p:cTn>
-                  </p:par>
-                  <p:par>
-                    <p:cTn id="21" fill="hold">
-                      <p:stCondLst>
-                        <p:cond delay="indefinite"/>
-                      </p:stCondLst>
-                      <p:childTnLst>
-                        <p:par>
-                          <p:cTn id="22" fill="hold">
-                            <p:stCondLst>
-                              <p:cond delay="0"/>
-                            </p:stCondLst>
-                            <p:childTnLst>
-                              <p:par>
-                                <p:cTn id="23" presetID="1" presetClass="entr" presetSubtype="0" fill="hold" nodeType="clickEffect">
-                                  <p:stCondLst>
-                                    <p:cond delay="0"/>
-                                  </p:stCondLst>
-                                  <p:childTnLst>
-                                    <p:set>
-                                      <p:cBhvr>
-                                        <p:cTn id="24" dur="1" fill="hold">
-                                          <p:stCondLst>
-                                            <p:cond delay="0"/>
-                                          </p:stCondLst>
-                                        </p:cTn>
-                                        <p:tgtEl>
-                                          <p:spTgt spid="6146">
-                                            <p:txEl>
-                                              <p:pRg st="7" end="7"/>
-                                            </p:txEl>
-                                          </p:spTgt>
-                                        </p:tgtEl>
-                                        <p:attrNameLst>
-                                          <p:attrName>style.visibility</p:attrName>
-                                        </p:attrNameLst>
-                                      </p:cBhvr>
-                                      <p:to>
-                                        <p:strVal val="visible"/>
-                                      </p:to>
-                                    </p:set>
-                                  </p:childTnLst>
-                                </p:cTn>
-                              </p:par>
-                            </p:childTnLst>
-                          </p:cTn>
-                        </p:par>
-                      </p:childTnLst>
-                    </p:cTn>
-                  </p:par>
-                  <p:par>
-                    <p:cTn id="25" fill="hold">
-                      <p:stCondLst>
-                        <p:cond delay="indefinite"/>
-                      </p:stCondLst>
-                      <p:childTnLst>
-                        <p:par>
-                          <p:cTn id="26" fill="hold">
-                            <p:stCondLst>
-                              <p:cond delay="0"/>
-                            </p:stCondLst>
-                            <p:childTnLst>
-                              <p:par>
-                                <p:cTn id="27" presetID="1" presetClass="entr" presetSubtype="0" fill="hold" nodeType="clickEffect">
-                                  <p:stCondLst>
-                                    <p:cond delay="0"/>
-                                  </p:stCondLst>
-                                  <p:childTnLst>
-                                    <p:set>
-                                      <p:cBhvr>
-                                        <p:cTn id="28" dur="1" fill="hold">
-                                          <p:stCondLst>
-                                            <p:cond delay="0"/>
-                                          </p:stCondLst>
-                                        </p:cTn>
-                                        <p:tgtEl>
-                                          <p:spTgt spid="6146">
-                                            <p:txEl>
-                                              <p:pRg st="8" end="8"/>
-                                            </p:txEl>
-                                          </p:spTgt>
-                                        </p:tgtEl>
-                                        <p:attrNameLst>
-                                          <p:attrName>style.visibility</p:attrName>
-                                        </p:attrNameLst>
-                                      </p:cBhvr>
-                                      <p:to>
-                                        <p:strVal val="visible"/>
-                                      </p:to>
-                                    </p:set>
-                                  </p:childTnLst>
-                                </p:cTn>
-                              </p:par>
-                            </p:childTnLst>
-                          </p:cTn>
-                        </p:par>
-                      </p:childTnLst>
-                    </p:cTn>
-                  </p:par>
-                  <p:par>
-                    <p:cTn id="29" fill="hold">
-                      <p:stCondLst>
-                        <p:cond delay="indefinite"/>
-                      </p:stCondLst>
-                      <p:childTnLst>
-                        <p:par>
-                          <p:cTn id="30" fill="hold">
-                            <p:stCondLst>
-                              <p:cond delay="0"/>
-                            </p:stCondLst>
-                            <p:childTnLst>
-                              <p:par>
-                                <p:cTn id="31" presetID="1" presetClass="entr" presetSubtype="0" fill="hold" nodeType="clickEffect">
-                                  <p:stCondLst>
-                                    <p:cond delay="0"/>
-                                  </p:stCondLst>
-                                  <p:childTnLst>
-                                    <p:set>
-                                      <p:cBhvr>
-                                        <p:cTn id="32" dur="1" fill="hold">
-                                          <p:stCondLst>
-                                            <p:cond delay="0"/>
-                                          </p:stCondLst>
-                                        </p:cTn>
-                                        <p:tgtEl>
-                                          <p:spTgt spid="6146">
-                                            <p:txEl>
-                                              <p:pRg st="9" end="9"/>
-                                            </p:txEl>
-                                          </p:spTgt>
-                                        </p:tgtEl>
-                                        <p:attrNameLst>
-                                          <p:attrName>style.visibility</p:attrName>
-                                        </p:attrNameLst>
-                                      </p:cBhvr>
-                                      <p:to>
-                                        <p:strVal val="visible"/>
-                                      </p:to>
-                                    </p:set>
-                                  </p:childTnLst>
-                                </p:cTn>
-                              </p:par>
-                            </p:childTnLst>
-                          </p:cTn>
-                        </p:par>
-                      </p:childTnLst>
-                    </p:cTn>
-                  </p:par>
-                  <p:par>
-                    <p:cTn id="33" fill="hold">
-                      <p:stCondLst>
-                        <p:cond delay="indefinite"/>
-                      </p:stCondLst>
-                      <p:childTnLst>
-                        <p:par>
-                          <p:cTn id="34" fill="hold">
-                            <p:stCondLst>
-                              <p:cond delay="0"/>
-                            </p:stCondLst>
-                            <p:childTnLst>
-                              <p:par>
-                                <p:cTn id="35" presetID="1" presetClass="entr" presetSubtype="0" fill="hold" nodeType="clickEffect">
-                                  <p:stCondLst>
-                                    <p:cond delay="0"/>
-                                  </p:stCondLst>
-                                  <p:childTnLst>
-                                    <p:set>
-                                      <p:cBhvr>
-                                        <p:cTn id="36" dur="1" fill="hold">
-                                          <p:stCondLst>
-                                            <p:cond delay="0"/>
-                                          </p:stCondLst>
-                                        </p:cTn>
-                                        <p:tgtEl>
-                                          <p:spTgt spid="6146">
-                                            <p:txEl>
-                                              <p:pRg st="10" end="10"/>
-                                            </p:txEl>
-                                          </p:spTgt>
-                                        </p:tgtEl>
-                                        <p:attrNameLst>
-                                          <p:attrName>style.visibility</p:attrName>
-                                        </p:attrNameLst>
-                                      </p:cBhvr>
-                                      <p:to>
-                                        <p:strVal val="visible"/>
-                                      </p:to>
-                                    </p:set>
-                                  </p:childTnLst>
-                                </p:cTn>
-                              </p:par>
-                            </p:childTnLst>
-                          </p:cTn>
-                        </p:par>
-                      </p:childTnLst>
-                    </p:cTn>
-                  </p:par>
-                  <p:par>
-                    <p:cTn id="37" fill="hold">
-                      <p:stCondLst>
-                        <p:cond delay="indefinite"/>
-                      </p:stCondLst>
-                      <p:childTnLst>
-                        <p:par>
-                          <p:cTn id="38" fill="hold">
-                            <p:stCondLst>
-                              <p:cond delay="0"/>
-                            </p:stCondLst>
-                            <p:childTnLst>
-                              <p:par>
-                                <p:cTn id="39" presetID="1" presetClass="entr" presetSubtype="0" fill="hold" nodeType="clickEffect">
-                                  <p:stCondLst>
-                                    <p:cond delay="0"/>
-                                  </p:stCondLst>
-                                  <p:childTnLst>
-                                    <p:set>
-                                      <p:cBhvr>
-                                        <p:cTn id="40" dur="1" fill="hold">
-                                          <p:stCondLst>
-                                            <p:cond delay="0"/>
-                                          </p:stCondLst>
-                                        </p:cTn>
-                                        <p:tgtEl>
-                                          <p:spTgt spid="6146">
-                                            <p:txEl>
-                                              <p:pRg st="11" end="11"/>
-                                            </p:txEl>
-                                          </p:spTgt>
-                                        </p:tgtEl>
-                                        <p:attrNameLst>
-                                          <p:attrName>style.visibility</p:attrName>
-                                        </p:attrNameLst>
-                                      </p:cBhvr>
-                                      <p:to>
-                                        <p:strVal val="visible"/>
-                                      </p:to>
-                                    </p:set>
-                                  </p:childTnLst>
-                                </p:cTn>
-                              </p:par>
-                            </p:childTnLst>
-                          </p:cTn>
-                        </p:par>
-                      </p:childTnLst>
-                    </p:cTn>
-                  </p:par>
-                  <p:par>
-                    <p:cTn id="41" fill="hold">
-                      <p:stCondLst>
-                        <p:cond delay="indefinite"/>
-                      </p:stCondLst>
-                      <p:childTnLst>
-                        <p:par>
-                          <p:cTn id="42" fill="hold">
-                            <p:stCondLst>
-                              <p:cond delay="0"/>
-                            </p:stCondLst>
-                            <p:childTnLst>
-                              <p:par>
-                                <p:cTn id="43" presetID="1" presetClass="entr" presetSubtype="0" fill="hold" nodeType="clickEffect">
-                                  <p:stCondLst>
-                                    <p:cond delay="0"/>
-                                  </p:stCondLst>
-                                  <p:childTnLst>
-                                    <p:set>
-                                      <p:cBhvr>
-                                        <p:cTn id="44" dur="1" fill="hold">
-                                          <p:stCondLst>
-                                            <p:cond delay="0"/>
-                                          </p:stCondLst>
-                                        </p:cTn>
-                                        <p:tgtEl>
-                                          <p:spTgt spid="6146">
-                                            <p:txEl>
-                                              <p:pRg st="12" end="12"/>
-                                            </p:txEl>
-                                          </p:spTgt>
-                                        </p:tgtEl>
-                                        <p:attrNameLst>
-                                          <p:attrName>style.visibility</p:attrName>
-                                        </p:attrNameLst>
-                                      </p:cBhvr>
-                                      <p:to>
-                                        <p:strVal val="visible"/>
-                                      </p:to>
-                                    </p:set>
-                                  </p:childTnLst>
-                                </p:cTn>
-                              </p:par>
-                            </p:childTnLst>
-                          </p:cTn>
-                        </p:par>
-                      </p:childTnLst>
-                    </p:cTn>
-                  </p:par>
-                </p:childTnLst>
-              </p:cTn>
-              <p:prevCondLst>
-                <p:cond evt="onPrev" delay="0">
-                  <p:tgtEl>
-                    <p:sldTgt/>
-                  </p:tgtEl>
-                </p:cond>
-              </p:prevCondLst>
-              <p:nextCondLst>
-                <p:cond evt="onNext" delay="0">
-                  <p:tgtEl>
-                    <p:sldTgt/>
-                  </p:tgtEl>
-                </p:cond>
-              </p:nextCondLst>
-            </p:seq>
-          </p:childTnLst>
-        </p:cTn>
-      </p:par>
-    </p:tnLst>
-  </p:timing>
 </p:sld>
 </file>
 
 <file path=ppt/slides/slide11.xml><?xml version="1.0" encoding="utf-8"?>
+<p:sld xmlns:a="http://schemas.openxmlformats.org/drawingml/2006/main" xmlns:r="http://schemas.openxmlformats.org/officeDocument/2006/relationships" xmlns:p="http://schemas.openxmlformats.org/presentationml/2006/main">
+  <p:cSld>
+    <p:spTree>
+      <p:nvGrpSpPr>
+        <p:cNvPr id="1" name=""/>
+        <p:cNvGrpSpPr/>
+        <p:nvPr/>
+      </p:nvGrpSpPr>
+      <p:grpSpPr>
+        <a:xfrm>
+          <a:off x="0" y="0"/>
+          <a:ext cx="0" cy="0"/>
+          <a:chOff x="0" y="0"/>
+          <a:chExt cx="0" cy="0"/>
+        </a:xfrm>
+      </p:grpSpPr>
+      <p:sp>
+        <p:nvSpPr>
+          <p:cNvPr id="2" name="Title 1">
+            <a:extLst>
+              <a:ext uri="{FF2B5EF4-FFF2-40B4-BE49-F238E27FC236}">
+                <a16:creationId xmlns:a16="http://schemas.microsoft.com/office/drawing/2014/main" id="{44846CCA-21D1-9545-92AC-3E57D49952F7}"/>
+              </a:ext>
+            </a:extLst>
+          </p:cNvPr>
+          <p:cNvSpPr>
+            <a:spLocks noGrp="1"/>
+          </p:cNvSpPr>
+          <p:nvPr>
+            <p:ph type="title"/>
+          </p:nvPr>
+        </p:nvSpPr>
+        <p:spPr/>
+        <p:txBody>
+          <a:bodyPr/>
+          <a:lstStyle/>
+          <a:p>
+            <a:endParaRPr lang="en-US"/>
+          </a:p>
+        </p:txBody>
+      </p:sp>
+      <p:sp>
+        <p:nvSpPr>
+          <p:cNvPr id="3" name="Content Placeholder 2">
+            <a:extLst>
+              <a:ext uri="{FF2B5EF4-FFF2-40B4-BE49-F238E27FC236}">
+                <a16:creationId xmlns:a16="http://schemas.microsoft.com/office/drawing/2014/main" id="{A750DA39-3C8F-8748-AF98-B8CEE840D5B9}"/>
+              </a:ext>
+            </a:extLst>
+          </p:cNvPr>
+          <p:cNvSpPr>
+            <a:spLocks noGrp="1"/>
+          </p:cNvSpPr>
+          <p:nvPr>
+            <p:ph idx="1"/>
+          </p:nvPr>
+        </p:nvSpPr>
+        <p:spPr/>
+        <p:txBody>
+          <a:bodyPr/>
+          <a:lstStyle/>
+          <a:p>
+            <a:endParaRPr lang="en-US"/>
+          </a:p>
+        </p:txBody>
+      </p:sp>
+      <p:sp>
+        <p:nvSpPr>
+          <p:cNvPr id="4" name="Slide Number Placeholder 3">
+            <a:extLst>
+              <a:ext uri="{FF2B5EF4-FFF2-40B4-BE49-F238E27FC236}">
+                <a16:creationId xmlns:a16="http://schemas.microsoft.com/office/drawing/2014/main" id="{8378040D-0841-4744-9899-A87150D6F4E9}"/>
+              </a:ext>
+            </a:extLst>
+          </p:cNvPr>
+          <p:cNvSpPr>
+            <a:spLocks noGrp="1"/>
+          </p:cNvSpPr>
+          <p:nvPr>
+            <p:ph type="sldNum" sz="quarter" idx="12"/>
+          </p:nvPr>
+        </p:nvSpPr>
+        <p:spPr/>
+        <p:txBody>
+          <a:bodyPr/>
+          <a:lstStyle/>
+          <a:p>
+            <a:fld id="{D57F1E4F-1CFF-5643-939E-02111984F565}" type="slidenum">
+              <a:rPr lang="en-US" smtClean="0"/>
+              <a:t>11</a:t>
+            </a:fld>
+            <a:endParaRPr lang="en-US" dirty="0"/>
+          </a:p>
+        </p:txBody>
+      </p:sp>
+      <p:pic>
+        <p:nvPicPr>
+          <p:cNvPr id="3074" name="Picture 2" descr="Insertion Sort">
+            <a:extLst>
+              <a:ext uri="{FF2B5EF4-FFF2-40B4-BE49-F238E27FC236}">
+                <a16:creationId xmlns:a16="http://schemas.microsoft.com/office/drawing/2014/main" id="{99CCC77D-1423-344F-B685-CB69DFD3690B}"/>
+              </a:ext>
+            </a:extLst>
+          </p:cNvPr>
+          <p:cNvPicPr>
+            <a:picLocks noChangeAspect="1" noChangeArrowheads="1"/>
+          </p:cNvPicPr>
+          <p:nvPr/>
+        </p:nvPicPr>
+        <p:blipFill>
+          <a:blip r:embed="rId2">
+            <a:extLst>
+              <a:ext uri="{28A0092B-C50C-407E-A947-70E740481C1C}">
+                <a14:useLocalDpi xmlns:a14="http://schemas.microsoft.com/office/drawing/2010/main" val="0"/>
+              </a:ext>
+            </a:extLst>
+          </a:blip>
+          <a:srcRect/>
+          <a:stretch>
+            <a:fillRect/>
+          </a:stretch>
+        </p:blipFill>
+        <p:spPr bwMode="auto">
+          <a:xfrm>
+            <a:off x="1673297" y="493276"/>
+            <a:ext cx="5588140" cy="4917453"/>
+          </a:xfrm>
+          <a:prstGeom prst="rect">
+            <a:avLst/>
+          </a:prstGeom>
+          <a:noFill/>
+          <a:extLst>
+            <a:ext uri="{909E8E84-426E-40DD-AFC4-6F175D3DCCD1}">
+              <a14:hiddenFill xmlns:a14="http://schemas.microsoft.com/office/drawing/2010/main">
+                <a:solidFill>
+                  <a:srgbClr val="FFFFFF"/>
+                </a:solidFill>
+              </a14:hiddenFill>
+            </a:ext>
+          </a:extLst>
+        </p:spPr>
+      </p:pic>
+    </p:spTree>
+    <p:extLst>
+      <p:ext uri="{BB962C8B-B14F-4D97-AF65-F5344CB8AC3E}">
+        <p14:creationId xmlns:p14="http://schemas.microsoft.com/office/powerpoint/2010/main" val="445830501"/>
+      </p:ext>
+    </p:extLst>
+  </p:cSld>
+  <p:clrMapOvr>
+    <a:masterClrMapping/>
+  </p:clrMapOvr>
+</p:sld>
+</file>
+
+<file path=ppt/slides/slide12.xml><?xml version="1.0" encoding="utf-8"?>
+<p:sld xmlns:a="http://schemas.openxmlformats.org/drawingml/2006/main" xmlns:r="http://schemas.openxmlformats.org/officeDocument/2006/relationships" xmlns:p="http://schemas.openxmlformats.org/presentationml/2006/main">
+  <p:cSld>
+    <p:spTree>
+      <p:nvGrpSpPr>
+        <p:cNvPr id="1" name=""/>
+        <p:cNvGrpSpPr/>
+        <p:nvPr/>
+      </p:nvGrpSpPr>
+      <p:grpSpPr>
+        <a:xfrm>
+          <a:off x="0" y="0"/>
+          <a:ext cx="0" cy="0"/>
+          <a:chOff x="0" y="0"/>
+          <a:chExt cx="0" cy="0"/>
+        </a:xfrm>
+      </p:grpSpPr>
+      <p:sp>
+        <p:nvSpPr>
+          <p:cNvPr id="2" name="Title 1">
+            <a:extLst>
+              <a:ext uri="{FF2B5EF4-FFF2-40B4-BE49-F238E27FC236}">
+                <a16:creationId xmlns:a16="http://schemas.microsoft.com/office/drawing/2014/main" id="{19FD16F3-D491-6E40-A2B3-1AFDA10C65F0}"/>
+              </a:ext>
+            </a:extLst>
+          </p:cNvPr>
+          <p:cNvSpPr>
+            <a:spLocks noGrp="1"/>
+          </p:cNvSpPr>
+          <p:nvPr>
+            <p:ph type="title"/>
+          </p:nvPr>
+        </p:nvSpPr>
+        <p:spPr/>
+        <p:txBody>
+          <a:bodyPr/>
+          <a:lstStyle/>
+          <a:p>
+            <a:endParaRPr lang="en-US"/>
+          </a:p>
+        </p:txBody>
+      </p:sp>
+      <p:sp>
+        <p:nvSpPr>
+          <p:cNvPr id="3" name="Content Placeholder 2">
+            <a:extLst>
+              <a:ext uri="{FF2B5EF4-FFF2-40B4-BE49-F238E27FC236}">
+                <a16:creationId xmlns:a16="http://schemas.microsoft.com/office/drawing/2014/main" id="{1EFFA45C-7008-7144-BF33-BD11BF4D074E}"/>
+              </a:ext>
+            </a:extLst>
+          </p:cNvPr>
+          <p:cNvSpPr>
+            <a:spLocks noGrp="1"/>
+          </p:cNvSpPr>
+          <p:nvPr>
+            <p:ph idx="1"/>
+          </p:nvPr>
+        </p:nvSpPr>
+        <p:spPr/>
+        <p:txBody>
+          <a:bodyPr/>
+          <a:lstStyle/>
+          <a:p>
+            <a:endParaRPr lang="en-US"/>
+          </a:p>
+        </p:txBody>
+      </p:sp>
+      <p:sp>
+        <p:nvSpPr>
+          <p:cNvPr id="4" name="Slide Number Placeholder 3">
+            <a:extLst>
+              <a:ext uri="{FF2B5EF4-FFF2-40B4-BE49-F238E27FC236}">
+                <a16:creationId xmlns:a16="http://schemas.microsoft.com/office/drawing/2014/main" id="{C982F38E-89A1-1947-8432-E2C5C2D23AD5}"/>
+              </a:ext>
+            </a:extLst>
+          </p:cNvPr>
+          <p:cNvSpPr>
+            <a:spLocks noGrp="1"/>
+          </p:cNvSpPr>
+          <p:nvPr>
+            <p:ph type="sldNum" sz="quarter" idx="12"/>
+          </p:nvPr>
+        </p:nvSpPr>
+        <p:spPr/>
+        <p:txBody>
+          <a:bodyPr/>
+          <a:lstStyle/>
+          <a:p>
+            <a:fld id="{D57F1E4F-1CFF-5643-939E-02111984F565}" type="slidenum">
+              <a:rPr lang="en-US" smtClean="0"/>
+              <a:t>12</a:t>
+            </a:fld>
+            <a:endParaRPr lang="en-US" dirty="0"/>
+          </a:p>
+        </p:txBody>
+      </p:sp>
+      <p:pic>
+        <p:nvPicPr>
+          <p:cNvPr id="4098" name="Picture 2" descr="Merge Sort">
+            <a:extLst>
+              <a:ext uri="{FF2B5EF4-FFF2-40B4-BE49-F238E27FC236}">
+                <a16:creationId xmlns:a16="http://schemas.microsoft.com/office/drawing/2014/main" id="{D04E949F-75DA-9B49-B3E8-E0770B3290B3}"/>
+              </a:ext>
+            </a:extLst>
+          </p:cNvPr>
+          <p:cNvPicPr>
+            <a:picLocks noChangeAspect="1" noChangeArrowheads="1"/>
+          </p:cNvPicPr>
+          <p:nvPr/>
+        </p:nvPicPr>
+        <p:blipFill>
+          <a:blip r:embed="rId2">
+            <a:extLst>
+              <a:ext uri="{28A0092B-C50C-407E-A947-70E740481C1C}">
+                <a14:useLocalDpi xmlns:a14="http://schemas.microsoft.com/office/drawing/2010/main" val="0"/>
+              </a:ext>
+            </a:extLst>
+          </a:blip>
+          <a:srcRect/>
+          <a:stretch>
+            <a:fillRect/>
+          </a:stretch>
+        </p:blipFill>
+        <p:spPr bwMode="auto">
+          <a:xfrm>
+            <a:off x="1781570" y="401976"/>
+            <a:ext cx="5580860" cy="4911047"/>
+          </a:xfrm>
+          <a:prstGeom prst="rect">
+            <a:avLst/>
+          </a:prstGeom>
+          <a:noFill/>
+          <a:extLst>
+            <a:ext uri="{909E8E84-426E-40DD-AFC4-6F175D3DCCD1}">
+              <a14:hiddenFill xmlns:a14="http://schemas.microsoft.com/office/drawing/2010/main">
+                <a:solidFill>
+                  <a:srgbClr val="FFFFFF"/>
+                </a:solidFill>
+              </a14:hiddenFill>
+            </a:ext>
+          </a:extLst>
+        </p:spPr>
+      </p:pic>
+    </p:spTree>
+    <p:extLst>
+      <p:ext uri="{BB962C8B-B14F-4D97-AF65-F5344CB8AC3E}">
+        <p14:creationId xmlns:p14="http://schemas.microsoft.com/office/powerpoint/2010/main" val="3966117082"/>
+      </p:ext>
+    </p:extLst>
+  </p:cSld>
+  <p:clrMapOvr>
+    <a:masterClrMapping/>
+  </p:clrMapOvr>
+</p:sld>
+</file>
+
+<file path=ppt/slides/slide13.xml><?xml version="1.0" encoding="utf-8"?>
 <p:sld xmlns:a="http://schemas.openxmlformats.org/drawingml/2006/main" xmlns:r="http://schemas.openxmlformats.org/officeDocument/2006/relationships" xmlns:p="http://schemas.openxmlformats.org/presentationml/2006/main">
   <p:cSld>
     <p:spTree>
@@ -13994,7 +13502,7 @@
           <a:p>
             <a:fld id="{D57F1E4F-1CFF-5643-939E-02111984F565}" type="slidenum">
               <a:rPr lang="en-US" smtClean="0"/>
-              <a:t>11</a:t>
+              <a:t>13</a:t>
             </a:fld>
             <a:endParaRPr lang="en-US" dirty="0"/>
           </a:p>
@@ -14190,7 +13698,7 @@
 </p:sld>
 </file>
 
-<file path=ppt/slides/slide12.xml><?xml version="1.0" encoding="utf-8"?>
+<file path=ppt/slides/slide14.xml><?xml version="1.0" encoding="utf-8"?>
 <p:sld xmlns:a="http://schemas.openxmlformats.org/drawingml/2006/main" xmlns:r="http://schemas.openxmlformats.org/officeDocument/2006/relationships" xmlns:p="http://schemas.openxmlformats.org/presentationml/2006/main">
   <p:cSld>
     <p:spTree>
@@ -14462,7 +13970,7 @@
           <a:p>
             <a:fld id="{D57F1E4F-1CFF-5643-939E-02111984F565}" type="slidenum">
               <a:rPr lang="en-US" smtClean="0"/>
-              <a:t>12</a:t>
+              <a:t>14</a:t>
             </a:fld>
             <a:endParaRPr lang="en-US" dirty="0"/>
           </a:p>
@@ -14738,7 +14246,7 @@
 </p:sld>
 </file>
 
-<file path=ppt/slides/slide13.xml><?xml version="1.0" encoding="utf-8"?>
+<file path=ppt/slides/slide15.xml><?xml version="1.0" encoding="utf-8"?>
 <p:sld xmlns:a="http://schemas.openxmlformats.org/drawingml/2006/main" xmlns:r="http://schemas.openxmlformats.org/officeDocument/2006/relationships" xmlns:p="http://schemas.openxmlformats.org/presentationml/2006/main">
   <p:cSld>
     <p:spTree>
@@ -14946,7 +14454,7 @@
           <a:p>
             <a:fld id="{D57F1E4F-1CFF-5643-939E-02111984F565}" type="slidenum">
               <a:rPr lang="en-US" smtClean="0"/>
-              <a:t>13</a:t>
+              <a:t>15</a:t>
             </a:fld>
             <a:endParaRPr lang="en-US" dirty="0"/>
           </a:p>
@@ -15093,7 +14601,155 @@
 </p:sld>
 </file>
 
-<file path=ppt/slides/slide14.xml><?xml version="1.0" encoding="utf-8"?>
+<file path=ppt/slides/slide16.xml><?xml version="1.0" encoding="utf-8"?>
+<p:sld xmlns:a="http://schemas.openxmlformats.org/drawingml/2006/main" xmlns:r="http://schemas.openxmlformats.org/officeDocument/2006/relationships" xmlns:p="http://schemas.openxmlformats.org/presentationml/2006/main">
+  <p:cSld>
+    <p:spTree>
+      <p:nvGrpSpPr>
+        <p:cNvPr id="1" name=""/>
+        <p:cNvGrpSpPr/>
+        <p:nvPr/>
+      </p:nvGrpSpPr>
+      <p:grpSpPr>
+        <a:xfrm>
+          <a:off x="0" y="0"/>
+          <a:ext cx="0" cy="0"/>
+          <a:chOff x="0" y="0"/>
+          <a:chExt cx="0" cy="0"/>
+        </a:xfrm>
+      </p:grpSpPr>
+      <p:sp>
+        <p:nvSpPr>
+          <p:cNvPr id="186370" name="Rectangle 2">
+            <a:extLst>
+              <a:ext uri="{FF2B5EF4-FFF2-40B4-BE49-F238E27FC236}">
+                <a16:creationId xmlns:a16="http://schemas.microsoft.com/office/drawing/2014/main" id="{C5506108-D6E6-9641-98CC-A9DA92AF0478}"/>
+              </a:ext>
+            </a:extLst>
+          </p:cNvPr>
+          <p:cNvSpPr>
+            <a:spLocks noGrp="1" noChangeArrowheads="1"/>
+          </p:cNvSpPr>
+          <p:nvPr>
+            <p:ph type="title"/>
+          </p:nvPr>
+        </p:nvSpPr>
+        <p:spPr>
+          <a:xfrm>
+            <a:off x="133564" y="104519"/>
+            <a:ext cx="7724240" cy="679442"/>
+          </a:xfrm>
+        </p:spPr>
+        <p:txBody>
+          <a:bodyPr/>
+          <a:lstStyle/>
+          <a:p>
+            <a:pPr eaLnBrk="1" hangingPunct="1">
+              <a:defRPr/>
+            </a:pPr>
+            <a:r>
+              <a:rPr lang="en-US" dirty="0">
+                <a:cs typeface="+mj-cs"/>
+              </a:rPr>
+              <a:t>Review</a:t>
+            </a:r>
+            <a:endParaRPr lang="en-US" sz="2333" dirty="0"/>
+          </a:p>
+        </p:txBody>
+      </p:sp>
+      <p:sp>
+        <p:nvSpPr>
+          <p:cNvPr id="6146" name="Rectangle 3">
+            <a:extLst>
+              <a:ext uri="{FF2B5EF4-FFF2-40B4-BE49-F238E27FC236}">
+                <a16:creationId xmlns:a16="http://schemas.microsoft.com/office/drawing/2014/main" id="{EAA042DF-FAF2-DA4B-9FB9-A8E93FAB0389}"/>
+              </a:ext>
+            </a:extLst>
+          </p:cNvPr>
+          <p:cNvSpPr>
+            <a:spLocks noGrp="1" noChangeArrowheads="1"/>
+          </p:cNvSpPr>
+          <p:nvPr>
+            <p:ph type="body" idx="1"/>
+          </p:nvPr>
+        </p:nvSpPr>
+        <p:spPr>
+          <a:xfrm>
+            <a:off x="133564" y="783961"/>
+            <a:ext cx="8537825" cy="4931039"/>
+          </a:xfrm>
+        </p:spPr>
+        <p:txBody>
+          <a:bodyPr>
+            <a:noAutofit/>
+          </a:bodyPr>
+          <a:lstStyle/>
+          <a:p>
+            <a:pPr marL="0" indent="0">
+              <a:buNone/>
+            </a:pPr>
+            <a:endParaRPr lang="en-US" sz="2000" dirty="0"/>
+          </a:p>
+          <a:p>
+            <a:pPr marL="0" indent="0">
+              <a:buNone/>
+            </a:pPr>
+            <a:endParaRPr lang="en-US" sz="2000" dirty="0"/>
+          </a:p>
+          <a:p>
+            <a:pPr marL="0" indent="0">
+              <a:buNone/>
+            </a:pPr>
+            <a:endParaRPr lang="en-US" altLang="en-US" sz="2000" dirty="0">
+              <a:latin typeface="Courier New" panose="02070309020205020404" pitchFamily="49" charset="0"/>
+              <a:ea typeface="ＭＳ Ｐゴシック" panose="020B0600070205080204" pitchFamily="34" charset="-128"/>
+            </a:endParaRPr>
+          </a:p>
+        </p:txBody>
+      </p:sp>
+      <p:sp>
+        <p:nvSpPr>
+          <p:cNvPr id="2" name="Slide Number Placeholder 1">
+            <a:extLst>
+              <a:ext uri="{FF2B5EF4-FFF2-40B4-BE49-F238E27FC236}">
+                <a16:creationId xmlns:a16="http://schemas.microsoft.com/office/drawing/2014/main" id="{9C3CA69A-9F9B-CC4B-BBCA-6F6F89332FC4}"/>
+              </a:ext>
+            </a:extLst>
+          </p:cNvPr>
+          <p:cNvSpPr>
+            <a:spLocks noGrp="1"/>
+          </p:cNvSpPr>
+          <p:nvPr>
+            <p:ph type="sldNum" sz="quarter" idx="12"/>
+          </p:nvPr>
+        </p:nvSpPr>
+        <p:spPr/>
+        <p:txBody>
+          <a:bodyPr/>
+          <a:lstStyle/>
+          <a:p>
+            <a:fld id="{D57F1E4F-1CFF-5643-939E-02111984F565}" type="slidenum">
+              <a:rPr lang="en-US" smtClean="0"/>
+              <a:t>16</a:t>
+            </a:fld>
+            <a:endParaRPr lang="en-US" dirty="0"/>
+          </a:p>
+        </p:txBody>
+      </p:sp>
+    </p:spTree>
+    <p:extLst>
+      <p:ext uri="{BB962C8B-B14F-4D97-AF65-F5344CB8AC3E}">
+        <p14:creationId xmlns:p14="http://schemas.microsoft.com/office/powerpoint/2010/main" val="328759724"/>
+      </p:ext>
+    </p:extLst>
+  </p:cSld>
+  <p:clrMapOvr>
+    <a:masterClrMapping/>
+  </p:clrMapOvr>
+</p:sld>
+</file>
+
+<file path=ppt/slides/slide17.xml><?xml version="1.0" encoding="utf-8"?>
 <p:sld xmlns:a="http://schemas.openxmlformats.org/drawingml/2006/main" xmlns:r="http://schemas.openxmlformats.org/officeDocument/2006/relationships" xmlns:p="http://schemas.openxmlformats.org/presentationml/2006/main">
   <p:cSld>
     <p:spTree>
@@ -15418,7 +15074,7 @@
           <a:p>
             <a:fld id="{D57F1E4F-1CFF-5643-939E-02111984F565}" type="slidenum">
               <a:rPr lang="en-US" smtClean="0"/>
-              <a:t>14</a:t>
+              <a:t>17</a:t>
             </a:fld>
             <a:endParaRPr lang="en-US" dirty="0"/>
           </a:p>
@@ -15890,7 +15546,7 @@
 </p:sld>
 </file>
 
-<file path=ppt/slides/slide15.xml><?xml version="1.0" encoding="utf-8"?>
+<file path=ppt/slides/slide18.xml><?xml version="1.0" encoding="utf-8"?>
 <p:sld xmlns:a="http://schemas.openxmlformats.org/drawingml/2006/main" xmlns:r="http://schemas.openxmlformats.org/officeDocument/2006/relationships" xmlns:p="http://schemas.openxmlformats.org/presentationml/2006/main">
   <p:cSld>
     <p:spTree>
@@ -16368,7 +16024,7 @@
           <a:p>
             <a:fld id="{D57F1E4F-1CFF-5643-939E-02111984F565}" type="slidenum">
               <a:rPr lang="en-US" smtClean="0"/>
-              <a:t>15</a:t>
+              <a:t>18</a:t>
             </a:fld>
             <a:endParaRPr lang="en-US" dirty="0"/>
           </a:p>
@@ -17204,7 +16860,7 @@
 </p:sld>
 </file>
 
-<file path=ppt/slides/slide16.xml><?xml version="1.0" encoding="utf-8"?>
+<file path=ppt/slides/slide19.xml><?xml version="1.0" encoding="utf-8"?>
 <p:sld xmlns:a="http://schemas.openxmlformats.org/drawingml/2006/main" xmlns:r="http://schemas.openxmlformats.org/officeDocument/2006/relationships" xmlns:p="http://schemas.openxmlformats.org/presentationml/2006/main">
   <p:cSld>
     <p:spTree>
@@ -17597,7 +17253,7 @@
           <a:p>
             <a:fld id="{D57F1E4F-1CFF-5643-939E-02111984F565}" type="slidenum">
               <a:rPr lang="en-US" smtClean="0"/>
-              <a:t>16</a:t>
+              <a:t>19</a:t>
             </a:fld>
             <a:endParaRPr lang="en-US" dirty="0"/>
           </a:p>
@@ -18185,1301 +17841,6 @@
 </p:sld>
 </file>
 
-<file path=ppt/slides/slide17.xml><?xml version="1.0" encoding="utf-8"?>
-<p:sld xmlns:a="http://schemas.openxmlformats.org/drawingml/2006/main" xmlns:r="http://schemas.openxmlformats.org/officeDocument/2006/relationships" xmlns:p="http://schemas.openxmlformats.org/presentationml/2006/main">
-  <p:cSld>
-    <p:spTree>
-      <p:nvGrpSpPr>
-        <p:cNvPr id="1" name=""/>
-        <p:cNvGrpSpPr/>
-        <p:nvPr/>
-      </p:nvGrpSpPr>
-      <p:grpSpPr>
-        <a:xfrm>
-          <a:off x="0" y="0"/>
-          <a:ext cx="0" cy="0"/>
-          <a:chOff x="0" y="0"/>
-          <a:chExt cx="0" cy="0"/>
-        </a:xfrm>
-      </p:grpSpPr>
-      <p:sp>
-        <p:nvSpPr>
-          <p:cNvPr id="40961" name="Rectangle 2">
-            <a:extLst>
-              <a:ext uri="{FF2B5EF4-FFF2-40B4-BE49-F238E27FC236}">
-                <a16:creationId xmlns:a16="http://schemas.microsoft.com/office/drawing/2014/main" id="{FE63D7D0-16AC-974E-AF55-6BAED8C880F6}"/>
-              </a:ext>
-            </a:extLst>
-          </p:cNvPr>
-          <p:cNvSpPr>
-            <a:spLocks noGrp="1" noChangeArrowheads="1"/>
-          </p:cNvSpPr>
-          <p:nvPr>
-            <p:ph type="title"/>
-          </p:nvPr>
-        </p:nvSpPr>
-        <p:spPr>
-          <a:xfrm>
-            <a:off x="0" y="127000"/>
-            <a:ext cx="7888626" cy="638345"/>
-          </a:xfrm>
-        </p:spPr>
-        <p:txBody>
-          <a:bodyPr/>
-          <a:lstStyle/>
-          <a:p>
-            <a:pPr eaLnBrk="1" hangingPunct="1"/>
-            <a:r>
-              <a:rPr lang="en-US" altLang="en-US" sz="2500" dirty="0">
-                <a:latin typeface="Tahoma" panose="020B0604030504040204" pitchFamily="34" charset="0"/>
-                <a:ea typeface="ＭＳ Ｐゴシック" panose="020B0600070205080204" pitchFamily="34" charset="-128"/>
-              </a:rPr>
-              <a:t>Algorithmic Efficiency</a:t>
-            </a:r>
-          </a:p>
-        </p:txBody>
-      </p:sp>
-      <p:sp>
-        <p:nvSpPr>
-          <p:cNvPr id="26627" name="Rectangle 3">
-            <a:extLst>
-              <a:ext uri="{FF2B5EF4-FFF2-40B4-BE49-F238E27FC236}">
-                <a16:creationId xmlns:a16="http://schemas.microsoft.com/office/drawing/2014/main" id="{BD7CEE5B-C52A-794A-BCE5-C92159F2026F}"/>
-              </a:ext>
-            </a:extLst>
-          </p:cNvPr>
-          <p:cNvSpPr>
-            <a:spLocks noGrp="1" noChangeArrowheads="1"/>
-          </p:cNvSpPr>
-          <p:nvPr>
-            <p:ph type="body" idx="1"/>
-          </p:nvPr>
-        </p:nvSpPr>
-        <p:spPr>
-          <a:xfrm>
-            <a:off x="123290" y="842481"/>
-            <a:ext cx="8763856" cy="4541177"/>
-          </a:xfrm>
-        </p:spPr>
-        <p:txBody>
-          <a:bodyPr>
-            <a:normAutofit/>
-          </a:bodyPr>
-          <a:lstStyle/>
-          <a:p>
-            <a:pPr marL="0" indent="0">
-              <a:buNone/>
-            </a:pPr>
-            <a:r>
-              <a:rPr lang="en-US" dirty="0"/>
-              <a:t>A </a:t>
-            </a:r>
-            <a:r>
-              <a:rPr lang="en-US" b="1" dirty="0"/>
-              <a:t>problem</a:t>
-            </a:r>
-            <a:r>
-              <a:rPr lang="en-US" i="1" dirty="0"/>
-              <a:t> </a:t>
-            </a:r>
-            <a:r>
-              <a:rPr lang="en-US" dirty="0"/>
-              <a:t>is a general description of a task that can (or cannot) be solved algorithmically. </a:t>
-            </a:r>
-          </a:p>
-          <a:p>
-            <a:pPr marL="0" indent="0">
-              <a:buNone/>
-            </a:pPr>
-            <a:endParaRPr lang="en-US" dirty="0"/>
-          </a:p>
-          <a:p>
-            <a:pPr marL="0" indent="0">
-              <a:buNone/>
-            </a:pPr>
-            <a:r>
-              <a:rPr lang="en-US" dirty="0"/>
-              <a:t>An </a:t>
-            </a:r>
-            <a:r>
-              <a:rPr lang="en-US" b="1" dirty="0"/>
-              <a:t>instance</a:t>
-            </a:r>
-            <a:r>
-              <a:rPr lang="en-US" i="1" dirty="0"/>
-              <a:t> </a:t>
-            </a:r>
-            <a:r>
-              <a:rPr lang="en-US" dirty="0"/>
-              <a:t>of a problem also includes specific input. For example, sorting is a problem; sorting the list (2,3,1,7) is an instance of the problem. </a:t>
-            </a:r>
-            <a:endParaRPr lang="en-US" sz="2000" dirty="0"/>
-          </a:p>
-          <a:p>
-            <a:pPr marL="0" indent="0">
-              <a:buNone/>
-            </a:pPr>
-            <a:endParaRPr lang="en-US" sz="2000" dirty="0"/>
-          </a:p>
-          <a:p>
-            <a:pPr marL="0" indent="0">
-              <a:buNone/>
-            </a:pPr>
-            <a:r>
-              <a:rPr lang="en-US" dirty="0"/>
-              <a:t>A </a:t>
-            </a:r>
-            <a:r>
-              <a:rPr lang="en-US" b="1" dirty="0"/>
-              <a:t>decision problem</a:t>
-            </a:r>
-            <a:r>
-              <a:rPr lang="en-US" i="1" dirty="0"/>
-              <a:t> </a:t>
-            </a:r>
-            <a:r>
-              <a:rPr lang="en-US" dirty="0"/>
-              <a:t>is a problem with a yes/no answer (e.g., is there a path from A to B?). </a:t>
-            </a:r>
-          </a:p>
-          <a:p>
-            <a:pPr marL="0" indent="0">
-              <a:buNone/>
-            </a:pPr>
-            <a:endParaRPr lang="en-US" dirty="0"/>
-          </a:p>
-          <a:p>
-            <a:pPr marL="0" indent="0">
-              <a:buNone/>
-            </a:pPr>
-            <a:r>
-              <a:rPr lang="en-US" dirty="0"/>
-              <a:t>An </a:t>
-            </a:r>
-            <a:r>
-              <a:rPr lang="en-US" b="1" dirty="0"/>
-              <a:t>optimization problem</a:t>
-            </a:r>
-            <a:r>
-              <a:rPr lang="en-US" i="1" dirty="0"/>
-              <a:t> </a:t>
-            </a:r>
-            <a:r>
-              <a:rPr lang="en-US" dirty="0"/>
-              <a:t>is a problem with the goal of finding the “best” solution among many (e.g., what is the shortest path from A to B?). </a:t>
-            </a:r>
-          </a:p>
-          <a:p>
-            <a:pPr marL="0" indent="0">
-              <a:buNone/>
-            </a:pPr>
-            <a:endParaRPr lang="en-US" altLang="en-US" sz="2000" dirty="0">
-              <a:latin typeface="Gill Sans MT" panose="020B0502020104020203" pitchFamily="34" charset="77"/>
-            </a:endParaRPr>
-          </a:p>
-          <a:p>
-            <a:pPr marL="0" indent="0">
-              <a:buNone/>
-            </a:pPr>
-            <a:endParaRPr lang="en-US" altLang="en-US" sz="2000" dirty="0">
-              <a:latin typeface="Gill Sans MT" panose="020B0502020104020203" pitchFamily="34" charset="77"/>
-            </a:endParaRPr>
-          </a:p>
-          <a:p>
-            <a:pPr marL="0" indent="0" eaLnBrk="1" hangingPunct="1">
-              <a:buNone/>
-            </a:pPr>
-            <a:endParaRPr lang="en-US" altLang="en-US" sz="2000" dirty="0">
-              <a:latin typeface="Gill Sans MT" panose="020B0502020104020203" pitchFamily="34" charset="77"/>
-            </a:endParaRPr>
-          </a:p>
-          <a:p>
-            <a:pPr marL="0" indent="0" eaLnBrk="1" hangingPunct="1">
-              <a:buNone/>
-            </a:pPr>
-            <a:endParaRPr lang="en-US" altLang="en-US" sz="2000" dirty="0">
-              <a:latin typeface="Gill Sans MT" panose="020B0502020104020203" pitchFamily="34" charset="77"/>
-            </a:endParaRPr>
-          </a:p>
-          <a:p>
-            <a:pPr lvl="1" eaLnBrk="1" hangingPunct="1">
-              <a:buFontTx/>
-              <a:buNone/>
-            </a:pPr>
-            <a:r>
-              <a:rPr lang="en-US" altLang="en-US" sz="2000" dirty="0">
-                <a:latin typeface="Gill Sans MT" panose="020B0502020104020203" pitchFamily="34" charset="77"/>
-              </a:rPr>
-              <a:t>	</a:t>
-            </a:r>
-            <a:endParaRPr lang="en-US" altLang="en-US" sz="2000" b="1" dirty="0">
-              <a:solidFill>
-                <a:srgbClr val="008000"/>
-              </a:solidFill>
-              <a:latin typeface="Gill Sans MT" panose="020B0502020104020203" pitchFamily="34" charset="77"/>
-            </a:endParaRPr>
-          </a:p>
-        </p:txBody>
-      </p:sp>
-      <p:sp>
-        <p:nvSpPr>
-          <p:cNvPr id="2" name="Slide Number Placeholder 1">
-            <a:extLst>
-              <a:ext uri="{FF2B5EF4-FFF2-40B4-BE49-F238E27FC236}">
-                <a16:creationId xmlns:a16="http://schemas.microsoft.com/office/drawing/2014/main" id="{A4CB0179-28F5-974A-B202-8BFC596C0093}"/>
-              </a:ext>
-            </a:extLst>
-          </p:cNvPr>
-          <p:cNvSpPr>
-            <a:spLocks noGrp="1"/>
-          </p:cNvSpPr>
-          <p:nvPr>
-            <p:ph type="sldNum" sz="quarter" idx="12"/>
-          </p:nvPr>
-        </p:nvSpPr>
-        <p:spPr/>
-        <p:txBody>
-          <a:bodyPr/>
-          <a:lstStyle/>
-          <a:p>
-            <a:fld id="{D57F1E4F-1CFF-5643-939E-02111984F565}" type="slidenum">
-              <a:rPr lang="en-US" smtClean="0"/>
-              <a:t>17</a:t>
-            </a:fld>
-            <a:endParaRPr lang="en-US" dirty="0"/>
-          </a:p>
-        </p:txBody>
-      </p:sp>
-    </p:spTree>
-    <p:extLst>
-      <p:ext uri="{BB962C8B-B14F-4D97-AF65-F5344CB8AC3E}">
-        <p14:creationId xmlns:p14="http://schemas.microsoft.com/office/powerpoint/2010/main" val="1028645906"/>
-      </p:ext>
-    </p:extLst>
-  </p:cSld>
-  <p:clrMapOvr>
-    <a:masterClrMapping/>
-  </p:clrMapOvr>
-  <p:transition/>
-  <p:timing>
-    <p:tnLst>
-      <p:par>
-        <p:cTn id="1" dur="indefinite" restart="never" nodeType="tmRoot">
-          <p:childTnLst>
-            <p:seq concurrent="1" nextAc="seek">
-              <p:cTn id="2" dur="indefinite" nodeType="mainSeq">
-                <p:childTnLst>
-                  <p:par>
-                    <p:cTn id="3" fill="hold">
-                      <p:stCondLst>
-                        <p:cond delay="indefinite"/>
-                      </p:stCondLst>
-                      <p:childTnLst>
-                        <p:par>
-                          <p:cTn id="4" fill="hold">
-                            <p:stCondLst>
-                              <p:cond delay="0"/>
-                            </p:stCondLst>
-                            <p:childTnLst>
-                              <p:par>
-                                <p:cTn id="5" presetID="1" presetClass="entr" presetSubtype="0" fill="hold" nodeType="clickEffect">
-                                  <p:stCondLst>
-                                    <p:cond delay="0"/>
-                                  </p:stCondLst>
-                                  <p:childTnLst>
-                                    <p:set>
-                                      <p:cBhvr>
-                                        <p:cTn id="6" dur="1" fill="hold">
-                                          <p:stCondLst>
-                                            <p:cond delay="0"/>
-                                          </p:stCondLst>
-                                        </p:cTn>
-                                        <p:tgtEl>
-                                          <p:spTgt spid="26627">
-                                            <p:txEl>
-                                              <p:pRg st="2" end="2"/>
-                                            </p:txEl>
-                                          </p:spTgt>
-                                        </p:tgtEl>
-                                        <p:attrNameLst>
-                                          <p:attrName>style.visibility</p:attrName>
-                                        </p:attrNameLst>
-                                      </p:cBhvr>
-                                      <p:to>
-                                        <p:strVal val="visible"/>
-                                      </p:to>
-                                    </p:set>
-                                  </p:childTnLst>
-                                </p:cTn>
-                              </p:par>
-                            </p:childTnLst>
-                          </p:cTn>
-                        </p:par>
-                      </p:childTnLst>
-                    </p:cTn>
-                  </p:par>
-                  <p:par>
-                    <p:cTn id="7" fill="hold">
-                      <p:stCondLst>
-                        <p:cond delay="indefinite"/>
-                      </p:stCondLst>
-                      <p:childTnLst>
-                        <p:par>
-                          <p:cTn id="8" fill="hold">
-                            <p:stCondLst>
-                              <p:cond delay="0"/>
-                            </p:stCondLst>
-                            <p:childTnLst>
-                              <p:par>
-                                <p:cTn id="9" presetID="1" presetClass="entr" presetSubtype="0" fill="hold" nodeType="clickEffect">
-                                  <p:stCondLst>
-                                    <p:cond delay="0"/>
-                                  </p:stCondLst>
-                                  <p:childTnLst>
-                                    <p:set>
-                                      <p:cBhvr>
-                                        <p:cTn id="10" dur="1" fill="hold">
-                                          <p:stCondLst>
-                                            <p:cond delay="0"/>
-                                          </p:stCondLst>
-                                        </p:cTn>
-                                        <p:tgtEl>
-                                          <p:spTgt spid="26627">
-                                            <p:txEl>
-                                              <p:pRg st="4" end="4"/>
-                                            </p:txEl>
-                                          </p:spTgt>
-                                        </p:tgtEl>
-                                        <p:attrNameLst>
-                                          <p:attrName>style.visibility</p:attrName>
-                                        </p:attrNameLst>
-                                      </p:cBhvr>
-                                      <p:to>
-                                        <p:strVal val="visible"/>
-                                      </p:to>
-                                    </p:set>
-                                  </p:childTnLst>
-                                </p:cTn>
-                              </p:par>
-                            </p:childTnLst>
-                          </p:cTn>
-                        </p:par>
-                      </p:childTnLst>
-                    </p:cTn>
-                  </p:par>
-                  <p:par>
-                    <p:cTn id="11" fill="hold">
-                      <p:stCondLst>
-                        <p:cond delay="indefinite"/>
-                      </p:stCondLst>
-                      <p:childTnLst>
-                        <p:par>
-                          <p:cTn id="12" fill="hold">
-                            <p:stCondLst>
-                              <p:cond delay="0"/>
-                            </p:stCondLst>
-                            <p:childTnLst>
-                              <p:par>
-                                <p:cTn id="13" presetID="1" presetClass="entr" presetSubtype="0" fill="hold" nodeType="clickEffect">
-                                  <p:stCondLst>
-                                    <p:cond delay="0"/>
-                                  </p:stCondLst>
-                                  <p:childTnLst>
-                                    <p:set>
-                                      <p:cBhvr>
-                                        <p:cTn id="14" dur="1" fill="hold">
-                                          <p:stCondLst>
-                                            <p:cond delay="0"/>
-                                          </p:stCondLst>
-                                        </p:cTn>
-                                        <p:tgtEl>
-                                          <p:spTgt spid="26627">
-                                            <p:txEl>
-                                              <p:pRg st="6" end="6"/>
-                                            </p:txEl>
-                                          </p:spTgt>
-                                        </p:tgtEl>
-                                        <p:attrNameLst>
-                                          <p:attrName>style.visibility</p:attrName>
-                                        </p:attrNameLst>
-                                      </p:cBhvr>
-                                      <p:to>
-                                        <p:strVal val="visible"/>
-                                      </p:to>
-                                    </p:set>
-                                  </p:childTnLst>
-                                </p:cTn>
-                              </p:par>
-                            </p:childTnLst>
-                          </p:cTn>
-                        </p:par>
-                      </p:childTnLst>
-                    </p:cTn>
-                  </p:par>
-                </p:childTnLst>
-              </p:cTn>
-              <p:prevCondLst>
-                <p:cond evt="onPrev" delay="0">
-                  <p:tgtEl>
-                    <p:sldTgt/>
-                  </p:tgtEl>
-                </p:cond>
-              </p:prevCondLst>
-              <p:nextCondLst>
-                <p:cond evt="onNext" delay="0">
-                  <p:tgtEl>
-                    <p:sldTgt/>
-                  </p:tgtEl>
-                </p:cond>
-              </p:nextCondLst>
-            </p:seq>
-          </p:childTnLst>
-        </p:cTn>
-      </p:par>
-    </p:tnLst>
-  </p:timing>
-</p:sld>
-</file>
-
-<file path=ppt/slides/slide18.xml><?xml version="1.0" encoding="utf-8"?>
-<p:sld xmlns:a="http://schemas.openxmlformats.org/drawingml/2006/main" xmlns:r="http://schemas.openxmlformats.org/officeDocument/2006/relationships" xmlns:p="http://schemas.openxmlformats.org/presentationml/2006/main">
-  <p:cSld>
-    <p:spTree>
-      <p:nvGrpSpPr>
-        <p:cNvPr id="1" name=""/>
-        <p:cNvGrpSpPr/>
-        <p:nvPr/>
-      </p:nvGrpSpPr>
-      <p:grpSpPr>
-        <a:xfrm>
-          <a:off x="0" y="0"/>
-          <a:ext cx="0" cy="0"/>
-          <a:chOff x="0" y="0"/>
-          <a:chExt cx="0" cy="0"/>
-        </a:xfrm>
-      </p:grpSpPr>
-      <p:sp>
-        <p:nvSpPr>
-          <p:cNvPr id="40961" name="Rectangle 2">
-            <a:extLst>
-              <a:ext uri="{FF2B5EF4-FFF2-40B4-BE49-F238E27FC236}">
-                <a16:creationId xmlns:a16="http://schemas.microsoft.com/office/drawing/2014/main" id="{FE63D7D0-16AC-974E-AF55-6BAED8C880F6}"/>
-              </a:ext>
-            </a:extLst>
-          </p:cNvPr>
-          <p:cNvSpPr>
-            <a:spLocks noGrp="1" noChangeArrowheads="1"/>
-          </p:cNvSpPr>
-          <p:nvPr>
-            <p:ph type="title"/>
-          </p:nvPr>
-        </p:nvSpPr>
-        <p:spPr>
-          <a:xfrm>
-            <a:off x="0" y="127000"/>
-            <a:ext cx="7888626" cy="638345"/>
-          </a:xfrm>
-        </p:spPr>
-        <p:txBody>
-          <a:bodyPr/>
-          <a:lstStyle/>
-          <a:p>
-            <a:pPr eaLnBrk="1" hangingPunct="1"/>
-            <a:r>
-              <a:rPr lang="en-US" altLang="en-US" sz="2500" dirty="0">
-                <a:latin typeface="Tahoma" panose="020B0604030504040204" pitchFamily="34" charset="0"/>
-                <a:ea typeface="ＭＳ Ｐゴシック" panose="020B0600070205080204" pitchFamily="34" charset="-128"/>
-              </a:rPr>
-              <a:t>Algorithmic Efficiency</a:t>
-            </a:r>
-          </a:p>
-        </p:txBody>
-      </p:sp>
-      <p:sp>
-        <p:nvSpPr>
-          <p:cNvPr id="26627" name="Rectangle 3">
-            <a:extLst>
-              <a:ext uri="{FF2B5EF4-FFF2-40B4-BE49-F238E27FC236}">
-                <a16:creationId xmlns:a16="http://schemas.microsoft.com/office/drawing/2014/main" id="{BD7CEE5B-C52A-794A-BCE5-C92159F2026F}"/>
-              </a:ext>
-            </a:extLst>
-          </p:cNvPr>
-          <p:cNvSpPr>
-            <a:spLocks noGrp="1" noChangeArrowheads="1"/>
-          </p:cNvSpPr>
-          <p:nvPr>
-            <p:ph type="body" idx="1"/>
-          </p:nvPr>
-        </p:nvSpPr>
-        <p:spPr>
-          <a:xfrm>
-            <a:off x="123290" y="842481"/>
-            <a:ext cx="8763856" cy="4541177"/>
-          </a:xfrm>
-        </p:spPr>
-        <p:txBody>
-          <a:bodyPr>
-            <a:normAutofit/>
-          </a:bodyPr>
-          <a:lstStyle/>
-          <a:p>
-            <a:pPr marL="0" indent="0">
-              <a:buNone/>
-            </a:pPr>
-            <a:r>
-              <a:rPr lang="en-US" sz="2000" b="1" dirty="0"/>
-              <a:t>Efficiency</a:t>
-            </a:r>
-            <a:r>
-              <a:rPr lang="en-US" sz="2000" i="1" dirty="0"/>
-              <a:t> </a:t>
-            </a:r>
-            <a:r>
-              <a:rPr lang="en-US" sz="2000" dirty="0"/>
-              <a:t>is an estimation of the amount of computational resources used by an algorithm. </a:t>
-            </a:r>
-          </a:p>
-          <a:p>
-            <a:pPr marL="0" indent="0">
-              <a:buNone/>
-            </a:pPr>
-            <a:endParaRPr lang="en-US" sz="2000" dirty="0"/>
-          </a:p>
-          <a:p>
-            <a:pPr marL="0" indent="0">
-              <a:buNone/>
-            </a:pPr>
-            <a:r>
-              <a:rPr lang="en-US" sz="2000" dirty="0"/>
-              <a:t>Efficiency is typically expressed as a function of the size of the input(</a:t>
-            </a:r>
-            <a:r>
-              <a:rPr lang="en-US" sz="2000" dirty="0" err="1"/>
-              <a:t>e.g</a:t>
-            </a:r>
-            <a:r>
-              <a:rPr lang="en-US" sz="2000" dirty="0"/>
-              <a:t> the size of the list). </a:t>
-            </a:r>
-            <a:r>
-              <a:rPr lang="en-US" altLang="en-US" sz="2000" dirty="0">
-                <a:latin typeface="Gill Sans MT" panose="020B0502020104020203" pitchFamily="34" charset="77"/>
-              </a:rPr>
-              <a:t>Can either be worst-case complexity or average-case complexity.</a:t>
-            </a:r>
-          </a:p>
-          <a:p>
-            <a:pPr marL="0" indent="0">
-              <a:buNone/>
-            </a:pPr>
-            <a:endParaRPr lang="en-US" altLang="en-US" sz="2000" dirty="0">
-              <a:latin typeface="Gill Sans MT" panose="020B0502020104020203" pitchFamily="34" charset="77"/>
-            </a:endParaRPr>
-          </a:p>
-          <a:p>
-            <a:pPr marL="0" indent="0">
-              <a:buNone/>
-            </a:pPr>
-            <a:r>
-              <a:rPr lang="en-US" dirty="0"/>
-              <a:t>An algorithm’s efficiency can be informally measured by determining the number of times a statement or group of statements executes. </a:t>
-            </a:r>
-            <a:endParaRPr lang="en-US" sz="2000" dirty="0"/>
-          </a:p>
-          <a:p>
-            <a:pPr marL="0" indent="0">
-              <a:buNone/>
-            </a:pPr>
-            <a:endParaRPr lang="en-US" altLang="en-US" sz="2000" dirty="0">
-              <a:latin typeface="Gill Sans MT" panose="020B0502020104020203" pitchFamily="34" charset="77"/>
-            </a:endParaRPr>
-          </a:p>
-          <a:p>
-            <a:pPr marL="0" indent="0">
-              <a:buNone/>
-            </a:pPr>
-            <a:r>
-              <a:rPr lang="en-US" dirty="0"/>
-              <a:t>Different correct algorithms for the same problem can have different efficiencies. </a:t>
-            </a:r>
-            <a:endParaRPr lang="en-US" sz="2000" dirty="0"/>
-          </a:p>
-          <a:p>
-            <a:pPr marL="0" indent="0">
-              <a:buNone/>
-            </a:pPr>
-            <a:endParaRPr lang="en-US" altLang="en-US" sz="2000" dirty="0">
-              <a:latin typeface="Gill Sans MT" panose="020B0502020104020203" pitchFamily="34" charset="77"/>
-            </a:endParaRPr>
-          </a:p>
-          <a:p>
-            <a:pPr marL="0" indent="0" eaLnBrk="1" hangingPunct="1">
-              <a:buNone/>
-            </a:pPr>
-            <a:endParaRPr lang="en-US" altLang="en-US" sz="2000" dirty="0">
-              <a:latin typeface="Gill Sans MT" panose="020B0502020104020203" pitchFamily="34" charset="77"/>
-            </a:endParaRPr>
-          </a:p>
-          <a:p>
-            <a:pPr marL="0" indent="0" eaLnBrk="1" hangingPunct="1">
-              <a:buNone/>
-            </a:pPr>
-            <a:endParaRPr lang="en-US" altLang="en-US" sz="2000" dirty="0">
-              <a:latin typeface="Gill Sans MT" panose="020B0502020104020203" pitchFamily="34" charset="77"/>
-            </a:endParaRPr>
-          </a:p>
-          <a:p>
-            <a:pPr lvl="1" eaLnBrk="1" hangingPunct="1">
-              <a:buFontTx/>
-              <a:buNone/>
-            </a:pPr>
-            <a:r>
-              <a:rPr lang="en-US" altLang="en-US" sz="2000" dirty="0">
-                <a:latin typeface="Gill Sans MT" panose="020B0502020104020203" pitchFamily="34" charset="77"/>
-              </a:rPr>
-              <a:t>	</a:t>
-            </a:r>
-            <a:endParaRPr lang="en-US" altLang="en-US" sz="2000" b="1" dirty="0">
-              <a:solidFill>
-                <a:srgbClr val="008000"/>
-              </a:solidFill>
-              <a:latin typeface="Gill Sans MT" panose="020B0502020104020203" pitchFamily="34" charset="77"/>
-            </a:endParaRPr>
-          </a:p>
-        </p:txBody>
-      </p:sp>
-      <p:sp>
-        <p:nvSpPr>
-          <p:cNvPr id="2" name="Slide Number Placeholder 1">
-            <a:extLst>
-              <a:ext uri="{FF2B5EF4-FFF2-40B4-BE49-F238E27FC236}">
-                <a16:creationId xmlns:a16="http://schemas.microsoft.com/office/drawing/2014/main" id="{699FD964-70C4-F341-B4C5-F152247F1F1B}"/>
-              </a:ext>
-            </a:extLst>
-          </p:cNvPr>
-          <p:cNvSpPr>
-            <a:spLocks noGrp="1"/>
-          </p:cNvSpPr>
-          <p:nvPr>
-            <p:ph type="sldNum" sz="quarter" idx="12"/>
-          </p:nvPr>
-        </p:nvSpPr>
-        <p:spPr/>
-        <p:txBody>
-          <a:bodyPr/>
-          <a:lstStyle/>
-          <a:p>
-            <a:fld id="{D57F1E4F-1CFF-5643-939E-02111984F565}" type="slidenum">
-              <a:rPr lang="en-US" smtClean="0"/>
-              <a:t>18</a:t>
-            </a:fld>
-            <a:endParaRPr lang="en-US" dirty="0"/>
-          </a:p>
-        </p:txBody>
-      </p:sp>
-    </p:spTree>
-    <p:extLst>
-      <p:ext uri="{BB962C8B-B14F-4D97-AF65-F5344CB8AC3E}">
-        <p14:creationId xmlns:p14="http://schemas.microsoft.com/office/powerpoint/2010/main" val="892130114"/>
-      </p:ext>
-    </p:extLst>
-  </p:cSld>
-  <p:clrMapOvr>
-    <a:masterClrMapping/>
-  </p:clrMapOvr>
-  <p:transition/>
-  <p:timing>
-    <p:tnLst>
-      <p:par>
-        <p:cTn id="1" dur="indefinite" restart="never" nodeType="tmRoot">
-          <p:childTnLst>
-            <p:seq concurrent="1" nextAc="seek">
-              <p:cTn id="2" dur="indefinite" nodeType="mainSeq">
-                <p:childTnLst>
-                  <p:par>
-                    <p:cTn id="3" fill="hold">
-                      <p:stCondLst>
-                        <p:cond delay="indefinite"/>
-                      </p:stCondLst>
-                      <p:childTnLst>
-                        <p:par>
-                          <p:cTn id="4" fill="hold">
-                            <p:stCondLst>
-                              <p:cond delay="0"/>
-                            </p:stCondLst>
-                            <p:childTnLst>
-                              <p:par>
-                                <p:cTn id="5" presetID="1" presetClass="entr" presetSubtype="0" fill="hold" nodeType="clickEffect">
-                                  <p:stCondLst>
-                                    <p:cond delay="0"/>
-                                  </p:stCondLst>
-                                  <p:childTnLst>
-                                    <p:set>
-                                      <p:cBhvr>
-                                        <p:cTn id="6" dur="1" fill="hold">
-                                          <p:stCondLst>
-                                            <p:cond delay="0"/>
-                                          </p:stCondLst>
-                                        </p:cTn>
-                                        <p:tgtEl>
-                                          <p:spTgt spid="26627">
-                                            <p:txEl>
-                                              <p:pRg st="2" end="2"/>
-                                            </p:txEl>
-                                          </p:spTgt>
-                                        </p:tgtEl>
-                                        <p:attrNameLst>
-                                          <p:attrName>style.visibility</p:attrName>
-                                        </p:attrNameLst>
-                                      </p:cBhvr>
-                                      <p:to>
-                                        <p:strVal val="visible"/>
-                                      </p:to>
-                                    </p:set>
-                                  </p:childTnLst>
-                                </p:cTn>
-                              </p:par>
-                            </p:childTnLst>
-                          </p:cTn>
-                        </p:par>
-                      </p:childTnLst>
-                    </p:cTn>
-                  </p:par>
-                  <p:par>
-                    <p:cTn id="7" fill="hold">
-                      <p:stCondLst>
-                        <p:cond delay="indefinite"/>
-                      </p:stCondLst>
-                      <p:childTnLst>
-                        <p:par>
-                          <p:cTn id="8" fill="hold">
-                            <p:stCondLst>
-                              <p:cond delay="0"/>
-                            </p:stCondLst>
-                            <p:childTnLst>
-                              <p:par>
-                                <p:cTn id="9" presetID="1" presetClass="entr" presetSubtype="0" fill="hold" nodeType="clickEffect">
-                                  <p:stCondLst>
-                                    <p:cond delay="0"/>
-                                  </p:stCondLst>
-                                  <p:childTnLst>
-                                    <p:set>
-                                      <p:cBhvr>
-                                        <p:cTn id="10" dur="1" fill="hold">
-                                          <p:stCondLst>
-                                            <p:cond delay="0"/>
-                                          </p:stCondLst>
-                                        </p:cTn>
-                                        <p:tgtEl>
-                                          <p:spTgt spid="26627">
-                                            <p:txEl>
-                                              <p:pRg st="4" end="4"/>
-                                            </p:txEl>
-                                          </p:spTgt>
-                                        </p:tgtEl>
-                                        <p:attrNameLst>
-                                          <p:attrName>style.visibility</p:attrName>
-                                        </p:attrNameLst>
-                                      </p:cBhvr>
-                                      <p:to>
-                                        <p:strVal val="visible"/>
-                                      </p:to>
-                                    </p:set>
-                                  </p:childTnLst>
-                                </p:cTn>
-                              </p:par>
-                            </p:childTnLst>
-                          </p:cTn>
-                        </p:par>
-                      </p:childTnLst>
-                    </p:cTn>
-                  </p:par>
-                  <p:par>
-                    <p:cTn id="11" fill="hold">
-                      <p:stCondLst>
-                        <p:cond delay="indefinite"/>
-                      </p:stCondLst>
-                      <p:childTnLst>
-                        <p:par>
-                          <p:cTn id="12" fill="hold">
-                            <p:stCondLst>
-                              <p:cond delay="0"/>
-                            </p:stCondLst>
-                            <p:childTnLst>
-                              <p:par>
-                                <p:cTn id="13" presetID="1" presetClass="entr" presetSubtype="0" fill="hold" nodeType="clickEffect">
-                                  <p:stCondLst>
-                                    <p:cond delay="0"/>
-                                  </p:stCondLst>
-                                  <p:childTnLst>
-                                    <p:set>
-                                      <p:cBhvr>
-                                        <p:cTn id="14" dur="1" fill="hold">
-                                          <p:stCondLst>
-                                            <p:cond delay="0"/>
-                                          </p:stCondLst>
-                                        </p:cTn>
-                                        <p:tgtEl>
-                                          <p:spTgt spid="26627">
-                                            <p:txEl>
-                                              <p:pRg st="6" end="6"/>
-                                            </p:txEl>
-                                          </p:spTgt>
-                                        </p:tgtEl>
-                                        <p:attrNameLst>
-                                          <p:attrName>style.visibility</p:attrName>
-                                        </p:attrNameLst>
-                                      </p:cBhvr>
-                                      <p:to>
-                                        <p:strVal val="visible"/>
-                                      </p:to>
-                                    </p:set>
-                                  </p:childTnLst>
-                                </p:cTn>
-                              </p:par>
-                            </p:childTnLst>
-                          </p:cTn>
-                        </p:par>
-                      </p:childTnLst>
-                    </p:cTn>
-                  </p:par>
-                </p:childTnLst>
-              </p:cTn>
-              <p:prevCondLst>
-                <p:cond evt="onPrev" delay="0">
-                  <p:tgtEl>
-                    <p:sldTgt/>
-                  </p:tgtEl>
-                </p:cond>
-              </p:prevCondLst>
-              <p:nextCondLst>
-                <p:cond evt="onNext" delay="0">
-                  <p:tgtEl>
-                    <p:sldTgt/>
-                  </p:tgtEl>
-                </p:cond>
-              </p:nextCondLst>
-            </p:seq>
-          </p:childTnLst>
-        </p:cTn>
-      </p:par>
-    </p:tnLst>
-  </p:timing>
-</p:sld>
-</file>
-
-<file path=ppt/slides/slide19.xml><?xml version="1.0" encoding="utf-8"?>
-<p:sld xmlns:a="http://schemas.openxmlformats.org/drawingml/2006/main" xmlns:r="http://schemas.openxmlformats.org/officeDocument/2006/relationships" xmlns:p="http://schemas.openxmlformats.org/presentationml/2006/main">
-  <p:cSld>
-    <p:spTree>
-      <p:nvGrpSpPr>
-        <p:cNvPr id="1" name=""/>
-        <p:cNvGrpSpPr/>
-        <p:nvPr/>
-      </p:nvGrpSpPr>
-      <p:grpSpPr>
-        <a:xfrm>
-          <a:off x="0" y="0"/>
-          <a:ext cx="0" cy="0"/>
-          <a:chOff x="0" y="0"/>
-          <a:chExt cx="0" cy="0"/>
-        </a:xfrm>
-      </p:grpSpPr>
-      <p:sp>
-        <p:nvSpPr>
-          <p:cNvPr id="43009" name="Rectangle 2">
-            <a:extLst>
-              <a:ext uri="{FF2B5EF4-FFF2-40B4-BE49-F238E27FC236}">
-                <a16:creationId xmlns:a16="http://schemas.microsoft.com/office/drawing/2014/main" id="{1CB6B526-C09C-C949-9FC4-4AD8C5153452}"/>
-              </a:ext>
-            </a:extLst>
-          </p:cNvPr>
-          <p:cNvSpPr>
-            <a:spLocks noGrp="1" noChangeArrowheads="1"/>
-          </p:cNvSpPr>
-          <p:nvPr>
-            <p:ph type="title"/>
-          </p:nvPr>
-        </p:nvSpPr>
-        <p:spPr>
-          <a:xfrm>
-            <a:off x="154112" y="127000"/>
-            <a:ext cx="7898901" cy="710264"/>
-          </a:xfrm>
-        </p:spPr>
-        <p:txBody>
-          <a:bodyPr/>
-          <a:lstStyle/>
-          <a:p>
-            <a:pPr eaLnBrk="1" hangingPunct="1"/>
-            <a:r>
-              <a:rPr lang="en-US" altLang="en-US" sz="2500" dirty="0">
-                <a:latin typeface="Gill Sans MT" panose="020B0502020104020203" pitchFamily="34" charset="77"/>
-                <a:ea typeface="ＭＳ Ｐゴシック" panose="020B0600070205080204" pitchFamily="34" charset="-128"/>
-              </a:rPr>
-              <a:t>Efficiency for Searching</a:t>
-            </a:r>
-          </a:p>
-        </p:txBody>
-      </p:sp>
-      <p:sp>
-        <p:nvSpPr>
-          <p:cNvPr id="26627" name="Rectangle 3">
-            <a:extLst>
-              <a:ext uri="{FF2B5EF4-FFF2-40B4-BE49-F238E27FC236}">
-                <a16:creationId xmlns:a16="http://schemas.microsoft.com/office/drawing/2014/main" id="{B6877C2B-693C-FB47-8825-67E05FA1C999}"/>
-              </a:ext>
-            </a:extLst>
-          </p:cNvPr>
-          <p:cNvSpPr>
-            <a:spLocks noGrp="1" noChangeArrowheads="1"/>
-          </p:cNvSpPr>
-          <p:nvPr>
-            <p:ph type="body" idx="1"/>
-          </p:nvPr>
-        </p:nvSpPr>
-        <p:spPr>
-          <a:xfrm>
-            <a:off x="287676" y="739739"/>
-            <a:ext cx="8702212" cy="4848261"/>
-          </a:xfrm>
-        </p:spPr>
-        <p:txBody>
-          <a:bodyPr/>
-          <a:lstStyle/>
-          <a:p>
-            <a:pPr marL="0" indent="0">
-              <a:buNone/>
-            </a:pPr>
-            <a:r>
-              <a:rPr lang="en-US" altLang="en-US" sz="1833" dirty="0">
-                <a:solidFill>
-                  <a:srgbClr val="000000"/>
-                </a:solidFill>
-                <a:latin typeface="Gill Sans MT" panose="020B0502020104020203" pitchFamily="34" charset="77"/>
-                <a:ea typeface="ＭＳ Ｐゴシック" panose="020B0600070205080204" pitchFamily="34" charset="-128"/>
-              </a:rPr>
-              <a:t>Suppose we have a list of size n. </a:t>
-            </a:r>
-          </a:p>
-          <a:p>
-            <a:pPr marL="0" indent="0">
-              <a:buNone/>
-            </a:pPr>
-            <a:endParaRPr lang="en-US" altLang="en-US" sz="1833" dirty="0">
-              <a:solidFill>
-                <a:srgbClr val="000000"/>
-              </a:solidFill>
-              <a:latin typeface="Gill Sans MT" panose="020B0502020104020203" pitchFamily="34" charset="77"/>
-              <a:ea typeface="ＭＳ Ｐゴシック" panose="020B0600070205080204" pitchFamily="34" charset="-128"/>
-            </a:endParaRPr>
-          </a:p>
-          <a:p>
-            <a:pPr marL="0" indent="0">
-              <a:buNone/>
-            </a:pPr>
-            <a:r>
-              <a:rPr lang="en-US" altLang="en-US" sz="1833" dirty="0">
-                <a:solidFill>
-                  <a:srgbClr val="000000"/>
-                </a:solidFill>
-                <a:latin typeface="Gill Sans MT" panose="020B0502020104020203" pitchFamily="34" charset="77"/>
-                <a:ea typeface="ＭＳ Ｐゴシック" panose="020B0600070205080204" pitchFamily="34" charset="-128"/>
-              </a:rPr>
-              <a:t>1) In the worst-case scenario, what is the number of comparisons needed to find the target using sequential or linear search?</a:t>
-            </a:r>
-          </a:p>
-          <a:p>
-            <a:pPr marL="0" indent="0">
-              <a:buNone/>
-            </a:pPr>
-            <a:r>
-              <a:rPr lang="en-US" altLang="en-US" sz="1833" dirty="0">
-                <a:solidFill>
-                  <a:srgbClr val="000000"/>
-                </a:solidFill>
-                <a:latin typeface="Gill Sans MT" panose="020B0502020104020203" pitchFamily="34" charset="77"/>
-                <a:ea typeface="ＭＳ Ｐゴシック" panose="020B0600070205080204" pitchFamily="34" charset="-128"/>
-              </a:rPr>
-              <a:t>Answer: n</a:t>
-            </a:r>
-          </a:p>
-          <a:p>
-            <a:pPr marL="0" indent="0">
-              <a:buNone/>
-            </a:pPr>
-            <a:endParaRPr lang="en-US" altLang="en-US" sz="1833" dirty="0">
-              <a:solidFill>
-                <a:srgbClr val="000000"/>
-              </a:solidFill>
-              <a:latin typeface="Gill Sans MT" panose="020B0502020104020203" pitchFamily="34" charset="77"/>
-              <a:ea typeface="ＭＳ Ｐゴシック" panose="020B0600070205080204" pitchFamily="34" charset="-128"/>
-            </a:endParaRPr>
-          </a:p>
-          <a:p>
-            <a:pPr marL="0" indent="0">
-              <a:buNone/>
-            </a:pPr>
-            <a:r>
-              <a:rPr lang="en-US" altLang="en-US" sz="1833" dirty="0">
-                <a:solidFill>
-                  <a:srgbClr val="000000"/>
-                </a:solidFill>
-                <a:latin typeface="Gill Sans MT" panose="020B0502020104020203" pitchFamily="34" charset="77"/>
-                <a:ea typeface="ＭＳ Ｐゴシック" panose="020B0600070205080204" pitchFamily="34" charset="-128"/>
-              </a:rPr>
-              <a:t>2) In the worst-case scenario, what is the number of comparisons needed to find the target using binary search?</a:t>
-            </a:r>
-          </a:p>
-          <a:p>
-            <a:pPr marL="0" indent="0">
-              <a:buNone/>
-            </a:pPr>
-            <a:r>
-              <a:rPr lang="en-US" altLang="en-US" sz="1833" dirty="0">
-                <a:solidFill>
-                  <a:srgbClr val="000000"/>
-                </a:solidFill>
-                <a:latin typeface="Gill Sans MT" panose="020B0502020104020203" pitchFamily="34" charset="77"/>
-                <a:ea typeface="ＭＳ Ｐゴシック" panose="020B0600070205080204" pitchFamily="34" charset="-128"/>
-              </a:rPr>
-              <a:t>Answer: Approximately log_2(n). </a:t>
-            </a:r>
-          </a:p>
-          <a:p>
-            <a:pPr marL="0" indent="0">
-              <a:buNone/>
-            </a:pPr>
-            <a:endParaRPr lang="en-US" altLang="en-US" sz="1833" dirty="0">
-              <a:solidFill>
-                <a:srgbClr val="000000"/>
-              </a:solidFill>
-              <a:latin typeface="Gill Sans MT" panose="020B0502020104020203" pitchFamily="34" charset="77"/>
-              <a:ea typeface="ＭＳ Ｐゴシック" panose="020B0600070205080204" pitchFamily="34" charset="-128"/>
-            </a:endParaRPr>
-          </a:p>
-        </p:txBody>
-      </p:sp>
-      <p:sp>
-        <p:nvSpPr>
-          <p:cNvPr id="2" name="Slide Number Placeholder 1">
-            <a:extLst>
-              <a:ext uri="{FF2B5EF4-FFF2-40B4-BE49-F238E27FC236}">
-                <a16:creationId xmlns:a16="http://schemas.microsoft.com/office/drawing/2014/main" id="{E84E7056-87A5-0548-98A6-537CA8B5F75C}"/>
-              </a:ext>
-            </a:extLst>
-          </p:cNvPr>
-          <p:cNvSpPr>
-            <a:spLocks noGrp="1"/>
-          </p:cNvSpPr>
-          <p:nvPr>
-            <p:ph type="sldNum" sz="quarter" idx="12"/>
-          </p:nvPr>
-        </p:nvSpPr>
-        <p:spPr/>
-        <p:txBody>
-          <a:bodyPr/>
-          <a:lstStyle/>
-          <a:p>
-            <a:fld id="{D57F1E4F-1CFF-5643-939E-02111984F565}" type="slidenum">
-              <a:rPr lang="en-US" smtClean="0"/>
-              <a:t>19</a:t>
-            </a:fld>
-            <a:endParaRPr lang="en-US" dirty="0"/>
-          </a:p>
-        </p:txBody>
-      </p:sp>
-    </p:spTree>
-    <p:extLst>
-      <p:ext uri="{BB962C8B-B14F-4D97-AF65-F5344CB8AC3E}">
-        <p14:creationId xmlns:p14="http://schemas.microsoft.com/office/powerpoint/2010/main" val="3182606397"/>
-      </p:ext>
-    </p:extLst>
-  </p:cSld>
-  <p:clrMapOvr>
-    <a:masterClrMapping/>
-  </p:clrMapOvr>
-  <p:transition/>
-  <p:timing>
-    <p:tnLst>
-      <p:par>
-        <p:cTn id="1" dur="indefinite" restart="never" nodeType="tmRoot">
-          <p:childTnLst>
-            <p:seq concurrent="1" nextAc="seek">
-              <p:cTn id="2" dur="indefinite" nodeType="mainSeq">
-                <p:childTnLst>
-                  <p:par>
-                    <p:cTn id="3" fill="hold" nodeType="clickPar">
-                      <p:stCondLst>
-                        <p:cond delay="indefinite"/>
-                      </p:stCondLst>
-                      <p:childTnLst>
-                        <p:par>
-                          <p:cTn id="4" fill="hold" nodeType="withGroup">
-                            <p:stCondLst>
-                              <p:cond delay="0"/>
-                            </p:stCondLst>
-                            <p:childTnLst>
-                              <p:par>
-                                <p:cTn id="5" presetID="1" presetClass="entr" presetSubtype="0" fill="hold" nodeType="clickEffect">
-                                  <p:stCondLst>
-                                    <p:cond delay="0"/>
-                                  </p:stCondLst>
-                                  <p:childTnLst>
-                                    <p:set>
-                                      <p:cBhvr>
-                                        <p:cTn id="6" dur="1" fill="hold">
-                                          <p:stCondLst>
-                                            <p:cond delay="0"/>
-                                          </p:stCondLst>
-                                        </p:cTn>
-                                        <p:tgtEl>
-                                          <p:spTgt spid="26627">
-                                            <p:txEl>
-                                              <p:pRg st="3" end="3"/>
-                                            </p:txEl>
-                                          </p:spTgt>
-                                        </p:tgtEl>
-                                        <p:attrNameLst>
-                                          <p:attrName>style.visibility</p:attrName>
-                                        </p:attrNameLst>
-                                      </p:cBhvr>
-                                      <p:to>
-                                        <p:strVal val="visible"/>
-                                      </p:to>
-                                    </p:set>
-                                  </p:childTnLst>
-                                </p:cTn>
-                              </p:par>
-                            </p:childTnLst>
-                          </p:cTn>
-                        </p:par>
-                      </p:childTnLst>
-                    </p:cTn>
-                  </p:par>
-                  <p:par>
-                    <p:cTn id="7" fill="hold">
-                      <p:stCondLst>
-                        <p:cond delay="indefinite"/>
-                      </p:stCondLst>
-                      <p:childTnLst>
-                        <p:par>
-                          <p:cTn id="8" fill="hold">
-                            <p:stCondLst>
-                              <p:cond delay="0"/>
-                            </p:stCondLst>
-                            <p:childTnLst>
-                              <p:par>
-                                <p:cTn id="9" presetID="1" presetClass="entr" presetSubtype="0" fill="hold" nodeType="clickEffect">
-                                  <p:stCondLst>
-                                    <p:cond delay="0"/>
-                                  </p:stCondLst>
-                                  <p:childTnLst>
-                                    <p:set>
-                                      <p:cBhvr>
-                                        <p:cTn id="10" dur="1" fill="hold">
-                                          <p:stCondLst>
-                                            <p:cond delay="0"/>
-                                          </p:stCondLst>
-                                        </p:cTn>
-                                        <p:tgtEl>
-                                          <p:spTgt spid="26627">
-                                            <p:txEl>
-                                              <p:pRg st="5" end="5"/>
-                                            </p:txEl>
-                                          </p:spTgt>
-                                        </p:tgtEl>
-                                        <p:attrNameLst>
-                                          <p:attrName>style.visibility</p:attrName>
-                                        </p:attrNameLst>
-                                      </p:cBhvr>
-                                      <p:to>
-                                        <p:strVal val="visible"/>
-                                      </p:to>
-                                    </p:set>
-                                  </p:childTnLst>
-                                </p:cTn>
-                              </p:par>
-                            </p:childTnLst>
-                          </p:cTn>
-                        </p:par>
-                      </p:childTnLst>
-                    </p:cTn>
-                  </p:par>
-                  <p:par>
-                    <p:cTn id="11" fill="hold">
-                      <p:stCondLst>
-                        <p:cond delay="indefinite"/>
-                      </p:stCondLst>
-                      <p:childTnLst>
-                        <p:par>
-                          <p:cTn id="12" fill="hold">
-                            <p:stCondLst>
-                              <p:cond delay="0"/>
-                            </p:stCondLst>
-                            <p:childTnLst>
-                              <p:par>
-                                <p:cTn id="13" presetID="1" presetClass="entr" presetSubtype="0" fill="hold" nodeType="clickEffect">
-                                  <p:stCondLst>
-                                    <p:cond delay="0"/>
-                                  </p:stCondLst>
-                                  <p:childTnLst>
-                                    <p:set>
-                                      <p:cBhvr>
-                                        <p:cTn id="14" dur="1" fill="hold">
-                                          <p:stCondLst>
-                                            <p:cond delay="0"/>
-                                          </p:stCondLst>
-                                        </p:cTn>
-                                        <p:tgtEl>
-                                          <p:spTgt spid="26627">
-                                            <p:txEl>
-                                              <p:pRg st="6" end="6"/>
-                                            </p:txEl>
-                                          </p:spTgt>
-                                        </p:tgtEl>
-                                        <p:attrNameLst>
-                                          <p:attrName>style.visibility</p:attrName>
-                                        </p:attrNameLst>
-                                      </p:cBhvr>
-                                      <p:to>
-                                        <p:strVal val="visible"/>
-                                      </p:to>
-                                    </p:set>
-                                  </p:childTnLst>
-                                </p:cTn>
-                              </p:par>
-                            </p:childTnLst>
-                          </p:cTn>
-                        </p:par>
-                      </p:childTnLst>
-                    </p:cTn>
-                  </p:par>
-                </p:childTnLst>
-              </p:cTn>
-              <p:prevCondLst>
-                <p:cond evt="onPrev" delay="0">
-                  <p:tgtEl>
-                    <p:sldTgt/>
-                  </p:tgtEl>
-                </p:cond>
-              </p:prevCondLst>
-              <p:nextCondLst>
-                <p:cond evt="onNext" delay="0">
-                  <p:tgtEl>
-                    <p:sldTgt/>
-                  </p:tgtEl>
-                </p:cond>
-              </p:nextCondLst>
-            </p:seq>
-          </p:childTnLst>
-        </p:cTn>
-      </p:par>
-    </p:tnLst>
-  </p:timing>
-</p:sld>
-</file>
-
 <file path=ppt/slides/slide2.xml><?xml version="1.0" encoding="utf-8"?>
 <p:sld xmlns:a="http://schemas.openxmlformats.org/drawingml/2006/main" xmlns:r="http://schemas.openxmlformats.org/officeDocument/2006/relationships" xmlns:p="http://schemas.openxmlformats.org/presentationml/2006/main">
   <p:cSld>
@@ -20039,10 +18400,10 @@
       </p:grpSpPr>
       <p:sp>
         <p:nvSpPr>
-          <p:cNvPr id="45057" name="Rectangle 2">
+          <p:cNvPr id="40961" name="Rectangle 2">
             <a:extLst>
               <a:ext uri="{FF2B5EF4-FFF2-40B4-BE49-F238E27FC236}">
-                <a16:creationId xmlns:a16="http://schemas.microsoft.com/office/drawing/2014/main" id="{D6723D76-6113-A446-B182-A2F6E655CF5E}"/>
+                <a16:creationId xmlns:a16="http://schemas.microsoft.com/office/drawing/2014/main" id="{FE63D7D0-16AC-974E-AF55-6BAED8C880F6}"/>
               </a:ext>
             </a:extLst>
           </p:cNvPr>
@@ -20055,8 +18416,8 @@
         </p:nvSpPr>
         <p:spPr>
           <a:xfrm>
-            <a:off x="102742" y="0"/>
-            <a:ext cx="7888626" cy="699990"/>
+            <a:off x="0" y="127000"/>
+            <a:ext cx="7888626" cy="638345"/>
           </a:xfrm>
         </p:spPr>
         <p:txBody>
@@ -20066,10 +18427,10 @@
             <a:pPr eaLnBrk="1" hangingPunct="1"/>
             <a:r>
               <a:rPr lang="en-US" altLang="en-US" sz="2500" dirty="0">
-                <a:latin typeface="Gill Sans MT" panose="020B0502020104020203" pitchFamily="34" charset="77"/>
+                <a:latin typeface="Tahoma" panose="020B0604030504040204" pitchFamily="34" charset="0"/>
                 <a:ea typeface="ＭＳ Ｐゴシック" panose="020B0600070205080204" pitchFamily="34" charset="-128"/>
               </a:rPr>
-              <a:t>Computational Complexity for Sorting</a:t>
+              <a:t>Algorithmic Efficiency</a:t>
             </a:r>
           </a:p>
         </p:txBody>
@@ -20079,7 +18440,7 @@
           <p:cNvPr id="26627" name="Rectangle 3">
             <a:extLst>
               <a:ext uri="{FF2B5EF4-FFF2-40B4-BE49-F238E27FC236}">
-                <a16:creationId xmlns:a16="http://schemas.microsoft.com/office/drawing/2014/main" id="{2D82B300-4359-6C4B-BE04-DC6C746710D1}"/>
+                <a16:creationId xmlns:a16="http://schemas.microsoft.com/office/drawing/2014/main" id="{BD7CEE5B-C52A-794A-BCE5-C92159F2026F}"/>
               </a:ext>
             </a:extLst>
           </p:cNvPr>
@@ -20092,196 +18453,166 @@
         </p:nvSpPr>
         <p:spPr>
           <a:xfrm>
-            <a:off x="195209" y="606175"/>
-            <a:ext cx="8846049" cy="4981825"/>
+            <a:off x="123290" y="842481"/>
+            <a:ext cx="8763856" cy="4541177"/>
           </a:xfrm>
         </p:spPr>
         <p:txBody>
-          <a:bodyPr/>
+          <a:bodyPr>
+            <a:normAutofit/>
+          </a:bodyPr>
           <a:lstStyle/>
           <a:p>
             <a:pPr marL="0" indent="0">
               <a:buNone/>
             </a:pPr>
-            <a:endParaRPr lang="en-US" altLang="en-US" sz="1833" dirty="0">
+            <a:r>
+              <a:rPr lang="en-US" dirty="0"/>
+              <a:t>A </a:t>
+            </a:r>
+            <a:r>
+              <a:rPr lang="en-US" b="1" dirty="0"/>
+              <a:t>problem</a:t>
+            </a:r>
+            <a:r>
+              <a:rPr lang="en-US" i="1" dirty="0"/>
+              <a:t> </a:t>
+            </a:r>
+            <a:r>
+              <a:rPr lang="en-US" dirty="0"/>
+              <a:t>is a general description of a task that can (or cannot) be solved algorithmically. </a:t>
+            </a:r>
+          </a:p>
+          <a:p>
+            <a:pPr marL="0" indent="0">
+              <a:buNone/>
+            </a:pPr>
+            <a:endParaRPr lang="en-US" dirty="0"/>
+          </a:p>
+          <a:p>
+            <a:pPr marL="0" indent="0">
+              <a:buNone/>
+            </a:pPr>
+            <a:r>
+              <a:rPr lang="en-US" dirty="0"/>
+              <a:t>An </a:t>
+            </a:r>
+            <a:r>
+              <a:rPr lang="en-US" b="1" dirty="0"/>
+              <a:t>instance</a:t>
+            </a:r>
+            <a:r>
+              <a:rPr lang="en-US" i="1" dirty="0"/>
+              <a:t> </a:t>
+            </a:r>
+            <a:r>
+              <a:rPr lang="en-US" dirty="0"/>
+              <a:t>of a problem also includes specific input. For example, sorting is a problem; sorting the list (2,3,1,7) is an instance of the problem. </a:t>
+            </a:r>
+            <a:endParaRPr lang="en-US" sz="2000" dirty="0"/>
+          </a:p>
+          <a:p>
+            <a:pPr marL="0" indent="0">
+              <a:buNone/>
+            </a:pPr>
+            <a:endParaRPr lang="en-US" sz="2000" dirty="0"/>
+          </a:p>
+          <a:p>
+            <a:pPr marL="0" indent="0">
+              <a:buNone/>
+            </a:pPr>
+            <a:r>
+              <a:rPr lang="en-US" dirty="0"/>
+              <a:t>A </a:t>
+            </a:r>
+            <a:r>
+              <a:rPr lang="en-US" b="1" dirty="0"/>
+              <a:t>decision problem</a:t>
+            </a:r>
+            <a:r>
+              <a:rPr lang="en-US" i="1" dirty="0"/>
+              <a:t> </a:t>
+            </a:r>
+            <a:r>
+              <a:rPr lang="en-US" dirty="0"/>
+              <a:t>is a problem with a yes/no answer (e.g., is there a path from A to B?). </a:t>
+            </a:r>
+          </a:p>
+          <a:p>
+            <a:pPr marL="0" indent="0">
+              <a:buNone/>
+            </a:pPr>
+            <a:endParaRPr lang="en-US" dirty="0"/>
+          </a:p>
+          <a:p>
+            <a:pPr marL="0" indent="0">
+              <a:buNone/>
+            </a:pPr>
+            <a:r>
+              <a:rPr lang="en-US" dirty="0"/>
+              <a:t>An </a:t>
+            </a:r>
+            <a:r>
+              <a:rPr lang="en-US" b="1" dirty="0"/>
+              <a:t>optimization problem</a:t>
+            </a:r>
+            <a:r>
+              <a:rPr lang="en-US" i="1" dirty="0"/>
+              <a:t> </a:t>
+            </a:r>
+            <a:r>
+              <a:rPr lang="en-US" dirty="0"/>
+              <a:t>is a problem with the goal of finding the “best” solution among many (e.g., what is the shortest path from A to B?). </a:t>
+            </a:r>
+          </a:p>
+          <a:p>
+            <a:pPr marL="0" indent="0">
+              <a:buNone/>
+            </a:pPr>
+            <a:endParaRPr lang="en-US" altLang="en-US" sz="2000" dirty="0">
+              <a:latin typeface="Gill Sans MT" panose="020B0502020104020203" pitchFamily="34" charset="77"/>
+            </a:endParaRPr>
+          </a:p>
+          <a:p>
+            <a:pPr marL="0" indent="0">
+              <a:buNone/>
+            </a:pPr>
+            <a:endParaRPr lang="en-US" altLang="en-US" sz="2000" dirty="0">
+              <a:latin typeface="Gill Sans MT" panose="020B0502020104020203" pitchFamily="34" charset="77"/>
+            </a:endParaRPr>
+          </a:p>
+          <a:p>
+            <a:pPr marL="0" indent="0" eaLnBrk="1" hangingPunct="1">
+              <a:buNone/>
+            </a:pPr>
+            <a:endParaRPr lang="en-US" altLang="en-US" sz="2000" dirty="0">
+              <a:latin typeface="Gill Sans MT" panose="020B0502020104020203" pitchFamily="34" charset="77"/>
+            </a:endParaRPr>
+          </a:p>
+          <a:p>
+            <a:pPr marL="0" indent="0" eaLnBrk="1" hangingPunct="1">
+              <a:buNone/>
+            </a:pPr>
+            <a:endParaRPr lang="en-US" altLang="en-US" sz="2000" dirty="0">
+              <a:latin typeface="Gill Sans MT" panose="020B0502020104020203" pitchFamily="34" charset="77"/>
+            </a:endParaRPr>
+          </a:p>
+          <a:p>
+            <a:pPr lvl="1" eaLnBrk="1" hangingPunct="1">
+              <a:buFontTx/>
+              <a:buNone/>
+            </a:pPr>
+            <a:r>
+              <a:rPr lang="en-US" altLang="en-US" sz="2000" dirty="0">
+                <a:latin typeface="Gill Sans MT" panose="020B0502020104020203" pitchFamily="34" charset="77"/>
+              </a:rPr>
+              <a:t>	</a:t>
+            </a:r>
+            <a:endParaRPr lang="en-US" altLang="en-US" sz="2000" b="1" dirty="0">
               <a:solidFill>
-                <a:srgbClr val="000000"/>
+                <a:srgbClr val="008000"/>
               </a:solidFill>
               <a:latin typeface="Gill Sans MT" panose="020B0502020104020203" pitchFamily="34" charset="77"/>
-              <a:ea typeface="ＭＳ Ｐゴシック" panose="020B0600070205080204" pitchFamily="34" charset="-128"/>
-            </a:endParaRPr>
-          </a:p>
-          <a:p>
-            <a:pPr marL="0" indent="0">
-              <a:buNone/>
-            </a:pPr>
-            <a:r>
-              <a:rPr lang="en-US" altLang="en-US" sz="1833" dirty="0">
-                <a:solidFill>
-                  <a:srgbClr val="000000"/>
-                </a:solidFill>
-                <a:latin typeface="Gill Sans MT" panose="020B0502020104020203" pitchFamily="34" charset="77"/>
-                <a:ea typeface="ＭＳ Ｐゴシック" panose="020B0600070205080204" pitchFamily="34" charset="-128"/>
-              </a:rPr>
-              <a:t>Suppose we have a list of size n. </a:t>
-            </a:r>
-          </a:p>
-          <a:p>
-            <a:pPr marL="0" indent="0">
-              <a:buNone/>
-            </a:pPr>
-            <a:endParaRPr lang="en-US" altLang="en-US" sz="1833" dirty="0">
-              <a:solidFill>
-                <a:srgbClr val="000000"/>
-              </a:solidFill>
-              <a:latin typeface="Gill Sans MT" panose="020B0502020104020203" pitchFamily="34" charset="77"/>
-              <a:ea typeface="ＭＳ Ｐゴシック" panose="020B0600070205080204" pitchFamily="34" charset="-128"/>
-            </a:endParaRPr>
-          </a:p>
-          <a:p>
-            <a:pPr marL="0" indent="0">
-              <a:buNone/>
-            </a:pPr>
-            <a:r>
-              <a:rPr lang="en-US" altLang="en-US" sz="1833" dirty="0">
-                <a:solidFill>
-                  <a:srgbClr val="000000"/>
-                </a:solidFill>
-                <a:latin typeface="Gill Sans MT" panose="020B0502020104020203" pitchFamily="34" charset="77"/>
-                <a:ea typeface="ＭＳ Ｐゴシック" panose="020B0600070205080204" pitchFamily="34" charset="-128"/>
-              </a:rPr>
-              <a:t>1) What is the approximate number of comparisons needed for bubble sort?</a:t>
-            </a:r>
-          </a:p>
-          <a:p>
-            <a:pPr marL="0" indent="0">
-              <a:buNone/>
-            </a:pPr>
-            <a:r>
-              <a:rPr lang="en-US" altLang="en-US" sz="1833" dirty="0">
-                <a:solidFill>
-                  <a:srgbClr val="000000"/>
-                </a:solidFill>
-                <a:latin typeface="Gill Sans MT" panose="020B0502020104020203" pitchFamily="34" charset="77"/>
-                <a:ea typeface="ＭＳ Ｐゴシック" panose="020B0600070205080204" pitchFamily="34" charset="-128"/>
-              </a:rPr>
-              <a:t>Answer: Approximately n^2. </a:t>
-            </a:r>
-          </a:p>
-          <a:p>
-            <a:pPr marL="0" indent="0">
-              <a:buNone/>
-            </a:pPr>
-            <a:endParaRPr lang="en-US" altLang="en-US" sz="1833" dirty="0">
-              <a:solidFill>
-                <a:srgbClr val="000000"/>
-              </a:solidFill>
-              <a:latin typeface="Gill Sans MT" panose="020B0502020104020203" pitchFamily="34" charset="77"/>
-              <a:ea typeface="ＭＳ Ｐゴシック" panose="020B0600070205080204" pitchFamily="34" charset="-128"/>
-            </a:endParaRPr>
-          </a:p>
-          <a:p>
-            <a:pPr marL="0" indent="0">
-              <a:buNone/>
-            </a:pPr>
-            <a:r>
-              <a:rPr lang="en-US" altLang="en-US" sz="1833" dirty="0">
-                <a:solidFill>
-                  <a:srgbClr val="000000"/>
-                </a:solidFill>
-                <a:latin typeface="Gill Sans MT" panose="020B0502020104020203" pitchFamily="34" charset="77"/>
-                <a:ea typeface="ＭＳ Ｐゴシック" panose="020B0600070205080204" pitchFamily="34" charset="-128"/>
-              </a:rPr>
-              <a:t>2) What is the approximate number of comparisons needed for selection sort?</a:t>
-            </a:r>
-          </a:p>
-          <a:p>
-            <a:pPr marL="0" indent="0">
-              <a:buNone/>
-            </a:pPr>
-            <a:r>
-              <a:rPr lang="en-US" altLang="en-US" sz="1833" dirty="0">
-                <a:solidFill>
-                  <a:srgbClr val="000000"/>
-                </a:solidFill>
-                <a:latin typeface="Gill Sans MT" panose="020B0502020104020203" pitchFamily="34" charset="77"/>
-                <a:ea typeface="ＭＳ Ｐゴシック" panose="020B0600070205080204" pitchFamily="34" charset="-128"/>
-              </a:rPr>
-              <a:t>Answer: Approximately n^2.</a:t>
-            </a:r>
-          </a:p>
-          <a:p>
-            <a:pPr marL="0" indent="0">
-              <a:buNone/>
-            </a:pPr>
-            <a:endParaRPr lang="en-US" altLang="en-US" sz="1833" dirty="0">
-              <a:solidFill>
-                <a:srgbClr val="000000"/>
-              </a:solidFill>
-              <a:latin typeface="Gill Sans MT" panose="020B0502020104020203" pitchFamily="34" charset="77"/>
-              <a:ea typeface="ＭＳ Ｐゴシック" panose="020B0600070205080204" pitchFamily="34" charset="-128"/>
-            </a:endParaRPr>
-          </a:p>
-          <a:p>
-            <a:pPr marL="0" indent="0">
-              <a:buNone/>
-            </a:pPr>
-            <a:r>
-              <a:rPr lang="en-US" altLang="en-US" sz="1833" dirty="0">
-                <a:solidFill>
-                  <a:srgbClr val="000000"/>
-                </a:solidFill>
-                <a:latin typeface="Gill Sans MT" panose="020B0502020104020203" pitchFamily="34" charset="77"/>
-                <a:ea typeface="ＭＳ Ｐゴシック" panose="020B0600070205080204" pitchFamily="34" charset="-128"/>
-              </a:rPr>
-              <a:t>3) What is the number of comparisons needed for </a:t>
-            </a:r>
-            <a:r>
-              <a:rPr lang="en-US" altLang="en-US" sz="1833" dirty="0" err="1">
-                <a:solidFill>
-                  <a:srgbClr val="000000"/>
-                </a:solidFill>
-                <a:latin typeface="Gill Sans MT" panose="020B0502020104020203" pitchFamily="34" charset="77"/>
-                <a:ea typeface="ＭＳ Ｐゴシック" panose="020B0600070205080204" pitchFamily="34" charset="-128"/>
-              </a:rPr>
-              <a:t>mergesort</a:t>
-            </a:r>
-            <a:r>
-              <a:rPr lang="en-US" altLang="en-US" sz="1833" dirty="0">
-                <a:solidFill>
-                  <a:srgbClr val="000000"/>
-                </a:solidFill>
-                <a:latin typeface="Gill Sans MT" panose="020B0502020104020203" pitchFamily="34" charset="77"/>
-                <a:ea typeface="ＭＳ Ｐゴシック" panose="020B0600070205080204" pitchFamily="34" charset="-128"/>
-              </a:rPr>
-              <a:t>?</a:t>
-            </a:r>
-          </a:p>
-          <a:p>
-            <a:pPr marL="0" indent="0">
-              <a:buNone/>
-            </a:pPr>
-            <a:r>
-              <a:rPr lang="en-US" altLang="en-US" sz="1833" dirty="0">
-                <a:solidFill>
-                  <a:srgbClr val="000000"/>
-                </a:solidFill>
-                <a:latin typeface="Gill Sans MT" panose="020B0502020104020203" pitchFamily="34" charset="77"/>
-                <a:ea typeface="ＭＳ Ｐゴシック" panose="020B0600070205080204" pitchFamily="34" charset="-128"/>
-              </a:rPr>
-              <a:t>Answer: Approximately n*log(n).</a:t>
-            </a:r>
-          </a:p>
-          <a:p>
-            <a:pPr marL="0" indent="0">
-              <a:buNone/>
-            </a:pPr>
-            <a:endParaRPr lang="en-US" altLang="en-US" sz="1833" dirty="0">
-              <a:solidFill>
-                <a:srgbClr val="000000"/>
-              </a:solidFill>
-              <a:latin typeface="Gill Sans MT" panose="020B0502020104020203" pitchFamily="34" charset="77"/>
-              <a:ea typeface="ＭＳ Ｐゴシック" panose="020B0600070205080204" pitchFamily="34" charset="-128"/>
             </a:endParaRPr>
           </a:p>
         </p:txBody>
@@ -20291,7 +18622,7 @@
           <p:cNvPr id="2" name="Slide Number Placeholder 1">
             <a:extLst>
               <a:ext uri="{FF2B5EF4-FFF2-40B4-BE49-F238E27FC236}">
-                <a16:creationId xmlns:a16="http://schemas.microsoft.com/office/drawing/2014/main" id="{11284210-85DA-994B-BD88-E726FFF952BC}"/>
+                <a16:creationId xmlns:a16="http://schemas.microsoft.com/office/drawing/2014/main" id="{A4CB0179-28F5-974A-B202-8BFC596C0093}"/>
               </a:ext>
             </a:extLst>
           </p:cNvPr>
@@ -20318,7 +18649,7 @@
     </p:spTree>
     <p:extLst>
       <p:ext uri="{BB962C8B-B14F-4D97-AF65-F5344CB8AC3E}">
-        <p14:creationId xmlns:p14="http://schemas.microsoft.com/office/powerpoint/2010/main" val="1311847592"/>
+        <p14:creationId xmlns:p14="http://schemas.microsoft.com/office/powerpoint/2010/main" val="1028645906"/>
       </p:ext>
     </p:extLst>
   </p:cSld>
@@ -20335,13 +18666,13 @@
               <p:cTn id="2" dur="indefinite" nodeType="mainSeq">
                 <p:childTnLst>
                   <p:par>
-                    <p:cTn id="3" fill="hold" nodeType="clickPar">
+                    <p:cTn id="3" fill="hold">
                       <p:stCondLst>
                         <p:cond delay="indefinite"/>
                       </p:stCondLst>
                       <p:childTnLst>
                         <p:par>
-                          <p:cTn id="4" fill="hold" nodeType="withGroup">
+                          <p:cTn id="4" fill="hold">
                             <p:stCondLst>
                               <p:cond delay="0"/>
                             </p:stCondLst>
@@ -20355,6 +18686,55 @@
                                     <p:set>
                                       <p:cBhvr>
                                         <p:cTn id="6" dur="1" fill="hold">
+                                          <p:stCondLst>
+                                            <p:cond delay="0"/>
+                                          </p:stCondLst>
+                                        </p:cTn>
+                                        <p:tgtEl>
+                                          <p:spTgt spid="26627">
+                                            <p:txEl>
+                                              <p:pRg st="2" end="2"/>
+                                            </p:txEl>
+                                          </p:spTgt>
+                                        </p:tgtEl>
+                                        <p:attrNameLst>
+                                          <p:attrName>style.visibility</p:attrName>
+                                        </p:attrNameLst>
+                                      </p:cBhvr>
+                                      <p:to>
+                                        <p:strVal val="visible"/>
+                                      </p:to>
+                                    </p:set>
+                                  </p:childTnLst>
+                                </p:cTn>
+                              </p:par>
+                            </p:childTnLst>
+                          </p:cTn>
+                        </p:par>
+                      </p:childTnLst>
+                    </p:cTn>
+                  </p:par>
+                  <p:par>
+                    <p:cTn id="7" fill="hold">
+                      <p:stCondLst>
+                        <p:cond delay="indefinite"/>
+                      </p:stCondLst>
+                      <p:childTnLst>
+                        <p:par>
+                          <p:cTn id="8" fill="hold">
+                            <p:stCondLst>
+                              <p:cond delay="0"/>
+                            </p:stCondLst>
+                            <p:childTnLst>
+                              <p:par>
+                                <p:cTn id="9" presetID="1" presetClass="entr" presetSubtype="0" fill="hold" nodeType="clickEffect">
+                                  <p:stCondLst>
+                                    <p:cond delay="0"/>
+                                  </p:stCondLst>
+                                  <p:childTnLst>
+                                    <p:set>
+                                      <p:cBhvr>
+                                        <p:cTn id="10" dur="1" fill="hold">
                                           <p:stCondLst>
                                             <p:cond delay="0"/>
                                           </p:stCondLst>
@@ -20384,62 +18764,13 @@
                     </p:cTn>
                   </p:par>
                   <p:par>
-                    <p:cTn id="7" fill="hold" nodeType="clickPar">
+                    <p:cTn id="11" fill="hold">
                       <p:stCondLst>
                         <p:cond delay="indefinite"/>
                       </p:stCondLst>
                       <p:childTnLst>
                         <p:par>
-                          <p:cTn id="8" fill="hold" nodeType="withGroup">
-                            <p:stCondLst>
-                              <p:cond delay="0"/>
-                            </p:stCondLst>
-                            <p:childTnLst>
-                              <p:par>
-                                <p:cTn id="9" presetID="1" presetClass="entr" presetSubtype="0" fill="hold" nodeType="clickEffect">
-                                  <p:stCondLst>
-                                    <p:cond delay="0"/>
-                                  </p:stCondLst>
-                                  <p:childTnLst>
-                                    <p:set>
-                                      <p:cBhvr>
-                                        <p:cTn id="10" dur="1" fill="hold">
-                                          <p:stCondLst>
-                                            <p:cond delay="0"/>
-                                          </p:stCondLst>
-                                        </p:cTn>
-                                        <p:tgtEl>
-                                          <p:spTgt spid="26627">
-                                            <p:txEl>
-                                              <p:pRg st="6" end="6"/>
-                                            </p:txEl>
-                                          </p:spTgt>
-                                        </p:tgtEl>
-                                        <p:attrNameLst>
-                                          <p:attrName>style.visibility</p:attrName>
-                                        </p:attrNameLst>
-                                      </p:cBhvr>
-                                      <p:to>
-                                        <p:strVal val="visible"/>
-                                      </p:to>
-                                    </p:set>
-                                  </p:childTnLst>
-                                </p:cTn>
-                              </p:par>
-                            </p:childTnLst>
-                          </p:cTn>
-                        </p:par>
-                      </p:childTnLst>
-                    </p:cTn>
-                  </p:par>
-                  <p:par>
-                    <p:cTn id="11" fill="hold" nodeType="clickPar">
-                      <p:stCondLst>
-                        <p:cond delay="indefinite"/>
-                      </p:stCondLst>
-                      <p:childTnLst>
-                        <p:par>
-                          <p:cTn id="12" fill="hold" nodeType="withGroup">
+                          <p:cTn id="12" fill="hold">
                             <p:stCondLst>
                               <p:cond delay="0"/>
                             </p:stCondLst>
@@ -20460,105 +18791,7 @@
                                         <p:tgtEl>
                                           <p:spTgt spid="26627">
                                             <p:txEl>
-                                              <p:pRg st="7" end="7"/>
-                                            </p:txEl>
-                                          </p:spTgt>
-                                        </p:tgtEl>
-                                        <p:attrNameLst>
-                                          <p:attrName>style.visibility</p:attrName>
-                                        </p:attrNameLst>
-                                      </p:cBhvr>
-                                      <p:to>
-                                        <p:strVal val="visible"/>
-                                      </p:to>
-                                    </p:set>
-                                  </p:childTnLst>
-                                </p:cTn>
-                              </p:par>
-                            </p:childTnLst>
-                          </p:cTn>
-                        </p:par>
-                      </p:childTnLst>
-                    </p:cTn>
-                  </p:par>
-                  <p:par>
-                    <p:cTn id="15" fill="hold" nodeType="clickPar">
-                      <p:stCondLst>
-                        <p:cond delay="indefinite"/>
-                      </p:stCondLst>
-                      <p:childTnLst>
-                        <p:par>
-                          <p:cTn id="16" fill="hold" nodeType="withGroup">
-                            <p:stCondLst>
-                              <p:cond delay="0"/>
-                            </p:stCondLst>
-                            <p:childTnLst>
-                              <p:par>
-                                <p:cTn id="17" presetID="1" presetClass="entr" presetSubtype="0" fill="hold" nodeType="clickEffect">
-                                  <p:stCondLst>
-                                    <p:cond delay="0"/>
-                                  </p:stCondLst>
-                                  <p:childTnLst>
-                                    <p:set>
-                                      <p:cBhvr>
-                                        <p:cTn id="18" dur="1" fill="hold">
-                                          <p:stCondLst>
-                                            <p:cond delay="0"/>
-                                          </p:stCondLst>
-                                        </p:cTn>
-                                        <p:tgtEl>
-                                          <p:spTgt spid="26627">
-                                            <p:txEl>
-                                              <p:pRg st="9" end="9"/>
-                                            </p:txEl>
-                                          </p:spTgt>
-                                        </p:tgtEl>
-                                        <p:attrNameLst>
-                                          <p:attrName>style.visibility</p:attrName>
-                                        </p:attrNameLst>
-                                      </p:cBhvr>
-                                      <p:to>
-                                        <p:strVal val="visible"/>
-                                      </p:to>
-                                    </p:set>
-                                  </p:childTnLst>
-                                </p:cTn>
-                              </p:par>
-                            </p:childTnLst>
-                          </p:cTn>
-                        </p:par>
-                      </p:childTnLst>
-                    </p:cTn>
-                  </p:par>
-                  <p:par>
-                    <p:cTn id="19" fill="hold" nodeType="clickPar">
-                      <p:stCondLst>
-                        <p:cond delay="indefinite"/>
-                      </p:stCondLst>
-                      <p:childTnLst>
-                        <p:par>
-                          <p:cTn id="20" fill="hold" nodeType="withGroup">
-                            <p:stCondLst>
-                              <p:cond delay="0"/>
-                            </p:stCondLst>
-                            <p:childTnLst>
-                              <p:par>
-                                <p:cTn id="21" presetID="1" presetClass="entr" presetSubtype="0" fill="hold" nodeType="clickEffect">
-                                  <p:stCondLst>
-                                    <p:cond delay="0"/>
-                                  </p:stCondLst>
-                                  <p:childTnLst>
-                                    <p:set>
-                                      <p:cBhvr>
-                                        <p:cTn id="22" dur="1" fill="hold">
-                                          <p:stCondLst>
-                                            <p:cond delay="0"/>
-                                          </p:stCondLst>
-                                        </p:cTn>
-                                        <p:tgtEl>
-                                          <p:spTgt spid="26627">
-                                            <p:txEl>
-                                              <p:pRg st="10" end="10"/>
+                                              <p:pRg st="6" end="6"/>
                                             </p:txEl>
                                           </p:spTgt>
                                         </p:tgtEl>
@@ -20623,6 +18856,1335 @@
       </p:grpSpPr>
       <p:sp>
         <p:nvSpPr>
+          <p:cNvPr id="40961" name="Rectangle 2">
+            <a:extLst>
+              <a:ext uri="{FF2B5EF4-FFF2-40B4-BE49-F238E27FC236}">
+                <a16:creationId xmlns:a16="http://schemas.microsoft.com/office/drawing/2014/main" id="{FE63D7D0-16AC-974E-AF55-6BAED8C880F6}"/>
+              </a:ext>
+            </a:extLst>
+          </p:cNvPr>
+          <p:cNvSpPr>
+            <a:spLocks noGrp="1" noChangeArrowheads="1"/>
+          </p:cNvSpPr>
+          <p:nvPr>
+            <p:ph type="title"/>
+          </p:nvPr>
+        </p:nvSpPr>
+        <p:spPr>
+          <a:xfrm>
+            <a:off x="0" y="127000"/>
+            <a:ext cx="7888626" cy="638345"/>
+          </a:xfrm>
+        </p:spPr>
+        <p:txBody>
+          <a:bodyPr/>
+          <a:lstStyle/>
+          <a:p>
+            <a:pPr eaLnBrk="1" hangingPunct="1"/>
+            <a:r>
+              <a:rPr lang="en-US" altLang="en-US" sz="2500" dirty="0">
+                <a:latin typeface="Tahoma" panose="020B0604030504040204" pitchFamily="34" charset="0"/>
+                <a:ea typeface="ＭＳ Ｐゴシック" panose="020B0600070205080204" pitchFamily="34" charset="-128"/>
+              </a:rPr>
+              <a:t>Algorithmic Efficiency</a:t>
+            </a:r>
+          </a:p>
+        </p:txBody>
+      </p:sp>
+      <p:sp>
+        <p:nvSpPr>
+          <p:cNvPr id="26627" name="Rectangle 3">
+            <a:extLst>
+              <a:ext uri="{FF2B5EF4-FFF2-40B4-BE49-F238E27FC236}">
+                <a16:creationId xmlns:a16="http://schemas.microsoft.com/office/drawing/2014/main" id="{BD7CEE5B-C52A-794A-BCE5-C92159F2026F}"/>
+              </a:ext>
+            </a:extLst>
+          </p:cNvPr>
+          <p:cNvSpPr>
+            <a:spLocks noGrp="1" noChangeArrowheads="1"/>
+          </p:cNvSpPr>
+          <p:nvPr>
+            <p:ph type="body" idx="1"/>
+          </p:nvPr>
+        </p:nvSpPr>
+        <p:spPr>
+          <a:xfrm>
+            <a:off x="123290" y="842481"/>
+            <a:ext cx="8763856" cy="4541177"/>
+          </a:xfrm>
+        </p:spPr>
+        <p:txBody>
+          <a:bodyPr>
+            <a:normAutofit/>
+          </a:bodyPr>
+          <a:lstStyle/>
+          <a:p>
+            <a:pPr marL="0" indent="0">
+              <a:buNone/>
+            </a:pPr>
+            <a:r>
+              <a:rPr lang="en-US" sz="2000" b="1" dirty="0"/>
+              <a:t>Efficiency</a:t>
+            </a:r>
+            <a:r>
+              <a:rPr lang="en-US" sz="2000" i="1" dirty="0"/>
+              <a:t> </a:t>
+            </a:r>
+            <a:r>
+              <a:rPr lang="en-US" sz="2000" dirty="0"/>
+              <a:t>is an estimation of the amount of computational resources used by an algorithm. </a:t>
+            </a:r>
+          </a:p>
+          <a:p>
+            <a:pPr marL="0" indent="0">
+              <a:buNone/>
+            </a:pPr>
+            <a:endParaRPr lang="en-US" sz="2000" dirty="0"/>
+          </a:p>
+          <a:p>
+            <a:pPr marL="0" indent="0">
+              <a:buNone/>
+            </a:pPr>
+            <a:r>
+              <a:rPr lang="en-US" sz="2000" dirty="0"/>
+              <a:t>Efficiency is typically expressed as a function of the size of the input(</a:t>
+            </a:r>
+            <a:r>
+              <a:rPr lang="en-US" sz="2000" dirty="0" err="1"/>
+              <a:t>e.g</a:t>
+            </a:r>
+            <a:r>
+              <a:rPr lang="en-US" sz="2000" dirty="0"/>
+              <a:t> the size of the list). </a:t>
+            </a:r>
+            <a:r>
+              <a:rPr lang="en-US" altLang="en-US" sz="2000" dirty="0">
+                <a:latin typeface="Gill Sans MT" panose="020B0502020104020203" pitchFamily="34" charset="77"/>
+              </a:rPr>
+              <a:t>Can either be worst-case complexity or average-case complexity.</a:t>
+            </a:r>
+          </a:p>
+          <a:p>
+            <a:pPr marL="0" indent="0">
+              <a:buNone/>
+            </a:pPr>
+            <a:endParaRPr lang="en-US" altLang="en-US" sz="2000" dirty="0">
+              <a:latin typeface="Gill Sans MT" panose="020B0502020104020203" pitchFamily="34" charset="77"/>
+            </a:endParaRPr>
+          </a:p>
+          <a:p>
+            <a:pPr marL="0" indent="0">
+              <a:buNone/>
+            </a:pPr>
+            <a:r>
+              <a:rPr lang="en-US" dirty="0"/>
+              <a:t>An algorithm’s efficiency can be informally measured by determining the number of times a statement or group of statements executes. </a:t>
+            </a:r>
+            <a:endParaRPr lang="en-US" sz="2000" dirty="0"/>
+          </a:p>
+          <a:p>
+            <a:pPr marL="0" indent="0">
+              <a:buNone/>
+            </a:pPr>
+            <a:endParaRPr lang="en-US" altLang="en-US" sz="2000" dirty="0">
+              <a:latin typeface="Gill Sans MT" panose="020B0502020104020203" pitchFamily="34" charset="77"/>
+            </a:endParaRPr>
+          </a:p>
+          <a:p>
+            <a:pPr marL="0" indent="0">
+              <a:buNone/>
+            </a:pPr>
+            <a:r>
+              <a:rPr lang="en-US" dirty="0"/>
+              <a:t>Different correct algorithms for the same problem can have different efficiencies. </a:t>
+            </a:r>
+            <a:endParaRPr lang="en-US" sz="2000" dirty="0"/>
+          </a:p>
+          <a:p>
+            <a:pPr marL="0" indent="0">
+              <a:buNone/>
+            </a:pPr>
+            <a:endParaRPr lang="en-US" altLang="en-US" sz="2000" dirty="0">
+              <a:latin typeface="Gill Sans MT" panose="020B0502020104020203" pitchFamily="34" charset="77"/>
+            </a:endParaRPr>
+          </a:p>
+          <a:p>
+            <a:pPr marL="0" indent="0" eaLnBrk="1" hangingPunct="1">
+              <a:buNone/>
+            </a:pPr>
+            <a:endParaRPr lang="en-US" altLang="en-US" sz="2000" dirty="0">
+              <a:latin typeface="Gill Sans MT" panose="020B0502020104020203" pitchFamily="34" charset="77"/>
+            </a:endParaRPr>
+          </a:p>
+          <a:p>
+            <a:pPr marL="0" indent="0" eaLnBrk="1" hangingPunct="1">
+              <a:buNone/>
+            </a:pPr>
+            <a:endParaRPr lang="en-US" altLang="en-US" sz="2000" dirty="0">
+              <a:latin typeface="Gill Sans MT" panose="020B0502020104020203" pitchFamily="34" charset="77"/>
+            </a:endParaRPr>
+          </a:p>
+          <a:p>
+            <a:pPr lvl="1" eaLnBrk="1" hangingPunct="1">
+              <a:buFontTx/>
+              <a:buNone/>
+            </a:pPr>
+            <a:r>
+              <a:rPr lang="en-US" altLang="en-US" sz="2000" dirty="0">
+                <a:latin typeface="Gill Sans MT" panose="020B0502020104020203" pitchFamily="34" charset="77"/>
+              </a:rPr>
+              <a:t>	</a:t>
+            </a:r>
+            <a:endParaRPr lang="en-US" altLang="en-US" sz="2000" b="1" dirty="0">
+              <a:solidFill>
+                <a:srgbClr val="008000"/>
+              </a:solidFill>
+              <a:latin typeface="Gill Sans MT" panose="020B0502020104020203" pitchFamily="34" charset="77"/>
+            </a:endParaRPr>
+          </a:p>
+        </p:txBody>
+      </p:sp>
+      <p:sp>
+        <p:nvSpPr>
+          <p:cNvPr id="2" name="Slide Number Placeholder 1">
+            <a:extLst>
+              <a:ext uri="{FF2B5EF4-FFF2-40B4-BE49-F238E27FC236}">
+                <a16:creationId xmlns:a16="http://schemas.microsoft.com/office/drawing/2014/main" id="{699FD964-70C4-F341-B4C5-F152247F1F1B}"/>
+              </a:ext>
+            </a:extLst>
+          </p:cNvPr>
+          <p:cNvSpPr>
+            <a:spLocks noGrp="1"/>
+          </p:cNvSpPr>
+          <p:nvPr>
+            <p:ph type="sldNum" sz="quarter" idx="12"/>
+          </p:nvPr>
+        </p:nvSpPr>
+        <p:spPr/>
+        <p:txBody>
+          <a:bodyPr/>
+          <a:lstStyle/>
+          <a:p>
+            <a:fld id="{D57F1E4F-1CFF-5643-939E-02111984F565}" type="slidenum">
+              <a:rPr lang="en-US" smtClean="0"/>
+              <a:t>21</a:t>
+            </a:fld>
+            <a:endParaRPr lang="en-US" dirty="0"/>
+          </a:p>
+        </p:txBody>
+      </p:sp>
+    </p:spTree>
+    <p:extLst>
+      <p:ext uri="{BB962C8B-B14F-4D97-AF65-F5344CB8AC3E}">
+        <p14:creationId xmlns:p14="http://schemas.microsoft.com/office/powerpoint/2010/main" val="892130114"/>
+      </p:ext>
+    </p:extLst>
+  </p:cSld>
+  <p:clrMapOvr>
+    <a:masterClrMapping/>
+  </p:clrMapOvr>
+  <p:transition/>
+  <p:timing>
+    <p:tnLst>
+      <p:par>
+        <p:cTn id="1" dur="indefinite" restart="never" nodeType="tmRoot">
+          <p:childTnLst>
+            <p:seq concurrent="1" nextAc="seek">
+              <p:cTn id="2" dur="indefinite" nodeType="mainSeq">
+                <p:childTnLst>
+                  <p:par>
+                    <p:cTn id="3" fill="hold">
+                      <p:stCondLst>
+                        <p:cond delay="indefinite"/>
+                      </p:stCondLst>
+                      <p:childTnLst>
+                        <p:par>
+                          <p:cTn id="4" fill="hold">
+                            <p:stCondLst>
+                              <p:cond delay="0"/>
+                            </p:stCondLst>
+                            <p:childTnLst>
+                              <p:par>
+                                <p:cTn id="5" presetID="1" presetClass="entr" presetSubtype="0" fill="hold" nodeType="clickEffect">
+                                  <p:stCondLst>
+                                    <p:cond delay="0"/>
+                                  </p:stCondLst>
+                                  <p:childTnLst>
+                                    <p:set>
+                                      <p:cBhvr>
+                                        <p:cTn id="6" dur="1" fill="hold">
+                                          <p:stCondLst>
+                                            <p:cond delay="0"/>
+                                          </p:stCondLst>
+                                        </p:cTn>
+                                        <p:tgtEl>
+                                          <p:spTgt spid="26627">
+                                            <p:txEl>
+                                              <p:pRg st="2" end="2"/>
+                                            </p:txEl>
+                                          </p:spTgt>
+                                        </p:tgtEl>
+                                        <p:attrNameLst>
+                                          <p:attrName>style.visibility</p:attrName>
+                                        </p:attrNameLst>
+                                      </p:cBhvr>
+                                      <p:to>
+                                        <p:strVal val="visible"/>
+                                      </p:to>
+                                    </p:set>
+                                  </p:childTnLst>
+                                </p:cTn>
+                              </p:par>
+                            </p:childTnLst>
+                          </p:cTn>
+                        </p:par>
+                      </p:childTnLst>
+                    </p:cTn>
+                  </p:par>
+                  <p:par>
+                    <p:cTn id="7" fill="hold">
+                      <p:stCondLst>
+                        <p:cond delay="indefinite"/>
+                      </p:stCondLst>
+                      <p:childTnLst>
+                        <p:par>
+                          <p:cTn id="8" fill="hold">
+                            <p:stCondLst>
+                              <p:cond delay="0"/>
+                            </p:stCondLst>
+                            <p:childTnLst>
+                              <p:par>
+                                <p:cTn id="9" presetID="1" presetClass="entr" presetSubtype="0" fill="hold" nodeType="clickEffect">
+                                  <p:stCondLst>
+                                    <p:cond delay="0"/>
+                                  </p:stCondLst>
+                                  <p:childTnLst>
+                                    <p:set>
+                                      <p:cBhvr>
+                                        <p:cTn id="10" dur="1" fill="hold">
+                                          <p:stCondLst>
+                                            <p:cond delay="0"/>
+                                          </p:stCondLst>
+                                        </p:cTn>
+                                        <p:tgtEl>
+                                          <p:spTgt spid="26627">
+                                            <p:txEl>
+                                              <p:pRg st="4" end="4"/>
+                                            </p:txEl>
+                                          </p:spTgt>
+                                        </p:tgtEl>
+                                        <p:attrNameLst>
+                                          <p:attrName>style.visibility</p:attrName>
+                                        </p:attrNameLst>
+                                      </p:cBhvr>
+                                      <p:to>
+                                        <p:strVal val="visible"/>
+                                      </p:to>
+                                    </p:set>
+                                  </p:childTnLst>
+                                </p:cTn>
+                              </p:par>
+                            </p:childTnLst>
+                          </p:cTn>
+                        </p:par>
+                      </p:childTnLst>
+                    </p:cTn>
+                  </p:par>
+                  <p:par>
+                    <p:cTn id="11" fill="hold">
+                      <p:stCondLst>
+                        <p:cond delay="indefinite"/>
+                      </p:stCondLst>
+                      <p:childTnLst>
+                        <p:par>
+                          <p:cTn id="12" fill="hold">
+                            <p:stCondLst>
+                              <p:cond delay="0"/>
+                            </p:stCondLst>
+                            <p:childTnLst>
+                              <p:par>
+                                <p:cTn id="13" presetID="1" presetClass="entr" presetSubtype="0" fill="hold" nodeType="clickEffect">
+                                  <p:stCondLst>
+                                    <p:cond delay="0"/>
+                                  </p:stCondLst>
+                                  <p:childTnLst>
+                                    <p:set>
+                                      <p:cBhvr>
+                                        <p:cTn id="14" dur="1" fill="hold">
+                                          <p:stCondLst>
+                                            <p:cond delay="0"/>
+                                          </p:stCondLst>
+                                        </p:cTn>
+                                        <p:tgtEl>
+                                          <p:spTgt spid="26627">
+                                            <p:txEl>
+                                              <p:pRg st="6" end="6"/>
+                                            </p:txEl>
+                                          </p:spTgt>
+                                        </p:tgtEl>
+                                        <p:attrNameLst>
+                                          <p:attrName>style.visibility</p:attrName>
+                                        </p:attrNameLst>
+                                      </p:cBhvr>
+                                      <p:to>
+                                        <p:strVal val="visible"/>
+                                      </p:to>
+                                    </p:set>
+                                  </p:childTnLst>
+                                </p:cTn>
+                              </p:par>
+                            </p:childTnLst>
+                          </p:cTn>
+                        </p:par>
+                      </p:childTnLst>
+                    </p:cTn>
+                  </p:par>
+                </p:childTnLst>
+              </p:cTn>
+              <p:prevCondLst>
+                <p:cond evt="onPrev" delay="0">
+                  <p:tgtEl>
+                    <p:sldTgt/>
+                  </p:tgtEl>
+                </p:cond>
+              </p:prevCondLst>
+              <p:nextCondLst>
+                <p:cond evt="onNext" delay="0">
+                  <p:tgtEl>
+                    <p:sldTgt/>
+                  </p:tgtEl>
+                </p:cond>
+              </p:nextCondLst>
+            </p:seq>
+          </p:childTnLst>
+        </p:cTn>
+      </p:par>
+    </p:tnLst>
+  </p:timing>
+</p:sld>
+</file>
+
+<file path=ppt/slides/slide22.xml><?xml version="1.0" encoding="utf-8"?>
+<p:sld xmlns:a="http://schemas.openxmlformats.org/drawingml/2006/main" xmlns:r="http://schemas.openxmlformats.org/officeDocument/2006/relationships" xmlns:p="http://schemas.openxmlformats.org/presentationml/2006/main">
+  <p:cSld>
+    <p:spTree>
+      <p:nvGrpSpPr>
+        <p:cNvPr id="1" name=""/>
+        <p:cNvGrpSpPr/>
+        <p:nvPr/>
+      </p:nvGrpSpPr>
+      <p:grpSpPr>
+        <a:xfrm>
+          <a:off x="0" y="0"/>
+          <a:ext cx="0" cy="0"/>
+          <a:chOff x="0" y="0"/>
+          <a:chExt cx="0" cy="0"/>
+        </a:xfrm>
+      </p:grpSpPr>
+      <p:sp>
+        <p:nvSpPr>
+          <p:cNvPr id="43009" name="Rectangle 2">
+            <a:extLst>
+              <a:ext uri="{FF2B5EF4-FFF2-40B4-BE49-F238E27FC236}">
+                <a16:creationId xmlns:a16="http://schemas.microsoft.com/office/drawing/2014/main" id="{1CB6B526-C09C-C949-9FC4-4AD8C5153452}"/>
+              </a:ext>
+            </a:extLst>
+          </p:cNvPr>
+          <p:cNvSpPr>
+            <a:spLocks noGrp="1" noChangeArrowheads="1"/>
+          </p:cNvSpPr>
+          <p:nvPr>
+            <p:ph type="title"/>
+          </p:nvPr>
+        </p:nvSpPr>
+        <p:spPr>
+          <a:xfrm>
+            <a:off x="154112" y="127000"/>
+            <a:ext cx="7898901" cy="710264"/>
+          </a:xfrm>
+        </p:spPr>
+        <p:txBody>
+          <a:bodyPr/>
+          <a:lstStyle/>
+          <a:p>
+            <a:pPr eaLnBrk="1" hangingPunct="1"/>
+            <a:r>
+              <a:rPr lang="en-US" altLang="en-US" sz="2500" dirty="0">
+                <a:latin typeface="Gill Sans MT" panose="020B0502020104020203" pitchFamily="34" charset="77"/>
+                <a:ea typeface="ＭＳ Ｐゴシック" panose="020B0600070205080204" pitchFamily="34" charset="-128"/>
+              </a:rPr>
+              <a:t>Efficiency for Searching</a:t>
+            </a:r>
+          </a:p>
+        </p:txBody>
+      </p:sp>
+      <p:sp>
+        <p:nvSpPr>
+          <p:cNvPr id="26627" name="Rectangle 3">
+            <a:extLst>
+              <a:ext uri="{FF2B5EF4-FFF2-40B4-BE49-F238E27FC236}">
+                <a16:creationId xmlns:a16="http://schemas.microsoft.com/office/drawing/2014/main" id="{B6877C2B-693C-FB47-8825-67E05FA1C999}"/>
+              </a:ext>
+            </a:extLst>
+          </p:cNvPr>
+          <p:cNvSpPr>
+            <a:spLocks noGrp="1" noChangeArrowheads="1"/>
+          </p:cNvSpPr>
+          <p:nvPr>
+            <p:ph type="body" idx="1"/>
+          </p:nvPr>
+        </p:nvSpPr>
+        <p:spPr>
+          <a:xfrm>
+            <a:off x="287676" y="739739"/>
+            <a:ext cx="8702212" cy="4848261"/>
+          </a:xfrm>
+        </p:spPr>
+        <p:txBody>
+          <a:bodyPr>
+            <a:normAutofit/>
+          </a:bodyPr>
+          <a:lstStyle/>
+          <a:p>
+            <a:pPr marL="0" indent="0">
+              <a:buNone/>
+            </a:pPr>
+            <a:r>
+              <a:rPr lang="en-US" altLang="en-US" sz="2000" dirty="0">
+                <a:solidFill>
+                  <a:srgbClr val="000000"/>
+                </a:solidFill>
+                <a:latin typeface="Gill Sans MT" panose="020B0502020104020203" pitchFamily="34" charset="77"/>
+                <a:ea typeface="ＭＳ Ｐゴシック" panose="020B0600070205080204" pitchFamily="34" charset="-128"/>
+              </a:rPr>
+              <a:t>Suppose we have a list of size n. </a:t>
+            </a:r>
+          </a:p>
+          <a:p>
+            <a:pPr marL="0" indent="0">
+              <a:buNone/>
+            </a:pPr>
+            <a:endParaRPr lang="en-US" altLang="en-US" sz="2000" dirty="0">
+              <a:solidFill>
+                <a:srgbClr val="000000"/>
+              </a:solidFill>
+              <a:latin typeface="Gill Sans MT" panose="020B0502020104020203" pitchFamily="34" charset="77"/>
+              <a:ea typeface="ＭＳ Ｐゴシック" panose="020B0600070205080204" pitchFamily="34" charset="-128"/>
+            </a:endParaRPr>
+          </a:p>
+          <a:p>
+            <a:pPr marL="0" indent="0">
+              <a:buNone/>
+            </a:pPr>
+            <a:r>
+              <a:rPr lang="en-US" altLang="en-US" sz="2000" dirty="0">
+                <a:solidFill>
+                  <a:srgbClr val="000000"/>
+                </a:solidFill>
+                <a:latin typeface="Gill Sans MT" panose="020B0502020104020203" pitchFamily="34" charset="77"/>
+                <a:ea typeface="ＭＳ Ｐゴシック" panose="020B0600070205080204" pitchFamily="34" charset="-128"/>
+              </a:rPr>
+              <a:t>1) In the worst-case scenario, what is the number of comparisons needed to find the target using sequential or linear search?</a:t>
+            </a:r>
+          </a:p>
+          <a:p>
+            <a:pPr marL="0" indent="0">
+              <a:buNone/>
+            </a:pPr>
+            <a:r>
+              <a:rPr lang="en-US" altLang="en-US" sz="2000" dirty="0">
+                <a:solidFill>
+                  <a:srgbClr val="000000"/>
+                </a:solidFill>
+                <a:latin typeface="Gill Sans MT" panose="020B0502020104020203" pitchFamily="34" charset="77"/>
+                <a:ea typeface="ＭＳ Ｐゴシック" panose="020B0600070205080204" pitchFamily="34" charset="-128"/>
+              </a:rPr>
+              <a:t>Answer: n</a:t>
+            </a:r>
+          </a:p>
+          <a:p>
+            <a:pPr marL="0" indent="0">
+              <a:buNone/>
+            </a:pPr>
+            <a:endParaRPr lang="en-US" altLang="en-US" sz="2000" dirty="0">
+              <a:solidFill>
+                <a:srgbClr val="000000"/>
+              </a:solidFill>
+              <a:latin typeface="Gill Sans MT" panose="020B0502020104020203" pitchFamily="34" charset="77"/>
+              <a:ea typeface="ＭＳ Ｐゴシック" panose="020B0600070205080204" pitchFamily="34" charset="-128"/>
+            </a:endParaRPr>
+          </a:p>
+          <a:p>
+            <a:pPr marL="0" indent="0">
+              <a:buNone/>
+            </a:pPr>
+            <a:r>
+              <a:rPr lang="en-US" altLang="en-US" sz="2000" dirty="0">
+                <a:solidFill>
+                  <a:srgbClr val="000000"/>
+                </a:solidFill>
+                <a:latin typeface="Gill Sans MT" panose="020B0502020104020203" pitchFamily="34" charset="77"/>
+                <a:ea typeface="ＭＳ Ｐゴシック" panose="020B0600070205080204" pitchFamily="34" charset="-128"/>
+              </a:rPr>
+              <a:t>2) In the worst-case scenario, what is the number of comparisons needed to find the target using binary search?</a:t>
+            </a:r>
+          </a:p>
+          <a:p>
+            <a:pPr marL="0" indent="0">
+              <a:buNone/>
+            </a:pPr>
+            <a:r>
+              <a:rPr lang="en-US" altLang="en-US" sz="2000" dirty="0">
+                <a:solidFill>
+                  <a:srgbClr val="000000"/>
+                </a:solidFill>
+                <a:latin typeface="Gill Sans MT" panose="020B0502020104020203" pitchFamily="34" charset="77"/>
+                <a:ea typeface="ＭＳ Ｐゴシック" panose="020B0600070205080204" pitchFamily="34" charset="-128"/>
+              </a:rPr>
+              <a:t>Answer: Approximately log_2(n). </a:t>
+            </a:r>
+          </a:p>
+          <a:p>
+            <a:pPr marL="0" indent="0">
+              <a:buNone/>
+            </a:pPr>
+            <a:endParaRPr lang="en-US" altLang="en-US" sz="2000" dirty="0">
+              <a:solidFill>
+                <a:srgbClr val="000000"/>
+              </a:solidFill>
+              <a:latin typeface="Gill Sans MT" panose="020B0502020104020203" pitchFamily="34" charset="77"/>
+              <a:ea typeface="ＭＳ Ｐゴシック" panose="020B0600070205080204" pitchFamily="34" charset="-128"/>
+            </a:endParaRPr>
+          </a:p>
+        </p:txBody>
+      </p:sp>
+      <p:sp>
+        <p:nvSpPr>
+          <p:cNvPr id="2" name="Slide Number Placeholder 1">
+            <a:extLst>
+              <a:ext uri="{FF2B5EF4-FFF2-40B4-BE49-F238E27FC236}">
+                <a16:creationId xmlns:a16="http://schemas.microsoft.com/office/drawing/2014/main" id="{E84E7056-87A5-0548-98A6-537CA8B5F75C}"/>
+              </a:ext>
+            </a:extLst>
+          </p:cNvPr>
+          <p:cNvSpPr>
+            <a:spLocks noGrp="1"/>
+          </p:cNvSpPr>
+          <p:nvPr>
+            <p:ph type="sldNum" sz="quarter" idx="12"/>
+          </p:nvPr>
+        </p:nvSpPr>
+        <p:spPr/>
+        <p:txBody>
+          <a:bodyPr/>
+          <a:lstStyle/>
+          <a:p>
+            <a:fld id="{D57F1E4F-1CFF-5643-939E-02111984F565}" type="slidenum">
+              <a:rPr lang="en-US" smtClean="0"/>
+              <a:t>22</a:t>
+            </a:fld>
+            <a:endParaRPr lang="en-US" dirty="0"/>
+          </a:p>
+        </p:txBody>
+      </p:sp>
+    </p:spTree>
+    <p:extLst>
+      <p:ext uri="{BB962C8B-B14F-4D97-AF65-F5344CB8AC3E}">
+        <p14:creationId xmlns:p14="http://schemas.microsoft.com/office/powerpoint/2010/main" val="3182606397"/>
+      </p:ext>
+    </p:extLst>
+  </p:cSld>
+  <p:clrMapOvr>
+    <a:masterClrMapping/>
+  </p:clrMapOvr>
+  <p:transition/>
+  <p:timing>
+    <p:tnLst>
+      <p:par>
+        <p:cTn id="1" dur="indefinite" restart="never" nodeType="tmRoot">
+          <p:childTnLst>
+            <p:seq concurrent="1" nextAc="seek">
+              <p:cTn id="2" dur="indefinite" nodeType="mainSeq">
+                <p:childTnLst>
+                  <p:par>
+                    <p:cTn id="3" fill="hold" nodeType="clickPar">
+                      <p:stCondLst>
+                        <p:cond delay="indefinite"/>
+                      </p:stCondLst>
+                      <p:childTnLst>
+                        <p:par>
+                          <p:cTn id="4" fill="hold" nodeType="withGroup">
+                            <p:stCondLst>
+                              <p:cond delay="0"/>
+                            </p:stCondLst>
+                            <p:childTnLst>
+                              <p:par>
+                                <p:cTn id="5" presetID="1" presetClass="entr" presetSubtype="0" fill="hold" nodeType="clickEffect">
+                                  <p:stCondLst>
+                                    <p:cond delay="0"/>
+                                  </p:stCondLst>
+                                  <p:childTnLst>
+                                    <p:set>
+                                      <p:cBhvr>
+                                        <p:cTn id="6" dur="1" fill="hold">
+                                          <p:stCondLst>
+                                            <p:cond delay="0"/>
+                                          </p:stCondLst>
+                                        </p:cTn>
+                                        <p:tgtEl>
+                                          <p:spTgt spid="26627">
+                                            <p:txEl>
+                                              <p:pRg st="3" end="3"/>
+                                            </p:txEl>
+                                          </p:spTgt>
+                                        </p:tgtEl>
+                                        <p:attrNameLst>
+                                          <p:attrName>style.visibility</p:attrName>
+                                        </p:attrNameLst>
+                                      </p:cBhvr>
+                                      <p:to>
+                                        <p:strVal val="visible"/>
+                                      </p:to>
+                                    </p:set>
+                                  </p:childTnLst>
+                                </p:cTn>
+                              </p:par>
+                            </p:childTnLst>
+                          </p:cTn>
+                        </p:par>
+                      </p:childTnLst>
+                    </p:cTn>
+                  </p:par>
+                  <p:par>
+                    <p:cTn id="7" fill="hold">
+                      <p:stCondLst>
+                        <p:cond delay="indefinite"/>
+                      </p:stCondLst>
+                      <p:childTnLst>
+                        <p:par>
+                          <p:cTn id="8" fill="hold">
+                            <p:stCondLst>
+                              <p:cond delay="0"/>
+                            </p:stCondLst>
+                            <p:childTnLst>
+                              <p:par>
+                                <p:cTn id="9" presetID="1" presetClass="entr" presetSubtype="0" fill="hold" nodeType="clickEffect">
+                                  <p:stCondLst>
+                                    <p:cond delay="0"/>
+                                  </p:stCondLst>
+                                  <p:childTnLst>
+                                    <p:set>
+                                      <p:cBhvr>
+                                        <p:cTn id="10" dur="1" fill="hold">
+                                          <p:stCondLst>
+                                            <p:cond delay="0"/>
+                                          </p:stCondLst>
+                                        </p:cTn>
+                                        <p:tgtEl>
+                                          <p:spTgt spid="26627">
+                                            <p:txEl>
+                                              <p:pRg st="5" end="5"/>
+                                            </p:txEl>
+                                          </p:spTgt>
+                                        </p:tgtEl>
+                                        <p:attrNameLst>
+                                          <p:attrName>style.visibility</p:attrName>
+                                        </p:attrNameLst>
+                                      </p:cBhvr>
+                                      <p:to>
+                                        <p:strVal val="visible"/>
+                                      </p:to>
+                                    </p:set>
+                                  </p:childTnLst>
+                                </p:cTn>
+                              </p:par>
+                            </p:childTnLst>
+                          </p:cTn>
+                        </p:par>
+                      </p:childTnLst>
+                    </p:cTn>
+                  </p:par>
+                  <p:par>
+                    <p:cTn id="11" fill="hold">
+                      <p:stCondLst>
+                        <p:cond delay="indefinite"/>
+                      </p:stCondLst>
+                      <p:childTnLst>
+                        <p:par>
+                          <p:cTn id="12" fill="hold">
+                            <p:stCondLst>
+                              <p:cond delay="0"/>
+                            </p:stCondLst>
+                            <p:childTnLst>
+                              <p:par>
+                                <p:cTn id="13" presetID="1" presetClass="entr" presetSubtype="0" fill="hold" nodeType="clickEffect">
+                                  <p:stCondLst>
+                                    <p:cond delay="0"/>
+                                  </p:stCondLst>
+                                  <p:childTnLst>
+                                    <p:set>
+                                      <p:cBhvr>
+                                        <p:cTn id="14" dur="1" fill="hold">
+                                          <p:stCondLst>
+                                            <p:cond delay="0"/>
+                                          </p:stCondLst>
+                                        </p:cTn>
+                                        <p:tgtEl>
+                                          <p:spTgt spid="26627">
+                                            <p:txEl>
+                                              <p:pRg st="6" end="6"/>
+                                            </p:txEl>
+                                          </p:spTgt>
+                                        </p:tgtEl>
+                                        <p:attrNameLst>
+                                          <p:attrName>style.visibility</p:attrName>
+                                        </p:attrNameLst>
+                                      </p:cBhvr>
+                                      <p:to>
+                                        <p:strVal val="visible"/>
+                                      </p:to>
+                                    </p:set>
+                                  </p:childTnLst>
+                                </p:cTn>
+                              </p:par>
+                            </p:childTnLst>
+                          </p:cTn>
+                        </p:par>
+                      </p:childTnLst>
+                    </p:cTn>
+                  </p:par>
+                </p:childTnLst>
+              </p:cTn>
+              <p:prevCondLst>
+                <p:cond evt="onPrev" delay="0">
+                  <p:tgtEl>
+                    <p:sldTgt/>
+                  </p:tgtEl>
+                </p:cond>
+              </p:prevCondLst>
+              <p:nextCondLst>
+                <p:cond evt="onNext" delay="0">
+                  <p:tgtEl>
+                    <p:sldTgt/>
+                  </p:tgtEl>
+                </p:cond>
+              </p:nextCondLst>
+            </p:seq>
+          </p:childTnLst>
+        </p:cTn>
+      </p:par>
+    </p:tnLst>
+  </p:timing>
+</p:sld>
+</file>
+
+<file path=ppt/slides/slide23.xml><?xml version="1.0" encoding="utf-8"?>
+<p:sld xmlns:a="http://schemas.openxmlformats.org/drawingml/2006/main" xmlns:r="http://schemas.openxmlformats.org/officeDocument/2006/relationships" xmlns:p="http://schemas.openxmlformats.org/presentationml/2006/main">
+  <p:cSld>
+    <p:spTree>
+      <p:nvGrpSpPr>
+        <p:cNvPr id="1" name=""/>
+        <p:cNvGrpSpPr/>
+        <p:nvPr/>
+      </p:nvGrpSpPr>
+      <p:grpSpPr>
+        <a:xfrm>
+          <a:off x="0" y="0"/>
+          <a:ext cx="0" cy="0"/>
+          <a:chOff x="0" y="0"/>
+          <a:chExt cx="0" cy="0"/>
+        </a:xfrm>
+      </p:grpSpPr>
+      <p:sp>
+        <p:nvSpPr>
+          <p:cNvPr id="45057" name="Rectangle 2">
+            <a:extLst>
+              <a:ext uri="{FF2B5EF4-FFF2-40B4-BE49-F238E27FC236}">
+                <a16:creationId xmlns:a16="http://schemas.microsoft.com/office/drawing/2014/main" id="{D6723D76-6113-A446-B182-A2F6E655CF5E}"/>
+              </a:ext>
+            </a:extLst>
+          </p:cNvPr>
+          <p:cNvSpPr>
+            <a:spLocks noGrp="1" noChangeArrowheads="1"/>
+          </p:cNvSpPr>
+          <p:nvPr>
+            <p:ph type="title"/>
+          </p:nvPr>
+        </p:nvSpPr>
+        <p:spPr>
+          <a:xfrm>
+            <a:off x="102742" y="0"/>
+            <a:ext cx="7888626" cy="699990"/>
+          </a:xfrm>
+        </p:spPr>
+        <p:txBody>
+          <a:bodyPr/>
+          <a:lstStyle/>
+          <a:p>
+            <a:pPr eaLnBrk="1" hangingPunct="1"/>
+            <a:r>
+              <a:rPr lang="en-US" altLang="en-US" sz="2500" dirty="0">
+                <a:latin typeface="Gill Sans MT" panose="020B0502020104020203" pitchFamily="34" charset="77"/>
+                <a:ea typeface="ＭＳ Ｐゴシック" panose="020B0600070205080204" pitchFamily="34" charset="-128"/>
+              </a:rPr>
+              <a:t>Computational Complexity for Sorting</a:t>
+            </a:r>
+          </a:p>
+        </p:txBody>
+      </p:sp>
+      <p:sp>
+        <p:nvSpPr>
+          <p:cNvPr id="26627" name="Rectangle 3">
+            <a:extLst>
+              <a:ext uri="{FF2B5EF4-FFF2-40B4-BE49-F238E27FC236}">
+                <a16:creationId xmlns:a16="http://schemas.microsoft.com/office/drawing/2014/main" id="{2D82B300-4359-6C4B-BE04-DC6C746710D1}"/>
+              </a:ext>
+            </a:extLst>
+          </p:cNvPr>
+          <p:cNvSpPr>
+            <a:spLocks noGrp="1" noChangeArrowheads="1"/>
+          </p:cNvSpPr>
+          <p:nvPr>
+            <p:ph type="body" idx="1"/>
+          </p:nvPr>
+        </p:nvSpPr>
+        <p:spPr>
+          <a:xfrm>
+            <a:off x="195209" y="606175"/>
+            <a:ext cx="8846049" cy="4981825"/>
+          </a:xfrm>
+        </p:spPr>
+        <p:txBody>
+          <a:bodyPr>
+            <a:normAutofit/>
+          </a:bodyPr>
+          <a:lstStyle/>
+          <a:p>
+            <a:pPr marL="0" indent="0">
+              <a:buNone/>
+            </a:pPr>
+            <a:endParaRPr lang="en-US" altLang="en-US" sz="2000" dirty="0">
+              <a:solidFill>
+                <a:srgbClr val="000000"/>
+              </a:solidFill>
+              <a:latin typeface="Gill Sans MT" panose="020B0502020104020203" pitchFamily="34" charset="77"/>
+              <a:ea typeface="ＭＳ Ｐゴシック" panose="020B0600070205080204" pitchFamily="34" charset="-128"/>
+            </a:endParaRPr>
+          </a:p>
+          <a:p>
+            <a:pPr marL="0" indent="0">
+              <a:buNone/>
+            </a:pPr>
+            <a:r>
+              <a:rPr lang="en-US" altLang="en-US" sz="2000" dirty="0">
+                <a:solidFill>
+                  <a:srgbClr val="000000"/>
+                </a:solidFill>
+                <a:latin typeface="Gill Sans MT" panose="020B0502020104020203" pitchFamily="34" charset="77"/>
+                <a:ea typeface="ＭＳ Ｐゴシック" panose="020B0600070205080204" pitchFamily="34" charset="-128"/>
+              </a:rPr>
+              <a:t>Suppose we have a list of size n. </a:t>
+            </a:r>
+          </a:p>
+          <a:p>
+            <a:pPr marL="0" indent="0">
+              <a:buNone/>
+            </a:pPr>
+            <a:endParaRPr lang="en-US" altLang="en-US" sz="2000" dirty="0">
+              <a:solidFill>
+                <a:srgbClr val="000000"/>
+              </a:solidFill>
+              <a:latin typeface="Gill Sans MT" panose="020B0502020104020203" pitchFamily="34" charset="77"/>
+              <a:ea typeface="ＭＳ Ｐゴシック" panose="020B0600070205080204" pitchFamily="34" charset="-128"/>
+            </a:endParaRPr>
+          </a:p>
+          <a:p>
+            <a:pPr marL="0" indent="0">
+              <a:buNone/>
+            </a:pPr>
+            <a:r>
+              <a:rPr lang="en-US" altLang="en-US" sz="2000" dirty="0">
+                <a:solidFill>
+                  <a:srgbClr val="000000"/>
+                </a:solidFill>
+                <a:latin typeface="Gill Sans MT" panose="020B0502020104020203" pitchFamily="34" charset="77"/>
+                <a:ea typeface="ＭＳ Ｐゴシック" panose="020B0600070205080204" pitchFamily="34" charset="-128"/>
+              </a:rPr>
+              <a:t>1) What is the approximate number of comparisons needed for selection sort?</a:t>
+            </a:r>
+          </a:p>
+          <a:p>
+            <a:pPr marL="0" indent="0">
+              <a:buNone/>
+            </a:pPr>
+            <a:r>
+              <a:rPr lang="en-US" altLang="en-US" sz="2000" dirty="0">
+                <a:solidFill>
+                  <a:srgbClr val="000000"/>
+                </a:solidFill>
+                <a:latin typeface="Gill Sans MT" panose="020B0502020104020203" pitchFamily="34" charset="77"/>
+                <a:ea typeface="ＭＳ Ｐゴシック" panose="020B0600070205080204" pitchFamily="34" charset="-128"/>
+              </a:rPr>
+              <a:t>Answer: The implementation of this algorithm uses 2 nested loops, with each loops running n times. Thus, approximately n*n = n^2.  </a:t>
+            </a:r>
+          </a:p>
+          <a:p>
+            <a:pPr marL="0" indent="0">
+              <a:buNone/>
+            </a:pPr>
+            <a:endParaRPr lang="en-US" altLang="en-US" sz="2000" dirty="0">
+              <a:solidFill>
+                <a:srgbClr val="000000"/>
+              </a:solidFill>
+              <a:latin typeface="Gill Sans MT" panose="020B0502020104020203" pitchFamily="34" charset="77"/>
+              <a:ea typeface="ＭＳ Ｐゴシック" panose="020B0600070205080204" pitchFamily="34" charset="-128"/>
+            </a:endParaRPr>
+          </a:p>
+          <a:p>
+            <a:pPr marL="0" indent="0">
+              <a:buNone/>
+            </a:pPr>
+            <a:r>
+              <a:rPr lang="en-US" altLang="en-US" sz="2000" dirty="0">
+                <a:solidFill>
+                  <a:srgbClr val="000000"/>
+                </a:solidFill>
+                <a:latin typeface="Gill Sans MT" panose="020B0502020104020203" pitchFamily="34" charset="77"/>
+                <a:ea typeface="ＭＳ Ｐゴシック" panose="020B0600070205080204" pitchFamily="34" charset="-128"/>
+              </a:rPr>
+              <a:t>2) What is the approximate number of comparisons needed for insertion sort?</a:t>
+            </a:r>
+          </a:p>
+          <a:p>
+            <a:pPr marL="0" indent="0">
+              <a:buNone/>
+            </a:pPr>
+            <a:r>
+              <a:rPr lang="en-US" altLang="en-US" sz="2000" dirty="0">
+                <a:solidFill>
+                  <a:srgbClr val="000000"/>
+                </a:solidFill>
+                <a:latin typeface="Gill Sans MT" panose="020B0502020104020203" pitchFamily="34" charset="77"/>
+                <a:ea typeface="ＭＳ Ｐゴシック" panose="020B0600070205080204" pitchFamily="34" charset="-128"/>
+              </a:rPr>
+              <a:t>Answer: Similar to selection sort, the code uses 2 nested loops, with each loops running n times. Thus, approximately n*n = n^2. </a:t>
+            </a:r>
+          </a:p>
+          <a:p>
+            <a:pPr marL="0" indent="0">
+              <a:buNone/>
+            </a:pPr>
+            <a:endParaRPr lang="en-US" altLang="en-US" sz="2000" dirty="0">
+              <a:solidFill>
+                <a:srgbClr val="000000"/>
+              </a:solidFill>
+              <a:latin typeface="Gill Sans MT" panose="020B0502020104020203" pitchFamily="34" charset="77"/>
+              <a:ea typeface="ＭＳ Ｐゴシック" panose="020B0600070205080204" pitchFamily="34" charset="-128"/>
+            </a:endParaRPr>
+          </a:p>
+          <a:p>
+            <a:pPr marL="0" indent="0">
+              <a:buNone/>
+            </a:pPr>
+            <a:r>
+              <a:rPr lang="en-US" altLang="en-US" sz="2000" dirty="0">
+                <a:solidFill>
+                  <a:srgbClr val="000000"/>
+                </a:solidFill>
+                <a:latin typeface="Gill Sans MT" panose="020B0502020104020203" pitchFamily="34" charset="77"/>
+                <a:ea typeface="ＭＳ Ｐゴシック" panose="020B0600070205080204" pitchFamily="34" charset="-128"/>
+              </a:rPr>
+              <a:t>3) What is the number of comparisons needed for </a:t>
+            </a:r>
+            <a:r>
+              <a:rPr lang="en-US" altLang="en-US" sz="2000" dirty="0" err="1">
+                <a:solidFill>
+                  <a:srgbClr val="000000"/>
+                </a:solidFill>
+                <a:latin typeface="Gill Sans MT" panose="020B0502020104020203" pitchFamily="34" charset="77"/>
+                <a:ea typeface="ＭＳ Ｐゴシック" panose="020B0600070205080204" pitchFamily="34" charset="-128"/>
+              </a:rPr>
+              <a:t>mergesort</a:t>
+            </a:r>
+            <a:r>
+              <a:rPr lang="en-US" altLang="en-US" sz="2000" dirty="0">
+                <a:solidFill>
+                  <a:srgbClr val="000000"/>
+                </a:solidFill>
+                <a:latin typeface="Gill Sans MT" panose="020B0502020104020203" pitchFamily="34" charset="77"/>
+                <a:ea typeface="ＭＳ Ｐゴシック" panose="020B0600070205080204" pitchFamily="34" charset="-128"/>
+              </a:rPr>
+              <a:t>?</a:t>
+            </a:r>
+          </a:p>
+          <a:p>
+            <a:pPr marL="0" indent="0">
+              <a:buNone/>
+            </a:pPr>
+            <a:r>
+              <a:rPr lang="en-US" altLang="en-US" sz="2000" dirty="0">
+                <a:solidFill>
+                  <a:srgbClr val="000000"/>
+                </a:solidFill>
+                <a:latin typeface="Gill Sans MT" panose="020B0502020104020203" pitchFamily="34" charset="77"/>
+                <a:ea typeface="ＭＳ Ｐゴシック" panose="020B0600070205080204" pitchFamily="34" charset="-128"/>
+              </a:rPr>
+              <a:t>Answer: Approximately n*log(n). (slower than linear search(n) but faster than both selection and insertion sort(n^2).</a:t>
+            </a:r>
+          </a:p>
+          <a:p>
+            <a:pPr marL="0" indent="0">
+              <a:buNone/>
+            </a:pPr>
+            <a:endParaRPr lang="en-US" altLang="en-US" sz="2000" dirty="0">
+              <a:solidFill>
+                <a:srgbClr val="000000"/>
+              </a:solidFill>
+              <a:latin typeface="Gill Sans MT" panose="020B0502020104020203" pitchFamily="34" charset="77"/>
+              <a:ea typeface="ＭＳ Ｐゴシック" panose="020B0600070205080204" pitchFamily="34" charset="-128"/>
+            </a:endParaRPr>
+          </a:p>
+        </p:txBody>
+      </p:sp>
+      <p:sp>
+        <p:nvSpPr>
+          <p:cNvPr id="2" name="Slide Number Placeholder 1">
+            <a:extLst>
+              <a:ext uri="{FF2B5EF4-FFF2-40B4-BE49-F238E27FC236}">
+                <a16:creationId xmlns:a16="http://schemas.microsoft.com/office/drawing/2014/main" id="{11284210-85DA-994B-BD88-E726FFF952BC}"/>
+              </a:ext>
+            </a:extLst>
+          </p:cNvPr>
+          <p:cNvSpPr>
+            <a:spLocks noGrp="1"/>
+          </p:cNvSpPr>
+          <p:nvPr>
+            <p:ph type="sldNum" sz="quarter" idx="12"/>
+          </p:nvPr>
+        </p:nvSpPr>
+        <p:spPr/>
+        <p:txBody>
+          <a:bodyPr/>
+          <a:lstStyle/>
+          <a:p>
+            <a:fld id="{D57F1E4F-1CFF-5643-939E-02111984F565}" type="slidenum">
+              <a:rPr lang="en-US" smtClean="0"/>
+              <a:t>23</a:t>
+            </a:fld>
+            <a:endParaRPr lang="en-US" dirty="0"/>
+          </a:p>
+        </p:txBody>
+      </p:sp>
+    </p:spTree>
+    <p:extLst>
+      <p:ext uri="{BB962C8B-B14F-4D97-AF65-F5344CB8AC3E}">
+        <p14:creationId xmlns:p14="http://schemas.microsoft.com/office/powerpoint/2010/main" val="1311847592"/>
+      </p:ext>
+    </p:extLst>
+  </p:cSld>
+  <p:clrMapOvr>
+    <a:masterClrMapping/>
+  </p:clrMapOvr>
+  <p:transition/>
+  <p:timing>
+    <p:tnLst>
+      <p:par>
+        <p:cTn id="1" dur="indefinite" restart="never" nodeType="tmRoot">
+          <p:childTnLst>
+            <p:seq concurrent="1" nextAc="seek">
+              <p:cTn id="2" dur="indefinite" nodeType="mainSeq">
+                <p:childTnLst>
+                  <p:par>
+                    <p:cTn id="3" fill="hold" nodeType="clickPar">
+                      <p:stCondLst>
+                        <p:cond delay="indefinite"/>
+                      </p:stCondLst>
+                      <p:childTnLst>
+                        <p:par>
+                          <p:cTn id="4" fill="hold" nodeType="withGroup">
+                            <p:stCondLst>
+                              <p:cond delay="0"/>
+                            </p:stCondLst>
+                            <p:childTnLst>
+                              <p:par>
+                                <p:cTn id="5" presetID="1" presetClass="entr" presetSubtype="0" fill="hold" nodeType="clickEffect">
+                                  <p:stCondLst>
+                                    <p:cond delay="0"/>
+                                  </p:stCondLst>
+                                  <p:childTnLst>
+                                    <p:set>
+                                      <p:cBhvr>
+                                        <p:cTn id="6" dur="1" fill="hold">
+                                          <p:stCondLst>
+                                            <p:cond delay="0"/>
+                                          </p:stCondLst>
+                                        </p:cTn>
+                                        <p:tgtEl>
+                                          <p:spTgt spid="26627">
+                                            <p:txEl>
+                                              <p:pRg st="7" end="7"/>
+                                            </p:txEl>
+                                          </p:spTgt>
+                                        </p:tgtEl>
+                                        <p:attrNameLst>
+                                          <p:attrName>style.visibility</p:attrName>
+                                        </p:attrNameLst>
+                                      </p:cBhvr>
+                                      <p:to>
+                                        <p:strVal val="visible"/>
+                                      </p:to>
+                                    </p:set>
+                                  </p:childTnLst>
+                                </p:cTn>
+                              </p:par>
+                            </p:childTnLst>
+                          </p:cTn>
+                        </p:par>
+                      </p:childTnLst>
+                    </p:cTn>
+                  </p:par>
+                  <p:par>
+                    <p:cTn id="7" fill="hold" nodeType="clickPar">
+                      <p:stCondLst>
+                        <p:cond delay="indefinite"/>
+                      </p:stCondLst>
+                      <p:childTnLst>
+                        <p:par>
+                          <p:cTn id="8" fill="hold" nodeType="withGroup">
+                            <p:stCondLst>
+                              <p:cond delay="0"/>
+                            </p:stCondLst>
+                            <p:childTnLst>
+                              <p:par>
+                                <p:cTn id="9" presetID="1" presetClass="entr" presetSubtype="0" fill="hold" nodeType="clickEffect">
+                                  <p:stCondLst>
+                                    <p:cond delay="0"/>
+                                  </p:stCondLst>
+                                  <p:childTnLst>
+                                    <p:set>
+                                      <p:cBhvr>
+                                        <p:cTn id="10" dur="1" fill="hold">
+                                          <p:stCondLst>
+                                            <p:cond delay="0"/>
+                                          </p:stCondLst>
+                                        </p:cTn>
+                                        <p:tgtEl>
+                                          <p:spTgt spid="26627">
+                                            <p:txEl>
+                                              <p:pRg st="9" end="9"/>
+                                            </p:txEl>
+                                          </p:spTgt>
+                                        </p:tgtEl>
+                                        <p:attrNameLst>
+                                          <p:attrName>style.visibility</p:attrName>
+                                        </p:attrNameLst>
+                                      </p:cBhvr>
+                                      <p:to>
+                                        <p:strVal val="visible"/>
+                                      </p:to>
+                                    </p:set>
+                                  </p:childTnLst>
+                                </p:cTn>
+                              </p:par>
+                            </p:childTnLst>
+                          </p:cTn>
+                        </p:par>
+                      </p:childTnLst>
+                    </p:cTn>
+                  </p:par>
+                  <p:par>
+                    <p:cTn id="11" fill="hold" nodeType="clickPar">
+                      <p:stCondLst>
+                        <p:cond delay="indefinite"/>
+                      </p:stCondLst>
+                      <p:childTnLst>
+                        <p:par>
+                          <p:cTn id="12" fill="hold" nodeType="withGroup">
+                            <p:stCondLst>
+                              <p:cond delay="0"/>
+                            </p:stCondLst>
+                            <p:childTnLst>
+                              <p:par>
+                                <p:cTn id="13" presetID="1" presetClass="entr" presetSubtype="0" fill="hold" nodeType="clickEffect">
+                                  <p:stCondLst>
+                                    <p:cond delay="0"/>
+                                  </p:stCondLst>
+                                  <p:childTnLst>
+                                    <p:set>
+                                      <p:cBhvr>
+                                        <p:cTn id="14" dur="1" fill="hold">
+                                          <p:stCondLst>
+                                            <p:cond delay="0"/>
+                                          </p:stCondLst>
+                                        </p:cTn>
+                                        <p:tgtEl>
+                                          <p:spTgt spid="26627">
+                                            <p:txEl>
+                                              <p:pRg st="10" end="10"/>
+                                            </p:txEl>
+                                          </p:spTgt>
+                                        </p:tgtEl>
+                                        <p:attrNameLst>
+                                          <p:attrName>style.visibility</p:attrName>
+                                        </p:attrNameLst>
+                                      </p:cBhvr>
+                                      <p:to>
+                                        <p:strVal val="visible"/>
+                                      </p:to>
+                                    </p:set>
+                                  </p:childTnLst>
+                                </p:cTn>
+                              </p:par>
+                            </p:childTnLst>
+                          </p:cTn>
+                        </p:par>
+                      </p:childTnLst>
+                    </p:cTn>
+                  </p:par>
+                </p:childTnLst>
+              </p:cTn>
+              <p:prevCondLst>
+                <p:cond evt="onPrev" delay="0">
+                  <p:tgtEl>
+                    <p:sldTgt/>
+                  </p:tgtEl>
+                </p:cond>
+              </p:prevCondLst>
+              <p:nextCondLst>
+                <p:cond evt="onNext" delay="0">
+                  <p:tgtEl>
+                    <p:sldTgt/>
+                  </p:tgtEl>
+                </p:cond>
+              </p:nextCondLst>
+            </p:seq>
+          </p:childTnLst>
+        </p:cTn>
+      </p:par>
+    </p:tnLst>
+  </p:timing>
+</p:sld>
+</file>
+
+<file path=ppt/slides/slide24.xml><?xml version="1.0" encoding="utf-8"?>
+<p:sld xmlns:a="http://schemas.openxmlformats.org/drawingml/2006/main" xmlns:r="http://schemas.openxmlformats.org/officeDocument/2006/relationships" xmlns:p="http://schemas.openxmlformats.org/presentationml/2006/main">
+  <p:cSld>
+    <p:spTree>
+      <p:nvGrpSpPr>
+        <p:cNvPr id="1" name=""/>
+        <p:cNvGrpSpPr/>
+        <p:nvPr/>
+      </p:nvGrpSpPr>
+      <p:grpSpPr>
+        <a:xfrm>
+          <a:off x="0" y="0"/>
+          <a:ext cx="0" cy="0"/>
+          <a:chOff x="0" y="0"/>
+          <a:chExt cx="0" cy="0"/>
+        </a:xfrm>
+      </p:grpSpPr>
+      <p:sp>
+        <p:nvSpPr>
           <p:cNvPr id="47105" name="Rectangle 2">
             <a:extLst>
               <a:ext uri="{FF2B5EF4-FFF2-40B4-BE49-F238E27FC236}">
@@ -20774,7 +20336,7 @@
           <a:p>
             <a:fld id="{D57F1E4F-1CFF-5643-939E-02111984F565}" type="slidenum">
               <a:rPr lang="en-US" smtClean="0"/>
-              <a:t>21</a:t>
+              <a:t>24</a:t>
             </a:fld>
             <a:endParaRPr lang="en-US" dirty="0"/>
           </a:p>
@@ -20793,7 +20355,7 @@
 </p:sld>
 </file>
 
-<file path=ppt/slides/slide22.xml><?xml version="1.0" encoding="utf-8"?>
+<file path=ppt/slides/slide25.xml><?xml version="1.0" encoding="utf-8"?>
 <p:sld xmlns:a="http://schemas.openxmlformats.org/drawingml/2006/main" xmlns:r="http://schemas.openxmlformats.org/officeDocument/2006/relationships" xmlns:p="http://schemas.openxmlformats.org/presentationml/2006/main">
   <p:cSld>
     <p:spTree>
@@ -20874,7 +20436,7 @@
         </p:blipFill>
         <p:spPr bwMode="auto">
           <a:xfrm>
-            <a:off x="1835856" y="794110"/>
+            <a:off x="314410" y="810948"/>
             <a:ext cx="5715566" cy="4638146"/>
           </a:xfrm>
           <a:prstGeom prst="rect">
@@ -20928,9 +20490,74 @@
           <a:p>
             <a:fld id="{D57F1E4F-1CFF-5643-939E-02111984F565}" type="slidenum">
               <a:rPr lang="en-US" smtClean="0"/>
-              <a:t>22</a:t>
+              <a:t>25</a:t>
             </a:fld>
             <a:endParaRPr lang="en-US" dirty="0"/>
+          </a:p>
+        </p:txBody>
+      </p:sp>
+      <p:sp>
+        <p:nvSpPr>
+          <p:cNvPr id="3" name="TextBox 2">
+            <a:extLst>
+              <a:ext uri="{FF2B5EF4-FFF2-40B4-BE49-F238E27FC236}">
+                <a16:creationId xmlns:a16="http://schemas.microsoft.com/office/drawing/2014/main" id="{157C9F1F-BE23-5541-957D-6CB6CA2E8125}"/>
+              </a:ext>
+            </a:extLst>
+          </p:cNvPr>
+          <p:cNvSpPr txBox="1"/>
+          <p:nvPr/>
+        </p:nvSpPr>
+        <p:spPr>
+          <a:xfrm>
+            <a:off x="2909793" y="4741208"/>
+            <a:ext cx="6234207" cy="707886"/>
+          </a:xfrm>
+          <a:prstGeom prst="rect">
+            <a:avLst/>
+          </a:prstGeom>
+          <a:noFill/>
+        </p:spPr>
+        <p:txBody>
+          <a:bodyPr wrap="none" rtlCol="0">
+            <a:spAutoFit/>
+          </a:bodyPr>
+          <a:lstStyle/>
+          <a:p>
+            <a:r>
+              <a:rPr lang="en-US" sz="2000" dirty="0">
+                <a:solidFill>
+                  <a:srgbClr val="FF0000"/>
+                </a:solidFill>
+              </a:rPr>
+              <a:t>For a list of length 256000 items, selection sort takes</a:t>
+            </a:r>
+          </a:p>
+          <a:p>
+            <a:r>
+              <a:rPr lang="en-US" sz="2000" dirty="0">
+                <a:solidFill>
+                  <a:srgbClr val="FF0000"/>
+                </a:solidFill>
+              </a:rPr>
+              <a:t>about 2.75 minutes but </a:t>
+            </a:r>
+            <a:r>
+              <a:rPr lang="en-US" sz="2000" dirty="0" err="1">
+                <a:solidFill>
+                  <a:srgbClr val="FF0000"/>
+                </a:solidFill>
+              </a:rPr>
+              <a:t>mergesort</a:t>
+            </a:r>
+            <a:r>
+              <a:rPr lang="en-US" sz="2000" dirty="0">
+                <a:solidFill>
+                  <a:srgbClr val="FF0000"/>
+                </a:solidFill>
+              </a:rPr>
+              <a:t> takes 1/10 of a second. </a:t>
+            </a:r>
           </a:p>
         </p:txBody>
       </p:sp>
@@ -20944,10 +20571,88 @@
   <p:clrMapOvr>
     <a:masterClrMapping/>
   </p:clrMapOvr>
+  <p:timing>
+    <p:tnLst>
+      <p:par>
+        <p:cTn id="1" dur="indefinite" restart="never" nodeType="tmRoot">
+          <p:childTnLst>
+            <p:seq concurrent="1" nextAc="seek">
+              <p:cTn id="2" dur="indefinite" nodeType="mainSeq">
+                <p:childTnLst>
+                  <p:par>
+                    <p:cTn id="3" fill="hold">
+                      <p:stCondLst>
+                        <p:cond delay="indefinite"/>
+                      </p:stCondLst>
+                      <p:childTnLst>
+                        <p:par>
+                          <p:cTn id="4" fill="hold">
+                            <p:stCondLst>
+                              <p:cond delay="0"/>
+                            </p:stCondLst>
+                            <p:childTnLst>
+                              <p:par>
+                                <p:cTn id="5" presetID="1" presetClass="entr" presetSubtype="0" fill="hold" grpId="0" nodeType="clickEffect">
+                                  <p:stCondLst>
+                                    <p:cond delay="0"/>
+                                  </p:stCondLst>
+                                  <p:childTnLst>
+                                    <p:set>
+                                      <p:cBhvr>
+                                        <p:cTn id="6" dur="1" fill="hold">
+                                          <p:stCondLst>
+                                            <p:cond delay="0"/>
+                                          </p:stCondLst>
+                                        </p:cTn>
+                                        <p:tgtEl>
+                                          <p:spTgt spid="3"/>
+                                        </p:tgtEl>
+                                        <p:attrNameLst>
+                                          <p:attrName>style.visibility</p:attrName>
+                                        </p:attrNameLst>
+                                      </p:cBhvr>
+                                      <p:to>
+                                        <p:strVal val="visible"/>
+                                      </p:to>
+                                    </p:set>
+                                  </p:childTnLst>
+                                </p:cTn>
+                              </p:par>
+                            </p:childTnLst>
+                          </p:cTn>
+                        </p:par>
+                      </p:childTnLst>
+                    </p:cTn>
+                  </p:par>
+                </p:childTnLst>
+              </p:cTn>
+              <p:prevCondLst>
+                <p:cond evt="onPrev" delay="0">
+                  <p:tgtEl>
+                    <p:sldTgt/>
+                  </p:tgtEl>
+                </p:cond>
+              </p:prevCondLst>
+              <p:nextCondLst>
+                <p:cond evt="onNext" delay="0">
+                  <p:tgtEl>
+                    <p:sldTgt/>
+                  </p:tgtEl>
+                </p:cond>
+              </p:nextCondLst>
+            </p:seq>
+          </p:childTnLst>
+        </p:cTn>
+      </p:par>
+    </p:tnLst>
+    <p:bldLst>
+      <p:bldP spid="3" grpId="0"/>
+    </p:bldLst>
+  </p:timing>
 </p:sld>
 </file>
 
-<file path=ppt/slides/slide23.xml><?xml version="1.0" encoding="utf-8"?>
+<file path=ppt/slides/slide26.xml><?xml version="1.0" encoding="utf-8"?>
 <p:sld xmlns:a="http://schemas.openxmlformats.org/drawingml/2006/main" xmlns:r="http://schemas.openxmlformats.org/officeDocument/2006/relationships" xmlns:p="http://schemas.openxmlformats.org/presentationml/2006/main">
   <p:cSld>
     <p:spTree>
@@ -21124,7 +20829,7 @@
           <a:p>
             <a:fld id="{D57F1E4F-1CFF-5643-939E-02111984F565}" type="slidenum">
               <a:rPr lang="en-US" smtClean="0"/>
-              <a:t>23</a:t>
+              <a:t>26</a:t>
             </a:fld>
             <a:endParaRPr lang="en-US" dirty="0"/>
           </a:p>
@@ -21272,7 +20977,7 @@
 </p:sld>
 </file>
 
-<file path=ppt/slides/slide24.xml><?xml version="1.0" encoding="utf-8"?>
+<file path=ppt/slides/slide27.xml><?xml version="1.0" encoding="utf-8"?>
 <p:sld xmlns:a="http://schemas.openxmlformats.org/drawingml/2006/main" xmlns:r="http://schemas.openxmlformats.org/officeDocument/2006/relationships" xmlns:p="http://schemas.openxmlformats.org/presentationml/2006/main">
   <p:cSld>
     <p:spTree>
@@ -21526,7 +21231,7 @@
           <a:p>
             <a:fld id="{D57F1E4F-1CFF-5643-939E-02111984F565}" type="slidenum">
               <a:rPr lang="en-US" smtClean="0"/>
-              <a:t>24</a:t>
+              <a:t>27</a:t>
             </a:fld>
             <a:endParaRPr lang="en-US" dirty="0"/>
           </a:p>
@@ -21723,7 +21428,7 @@
 </p:sld>
 </file>
 
-<file path=ppt/slides/slide25.xml><?xml version="1.0" encoding="utf-8"?>
+<file path=ppt/slides/slide28.xml><?xml version="1.0" encoding="utf-8"?>
 <p:sld xmlns:a="http://schemas.openxmlformats.org/drawingml/2006/main" xmlns:r="http://schemas.openxmlformats.org/officeDocument/2006/relationships" xmlns:p="http://schemas.openxmlformats.org/presentationml/2006/main">
   <p:cSld>
     <p:spTree>
@@ -21998,7 +21703,7 @@
           <a:p>
             <a:fld id="{D57F1E4F-1CFF-5643-939E-02111984F565}" type="slidenum">
               <a:rPr lang="en-US" smtClean="0"/>
-              <a:t>25</a:t>
+              <a:t>28</a:t>
             </a:fld>
             <a:endParaRPr lang="en-US" dirty="0"/>
           </a:p>
@@ -22208,7 +21913,7 @@
 </p:sld>
 </file>
 
-<file path=ppt/slides/slide26.xml><?xml version="1.0" encoding="utf-8"?>
+<file path=ppt/slides/slide29.xml><?xml version="1.0" encoding="utf-8"?>
 <p:sld xmlns:a="http://schemas.openxmlformats.org/drawingml/2006/main" xmlns:r="http://schemas.openxmlformats.org/officeDocument/2006/relationships" xmlns:p="http://schemas.openxmlformats.org/presentationml/2006/main">
   <p:cSld>
     <p:spTree>
@@ -22531,7 +22236,7 @@
           <a:p>
             <a:fld id="{D57F1E4F-1CFF-5643-939E-02111984F565}" type="slidenum">
               <a:rPr lang="en-US" smtClean="0"/>
-              <a:t>26</a:t>
+              <a:t>29</a:t>
             </a:fld>
             <a:endParaRPr lang="en-US" dirty="0"/>
           </a:p>
@@ -22926,7 +22631,7 @@
         </p:nvSpPr>
         <p:spPr>
           <a:xfrm>
-            <a:off x="133564" y="667821"/>
+            <a:off x="133564" y="554050"/>
             <a:ext cx="8537825" cy="5047180"/>
           </a:xfrm>
         </p:spPr>
@@ -22941,19 +22646,6 @@
               <a:rPr lang="en-US" dirty="0"/>
               <a:t>Linear search or sequential search algorithms check each element of a list, in order, until the desired value is found or all elements in the list have been checked. </a:t>
             </a:r>
-          </a:p>
-          <a:p>
-            <a:pPr marL="0" indent="0">
-              <a:buNone/>
-            </a:pPr>
-            <a:endParaRPr lang="en-US" altLang="en-US" sz="1833" dirty="0">
-              <a:ea typeface="ＭＳ Ｐゴシック" panose="020B0600070205080204" pitchFamily="34" charset="-128"/>
-            </a:endParaRPr>
-          </a:p>
-          <a:p>
-            <a:pPr marL="0" indent="0">
-              <a:buNone/>
-            </a:pPr>
             <a:r>
               <a:rPr lang="en-US" altLang="en-US" sz="2000" dirty="0">
                 <a:ea typeface="ＭＳ Ｐゴシック" panose="020B0600070205080204" pitchFamily="34" charset="-128"/>
@@ -23212,103 +22904,37 @@
             <a:pPr marL="0" indent="0">
               <a:buNone/>
             </a:pPr>
+            <a:r>
+              <a:rPr lang="en-US" sz="2000" b="1" dirty="0">
+                <a:latin typeface="INCONSOLATA" panose="020B0609030003000000" pitchFamily="49" charset="77"/>
+              </a:rPr>
+              <a:t>a = </a:t>
+            </a:r>
+            <a:r>
+              <a:rPr lang="en-US" sz="2000" b="1" dirty="0" err="1">
+                <a:latin typeface="INCONSOLATA" panose="020B0609030003000000" pitchFamily="49" charset="77"/>
+              </a:rPr>
+              <a:t>sequential_search</a:t>
+            </a:r>
+            <a:r>
+              <a:rPr lang="en-US" sz="2000" b="1" dirty="0">
+                <a:latin typeface="INCONSOLATA" panose="020B0609030003000000" pitchFamily="49" charset="77"/>
+              </a:rPr>
+              <a:t>([3,0,5,1], 0) # a = 1</a:t>
+            </a:r>
+          </a:p>
+          <a:p>
+            <a:pPr marL="0" indent="0">
+              <a:buNone/>
+            </a:pPr>
+            <a:r>
+              <a:rPr lang="en-US" sz="2000" b="1" dirty="0">
+                <a:latin typeface="Inconsolata" panose="020B0609030003000000" pitchFamily="49" charset="77"/>
+              </a:rPr>
+              <a:t>print(a) # 1</a:t>
+            </a:r>
             <a:endParaRPr lang="en-US" altLang="en-US" sz="1833" dirty="0">
               <a:ea typeface="ＭＳ Ｐゴシック" panose="020B0600070205080204" pitchFamily="34" charset="-128"/>
-            </a:endParaRPr>
-          </a:p>
-          <a:p>
-            <a:pPr marL="0" indent="0">
-              <a:buNone/>
-            </a:pPr>
-            <a:r>
-              <a:rPr lang="en-US" altLang="en-US" sz="1833" b="1" dirty="0">
-                <a:latin typeface="INCONSOLATA" panose="020B0609030003000000" pitchFamily="49" charset="77"/>
-                <a:ea typeface="ＭＳ Ｐゴシック" panose="020B0600070205080204" pitchFamily="34" charset="-128"/>
-              </a:rPr>
-              <a:t>numbers = [4, 2, 3, 7 -12, 3, 56, 34]</a:t>
-            </a:r>
-          </a:p>
-          <a:p>
-            <a:pPr marL="0" indent="0">
-              <a:buNone/>
-            </a:pPr>
-            <a:r>
-              <a:rPr lang="en-US" sz="1800" b="1" dirty="0">
-                <a:solidFill>
-                  <a:srgbClr val="336666"/>
-                </a:solidFill>
-                <a:latin typeface="INCONSOLATA" panose="020B0609030003000000" pitchFamily="49" charset="77"/>
-              </a:rPr>
-              <a:t>print(</a:t>
-            </a:r>
-            <a:r>
-              <a:rPr lang="en-US" sz="1800" b="1" dirty="0" err="1">
-                <a:solidFill>
-                  <a:srgbClr val="336666"/>
-                </a:solidFill>
-                <a:latin typeface="INCONSOLATA" panose="020B0609030003000000" pitchFamily="49" charset="77"/>
-              </a:rPr>
-              <a:t>sequential_search</a:t>
-            </a:r>
-            <a:r>
-              <a:rPr lang="en-US" sz="1800" b="1" dirty="0">
-                <a:solidFill>
-                  <a:srgbClr val="336666"/>
-                </a:solidFill>
-                <a:latin typeface="INCONSOLATA" panose="020B0609030003000000" pitchFamily="49" charset="77"/>
-              </a:rPr>
-              <a:t>(numbers, 3)) # 2 </a:t>
-            </a:r>
-          </a:p>
-          <a:p>
-            <a:pPr marL="0" indent="0">
-              <a:buNone/>
-            </a:pPr>
-            <a:r>
-              <a:rPr lang="en-US" sz="1800" b="1" dirty="0">
-                <a:solidFill>
-                  <a:srgbClr val="336666"/>
-                </a:solidFill>
-                <a:latin typeface="INCONSOLATA" panose="020B0609030003000000" pitchFamily="49" charset="77"/>
-              </a:rPr>
-              <a:t>print(</a:t>
-            </a:r>
-            <a:r>
-              <a:rPr lang="en-US" sz="1800" b="1" dirty="0" err="1">
-                <a:solidFill>
-                  <a:srgbClr val="336666"/>
-                </a:solidFill>
-                <a:latin typeface="INCONSOLATA" panose="020B0609030003000000" pitchFamily="49" charset="77"/>
-              </a:rPr>
-              <a:t>sequential_search</a:t>
-            </a:r>
-            <a:r>
-              <a:rPr lang="en-US" sz="1800" b="1" dirty="0">
-                <a:solidFill>
-                  <a:srgbClr val="336666"/>
-                </a:solidFill>
-                <a:latin typeface="INCONSOLATA" panose="020B0609030003000000" pitchFamily="49" charset="77"/>
-              </a:rPr>
-              <a:t>(numbers, 100)) # -1</a:t>
-            </a:r>
-          </a:p>
-          <a:p>
-            <a:pPr marL="0" indent="0">
-              <a:buNone/>
-            </a:pPr>
-            <a:endParaRPr lang="en-US" sz="1800" b="1" dirty="0">
-              <a:solidFill>
-                <a:srgbClr val="336666"/>
-              </a:solidFill>
-              <a:latin typeface="INCONSOLATA" panose="020B0609030003000000" pitchFamily="49" charset="77"/>
-            </a:endParaRPr>
-          </a:p>
-          <a:p>
-            <a:pPr marL="0" indent="0">
-              <a:buNone/>
-            </a:pPr>
-            <a:endParaRPr lang="en-US" sz="1800" b="1" dirty="0">
-              <a:latin typeface="Inconsolata" panose="020B0609030003000000" pitchFamily="49" charset="77"/>
             </a:endParaRPr>
           </a:p>
           <a:p>
@@ -23351,6 +22977,94 @@
           </a:p>
         </p:txBody>
       </p:sp>
+      <p:cxnSp>
+        <p:nvCxnSpPr>
+          <p:cNvPr id="4" name="Straight Arrow Connector 3">
+            <a:extLst>
+              <a:ext uri="{FF2B5EF4-FFF2-40B4-BE49-F238E27FC236}">
+                <a16:creationId xmlns:a16="http://schemas.microsoft.com/office/drawing/2014/main" id="{6F7FAA95-1CB1-6246-9247-83FDFD7281C5}"/>
+              </a:ext>
+            </a:extLst>
+          </p:cNvPr>
+          <p:cNvCxnSpPr>
+            <a:cxnSpLocks/>
+          </p:cNvCxnSpPr>
+          <p:nvPr/>
+        </p:nvCxnSpPr>
+        <p:spPr>
+          <a:xfrm flipH="1" flipV="1">
+            <a:off x="3093929" y="2129425"/>
+            <a:ext cx="588723" cy="1402915"/>
+          </a:xfrm>
+          <a:prstGeom prst="straightConnector1">
+            <a:avLst/>
+          </a:prstGeom>
+          <a:ln w="25400">
+            <a:solidFill>
+              <a:srgbClr val="FF0000"/>
+            </a:solidFill>
+            <a:tailEnd type="triangle"/>
+          </a:ln>
+        </p:spPr>
+        <p:style>
+          <a:lnRef idx="1">
+            <a:schemeClr val="accent1"/>
+          </a:lnRef>
+          <a:fillRef idx="0">
+            <a:schemeClr val="accent1"/>
+          </a:fillRef>
+          <a:effectRef idx="0">
+            <a:schemeClr val="accent1"/>
+          </a:effectRef>
+          <a:fontRef idx="minor">
+            <a:schemeClr val="tx1"/>
+          </a:fontRef>
+        </p:style>
+      </p:cxnSp>
+      <p:cxnSp>
+        <p:nvCxnSpPr>
+          <p:cNvPr id="9" name="Straight Arrow Connector 8">
+            <a:extLst>
+              <a:ext uri="{FF2B5EF4-FFF2-40B4-BE49-F238E27FC236}">
+                <a16:creationId xmlns:a16="http://schemas.microsoft.com/office/drawing/2014/main" id="{696833A3-9446-104B-8B36-CF472B191E13}"/>
+              </a:ext>
+            </a:extLst>
+          </p:cNvPr>
+          <p:cNvCxnSpPr>
+            <a:cxnSpLocks/>
+          </p:cNvCxnSpPr>
+          <p:nvPr/>
+        </p:nvCxnSpPr>
+        <p:spPr>
+          <a:xfrm flipH="1" flipV="1">
+            <a:off x="3983277" y="2129424"/>
+            <a:ext cx="588723" cy="1402915"/>
+          </a:xfrm>
+          <a:prstGeom prst="straightConnector1">
+            <a:avLst/>
+          </a:prstGeom>
+          <a:ln w="25400">
+            <a:solidFill>
+              <a:srgbClr val="FF0000"/>
+            </a:solidFill>
+            <a:tailEnd type="triangle"/>
+          </a:ln>
+        </p:spPr>
+        <p:style>
+          <a:lnRef idx="1">
+            <a:schemeClr val="accent1"/>
+          </a:lnRef>
+          <a:fillRef idx="0">
+            <a:schemeClr val="accent1"/>
+          </a:fillRef>
+          <a:effectRef idx="0">
+            <a:schemeClr val="accent1"/>
+          </a:effectRef>
+          <a:fontRef idx="minor">
+            <a:schemeClr val="tx1"/>
+          </a:fontRef>
+        </p:style>
+      </p:cxnSp>
     </p:spTree>
     <p:extLst>
       <p:ext uri="{BB962C8B-B14F-4D97-AF65-F5344CB8AC3E}">
@@ -23397,7 +23111,7 @@
                                         <p:tgtEl>
                                           <p:spTgt spid="6146">
                                             <p:txEl>
-                                              <p:pRg st="2" end="2"/>
+                                              <p:pRg st="1" end="1"/>
                                             </p:txEl>
                                           </p:spTgt>
                                         </p:tgtEl>
@@ -23446,7 +23160,7 @@
                                         <p:tgtEl>
                                           <p:spTgt spid="6146">
                                             <p:txEl>
-                                              <p:pRg st="3" end="3"/>
+                                              <p:pRg st="2" end="2"/>
                                             </p:txEl>
                                           </p:spTgt>
                                         </p:tgtEl>
@@ -23495,7 +23209,7 @@
                                         <p:tgtEl>
                                           <p:spTgt spid="6146">
                                             <p:txEl>
-                                              <p:pRg st="4" end="4"/>
+                                              <p:pRg st="3" end="3"/>
                                             </p:txEl>
                                           </p:spTgt>
                                         </p:tgtEl>
@@ -23544,7 +23258,7 @@
                                         <p:tgtEl>
                                           <p:spTgt spid="6146">
                                             <p:txEl>
-                                              <p:pRg st="5" end="5"/>
+                                              <p:pRg st="4" end="4"/>
                                             </p:txEl>
                                           </p:spTgt>
                                         </p:tgtEl>
@@ -23593,7 +23307,7 @@
                                         <p:tgtEl>
                                           <p:spTgt spid="6146">
                                             <p:txEl>
-                                              <p:pRg st="6" end="6"/>
+                                              <p:pRg st="5" end="5"/>
                                             </p:txEl>
                                           </p:spTgt>
                                         </p:tgtEl>
@@ -23635,6 +23349,127 @@
                                     <p:set>
                                       <p:cBhvr>
                                         <p:cTn id="26" dur="1" fill="hold">
+                                          <p:stCondLst>
+                                            <p:cond delay="0"/>
+                                          </p:stCondLst>
+                                        </p:cTn>
+                                        <p:tgtEl>
+                                          <p:spTgt spid="6146">
+                                            <p:txEl>
+                                              <p:pRg st="6" end="6"/>
+                                            </p:txEl>
+                                          </p:spTgt>
+                                        </p:tgtEl>
+                                        <p:attrNameLst>
+                                          <p:attrName>style.visibility</p:attrName>
+                                        </p:attrNameLst>
+                                      </p:cBhvr>
+                                      <p:to>
+                                        <p:strVal val="visible"/>
+                                      </p:to>
+                                    </p:set>
+                                  </p:childTnLst>
+                                </p:cTn>
+                              </p:par>
+                            </p:childTnLst>
+                          </p:cTn>
+                        </p:par>
+                      </p:childTnLst>
+                    </p:cTn>
+                  </p:par>
+                  <p:par>
+                    <p:cTn id="27" fill="hold">
+                      <p:stCondLst>
+                        <p:cond delay="indefinite"/>
+                      </p:stCondLst>
+                      <p:childTnLst>
+                        <p:par>
+                          <p:cTn id="28" fill="hold">
+                            <p:stCondLst>
+                              <p:cond delay="0"/>
+                            </p:stCondLst>
+                            <p:childTnLst>
+                              <p:par>
+                                <p:cTn id="29" presetID="1" presetClass="entr" presetSubtype="0" fill="hold" nodeType="clickEffect">
+                                  <p:stCondLst>
+                                    <p:cond delay="0"/>
+                                  </p:stCondLst>
+                                  <p:childTnLst>
+                                    <p:set>
+                                      <p:cBhvr>
+                                        <p:cTn id="30" dur="1" fill="hold">
+                                          <p:stCondLst>
+                                            <p:cond delay="0"/>
+                                          </p:stCondLst>
+                                        </p:cTn>
+                                        <p:tgtEl>
+                                          <p:spTgt spid="4"/>
+                                        </p:tgtEl>
+                                        <p:attrNameLst>
+                                          <p:attrName>style.visibility</p:attrName>
+                                        </p:attrNameLst>
+                                      </p:cBhvr>
+                                      <p:to>
+                                        <p:strVal val="visible"/>
+                                      </p:to>
+                                    </p:set>
+                                  </p:childTnLst>
+                                </p:cTn>
+                              </p:par>
+                              <p:par>
+                                <p:cTn id="31" presetID="1" presetClass="entr" presetSubtype="0" fill="hold" nodeType="withEffect">
+                                  <p:stCondLst>
+                                    <p:cond delay="0"/>
+                                  </p:stCondLst>
+                                  <p:childTnLst>
+                                    <p:set>
+                                      <p:cBhvr>
+                                        <p:cTn id="32" dur="1" fill="hold">
+                                          <p:stCondLst>
+                                            <p:cond delay="0"/>
+                                          </p:stCondLst>
+                                        </p:cTn>
+                                        <p:tgtEl>
+                                          <p:spTgt spid="9"/>
+                                        </p:tgtEl>
+                                        <p:attrNameLst>
+                                          <p:attrName>style.visibility</p:attrName>
+                                        </p:attrNameLst>
+                                      </p:cBhvr>
+                                      <p:to>
+                                        <p:strVal val="visible"/>
+                                      </p:to>
+                                    </p:set>
+                                  </p:childTnLst>
+                                </p:cTn>
+                              </p:par>
+                            </p:childTnLst>
+                          </p:cTn>
+                        </p:par>
+                      </p:childTnLst>
+                    </p:cTn>
+                  </p:par>
+                  <p:par>
+                    <p:cTn id="33" fill="hold">
+                      <p:stCondLst>
+                        <p:cond delay="indefinite"/>
+                      </p:stCondLst>
+                      <p:childTnLst>
+                        <p:par>
+                          <p:cTn id="34" fill="hold">
+                            <p:stCondLst>
+                              <p:cond delay="0"/>
+                            </p:stCondLst>
+                            <p:childTnLst>
+                              <p:par>
+                                <p:cTn id="35" presetID="1" presetClass="entr" presetSubtype="0" fill="hold" nodeType="clickEffect">
+                                  <p:stCondLst>
+                                    <p:cond delay="0"/>
+                                  </p:stCondLst>
+                                  <p:childTnLst>
+                                    <p:set>
+                                      <p:cBhvr>
+                                        <p:cTn id="36" dur="1" fill="hold">
                                           <p:stCondLst>
                                             <p:cond delay="0"/>
                                           </p:stCondLst>
@@ -23710,6 +23545,1341 @@
           <p:cNvPr id="186370" name="Rectangle 2">
             <a:extLst>
               <a:ext uri="{FF2B5EF4-FFF2-40B4-BE49-F238E27FC236}">
+                <a16:creationId xmlns:a16="http://schemas.microsoft.com/office/drawing/2014/main" id="{C5506108-D6E6-9641-98CC-A9DA92AF0478}"/>
+              </a:ext>
+            </a:extLst>
+          </p:cNvPr>
+          <p:cNvSpPr>
+            <a:spLocks noGrp="1" noChangeArrowheads="1"/>
+          </p:cNvSpPr>
+          <p:nvPr>
+            <p:ph type="title"/>
+          </p:nvPr>
+        </p:nvSpPr>
+        <p:spPr>
+          <a:xfrm>
+            <a:off x="133564" y="0"/>
+            <a:ext cx="7724240" cy="679442"/>
+          </a:xfrm>
+        </p:spPr>
+        <p:txBody>
+          <a:bodyPr/>
+          <a:lstStyle/>
+          <a:p>
+            <a:pPr eaLnBrk="1" hangingPunct="1">
+              <a:defRPr/>
+            </a:pPr>
+            <a:r>
+              <a:rPr lang="en-US" dirty="0">
+                <a:cs typeface="+mj-cs"/>
+              </a:rPr>
+              <a:t>Sequential search</a:t>
+            </a:r>
+            <a:endParaRPr lang="en-US" sz="2333" dirty="0"/>
+          </a:p>
+        </p:txBody>
+      </p:sp>
+      <p:sp>
+        <p:nvSpPr>
+          <p:cNvPr id="6146" name="Rectangle 3">
+            <a:extLst>
+              <a:ext uri="{FF2B5EF4-FFF2-40B4-BE49-F238E27FC236}">
+                <a16:creationId xmlns:a16="http://schemas.microsoft.com/office/drawing/2014/main" id="{EAA042DF-FAF2-DA4B-9FB9-A8E93FAB0389}"/>
+              </a:ext>
+            </a:extLst>
+          </p:cNvPr>
+          <p:cNvSpPr>
+            <a:spLocks noGrp="1" noChangeArrowheads="1"/>
+          </p:cNvSpPr>
+          <p:nvPr>
+            <p:ph type="body" idx="1"/>
+          </p:nvPr>
+        </p:nvSpPr>
+        <p:spPr>
+          <a:xfrm>
+            <a:off x="133564" y="554050"/>
+            <a:ext cx="8537825" cy="5047180"/>
+          </a:xfrm>
+        </p:spPr>
+        <p:txBody>
+          <a:bodyPr/>
+          <a:lstStyle/>
+          <a:p>
+            <a:pPr marL="0" indent="0">
+              <a:buNone/>
+            </a:pPr>
+            <a:r>
+              <a:rPr lang="en-US" dirty="0"/>
+              <a:t>Linear search or sequential search algorithms check each element of a list, in order, until the desired value is found or all elements in the list have been checked. </a:t>
+            </a:r>
+            <a:r>
+              <a:rPr lang="en-US" altLang="en-US" sz="2000" dirty="0">
+                <a:ea typeface="ＭＳ Ｐゴシック" panose="020B0600070205080204" pitchFamily="34" charset="-128"/>
+              </a:rPr>
+              <a:t>Implement sequential search using list which returns the index of the target or -1 if it is not found. </a:t>
+            </a:r>
+            <a:endParaRPr lang="en-US" altLang="en-US" sz="1833" dirty="0">
+              <a:ea typeface="ＭＳ Ｐゴシック" panose="020B0600070205080204" pitchFamily="34" charset="-128"/>
+            </a:endParaRPr>
+          </a:p>
+          <a:p>
+            <a:pPr marL="0" indent="0">
+              <a:buNone/>
+            </a:pPr>
+            <a:r>
+              <a:rPr lang="en-US" sz="1800" b="1" dirty="0">
+                <a:solidFill>
+                  <a:srgbClr val="34A327"/>
+                </a:solidFill>
+                <a:latin typeface="Inconsolata" panose="020B0609030003000000" pitchFamily="49" charset="77"/>
+              </a:rPr>
+              <a:t>def</a:t>
+            </a:r>
+            <a:r>
+              <a:rPr lang="en-US" sz="1800" b="1" dirty="0">
+                <a:solidFill>
+                  <a:srgbClr val="000000"/>
+                </a:solidFill>
+                <a:latin typeface="Inconsolata" panose="020B0609030003000000" pitchFamily="49" charset="77"/>
+              </a:rPr>
+              <a:t> </a:t>
+            </a:r>
+            <a:r>
+              <a:rPr lang="en-US" sz="1800" b="1" dirty="0" err="1">
+                <a:solidFill>
+                  <a:srgbClr val="3C9FF2"/>
+                </a:solidFill>
+                <a:latin typeface="Inconsolata" panose="020B0609030003000000" pitchFamily="49" charset="77"/>
+              </a:rPr>
+              <a:t>sequential_search</a:t>
+            </a:r>
+            <a:r>
+              <a:rPr lang="en-US" sz="1800" b="1" dirty="0">
+                <a:solidFill>
+                  <a:srgbClr val="000000"/>
+                </a:solidFill>
+                <a:latin typeface="Inconsolata" panose="020B0609030003000000" pitchFamily="49" charset="77"/>
+              </a:rPr>
+              <a:t>(</a:t>
+            </a:r>
+            <a:r>
+              <a:rPr lang="en-US" sz="1800" b="1" dirty="0" err="1">
+                <a:solidFill>
+                  <a:srgbClr val="000000"/>
+                </a:solidFill>
+                <a:latin typeface="Inconsolata" panose="020B0609030003000000" pitchFamily="49" charset="77"/>
+              </a:rPr>
+              <a:t>lst</a:t>
+            </a:r>
+            <a:r>
+              <a:rPr lang="en-US" sz="1800" b="1" dirty="0">
+                <a:solidFill>
+                  <a:srgbClr val="000000"/>
+                </a:solidFill>
+                <a:latin typeface="Inconsolata" panose="020B0609030003000000" pitchFamily="49" charset="77"/>
+              </a:rPr>
+              <a:t>, target):  </a:t>
+            </a:r>
+          </a:p>
+          <a:p>
+            <a:pPr marL="0" indent="0">
+              <a:buNone/>
+            </a:pPr>
+            <a:r>
+              <a:rPr lang="en-US" sz="1800" b="1" dirty="0">
+                <a:solidFill>
+                  <a:srgbClr val="006699"/>
+                </a:solidFill>
+                <a:latin typeface="Inconsolata" panose="020B0609030003000000" pitchFamily="49" charset="77"/>
+              </a:rPr>
+              <a:t>	for </a:t>
+            </a:r>
+            <a:r>
+              <a:rPr lang="en-US" sz="1800" b="1" dirty="0" err="1">
+                <a:solidFill>
+                  <a:srgbClr val="006699"/>
+                </a:solidFill>
+                <a:latin typeface="Inconsolata" panose="020B0609030003000000" pitchFamily="49" charset="77"/>
+              </a:rPr>
+              <a:t>i</a:t>
+            </a:r>
+            <a:r>
+              <a:rPr lang="en-US" sz="1800" b="1" dirty="0">
+                <a:solidFill>
+                  <a:srgbClr val="006699"/>
+                </a:solidFill>
+                <a:latin typeface="Inconsolata" panose="020B0609030003000000" pitchFamily="49" charset="77"/>
+              </a:rPr>
+              <a:t> </a:t>
+            </a:r>
+            <a:r>
+              <a:rPr lang="en-US" sz="1800" b="1" dirty="0">
+                <a:latin typeface="Inconsolata" panose="020B0609030003000000" pitchFamily="49" charset="77"/>
+              </a:rPr>
+              <a:t>in range(</a:t>
+            </a:r>
+            <a:r>
+              <a:rPr lang="en-US" sz="1800" b="1" dirty="0" err="1">
+                <a:solidFill>
+                  <a:srgbClr val="000087"/>
+                </a:solidFill>
+                <a:latin typeface="Inconsolata" panose="020B0609030003000000" pitchFamily="49" charset="77"/>
+              </a:rPr>
+              <a:t>len</a:t>
+            </a:r>
+            <a:r>
+              <a:rPr lang="en-US" sz="1800" b="1" dirty="0">
+                <a:solidFill>
+                  <a:srgbClr val="000087"/>
+                </a:solidFill>
+                <a:latin typeface="Inconsolata" panose="020B0609030003000000" pitchFamily="49" charset="77"/>
+              </a:rPr>
+              <a:t>(</a:t>
+            </a:r>
+            <a:r>
+              <a:rPr lang="en-US" sz="1800" b="1" dirty="0" err="1">
+                <a:solidFill>
+                  <a:srgbClr val="000087"/>
+                </a:solidFill>
+                <a:latin typeface="Inconsolata" panose="020B0609030003000000" pitchFamily="49" charset="77"/>
+              </a:rPr>
+              <a:t>lst</a:t>
+            </a:r>
+            <a:r>
+              <a:rPr lang="en-US" sz="1800" b="1" dirty="0">
+                <a:solidFill>
+                  <a:srgbClr val="000087"/>
+                </a:solidFill>
+                <a:latin typeface="Inconsolata" panose="020B0609030003000000" pitchFamily="49" charset="77"/>
+              </a:rPr>
+              <a:t>))</a:t>
+            </a:r>
+            <a:r>
+              <a:rPr lang="en-US" sz="1800" b="1" dirty="0">
+                <a:solidFill>
+                  <a:srgbClr val="336666"/>
+                </a:solidFill>
+                <a:latin typeface="Inconsolata" panose="020B0609030003000000" pitchFamily="49" charset="77"/>
+              </a:rPr>
+              <a:t>:</a:t>
+            </a:r>
+          </a:p>
+          <a:p>
+            <a:pPr marL="0" indent="0">
+              <a:buNone/>
+            </a:pPr>
+            <a:r>
+              <a:rPr lang="en-US" sz="1800" b="1" dirty="0">
+                <a:solidFill>
+                  <a:srgbClr val="336666"/>
+                </a:solidFill>
+                <a:latin typeface="Inconsolata" panose="020B0609030003000000" pitchFamily="49" charset="77"/>
+              </a:rPr>
+              <a:t>	    if </a:t>
+            </a:r>
+            <a:r>
+              <a:rPr lang="en-US" sz="1800" b="1" dirty="0" err="1">
+                <a:solidFill>
+                  <a:srgbClr val="336666"/>
+                </a:solidFill>
+                <a:latin typeface="Inconsolata" panose="020B0609030003000000" pitchFamily="49" charset="77"/>
+              </a:rPr>
+              <a:t>lst</a:t>
+            </a:r>
+            <a:r>
+              <a:rPr lang="en-US" sz="1800" b="1" dirty="0">
+                <a:solidFill>
+                  <a:srgbClr val="336666"/>
+                </a:solidFill>
+                <a:latin typeface="Inconsolata" panose="020B0609030003000000" pitchFamily="49" charset="77"/>
+              </a:rPr>
+              <a:t>[</a:t>
+            </a:r>
+            <a:r>
+              <a:rPr lang="en-US" sz="1800" b="1" dirty="0" err="1">
+                <a:solidFill>
+                  <a:srgbClr val="336666"/>
+                </a:solidFill>
+                <a:latin typeface="Inconsolata" panose="020B0609030003000000" pitchFamily="49" charset="77"/>
+              </a:rPr>
+              <a:t>i</a:t>
+            </a:r>
+            <a:r>
+              <a:rPr lang="en-US" sz="1800" b="1" dirty="0">
+                <a:solidFill>
+                  <a:srgbClr val="336666"/>
+                </a:solidFill>
+                <a:latin typeface="Inconsolata" panose="020B0609030003000000" pitchFamily="49" charset="77"/>
+              </a:rPr>
+              <a:t>] == target:</a:t>
+            </a:r>
+          </a:p>
+          <a:p>
+            <a:pPr marL="0" indent="0">
+              <a:buNone/>
+            </a:pPr>
+            <a:r>
+              <a:rPr lang="en-US" sz="1800" b="1" dirty="0">
+                <a:solidFill>
+                  <a:srgbClr val="336666"/>
+                </a:solidFill>
+                <a:latin typeface="Inconsolata" panose="020B0609030003000000" pitchFamily="49" charset="77"/>
+              </a:rPr>
+              <a:t>		  return </a:t>
+            </a:r>
+            <a:r>
+              <a:rPr lang="en-US" sz="1800" b="1" dirty="0" err="1">
+                <a:solidFill>
+                  <a:srgbClr val="336666"/>
+                </a:solidFill>
+                <a:latin typeface="Inconsolata" panose="020B0609030003000000" pitchFamily="49" charset="77"/>
+              </a:rPr>
+              <a:t>i</a:t>
+            </a:r>
+            <a:endParaRPr lang="en-US" sz="1800" b="1" dirty="0">
+              <a:solidFill>
+                <a:srgbClr val="000000"/>
+              </a:solidFill>
+              <a:latin typeface="Inconsolata" panose="020B0609030003000000" pitchFamily="49" charset="77"/>
+            </a:endParaRPr>
+          </a:p>
+          <a:p>
+            <a:pPr marL="0" indent="0">
+              <a:buNone/>
+            </a:pPr>
+            <a:r>
+              <a:rPr lang="en-US" sz="1800" b="1" dirty="0">
+                <a:solidFill>
+                  <a:srgbClr val="34A327"/>
+                </a:solidFill>
+                <a:latin typeface="Inconsolata" panose="020B0609030003000000" pitchFamily="49" charset="77"/>
+              </a:rPr>
+              <a:t>   	return</a:t>
+            </a:r>
+            <a:r>
+              <a:rPr lang="en-US" sz="1800" b="1" dirty="0">
+                <a:solidFill>
+                  <a:srgbClr val="000000"/>
+                </a:solidFill>
+                <a:latin typeface="Inconsolata" panose="020B0609030003000000" pitchFamily="49" charset="77"/>
+              </a:rPr>
+              <a:t> -1 </a:t>
+            </a:r>
+          </a:p>
+          <a:p>
+            <a:pPr marL="0" indent="0">
+              <a:buNone/>
+            </a:pPr>
+            <a:r>
+              <a:rPr lang="en-US" sz="2000" b="1" dirty="0">
+                <a:latin typeface="INCONSOLATA" panose="020B0609030003000000" pitchFamily="49" charset="77"/>
+              </a:rPr>
+              <a:t>a = </a:t>
+            </a:r>
+            <a:r>
+              <a:rPr lang="en-US" sz="2000" b="1" dirty="0" err="1">
+                <a:latin typeface="INCONSOLATA" panose="020B0609030003000000" pitchFamily="49" charset="77"/>
+              </a:rPr>
+              <a:t>sequential_search</a:t>
+            </a:r>
+            <a:r>
+              <a:rPr lang="en-US" sz="2000" b="1" dirty="0">
+                <a:latin typeface="INCONSOLATA" panose="020B0609030003000000" pitchFamily="49" charset="77"/>
+              </a:rPr>
+              <a:t>([3,0,5,1], 0) # a = 1</a:t>
+            </a:r>
+          </a:p>
+          <a:p>
+            <a:pPr marL="0" indent="0">
+              <a:buNone/>
+            </a:pPr>
+            <a:r>
+              <a:rPr lang="en-US" sz="2000" b="1" dirty="0">
+                <a:latin typeface="Inconsolata" panose="020B0609030003000000" pitchFamily="49" charset="77"/>
+              </a:rPr>
+              <a:t>print(a) # 1</a:t>
+            </a:r>
+            <a:endParaRPr lang="en-US" altLang="en-US" sz="1833" dirty="0">
+              <a:ea typeface="ＭＳ Ｐゴシック" panose="020B0600070205080204" pitchFamily="34" charset="-128"/>
+            </a:endParaRPr>
+          </a:p>
+          <a:p>
+            <a:pPr marL="0" indent="0">
+              <a:buNone/>
+            </a:pPr>
+            <a:r>
+              <a:rPr lang="en-US" altLang="en-US" sz="1833" b="1" dirty="0">
+                <a:latin typeface="INCONSOLATA" panose="020B0609030003000000" pitchFamily="49" charset="77"/>
+                <a:ea typeface="ＭＳ Ｐゴシック" panose="020B0600070205080204" pitchFamily="34" charset="-128"/>
+              </a:rPr>
+              <a:t>numbers = [4, 2, 3, 7 -12, 3, 56, 34]</a:t>
+            </a:r>
+          </a:p>
+          <a:p>
+            <a:pPr marL="0" indent="0">
+              <a:buNone/>
+            </a:pPr>
+            <a:r>
+              <a:rPr lang="en-US" sz="1800" b="1" dirty="0">
+                <a:latin typeface="INCONSOLATA" panose="020B0609030003000000" pitchFamily="49" charset="77"/>
+              </a:rPr>
+              <a:t>print(</a:t>
+            </a:r>
+            <a:r>
+              <a:rPr lang="en-US" sz="1800" b="1" dirty="0" err="1">
+                <a:latin typeface="INCONSOLATA" panose="020B0609030003000000" pitchFamily="49" charset="77"/>
+              </a:rPr>
+              <a:t>sequential_search</a:t>
+            </a:r>
+            <a:r>
+              <a:rPr lang="en-US" sz="1800" b="1" dirty="0">
+                <a:latin typeface="INCONSOLATA" panose="020B0609030003000000" pitchFamily="49" charset="77"/>
+              </a:rPr>
+              <a:t>(numbers, 3)) # 2 </a:t>
+            </a:r>
+          </a:p>
+          <a:p>
+            <a:pPr marL="0" indent="0">
+              <a:buNone/>
+            </a:pPr>
+            <a:endParaRPr lang="en-US" altLang="en-US" sz="1833" dirty="0">
+              <a:latin typeface="Courier New" panose="02070309020205020404" pitchFamily="49" charset="0"/>
+              <a:ea typeface="ＭＳ Ｐゴシック" panose="020B0600070205080204" pitchFamily="34" charset="-128"/>
+            </a:endParaRPr>
+          </a:p>
+        </p:txBody>
+      </p:sp>
+      <p:sp>
+        <p:nvSpPr>
+          <p:cNvPr id="2" name="Slide Number Placeholder 1">
+            <a:extLst>
+              <a:ext uri="{FF2B5EF4-FFF2-40B4-BE49-F238E27FC236}">
+                <a16:creationId xmlns:a16="http://schemas.microsoft.com/office/drawing/2014/main" id="{212358BB-7F38-DE4B-B13F-EC3F7FF7E613}"/>
+              </a:ext>
+            </a:extLst>
+          </p:cNvPr>
+          <p:cNvSpPr>
+            <a:spLocks noGrp="1"/>
+          </p:cNvSpPr>
+          <p:nvPr>
+            <p:ph type="sldNum" sz="quarter" idx="12"/>
+          </p:nvPr>
+        </p:nvSpPr>
+        <p:spPr/>
+        <p:txBody>
+          <a:bodyPr/>
+          <a:lstStyle/>
+          <a:p>
+            <a:fld id="{D57F1E4F-1CFF-5643-939E-02111984F565}" type="slidenum">
+              <a:rPr lang="en-US" smtClean="0"/>
+              <a:t>4</a:t>
+            </a:fld>
+            <a:endParaRPr lang="en-US" dirty="0"/>
+          </a:p>
+        </p:txBody>
+      </p:sp>
+      <p:cxnSp>
+        <p:nvCxnSpPr>
+          <p:cNvPr id="4" name="Straight Arrow Connector 3">
+            <a:extLst>
+              <a:ext uri="{FF2B5EF4-FFF2-40B4-BE49-F238E27FC236}">
+                <a16:creationId xmlns:a16="http://schemas.microsoft.com/office/drawing/2014/main" id="{6F7FAA95-1CB1-6246-9247-83FDFD7281C5}"/>
+              </a:ext>
+            </a:extLst>
+          </p:cNvPr>
+          <p:cNvCxnSpPr>
+            <a:cxnSpLocks/>
+          </p:cNvCxnSpPr>
+          <p:nvPr/>
+        </p:nvCxnSpPr>
+        <p:spPr>
+          <a:xfrm flipH="1" flipV="1">
+            <a:off x="3093930" y="2129426"/>
+            <a:ext cx="436079" cy="2527634"/>
+          </a:xfrm>
+          <a:prstGeom prst="straightConnector1">
+            <a:avLst/>
+          </a:prstGeom>
+          <a:ln w="25400">
+            <a:solidFill>
+              <a:srgbClr val="FF0000"/>
+            </a:solidFill>
+            <a:tailEnd type="triangle"/>
+          </a:ln>
+        </p:spPr>
+        <p:style>
+          <a:lnRef idx="1">
+            <a:schemeClr val="accent1"/>
+          </a:lnRef>
+          <a:fillRef idx="0">
+            <a:schemeClr val="accent1"/>
+          </a:fillRef>
+          <a:effectRef idx="0">
+            <a:schemeClr val="accent1"/>
+          </a:effectRef>
+          <a:fontRef idx="minor">
+            <a:schemeClr val="tx1"/>
+          </a:fontRef>
+        </p:style>
+      </p:cxnSp>
+      <p:cxnSp>
+        <p:nvCxnSpPr>
+          <p:cNvPr id="9" name="Straight Arrow Connector 8">
+            <a:extLst>
+              <a:ext uri="{FF2B5EF4-FFF2-40B4-BE49-F238E27FC236}">
+                <a16:creationId xmlns:a16="http://schemas.microsoft.com/office/drawing/2014/main" id="{696833A3-9446-104B-8B36-CF472B191E13}"/>
+              </a:ext>
+            </a:extLst>
+          </p:cNvPr>
+          <p:cNvCxnSpPr>
+            <a:cxnSpLocks/>
+          </p:cNvCxnSpPr>
+          <p:nvPr/>
+        </p:nvCxnSpPr>
+        <p:spPr>
+          <a:xfrm flipH="1" flipV="1">
+            <a:off x="3870251" y="2129426"/>
+            <a:ext cx="340243" cy="2527635"/>
+          </a:xfrm>
+          <a:prstGeom prst="straightConnector1">
+            <a:avLst/>
+          </a:prstGeom>
+          <a:ln w="25400">
+            <a:solidFill>
+              <a:srgbClr val="FF0000"/>
+            </a:solidFill>
+            <a:tailEnd type="triangle"/>
+          </a:ln>
+        </p:spPr>
+        <p:style>
+          <a:lnRef idx="1">
+            <a:schemeClr val="accent1"/>
+          </a:lnRef>
+          <a:fillRef idx="0">
+            <a:schemeClr val="accent1"/>
+          </a:fillRef>
+          <a:effectRef idx="0">
+            <a:schemeClr val="accent1"/>
+          </a:effectRef>
+          <a:fontRef idx="minor">
+            <a:schemeClr val="tx1"/>
+          </a:fontRef>
+        </p:style>
+      </p:cxnSp>
+    </p:spTree>
+    <p:extLst>
+      <p:ext uri="{BB962C8B-B14F-4D97-AF65-F5344CB8AC3E}">
+        <p14:creationId xmlns:p14="http://schemas.microsoft.com/office/powerpoint/2010/main" val="2497825085"/>
+      </p:ext>
+    </p:extLst>
+  </p:cSld>
+  <p:clrMapOvr>
+    <a:masterClrMapping/>
+  </p:clrMapOvr>
+  <p:timing>
+    <p:tnLst>
+      <p:par>
+        <p:cTn id="1" dur="indefinite" restart="never" nodeType="tmRoot">
+          <p:childTnLst>
+            <p:seq concurrent="1" nextAc="seek">
+              <p:cTn id="2" dur="indefinite" nodeType="mainSeq">
+                <p:childTnLst>
+                  <p:par>
+                    <p:cTn id="3" fill="hold">
+                      <p:stCondLst>
+                        <p:cond delay="indefinite"/>
+                      </p:stCondLst>
+                      <p:childTnLst>
+                        <p:par>
+                          <p:cTn id="4" fill="hold">
+                            <p:stCondLst>
+                              <p:cond delay="0"/>
+                            </p:stCondLst>
+                            <p:childTnLst>
+                              <p:par>
+                                <p:cTn id="5" presetID="1" presetClass="entr" presetSubtype="0" fill="hold" nodeType="clickEffect">
+                                  <p:stCondLst>
+                                    <p:cond delay="0"/>
+                                  </p:stCondLst>
+                                  <p:childTnLst>
+                                    <p:set>
+                                      <p:cBhvr>
+                                        <p:cTn id="6" dur="1" fill="hold">
+                                          <p:stCondLst>
+                                            <p:cond delay="0"/>
+                                          </p:stCondLst>
+                                        </p:cTn>
+                                        <p:tgtEl>
+                                          <p:spTgt spid="6146">
+                                            <p:txEl>
+                                              <p:pRg st="8" end="8"/>
+                                            </p:txEl>
+                                          </p:spTgt>
+                                        </p:tgtEl>
+                                        <p:attrNameLst>
+                                          <p:attrName>style.visibility</p:attrName>
+                                        </p:attrNameLst>
+                                      </p:cBhvr>
+                                      <p:to>
+                                        <p:strVal val="visible"/>
+                                      </p:to>
+                                    </p:set>
+                                  </p:childTnLst>
+                                </p:cTn>
+                              </p:par>
+                            </p:childTnLst>
+                          </p:cTn>
+                        </p:par>
+                      </p:childTnLst>
+                    </p:cTn>
+                  </p:par>
+                  <p:par>
+                    <p:cTn id="7" fill="hold">
+                      <p:stCondLst>
+                        <p:cond delay="indefinite"/>
+                      </p:stCondLst>
+                      <p:childTnLst>
+                        <p:par>
+                          <p:cTn id="8" fill="hold">
+                            <p:stCondLst>
+                              <p:cond delay="0"/>
+                            </p:stCondLst>
+                            <p:childTnLst>
+                              <p:par>
+                                <p:cTn id="9" presetID="1" presetClass="entr" presetSubtype="0" fill="hold" nodeType="clickEffect">
+                                  <p:stCondLst>
+                                    <p:cond delay="0"/>
+                                  </p:stCondLst>
+                                  <p:childTnLst>
+                                    <p:set>
+                                      <p:cBhvr>
+                                        <p:cTn id="10" dur="1" fill="hold">
+                                          <p:stCondLst>
+                                            <p:cond delay="0"/>
+                                          </p:stCondLst>
+                                        </p:cTn>
+                                        <p:tgtEl>
+                                          <p:spTgt spid="6146">
+                                            <p:txEl>
+                                              <p:pRg st="9" end="9"/>
+                                            </p:txEl>
+                                          </p:spTgt>
+                                        </p:tgtEl>
+                                        <p:attrNameLst>
+                                          <p:attrName>style.visibility</p:attrName>
+                                        </p:attrNameLst>
+                                      </p:cBhvr>
+                                      <p:to>
+                                        <p:strVal val="visible"/>
+                                      </p:to>
+                                    </p:set>
+                                  </p:childTnLst>
+                                </p:cTn>
+                              </p:par>
+                            </p:childTnLst>
+                          </p:cTn>
+                        </p:par>
+                      </p:childTnLst>
+                    </p:cTn>
+                  </p:par>
+                  <p:par>
+                    <p:cTn id="11" fill="hold">
+                      <p:stCondLst>
+                        <p:cond delay="indefinite"/>
+                      </p:stCondLst>
+                      <p:childTnLst>
+                        <p:par>
+                          <p:cTn id="12" fill="hold">
+                            <p:stCondLst>
+                              <p:cond delay="0"/>
+                            </p:stCondLst>
+                            <p:childTnLst>
+                              <p:par>
+                                <p:cTn id="13" presetID="1" presetClass="entr" presetSubtype="0" fill="hold" nodeType="clickEffect">
+                                  <p:stCondLst>
+                                    <p:cond delay="0"/>
+                                  </p:stCondLst>
+                                  <p:childTnLst>
+                                    <p:set>
+                                      <p:cBhvr>
+                                        <p:cTn id="14" dur="1" fill="hold">
+                                          <p:stCondLst>
+                                            <p:cond delay="0"/>
+                                          </p:stCondLst>
+                                        </p:cTn>
+                                        <p:tgtEl>
+                                          <p:spTgt spid="4"/>
+                                        </p:tgtEl>
+                                        <p:attrNameLst>
+                                          <p:attrName>style.visibility</p:attrName>
+                                        </p:attrNameLst>
+                                      </p:cBhvr>
+                                      <p:to>
+                                        <p:strVal val="visible"/>
+                                      </p:to>
+                                    </p:set>
+                                  </p:childTnLst>
+                                </p:cTn>
+                              </p:par>
+                              <p:par>
+                                <p:cTn id="15" presetID="1" presetClass="entr" presetSubtype="0" fill="hold" nodeType="withEffect">
+                                  <p:stCondLst>
+                                    <p:cond delay="0"/>
+                                  </p:stCondLst>
+                                  <p:childTnLst>
+                                    <p:set>
+                                      <p:cBhvr>
+                                        <p:cTn id="16" dur="1" fill="hold">
+                                          <p:stCondLst>
+                                            <p:cond delay="0"/>
+                                          </p:stCondLst>
+                                        </p:cTn>
+                                        <p:tgtEl>
+                                          <p:spTgt spid="9"/>
+                                        </p:tgtEl>
+                                        <p:attrNameLst>
+                                          <p:attrName>style.visibility</p:attrName>
+                                        </p:attrNameLst>
+                                      </p:cBhvr>
+                                      <p:to>
+                                        <p:strVal val="visible"/>
+                                      </p:to>
+                                    </p:set>
+                                  </p:childTnLst>
+                                </p:cTn>
+                              </p:par>
+                            </p:childTnLst>
+                          </p:cTn>
+                        </p:par>
+                      </p:childTnLst>
+                    </p:cTn>
+                  </p:par>
+                </p:childTnLst>
+              </p:cTn>
+              <p:prevCondLst>
+                <p:cond evt="onPrev" delay="0">
+                  <p:tgtEl>
+                    <p:sldTgt/>
+                  </p:tgtEl>
+                </p:cond>
+              </p:prevCondLst>
+              <p:nextCondLst>
+                <p:cond evt="onNext" delay="0">
+                  <p:tgtEl>
+                    <p:sldTgt/>
+                  </p:tgtEl>
+                </p:cond>
+              </p:nextCondLst>
+            </p:seq>
+          </p:childTnLst>
+        </p:cTn>
+      </p:par>
+    </p:tnLst>
+  </p:timing>
+</p:sld>
+</file>
+
+<file path=ppt/slides/slide5.xml><?xml version="1.0" encoding="utf-8"?>
+<p:sld xmlns:a="http://schemas.openxmlformats.org/drawingml/2006/main" xmlns:r="http://schemas.openxmlformats.org/officeDocument/2006/relationships" xmlns:p="http://schemas.openxmlformats.org/presentationml/2006/main">
+  <p:cSld>
+    <p:spTree>
+      <p:nvGrpSpPr>
+        <p:cNvPr id="1" name=""/>
+        <p:cNvGrpSpPr/>
+        <p:nvPr/>
+      </p:nvGrpSpPr>
+      <p:grpSpPr>
+        <a:xfrm>
+          <a:off x="0" y="0"/>
+          <a:ext cx="0" cy="0"/>
+          <a:chOff x="0" y="0"/>
+          <a:chExt cx="0" cy="0"/>
+        </a:xfrm>
+      </p:grpSpPr>
+      <p:sp>
+        <p:nvSpPr>
+          <p:cNvPr id="186370" name="Rectangle 2">
+            <a:extLst>
+              <a:ext uri="{FF2B5EF4-FFF2-40B4-BE49-F238E27FC236}">
+                <a16:creationId xmlns:a16="http://schemas.microsoft.com/office/drawing/2014/main" id="{C5506108-D6E6-9641-98CC-A9DA92AF0478}"/>
+              </a:ext>
+            </a:extLst>
+          </p:cNvPr>
+          <p:cNvSpPr>
+            <a:spLocks noGrp="1" noChangeArrowheads="1"/>
+          </p:cNvSpPr>
+          <p:nvPr>
+            <p:ph type="title"/>
+          </p:nvPr>
+        </p:nvSpPr>
+        <p:spPr>
+          <a:xfrm>
+            <a:off x="133564" y="0"/>
+            <a:ext cx="7724240" cy="679442"/>
+          </a:xfrm>
+        </p:spPr>
+        <p:txBody>
+          <a:bodyPr/>
+          <a:lstStyle/>
+          <a:p>
+            <a:pPr eaLnBrk="1" hangingPunct="1">
+              <a:defRPr/>
+            </a:pPr>
+            <a:r>
+              <a:rPr lang="en-US" dirty="0">
+                <a:cs typeface="+mj-cs"/>
+              </a:rPr>
+              <a:t>Sequential search</a:t>
+            </a:r>
+            <a:endParaRPr lang="en-US" sz="2333" dirty="0"/>
+          </a:p>
+        </p:txBody>
+      </p:sp>
+      <p:sp>
+        <p:nvSpPr>
+          <p:cNvPr id="6146" name="Rectangle 3">
+            <a:extLst>
+              <a:ext uri="{FF2B5EF4-FFF2-40B4-BE49-F238E27FC236}">
+                <a16:creationId xmlns:a16="http://schemas.microsoft.com/office/drawing/2014/main" id="{EAA042DF-FAF2-DA4B-9FB9-A8E93FAB0389}"/>
+              </a:ext>
+            </a:extLst>
+          </p:cNvPr>
+          <p:cNvSpPr>
+            <a:spLocks noGrp="1" noChangeArrowheads="1"/>
+          </p:cNvSpPr>
+          <p:nvPr>
+            <p:ph type="body" idx="1"/>
+          </p:nvPr>
+        </p:nvSpPr>
+        <p:spPr>
+          <a:xfrm>
+            <a:off x="133564" y="554050"/>
+            <a:ext cx="8537825" cy="5047180"/>
+          </a:xfrm>
+        </p:spPr>
+        <p:txBody>
+          <a:bodyPr/>
+          <a:lstStyle/>
+          <a:p>
+            <a:pPr marL="0" indent="0">
+              <a:buNone/>
+            </a:pPr>
+            <a:r>
+              <a:rPr lang="en-US" dirty="0"/>
+              <a:t>Linear search or sequential search algorithms check each element of a list, in order, until the desired value is found or all elements in the list have been checked. </a:t>
+            </a:r>
+            <a:r>
+              <a:rPr lang="en-US" altLang="en-US" sz="2000" dirty="0">
+                <a:ea typeface="ＭＳ Ｐゴシック" panose="020B0600070205080204" pitchFamily="34" charset="-128"/>
+              </a:rPr>
+              <a:t>Implement sequential search using list which returns the index of the target or -1 if it is not found. </a:t>
+            </a:r>
+            <a:endParaRPr lang="en-US" altLang="en-US" sz="1833" dirty="0">
+              <a:ea typeface="ＭＳ Ｐゴシック" panose="020B0600070205080204" pitchFamily="34" charset="-128"/>
+            </a:endParaRPr>
+          </a:p>
+          <a:p>
+            <a:pPr marL="0" indent="0">
+              <a:buNone/>
+            </a:pPr>
+            <a:r>
+              <a:rPr lang="en-US" sz="1800" b="1" dirty="0">
+                <a:solidFill>
+                  <a:srgbClr val="34A327"/>
+                </a:solidFill>
+                <a:latin typeface="Inconsolata" panose="020B0609030003000000" pitchFamily="49" charset="77"/>
+              </a:rPr>
+              <a:t>def</a:t>
+            </a:r>
+            <a:r>
+              <a:rPr lang="en-US" sz="1800" b="1" dirty="0">
+                <a:solidFill>
+                  <a:srgbClr val="000000"/>
+                </a:solidFill>
+                <a:latin typeface="Inconsolata" panose="020B0609030003000000" pitchFamily="49" charset="77"/>
+              </a:rPr>
+              <a:t> </a:t>
+            </a:r>
+            <a:r>
+              <a:rPr lang="en-US" sz="1800" b="1" dirty="0" err="1">
+                <a:solidFill>
+                  <a:srgbClr val="3C9FF2"/>
+                </a:solidFill>
+                <a:latin typeface="Inconsolata" panose="020B0609030003000000" pitchFamily="49" charset="77"/>
+              </a:rPr>
+              <a:t>sequential_search</a:t>
+            </a:r>
+            <a:r>
+              <a:rPr lang="en-US" sz="1800" b="1" dirty="0">
+                <a:solidFill>
+                  <a:srgbClr val="000000"/>
+                </a:solidFill>
+                <a:latin typeface="Inconsolata" panose="020B0609030003000000" pitchFamily="49" charset="77"/>
+              </a:rPr>
+              <a:t>(</a:t>
+            </a:r>
+            <a:r>
+              <a:rPr lang="en-US" sz="1800" b="1" dirty="0" err="1">
+                <a:solidFill>
+                  <a:srgbClr val="000000"/>
+                </a:solidFill>
+                <a:latin typeface="Inconsolata" panose="020B0609030003000000" pitchFamily="49" charset="77"/>
+              </a:rPr>
+              <a:t>lst</a:t>
+            </a:r>
+            <a:r>
+              <a:rPr lang="en-US" sz="1800" b="1" dirty="0">
+                <a:solidFill>
+                  <a:srgbClr val="000000"/>
+                </a:solidFill>
+                <a:latin typeface="Inconsolata" panose="020B0609030003000000" pitchFamily="49" charset="77"/>
+              </a:rPr>
+              <a:t>, target):  </a:t>
+            </a:r>
+          </a:p>
+          <a:p>
+            <a:pPr marL="0" indent="0">
+              <a:buNone/>
+            </a:pPr>
+            <a:r>
+              <a:rPr lang="en-US" sz="1800" b="1" dirty="0">
+                <a:solidFill>
+                  <a:srgbClr val="006699"/>
+                </a:solidFill>
+                <a:latin typeface="Inconsolata" panose="020B0609030003000000" pitchFamily="49" charset="77"/>
+              </a:rPr>
+              <a:t>	for </a:t>
+            </a:r>
+            <a:r>
+              <a:rPr lang="en-US" sz="1800" b="1" dirty="0" err="1">
+                <a:solidFill>
+                  <a:srgbClr val="006699"/>
+                </a:solidFill>
+                <a:latin typeface="Inconsolata" panose="020B0609030003000000" pitchFamily="49" charset="77"/>
+              </a:rPr>
+              <a:t>i</a:t>
+            </a:r>
+            <a:r>
+              <a:rPr lang="en-US" sz="1800" b="1" dirty="0">
+                <a:solidFill>
+                  <a:srgbClr val="006699"/>
+                </a:solidFill>
+                <a:latin typeface="Inconsolata" panose="020B0609030003000000" pitchFamily="49" charset="77"/>
+              </a:rPr>
+              <a:t> </a:t>
+            </a:r>
+            <a:r>
+              <a:rPr lang="en-US" sz="1800" b="1" dirty="0">
+                <a:latin typeface="Inconsolata" panose="020B0609030003000000" pitchFamily="49" charset="77"/>
+              </a:rPr>
+              <a:t>in range(</a:t>
+            </a:r>
+            <a:r>
+              <a:rPr lang="en-US" sz="1800" b="1" dirty="0" err="1">
+                <a:solidFill>
+                  <a:srgbClr val="000087"/>
+                </a:solidFill>
+                <a:latin typeface="Inconsolata" panose="020B0609030003000000" pitchFamily="49" charset="77"/>
+              </a:rPr>
+              <a:t>len</a:t>
+            </a:r>
+            <a:r>
+              <a:rPr lang="en-US" sz="1800" b="1" dirty="0">
+                <a:solidFill>
+                  <a:srgbClr val="000087"/>
+                </a:solidFill>
+                <a:latin typeface="Inconsolata" panose="020B0609030003000000" pitchFamily="49" charset="77"/>
+              </a:rPr>
+              <a:t>(</a:t>
+            </a:r>
+            <a:r>
+              <a:rPr lang="en-US" sz="1800" b="1" dirty="0" err="1">
+                <a:solidFill>
+                  <a:srgbClr val="000087"/>
+                </a:solidFill>
+                <a:latin typeface="Inconsolata" panose="020B0609030003000000" pitchFamily="49" charset="77"/>
+              </a:rPr>
+              <a:t>lst</a:t>
+            </a:r>
+            <a:r>
+              <a:rPr lang="en-US" sz="1800" b="1" dirty="0">
+                <a:solidFill>
+                  <a:srgbClr val="000087"/>
+                </a:solidFill>
+                <a:latin typeface="Inconsolata" panose="020B0609030003000000" pitchFamily="49" charset="77"/>
+              </a:rPr>
+              <a:t>))</a:t>
+            </a:r>
+            <a:r>
+              <a:rPr lang="en-US" sz="1800" b="1" dirty="0">
+                <a:solidFill>
+                  <a:srgbClr val="336666"/>
+                </a:solidFill>
+                <a:latin typeface="Inconsolata" panose="020B0609030003000000" pitchFamily="49" charset="77"/>
+              </a:rPr>
+              <a:t>:</a:t>
+            </a:r>
+          </a:p>
+          <a:p>
+            <a:pPr marL="0" indent="0">
+              <a:buNone/>
+            </a:pPr>
+            <a:r>
+              <a:rPr lang="en-US" sz="1800" b="1" dirty="0">
+                <a:solidFill>
+                  <a:srgbClr val="336666"/>
+                </a:solidFill>
+                <a:latin typeface="Inconsolata" panose="020B0609030003000000" pitchFamily="49" charset="77"/>
+              </a:rPr>
+              <a:t>	    if </a:t>
+            </a:r>
+            <a:r>
+              <a:rPr lang="en-US" sz="1800" b="1" dirty="0" err="1">
+                <a:solidFill>
+                  <a:srgbClr val="336666"/>
+                </a:solidFill>
+                <a:latin typeface="Inconsolata" panose="020B0609030003000000" pitchFamily="49" charset="77"/>
+              </a:rPr>
+              <a:t>lst</a:t>
+            </a:r>
+            <a:r>
+              <a:rPr lang="en-US" sz="1800" b="1" dirty="0">
+                <a:solidFill>
+                  <a:srgbClr val="336666"/>
+                </a:solidFill>
+                <a:latin typeface="Inconsolata" panose="020B0609030003000000" pitchFamily="49" charset="77"/>
+              </a:rPr>
+              <a:t>[</a:t>
+            </a:r>
+            <a:r>
+              <a:rPr lang="en-US" sz="1800" b="1" dirty="0" err="1">
+                <a:solidFill>
+                  <a:srgbClr val="336666"/>
+                </a:solidFill>
+                <a:latin typeface="Inconsolata" panose="020B0609030003000000" pitchFamily="49" charset="77"/>
+              </a:rPr>
+              <a:t>i</a:t>
+            </a:r>
+            <a:r>
+              <a:rPr lang="en-US" sz="1800" b="1" dirty="0">
+                <a:solidFill>
+                  <a:srgbClr val="336666"/>
+                </a:solidFill>
+                <a:latin typeface="Inconsolata" panose="020B0609030003000000" pitchFamily="49" charset="77"/>
+              </a:rPr>
+              <a:t>] == target:</a:t>
+            </a:r>
+          </a:p>
+          <a:p>
+            <a:pPr marL="0" indent="0">
+              <a:buNone/>
+            </a:pPr>
+            <a:r>
+              <a:rPr lang="en-US" sz="1800" b="1" dirty="0">
+                <a:solidFill>
+                  <a:srgbClr val="336666"/>
+                </a:solidFill>
+                <a:latin typeface="Inconsolata" panose="020B0609030003000000" pitchFamily="49" charset="77"/>
+              </a:rPr>
+              <a:t>		  return </a:t>
+            </a:r>
+            <a:r>
+              <a:rPr lang="en-US" sz="1800" b="1" dirty="0" err="1">
+                <a:solidFill>
+                  <a:srgbClr val="336666"/>
+                </a:solidFill>
+                <a:latin typeface="Inconsolata" panose="020B0609030003000000" pitchFamily="49" charset="77"/>
+              </a:rPr>
+              <a:t>i</a:t>
+            </a:r>
+            <a:endParaRPr lang="en-US" sz="1800" b="1" dirty="0">
+              <a:solidFill>
+                <a:srgbClr val="000000"/>
+              </a:solidFill>
+              <a:latin typeface="Inconsolata" panose="020B0609030003000000" pitchFamily="49" charset="77"/>
+            </a:endParaRPr>
+          </a:p>
+          <a:p>
+            <a:pPr marL="0" indent="0">
+              <a:buNone/>
+            </a:pPr>
+            <a:r>
+              <a:rPr lang="en-US" sz="1800" b="1" dirty="0">
+                <a:solidFill>
+                  <a:srgbClr val="34A327"/>
+                </a:solidFill>
+                <a:latin typeface="Inconsolata" panose="020B0609030003000000" pitchFamily="49" charset="77"/>
+              </a:rPr>
+              <a:t>   	return</a:t>
+            </a:r>
+            <a:r>
+              <a:rPr lang="en-US" sz="1800" b="1" dirty="0">
+                <a:solidFill>
+                  <a:srgbClr val="000000"/>
+                </a:solidFill>
+                <a:latin typeface="Inconsolata" panose="020B0609030003000000" pitchFamily="49" charset="77"/>
+              </a:rPr>
+              <a:t> -1 </a:t>
+            </a:r>
+          </a:p>
+          <a:p>
+            <a:pPr marL="0" indent="0">
+              <a:buNone/>
+            </a:pPr>
+            <a:r>
+              <a:rPr lang="en-US" sz="2000" b="1" dirty="0">
+                <a:latin typeface="INCONSOLATA" panose="020B0609030003000000" pitchFamily="49" charset="77"/>
+              </a:rPr>
+              <a:t>a = </a:t>
+            </a:r>
+            <a:r>
+              <a:rPr lang="en-US" sz="2000" b="1" dirty="0" err="1">
+                <a:latin typeface="INCONSOLATA" panose="020B0609030003000000" pitchFamily="49" charset="77"/>
+              </a:rPr>
+              <a:t>sequential_search</a:t>
+            </a:r>
+            <a:r>
+              <a:rPr lang="en-US" sz="2000" b="1" dirty="0">
+                <a:latin typeface="INCONSOLATA" panose="020B0609030003000000" pitchFamily="49" charset="77"/>
+              </a:rPr>
+              <a:t>([3,0,5,1], 0) # a = 1</a:t>
+            </a:r>
+          </a:p>
+          <a:p>
+            <a:pPr marL="0" indent="0">
+              <a:buNone/>
+            </a:pPr>
+            <a:r>
+              <a:rPr lang="en-US" sz="2000" b="1" dirty="0">
+                <a:latin typeface="Inconsolata" panose="020B0609030003000000" pitchFamily="49" charset="77"/>
+              </a:rPr>
+              <a:t>print(a) # 1</a:t>
+            </a:r>
+            <a:endParaRPr lang="en-US" altLang="en-US" sz="1833" dirty="0">
+              <a:ea typeface="ＭＳ Ｐゴシック" panose="020B0600070205080204" pitchFamily="34" charset="-128"/>
+            </a:endParaRPr>
+          </a:p>
+          <a:p>
+            <a:pPr marL="0" indent="0">
+              <a:buNone/>
+            </a:pPr>
+            <a:r>
+              <a:rPr lang="en-US" altLang="en-US" sz="1833" b="1" dirty="0">
+                <a:latin typeface="INCONSOLATA" panose="020B0609030003000000" pitchFamily="49" charset="77"/>
+                <a:ea typeface="ＭＳ Ｐゴシック" panose="020B0600070205080204" pitchFamily="34" charset="-128"/>
+              </a:rPr>
+              <a:t>numbers = [4, 2, 3, 7 -12, 3, 56, 34]</a:t>
+            </a:r>
+          </a:p>
+          <a:p>
+            <a:pPr marL="0" indent="0">
+              <a:buNone/>
+            </a:pPr>
+            <a:r>
+              <a:rPr lang="en-US" sz="1800" b="1" dirty="0">
+                <a:latin typeface="INCONSOLATA" panose="020B0609030003000000" pitchFamily="49" charset="77"/>
+              </a:rPr>
+              <a:t>print(</a:t>
+            </a:r>
+            <a:r>
+              <a:rPr lang="en-US" sz="1800" b="1" dirty="0" err="1">
+                <a:latin typeface="INCONSOLATA" panose="020B0609030003000000" pitchFamily="49" charset="77"/>
+              </a:rPr>
+              <a:t>sequential_search</a:t>
+            </a:r>
+            <a:r>
+              <a:rPr lang="en-US" sz="1800" b="1" dirty="0">
+                <a:latin typeface="INCONSOLATA" panose="020B0609030003000000" pitchFamily="49" charset="77"/>
+              </a:rPr>
+              <a:t>(numbers, 3)) # 2 </a:t>
+            </a:r>
+          </a:p>
+          <a:p>
+            <a:pPr marL="0" indent="0">
+              <a:buNone/>
+            </a:pPr>
+            <a:r>
+              <a:rPr lang="en-US" sz="2000" b="1" dirty="0">
+                <a:latin typeface="INCONSOLATA" panose="020B0609030003000000" pitchFamily="49" charset="77"/>
+              </a:rPr>
+              <a:t>print(</a:t>
+            </a:r>
+            <a:r>
+              <a:rPr lang="en-US" sz="2000" b="1" dirty="0" err="1">
+                <a:latin typeface="INCONSOLATA" panose="020B0609030003000000" pitchFamily="49" charset="77"/>
+              </a:rPr>
+              <a:t>sequential_search</a:t>
+            </a:r>
+            <a:r>
+              <a:rPr lang="en-US" sz="2000" b="1" dirty="0">
+                <a:latin typeface="INCONSOLATA" panose="020B0609030003000000" pitchFamily="49" charset="77"/>
+              </a:rPr>
+              <a:t>(numbers, 100)) # -1 </a:t>
+            </a:r>
+          </a:p>
+          <a:p>
+            <a:pPr marL="0" indent="0">
+              <a:buNone/>
+            </a:pPr>
+            <a:endParaRPr lang="en-US" altLang="en-US" sz="1833" dirty="0">
+              <a:latin typeface="Courier New" panose="02070309020205020404" pitchFamily="49" charset="0"/>
+              <a:ea typeface="ＭＳ Ｐゴシック" panose="020B0600070205080204" pitchFamily="34" charset="-128"/>
+            </a:endParaRPr>
+          </a:p>
+        </p:txBody>
+      </p:sp>
+      <p:sp>
+        <p:nvSpPr>
+          <p:cNvPr id="2" name="Slide Number Placeholder 1">
+            <a:extLst>
+              <a:ext uri="{FF2B5EF4-FFF2-40B4-BE49-F238E27FC236}">
+                <a16:creationId xmlns:a16="http://schemas.microsoft.com/office/drawing/2014/main" id="{212358BB-7F38-DE4B-B13F-EC3F7FF7E613}"/>
+              </a:ext>
+            </a:extLst>
+          </p:cNvPr>
+          <p:cNvSpPr>
+            <a:spLocks noGrp="1"/>
+          </p:cNvSpPr>
+          <p:nvPr>
+            <p:ph type="sldNum" sz="quarter" idx="12"/>
+          </p:nvPr>
+        </p:nvSpPr>
+        <p:spPr/>
+        <p:txBody>
+          <a:bodyPr/>
+          <a:lstStyle/>
+          <a:p>
+            <a:fld id="{D57F1E4F-1CFF-5643-939E-02111984F565}" type="slidenum">
+              <a:rPr lang="en-US" smtClean="0"/>
+              <a:t>5</a:t>
+            </a:fld>
+            <a:endParaRPr lang="en-US" dirty="0"/>
+          </a:p>
+        </p:txBody>
+      </p:sp>
+      <p:cxnSp>
+        <p:nvCxnSpPr>
+          <p:cNvPr id="4" name="Straight Arrow Connector 3">
+            <a:extLst>
+              <a:ext uri="{FF2B5EF4-FFF2-40B4-BE49-F238E27FC236}">
+                <a16:creationId xmlns:a16="http://schemas.microsoft.com/office/drawing/2014/main" id="{6F7FAA95-1CB1-6246-9247-83FDFD7281C5}"/>
+              </a:ext>
+            </a:extLst>
+          </p:cNvPr>
+          <p:cNvCxnSpPr>
+            <a:cxnSpLocks/>
+          </p:cNvCxnSpPr>
+          <p:nvPr/>
+        </p:nvCxnSpPr>
+        <p:spPr>
+          <a:xfrm flipH="1" flipV="1">
+            <a:off x="3104708" y="2129426"/>
+            <a:ext cx="574157" cy="2804081"/>
+          </a:xfrm>
+          <a:prstGeom prst="straightConnector1">
+            <a:avLst/>
+          </a:prstGeom>
+          <a:ln w="25400">
+            <a:solidFill>
+              <a:srgbClr val="FF0000"/>
+            </a:solidFill>
+            <a:tailEnd type="triangle"/>
+          </a:ln>
+        </p:spPr>
+        <p:style>
+          <a:lnRef idx="1">
+            <a:schemeClr val="accent1"/>
+          </a:lnRef>
+          <a:fillRef idx="0">
+            <a:schemeClr val="accent1"/>
+          </a:fillRef>
+          <a:effectRef idx="0">
+            <a:schemeClr val="accent1"/>
+          </a:effectRef>
+          <a:fontRef idx="minor">
+            <a:schemeClr val="tx1"/>
+          </a:fontRef>
+        </p:style>
+      </p:cxnSp>
+      <p:cxnSp>
+        <p:nvCxnSpPr>
+          <p:cNvPr id="9" name="Straight Arrow Connector 8">
+            <a:extLst>
+              <a:ext uri="{FF2B5EF4-FFF2-40B4-BE49-F238E27FC236}">
+                <a16:creationId xmlns:a16="http://schemas.microsoft.com/office/drawing/2014/main" id="{696833A3-9446-104B-8B36-CF472B191E13}"/>
+              </a:ext>
+            </a:extLst>
+          </p:cNvPr>
+          <p:cNvCxnSpPr>
+            <a:cxnSpLocks/>
+          </p:cNvCxnSpPr>
+          <p:nvPr/>
+        </p:nvCxnSpPr>
+        <p:spPr>
+          <a:xfrm flipH="1" flipV="1">
+            <a:off x="3870252" y="2129427"/>
+            <a:ext cx="850604" cy="3031523"/>
+          </a:xfrm>
+          <a:prstGeom prst="straightConnector1">
+            <a:avLst/>
+          </a:prstGeom>
+          <a:ln w="25400">
+            <a:solidFill>
+              <a:srgbClr val="FF0000"/>
+            </a:solidFill>
+            <a:tailEnd type="triangle"/>
+          </a:ln>
+        </p:spPr>
+        <p:style>
+          <a:lnRef idx="1">
+            <a:schemeClr val="accent1"/>
+          </a:lnRef>
+          <a:fillRef idx="0">
+            <a:schemeClr val="accent1"/>
+          </a:fillRef>
+          <a:effectRef idx="0">
+            <a:schemeClr val="accent1"/>
+          </a:effectRef>
+          <a:fontRef idx="minor">
+            <a:schemeClr val="tx1"/>
+          </a:fontRef>
+        </p:style>
+      </p:cxnSp>
+    </p:spTree>
+    <p:extLst>
+      <p:ext uri="{BB962C8B-B14F-4D97-AF65-F5344CB8AC3E}">
+        <p14:creationId xmlns:p14="http://schemas.microsoft.com/office/powerpoint/2010/main" val="5411246"/>
+      </p:ext>
+    </p:extLst>
+  </p:cSld>
+  <p:clrMapOvr>
+    <a:masterClrMapping/>
+  </p:clrMapOvr>
+</p:sld>
+</file>
+
+<file path=ppt/slides/slide6.xml><?xml version="1.0" encoding="utf-8"?>
+<p:sld xmlns:a="http://schemas.openxmlformats.org/drawingml/2006/main" xmlns:r="http://schemas.openxmlformats.org/officeDocument/2006/relationships" xmlns:p="http://schemas.openxmlformats.org/presentationml/2006/main">
+  <p:cSld>
+    <p:spTree>
+      <p:nvGrpSpPr>
+        <p:cNvPr id="1" name=""/>
+        <p:cNvGrpSpPr/>
+        <p:nvPr/>
+      </p:nvGrpSpPr>
+      <p:grpSpPr>
+        <a:xfrm>
+          <a:off x="0" y="0"/>
+          <a:ext cx="0" cy="0"/>
+          <a:chOff x="0" y="0"/>
+          <a:chExt cx="0" cy="0"/>
+        </a:xfrm>
+      </p:grpSpPr>
+      <p:sp>
+        <p:nvSpPr>
+          <p:cNvPr id="186370" name="Rectangle 2">
+            <a:extLst>
+              <a:ext uri="{FF2B5EF4-FFF2-40B4-BE49-F238E27FC236}">
                 <a16:creationId xmlns:a16="http://schemas.microsoft.com/office/drawing/2014/main" id="{D6E10FAF-E655-D943-A67A-780B97487E72}"/>
               </a:ext>
             </a:extLst>
@@ -23862,7 +25032,7 @@
             </a:pPr>
             <a:r>
               <a:rPr lang="en-US" sz="2000" dirty="0"/>
-              <a:t>Repeat with left or right half of the array. </a:t>
+              <a:t>Repeat with left or right half of the array accordingly.</a:t>
             </a:r>
           </a:p>
         </p:txBody>
@@ -23920,7 +25090,7 @@
           <a:p>
             <a:fld id="{D57F1E4F-1CFF-5643-939E-02111984F565}" type="slidenum">
               <a:rPr lang="en-US" smtClean="0"/>
-              <a:t>4</a:t>
+              <a:t>6</a:t>
             </a:fld>
             <a:endParaRPr lang="en-US" dirty="0"/>
           </a:p>
@@ -24213,7 +25383,7 @@
 </p:sld>
 </file>
 
-<file path=ppt/slides/slide5.xml><?xml version="1.0" encoding="utf-8"?>
+<file path=ppt/slides/slide7.xml><?xml version="1.0" encoding="utf-8"?>
 <p:sld xmlns:a="http://schemas.openxmlformats.org/drawingml/2006/main" xmlns:r="http://schemas.openxmlformats.org/officeDocument/2006/relationships" xmlns:p="http://schemas.openxmlformats.org/presentationml/2006/main">
   <p:cSld>
     <p:spTree>
@@ -24283,7 +25453,7 @@
           <a:p>
             <a:fld id="{D57F1E4F-1CFF-5643-939E-02111984F565}" type="slidenum">
               <a:rPr lang="en-US" smtClean="0"/>
-              <a:t>5</a:t>
+              <a:t>7</a:t>
             </a:fld>
             <a:endParaRPr lang="en-US" dirty="0"/>
           </a:p>
@@ -24302,7 +25472,1086 @@
 </p:sld>
 </file>
 
-<file path=ppt/slides/slide6.xml><?xml version="1.0" encoding="utf-8"?>
+<file path=ppt/slides/slide8.xml><?xml version="1.0" encoding="utf-8"?>
+<p:sld xmlns:a="http://schemas.openxmlformats.org/drawingml/2006/main" xmlns:r="http://schemas.openxmlformats.org/officeDocument/2006/relationships" xmlns:p="http://schemas.openxmlformats.org/presentationml/2006/main">
+  <p:cSld>
+    <p:spTree>
+      <p:nvGrpSpPr>
+        <p:cNvPr id="1" name=""/>
+        <p:cNvGrpSpPr/>
+        <p:nvPr/>
+      </p:nvGrpSpPr>
+      <p:grpSpPr>
+        <a:xfrm>
+          <a:off x="0" y="0"/>
+          <a:ext cx="0" cy="0"/>
+          <a:chOff x="0" y="0"/>
+          <a:chExt cx="0" cy="0"/>
+        </a:xfrm>
+      </p:grpSpPr>
+      <p:sp>
+        <p:nvSpPr>
+          <p:cNvPr id="186370" name="Rectangle 2">
+            <a:extLst>
+              <a:ext uri="{FF2B5EF4-FFF2-40B4-BE49-F238E27FC236}">
+                <a16:creationId xmlns:a16="http://schemas.microsoft.com/office/drawing/2014/main" id="{C5506108-D6E6-9641-98CC-A9DA92AF0478}"/>
+              </a:ext>
+            </a:extLst>
+          </p:cNvPr>
+          <p:cNvSpPr>
+            <a:spLocks noGrp="1" noChangeArrowheads="1"/>
+          </p:cNvSpPr>
+          <p:nvPr>
+            <p:ph type="title"/>
+          </p:nvPr>
+        </p:nvSpPr>
+        <p:spPr>
+          <a:xfrm>
+            <a:off x="154112" y="0"/>
+            <a:ext cx="7724240" cy="679442"/>
+          </a:xfrm>
+        </p:spPr>
+        <p:txBody>
+          <a:bodyPr/>
+          <a:lstStyle/>
+          <a:p>
+            <a:pPr eaLnBrk="1" hangingPunct="1">
+              <a:defRPr/>
+            </a:pPr>
+            <a:r>
+              <a:rPr lang="en-US" sz="2333" dirty="0"/>
+              <a:t>Binary Search</a:t>
+            </a:r>
+          </a:p>
+        </p:txBody>
+      </p:sp>
+      <p:sp>
+        <p:nvSpPr>
+          <p:cNvPr id="6146" name="Rectangle 3">
+            <a:extLst>
+              <a:ext uri="{FF2B5EF4-FFF2-40B4-BE49-F238E27FC236}">
+                <a16:creationId xmlns:a16="http://schemas.microsoft.com/office/drawing/2014/main" id="{EAA042DF-FAF2-DA4B-9FB9-A8E93FAB0389}"/>
+              </a:ext>
+            </a:extLst>
+          </p:cNvPr>
+          <p:cNvSpPr>
+            <a:spLocks noGrp="1" noChangeArrowheads="1"/>
+          </p:cNvSpPr>
+          <p:nvPr>
+            <p:ph type="body" idx="1"/>
+          </p:nvPr>
+        </p:nvSpPr>
+        <p:spPr>
+          <a:xfrm>
+            <a:off x="154112" y="585627"/>
+            <a:ext cx="8517277" cy="5129373"/>
+          </a:xfrm>
+        </p:spPr>
+        <p:txBody>
+          <a:bodyPr/>
+          <a:lstStyle/>
+          <a:p>
+            <a:pPr marL="0" indent="0">
+              <a:buNone/>
+            </a:pPr>
+            <a:r>
+              <a:rPr lang="en-US" altLang="en-US" sz="2000" dirty="0">
+                <a:ea typeface="ＭＳ Ｐゴシック" panose="020B0600070205080204" pitchFamily="34" charset="-128"/>
+              </a:rPr>
+              <a:t>Implement binary search. </a:t>
+            </a:r>
+            <a:r>
+              <a:rPr lang="en-US" sz="2000" dirty="0"/>
+              <a:t>Data must be in sorted order to use the binary search algorithm. </a:t>
+            </a:r>
+          </a:p>
+          <a:p>
+            <a:pPr marL="0" indent="0">
+              <a:buNone/>
+            </a:pPr>
+            <a:endParaRPr lang="en-US" altLang="en-US" sz="1833" dirty="0">
+              <a:ea typeface="ＭＳ Ｐゴシック" panose="020B0600070205080204" pitchFamily="34" charset="-128"/>
+            </a:endParaRPr>
+          </a:p>
+          <a:p>
+            <a:pPr marL="0" indent="0">
+              <a:buNone/>
+            </a:pPr>
+            <a:r>
+              <a:rPr lang="en-US" sz="1800" b="1" dirty="0">
+                <a:solidFill>
+                  <a:srgbClr val="34A327"/>
+                </a:solidFill>
+                <a:latin typeface="Inconsolata" panose="020B0609030003000000" pitchFamily="49" charset="77"/>
+              </a:rPr>
+              <a:t>def</a:t>
+            </a:r>
+            <a:r>
+              <a:rPr lang="en-US" sz="1800" b="1" dirty="0">
+                <a:solidFill>
+                  <a:srgbClr val="000000"/>
+                </a:solidFill>
+                <a:latin typeface="Inconsolata" panose="020B0609030003000000" pitchFamily="49" charset="77"/>
+              </a:rPr>
+              <a:t> </a:t>
+            </a:r>
+            <a:r>
+              <a:rPr lang="en-US" sz="1800" b="1" dirty="0" err="1">
+                <a:solidFill>
+                  <a:srgbClr val="3C9FF2"/>
+                </a:solidFill>
+                <a:latin typeface="Inconsolata" panose="020B0609030003000000" pitchFamily="49" charset="77"/>
+              </a:rPr>
+              <a:t>binary_search</a:t>
+            </a:r>
+            <a:r>
+              <a:rPr lang="en-US" sz="1800" b="1" dirty="0">
+                <a:solidFill>
+                  <a:srgbClr val="000000"/>
+                </a:solidFill>
+                <a:latin typeface="Inconsolata" panose="020B0609030003000000" pitchFamily="49" charset="77"/>
+              </a:rPr>
+              <a:t>(</a:t>
+            </a:r>
+            <a:r>
+              <a:rPr lang="en-US" sz="1800" b="1" dirty="0" err="1">
+                <a:solidFill>
+                  <a:srgbClr val="000000"/>
+                </a:solidFill>
+                <a:latin typeface="Inconsolata" panose="020B0609030003000000" pitchFamily="49" charset="77"/>
+              </a:rPr>
+              <a:t>sorted_lst</a:t>
+            </a:r>
+            <a:r>
+              <a:rPr lang="en-US" sz="1800" b="1" dirty="0">
+                <a:solidFill>
+                  <a:srgbClr val="000000"/>
+                </a:solidFill>
+                <a:latin typeface="Inconsolata" panose="020B0609030003000000" pitchFamily="49" charset="77"/>
+              </a:rPr>
+              <a:t>, target): </a:t>
+            </a:r>
+          </a:p>
+          <a:p>
+            <a:pPr marL="0" indent="0">
+              <a:buNone/>
+            </a:pPr>
+            <a:r>
+              <a:rPr lang="en-US" sz="1800" b="1" dirty="0">
+                <a:solidFill>
+                  <a:srgbClr val="000000"/>
+                </a:solidFill>
+                <a:latin typeface="Inconsolata" panose="020B0609030003000000" pitchFamily="49" charset="77"/>
+              </a:rPr>
+              <a:t>	min, max = 0, </a:t>
+            </a:r>
+            <a:r>
+              <a:rPr lang="en-US" sz="1800" b="1" dirty="0" err="1">
+                <a:solidFill>
+                  <a:srgbClr val="000000"/>
+                </a:solidFill>
+                <a:latin typeface="Inconsolata" panose="020B0609030003000000" pitchFamily="49" charset="77"/>
+              </a:rPr>
+              <a:t>len</a:t>
+            </a:r>
+            <a:r>
+              <a:rPr lang="en-US" sz="1800" b="1" dirty="0">
+                <a:solidFill>
+                  <a:srgbClr val="000000"/>
+                </a:solidFill>
+                <a:latin typeface="Inconsolata" panose="020B0609030003000000" pitchFamily="49" charset="77"/>
+              </a:rPr>
+              <a:t>(</a:t>
+            </a:r>
+            <a:r>
+              <a:rPr lang="en-US" sz="1800" b="1" dirty="0" err="1">
+                <a:solidFill>
+                  <a:srgbClr val="000000"/>
+                </a:solidFill>
+                <a:latin typeface="Inconsolata" panose="020B0609030003000000" pitchFamily="49" charset="77"/>
+              </a:rPr>
+              <a:t>sorted_list</a:t>
+            </a:r>
+            <a:r>
+              <a:rPr lang="en-US" sz="1800" b="1" dirty="0">
+                <a:solidFill>
+                  <a:srgbClr val="000000"/>
+                </a:solidFill>
+                <a:latin typeface="Inconsolata" panose="020B0609030003000000" pitchFamily="49" charset="77"/>
+              </a:rPr>
+              <a:t>)-1</a:t>
+            </a:r>
+          </a:p>
+          <a:p>
+            <a:pPr marL="0" indent="0">
+              <a:buNone/>
+            </a:pPr>
+            <a:r>
+              <a:rPr lang="en-US" sz="1800" b="1" dirty="0">
+                <a:solidFill>
+                  <a:srgbClr val="006699"/>
+                </a:solidFill>
+                <a:latin typeface="Inconsolata" panose="020B0609030003000000" pitchFamily="49" charset="77"/>
+              </a:rPr>
+              <a:t>	while min &lt;= max</a:t>
+            </a:r>
+            <a:r>
+              <a:rPr lang="en-US" sz="1800" b="1" dirty="0">
+                <a:solidFill>
+                  <a:srgbClr val="336666"/>
+                </a:solidFill>
+                <a:latin typeface="Inconsolata" panose="020B0609030003000000" pitchFamily="49" charset="77"/>
+              </a:rPr>
+              <a:t>:</a:t>
+            </a:r>
+          </a:p>
+          <a:p>
+            <a:pPr marL="0" indent="0">
+              <a:buNone/>
+            </a:pPr>
+            <a:r>
+              <a:rPr lang="en-US" sz="1800" b="1" dirty="0">
+                <a:solidFill>
+                  <a:srgbClr val="336666"/>
+                </a:solidFill>
+                <a:latin typeface="Inconsolata" panose="020B0609030003000000" pitchFamily="49" charset="77"/>
+              </a:rPr>
+              <a:t>	    </a:t>
+            </a:r>
+            <a:r>
+              <a:rPr lang="en-US" sz="1800" b="1" dirty="0">
+                <a:solidFill>
+                  <a:srgbClr val="000000"/>
+                </a:solidFill>
+                <a:latin typeface="Inconsolata" panose="020B0609030003000000" pitchFamily="49" charset="77"/>
+              </a:rPr>
+              <a:t>mid = (min + max)//2</a:t>
+            </a:r>
+          </a:p>
+          <a:p>
+            <a:pPr marL="0" indent="0">
+              <a:buNone/>
+            </a:pPr>
+            <a:r>
+              <a:rPr lang="en-US" sz="1800" b="1" dirty="0">
+                <a:solidFill>
+                  <a:srgbClr val="336666"/>
+                </a:solidFill>
+                <a:latin typeface="Inconsolata" panose="020B0609030003000000" pitchFamily="49" charset="77"/>
+              </a:rPr>
+              <a:t>	    if </a:t>
+            </a:r>
+            <a:r>
+              <a:rPr lang="en-US" sz="1800" b="1" dirty="0" err="1">
+                <a:solidFill>
+                  <a:srgbClr val="336666"/>
+                </a:solidFill>
+                <a:latin typeface="Inconsolata" panose="020B0609030003000000" pitchFamily="49" charset="77"/>
+              </a:rPr>
+              <a:t>sorted_lst</a:t>
+            </a:r>
+            <a:r>
+              <a:rPr lang="en-US" sz="1800" b="1" dirty="0">
+                <a:solidFill>
+                  <a:srgbClr val="336666"/>
+                </a:solidFill>
+                <a:latin typeface="Inconsolata" panose="020B0609030003000000" pitchFamily="49" charset="77"/>
+              </a:rPr>
+              <a:t>[mid] &lt; target:</a:t>
+            </a:r>
+          </a:p>
+          <a:p>
+            <a:pPr marL="0" indent="0">
+              <a:buNone/>
+            </a:pPr>
+            <a:r>
+              <a:rPr lang="en-US" sz="1800" b="1" dirty="0">
+                <a:solidFill>
+                  <a:srgbClr val="336666"/>
+                </a:solidFill>
+                <a:latin typeface="Inconsolata" panose="020B0609030003000000" pitchFamily="49" charset="77"/>
+              </a:rPr>
+              <a:t>	        min = mid + 1</a:t>
+            </a:r>
+          </a:p>
+          <a:p>
+            <a:pPr marL="0" indent="0">
+              <a:buNone/>
+            </a:pPr>
+            <a:r>
+              <a:rPr lang="en-US" sz="1800" b="1" dirty="0">
+                <a:solidFill>
+                  <a:srgbClr val="336666"/>
+                </a:solidFill>
+                <a:latin typeface="Inconsolata" panose="020B0609030003000000" pitchFamily="49" charset="77"/>
+              </a:rPr>
+              <a:t>	    </a:t>
+            </a:r>
+            <a:r>
+              <a:rPr lang="en-US" sz="1800" b="1" dirty="0" err="1">
+                <a:solidFill>
+                  <a:srgbClr val="336666"/>
+                </a:solidFill>
+                <a:latin typeface="Inconsolata" panose="020B0609030003000000" pitchFamily="49" charset="77"/>
+              </a:rPr>
+              <a:t>elif</a:t>
+            </a:r>
+            <a:r>
+              <a:rPr lang="en-US" sz="1800" b="1" dirty="0">
+                <a:solidFill>
+                  <a:srgbClr val="336666"/>
+                </a:solidFill>
+                <a:latin typeface="Inconsolata" panose="020B0609030003000000" pitchFamily="49" charset="77"/>
+              </a:rPr>
+              <a:t> </a:t>
+            </a:r>
+            <a:r>
+              <a:rPr lang="en-US" sz="1800" b="1" dirty="0" err="1">
+                <a:solidFill>
+                  <a:srgbClr val="336666"/>
+                </a:solidFill>
+                <a:latin typeface="Inconsolata" panose="020B0609030003000000" pitchFamily="49" charset="77"/>
+              </a:rPr>
+              <a:t>sorted_lst</a:t>
+            </a:r>
+            <a:r>
+              <a:rPr lang="en-US" sz="1800" b="1" dirty="0">
+                <a:solidFill>
+                  <a:srgbClr val="336666"/>
+                </a:solidFill>
+                <a:latin typeface="Inconsolata" panose="020B0609030003000000" pitchFamily="49" charset="77"/>
+              </a:rPr>
+              <a:t>[mid] &gt; target:</a:t>
+            </a:r>
+          </a:p>
+          <a:p>
+            <a:pPr marL="0" indent="0">
+              <a:buNone/>
+            </a:pPr>
+            <a:r>
+              <a:rPr lang="en-US" sz="1800" b="1" dirty="0">
+                <a:solidFill>
+                  <a:srgbClr val="336666"/>
+                </a:solidFill>
+                <a:latin typeface="Inconsolata" panose="020B0609030003000000" pitchFamily="49" charset="77"/>
+              </a:rPr>
+              <a:t>	        max = mid – 1</a:t>
+            </a:r>
+          </a:p>
+          <a:p>
+            <a:pPr marL="0" indent="0">
+              <a:buNone/>
+            </a:pPr>
+            <a:r>
+              <a:rPr lang="en-US" sz="1800" b="1" dirty="0">
+                <a:solidFill>
+                  <a:srgbClr val="336666"/>
+                </a:solidFill>
+                <a:latin typeface="Inconsolata" panose="020B0609030003000000" pitchFamily="49" charset="77"/>
+              </a:rPr>
+              <a:t>	    </a:t>
+            </a:r>
+            <a:r>
+              <a:rPr lang="en-US" sz="1800" b="1" dirty="0" err="1">
+                <a:solidFill>
+                  <a:srgbClr val="336666"/>
+                </a:solidFill>
+                <a:latin typeface="Inconsolata" panose="020B0609030003000000" pitchFamily="49" charset="77"/>
+              </a:rPr>
+              <a:t>elif</a:t>
+            </a:r>
+            <a:r>
+              <a:rPr lang="en-US" sz="1800" b="1" dirty="0">
+                <a:solidFill>
+                  <a:srgbClr val="336666"/>
+                </a:solidFill>
+                <a:latin typeface="Inconsolata" panose="020B0609030003000000" pitchFamily="49" charset="77"/>
+              </a:rPr>
+              <a:t> </a:t>
+            </a:r>
+            <a:r>
+              <a:rPr lang="en-US" sz="1800" b="1" dirty="0" err="1">
+                <a:solidFill>
+                  <a:srgbClr val="336666"/>
+                </a:solidFill>
+                <a:latin typeface="Inconsolata" panose="020B0609030003000000" pitchFamily="49" charset="77"/>
+              </a:rPr>
+              <a:t>sorted_lst</a:t>
+            </a:r>
+            <a:r>
+              <a:rPr lang="en-US" sz="1800" b="1" dirty="0">
+                <a:solidFill>
+                  <a:srgbClr val="336666"/>
+                </a:solidFill>
+                <a:latin typeface="Inconsolata" panose="020B0609030003000000" pitchFamily="49" charset="77"/>
+              </a:rPr>
+              <a:t>[mid] == target:</a:t>
+            </a:r>
+          </a:p>
+          <a:p>
+            <a:pPr marL="0" indent="0">
+              <a:buNone/>
+            </a:pPr>
+            <a:r>
+              <a:rPr lang="en-US" sz="1800" b="1" dirty="0">
+                <a:solidFill>
+                  <a:srgbClr val="336666"/>
+                </a:solidFill>
+                <a:latin typeface="Inconsolata" panose="020B0609030003000000" pitchFamily="49" charset="77"/>
+              </a:rPr>
+              <a:t>		  return mid</a:t>
+            </a:r>
+          </a:p>
+          <a:p>
+            <a:pPr marL="0" indent="0">
+              <a:buNone/>
+            </a:pPr>
+            <a:r>
+              <a:rPr lang="en-US" sz="1800" b="1" dirty="0">
+                <a:solidFill>
+                  <a:srgbClr val="34A327"/>
+                </a:solidFill>
+                <a:latin typeface="Inconsolata" panose="020B0609030003000000" pitchFamily="49" charset="77"/>
+              </a:rPr>
+              <a:t>   	return</a:t>
+            </a:r>
+            <a:r>
+              <a:rPr lang="en-US" sz="1800" b="1" dirty="0">
+                <a:solidFill>
+                  <a:srgbClr val="000000"/>
+                </a:solidFill>
+                <a:latin typeface="Inconsolata" panose="020B0609030003000000" pitchFamily="49" charset="77"/>
+              </a:rPr>
+              <a:t> -1 </a:t>
+            </a:r>
+            <a:endParaRPr lang="en-US" altLang="en-US" sz="1833" dirty="0">
+              <a:ea typeface="ＭＳ Ｐゴシック" panose="020B0600070205080204" pitchFamily="34" charset="-128"/>
+            </a:endParaRPr>
+          </a:p>
+          <a:p>
+            <a:pPr marL="0" indent="0">
+              <a:buNone/>
+            </a:pPr>
+            <a:endParaRPr lang="en-US" sz="1800" b="1" dirty="0">
+              <a:solidFill>
+                <a:srgbClr val="336666"/>
+              </a:solidFill>
+              <a:latin typeface="INCONSOLATA" panose="020B0609030003000000" pitchFamily="49" charset="77"/>
+            </a:endParaRPr>
+          </a:p>
+          <a:p>
+            <a:pPr marL="0" indent="0">
+              <a:buNone/>
+            </a:pPr>
+            <a:endParaRPr lang="en-US" sz="1800" b="1" dirty="0">
+              <a:latin typeface="Inconsolata" panose="020B0609030003000000" pitchFamily="49" charset="77"/>
+            </a:endParaRPr>
+          </a:p>
+          <a:p>
+            <a:pPr marL="0" indent="0">
+              <a:buNone/>
+            </a:pPr>
+            <a:endParaRPr lang="en-US" altLang="en-US" sz="1833" dirty="0">
+              <a:latin typeface="Courier New" panose="02070309020205020404" pitchFamily="49" charset="0"/>
+              <a:ea typeface="ＭＳ Ｐゴシック" panose="020B0600070205080204" pitchFamily="34" charset="-128"/>
+            </a:endParaRPr>
+          </a:p>
+        </p:txBody>
+      </p:sp>
+      <p:sp>
+        <p:nvSpPr>
+          <p:cNvPr id="2" name="Slide Number Placeholder 1">
+            <a:extLst>
+              <a:ext uri="{FF2B5EF4-FFF2-40B4-BE49-F238E27FC236}">
+                <a16:creationId xmlns:a16="http://schemas.microsoft.com/office/drawing/2014/main" id="{676CE5E9-0770-7D40-A2D2-7D96FDD0BEB5}"/>
+              </a:ext>
+            </a:extLst>
+          </p:cNvPr>
+          <p:cNvSpPr>
+            <a:spLocks noGrp="1"/>
+          </p:cNvSpPr>
+          <p:nvPr>
+            <p:ph type="sldNum" sz="quarter" idx="12"/>
+          </p:nvPr>
+        </p:nvSpPr>
+        <p:spPr/>
+        <p:txBody>
+          <a:bodyPr/>
+          <a:lstStyle/>
+          <a:p>
+            <a:fld id="{D57F1E4F-1CFF-5643-939E-02111984F565}" type="slidenum">
+              <a:rPr lang="en-US" smtClean="0"/>
+              <a:t>8</a:t>
+            </a:fld>
+            <a:endParaRPr lang="en-US" dirty="0"/>
+          </a:p>
+        </p:txBody>
+      </p:sp>
+    </p:spTree>
+    <p:extLst>
+      <p:ext uri="{BB962C8B-B14F-4D97-AF65-F5344CB8AC3E}">
+        <p14:creationId xmlns:p14="http://schemas.microsoft.com/office/powerpoint/2010/main" val="3614929084"/>
+      </p:ext>
+    </p:extLst>
+  </p:cSld>
+  <p:clrMapOvr>
+    <a:masterClrMapping/>
+  </p:clrMapOvr>
+  <p:timing>
+    <p:tnLst>
+      <p:par>
+        <p:cTn id="1" dur="indefinite" restart="never" nodeType="tmRoot">
+          <p:childTnLst>
+            <p:seq concurrent="1" nextAc="seek">
+              <p:cTn id="2" dur="indefinite" nodeType="mainSeq">
+                <p:childTnLst>
+                  <p:par>
+                    <p:cTn id="3" fill="hold">
+                      <p:stCondLst>
+                        <p:cond delay="indefinite"/>
+                      </p:stCondLst>
+                      <p:childTnLst>
+                        <p:par>
+                          <p:cTn id="4" fill="hold">
+                            <p:stCondLst>
+                              <p:cond delay="0"/>
+                            </p:stCondLst>
+                            <p:childTnLst>
+                              <p:par>
+                                <p:cTn id="5" presetID="1" presetClass="entr" presetSubtype="0" fill="hold" nodeType="clickEffect">
+                                  <p:stCondLst>
+                                    <p:cond delay="0"/>
+                                  </p:stCondLst>
+                                  <p:childTnLst>
+                                    <p:set>
+                                      <p:cBhvr>
+                                        <p:cTn id="6" dur="1" fill="hold">
+                                          <p:stCondLst>
+                                            <p:cond delay="0"/>
+                                          </p:stCondLst>
+                                        </p:cTn>
+                                        <p:tgtEl>
+                                          <p:spTgt spid="6146">
+                                            <p:txEl>
+                                              <p:pRg st="2" end="2"/>
+                                            </p:txEl>
+                                          </p:spTgt>
+                                        </p:tgtEl>
+                                        <p:attrNameLst>
+                                          <p:attrName>style.visibility</p:attrName>
+                                        </p:attrNameLst>
+                                      </p:cBhvr>
+                                      <p:to>
+                                        <p:strVal val="visible"/>
+                                      </p:to>
+                                    </p:set>
+                                  </p:childTnLst>
+                                </p:cTn>
+                              </p:par>
+                              <p:par>
+                                <p:cTn id="7" presetID="1" presetClass="entr" presetSubtype="0" fill="hold" nodeType="withEffect">
+                                  <p:stCondLst>
+                                    <p:cond delay="0"/>
+                                  </p:stCondLst>
+                                  <p:childTnLst>
+                                    <p:set>
+                                      <p:cBhvr>
+                                        <p:cTn id="8" dur="1" fill="hold">
+                                          <p:stCondLst>
+                                            <p:cond delay="0"/>
+                                          </p:stCondLst>
+                                        </p:cTn>
+                                        <p:tgtEl>
+                                          <p:spTgt spid="6146">
+                                            <p:txEl>
+                                              <p:pRg st="3" end="3"/>
+                                            </p:txEl>
+                                          </p:spTgt>
+                                        </p:tgtEl>
+                                        <p:attrNameLst>
+                                          <p:attrName>style.visibility</p:attrName>
+                                        </p:attrNameLst>
+                                      </p:cBhvr>
+                                      <p:to>
+                                        <p:strVal val="visible"/>
+                                      </p:to>
+                                    </p:set>
+                                  </p:childTnLst>
+                                </p:cTn>
+                              </p:par>
+                            </p:childTnLst>
+                          </p:cTn>
+                        </p:par>
+                      </p:childTnLst>
+                    </p:cTn>
+                  </p:par>
+                  <p:par>
+                    <p:cTn id="9" fill="hold">
+                      <p:stCondLst>
+                        <p:cond delay="indefinite"/>
+                      </p:stCondLst>
+                      <p:childTnLst>
+                        <p:par>
+                          <p:cTn id="10" fill="hold">
+                            <p:stCondLst>
+                              <p:cond delay="0"/>
+                            </p:stCondLst>
+                            <p:childTnLst>
+                              <p:par>
+                                <p:cTn id="11" presetID="1" presetClass="entr" presetSubtype="0" fill="hold" nodeType="clickEffect">
+                                  <p:stCondLst>
+                                    <p:cond delay="0"/>
+                                  </p:stCondLst>
+                                  <p:childTnLst>
+                                    <p:set>
+                                      <p:cBhvr>
+                                        <p:cTn id="12" dur="1" fill="hold">
+                                          <p:stCondLst>
+                                            <p:cond delay="0"/>
+                                          </p:stCondLst>
+                                        </p:cTn>
+                                        <p:tgtEl>
+                                          <p:spTgt spid="6146">
+                                            <p:txEl>
+                                              <p:pRg st="4" end="4"/>
+                                            </p:txEl>
+                                          </p:spTgt>
+                                        </p:tgtEl>
+                                        <p:attrNameLst>
+                                          <p:attrName>style.visibility</p:attrName>
+                                        </p:attrNameLst>
+                                      </p:cBhvr>
+                                      <p:to>
+                                        <p:strVal val="visible"/>
+                                      </p:to>
+                                    </p:set>
+                                  </p:childTnLst>
+                                </p:cTn>
+                              </p:par>
+                            </p:childTnLst>
+                          </p:cTn>
+                        </p:par>
+                      </p:childTnLst>
+                    </p:cTn>
+                  </p:par>
+                  <p:par>
+                    <p:cTn id="13" fill="hold">
+                      <p:stCondLst>
+                        <p:cond delay="indefinite"/>
+                      </p:stCondLst>
+                      <p:childTnLst>
+                        <p:par>
+                          <p:cTn id="14" fill="hold">
+                            <p:stCondLst>
+                              <p:cond delay="0"/>
+                            </p:stCondLst>
+                            <p:childTnLst>
+                              <p:par>
+                                <p:cTn id="15" presetID="1" presetClass="entr" presetSubtype="0" fill="hold" nodeType="clickEffect">
+                                  <p:stCondLst>
+                                    <p:cond delay="0"/>
+                                  </p:stCondLst>
+                                  <p:childTnLst>
+                                    <p:set>
+                                      <p:cBhvr>
+                                        <p:cTn id="16" dur="1" fill="hold">
+                                          <p:stCondLst>
+                                            <p:cond delay="0"/>
+                                          </p:stCondLst>
+                                        </p:cTn>
+                                        <p:tgtEl>
+                                          <p:spTgt spid="6146">
+                                            <p:txEl>
+                                              <p:pRg st="5" end="5"/>
+                                            </p:txEl>
+                                          </p:spTgt>
+                                        </p:tgtEl>
+                                        <p:attrNameLst>
+                                          <p:attrName>style.visibility</p:attrName>
+                                        </p:attrNameLst>
+                                      </p:cBhvr>
+                                      <p:to>
+                                        <p:strVal val="visible"/>
+                                      </p:to>
+                                    </p:set>
+                                  </p:childTnLst>
+                                </p:cTn>
+                              </p:par>
+                            </p:childTnLst>
+                          </p:cTn>
+                        </p:par>
+                      </p:childTnLst>
+                    </p:cTn>
+                  </p:par>
+                  <p:par>
+                    <p:cTn id="17" fill="hold">
+                      <p:stCondLst>
+                        <p:cond delay="indefinite"/>
+                      </p:stCondLst>
+                      <p:childTnLst>
+                        <p:par>
+                          <p:cTn id="18" fill="hold">
+                            <p:stCondLst>
+                              <p:cond delay="0"/>
+                            </p:stCondLst>
+                            <p:childTnLst>
+                              <p:par>
+                                <p:cTn id="19" presetID="1" presetClass="entr" presetSubtype="0" fill="hold" nodeType="clickEffect">
+                                  <p:stCondLst>
+                                    <p:cond delay="0"/>
+                                  </p:stCondLst>
+                                  <p:childTnLst>
+                                    <p:set>
+                                      <p:cBhvr>
+                                        <p:cTn id="20" dur="1" fill="hold">
+                                          <p:stCondLst>
+                                            <p:cond delay="0"/>
+                                          </p:stCondLst>
+                                        </p:cTn>
+                                        <p:tgtEl>
+                                          <p:spTgt spid="6146">
+                                            <p:txEl>
+                                              <p:pRg st="6" end="6"/>
+                                            </p:txEl>
+                                          </p:spTgt>
+                                        </p:tgtEl>
+                                        <p:attrNameLst>
+                                          <p:attrName>style.visibility</p:attrName>
+                                        </p:attrNameLst>
+                                      </p:cBhvr>
+                                      <p:to>
+                                        <p:strVal val="visible"/>
+                                      </p:to>
+                                    </p:set>
+                                  </p:childTnLst>
+                                </p:cTn>
+                              </p:par>
+                            </p:childTnLst>
+                          </p:cTn>
+                        </p:par>
+                      </p:childTnLst>
+                    </p:cTn>
+                  </p:par>
+                  <p:par>
+                    <p:cTn id="21" fill="hold">
+                      <p:stCondLst>
+                        <p:cond delay="indefinite"/>
+                      </p:stCondLst>
+                      <p:childTnLst>
+                        <p:par>
+                          <p:cTn id="22" fill="hold">
+                            <p:stCondLst>
+                              <p:cond delay="0"/>
+                            </p:stCondLst>
+                            <p:childTnLst>
+                              <p:par>
+                                <p:cTn id="23" presetID="1" presetClass="entr" presetSubtype="0" fill="hold" nodeType="clickEffect">
+                                  <p:stCondLst>
+                                    <p:cond delay="0"/>
+                                  </p:stCondLst>
+                                  <p:childTnLst>
+                                    <p:set>
+                                      <p:cBhvr>
+                                        <p:cTn id="24" dur="1" fill="hold">
+                                          <p:stCondLst>
+                                            <p:cond delay="0"/>
+                                          </p:stCondLst>
+                                        </p:cTn>
+                                        <p:tgtEl>
+                                          <p:spTgt spid="6146">
+                                            <p:txEl>
+                                              <p:pRg st="7" end="7"/>
+                                            </p:txEl>
+                                          </p:spTgt>
+                                        </p:tgtEl>
+                                        <p:attrNameLst>
+                                          <p:attrName>style.visibility</p:attrName>
+                                        </p:attrNameLst>
+                                      </p:cBhvr>
+                                      <p:to>
+                                        <p:strVal val="visible"/>
+                                      </p:to>
+                                    </p:set>
+                                  </p:childTnLst>
+                                </p:cTn>
+                              </p:par>
+                            </p:childTnLst>
+                          </p:cTn>
+                        </p:par>
+                      </p:childTnLst>
+                    </p:cTn>
+                  </p:par>
+                  <p:par>
+                    <p:cTn id="25" fill="hold">
+                      <p:stCondLst>
+                        <p:cond delay="indefinite"/>
+                      </p:stCondLst>
+                      <p:childTnLst>
+                        <p:par>
+                          <p:cTn id="26" fill="hold">
+                            <p:stCondLst>
+                              <p:cond delay="0"/>
+                            </p:stCondLst>
+                            <p:childTnLst>
+                              <p:par>
+                                <p:cTn id="27" presetID="1" presetClass="entr" presetSubtype="0" fill="hold" nodeType="clickEffect">
+                                  <p:stCondLst>
+                                    <p:cond delay="0"/>
+                                  </p:stCondLst>
+                                  <p:childTnLst>
+                                    <p:set>
+                                      <p:cBhvr>
+                                        <p:cTn id="28" dur="1" fill="hold">
+                                          <p:stCondLst>
+                                            <p:cond delay="0"/>
+                                          </p:stCondLst>
+                                        </p:cTn>
+                                        <p:tgtEl>
+                                          <p:spTgt spid="6146">
+                                            <p:txEl>
+                                              <p:pRg st="8" end="8"/>
+                                            </p:txEl>
+                                          </p:spTgt>
+                                        </p:tgtEl>
+                                        <p:attrNameLst>
+                                          <p:attrName>style.visibility</p:attrName>
+                                        </p:attrNameLst>
+                                      </p:cBhvr>
+                                      <p:to>
+                                        <p:strVal val="visible"/>
+                                      </p:to>
+                                    </p:set>
+                                  </p:childTnLst>
+                                </p:cTn>
+                              </p:par>
+                            </p:childTnLst>
+                          </p:cTn>
+                        </p:par>
+                      </p:childTnLst>
+                    </p:cTn>
+                  </p:par>
+                  <p:par>
+                    <p:cTn id="29" fill="hold">
+                      <p:stCondLst>
+                        <p:cond delay="indefinite"/>
+                      </p:stCondLst>
+                      <p:childTnLst>
+                        <p:par>
+                          <p:cTn id="30" fill="hold">
+                            <p:stCondLst>
+                              <p:cond delay="0"/>
+                            </p:stCondLst>
+                            <p:childTnLst>
+                              <p:par>
+                                <p:cTn id="31" presetID="1" presetClass="entr" presetSubtype="0" fill="hold" nodeType="clickEffect">
+                                  <p:stCondLst>
+                                    <p:cond delay="0"/>
+                                  </p:stCondLst>
+                                  <p:childTnLst>
+                                    <p:set>
+                                      <p:cBhvr>
+                                        <p:cTn id="32" dur="1" fill="hold">
+                                          <p:stCondLst>
+                                            <p:cond delay="0"/>
+                                          </p:stCondLst>
+                                        </p:cTn>
+                                        <p:tgtEl>
+                                          <p:spTgt spid="6146">
+                                            <p:txEl>
+                                              <p:pRg st="9" end="9"/>
+                                            </p:txEl>
+                                          </p:spTgt>
+                                        </p:tgtEl>
+                                        <p:attrNameLst>
+                                          <p:attrName>style.visibility</p:attrName>
+                                        </p:attrNameLst>
+                                      </p:cBhvr>
+                                      <p:to>
+                                        <p:strVal val="visible"/>
+                                      </p:to>
+                                    </p:set>
+                                  </p:childTnLst>
+                                </p:cTn>
+                              </p:par>
+                            </p:childTnLst>
+                          </p:cTn>
+                        </p:par>
+                      </p:childTnLst>
+                    </p:cTn>
+                  </p:par>
+                  <p:par>
+                    <p:cTn id="33" fill="hold">
+                      <p:stCondLst>
+                        <p:cond delay="indefinite"/>
+                      </p:stCondLst>
+                      <p:childTnLst>
+                        <p:par>
+                          <p:cTn id="34" fill="hold">
+                            <p:stCondLst>
+                              <p:cond delay="0"/>
+                            </p:stCondLst>
+                            <p:childTnLst>
+                              <p:par>
+                                <p:cTn id="35" presetID="1" presetClass="entr" presetSubtype="0" fill="hold" nodeType="clickEffect">
+                                  <p:stCondLst>
+                                    <p:cond delay="0"/>
+                                  </p:stCondLst>
+                                  <p:childTnLst>
+                                    <p:set>
+                                      <p:cBhvr>
+                                        <p:cTn id="36" dur="1" fill="hold">
+                                          <p:stCondLst>
+                                            <p:cond delay="0"/>
+                                          </p:stCondLst>
+                                        </p:cTn>
+                                        <p:tgtEl>
+                                          <p:spTgt spid="6146">
+                                            <p:txEl>
+                                              <p:pRg st="10" end="10"/>
+                                            </p:txEl>
+                                          </p:spTgt>
+                                        </p:tgtEl>
+                                        <p:attrNameLst>
+                                          <p:attrName>style.visibility</p:attrName>
+                                        </p:attrNameLst>
+                                      </p:cBhvr>
+                                      <p:to>
+                                        <p:strVal val="visible"/>
+                                      </p:to>
+                                    </p:set>
+                                  </p:childTnLst>
+                                </p:cTn>
+                              </p:par>
+                            </p:childTnLst>
+                          </p:cTn>
+                        </p:par>
+                      </p:childTnLst>
+                    </p:cTn>
+                  </p:par>
+                  <p:par>
+                    <p:cTn id="37" fill="hold">
+                      <p:stCondLst>
+                        <p:cond delay="indefinite"/>
+                      </p:stCondLst>
+                      <p:childTnLst>
+                        <p:par>
+                          <p:cTn id="38" fill="hold">
+                            <p:stCondLst>
+                              <p:cond delay="0"/>
+                            </p:stCondLst>
+                            <p:childTnLst>
+                              <p:par>
+                                <p:cTn id="39" presetID="1" presetClass="entr" presetSubtype="0" fill="hold" nodeType="clickEffect">
+                                  <p:stCondLst>
+                                    <p:cond delay="0"/>
+                                  </p:stCondLst>
+                                  <p:childTnLst>
+                                    <p:set>
+                                      <p:cBhvr>
+                                        <p:cTn id="40" dur="1" fill="hold">
+                                          <p:stCondLst>
+                                            <p:cond delay="0"/>
+                                          </p:stCondLst>
+                                        </p:cTn>
+                                        <p:tgtEl>
+                                          <p:spTgt spid="6146">
+                                            <p:txEl>
+                                              <p:pRg st="11" end="11"/>
+                                            </p:txEl>
+                                          </p:spTgt>
+                                        </p:tgtEl>
+                                        <p:attrNameLst>
+                                          <p:attrName>style.visibility</p:attrName>
+                                        </p:attrNameLst>
+                                      </p:cBhvr>
+                                      <p:to>
+                                        <p:strVal val="visible"/>
+                                      </p:to>
+                                    </p:set>
+                                  </p:childTnLst>
+                                </p:cTn>
+                              </p:par>
+                            </p:childTnLst>
+                          </p:cTn>
+                        </p:par>
+                      </p:childTnLst>
+                    </p:cTn>
+                  </p:par>
+                  <p:par>
+                    <p:cTn id="41" fill="hold">
+                      <p:stCondLst>
+                        <p:cond delay="indefinite"/>
+                      </p:stCondLst>
+                      <p:childTnLst>
+                        <p:par>
+                          <p:cTn id="42" fill="hold">
+                            <p:stCondLst>
+                              <p:cond delay="0"/>
+                            </p:stCondLst>
+                            <p:childTnLst>
+                              <p:par>
+                                <p:cTn id="43" presetID="1" presetClass="entr" presetSubtype="0" fill="hold" nodeType="clickEffect">
+                                  <p:stCondLst>
+                                    <p:cond delay="0"/>
+                                  </p:stCondLst>
+                                  <p:childTnLst>
+                                    <p:set>
+                                      <p:cBhvr>
+                                        <p:cTn id="44" dur="1" fill="hold">
+                                          <p:stCondLst>
+                                            <p:cond delay="0"/>
+                                          </p:stCondLst>
+                                        </p:cTn>
+                                        <p:tgtEl>
+                                          <p:spTgt spid="6146">
+                                            <p:txEl>
+                                              <p:pRg st="12" end="12"/>
+                                            </p:txEl>
+                                          </p:spTgt>
+                                        </p:tgtEl>
+                                        <p:attrNameLst>
+                                          <p:attrName>style.visibility</p:attrName>
+                                        </p:attrNameLst>
+                                      </p:cBhvr>
+                                      <p:to>
+                                        <p:strVal val="visible"/>
+                                      </p:to>
+                                    </p:set>
+                                  </p:childTnLst>
+                                </p:cTn>
+                              </p:par>
+                            </p:childTnLst>
+                          </p:cTn>
+                        </p:par>
+                      </p:childTnLst>
+                    </p:cTn>
+                  </p:par>
+                </p:childTnLst>
+              </p:cTn>
+              <p:prevCondLst>
+                <p:cond evt="onPrev" delay="0">
+                  <p:tgtEl>
+                    <p:sldTgt/>
+                  </p:tgtEl>
+                </p:cond>
+              </p:prevCondLst>
+              <p:nextCondLst>
+                <p:cond evt="onNext" delay="0">
+                  <p:tgtEl>
+                    <p:sldTgt/>
+                  </p:tgtEl>
+                </p:cond>
+              </p:nextCondLst>
+            </p:seq>
+          </p:childTnLst>
+        </p:cTn>
+      </p:par>
+    </p:tnLst>
+  </p:timing>
+</p:sld>
+</file>
+
+<file path=ppt/slides/slide9.xml><?xml version="1.0" encoding="utf-8"?>
 <p:sld xmlns:a="http://schemas.openxmlformats.org/drawingml/2006/main" xmlns:r="http://schemas.openxmlformats.org/officeDocument/2006/relationships" xmlns:p="http://schemas.openxmlformats.org/presentationml/2006/main">
   <p:cSld>
     <p:spTree>
@@ -24491,7 +26740,7 @@
           <a:p>
             <a:fld id="{D57F1E4F-1CFF-5643-939E-02111984F565}" type="slidenum">
               <a:rPr lang="en-US" smtClean="0"/>
-              <a:t>6</a:t>
+              <a:t>9</a:t>
             </a:fld>
             <a:endParaRPr lang="en-US" dirty="0"/>
           </a:p>
@@ -24501,474 +26750,6 @@
     <p:extLst>
       <p:ext uri="{BB962C8B-B14F-4D97-AF65-F5344CB8AC3E}">
         <p14:creationId xmlns:p14="http://schemas.microsoft.com/office/powerpoint/2010/main" val="1946329213"/>
-      </p:ext>
-    </p:extLst>
-  </p:cSld>
-  <p:clrMapOvr>
-    <a:masterClrMapping/>
-  </p:clrMapOvr>
-</p:sld>
-</file>
-
-<file path=ppt/slides/slide7.xml><?xml version="1.0" encoding="utf-8"?>
-<p:sld xmlns:a="http://schemas.openxmlformats.org/drawingml/2006/main" xmlns:r="http://schemas.openxmlformats.org/officeDocument/2006/relationships" xmlns:p="http://schemas.openxmlformats.org/presentationml/2006/main">
-  <p:cSld>
-    <p:spTree>
-      <p:nvGrpSpPr>
-        <p:cNvPr id="1" name=""/>
-        <p:cNvGrpSpPr/>
-        <p:nvPr/>
-      </p:nvGrpSpPr>
-      <p:grpSpPr>
-        <a:xfrm>
-          <a:off x="0" y="0"/>
-          <a:ext cx="0" cy="0"/>
-          <a:chOff x="0" y="0"/>
-          <a:chExt cx="0" cy="0"/>
-        </a:xfrm>
-      </p:grpSpPr>
-      <p:sp>
-        <p:nvSpPr>
-          <p:cNvPr id="2" name="Title 1">
-            <a:extLst>
-              <a:ext uri="{FF2B5EF4-FFF2-40B4-BE49-F238E27FC236}">
-                <a16:creationId xmlns:a16="http://schemas.microsoft.com/office/drawing/2014/main" id="{7464CC47-36D9-624B-9F3B-C88093C610C7}"/>
-              </a:ext>
-            </a:extLst>
-          </p:cNvPr>
-          <p:cNvSpPr>
-            <a:spLocks noGrp="1"/>
-          </p:cNvSpPr>
-          <p:nvPr>
-            <p:ph type="title"/>
-          </p:nvPr>
-        </p:nvSpPr>
-        <p:spPr/>
-        <p:txBody>
-          <a:bodyPr/>
-          <a:lstStyle/>
-          <a:p>
-            <a:endParaRPr lang="en-US"/>
-          </a:p>
-        </p:txBody>
-      </p:sp>
-      <p:sp>
-        <p:nvSpPr>
-          <p:cNvPr id="3" name="Content Placeholder 2">
-            <a:extLst>
-              <a:ext uri="{FF2B5EF4-FFF2-40B4-BE49-F238E27FC236}">
-                <a16:creationId xmlns:a16="http://schemas.microsoft.com/office/drawing/2014/main" id="{B6F1201F-1679-8440-B6C2-F002130193EB}"/>
-              </a:ext>
-            </a:extLst>
-          </p:cNvPr>
-          <p:cNvSpPr>
-            <a:spLocks noGrp="1"/>
-          </p:cNvSpPr>
-          <p:nvPr>
-            <p:ph idx="1"/>
-          </p:nvPr>
-        </p:nvSpPr>
-        <p:spPr/>
-        <p:txBody>
-          <a:bodyPr/>
-          <a:lstStyle/>
-          <a:p>
-            <a:endParaRPr lang="en-US"/>
-          </a:p>
-        </p:txBody>
-      </p:sp>
-      <p:sp>
-        <p:nvSpPr>
-          <p:cNvPr id="4" name="Slide Number Placeholder 3">
-            <a:extLst>
-              <a:ext uri="{FF2B5EF4-FFF2-40B4-BE49-F238E27FC236}">
-                <a16:creationId xmlns:a16="http://schemas.microsoft.com/office/drawing/2014/main" id="{C3DE5CB8-F54A-ED45-A1D7-7CCAC3C5D721}"/>
-              </a:ext>
-            </a:extLst>
-          </p:cNvPr>
-          <p:cNvSpPr>
-            <a:spLocks noGrp="1"/>
-          </p:cNvSpPr>
-          <p:nvPr>
-            <p:ph type="sldNum" sz="quarter" idx="12"/>
-          </p:nvPr>
-        </p:nvSpPr>
-        <p:spPr/>
-        <p:txBody>
-          <a:bodyPr/>
-          <a:lstStyle/>
-          <a:p>
-            <a:fld id="{D57F1E4F-1CFF-5643-939E-02111984F565}" type="slidenum">
-              <a:rPr lang="en-US" smtClean="0"/>
-              <a:t>7</a:t>
-            </a:fld>
-            <a:endParaRPr lang="en-US" dirty="0"/>
-          </a:p>
-        </p:txBody>
-      </p:sp>
-      <p:pic>
-        <p:nvPicPr>
-          <p:cNvPr id="2050" name="Picture 2" descr="Selection Sort">
-            <a:extLst>
-              <a:ext uri="{FF2B5EF4-FFF2-40B4-BE49-F238E27FC236}">
-                <a16:creationId xmlns:a16="http://schemas.microsoft.com/office/drawing/2014/main" id="{4C1A8568-6BE7-864B-9CB6-B14EFA657C18}"/>
-              </a:ext>
-            </a:extLst>
-          </p:cNvPr>
-          <p:cNvPicPr>
-            <a:picLocks noChangeAspect="1" noChangeArrowheads="1"/>
-          </p:cNvPicPr>
-          <p:nvPr/>
-        </p:nvPicPr>
-        <p:blipFill>
-          <a:blip r:embed="rId2">
-            <a:extLst>
-              <a:ext uri="{28A0092B-C50C-407E-A947-70E740481C1C}">
-                <a14:useLocalDpi xmlns:a14="http://schemas.microsoft.com/office/drawing/2010/main" val="0"/>
-              </a:ext>
-            </a:extLst>
-          </a:blip>
-          <a:srcRect/>
-          <a:stretch>
-            <a:fillRect/>
-          </a:stretch>
-        </p:blipFill>
-        <p:spPr bwMode="auto">
-          <a:xfrm>
-            <a:off x="1570556" y="304271"/>
-            <a:ext cx="5755992" cy="5065160"/>
-          </a:xfrm>
-          <a:prstGeom prst="rect">
-            <a:avLst/>
-          </a:prstGeom>
-          <a:noFill/>
-          <a:extLst>
-            <a:ext uri="{909E8E84-426E-40DD-AFC4-6F175D3DCCD1}">
-              <a14:hiddenFill xmlns:a14="http://schemas.microsoft.com/office/drawing/2010/main">
-                <a:solidFill>
-                  <a:srgbClr val="FFFFFF"/>
-                </a:solidFill>
-              </a14:hiddenFill>
-            </a:ext>
-          </a:extLst>
-        </p:spPr>
-      </p:pic>
-    </p:spTree>
-    <p:extLst>
-      <p:ext uri="{BB962C8B-B14F-4D97-AF65-F5344CB8AC3E}">
-        <p14:creationId xmlns:p14="http://schemas.microsoft.com/office/powerpoint/2010/main" val="4014748011"/>
-      </p:ext>
-    </p:extLst>
-  </p:cSld>
-  <p:clrMapOvr>
-    <a:masterClrMapping/>
-  </p:clrMapOvr>
-</p:sld>
-</file>
-
-<file path=ppt/slides/slide8.xml><?xml version="1.0" encoding="utf-8"?>
-<p:sld xmlns:a="http://schemas.openxmlformats.org/drawingml/2006/main" xmlns:r="http://schemas.openxmlformats.org/officeDocument/2006/relationships" xmlns:p="http://schemas.openxmlformats.org/presentationml/2006/main">
-  <p:cSld>
-    <p:spTree>
-      <p:nvGrpSpPr>
-        <p:cNvPr id="1" name=""/>
-        <p:cNvGrpSpPr/>
-        <p:nvPr/>
-      </p:nvGrpSpPr>
-      <p:grpSpPr>
-        <a:xfrm>
-          <a:off x="0" y="0"/>
-          <a:ext cx="0" cy="0"/>
-          <a:chOff x="0" y="0"/>
-          <a:chExt cx="0" cy="0"/>
-        </a:xfrm>
-      </p:grpSpPr>
-      <p:sp>
-        <p:nvSpPr>
-          <p:cNvPr id="2" name="Title 1">
-            <a:extLst>
-              <a:ext uri="{FF2B5EF4-FFF2-40B4-BE49-F238E27FC236}">
-                <a16:creationId xmlns:a16="http://schemas.microsoft.com/office/drawing/2014/main" id="{44846CCA-21D1-9545-92AC-3E57D49952F7}"/>
-              </a:ext>
-            </a:extLst>
-          </p:cNvPr>
-          <p:cNvSpPr>
-            <a:spLocks noGrp="1"/>
-          </p:cNvSpPr>
-          <p:nvPr>
-            <p:ph type="title"/>
-          </p:nvPr>
-        </p:nvSpPr>
-        <p:spPr/>
-        <p:txBody>
-          <a:bodyPr/>
-          <a:lstStyle/>
-          <a:p>
-            <a:endParaRPr lang="en-US"/>
-          </a:p>
-        </p:txBody>
-      </p:sp>
-      <p:sp>
-        <p:nvSpPr>
-          <p:cNvPr id="3" name="Content Placeholder 2">
-            <a:extLst>
-              <a:ext uri="{FF2B5EF4-FFF2-40B4-BE49-F238E27FC236}">
-                <a16:creationId xmlns:a16="http://schemas.microsoft.com/office/drawing/2014/main" id="{A750DA39-3C8F-8748-AF98-B8CEE840D5B9}"/>
-              </a:ext>
-            </a:extLst>
-          </p:cNvPr>
-          <p:cNvSpPr>
-            <a:spLocks noGrp="1"/>
-          </p:cNvSpPr>
-          <p:nvPr>
-            <p:ph idx="1"/>
-          </p:nvPr>
-        </p:nvSpPr>
-        <p:spPr/>
-        <p:txBody>
-          <a:bodyPr/>
-          <a:lstStyle/>
-          <a:p>
-            <a:endParaRPr lang="en-US"/>
-          </a:p>
-        </p:txBody>
-      </p:sp>
-      <p:sp>
-        <p:nvSpPr>
-          <p:cNvPr id="4" name="Slide Number Placeholder 3">
-            <a:extLst>
-              <a:ext uri="{FF2B5EF4-FFF2-40B4-BE49-F238E27FC236}">
-                <a16:creationId xmlns:a16="http://schemas.microsoft.com/office/drawing/2014/main" id="{8378040D-0841-4744-9899-A87150D6F4E9}"/>
-              </a:ext>
-            </a:extLst>
-          </p:cNvPr>
-          <p:cNvSpPr>
-            <a:spLocks noGrp="1"/>
-          </p:cNvSpPr>
-          <p:nvPr>
-            <p:ph type="sldNum" sz="quarter" idx="12"/>
-          </p:nvPr>
-        </p:nvSpPr>
-        <p:spPr/>
-        <p:txBody>
-          <a:bodyPr/>
-          <a:lstStyle/>
-          <a:p>
-            <a:fld id="{D57F1E4F-1CFF-5643-939E-02111984F565}" type="slidenum">
-              <a:rPr lang="en-US" smtClean="0"/>
-              <a:t>8</a:t>
-            </a:fld>
-            <a:endParaRPr lang="en-US" dirty="0"/>
-          </a:p>
-        </p:txBody>
-      </p:sp>
-      <p:pic>
-        <p:nvPicPr>
-          <p:cNvPr id="3074" name="Picture 2" descr="Insertion Sort">
-            <a:extLst>
-              <a:ext uri="{FF2B5EF4-FFF2-40B4-BE49-F238E27FC236}">
-                <a16:creationId xmlns:a16="http://schemas.microsoft.com/office/drawing/2014/main" id="{99CCC77D-1423-344F-B685-CB69DFD3690B}"/>
-              </a:ext>
-            </a:extLst>
-          </p:cNvPr>
-          <p:cNvPicPr>
-            <a:picLocks noChangeAspect="1" noChangeArrowheads="1"/>
-          </p:cNvPicPr>
-          <p:nvPr/>
-        </p:nvPicPr>
-        <p:blipFill>
-          <a:blip r:embed="rId2">
-            <a:extLst>
-              <a:ext uri="{28A0092B-C50C-407E-A947-70E740481C1C}">
-                <a14:useLocalDpi xmlns:a14="http://schemas.microsoft.com/office/drawing/2010/main" val="0"/>
-              </a:ext>
-            </a:extLst>
-          </a:blip>
-          <a:srcRect/>
-          <a:stretch>
-            <a:fillRect/>
-          </a:stretch>
-        </p:blipFill>
-        <p:spPr bwMode="auto">
-          <a:xfrm>
-            <a:off x="1673297" y="493276"/>
-            <a:ext cx="5588140" cy="4917453"/>
-          </a:xfrm>
-          <a:prstGeom prst="rect">
-            <a:avLst/>
-          </a:prstGeom>
-          <a:noFill/>
-          <a:extLst>
-            <a:ext uri="{909E8E84-426E-40DD-AFC4-6F175D3DCCD1}">
-              <a14:hiddenFill xmlns:a14="http://schemas.microsoft.com/office/drawing/2010/main">
-                <a:solidFill>
-                  <a:srgbClr val="FFFFFF"/>
-                </a:solidFill>
-              </a14:hiddenFill>
-            </a:ext>
-          </a:extLst>
-        </p:spPr>
-      </p:pic>
-    </p:spTree>
-    <p:extLst>
-      <p:ext uri="{BB962C8B-B14F-4D97-AF65-F5344CB8AC3E}">
-        <p14:creationId xmlns:p14="http://schemas.microsoft.com/office/powerpoint/2010/main" val="445830501"/>
-      </p:ext>
-    </p:extLst>
-  </p:cSld>
-  <p:clrMapOvr>
-    <a:masterClrMapping/>
-  </p:clrMapOvr>
-</p:sld>
-</file>
-
-<file path=ppt/slides/slide9.xml><?xml version="1.0" encoding="utf-8"?>
-<p:sld xmlns:a="http://schemas.openxmlformats.org/drawingml/2006/main" xmlns:r="http://schemas.openxmlformats.org/officeDocument/2006/relationships" xmlns:p="http://schemas.openxmlformats.org/presentationml/2006/main">
-  <p:cSld>
-    <p:spTree>
-      <p:nvGrpSpPr>
-        <p:cNvPr id="1" name=""/>
-        <p:cNvGrpSpPr/>
-        <p:nvPr/>
-      </p:nvGrpSpPr>
-      <p:grpSpPr>
-        <a:xfrm>
-          <a:off x="0" y="0"/>
-          <a:ext cx="0" cy="0"/>
-          <a:chOff x="0" y="0"/>
-          <a:chExt cx="0" cy="0"/>
-        </a:xfrm>
-      </p:grpSpPr>
-      <p:sp>
-        <p:nvSpPr>
-          <p:cNvPr id="2" name="Title 1">
-            <a:extLst>
-              <a:ext uri="{FF2B5EF4-FFF2-40B4-BE49-F238E27FC236}">
-                <a16:creationId xmlns:a16="http://schemas.microsoft.com/office/drawing/2014/main" id="{19FD16F3-D491-6E40-A2B3-1AFDA10C65F0}"/>
-              </a:ext>
-            </a:extLst>
-          </p:cNvPr>
-          <p:cNvSpPr>
-            <a:spLocks noGrp="1"/>
-          </p:cNvSpPr>
-          <p:nvPr>
-            <p:ph type="title"/>
-          </p:nvPr>
-        </p:nvSpPr>
-        <p:spPr/>
-        <p:txBody>
-          <a:bodyPr/>
-          <a:lstStyle/>
-          <a:p>
-            <a:endParaRPr lang="en-US"/>
-          </a:p>
-        </p:txBody>
-      </p:sp>
-      <p:sp>
-        <p:nvSpPr>
-          <p:cNvPr id="3" name="Content Placeholder 2">
-            <a:extLst>
-              <a:ext uri="{FF2B5EF4-FFF2-40B4-BE49-F238E27FC236}">
-                <a16:creationId xmlns:a16="http://schemas.microsoft.com/office/drawing/2014/main" id="{1EFFA45C-7008-7144-BF33-BD11BF4D074E}"/>
-              </a:ext>
-            </a:extLst>
-          </p:cNvPr>
-          <p:cNvSpPr>
-            <a:spLocks noGrp="1"/>
-          </p:cNvSpPr>
-          <p:nvPr>
-            <p:ph idx="1"/>
-          </p:nvPr>
-        </p:nvSpPr>
-        <p:spPr/>
-        <p:txBody>
-          <a:bodyPr/>
-          <a:lstStyle/>
-          <a:p>
-            <a:endParaRPr lang="en-US"/>
-          </a:p>
-        </p:txBody>
-      </p:sp>
-      <p:sp>
-        <p:nvSpPr>
-          <p:cNvPr id="4" name="Slide Number Placeholder 3">
-            <a:extLst>
-              <a:ext uri="{FF2B5EF4-FFF2-40B4-BE49-F238E27FC236}">
-                <a16:creationId xmlns:a16="http://schemas.microsoft.com/office/drawing/2014/main" id="{C982F38E-89A1-1947-8432-E2C5C2D23AD5}"/>
-              </a:ext>
-            </a:extLst>
-          </p:cNvPr>
-          <p:cNvSpPr>
-            <a:spLocks noGrp="1"/>
-          </p:cNvSpPr>
-          <p:nvPr>
-            <p:ph type="sldNum" sz="quarter" idx="12"/>
-          </p:nvPr>
-        </p:nvSpPr>
-        <p:spPr/>
-        <p:txBody>
-          <a:bodyPr/>
-          <a:lstStyle/>
-          <a:p>
-            <a:fld id="{D57F1E4F-1CFF-5643-939E-02111984F565}" type="slidenum">
-              <a:rPr lang="en-US" smtClean="0"/>
-              <a:t>9</a:t>
-            </a:fld>
-            <a:endParaRPr lang="en-US" dirty="0"/>
-          </a:p>
-        </p:txBody>
-      </p:sp>
-      <p:pic>
-        <p:nvPicPr>
-          <p:cNvPr id="4098" name="Picture 2" descr="Merge Sort">
-            <a:extLst>
-              <a:ext uri="{FF2B5EF4-FFF2-40B4-BE49-F238E27FC236}">
-                <a16:creationId xmlns:a16="http://schemas.microsoft.com/office/drawing/2014/main" id="{D04E949F-75DA-9B49-B3E8-E0770B3290B3}"/>
-              </a:ext>
-            </a:extLst>
-          </p:cNvPr>
-          <p:cNvPicPr>
-            <a:picLocks noChangeAspect="1" noChangeArrowheads="1"/>
-          </p:cNvPicPr>
-          <p:nvPr/>
-        </p:nvPicPr>
-        <p:blipFill>
-          <a:blip r:embed="rId2">
-            <a:extLst>
-              <a:ext uri="{28A0092B-C50C-407E-A947-70E740481C1C}">
-                <a14:useLocalDpi xmlns:a14="http://schemas.microsoft.com/office/drawing/2010/main" val="0"/>
-              </a:ext>
-            </a:extLst>
-          </a:blip>
-          <a:srcRect/>
-          <a:stretch>
-            <a:fillRect/>
-          </a:stretch>
-        </p:blipFill>
-        <p:spPr bwMode="auto">
-          <a:xfrm>
-            <a:off x="1781570" y="401976"/>
-            <a:ext cx="5580860" cy="4911047"/>
-          </a:xfrm>
-          <a:prstGeom prst="rect">
-            <a:avLst/>
-          </a:prstGeom>
-          <a:noFill/>
-          <a:extLst>
-            <a:ext uri="{909E8E84-426E-40DD-AFC4-6F175D3DCCD1}">
-              <a14:hiddenFill xmlns:a14="http://schemas.microsoft.com/office/drawing/2010/main">
-                <a:solidFill>
-                  <a:srgbClr val="FFFFFF"/>
-                </a:solidFill>
-              </a14:hiddenFill>
-            </a:ext>
-          </a:extLst>
-        </p:spPr>
-      </p:pic>
-    </p:spTree>
-    <p:extLst>
-      <p:ext uri="{BB962C8B-B14F-4D97-AF65-F5344CB8AC3E}">
-        <p14:creationId xmlns:p14="http://schemas.microsoft.com/office/powerpoint/2010/main" val="3966117082"/>
       </p:ext>
     </p:extLst>
   </p:cSld>

--- a/courses/apcsp/lect22.pptx
+++ b/courses/apcsp/lect22.pptx
@@ -148,7 +148,7 @@
 <file path=ppt/revisionInfo.xml><?xml version="1.0" encoding="utf-8"?>
 <p1510:revInfo xmlns:a="http://schemas.openxmlformats.org/drawingml/2006/main" xmlns:r="http://schemas.openxmlformats.org/officeDocument/2006/relationships" xmlns:p1510="http://schemas.microsoft.com/office/powerpoint/2015/10/main">
   <p1510:revLst>
-    <p1510:client id="{0E2AE9A0-AA60-BB4A-B160-C870111F23F3}" v="3429" dt="2021-05-07T15:51:19.803"/>
+    <p1510:client id="{0E2AE9A0-AA60-BB4A-B160-C870111F23F3}" v="3432" dt="2021-05-10T13:57:48.483"/>
   </p1510:revLst>
 </p1510:revInfo>
 </file>
@@ -567,6 +567,893 @@
     </pc:docChg>
   </pc:docChgLst>
   <pc:docChgLst>
+    <pc:chgData name="Long B Nguyen" userId="f59fb8f3-a021-417a-8bc1-65c8d471c621" providerId="ADAL" clId="{34A2CF11-652E-6345-AC5C-A89FACA07C4E}"/>
+    <pc:docChg chg="custSel addSld delSld modSld">
+      <pc:chgData name="Long B Nguyen" userId="f59fb8f3-a021-417a-8bc1-65c8d471c621" providerId="ADAL" clId="{34A2CF11-652E-6345-AC5C-A89FACA07C4E}" dt="2020-03-05T10:05:57.927" v="1422" actId="20577"/>
+      <pc:docMkLst>
+        <pc:docMk/>
+      </pc:docMkLst>
+      <pc:sldChg chg="del">
+        <pc:chgData name="Long B Nguyen" userId="f59fb8f3-a021-417a-8bc1-65c8d471c621" providerId="ADAL" clId="{34A2CF11-652E-6345-AC5C-A89FACA07C4E}" dt="2020-02-25T16:20:06.450" v="1360" actId="2696"/>
+        <pc:sldMkLst>
+          <pc:docMk/>
+          <pc:sldMk cId="623736032" sldId="485"/>
+        </pc:sldMkLst>
+      </pc:sldChg>
+      <pc:sldChg chg="modSp modAnim">
+        <pc:chgData name="Long B Nguyen" userId="f59fb8f3-a021-417a-8bc1-65c8d471c621" providerId="ADAL" clId="{34A2CF11-652E-6345-AC5C-A89FACA07C4E}" dt="2020-02-28T13:54:19.243" v="1410" actId="20577"/>
+        <pc:sldMkLst>
+          <pc:docMk/>
+          <pc:sldMk cId="3813527744" sldId="527"/>
+        </pc:sldMkLst>
+        <pc:spChg chg="mod">
+          <ac:chgData name="Long B Nguyen" userId="f59fb8f3-a021-417a-8bc1-65c8d471c621" providerId="ADAL" clId="{34A2CF11-652E-6345-AC5C-A89FACA07C4E}" dt="2020-02-28T13:54:19.243" v="1410" actId="20577"/>
+          <ac:spMkLst>
+            <pc:docMk/>
+            <pc:sldMk cId="3813527744" sldId="527"/>
+            <ac:spMk id="17410" creationId="{C9772176-DC13-F64D-AC00-58F2A4791B97}"/>
+          </ac:spMkLst>
+        </pc:spChg>
+      </pc:sldChg>
+      <pc:sldChg chg="modSp">
+        <pc:chgData name="Long B Nguyen" userId="f59fb8f3-a021-417a-8bc1-65c8d471c621" providerId="ADAL" clId="{34A2CF11-652E-6345-AC5C-A89FACA07C4E}" dt="2020-02-25T15:08:00.858" v="55" actId="255"/>
+        <pc:sldMkLst>
+          <pc:docMk/>
+          <pc:sldMk cId="1445950413" sldId="528"/>
+        </pc:sldMkLst>
+        <pc:spChg chg="mod">
+          <ac:chgData name="Long B Nguyen" userId="f59fb8f3-a021-417a-8bc1-65c8d471c621" providerId="ADAL" clId="{34A2CF11-652E-6345-AC5C-A89FACA07C4E}" dt="2020-02-25T15:08:00.858" v="55" actId="255"/>
+          <ac:spMkLst>
+            <pc:docMk/>
+            <pc:sldMk cId="1445950413" sldId="528"/>
+            <ac:spMk id="27651" creationId="{DCF5F58B-FD97-FE43-BD35-9AA575595114}"/>
+          </ac:spMkLst>
+        </pc:spChg>
+      </pc:sldChg>
+      <pc:sldChg chg="modSp modAnim">
+        <pc:chgData name="Long B Nguyen" userId="f59fb8f3-a021-417a-8bc1-65c8d471c621" providerId="ADAL" clId="{34A2CF11-652E-6345-AC5C-A89FACA07C4E}" dt="2020-02-28T13:56:32.314" v="1412" actId="20577"/>
+        <pc:sldMkLst>
+          <pc:docMk/>
+          <pc:sldMk cId="1720314276" sldId="566"/>
+        </pc:sldMkLst>
+        <pc:spChg chg="mod">
+          <ac:chgData name="Long B Nguyen" userId="f59fb8f3-a021-417a-8bc1-65c8d471c621" providerId="ADAL" clId="{34A2CF11-652E-6345-AC5C-A89FACA07C4E}" dt="2020-02-25T15:07:35.151" v="50" actId="1076"/>
+          <ac:spMkLst>
+            <pc:docMk/>
+            <pc:sldMk cId="1720314276" sldId="566"/>
+            <ac:spMk id="25601" creationId="{DE009A6C-99D8-1641-8A8A-B18B81FC62CD}"/>
+          </ac:spMkLst>
+        </pc:spChg>
+        <pc:spChg chg="mod">
+          <ac:chgData name="Long B Nguyen" userId="f59fb8f3-a021-417a-8bc1-65c8d471c621" providerId="ADAL" clId="{34A2CF11-652E-6345-AC5C-A89FACA07C4E}" dt="2020-02-28T13:56:32.314" v="1412" actId="20577"/>
+          <ac:spMkLst>
+            <pc:docMk/>
+            <pc:sldMk cId="1720314276" sldId="566"/>
+            <ac:spMk id="25602" creationId="{CB052219-FFAE-0F41-8A86-C30BB9EF6F35}"/>
+          </ac:spMkLst>
+        </pc:spChg>
+      </pc:sldChg>
+      <pc:sldChg chg="modSp modAnim">
+        <pc:chgData name="Long B Nguyen" userId="f59fb8f3-a021-417a-8bc1-65c8d471c621" providerId="ADAL" clId="{34A2CF11-652E-6345-AC5C-A89FACA07C4E}" dt="2020-02-25T15:09:21.882" v="167" actId="20577"/>
+        <pc:sldMkLst>
+          <pc:docMk/>
+          <pc:sldMk cId="198395083" sldId="567"/>
+        </pc:sldMkLst>
+        <pc:spChg chg="mod">
+          <ac:chgData name="Long B Nguyen" userId="f59fb8f3-a021-417a-8bc1-65c8d471c621" providerId="ADAL" clId="{34A2CF11-652E-6345-AC5C-A89FACA07C4E}" dt="2020-02-25T15:04:29.039" v="8" actId="1076"/>
+          <ac:spMkLst>
+            <pc:docMk/>
+            <pc:sldMk cId="198395083" sldId="567"/>
+            <ac:spMk id="27649" creationId="{84C172EC-4FFF-674B-98FB-C1FB0C2BD605}"/>
+          </ac:spMkLst>
+        </pc:spChg>
+        <pc:spChg chg="mod">
+          <ac:chgData name="Long B Nguyen" userId="f59fb8f3-a021-417a-8bc1-65c8d471c621" providerId="ADAL" clId="{34A2CF11-652E-6345-AC5C-A89FACA07C4E}" dt="2020-02-25T15:09:21.882" v="167" actId="20577"/>
+          <ac:spMkLst>
+            <pc:docMk/>
+            <pc:sldMk cId="198395083" sldId="567"/>
+            <ac:spMk id="27650" creationId="{5760563D-95CB-F842-9A06-99DB9A606240}"/>
+          </ac:spMkLst>
+        </pc:spChg>
+      </pc:sldChg>
+      <pc:sldChg chg="modSp">
+        <pc:chgData name="Long B Nguyen" userId="f59fb8f3-a021-417a-8bc1-65c8d471c621" providerId="ADAL" clId="{34A2CF11-652E-6345-AC5C-A89FACA07C4E}" dt="2020-02-25T15:05:17.624" v="22" actId="1076"/>
+        <pc:sldMkLst>
+          <pc:docMk/>
+          <pc:sldMk cId="1070622160" sldId="568"/>
+        </pc:sldMkLst>
+        <pc:spChg chg="mod">
+          <ac:chgData name="Long B Nguyen" userId="f59fb8f3-a021-417a-8bc1-65c8d471c621" providerId="ADAL" clId="{34A2CF11-652E-6345-AC5C-A89FACA07C4E}" dt="2020-02-25T15:04:56.343" v="16" actId="1076"/>
+          <ac:spMkLst>
+            <pc:docMk/>
+            <pc:sldMk cId="1070622160" sldId="568"/>
+            <ac:spMk id="29697" creationId="{FE344302-6250-2241-8F6D-C448D16804F4}"/>
+          </ac:spMkLst>
+        </pc:spChg>
+        <pc:spChg chg="mod">
+          <ac:chgData name="Long B Nguyen" userId="f59fb8f3-a021-417a-8bc1-65c8d471c621" providerId="ADAL" clId="{34A2CF11-652E-6345-AC5C-A89FACA07C4E}" dt="2020-02-25T15:05:08.271" v="21" actId="5793"/>
+          <ac:spMkLst>
+            <pc:docMk/>
+            <pc:sldMk cId="1070622160" sldId="568"/>
+            <ac:spMk id="29698" creationId="{E66559DC-645B-874B-9A56-EC803A4B4B92}"/>
+          </ac:spMkLst>
+        </pc:spChg>
+        <pc:picChg chg="mod">
+          <ac:chgData name="Long B Nguyen" userId="f59fb8f3-a021-417a-8bc1-65c8d471c621" providerId="ADAL" clId="{34A2CF11-652E-6345-AC5C-A89FACA07C4E}" dt="2020-02-25T15:05:17.624" v="22" actId="1076"/>
+          <ac:picMkLst>
+            <pc:docMk/>
+            <pc:sldMk cId="1070622160" sldId="568"/>
+            <ac:picMk id="29699" creationId="{090A5754-8CAB-3747-8068-84BA02EDFD26}"/>
+          </ac:picMkLst>
+        </pc:picChg>
+      </pc:sldChg>
+      <pc:sldChg chg="modSp modAnim">
+        <pc:chgData name="Long B Nguyen" userId="f59fb8f3-a021-417a-8bc1-65c8d471c621" providerId="ADAL" clId="{34A2CF11-652E-6345-AC5C-A89FACA07C4E}" dt="2020-02-25T15:11:25.959" v="181" actId="20577"/>
+        <pc:sldMkLst>
+          <pc:docMk/>
+          <pc:sldMk cId="4001486838" sldId="570"/>
+        </pc:sldMkLst>
+        <pc:spChg chg="mod">
+          <ac:chgData name="Long B Nguyen" userId="f59fb8f3-a021-417a-8bc1-65c8d471c621" providerId="ADAL" clId="{34A2CF11-652E-6345-AC5C-A89FACA07C4E}" dt="2020-02-25T15:10:37.671" v="176" actId="1076"/>
+          <ac:spMkLst>
+            <pc:docMk/>
+            <pc:sldMk cId="4001486838" sldId="570"/>
+            <ac:spMk id="39937" creationId="{7CD89787-5856-7640-A8D5-FF2B48692349}"/>
+          </ac:spMkLst>
+        </pc:spChg>
+        <pc:spChg chg="mod">
+          <ac:chgData name="Long B Nguyen" userId="f59fb8f3-a021-417a-8bc1-65c8d471c621" providerId="ADAL" clId="{34A2CF11-652E-6345-AC5C-A89FACA07C4E}" dt="2020-02-25T15:11:25.959" v="181" actId="20577"/>
+          <ac:spMkLst>
+            <pc:docMk/>
+            <pc:sldMk cId="4001486838" sldId="570"/>
+            <ac:spMk id="39938" creationId="{6D60C863-7ABD-3143-ABF5-601EEB054571}"/>
+          </ac:spMkLst>
+        </pc:spChg>
+      </pc:sldChg>
+      <pc:sldChg chg="modSp">
+        <pc:chgData name="Long B Nguyen" userId="f59fb8f3-a021-417a-8bc1-65c8d471c621" providerId="ADAL" clId="{34A2CF11-652E-6345-AC5C-A89FACA07C4E}" dt="2020-02-25T15:05:41.826" v="30" actId="5793"/>
+        <pc:sldMkLst>
+          <pc:docMk/>
+          <pc:sldMk cId="2901569448" sldId="571"/>
+        </pc:sldMkLst>
+        <pc:spChg chg="mod">
+          <ac:chgData name="Long B Nguyen" userId="f59fb8f3-a021-417a-8bc1-65c8d471c621" providerId="ADAL" clId="{34A2CF11-652E-6345-AC5C-A89FACA07C4E}" dt="2020-02-25T15:05:31.134" v="26" actId="1076"/>
+          <ac:spMkLst>
+            <pc:docMk/>
+            <pc:sldMk cId="2901569448" sldId="571"/>
+            <ac:spMk id="31745" creationId="{C5308C83-3686-0243-B14A-C98C71EB681A}"/>
+          </ac:spMkLst>
+        </pc:spChg>
+        <pc:spChg chg="mod">
+          <ac:chgData name="Long B Nguyen" userId="f59fb8f3-a021-417a-8bc1-65c8d471c621" providerId="ADAL" clId="{34A2CF11-652E-6345-AC5C-A89FACA07C4E}" dt="2020-02-25T15:05:41.826" v="30" actId="5793"/>
+          <ac:spMkLst>
+            <pc:docMk/>
+            <pc:sldMk cId="2901569448" sldId="571"/>
+            <ac:spMk id="31746" creationId="{CA1C5CB3-5B3D-4641-9849-F15DD036946A}"/>
+          </ac:spMkLst>
+        </pc:spChg>
+      </pc:sldChg>
+      <pc:sldChg chg="modSp">
+        <pc:chgData name="Long B Nguyen" userId="f59fb8f3-a021-417a-8bc1-65c8d471c621" providerId="ADAL" clId="{34A2CF11-652E-6345-AC5C-A89FACA07C4E}" dt="2020-02-25T15:10:25.707" v="172" actId="14100"/>
+        <pc:sldMkLst>
+          <pc:docMk/>
+          <pc:sldMk cId="2135159274" sldId="573"/>
+        </pc:sldMkLst>
+        <pc:spChg chg="mod">
+          <ac:chgData name="Long B Nguyen" userId="f59fb8f3-a021-417a-8bc1-65c8d471c621" providerId="ADAL" clId="{34A2CF11-652E-6345-AC5C-A89FACA07C4E}" dt="2020-02-25T15:10:25.707" v="172" actId="14100"/>
+          <ac:spMkLst>
+            <pc:docMk/>
+            <pc:sldMk cId="2135159274" sldId="573"/>
+            <ac:spMk id="37890" creationId="{D5A7A0E7-48AA-5144-A3FE-3363DFC01CF5}"/>
+          </ac:spMkLst>
+        </pc:spChg>
+      </pc:sldChg>
+      <pc:sldChg chg="modSp">
+        <pc:chgData name="Long B Nguyen" userId="f59fb8f3-a021-417a-8bc1-65c8d471c621" providerId="ADAL" clId="{34A2CF11-652E-6345-AC5C-A89FACA07C4E}" dt="2020-02-25T15:15:06.511" v="228" actId="1076"/>
+        <pc:sldMkLst>
+          <pc:docMk/>
+          <pc:sldMk cId="3391101355" sldId="575"/>
+        </pc:sldMkLst>
+        <pc:spChg chg="mod">
+          <ac:chgData name="Long B Nguyen" userId="f59fb8f3-a021-417a-8bc1-65c8d471c621" providerId="ADAL" clId="{34A2CF11-652E-6345-AC5C-A89FACA07C4E}" dt="2020-02-25T15:15:00.887" v="226" actId="5793"/>
+          <ac:spMkLst>
+            <pc:docMk/>
+            <pc:sldMk cId="3391101355" sldId="575"/>
+            <ac:spMk id="27651" creationId="{47FD0DF8-5133-F34E-AB80-6AF0E271D1FF}"/>
+          </ac:spMkLst>
+        </pc:spChg>
+        <pc:spChg chg="mod">
+          <ac:chgData name="Long B Nguyen" userId="f59fb8f3-a021-417a-8bc1-65c8d471c621" providerId="ADAL" clId="{34A2CF11-652E-6345-AC5C-A89FACA07C4E}" dt="2020-02-25T15:15:06.511" v="228" actId="1076"/>
+          <ac:spMkLst>
+            <pc:docMk/>
+            <pc:sldMk cId="3391101355" sldId="575"/>
+            <ac:spMk id="59393" creationId="{0845453A-A29A-9A42-9905-72E41E15DA8F}"/>
+          </ac:spMkLst>
+        </pc:spChg>
+      </pc:sldChg>
+      <pc:sldChg chg="modSp">
+        <pc:chgData name="Long B Nguyen" userId="f59fb8f3-a021-417a-8bc1-65c8d471c621" providerId="ADAL" clId="{34A2CF11-652E-6345-AC5C-A89FACA07C4E}" dt="2020-02-25T15:13:13.689" v="198" actId="5793"/>
+        <pc:sldMkLst>
+          <pc:docMk/>
+          <pc:sldMk cId="3275116272" sldId="576"/>
+        </pc:sldMkLst>
+        <pc:spChg chg="mod">
+          <ac:chgData name="Long B Nguyen" userId="f59fb8f3-a021-417a-8bc1-65c8d471c621" providerId="ADAL" clId="{34A2CF11-652E-6345-AC5C-A89FACA07C4E}" dt="2020-02-25T15:13:13.689" v="198" actId="5793"/>
+          <ac:spMkLst>
+            <pc:docMk/>
+            <pc:sldMk cId="3275116272" sldId="576"/>
+            <ac:spMk id="54274" creationId="{6A77A454-E9F7-204D-9394-2BA466B041AA}"/>
+          </ac:spMkLst>
+        </pc:spChg>
+        <pc:spChg chg="mod">
+          <ac:chgData name="Long B Nguyen" userId="f59fb8f3-a021-417a-8bc1-65c8d471c621" providerId="ADAL" clId="{34A2CF11-652E-6345-AC5C-A89FACA07C4E}" dt="2020-02-25T15:13:00.991" v="192" actId="1076"/>
+          <ac:spMkLst>
+            <pc:docMk/>
+            <pc:sldMk cId="3275116272" sldId="576"/>
+            <ac:spMk id="55297" creationId="{D1309B3C-E6F6-2741-82EB-369B5DBEE833}"/>
+          </ac:spMkLst>
+        </pc:spChg>
+      </pc:sldChg>
+      <pc:sldChg chg="modSp modAnim">
+        <pc:chgData name="Long B Nguyen" userId="f59fb8f3-a021-417a-8bc1-65c8d471c621" providerId="ADAL" clId="{34A2CF11-652E-6345-AC5C-A89FACA07C4E}" dt="2020-02-25T15:06:05.921" v="39" actId="20577"/>
+        <pc:sldMkLst>
+          <pc:docMk/>
+          <pc:sldMk cId="1727266702" sldId="578"/>
+        </pc:sldMkLst>
+        <pc:spChg chg="mod">
+          <ac:chgData name="Long B Nguyen" userId="f59fb8f3-a021-417a-8bc1-65c8d471c621" providerId="ADAL" clId="{34A2CF11-652E-6345-AC5C-A89FACA07C4E}" dt="2020-02-25T15:05:51.316" v="32" actId="1076"/>
+          <ac:spMkLst>
+            <pc:docMk/>
+            <pc:sldMk cId="1727266702" sldId="578"/>
+            <ac:spMk id="33793" creationId="{3553DE6C-30A9-C943-BBC0-80F5551E5745}"/>
+          </ac:spMkLst>
+        </pc:spChg>
+        <pc:spChg chg="mod">
+          <ac:chgData name="Long B Nguyen" userId="f59fb8f3-a021-417a-8bc1-65c8d471c621" providerId="ADAL" clId="{34A2CF11-652E-6345-AC5C-A89FACA07C4E}" dt="2020-02-25T15:06:05.921" v="39" actId="20577"/>
+          <ac:spMkLst>
+            <pc:docMk/>
+            <pc:sldMk cId="1727266702" sldId="578"/>
+            <ac:spMk id="33794" creationId="{1B9931B8-23E4-C546-8529-25A8A3CB57FD}"/>
+          </ac:spMkLst>
+        </pc:spChg>
+      </pc:sldChg>
+      <pc:sldChg chg="modSp">
+        <pc:chgData name="Long B Nguyen" userId="f59fb8f3-a021-417a-8bc1-65c8d471c621" providerId="ADAL" clId="{34A2CF11-652E-6345-AC5C-A89FACA07C4E}" dt="2020-02-25T15:10:09.921" v="168" actId="2711"/>
+        <pc:sldMkLst>
+          <pc:docMk/>
+          <pc:sldMk cId="665490485" sldId="579"/>
+        </pc:sldMkLst>
+        <pc:spChg chg="mod">
+          <ac:chgData name="Long B Nguyen" userId="f59fb8f3-a021-417a-8bc1-65c8d471c621" providerId="ADAL" clId="{34A2CF11-652E-6345-AC5C-A89FACA07C4E}" dt="2020-02-25T15:06:19.876" v="43" actId="1076"/>
+          <ac:spMkLst>
+            <pc:docMk/>
+            <pc:sldMk cId="665490485" sldId="579"/>
+            <ac:spMk id="35841" creationId="{10C91E1B-6F62-5440-A8B3-71AEF2909C3E}"/>
+          </ac:spMkLst>
+        </pc:spChg>
+        <pc:spChg chg="mod">
+          <ac:chgData name="Long B Nguyen" userId="f59fb8f3-a021-417a-8bc1-65c8d471c621" providerId="ADAL" clId="{34A2CF11-652E-6345-AC5C-A89FACA07C4E}" dt="2020-02-25T15:10:09.921" v="168" actId="2711"/>
+          <ac:spMkLst>
+            <pc:docMk/>
+            <pc:sldMk cId="665490485" sldId="579"/>
+            <ac:spMk id="35842" creationId="{C6DC7E6C-DF38-9748-B0D1-7D7B63795E45}"/>
+          </ac:spMkLst>
+        </pc:spChg>
+      </pc:sldChg>
+      <pc:sldChg chg="addSp delSp modSp modAnim">
+        <pc:chgData name="Long B Nguyen" userId="f59fb8f3-a021-417a-8bc1-65c8d471c621" providerId="ADAL" clId="{34A2CF11-652E-6345-AC5C-A89FACA07C4E}" dt="2020-02-28T14:46:23.469" v="1418" actId="113"/>
+        <pc:sldMkLst>
+          <pc:docMk/>
+          <pc:sldMk cId="1237537268" sldId="583"/>
+        </pc:sldMkLst>
+        <pc:spChg chg="add del mod">
+          <ac:chgData name="Long B Nguyen" userId="f59fb8f3-a021-417a-8bc1-65c8d471c621" providerId="ADAL" clId="{34A2CF11-652E-6345-AC5C-A89FACA07C4E}" dt="2020-02-25T15:14:51.352" v="222"/>
+          <ac:spMkLst>
+            <pc:docMk/>
+            <pc:sldMk cId="1237537268" sldId="583"/>
+            <ac:spMk id="2" creationId="{ED646CD3-F452-494F-9C6B-294938DD2A28}"/>
+          </ac:spMkLst>
+        </pc:spChg>
+        <pc:spChg chg="mod">
+          <ac:chgData name="Long B Nguyen" userId="f59fb8f3-a021-417a-8bc1-65c8d471c621" providerId="ADAL" clId="{34A2CF11-652E-6345-AC5C-A89FACA07C4E}" dt="2020-02-28T14:46:23.469" v="1418" actId="113"/>
+          <ac:spMkLst>
+            <pc:docMk/>
+            <pc:sldMk cId="1237537268" sldId="583"/>
+            <ac:spMk id="56322" creationId="{C6A7743F-88FF-7C47-8B09-99222CD5E28E}"/>
+          </ac:spMkLst>
+        </pc:spChg>
+        <pc:spChg chg="mod">
+          <ac:chgData name="Long B Nguyen" userId="f59fb8f3-a021-417a-8bc1-65c8d471c621" providerId="ADAL" clId="{34A2CF11-652E-6345-AC5C-A89FACA07C4E}" dt="2020-02-25T15:14:05.982" v="209" actId="1076"/>
+          <ac:spMkLst>
+            <pc:docMk/>
+            <pc:sldMk cId="1237537268" sldId="583"/>
+            <ac:spMk id="57345" creationId="{CDA4A9B2-8639-C840-B975-2791E963EF68}"/>
+          </ac:spMkLst>
+        </pc:spChg>
+      </pc:sldChg>
+      <pc:sldChg chg="modSp">
+        <pc:chgData name="Long B Nguyen" userId="f59fb8f3-a021-417a-8bc1-65c8d471c621" providerId="ADAL" clId="{34A2CF11-652E-6345-AC5C-A89FACA07C4E}" dt="2020-02-25T15:15:56.112" v="245" actId="20577"/>
+        <pc:sldMkLst>
+          <pc:docMk/>
+          <pc:sldMk cId="4256317276" sldId="584"/>
+        </pc:sldMkLst>
+        <pc:spChg chg="mod">
+          <ac:chgData name="Long B Nguyen" userId="f59fb8f3-a021-417a-8bc1-65c8d471c621" providerId="ADAL" clId="{34A2CF11-652E-6345-AC5C-A89FACA07C4E}" dt="2020-02-25T15:15:56.112" v="245" actId="20577"/>
+          <ac:spMkLst>
+            <pc:docMk/>
+            <pc:sldMk cId="4256317276" sldId="584"/>
+            <ac:spMk id="62466" creationId="{000A13C9-560A-5C49-962A-A1D927D320E7}"/>
+          </ac:spMkLst>
+        </pc:spChg>
+        <pc:spChg chg="mod">
+          <ac:chgData name="Long B Nguyen" userId="f59fb8f3-a021-417a-8bc1-65c8d471c621" providerId="ADAL" clId="{34A2CF11-652E-6345-AC5C-A89FACA07C4E}" dt="2020-02-25T15:15:43.613" v="238" actId="1076"/>
+          <ac:spMkLst>
+            <pc:docMk/>
+            <pc:sldMk cId="4256317276" sldId="584"/>
+            <ac:spMk id="63489" creationId="{06AE9859-A2B0-6240-B232-7259A57B6F5E}"/>
+          </ac:spMkLst>
+        </pc:spChg>
+      </pc:sldChg>
+      <pc:sldChg chg="modSp modAnim">
+        <pc:chgData name="Long B Nguyen" userId="f59fb8f3-a021-417a-8bc1-65c8d471c621" providerId="ADAL" clId="{34A2CF11-652E-6345-AC5C-A89FACA07C4E}" dt="2020-02-25T15:23:21.337" v="341" actId="255"/>
+        <pc:sldMkLst>
+          <pc:docMk/>
+          <pc:sldMk cId="3977893820" sldId="585"/>
+        </pc:sldMkLst>
+        <pc:spChg chg="mod">
+          <ac:chgData name="Long B Nguyen" userId="f59fb8f3-a021-417a-8bc1-65c8d471c621" providerId="ADAL" clId="{34A2CF11-652E-6345-AC5C-A89FACA07C4E}" dt="2020-02-25T15:23:21.337" v="341" actId="255"/>
+          <ac:spMkLst>
+            <pc:docMk/>
+            <pc:sldMk cId="3977893820" sldId="585"/>
+            <ac:spMk id="64514" creationId="{7788F03B-8D64-E645-BC3F-DBD76C93C456}"/>
+          </ac:spMkLst>
+        </pc:spChg>
+        <pc:spChg chg="mod">
+          <ac:chgData name="Long B Nguyen" userId="f59fb8f3-a021-417a-8bc1-65c8d471c621" providerId="ADAL" clId="{34A2CF11-652E-6345-AC5C-A89FACA07C4E}" dt="2020-02-25T15:16:10.848" v="249" actId="1076"/>
+          <ac:spMkLst>
+            <pc:docMk/>
+            <pc:sldMk cId="3977893820" sldId="585"/>
+            <ac:spMk id="65537" creationId="{86430671-77D5-6E4C-94A5-D61EB184D3ED}"/>
+          </ac:spMkLst>
+        </pc:spChg>
+      </pc:sldChg>
+      <pc:sldChg chg="modSp modAnim">
+        <pc:chgData name="Long B Nguyen" userId="f59fb8f3-a021-417a-8bc1-65c8d471c621" providerId="ADAL" clId="{34A2CF11-652E-6345-AC5C-A89FACA07C4E}" dt="2020-02-25T15:47:51.312" v="428" actId="20577"/>
+        <pc:sldMkLst>
+          <pc:docMk/>
+          <pc:sldMk cId="1319289224" sldId="586"/>
+        </pc:sldMkLst>
+        <pc:spChg chg="mod">
+          <ac:chgData name="Long B Nguyen" userId="f59fb8f3-a021-417a-8bc1-65c8d471c621" providerId="ADAL" clId="{34A2CF11-652E-6345-AC5C-A89FACA07C4E}" dt="2020-02-25T15:47:51.312" v="428" actId="20577"/>
+          <ac:spMkLst>
+            <pc:docMk/>
+            <pc:sldMk cId="1319289224" sldId="586"/>
+            <ac:spMk id="66562" creationId="{6FAB6F92-236E-CB4C-AAB0-F158777360DD}"/>
+          </ac:spMkLst>
+        </pc:spChg>
+        <pc:spChg chg="mod">
+          <ac:chgData name="Long B Nguyen" userId="f59fb8f3-a021-417a-8bc1-65c8d471c621" providerId="ADAL" clId="{34A2CF11-652E-6345-AC5C-A89FACA07C4E}" dt="2020-02-25T15:46:37.078" v="420" actId="1076"/>
+          <ac:spMkLst>
+            <pc:docMk/>
+            <pc:sldMk cId="1319289224" sldId="586"/>
+            <ac:spMk id="67585" creationId="{6089FBFB-967C-FD45-992B-EB81E5CF2976}"/>
+          </ac:spMkLst>
+        </pc:spChg>
+      </pc:sldChg>
+      <pc:sldChg chg="modSp">
+        <pc:chgData name="Long B Nguyen" userId="f59fb8f3-a021-417a-8bc1-65c8d471c621" providerId="ADAL" clId="{34A2CF11-652E-6345-AC5C-A89FACA07C4E}" dt="2020-02-28T14:52:08.779" v="1420" actId="113"/>
+        <pc:sldMkLst>
+          <pc:docMk/>
+          <pc:sldMk cId="2894020677" sldId="587"/>
+        </pc:sldMkLst>
+        <pc:spChg chg="mod">
+          <ac:chgData name="Long B Nguyen" userId="f59fb8f3-a021-417a-8bc1-65c8d471c621" providerId="ADAL" clId="{34A2CF11-652E-6345-AC5C-A89FACA07C4E}" dt="2020-02-28T14:52:08.779" v="1420" actId="113"/>
+          <ac:spMkLst>
+            <pc:docMk/>
+            <pc:sldMk cId="2894020677" sldId="587"/>
+            <ac:spMk id="68610" creationId="{A4345070-62DC-4946-AD43-299FA9B490E0}"/>
+          </ac:spMkLst>
+        </pc:spChg>
+        <pc:spChg chg="mod">
+          <ac:chgData name="Long B Nguyen" userId="f59fb8f3-a021-417a-8bc1-65c8d471c621" providerId="ADAL" clId="{34A2CF11-652E-6345-AC5C-A89FACA07C4E}" dt="2020-02-25T15:48:01.085" v="430" actId="1076"/>
+          <ac:spMkLst>
+            <pc:docMk/>
+            <pc:sldMk cId="2894020677" sldId="587"/>
+            <ac:spMk id="69633" creationId="{8C113226-FF22-D946-A8D9-BF2B6BAC62D2}"/>
+          </ac:spMkLst>
+        </pc:spChg>
+      </pc:sldChg>
+      <pc:sldChg chg="modSp">
+        <pc:chgData name="Long B Nguyen" userId="f59fb8f3-a021-417a-8bc1-65c8d471c621" providerId="ADAL" clId="{34A2CF11-652E-6345-AC5C-A89FACA07C4E}" dt="2020-02-25T15:15:28.597" v="236" actId="5793"/>
+        <pc:sldMkLst>
+          <pc:docMk/>
+          <pc:sldMk cId="3609960584" sldId="588"/>
+        </pc:sldMkLst>
+        <pc:spChg chg="mod">
+          <ac:chgData name="Long B Nguyen" userId="f59fb8f3-a021-417a-8bc1-65c8d471c621" providerId="ADAL" clId="{34A2CF11-652E-6345-AC5C-A89FACA07C4E}" dt="2020-02-25T15:15:28.597" v="236" actId="5793"/>
+          <ac:spMkLst>
+            <pc:docMk/>
+            <pc:sldMk cId="3609960584" sldId="588"/>
+            <ac:spMk id="27651" creationId="{D2E8AD57-ED30-A247-A629-D196B221ADDD}"/>
+          </ac:spMkLst>
+        </pc:spChg>
+        <pc:spChg chg="mod">
+          <ac:chgData name="Long B Nguyen" userId="f59fb8f3-a021-417a-8bc1-65c8d471c621" providerId="ADAL" clId="{34A2CF11-652E-6345-AC5C-A89FACA07C4E}" dt="2020-02-25T15:15:15.892" v="230" actId="1076"/>
+          <ac:spMkLst>
+            <pc:docMk/>
+            <pc:sldMk cId="3609960584" sldId="588"/>
+            <ac:spMk id="61441" creationId="{5D868FC1-4364-924A-9574-ECC30E407753}"/>
+          </ac:spMkLst>
+        </pc:spChg>
+      </pc:sldChg>
+      <pc:sldChg chg="modSp">
+        <pc:chgData name="Long B Nguyen" userId="f59fb8f3-a021-417a-8bc1-65c8d471c621" providerId="ADAL" clId="{34A2CF11-652E-6345-AC5C-A89FACA07C4E}" dt="2020-02-25T15:49:00.714" v="453" actId="20577"/>
+        <pc:sldMkLst>
+          <pc:docMk/>
+          <pc:sldMk cId="2527578196" sldId="589"/>
+        </pc:sldMkLst>
+        <pc:spChg chg="mod">
+          <ac:chgData name="Long B Nguyen" userId="f59fb8f3-a021-417a-8bc1-65c8d471c621" providerId="ADAL" clId="{34A2CF11-652E-6345-AC5C-A89FACA07C4E}" dt="2020-02-25T15:49:00.714" v="453" actId="20577"/>
+          <ac:spMkLst>
+            <pc:docMk/>
+            <pc:sldMk cId="2527578196" sldId="589"/>
+            <ac:spMk id="75777" creationId="{188EB92C-DDEE-294E-96AE-5B2F5541A13E}"/>
+          </ac:spMkLst>
+        </pc:spChg>
+        <pc:spChg chg="mod">
+          <ac:chgData name="Long B Nguyen" userId="f59fb8f3-a021-417a-8bc1-65c8d471c621" providerId="ADAL" clId="{34A2CF11-652E-6345-AC5C-A89FACA07C4E}" dt="2020-02-25T15:48:49.697" v="436" actId="14100"/>
+          <ac:spMkLst>
+            <pc:docMk/>
+            <pc:sldMk cId="2527578196" sldId="589"/>
+            <ac:spMk id="75778" creationId="{23AB5E3C-D5D9-064C-9574-DFF97AF265D0}"/>
+          </ac:spMkLst>
+        </pc:spChg>
+      </pc:sldChg>
+      <pc:sldChg chg="modSp">
+        <pc:chgData name="Long B Nguyen" userId="f59fb8f3-a021-417a-8bc1-65c8d471c621" providerId="ADAL" clId="{34A2CF11-652E-6345-AC5C-A89FACA07C4E}" dt="2020-02-25T15:49:55.314" v="492" actId="1076"/>
+        <pc:sldMkLst>
+          <pc:docMk/>
+          <pc:sldMk cId="3609937493" sldId="590"/>
+        </pc:sldMkLst>
+        <pc:spChg chg="mod">
+          <ac:chgData name="Long B Nguyen" userId="f59fb8f3-a021-417a-8bc1-65c8d471c621" providerId="ADAL" clId="{34A2CF11-652E-6345-AC5C-A89FACA07C4E}" dt="2020-02-25T15:49:55.314" v="492" actId="1076"/>
+          <ac:spMkLst>
+            <pc:docMk/>
+            <pc:sldMk cId="3609937493" sldId="590"/>
+            <ac:spMk id="79873" creationId="{E8B36DA1-FD32-914E-8D09-91D267F39A7A}"/>
+          </ac:spMkLst>
+        </pc:spChg>
+        <pc:spChg chg="mod">
+          <ac:chgData name="Long B Nguyen" userId="f59fb8f3-a021-417a-8bc1-65c8d471c621" providerId="ADAL" clId="{34A2CF11-652E-6345-AC5C-A89FACA07C4E}" dt="2020-02-25T15:49:50.463" v="490" actId="14100"/>
+          <ac:spMkLst>
+            <pc:docMk/>
+            <pc:sldMk cId="3609937493" sldId="590"/>
+            <ac:spMk id="79874" creationId="{C365A828-14EF-694A-9BBF-E18CC423E31B}"/>
+          </ac:spMkLst>
+        </pc:spChg>
+        <pc:picChg chg="mod">
+          <ac:chgData name="Long B Nguyen" userId="f59fb8f3-a021-417a-8bc1-65c8d471c621" providerId="ADAL" clId="{34A2CF11-652E-6345-AC5C-A89FACA07C4E}" dt="2020-02-25T15:49:43.277" v="488" actId="14100"/>
+          <ac:picMkLst>
+            <pc:docMk/>
+            <pc:sldMk cId="3609937493" sldId="590"/>
+            <ac:picMk id="79875" creationId="{CE627FFA-2BD4-3244-9CFB-E9A8530A32E1}"/>
+          </ac:picMkLst>
+        </pc:picChg>
+      </pc:sldChg>
+      <pc:sldChg chg="modSp">
+        <pc:chgData name="Long B Nguyen" userId="f59fb8f3-a021-417a-8bc1-65c8d471c621" providerId="ADAL" clId="{34A2CF11-652E-6345-AC5C-A89FACA07C4E}" dt="2020-02-25T15:49:31.728" v="486" actId="1036"/>
+        <pc:sldMkLst>
+          <pc:docMk/>
+          <pc:sldMk cId="4266553646" sldId="591"/>
+        </pc:sldMkLst>
+        <pc:spChg chg="mod">
+          <ac:chgData name="Long B Nguyen" userId="f59fb8f3-a021-417a-8bc1-65c8d471c621" providerId="ADAL" clId="{34A2CF11-652E-6345-AC5C-A89FACA07C4E}" dt="2020-02-25T15:49:31.728" v="486" actId="1036"/>
+          <ac:spMkLst>
+            <pc:docMk/>
+            <pc:sldMk cId="4266553646" sldId="591"/>
+            <ac:spMk id="77825" creationId="{21CC4A42-EA8F-BF47-ADD5-B721E414F5F2}"/>
+          </ac:spMkLst>
+        </pc:spChg>
+        <pc:spChg chg="mod">
+          <ac:chgData name="Long B Nguyen" userId="f59fb8f3-a021-417a-8bc1-65c8d471c621" providerId="ADAL" clId="{34A2CF11-652E-6345-AC5C-A89FACA07C4E}" dt="2020-02-25T15:49:20.882" v="474" actId="14100"/>
+          <ac:spMkLst>
+            <pc:docMk/>
+            <pc:sldMk cId="4266553646" sldId="591"/>
+            <ac:spMk id="77826" creationId="{07CDE7D8-6D62-BA4B-8A6C-4F0744144459}"/>
+          </ac:spMkLst>
+        </pc:spChg>
+      </pc:sldChg>
+      <pc:sldChg chg="delSp modSp del">
+        <pc:chgData name="Long B Nguyen" userId="f59fb8f3-a021-417a-8bc1-65c8d471c621" providerId="ADAL" clId="{34A2CF11-652E-6345-AC5C-A89FACA07C4E}" dt="2020-02-28T14:52:21.453" v="1421" actId="2696"/>
+        <pc:sldMkLst>
+          <pc:docMk/>
+          <pc:sldMk cId="4126212206" sldId="592"/>
+        </pc:sldMkLst>
+        <pc:spChg chg="mod">
+          <ac:chgData name="Long B Nguyen" userId="f59fb8f3-a021-417a-8bc1-65c8d471c621" providerId="ADAL" clId="{34A2CF11-652E-6345-AC5C-A89FACA07C4E}" dt="2020-02-25T15:50:54.514" v="505" actId="1076"/>
+          <ac:spMkLst>
+            <pc:docMk/>
+            <pc:sldMk cId="4126212206" sldId="592"/>
+            <ac:spMk id="84993" creationId="{C169A412-E2F9-004D-A0EF-86F1C409823C}"/>
+          </ac:spMkLst>
+        </pc:spChg>
+        <pc:spChg chg="mod">
+          <ac:chgData name="Long B Nguyen" userId="f59fb8f3-a021-417a-8bc1-65c8d471c621" providerId="ADAL" clId="{34A2CF11-652E-6345-AC5C-A89FACA07C4E}" dt="2020-02-25T15:54:31.469" v="526" actId="113"/>
+          <ac:spMkLst>
+            <pc:docMk/>
+            <pc:sldMk cId="4126212206" sldId="592"/>
+            <ac:spMk id="84994" creationId="{6971D443-43C5-2E43-8019-712D595D62F2}"/>
+          </ac:spMkLst>
+        </pc:spChg>
+        <pc:picChg chg="del mod">
+          <ac:chgData name="Long B Nguyen" userId="f59fb8f3-a021-417a-8bc1-65c8d471c621" providerId="ADAL" clId="{34A2CF11-652E-6345-AC5C-A89FACA07C4E}" dt="2020-02-25T15:53:53.262" v="513" actId="478"/>
+          <ac:picMkLst>
+            <pc:docMk/>
+            <pc:sldMk cId="4126212206" sldId="592"/>
+            <ac:picMk id="84995" creationId="{D74B79FF-3957-A841-989F-1A7CCA0A7940}"/>
+          </ac:picMkLst>
+        </pc:picChg>
+      </pc:sldChg>
+      <pc:sldChg chg="del">
+        <pc:chgData name="Long B Nguyen" userId="f59fb8f3-a021-417a-8bc1-65c8d471c621" providerId="ADAL" clId="{34A2CF11-652E-6345-AC5C-A89FACA07C4E}" dt="2020-02-25T15:53:20.954" v="511" actId="2696"/>
+        <pc:sldMkLst>
+          <pc:docMk/>
+          <pc:sldMk cId="2279088232" sldId="595"/>
+        </pc:sldMkLst>
+      </pc:sldChg>
+      <pc:sldChg chg="del">
+        <pc:chgData name="Long B Nguyen" userId="f59fb8f3-a021-417a-8bc1-65c8d471c621" providerId="ADAL" clId="{34A2CF11-652E-6345-AC5C-A89FACA07C4E}" dt="2020-02-25T15:53:19.581" v="510" actId="2696"/>
+        <pc:sldMkLst>
+          <pc:docMk/>
+          <pc:sldMk cId="1584709501" sldId="596"/>
+        </pc:sldMkLst>
+      </pc:sldChg>
+      <pc:sldChg chg="modSp del modAnim">
+        <pc:chgData name="Long B Nguyen" userId="f59fb8f3-a021-417a-8bc1-65c8d471c621" providerId="ADAL" clId="{34A2CF11-652E-6345-AC5C-A89FACA07C4E}" dt="2020-02-25T15:12:52.196" v="190" actId="2696"/>
+        <pc:sldMkLst>
+          <pc:docMk/>
+          <pc:sldMk cId="3065633131" sldId="604"/>
+        </pc:sldMkLst>
+        <pc:spChg chg="mod">
+          <ac:chgData name="Long B Nguyen" userId="f59fb8f3-a021-417a-8bc1-65c8d471c621" providerId="ADAL" clId="{34A2CF11-652E-6345-AC5C-A89FACA07C4E}" dt="2020-02-25T15:12:43.957" v="189" actId="20577"/>
+          <ac:spMkLst>
+            <pc:docMk/>
+            <pc:sldMk cId="3065633131" sldId="604"/>
+            <ac:spMk id="50178" creationId="{14937878-A5BD-0443-8F34-B0A863A78864}"/>
+          </ac:spMkLst>
+        </pc:spChg>
+        <pc:spChg chg="mod">
+          <ac:chgData name="Long B Nguyen" userId="f59fb8f3-a021-417a-8bc1-65c8d471c621" providerId="ADAL" clId="{34A2CF11-652E-6345-AC5C-A89FACA07C4E}" dt="2020-02-25T15:12:31.849" v="183" actId="1076"/>
+          <ac:spMkLst>
+            <pc:docMk/>
+            <pc:sldMk cId="3065633131" sldId="604"/>
+            <ac:spMk id="51201" creationId="{197E898E-0251-DF4C-8E64-7B1D3BF0CA82}"/>
+          </ac:spMkLst>
+        </pc:spChg>
+      </pc:sldChg>
+      <pc:sldChg chg="modSp del">
+        <pc:chgData name="Long B Nguyen" userId="f59fb8f3-a021-417a-8bc1-65c8d471c621" providerId="ADAL" clId="{34A2CF11-652E-6345-AC5C-A89FACA07C4E}" dt="2020-02-25T15:13:53.707" v="206" actId="2696"/>
+        <pc:sldMkLst>
+          <pc:docMk/>
+          <pc:sldMk cId="2263416976" sldId="605"/>
+        </pc:sldMkLst>
+        <pc:spChg chg="mod">
+          <ac:chgData name="Long B Nguyen" userId="f59fb8f3-a021-417a-8bc1-65c8d471c621" providerId="ADAL" clId="{34A2CF11-652E-6345-AC5C-A89FACA07C4E}" dt="2020-02-25T15:13:34.457" v="205" actId="5793"/>
+          <ac:spMkLst>
+            <pc:docMk/>
+            <pc:sldMk cId="2263416976" sldId="605"/>
+            <ac:spMk id="27651" creationId="{8414F638-A0BF-1B4A-9444-E7D185E09B3C}"/>
+          </ac:spMkLst>
+        </pc:spChg>
+        <pc:spChg chg="mod">
+          <ac:chgData name="Long B Nguyen" userId="f59fb8f3-a021-417a-8bc1-65c8d471c621" providerId="ADAL" clId="{34A2CF11-652E-6345-AC5C-A89FACA07C4E}" dt="2020-02-25T15:13:32.062" v="204" actId="1076"/>
+          <ac:spMkLst>
+            <pc:docMk/>
+            <pc:sldMk cId="2263416976" sldId="605"/>
+            <ac:spMk id="53249" creationId="{E45DFD43-86E0-7C46-B672-4F88F0E2A548}"/>
+          </ac:spMkLst>
+        </pc:spChg>
+      </pc:sldChg>
+      <pc:sldChg chg="modSp">
+        <pc:chgData name="Long B Nguyen" userId="f59fb8f3-a021-417a-8bc1-65c8d471c621" providerId="ADAL" clId="{34A2CF11-652E-6345-AC5C-A89FACA07C4E}" dt="2020-02-25T16:21:01.033" v="1409"/>
+        <pc:sldMkLst>
+          <pc:docMk/>
+          <pc:sldMk cId="2319263073" sldId="610"/>
+        </pc:sldMkLst>
+        <pc:spChg chg="mod">
+          <ac:chgData name="Long B Nguyen" userId="f59fb8f3-a021-417a-8bc1-65c8d471c621" providerId="ADAL" clId="{34A2CF11-652E-6345-AC5C-A89FACA07C4E}" dt="2020-02-25T16:21:01.033" v="1409"/>
+          <ac:spMkLst>
+            <pc:docMk/>
+            <pc:sldMk cId="2319263073" sldId="610"/>
+            <ac:spMk id="92162" creationId="{DFA6F312-AB30-8341-AC59-361BA5365D65}"/>
+          </ac:spMkLst>
+        </pc:spChg>
+      </pc:sldChg>
+      <pc:sldChg chg="modSp add modAnim">
+        <pc:chgData name="Long B Nguyen" userId="f59fb8f3-a021-417a-8bc1-65c8d471c621" providerId="ADAL" clId="{34A2CF11-652E-6345-AC5C-A89FACA07C4E}" dt="2020-02-25T15:18:40.361" v="298" actId="20577"/>
+        <pc:sldMkLst>
+          <pc:docMk/>
+          <pc:sldMk cId="1558241323" sldId="613"/>
+        </pc:sldMkLst>
+        <pc:spChg chg="mod">
+          <ac:chgData name="Long B Nguyen" userId="f59fb8f3-a021-417a-8bc1-65c8d471c621" providerId="ADAL" clId="{34A2CF11-652E-6345-AC5C-A89FACA07C4E}" dt="2020-02-25T15:18:19.998" v="281" actId="20577"/>
+          <ac:spMkLst>
+            <pc:docMk/>
+            <pc:sldMk cId="1558241323" sldId="613"/>
+            <ac:spMk id="64514" creationId="{7788F03B-8D64-E645-BC3F-DBD76C93C456}"/>
+          </ac:spMkLst>
+        </pc:spChg>
+        <pc:spChg chg="mod">
+          <ac:chgData name="Long B Nguyen" userId="f59fb8f3-a021-417a-8bc1-65c8d471c621" providerId="ADAL" clId="{34A2CF11-652E-6345-AC5C-A89FACA07C4E}" dt="2020-02-25T15:18:40.361" v="298" actId="20577"/>
+          <ac:spMkLst>
+            <pc:docMk/>
+            <pc:sldMk cId="1558241323" sldId="613"/>
+            <ac:spMk id="65537" creationId="{86430671-77D5-6E4C-94A5-D61EB184D3ED}"/>
+          </ac:spMkLst>
+        </pc:spChg>
+      </pc:sldChg>
+      <pc:sldChg chg="modSp add del">
+        <pc:chgData name="Long B Nguyen" userId="f59fb8f3-a021-417a-8bc1-65c8d471c621" providerId="ADAL" clId="{34A2CF11-652E-6345-AC5C-A89FACA07C4E}" dt="2020-02-25T15:19:10.925" v="318" actId="2696"/>
+        <pc:sldMkLst>
+          <pc:docMk/>
+          <pc:sldMk cId="3595252648" sldId="614"/>
+        </pc:sldMkLst>
+        <pc:spChg chg="mod">
+          <ac:chgData name="Long B Nguyen" userId="f59fb8f3-a021-417a-8bc1-65c8d471c621" providerId="ADAL" clId="{34A2CF11-652E-6345-AC5C-A89FACA07C4E}" dt="2020-02-25T15:19:07.869" v="317"/>
+          <ac:spMkLst>
+            <pc:docMk/>
+            <pc:sldMk cId="3595252648" sldId="614"/>
+            <ac:spMk id="64514" creationId="{7788F03B-8D64-E645-BC3F-DBD76C93C456}"/>
+          </ac:spMkLst>
+        </pc:spChg>
+        <pc:spChg chg="mod">
+          <ac:chgData name="Long B Nguyen" userId="f59fb8f3-a021-417a-8bc1-65c8d471c621" providerId="ADAL" clId="{34A2CF11-652E-6345-AC5C-A89FACA07C4E}" dt="2020-02-25T15:18:46.486" v="310" actId="20577"/>
+          <ac:spMkLst>
+            <pc:docMk/>
+            <pc:sldMk cId="3595252648" sldId="614"/>
+            <ac:spMk id="65537" creationId="{86430671-77D5-6E4C-94A5-D61EB184D3ED}"/>
+          </ac:spMkLst>
+        </pc:spChg>
+      </pc:sldChg>
+      <pc:sldChg chg="modSp add">
+        <pc:chgData name="Long B Nguyen" userId="f59fb8f3-a021-417a-8bc1-65c8d471c621" providerId="ADAL" clId="{34A2CF11-652E-6345-AC5C-A89FACA07C4E}" dt="2020-02-25T15:21:23.981" v="339" actId="20577"/>
+        <pc:sldMkLst>
+          <pc:docMk/>
+          <pc:sldMk cId="1678415157" sldId="615"/>
+        </pc:sldMkLst>
+        <pc:spChg chg="mod">
+          <ac:chgData name="Long B Nguyen" userId="f59fb8f3-a021-417a-8bc1-65c8d471c621" providerId="ADAL" clId="{34A2CF11-652E-6345-AC5C-A89FACA07C4E}" dt="2020-02-25T15:19:50.819" v="327"/>
+          <ac:spMkLst>
+            <pc:docMk/>
+            <pc:sldMk cId="1678415157" sldId="615"/>
+            <ac:spMk id="64514" creationId="{7788F03B-8D64-E645-BC3F-DBD76C93C456}"/>
+          </ac:spMkLst>
+        </pc:spChg>
+        <pc:spChg chg="mod">
+          <ac:chgData name="Long B Nguyen" userId="f59fb8f3-a021-417a-8bc1-65c8d471c621" providerId="ADAL" clId="{34A2CF11-652E-6345-AC5C-A89FACA07C4E}" dt="2020-02-25T15:21:23.981" v="339" actId="20577"/>
+          <ac:spMkLst>
+            <pc:docMk/>
+            <pc:sldMk cId="1678415157" sldId="615"/>
+            <ac:spMk id="65537" creationId="{86430671-77D5-6E4C-94A5-D61EB184D3ED}"/>
+          </ac:spMkLst>
+        </pc:spChg>
+      </pc:sldChg>
+      <pc:sldChg chg="modSp add modAnim">
+        <pc:chgData name="Long B Nguyen" userId="f59fb8f3-a021-417a-8bc1-65c8d471c621" providerId="ADAL" clId="{34A2CF11-652E-6345-AC5C-A89FACA07C4E}" dt="2020-02-25T15:26:12.917" v="395" actId="20577"/>
+        <pc:sldMkLst>
+          <pc:docMk/>
+          <pc:sldMk cId="827202224" sldId="616"/>
+        </pc:sldMkLst>
+        <pc:spChg chg="mod">
+          <ac:chgData name="Long B Nguyen" userId="f59fb8f3-a021-417a-8bc1-65c8d471c621" providerId="ADAL" clId="{34A2CF11-652E-6345-AC5C-A89FACA07C4E}" dt="2020-02-25T15:25:36.066" v="381" actId="14100"/>
+          <ac:spMkLst>
+            <pc:docMk/>
+            <pc:sldMk cId="827202224" sldId="616"/>
+            <ac:spMk id="56322" creationId="{C6A7743F-88FF-7C47-8B09-99222CD5E28E}"/>
+          </ac:spMkLst>
+        </pc:spChg>
+        <pc:spChg chg="mod">
+          <ac:chgData name="Long B Nguyen" userId="f59fb8f3-a021-417a-8bc1-65c8d471c621" providerId="ADAL" clId="{34A2CF11-652E-6345-AC5C-A89FACA07C4E}" dt="2020-02-25T15:26:12.917" v="395" actId="20577"/>
+          <ac:spMkLst>
+            <pc:docMk/>
+            <pc:sldMk cId="827202224" sldId="616"/>
+            <ac:spMk id="57345" creationId="{CDA4A9B2-8639-C840-B975-2791E963EF68}"/>
+          </ac:spMkLst>
+        </pc:spChg>
+      </pc:sldChg>
+      <pc:sldChg chg="modSp add del">
+        <pc:chgData name="Long B Nguyen" userId="f59fb8f3-a021-417a-8bc1-65c8d471c621" providerId="ADAL" clId="{34A2CF11-652E-6345-AC5C-A89FACA07C4E}" dt="2020-02-25T15:24:04.912" v="356" actId="2696"/>
+        <pc:sldMkLst>
+          <pc:docMk/>
+          <pc:sldMk cId="2019408601" sldId="616"/>
+        </pc:sldMkLst>
+        <pc:spChg chg="mod">
+          <ac:chgData name="Long B Nguyen" userId="f59fb8f3-a021-417a-8bc1-65c8d471c621" providerId="ADAL" clId="{34A2CF11-652E-6345-AC5C-A89FACA07C4E}" dt="2020-02-25T15:23:49.972" v="355" actId="20577"/>
+          <ac:spMkLst>
+            <pc:docMk/>
+            <pc:sldMk cId="2019408601" sldId="616"/>
+            <ac:spMk id="57345" creationId="{CDA4A9B2-8639-C840-B975-2791E963EF68}"/>
+          </ac:spMkLst>
+        </pc:spChg>
+      </pc:sldChg>
+      <pc:sldChg chg="modSp add">
+        <pc:chgData name="Long B Nguyen" userId="f59fb8f3-a021-417a-8bc1-65c8d471c621" providerId="ADAL" clId="{34A2CF11-652E-6345-AC5C-A89FACA07C4E}" dt="2020-02-25T15:28:05.754" v="418" actId="14100"/>
+        <pc:sldMkLst>
+          <pc:docMk/>
+          <pc:sldMk cId="971732716" sldId="617"/>
+        </pc:sldMkLst>
+        <pc:spChg chg="mod">
+          <ac:chgData name="Long B Nguyen" userId="f59fb8f3-a021-417a-8bc1-65c8d471c621" providerId="ADAL" clId="{34A2CF11-652E-6345-AC5C-A89FACA07C4E}" dt="2020-02-25T15:28:05.754" v="418" actId="14100"/>
+          <ac:spMkLst>
+            <pc:docMk/>
+            <pc:sldMk cId="971732716" sldId="617"/>
+            <ac:spMk id="56322" creationId="{C6A7743F-88FF-7C47-8B09-99222CD5E28E}"/>
+          </ac:spMkLst>
+        </pc:spChg>
+        <pc:spChg chg="mod">
+          <ac:chgData name="Long B Nguyen" userId="f59fb8f3-a021-417a-8bc1-65c8d471c621" providerId="ADAL" clId="{34A2CF11-652E-6345-AC5C-A89FACA07C4E}" dt="2020-02-25T15:26:18.595" v="404" actId="20577"/>
+          <ac:spMkLst>
+            <pc:docMk/>
+            <pc:sldMk cId="971732716" sldId="617"/>
+            <ac:spMk id="57345" creationId="{CDA4A9B2-8639-C840-B975-2791E963EF68}"/>
+          </ac:spMkLst>
+        </pc:spChg>
+      </pc:sldChg>
+      <pc:sldChg chg="addSp modSp add">
+        <pc:chgData name="Long B Nguyen" userId="f59fb8f3-a021-417a-8bc1-65c8d471c621" providerId="ADAL" clId="{34A2CF11-652E-6345-AC5C-A89FACA07C4E}" dt="2020-02-25T16:13:27.291" v="1080" actId="692"/>
+        <pc:sldMkLst>
+          <pc:docMk/>
+          <pc:sldMk cId="1047995035" sldId="618"/>
+        </pc:sldMkLst>
+        <pc:spChg chg="add mod">
+          <ac:chgData name="Long B Nguyen" userId="f59fb8f3-a021-417a-8bc1-65c8d471c621" providerId="ADAL" clId="{34A2CF11-652E-6345-AC5C-A89FACA07C4E}" dt="2020-02-25T16:12:56.188" v="1066" actId="1076"/>
+          <ac:spMkLst>
+            <pc:docMk/>
+            <pc:sldMk cId="1047995035" sldId="618"/>
+            <ac:spMk id="2" creationId="{D2A0B21C-9D88-4849-A345-13DA31B7BEBE}"/>
+          </ac:spMkLst>
+        </pc:spChg>
+        <pc:cxnChg chg="add mod">
+          <ac:chgData name="Long B Nguyen" userId="f59fb8f3-a021-417a-8bc1-65c8d471c621" providerId="ADAL" clId="{34A2CF11-652E-6345-AC5C-A89FACA07C4E}" dt="2020-02-25T16:13:27.291" v="1080" actId="692"/>
+          <ac:cxnSpMkLst>
+            <pc:docMk/>
+            <pc:sldMk cId="1047995035" sldId="618"/>
+            <ac:cxnSpMk id="4" creationId="{804AE6D5-7B42-A24B-B53A-7220982FA483}"/>
+          </ac:cxnSpMkLst>
+        </pc:cxnChg>
+      </pc:sldChg>
+      <pc:sldChg chg="modSp add">
+        <pc:chgData name="Long B Nguyen" userId="f59fb8f3-a021-417a-8bc1-65c8d471c621" providerId="ADAL" clId="{34A2CF11-652E-6345-AC5C-A89FACA07C4E}" dt="2020-03-05T10:05:57.927" v="1422" actId="20577"/>
+        <pc:sldMkLst>
+          <pc:docMk/>
+          <pc:sldMk cId="1016158355" sldId="619"/>
+        </pc:sldMkLst>
+        <pc:spChg chg="mod">
+          <ac:chgData name="Long B Nguyen" userId="f59fb8f3-a021-417a-8bc1-65c8d471c621" providerId="ADAL" clId="{34A2CF11-652E-6345-AC5C-A89FACA07C4E}" dt="2020-03-05T10:05:57.927" v="1422" actId="20577"/>
+          <ac:spMkLst>
+            <pc:docMk/>
+            <pc:sldMk cId="1016158355" sldId="619"/>
+            <ac:spMk id="84994" creationId="{6971D443-43C5-2E43-8019-712D595D62F2}"/>
+          </ac:spMkLst>
+        </pc:spChg>
+      </pc:sldChg>
+      <pc:sldChg chg="modSp add">
+        <pc:chgData name="Long B Nguyen" userId="f59fb8f3-a021-417a-8bc1-65c8d471c621" providerId="ADAL" clId="{34A2CF11-652E-6345-AC5C-A89FACA07C4E}" dt="2020-02-25T16:00:03.623" v="759" actId="20577"/>
+        <pc:sldMkLst>
+          <pc:docMk/>
+          <pc:sldMk cId="4204323314" sldId="620"/>
+        </pc:sldMkLst>
+        <pc:spChg chg="mod">
+          <ac:chgData name="Long B Nguyen" userId="f59fb8f3-a021-417a-8bc1-65c8d471c621" providerId="ADAL" clId="{34A2CF11-652E-6345-AC5C-A89FACA07C4E}" dt="2020-02-25T16:00:03.623" v="759" actId="20577"/>
+          <ac:spMkLst>
+            <pc:docMk/>
+            <pc:sldMk cId="4204323314" sldId="620"/>
+            <ac:spMk id="84994" creationId="{6971D443-43C5-2E43-8019-712D595D62F2}"/>
+          </ac:spMkLst>
+        </pc:spChg>
+      </pc:sldChg>
+      <pc:sldChg chg="modSp add">
+        <pc:chgData name="Long B Nguyen" userId="f59fb8f3-a021-417a-8bc1-65c8d471c621" providerId="ADAL" clId="{34A2CF11-652E-6345-AC5C-A89FACA07C4E}" dt="2020-02-25T16:05:30.380" v="1035" actId="20577"/>
+        <pc:sldMkLst>
+          <pc:docMk/>
+          <pc:sldMk cId="1162857972" sldId="621"/>
+        </pc:sldMkLst>
+        <pc:spChg chg="mod">
+          <ac:chgData name="Long B Nguyen" userId="f59fb8f3-a021-417a-8bc1-65c8d471c621" providerId="ADAL" clId="{34A2CF11-652E-6345-AC5C-A89FACA07C4E}" dt="2020-02-25T16:05:30.380" v="1035" actId="20577"/>
+          <ac:spMkLst>
+            <pc:docMk/>
+            <pc:sldMk cId="1162857972" sldId="621"/>
+            <ac:spMk id="84994" creationId="{6971D443-43C5-2E43-8019-712D595D62F2}"/>
+          </ac:spMkLst>
+        </pc:spChg>
+      </pc:sldChg>
+      <pc:sldChg chg="add del">
+        <pc:chgData name="Long B Nguyen" userId="f59fb8f3-a021-417a-8bc1-65c8d471c621" providerId="ADAL" clId="{34A2CF11-652E-6345-AC5C-A89FACA07C4E}" dt="2020-02-25T16:03:03.964" v="864"/>
+        <pc:sldMkLst>
+          <pc:docMk/>
+          <pc:sldMk cId="800137632" sldId="622"/>
+        </pc:sldMkLst>
+      </pc:sldChg>
+      <pc:sldChg chg="add del">
+        <pc:chgData name="Long B Nguyen" userId="f59fb8f3-a021-417a-8bc1-65c8d471c621" providerId="ADAL" clId="{34A2CF11-652E-6345-AC5C-A89FACA07C4E}" dt="2020-02-25T16:03:17.168" v="866"/>
+        <pc:sldMkLst>
+          <pc:docMk/>
+          <pc:sldMk cId="2516517495" sldId="622"/>
+        </pc:sldMkLst>
+      </pc:sldChg>
+      <pc:sldChg chg="delSp modSp add">
+        <pc:chgData name="Long B Nguyen" userId="f59fb8f3-a021-417a-8bc1-65c8d471c621" providerId="ADAL" clId="{34A2CF11-652E-6345-AC5C-A89FACA07C4E}" dt="2020-02-25T16:19:48.413" v="1359" actId="20577"/>
+        <pc:sldMkLst>
+          <pc:docMk/>
+          <pc:sldMk cId="2765543401" sldId="622"/>
+        </pc:sldMkLst>
+        <pc:spChg chg="del">
+          <ac:chgData name="Long B Nguyen" userId="f59fb8f3-a021-417a-8bc1-65c8d471c621" providerId="ADAL" clId="{34A2CF11-652E-6345-AC5C-A89FACA07C4E}" dt="2020-02-25T16:14:55.037" v="1083" actId="478"/>
+          <ac:spMkLst>
+            <pc:docMk/>
+            <pc:sldMk cId="2765543401" sldId="622"/>
+            <ac:spMk id="2" creationId="{D2A0B21C-9D88-4849-A345-13DA31B7BEBE}"/>
+          </ac:spMkLst>
+        </pc:spChg>
+        <pc:spChg chg="mod">
+          <ac:chgData name="Long B Nguyen" userId="f59fb8f3-a021-417a-8bc1-65c8d471c621" providerId="ADAL" clId="{34A2CF11-652E-6345-AC5C-A89FACA07C4E}" dt="2020-02-25T16:19:48.413" v="1359" actId="20577"/>
+          <ac:spMkLst>
+            <pc:docMk/>
+            <pc:sldMk cId="2765543401" sldId="622"/>
+            <ac:spMk id="84993" creationId="{C169A412-E2F9-004D-A0EF-86F1C409823C}"/>
+          </ac:spMkLst>
+        </pc:spChg>
+        <pc:spChg chg="mod">
+          <ac:chgData name="Long B Nguyen" userId="f59fb8f3-a021-417a-8bc1-65c8d471c621" providerId="ADAL" clId="{34A2CF11-652E-6345-AC5C-A89FACA07C4E}" dt="2020-02-25T16:15:58.869" v="1141" actId="20577"/>
+          <ac:spMkLst>
+            <pc:docMk/>
+            <pc:sldMk cId="2765543401" sldId="622"/>
+            <ac:spMk id="84994" creationId="{6971D443-43C5-2E43-8019-712D595D62F2}"/>
+          </ac:spMkLst>
+        </pc:spChg>
+        <pc:picChg chg="del">
+          <ac:chgData name="Long B Nguyen" userId="f59fb8f3-a021-417a-8bc1-65c8d471c621" providerId="ADAL" clId="{34A2CF11-652E-6345-AC5C-A89FACA07C4E}" dt="2020-02-25T16:14:53.215" v="1082" actId="478"/>
+          <ac:picMkLst>
+            <pc:docMk/>
+            <pc:sldMk cId="2765543401" sldId="622"/>
+            <ac:picMk id="84995" creationId="{D74B79FF-3957-A841-989F-1A7CCA0A7940}"/>
+          </ac:picMkLst>
+        </pc:picChg>
+        <pc:cxnChg chg="del">
+          <ac:chgData name="Long B Nguyen" userId="f59fb8f3-a021-417a-8bc1-65c8d471c621" providerId="ADAL" clId="{34A2CF11-652E-6345-AC5C-A89FACA07C4E}" dt="2020-02-25T16:14:56.245" v="1084" actId="478"/>
+          <ac:cxnSpMkLst>
+            <pc:docMk/>
+            <pc:sldMk cId="2765543401" sldId="622"/>
+            <ac:cxnSpMk id="4" creationId="{804AE6D5-7B42-A24B-B53A-7220982FA483}"/>
+          </ac:cxnSpMkLst>
+        </pc:cxnChg>
+      </pc:sldChg>
+      <pc:sldChg chg="modSp add">
+        <pc:chgData name="Long B Nguyen" userId="f59fb8f3-a021-417a-8bc1-65c8d471c621" providerId="ADAL" clId="{34A2CF11-652E-6345-AC5C-A89FACA07C4E}" dt="2020-02-25T16:19:36.680" v="1349" actId="20577"/>
+        <pc:sldMkLst>
+          <pc:docMk/>
+          <pc:sldMk cId="3553270583" sldId="623"/>
+        </pc:sldMkLst>
+        <pc:spChg chg="mod">
+          <ac:chgData name="Long B Nguyen" userId="f59fb8f3-a021-417a-8bc1-65c8d471c621" providerId="ADAL" clId="{34A2CF11-652E-6345-AC5C-A89FACA07C4E}" dt="2020-02-25T16:19:36.680" v="1349" actId="20577"/>
+          <ac:spMkLst>
+            <pc:docMk/>
+            <pc:sldMk cId="3553270583" sldId="623"/>
+            <ac:spMk id="84993" creationId="{C169A412-E2F9-004D-A0EF-86F1C409823C}"/>
+          </ac:spMkLst>
+        </pc:spChg>
+        <pc:spChg chg="mod">
+          <ac:chgData name="Long B Nguyen" userId="f59fb8f3-a021-417a-8bc1-65c8d471c621" providerId="ADAL" clId="{34A2CF11-652E-6345-AC5C-A89FACA07C4E}" dt="2020-02-25T16:19:30.447" v="1328" actId="20577"/>
+          <ac:spMkLst>
+            <pc:docMk/>
+            <pc:sldMk cId="3553270583" sldId="623"/>
+            <ac:spMk id="84994" creationId="{6971D443-43C5-2E43-8019-712D595D62F2}"/>
+          </ac:spMkLst>
+        </pc:spChg>
+      </pc:sldChg>
+    </pc:docChg>
+  </pc:docChgLst>
+  <pc:docChgLst>
     <pc:chgData name="Long B Nguyen" userId="f59fb8f3-a021-417a-8bc1-65c8d471c621" providerId="ADAL" clId="{0DD70757-F9C8-C84D-8AD6-11F473F39870}"/>
     <pc:docChg chg="custSel addSld delSld modSld">
       <pc:chgData name="Long B Nguyen" userId="f59fb8f3-a021-417a-8bc1-65c8d471c621" providerId="ADAL" clId="{0DD70757-F9C8-C84D-8AD6-11F473F39870}" dt="2021-04-12T13:18:36.349" v="3339"/>
@@ -1562,893 +2449,6 @@
             <ac:picMk id="5" creationId="{8EF09A9B-4B37-5645-B19E-A31F545E03A5}"/>
           </ac:picMkLst>
         </pc:picChg>
-      </pc:sldChg>
-    </pc:docChg>
-  </pc:docChgLst>
-  <pc:docChgLst>
-    <pc:chgData name="Long B Nguyen" userId="f59fb8f3-a021-417a-8bc1-65c8d471c621" providerId="ADAL" clId="{34A2CF11-652E-6345-AC5C-A89FACA07C4E}"/>
-    <pc:docChg chg="custSel addSld delSld modSld">
-      <pc:chgData name="Long B Nguyen" userId="f59fb8f3-a021-417a-8bc1-65c8d471c621" providerId="ADAL" clId="{34A2CF11-652E-6345-AC5C-A89FACA07C4E}" dt="2020-03-05T10:05:57.927" v="1422" actId="20577"/>
-      <pc:docMkLst>
-        <pc:docMk/>
-      </pc:docMkLst>
-      <pc:sldChg chg="del">
-        <pc:chgData name="Long B Nguyen" userId="f59fb8f3-a021-417a-8bc1-65c8d471c621" providerId="ADAL" clId="{34A2CF11-652E-6345-AC5C-A89FACA07C4E}" dt="2020-02-25T16:20:06.450" v="1360" actId="2696"/>
-        <pc:sldMkLst>
-          <pc:docMk/>
-          <pc:sldMk cId="623736032" sldId="485"/>
-        </pc:sldMkLst>
-      </pc:sldChg>
-      <pc:sldChg chg="modSp modAnim">
-        <pc:chgData name="Long B Nguyen" userId="f59fb8f3-a021-417a-8bc1-65c8d471c621" providerId="ADAL" clId="{34A2CF11-652E-6345-AC5C-A89FACA07C4E}" dt="2020-02-28T13:54:19.243" v="1410" actId="20577"/>
-        <pc:sldMkLst>
-          <pc:docMk/>
-          <pc:sldMk cId="3813527744" sldId="527"/>
-        </pc:sldMkLst>
-        <pc:spChg chg="mod">
-          <ac:chgData name="Long B Nguyen" userId="f59fb8f3-a021-417a-8bc1-65c8d471c621" providerId="ADAL" clId="{34A2CF11-652E-6345-AC5C-A89FACA07C4E}" dt="2020-02-28T13:54:19.243" v="1410" actId="20577"/>
-          <ac:spMkLst>
-            <pc:docMk/>
-            <pc:sldMk cId="3813527744" sldId="527"/>
-            <ac:spMk id="17410" creationId="{C9772176-DC13-F64D-AC00-58F2A4791B97}"/>
-          </ac:spMkLst>
-        </pc:spChg>
-      </pc:sldChg>
-      <pc:sldChg chg="modSp">
-        <pc:chgData name="Long B Nguyen" userId="f59fb8f3-a021-417a-8bc1-65c8d471c621" providerId="ADAL" clId="{34A2CF11-652E-6345-AC5C-A89FACA07C4E}" dt="2020-02-25T15:08:00.858" v="55" actId="255"/>
-        <pc:sldMkLst>
-          <pc:docMk/>
-          <pc:sldMk cId="1445950413" sldId="528"/>
-        </pc:sldMkLst>
-        <pc:spChg chg="mod">
-          <ac:chgData name="Long B Nguyen" userId="f59fb8f3-a021-417a-8bc1-65c8d471c621" providerId="ADAL" clId="{34A2CF11-652E-6345-AC5C-A89FACA07C4E}" dt="2020-02-25T15:08:00.858" v="55" actId="255"/>
-          <ac:spMkLst>
-            <pc:docMk/>
-            <pc:sldMk cId="1445950413" sldId="528"/>
-            <ac:spMk id="27651" creationId="{DCF5F58B-FD97-FE43-BD35-9AA575595114}"/>
-          </ac:spMkLst>
-        </pc:spChg>
-      </pc:sldChg>
-      <pc:sldChg chg="modSp modAnim">
-        <pc:chgData name="Long B Nguyen" userId="f59fb8f3-a021-417a-8bc1-65c8d471c621" providerId="ADAL" clId="{34A2CF11-652E-6345-AC5C-A89FACA07C4E}" dt="2020-02-28T13:56:32.314" v="1412" actId="20577"/>
-        <pc:sldMkLst>
-          <pc:docMk/>
-          <pc:sldMk cId="1720314276" sldId="566"/>
-        </pc:sldMkLst>
-        <pc:spChg chg="mod">
-          <ac:chgData name="Long B Nguyen" userId="f59fb8f3-a021-417a-8bc1-65c8d471c621" providerId="ADAL" clId="{34A2CF11-652E-6345-AC5C-A89FACA07C4E}" dt="2020-02-25T15:07:35.151" v="50" actId="1076"/>
-          <ac:spMkLst>
-            <pc:docMk/>
-            <pc:sldMk cId="1720314276" sldId="566"/>
-            <ac:spMk id="25601" creationId="{DE009A6C-99D8-1641-8A8A-B18B81FC62CD}"/>
-          </ac:spMkLst>
-        </pc:spChg>
-        <pc:spChg chg="mod">
-          <ac:chgData name="Long B Nguyen" userId="f59fb8f3-a021-417a-8bc1-65c8d471c621" providerId="ADAL" clId="{34A2CF11-652E-6345-AC5C-A89FACA07C4E}" dt="2020-02-28T13:56:32.314" v="1412" actId="20577"/>
-          <ac:spMkLst>
-            <pc:docMk/>
-            <pc:sldMk cId="1720314276" sldId="566"/>
-            <ac:spMk id="25602" creationId="{CB052219-FFAE-0F41-8A86-C30BB9EF6F35}"/>
-          </ac:spMkLst>
-        </pc:spChg>
-      </pc:sldChg>
-      <pc:sldChg chg="modSp modAnim">
-        <pc:chgData name="Long B Nguyen" userId="f59fb8f3-a021-417a-8bc1-65c8d471c621" providerId="ADAL" clId="{34A2CF11-652E-6345-AC5C-A89FACA07C4E}" dt="2020-02-25T15:09:21.882" v="167" actId="20577"/>
-        <pc:sldMkLst>
-          <pc:docMk/>
-          <pc:sldMk cId="198395083" sldId="567"/>
-        </pc:sldMkLst>
-        <pc:spChg chg="mod">
-          <ac:chgData name="Long B Nguyen" userId="f59fb8f3-a021-417a-8bc1-65c8d471c621" providerId="ADAL" clId="{34A2CF11-652E-6345-AC5C-A89FACA07C4E}" dt="2020-02-25T15:04:29.039" v="8" actId="1076"/>
-          <ac:spMkLst>
-            <pc:docMk/>
-            <pc:sldMk cId="198395083" sldId="567"/>
-            <ac:spMk id="27649" creationId="{84C172EC-4FFF-674B-98FB-C1FB0C2BD605}"/>
-          </ac:spMkLst>
-        </pc:spChg>
-        <pc:spChg chg="mod">
-          <ac:chgData name="Long B Nguyen" userId="f59fb8f3-a021-417a-8bc1-65c8d471c621" providerId="ADAL" clId="{34A2CF11-652E-6345-AC5C-A89FACA07C4E}" dt="2020-02-25T15:09:21.882" v="167" actId="20577"/>
-          <ac:spMkLst>
-            <pc:docMk/>
-            <pc:sldMk cId="198395083" sldId="567"/>
-            <ac:spMk id="27650" creationId="{5760563D-95CB-F842-9A06-99DB9A606240}"/>
-          </ac:spMkLst>
-        </pc:spChg>
-      </pc:sldChg>
-      <pc:sldChg chg="modSp">
-        <pc:chgData name="Long B Nguyen" userId="f59fb8f3-a021-417a-8bc1-65c8d471c621" providerId="ADAL" clId="{34A2CF11-652E-6345-AC5C-A89FACA07C4E}" dt="2020-02-25T15:05:17.624" v="22" actId="1076"/>
-        <pc:sldMkLst>
-          <pc:docMk/>
-          <pc:sldMk cId="1070622160" sldId="568"/>
-        </pc:sldMkLst>
-        <pc:spChg chg="mod">
-          <ac:chgData name="Long B Nguyen" userId="f59fb8f3-a021-417a-8bc1-65c8d471c621" providerId="ADAL" clId="{34A2CF11-652E-6345-AC5C-A89FACA07C4E}" dt="2020-02-25T15:04:56.343" v="16" actId="1076"/>
-          <ac:spMkLst>
-            <pc:docMk/>
-            <pc:sldMk cId="1070622160" sldId="568"/>
-            <ac:spMk id="29697" creationId="{FE344302-6250-2241-8F6D-C448D16804F4}"/>
-          </ac:spMkLst>
-        </pc:spChg>
-        <pc:spChg chg="mod">
-          <ac:chgData name="Long B Nguyen" userId="f59fb8f3-a021-417a-8bc1-65c8d471c621" providerId="ADAL" clId="{34A2CF11-652E-6345-AC5C-A89FACA07C4E}" dt="2020-02-25T15:05:08.271" v="21" actId="5793"/>
-          <ac:spMkLst>
-            <pc:docMk/>
-            <pc:sldMk cId="1070622160" sldId="568"/>
-            <ac:spMk id="29698" creationId="{E66559DC-645B-874B-9A56-EC803A4B4B92}"/>
-          </ac:spMkLst>
-        </pc:spChg>
-        <pc:picChg chg="mod">
-          <ac:chgData name="Long B Nguyen" userId="f59fb8f3-a021-417a-8bc1-65c8d471c621" providerId="ADAL" clId="{34A2CF11-652E-6345-AC5C-A89FACA07C4E}" dt="2020-02-25T15:05:17.624" v="22" actId="1076"/>
-          <ac:picMkLst>
-            <pc:docMk/>
-            <pc:sldMk cId="1070622160" sldId="568"/>
-            <ac:picMk id="29699" creationId="{090A5754-8CAB-3747-8068-84BA02EDFD26}"/>
-          </ac:picMkLst>
-        </pc:picChg>
-      </pc:sldChg>
-      <pc:sldChg chg="modSp modAnim">
-        <pc:chgData name="Long B Nguyen" userId="f59fb8f3-a021-417a-8bc1-65c8d471c621" providerId="ADAL" clId="{34A2CF11-652E-6345-AC5C-A89FACA07C4E}" dt="2020-02-25T15:11:25.959" v="181" actId="20577"/>
-        <pc:sldMkLst>
-          <pc:docMk/>
-          <pc:sldMk cId="4001486838" sldId="570"/>
-        </pc:sldMkLst>
-        <pc:spChg chg="mod">
-          <ac:chgData name="Long B Nguyen" userId="f59fb8f3-a021-417a-8bc1-65c8d471c621" providerId="ADAL" clId="{34A2CF11-652E-6345-AC5C-A89FACA07C4E}" dt="2020-02-25T15:10:37.671" v="176" actId="1076"/>
-          <ac:spMkLst>
-            <pc:docMk/>
-            <pc:sldMk cId="4001486838" sldId="570"/>
-            <ac:spMk id="39937" creationId="{7CD89787-5856-7640-A8D5-FF2B48692349}"/>
-          </ac:spMkLst>
-        </pc:spChg>
-        <pc:spChg chg="mod">
-          <ac:chgData name="Long B Nguyen" userId="f59fb8f3-a021-417a-8bc1-65c8d471c621" providerId="ADAL" clId="{34A2CF11-652E-6345-AC5C-A89FACA07C4E}" dt="2020-02-25T15:11:25.959" v="181" actId="20577"/>
-          <ac:spMkLst>
-            <pc:docMk/>
-            <pc:sldMk cId="4001486838" sldId="570"/>
-            <ac:spMk id="39938" creationId="{6D60C863-7ABD-3143-ABF5-601EEB054571}"/>
-          </ac:spMkLst>
-        </pc:spChg>
-      </pc:sldChg>
-      <pc:sldChg chg="modSp">
-        <pc:chgData name="Long B Nguyen" userId="f59fb8f3-a021-417a-8bc1-65c8d471c621" providerId="ADAL" clId="{34A2CF11-652E-6345-AC5C-A89FACA07C4E}" dt="2020-02-25T15:05:41.826" v="30" actId="5793"/>
-        <pc:sldMkLst>
-          <pc:docMk/>
-          <pc:sldMk cId="2901569448" sldId="571"/>
-        </pc:sldMkLst>
-        <pc:spChg chg="mod">
-          <ac:chgData name="Long B Nguyen" userId="f59fb8f3-a021-417a-8bc1-65c8d471c621" providerId="ADAL" clId="{34A2CF11-652E-6345-AC5C-A89FACA07C4E}" dt="2020-02-25T15:05:31.134" v="26" actId="1076"/>
-          <ac:spMkLst>
-            <pc:docMk/>
-            <pc:sldMk cId="2901569448" sldId="571"/>
-            <ac:spMk id="31745" creationId="{C5308C83-3686-0243-B14A-C98C71EB681A}"/>
-          </ac:spMkLst>
-        </pc:spChg>
-        <pc:spChg chg="mod">
-          <ac:chgData name="Long B Nguyen" userId="f59fb8f3-a021-417a-8bc1-65c8d471c621" providerId="ADAL" clId="{34A2CF11-652E-6345-AC5C-A89FACA07C4E}" dt="2020-02-25T15:05:41.826" v="30" actId="5793"/>
-          <ac:spMkLst>
-            <pc:docMk/>
-            <pc:sldMk cId="2901569448" sldId="571"/>
-            <ac:spMk id="31746" creationId="{CA1C5CB3-5B3D-4641-9849-F15DD036946A}"/>
-          </ac:spMkLst>
-        </pc:spChg>
-      </pc:sldChg>
-      <pc:sldChg chg="modSp">
-        <pc:chgData name="Long B Nguyen" userId="f59fb8f3-a021-417a-8bc1-65c8d471c621" providerId="ADAL" clId="{34A2CF11-652E-6345-AC5C-A89FACA07C4E}" dt="2020-02-25T15:10:25.707" v="172" actId="14100"/>
-        <pc:sldMkLst>
-          <pc:docMk/>
-          <pc:sldMk cId="2135159274" sldId="573"/>
-        </pc:sldMkLst>
-        <pc:spChg chg="mod">
-          <ac:chgData name="Long B Nguyen" userId="f59fb8f3-a021-417a-8bc1-65c8d471c621" providerId="ADAL" clId="{34A2CF11-652E-6345-AC5C-A89FACA07C4E}" dt="2020-02-25T15:10:25.707" v="172" actId="14100"/>
-          <ac:spMkLst>
-            <pc:docMk/>
-            <pc:sldMk cId="2135159274" sldId="573"/>
-            <ac:spMk id="37890" creationId="{D5A7A0E7-48AA-5144-A3FE-3363DFC01CF5}"/>
-          </ac:spMkLst>
-        </pc:spChg>
-      </pc:sldChg>
-      <pc:sldChg chg="modSp">
-        <pc:chgData name="Long B Nguyen" userId="f59fb8f3-a021-417a-8bc1-65c8d471c621" providerId="ADAL" clId="{34A2CF11-652E-6345-AC5C-A89FACA07C4E}" dt="2020-02-25T15:15:06.511" v="228" actId="1076"/>
-        <pc:sldMkLst>
-          <pc:docMk/>
-          <pc:sldMk cId="3391101355" sldId="575"/>
-        </pc:sldMkLst>
-        <pc:spChg chg="mod">
-          <ac:chgData name="Long B Nguyen" userId="f59fb8f3-a021-417a-8bc1-65c8d471c621" providerId="ADAL" clId="{34A2CF11-652E-6345-AC5C-A89FACA07C4E}" dt="2020-02-25T15:15:00.887" v="226" actId="5793"/>
-          <ac:spMkLst>
-            <pc:docMk/>
-            <pc:sldMk cId="3391101355" sldId="575"/>
-            <ac:spMk id="27651" creationId="{47FD0DF8-5133-F34E-AB80-6AF0E271D1FF}"/>
-          </ac:spMkLst>
-        </pc:spChg>
-        <pc:spChg chg="mod">
-          <ac:chgData name="Long B Nguyen" userId="f59fb8f3-a021-417a-8bc1-65c8d471c621" providerId="ADAL" clId="{34A2CF11-652E-6345-AC5C-A89FACA07C4E}" dt="2020-02-25T15:15:06.511" v="228" actId="1076"/>
-          <ac:spMkLst>
-            <pc:docMk/>
-            <pc:sldMk cId="3391101355" sldId="575"/>
-            <ac:spMk id="59393" creationId="{0845453A-A29A-9A42-9905-72E41E15DA8F}"/>
-          </ac:spMkLst>
-        </pc:spChg>
-      </pc:sldChg>
-      <pc:sldChg chg="modSp">
-        <pc:chgData name="Long B Nguyen" userId="f59fb8f3-a021-417a-8bc1-65c8d471c621" providerId="ADAL" clId="{34A2CF11-652E-6345-AC5C-A89FACA07C4E}" dt="2020-02-25T15:13:13.689" v="198" actId="5793"/>
-        <pc:sldMkLst>
-          <pc:docMk/>
-          <pc:sldMk cId="3275116272" sldId="576"/>
-        </pc:sldMkLst>
-        <pc:spChg chg="mod">
-          <ac:chgData name="Long B Nguyen" userId="f59fb8f3-a021-417a-8bc1-65c8d471c621" providerId="ADAL" clId="{34A2CF11-652E-6345-AC5C-A89FACA07C4E}" dt="2020-02-25T15:13:13.689" v="198" actId="5793"/>
-          <ac:spMkLst>
-            <pc:docMk/>
-            <pc:sldMk cId="3275116272" sldId="576"/>
-            <ac:spMk id="54274" creationId="{6A77A454-E9F7-204D-9394-2BA466B041AA}"/>
-          </ac:spMkLst>
-        </pc:spChg>
-        <pc:spChg chg="mod">
-          <ac:chgData name="Long B Nguyen" userId="f59fb8f3-a021-417a-8bc1-65c8d471c621" providerId="ADAL" clId="{34A2CF11-652E-6345-AC5C-A89FACA07C4E}" dt="2020-02-25T15:13:00.991" v="192" actId="1076"/>
-          <ac:spMkLst>
-            <pc:docMk/>
-            <pc:sldMk cId="3275116272" sldId="576"/>
-            <ac:spMk id="55297" creationId="{D1309B3C-E6F6-2741-82EB-369B5DBEE833}"/>
-          </ac:spMkLst>
-        </pc:spChg>
-      </pc:sldChg>
-      <pc:sldChg chg="modSp modAnim">
-        <pc:chgData name="Long B Nguyen" userId="f59fb8f3-a021-417a-8bc1-65c8d471c621" providerId="ADAL" clId="{34A2CF11-652E-6345-AC5C-A89FACA07C4E}" dt="2020-02-25T15:06:05.921" v="39" actId="20577"/>
-        <pc:sldMkLst>
-          <pc:docMk/>
-          <pc:sldMk cId="1727266702" sldId="578"/>
-        </pc:sldMkLst>
-        <pc:spChg chg="mod">
-          <ac:chgData name="Long B Nguyen" userId="f59fb8f3-a021-417a-8bc1-65c8d471c621" providerId="ADAL" clId="{34A2CF11-652E-6345-AC5C-A89FACA07C4E}" dt="2020-02-25T15:05:51.316" v="32" actId="1076"/>
-          <ac:spMkLst>
-            <pc:docMk/>
-            <pc:sldMk cId="1727266702" sldId="578"/>
-            <ac:spMk id="33793" creationId="{3553DE6C-30A9-C943-BBC0-80F5551E5745}"/>
-          </ac:spMkLst>
-        </pc:spChg>
-        <pc:spChg chg="mod">
-          <ac:chgData name="Long B Nguyen" userId="f59fb8f3-a021-417a-8bc1-65c8d471c621" providerId="ADAL" clId="{34A2CF11-652E-6345-AC5C-A89FACA07C4E}" dt="2020-02-25T15:06:05.921" v="39" actId="20577"/>
-          <ac:spMkLst>
-            <pc:docMk/>
-            <pc:sldMk cId="1727266702" sldId="578"/>
-            <ac:spMk id="33794" creationId="{1B9931B8-23E4-C546-8529-25A8A3CB57FD}"/>
-          </ac:spMkLst>
-        </pc:spChg>
-      </pc:sldChg>
-      <pc:sldChg chg="modSp">
-        <pc:chgData name="Long B Nguyen" userId="f59fb8f3-a021-417a-8bc1-65c8d471c621" providerId="ADAL" clId="{34A2CF11-652E-6345-AC5C-A89FACA07C4E}" dt="2020-02-25T15:10:09.921" v="168" actId="2711"/>
-        <pc:sldMkLst>
-          <pc:docMk/>
-          <pc:sldMk cId="665490485" sldId="579"/>
-        </pc:sldMkLst>
-        <pc:spChg chg="mod">
-          <ac:chgData name="Long B Nguyen" userId="f59fb8f3-a021-417a-8bc1-65c8d471c621" providerId="ADAL" clId="{34A2CF11-652E-6345-AC5C-A89FACA07C4E}" dt="2020-02-25T15:06:19.876" v="43" actId="1076"/>
-          <ac:spMkLst>
-            <pc:docMk/>
-            <pc:sldMk cId="665490485" sldId="579"/>
-            <ac:spMk id="35841" creationId="{10C91E1B-6F62-5440-A8B3-71AEF2909C3E}"/>
-          </ac:spMkLst>
-        </pc:spChg>
-        <pc:spChg chg="mod">
-          <ac:chgData name="Long B Nguyen" userId="f59fb8f3-a021-417a-8bc1-65c8d471c621" providerId="ADAL" clId="{34A2CF11-652E-6345-AC5C-A89FACA07C4E}" dt="2020-02-25T15:10:09.921" v="168" actId="2711"/>
-          <ac:spMkLst>
-            <pc:docMk/>
-            <pc:sldMk cId="665490485" sldId="579"/>
-            <ac:spMk id="35842" creationId="{C6DC7E6C-DF38-9748-B0D1-7D7B63795E45}"/>
-          </ac:spMkLst>
-        </pc:spChg>
-      </pc:sldChg>
-      <pc:sldChg chg="addSp delSp modSp modAnim">
-        <pc:chgData name="Long B Nguyen" userId="f59fb8f3-a021-417a-8bc1-65c8d471c621" providerId="ADAL" clId="{34A2CF11-652E-6345-AC5C-A89FACA07C4E}" dt="2020-02-28T14:46:23.469" v="1418" actId="113"/>
-        <pc:sldMkLst>
-          <pc:docMk/>
-          <pc:sldMk cId="1237537268" sldId="583"/>
-        </pc:sldMkLst>
-        <pc:spChg chg="add del mod">
-          <ac:chgData name="Long B Nguyen" userId="f59fb8f3-a021-417a-8bc1-65c8d471c621" providerId="ADAL" clId="{34A2CF11-652E-6345-AC5C-A89FACA07C4E}" dt="2020-02-25T15:14:51.352" v="222"/>
-          <ac:spMkLst>
-            <pc:docMk/>
-            <pc:sldMk cId="1237537268" sldId="583"/>
-            <ac:spMk id="2" creationId="{ED646CD3-F452-494F-9C6B-294938DD2A28}"/>
-          </ac:spMkLst>
-        </pc:spChg>
-        <pc:spChg chg="mod">
-          <ac:chgData name="Long B Nguyen" userId="f59fb8f3-a021-417a-8bc1-65c8d471c621" providerId="ADAL" clId="{34A2CF11-652E-6345-AC5C-A89FACA07C4E}" dt="2020-02-28T14:46:23.469" v="1418" actId="113"/>
-          <ac:spMkLst>
-            <pc:docMk/>
-            <pc:sldMk cId="1237537268" sldId="583"/>
-            <ac:spMk id="56322" creationId="{C6A7743F-88FF-7C47-8B09-99222CD5E28E}"/>
-          </ac:spMkLst>
-        </pc:spChg>
-        <pc:spChg chg="mod">
-          <ac:chgData name="Long B Nguyen" userId="f59fb8f3-a021-417a-8bc1-65c8d471c621" providerId="ADAL" clId="{34A2CF11-652E-6345-AC5C-A89FACA07C4E}" dt="2020-02-25T15:14:05.982" v="209" actId="1076"/>
-          <ac:spMkLst>
-            <pc:docMk/>
-            <pc:sldMk cId="1237537268" sldId="583"/>
-            <ac:spMk id="57345" creationId="{CDA4A9B2-8639-C840-B975-2791E963EF68}"/>
-          </ac:spMkLst>
-        </pc:spChg>
-      </pc:sldChg>
-      <pc:sldChg chg="modSp">
-        <pc:chgData name="Long B Nguyen" userId="f59fb8f3-a021-417a-8bc1-65c8d471c621" providerId="ADAL" clId="{34A2CF11-652E-6345-AC5C-A89FACA07C4E}" dt="2020-02-25T15:15:56.112" v="245" actId="20577"/>
-        <pc:sldMkLst>
-          <pc:docMk/>
-          <pc:sldMk cId="4256317276" sldId="584"/>
-        </pc:sldMkLst>
-        <pc:spChg chg="mod">
-          <ac:chgData name="Long B Nguyen" userId="f59fb8f3-a021-417a-8bc1-65c8d471c621" providerId="ADAL" clId="{34A2CF11-652E-6345-AC5C-A89FACA07C4E}" dt="2020-02-25T15:15:56.112" v="245" actId="20577"/>
-          <ac:spMkLst>
-            <pc:docMk/>
-            <pc:sldMk cId="4256317276" sldId="584"/>
-            <ac:spMk id="62466" creationId="{000A13C9-560A-5C49-962A-A1D927D320E7}"/>
-          </ac:spMkLst>
-        </pc:spChg>
-        <pc:spChg chg="mod">
-          <ac:chgData name="Long B Nguyen" userId="f59fb8f3-a021-417a-8bc1-65c8d471c621" providerId="ADAL" clId="{34A2CF11-652E-6345-AC5C-A89FACA07C4E}" dt="2020-02-25T15:15:43.613" v="238" actId="1076"/>
-          <ac:spMkLst>
-            <pc:docMk/>
-            <pc:sldMk cId="4256317276" sldId="584"/>
-            <ac:spMk id="63489" creationId="{06AE9859-A2B0-6240-B232-7259A57B6F5E}"/>
-          </ac:spMkLst>
-        </pc:spChg>
-      </pc:sldChg>
-      <pc:sldChg chg="modSp modAnim">
-        <pc:chgData name="Long B Nguyen" userId="f59fb8f3-a021-417a-8bc1-65c8d471c621" providerId="ADAL" clId="{34A2CF11-652E-6345-AC5C-A89FACA07C4E}" dt="2020-02-25T15:23:21.337" v="341" actId="255"/>
-        <pc:sldMkLst>
-          <pc:docMk/>
-          <pc:sldMk cId="3977893820" sldId="585"/>
-        </pc:sldMkLst>
-        <pc:spChg chg="mod">
-          <ac:chgData name="Long B Nguyen" userId="f59fb8f3-a021-417a-8bc1-65c8d471c621" providerId="ADAL" clId="{34A2CF11-652E-6345-AC5C-A89FACA07C4E}" dt="2020-02-25T15:23:21.337" v="341" actId="255"/>
-          <ac:spMkLst>
-            <pc:docMk/>
-            <pc:sldMk cId="3977893820" sldId="585"/>
-            <ac:spMk id="64514" creationId="{7788F03B-8D64-E645-BC3F-DBD76C93C456}"/>
-          </ac:spMkLst>
-        </pc:spChg>
-        <pc:spChg chg="mod">
-          <ac:chgData name="Long B Nguyen" userId="f59fb8f3-a021-417a-8bc1-65c8d471c621" providerId="ADAL" clId="{34A2CF11-652E-6345-AC5C-A89FACA07C4E}" dt="2020-02-25T15:16:10.848" v="249" actId="1076"/>
-          <ac:spMkLst>
-            <pc:docMk/>
-            <pc:sldMk cId="3977893820" sldId="585"/>
-            <ac:spMk id="65537" creationId="{86430671-77D5-6E4C-94A5-D61EB184D3ED}"/>
-          </ac:spMkLst>
-        </pc:spChg>
-      </pc:sldChg>
-      <pc:sldChg chg="modSp modAnim">
-        <pc:chgData name="Long B Nguyen" userId="f59fb8f3-a021-417a-8bc1-65c8d471c621" providerId="ADAL" clId="{34A2CF11-652E-6345-AC5C-A89FACA07C4E}" dt="2020-02-25T15:47:51.312" v="428" actId="20577"/>
-        <pc:sldMkLst>
-          <pc:docMk/>
-          <pc:sldMk cId="1319289224" sldId="586"/>
-        </pc:sldMkLst>
-        <pc:spChg chg="mod">
-          <ac:chgData name="Long B Nguyen" userId="f59fb8f3-a021-417a-8bc1-65c8d471c621" providerId="ADAL" clId="{34A2CF11-652E-6345-AC5C-A89FACA07C4E}" dt="2020-02-25T15:47:51.312" v="428" actId="20577"/>
-          <ac:spMkLst>
-            <pc:docMk/>
-            <pc:sldMk cId="1319289224" sldId="586"/>
-            <ac:spMk id="66562" creationId="{6FAB6F92-236E-CB4C-AAB0-F158777360DD}"/>
-          </ac:spMkLst>
-        </pc:spChg>
-        <pc:spChg chg="mod">
-          <ac:chgData name="Long B Nguyen" userId="f59fb8f3-a021-417a-8bc1-65c8d471c621" providerId="ADAL" clId="{34A2CF11-652E-6345-AC5C-A89FACA07C4E}" dt="2020-02-25T15:46:37.078" v="420" actId="1076"/>
-          <ac:spMkLst>
-            <pc:docMk/>
-            <pc:sldMk cId="1319289224" sldId="586"/>
-            <ac:spMk id="67585" creationId="{6089FBFB-967C-FD45-992B-EB81E5CF2976}"/>
-          </ac:spMkLst>
-        </pc:spChg>
-      </pc:sldChg>
-      <pc:sldChg chg="modSp">
-        <pc:chgData name="Long B Nguyen" userId="f59fb8f3-a021-417a-8bc1-65c8d471c621" providerId="ADAL" clId="{34A2CF11-652E-6345-AC5C-A89FACA07C4E}" dt="2020-02-28T14:52:08.779" v="1420" actId="113"/>
-        <pc:sldMkLst>
-          <pc:docMk/>
-          <pc:sldMk cId="2894020677" sldId="587"/>
-        </pc:sldMkLst>
-        <pc:spChg chg="mod">
-          <ac:chgData name="Long B Nguyen" userId="f59fb8f3-a021-417a-8bc1-65c8d471c621" providerId="ADAL" clId="{34A2CF11-652E-6345-AC5C-A89FACA07C4E}" dt="2020-02-28T14:52:08.779" v="1420" actId="113"/>
-          <ac:spMkLst>
-            <pc:docMk/>
-            <pc:sldMk cId="2894020677" sldId="587"/>
-            <ac:spMk id="68610" creationId="{A4345070-62DC-4946-AD43-299FA9B490E0}"/>
-          </ac:spMkLst>
-        </pc:spChg>
-        <pc:spChg chg="mod">
-          <ac:chgData name="Long B Nguyen" userId="f59fb8f3-a021-417a-8bc1-65c8d471c621" providerId="ADAL" clId="{34A2CF11-652E-6345-AC5C-A89FACA07C4E}" dt="2020-02-25T15:48:01.085" v="430" actId="1076"/>
-          <ac:spMkLst>
-            <pc:docMk/>
-            <pc:sldMk cId="2894020677" sldId="587"/>
-            <ac:spMk id="69633" creationId="{8C113226-FF22-D946-A8D9-BF2B6BAC62D2}"/>
-          </ac:spMkLst>
-        </pc:spChg>
-      </pc:sldChg>
-      <pc:sldChg chg="modSp">
-        <pc:chgData name="Long B Nguyen" userId="f59fb8f3-a021-417a-8bc1-65c8d471c621" providerId="ADAL" clId="{34A2CF11-652E-6345-AC5C-A89FACA07C4E}" dt="2020-02-25T15:15:28.597" v="236" actId="5793"/>
-        <pc:sldMkLst>
-          <pc:docMk/>
-          <pc:sldMk cId="3609960584" sldId="588"/>
-        </pc:sldMkLst>
-        <pc:spChg chg="mod">
-          <ac:chgData name="Long B Nguyen" userId="f59fb8f3-a021-417a-8bc1-65c8d471c621" providerId="ADAL" clId="{34A2CF11-652E-6345-AC5C-A89FACA07C4E}" dt="2020-02-25T15:15:28.597" v="236" actId="5793"/>
-          <ac:spMkLst>
-            <pc:docMk/>
-            <pc:sldMk cId="3609960584" sldId="588"/>
-            <ac:spMk id="27651" creationId="{D2E8AD57-ED30-A247-A629-D196B221ADDD}"/>
-          </ac:spMkLst>
-        </pc:spChg>
-        <pc:spChg chg="mod">
-          <ac:chgData name="Long B Nguyen" userId="f59fb8f3-a021-417a-8bc1-65c8d471c621" providerId="ADAL" clId="{34A2CF11-652E-6345-AC5C-A89FACA07C4E}" dt="2020-02-25T15:15:15.892" v="230" actId="1076"/>
-          <ac:spMkLst>
-            <pc:docMk/>
-            <pc:sldMk cId="3609960584" sldId="588"/>
-            <ac:spMk id="61441" creationId="{5D868FC1-4364-924A-9574-ECC30E407753}"/>
-          </ac:spMkLst>
-        </pc:spChg>
-      </pc:sldChg>
-      <pc:sldChg chg="modSp">
-        <pc:chgData name="Long B Nguyen" userId="f59fb8f3-a021-417a-8bc1-65c8d471c621" providerId="ADAL" clId="{34A2CF11-652E-6345-AC5C-A89FACA07C4E}" dt="2020-02-25T15:49:00.714" v="453" actId="20577"/>
-        <pc:sldMkLst>
-          <pc:docMk/>
-          <pc:sldMk cId="2527578196" sldId="589"/>
-        </pc:sldMkLst>
-        <pc:spChg chg="mod">
-          <ac:chgData name="Long B Nguyen" userId="f59fb8f3-a021-417a-8bc1-65c8d471c621" providerId="ADAL" clId="{34A2CF11-652E-6345-AC5C-A89FACA07C4E}" dt="2020-02-25T15:49:00.714" v="453" actId="20577"/>
-          <ac:spMkLst>
-            <pc:docMk/>
-            <pc:sldMk cId="2527578196" sldId="589"/>
-            <ac:spMk id="75777" creationId="{188EB92C-DDEE-294E-96AE-5B2F5541A13E}"/>
-          </ac:spMkLst>
-        </pc:spChg>
-        <pc:spChg chg="mod">
-          <ac:chgData name="Long B Nguyen" userId="f59fb8f3-a021-417a-8bc1-65c8d471c621" providerId="ADAL" clId="{34A2CF11-652E-6345-AC5C-A89FACA07C4E}" dt="2020-02-25T15:48:49.697" v="436" actId="14100"/>
-          <ac:spMkLst>
-            <pc:docMk/>
-            <pc:sldMk cId="2527578196" sldId="589"/>
-            <ac:spMk id="75778" creationId="{23AB5E3C-D5D9-064C-9574-DFF97AF265D0}"/>
-          </ac:spMkLst>
-        </pc:spChg>
-      </pc:sldChg>
-      <pc:sldChg chg="modSp">
-        <pc:chgData name="Long B Nguyen" userId="f59fb8f3-a021-417a-8bc1-65c8d471c621" providerId="ADAL" clId="{34A2CF11-652E-6345-AC5C-A89FACA07C4E}" dt="2020-02-25T15:49:55.314" v="492" actId="1076"/>
-        <pc:sldMkLst>
-          <pc:docMk/>
-          <pc:sldMk cId="3609937493" sldId="590"/>
-        </pc:sldMkLst>
-        <pc:spChg chg="mod">
-          <ac:chgData name="Long B Nguyen" userId="f59fb8f3-a021-417a-8bc1-65c8d471c621" providerId="ADAL" clId="{34A2CF11-652E-6345-AC5C-A89FACA07C4E}" dt="2020-02-25T15:49:55.314" v="492" actId="1076"/>
-          <ac:spMkLst>
-            <pc:docMk/>
-            <pc:sldMk cId="3609937493" sldId="590"/>
-            <ac:spMk id="79873" creationId="{E8B36DA1-FD32-914E-8D09-91D267F39A7A}"/>
-          </ac:spMkLst>
-        </pc:spChg>
-        <pc:spChg chg="mod">
-          <ac:chgData name="Long B Nguyen" userId="f59fb8f3-a021-417a-8bc1-65c8d471c621" providerId="ADAL" clId="{34A2CF11-652E-6345-AC5C-A89FACA07C4E}" dt="2020-02-25T15:49:50.463" v="490" actId="14100"/>
-          <ac:spMkLst>
-            <pc:docMk/>
-            <pc:sldMk cId="3609937493" sldId="590"/>
-            <ac:spMk id="79874" creationId="{C365A828-14EF-694A-9BBF-E18CC423E31B}"/>
-          </ac:spMkLst>
-        </pc:spChg>
-        <pc:picChg chg="mod">
-          <ac:chgData name="Long B Nguyen" userId="f59fb8f3-a021-417a-8bc1-65c8d471c621" providerId="ADAL" clId="{34A2CF11-652E-6345-AC5C-A89FACA07C4E}" dt="2020-02-25T15:49:43.277" v="488" actId="14100"/>
-          <ac:picMkLst>
-            <pc:docMk/>
-            <pc:sldMk cId="3609937493" sldId="590"/>
-            <ac:picMk id="79875" creationId="{CE627FFA-2BD4-3244-9CFB-E9A8530A32E1}"/>
-          </ac:picMkLst>
-        </pc:picChg>
-      </pc:sldChg>
-      <pc:sldChg chg="modSp">
-        <pc:chgData name="Long B Nguyen" userId="f59fb8f3-a021-417a-8bc1-65c8d471c621" providerId="ADAL" clId="{34A2CF11-652E-6345-AC5C-A89FACA07C4E}" dt="2020-02-25T15:49:31.728" v="486" actId="1036"/>
-        <pc:sldMkLst>
-          <pc:docMk/>
-          <pc:sldMk cId="4266553646" sldId="591"/>
-        </pc:sldMkLst>
-        <pc:spChg chg="mod">
-          <ac:chgData name="Long B Nguyen" userId="f59fb8f3-a021-417a-8bc1-65c8d471c621" providerId="ADAL" clId="{34A2CF11-652E-6345-AC5C-A89FACA07C4E}" dt="2020-02-25T15:49:31.728" v="486" actId="1036"/>
-          <ac:spMkLst>
-            <pc:docMk/>
-            <pc:sldMk cId="4266553646" sldId="591"/>
-            <ac:spMk id="77825" creationId="{21CC4A42-EA8F-BF47-ADD5-B721E414F5F2}"/>
-          </ac:spMkLst>
-        </pc:spChg>
-        <pc:spChg chg="mod">
-          <ac:chgData name="Long B Nguyen" userId="f59fb8f3-a021-417a-8bc1-65c8d471c621" providerId="ADAL" clId="{34A2CF11-652E-6345-AC5C-A89FACA07C4E}" dt="2020-02-25T15:49:20.882" v="474" actId="14100"/>
-          <ac:spMkLst>
-            <pc:docMk/>
-            <pc:sldMk cId="4266553646" sldId="591"/>
-            <ac:spMk id="77826" creationId="{07CDE7D8-6D62-BA4B-8A6C-4F0744144459}"/>
-          </ac:spMkLst>
-        </pc:spChg>
-      </pc:sldChg>
-      <pc:sldChg chg="delSp modSp del">
-        <pc:chgData name="Long B Nguyen" userId="f59fb8f3-a021-417a-8bc1-65c8d471c621" providerId="ADAL" clId="{34A2CF11-652E-6345-AC5C-A89FACA07C4E}" dt="2020-02-28T14:52:21.453" v="1421" actId="2696"/>
-        <pc:sldMkLst>
-          <pc:docMk/>
-          <pc:sldMk cId="4126212206" sldId="592"/>
-        </pc:sldMkLst>
-        <pc:spChg chg="mod">
-          <ac:chgData name="Long B Nguyen" userId="f59fb8f3-a021-417a-8bc1-65c8d471c621" providerId="ADAL" clId="{34A2CF11-652E-6345-AC5C-A89FACA07C4E}" dt="2020-02-25T15:50:54.514" v="505" actId="1076"/>
-          <ac:spMkLst>
-            <pc:docMk/>
-            <pc:sldMk cId="4126212206" sldId="592"/>
-            <ac:spMk id="84993" creationId="{C169A412-E2F9-004D-A0EF-86F1C409823C}"/>
-          </ac:spMkLst>
-        </pc:spChg>
-        <pc:spChg chg="mod">
-          <ac:chgData name="Long B Nguyen" userId="f59fb8f3-a021-417a-8bc1-65c8d471c621" providerId="ADAL" clId="{34A2CF11-652E-6345-AC5C-A89FACA07C4E}" dt="2020-02-25T15:54:31.469" v="526" actId="113"/>
-          <ac:spMkLst>
-            <pc:docMk/>
-            <pc:sldMk cId="4126212206" sldId="592"/>
-            <ac:spMk id="84994" creationId="{6971D443-43C5-2E43-8019-712D595D62F2}"/>
-          </ac:spMkLst>
-        </pc:spChg>
-        <pc:picChg chg="del mod">
-          <ac:chgData name="Long B Nguyen" userId="f59fb8f3-a021-417a-8bc1-65c8d471c621" providerId="ADAL" clId="{34A2CF11-652E-6345-AC5C-A89FACA07C4E}" dt="2020-02-25T15:53:53.262" v="513" actId="478"/>
-          <ac:picMkLst>
-            <pc:docMk/>
-            <pc:sldMk cId="4126212206" sldId="592"/>
-            <ac:picMk id="84995" creationId="{D74B79FF-3957-A841-989F-1A7CCA0A7940}"/>
-          </ac:picMkLst>
-        </pc:picChg>
-      </pc:sldChg>
-      <pc:sldChg chg="del">
-        <pc:chgData name="Long B Nguyen" userId="f59fb8f3-a021-417a-8bc1-65c8d471c621" providerId="ADAL" clId="{34A2CF11-652E-6345-AC5C-A89FACA07C4E}" dt="2020-02-25T15:53:20.954" v="511" actId="2696"/>
-        <pc:sldMkLst>
-          <pc:docMk/>
-          <pc:sldMk cId="2279088232" sldId="595"/>
-        </pc:sldMkLst>
-      </pc:sldChg>
-      <pc:sldChg chg="del">
-        <pc:chgData name="Long B Nguyen" userId="f59fb8f3-a021-417a-8bc1-65c8d471c621" providerId="ADAL" clId="{34A2CF11-652E-6345-AC5C-A89FACA07C4E}" dt="2020-02-25T15:53:19.581" v="510" actId="2696"/>
-        <pc:sldMkLst>
-          <pc:docMk/>
-          <pc:sldMk cId="1584709501" sldId="596"/>
-        </pc:sldMkLst>
-      </pc:sldChg>
-      <pc:sldChg chg="modSp del modAnim">
-        <pc:chgData name="Long B Nguyen" userId="f59fb8f3-a021-417a-8bc1-65c8d471c621" providerId="ADAL" clId="{34A2CF11-652E-6345-AC5C-A89FACA07C4E}" dt="2020-02-25T15:12:52.196" v="190" actId="2696"/>
-        <pc:sldMkLst>
-          <pc:docMk/>
-          <pc:sldMk cId="3065633131" sldId="604"/>
-        </pc:sldMkLst>
-        <pc:spChg chg="mod">
-          <ac:chgData name="Long B Nguyen" userId="f59fb8f3-a021-417a-8bc1-65c8d471c621" providerId="ADAL" clId="{34A2CF11-652E-6345-AC5C-A89FACA07C4E}" dt="2020-02-25T15:12:43.957" v="189" actId="20577"/>
-          <ac:spMkLst>
-            <pc:docMk/>
-            <pc:sldMk cId="3065633131" sldId="604"/>
-            <ac:spMk id="50178" creationId="{14937878-A5BD-0443-8F34-B0A863A78864}"/>
-          </ac:spMkLst>
-        </pc:spChg>
-        <pc:spChg chg="mod">
-          <ac:chgData name="Long B Nguyen" userId="f59fb8f3-a021-417a-8bc1-65c8d471c621" providerId="ADAL" clId="{34A2CF11-652E-6345-AC5C-A89FACA07C4E}" dt="2020-02-25T15:12:31.849" v="183" actId="1076"/>
-          <ac:spMkLst>
-            <pc:docMk/>
-            <pc:sldMk cId="3065633131" sldId="604"/>
-            <ac:spMk id="51201" creationId="{197E898E-0251-DF4C-8E64-7B1D3BF0CA82}"/>
-          </ac:spMkLst>
-        </pc:spChg>
-      </pc:sldChg>
-      <pc:sldChg chg="modSp del">
-        <pc:chgData name="Long B Nguyen" userId="f59fb8f3-a021-417a-8bc1-65c8d471c621" providerId="ADAL" clId="{34A2CF11-652E-6345-AC5C-A89FACA07C4E}" dt="2020-02-25T15:13:53.707" v="206" actId="2696"/>
-        <pc:sldMkLst>
-          <pc:docMk/>
-          <pc:sldMk cId="2263416976" sldId="605"/>
-        </pc:sldMkLst>
-        <pc:spChg chg="mod">
-          <ac:chgData name="Long B Nguyen" userId="f59fb8f3-a021-417a-8bc1-65c8d471c621" providerId="ADAL" clId="{34A2CF11-652E-6345-AC5C-A89FACA07C4E}" dt="2020-02-25T15:13:34.457" v="205" actId="5793"/>
-          <ac:spMkLst>
-            <pc:docMk/>
-            <pc:sldMk cId="2263416976" sldId="605"/>
-            <ac:spMk id="27651" creationId="{8414F638-A0BF-1B4A-9444-E7D185E09B3C}"/>
-          </ac:spMkLst>
-        </pc:spChg>
-        <pc:spChg chg="mod">
-          <ac:chgData name="Long B Nguyen" userId="f59fb8f3-a021-417a-8bc1-65c8d471c621" providerId="ADAL" clId="{34A2CF11-652E-6345-AC5C-A89FACA07C4E}" dt="2020-02-25T15:13:32.062" v="204" actId="1076"/>
-          <ac:spMkLst>
-            <pc:docMk/>
-            <pc:sldMk cId="2263416976" sldId="605"/>
-            <ac:spMk id="53249" creationId="{E45DFD43-86E0-7C46-B672-4F88F0E2A548}"/>
-          </ac:spMkLst>
-        </pc:spChg>
-      </pc:sldChg>
-      <pc:sldChg chg="modSp">
-        <pc:chgData name="Long B Nguyen" userId="f59fb8f3-a021-417a-8bc1-65c8d471c621" providerId="ADAL" clId="{34A2CF11-652E-6345-AC5C-A89FACA07C4E}" dt="2020-02-25T16:21:01.033" v="1409"/>
-        <pc:sldMkLst>
-          <pc:docMk/>
-          <pc:sldMk cId="2319263073" sldId="610"/>
-        </pc:sldMkLst>
-        <pc:spChg chg="mod">
-          <ac:chgData name="Long B Nguyen" userId="f59fb8f3-a021-417a-8bc1-65c8d471c621" providerId="ADAL" clId="{34A2CF11-652E-6345-AC5C-A89FACA07C4E}" dt="2020-02-25T16:21:01.033" v="1409"/>
-          <ac:spMkLst>
-            <pc:docMk/>
-            <pc:sldMk cId="2319263073" sldId="610"/>
-            <ac:spMk id="92162" creationId="{DFA6F312-AB30-8341-AC59-361BA5365D65}"/>
-          </ac:spMkLst>
-        </pc:spChg>
-      </pc:sldChg>
-      <pc:sldChg chg="modSp add modAnim">
-        <pc:chgData name="Long B Nguyen" userId="f59fb8f3-a021-417a-8bc1-65c8d471c621" providerId="ADAL" clId="{34A2CF11-652E-6345-AC5C-A89FACA07C4E}" dt="2020-02-25T15:18:40.361" v="298" actId="20577"/>
-        <pc:sldMkLst>
-          <pc:docMk/>
-          <pc:sldMk cId="1558241323" sldId="613"/>
-        </pc:sldMkLst>
-        <pc:spChg chg="mod">
-          <ac:chgData name="Long B Nguyen" userId="f59fb8f3-a021-417a-8bc1-65c8d471c621" providerId="ADAL" clId="{34A2CF11-652E-6345-AC5C-A89FACA07C4E}" dt="2020-02-25T15:18:19.998" v="281" actId="20577"/>
-          <ac:spMkLst>
-            <pc:docMk/>
-            <pc:sldMk cId="1558241323" sldId="613"/>
-            <ac:spMk id="64514" creationId="{7788F03B-8D64-E645-BC3F-DBD76C93C456}"/>
-          </ac:spMkLst>
-        </pc:spChg>
-        <pc:spChg chg="mod">
-          <ac:chgData name="Long B Nguyen" userId="f59fb8f3-a021-417a-8bc1-65c8d471c621" providerId="ADAL" clId="{34A2CF11-652E-6345-AC5C-A89FACA07C4E}" dt="2020-02-25T15:18:40.361" v="298" actId="20577"/>
-          <ac:spMkLst>
-            <pc:docMk/>
-            <pc:sldMk cId="1558241323" sldId="613"/>
-            <ac:spMk id="65537" creationId="{86430671-77D5-6E4C-94A5-D61EB184D3ED}"/>
-          </ac:spMkLst>
-        </pc:spChg>
-      </pc:sldChg>
-      <pc:sldChg chg="modSp add del">
-        <pc:chgData name="Long B Nguyen" userId="f59fb8f3-a021-417a-8bc1-65c8d471c621" providerId="ADAL" clId="{34A2CF11-652E-6345-AC5C-A89FACA07C4E}" dt="2020-02-25T15:19:10.925" v="318" actId="2696"/>
-        <pc:sldMkLst>
-          <pc:docMk/>
-          <pc:sldMk cId="3595252648" sldId="614"/>
-        </pc:sldMkLst>
-        <pc:spChg chg="mod">
-          <ac:chgData name="Long B Nguyen" userId="f59fb8f3-a021-417a-8bc1-65c8d471c621" providerId="ADAL" clId="{34A2CF11-652E-6345-AC5C-A89FACA07C4E}" dt="2020-02-25T15:19:07.869" v="317"/>
-          <ac:spMkLst>
-            <pc:docMk/>
-            <pc:sldMk cId="3595252648" sldId="614"/>
-            <ac:spMk id="64514" creationId="{7788F03B-8D64-E645-BC3F-DBD76C93C456}"/>
-          </ac:spMkLst>
-        </pc:spChg>
-        <pc:spChg chg="mod">
-          <ac:chgData name="Long B Nguyen" userId="f59fb8f3-a021-417a-8bc1-65c8d471c621" providerId="ADAL" clId="{34A2CF11-652E-6345-AC5C-A89FACA07C4E}" dt="2020-02-25T15:18:46.486" v="310" actId="20577"/>
-          <ac:spMkLst>
-            <pc:docMk/>
-            <pc:sldMk cId="3595252648" sldId="614"/>
-            <ac:spMk id="65537" creationId="{86430671-77D5-6E4C-94A5-D61EB184D3ED}"/>
-          </ac:spMkLst>
-        </pc:spChg>
-      </pc:sldChg>
-      <pc:sldChg chg="modSp add">
-        <pc:chgData name="Long B Nguyen" userId="f59fb8f3-a021-417a-8bc1-65c8d471c621" providerId="ADAL" clId="{34A2CF11-652E-6345-AC5C-A89FACA07C4E}" dt="2020-02-25T15:21:23.981" v="339" actId="20577"/>
-        <pc:sldMkLst>
-          <pc:docMk/>
-          <pc:sldMk cId="1678415157" sldId="615"/>
-        </pc:sldMkLst>
-        <pc:spChg chg="mod">
-          <ac:chgData name="Long B Nguyen" userId="f59fb8f3-a021-417a-8bc1-65c8d471c621" providerId="ADAL" clId="{34A2CF11-652E-6345-AC5C-A89FACA07C4E}" dt="2020-02-25T15:19:50.819" v="327"/>
-          <ac:spMkLst>
-            <pc:docMk/>
-            <pc:sldMk cId="1678415157" sldId="615"/>
-            <ac:spMk id="64514" creationId="{7788F03B-8D64-E645-BC3F-DBD76C93C456}"/>
-          </ac:spMkLst>
-        </pc:spChg>
-        <pc:spChg chg="mod">
-          <ac:chgData name="Long B Nguyen" userId="f59fb8f3-a021-417a-8bc1-65c8d471c621" providerId="ADAL" clId="{34A2CF11-652E-6345-AC5C-A89FACA07C4E}" dt="2020-02-25T15:21:23.981" v="339" actId="20577"/>
-          <ac:spMkLst>
-            <pc:docMk/>
-            <pc:sldMk cId="1678415157" sldId="615"/>
-            <ac:spMk id="65537" creationId="{86430671-77D5-6E4C-94A5-D61EB184D3ED}"/>
-          </ac:spMkLst>
-        </pc:spChg>
-      </pc:sldChg>
-      <pc:sldChg chg="modSp add modAnim">
-        <pc:chgData name="Long B Nguyen" userId="f59fb8f3-a021-417a-8bc1-65c8d471c621" providerId="ADAL" clId="{34A2CF11-652E-6345-AC5C-A89FACA07C4E}" dt="2020-02-25T15:26:12.917" v="395" actId="20577"/>
-        <pc:sldMkLst>
-          <pc:docMk/>
-          <pc:sldMk cId="827202224" sldId="616"/>
-        </pc:sldMkLst>
-        <pc:spChg chg="mod">
-          <ac:chgData name="Long B Nguyen" userId="f59fb8f3-a021-417a-8bc1-65c8d471c621" providerId="ADAL" clId="{34A2CF11-652E-6345-AC5C-A89FACA07C4E}" dt="2020-02-25T15:25:36.066" v="381" actId="14100"/>
-          <ac:spMkLst>
-            <pc:docMk/>
-            <pc:sldMk cId="827202224" sldId="616"/>
-            <ac:spMk id="56322" creationId="{C6A7743F-88FF-7C47-8B09-99222CD5E28E}"/>
-          </ac:spMkLst>
-        </pc:spChg>
-        <pc:spChg chg="mod">
-          <ac:chgData name="Long B Nguyen" userId="f59fb8f3-a021-417a-8bc1-65c8d471c621" providerId="ADAL" clId="{34A2CF11-652E-6345-AC5C-A89FACA07C4E}" dt="2020-02-25T15:26:12.917" v="395" actId="20577"/>
-          <ac:spMkLst>
-            <pc:docMk/>
-            <pc:sldMk cId="827202224" sldId="616"/>
-            <ac:spMk id="57345" creationId="{CDA4A9B2-8639-C840-B975-2791E963EF68}"/>
-          </ac:spMkLst>
-        </pc:spChg>
-      </pc:sldChg>
-      <pc:sldChg chg="modSp add del">
-        <pc:chgData name="Long B Nguyen" userId="f59fb8f3-a021-417a-8bc1-65c8d471c621" providerId="ADAL" clId="{34A2CF11-652E-6345-AC5C-A89FACA07C4E}" dt="2020-02-25T15:24:04.912" v="356" actId="2696"/>
-        <pc:sldMkLst>
-          <pc:docMk/>
-          <pc:sldMk cId="2019408601" sldId="616"/>
-        </pc:sldMkLst>
-        <pc:spChg chg="mod">
-          <ac:chgData name="Long B Nguyen" userId="f59fb8f3-a021-417a-8bc1-65c8d471c621" providerId="ADAL" clId="{34A2CF11-652E-6345-AC5C-A89FACA07C4E}" dt="2020-02-25T15:23:49.972" v="355" actId="20577"/>
-          <ac:spMkLst>
-            <pc:docMk/>
-            <pc:sldMk cId="2019408601" sldId="616"/>
-            <ac:spMk id="57345" creationId="{CDA4A9B2-8639-C840-B975-2791E963EF68}"/>
-          </ac:spMkLst>
-        </pc:spChg>
-      </pc:sldChg>
-      <pc:sldChg chg="modSp add">
-        <pc:chgData name="Long B Nguyen" userId="f59fb8f3-a021-417a-8bc1-65c8d471c621" providerId="ADAL" clId="{34A2CF11-652E-6345-AC5C-A89FACA07C4E}" dt="2020-02-25T15:28:05.754" v="418" actId="14100"/>
-        <pc:sldMkLst>
-          <pc:docMk/>
-          <pc:sldMk cId="971732716" sldId="617"/>
-        </pc:sldMkLst>
-        <pc:spChg chg="mod">
-          <ac:chgData name="Long B Nguyen" userId="f59fb8f3-a021-417a-8bc1-65c8d471c621" providerId="ADAL" clId="{34A2CF11-652E-6345-AC5C-A89FACA07C4E}" dt="2020-02-25T15:28:05.754" v="418" actId="14100"/>
-          <ac:spMkLst>
-            <pc:docMk/>
-            <pc:sldMk cId="971732716" sldId="617"/>
-            <ac:spMk id="56322" creationId="{C6A7743F-88FF-7C47-8B09-99222CD5E28E}"/>
-          </ac:spMkLst>
-        </pc:spChg>
-        <pc:spChg chg="mod">
-          <ac:chgData name="Long B Nguyen" userId="f59fb8f3-a021-417a-8bc1-65c8d471c621" providerId="ADAL" clId="{34A2CF11-652E-6345-AC5C-A89FACA07C4E}" dt="2020-02-25T15:26:18.595" v="404" actId="20577"/>
-          <ac:spMkLst>
-            <pc:docMk/>
-            <pc:sldMk cId="971732716" sldId="617"/>
-            <ac:spMk id="57345" creationId="{CDA4A9B2-8639-C840-B975-2791E963EF68}"/>
-          </ac:spMkLst>
-        </pc:spChg>
-      </pc:sldChg>
-      <pc:sldChg chg="addSp modSp add">
-        <pc:chgData name="Long B Nguyen" userId="f59fb8f3-a021-417a-8bc1-65c8d471c621" providerId="ADAL" clId="{34A2CF11-652E-6345-AC5C-A89FACA07C4E}" dt="2020-02-25T16:13:27.291" v="1080" actId="692"/>
-        <pc:sldMkLst>
-          <pc:docMk/>
-          <pc:sldMk cId="1047995035" sldId="618"/>
-        </pc:sldMkLst>
-        <pc:spChg chg="add mod">
-          <ac:chgData name="Long B Nguyen" userId="f59fb8f3-a021-417a-8bc1-65c8d471c621" providerId="ADAL" clId="{34A2CF11-652E-6345-AC5C-A89FACA07C4E}" dt="2020-02-25T16:12:56.188" v="1066" actId="1076"/>
-          <ac:spMkLst>
-            <pc:docMk/>
-            <pc:sldMk cId="1047995035" sldId="618"/>
-            <ac:spMk id="2" creationId="{D2A0B21C-9D88-4849-A345-13DA31B7BEBE}"/>
-          </ac:spMkLst>
-        </pc:spChg>
-        <pc:cxnChg chg="add mod">
-          <ac:chgData name="Long B Nguyen" userId="f59fb8f3-a021-417a-8bc1-65c8d471c621" providerId="ADAL" clId="{34A2CF11-652E-6345-AC5C-A89FACA07C4E}" dt="2020-02-25T16:13:27.291" v="1080" actId="692"/>
-          <ac:cxnSpMkLst>
-            <pc:docMk/>
-            <pc:sldMk cId="1047995035" sldId="618"/>
-            <ac:cxnSpMk id="4" creationId="{804AE6D5-7B42-A24B-B53A-7220982FA483}"/>
-          </ac:cxnSpMkLst>
-        </pc:cxnChg>
-      </pc:sldChg>
-      <pc:sldChg chg="modSp add">
-        <pc:chgData name="Long B Nguyen" userId="f59fb8f3-a021-417a-8bc1-65c8d471c621" providerId="ADAL" clId="{34A2CF11-652E-6345-AC5C-A89FACA07C4E}" dt="2020-03-05T10:05:57.927" v="1422" actId="20577"/>
-        <pc:sldMkLst>
-          <pc:docMk/>
-          <pc:sldMk cId="1016158355" sldId="619"/>
-        </pc:sldMkLst>
-        <pc:spChg chg="mod">
-          <ac:chgData name="Long B Nguyen" userId="f59fb8f3-a021-417a-8bc1-65c8d471c621" providerId="ADAL" clId="{34A2CF11-652E-6345-AC5C-A89FACA07C4E}" dt="2020-03-05T10:05:57.927" v="1422" actId="20577"/>
-          <ac:spMkLst>
-            <pc:docMk/>
-            <pc:sldMk cId="1016158355" sldId="619"/>
-            <ac:spMk id="84994" creationId="{6971D443-43C5-2E43-8019-712D595D62F2}"/>
-          </ac:spMkLst>
-        </pc:spChg>
-      </pc:sldChg>
-      <pc:sldChg chg="modSp add">
-        <pc:chgData name="Long B Nguyen" userId="f59fb8f3-a021-417a-8bc1-65c8d471c621" providerId="ADAL" clId="{34A2CF11-652E-6345-AC5C-A89FACA07C4E}" dt="2020-02-25T16:00:03.623" v="759" actId="20577"/>
-        <pc:sldMkLst>
-          <pc:docMk/>
-          <pc:sldMk cId="4204323314" sldId="620"/>
-        </pc:sldMkLst>
-        <pc:spChg chg="mod">
-          <ac:chgData name="Long B Nguyen" userId="f59fb8f3-a021-417a-8bc1-65c8d471c621" providerId="ADAL" clId="{34A2CF11-652E-6345-AC5C-A89FACA07C4E}" dt="2020-02-25T16:00:03.623" v="759" actId="20577"/>
-          <ac:spMkLst>
-            <pc:docMk/>
-            <pc:sldMk cId="4204323314" sldId="620"/>
-            <ac:spMk id="84994" creationId="{6971D443-43C5-2E43-8019-712D595D62F2}"/>
-          </ac:spMkLst>
-        </pc:spChg>
-      </pc:sldChg>
-      <pc:sldChg chg="modSp add">
-        <pc:chgData name="Long B Nguyen" userId="f59fb8f3-a021-417a-8bc1-65c8d471c621" providerId="ADAL" clId="{34A2CF11-652E-6345-AC5C-A89FACA07C4E}" dt="2020-02-25T16:05:30.380" v="1035" actId="20577"/>
-        <pc:sldMkLst>
-          <pc:docMk/>
-          <pc:sldMk cId="1162857972" sldId="621"/>
-        </pc:sldMkLst>
-        <pc:spChg chg="mod">
-          <ac:chgData name="Long B Nguyen" userId="f59fb8f3-a021-417a-8bc1-65c8d471c621" providerId="ADAL" clId="{34A2CF11-652E-6345-AC5C-A89FACA07C4E}" dt="2020-02-25T16:05:30.380" v="1035" actId="20577"/>
-          <ac:spMkLst>
-            <pc:docMk/>
-            <pc:sldMk cId="1162857972" sldId="621"/>
-            <ac:spMk id="84994" creationId="{6971D443-43C5-2E43-8019-712D595D62F2}"/>
-          </ac:spMkLst>
-        </pc:spChg>
-      </pc:sldChg>
-      <pc:sldChg chg="add del">
-        <pc:chgData name="Long B Nguyen" userId="f59fb8f3-a021-417a-8bc1-65c8d471c621" providerId="ADAL" clId="{34A2CF11-652E-6345-AC5C-A89FACA07C4E}" dt="2020-02-25T16:03:03.964" v="864"/>
-        <pc:sldMkLst>
-          <pc:docMk/>
-          <pc:sldMk cId="800137632" sldId="622"/>
-        </pc:sldMkLst>
-      </pc:sldChg>
-      <pc:sldChg chg="add del">
-        <pc:chgData name="Long B Nguyen" userId="f59fb8f3-a021-417a-8bc1-65c8d471c621" providerId="ADAL" clId="{34A2CF11-652E-6345-AC5C-A89FACA07C4E}" dt="2020-02-25T16:03:17.168" v="866"/>
-        <pc:sldMkLst>
-          <pc:docMk/>
-          <pc:sldMk cId="2516517495" sldId="622"/>
-        </pc:sldMkLst>
-      </pc:sldChg>
-      <pc:sldChg chg="delSp modSp add">
-        <pc:chgData name="Long B Nguyen" userId="f59fb8f3-a021-417a-8bc1-65c8d471c621" providerId="ADAL" clId="{34A2CF11-652E-6345-AC5C-A89FACA07C4E}" dt="2020-02-25T16:19:48.413" v="1359" actId="20577"/>
-        <pc:sldMkLst>
-          <pc:docMk/>
-          <pc:sldMk cId="2765543401" sldId="622"/>
-        </pc:sldMkLst>
-        <pc:spChg chg="del">
-          <ac:chgData name="Long B Nguyen" userId="f59fb8f3-a021-417a-8bc1-65c8d471c621" providerId="ADAL" clId="{34A2CF11-652E-6345-AC5C-A89FACA07C4E}" dt="2020-02-25T16:14:55.037" v="1083" actId="478"/>
-          <ac:spMkLst>
-            <pc:docMk/>
-            <pc:sldMk cId="2765543401" sldId="622"/>
-            <ac:spMk id="2" creationId="{D2A0B21C-9D88-4849-A345-13DA31B7BEBE}"/>
-          </ac:spMkLst>
-        </pc:spChg>
-        <pc:spChg chg="mod">
-          <ac:chgData name="Long B Nguyen" userId="f59fb8f3-a021-417a-8bc1-65c8d471c621" providerId="ADAL" clId="{34A2CF11-652E-6345-AC5C-A89FACA07C4E}" dt="2020-02-25T16:19:48.413" v="1359" actId="20577"/>
-          <ac:spMkLst>
-            <pc:docMk/>
-            <pc:sldMk cId="2765543401" sldId="622"/>
-            <ac:spMk id="84993" creationId="{C169A412-E2F9-004D-A0EF-86F1C409823C}"/>
-          </ac:spMkLst>
-        </pc:spChg>
-        <pc:spChg chg="mod">
-          <ac:chgData name="Long B Nguyen" userId="f59fb8f3-a021-417a-8bc1-65c8d471c621" providerId="ADAL" clId="{34A2CF11-652E-6345-AC5C-A89FACA07C4E}" dt="2020-02-25T16:15:58.869" v="1141" actId="20577"/>
-          <ac:spMkLst>
-            <pc:docMk/>
-            <pc:sldMk cId="2765543401" sldId="622"/>
-            <ac:spMk id="84994" creationId="{6971D443-43C5-2E43-8019-712D595D62F2}"/>
-          </ac:spMkLst>
-        </pc:spChg>
-        <pc:picChg chg="del">
-          <ac:chgData name="Long B Nguyen" userId="f59fb8f3-a021-417a-8bc1-65c8d471c621" providerId="ADAL" clId="{34A2CF11-652E-6345-AC5C-A89FACA07C4E}" dt="2020-02-25T16:14:53.215" v="1082" actId="478"/>
-          <ac:picMkLst>
-            <pc:docMk/>
-            <pc:sldMk cId="2765543401" sldId="622"/>
-            <ac:picMk id="84995" creationId="{D74B79FF-3957-A841-989F-1A7CCA0A7940}"/>
-          </ac:picMkLst>
-        </pc:picChg>
-        <pc:cxnChg chg="del">
-          <ac:chgData name="Long B Nguyen" userId="f59fb8f3-a021-417a-8bc1-65c8d471c621" providerId="ADAL" clId="{34A2CF11-652E-6345-AC5C-A89FACA07C4E}" dt="2020-02-25T16:14:56.245" v="1084" actId="478"/>
-          <ac:cxnSpMkLst>
-            <pc:docMk/>
-            <pc:sldMk cId="2765543401" sldId="622"/>
-            <ac:cxnSpMk id="4" creationId="{804AE6D5-7B42-A24B-B53A-7220982FA483}"/>
-          </ac:cxnSpMkLst>
-        </pc:cxnChg>
-      </pc:sldChg>
-      <pc:sldChg chg="modSp add">
-        <pc:chgData name="Long B Nguyen" userId="f59fb8f3-a021-417a-8bc1-65c8d471c621" providerId="ADAL" clId="{34A2CF11-652E-6345-AC5C-A89FACA07C4E}" dt="2020-02-25T16:19:36.680" v="1349" actId="20577"/>
-        <pc:sldMkLst>
-          <pc:docMk/>
-          <pc:sldMk cId="3553270583" sldId="623"/>
-        </pc:sldMkLst>
-        <pc:spChg chg="mod">
-          <ac:chgData name="Long B Nguyen" userId="f59fb8f3-a021-417a-8bc1-65c8d471c621" providerId="ADAL" clId="{34A2CF11-652E-6345-AC5C-A89FACA07C4E}" dt="2020-02-25T16:19:36.680" v="1349" actId="20577"/>
-          <ac:spMkLst>
-            <pc:docMk/>
-            <pc:sldMk cId="3553270583" sldId="623"/>
-            <ac:spMk id="84993" creationId="{C169A412-E2F9-004D-A0EF-86F1C409823C}"/>
-          </ac:spMkLst>
-        </pc:spChg>
-        <pc:spChg chg="mod">
-          <ac:chgData name="Long B Nguyen" userId="f59fb8f3-a021-417a-8bc1-65c8d471c621" providerId="ADAL" clId="{34A2CF11-652E-6345-AC5C-A89FACA07C4E}" dt="2020-02-25T16:19:30.447" v="1328" actId="20577"/>
-          <ac:spMkLst>
-            <pc:docMk/>
-            <pc:sldMk cId="3553270583" sldId="623"/>
-            <ac:spMk id="84994" creationId="{6971D443-43C5-2E43-8019-712D595D62F2}"/>
-          </ac:spMkLst>
-        </pc:spChg>
       </pc:sldChg>
     </pc:docChg>
   </pc:docChgLst>
@@ -3973,7 +3973,7 @@
   <pc:docChgLst>
     <pc:chgData name="Long B Nguyen" userId="f59fb8f3-a021-417a-8bc1-65c8d471c621" providerId="ADAL" clId="{0E2AE9A0-AA60-BB4A-B160-C870111F23F3}"/>
     <pc:docChg chg="undo custSel addSld delSld modSld">
-      <pc:chgData name="Long B Nguyen" userId="f59fb8f3-a021-417a-8bc1-65c8d471c621" providerId="ADAL" clId="{0E2AE9A0-AA60-BB4A-B160-C870111F23F3}" dt="2021-05-07T15:52:06.608" v="7077" actId="20577"/>
+      <pc:chgData name="Long B Nguyen" userId="f59fb8f3-a021-417a-8bc1-65c8d471c621" providerId="ADAL" clId="{0E2AE9A0-AA60-BB4A-B160-C870111F23F3}" dt="2021-05-10T13:57:48.483" v="7080"/>
       <pc:docMkLst>
         <pc:docMk/>
       </pc:docMkLst>
@@ -5432,7 +5432,7 @@
         </pc:cxnChg>
       </pc:sldChg>
       <pc:sldChg chg="modSp add mod modAnim">
-        <pc:chgData name="Long B Nguyen" userId="f59fb8f3-a021-417a-8bc1-65c8d471c621" providerId="ADAL" clId="{0E2AE9A0-AA60-BB4A-B160-C870111F23F3}" dt="2021-05-07T15:50:23.052" v="7017" actId="20577"/>
+        <pc:chgData name="Long B Nguyen" userId="f59fb8f3-a021-417a-8bc1-65c8d471c621" providerId="ADAL" clId="{0E2AE9A0-AA60-BB4A-B160-C870111F23F3}" dt="2021-05-10T13:57:48.483" v="7080"/>
         <pc:sldMkLst>
           <pc:docMk/>
           <pc:sldMk cId="3215879385" sldId="622"/>
@@ -5454,8 +5454,8 @@
           </ac:spMkLst>
         </pc:spChg>
       </pc:sldChg>
-      <pc:sldChg chg="modSp add mod">
-        <pc:chgData name="Long B Nguyen" userId="f59fb8f3-a021-417a-8bc1-65c8d471c621" providerId="ADAL" clId="{0E2AE9A0-AA60-BB4A-B160-C870111F23F3}" dt="2021-05-07T15:51:03.427" v="7021" actId="20577"/>
+      <pc:sldChg chg="modSp add mod modAnim">
+        <pc:chgData name="Long B Nguyen" userId="f59fb8f3-a021-417a-8bc1-65c8d471c621" providerId="ADAL" clId="{0E2AE9A0-AA60-BB4A-B160-C870111F23F3}" dt="2021-05-10T13:57:35.908" v="7078"/>
         <pc:sldMkLst>
           <pc:docMk/>
           <pc:sldMk cId="2484292394" sldId="623"/>
@@ -5477,8 +5477,8 @@
           </ac:spMkLst>
         </pc:spChg>
       </pc:sldChg>
-      <pc:sldChg chg="modSp add mod">
-        <pc:chgData name="Long B Nguyen" userId="f59fb8f3-a021-417a-8bc1-65c8d471c621" providerId="ADAL" clId="{0E2AE9A0-AA60-BB4A-B160-C870111F23F3}" dt="2021-05-07T15:52:06.608" v="7077" actId="20577"/>
+      <pc:sldChg chg="modSp add mod modAnim">
+        <pc:chgData name="Long B Nguyen" userId="f59fb8f3-a021-417a-8bc1-65c8d471c621" providerId="ADAL" clId="{0E2AE9A0-AA60-BB4A-B160-C870111F23F3}" dt="2021-05-10T13:57:41.559" v="7079"/>
         <pc:sldMkLst>
           <pc:docMk/>
           <pc:sldMk cId="1444664834" sldId="624"/>
@@ -6993,7 +6993,7 @@
           <a:p>
             <a:fld id="{6EDD99D2-A624-5E4F-A4E3-584054837B5A}" type="datetimeFigureOut">
               <a:rPr lang="en-US" smtClean="0"/>
-              <a:t>5/7/21</a:t>
+              <a:t>5/10/21</a:t>
             </a:fld>
             <a:endParaRPr lang="en-US"/>
           </a:p>
@@ -10658,7 +10658,7 @@
           <a:p>
             <a:fld id="{C96F47CA-F895-6945-BE27-26692229FACF}" type="datetime1">
               <a:rPr lang="en-US" smtClean="0"/>
-              <a:t>5/7/21</a:t>
+              <a:t>5/10/21</a:t>
             </a:fld>
             <a:endParaRPr lang="en-US" dirty="0"/>
           </a:p>
@@ -10828,7 +10828,7 @@
           <a:p>
             <a:fld id="{AF706D67-2012-D043-9F80-5C2BDD609BD3}" type="datetime1">
               <a:rPr lang="en-US" smtClean="0"/>
-              <a:t>5/7/21</a:t>
+              <a:t>5/10/21</a:t>
             </a:fld>
             <a:endParaRPr lang="en-US" dirty="0"/>
           </a:p>
@@ -11008,7 +11008,7 @@
           <a:p>
             <a:fld id="{5B79ACE4-03B6-794A-A48C-13F9598CCD28}" type="datetime1">
               <a:rPr lang="en-US" smtClean="0"/>
-              <a:t>5/7/21</a:t>
+              <a:t>5/10/21</a:t>
             </a:fld>
             <a:endParaRPr lang="en-US" dirty="0"/>
           </a:p>
@@ -11178,7 +11178,7 @@
           <a:p>
             <a:fld id="{6DA7C96B-D6FF-5D47-8EF3-542FD5A88E7C}" type="datetime1">
               <a:rPr lang="en-US" smtClean="0"/>
-              <a:t>5/7/21</a:t>
+              <a:t>5/10/21</a:t>
             </a:fld>
             <a:endParaRPr lang="en-US" dirty="0"/>
           </a:p>
@@ -11424,7 +11424,7 @@
           <a:p>
             <a:fld id="{5A6358E7-4856-3046-9420-8ADBF7A86D8C}" type="datetime1">
               <a:rPr lang="en-US" smtClean="0"/>
-              <a:t>5/7/21</a:t>
+              <a:t>5/10/21</a:t>
             </a:fld>
             <a:endParaRPr lang="en-US" dirty="0"/>
           </a:p>
@@ -11656,7 +11656,7 @@
           <a:p>
             <a:fld id="{6779F35A-9F43-7048-AA95-2DCA7E8C0780}" type="datetime1">
               <a:rPr lang="en-US" smtClean="0"/>
-              <a:t>5/7/21</a:t>
+              <a:t>5/10/21</a:t>
             </a:fld>
             <a:endParaRPr lang="en-US" dirty="0"/>
           </a:p>
@@ -12023,7 +12023,7 @@
           <a:p>
             <a:fld id="{B7CB2D7C-E370-DC40-8D10-DF8CB1A188CA}" type="datetime1">
               <a:rPr lang="en-US" smtClean="0"/>
-              <a:t>5/7/21</a:t>
+              <a:t>5/10/21</a:t>
             </a:fld>
             <a:endParaRPr lang="en-US" dirty="0"/>
           </a:p>
@@ -12141,7 +12141,7 @@
           <a:p>
             <a:fld id="{68AA69A2-3CD0-BE49-AF6E-9E037A40F43F}" type="datetime1">
               <a:rPr lang="en-US" smtClean="0"/>
-              <a:t>5/7/21</a:t>
+              <a:t>5/10/21</a:t>
             </a:fld>
             <a:endParaRPr lang="en-US" dirty="0"/>
           </a:p>
@@ -12236,7 +12236,7 @@
           <a:p>
             <a:fld id="{1EB50D9D-ACA9-3C4A-A3FC-7A265C0CEBD3}" type="datetime1">
               <a:rPr lang="en-US" smtClean="0"/>
-              <a:t>5/7/21</a:t>
+              <a:t>5/10/21</a:t>
             </a:fld>
             <a:endParaRPr lang="en-US" dirty="0"/>
           </a:p>
@@ -12513,7 +12513,7 @@
           <a:p>
             <a:fld id="{A08B2DD4-8739-D748-B308-CD7D801B0131}" type="datetime1">
               <a:rPr lang="en-US" smtClean="0"/>
-              <a:t>5/7/21</a:t>
+              <a:t>5/10/21</a:t>
             </a:fld>
             <a:endParaRPr lang="en-US" dirty="0"/>
           </a:p>
@@ -12770,7 +12770,7 @@
           <a:p>
             <a:fld id="{98622575-E24A-D548-838B-E385F9D0E59A}" type="datetime1">
               <a:rPr lang="en-US" smtClean="0"/>
-              <a:t>5/7/21</a:t>
+              <a:t>5/10/21</a:t>
             </a:fld>
             <a:endParaRPr lang="en-US" dirty="0"/>
           </a:p>
@@ -12983,7 +12983,7 @@
           <a:p>
             <a:fld id="{272BAF4E-9F7C-284D-B40D-0B83E546F887}" type="datetime1">
               <a:rPr lang="en-US" smtClean="0"/>
-              <a:t>5/7/21</a:t>
+              <a:t>5/10/21</a:t>
             </a:fld>
             <a:endParaRPr lang="en-US" dirty="0"/>
           </a:p>
@@ -15583,6 +15583,85 @@
     <a:masterClrMapping/>
   </p:clrMapOvr>
   <p:transition/>
+  <p:timing>
+    <p:tnLst>
+      <p:par>
+        <p:cTn id="1" dur="indefinite" restart="never" nodeType="tmRoot">
+          <p:childTnLst>
+            <p:seq concurrent="1" nextAc="seek">
+              <p:cTn id="2" dur="indefinite" nodeType="mainSeq">
+                <p:childTnLst>
+                  <p:par>
+                    <p:cTn id="3" fill="hold">
+                      <p:stCondLst>
+                        <p:cond delay="indefinite"/>
+                      </p:stCondLst>
+                      <p:childTnLst>
+                        <p:par>
+                          <p:cTn id="4" fill="hold">
+                            <p:stCondLst>
+                              <p:cond delay="0"/>
+                            </p:stCondLst>
+                            <p:childTnLst>
+                              <p:par>
+                                <p:cTn id="5" presetID="1" presetClass="entr" presetSubtype="0" fill="hold" nodeType="clickEffect">
+                                  <p:stCondLst>
+                                    <p:cond delay="0"/>
+                                  </p:stCondLst>
+                                  <p:childTnLst>
+                                    <p:set>
+                                      <p:cBhvr>
+                                        <p:cTn id="6" dur="1" fill="hold">
+                                          <p:stCondLst>
+                                            <p:cond delay="0"/>
+                                          </p:stCondLst>
+                                        </p:cTn>
+                                        <p:tgtEl>
+                                          <p:spTgt spid="26627">
+                                            <p:txEl>
+                                              <p:pRg st="8" end="8"/>
+                                            </p:txEl>
+                                          </p:spTgt>
+                                        </p:tgtEl>
+                                        <p:attrNameLst>
+                                          <p:attrName>style.visibility</p:attrName>
+                                        </p:attrNameLst>
+                                      </p:cBhvr>
+                                      <p:to>
+                                        <p:strVal val="visible"/>
+                                      </p:to>
+                                    </p:set>
+                                  </p:childTnLst>
+                                </p:cTn>
+                              </p:par>
+                            </p:childTnLst>
+                          </p:cTn>
+                        </p:par>
+                      </p:childTnLst>
+                    </p:cTn>
+                  </p:par>
+                </p:childTnLst>
+              </p:cTn>
+              <p:prevCondLst>
+                <p:cond evt="onPrev" delay="0">
+                  <p:tgtEl>
+                    <p:sldTgt/>
+                  </p:tgtEl>
+                </p:cond>
+              </p:prevCondLst>
+              <p:nextCondLst>
+                <p:cond evt="onNext" delay="0">
+                  <p:tgtEl>
+                    <p:sldTgt/>
+                  </p:tgtEl>
+                </p:cond>
+              </p:nextCondLst>
+            </p:seq>
+          </p:childTnLst>
+        </p:cTn>
+      </p:par>
+    </p:tnLst>
+  </p:timing>
 </p:sld>
 </file>
 
@@ -16042,6 +16121,85 @@
     <a:masterClrMapping/>
   </p:clrMapOvr>
   <p:transition/>
+  <p:timing>
+    <p:tnLst>
+      <p:par>
+        <p:cTn id="1" dur="indefinite" restart="never" nodeType="tmRoot">
+          <p:childTnLst>
+            <p:seq concurrent="1" nextAc="seek">
+              <p:cTn id="2" dur="indefinite" nodeType="mainSeq">
+                <p:childTnLst>
+                  <p:par>
+                    <p:cTn id="3" fill="hold">
+                      <p:stCondLst>
+                        <p:cond delay="indefinite"/>
+                      </p:stCondLst>
+                      <p:childTnLst>
+                        <p:par>
+                          <p:cTn id="4" fill="hold">
+                            <p:stCondLst>
+                              <p:cond delay="0"/>
+                            </p:stCondLst>
+                            <p:childTnLst>
+                              <p:par>
+                                <p:cTn id="5" presetID="1" presetClass="entr" presetSubtype="0" fill="hold" nodeType="clickEffect">
+                                  <p:stCondLst>
+                                    <p:cond delay="0"/>
+                                  </p:stCondLst>
+                                  <p:childTnLst>
+                                    <p:set>
+                                      <p:cBhvr>
+                                        <p:cTn id="6" dur="1" fill="hold">
+                                          <p:stCondLst>
+                                            <p:cond delay="0"/>
+                                          </p:stCondLst>
+                                        </p:cTn>
+                                        <p:tgtEl>
+                                          <p:spTgt spid="26627">
+                                            <p:txEl>
+                                              <p:pRg st="9" end="9"/>
+                                            </p:txEl>
+                                          </p:spTgt>
+                                        </p:tgtEl>
+                                        <p:attrNameLst>
+                                          <p:attrName>style.visibility</p:attrName>
+                                        </p:attrNameLst>
+                                      </p:cBhvr>
+                                      <p:to>
+                                        <p:strVal val="visible"/>
+                                      </p:to>
+                                    </p:set>
+                                  </p:childTnLst>
+                                </p:cTn>
+                              </p:par>
+                            </p:childTnLst>
+                          </p:cTn>
+                        </p:par>
+                      </p:childTnLst>
+                    </p:cTn>
+                  </p:par>
+                </p:childTnLst>
+              </p:cTn>
+              <p:prevCondLst>
+                <p:cond evt="onPrev" delay="0">
+                  <p:tgtEl>
+                    <p:sldTgt/>
+                  </p:tgtEl>
+                </p:cond>
+              </p:prevCondLst>
+              <p:nextCondLst>
+                <p:cond evt="onNext" delay="0">
+                  <p:tgtEl>
+                    <p:sldTgt/>
+                  </p:tgtEl>
+                </p:cond>
+              </p:nextCondLst>
+            </p:seq>
+          </p:childTnLst>
+        </p:cTn>
+      </p:par>
+    </p:tnLst>
+  </p:timing>
 </p:sld>
 </file>
 
@@ -16306,13 +16464,7 @@
               <a:rPr lang="en-US" altLang="en-US" sz="2000" b="1" dirty="0">
                 <a:latin typeface="Gill Sans MT" panose="020B0502020104020203" pitchFamily="34" charset="77"/>
               </a:rPr>
-              <a:t>	</a:t>
-            </a:r>
-            <a:r>
-              <a:rPr lang="en-US" altLang="en-US" sz="2000" b="1">
-                <a:latin typeface="Gill Sans MT" panose="020B0502020104020203" pitchFamily="34" charset="77"/>
-              </a:rPr>
-              <a:t>return s</a:t>
+              <a:t>	return s</a:t>
             </a:r>
           </a:p>
           <a:p>
@@ -16457,6 +16609,85 @@
     <a:masterClrMapping/>
   </p:clrMapOvr>
   <p:transition/>
+  <p:timing>
+    <p:tnLst>
+      <p:par>
+        <p:cTn id="1" dur="indefinite" restart="never" nodeType="tmRoot">
+          <p:childTnLst>
+            <p:seq concurrent="1" nextAc="seek">
+              <p:cTn id="2" dur="indefinite" nodeType="mainSeq">
+                <p:childTnLst>
+                  <p:par>
+                    <p:cTn id="3" fill="hold">
+                      <p:stCondLst>
+                        <p:cond delay="indefinite"/>
+                      </p:stCondLst>
+                      <p:childTnLst>
+                        <p:par>
+                          <p:cTn id="4" fill="hold">
+                            <p:stCondLst>
+                              <p:cond delay="0"/>
+                            </p:stCondLst>
+                            <p:childTnLst>
+                              <p:par>
+                                <p:cTn id="5" presetID="1" presetClass="entr" presetSubtype="0" fill="hold" nodeType="clickEffect">
+                                  <p:stCondLst>
+                                    <p:cond delay="0"/>
+                                  </p:stCondLst>
+                                  <p:childTnLst>
+                                    <p:set>
+                                      <p:cBhvr>
+                                        <p:cTn id="6" dur="1" fill="hold">
+                                          <p:stCondLst>
+                                            <p:cond delay="0"/>
+                                          </p:stCondLst>
+                                        </p:cTn>
+                                        <p:tgtEl>
+                                          <p:spTgt spid="26627">
+                                            <p:txEl>
+                                              <p:pRg st="8" end="8"/>
+                                            </p:txEl>
+                                          </p:spTgt>
+                                        </p:tgtEl>
+                                        <p:attrNameLst>
+                                          <p:attrName>style.visibility</p:attrName>
+                                        </p:attrNameLst>
+                                      </p:cBhvr>
+                                      <p:to>
+                                        <p:strVal val="visible"/>
+                                      </p:to>
+                                    </p:set>
+                                  </p:childTnLst>
+                                </p:cTn>
+                              </p:par>
+                            </p:childTnLst>
+                          </p:cTn>
+                        </p:par>
+                      </p:childTnLst>
+                    </p:cTn>
+                  </p:par>
+                </p:childTnLst>
+              </p:cTn>
+              <p:prevCondLst>
+                <p:cond evt="onPrev" delay="0">
+                  <p:tgtEl>
+                    <p:sldTgt/>
+                  </p:tgtEl>
+                </p:cond>
+              </p:prevCondLst>
+              <p:nextCondLst>
+                <p:cond evt="onNext" delay="0">
+                  <p:tgtEl>
+                    <p:sldTgt/>
+                  </p:tgtEl>
+                </p:cond>
+              </p:nextCondLst>
+            </p:seq>
+          </p:childTnLst>
+        </p:cTn>
+      </p:par>
+    </p:tnLst>
+  </p:timing>
 </p:sld>
 </file>
 

--- a/courses/apcsp/lect22.pptx
+++ b/courses/apcsp/lect22.pptx
@@ -5,7 +5,7 @@
     <p:sldMasterId id="2147483791" r:id="rId1"/>
   </p:sldMasterIdLst>
   <p:notesMasterIdLst>
-    <p:notesMasterId r:id="rId33"/>
+    <p:notesMasterId r:id="rId34"/>
   </p:notesMasterIdLst>
   <p:sldIdLst>
     <p:sldId id="256" r:id="rId2"/>
@@ -22,23 +22,24 @@
     <p:sldId id="617" r:id="rId13"/>
     <p:sldId id="598" r:id="rId14"/>
     <p:sldId id="612" r:id="rId15"/>
-    <p:sldId id="622" r:id="rId16"/>
-    <p:sldId id="623" r:id="rId17"/>
-    <p:sldId id="624" r:id="rId18"/>
-    <p:sldId id="600" r:id="rId19"/>
-    <p:sldId id="601" r:id="rId20"/>
-    <p:sldId id="588" r:id="rId21"/>
-    <p:sldId id="589" r:id="rId22"/>
-    <p:sldId id="602" r:id="rId23"/>
-    <p:sldId id="554" r:id="rId24"/>
-    <p:sldId id="557" r:id="rId25"/>
-    <p:sldId id="559" r:id="rId26"/>
-    <p:sldId id="556" r:id="rId27"/>
-    <p:sldId id="560" r:id="rId28"/>
-    <p:sldId id="561" r:id="rId29"/>
-    <p:sldId id="608" r:id="rId30"/>
-    <p:sldId id="609" r:id="rId31"/>
-    <p:sldId id="613" r:id="rId32"/>
+    <p:sldId id="625" r:id="rId16"/>
+    <p:sldId id="622" r:id="rId17"/>
+    <p:sldId id="623" r:id="rId18"/>
+    <p:sldId id="624" r:id="rId19"/>
+    <p:sldId id="600" r:id="rId20"/>
+    <p:sldId id="601" r:id="rId21"/>
+    <p:sldId id="588" r:id="rId22"/>
+    <p:sldId id="589" r:id="rId23"/>
+    <p:sldId id="602" r:id="rId24"/>
+    <p:sldId id="554" r:id="rId25"/>
+    <p:sldId id="557" r:id="rId26"/>
+    <p:sldId id="559" r:id="rId27"/>
+    <p:sldId id="556" r:id="rId28"/>
+    <p:sldId id="560" r:id="rId29"/>
+    <p:sldId id="561" r:id="rId30"/>
+    <p:sldId id="608" r:id="rId31"/>
+    <p:sldId id="609" r:id="rId32"/>
+    <p:sldId id="613" r:id="rId33"/>
   </p:sldIdLst>
   <p:sldSz cx="9144000" cy="5715000" type="screen16x10"/>
   <p:notesSz cx="6858000" cy="9144000"/>
@@ -148,7 +149,7 @@
 <file path=ppt/revisionInfo.xml><?xml version="1.0" encoding="utf-8"?>
 <p1510:revInfo xmlns:a="http://schemas.openxmlformats.org/drawingml/2006/main" xmlns:r="http://schemas.openxmlformats.org/officeDocument/2006/relationships" xmlns:p1510="http://schemas.microsoft.com/office/powerpoint/2015/10/main">
   <p1510:revLst>
-    <p1510:client id="{0E2AE9A0-AA60-BB4A-B160-C870111F23F3}" v="3432" dt="2021-05-10T13:57:48.483"/>
+    <p1510:client id="{0E2AE9A0-AA60-BB4A-B160-C870111F23F3}" v="3631" dt="2021-05-21T12:24:06.437"/>
   </p1510:revLst>
 </p1510:revInfo>
 </file>
@@ -567,6 +568,1005 @@
     </pc:docChg>
   </pc:docChgLst>
   <pc:docChgLst>
+    <pc:chgData name="Long B Nguyen" userId="f59fb8f3-a021-417a-8bc1-65c8d471c621" providerId="ADAL" clId="{0DD70757-F9C8-C84D-8AD6-11F473F39870}"/>
+    <pc:docChg chg="custSel addSld delSld modSld">
+      <pc:chgData name="Long B Nguyen" userId="f59fb8f3-a021-417a-8bc1-65c8d471c621" providerId="ADAL" clId="{0DD70757-F9C8-C84D-8AD6-11F473F39870}" dt="2021-04-12T13:18:36.349" v="3339"/>
+      <pc:docMkLst>
+        <pc:docMk/>
+      </pc:docMkLst>
+      <pc:sldChg chg="addSp modSp">
+        <pc:chgData name="Long B Nguyen" userId="f59fb8f3-a021-417a-8bc1-65c8d471c621" providerId="ADAL" clId="{0DD70757-F9C8-C84D-8AD6-11F473F39870}" dt="2021-04-12T13:09:50.831" v="3243"/>
+        <pc:sldMkLst>
+          <pc:docMk/>
+          <pc:sldMk cId="4247104139" sldId="256"/>
+        </pc:sldMkLst>
+        <pc:spChg chg="add mod">
+          <ac:chgData name="Long B Nguyen" userId="f59fb8f3-a021-417a-8bc1-65c8d471c621" providerId="ADAL" clId="{0DD70757-F9C8-C84D-8AD6-11F473F39870}" dt="2021-04-12T13:09:50.831" v="3243"/>
+          <ac:spMkLst>
+            <pc:docMk/>
+            <pc:sldMk cId="4247104139" sldId="256"/>
+            <ac:spMk id="5" creationId="{06E64B9F-47E7-6140-ACE4-2F0740B36099}"/>
+          </ac:spMkLst>
+        </pc:spChg>
+      </pc:sldChg>
+      <pc:sldChg chg="addSp modSp mod">
+        <pc:chgData name="Long B Nguyen" userId="f59fb8f3-a021-417a-8bc1-65c8d471c621" providerId="ADAL" clId="{0DD70757-F9C8-C84D-8AD6-11F473F39870}" dt="2021-04-12T13:09:50.831" v="3243"/>
+        <pc:sldMkLst>
+          <pc:docMk/>
+          <pc:sldMk cId="3533528898" sldId="485"/>
+        </pc:sldMkLst>
+        <pc:spChg chg="add mod">
+          <ac:chgData name="Long B Nguyen" userId="f59fb8f3-a021-417a-8bc1-65c8d471c621" providerId="ADAL" clId="{0DD70757-F9C8-C84D-8AD6-11F473F39870}" dt="2021-04-12T13:09:50.831" v="3243"/>
+          <ac:spMkLst>
+            <pc:docMk/>
+            <pc:sldMk cId="3533528898" sldId="485"/>
+            <ac:spMk id="2" creationId="{724F080B-1ED6-344D-A386-20D98D6E6E47}"/>
+          </ac:spMkLst>
+        </pc:spChg>
+        <pc:spChg chg="mod">
+          <ac:chgData name="Long B Nguyen" userId="f59fb8f3-a021-417a-8bc1-65c8d471c621" providerId="ADAL" clId="{0DD70757-F9C8-C84D-8AD6-11F473F39870}" dt="2021-04-12T13:09:14.062" v="3242" actId="5793"/>
+          <ac:spMkLst>
+            <pc:docMk/>
+            <pc:sldMk cId="3533528898" sldId="485"/>
+            <ac:spMk id="69633" creationId="{071777ED-4693-814F-BA31-CC87D6C5115F}"/>
+          </ac:spMkLst>
+        </pc:spChg>
+        <pc:spChg chg="mod">
+          <ac:chgData name="Long B Nguyen" userId="f59fb8f3-a021-417a-8bc1-65c8d471c621" providerId="ADAL" clId="{0DD70757-F9C8-C84D-8AD6-11F473F39870}" dt="2021-04-12T13:08:56.707" v="3194" actId="14100"/>
+          <ac:spMkLst>
+            <pc:docMk/>
+            <pc:sldMk cId="3533528898" sldId="485"/>
+            <ac:spMk id="69634" creationId="{73AC1D4A-738F-5940-8278-FCEBD5FB2B5A}"/>
+          </ac:spMkLst>
+        </pc:spChg>
+      </pc:sldChg>
+      <pc:sldChg chg="addSp modSp">
+        <pc:chgData name="Long B Nguyen" userId="f59fb8f3-a021-417a-8bc1-65c8d471c621" providerId="ADAL" clId="{0DD70757-F9C8-C84D-8AD6-11F473F39870}" dt="2021-04-12T13:09:50.831" v="3243"/>
+        <pc:sldMkLst>
+          <pc:docMk/>
+          <pc:sldMk cId="3162068906" sldId="527"/>
+        </pc:sldMkLst>
+        <pc:spChg chg="add mod">
+          <ac:chgData name="Long B Nguyen" userId="f59fb8f3-a021-417a-8bc1-65c8d471c621" providerId="ADAL" clId="{0DD70757-F9C8-C84D-8AD6-11F473F39870}" dt="2021-04-12T13:09:50.831" v="3243"/>
+          <ac:spMkLst>
+            <pc:docMk/>
+            <pc:sldMk cId="3162068906" sldId="527"/>
+            <ac:spMk id="2" creationId="{B91DBC9D-5C95-F84E-A164-C0D83D3E899F}"/>
+          </ac:spMkLst>
+        </pc:spChg>
+        <pc:spChg chg="mod">
+          <ac:chgData name="Long B Nguyen" userId="f59fb8f3-a021-417a-8bc1-65c8d471c621" providerId="ADAL" clId="{0DD70757-F9C8-C84D-8AD6-11F473F39870}" dt="2021-04-01T15:56:34.392" v="274" actId="20577"/>
+          <ac:spMkLst>
+            <pc:docMk/>
+            <pc:sldMk cId="3162068906" sldId="527"/>
+            <ac:spMk id="16386" creationId="{68E5F79A-ADEF-9749-ACDC-BD05BB57A172}"/>
+          </ac:spMkLst>
+        </pc:spChg>
+      </pc:sldChg>
+      <pc:sldChg chg="addSp modSp modNotes">
+        <pc:chgData name="Long B Nguyen" userId="f59fb8f3-a021-417a-8bc1-65c8d471c621" providerId="ADAL" clId="{0DD70757-F9C8-C84D-8AD6-11F473F39870}" dt="2021-04-12T13:09:50.831" v="3243"/>
+        <pc:sldMkLst>
+          <pc:docMk/>
+          <pc:sldMk cId="3102825031" sldId="528"/>
+        </pc:sldMkLst>
+        <pc:spChg chg="add mod">
+          <ac:chgData name="Long B Nguyen" userId="f59fb8f3-a021-417a-8bc1-65c8d471c621" providerId="ADAL" clId="{0DD70757-F9C8-C84D-8AD6-11F473F39870}" dt="2021-04-12T13:09:50.831" v="3243"/>
+          <ac:spMkLst>
+            <pc:docMk/>
+            <pc:sldMk cId="3102825031" sldId="528"/>
+            <ac:spMk id="2" creationId="{E34C40A6-5A9F-3149-BADF-18B4927FA182}"/>
+          </ac:spMkLst>
+        </pc:spChg>
+      </pc:sldChg>
+      <pc:sldChg chg="addSp modSp modAnim">
+        <pc:chgData name="Long B Nguyen" userId="f59fb8f3-a021-417a-8bc1-65c8d471c621" providerId="ADAL" clId="{0DD70757-F9C8-C84D-8AD6-11F473F39870}" dt="2021-04-12T13:17:02.261" v="3324"/>
+        <pc:sldMkLst>
+          <pc:docMk/>
+          <pc:sldMk cId="4057016805" sldId="529"/>
+        </pc:sldMkLst>
+        <pc:spChg chg="add mod">
+          <ac:chgData name="Long B Nguyen" userId="f59fb8f3-a021-417a-8bc1-65c8d471c621" providerId="ADAL" clId="{0DD70757-F9C8-C84D-8AD6-11F473F39870}" dt="2021-04-12T13:09:50.831" v="3243"/>
+          <ac:spMkLst>
+            <pc:docMk/>
+            <pc:sldMk cId="4057016805" sldId="529"/>
+            <ac:spMk id="2" creationId="{C7DDDF4F-60A3-0640-8AC6-05689DD3873A}"/>
+          </ac:spMkLst>
+        </pc:spChg>
+      </pc:sldChg>
+      <pc:sldChg chg="addSp modSp mod">
+        <pc:chgData name="Long B Nguyen" userId="f59fb8f3-a021-417a-8bc1-65c8d471c621" providerId="ADAL" clId="{0DD70757-F9C8-C84D-8AD6-11F473F39870}" dt="2021-04-12T13:09:50.831" v="3243"/>
+        <pc:sldMkLst>
+          <pc:docMk/>
+          <pc:sldMk cId="1925924244" sldId="556"/>
+        </pc:sldMkLst>
+        <pc:spChg chg="add mod">
+          <ac:chgData name="Long B Nguyen" userId="f59fb8f3-a021-417a-8bc1-65c8d471c621" providerId="ADAL" clId="{0DD70757-F9C8-C84D-8AD6-11F473F39870}" dt="2021-04-12T13:09:50.831" v="3243"/>
+          <ac:spMkLst>
+            <pc:docMk/>
+            <pc:sldMk cId="1925924244" sldId="556"/>
+            <ac:spMk id="2" creationId="{CB412D6F-AE4F-1149-B310-2341F76FA139}"/>
+          </ac:spMkLst>
+        </pc:spChg>
+        <pc:spChg chg="mod">
+          <ac:chgData name="Long B Nguyen" userId="f59fb8f3-a021-417a-8bc1-65c8d471c621" providerId="ADAL" clId="{0DD70757-F9C8-C84D-8AD6-11F473F39870}" dt="2021-04-01T15:57:31.285" v="277" actId="14100"/>
+          <ac:spMkLst>
+            <pc:docMk/>
+            <pc:sldMk cId="1925924244" sldId="556"/>
+            <ac:spMk id="16386" creationId="{2A7E0F38-3D69-FA4C-A13E-BC74CAF926EB}"/>
+          </ac:spMkLst>
+        </pc:spChg>
+        <pc:spChg chg="mod">
+          <ac:chgData name="Long B Nguyen" userId="f59fb8f3-a021-417a-8bc1-65c8d471c621" providerId="ADAL" clId="{0DD70757-F9C8-C84D-8AD6-11F473F39870}" dt="2021-04-01T15:57:28.991" v="276" actId="1076"/>
+          <ac:spMkLst>
+            <pc:docMk/>
+            <pc:sldMk cId="1925924244" sldId="556"/>
+            <ac:spMk id="18433" creationId="{02AE339C-E512-214C-87AC-C7DED5975191}"/>
+          </ac:spMkLst>
+        </pc:spChg>
+      </pc:sldChg>
+      <pc:sldChg chg="addSp modSp del modNotes">
+        <pc:chgData name="Long B Nguyen" userId="f59fb8f3-a021-417a-8bc1-65c8d471c621" providerId="ADAL" clId="{0DD70757-F9C8-C84D-8AD6-11F473F39870}" dt="2021-04-12T13:10:53.389" v="3259" actId="2696"/>
+        <pc:sldMkLst>
+          <pc:docMk/>
+          <pc:sldMk cId="1994733491" sldId="557"/>
+        </pc:sldMkLst>
+        <pc:spChg chg="add mod">
+          <ac:chgData name="Long B Nguyen" userId="f59fb8f3-a021-417a-8bc1-65c8d471c621" providerId="ADAL" clId="{0DD70757-F9C8-C84D-8AD6-11F473F39870}" dt="2021-04-12T13:09:50.831" v="3243"/>
+          <ac:spMkLst>
+            <pc:docMk/>
+            <pc:sldMk cId="1994733491" sldId="557"/>
+            <ac:spMk id="2" creationId="{53429977-2412-7343-9622-21771DD587B9}"/>
+          </ac:spMkLst>
+        </pc:spChg>
+      </pc:sldChg>
+      <pc:sldChg chg="addSp modSp">
+        <pc:chgData name="Long B Nguyen" userId="f59fb8f3-a021-417a-8bc1-65c8d471c621" providerId="ADAL" clId="{0DD70757-F9C8-C84D-8AD6-11F473F39870}" dt="2021-04-12T13:09:50.831" v="3243"/>
+        <pc:sldMkLst>
+          <pc:docMk/>
+          <pc:sldMk cId="748879865" sldId="559"/>
+        </pc:sldMkLst>
+        <pc:spChg chg="add mod">
+          <ac:chgData name="Long B Nguyen" userId="f59fb8f3-a021-417a-8bc1-65c8d471c621" providerId="ADAL" clId="{0DD70757-F9C8-C84D-8AD6-11F473F39870}" dt="2021-04-12T13:09:50.831" v="3243"/>
+          <ac:spMkLst>
+            <pc:docMk/>
+            <pc:sldMk cId="748879865" sldId="559"/>
+            <ac:spMk id="2" creationId="{EDEF7940-4D70-204C-B7C3-3224EFA8B7AE}"/>
+          </ac:spMkLst>
+        </pc:spChg>
+      </pc:sldChg>
+      <pc:sldChg chg="addSp modSp">
+        <pc:chgData name="Long B Nguyen" userId="f59fb8f3-a021-417a-8bc1-65c8d471c621" providerId="ADAL" clId="{0DD70757-F9C8-C84D-8AD6-11F473F39870}" dt="2021-04-12T13:09:50.831" v="3243"/>
+        <pc:sldMkLst>
+          <pc:docMk/>
+          <pc:sldMk cId="3841479407" sldId="560"/>
+        </pc:sldMkLst>
+        <pc:spChg chg="add mod">
+          <ac:chgData name="Long B Nguyen" userId="f59fb8f3-a021-417a-8bc1-65c8d471c621" providerId="ADAL" clId="{0DD70757-F9C8-C84D-8AD6-11F473F39870}" dt="2021-04-12T13:09:50.831" v="3243"/>
+          <ac:spMkLst>
+            <pc:docMk/>
+            <pc:sldMk cId="3841479407" sldId="560"/>
+            <ac:spMk id="2" creationId="{4DB12DC6-C4B0-7548-B81A-18ED0C9DF1BB}"/>
+          </ac:spMkLst>
+        </pc:spChg>
+      </pc:sldChg>
+      <pc:sldChg chg="addSp modSp mod modAnim">
+        <pc:chgData name="Long B Nguyen" userId="f59fb8f3-a021-417a-8bc1-65c8d471c621" providerId="ADAL" clId="{0DD70757-F9C8-C84D-8AD6-11F473F39870}" dt="2021-04-12T13:11:41.780" v="3269"/>
+        <pc:sldMkLst>
+          <pc:docMk/>
+          <pc:sldMk cId="558292674" sldId="561"/>
+        </pc:sldMkLst>
+        <pc:spChg chg="add mod">
+          <ac:chgData name="Long B Nguyen" userId="f59fb8f3-a021-417a-8bc1-65c8d471c621" providerId="ADAL" clId="{0DD70757-F9C8-C84D-8AD6-11F473F39870}" dt="2021-04-12T13:09:50.831" v="3243"/>
+          <ac:spMkLst>
+            <pc:docMk/>
+            <pc:sldMk cId="558292674" sldId="561"/>
+            <ac:spMk id="2" creationId="{FC2C2F53-4E2A-B341-9B3B-F4B7D2C3366E}"/>
+          </ac:spMkLst>
+        </pc:spChg>
+        <pc:spChg chg="mod">
+          <ac:chgData name="Long B Nguyen" userId="f59fb8f3-a021-417a-8bc1-65c8d471c621" providerId="ADAL" clId="{0DD70757-F9C8-C84D-8AD6-11F473F39870}" dt="2021-04-12T12:39:24.431" v="1832" actId="14100"/>
+          <ac:spMkLst>
+            <pc:docMk/>
+            <pc:sldMk cId="558292674" sldId="561"/>
+            <ac:spMk id="16386" creationId="{3185AAF4-BE97-6F4A-B9F7-2CF7E78E26EA}"/>
+          </ac:spMkLst>
+        </pc:spChg>
+        <pc:spChg chg="mod">
+          <ac:chgData name="Long B Nguyen" userId="f59fb8f3-a021-417a-8bc1-65c8d471c621" providerId="ADAL" clId="{0DD70757-F9C8-C84D-8AD6-11F473F39870}" dt="2021-04-12T12:39:22.152" v="1831" actId="14100"/>
+          <ac:spMkLst>
+            <pc:docMk/>
+            <pc:sldMk cId="558292674" sldId="561"/>
+            <ac:spMk id="32769" creationId="{1AAEA145-136D-F74A-BD41-5DFAA9C09F92}"/>
+          </ac:spMkLst>
+        </pc:spChg>
+      </pc:sldChg>
+      <pc:sldChg chg="addSp modSp mod">
+        <pc:chgData name="Long B Nguyen" userId="f59fb8f3-a021-417a-8bc1-65c8d471c621" providerId="ADAL" clId="{0DD70757-F9C8-C84D-8AD6-11F473F39870}" dt="2021-04-12T13:09:50.831" v="3243"/>
+        <pc:sldMkLst>
+          <pc:docMk/>
+          <pc:sldMk cId="3239512120" sldId="562"/>
+        </pc:sldMkLst>
+        <pc:spChg chg="add mod">
+          <ac:chgData name="Long B Nguyen" userId="f59fb8f3-a021-417a-8bc1-65c8d471c621" providerId="ADAL" clId="{0DD70757-F9C8-C84D-8AD6-11F473F39870}" dt="2021-04-12T13:09:50.831" v="3243"/>
+          <ac:spMkLst>
+            <pc:docMk/>
+            <pc:sldMk cId="3239512120" sldId="562"/>
+            <ac:spMk id="2" creationId="{750DCE67-A864-0542-BFCB-5A55A180B4C1}"/>
+          </ac:spMkLst>
+        </pc:spChg>
+        <pc:spChg chg="mod">
+          <ac:chgData name="Long B Nguyen" userId="f59fb8f3-a021-417a-8bc1-65c8d471c621" providerId="ADAL" clId="{0DD70757-F9C8-C84D-8AD6-11F473F39870}" dt="2021-04-01T15:59:55.617" v="339" actId="14100"/>
+          <ac:spMkLst>
+            <pc:docMk/>
+            <pc:sldMk cId="3239512120" sldId="562"/>
+            <ac:spMk id="16386" creationId="{BEECF8C6-48A2-4844-8DE5-A821793BF5B7}"/>
+          </ac:spMkLst>
+        </pc:spChg>
+        <pc:spChg chg="mod">
+          <ac:chgData name="Long B Nguyen" userId="f59fb8f3-a021-417a-8bc1-65c8d471c621" providerId="ADAL" clId="{0DD70757-F9C8-C84D-8AD6-11F473F39870}" dt="2021-04-01T15:59:53.600" v="338" actId="1076"/>
+          <ac:spMkLst>
+            <pc:docMk/>
+            <pc:sldMk cId="3239512120" sldId="562"/>
+            <ac:spMk id="34817" creationId="{A0866BCF-5E35-B741-A5DE-A0C27EB5D25F}"/>
+          </ac:spMkLst>
+        </pc:spChg>
+      </pc:sldChg>
+      <pc:sldChg chg="addSp modSp">
+        <pc:chgData name="Long B Nguyen" userId="f59fb8f3-a021-417a-8bc1-65c8d471c621" providerId="ADAL" clId="{0DD70757-F9C8-C84D-8AD6-11F473F39870}" dt="2021-04-12T13:09:50.831" v="3243"/>
+        <pc:sldMkLst>
+          <pc:docMk/>
+          <pc:sldMk cId="62561003" sldId="564"/>
+        </pc:sldMkLst>
+        <pc:spChg chg="add mod">
+          <ac:chgData name="Long B Nguyen" userId="f59fb8f3-a021-417a-8bc1-65c8d471c621" providerId="ADAL" clId="{0DD70757-F9C8-C84D-8AD6-11F473F39870}" dt="2021-04-12T13:09:50.831" v="3243"/>
+          <ac:spMkLst>
+            <pc:docMk/>
+            <pc:sldMk cId="62561003" sldId="564"/>
+            <ac:spMk id="2" creationId="{F482716C-0AC1-D446-B9D3-7503987A7C36}"/>
+          </ac:spMkLst>
+        </pc:spChg>
+      </pc:sldChg>
+      <pc:sldChg chg="addSp modSp">
+        <pc:chgData name="Long B Nguyen" userId="f59fb8f3-a021-417a-8bc1-65c8d471c621" providerId="ADAL" clId="{0DD70757-F9C8-C84D-8AD6-11F473F39870}" dt="2021-04-12T13:09:50.831" v="3243"/>
+        <pc:sldMkLst>
+          <pc:docMk/>
+          <pc:sldMk cId="1496186937" sldId="565"/>
+        </pc:sldMkLst>
+        <pc:spChg chg="add mod">
+          <ac:chgData name="Long B Nguyen" userId="f59fb8f3-a021-417a-8bc1-65c8d471c621" providerId="ADAL" clId="{0DD70757-F9C8-C84D-8AD6-11F473F39870}" dt="2021-04-12T13:09:50.831" v="3243"/>
+          <ac:spMkLst>
+            <pc:docMk/>
+            <pc:sldMk cId="1496186937" sldId="565"/>
+            <ac:spMk id="5" creationId="{2183558D-A15B-B14A-AC63-9DDC31077FF8}"/>
+          </ac:spMkLst>
+        </pc:spChg>
+      </pc:sldChg>
+      <pc:sldChg chg="addSp modSp">
+        <pc:chgData name="Long B Nguyen" userId="f59fb8f3-a021-417a-8bc1-65c8d471c621" providerId="ADAL" clId="{0DD70757-F9C8-C84D-8AD6-11F473F39870}" dt="2021-04-12T13:09:50.831" v="3243"/>
+        <pc:sldMkLst>
+          <pc:docMk/>
+          <pc:sldMk cId="1123629102" sldId="566"/>
+        </pc:sldMkLst>
+        <pc:spChg chg="add mod">
+          <ac:chgData name="Long B Nguyen" userId="f59fb8f3-a021-417a-8bc1-65c8d471c621" providerId="ADAL" clId="{0DD70757-F9C8-C84D-8AD6-11F473F39870}" dt="2021-04-12T13:09:50.831" v="3243"/>
+          <ac:spMkLst>
+            <pc:docMk/>
+            <pc:sldMk cId="1123629102" sldId="566"/>
+            <ac:spMk id="2" creationId="{41ED9DF9-35E1-2341-93F0-ECD9B722F1B3}"/>
+          </ac:spMkLst>
+        </pc:spChg>
+      </pc:sldChg>
+      <pc:sldChg chg="addSp modSp">
+        <pc:chgData name="Long B Nguyen" userId="f59fb8f3-a021-417a-8bc1-65c8d471c621" providerId="ADAL" clId="{0DD70757-F9C8-C84D-8AD6-11F473F39870}" dt="2021-04-12T13:09:50.831" v="3243"/>
+        <pc:sldMkLst>
+          <pc:docMk/>
+          <pc:sldMk cId="3949497385" sldId="567"/>
+        </pc:sldMkLst>
+        <pc:spChg chg="add mod">
+          <ac:chgData name="Long B Nguyen" userId="f59fb8f3-a021-417a-8bc1-65c8d471c621" providerId="ADAL" clId="{0DD70757-F9C8-C84D-8AD6-11F473F39870}" dt="2021-04-12T13:09:50.831" v="3243"/>
+          <ac:spMkLst>
+            <pc:docMk/>
+            <pc:sldMk cId="3949497385" sldId="567"/>
+            <ac:spMk id="2" creationId="{57867AEC-7744-0A40-95A9-A50116740FA2}"/>
+          </ac:spMkLst>
+        </pc:spChg>
+      </pc:sldChg>
+      <pc:sldChg chg="del">
+        <pc:chgData name="Long B Nguyen" userId="f59fb8f3-a021-417a-8bc1-65c8d471c621" providerId="ADAL" clId="{0DD70757-F9C8-C84D-8AD6-11F473F39870}" dt="2021-04-12T12:40:04.715" v="1834" actId="2696"/>
+        <pc:sldMkLst>
+          <pc:docMk/>
+          <pc:sldMk cId="2869642700" sldId="568"/>
+        </pc:sldMkLst>
+      </pc:sldChg>
+      <pc:sldChg chg="addSp modSp add">
+        <pc:chgData name="Long B Nguyen" userId="f59fb8f3-a021-417a-8bc1-65c8d471c621" providerId="ADAL" clId="{0DD70757-F9C8-C84D-8AD6-11F473F39870}" dt="2021-04-12T13:09:50.831" v="3243"/>
+        <pc:sldMkLst>
+          <pc:docMk/>
+          <pc:sldMk cId="3008892020" sldId="569"/>
+        </pc:sldMkLst>
+        <pc:spChg chg="add mod">
+          <ac:chgData name="Long B Nguyen" userId="f59fb8f3-a021-417a-8bc1-65c8d471c621" providerId="ADAL" clId="{0DD70757-F9C8-C84D-8AD6-11F473F39870}" dt="2021-04-12T13:09:50.831" v="3243"/>
+          <ac:spMkLst>
+            <pc:docMk/>
+            <pc:sldMk cId="3008892020" sldId="569"/>
+            <ac:spMk id="2" creationId="{28915630-4AE5-B644-9084-B1DACBAE9F89}"/>
+          </ac:spMkLst>
+        </pc:spChg>
+      </pc:sldChg>
+      <pc:sldChg chg="del">
+        <pc:chgData name="Long B Nguyen" userId="f59fb8f3-a021-417a-8bc1-65c8d471c621" providerId="ADAL" clId="{0DD70757-F9C8-C84D-8AD6-11F473F39870}" dt="2021-04-12T12:40:55.891" v="1836" actId="2696"/>
+        <pc:sldMkLst>
+          <pc:docMk/>
+          <pc:sldMk cId="3333082340" sldId="569"/>
+        </pc:sldMkLst>
+      </pc:sldChg>
+      <pc:sldChg chg="addSp modSp mod modAnim">
+        <pc:chgData name="Long B Nguyen" userId="f59fb8f3-a021-417a-8bc1-65c8d471c621" providerId="ADAL" clId="{0DD70757-F9C8-C84D-8AD6-11F473F39870}" dt="2021-04-12T13:11:06.939" v="3261"/>
+        <pc:sldMkLst>
+          <pc:docMk/>
+          <pc:sldMk cId="2526255488" sldId="570"/>
+        </pc:sldMkLst>
+        <pc:spChg chg="add mod">
+          <ac:chgData name="Long B Nguyen" userId="f59fb8f3-a021-417a-8bc1-65c8d471c621" providerId="ADAL" clId="{0DD70757-F9C8-C84D-8AD6-11F473F39870}" dt="2021-04-12T13:09:50.831" v="3243"/>
+          <ac:spMkLst>
+            <pc:docMk/>
+            <pc:sldMk cId="2526255488" sldId="570"/>
+            <ac:spMk id="2" creationId="{239BF271-7E6F-464A-8BDB-FAB0970A7768}"/>
+          </ac:spMkLst>
+        </pc:spChg>
+        <pc:spChg chg="mod">
+          <ac:chgData name="Long B Nguyen" userId="f59fb8f3-a021-417a-8bc1-65c8d471c621" providerId="ADAL" clId="{0DD70757-F9C8-C84D-8AD6-11F473F39870}" dt="2021-04-12T13:10:44.882" v="3255" actId="1076"/>
+          <ac:spMkLst>
+            <pc:docMk/>
+            <pc:sldMk cId="2526255488" sldId="570"/>
+            <ac:spMk id="20481" creationId="{5A3AE34F-9938-AB4E-97EB-92987E0698C0}"/>
+          </ac:spMkLst>
+        </pc:spChg>
+        <pc:spChg chg="mod">
+          <ac:chgData name="Long B Nguyen" userId="f59fb8f3-a021-417a-8bc1-65c8d471c621" providerId="ADAL" clId="{0DD70757-F9C8-C84D-8AD6-11F473F39870}" dt="2021-04-12T13:10:41.483" v="3253" actId="20577"/>
+          <ac:spMkLst>
+            <pc:docMk/>
+            <pc:sldMk cId="2526255488" sldId="570"/>
+            <ac:spMk id="20482" creationId="{5E8218B3-465D-6F42-A92F-9D686809D45C}"/>
+          </ac:spMkLst>
+        </pc:spChg>
+        <pc:picChg chg="add mod">
+          <ac:chgData name="Long B Nguyen" userId="f59fb8f3-a021-417a-8bc1-65c8d471c621" providerId="ADAL" clId="{0DD70757-F9C8-C84D-8AD6-11F473F39870}" dt="2021-04-12T13:10:51.404" v="3258" actId="1076"/>
+          <ac:picMkLst>
+            <pc:docMk/>
+            <pc:sldMk cId="2526255488" sldId="570"/>
+            <ac:picMk id="5" creationId="{FB922DC4-52CF-364C-AEAF-A07B074050A4}"/>
+          </ac:picMkLst>
+        </pc:picChg>
+      </pc:sldChg>
+      <pc:sldChg chg="addSp modSp del mod">
+        <pc:chgData name="Long B Nguyen" userId="f59fb8f3-a021-417a-8bc1-65c8d471c621" providerId="ADAL" clId="{0DD70757-F9C8-C84D-8AD6-11F473F39870}" dt="2021-04-12T12:41:42.188" v="1840" actId="2696"/>
+        <pc:sldMkLst>
+          <pc:docMk/>
+          <pc:sldMk cId="2952073042" sldId="571"/>
+        </pc:sldMkLst>
+        <pc:spChg chg="add mod">
+          <ac:chgData name="Long B Nguyen" userId="f59fb8f3-a021-417a-8bc1-65c8d471c621" providerId="ADAL" clId="{0DD70757-F9C8-C84D-8AD6-11F473F39870}" dt="2021-04-01T16:01:55.320" v="356" actId="207"/>
+          <ac:spMkLst>
+            <pc:docMk/>
+            <pc:sldMk cId="2952073042" sldId="571"/>
+            <ac:spMk id="4" creationId="{65666141-FF84-254A-9BD3-FB2CA65EE8DD}"/>
+          </ac:spMkLst>
+        </pc:spChg>
+        <pc:spChg chg="add mod">
+          <ac:chgData name="Long B Nguyen" userId="f59fb8f3-a021-417a-8bc1-65c8d471c621" providerId="ADAL" clId="{0DD70757-F9C8-C84D-8AD6-11F473F39870}" dt="2021-04-01T16:02:02.763" v="361" actId="20577"/>
+          <ac:spMkLst>
+            <pc:docMk/>
+            <pc:sldMk cId="2952073042" sldId="571"/>
+            <ac:spMk id="26" creationId="{8734BC5C-9B6F-B042-95C6-0470D88044D1}"/>
+          </ac:spMkLst>
+        </pc:spChg>
+        <pc:spChg chg="mod">
+          <ac:chgData name="Long B Nguyen" userId="f59fb8f3-a021-417a-8bc1-65c8d471c621" providerId="ADAL" clId="{0DD70757-F9C8-C84D-8AD6-11F473F39870}" dt="2021-04-01T16:01:40.873" v="347" actId="20577"/>
+          <ac:spMkLst>
+            <pc:docMk/>
+            <pc:sldMk cId="2952073042" sldId="571"/>
+            <ac:spMk id="16386" creationId="{329B2B06-1922-5C41-84A6-22DCD0FD3F20}"/>
+          </ac:spMkLst>
+        </pc:spChg>
+        <pc:spChg chg="mod">
+          <ac:chgData name="Long B Nguyen" userId="f59fb8f3-a021-417a-8bc1-65c8d471c621" providerId="ADAL" clId="{0DD70757-F9C8-C84D-8AD6-11F473F39870}" dt="2021-04-01T16:00:29.579" v="341" actId="20577"/>
+          <ac:spMkLst>
+            <pc:docMk/>
+            <pc:sldMk cId="2952073042" sldId="571"/>
+            <ac:spMk id="49170" creationId="{1C48AFFA-99C6-1D49-AA67-1F13BCF5F8DF}"/>
+          </ac:spMkLst>
+        </pc:spChg>
+        <pc:spChg chg="mod">
+          <ac:chgData name="Long B Nguyen" userId="f59fb8f3-a021-417a-8bc1-65c8d471c621" providerId="ADAL" clId="{0DD70757-F9C8-C84D-8AD6-11F473F39870}" dt="2021-04-01T16:00:33.054" v="343" actId="20577"/>
+          <ac:spMkLst>
+            <pc:docMk/>
+            <pc:sldMk cId="2952073042" sldId="571"/>
+            <ac:spMk id="49171" creationId="{359EB0E3-8451-E64A-85F4-06128C98C4F6}"/>
+          </ac:spMkLst>
+        </pc:spChg>
+        <pc:cxnChg chg="add mod">
+          <ac:chgData name="Long B Nguyen" userId="f59fb8f3-a021-417a-8bc1-65c8d471c621" providerId="ADAL" clId="{0DD70757-F9C8-C84D-8AD6-11F473F39870}" dt="2021-04-01T16:01:28.301" v="346" actId="14100"/>
+          <ac:cxnSpMkLst>
+            <pc:docMk/>
+            <pc:sldMk cId="2952073042" sldId="571"/>
+            <ac:cxnSpMk id="21" creationId="{2AC4154D-1C7E-DE4E-8674-02F434004962}"/>
+          </ac:cxnSpMkLst>
+        </pc:cxnChg>
+        <pc:cxnChg chg="add mod">
+          <ac:chgData name="Long B Nguyen" userId="f59fb8f3-a021-417a-8bc1-65c8d471c621" providerId="ADAL" clId="{0DD70757-F9C8-C84D-8AD6-11F473F39870}" dt="2021-04-01T16:01:26.014" v="345" actId="14100"/>
+          <ac:cxnSpMkLst>
+            <pc:docMk/>
+            <pc:sldMk cId="2952073042" sldId="571"/>
+            <ac:cxnSpMk id="22" creationId="{8828E422-3107-DB46-9287-AB6C948AAF4E}"/>
+          </ac:cxnSpMkLst>
+        </pc:cxnChg>
+      </pc:sldChg>
+      <pc:sldChg chg="addSp modSp del mod">
+        <pc:chgData name="Long B Nguyen" userId="f59fb8f3-a021-417a-8bc1-65c8d471c621" providerId="ADAL" clId="{0DD70757-F9C8-C84D-8AD6-11F473F39870}" dt="2021-04-12T12:41:42.188" v="1840" actId="2696"/>
+        <pc:sldMkLst>
+          <pc:docMk/>
+          <pc:sldMk cId="270817839" sldId="572"/>
+        </pc:sldMkLst>
+        <pc:spChg chg="mod">
+          <ac:chgData name="Long B Nguyen" userId="f59fb8f3-a021-417a-8bc1-65c8d471c621" providerId="ADAL" clId="{0DD70757-F9C8-C84D-8AD6-11F473F39870}" dt="2021-04-01T12:26:44.631" v="205" actId="20577"/>
+          <ac:spMkLst>
+            <pc:docMk/>
+            <pc:sldMk cId="270817839" sldId="572"/>
+            <ac:spMk id="16386" creationId="{D2C45497-8912-0F44-8527-E1D3516D268F}"/>
+          </ac:spMkLst>
+        </pc:spChg>
+        <pc:cxnChg chg="add mod">
+          <ac:chgData name="Long B Nguyen" userId="f59fb8f3-a021-417a-8bc1-65c8d471c621" providerId="ADAL" clId="{0DD70757-F9C8-C84D-8AD6-11F473F39870}" dt="2021-04-01T16:02:23.874" v="363" actId="14100"/>
+          <ac:cxnSpMkLst>
+            <pc:docMk/>
+            <pc:sldMk cId="270817839" sldId="572"/>
+            <ac:cxnSpMk id="33" creationId="{6162F4E7-82D3-FD44-91B3-A2785E075FFC}"/>
+          </ac:cxnSpMkLst>
+        </pc:cxnChg>
+        <pc:cxnChg chg="add mod">
+          <ac:chgData name="Long B Nguyen" userId="f59fb8f3-a021-417a-8bc1-65c8d471c621" providerId="ADAL" clId="{0DD70757-F9C8-C84D-8AD6-11F473F39870}" dt="2021-04-01T16:02:29.170" v="365" actId="14100"/>
+          <ac:cxnSpMkLst>
+            <pc:docMk/>
+            <pc:sldMk cId="270817839" sldId="572"/>
+            <ac:cxnSpMk id="34" creationId="{7B18D12E-B736-3E4F-93FF-EE0C1CA2D54E}"/>
+          </ac:cxnSpMkLst>
+        </pc:cxnChg>
+      </pc:sldChg>
+      <pc:sldChg chg="addSp modSp">
+        <pc:chgData name="Long B Nguyen" userId="f59fb8f3-a021-417a-8bc1-65c8d471c621" providerId="ADAL" clId="{0DD70757-F9C8-C84D-8AD6-11F473F39870}" dt="2021-04-12T13:09:50.831" v="3243"/>
+        <pc:sldMkLst>
+          <pc:docMk/>
+          <pc:sldMk cId="4110945301" sldId="574"/>
+        </pc:sldMkLst>
+        <pc:spChg chg="add mod">
+          <ac:chgData name="Long B Nguyen" userId="f59fb8f3-a021-417a-8bc1-65c8d471c621" providerId="ADAL" clId="{0DD70757-F9C8-C84D-8AD6-11F473F39870}" dt="2021-04-12T13:09:50.831" v="3243"/>
+          <ac:spMkLst>
+            <pc:docMk/>
+            <pc:sldMk cId="4110945301" sldId="574"/>
+            <ac:spMk id="2" creationId="{84D08FEE-2AC6-494C-9540-BA634F276B51}"/>
+          </ac:spMkLst>
+        </pc:spChg>
+      </pc:sldChg>
+      <pc:sldChg chg="modSp del mod modAnim">
+        <pc:chgData name="Long B Nguyen" userId="f59fb8f3-a021-417a-8bc1-65c8d471c621" providerId="ADAL" clId="{0DD70757-F9C8-C84D-8AD6-11F473F39870}" dt="2021-04-12T12:43:15.056" v="1881" actId="2696"/>
+        <pc:sldMkLst>
+          <pc:docMk/>
+          <pc:sldMk cId="1553353509" sldId="575"/>
+        </pc:sldMkLst>
+        <pc:spChg chg="mod">
+          <ac:chgData name="Long B Nguyen" userId="f59fb8f3-a021-417a-8bc1-65c8d471c621" providerId="ADAL" clId="{0DD70757-F9C8-C84D-8AD6-11F473F39870}" dt="2021-04-01T16:11:24.432" v="434" actId="20577"/>
+          <ac:spMkLst>
+            <pc:docMk/>
+            <pc:sldMk cId="1553353509" sldId="575"/>
+            <ac:spMk id="16386" creationId="{C563149A-FB03-7F41-801D-086D70B22CED}"/>
+          </ac:spMkLst>
+        </pc:spChg>
+      </pc:sldChg>
+      <pc:sldChg chg="addSp modSp">
+        <pc:chgData name="Long B Nguyen" userId="f59fb8f3-a021-417a-8bc1-65c8d471c621" providerId="ADAL" clId="{0DD70757-F9C8-C84D-8AD6-11F473F39870}" dt="2021-04-12T13:09:50.831" v="3243"/>
+        <pc:sldMkLst>
+          <pc:docMk/>
+          <pc:sldMk cId="2954573052" sldId="576"/>
+        </pc:sldMkLst>
+        <pc:spChg chg="add mod">
+          <ac:chgData name="Long B Nguyen" userId="f59fb8f3-a021-417a-8bc1-65c8d471c621" providerId="ADAL" clId="{0DD70757-F9C8-C84D-8AD6-11F473F39870}" dt="2021-04-12T13:09:50.831" v="3243"/>
+          <ac:spMkLst>
+            <pc:docMk/>
+            <pc:sldMk cId="2954573052" sldId="576"/>
+            <ac:spMk id="2" creationId="{968C89B0-1485-4B49-B4B0-F09A79459563}"/>
+          </ac:spMkLst>
+        </pc:spChg>
+      </pc:sldChg>
+      <pc:sldChg chg="addSp modSp">
+        <pc:chgData name="Long B Nguyen" userId="f59fb8f3-a021-417a-8bc1-65c8d471c621" providerId="ADAL" clId="{0DD70757-F9C8-C84D-8AD6-11F473F39870}" dt="2021-04-12T13:09:50.831" v="3243"/>
+        <pc:sldMkLst>
+          <pc:docMk/>
+          <pc:sldMk cId="1547101256" sldId="577"/>
+        </pc:sldMkLst>
+        <pc:spChg chg="add mod">
+          <ac:chgData name="Long B Nguyen" userId="f59fb8f3-a021-417a-8bc1-65c8d471c621" providerId="ADAL" clId="{0DD70757-F9C8-C84D-8AD6-11F473F39870}" dt="2021-04-12T13:09:50.831" v="3243"/>
+          <ac:spMkLst>
+            <pc:docMk/>
+            <pc:sldMk cId="1547101256" sldId="577"/>
+            <ac:spMk id="2" creationId="{CEF074FF-2762-1D4C-8DA0-EC0574475AD3}"/>
+          </ac:spMkLst>
+        </pc:spChg>
+      </pc:sldChg>
+      <pc:sldChg chg="addSp modSp">
+        <pc:chgData name="Long B Nguyen" userId="f59fb8f3-a021-417a-8bc1-65c8d471c621" providerId="ADAL" clId="{0DD70757-F9C8-C84D-8AD6-11F473F39870}" dt="2021-04-12T13:09:50.831" v="3243"/>
+        <pc:sldMkLst>
+          <pc:docMk/>
+          <pc:sldMk cId="891751900" sldId="579"/>
+        </pc:sldMkLst>
+        <pc:spChg chg="add mod">
+          <ac:chgData name="Long B Nguyen" userId="f59fb8f3-a021-417a-8bc1-65c8d471c621" providerId="ADAL" clId="{0DD70757-F9C8-C84D-8AD6-11F473F39870}" dt="2021-04-12T13:09:50.831" v="3243"/>
+          <ac:spMkLst>
+            <pc:docMk/>
+            <pc:sldMk cId="891751900" sldId="579"/>
+            <ac:spMk id="2" creationId="{61ED436E-B4D7-9248-A1B4-99D5830F5C0E}"/>
+          </ac:spMkLst>
+        </pc:spChg>
+        <pc:spChg chg="mod">
+          <ac:chgData name="Long B Nguyen" userId="f59fb8f3-a021-417a-8bc1-65c8d471c621" providerId="ADAL" clId="{0DD70757-F9C8-C84D-8AD6-11F473F39870}" dt="2021-04-01T12:27:31.756" v="211" actId="20577"/>
+          <ac:spMkLst>
+            <pc:docMk/>
+            <pc:sldMk cId="891751900" sldId="579"/>
+            <ac:spMk id="16386" creationId="{6B9A5847-1AA8-4A43-AE7E-BF49B20DE6A5}"/>
+          </ac:spMkLst>
+        </pc:spChg>
+      </pc:sldChg>
+      <pc:sldChg chg="addSp modSp mod modAnim">
+        <pc:chgData name="Long B Nguyen" userId="f59fb8f3-a021-417a-8bc1-65c8d471c621" providerId="ADAL" clId="{0DD70757-F9C8-C84D-8AD6-11F473F39870}" dt="2021-04-12T13:09:50.831" v="3243"/>
+        <pc:sldMkLst>
+          <pc:docMk/>
+          <pc:sldMk cId="2483610180" sldId="580"/>
+        </pc:sldMkLst>
+        <pc:spChg chg="add mod">
+          <ac:chgData name="Long B Nguyen" userId="f59fb8f3-a021-417a-8bc1-65c8d471c621" providerId="ADAL" clId="{0DD70757-F9C8-C84D-8AD6-11F473F39870}" dt="2021-04-12T13:09:50.831" v="3243"/>
+          <ac:spMkLst>
+            <pc:docMk/>
+            <pc:sldMk cId="2483610180" sldId="580"/>
+            <ac:spMk id="2" creationId="{CC903B08-7E65-1843-A295-E7F24016A969}"/>
+          </ac:spMkLst>
+        </pc:spChg>
+        <pc:spChg chg="mod">
+          <ac:chgData name="Long B Nguyen" userId="f59fb8f3-a021-417a-8bc1-65c8d471c621" providerId="ADAL" clId="{0DD70757-F9C8-C84D-8AD6-11F473F39870}" dt="2021-04-12T12:44:30.981" v="1911" actId="113"/>
+          <ac:spMkLst>
+            <pc:docMk/>
+            <pc:sldMk cId="2483610180" sldId="580"/>
+            <ac:spMk id="16386" creationId="{13E0CFFE-50A4-1C4C-9001-CF21878F6693}"/>
+          </ac:spMkLst>
+        </pc:spChg>
+        <pc:spChg chg="mod">
+          <ac:chgData name="Long B Nguyen" userId="f59fb8f3-a021-417a-8bc1-65c8d471c621" providerId="ADAL" clId="{0DD70757-F9C8-C84D-8AD6-11F473F39870}" dt="2021-04-01T16:04:18.230" v="391" actId="1076"/>
+          <ac:spMkLst>
+            <pc:docMk/>
+            <pc:sldMk cId="2483610180" sldId="580"/>
+            <ac:spMk id="63489" creationId="{0E7B4791-3A32-1042-A62C-C7EDD1EA9627}"/>
+          </ac:spMkLst>
+        </pc:spChg>
+      </pc:sldChg>
+      <pc:sldChg chg="addSp modSp mod modAnim">
+        <pc:chgData name="Long B Nguyen" userId="f59fb8f3-a021-417a-8bc1-65c8d471c621" providerId="ADAL" clId="{0DD70757-F9C8-C84D-8AD6-11F473F39870}" dt="2021-04-12T13:14:50.290" v="3289"/>
+        <pc:sldMkLst>
+          <pc:docMk/>
+          <pc:sldMk cId="830544632" sldId="581"/>
+        </pc:sldMkLst>
+        <pc:spChg chg="add mod">
+          <ac:chgData name="Long B Nguyen" userId="f59fb8f3-a021-417a-8bc1-65c8d471c621" providerId="ADAL" clId="{0DD70757-F9C8-C84D-8AD6-11F473F39870}" dt="2021-04-12T13:09:50.831" v="3243"/>
+          <ac:spMkLst>
+            <pc:docMk/>
+            <pc:sldMk cId="830544632" sldId="581"/>
+            <ac:spMk id="2" creationId="{992AC32D-C53A-1C48-AC99-1565AB7F78CA}"/>
+          </ac:spMkLst>
+        </pc:spChg>
+        <pc:spChg chg="mod">
+          <ac:chgData name="Long B Nguyen" userId="f59fb8f3-a021-417a-8bc1-65c8d471c621" providerId="ADAL" clId="{0DD70757-F9C8-C84D-8AD6-11F473F39870}" dt="2021-04-12T12:55:13.416" v="2129"/>
+          <ac:spMkLst>
+            <pc:docMk/>
+            <pc:sldMk cId="830544632" sldId="581"/>
+            <ac:spMk id="16386" creationId="{DCDEDE68-7370-A049-B607-4EE7C1C097CC}"/>
+          </ac:spMkLst>
+        </pc:spChg>
+        <pc:spChg chg="mod">
+          <ac:chgData name="Long B Nguyen" userId="f59fb8f3-a021-417a-8bc1-65c8d471c621" providerId="ADAL" clId="{0DD70757-F9C8-C84D-8AD6-11F473F39870}" dt="2021-04-12T12:51:49.097" v="2067" actId="20577"/>
+          <ac:spMkLst>
+            <pc:docMk/>
+            <pc:sldMk cId="830544632" sldId="581"/>
+            <ac:spMk id="65537" creationId="{07CB10DC-D333-F84F-AEFA-826E23CDD585}"/>
+          </ac:spMkLst>
+        </pc:spChg>
+      </pc:sldChg>
+      <pc:sldChg chg="addSp modSp mod modAnim">
+        <pc:chgData name="Long B Nguyen" userId="f59fb8f3-a021-417a-8bc1-65c8d471c621" providerId="ADAL" clId="{0DD70757-F9C8-C84D-8AD6-11F473F39870}" dt="2021-04-12T13:18:36.349" v="3339"/>
+        <pc:sldMkLst>
+          <pc:docMk/>
+          <pc:sldMk cId="1603111093" sldId="582"/>
+        </pc:sldMkLst>
+        <pc:spChg chg="add mod">
+          <ac:chgData name="Long B Nguyen" userId="f59fb8f3-a021-417a-8bc1-65c8d471c621" providerId="ADAL" clId="{0DD70757-F9C8-C84D-8AD6-11F473F39870}" dt="2021-04-12T13:09:50.831" v="3243"/>
+          <ac:spMkLst>
+            <pc:docMk/>
+            <pc:sldMk cId="1603111093" sldId="582"/>
+            <ac:spMk id="2" creationId="{110B76F3-C645-F24B-B318-7D068F311B0A}"/>
+          </ac:spMkLst>
+        </pc:spChg>
+        <pc:spChg chg="mod">
+          <ac:chgData name="Long B Nguyen" userId="f59fb8f3-a021-417a-8bc1-65c8d471c621" providerId="ADAL" clId="{0DD70757-F9C8-C84D-8AD6-11F473F39870}" dt="2021-04-12T13:08:36.265" v="3192" actId="20577"/>
+          <ac:spMkLst>
+            <pc:docMk/>
+            <pc:sldMk cId="1603111093" sldId="582"/>
+            <ac:spMk id="16386" creationId="{114BB159-C41E-A046-9481-C57D33802B19}"/>
+          </ac:spMkLst>
+        </pc:spChg>
+        <pc:spChg chg="mod">
+          <ac:chgData name="Long B Nguyen" userId="f59fb8f3-a021-417a-8bc1-65c8d471c621" providerId="ADAL" clId="{0DD70757-F9C8-C84D-8AD6-11F473F39870}" dt="2021-04-12T13:06:56.647" v="3049" actId="1076"/>
+          <ac:spMkLst>
+            <pc:docMk/>
+            <pc:sldMk cId="1603111093" sldId="582"/>
+            <ac:spMk id="67585" creationId="{300BB9E0-C0BE-124F-82D0-0DD61E546BD9}"/>
+          </ac:spMkLst>
+        </pc:spChg>
+      </pc:sldChg>
+      <pc:sldChg chg="addSp modSp">
+        <pc:chgData name="Long B Nguyen" userId="f59fb8f3-a021-417a-8bc1-65c8d471c621" providerId="ADAL" clId="{0DD70757-F9C8-C84D-8AD6-11F473F39870}" dt="2021-04-12T13:09:50.831" v="3243"/>
+        <pc:sldMkLst>
+          <pc:docMk/>
+          <pc:sldMk cId="788052383" sldId="583"/>
+        </pc:sldMkLst>
+        <pc:spChg chg="add mod">
+          <ac:chgData name="Long B Nguyen" userId="f59fb8f3-a021-417a-8bc1-65c8d471c621" providerId="ADAL" clId="{0DD70757-F9C8-C84D-8AD6-11F473F39870}" dt="2021-04-12T13:09:50.831" v="3243"/>
+          <ac:spMkLst>
+            <pc:docMk/>
+            <pc:sldMk cId="788052383" sldId="583"/>
+            <ac:spMk id="2" creationId="{91A3B73C-BA5D-644E-AA86-182B15429AD7}"/>
+          </ac:spMkLst>
+        </pc:spChg>
+      </pc:sldChg>
+      <pc:sldChg chg="addSp modSp new mod">
+        <pc:chgData name="Long B Nguyen" userId="f59fb8f3-a021-417a-8bc1-65c8d471c621" providerId="ADAL" clId="{0DD70757-F9C8-C84D-8AD6-11F473F39870}" dt="2021-04-12T13:09:50.831" v="3243"/>
+        <pc:sldMkLst>
+          <pc:docMk/>
+          <pc:sldMk cId="865366439" sldId="584"/>
+        </pc:sldMkLst>
+        <pc:spChg chg="mod">
+          <ac:chgData name="Long B Nguyen" userId="f59fb8f3-a021-417a-8bc1-65c8d471c621" providerId="ADAL" clId="{0DD70757-F9C8-C84D-8AD6-11F473F39870}" dt="2021-04-01T16:05:47.465" v="418" actId="1076"/>
+          <ac:spMkLst>
+            <pc:docMk/>
+            <pc:sldMk cId="865366439" sldId="584"/>
+            <ac:spMk id="2" creationId="{8928F0F1-372F-9C4D-AA54-0D3300061B4B}"/>
+          </ac:spMkLst>
+        </pc:spChg>
+        <pc:spChg chg="add mod">
+          <ac:chgData name="Long B Nguyen" userId="f59fb8f3-a021-417a-8bc1-65c8d471c621" providerId="ADAL" clId="{0DD70757-F9C8-C84D-8AD6-11F473F39870}" dt="2021-04-12T13:09:50.831" v="3243"/>
+          <ac:spMkLst>
+            <pc:docMk/>
+            <pc:sldMk cId="865366439" sldId="584"/>
+            <ac:spMk id="5" creationId="{6B1C35D5-F631-E843-89C0-3A21611EC381}"/>
+          </ac:spMkLst>
+        </pc:spChg>
+        <pc:picChg chg="add mod">
+          <ac:chgData name="Long B Nguyen" userId="f59fb8f3-a021-417a-8bc1-65c8d471c621" providerId="ADAL" clId="{0DD70757-F9C8-C84D-8AD6-11F473F39870}" dt="2021-04-01T16:05:40.390" v="397" actId="1076"/>
+          <ac:picMkLst>
+            <pc:docMk/>
+            <pc:sldMk cId="865366439" sldId="584"/>
+            <ac:picMk id="4" creationId="{2DC3D235-A640-0946-B66A-CCE317B971AC}"/>
+          </ac:picMkLst>
+        </pc:picChg>
+      </pc:sldChg>
+      <pc:sldChg chg="addSp modSp add mod modAnim">
+        <pc:chgData name="Long B Nguyen" userId="f59fb8f3-a021-417a-8bc1-65c8d471c621" providerId="ADAL" clId="{0DD70757-F9C8-C84D-8AD6-11F473F39870}" dt="2021-04-12T13:13:17.128" v="3277"/>
+        <pc:sldMkLst>
+          <pc:docMk/>
+          <pc:sldMk cId="1535655186" sldId="585"/>
+        </pc:sldMkLst>
+        <pc:spChg chg="add mod">
+          <ac:chgData name="Long B Nguyen" userId="f59fb8f3-a021-417a-8bc1-65c8d471c621" providerId="ADAL" clId="{0DD70757-F9C8-C84D-8AD6-11F473F39870}" dt="2021-04-01T16:37:10.911" v="1437" actId="255"/>
+          <ac:spMkLst>
+            <pc:docMk/>
+            <pc:sldMk cId="1535655186" sldId="585"/>
+            <ac:spMk id="2" creationId="{7668D50A-EA56-BD4E-A78A-4C323FD34BCE}"/>
+          </ac:spMkLst>
+        </pc:spChg>
+        <pc:spChg chg="add mod">
+          <ac:chgData name="Long B Nguyen" userId="f59fb8f3-a021-417a-8bc1-65c8d471c621" providerId="ADAL" clId="{0DD70757-F9C8-C84D-8AD6-11F473F39870}" dt="2021-04-12T13:09:50.831" v="3243"/>
+          <ac:spMkLst>
+            <pc:docMk/>
+            <pc:sldMk cId="1535655186" sldId="585"/>
+            <ac:spMk id="3" creationId="{3B0792CC-8E4C-8543-8E9B-6FD8283093B1}"/>
+          </ac:spMkLst>
+        </pc:spChg>
+        <pc:spChg chg="mod">
+          <ac:chgData name="Long B Nguyen" userId="f59fb8f3-a021-417a-8bc1-65c8d471c621" providerId="ADAL" clId="{0DD70757-F9C8-C84D-8AD6-11F473F39870}" dt="2021-04-01T16:38:17.444" v="1463" actId="113"/>
+          <ac:spMkLst>
+            <pc:docMk/>
+            <pc:sldMk cId="1535655186" sldId="585"/>
+            <ac:spMk id="16386" creationId="{13E0CFFE-50A4-1C4C-9001-CF21878F6693}"/>
+          </ac:spMkLst>
+        </pc:spChg>
+        <pc:spChg chg="mod">
+          <ac:chgData name="Long B Nguyen" userId="f59fb8f3-a021-417a-8bc1-65c8d471c621" providerId="ADAL" clId="{0DD70757-F9C8-C84D-8AD6-11F473F39870}" dt="2021-04-01T16:34:29.131" v="1331" actId="1076"/>
+          <ac:spMkLst>
+            <pc:docMk/>
+            <pc:sldMk cId="1535655186" sldId="585"/>
+            <ac:spMk id="63489" creationId="{0E7B4791-3A32-1042-A62C-C7EDD1EA9627}"/>
+          </ac:spMkLst>
+        </pc:spChg>
+        <pc:cxnChg chg="add mod">
+          <ac:chgData name="Long B Nguyen" userId="f59fb8f3-a021-417a-8bc1-65c8d471c621" providerId="ADAL" clId="{0DD70757-F9C8-C84D-8AD6-11F473F39870}" dt="2021-04-01T16:36:55.970" v="1433" actId="1076"/>
+          <ac:cxnSpMkLst>
+            <pc:docMk/>
+            <pc:sldMk cId="1535655186" sldId="585"/>
+            <ac:cxnSpMk id="5" creationId="{4EB4E3F9-93D8-EF44-A2B4-07208E731F75}"/>
+          </ac:cxnSpMkLst>
+        </pc:cxnChg>
+        <pc:cxnChg chg="add mod">
+          <ac:chgData name="Long B Nguyen" userId="f59fb8f3-a021-417a-8bc1-65c8d471c621" providerId="ADAL" clId="{0DD70757-F9C8-C84D-8AD6-11F473F39870}" dt="2021-04-01T16:37:02.648" v="1436" actId="14100"/>
+          <ac:cxnSpMkLst>
+            <pc:docMk/>
+            <pc:sldMk cId="1535655186" sldId="585"/>
+            <ac:cxnSpMk id="9" creationId="{198160DB-B61D-164D-B6C6-2DC056F1EEA5}"/>
+          </ac:cxnSpMkLst>
+        </pc:cxnChg>
+      </pc:sldChg>
+      <pc:sldChg chg="addSp modSp add mod modAnim">
+        <pc:chgData name="Long B Nguyen" userId="f59fb8f3-a021-417a-8bc1-65c8d471c621" providerId="ADAL" clId="{0DD70757-F9C8-C84D-8AD6-11F473F39870}" dt="2021-04-12T13:14:26.674" v="3285"/>
+        <pc:sldMkLst>
+          <pc:docMk/>
+          <pc:sldMk cId="976775625" sldId="586"/>
+        </pc:sldMkLst>
+        <pc:spChg chg="add mod">
+          <ac:chgData name="Long B Nguyen" userId="f59fb8f3-a021-417a-8bc1-65c8d471c621" providerId="ADAL" clId="{0DD70757-F9C8-C84D-8AD6-11F473F39870}" dt="2021-04-12T13:09:50.831" v="3243"/>
+          <ac:spMkLst>
+            <pc:docMk/>
+            <pc:sldMk cId="976775625" sldId="586"/>
+            <ac:spMk id="2" creationId="{E827CF2A-42E1-8A49-83B1-6D7DECA493F6}"/>
+          </ac:spMkLst>
+        </pc:spChg>
+        <pc:spChg chg="mod">
+          <ac:chgData name="Long B Nguyen" userId="f59fb8f3-a021-417a-8bc1-65c8d471c621" providerId="ADAL" clId="{0DD70757-F9C8-C84D-8AD6-11F473F39870}" dt="2021-04-01T16:44:26.419" v="1765" actId="20577"/>
+          <ac:spMkLst>
+            <pc:docMk/>
+            <pc:sldMk cId="976775625" sldId="586"/>
+            <ac:spMk id="16386" creationId="{13E0CFFE-50A4-1C4C-9001-CF21878F6693}"/>
+          </ac:spMkLst>
+        </pc:spChg>
+        <pc:spChg chg="mod">
+          <ac:chgData name="Long B Nguyen" userId="f59fb8f3-a021-417a-8bc1-65c8d471c621" providerId="ADAL" clId="{0DD70757-F9C8-C84D-8AD6-11F473F39870}" dt="2021-04-01T16:31:27.911" v="1284" actId="20577"/>
+          <ac:spMkLst>
+            <pc:docMk/>
+            <pc:sldMk cId="976775625" sldId="586"/>
+            <ac:spMk id="63489" creationId="{0E7B4791-3A32-1042-A62C-C7EDD1EA9627}"/>
+          </ac:spMkLst>
+        </pc:spChg>
+      </pc:sldChg>
+      <pc:sldChg chg="addSp delSp modSp new mod modAnim">
+        <pc:chgData name="Long B Nguyen" userId="f59fb8f3-a021-417a-8bc1-65c8d471c621" providerId="ADAL" clId="{0DD70757-F9C8-C84D-8AD6-11F473F39870}" dt="2021-04-12T13:14:09.155" v="3282"/>
+        <pc:sldMkLst>
+          <pc:docMk/>
+          <pc:sldMk cId="419832948" sldId="587"/>
+        </pc:sldMkLst>
+        <pc:spChg chg="add mod">
+          <ac:chgData name="Long B Nguyen" userId="f59fb8f3-a021-417a-8bc1-65c8d471c621" providerId="ADAL" clId="{0DD70757-F9C8-C84D-8AD6-11F473F39870}" dt="2021-04-12T13:09:50.831" v="3243"/>
+          <ac:spMkLst>
+            <pc:docMk/>
+            <pc:sldMk cId="419832948" sldId="587"/>
+            <ac:spMk id="2" creationId="{CCBB4220-EE47-A142-9588-DE138F9E4AA8}"/>
+          </ac:spMkLst>
+        </pc:spChg>
+        <pc:spChg chg="del">
+          <ac:chgData name="Long B Nguyen" userId="f59fb8f3-a021-417a-8bc1-65c8d471c621" providerId="ADAL" clId="{0DD70757-F9C8-C84D-8AD6-11F473F39870}" dt="2021-04-01T16:37:51.605" v="1439" actId="478"/>
+          <ac:spMkLst>
+            <pc:docMk/>
+            <pc:sldMk cId="419832948" sldId="587"/>
+            <ac:spMk id="2" creationId="{D039739A-5C92-9440-A99A-B78845A9ABB4}"/>
+          </ac:spMkLst>
+        </pc:spChg>
+        <pc:spChg chg="mod">
+          <ac:chgData name="Long B Nguyen" userId="f59fb8f3-a021-417a-8bc1-65c8d471c621" providerId="ADAL" clId="{0DD70757-F9C8-C84D-8AD6-11F473F39870}" dt="2021-04-01T16:43:50.087" v="1696" actId="20577"/>
+          <ac:spMkLst>
+            <pc:docMk/>
+            <pc:sldMk cId="419832948" sldId="587"/>
+            <ac:spMk id="3" creationId="{482A242F-CC83-9E4D-8503-01F6DC2593D0}"/>
+          </ac:spMkLst>
+        </pc:spChg>
+        <pc:spChg chg="add mod">
+          <ac:chgData name="Long B Nguyen" userId="f59fb8f3-a021-417a-8bc1-65c8d471c621" providerId="ADAL" clId="{0DD70757-F9C8-C84D-8AD6-11F473F39870}" dt="2021-04-01T16:44:03.543" v="1712" actId="20577"/>
+          <ac:spMkLst>
+            <pc:docMk/>
+            <pc:sldMk cId="419832948" sldId="587"/>
+            <ac:spMk id="4" creationId="{453E49C2-6851-FC47-A951-35DFC9EACEBC}"/>
+          </ac:spMkLst>
+        </pc:spChg>
+      </pc:sldChg>
+      <pc:sldChg chg="addSp modSp add">
+        <pc:chgData name="Long B Nguyen" userId="f59fb8f3-a021-417a-8bc1-65c8d471c621" providerId="ADAL" clId="{0DD70757-F9C8-C84D-8AD6-11F473F39870}" dt="2021-04-12T13:09:50.831" v="3243"/>
+        <pc:sldMkLst>
+          <pc:docMk/>
+          <pc:sldMk cId="3142613135" sldId="588"/>
+        </pc:sldMkLst>
+        <pc:spChg chg="add mod">
+          <ac:chgData name="Long B Nguyen" userId="f59fb8f3-a021-417a-8bc1-65c8d471c621" providerId="ADAL" clId="{0DD70757-F9C8-C84D-8AD6-11F473F39870}" dt="2021-04-12T13:09:50.831" v="3243"/>
+          <ac:spMkLst>
+            <pc:docMk/>
+            <pc:sldMk cId="3142613135" sldId="588"/>
+            <ac:spMk id="2" creationId="{D800A544-D253-9A46-9D09-DBEF0AC2DAD5}"/>
+          </ac:spMkLst>
+        </pc:spChg>
+      </pc:sldChg>
+      <pc:sldChg chg="add del">
+        <pc:chgData name="Long B Nguyen" userId="f59fb8f3-a021-417a-8bc1-65c8d471c621" providerId="ADAL" clId="{0DD70757-F9C8-C84D-8AD6-11F473F39870}" dt="2021-04-12T12:41:00.308" v="1838" actId="2696"/>
+        <pc:sldMkLst>
+          <pc:docMk/>
+          <pc:sldMk cId="2270508343" sldId="589"/>
+        </pc:sldMkLst>
+      </pc:sldChg>
+      <pc:sldChg chg="addSp modSp add modAnim">
+        <pc:chgData name="Long B Nguyen" userId="f59fb8f3-a021-417a-8bc1-65c8d471c621" providerId="ADAL" clId="{0DD70757-F9C8-C84D-8AD6-11F473F39870}" dt="2021-04-12T13:12:13.667" v="3270"/>
+        <pc:sldMkLst>
+          <pc:docMk/>
+          <pc:sldMk cId="2428880685" sldId="589"/>
+        </pc:sldMkLst>
+        <pc:spChg chg="add mod">
+          <ac:chgData name="Long B Nguyen" userId="f59fb8f3-a021-417a-8bc1-65c8d471c621" providerId="ADAL" clId="{0DD70757-F9C8-C84D-8AD6-11F473F39870}" dt="2021-04-12T13:09:50.831" v="3243"/>
+          <ac:spMkLst>
+            <pc:docMk/>
+            <pc:sldMk cId="2428880685" sldId="589"/>
+            <ac:spMk id="2" creationId="{56F9A5FC-8A04-4545-AFCF-36E860089361}"/>
+          </ac:spMkLst>
+        </pc:spChg>
+      </pc:sldChg>
+      <pc:sldChg chg="addSp modSp add">
+        <pc:chgData name="Long B Nguyen" userId="f59fb8f3-a021-417a-8bc1-65c8d471c621" providerId="ADAL" clId="{0DD70757-F9C8-C84D-8AD6-11F473F39870}" dt="2021-04-12T13:09:50.831" v="3243"/>
+        <pc:sldMkLst>
+          <pc:docMk/>
+          <pc:sldMk cId="1250769370" sldId="590"/>
+        </pc:sldMkLst>
+        <pc:spChg chg="add mod">
+          <ac:chgData name="Long B Nguyen" userId="f59fb8f3-a021-417a-8bc1-65c8d471c621" providerId="ADAL" clId="{0DD70757-F9C8-C84D-8AD6-11F473F39870}" dt="2021-04-12T13:09:50.831" v="3243"/>
+          <ac:spMkLst>
+            <pc:docMk/>
+            <pc:sldMk cId="1250769370" sldId="590"/>
+            <ac:spMk id="2" creationId="{9E7D14A5-BEA7-684F-89A0-57CC70848239}"/>
+          </ac:spMkLst>
+        </pc:spChg>
+      </pc:sldChg>
+      <pc:sldChg chg="addSp modSp add mod modAnim">
+        <pc:chgData name="Long B Nguyen" userId="f59fb8f3-a021-417a-8bc1-65c8d471c621" providerId="ADAL" clId="{0DD70757-F9C8-C84D-8AD6-11F473F39870}" dt="2021-04-12T13:09:50.831" v="3243"/>
+        <pc:sldMkLst>
+          <pc:docMk/>
+          <pc:sldMk cId="4161194987" sldId="591"/>
+        </pc:sldMkLst>
+        <pc:spChg chg="add mod">
+          <ac:chgData name="Long B Nguyen" userId="f59fb8f3-a021-417a-8bc1-65c8d471c621" providerId="ADAL" clId="{0DD70757-F9C8-C84D-8AD6-11F473F39870}" dt="2021-04-12T13:09:50.831" v="3243"/>
+          <ac:spMkLst>
+            <pc:docMk/>
+            <pc:sldMk cId="4161194987" sldId="591"/>
+            <ac:spMk id="2" creationId="{06B70013-735B-D142-8CF6-5B7561E1D39F}"/>
+          </ac:spMkLst>
+        </pc:spChg>
+        <pc:spChg chg="mod">
+          <ac:chgData name="Long B Nguyen" userId="f59fb8f3-a021-417a-8bc1-65c8d471c621" providerId="ADAL" clId="{0DD70757-F9C8-C84D-8AD6-11F473F39870}" dt="2021-04-12T12:43:04.854" v="1880" actId="20577"/>
+          <ac:spMkLst>
+            <pc:docMk/>
+            <pc:sldMk cId="4161194987" sldId="591"/>
+            <ac:spMk id="16386" creationId="{C563149A-FB03-7F41-801D-086D70B22CED}"/>
+          </ac:spMkLst>
+        </pc:spChg>
+        <pc:spChg chg="mod">
+          <ac:chgData name="Long B Nguyen" userId="f59fb8f3-a021-417a-8bc1-65c8d471c621" providerId="ADAL" clId="{0DD70757-F9C8-C84D-8AD6-11F473F39870}" dt="2021-04-12T12:42:11.729" v="1842" actId="1076"/>
+          <ac:spMkLst>
+            <pc:docMk/>
+            <pc:sldMk cId="4161194987" sldId="591"/>
+            <ac:spMk id="55297" creationId="{1AF853D6-D0AB-854B-B143-5FDFC529A2E5}"/>
+          </ac:spMkLst>
+        </pc:spChg>
+      </pc:sldChg>
+      <pc:sldChg chg="delSp modSp add del modAnim">
+        <pc:chgData name="Long B Nguyen" userId="f59fb8f3-a021-417a-8bc1-65c8d471c621" providerId="ADAL" clId="{0DD70757-F9C8-C84D-8AD6-11F473F39870}" dt="2021-04-12T13:04:40.175" v="3015" actId="2696"/>
+        <pc:sldMkLst>
+          <pc:docMk/>
+          <pc:sldMk cId="2967768867" sldId="592"/>
+        </pc:sldMkLst>
+        <pc:spChg chg="mod">
+          <ac:chgData name="Long B Nguyen" userId="f59fb8f3-a021-417a-8bc1-65c8d471c621" providerId="ADAL" clId="{0DD70757-F9C8-C84D-8AD6-11F473F39870}" dt="2021-04-12T12:52:56.781" v="2077"/>
+          <ac:spMkLst>
+            <pc:docMk/>
+            <pc:sldMk cId="2967768867" sldId="592"/>
+            <ac:spMk id="16386" creationId="{DCDEDE68-7370-A049-B607-4EE7C1C097CC}"/>
+          </ac:spMkLst>
+        </pc:spChg>
+        <pc:picChg chg="del">
+          <ac:chgData name="Long B Nguyen" userId="f59fb8f3-a021-417a-8bc1-65c8d471c621" providerId="ADAL" clId="{0DD70757-F9C8-C84D-8AD6-11F473F39870}" dt="2021-04-12T12:52:53.367" v="2074" actId="478"/>
+          <ac:picMkLst>
+            <pc:docMk/>
+            <pc:sldMk cId="2967768867" sldId="592"/>
+            <ac:picMk id="65539" creationId="{E53CD132-E85D-D245-AAD8-83FB82CE3B68}"/>
+          </ac:picMkLst>
+        </pc:picChg>
+      </pc:sldChg>
+      <pc:sldChg chg="addSp delSp modSp add mod modAnim">
+        <pc:chgData name="Long B Nguyen" userId="f59fb8f3-a021-417a-8bc1-65c8d471c621" providerId="ADAL" clId="{0DD70757-F9C8-C84D-8AD6-11F473F39870}" dt="2021-04-12T13:15:48.100" v="3316"/>
+        <pc:sldMkLst>
+          <pc:docMk/>
+          <pc:sldMk cId="3535386674" sldId="593"/>
+        </pc:sldMkLst>
+        <pc:spChg chg="add mod">
+          <ac:chgData name="Long B Nguyen" userId="f59fb8f3-a021-417a-8bc1-65c8d471c621" providerId="ADAL" clId="{0DD70757-F9C8-C84D-8AD6-11F473F39870}" dt="2021-04-12T13:09:50.831" v="3243"/>
+          <ac:spMkLst>
+            <pc:docMk/>
+            <pc:sldMk cId="3535386674" sldId="593"/>
+            <ac:spMk id="2" creationId="{F0B9C422-EAAC-114B-9C9E-6B33C8334932}"/>
+          </ac:spMkLst>
+        </pc:spChg>
+        <pc:spChg chg="mod">
+          <ac:chgData name="Long B Nguyen" userId="f59fb8f3-a021-417a-8bc1-65c8d471c621" providerId="ADAL" clId="{0DD70757-F9C8-C84D-8AD6-11F473F39870}" dt="2021-04-12T13:15:37.603" v="3313" actId="20577"/>
+          <ac:spMkLst>
+            <pc:docMk/>
+            <pc:sldMk cId="3535386674" sldId="593"/>
+            <ac:spMk id="16386" creationId="{DCDEDE68-7370-A049-B607-4EE7C1C097CC}"/>
+          </ac:spMkLst>
+        </pc:spChg>
+        <pc:picChg chg="del">
+          <ac:chgData name="Long B Nguyen" userId="f59fb8f3-a021-417a-8bc1-65c8d471c621" providerId="ADAL" clId="{0DD70757-F9C8-C84D-8AD6-11F473F39870}" dt="2021-04-12T12:54:47.459" v="2095" actId="478"/>
+          <ac:picMkLst>
+            <pc:docMk/>
+            <pc:sldMk cId="3535386674" sldId="593"/>
+            <ac:picMk id="65539" creationId="{E53CD132-E85D-D245-AAD8-83FB82CE3B68}"/>
+          </ac:picMkLst>
+        </pc:picChg>
+      </pc:sldChg>
+      <pc:sldChg chg="addSp delSp modSp add mod delAnim modAnim">
+        <pc:chgData name="Long B Nguyen" userId="f59fb8f3-a021-417a-8bc1-65c8d471c621" providerId="ADAL" clId="{0DD70757-F9C8-C84D-8AD6-11F473F39870}" dt="2021-04-12T13:18:08.562" v="3332"/>
+        <pc:sldMkLst>
+          <pc:docMk/>
+          <pc:sldMk cId="1476079720" sldId="594"/>
+        </pc:sldMkLst>
+        <pc:spChg chg="add mod">
+          <ac:chgData name="Long B Nguyen" userId="f59fb8f3-a021-417a-8bc1-65c8d471c621" providerId="ADAL" clId="{0DD70757-F9C8-C84D-8AD6-11F473F39870}" dt="2021-04-12T13:09:50.831" v="3243"/>
+          <ac:spMkLst>
+            <pc:docMk/>
+            <pc:sldMk cId="1476079720" sldId="594"/>
+            <ac:spMk id="3" creationId="{BF7F93EC-F271-6F45-923B-F3A106EB733F}"/>
+          </ac:spMkLst>
+        </pc:spChg>
+        <pc:spChg chg="mod">
+          <ac:chgData name="Long B Nguyen" userId="f59fb8f3-a021-417a-8bc1-65c8d471c621" providerId="ADAL" clId="{0DD70757-F9C8-C84D-8AD6-11F473F39870}" dt="2021-04-12T13:06:45.528" v="3048" actId="20577"/>
+          <ac:spMkLst>
+            <pc:docMk/>
+            <pc:sldMk cId="1476079720" sldId="594"/>
+            <ac:spMk id="16386" creationId="{DCDEDE68-7370-A049-B607-4EE7C1C097CC}"/>
+          </ac:spMkLst>
+        </pc:spChg>
+        <pc:spChg chg="mod">
+          <ac:chgData name="Long B Nguyen" userId="f59fb8f3-a021-417a-8bc1-65c8d471c621" providerId="ADAL" clId="{0DD70757-F9C8-C84D-8AD6-11F473F39870}" dt="2021-04-12T13:05:57.812" v="3029" actId="1076"/>
+          <ac:spMkLst>
+            <pc:docMk/>
+            <pc:sldMk cId="1476079720" sldId="594"/>
+            <ac:spMk id="65537" creationId="{07CB10DC-D333-F84F-AEFA-826E23CDD585}"/>
+          </ac:spMkLst>
+        </pc:spChg>
+        <pc:picChg chg="add mod">
+          <ac:chgData name="Long B Nguyen" userId="f59fb8f3-a021-417a-8bc1-65c8d471c621" providerId="ADAL" clId="{0DD70757-F9C8-C84D-8AD6-11F473F39870}" dt="2021-04-12T13:17:48.837" v="3327" actId="1076"/>
+          <ac:picMkLst>
+            <pc:docMk/>
+            <pc:sldMk cId="1476079720" sldId="594"/>
+            <ac:picMk id="2" creationId="{63E1D156-037C-2F44-8521-07D633982296}"/>
+          </ac:picMkLst>
+        </pc:picChg>
+        <pc:picChg chg="add del mod">
+          <ac:chgData name="Long B Nguyen" userId="f59fb8f3-a021-417a-8bc1-65c8d471c621" providerId="ADAL" clId="{0DD70757-F9C8-C84D-8AD6-11F473F39870}" dt="2021-04-12T13:17:46.616" v="3326" actId="478"/>
+          <ac:picMkLst>
+            <pc:docMk/>
+            <pc:sldMk cId="1476079720" sldId="594"/>
+            <ac:picMk id="5" creationId="{8EF09A9B-4B37-5645-B19E-A31F545E03A5}"/>
+          </ac:picMkLst>
+        </pc:picChg>
+      </pc:sldChg>
+    </pc:docChg>
+  </pc:docChgLst>
+  <pc:docChgLst>
     <pc:chgData name="Long B Nguyen" userId="f59fb8f3-a021-417a-8bc1-65c8d471c621" providerId="ADAL" clId="{34A2CF11-652E-6345-AC5C-A89FACA07C4E}"/>
     <pc:docChg chg="custSel addSld delSld modSld">
       <pc:chgData name="Long B Nguyen" userId="f59fb8f3-a021-417a-8bc1-65c8d471c621" providerId="ADAL" clId="{34A2CF11-652E-6345-AC5C-A89FACA07C4E}" dt="2020-03-05T10:05:57.927" v="1422" actId="20577"/>
@@ -1450,1005 +2450,6 @@
             <ac:spMk id="84994" creationId="{6971D443-43C5-2E43-8019-712D595D62F2}"/>
           </ac:spMkLst>
         </pc:spChg>
-      </pc:sldChg>
-    </pc:docChg>
-  </pc:docChgLst>
-  <pc:docChgLst>
-    <pc:chgData name="Long B Nguyen" userId="f59fb8f3-a021-417a-8bc1-65c8d471c621" providerId="ADAL" clId="{0DD70757-F9C8-C84D-8AD6-11F473F39870}"/>
-    <pc:docChg chg="custSel addSld delSld modSld">
-      <pc:chgData name="Long B Nguyen" userId="f59fb8f3-a021-417a-8bc1-65c8d471c621" providerId="ADAL" clId="{0DD70757-F9C8-C84D-8AD6-11F473F39870}" dt="2021-04-12T13:18:36.349" v="3339"/>
-      <pc:docMkLst>
-        <pc:docMk/>
-      </pc:docMkLst>
-      <pc:sldChg chg="addSp modSp">
-        <pc:chgData name="Long B Nguyen" userId="f59fb8f3-a021-417a-8bc1-65c8d471c621" providerId="ADAL" clId="{0DD70757-F9C8-C84D-8AD6-11F473F39870}" dt="2021-04-12T13:09:50.831" v="3243"/>
-        <pc:sldMkLst>
-          <pc:docMk/>
-          <pc:sldMk cId="4247104139" sldId="256"/>
-        </pc:sldMkLst>
-        <pc:spChg chg="add mod">
-          <ac:chgData name="Long B Nguyen" userId="f59fb8f3-a021-417a-8bc1-65c8d471c621" providerId="ADAL" clId="{0DD70757-F9C8-C84D-8AD6-11F473F39870}" dt="2021-04-12T13:09:50.831" v="3243"/>
-          <ac:spMkLst>
-            <pc:docMk/>
-            <pc:sldMk cId="4247104139" sldId="256"/>
-            <ac:spMk id="5" creationId="{06E64B9F-47E7-6140-ACE4-2F0740B36099}"/>
-          </ac:spMkLst>
-        </pc:spChg>
-      </pc:sldChg>
-      <pc:sldChg chg="addSp modSp mod">
-        <pc:chgData name="Long B Nguyen" userId="f59fb8f3-a021-417a-8bc1-65c8d471c621" providerId="ADAL" clId="{0DD70757-F9C8-C84D-8AD6-11F473F39870}" dt="2021-04-12T13:09:50.831" v="3243"/>
-        <pc:sldMkLst>
-          <pc:docMk/>
-          <pc:sldMk cId="3533528898" sldId="485"/>
-        </pc:sldMkLst>
-        <pc:spChg chg="add mod">
-          <ac:chgData name="Long B Nguyen" userId="f59fb8f3-a021-417a-8bc1-65c8d471c621" providerId="ADAL" clId="{0DD70757-F9C8-C84D-8AD6-11F473F39870}" dt="2021-04-12T13:09:50.831" v="3243"/>
-          <ac:spMkLst>
-            <pc:docMk/>
-            <pc:sldMk cId="3533528898" sldId="485"/>
-            <ac:spMk id="2" creationId="{724F080B-1ED6-344D-A386-20D98D6E6E47}"/>
-          </ac:spMkLst>
-        </pc:spChg>
-        <pc:spChg chg="mod">
-          <ac:chgData name="Long B Nguyen" userId="f59fb8f3-a021-417a-8bc1-65c8d471c621" providerId="ADAL" clId="{0DD70757-F9C8-C84D-8AD6-11F473F39870}" dt="2021-04-12T13:09:14.062" v="3242" actId="5793"/>
-          <ac:spMkLst>
-            <pc:docMk/>
-            <pc:sldMk cId="3533528898" sldId="485"/>
-            <ac:spMk id="69633" creationId="{071777ED-4693-814F-BA31-CC87D6C5115F}"/>
-          </ac:spMkLst>
-        </pc:spChg>
-        <pc:spChg chg="mod">
-          <ac:chgData name="Long B Nguyen" userId="f59fb8f3-a021-417a-8bc1-65c8d471c621" providerId="ADAL" clId="{0DD70757-F9C8-C84D-8AD6-11F473F39870}" dt="2021-04-12T13:08:56.707" v="3194" actId="14100"/>
-          <ac:spMkLst>
-            <pc:docMk/>
-            <pc:sldMk cId="3533528898" sldId="485"/>
-            <ac:spMk id="69634" creationId="{73AC1D4A-738F-5940-8278-FCEBD5FB2B5A}"/>
-          </ac:spMkLst>
-        </pc:spChg>
-      </pc:sldChg>
-      <pc:sldChg chg="addSp modSp">
-        <pc:chgData name="Long B Nguyen" userId="f59fb8f3-a021-417a-8bc1-65c8d471c621" providerId="ADAL" clId="{0DD70757-F9C8-C84D-8AD6-11F473F39870}" dt="2021-04-12T13:09:50.831" v="3243"/>
-        <pc:sldMkLst>
-          <pc:docMk/>
-          <pc:sldMk cId="3162068906" sldId="527"/>
-        </pc:sldMkLst>
-        <pc:spChg chg="add mod">
-          <ac:chgData name="Long B Nguyen" userId="f59fb8f3-a021-417a-8bc1-65c8d471c621" providerId="ADAL" clId="{0DD70757-F9C8-C84D-8AD6-11F473F39870}" dt="2021-04-12T13:09:50.831" v="3243"/>
-          <ac:spMkLst>
-            <pc:docMk/>
-            <pc:sldMk cId="3162068906" sldId="527"/>
-            <ac:spMk id="2" creationId="{B91DBC9D-5C95-F84E-A164-C0D83D3E899F}"/>
-          </ac:spMkLst>
-        </pc:spChg>
-        <pc:spChg chg="mod">
-          <ac:chgData name="Long B Nguyen" userId="f59fb8f3-a021-417a-8bc1-65c8d471c621" providerId="ADAL" clId="{0DD70757-F9C8-C84D-8AD6-11F473F39870}" dt="2021-04-01T15:56:34.392" v="274" actId="20577"/>
-          <ac:spMkLst>
-            <pc:docMk/>
-            <pc:sldMk cId="3162068906" sldId="527"/>
-            <ac:spMk id="16386" creationId="{68E5F79A-ADEF-9749-ACDC-BD05BB57A172}"/>
-          </ac:spMkLst>
-        </pc:spChg>
-      </pc:sldChg>
-      <pc:sldChg chg="addSp modSp modNotes">
-        <pc:chgData name="Long B Nguyen" userId="f59fb8f3-a021-417a-8bc1-65c8d471c621" providerId="ADAL" clId="{0DD70757-F9C8-C84D-8AD6-11F473F39870}" dt="2021-04-12T13:09:50.831" v="3243"/>
-        <pc:sldMkLst>
-          <pc:docMk/>
-          <pc:sldMk cId="3102825031" sldId="528"/>
-        </pc:sldMkLst>
-        <pc:spChg chg="add mod">
-          <ac:chgData name="Long B Nguyen" userId="f59fb8f3-a021-417a-8bc1-65c8d471c621" providerId="ADAL" clId="{0DD70757-F9C8-C84D-8AD6-11F473F39870}" dt="2021-04-12T13:09:50.831" v="3243"/>
-          <ac:spMkLst>
-            <pc:docMk/>
-            <pc:sldMk cId="3102825031" sldId="528"/>
-            <ac:spMk id="2" creationId="{E34C40A6-5A9F-3149-BADF-18B4927FA182}"/>
-          </ac:spMkLst>
-        </pc:spChg>
-      </pc:sldChg>
-      <pc:sldChg chg="addSp modSp modAnim">
-        <pc:chgData name="Long B Nguyen" userId="f59fb8f3-a021-417a-8bc1-65c8d471c621" providerId="ADAL" clId="{0DD70757-F9C8-C84D-8AD6-11F473F39870}" dt="2021-04-12T13:17:02.261" v="3324"/>
-        <pc:sldMkLst>
-          <pc:docMk/>
-          <pc:sldMk cId="4057016805" sldId="529"/>
-        </pc:sldMkLst>
-        <pc:spChg chg="add mod">
-          <ac:chgData name="Long B Nguyen" userId="f59fb8f3-a021-417a-8bc1-65c8d471c621" providerId="ADAL" clId="{0DD70757-F9C8-C84D-8AD6-11F473F39870}" dt="2021-04-12T13:09:50.831" v="3243"/>
-          <ac:spMkLst>
-            <pc:docMk/>
-            <pc:sldMk cId="4057016805" sldId="529"/>
-            <ac:spMk id="2" creationId="{C7DDDF4F-60A3-0640-8AC6-05689DD3873A}"/>
-          </ac:spMkLst>
-        </pc:spChg>
-      </pc:sldChg>
-      <pc:sldChg chg="addSp modSp mod">
-        <pc:chgData name="Long B Nguyen" userId="f59fb8f3-a021-417a-8bc1-65c8d471c621" providerId="ADAL" clId="{0DD70757-F9C8-C84D-8AD6-11F473F39870}" dt="2021-04-12T13:09:50.831" v="3243"/>
-        <pc:sldMkLst>
-          <pc:docMk/>
-          <pc:sldMk cId="1925924244" sldId="556"/>
-        </pc:sldMkLst>
-        <pc:spChg chg="add mod">
-          <ac:chgData name="Long B Nguyen" userId="f59fb8f3-a021-417a-8bc1-65c8d471c621" providerId="ADAL" clId="{0DD70757-F9C8-C84D-8AD6-11F473F39870}" dt="2021-04-12T13:09:50.831" v="3243"/>
-          <ac:spMkLst>
-            <pc:docMk/>
-            <pc:sldMk cId="1925924244" sldId="556"/>
-            <ac:spMk id="2" creationId="{CB412D6F-AE4F-1149-B310-2341F76FA139}"/>
-          </ac:spMkLst>
-        </pc:spChg>
-        <pc:spChg chg="mod">
-          <ac:chgData name="Long B Nguyen" userId="f59fb8f3-a021-417a-8bc1-65c8d471c621" providerId="ADAL" clId="{0DD70757-F9C8-C84D-8AD6-11F473F39870}" dt="2021-04-01T15:57:31.285" v="277" actId="14100"/>
-          <ac:spMkLst>
-            <pc:docMk/>
-            <pc:sldMk cId="1925924244" sldId="556"/>
-            <ac:spMk id="16386" creationId="{2A7E0F38-3D69-FA4C-A13E-BC74CAF926EB}"/>
-          </ac:spMkLst>
-        </pc:spChg>
-        <pc:spChg chg="mod">
-          <ac:chgData name="Long B Nguyen" userId="f59fb8f3-a021-417a-8bc1-65c8d471c621" providerId="ADAL" clId="{0DD70757-F9C8-C84D-8AD6-11F473F39870}" dt="2021-04-01T15:57:28.991" v="276" actId="1076"/>
-          <ac:spMkLst>
-            <pc:docMk/>
-            <pc:sldMk cId="1925924244" sldId="556"/>
-            <ac:spMk id="18433" creationId="{02AE339C-E512-214C-87AC-C7DED5975191}"/>
-          </ac:spMkLst>
-        </pc:spChg>
-      </pc:sldChg>
-      <pc:sldChg chg="addSp modSp del modNotes">
-        <pc:chgData name="Long B Nguyen" userId="f59fb8f3-a021-417a-8bc1-65c8d471c621" providerId="ADAL" clId="{0DD70757-F9C8-C84D-8AD6-11F473F39870}" dt="2021-04-12T13:10:53.389" v="3259" actId="2696"/>
-        <pc:sldMkLst>
-          <pc:docMk/>
-          <pc:sldMk cId="1994733491" sldId="557"/>
-        </pc:sldMkLst>
-        <pc:spChg chg="add mod">
-          <ac:chgData name="Long B Nguyen" userId="f59fb8f3-a021-417a-8bc1-65c8d471c621" providerId="ADAL" clId="{0DD70757-F9C8-C84D-8AD6-11F473F39870}" dt="2021-04-12T13:09:50.831" v="3243"/>
-          <ac:spMkLst>
-            <pc:docMk/>
-            <pc:sldMk cId="1994733491" sldId="557"/>
-            <ac:spMk id="2" creationId="{53429977-2412-7343-9622-21771DD587B9}"/>
-          </ac:spMkLst>
-        </pc:spChg>
-      </pc:sldChg>
-      <pc:sldChg chg="addSp modSp">
-        <pc:chgData name="Long B Nguyen" userId="f59fb8f3-a021-417a-8bc1-65c8d471c621" providerId="ADAL" clId="{0DD70757-F9C8-C84D-8AD6-11F473F39870}" dt="2021-04-12T13:09:50.831" v="3243"/>
-        <pc:sldMkLst>
-          <pc:docMk/>
-          <pc:sldMk cId="748879865" sldId="559"/>
-        </pc:sldMkLst>
-        <pc:spChg chg="add mod">
-          <ac:chgData name="Long B Nguyen" userId="f59fb8f3-a021-417a-8bc1-65c8d471c621" providerId="ADAL" clId="{0DD70757-F9C8-C84D-8AD6-11F473F39870}" dt="2021-04-12T13:09:50.831" v="3243"/>
-          <ac:spMkLst>
-            <pc:docMk/>
-            <pc:sldMk cId="748879865" sldId="559"/>
-            <ac:spMk id="2" creationId="{EDEF7940-4D70-204C-B7C3-3224EFA8B7AE}"/>
-          </ac:spMkLst>
-        </pc:spChg>
-      </pc:sldChg>
-      <pc:sldChg chg="addSp modSp">
-        <pc:chgData name="Long B Nguyen" userId="f59fb8f3-a021-417a-8bc1-65c8d471c621" providerId="ADAL" clId="{0DD70757-F9C8-C84D-8AD6-11F473F39870}" dt="2021-04-12T13:09:50.831" v="3243"/>
-        <pc:sldMkLst>
-          <pc:docMk/>
-          <pc:sldMk cId="3841479407" sldId="560"/>
-        </pc:sldMkLst>
-        <pc:spChg chg="add mod">
-          <ac:chgData name="Long B Nguyen" userId="f59fb8f3-a021-417a-8bc1-65c8d471c621" providerId="ADAL" clId="{0DD70757-F9C8-C84D-8AD6-11F473F39870}" dt="2021-04-12T13:09:50.831" v="3243"/>
-          <ac:spMkLst>
-            <pc:docMk/>
-            <pc:sldMk cId="3841479407" sldId="560"/>
-            <ac:spMk id="2" creationId="{4DB12DC6-C4B0-7548-B81A-18ED0C9DF1BB}"/>
-          </ac:spMkLst>
-        </pc:spChg>
-      </pc:sldChg>
-      <pc:sldChg chg="addSp modSp mod modAnim">
-        <pc:chgData name="Long B Nguyen" userId="f59fb8f3-a021-417a-8bc1-65c8d471c621" providerId="ADAL" clId="{0DD70757-F9C8-C84D-8AD6-11F473F39870}" dt="2021-04-12T13:11:41.780" v="3269"/>
-        <pc:sldMkLst>
-          <pc:docMk/>
-          <pc:sldMk cId="558292674" sldId="561"/>
-        </pc:sldMkLst>
-        <pc:spChg chg="add mod">
-          <ac:chgData name="Long B Nguyen" userId="f59fb8f3-a021-417a-8bc1-65c8d471c621" providerId="ADAL" clId="{0DD70757-F9C8-C84D-8AD6-11F473F39870}" dt="2021-04-12T13:09:50.831" v="3243"/>
-          <ac:spMkLst>
-            <pc:docMk/>
-            <pc:sldMk cId="558292674" sldId="561"/>
-            <ac:spMk id="2" creationId="{FC2C2F53-4E2A-B341-9B3B-F4B7D2C3366E}"/>
-          </ac:spMkLst>
-        </pc:spChg>
-        <pc:spChg chg="mod">
-          <ac:chgData name="Long B Nguyen" userId="f59fb8f3-a021-417a-8bc1-65c8d471c621" providerId="ADAL" clId="{0DD70757-F9C8-C84D-8AD6-11F473F39870}" dt="2021-04-12T12:39:24.431" v="1832" actId="14100"/>
-          <ac:spMkLst>
-            <pc:docMk/>
-            <pc:sldMk cId="558292674" sldId="561"/>
-            <ac:spMk id="16386" creationId="{3185AAF4-BE97-6F4A-B9F7-2CF7E78E26EA}"/>
-          </ac:spMkLst>
-        </pc:spChg>
-        <pc:spChg chg="mod">
-          <ac:chgData name="Long B Nguyen" userId="f59fb8f3-a021-417a-8bc1-65c8d471c621" providerId="ADAL" clId="{0DD70757-F9C8-C84D-8AD6-11F473F39870}" dt="2021-04-12T12:39:22.152" v="1831" actId="14100"/>
-          <ac:spMkLst>
-            <pc:docMk/>
-            <pc:sldMk cId="558292674" sldId="561"/>
-            <ac:spMk id="32769" creationId="{1AAEA145-136D-F74A-BD41-5DFAA9C09F92}"/>
-          </ac:spMkLst>
-        </pc:spChg>
-      </pc:sldChg>
-      <pc:sldChg chg="addSp modSp mod">
-        <pc:chgData name="Long B Nguyen" userId="f59fb8f3-a021-417a-8bc1-65c8d471c621" providerId="ADAL" clId="{0DD70757-F9C8-C84D-8AD6-11F473F39870}" dt="2021-04-12T13:09:50.831" v="3243"/>
-        <pc:sldMkLst>
-          <pc:docMk/>
-          <pc:sldMk cId="3239512120" sldId="562"/>
-        </pc:sldMkLst>
-        <pc:spChg chg="add mod">
-          <ac:chgData name="Long B Nguyen" userId="f59fb8f3-a021-417a-8bc1-65c8d471c621" providerId="ADAL" clId="{0DD70757-F9C8-C84D-8AD6-11F473F39870}" dt="2021-04-12T13:09:50.831" v="3243"/>
-          <ac:spMkLst>
-            <pc:docMk/>
-            <pc:sldMk cId="3239512120" sldId="562"/>
-            <ac:spMk id="2" creationId="{750DCE67-A864-0542-BFCB-5A55A180B4C1}"/>
-          </ac:spMkLst>
-        </pc:spChg>
-        <pc:spChg chg="mod">
-          <ac:chgData name="Long B Nguyen" userId="f59fb8f3-a021-417a-8bc1-65c8d471c621" providerId="ADAL" clId="{0DD70757-F9C8-C84D-8AD6-11F473F39870}" dt="2021-04-01T15:59:55.617" v="339" actId="14100"/>
-          <ac:spMkLst>
-            <pc:docMk/>
-            <pc:sldMk cId="3239512120" sldId="562"/>
-            <ac:spMk id="16386" creationId="{BEECF8C6-48A2-4844-8DE5-A821793BF5B7}"/>
-          </ac:spMkLst>
-        </pc:spChg>
-        <pc:spChg chg="mod">
-          <ac:chgData name="Long B Nguyen" userId="f59fb8f3-a021-417a-8bc1-65c8d471c621" providerId="ADAL" clId="{0DD70757-F9C8-C84D-8AD6-11F473F39870}" dt="2021-04-01T15:59:53.600" v="338" actId="1076"/>
-          <ac:spMkLst>
-            <pc:docMk/>
-            <pc:sldMk cId="3239512120" sldId="562"/>
-            <ac:spMk id="34817" creationId="{A0866BCF-5E35-B741-A5DE-A0C27EB5D25F}"/>
-          </ac:spMkLst>
-        </pc:spChg>
-      </pc:sldChg>
-      <pc:sldChg chg="addSp modSp">
-        <pc:chgData name="Long B Nguyen" userId="f59fb8f3-a021-417a-8bc1-65c8d471c621" providerId="ADAL" clId="{0DD70757-F9C8-C84D-8AD6-11F473F39870}" dt="2021-04-12T13:09:50.831" v="3243"/>
-        <pc:sldMkLst>
-          <pc:docMk/>
-          <pc:sldMk cId="62561003" sldId="564"/>
-        </pc:sldMkLst>
-        <pc:spChg chg="add mod">
-          <ac:chgData name="Long B Nguyen" userId="f59fb8f3-a021-417a-8bc1-65c8d471c621" providerId="ADAL" clId="{0DD70757-F9C8-C84D-8AD6-11F473F39870}" dt="2021-04-12T13:09:50.831" v="3243"/>
-          <ac:spMkLst>
-            <pc:docMk/>
-            <pc:sldMk cId="62561003" sldId="564"/>
-            <ac:spMk id="2" creationId="{F482716C-0AC1-D446-B9D3-7503987A7C36}"/>
-          </ac:spMkLst>
-        </pc:spChg>
-      </pc:sldChg>
-      <pc:sldChg chg="addSp modSp">
-        <pc:chgData name="Long B Nguyen" userId="f59fb8f3-a021-417a-8bc1-65c8d471c621" providerId="ADAL" clId="{0DD70757-F9C8-C84D-8AD6-11F473F39870}" dt="2021-04-12T13:09:50.831" v="3243"/>
-        <pc:sldMkLst>
-          <pc:docMk/>
-          <pc:sldMk cId="1496186937" sldId="565"/>
-        </pc:sldMkLst>
-        <pc:spChg chg="add mod">
-          <ac:chgData name="Long B Nguyen" userId="f59fb8f3-a021-417a-8bc1-65c8d471c621" providerId="ADAL" clId="{0DD70757-F9C8-C84D-8AD6-11F473F39870}" dt="2021-04-12T13:09:50.831" v="3243"/>
-          <ac:spMkLst>
-            <pc:docMk/>
-            <pc:sldMk cId="1496186937" sldId="565"/>
-            <ac:spMk id="5" creationId="{2183558D-A15B-B14A-AC63-9DDC31077FF8}"/>
-          </ac:spMkLst>
-        </pc:spChg>
-      </pc:sldChg>
-      <pc:sldChg chg="addSp modSp">
-        <pc:chgData name="Long B Nguyen" userId="f59fb8f3-a021-417a-8bc1-65c8d471c621" providerId="ADAL" clId="{0DD70757-F9C8-C84D-8AD6-11F473F39870}" dt="2021-04-12T13:09:50.831" v="3243"/>
-        <pc:sldMkLst>
-          <pc:docMk/>
-          <pc:sldMk cId="1123629102" sldId="566"/>
-        </pc:sldMkLst>
-        <pc:spChg chg="add mod">
-          <ac:chgData name="Long B Nguyen" userId="f59fb8f3-a021-417a-8bc1-65c8d471c621" providerId="ADAL" clId="{0DD70757-F9C8-C84D-8AD6-11F473F39870}" dt="2021-04-12T13:09:50.831" v="3243"/>
-          <ac:spMkLst>
-            <pc:docMk/>
-            <pc:sldMk cId="1123629102" sldId="566"/>
-            <ac:spMk id="2" creationId="{41ED9DF9-35E1-2341-93F0-ECD9B722F1B3}"/>
-          </ac:spMkLst>
-        </pc:spChg>
-      </pc:sldChg>
-      <pc:sldChg chg="addSp modSp">
-        <pc:chgData name="Long B Nguyen" userId="f59fb8f3-a021-417a-8bc1-65c8d471c621" providerId="ADAL" clId="{0DD70757-F9C8-C84D-8AD6-11F473F39870}" dt="2021-04-12T13:09:50.831" v="3243"/>
-        <pc:sldMkLst>
-          <pc:docMk/>
-          <pc:sldMk cId="3949497385" sldId="567"/>
-        </pc:sldMkLst>
-        <pc:spChg chg="add mod">
-          <ac:chgData name="Long B Nguyen" userId="f59fb8f3-a021-417a-8bc1-65c8d471c621" providerId="ADAL" clId="{0DD70757-F9C8-C84D-8AD6-11F473F39870}" dt="2021-04-12T13:09:50.831" v="3243"/>
-          <ac:spMkLst>
-            <pc:docMk/>
-            <pc:sldMk cId="3949497385" sldId="567"/>
-            <ac:spMk id="2" creationId="{57867AEC-7744-0A40-95A9-A50116740FA2}"/>
-          </ac:spMkLst>
-        </pc:spChg>
-      </pc:sldChg>
-      <pc:sldChg chg="del">
-        <pc:chgData name="Long B Nguyen" userId="f59fb8f3-a021-417a-8bc1-65c8d471c621" providerId="ADAL" clId="{0DD70757-F9C8-C84D-8AD6-11F473F39870}" dt="2021-04-12T12:40:04.715" v="1834" actId="2696"/>
-        <pc:sldMkLst>
-          <pc:docMk/>
-          <pc:sldMk cId="2869642700" sldId="568"/>
-        </pc:sldMkLst>
-      </pc:sldChg>
-      <pc:sldChg chg="addSp modSp add">
-        <pc:chgData name="Long B Nguyen" userId="f59fb8f3-a021-417a-8bc1-65c8d471c621" providerId="ADAL" clId="{0DD70757-F9C8-C84D-8AD6-11F473F39870}" dt="2021-04-12T13:09:50.831" v="3243"/>
-        <pc:sldMkLst>
-          <pc:docMk/>
-          <pc:sldMk cId="3008892020" sldId="569"/>
-        </pc:sldMkLst>
-        <pc:spChg chg="add mod">
-          <ac:chgData name="Long B Nguyen" userId="f59fb8f3-a021-417a-8bc1-65c8d471c621" providerId="ADAL" clId="{0DD70757-F9C8-C84D-8AD6-11F473F39870}" dt="2021-04-12T13:09:50.831" v="3243"/>
-          <ac:spMkLst>
-            <pc:docMk/>
-            <pc:sldMk cId="3008892020" sldId="569"/>
-            <ac:spMk id="2" creationId="{28915630-4AE5-B644-9084-B1DACBAE9F89}"/>
-          </ac:spMkLst>
-        </pc:spChg>
-      </pc:sldChg>
-      <pc:sldChg chg="del">
-        <pc:chgData name="Long B Nguyen" userId="f59fb8f3-a021-417a-8bc1-65c8d471c621" providerId="ADAL" clId="{0DD70757-F9C8-C84D-8AD6-11F473F39870}" dt="2021-04-12T12:40:55.891" v="1836" actId="2696"/>
-        <pc:sldMkLst>
-          <pc:docMk/>
-          <pc:sldMk cId="3333082340" sldId="569"/>
-        </pc:sldMkLst>
-      </pc:sldChg>
-      <pc:sldChg chg="addSp modSp mod modAnim">
-        <pc:chgData name="Long B Nguyen" userId="f59fb8f3-a021-417a-8bc1-65c8d471c621" providerId="ADAL" clId="{0DD70757-F9C8-C84D-8AD6-11F473F39870}" dt="2021-04-12T13:11:06.939" v="3261"/>
-        <pc:sldMkLst>
-          <pc:docMk/>
-          <pc:sldMk cId="2526255488" sldId="570"/>
-        </pc:sldMkLst>
-        <pc:spChg chg="add mod">
-          <ac:chgData name="Long B Nguyen" userId="f59fb8f3-a021-417a-8bc1-65c8d471c621" providerId="ADAL" clId="{0DD70757-F9C8-C84D-8AD6-11F473F39870}" dt="2021-04-12T13:09:50.831" v="3243"/>
-          <ac:spMkLst>
-            <pc:docMk/>
-            <pc:sldMk cId="2526255488" sldId="570"/>
-            <ac:spMk id="2" creationId="{239BF271-7E6F-464A-8BDB-FAB0970A7768}"/>
-          </ac:spMkLst>
-        </pc:spChg>
-        <pc:spChg chg="mod">
-          <ac:chgData name="Long B Nguyen" userId="f59fb8f3-a021-417a-8bc1-65c8d471c621" providerId="ADAL" clId="{0DD70757-F9C8-C84D-8AD6-11F473F39870}" dt="2021-04-12T13:10:44.882" v="3255" actId="1076"/>
-          <ac:spMkLst>
-            <pc:docMk/>
-            <pc:sldMk cId="2526255488" sldId="570"/>
-            <ac:spMk id="20481" creationId="{5A3AE34F-9938-AB4E-97EB-92987E0698C0}"/>
-          </ac:spMkLst>
-        </pc:spChg>
-        <pc:spChg chg="mod">
-          <ac:chgData name="Long B Nguyen" userId="f59fb8f3-a021-417a-8bc1-65c8d471c621" providerId="ADAL" clId="{0DD70757-F9C8-C84D-8AD6-11F473F39870}" dt="2021-04-12T13:10:41.483" v="3253" actId="20577"/>
-          <ac:spMkLst>
-            <pc:docMk/>
-            <pc:sldMk cId="2526255488" sldId="570"/>
-            <ac:spMk id="20482" creationId="{5E8218B3-465D-6F42-A92F-9D686809D45C}"/>
-          </ac:spMkLst>
-        </pc:spChg>
-        <pc:picChg chg="add mod">
-          <ac:chgData name="Long B Nguyen" userId="f59fb8f3-a021-417a-8bc1-65c8d471c621" providerId="ADAL" clId="{0DD70757-F9C8-C84D-8AD6-11F473F39870}" dt="2021-04-12T13:10:51.404" v="3258" actId="1076"/>
-          <ac:picMkLst>
-            <pc:docMk/>
-            <pc:sldMk cId="2526255488" sldId="570"/>
-            <ac:picMk id="5" creationId="{FB922DC4-52CF-364C-AEAF-A07B074050A4}"/>
-          </ac:picMkLst>
-        </pc:picChg>
-      </pc:sldChg>
-      <pc:sldChg chg="addSp modSp del mod">
-        <pc:chgData name="Long B Nguyen" userId="f59fb8f3-a021-417a-8bc1-65c8d471c621" providerId="ADAL" clId="{0DD70757-F9C8-C84D-8AD6-11F473F39870}" dt="2021-04-12T12:41:42.188" v="1840" actId="2696"/>
-        <pc:sldMkLst>
-          <pc:docMk/>
-          <pc:sldMk cId="2952073042" sldId="571"/>
-        </pc:sldMkLst>
-        <pc:spChg chg="add mod">
-          <ac:chgData name="Long B Nguyen" userId="f59fb8f3-a021-417a-8bc1-65c8d471c621" providerId="ADAL" clId="{0DD70757-F9C8-C84D-8AD6-11F473F39870}" dt="2021-04-01T16:01:55.320" v="356" actId="207"/>
-          <ac:spMkLst>
-            <pc:docMk/>
-            <pc:sldMk cId="2952073042" sldId="571"/>
-            <ac:spMk id="4" creationId="{65666141-FF84-254A-9BD3-FB2CA65EE8DD}"/>
-          </ac:spMkLst>
-        </pc:spChg>
-        <pc:spChg chg="add mod">
-          <ac:chgData name="Long B Nguyen" userId="f59fb8f3-a021-417a-8bc1-65c8d471c621" providerId="ADAL" clId="{0DD70757-F9C8-C84D-8AD6-11F473F39870}" dt="2021-04-01T16:02:02.763" v="361" actId="20577"/>
-          <ac:spMkLst>
-            <pc:docMk/>
-            <pc:sldMk cId="2952073042" sldId="571"/>
-            <ac:spMk id="26" creationId="{8734BC5C-9B6F-B042-95C6-0470D88044D1}"/>
-          </ac:spMkLst>
-        </pc:spChg>
-        <pc:spChg chg="mod">
-          <ac:chgData name="Long B Nguyen" userId="f59fb8f3-a021-417a-8bc1-65c8d471c621" providerId="ADAL" clId="{0DD70757-F9C8-C84D-8AD6-11F473F39870}" dt="2021-04-01T16:01:40.873" v="347" actId="20577"/>
-          <ac:spMkLst>
-            <pc:docMk/>
-            <pc:sldMk cId="2952073042" sldId="571"/>
-            <ac:spMk id="16386" creationId="{329B2B06-1922-5C41-84A6-22DCD0FD3F20}"/>
-          </ac:spMkLst>
-        </pc:spChg>
-        <pc:spChg chg="mod">
-          <ac:chgData name="Long B Nguyen" userId="f59fb8f3-a021-417a-8bc1-65c8d471c621" providerId="ADAL" clId="{0DD70757-F9C8-C84D-8AD6-11F473F39870}" dt="2021-04-01T16:00:29.579" v="341" actId="20577"/>
-          <ac:spMkLst>
-            <pc:docMk/>
-            <pc:sldMk cId="2952073042" sldId="571"/>
-            <ac:spMk id="49170" creationId="{1C48AFFA-99C6-1D49-AA67-1F13BCF5F8DF}"/>
-          </ac:spMkLst>
-        </pc:spChg>
-        <pc:spChg chg="mod">
-          <ac:chgData name="Long B Nguyen" userId="f59fb8f3-a021-417a-8bc1-65c8d471c621" providerId="ADAL" clId="{0DD70757-F9C8-C84D-8AD6-11F473F39870}" dt="2021-04-01T16:00:33.054" v="343" actId="20577"/>
-          <ac:spMkLst>
-            <pc:docMk/>
-            <pc:sldMk cId="2952073042" sldId="571"/>
-            <ac:spMk id="49171" creationId="{359EB0E3-8451-E64A-85F4-06128C98C4F6}"/>
-          </ac:spMkLst>
-        </pc:spChg>
-        <pc:cxnChg chg="add mod">
-          <ac:chgData name="Long B Nguyen" userId="f59fb8f3-a021-417a-8bc1-65c8d471c621" providerId="ADAL" clId="{0DD70757-F9C8-C84D-8AD6-11F473F39870}" dt="2021-04-01T16:01:28.301" v="346" actId="14100"/>
-          <ac:cxnSpMkLst>
-            <pc:docMk/>
-            <pc:sldMk cId="2952073042" sldId="571"/>
-            <ac:cxnSpMk id="21" creationId="{2AC4154D-1C7E-DE4E-8674-02F434004962}"/>
-          </ac:cxnSpMkLst>
-        </pc:cxnChg>
-        <pc:cxnChg chg="add mod">
-          <ac:chgData name="Long B Nguyen" userId="f59fb8f3-a021-417a-8bc1-65c8d471c621" providerId="ADAL" clId="{0DD70757-F9C8-C84D-8AD6-11F473F39870}" dt="2021-04-01T16:01:26.014" v="345" actId="14100"/>
-          <ac:cxnSpMkLst>
-            <pc:docMk/>
-            <pc:sldMk cId="2952073042" sldId="571"/>
-            <ac:cxnSpMk id="22" creationId="{8828E422-3107-DB46-9287-AB6C948AAF4E}"/>
-          </ac:cxnSpMkLst>
-        </pc:cxnChg>
-      </pc:sldChg>
-      <pc:sldChg chg="addSp modSp del mod">
-        <pc:chgData name="Long B Nguyen" userId="f59fb8f3-a021-417a-8bc1-65c8d471c621" providerId="ADAL" clId="{0DD70757-F9C8-C84D-8AD6-11F473F39870}" dt="2021-04-12T12:41:42.188" v="1840" actId="2696"/>
-        <pc:sldMkLst>
-          <pc:docMk/>
-          <pc:sldMk cId="270817839" sldId="572"/>
-        </pc:sldMkLst>
-        <pc:spChg chg="mod">
-          <ac:chgData name="Long B Nguyen" userId="f59fb8f3-a021-417a-8bc1-65c8d471c621" providerId="ADAL" clId="{0DD70757-F9C8-C84D-8AD6-11F473F39870}" dt="2021-04-01T12:26:44.631" v="205" actId="20577"/>
-          <ac:spMkLst>
-            <pc:docMk/>
-            <pc:sldMk cId="270817839" sldId="572"/>
-            <ac:spMk id="16386" creationId="{D2C45497-8912-0F44-8527-E1D3516D268F}"/>
-          </ac:spMkLst>
-        </pc:spChg>
-        <pc:cxnChg chg="add mod">
-          <ac:chgData name="Long B Nguyen" userId="f59fb8f3-a021-417a-8bc1-65c8d471c621" providerId="ADAL" clId="{0DD70757-F9C8-C84D-8AD6-11F473F39870}" dt="2021-04-01T16:02:23.874" v="363" actId="14100"/>
-          <ac:cxnSpMkLst>
-            <pc:docMk/>
-            <pc:sldMk cId="270817839" sldId="572"/>
-            <ac:cxnSpMk id="33" creationId="{6162F4E7-82D3-FD44-91B3-A2785E075FFC}"/>
-          </ac:cxnSpMkLst>
-        </pc:cxnChg>
-        <pc:cxnChg chg="add mod">
-          <ac:chgData name="Long B Nguyen" userId="f59fb8f3-a021-417a-8bc1-65c8d471c621" providerId="ADAL" clId="{0DD70757-F9C8-C84D-8AD6-11F473F39870}" dt="2021-04-01T16:02:29.170" v="365" actId="14100"/>
-          <ac:cxnSpMkLst>
-            <pc:docMk/>
-            <pc:sldMk cId="270817839" sldId="572"/>
-            <ac:cxnSpMk id="34" creationId="{7B18D12E-B736-3E4F-93FF-EE0C1CA2D54E}"/>
-          </ac:cxnSpMkLst>
-        </pc:cxnChg>
-      </pc:sldChg>
-      <pc:sldChg chg="addSp modSp">
-        <pc:chgData name="Long B Nguyen" userId="f59fb8f3-a021-417a-8bc1-65c8d471c621" providerId="ADAL" clId="{0DD70757-F9C8-C84D-8AD6-11F473F39870}" dt="2021-04-12T13:09:50.831" v="3243"/>
-        <pc:sldMkLst>
-          <pc:docMk/>
-          <pc:sldMk cId="4110945301" sldId="574"/>
-        </pc:sldMkLst>
-        <pc:spChg chg="add mod">
-          <ac:chgData name="Long B Nguyen" userId="f59fb8f3-a021-417a-8bc1-65c8d471c621" providerId="ADAL" clId="{0DD70757-F9C8-C84D-8AD6-11F473F39870}" dt="2021-04-12T13:09:50.831" v="3243"/>
-          <ac:spMkLst>
-            <pc:docMk/>
-            <pc:sldMk cId="4110945301" sldId="574"/>
-            <ac:spMk id="2" creationId="{84D08FEE-2AC6-494C-9540-BA634F276B51}"/>
-          </ac:spMkLst>
-        </pc:spChg>
-      </pc:sldChg>
-      <pc:sldChg chg="modSp del mod modAnim">
-        <pc:chgData name="Long B Nguyen" userId="f59fb8f3-a021-417a-8bc1-65c8d471c621" providerId="ADAL" clId="{0DD70757-F9C8-C84D-8AD6-11F473F39870}" dt="2021-04-12T12:43:15.056" v="1881" actId="2696"/>
-        <pc:sldMkLst>
-          <pc:docMk/>
-          <pc:sldMk cId="1553353509" sldId="575"/>
-        </pc:sldMkLst>
-        <pc:spChg chg="mod">
-          <ac:chgData name="Long B Nguyen" userId="f59fb8f3-a021-417a-8bc1-65c8d471c621" providerId="ADAL" clId="{0DD70757-F9C8-C84D-8AD6-11F473F39870}" dt="2021-04-01T16:11:24.432" v="434" actId="20577"/>
-          <ac:spMkLst>
-            <pc:docMk/>
-            <pc:sldMk cId="1553353509" sldId="575"/>
-            <ac:spMk id="16386" creationId="{C563149A-FB03-7F41-801D-086D70B22CED}"/>
-          </ac:spMkLst>
-        </pc:spChg>
-      </pc:sldChg>
-      <pc:sldChg chg="addSp modSp">
-        <pc:chgData name="Long B Nguyen" userId="f59fb8f3-a021-417a-8bc1-65c8d471c621" providerId="ADAL" clId="{0DD70757-F9C8-C84D-8AD6-11F473F39870}" dt="2021-04-12T13:09:50.831" v="3243"/>
-        <pc:sldMkLst>
-          <pc:docMk/>
-          <pc:sldMk cId="2954573052" sldId="576"/>
-        </pc:sldMkLst>
-        <pc:spChg chg="add mod">
-          <ac:chgData name="Long B Nguyen" userId="f59fb8f3-a021-417a-8bc1-65c8d471c621" providerId="ADAL" clId="{0DD70757-F9C8-C84D-8AD6-11F473F39870}" dt="2021-04-12T13:09:50.831" v="3243"/>
-          <ac:spMkLst>
-            <pc:docMk/>
-            <pc:sldMk cId="2954573052" sldId="576"/>
-            <ac:spMk id="2" creationId="{968C89B0-1485-4B49-B4B0-F09A79459563}"/>
-          </ac:spMkLst>
-        </pc:spChg>
-      </pc:sldChg>
-      <pc:sldChg chg="addSp modSp">
-        <pc:chgData name="Long B Nguyen" userId="f59fb8f3-a021-417a-8bc1-65c8d471c621" providerId="ADAL" clId="{0DD70757-F9C8-C84D-8AD6-11F473F39870}" dt="2021-04-12T13:09:50.831" v="3243"/>
-        <pc:sldMkLst>
-          <pc:docMk/>
-          <pc:sldMk cId="1547101256" sldId="577"/>
-        </pc:sldMkLst>
-        <pc:spChg chg="add mod">
-          <ac:chgData name="Long B Nguyen" userId="f59fb8f3-a021-417a-8bc1-65c8d471c621" providerId="ADAL" clId="{0DD70757-F9C8-C84D-8AD6-11F473F39870}" dt="2021-04-12T13:09:50.831" v="3243"/>
-          <ac:spMkLst>
-            <pc:docMk/>
-            <pc:sldMk cId="1547101256" sldId="577"/>
-            <ac:spMk id="2" creationId="{CEF074FF-2762-1D4C-8DA0-EC0574475AD3}"/>
-          </ac:spMkLst>
-        </pc:spChg>
-      </pc:sldChg>
-      <pc:sldChg chg="addSp modSp">
-        <pc:chgData name="Long B Nguyen" userId="f59fb8f3-a021-417a-8bc1-65c8d471c621" providerId="ADAL" clId="{0DD70757-F9C8-C84D-8AD6-11F473F39870}" dt="2021-04-12T13:09:50.831" v="3243"/>
-        <pc:sldMkLst>
-          <pc:docMk/>
-          <pc:sldMk cId="891751900" sldId="579"/>
-        </pc:sldMkLst>
-        <pc:spChg chg="add mod">
-          <ac:chgData name="Long B Nguyen" userId="f59fb8f3-a021-417a-8bc1-65c8d471c621" providerId="ADAL" clId="{0DD70757-F9C8-C84D-8AD6-11F473F39870}" dt="2021-04-12T13:09:50.831" v="3243"/>
-          <ac:spMkLst>
-            <pc:docMk/>
-            <pc:sldMk cId="891751900" sldId="579"/>
-            <ac:spMk id="2" creationId="{61ED436E-B4D7-9248-A1B4-99D5830F5C0E}"/>
-          </ac:spMkLst>
-        </pc:spChg>
-        <pc:spChg chg="mod">
-          <ac:chgData name="Long B Nguyen" userId="f59fb8f3-a021-417a-8bc1-65c8d471c621" providerId="ADAL" clId="{0DD70757-F9C8-C84D-8AD6-11F473F39870}" dt="2021-04-01T12:27:31.756" v="211" actId="20577"/>
-          <ac:spMkLst>
-            <pc:docMk/>
-            <pc:sldMk cId="891751900" sldId="579"/>
-            <ac:spMk id="16386" creationId="{6B9A5847-1AA8-4A43-AE7E-BF49B20DE6A5}"/>
-          </ac:spMkLst>
-        </pc:spChg>
-      </pc:sldChg>
-      <pc:sldChg chg="addSp modSp mod modAnim">
-        <pc:chgData name="Long B Nguyen" userId="f59fb8f3-a021-417a-8bc1-65c8d471c621" providerId="ADAL" clId="{0DD70757-F9C8-C84D-8AD6-11F473F39870}" dt="2021-04-12T13:09:50.831" v="3243"/>
-        <pc:sldMkLst>
-          <pc:docMk/>
-          <pc:sldMk cId="2483610180" sldId="580"/>
-        </pc:sldMkLst>
-        <pc:spChg chg="add mod">
-          <ac:chgData name="Long B Nguyen" userId="f59fb8f3-a021-417a-8bc1-65c8d471c621" providerId="ADAL" clId="{0DD70757-F9C8-C84D-8AD6-11F473F39870}" dt="2021-04-12T13:09:50.831" v="3243"/>
-          <ac:spMkLst>
-            <pc:docMk/>
-            <pc:sldMk cId="2483610180" sldId="580"/>
-            <ac:spMk id="2" creationId="{CC903B08-7E65-1843-A295-E7F24016A969}"/>
-          </ac:spMkLst>
-        </pc:spChg>
-        <pc:spChg chg="mod">
-          <ac:chgData name="Long B Nguyen" userId="f59fb8f3-a021-417a-8bc1-65c8d471c621" providerId="ADAL" clId="{0DD70757-F9C8-C84D-8AD6-11F473F39870}" dt="2021-04-12T12:44:30.981" v="1911" actId="113"/>
-          <ac:spMkLst>
-            <pc:docMk/>
-            <pc:sldMk cId="2483610180" sldId="580"/>
-            <ac:spMk id="16386" creationId="{13E0CFFE-50A4-1C4C-9001-CF21878F6693}"/>
-          </ac:spMkLst>
-        </pc:spChg>
-        <pc:spChg chg="mod">
-          <ac:chgData name="Long B Nguyen" userId="f59fb8f3-a021-417a-8bc1-65c8d471c621" providerId="ADAL" clId="{0DD70757-F9C8-C84D-8AD6-11F473F39870}" dt="2021-04-01T16:04:18.230" v="391" actId="1076"/>
-          <ac:spMkLst>
-            <pc:docMk/>
-            <pc:sldMk cId="2483610180" sldId="580"/>
-            <ac:spMk id="63489" creationId="{0E7B4791-3A32-1042-A62C-C7EDD1EA9627}"/>
-          </ac:spMkLst>
-        </pc:spChg>
-      </pc:sldChg>
-      <pc:sldChg chg="addSp modSp mod modAnim">
-        <pc:chgData name="Long B Nguyen" userId="f59fb8f3-a021-417a-8bc1-65c8d471c621" providerId="ADAL" clId="{0DD70757-F9C8-C84D-8AD6-11F473F39870}" dt="2021-04-12T13:14:50.290" v="3289"/>
-        <pc:sldMkLst>
-          <pc:docMk/>
-          <pc:sldMk cId="830544632" sldId="581"/>
-        </pc:sldMkLst>
-        <pc:spChg chg="add mod">
-          <ac:chgData name="Long B Nguyen" userId="f59fb8f3-a021-417a-8bc1-65c8d471c621" providerId="ADAL" clId="{0DD70757-F9C8-C84D-8AD6-11F473F39870}" dt="2021-04-12T13:09:50.831" v="3243"/>
-          <ac:spMkLst>
-            <pc:docMk/>
-            <pc:sldMk cId="830544632" sldId="581"/>
-            <ac:spMk id="2" creationId="{992AC32D-C53A-1C48-AC99-1565AB7F78CA}"/>
-          </ac:spMkLst>
-        </pc:spChg>
-        <pc:spChg chg="mod">
-          <ac:chgData name="Long B Nguyen" userId="f59fb8f3-a021-417a-8bc1-65c8d471c621" providerId="ADAL" clId="{0DD70757-F9C8-C84D-8AD6-11F473F39870}" dt="2021-04-12T12:55:13.416" v="2129"/>
-          <ac:spMkLst>
-            <pc:docMk/>
-            <pc:sldMk cId="830544632" sldId="581"/>
-            <ac:spMk id="16386" creationId="{DCDEDE68-7370-A049-B607-4EE7C1C097CC}"/>
-          </ac:spMkLst>
-        </pc:spChg>
-        <pc:spChg chg="mod">
-          <ac:chgData name="Long B Nguyen" userId="f59fb8f3-a021-417a-8bc1-65c8d471c621" providerId="ADAL" clId="{0DD70757-F9C8-C84D-8AD6-11F473F39870}" dt="2021-04-12T12:51:49.097" v="2067" actId="20577"/>
-          <ac:spMkLst>
-            <pc:docMk/>
-            <pc:sldMk cId="830544632" sldId="581"/>
-            <ac:spMk id="65537" creationId="{07CB10DC-D333-F84F-AEFA-826E23CDD585}"/>
-          </ac:spMkLst>
-        </pc:spChg>
-      </pc:sldChg>
-      <pc:sldChg chg="addSp modSp mod modAnim">
-        <pc:chgData name="Long B Nguyen" userId="f59fb8f3-a021-417a-8bc1-65c8d471c621" providerId="ADAL" clId="{0DD70757-F9C8-C84D-8AD6-11F473F39870}" dt="2021-04-12T13:18:36.349" v="3339"/>
-        <pc:sldMkLst>
-          <pc:docMk/>
-          <pc:sldMk cId="1603111093" sldId="582"/>
-        </pc:sldMkLst>
-        <pc:spChg chg="add mod">
-          <ac:chgData name="Long B Nguyen" userId="f59fb8f3-a021-417a-8bc1-65c8d471c621" providerId="ADAL" clId="{0DD70757-F9C8-C84D-8AD6-11F473F39870}" dt="2021-04-12T13:09:50.831" v="3243"/>
-          <ac:spMkLst>
-            <pc:docMk/>
-            <pc:sldMk cId="1603111093" sldId="582"/>
-            <ac:spMk id="2" creationId="{110B76F3-C645-F24B-B318-7D068F311B0A}"/>
-          </ac:spMkLst>
-        </pc:spChg>
-        <pc:spChg chg="mod">
-          <ac:chgData name="Long B Nguyen" userId="f59fb8f3-a021-417a-8bc1-65c8d471c621" providerId="ADAL" clId="{0DD70757-F9C8-C84D-8AD6-11F473F39870}" dt="2021-04-12T13:08:36.265" v="3192" actId="20577"/>
-          <ac:spMkLst>
-            <pc:docMk/>
-            <pc:sldMk cId="1603111093" sldId="582"/>
-            <ac:spMk id="16386" creationId="{114BB159-C41E-A046-9481-C57D33802B19}"/>
-          </ac:spMkLst>
-        </pc:spChg>
-        <pc:spChg chg="mod">
-          <ac:chgData name="Long B Nguyen" userId="f59fb8f3-a021-417a-8bc1-65c8d471c621" providerId="ADAL" clId="{0DD70757-F9C8-C84D-8AD6-11F473F39870}" dt="2021-04-12T13:06:56.647" v="3049" actId="1076"/>
-          <ac:spMkLst>
-            <pc:docMk/>
-            <pc:sldMk cId="1603111093" sldId="582"/>
-            <ac:spMk id="67585" creationId="{300BB9E0-C0BE-124F-82D0-0DD61E546BD9}"/>
-          </ac:spMkLst>
-        </pc:spChg>
-      </pc:sldChg>
-      <pc:sldChg chg="addSp modSp">
-        <pc:chgData name="Long B Nguyen" userId="f59fb8f3-a021-417a-8bc1-65c8d471c621" providerId="ADAL" clId="{0DD70757-F9C8-C84D-8AD6-11F473F39870}" dt="2021-04-12T13:09:50.831" v="3243"/>
-        <pc:sldMkLst>
-          <pc:docMk/>
-          <pc:sldMk cId="788052383" sldId="583"/>
-        </pc:sldMkLst>
-        <pc:spChg chg="add mod">
-          <ac:chgData name="Long B Nguyen" userId="f59fb8f3-a021-417a-8bc1-65c8d471c621" providerId="ADAL" clId="{0DD70757-F9C8-C84D-8AD6-11F473F39870}" dt="2021-04-12T13:09:50.831" v="3243"/>
-          <ac:spMkLst>
-            <pc:docMk/>
-            <pc:sldMk cId="788052383" sldId="583"/>
-            <ac:spMk id="2" creationId="{91A3B73C-BA5D-644E-AA86-182B15429AD7}"/>
-          </ac:spMkLst>
-        </pc:spChg>
-      </pc:sldChg>
-      <pc:sldChg chg="addSp modSp new mod">
-        <pc:chgData name="Long B Nguyen" userId="f59fb8f3-a021-417a-8bc1-65c8d471c621" providerId="ADAL" clId="{0DD70757-F9C8-C84D-8AD6-11F473F39870}" dt="2021-04-12T13:09:50.831" v="3243"/>
-        <pc:sldMkLst>
-          <pc:docMk/>
-          <pc:sldMk cId="865366439" sldId="584"/>
-        </pc:sldMkLst>
-        <pc:spChg chg="mod">
-          <ac:chgData name="Long B Nguyen" userId="f59fb8f3-a021-417a-8bc1-65c8d471c621" providerId="ADAL" clId="{0DD70757-F9C8-C84D-8AD6-11F473F39870}" dt="2021-04-01T16:05:47.465" v="418" actId="1076"/>
-          <ac:spMkLst>
-            <pc:docMk/>
-            <pc:sldMk cId="865366439" sldId="584"/>
-            <ac:spMk id="2" creationId="{8928F0F1-372F-9C4D-AA54-0D3300061B4B}"/>
-          </ac:spMkLst>
-        </pc:spChg>
-        <pc:spChg chg="add mod">
-          <ac:chgData name="Long B Nguyen" userId="f59fb8f3-a021-417a-8bc1-65c8d471c621" providerId="ADAL" clId="{0DD70757-F9C8-C84D-8AD6-11F473F39870}" dt="2021-04-12T13:09:50.831" v="3243"/>
-          <ac:spMkLst>
-            <pc:docMk/>
-            <pc:sldMk cId="865366439" sldId="584"/>
-            <ac:spMk id="5" creationId="{6B1C35D5-F631-E843-89C0-3A21611EC381}"/>
-          </ac:spMkLst>
-        </pc:spChg>
-        <pc:picChg chg="add mod">
-          <ac:chgData name="Long B Nguyen" userId="f59fb8f3-a021-417a-8bc1-65c8d471c621" providerId="ADAL" clId="{0DD70757-F9C8-C84D-8AD6-11F473F39870}" dt="2021-04-01T16:05:40.390" v="397" actId="1076"/>
-          <ac:picMkLst>
-            <pc:docMk/>
-            <pc:sldMk cId="865366439" sldId="584"/>
-            <ac:picMk id="4" creationId="{2DC3D235-A640-0946-B66A-CCE317B971AC}"/>
-          </ac:picMkLst>
-        </pc:picChg>
-      </pc:sldChg>
-      <pc:sldChg chg="addSp modSp add mod modAnim">
-        <pc:chgData name="Long B Nguyen" userId="f59fb8f3-a021-417a-8bc1-65c8d471c621" providerId="ADAL" clId="{0DD70757-F9C8-C84D-8AD6-11F473F39870}" dt="2021-04-12T13:13:17.128" v="3277"/>
-        <pc:sldMkLst>
-          <pc:docMk/>
-          <pc:sldMk cId="1535655186" sldId="585"/>
-        </pc:sldMkLst>
-        <pc:spChg chg="add mod">
-          <ac:chgData name="Long B Nguyen" userId="f59fb8f3-a021-417a-8bc1-65c8d471c621" providerId="ADAL" clId="{0DD70757-F9C8-C84D-8AD6-11F473F39870}" dt="2021-04-01T16:37:10.911" v="1437" actId="255"/>
-          <ac:spMkLst>
-            <pc:docMk/>
-            <pc:sldMk cId="1535655186" sldId="585"/>
-            <ac:spMk id="2" creationId="{7668D50A-EA56-BD4E-A78A-4C323FD34BCE}"/>
-          </ac:spMkLst>
-        </pc:spChg>
-        <pc:spChg chg="add mod">
-          <ac:chgData name="Long B Nguyen" userId="f59fb8f3-a021-417a-8bc1-65c8d471c621" providerId="ADAL" clId="{0DD70757-F9C8-C84D-8AD6-11F473F39870}" dt="2021-04-12T13:09:50.831" v="3243"/>
-          <ac:spMkLst>
-            <pc:docMk/>
-            <pc:sldMk cId="1535655186" sldId="585"/>
-            <ac:spMk id="3" creationId="{3B0792CC-8E4C-8543-8E9B-6FD8283093B1}"/>
-          </ac:spMkLst>
-        </pc:spChg>
-        <pc:spChg chg="mod">
-          <ac:chgData name="Long B Nguyen" userId="f59fb8f3-a021-417a-8bc1-65c8d471c621" providerId="ADAL" clId="{0DD70757-F9C8-C84D-8AD6-11F473F39870}" dt="2021-04-01T16:38:17.444" v="1463" actId="113"/>
-          <ac:spMkLst>
-            <pc:docMk/>
-            <pc:sldMk cId="1535655186" sldId="585"/>
-            <ac:spMk id="16386" creationId="{13E0CFFE-50A4-1C4C-9001-CF21878F6693}"/>
-          </ac:spMkLst>
-        </pc:spChg>
-        <pc:spChg chg="mod">
-          <ac:chgData name="Long B Nguyen" userId="f59fb8f3-a021-417a-8bc1-65c8d471c621" providerId="ADAL" clId="{0DD70757-F9C8-C84D-8AD6-11F473F39870}" dt="2021-04-01T16:34:29.131" v="1331" actId="1076"/>
-          <ac:spMkLst>
-            <pc:docMk/>
-            <pc:sldMk cId="1535655186" sldId="585"/>
-            <ac:spMk id="63489" creationId="{0E7B4791-3A32-1042-A62C-C7EDD1EA9627}"/>
-          </ac:spMkLst>
-        </pc:spChg>
-        <pc:cxnChg chg="add mod">
-          <ac:chgData name="Long B Nguyen" userId="f59fb8f3-a021-417a-8bc1-65c8d471c621" providerId="ADAL" clId="{0DD70757-F9C8-C84D-8AD6-11F473F39870}" dt="2021-04-01T16:36:55.970" v="1433" actId="1076"/>
-          <ac:cxnSpMkLst>
-            <pc:docMk/>
-            <pc:sldMk cId="1535655186" sldId="585"/>
-            <ac:cxnSpMk id="5" creationId="{4EB4E3F9-93D8-EF44-A2B4-07208E731F75}"/>
-          </ac:cxnSpMkLst>
-        </pc:cxnChg>
-        <pc:cxnChg chg="add mod">
-          <ac:chgData name="Long B Nguyen" userId="f59fb8f3-a021-417a-8bc1-65c8d471c621" providerId="ADAL" clId="{0DD70757-F9C8-C84D-8AD6-11F473F39870}" dt="2021-04-01T16:37:02.648" v="1436" actId="14100"/>
-          <ac:cxnSpMkLst>
-            <pc:docMk/>
-            <pc:sldMk cId="1535655186" sldId="585"/>
-            <ac:cxnSpMk id="9" creationId="{198160DB-B61D-164D-B6C6-2DC056F1EEA5}"/>
-          </ac:cxnSpMkLst>
-        </pc:cxnChg>
-      </pc:sldChg>
-      <pc:sldChg chg="addSp modSp add mod modAnim">
-        <pc:chgData name="Long B Nguyen" userId="f59fb8f3-a021-417a-8bc1-65c8d471c621" providerId="ADAL" clId="{0DD70757-F9C8-C84D-8AD6-11F473F39870}" dt="2021-04-12T13:14:26.674" v="3285"/>
-        <pc:sldMkLst>
-          <pc:docMk/>
-          <pc:sldMk cId="976775625" sldId="586"/>
-        </pc:sldMkLst>
-        <pc:spChg chg="add mod">
-          <ac:chgData name="Long B Nguyen" userId="f59fb8f3-a021-417a-8bc1-65c8d471c621" providerId="ADAL" clId="{0DD70757-F9C8-C84D-8AD6-11F473F39870}" dt="2021-04-12T13:09:50.831" v="3243"/>
-          <ac:spMkLst>
-            <pc:docMk/>
-            <pc:sldMk cId="976775625" sldId="586"/>
-            <ac:spMk id="2" creationId="{E827CF2A-42E1-8A49-83B1-6D7DECA493F6}"/>
-          </ac:spMkLst>
-        </pc:spChg>
-        <pc:spChg chg="mod">
-          <ac:chgData name="Long B Nguyen" userId="f59fb8f3-a021-417a-8bc1-65c8d471c621" providerId="ADAL" clId="{0DD70757-F9C8-C84D-8AD6-11F473F39870}" dt="2021-04-01T16:44:26.419" v="1765" actId="20577"/>
-          <ac:spMkLst>
-            <pc:docMk/>
-            <pc:sldMk cId="976775625" sldId="586"/>
-            <ac:spMk id="16386" creationId="{13E0CFFE-50A4-1C4C-9001-CF21878F6693}"/>
-          </ac:spMkLst>
-        </pc:spChg>
-        <pc:spChg chg="mod">
-          <ac:chgData name="Long B Nguyen" userId="f59fb8f3-a021-417a-8bc1-65c8d471c621" providerId="ADAL" clId="{0DD70757-F9C8-C84D-8AD6-11F473F39870}" dt="2021-04-01T16:31:27.911" v="1284" actId="20577"/>
-          <ac:spMkLst>
-            <pc:docMk/>
-            <pc:sldMk cId="976775625" sldId="586"/>
-            <ac:spMk id="63489" creationId="{0E7B4791-3A32-1042-A62C-C7EDD1EA9627}"/>
-          </ac:spMkLst>
-        </pc:spChg>
-      </pc:sldChg>
-      <pc:sldChg chg="addSp delSp modSp new mod modAnim">
-        <pc:chgData name="Long B Nguyen" userId="f59fb8f3-a021-417a-8bc1-65c8d471c621" providerId="ADAL" clId="{0DD70757-F9C8-C84D-8AD6-11F473F39870}" dt="2021-04-12T13:14:09.155" v="3282"/>
-        <pc:sldMkLst>
-          <pc:docMk/>
-          <pc:sldMk cId="419832948" sldId="587"/>
-        </pc:sldMkLst>
-        <pc:spChg chg="add mod">
-          <ac:chgData name="Long B Nguyen" userId="f59fb8f3-a021-417a-8bc1-65c8d471c621" providerId="ADAL" clId="{0DD70757-F9C8-C84D-8AD6-11F473F39870}" dt="2021-04-12T13:09:50.831" v="3243"/>
-          <ac:spMkLst>
-            <pc:docMk/>
-            <pc:sldMk cId="419832948" sldId="587"/>
-            <ac:spMk id="2" creationId="{CCBB4220-EE47-A142-9588-DE138F9E4AA8}"/>
-          </ac:spMkLst>
-        </pc:spChg>
-        <pc:spChg chg="del">
-          <ac:chgData name="Long B Nguyen" userId="f59fb8f3-a021-417a-8bc1-65c8d471c621" providerId="ADAL" clId="{0DD70757-F9C8-C84D-8AD6-11F473F39870}" dt="2021-04-01T16:37:51.605" v="1439" actId="478"/>
-          <ac:spMkLst>
-            <pc:docMk/>
-            <pc:sldMk cId="419832948" sldId="587"/>
-            <ac:spMk id="2" creationId="{D039739A-5C92-9440-A99A-B78845A9ABB4}"/>
-          </ac:spMkLst>
-        </pc:spChg>
-        <pc:spChg chg="mod">
-          <ac:chgData name="Long B Nguyen" userId="f59fb8f3-a021-417a-8bc1-65c8d471c621" providerId="ADAL" clId="{0DD70757-F9C8-C84D-8AD6-11F473F39870}" dt="2021-04-01T16:43:50.087" v="1696" actId="20577"/>
-          <ac:spMkLst>
-            <pc:docMk/>
-            <pc:sldMk cId="419832948" sldId="587"/>
-            <ac:spMk id="3" creationId="{482A242F-CC83-9E4D-8503-01F6DC2593D0}"/>
-          </ac:spMkLst>
-        </pc:spChg>
-        <pc:spChg chg="add mod">
-          <ac:chgData name="Long B Nguyen" userId="f59fb8f3-a021-417a-8bc1-65c8d471c621" providerId="ADAL" clId="{0DD70757-F9C8-C84D-8AD6-11F473F39870}" dt="2021-04-01T16:44:03.543" v="1712" actId="20577"/>
-          <ac:spMkLst>
-            <pc:docMk/>
-            <pc:sldMk cId="419832948" sldId="587"/>
-            <ac:spMk id="4" creationId="{453E49C2-6851-FC47-A951-35DFC9EACEBC}"/>
-          </ac:spMkLst>
-        </pc:spChg>
-      </pc:sldChg>
-      <pc:sldChg chg="addSp modSp add">
-        <pc:chgData name="Long B Nguyen" userId="f59fb8f3-a021-417a-8bc1-65c8d471c621" providerId="ADAL" clId="{0DD70757-F9C8-C84D-8AD6-11F473F39870}" dt="2021-04-12T13:09:50.831" v="3243"/>
-        <pc:sldMkLst>
-          <pc:docMk/>
-          <pc:sldMk cId="3142613135" sldId="588"/>
-        </pc:sldMkLst>
-        <pc:spChg chg="add mod">
-          <ac:chgData name="Long B Nguyen" userId="f59fb8f3-a021-417a-8bc1-65c8d471c621" providerId="ADAL" clId="{0DD70757-F9C8-C84D-8AD6-11F473F39870}" dt="2021-04-12T13:09:50.831" v="3243"/>
-          <ac:spMkLst>
-            <pc:docMk/>
-            <pc:sldMk cId="3142613135" sldId="588"/>
-            <ac:spMk id="2" creationId="{D800A544-D253-9A46-9D09-DBEF0AC2DAD5}"/>
-          </ac:spMkLst>
-        </pc:spChg>
-      </pc:sldChg>
-      <pc:sldChg chg="add del">
-        <pc:chgData name="Long B Nguyen" userId="f59fb8f3-a021-417a-8bc1-65c8d471c621" providerId="ADAL" clId="{0DD70757-F9C8-C84D-8AD6-11F473F39870}" dt="2021-04-12T12:41:00.308" v="1838" actId="2696"/>
-        <pc:sldMkLst>
-          <pc:docMk/>
-          <pc:sldMk cId="2270508343" sldId="589"/>
-        </pc:sldMkLst>
-      </pc:sldChg>
-      <pc:sldChg chg="addSp modSp add modAnim">
-        <pc:chgData name="Long B Nguyen" userId="f59fb8f3-a021-417a-8bc1-65c8d471c621" providerId="ADAL" clId="{0DD70757-F9C8-C84D-8AD6-11F473F39870}" dt="2021-04-12T13:12:13.667" v="3270"/>
-        <pc:sldMkLst>
-          <pc:docMk/>
-          <pc:sldMk cId="2428880685" sldId="589"/>
-        </pc:sldMkLst>
-        <pc:spChg chg="add mod">
-          <ac:chgData name="Long B Nguyen" userId="f59fb8f3-a021-417a-8bc1-65c8d471c621" providerId="ADAL" clId="{0DD70757-F9C8-C84D-8AD6-11F473F39870}" dt="2021-04-12T13:09:50.831" v="3243"/>
-          <ac:spMkLst>
-            <pc:docMk/>
-            <pc:sldMk cId="2428880685" sldId="589"/>
-            <ac:spMk id="2" creationId="{56F9A5FC-8A04-4545-AFCF-36E860089361}"/>
-          </ac:spMkLst>
-        </pc:spChg>
-      </pc:sldChg>
-      <pc:sldChg chg="addSp modSp add">
-        <pc:chgData name="Long B Nguyen" userId="f59fb8f3-a021-417a-8bc1-65c8d471c621" providerId="ADAL" clId="{0DD70757-F9C8-C84D-8AD6-11F473F39870}" dt="2021-04-12T13:09:50.831" v="3243"/>
-        <pc:sldMkLst>
-          <pc:docMk/>
-          <pc:sldMk cId="1250769370" sldId="590"/>
-        </pc:sldMkLst>
-        <pc:spChg chg="add mod">
-          <ac:chgData name="Long B Nguyen" userId="f59fb8f3-a021-417a-8bc1-65c8d471c621" providerId="ADAL" clId="{0DD70757-F9C8-C84D-8AD6-11F473F39870}" dt="2021-04-12T13:09:50.831" v="3243"/>
-          <ac:spMkLst>
-            <pc:docMk/>
-            <pc:sldMk cId="1250769370" sldId="590"/>
-            <ac:spMk id="2" creationId="{9E7D14A5-BEA7-684F-89A0-57CC70848239}"/>
-          </ac:spMkLst>
-        </pc:spChg>
-      </pc:sldChg>
-      <pc:sldChg chg="addSp modSp add mod modAnim">
-        <pc:chgData name="Long B Nguyen" userId="f59fb8f3-a021-417a-8bc1-65c8d471c621" providerId="ADAL" clId="{0DD70757-F9C8-C84D-8AD6-11F473F39870}" dt="2021-04-12T13:09:50.831" v="3243"/>
-        <pc:sldMkLst>
-          <pc:docMk/>
-          <pc:sldMk cId="4161194987" sldId="591"/>
-        </pc:sldMkLst>
-        <pc:spChg chg="add mod">
-          <ac:chgData name="Long B Nguyen" userId="f59fb8f3-a021-417a-8bc1-65c8d471c621" providerId="ADAL" clId="{0DD70757-F9C8-C84D-8AD6-11F473F39870}" dt="2021-04-12T13:09:50.831" v="3243"/>
-          <ac:spMkLst>
-            <pc:docMk/>
-            <pc:sldMk cId="4161194987" sldId="591"/>
-            <ac:spMk id="2" creationId="{06B70013-735B-D142-8CF6-5B7561E1D39F}"/>
-          </ac:spMkLst>
-        </pc:spChg>
-        <pc:spChg chg="mod">
-          <ac:chgData name="Long B Nguyen" userId="f59fb8f3-a021-417a-8bc1-65c8d471c621" providerId="ADAL" clId="{0DD70757-F9C8-C84D-8AD6-11F473F39870}" dt="2021-04-12T12:43:04.854" v="1880" actId="20577"/>
-          <ac:spMkLst>
-            <pc:docMk/>
-            <pc:sldMk cId="4161194987" sldId="591"/>
-            <ac:spMk id="16386" creationId="{C563149A-FB03-7F41-801D-086D70B22CED}"/>
-          </ac:spMkLst>
-        </pc:spChg>
-        <pc:spChg chg="mod">
-          <ac:chgData name="Long B Nguyen" userId="f59fb8f3-a021-417a-8bc1-65c8d471c621" providerId="ADAL" clId="{0DD70757-F9C8-C84D-8AD6-11F473F39870}" dt="2021-04-12T12:42:11.729" v="1842" actId="1076"/>
-          <ac:spMkLst>
-            <pc:docMk/>
-            <pc:sldMk cId="4161194987" sldId="591"/>
-            <ac:spMk id="55297" creationId="{1AF853D6-D0AB-854B-B143-5FDFC529A2E5}"/>
-          </ac:spMkLst>
-        </pc:spChg>
-      </pc:sldChg>
-      <pc:sldChg chg="delSp modSp add del modAnim">
-        <pc:chgData name="Long B Nguyen" userId="f59fb8f3-a021-417a-8bc1-65c8d471c621" providerId="ADAL" clId="{0DD70757-F9C8-C84D-8AD6-11F473F39870}" dt="2021-04-12T13:04:40.175" v="3015" actId="2696"/>
-        <pc:sldMkLst>
-          <pc:docMk/>
-          <pc:sldMk cId="2967768867" sldId="592"/>
-        </pc:sldMkLst>
-        <pc:spChg chg="mod">
-          <ac:chgData name="Long B Nguyen" userId="f59fb8f3-a021-417a-8bc1-65c8d471c621" providerId="ADAL" clId="{0DD70757-F9C8-C84D-8AD6-11F473F39870}" dt="2021-04-12T12:52:56.781" v="2077"/>
-          <ac:spMkLst>
-            <pc:docMk/>
-            <pc:sldMk cId="2967768867" sldId="592"/>
-            <ac:spMk id="16386" creationId="{DCDEDE68-7370-A049-B607-4EE7C1C097CC}"/>
-          </ac:spMkLst>
-        </pc:spChg>
-        <pc:picChg chg="del">
-          <ac:chgData name="Long B Nguyen" userId="f59fb8f3-a021-417a-8bc1-65c8d471c621" providerId="ADAL" clId="{0DD70757-F9C8-C84D-8AD6-11F473F39870}" dt="2021-04-12T12:52:53.367" v="2074" actId="478"/>
-          <ac:picMkLst>
-            <pc:docMk/>
-            <pc:sldMk cId="2967768867" sldId="592"/>
-            <ac:picMk id="65539" creationId="{E53CD132-E85D-D245-AAD8-83FB82CE3B68}"/>
-          </ac:picMkLst>
-        </pc:picChg>
-      </pc:sldChg>
-      <pc:sldChg chg="addSp delSp modSp add mod modAnim">
-        <pc:chgData name="Long B Nguyen" userId="f59fb8f3-a021-417a-8bc1-65c8d471c621" providerId="ADAL" clId="{0DD70757-F9C8-C84D-8AD6-11F473F39870}" dt="2021-04-12T13:15:48.100" v="3316"/>
-        <pc:sldMkLst>
-          <pc:docMk/>
-          <pc:sldMk cId="3535386674" sldId="593"/>
-        </pc:sldMkLst>
-        <pc:spChg chg="add mod">
-          <ac:chgData name="Long B Nguyen" userId="f59fb8f3-a021-417a-8bc1-65c8d471c621" providerId="ADAL" clId="{0DD70757-F9C8-C84D-8AD6-11F473F39870}" dt="2021-04-12T13:09:50.831" v="3243"/>
-          <ac:spMkLst>
-            <pc:docMk/>
-            <pc:sldMk cId="3535386674" sldId="593"/>
-            <ac:spMk id="2" creationId="{F0B9C422-EAAC-114B-9C9E-6B33C8334932}"/>
-          </ac:spMkLst>
-        </pc:spChg>
-        <pc:spChg chg="mod">
-          <ac:chgData name="Long B Nguyen" userId="f59fb8f3-a021-417a-8bc1-65c8d471c621" providerId="ADAL" clId="{0DD70757-F9C8-C84D-8AD6-11F473F39870}" dt="2021-04-12T13:15:37.603" v="3313" actId="20577"/>
-          <ac:spMkLst>
-            <pc:docMk/>
-            <pc:sldMk cId="3535386674" sldId="593"/>
-            <ac:spMk id="16386" creationId="{DCDEDE68-7370-A049-B607-4EE7C1C097CC}"/>
-          </ac:spMkLst>
-        </pc:spChg>
-        <pc:picChg chg="del">
-          <ac:chgData name="Long B Nguyen" userId="f59fb8f3-a021-417a-8bc1-65c8d471c621" providerId="ADAL" clId="{0DD70757-F9C8-C84D-8AD6-11F473F39870}" dt="2021-04-12T12:54:47.459" v="2095" actId="478"/>
-          <ac:picMkLst>
-            <pc:docMk/>
-            <pc:sldMk cId="3535386674" sldId="593"/>
-            <ac:picMk id="65539" creationId="{E53CD132-E85D-D245-AAD8-83FB82CE3B68}"/>
-          </ac:picMkLst>
-        </pc:picChg>
-      </pc:sldChg>
-      <pc:sldChg chg="addSp delSp modSp add mod delAnim modAnim">
-        <pc:chgData name="Long B Nguyen" userId="f59fb8f3-a021-417a-8bc1-65c8d471c621" providerId="ADAL" clId="{0DD70757-F9C8-C84D-8AD6-11F473F39870}" dt="2021-04-12T13:18:08.562" v="3332"/>
-        <pc:sldMkLst>
-          <pc:docMk/>
-          <pc:sldMk cId="1476079720" sldId="594"/>
-        </pc:sldMkLst>
-        <pc:spChg chg="add mod">
-          <ac:chgData name="Long B Nguyen" userId="f59fb8f3-a021-417a-8bc1-65c8d471c621" providerId="ADAL" clId="{0DD70757-F9C8-C84D-8AD6-11F473F39870}" dt="2021-04-12T13:09:50.831" v="3243"/>
-          <ac:spMkLst>
-            <pc:docMk/>
-            <pc:sldMk cId="1476079720" sldId="594"/>
-            <ac:spMk id="3" creationId="{BF7F93EC-F271-6F45-923B-F3A106EB733F}"/>
-          </ac:spMkLst>
-        </pc:spChg>
-        <pc:spChg chg="mod">
-          <ac:chgData name="Long B Nguyen" userId="f59fb8f3-a021-417a-8bc1-65c8d471c621" providerId="ADAL" clId="{0DD70757-F9C8-C84D-8AD6-11F473F39870}" dt="2021-04-12T13:06:45.528" v="3048" actId="20577"/>
-          <ac:spMkLst>
-            <pc:docMk/>
-            <pc:sldMk cId="1476079720" sldId="594"/>
-            <ac:spMk id="16386" creationId="{DCDEDE68-7370-A049-B607-4EE7C1C097CC}"/>
-          </ac:spMkLst>
-        </pc:spChg>
-        <pc:spChg chg="mod">
-          <ac:chgData name="Long B Nguyen" userId="f59fb8f3-a021-417a-8bc1-65c8d471c621" providerId="ADAL" clId="{0DD70757-F9C8-C84D-8AD6-11F473F39870}" dt="2021-04-12T13:05:57.812" v="3029" actId="1076"/>
-          <ac:spMkLst>
-            <pc:docMk/>
-            <pc:sldMk cId="1476079720" sldId="594"/>
-            <ac:spMk id="65537" creationId="{07CB10DC-D333-F84F-AEFA-826E23CDD585}"/>
-          </ac:spMkLst>
-        </pc:spChg>
-        <pc:picChg chg="add mod">
-          <ac:chgData name="Long B Nguyen" userId="f59fb8f3-a021-417a-8bc1-65c8d471c621" providerId="ADAL" clId="{0DD70757-F9C8-C84D-8AD6-11F473F39870}" dt="2021-04-12T13:17:48.837" v="3327" actId="1076"/>
-          <ac:picMkLst>
-            <pc:docMk/>
-            <pc:sldMk cId="1476079720" sldId="594"/>
-            <ac:picMk id="2" creationId="{63E1D156-037C-2F44-8521-07D633982296}"/>
-          </ac:picMkLst>
-        </pc:picChg>
-        <pc:picChg chg="add del mod">
-          <ac:chgData name="Long B Nguyen" userId="f59fb8f3-a021-417a-8bc1-65c8d471c621" providerId="ADAL" clId="{0DD70757-F9C8-C84D-8AD6-11F473F39870}" dt="2021-04-12T13:17:46.616" v="3326" actId="478"/>
-          <ac:picMkLst>
-            <pc:docMk/>
-            <pc:sldMk cId="1476079720" sldId="594"/>
-            <ac:picMk id="5" creationId="{8EF09A9B-4B37-5645-B19E-A31F545E03A5}"/>
-          </ac:picMkLst>
-        </pc:picChg>
       </pc:sldChg>
     </pc:docChg>
   </pc:docChgLst>
@@ -3973,7 +3974,7 @@
   <pc:docChgLst>
     <pc:chgData name="Long B Nguyen" userId="f59fb8f3-a021-417a-8bc1-65c8d471c621" providerId="ADAL" clId="{0E2AE9A0-AA60-BB4A-B160-C870111F23F3}"/>
     <pc:docChg chg="undo custSel addSld delSld modSld">
-      <pc:chgData name="Long B Nguyen" userId="f59fb8f3-a021-417a-8bc1-65c8d471c621" providerId="ADAL" clId="{0E2AE9A0-AA60-BB4A-B160-C870111F23F3}" dt="2021-05-10T13:57:48.483" v="7080"/>
+      <pc:chgData name="Long B Nguyen" userId="f59fb8f3-a021-417a-8bc1-65c8d471c621" providerId="ADAL" clId="{0E2AE9A0-AA60-BB4A-B160-C870111F23F3}" dt="2021-05-21T12:24:06.436" v="7279" actId="20577"/>
       <pc:docMkLst>
         <pc:docMk/>
       </pc:docMkLst>
@@ -5497,6 +5498,21 @@
             <pc:docMk/>
             <pc:sldMk cId="1444664834" sldId="624"/>
             <ac:spMk id="40961" creationId="{FE63D7D0-16AC-974E-AF55-6BAED8C880F6}"/>
+          </ac:spMkLst>
+        </pc:spChg>
+      </pc:sldChg>
+      <pc:sldChg chg="modSp add modAnim">
+        <pc:chgData name="Long B Nguyen" userId="f59fb8f3-a021-417a-8bc1-65c8d471c621" providerId="ADAL" clId="{0E2AE9A0-AA60-BB4A-B160-C870111F23F3}" dt="2021-05-21T12:24:06.436" v="7279" actId="20577"/>
+        <pc:sldMkLst>
+          <pc:docMk/>
+          <pc:sldMk cId="2393647287" sldId="625"/>
+        </pc:sldMkLst>
+        <pc:spChg chg="mod">
+          <ac:chgData name="Long B Nguyen" userId="f59fb8f3-a021-417a-8bc1-65c8d471c621" providerId="ADAL" clId="{0E2AE9A0-AA60-BB4A-B160-C870111F23F3}" dt="2021-05-21T12:24:06.436" v="7279" actId="20577"/>
+          <ac:spMkLst>
+            <pc:docMk/>
+            <pc:sldMk cId="2393647287" sldId="625"/>
+            <ac:spMk id="26627" creationId="{BD7CEE5B-C52A-794A-BCE5-C92159F2026F}"/>
           </ac:spMkLst>
         </pc:spChg>
       </pc:sldChg>
@@ -6993,7 +7009,7 @@
           <a:p>
             <a:fld id="{6EDD99D2-A624-5E4F-A4E3-584054837B5A}" type="datetimeFigureOut">
               <a:rPr lang="en-US" smtClean="0"/>
-              <a:t>5/10/21</a:t>
+              <a:t>5/21/21</a:t>
             </a:fld>
             <a:endParaRPr lang="en-US"/>
           </a:p>
@@ -7576,10 +7592,10 @@
       </p:grpSpPr>
       <p:sp>
         <p:nvSpPr>
-          <p:cNvPr id="60417" name="Rectangle 7">
+          <p:cNvPr id="58369" name="Rectangle 7">
             <a:extLst>
               <a:ext uri="{FF2B5EF4-FFF2-40B4-BE49-F238E27FC236}">
-                <a16:creationId xmlns:a16="http://schemas.microsoft.com/office/drawing/2014/main" id="{993CA72C-A587-604D-AE21-9A6063310675}"/>
+                <a16:creationId xmlns:a16="http://schemas.microsoft.com/office/drawing/2014/main" id="{365B336F-125C-074D-93A8-C9F1F3C9BAAD}"/>
               </a:ext>
             </a:extLst>
           </p:cNvPr>
@@ -7722,7 +7738,7 @@
             </a:lvl9pPr>
           </a:lstStyle>
           <a:p>
-            <a:fld id="{A7B9A0AC-20AE-7345-A5A8-A613CAD6762C}" type="slidenum">
+            <a:fld id="{DCBB9DCE-5A7A-B94F-B67C-E0D6D63D7B14}" type="slidenum">
               <a:rPr lang="en-US" altLang="en-US"/>
               <a:pPr/>
               <a:t>30</a:t>
@@ -7733,10 +7749,10 @@
       </p:sp>
       <p:sp>
         <p:nvSpPr>
-          <p:cNvPr id="60418" name="Rectangle 2">
+          <p:cNvPr id="58370" name="Rectangle 2">
             <a:extLst>
               <a:ext uri="{FF2B5EF4-FFF2-40B4-BE49-F238E27FC236}">
-                <a16:creationId xmlns:a16="http://schemas.microsoft.com/office/drawing/2014/main" id="{4BBB7FC5-1DCC-534F-8085-A13D479DE772}"/>
+                <a16:creationId xmlns:a16="http://schemas.microsoft.com/office/drawing/2014/main" id="{5E662D49-D8C4-9B46-8BA4-602F29CFAFDC}"/>
               </a:ext>
             </a:extLst>
           </p:cNvPr>
@@ -7777,7 +7793,7 @@
           <p:cNvPr id="55300" name="Rectangle 3">
             <a:extLst>
               <a:ext uri="{FF2B5EF4-FFF2-40B4-BE49-F238E27FC236}">
-                <a16:creationId xmlns:a16="http://schemas.microsoft.com/office/drawing/2014/main" id="{F58B6697-B511-124D-8061-9CCD9CB89D7A}"/>
+                <a16:creationId xmlns:a16="http://schemas.microsoft.com/office/drawing/2014/main" id="{F015FEEA-16AB-914A-BE97-2114E496B514}"/>
               </a:ext>
             </a:extLst>
           </p:cNvPr>
@@ -7844,7 +7860,7 @@
     </p:spTree>
     <p:extLst>
       <p:ext uri="{BB962C8B-B14F-4D97-AF65-F5344CB8AC3E}">
-        <p14:creationId xmlns:p14="http://schemas.microsoft.com/office/powerpoint/2010/main" val="1605559866"/>
+        <p14:creationId xmlns:p14="http://schemas.microsoft.com/office/powerpoint/2010/main" val="4050501702"/>
       </p:ext>
     </p:extLst>
   </p:cSld>
@@ -8023,6 +8039,303 @@
               <a:rPr lang="en-US" altLang="en-US"/>
               <a:pPr/>
               <a:t>31</a:t>
+            </a:fld>
+            <a:endParaRPr lang="en-US" altLang="en-US"/>
+          </a:p>
+        </p:txBody>
+      </p:sp>
+      <p:sp>
+        <p:nvSpPr>
+          <p:cNvPr id="60418" name="Rectangle 2">
+            <a:extLst>
+              <a:ext uri="{FF2B5EF4-FFF2-40B4-BE49-F238E27FC236}">
+                <a16:creationId xmlns:a16="http://schemas.microsoft.com/office/drawing/2014/main" id="{4BBB7FC5-1DCC-534F-8085-A13D479DE772}"/>
+              </a:ext>
+            </a:extLst>
+          </p:cNvPr>
+          <p:cNvSpPr>
+            <a:spLocks noGrp="1" noRot="1" noChangeAspect="1" noChangeArrowheads="1" noTextEdit="1"/>
+          </p:cNvSpPr>
+          <p:nvPr>
+            <p:ph type="sldImg"/>
+          </p:nvPr>
+        </p:nvSpPr>
+        <p:spPr bwMode="auto">
+          <a:xfrm>
+            <a:off x="687388" y="685800"/>
+            <a:ext cx="5486400" cy="3429000"/>
+          </a:xfrm>
+          <a:noFill/>
+          <a:ln>
+            <a:solidFill>
+              <a:srgbClr val="000000"/>
+            </a:solidFill>
+            <a:miter lim="800000"/>
+            <a:headEnd/>
+            <a:tailEnd/>
+          </a:ln>
+          <a:extLst>
+            <a:ext uri="{909E8E84-426E-40DD-AFC4-6F175D3DCCD1}">
+              <a14:hiddenFill xmlns:a14="http://schemas.microsoft.com/office/drawing/2010/main">
+                <a:solidFill>
+                  <a:srgbClr val="FFFFFF"/>
+                </a:solidFill>
+              </a14:hiddenFill>
+            </a:ext>
+          </a:extLst>
+        </p:spPr>
+      </p:sp>
+      <p:sp>
+        <p:nvSpPr>
+          <p:cNvPr id="55300" name="Rectangle 3">
+            <a:extLst>
+              <a:ext uri="{FF2B5EF4-FFF2-40B4-BE49-F238E27FC236}">
+                <a16:creationId xmlns:a16="http://schemas.microsoft.com/office/drawing/2014/main" id="{F58B6697-B511-124D-8061-9CCD9CB89D7A}"/>
+              </a:ext>
+            </a:extLst>
+          </p:cNvPr>
+          <p:cNvSpPr>
+            <a:spLocks noGrp="1" noChangeArrowheads="1"/>
+          </p:cNvSpPr>
+          <p:nvPr>
+            <p:ph type="body" idx="1"/>
+          </p:nvPr>
+        </p:nvSpPr>
+        <p:spPr bwMode="auto">
+          <a:xfrm>
+            <a:off x="914400" y="4343400"/>
+            <a:ext cx="5029200" cy="4114800"/>
+          </a:xfrm>
+          <a:extLst>
+            <a:ext uri="{909E8E84-426E-40DD-AFC4-6F175D3DCCD1}">
+              <a14:hiddenFill xmlns:a14="http://schemas.microsoft.com/office/drawing/2010/main">
+                <a:solidFill>
+                  <a:srgbClr val="FFFFFF"/>
+                </a:solidFill>
+              </a14:hiddenFill>
+            </a:ext>
+            <a:ext uri="{91240B29-F687-4F45-9708-019B960494DF}">
+              <a14:hiddenLine xmlns:a14="http://schemas.microsoft.com/office/drawing/2010/main" w="9525">
+                <a:solidFill>
+                  <a:srgbClr val="000000"/>
+                </a:solidFill>
+                <a:miter lim="800000"/>
+                <a:headEnd/>
+                <a:tailEnd/>
+              </a14:hiddenLine>
+            </a:ext>
+            <a:ext uri="{AF507438-7753-43E0-B8FC-AC1667EBCBE1}">
+              <a14:hiddenEffects xmlns:a14="http://schemas.microsoft.com/office/drawing/2010/main">
+                <a:effectLst>
+                  <a:outerShdw blurRad="63500" dist="38099" dir="2700000" algn="ctr" rotWithShape="0">
+                    <a:schemeClr val="bg2">
+                      <a:alpha val="74997"/>
+                    </a:schemeClr>
+                  </a:outerShdw>
+                </a:effectLst>
+              </a14:hiddenEffects>
+            </a:ext>
+          </a:extLst>
+        </p:spPr>
+        <p:txBody>
+          <a:bodyPr wrap="square" numCol="1" anchor="t" anchorCtr="0" compatLnSpc="1">
+            <a:prstTxWarp prst="textNoShape">
+              <a:avLst/>
+            </a:prstTxWarp>
+          </a:bodyPr>
+          <a:lstStyle/>
+          <a:p>
+            <a:pPr eaLnBrk="1" hangingPunct="1">
+              <a:defRPr/>
+            </a:pPr>
+            <a:endParaRPr lang="en-US">
+              <a:cs typeface="+mn-cs"/>
+            </a:endParaRPr>
+          </a:p>
+        </p:txBody>
+      </p:sp>
+    </p:spTree>
+    <p:extLst>
+      <p:ext uri="{BB962C8B-B14F-4D97-AF65-F5344CB8AC3E}">
+        <p14:creationId xmlns:p14="http://schemas.microsoft.com/office/powerpoint/2010/main" val="1605559866"/>
+      </p:ext>
+    </p:extLst>
+  </p:cSld>
+  <p:clrMapOvr>
+    <a:masterClrMapping/>
+  </p:clrMapOvr>
+</p:notes>
+</file>
+
+<file path=ppt/notesSlides/notesSlide12.xml><?xml version="1.0" encoding="utf-8"?>
+<p:notes xmlns:a="http://schemas.openxmlformats.org/drawingml/2006/main" xmlns:r="http://schemas.openxmlformats.org/officeDocument/2006/relationships" xmlns:p="http://schemas.openxmlformats.org/presentationml/2006/main">
+  <p:cSld>
+    <p:spTree>
+      <p:nvGrpSpPr>
+        <p:cNvPr id="1" name=""/>
+        <p:cNvGrpSpPr/>
+        <p:nvPr/>
+      </p:nvGrpSpPr>
+      <p:grpSpPr>
+        <a:xfrm>
+          <a:off x="0" y="0"/>
+          <a:ext cx="0" cy="0"/>
+          <a:chOff x="0" y="0"/>
+          <a:chExt cx="0" cy="0"/>
+        </a:xfrm>
+      </p:grpSpPr>
+      <p:sp>
+        <p:nvSpPr>
+          <p:cNvPr id="60417" name="Rectangle 7">
+            <a:extLst>
+              <a:ext uri="{FF2B5EF4-FFF2-40B4-BE49-F238E27FC236}">
+                <a16:creationId xmlns:a16="http://schemas.microsoft.com/office/drawing/2014/main" id="{993CA72C-A587-604D-AE21-9A6063310675}"/>
+              </a:ext>
+            </a:extLst>
+          </p:cNvPr>
+          <p:cNvSpPr>
+            <a:spLocks noGrp="1" noChangeArrowheads="1"/>
+          </p:cNvSpPr>
+          <p:nvPr>
+            <p:ph type="sldNum" sz="quarter" idx="5"/>
+          </p:nvPr>
+        </p:nvSpPr>
+        <p:spPr bwMode="auto">
+          <a:noFill/>
+          <a:extLst>
+            <a:ext uri="{909E8E84-426E-40DD-AFC4-6F175D3DCCD1}">
+              <a14:hiddenFill xmlns:a14="http://schemas.microsoft.com/office/drawing/2010/main">
+                <a:solidFill>
+                  <a:srgbClr val="FFFFFF"/>
+                </a:solidFill>
+              </a14:hiddenFill>
+            </a:ext>
+            <a:ext uri="{91240B29-F687-4F45-9708-019B960494DF}">
+              <a14:hiddenLine xmlns:a14="http://schemas.microsoft.com/office/drawing/2010/main" w="9525">
+                <a:solidFill>
+                  <a:srgbClr val="000000"/>
+                </a:solidFill>
+                <a:miter lim="800000"/>
+                <a:headEnd/>
+                <a:tailEnd/>
+              </a14:hiddenLine>
+            </a:ext>
+          </a:extLst>
+        </p:spPr>
+        <p:txBody>
+          <a:bodyPr/>
+          <a:lstStyle>
+            <a:lvl1pPr>
+              <a:defRPr>
+                <a:solidFill>
+                  <a:schemeClr val="tx1"/>
+                </a:solidFill>
+                <a:latin typeface="Arial" panose="020B0604020202020204" pitchFamily="34" charset="0"/>
+                <a:ea typeface="ＭＳ Ｐゴシック" panose="020B0600070205080204" pitchFamily="34" charset="-128"/>
+              </a:defRPr>
+            </a:lvl1pPr>
+            <a:lvl2pPr marL="742950" indent="-285750">
+              <a:defRPr>
+                <a:solidFill>
+                  <a:schemeClr val="tx1"/>
+                </a:solidFill>
+                <a:latin typeface="Arial" panose="020B0604020202020204" pitchFamily="34" charset="0"/>
+                <a:ea typeface="ＭＳ Ｐゴシック" panose="020B0600070205080204" pitchFamily="34" charset="-128"/>
+              </a:defRPr>
+            </a:lvl2pPr>
+            <a:lvl3pPr marL="1143000" indent="-228600">
+              <a:defRPr>
+                <a:solidFill>
+                  <a:schemeClr val="tx1"/>
+                </a:solidFill>
+                <a:latin typeface="Arial" panose="020B0604020202020204" pitchFamily="34" charset="0"/>
+                <a:ea typeface="ＭＳ Ｐゴシック" panose="020B0600070205080204" pitchFamily="34" charset="-128"/>
+              </a:defRPr>
+            </a:lvl3pPr>
+            <a:lvl4pPr marL="1600200" indent="-228600">
+              <a:defRPr>
+                <a:solidFill>
+                  <a:schemeClr val="tx1"/>
+                </a:solidFill>
+                <a:latin typeface="Arial" panose="020B0604020202020204" pitchFamily="34" charset="0"/>
+                <a:ea typeface="ＭＳ Ｐゴシック" panose="020B0600070205080204" pitchFamily="34" charset="-128"/>
+              </a:defRPr>
+            </a:lvl4pPr>
+            <a:lvl5pPr marL="2057400" indent="-228600">
+              <a:defRPr>
+                <a:solidFill>
+                  <a:schemeClr val="tx1"/>
+                </a:solidFill>
+                <a:latin typeface="Arial" panose="020B0604020202020204" pitchFamily="34" charset="0"/>
+                <a:ea typeface="ＭＳ Ｐゴシック" panose="020B0600070205080204" pitchFamily="34" charset="-128"/>
+              </a:defRPr>
+            </a:lvl5pPr>
+            <a:lvl6pPr marL="2514600" indent="-228600" eaLnBrk="0" fontAlgn="base" hangingPunct="0">
+              <a:spcBef>
+                <a:spcPct val="0"/>
+              </a:spcBef>
+              <a:spcAft>
+                <a:spcPct val="0"/>
+              </a:spcAft>
+              <a:defRPr>
+                <a:solidFill>
+                  <a:schemeClr val="tx1"/>
+                </a:solidFill>
+                <a:latin typeface="Arial" panose="020B0604020202020204" pitchFamily="34" charset="0"/>
+                <a:ea typeface="ＭＳ Ｐゴシック" panose="020B0600070205080204" pitchFamily="34" charset="-128"/>
+              </a:defRPr>
+            </a:lvl6pPr>
+            <a:lvl7pPr marL="2971800" indent="-228600" eaLnBrk="0" fontAlgn="base" hangingPunct="0">
+              <a:spcBef>
+                <a:spcPct val="0"/>
+              </a:spcBef>
+              <a:spcAft>
+                <a:spcPct val="0"/>
+              </a:spcAft>
+              <a:defRPr>
+                <a:solidFill>
+                  <a:schemeClr val="tx1"/>
+                </a:solidFill>
+                <a:latin typeface="Arial" panose="020B0604020202020204" pitchFamily="34" charset="0"/>
+                <a:ea typeface="ＭＳ Ｐゴシック" panose="020B0600070205080204" pitchFamily="34" charset="-128"/>
+              </a:defRPr>
+            </a:lvl7pPr>
+            <a:lvl8pPr marL="3429000" indent="-228600" eaLnBrk="0" fontAlgn="base" hangingPunct="0">
+              <a:spcBef>
+                <a:spcPct val="0"/>
+              </a:spcBef>
+              <a:spcAft>
+                <a:spcPct val="0"/>
+              </a:spcAft>
+              <a:defRPr>
+                <a:solidFill>
+                  <a:schemeClr val="tx1"/>
+                </a:solidFill>
+                <a:latin typeface="Arial" panose="020B0604020202020204" pitchFamily="34" charset="0"/>
+                <a:ea typeface="ＭＳ Ｐゴシック" panose="020B0600070205080204" pitchFamily="34" charset="-128"/>
+              </a:defRPr>
+            </a:lvl8pPr>
+            <a:lvl9pPr marL="3886200" indent="-228600" eaLnBrk="0" fontAlgn="base" hangingPunct="0">
+              <a:spcBef>
+                <a:spcPct val="0"/>
+              </a:spcBef>
+              <a:spcAft>
+                <a:spcPct val="0"/>
+              </a:spcAft>
+              <a:defRPr>
+                <a:solidFill>
+                  <a:schemeClr val="tx1"/>
+                </a:solidFill>
+                <a:latin typeface="Arial" panose="020B0604020202020204" pitchFamily="34" charset="0"/>
+                <a:ea typeface="ＭＳ Ｐゴシック" panose="020B0600070205080204" pitchFamily="34" charset="-128"/>
+              </a:defRPr>
+            </a:lvl9pPr>
+          </a:lstStyle>
+          <a:p>
+            <a:fld id="{A7B9A0AC-20AE-7345-A5A8-A613CAD6762C}" type="slidenum">
+              <a:rPr lang="en-US" altLang="en-US"/>
+              <a:pPr/>
+              <a:t>32</a:t>
             </a:fld>
             <a:endParaRPr lang="en-US" altLang="en-US"/>
           </a:p>
@@ -8735,7 +9048,7 @@
     </p:spTree>
     <p:extLst>
       <p:ext uri="{BB962C8B-B14F-4D97-AF65-F5344CB8AC3E}">
-        <p14:creationId xmlns:p14="http://schemas.microsoft.com/office/powerpoint/2010/main" val="174926328"/>
+        <p14:creationId xmlns:p14="http://schemas.microsoft.com/office/powerpoint/2010/main" val="1382014638"/>
       </p:ext>
     </p:extLst>
   </p:cSld>
@@ -9032,7 +9345,7 @@
     </p:spTree>
     <p:extLst>
       <p:ext uri="{BB962C8B-B14F-4D97-AF65-F5344CB8AC3E}">
-        <p14:creationId xmlns:p14="http://schemas.microsoft.com/office/powerpoint/2010/main" val="2910542383"/>
+        <p14:creationId xmlns:p14="http://schemas.microsoft.com/office/powerpoint/2010/main" val="174926328"/>
       </p:ext>
     </p:extLst>
   </p:cSld>
@@ -9329,6 +9642,303 @@
     </p:spTree>
     <p:extLst>
       <p:ext uri="{BB962C8B-B14F-4D97-AF65-F5344CB8AC3E}">
+        <p14:creationId xmlns:p14="http://schemas.microsoft.com/office/powerpoint/2010/main" val="2910542383"/>
+      </p:ext>
+    </p:extLst>
+  </p:cSld>
+  <p:clrMapOvr>
+    <a:masterClrMapping/>
+  </p:clrMapOvr>
+</p:notes>
+</file>
+
+<file path=ppt/notesSlides/notesSlide6.xml><?xml version="1.0" encoding="utf-8"?>
+<p:notes xmlns:a="http://schemas.openxmlformats.org/drawingml/2006/main" xmlns:r="http://schemas.openxmlformats.org/officeDocument/2006/relationships" xmlns:p="http://schemas.openxmlformats.org/presentationml/2006/main">
+  <p:cSld>
+    <p:spTree>
+      <p:nvGrpSpPr>
+        <p:cNvPr id="1" name=""/>
+        <p:cNvGrpSpPr/>
+        <p:nvPr/>
+      </p:nvGrpSpPr>
+      <p:grpSpPr>
+        <a:xfrm>
+          <a:off x="0" y="0"/>
+          <a:ext cx="0" cy="0"/>
+          <a:chOff x="0" y="0"/>
+          <a:chExt cx="0" cy="0"/>
+        </a:xfrm>
+      </p:grpSpPr>
+      <p:sp>
+        <p:nvSpPr>
+          <p:cNvPr id="41985" name="Rectangle 7">
+            <a:extLst>
+              <a:ext uri="{FF2B5EF4-FFF2-40B4-BE49-F238E27FC236}">
+                <a16:creationId xmlns:a16="http://schemas.microsoft.com/office/drawing/2014/main" id="{1AC3CAEF-6444-904A-8CEC-9F39B7BEE5D3}"/>
+              </a:ext>
+            </a:extLst>
+          </p:cNvPr>
+          <p:cNvSpPr>
+            <a:spLocks noGrp="1" noChangeArrowheads="1"/>
+          </p:cNvSpPr>
+          <p:nvPr>
+            <p:ph type="sldNum" sz="quarter" idx="5"/>
+          </p:nvPr>
+        </p:nvSpPr>
+        <p:spPr bwMode="auto">
+          <a:noFill/>
+          <a:extLst>
+            <a:ext uri="{909E8E84-426E-40DD-AFC4-6F175D3DCCD1}">
+              <a14:hiddenFill xmlns:a14="http://schemas.microsoft.com/office/drawing/2010/main">
+                <a:solidFill>
+                  <a:srgbClr val="FFFFFF"/>
+                </a:solidFill>
+              </a14:hiddenFill>
+            </a:ext>
+            <a:ext uri="{91240B29-F687-4F45-9708-019B960494DF}">
+              <a14:hiddenLine xmlns:a14="http://schemas.microsoft.com/office/drawing/2010/main" w="9525">
+                <a:solidFill>
+                  <a:srgbClr val="000000"/>
+                </a:solidFill>
+                <a:miter lim="800000"/>
+                <a:headEnd/>
+                <a:tailEnd/>
+              </a14:hiddenLine>
+            </a:ext>
+          </a:extLst>
+        </p:spPr>
+        <p:txBody>
+          <a:bodyPr/>
+          <a:lstStyle>
+            <a:lvl1pPr>
+              <a:defRPr>
+                <a:solidFill>
+                  <a:schemeClr val="tx1"/>
+                </a:solidFill>
+                <a:latin typeface="Arial" panose="020B0604020202020204" pitchFamily="34" charset="0"/>
+                <a:ea typeface="ＭＳ Ｐゴシック" panose="020B0600070205080204" pitchFamily="34" charset="-128"/>
+              </a:defRPr>
+            </a:lvl1pPr>
+            <a:lvl2pPr marL="742950" indent="-285750">
+              <a:defRPr>
+                <a:solidFill>
+                  <a:schemeClr val="tx1"/>
+                </a:solidFill>
+                <a:latin typeface="Arial" panose="020B0604020202020204" pitchFamily="34" charset="0"/>
+                <a:ea typeface="ＭＳ Ｐゴシック" panose="020B0600070205080204" pitchFamily="34" charset="-128"/>
+              </a:defRPr>
+            </a:lvl2pPr>
+            <a:lvl3pPr marL="1143000" indent="-228600">
+              <a:defRPr>
+                <a:solidFill>
+                  <a:schemeClr val="tx1"/>
+                </a:solidFill>
+                <a:latin typeface="Arial" panose="020B0604020202020204" pitchFamily="34" charset="0"/>
+                <a:ea typeface="ＭＳ Ｐゴシック" panose="020B0600070205080204" pitchFamily="34" charset="-128"/>
+              </a:defRPr>
+            </a:lvl3pPr>
+            <a:lvl4pPr marL="1600200" indent="-228600">
+              <a:defRPr>
+                <a:solidFill>
+                  <a:schemeClr val="tx1"/>
+                </a:solidFill>
+                <a:latin typeface="Arial" panose="020B0604020202020204" pitchFamily="34" charset="0"/>
+                <a:ea typeface="ＭＳ Ｐゴシック" panose="020B0600070205080204" pitchFamily="34" charset="-128"/>
+              </a:defRPr>
+            </a:lvl4pPr>
+            <a:lvl5pPr marL="2057400" indent="-228600">
+              <a:defRPr>
+                <a:solidFill>
+                  <a:schemeClr val="tx1"/>
+                </a:solidFill>
+                <a:latin typeface="Arial" panose="020B0604020202020204" pitchFamily="34" charset="0"/>
+                <a:ea typeface="ＭＳ Ｐゴシック" panose="020B0600070205080204" pitchFamily="34" charset="-128"/>
+              </a:defRPr>
+            </a:lvl5pPr>
+            <a:lvl6pPr marL="2514600" indent="-228600" eaLnBrk="0" fontAlgn="base" hangingPunct="0">
+              <a:spcBef>
+                <a:spcPct val="0"/>
+              </a:spcBef>
+              <a:spcAft>
+                <a:spcPct val="0"/>
+              </a:spcAft>
+              <a:defRPr>
+                <a:solidFill>
+                  <a:schemeClr val="tx1"/>
+                </a:solidFill>
+                <a:latin typeface="Arial" panose="020B0604020202020204" pitchFamily="34" charset="0"/>
+                <a:ea typeface="ＭＳ Ｐゴシック" panose="020B0600070205080204" pitchFamily="34" charset="-128"/>
+              </a:defRPr>
+            </a:lvl6pPr>
+            <a:lvl7pPr marL="2971800" indent="-228600" eaLnBrk="0" fontAlgn="base" hangingPunct="0">
+              <a:spcBef>
+                <a:spcPct val="0"/>
+              </a:spcBef>
+              <a:spcAft>
+                <a:spcPct val="0"/>
+              </a:spcAft>
+              <a:defRPr>
+                <a:solidFill>
+                  <a:schemeClr val="tx1"/>
+                </a:solidFill>
+                <a:latin typeface="Arial" panose="020B0604020202020204" pitchFamily="34" charset="0"/>
+                <a:ea typeface="ＭＳ Ｐゴシック" panose="020B0600070205080204" pitchFamily="34" charset="-128"/>
+              </a:defRPr>
+            </a:lvl7pPr>
+            <a:lvl8pPr marL="3429000" indent="-228600" eaLnBrk="0" fontAlgn="base" hangingPunct="0">
+              <a:spcBef>
+                <a:spcPct val="0"/>
+              </a:spcBef>
+              <a:spcAft>
+                <a:spcPct val="0"/>
+              </a:spcAft>
+              <a:defRPr>
+                <a:solidFill>
+                  <a:schemeClr val="tx1"/>
+                </a:solidFill>
+                <a:latin typeface="Arial" panose="020B0604020202020204" pitchFamily="34" charset="0"/>
+                <a:ea typeface="ＭＳ Ｐゴシック" panose="020B0600070205080204" pitchFamily="34" charset="-128"/>
+              </a:defRPr>
+            </a:lvl8pPr>
+            <a:lvl9pPr marL="3886200" indent="-228600" eaLnBrk="0" fontAlgn="base" hangingPunct="0">
+              <a:spcBef>
+                <a:spcPct val="0"/>
+              </a:spcBef>
+              <a:spcAft>
+                <a:spcPct val="0"/>
+              </a:spcAft>
+              <a:defRPr>
+                <a:solidFill>
+                  <a:schemeClr val="tx1"/>
+                </a:solidFill>
+                <a:latin typeface="Arial" panose="020B0604020202020204" pitchFamily="34" charset="0"/>
+                <a:ea typeface="ＭＳ Ｐゴシック" panose="020B0600070205080204" pitchFamily="34" charset="-128"/>
+              </a:defRPr>
+            </a:lvl9pPr>
+          </a:lstStyle>
+          <a:p>
+            <a:fld id="{5D14BB6E-FC96-344A-B4E0-27895B327A35}" type="slidenum">
+              <a:rPr lang="en-US" altLang="en-US"/>
+              <a:pPr/>
+              <a:t>18</a:t>
+            </a:fld>
+            <a:endParaRPr lang="en-US" altLang="en-US"/>
+          </a:p>
+        </p:txBody>
+      </p:sp>
+      <p:sp>
+        <p:nvSpPr>
+          <p:cNvPr id="41986" name="Rectangle 2">
+            <a:extLst>
+              <a:ext uri="{FF2B5EF4-FFF2-40B4-BE49-F238E27FC236}">
+                <a16:creationId xmlns:a16="http://schemas.microsoft.com/office/drawing/2014/main" id="{0FA71902-1333-D343-9D02-68BEC75236D7}"/>
+              </a:ext>
+            </a:extLst>
+          </p:cNvPr>
+          <p:cNvSpPr>
+            <a:spLocks noGrp="1" noRot="1" noChangeAspect="1" noChangeArrowheads="1" noTextEdit="1"/>
+          </p:cNvSpPr>
+          <p:nvPr>
+            <p:ph type="sldImg"/>
+          </p:nvPr>
+        </p:nvSpPr>
+        <p:spPr bwMode="auto">
+          <a:xfrm>
+            <a:off x="687388" y="685800"/>
+            <a:ext cx="5486400" cy="3429000"/>
+          </a:xfrm>
+          <a:noFill/>
+          <a:ln>
+            <a:solidFill>
+              <a:srgbClr val="000000"/>
+            </a:solidFill>
+            <a:miter lim="800000"/>
+            <a:headEnd/>
+            <a:tailEnd/>
+          </a:ln>
+          <a:extLst>
+            <a:ext uri="{909E8E84-426E-40DD-AFC4-6F175D3DCCD1}">
+              <a14:hiddenFill xmlns:a14="http://schemas.microsoft.com/office/drawing/2010/main">
+                <a:solidFill>
+                  <a:srgbClr val="FFFFFF"/>
+                </a:solidFill>
+              </a14:hiddenFill>
+            </a:ext>
+          </a:extLst>
+        </p:spPr>
+      </p:sp>
+      <p:sp>
+        <p:nvSpPr>
+          <p:cNvPr id="55300" name="Rectangle 3">
+            <a:extLst>
+              <a:ext uri="{FF2B5EF4-FFF2-40B4-BE49-F238E27FC236}">
+                <a16:creationId xmlns:a16="http://schemas.microsoft.com/office/drawing/2014/main" id="{B12CE469-D47E-704A-8987-4EB92180A349}"/>
+              </a:ext>
+            </a:extLst>
+          </p:cNvPr>
+          <p:cNvSpPr>
+            <a:spLocks noGrp="1" noChangeArrowheads="1"/>
+          </p:cNvSpPr>
+          <p:nvPr>
+            <p:ph type="body" idx="1"/>
+          </p:nvPr>
+        </p:nvSpPr>
+        <p:spPr bwMode="auto">
+          <a:xfrm>
+            <a:off x="914400" y="4343400"/>
+            <a:ext cx="5029200" cy="4114800"/>
+          </a:xfrm>
+          <a:extLst>
+            <a:ext uri="{909E8E84-426E-40DD-AFC4-6F175D3DCCD1}">
+              <a14:hiddenFill xmlns:a14="http://schemas.microsoft.com/office/drawing/2010/main">
+                <a:solidFill>
+                  <a:srgbClr val="FFFFFF"/>
+                </a:solidFill>
+              </a14:hiddenFill>
+            </a:ext>
+            <a:ext uri="{91240B29-F687-4F45-9708-019B960494DF}">
+              <a14:hiddenLine xmlns:a14="http://schemas.microsoft.com/office/drawing/2010/main" w="9525">
+                <a:solidFill>
+                  <a:srgbClr val="000000"/>
+                </a:solidFill>
+                <a:miter lim="800000"/>
+                <a:headEnd/>
+                <a:tailEnd/>
+              </a14:hiddenLine>
+            </a:ext>
+            <a:ext uri="{AF507438-7753-43E0-B8FC-AC1667EBCBE1}">
+              <a14:hiddenEffects xmlns:a14="http://schemas.microsoft.com/office/drawing/2010/main">
+                <a:effectLst>
+                  <a:outerShdw blurRad="63500" dist="38099" dir="2700000" algn="ctr" rotWithShape="0">
+                    <a:schemeClr val="bg2">
+                      <a:alpha val="74997"/>
+                    </a:schemeClr>
+                  </a:outerShdw>
+                </a:effectLst>
+              </a14:hiddenEffects>
+            </a:ext>
+          </a:extLst>
+        </p:spPr>
+        <p:txBody>
+          <a:bodyPr wrap="square" numCol="1" anchor="t" anchorCtr="0" compatLnSpc="1">
+            <a:prstTxWarp prst="textNoShape">
+              <a:avLst/>
+            </a:prstTxWarp>
+          </a:bodyPr>
+          <a:lstStyle/>
+          <a:p>
+            <a:pPr eaLnBrk="1" hangingPunct="1">
+              <a:defRPr/>
+            </a:pPr>
+            <a:endParaRPr lang="en-US">
+              <a:cs typeface="+mn-cs"/>
+            </a:endParaRPr>
+          </a:p>
+        </p:txBody>
+      </p:sp>
+    </p:spTree>
+    <p:extLst>
+      <p:ext uri="{BB962C8B-B14F-4D97-AF65-F5344CB8AC3E}">
         <p14:creationId xmlns:p14="http://schemas.microsoft.com/office/powerpoint/2010/main" val="1039853726"/>
       </p:ext>
     </p:extLst>
@@ -9339,7 +9949,7 @@
 </p:notes>
 </file>
 
-<file path=ppt/notesSlides/notesSlide6.xml><?xml version="1.0" encoding="utf-8"?>
+<file path=ppt/notesSlides/notesSlide7.xml><?xml version="1.0" encoding="utf-8"?>
 <p:notes xmlns:a="http://schemas.openxmlformats.org/drawingml/2006/main" xmlns:r="http://schemas.openxmlformats.org/officeDocument/2006/relationships" xmlns:p="http://schemas.openxmlformats.org/presentationml/2006/main">
   <p:cSld>
     <p:spTree>
@@ -9507,7 +10117,7 @@
             <a:fld id="{FCBA7E5D-E628-7140-9B10-1F7D24B99C84}" type="slidenum">
               <a:rPr lang="en-US" altLang="en-US"/>
               <a:pPr/>
-              <a:t>18</a:t>
+              <a:t>19</a:t>
             </a:fld>
             <a:endParaRPr lang="en-US" altLang="en-US"/>
           </a:p>
@@ -9636,7 +10246,7 @@
 </p:notes>
 </file>
 
-<file path=ppt/notesSlides/notesSlide7.xml><?xml version="1.0" encoding="utf-8"?>
+<file path=ppt/notesSlides/notesSlide8.xml><?xml version="1.0" encoding="utf-8"?>
 <p:notes xmlns:a="http://schemas.openxmlformats.org/drawingml/2006/main" xmlns:r="http://schemas.openxmlformats.org/officeDocument/2006/relationships" xmlns:p="http://schemas.openxmlformats.org/presentationml/2006/main">
   <p:cSld>
     <p:spTree>
@@ -9804,7 +10414,7 @@
             <a:fld id="{0008C2E0-0108-EB41-994F-E03D233417C9}" type="slidenum">
               <a:rPr lang="en-US" altLang="en-US"/>
               <a:pPr/>
-              <a:t>19</a:t>
+              <a:t>20</a:t>
             </a:fld>
             <a:endParaRPr lang="en-US" altLang="en-US"/>
           </a:p>
@@ -9933,7 +10543,7 @@
 </p:notes>
 </file>
 
-<file path=ppt/notesSlides/notesSlide8.xml><?xml version="1.0" encoding="utf-8"?>
+<file path=ppt/notesSlides/notesSlide9.xml><?xml version="1.0" encoding="utf-8"?>
 <p:notes xmlns:a="http://schemas.openxmlformats.org/drawingml/2006/main" xmlns:r="http://schemas.openxmlformats.org/officeDocument/2006/relationships" xmlns:p="http://schemas.openxmlformats.org/presentationml/2006/main">
   <p:cSld>
     <p:spTree>
@@ -10101,7 +10711,7 @@
             <a:fld id="{6E6D6B7F-7411-6E4B-BF22-D422F16A5770}" type="slidenum">
               <a:rPr lang="en-US" altLang="en-US"/>
               <a:pPr/>
-              <a:t>22</a:t>
+              <a:t>23</a:t>
             </a:fld>
             <a:endParaRPr lang="en-US" altLang="en-US"/>
           </a:p>
@@ -10221,303 +10831,6 @@
     <p:extLst>
       <p:ext uri="{BB962C8B-B14F-4D97-AF65-F5344CB8AC3E}">
         <p14:creationId xmlns:p14="http://schemas.microsoft.com/office/powerpoint/2010/main" val="1233734162"/>
-      </p:ext>
-    </p:extLst>
-  </p:cSld>
-  <p:clrMapOvr>
-    <a:masterClrMapping/>
-  </p:clrMapOvr>
-</p:notes>
-</file>
-
-<file path=ppt/notesSlides/notesSlide9.xml><?xml version="1.0" encoding="utf-8"?>
-<p:notes xmlns:a="http://schemas.openxmlformats.org/drawingml/2006/main" xmlns:r="http://schemas.openxmlformats.org/officeDocument/2006/relationships" xmlns:p="http://schemas.openxmlformats.org/presentationml/2006/main">
-  <p:cSld>
-    <p:spTree>
-      <p:nvGrpSpPr>
-        <p:cNvPr id="1" name=""/>
-        <p:cNvGrpSpPr/>
-        <p:nvPr/>
-      </p:nvGrpSpPr>
-      <p:grpSpPr>
-        <a:xfrm>
-          <a:off x="0" y="0"/>
-          <a:ext cx="0" cy="0"/>
-          <a:chOff x="0" y="0"/>
-          <a:chExt cx="0" cy="0"/>
-        </a:xfrm>
-      </p:grpSpPr>
-      <p:sp>
-        <p:nvSpPr>
-          <p:cNvPr id="58369" name="Rectangle 7">
-            <a:extLst>
-              <a:ext uri="{FF2B5EF4-FFF2-40B4-BE49-F238E27FC236}">
-                <a16:creationId xmlns:a16="http://schemas.microsoft.com/office/drawing/2014/main" id="{365B336F-125C-074D-93A8-C9F1F3C9BAAD}"/>
-              </a:ext>
-            </a:extLst>
-          </p:cNvPr>
-          <p:cNvSpPr>
-            <a:spLocks noGrp="1" noChangeArrowheads="1"/>
-          </p:cNvSpPr>
-          <p:nvPr>
-            <p:ph type="sldNum" sz="quarter" idx="5"/>
-          </p:nvPr>
-        </p:nvSpPr>
-        <p:spPr bwMode="auto">
-          <a:noFill/>
-          <a:extLst>
-            <a:ext uri="{909E8E84-426E-40DD-AFC4-6F175D3DCCD1}">
-              <a14:hiddenFill xmlns:a14="http://schemas.microsoft.com/office/drawing/2010/main">
-                <a:solidFill>
-                  <a:srgbClr val="FFFFFF"/>
-                </a:solidFill>
-              </a14:hiddenFill>
-            </a:ext>
-            <a:ext uri="{91240B29-F687-4F45-9708-019B960494DF}">
-              <a14:hiddenLine xmlns:a14="http://schemas.microsoft.com/office/drawing/2010/main" w="9525">
-                <a:solidFill>
-                  <a:srgbClr val="000000"/>
-                </a:solidFill>
-                <a:miter lim="800000"/>
-                <a:headEnd/>
-                <a:tailEnd/>
-              </a14:hiddenLine>
-            </a:ext>
-          </a:extLst>
-        </p:spPr>
-        <p:txBody>
-          <a:bodyPr/>
-          <a:lstStyle>
-            <a:lvl1pPr>
-              <a:defRPr>
-                <a:solidFill>
-                  <a:schemeClr val="tx1"/>
-                </a:solidFill>
-                <a:latin typeface="Arial" panose="020B0604020202020204" pitchFamily="34" charset="0"/>
-                <a:ea typeface="ＭＳ Ｐゴシック" panose="020B0600070205080204" pitchFamily="34" charset="-128"/>
-              </a:defRPr>
-            </a:lvl1pPr>
-            <a:lvl2pPr marL="742950" indent="-285750">
-              <a:defRPr>
-                <a:solidFill>
-                  <a:schemeClr val="tx1"/>
-                </a:solidFill>
-                <a:latin typeface="Arial" panose="020B0604020202020204" pitchFamily="34" charset="0"/>
-                <a:ea typeface="ＭＳ Ｐゴシック" panose="020B0600070205080204" pitchFamily="34" charset="-128"/>
-              </a:defRPr>
-            </a:lvl2pPr>
-            <a:lvl3pPr marL="1143000" indent="-228600">
-              <a:defRPr>
-                <a:solidFill>
-                  <a:schemeClr val="tx1"/>
-                </a:solidFill>
-                <a:latin typeface="Arial" panose="020B0604020202020204" pitchFamily="34" charset="0"/>
-                <a:ea typeface="ＭＳ Ｐゴシック" panose="020B0600070205080204" pitchFamily="34" charset="-128"/>
-              </a:defRPr>
-            </a:lvl3pPr>
-            <a:lvl4pPr marL="1600200" indent="-228600">
-              <a:defRPr>
-                <a:solidFill>
-                  <a:schemeClr val="tx1"/>
-                </a:solidFill>
-                <a:latin typeface="Arial" panose="020B0604020202020204" pitchFamily="34" charset="0"/>
-                <a:ea typeface="ＭＳ Ｐゴシック" panose="020B0600070205080204" pitchFamily="34" charset="-128"/>
-              </a:defRPr>
-            </a:lvl4pPr>
-            <a:lvl5pPr marL="2057400" indent="-228600">
-              <a:defRPr>
-                <a:solidFill>
-                  <a:schemeClr val="tx1"/>
-                </a:solidFill>
-                <a:latin typeface="Arial" panose="020B0604020202020204" pitchFamily="34" charset="0"/>
-                <a:ea typeface="ＭＳ Ｐゴシック" panose="020B0600070205080204" pitchFamily="34" charset="-128"/>
-              </a:defRPr>
-            </a:lvl5pPr>
-            <a:lvl6pPr marL="2514600" indent="-228600" eaLnBrk="0" fontAlgn="base" hangingPunct="0">
-              <a:spcBef>
-                <a:spcPct val="0"/>
-              </a:spcBef>
-              <a:spcAft>
-                <a:spcPct val="0"/>
-              </a:spcAft>
-              <a:defRPr>
-                <a:solidFill>
-                  <a:schemeClr val="tx1"/>
-                </a:solidFill>
-                <a:latin typeface="Arial" panose="020B0604020202020204" pitchFamily="34" charset="0"/>
-                <a:ea typeface="ＭＳ Ｐゴシック" panose="020B0600070205080204" pitchFamily="34" charset="-128"/>
-              </a:defRPr>
-            </a:lvl6pPr>
-            <a:lvl7pPr marL="2971800" indent="-228600" eaLnBrk="0" fontAlgn="base" hangingPunct="0">
-              <a:spcBef>
-                <a:spcPct val="0"/>
-              </a:spcBef>
-              <a:spcAft>
-                <a:spcPct val="0"/>
-              </a:spcAft>
-              <a:defRPr>
-                <a:solidFill>
-                  <a:schemeClr val="tx1"/>
-                </a:solidFill>
-                <a:latin typeface="Arial" panose="020B0604020202020204" pitchFamily="34" charset="0"/>
-                <a:ea typeface="ＭＳ Ｐゴシック" panose="020B0600070205080204" pitchFamily="34" charset="-128"/>
-              </a:defRPr>
-            </a:lvl7pPr>
-            <a:lvl8pPr marL="3429000" indent="-228600" eaLnBrk="0" fontAlgn="base" hangingPunct="0">
-              <a:spcBef>
-                <a:spcPct val="0"/>
-              </a:spcBef>
-              <a:spcAft>
-                <a:spcPct val="0"/>
-              </a:spcAft>
-              <a:defRPr>
-                <a:solidFill>
-                  <a:schemeClr val="tx1"/>
-                </a:solidFill>
-                <a:latin typeface="Arial" panose="020B0604020202020204" pitchFamily="34" charset="0"/>
-                <a:ea typeface="ＭＳ Ｐゴシック" panose="020B0600070205080204" pitchFamily="34" charset="-128"/>
-              </a:defRPr>
-            </a:lvl8pPr>
-            <a:lvl9pPr marL="3886200" indent="-228600" eaLnBrk="0" fontAlgn="base" hangingPunct="0">
-              <a:spcBef>
-                <a:spcPct val="0"/>
-              </a:spcBef>
-              <a:spcAft>
-                <a:spcPct val="0"/>
-              </a:spcAft>
-              <a:defRPr>
-                <a:solidFill>
-                  <a:schemeClr val="tx1"/>
-                </a:solidFill>
-                <a:latin typeface="Arial" panose="020B0604020202020204" pitchFamily="34" charset="0"/>
-                <a:ea typeface="ＭＳ Ｐゴシック" panose="020B0600070205080204" pitchFamily="34" charset="-128"/>
-              </a:defRPr>
-            </a:lvl9pPr>
-          </a:lstStyle>
-          <a:p>
-            <a:fld id="{DCBB9DCE-5A7A-B94F-B67C-E0D6D63D7B14}" type="slidenum">
-              <a:rPr lang="en-US" altLang="en-US"/>
-              <a:pPr/>
-              <a:t>29</a:t>
-            </a:fld>
-            <a:endParaRPr lang="en-US" altLang="en-US"/>
-          </a:p>
-        </p:txBody>
-      </p:sp>
-      <p:sp>
-        <p:nvSpPr>
-          <p:cNvPr id="58370" name="Rectangle 2">
-            <a:extLst>
-              <a:ext uri="{FF2B5EF4-FFF2-40B4-BE49-F238E27FC236}">
-                <a16:creationId xmlns:a16="http://schemas.microsoft.com/office/drawing/2014/main" id="{5E662D49-D8C4-9B46-8BA4-602F29CFAFDC}"/>
-              </a:ext>
-            </a:extLst>
-          </p:cNvPr>
-          <p:cNvSpPr>
-            <a:spLocks noGrp="1" noRot="1" noChangeAspect="1" noChangeArrowheads="1" noTextEdit="1"/>
-          </p:cNvSpPr>
-          <p:nvPr>
-            <p:ph type="sldImg"/>
-          </p:nvPr>
-        </p:nvSpPr>
-        <p:spPr bwMode="auto">
-          <a:xfrm>
-            <a:off x="687388" y="685800"/>
-            <a:ext cx="5486400" cy="3429000"/>
-          </a:xfrm>
-          <a:noFill/>
-          <a:ln>
-            <a:solidFill>
-              <a:srgbClr val="000000"/>
-            </a:solidFill>
-            <a:miter lim="800000"/>
-            <a:headEnd/>
-            <a:tailEnd/>
-          </a:ln>
-          <a:extLst>
-            <a:ext uri="{909E8E84-426E-40DD-AFC4-6F175D3DCCD1}">
-              <a14:hiddenFill xmlns:a14="http://schemas.microsoft.com/office/drawing/2010/main">
-                <a:solidFill>
-                  <a:srgbClr val="FFFFFF"/>
-                </a:solidFill>
-              </a14:hiddenFill>
-            </a:ext>
-          </a:extLst>
-        </p:spPr>
-      </p:sp>
-      <p:sp>
-        <p:nvSpPr>
-          <p:cNvPr id="55300" name="Rectangle 3">
-            <a:extLst>
-              <a:ext uri="{FF2B5EF4-FFF2-40B4-BE49-F238E27FC236}">
-                <a16:creationId xmlns:a16="http://schemas.microsoft.com/office/drawing/2014/main" id="{F015FEEA-16AB-914A-BE97-2114E496B514}"/>
-              </a:ext>
-            </a:extLst>
-          </p:cNvPr>
-          <p:cNvSpPr>
-            <a:spLocks noGrp="1" noChangeArrowheads="1"/>
-          </p:cNvSpPr>
-          <p:nvPr>
-            <p:ph type="body" idx="1"/>
-          </p:nvPr>
-        </p:nvSpPr>
-        <p:spPr bwMode="auto">
-          <a:xfrm>
-            <a:off x="914400" y="4343400"/>
-            <a:ext cx="5029200" cy="4114800"/>
-          </a:xfrm>
-          <a:extLst>
-            <a:ext uri="{909E8E84-426E-40DD-AFC4-6F175D3DCCD1}">
-              <a14:hiddenFill xmlns:a14="http://schemas.microsoft.com/office/drawing/2010/main">
-                <a:solidFill>
-                  <a:srgbClr val="FFFFFF"/>
-                </a:solidFill>
-              </a14:hiddenFill>
-            </a:ext>
-            <a:ext uri="{91240B29-F687-4F45-9708-019B960494DF}">
-              <a14:hiddenLine xmlns:a14="http://schemas.microsoft.com/office/drawing/2010/main" w="9525">
-                <a:solidFill>
-                  <a:srgbClr val="000000"/>
-                </a:solidFill>
-                <a:miter lim="800000"/>
-                <a:headEnd/>
-                <a:tailEnd/>
-              </a14:hiddenLine>
-            </a:ext>
-            <a:ext uri="{AF507438-7753-43E0-B8FC-AC1667EBCBE1}">
-              <a14:hiddenEffects xmlns:a14="http://schemas.microsoft.com/office/drawing/2010/main">
-                <a:effectLst>
-                  <a:outerShdw blurRad="63500" dist="38099" dir="2700000" algn="ctr" rotWithShape="0">
-                    <a:schemeClr val="bg2">
-                      <a:alpha val="74997"/>
-                    </a:schemeClr>
-                  </a:outerShdw>
-                </a:effectLst>
-              </a14:hiddenEffects>
-            </a:ext>
-          </a:extLst>
-        </p:spPr>
-        <p:txBody>
-          <a:bodyPr wrap="square" numCol="1" anchor="t" anchorCtr="0" compatLnSpc="1">
-            <a:prstTxWarp prst="textNoShape">
-              <a:avLst/>
-            </a:prstTxWarp>
-          </a:bodyPr>
-          <a:lstStyle/>
-          <a:p>
-            <a:pPr eaLnBrk="1" hangingPunct="1">
-              <a:defRPr/>
-            </a:pPr>
-            <a:endParaRPr lang="en-US">
-              <a:cs typeface="+mn-cs"/>
-            </a:endParaRPr>
-          </a:p>
-        </p:txBody>
-      </p:sp>
-    </p:spTree>
-    <p:extLst>
-      <p:ext uri="{BB962C8B-B14F-4D97-AF65-F5344CB8AC3E}">
-        <p14:creationId xmlns:p14="http://schemas.microsoft.com/office/powerpoint/2010/main" val="4050501702"/>
       </p:ext>
     </p:extLst>
   </p:cSld>
@@ -10658,7 +10971,7 @@
           <a:p>
             <a:fld id="{C96F47CA-F895-6945-BE27-26692229FACF}" type="datetime1">
               <a:rPr lang="en-US" smtClean="0"/>
-              <a:t>5/10/21</a:t>
+              <a:t>5/21/21</a:t>
             </a:fld>
             <a:endParaRPr lang="en-US" dirty="0"/>
           </a:p>
@@ -10828,7 +11141,7 @@
           <a:p>
             <a:fld id="{AF706D67-2012-D043-9F80-5C2BDD609BD3}" type="datetime1">
               <a:rPr lang="en-US" smtClean="0"/>
-              <a:t>5/10/21</a:t>
+              <a:t>5/21/21</a:t>
             </a:fld>
             <a:endParaRPr lang="en-US" dirty="0"/>
           </a:p>
@@ -11008,7 +11321,7 @@
           <a:p>
             <a:fld id="{5B79ACE4-03B6-794A-A48C-13F9598CCD28}" type="datetime1">
               <a:rPr lang="en-US" smtClean="0"/>
-              <a:t>5/10/21</a:t>
+              <a:t>5/21/21</a:t>
             </a:fld>
             <a:endParaRPr lang="en-US" dirty="0"/>
           </a:p>
@@ -11178,7 +11491,7 @@
           <a:p>
             <a:fld id="{6DA7C96B-D6FF-5D47-8EF3-542FD5A88E7C}" type="datetime1">
               <a:rPr lang="en-US" smtClean="0"/>
-              <a:t>5/10/21</a:t>
+              <a:t>5/21/21</a:t>
             </a:fld>
             <a:endParaRPr lang="en-US" dirty="0"/>
           </a:p>
@@ -11424,7 +11737,7 @@
           <a:p>
             <a:fld id="{5A6358E7-4856-3046-9420-8ADBF7A86D8C}" type="datetime1">
               <a:rPr lang="en-US" smtClean="0"/>
-              <a:t>5/10/21</a:t>
+              <a:t>5/21/21</a:t>
             </a:fld>
             <a:endParaRPr lang="en-US" dirty="0"/>
           </a:p>
@@ -11656,7 +11969,7 @@
           <a:p>
             <a:fld id="{6779F35A-9F43-7048-AA95-2DCA7E8C0780}" type="datetime1">
               <a:rPr lang="en-US" smtClean="0"/>
-              <a:t>5/10/21</a:t>
+              <a:t>5/21/21</a:t>
             </a:fld>
             <a:endParaRPr lang="en-US" dirty="0"/>
           </a:p>
@@ -12023,7 +12336,7 @@
           <a:p>
             <a:fld id="{B7CB2D7C-E370-DC40-8D10-DF8CB1A188CA}" type="datetime1">
               <a:rPr lang="en-US" smtClean="0"/>
-              <a:t>5/10/21</a:t>
+              <a:t>5/21/21</a:t>
             </a:fld>
             <a:endParaRPr lang="en-US" dirty="0"/>
           </a:p>
@@ -12141,7 +12454,7 @@
           <a:p>
             <a:fld id="{68AA69A2-3CD0-BE49-AF6E-9E037A40F43F}" type="datetime1">
               <a:rPr lang="en-US" smtClean="0"/>
-              <a:t>5/10/21</a:t>
+              <a:t>5/21/21</a:t>
             </a:fld>
             <a:endParaRPr lang="en-US" dirty="0"/>
           </a:p>
@@ -12236,7 +12549,7 @@
           <a:p>
             <a:fld id="{1EB50D9D-ACA9-3C4A-A3FC-7A265C0CEBD3}" type="datetime1">
               <a:rPr lang="en-US" smtClean="0"/>
-              <a:t>5/10/21</a:t>
+              <a:t>5/21/21</a:t>
             </a:fld>
             <a:endParaRPr lang="en-US" dirty="0"/>
           </a:p>
@@ -12513,7 +12826,7 @@
           <a:p>
             <a:fld id="{A08B2DD4-8739-D748-B308-CD7D801B0131}" type="datetime1">
               <a:rPr lang="en-US" smtClean="0"/>
-              <a:t>5/10/21</a:t>
+              <a:t>5/21/21</a:t>
             </a:fld>
             <a:endParaRPr lang="en-US" dirty="0"/>
           </a:p>
@@ -12770,7 +13083,7 @@
           <a:p>
             <a:fld id="{98622575-E24A-D548-838B-E385F9D0E59A}" type="datetime1">
               <a:rPr lang="en-US" smtClean="0"/>
-              <a:t>5/10/21</a:t>
+              <a:t>5/21/21</a:t>
             </a:fld>
             <a:endParaRPr lang="en-US" dirty="0"/>
           </a:p>
@@ -12983,7 +13296,7 @@
           <a:p>
             <a:fld id="{272BAF4E-9F7C-284D-B40D-0B83E546F887}" type="datetime1">
               <a:rPr lang="en-US" smtClean="0"/>
-              <a:t>5/10/21</a:t>
+              <a:t>5/21/21</a:t>
             </a:fld>
             <a:endParaRPr lang="en-US" dirty="0"/>
           </a:p>
@@ -15241,7 +15554,7 @@
                 <a:latin typeface="Tahoma" panose="020B0604030504040204" pitchFamily="34" charset="0"/>
                 <a:ea typeface="ＭＳ Ｐゴシック" panose="020B0600070205080204" pitchFamily="34" charset="-128"/>
               </a:rPr>
-              <a:t>Example 1 of Algorithmic Efficiency</a:t>
+              <a:t>Algorithmic Efficiency</a:t>
             </a:r>
           </a:p>
         </p:txBody>
@@ -15278,262 +15591,81 @@
               <a:buNone/>
             </a:pPr>
             <a:r>
-              <a:rPr lang="en-US" sz="2000" b="1" dirty="0">
-                <a:solidFill>
-                  <a:srgbClr val="34A327"/>
-                </a:solidFill>
-                <a:latin typeface="Inconsolata" panose="020B0609030003000000" pitchFamily="49" charset="77"/>
-              </a:rPr>
-              <a:t>def</a:t>
-            </a:r>
-            <a:r>
-              <a:rPr lang="en-US" sz="2000" b="1" dirty="0">
-                <a:solidFill>
-                  <a:srgbClr val="000000"/>
-                </a:solidFill>
-                <a:latin typeface="Inconsolata" panose="020B0609030003000000" pitchFamily="49" charset="77"/>
-              </a:rPr>
+              <a:rPr lang="en-US" dirty="0"/>
+              <a:t>Some problems cannot be solved in a reasonable amount of time because there is no efficient algorithm for solving them. In these cases, approximate solutions are sought. </a:t>
+            </a:r>
+          </a:p>
+          <a:p>
+            <a:pPr marL="0" indent="0">
+              <a:buNone/>
+            </a:pPr>
+            <a:endParaRPr lang="en-US" sz="2000" dirty="0"/>
+          </a:p>
+          <a:p>
+            <a:pPr marL="0" indent="0">
+              <a:buNone/>
+            </a:pPr>
+            <a:r>
+              <a:rPr lang="en-US" dirty="0"/>
+              <a:t>A </a:t>
+            </a:r>
+            <a:r>
+              <a:rPr lang="en-US" b="1" dirty="0"/>
+              <a:t>heuristic</a:t>
+            </a:r>
+            <a:r>
+              <a:rPr lang="en-US" i="1" dirty="0"/>
               <a:t> </a:t>
             </a:r>
             <a:r>
-              <a:rPr lang="en-US" sz="2000" b="1" dirty="0">
-                <a:solidFill>
-                  <a:srgbClr val="3C9FF2"/>
-                </a:solidFill>
-                <a:latin typeface="Inconsolata" panose="020B0609030003000000" pitchFamily="49" charset="77"/>
-              </a:rPr>
-              <a:t>sum</a:t>
-            </a:r>
-            <a:r>
-              <a:rPr lang="en-US" sz="2000" b="1" dirty="0">
-                <a:solidFill>
-                  <a:srgbClr val="000000"/>
-                </a:solidFill>
-                <a:latin typeface="Inconsolata" panose="020B0609030003000000" pitchFamily="49" charset="77"/>
-              </a:rPr>
-              <a:t>(</a:t>
-            </a:r>
-            <a:r>
-              <a:rPr lang="en-US" sz="2000" b="1" dirty="0" err="1">
-                <a:solidFill>
-                  <a:srgbClr val="000000"/>
-                </a:solidFill>
-                <a:latin typeface="Inconsolata" panose="020B0609030003000000" pitchFamily="49" charset="77"/>
-              </a:rPr>
-              <a:t>lst</a:t>
-            </a:r>
-            <a:r>
-              <a:rPr lang="en-US" sz="2000" b="1" dirty="0">
-                <a:solidFill>
-                  <a:srgbClr val="000000"/>
-                </a:solidFill>
-                <a:latin typeface="Inconsolata" panose="020B0609030003000000" pitchFamily="49" charset="77"/>
-              </a:rPr>
-              <a:t>):  </a:t>
+              <a:rPr lang="en-US" dirty="0"/>
+              <a:t>is an approach to a problem that produces a solution that is not guaranteed to be optimal but may be used when techniques that are guaranteed to always find an optimal solution are impractical. </a:t>
             </a:r>
           </a:p>
           <a:p>
             <a:pPr marL="0" indent="0">
               <a:buNone/>
             </a:pPr>
-            <a:r>
-              <a:rPr lang="en-US" sz="2000" b="1" dirty="0">
-                <a:solidFill>
-                  <a:srgbClr val="000000"/>
-                </a:solidFill>
-                <a:latin typeface="Inconsolata" panose="020B0609030003000000" pitchFamily="49" charset="77"/>
-              </a:rPr>
-              <a:t>	s = 0</a:t>
-            </a:r>
+            <a:endParaRPr lang="en-US" sz="2000" dirty="0"/>
           </a:p>
           <a:p>
             <a:pPr marL="0" indent="0">
               <a:buNone/>
             </a:pPr>
             <a:r>
-              <a:rPr lang="en-US" sz="2000" b="1" dirty="0">
-                <a:solidFill>
-                  <a:srgbClr val="006699"/>
-                </a:solidFill>
-                <a:latin typeface="Inconsolata" panose="020B0609030003000000" pitchFamily="49" charset="77"/>
-              </a:rPr>
-              <a:t>	for x </a:t>
-            </a:r>
-            <a:r>
-              <a:rPr lang="en-US" sz="2000" b="1" dirty="0">
-                <a:latin typeface="Inconsolata" panose="020B0609030003000000" pitchFamily="49" charset="77"/>
-              </a:rPr>
-              <a:t>in </a:t>
-            </a:r>
-            <a:r>
-              <a:rPr lang="en-US" sz="2000" b="1" dirty="0" err="1">
-                <a:solidFill>
-                  <a:srgbClr val="000087"/>
-                </a:solidFill>
-                <a:latin typeface="Inconsolata" panose="020B0609030003000000" pitchFamily="49" charset="77"/>
-              </a:rPr>
-              <a:t>lst</a:t>
-            </a:r>
-            <a:r>
-              <a:rPr lang="en-US" sz="2000" b="1" dirty="0">
-                <a:solidFill>
-                  <a:srgbClr val="336666"/>
-                </a:solidFill>
-                <a:latin typeface="Inconsolata" panose="020B0609030003000000" pitchFamily="49" charset="77"/>
-              </a:rPr>
-              <a:t>:</a:t>
-            </a:r>
+              <a:rPr lang="en-US" sz="2000" dirty="0"/>
+              <a:t>For example, ﻿a file-organizing algorithm determines the content of a file based on a certain number of bytes in the beginning of the file. This is an approximate solution since only a few bytes are examined. But it </a:t>
+            </a:r>
+            <a:r>
+              <a:rPr lang="en-US" sz="2000"/>
+              <a:t>is more practical </a:t>
+            </a:r>
+            <a:r>
+              <a:rPr lang="en-US" sz="2000" dirty="0"/>
+              <a:t>and faster to run than examining </a:t>
+            </a:r>
+            <a:r>
+              <a:rPr lang="en-US" sz="2000"/>
+              <a:t>every byte of every file. </a:t>
+            </a:r>
+            <a:endParaRPr lang="en-US" sz="2000" dirty="0"/>
           </a:p>
           <a:p>
             <a:pPr marL="0" indent="0">
               <a:buNone/>
             </a:pPr>
-            <a:r>
-              <a:rPr lang="en-US" sz="2000" b="1" dirty="0">
-                <a:solidFill>
-                  <a:srgbClr val="336666"/>
-                </a:solidFill>
-                <a:latin typeface="Inconsolata" panose="020B0609030003000000" pitchFamily="49" charset="77"/>
-              </a:rPr>
-              <a:t>	    </a:t>
-            </a:r>
-            <a:r>
-              <a:rPr lang="en-US" sz="2000" b="1" dirty="0">
-                <a:solidFill>
-                  <a:srgbClr val="34A327"/>
-                </a:solidFill>
-                <a:latin typeface="Inconsolata" panose="020B0609030003000000" pitchFamily="49" charset="77"/>
-              </a:rPr>
-              <a:t>s += x</a:t>
-            </a:r>
+            <a:endParaRPr lang="en-US" sz="2000" dirty="0"/>
           </a:p>
           <a:p>
             <a:pPr marL="0" indent="0">
               <a:buNone/>
             </a:pPr>
-            <a:r>
-              <a:rPr lang="en-US" sz="2000" b="1" dirty="0">
-                <a:solidFill>
-                  <a:srgbClr val="34A327"/>
-                </a:solidFill>
-                <a:latin typeface="Inconsolata" panose="020B0609030003000000" pitchFamily="49" charset="77"/>
-              </a:rPr>
-              <a:t>	    s += 1</a:t>
-            </a:r>
-            <a:r>
-              <a:rPr lang="en-US" sz="2000" b="1" dirty="0">
-                <a:solidFill>
-                  <a:srgbClr val="000000"/>
-                </a:solidFill>
-                <a:latin typeface="Inconsolata" panose="020B0609030003000000" pitchFamily="49" charset="77"/>
-              </a:rPr>
-              <a:t> </a:t>
-            </a:r>
+            <a:endParaRPr lang="en-US" sz="2000" dirty="0"/>
           </a:p>
           <a:p>
             <a:pPr marL="0" indent="0">
               <a:buNone/>
             </a:pPr>
-            <a:r>
-              <a:rPr lang="en-US" altLang="en-US" sz="2000" b="1" dirty="0">
-                <a:latin typeface="Gill Sans MT" panose="020B0502020104020203" pitchFamily="34" charset="77"/>
-              </a:rPr>
-              <a:t>	return s</a:t>
-            </a:r>
-          </a:p>
-          <a:p>
-            <a:pPr marL="0" indent="0">
-              <a:buNone/>
-            </a:pPr>
-            <a:endParaRPr lang="en-US" altLang="en-US" sz="2000" dirty="0">
-              <a:latin typeface="Gill Sans MT" panose="020B0502020104020203" pitchFamily="34" charset="77"/>
-            </a:endParaRPr>
-          </a:p>
-          <a:p>
-            <a:pPr marL="0" indent="0">
-              <a:buNone/>
-            </a:pPr>
-            <a:r>
-              <a:rPr lang="en-US" altLang="en-US" sz="2000" dirty="0">
-                <a:latin typeface="Gill Sans MT" panose="020B0502020104020203" pitchFamily="34" charset="77"/>
-              </a:rPr>
-              <a:t>Let's define efficiency as the number of times a math operation statement is executed. Let the size of </a:t>
-            </a:r>
-            <a:r>
-              <a:rPr lang="en-US" altLang="en-US" sz="2000" dirty="0" err="1">
-                <a:latin typeface="Gill Sans MT" panose="020B0502020104020203" pitchFamily="34" charset="77"/>
-              </a:rPr>
-              <a:t>lst</a:t>
-            </a:r>
-            <a:r>
-              <a:rPr lang="en-US" altLang="en-US" sz="2000" dirty="0">
-                <a:latin typeface="Gill Sans MT" panose="020B0502020104020203" pitchFamily="34" charset="77"/>
-              </a:rPr>
-              <a:t> be n. What is the efficiency of the function sum as a function of n? </a:t>
-            </a:r>
-          </a:p>
-          <a:p>
-            <a:pPr marL="0" indent="0">
-              <a:buNone/>
-            </a:pPr>
-            <a:r>
-              <a:rPr lang="en-US" altLang="en-US" sz="2000" dirty="0">
-                <a:latin typeface="Gill Sans MT" panose="020B0502020104020203" pitchFamily="34" charset="77"/>
-              </a:rPr>
-              <a:t>Answer: 2n</a:t>
-            </a:r>
-          </a:p>
-          <a:p>
-            <a:pPr marL="0" indent="0">
-              <a:buNone/>
-            </a:pPr>
-            <a:endParaRPr lang="en-US" altLang="en-US" sz="2000" dirty="0">
-              <a:latin typeface="Gill Sans MT" panose="020B0502020104020203" pitchFamily="34" charset="77"/>
-            </a:endParaRPr>
-          </a:p>
-          <a:p>
-            <a:pPr marL="0" indent="0">
-              <a:buNone/>
-            </a:pPr>
-            <a:endParaRPr lang="en-US" altLang="en-US" sz="2000" dirty="0">
-              <a:latin typeface="Gill Sans MT" panose="020B0502020104020203" pitchFamily="34" charset="77"/>
-            </a:endParaRPr>
-          </a:p>
-          <a:p>
-            <a:pPr marL="0" indent="0">
-              <a:buNone/>
-            </a:pPr>
-            <a:endParaRPr lang="en-US" altLang="en-US" sz="2000" dirty="0">
-              <a:latin typeface="Gill Sans MT" panose="020B0502020104020203" pitchFamily="34" charset="77"/>
-            </a:endParaRPr>
-          </a:p>
-          <a:p>
-            <a:pPr marL="0" indent="0" eaLnBrk="1" hangingPunct="1">
-              <a:buNone/>
-            </a:pPr>
-            <a:endParaRPr lang="en-US" altLang="en-US" sz="2000" dirty="0">
-              <a:latin typeface="Gill Sans MT" panose="020B0502020104020203" pitchFamily="34" charset="77"/>
-            </a:endParaRPr>
-          </a:p>
-          <a:p>
-            <a:pPr marL="0" indent="0" eaLnBrk="1" hangingPunct="1">
-              <a:buNone/>
-            </a:pPr>
-            <a:endParaRPr lang="en-US" altLang="en-US" sz="2000" dirty="0">
-              <a:latin typeface="Gill Sans MT" panose="020B0502020104020203" pitchFamily="34" charset="77"/>
-            </a:endParaRPr>
-          </a:p>
-          <a:p>
-            <a:pPr lvl="1" eaLnBrk="1" hangingPunct="1">
-              <a:buFontTx/>
-              <a:buNone/>
-            </a:pPr>
-            <a:r>
-              <a:rPr lang="en-US" altLang="en-US" sz="2000" dirty="0">
-                <a:latin typeface="Gill Sans MT" panose="020B0502020104020203" pitchFamily="34" charset="77"/>
-              </a:rPr>
-              <a:t>	</a:t>
-            </a:r>
             <a:endParaRPr lang="en-US" altLang="en-US" sz="2000" b="1" dirty="0">
               <a:solidFill>
                 <a:srgbClr val="008000"/>
@@ -15567,6 +15699,400 @@
             <a:fld id="{D57F1E4F-1CFF-5643-939E-02111984F565}" type="slidenum">
               <a:rPr lang="en-US" smtClean="0"/>
               <a:t>15</a:t>
+            </a:fld>
+            <a:endParaRPr lang="en-US" dirty="0"/>
+          </a:p>
+        </p:txBody>
+      </p:sp>
+    </p:spTree>
+    <p:extLst>
+      <p:ext uri="{BB962C8B-B14F-4D97-AF65-F5344CB8AC3E}">
+        <p14:creationId xmlns:p14="http://schemas.microsoft.com/office/powerpoint/2010/main" val="2393647287"/>
+      </p:ext>
+    </p:extLst>
+  </p:cSld>
+  <p:clrMapOvr>
+    <a:masterClrMapping/>
+  </p:clrMapOvr>
+  <p:transition/>
+</p:sld>
+</file>
+
+<file path=ppt/slides/slide16.xml><?xml version="1.0" encoding="utf-8"?>
+<p:sld xmlns:a="http://schemas.openxmlformats.org/drawingml/2006/main" xmlns:r="http://schemas.openxmlformats.org/officeDocument/2006/relationships" xmlns:p="http://schemas.openxmlformats.org/presentationml/2006/main">
+  <p:cSld>
+    <p:spTree>
+      <p:nvGrpSpPr>
+        <p:cNvPr id="1" name=""/>
+        <p:cNvGrpSpPr/>
+        <p:nvPr/>
+      </p:nvGrpSpPr>
+      <p:grpSpPr>
+        <a:xfrm>
+          <a:off x="0" y="0"/>
+          <a:ext cx="0" cy="0"/>
+          <a:chOff x="0" y="0"/>
+          <a:chExt cx="0" cy="0"/>
+        </a:xfrm>
+      </p:grpSpPr>
+      <p:sp>
+        <p:nvSpPr>
+          <p:cNvPr id="40961" name="Rectangle 2">
+            <a:extLst>
+              <a:ext uri="{FF2B5EF4-FFF2-40B4-BE49-F238E27FC236}">
+                <a16:creationId xmlns:a16="http://schemas.microsoft.com/office/drawing/2014/main" id="{FE63D7D0-16AC-974E-AF55-6BAED8C880F6}"/>
+              </a:ext>
+            </a:extLst>
+          </p:cNvPr>
+          <p:cNvSpPr>
+            <a:spLocks noGrp="1" noChangeArrowheads="1"/>
+          </p:cNvSpPr>
+          <p:nvPr>
+            <p:ph type="title"/>
+          </p:nvPr>
+        </p:nvSpPr>
+        <p:spPr>
+          <a:xfrm>
+            <a:off x="0" y="127000"/>
+            <a:ext cx="7888626" cy="638345"/>
+          </a:xfrm>
+        </p:spPr>
+        <p:txBody>
+          <a:bodyPr/>
+          <a:lstStyle/>
+          <a:p>
+            <a:pPr eaLnBrk="1" hangingPunct="1"/>
+            <a:r>
+              <a:rPr lang="en-US" altLang="en-US" sz="2500" dirty="0">
+                <a:latin typeface="Tahoma" panose="020B0604030504040204" pitchFamily="34" charset="0"/>
+                <a:ea typeface="ＭＳ Ｐゴシック" panose="020B0600070205080204" pitchFamily="34" charset="-128"/>
+              </a:rPr>
+              <a:t>Example 1 of Algorithmic Efficiency</a:t>
+            </a:r>
+          </a:p>
+        </p:txBody>
+      </p:sp>
+      <p:sp>
+        <p:nvSpPr>
+          <p:cNvPr id="26627" name="Rectangle 3">
+            <a:extLst>
+              <a:ext uri="{FF2B5EF4-FFF2-40B4-BE49-F238E27FC236}">
+                <a16:creationId xmlns:a16="http://schemas.microsoft.com/office/drawing/2014/main" id="{BD7CEE5B-C52A-794A-BCE5-C92159F2026F}"/>
+              </a:ext>
+            </a:extLst>
+          </p:cNvPr>
+          <p:cNvSpPr>
+            <a:spLocks noGrp="1" noChangeArrowheads="1"/>
+          </p:cNvSpPr>
+          <p:nvPr>
+            <p:ph type="body" idx="1"/>
+          </p:nvPr>
+        </p:nvSpPr>
+        <p:spPr>
+          <a:xfrm>
+            <a:off x="123290" y="842481"/>
+            <a:ext cx="8763856" cy="4541177"/>
+          </a:xfrm>
+        </p:spPr>
+        <p:txBody>
+          <a:bodyPr>
+            <a:normAutofit/>
+          </a:bodyPr>
+          <a:lstStyle/>
+          <a:p>
+            <a:pPr marL="0" indent="0">
+              <a:buNone/>
+            </a:pPr>
+            <a:r>
+              <a:rPr lang="en-US" sz="2000" b="1" dirty="0">
+                <a:solidFill>
+                  <a:srgbClr val="34A327"/>
+                </a:solidFill>
+                <a:latin typeface="Inconsolata" panose="020B0609030003000000" pitchFamily="49" charset="77"/>
+              </a:rPr>
+              <a:t>def</a:t>
+            </a:r>
+            <a:r>
+              <a:rPr lang="en-US" sz="2000" b="1" dirty="0">
+                <a:solidFill>
+                  <a:srgbClr val="000000"/>
+                </a:solidFill>
+                <a:latin typeface="Inconsolata" panose="020B0609030003000000" pitchFamily="49" charset="77"/>
+              </a:rPr>
+              <a:t> </a:t>
+            </a:r>
+            <a:r>
+              <a:rPr lang="en-US" sz="2000" b="1" dirty="0">
+                <a:solidFill>
+                  <a:srgbClr val="3C9FF2"/>
+                </a:solidFill>
+                <a:latin typeface="Inconsolata" panose="020B0609030003000000" pitchFamily="49" charset="77"/>
+              </a:rPr>
+              <a:t>sum</a:t>
+            </a:r>
+            <a:r>
+              <a:rPr lang="en-US" sz="2000" b="1" dirty="0">
+                <a:solidFill>
+                  <a:srgbClr val="000000"/>
+                </a:solidFill>
+                <a:latin typeface="Inconsolata" panose="020B0609030003000000" pitchFamily="49" charset="77"/>
+              </a:rPr>
+              <a:t>(</a:t>
+            </a:r>
+            <a:r>
+              <a:rPr lang="en-US" sz="2000" b="1" dirty="0" err="1">
+                <a:solidFill>
+                  <a:srgbClr val="000000"/>
+                </a:solidFill>
+                <a:latin typeface="Inconsolata" panose="020B0609030003000000" pitchFamily="49" charset="77"/>
+              </a:rPr>
+              <a:t>lst</a:t>
+            </a:r>
+            <a:r>
+              <a:rPr lang="en-US" sz="2000" b="1" dirty="0">
+                <a:solidFill>
+                  <a:srgbClr val="000000"/>
+                </a:solidFill>
+                <a:latin typeface="Inconsolata" panose="020B0609030003000000" pitchFamily="49" charset="77"/>
+              </a:rPr>
+              <a:t>):  </a:t>
+            </a:r>
+          </a:p>
+          <a:p>
+            <a:pPr marL="0" indent="0">
+              <a:buNone/>
+            </a:pPr>
+            <a:r>
+              <a:rPr lang="en-US" sz="2000" b="1" dirty="0">
+                <a:solidFill>
+                  <a:srgbClr val="000000"/>
+                </a:solidFill>
+                <a:latin typeface="Inconsolata" panose="020B0609030003000000" pitchFamily="49" charset="77"/>
+              </a:rPr>
+              <a:t>	s = 0</a:t>
+            </a:r>
+          </a:p>
+          <a:p>
+            <a:pPr marL="0" indent="0">
+              <a:buNone/>
+            </a:pPr>
+            <a:r>
+              <a:rPr lang="en-US" sz="2000" b="1" dirty="0">
+                <a:solidFill>
+                  <a:srgbClr val="006699"/>
+                </a:solidFill>
+                <a:latin typeface="Inconsolata" panose="020B0609030003000000" pitchFamily="49" charset="77"/>
+              </a:rPr>
+              <a:t>	for x </a:t>
+            </a:r>
+            <a:r>
+              <a:rPr lang="en-US" sz="2000" b="1" dirty="0">
+                <a:latin typeface="Inconsolata" panose="020B0609030003000000" pitchFamily="49" charset="77"/>
+              </a:rPr>
+              <a:t>in </a:t>
+            </a:r>
+            <a:r>
+              <a:rPr lang="en-US" sz="2000" b="1" dirty="0" err="1">
+                <a:solidFill>
+                  <a:srgbClr val="000087"/>
+                </a:solidFill>
+                <a:latin typeface="Inconsolata" panose="020B0609030003000000" pitchFamily="49" charset="77"/>
+              </a:rPr>
+              <a:t>lst</a:t>
+            </a:r>
+            <a:r>
+              <a:rPr lang="en-US" sz="2000" b="1" dirty="0">
+                <a:solidFill>
+                  <a:srgbClr val="336666"/>
+                </a:solidFill>
+                <a:latin typeface="Inconsolata" panose="020B0609030003000000" pitchFamily="49" charset="77"/>
+              </a:rPr>
+              <a:t>:</a:t>
+            </a:r>
+          </a:p>
+          <a:p>
+            <a:pPr marL="0" indent="0">
+              <a:buNone/>
+            </a:pPr>
+            <a:r>
+              <a:rPr lang="en-US" sz="2000" b="1" dirty="0">
+                <a:solidFill>
+                  <a:srgbClr val="336666"/>
+                </a:solidFill>
+                <a:latin typeface="Inconsolata" panose="020B0609030003000000" pitchFamily="49" charset="77"/>
+              </a:rPr>
+              <a:t>	    </a:t>
+            </a:r>
+            <a:r>
+              <a:rPr lang="en-US" sz="2000" b="1" dirty="0">
+                <a:solidFill>
+                  <a:srgbClr val="34A327"/>
+                </a:solidFill>
+                <a:latin typeface="Inconsolata" panose="020B0609030003000000" pitchFamily="49" charset="77"/>
+              </a:rPr>
+              <a:t>s += x</a:t>
+            </a:r>
+          </a:p>
+          <a:p>
+            <a:pPr marL="0" indent="0">
+              <a:buNone/>
+            </a:pPr>
+            <a:r>
+              <a:rPr lang="en-US" sz="2000" b="1" dirty="0">
+                <a:solidFill>
+                  <a:srgbClr val="34A327"/>
+                </a:solidFill>
+                <a:latin typeface="Inconsolata" panose="020B0609030003000000" pitchFamily="49" charset="77"/>
+              </a:rPr>
+              <a:t>	    s += 1</a:t>
+            </a:r>
+            <a:r>
+              <a:rPr lang="en-US" sz="2000" b="1" dirty="0">
+                <a:solidFill>
+                  <a:srgbClr val="000000"/>
+                </a:solidFill>
+                <a:latin typeface="Inconsolata" panose="020B0609030003000000" pitchFamily="49" charset="77"/>
+              </a:rPr>
+              <a:t> </a:t>
+            </a:r>
+          </a:p>
+          <a:p>
+            <a:pPr marL="0" indent="0">
+              <a:buNone/>
+            </a:pPr>
+            <a:r>
+              <a:rPr lang="en-US" altLang="en-US" sz="2000" b="1" dirty="0">
+                <a:latin typeface="Gill Sans MT" panose="020B0502020104020203" pitchFamily="34" charset="77"/>
+              </a:rPr>
+              <a:t>	return s</a:t>
+            </a:r>
+          </a:p>
+          <a:p>
+            <a:pPr marL="0" indent="0">
+              <a:buNone/>
+            </a:pPr>
+            <a:endParaRPr lang="en-US" altLang="en-US" sz="2000" dirty="0">
+              <a:latin typeface="Gill Sans MT" panose="020B0502020104020203" pitchFamily="34" charset="77"/>
+            </a:endParaRPr>
+          </a:p>
+          <a:p>
+            <a:pPr marL="0" indent="0">
+              <a:buNone/>
+            </a:pPr>
+            <a:r>
+              <a:rPr lang="en-US" altLang="en-US" sz="2000" dirty="0">
+                <a:latin typeface="Gill Sans MT" panose="020B0502020104020203" pitchFamily="34" charset="77"/>
+              </a:rPr>
+              <a:t>Let's define efficiency as the number of times a math operation statement is executed. Let the size of </a:t>
+            </a:r>
+            <a:r>
+              <a:rPr lang="en-US" altLang="en-US" sz="2000" dirty="0" err="1">
+                <a:latin typeface="Gill Sans MT" panose="020B0502020104020203" pitchFamily="34" charset="77"/>
+              </a:rPr>
+              <a:t>lst</a:t>
+            </a:r>
+            <a:r>
+              <a:rPr lang="en-US" altLang="en-US" sz="2000" dirty="0">
+                <a:latin typeface="Gill Sans MT" panose="020B0502020104020203" pitchFamily="34" charset="77"/>
+              </a:rPr>
+              <a:t> be n. What is the efficiency of the function sum as a function of n? </a:t>
+            </a:r>
+          </a:p>
+          <a:p>
+            <a:pPr marL="0" indent="0">
+              <a:buNone/>
+            </a:pPr>
+            <a:r>
+              <a:rPr lang="en-US" altLang="en-US" sz="2000" dirty="0">
+                <a:latin typeface="Gill Sans MT" panose="020B0502020104020203" pitchFamily="34" charset="77"/>
+              </a:rPr>
+              <a:t>Answer: 2n</a:t>
+            </a:r>
+          </a:p>
+          <a:p>
+            <a:pPr marL="0" indent="0">
+              <a:buNone/>
+            </a:pPr>
+            <a:endParaRPr lang="en-US" altLang="en-US" sz="2000" dirty="0">
+              <a:latin typeface="Gill Sans MT" panose="020B0502020104020203" pitchFamily="34" charset="77"/>
+            </a:endParaRPr>
+          </a:p>
+          <a:p>
+            <a:pPr marL="0" indent="0">
+              <a:buNone/>
+            </a:pPr>
+            <a:endParaRPr lang="en-US" altLang="en-US" sz="2000" dirty="0">
+              <a:latin typeface="Gill Sans MT" panose="020B0502020104020203" pitchFamily="34" charset="77"/>
+            </a:endParaRPr>
+          </a:p>
+          <a:p>
+            <a:pPr marL="0" indent="0">
+              <a:buNone/>
+            </a:pPr>
+            <a:endParaRPr lang="en-US" altLang="en-US" sz="2000" dirty="0">
+              <a:latin typeface="Gill Sans MT" panose="020B0502020104020203" pitchFamily="34" charset="77"/>
+            </a:endParaRPr>
+          </a:p>
+          <a:p>
+            <a:pPr marL="0" indent="0" eaLnBrk="1" hangingPunct="1">
+              <a:buNone/>
+            </a:pPr>
+            <a:endParaRPr lang="en-US" altLang="en-US" sz="2000" dirty="0">
+              <a:latin typeface="Gill Sans MT" panose="020B0502020104020203" pitchFamily="34" charset="77"/>
+            </a:endParaRPr>
+          </a:p>
+          <a:p>
+            <a:pPr marL="0" indent="0" eaLnBrk="1" hangingPunct="1">
+              <a:buNone/>
+            </a:pPr>
+            <a:endParaRPr lang="en-US" altLang="en-US" sz="2000" dirty="0">
+              <a:latin typeface="Gill Sans MT" panose="020B0502020104020203" pitchFamily="34" charset="77"/>
+            </a:endParaRPr>
+          </a:p>
+          <a:p>
+            <a:pPr lvl="1" eaLnBrk="1" hangingPunct="1">
+              <a:buFontTx/>
+              <a:buNone/>
+            </a:pPr>
+            <a:r>
+              <a:rPr lang="en-US" altLang="en-US" sz="2000" dirty="0">
+                <a:latin typeface="Gill Sans MT" panose="020B0502020104020203" pitchFamily="34" charset="77"/>
+              </a:rPr>
+              <a:t>	</a:t>
+            </a:r>
+            <a:endParaRPr lang="en-US" altLang="en-US" sz="2000" b="1" dirty="0">
+              <a:solidFill>
+                <a:srgbClr val="008000"/>
+              </a:solidFill>
+              <a:latin typeface="Gill Sans MT" panose="020B0502020104020203" pitchFamily="34" charset="77"/>
+            </a:endParaRPr>
+          </a:p>
+        </p:txBody>
+      </p:sp>
+      <p:sp>
+        <p:nvSpPr>
+          <p:cNvPr id="2" name="Slide Number Placeholder 1">
+            <a:extLst>
+              <a:ext uri="{FF2B5EF4-FFF2-40B4-BE49-F238E27FC236}">
+                <a16:creationId xmlns:a16="http://schemas.microsoft.com/office/drawing/2014/main" id="{699FD964-70C4-F341-B4C5-F152247F1F1B}"/>
+              </a:ext>
+            </a:extLst>
+          </p:cNvPr>
+          <p:cNvSpPr>
+            <a:spLocks noGrp="1"/>
+          </p:cNvSpPr>
+          <p:nvPr>
+            <p:ph type="sldNum" sz="quarter" idx="12"/>
+          </p:nvPr>
+        </p:nvSpPr>
+        <p:spPr/>
+        <p:txBody>
+          <a:bodyPr/>
+          <a:lstStyle/>
+          <a:p>
+            <a:fld id="{D57F1E4F-1CFF-5643-939E-02111984F565}" type="slidenum">
+              <a:rPr lang="en-US" smtClean="0"/>
+              <a:t>16</a:t>
             </a:fld>
             <a:endParaRPr lang="en-US" dirty="0"/>
           </a:p>
@@ -15665,7 +16191,7 @@
 </p:sld>
 </file>
 
-<file path=ppt/slides/slide16.xml><?xml version="1.0" encoding="utf-8"?>
+<file path=ppt/slides/slide17.xml><?xml version="1.0" encoding="utf-8"?>
 <p:sld xmlns:a="http://schemas.openxmlformats.org/drawingml/2006/main" xmlns:r="http://schemas.openxmlformats.org/officeDocument/2006/relationships" xmlns:p="http://schemas.openxmlformats.org/presentationml/2006/main">
   <p:cSld>
     <p:spTree>
@@ -16104,7 +16630,7 @@
           <a:p>
             <a:fld id="{D57F1E4F-1CFF-5643-939E-02111984F565}" type="slidenum">
               <a:rPr lang="en-US" smtClean="0"/>
-              <a:t>16</a:t>
+              <a:t>17</a:t>
             </a:fld>
             <a:endParaRPr lang="en-US" dirty="0"/>
           </a:p>
@@ -16203,7 +16729,7 @@
 </p:sld>
 </file>
 
-<file path=ppt/slides/slide17.xml><?xml version="1.0" encoding="utf-8"?>
+<file path=ppt/slides/slide18.xml><?xml version="1.0" encoding="utf-8"?>
 <p:sld xmlns:a="http://schemas.openxmlformats.org/drawingml/2006/main" xmlns:r="http://schemas.openxmlformats.org/officeDocument/2006/relationships" xmlns:p="http://schemas.openxmlformats.org/presentationml/2006/main">
   <p:cSld>
     <p:spTree>
@@ -16592,7 +17118,7 @@
           <a:p>
             <a:fld id="{D57F1E4F-1CFF-5643-939E-02111984F565}" type="slidenum">
               <a:rPr lang="en-US" smtClean="0"/>
-              <a:t>17</a:t>
+              <a:t>18</a:t>
             </a:fld>
             <a:endParaRPr lang="en-US" dirty="0"/>
           </a:p>
@@ -16691,7 +17217,7 @@
 </p:sld>
 </file>
 
-<file path=ppt/slides/slide18.xml><?xml version="1.0" encoding="utf-8"?>
+<file path=ppt/slides/slide19.xml><?xml version="1.0" encoding="utf-8"?>
 <p:sld xmlns:a="http://schemas.openxmlformats.org/drawingml/2006/main" xmlns:r="http://schemas.openxmlformats.org/officeDocument/2006/relationships" xmlns:p="http://schemas.openxmlformats.org/presentationml/2006/main">
   <p:cSld>
     <p:spTree>
@@ -16908,7 +17434,7 @@
           <a:p>
             <a:fld id="{D57F1E4F-1CFF-5643-939E-02111984F565}" type="slidenum">
               <a:rPr lang="en-US" smtClean="0"/>
-              <a:t>18</a:t>
+              <a:t>19</a:t>
             </a:fld>
             <a:endParaRPr lang="en-US" dirty="0"/>
           </a:p>
@@ -17060,494 +17586,6 @@
                                           <p:spTgt spid="26627">
                                             <p:txEl>
                                               <p:pRg st="6" end="6"/>
-                                            </p:txEl>
-                                          </p:spTgt>
-                                        </p:tgtEl>
-                                        <p:attrNameLst>
-                                          <p:attrName>style.visibility</p:attrName>
-                                        </p:attrNameLst>
-                                      </p:cBhvr>
-                                      <p:to>
-                                        <p:strVal val="visible"/>
-                                      </p:to>
-                                    </p:set>
-                                  </p:childTnLst>
-                                </p:cTn>
-                              </p:par>
-                            </p:childTnLst>
-                          </p:cTn>
-                        </p:par>
-                      </p:childTnLst>
-                    </p:cTn>
-                  </p:par>
-                </p:childTnLst>
-              </p:cTn>
-              <p:prevCondLst>
-                <p:cond evt="onPrev" delay="0">
-                  <p:tgtEl>
-                    <p:sldTgt/>
-                  </p:tgtEl>
-                </p:cond>
-              </p:prevCondLst>
-              <p:nextCondLst>
-                <p:cond evt="onNext" delay="0">
-                  <p:tgtEl>
-                    <p:sldTgt/>
-                  </p:tgtEl>
-                </p:cond>
-              </p:nextCondLst>
-            </p:seq>
-          </p:childTnLst>
-        </p:cTn>
-      </p:par>
-    </p:tnLst>
-  </p:timing>
-</p:sld>
-</file>
-
-<file path=ppt/slides/slide19.xml><?xml version="1.0" encoding="utf-8"?>
-<p:sld xmlns:a="http://schemas.openxmlformats.org/drawingml/2006/main" xmlns:r="http://schemas.openxmlformats.org/officeDocument/2006/relationships" xmlns:p="http://schemas.openxmlformats.org/presentationml/2006/main">
-  <p:cSld>
-    <p:spTree>
-      <p:nvGrpSpPr>
-        <p:cNvPr id="1" name=""/>
-        <p:cNvGrpSpPr/>
-        <p:nvPr/>
-      </p:nvGrpSpPr>
-      <p:grpSpPr>
-        <a:xfrm>
-          <a:off x="0" y="0"/>
-          <a:ext cx="0" cy="0"/>
-          <a:chOff x="0" y="0"/>
-          <a:chExt cx="0" cy="0"/>
-        </a:xfrm>
-      </p:grpSpPr>
-      <p:sp>
-        <p:nvSpPr>
-          <p:cNvPr id="45057" name="Rectangle 2">
-            <a:extLst>
-              <a:ext uri="{FF2B5EF4-FFF2-40B4-BE49-F238E27FC236}">
-                <a16:creationId xmlns:a16="http://schemas.microsoft.com/office/drawing/2014/main" id="{D6723D76-6113-A446-B182-A2F6E655CF5E}"/>
-              </a:ext>
-            </a:extLst>
-          </p:cNvPr>
-          <p:cNvSpPr>
-            <a:spLocks noGrp="1" noChangeArrowheads="1"/>
-          </p:cNvSpPr>
-          <p:nvPr>
-            <p:ph type="title"/>
-          </p:nvPr>
-        </p:nvSpPr>
-        <p:spPr>
-          <a:xfrm>
-            <a:off x="102742" y="0"/>
-            <a:ext cx="7888626" cy="699990"/>
-          </a:xfrm>
-        </p:spPr>
-        <p:txBody>
-          <a:bodyPr/>
-          <a:lstStyle/>
-          <a:p>
-            <a:pPr eaLnBrk="1" hangingPunct="1"/>
-            <a:r>
-              <a:rPr lang="en-US" altLang="en-US" sz="2500" dirty="0">
-                <a:latin typeface="Gill Sans MT" panose="020B0502020104020203" pitchFamily="34" charset="77"/>
-                <a:ea typeface="ＭＳ Ｐゴシック" panose="020B0600070205080204" pitchFamily="34" charset="-128"/>
-              </a:rPr>
-              <a:t>Computational Complexity for Sorting</a:t>
-            </a:r>
-          </a:p>
-        </p:txBody>
-      </p:sp>
-      <p:sp>
-        <p:nvSpPr>
-          <p:cNvPr id="26627" name="Rectangle 3">
-            <a:extLst>
-              <a:ext uri="{FF2B5EF4-FFF2-40B4-BE49-F238E27FC236}">
-                <a16:creationId xmlns:a16="http://schemas.microsoft.com/office/drawing/2014/main" id="{2D82B300-4359-6C4B-BE04-DC6C746710D1}"/>
-              </a:ext>
-            </a:extLst>
-          </p:cNvPr>
-          <p:cNvSpPr>
-            <a:spLocks noGrp="1" noChangeArrowheads="1"/>
-          </p:cNvSpPr>
-          <p:nvPr>
-            <p:ph type="body" idx="1"/>
-          </p:nvPr>
-        </p:nvSpPr>
-        <p:spPr>
-          <a:xfrm>
-            <a:off x="195209" y="606175"/>
-            <a:ext cx="8846049" cy="4981825"/>
-          </a:xfrm>
-        </p:spPr>
-        <p:txBody>
-          <a:bodyPr>
-            <a:normAutofit/>
-          </a:bodyPr>
-          <a:lstStyle/>
-          <a:p>
-            <a:pPr marL="0" indent="0">
-              <a:buNone/>
-            </a:pPr>
-            <a:endParaRPr lang="en-US" altLang="en-US" sz="2000" dirty="0">
-              <a:solidFill>
-                <a:srgbClr val="000000"/>
-              </a:solidFill>
-              <a:latin typeface="Gill Sans MT" panose="020B0502020104020203" pitchFamily="34" charset="77"/>
-              <a:ea typeface="ＭＳ Ｐゴシック" panose="020B0600070205080204" pitchFamily="34" charset="-128"/>
-            </a:endParaRPr>
-          </a:p>
-          <a:p>
-            <a:pPr marL="0" indent="0">
-              <a:buNone/>
-            </a:pPr>
-            <a:r>
-              <a:rPr lang="en-US" altLang="en-US" sz="2000" dirty="0">
-                <a:solidFill>
-                  <a:srgbClr val="000000"/>
-                </a:solidFill>
-                <a:latin typeface="Gill Sans MT" panose="020B0502020104020203" pitchFamily="34" charset="77"/>
-                <a:ea typeface="ＭＳ Ｐゴシック" panose="020B0600070205080204" pitchFamily="34" charset="-128"/>
-              </a:rPr>
-              <a:t>Suppose we have a list of size n. </a:t>
-            </a:r>
-          </a:p>
-          <a:p>
-            <a:pPr marL="0" indent="0">
-              <a:buNone/>
-            </a:pPr>
-            <a:endParaRPr lang="en-US" altLang="en-US" sz="2000" dirty="0">
-              <a:solidFill>
-                <a:srgbClr val="000000"/>
-              </a:solidFill>
-              <a:latin typeface="Gill Sans MT" panose="020B0502020104020203" pitchFamily="34" charset="77"/>
-              <a:ea typeface="ＭＳ Ｐゴシック" panose="020B0600070205080204" pitchFamily="34" charset="-128"/>
-            </a:endParaRPr>
-          </a:p>
-          <a:p>
-            <a:pPr marL="0" indent="0">
-              <a:buNone/>
-            </a:pPr>
-            <a:r>
-              <a:rPr lang="en-US" altLang="en-US" sz="2000" dirty="0">
-                <a:solidFill>
-                  <a:srgbClr val="000000"/>
-                </a:solidFill>
-                <a:latin typeface="Gill Sans MT" panose="020B0502020104020203" pitchFamily="34" charset="77"/>
-                <a:ea typeface="ＭＳ Ｐゴシック" panose="020B0600070205080204" pitchFamily="34" charset="-128"/>
-              </a:rPr>
-              <a:t>1) What is the approximate number of comparisons needed for selection sort?</a:t>
-            </a:r>
-          </a:p>
-          <a:p>
-            <a:pPr marL="0" indent="0">
-              <a:buNone/>
-            </a:pPr>
-            <a:r>
-              <a:rPr lang="en-US" altLang="en-US" sz="2000" dirty="0">
-                <a:solidFill>
-                  <a:srgbClr val="000000"/>
-                </a:solidFill>
-                <a:latin typeface="Gill Sans MT" panose="020B0502020104020203" pitchFamily="34" charset="77"/>
-                <a:ea typeface="ＭＳ Ｐゴシック" panose="020B0600070205080204" pitchFamily="34" charset="-128"/>
-              </a:rPr>
-              <a:t>Answer: The implementation of this algorithm uses 2 nested loops, with each loops running n times. Thus, approximately n*n = n^2.  </a:t>
-            </a:r>
-          </a:p>
-          <a:p>
-            <a:pPr marL="0" indent="0">
-              <a:buNone/>
-            </a:pPr>
-            <a:endParaRPr lang="en-US" altLang="en-US" sz="2000" dirty="0">
-              <a:solidFill>
-                <a:srgbClr val="000000"/>
-              </a:solidFill>
-              <a:latin typeface="Gill Sans MT" panose="020B0502020104020203" pitchFamily="34" charset="77"/>
-              <a:ea typeface="ＭＳ Ｐゴシック" panose="020B0600070205080204" pitchFamily="34" charset="-128"/>
-            </a:endParaRPr>
-          </a:p>
-          <a:p>
-            <a:pPr marL="0" indent="0">
-              <a:buNone/>
-            </a:pPr>
-            <a:r>
-              <a:rPr lang="en-US" altLang="en-US" sz="2000" dirty="0">
-                <a:solidFill>
-                  <a:srgbClr val="000000"/>
-                </a:solidFill>
-                <a:latin typeface="Gill Sans MT" panose="020B0502020104020203" pitchFamily="34" charset="77"/>
-                <a:ea typeface="ＭＳ Ｐゴシック" panose="020B0600070205080204" pitchFamily="34" charset="-128"/>
-              </a:rPr>
-              <a:t>2) What is the approximate number of comparisons needed for insertion sort?</a:t>
-            </a:r>
-          </a:p>
-          <a:p>
-            <a:pPr marL="0" indent="0">
-              <a:buNone/>
-            </a:pPr>
-            <a:r>
-              <a:rPr lang="en-US" altLang="en-US" sz="2000" dirty="0">
-                <a:solidFill>
-                  <a:srgbClr val="000000"/>
-                </a:solidFill>
-                <a:latin typeface="Gill Sans MT" panose="020B0502020104020203" pitchFamily="34" charset="77"/>
-                <a:ea typeface="ＭＳ Ｐゴシック" panose="020B0600070205080204" pitchFamily="34" charset="-128"/>
-              </a:rPr>
-              <a:t>Answer: Similar to selection sort, the code uses 2 nested loops, with each loops running n times. Thus, approximately n*n = n^2. </a:t>
-            </a:r>
-          </a:p>
-          <a:p>
-            <a:pPr marL="0" indent="0">
-              <a:buNone/>
-            </a:pPr>
-            <a:endParaRPr lang="en-US" altLang="en-US" sz="2000" dirty="0">
-              <a:solidFill>
-                <a:srgbClr val="000000"/>
-              </a:solidFill>
-              <a:latin typeface="Gill Sans MT" panose="020B0502020104020203" pitchFamily="34" charset="77"/>
-              <a:ea typeface="ＭＳ Ｐゴシック" panose="020B0600070205080204" pitchFamily="34" charset="-128"/>
-            </a:endParaRPr>
-          </a:p>
-          <a:p>
-            <a:pPr marL="0" indent="0">
-              <a:buNone/>
-            </a:pPr>
-            <a:r>
-              <a:rPr lang="en-US" altLang="en-US" sz="2000" dirty="0">
-                <a:solidFill>
-                  <a:srgbClr val="000000"/>
-                </a:solidFill>
-                <a:latin typeface="Gill Sans MT" panose="020B0502020104020203" pitchFamily="34" charset="77"/>
-                <a:ea typeface="ＭＳ Ｐゴシック" panose="020B0600070205080204" pitchFamily="34" charset="-128"/>
-              </a:rPr>
-              <a:t>3) What is the number of comparisons needed for </a:t>
-            </a:r>
-            <a:r>
-              <a:rPr lang="en-US" altLang="en-US" sz="2000" dirty="0" err="1">
-                <a:solidFill>
-                  <a:srgbClr val="000000"/>
-                </a:solidFill>
-                <a:latin typeface="Gill Sans MT" panose="020B0502020104020203" pitchFamily="34" charset="77"/>
-                <a:ea typeface="ＭＳ Ｐゴシック" panose="020B0600070205080204" pitchFamily="34" charset="-128"/>
-              </a:rPr>
-              <a:t>mergesort</a:t>
-            </a:r>
-            <a:r>
-              <a:rPr lang="en-US" altLang="en-US" sz="2000" dirty="0">
-                <a:solidFill>
-                  <a:srgbClr val="000000"/>
-                </a:solidFill>
-                <a:latin typeface="Gill Sans MT" panose="020B0502020104020203" pitchFamily="34" charset="77"/>
-                <a:ea typeface="ＭＳ Ｐゴシック" panose="020B0600070205080204" pitchFamily="34" charset="-128"/>
-              </a:rPr>
-              <a:t>?</a:t>
-            </a:r>
-          </a:p>
-          <a:p>
-            <a:pPr marL="0" indent="0">
-              <a:buNone/>
-            </a:pPr>
-            <a:r>
-              <a:rPr lang="en-US" altLang="en-US" sz="2000" dirty="0">
-                <a:solidFill>
-                  <a:srgbClr val="000000"/>
-                </a:solidFill>
-                <a:latin typeface="Gill Sans MT" panose="020B0502020104020203" pitchFamily="34" charset="77"/>
-                <a:ea typeface="ＭＳ Ｐゴシック" panose="020B0600070205080204" pitchFamily="34" charset="-128"/>
-              </a:rPr>
-              <a:t>Answer: Approximately n*log(n). (slower than linear search(n) but faster than both selection and insertion sort(n^2).</a:t>
-            </a:r>
-          </a:p>
-          <a:p>
-            <a:pPr marL="0" indent="0">
-              <a:buNone/>
-            </a:pPr>
-            <a:endParaRPr lang="en-US" altLang="en-US" sz="2000" dirty="0">
-              <a:solidFill>
-                <a:srgbClr val="000000"/>
-              </a:solidFill>
-              <a:latin typeface="Gill Sans MT" panose="020B0502020104020203" pitchFamily="34" charset="77"/>
-              <a:ea typeface="ＭＳ Ｐゴシック" panose="020B0600070205080204" pitchFamily="34" charset="-128"/>
-            </a:endParaRPr>
-          </a:p>
-        </p:txBody>
-      </p:sp>
-      <p:sp>
-        <p:nvSpPr>
-          <p:cNvPr id="2" name="Slide Number Placeholder 1">
-            <a:extLst>
-              <a:ext uri="{FF2B5EF4-FFF2-40B4-BE49-F238E27FC236}">
-                <a16:creationId xmlns:a16="http://schemas.microsoft.com/office/drawing/2014/main" id="{11284210-85DA-994B-BD88-E726FFF952BC}"/>
-              </a:ext>
-            </a:extLst>
-          </p:cNvPr>
-          <p:cNvSpPr>
-            <a:spLocks noGrp="1"/>
-          </p:cNvSpPr>
-          <p:nvPr>
-            <p:ph type="sldNum" sz="quarter" idx="12"/>
-          </p:nvPr>
-        </p:nvSpPr>
-        <p:spPr/>
-        <p:txBody>
-          <a:bodyPr/>
-          <a:lstStyle/>
-          <a:p>
-            <a:fld id="{D57F1E4F-1CFF-5643-939E-02111984F565}" type="slidenum">
-              <a:rPr lang="en-US" smtClean="0"/>
-              <a:t>19</a:t>
-            </a:fld>
-            <a:endParaRPr lang="en-US" dirty="0"/>
-          </a:p>
-        </p:txBody>
-      </p:sp>
-    </p:spTree>
-    <p:extLst>
-      <p:ext uri="{BB962C8B-B14F-4D97-AF65-F5344CB8AC3E}">
-        <p14:creationId xmlns:p14="http://schemas.microsoft.com/office/powerpoint/2010/main" val="1311847592"/>
-      </p:ext>
-    </p:extLst>
-  </p:cSld>
-  <p:clrMapOvr>
-    <a:masterClrMapping/>
-  </p:clrMapOvr>
-  <p:transition/>
-  <p:timing>
-    <p:tnLst>
-      <p:par>
-        <p:cTn id="1" dur="indefinite" restart="never" nodeType="tmRoot">
-          <p:childTnLst>
-            <p:seq concurrent="1" nextAc="seek">
-              <p:cTn id="2" dur="indefinite" nodeType="mainSeq">
-                <p:childTnLst>
-                  <p:par>
-                    <p:cTn id="3" fill="hold" nodeType="clickPar">
-                      <p:stCondLst>
-                        <p:cond delay="indefinite"/>
-                      </p:stCondLst>
-                      <p:childTnLst>
-                        <p:par>
-                          <p:cTn id="4" fill="hold" nodeType="withGroup">
-                            <p:stCondLst>
-                              <p:cond delay="0"/>
-                            </p:stCondLst>
-                            <p:childTnLst>
-                              <p:par>
-                                <p:cTn id="5" presetID="1" presetClass="entr" presetSubtype="0" fill="hold" nodeType="clickEffect">
-                                  <p:stCondLst>
-                                    <p:cond delay="0"/>
-                                  </p:stCondLst>
-                                  <p:childTnLst>
-                                    <p:set>
-                                      <p:cBhvr>
-                                        <p:cTn id="6" dur="1" fill="hold">
-                                          <p:stCondLst>
-                                            <p:cond delay="0"/>
-                                          </p:stCondLst>
-                                        </p:cTn>
-                                        <p:tgtEl>
-                                          <p:spTgt spid="26627">
-                                            <p:txEl>
-                                              <p:pRg st="7" end="7"/>
-                                            </p:txEl>
-                                          </p:spTgt>
-                                        </p:tgtEl>
-                                        <p:attrNameLst>
-                                          <p:attrName>style.visibility</p:attrName>
-                                        </p:attrNameLst>
-                                      </p:cBhvr>
-                                      <p:to>
-                                        <p:strVal val="visible"/>
-                                      </p:to>
-                                    </p:set>
-                                  </p:childTnLst>
-                                </p:cTn>
-                              </p:par>
-                            </p:childTnLst>
-                          </p:cTn>
-                        </p:par>
-                      </p:childTnLst>
-                    </p:cTn>
-                  </p:par>
-                  <p:par>
-                    <p:cTn id="7" fill="hold" nodeType="clickPar">
-                      <p:stCondLst>
-                        <p:cond delay="indefinite"/>
-                      </p:stCondLst>
-                      <p:childTnLst>
-                        <p:par>
-                          <p:cTn id="8" fill="hold" nodeType="withGroup">
-                            <p:stCondLst>
-                              <p:cond delay="0"/>
-                            </p:stCondLst>
-                            <p:childTnLst>
-                              <p:par>
-                                <p:cTn id="9" presetID="1" presetClass="entr" presetSubtype="0" fill="hold" nodeType="clickEffect">
-                                  <p:stCondLst>
-                                    <p:cond delay="0"/>
-                                  </p:stCondLst>
-                                  <p:childTnLst>
-                                    <p:set>
-                                      <p:cBhvr>
-                                        <p:cTn id="10" dur="1" fill="hold">
-                                          <p:stCondLst>
-                                            <p:cond delay="0"/>
-                                          </p:stCondLst>
-                                        </p:cTn>
-                                        <p:tgtEl>
-                                          <p:spTgt spid="26627">
-                                            <p:txEl>
-                                              <p:pRg st="9" end="9"/>
-                                            </p:txEl>
-                                          </p:spTgt>
-                                        </p:tgtEl>
-                                        <p:attrNameLst>
-                                          <p:attrName>style.visibility</p:attrName>
-                                        </p:attrNameLst>
-                                      </p:cBhvr>
-                                      <p:to>
-                                        <p:strVal val="visible"/>
-                                      </p:to>
-                                    </p:set>
-                                  </p:childTnLst>
-                                </p:cTn>
-                              </p:par>
-                            </p:childTnLst>
-                          </p:cTn>
-                        </p:par>
-                      </p:childTnLst>
-                    </p:cTn>
-                  </p:par>
-                  <p:par>
-                    <p:cTn id="11" fill="hold" nodeType="clickPar">
-                      <p:stCondLst>
-                        <p:cond delay="indefinite"/>
-                      </p:stCondLst>
-                      <p:childTnLst>
-                        <p:par>
-                          <p:cTn id="12" fill="hold" nodeType="withGroup">
-                            <p:stCondLst>
-                              <p:cond delay="0"/>
-                            </p:stCondLst>
-                            <p:childTnLst>
-                              <p:par>
-                                <p:cTn id="13" presetID="1" presetClass="entr" presetSubtype="0" fill="hold" nodeType="clickEffect">
-                                  <p:stCondLst>
-                                    <p:cond delay="0"/>
-                                  </p:stCondLst>
-                                  <p:childTnLst>
-                                    <p:set>
-                                      <p:cBhvr>
-                                        <p:cTn id="14" dur="1" fill="hold">
-                                          <p:stCondLst>
-                                            <p:cond delay="0"/>
-                                          </p:stCondLst>
-                                        </p:cTn>
-                                        <p:tgtEl>
-                                          <p:spTgt spid="26627">
-                                            <p:txEl>
-                                              <p:pRg st="10" end="10"/>
                                             </p:txEl>
                                           </p:spTgt>
                                         </p:tgtEl>
@@ -18152,6 +18190,494 @@
       </p:grpSpPr>
       <p:sp>
         <p:nvSpPr>
+          <p:cNvPr id="45057" name="Rectangle 2">
+            <a:extLst>
+              <a:ext uri="{FF2B5EF4-FFF2-40B4-BE49-F238E27FC236}">
+                <a16:creationId xmlns:a16="http://schemas.microsoft.com/office/drawing/2014/main" id="{D6723D76-6113-A446-B182-A2F6E655CF5E}"/>
+              </a:ext>
+            </a:extLst>
+          </p:cNvPr>
+          <p:cNvSpPr>
+            <a:spLocks noGrp="1" noChangeArrowheads="1"/>
+          </p:cNvSpPr>
+          <p:nvPr>
+            <p:ph type="title"/>
+          </p:nvPr>
+        </p:nvSpPr>
+        <p:spPr>
+          <a:xfrm>
+            <a:off x="102742" y="0"/>
+            <a:ext cx="7888626" cy="699990"/>
+          </a:xfrm>
+        </p:spPr>
+        <p:txBody>
+          <a:bodyPr/>
+          <a:lstStyle/>
+          <a:p>
+            <a:pPr eaLnBrk="1" hangingPunct="1"/>
+            <a:r>
+              <a:rPr lang="en-US" altLang="en-US" sz="2500" dirty="0">
+                <a:latin typeface="Gill Sans MT" panose="020B0502020104020203" pitchFamily="34" charset="77"/>
+                <a:ea typeface="ＭＳ Ｐゴシック" panose="020B0600070205080204" pitchFamily="34" charset="-128"/>
+              </a:rPr>
+              <a:t>Computational Complexity for Sorting</a:t>
+            </a:r>
+          </a:p>
+        </p:txBody>
+      </p:sp>
+      <p:sp>
+        <p:nvSpPr>
+          <p:cNvPr id="26627" name="Rectangle 3">
+            <a:extLst>
+              <a:ext uri="{FF2B5EF4-FFF2-40B4-BE49-F238E27FC236}">
+                <a16:creationId xmlns:a16="http://schemas.microsoft.com/office/drawing/2014/main" id="{2D82B300-4359-6C4B-BE04-DC6C746710D1}"/>
+              </a:ext>
+            </a:extLst>
+          </p:cNvPr>
+          <p:cNvSpPr>
+            <a:spLocks noGrp="1" noChangeArrowheads="1"/>
+          </p:cNvSpPr>
+          <p:nvPr>
+            <p:ph type="body" idx="1"/>
+          </p:nvPr>
+        </p:nvSpPr>
+        <p:spPr>
+          <a:xfrm>
+            <a:off x="195209" y="606175"/>
+            <a:ext cx="8846049" cy="4981825"/>
+          </a:xfrm>
+        </p:spPr>
+        <p:txBody>
+          <a:bodyPr>
+            <a:normAutofit/>
+          </a:bodyPr>
+          <a:lstStyle/>
+          <a:p>
+            <a:pPr marL="0" indent="0">
+              <a:buNone/>
+            </a:pPr>
+            <a:endParaRPr lang="en-US" altLang="en-US" sz="2000" dirty="0">
+              <a:solidFill>
+                <a:srgbClr val="000000"/>
+              </a:solidFill>
+              <a:latin typeface="Gill Sans MT" panose="020B0502020104020203" pitchFamily="34" charset="77"/>
+              <a:ea typeface="ＭＳ Ｐゴシック" panose="020B0600070205080204" pitchFamily="34" charset="-128"/>
+            </a:endParaRPr>
+          </a:p>
+          <a:p>
+            <a:pPr marL="0" indent="0">
+              <a:buNone/>
+            </a:pPr>
+            <a:r>
+              <a:rPr lang="en-US" altLang="en-US" sz="2000" dirty="0">
+                <a:solidFill>
+                  <a:srgbClr val="000000"/>
+                </a:solidFill>
+                <a:latin typeface="Gill Sans MT" panose="020B0502020104020203" pitchFamily="34" charset="77"/>
+                <a:ea typeface="ＭＳ Ｐゴシック" panose="020B0600070205080204" pitchFamily="34" charset="-128"/>
+              </a:rPr>
+              <a:t>Suppose we have a list of size n. </a:t>
+            </a:r>
+          </a:p>
+          <a:p>
+            <a:pPr marL="0" indent="0">
+              <a:buNone/>
+            </a:pPr>
+            <a:endParaRPr lang="en-US" altLang="en-US" sz="2000" dirty="0">
+              <a:solidFill>
+                <a:srgbClr val="000000"/>
+              </a:solidFill>
+              <a:latin typeface="Gill Sans MT" panose="020B0502020104020203" pitchFamily="34" charset="77"/>
+              <a:ea typeface="ＭＳ Ｐゴシック" panose="020B0600070205080204" pitchFamily="34" charset="-128"/>
+            </a:endParaRPr>
+          </a:p>
+          <a:p>
+            <a:pPr marL="0" indent="0">
+              <a:buNone/>
+            </a:pPr>
+            <a:r>
+              <a:rPr lang="en-US" altLang="en-US" sz="2000" dirty="0">
+                <a:solidFill>
+                  <a:srgbClr val="000000"/>
+                </a:solidFill>
+                <a:latin typeface="Gill Sans MT" panose="020B0502020104020203" pitchFamily="34" charset="77"/>
+                <a:ea typeface="ＭＳ Ｐゴシック" panose="020B0600070205080204" pitchFamily="34" charset="-128"/>
+              </a:rPr>
+              <a:t>1) What is the approximate number of comparisons needed for selection sort?</a:t>
+            </a:r>
+          </a:p>
+          <a:p>
+            <a:pPr marL="0" indent="0">
+              <a:buNone/>
+            </a:pPr>
+            <a:r>
+              <a:rPr lang="en-US" altLang="en-US" sz="2000" dirty="0">
+                <a:solidFill>
+                  <a:srgbClr val="000000"/>
+                </a:solidFill>
+                <a:latin typeface="Gill Sans MT" panose="020B0502020104020203" pitchFamily="34" charset="77"/>
+                <a:ea typeface="ＭＳ Ｐゴシック" panose="020B0600070205080204" pitchFamily="34" charset="-128"/>
+              </a:rPr>
+              <a:t>Answer: The implementation of this algorithm uses 2 nested loops, with each loops running n times. Thus, approximately n*n = n^2.  </a:t>
+            </a:r>
+          </a:p>
+          <a:p>
+            <a:pPr marL="0" indent="0">
+              <a:buNone/>
+            </a:pPr>
+            <a:endParaRPr lang="en-US" altLang="en-US" sz="2000" dirty="0">
+              <a:solidFill>
+                <a:srgbClr val="000000"/>
+              </a:solidFill>
+              <a:latin typeface="Gill Sans MT" panose="020B0502020104020203" pitchFamily="34" charset="77"/>
+              <a:ea typeface="ＭＳ Ｐゴシック" panose="020B0600070205080204" pitchFamily="34" charset="-128"/>
+            </a:endParaRPr>
+          </a:p>
+          <a:p>
+            <a:pPr marL="0" indent="0">
+              <a:buNone/>
+            </a:pPr>
+            <a:r>
+              <a:rPr lang="en-US" altLang="en-US" sz="2000" dirty="0">
+                <a:solidFill>
+                  <a:srgbClr val="000000"/>
+                </a:solidFill>
+                <a:latin typeface="Gill Sans MT" panose="020B0502020104020203" pitchFamily="34" charset="77"/>
+                <a:ea typeface="ＭＳ Ｐゴシック" panose="020B0600070205080204" pitchFamily="34" charset="-128"/>
+              </a:rPr>
+              <a:t>2) What is the approximate number of comparisons needed for insertion sort?</a:t>
+            </a:r>
+          </a:p>
+          <a:p>
+            <a:pPr marL="0" indent="0">
+              <a:buNone/>
+            </a:pPr>
+            <a:r>
+              <a:rPr lang="en-US" altLang="en-US" sz="2000" dirty="0">
+                <a:solidFill>
+                  <a:srgbClr val="000000"/>
+                </a:solidFill>
+                <a:latin typeface="Gill Sans MT" panose="020B0502020104020203" pitchFamily="34" charset="77"/>
+                <a:ea typeface="ＭＳ Ｐゴシック" panose="020B0600070205080204" pitchFamily="34" charset="-128"/>
+              </a:rPr>
+              <a:t>Answer: Similar to selection sort, the code uses 2 nested loops, with each loops running n times. Thus, approximately n*n = n^2. </a:t>
+            </a:r>
+          </a:p>
+          <a:p>
+            <a:pPr marL="0" indent="0">
+              <a:buNone/>
+            </a:pPr>
+            <a:endParaRPr lang="en-US" altLang="en-US" sz="2000" dirty="0">
+              <a:solidFill>
+                <a:srgbClr val="000000"/>
+              </a:solidFill>
+              <a:latin typeface="Gill Sans MT" panose="020B0502020104020203" pitchFamily="34" charset="77"/>
+              <a:ea typeface="ＭＳ Ｐゴシック" panose="020B0600070205080204" pitchFamily="34" charset="-128"/>
+            </a:endParaRPr>
+          </a:p>
+          <a:p>
+            <a:pPr marL="0" indent="0">
+              <a:buNone/>
+            </a:pPr>
+            <a:r>
+              <a:rPr lang="en-US" altLang="en-US" sz="2000" dirty="0">
+                <a:solidFill>
+                  <a:srgbClr val="000000"/>
+                </a:solidFill>
+                <a:latin typeface="Gill Sans MT" panose="020B0502020104020203" pitchFamily="34" charset="77"/>
+                <a:ea typeface="ＭＳ Ｐゴシック" panose="020B0600070205080204" pitchFamily="34" charset="-128"/>
+              </a:rPr>
+              <a:t>3) What is the number of comparisons needed for </a:t>
+            </a:r>
+            <a:r>
+              <a:rPr lang="en-US" altLang="en-US" sz="2000" dirty="0" err="1">
+                <a:solidFill>
+                  <a:srgbClr val="000000"/>
+                </a:solidFill>
+                <a:latin typeface="Gill Sans MT" panose="020B0502020104020203" pitchFamily="34" charset="77"/>
+                <a:ea typeface="ＭＳ Ｐゴシック" panose="020B0600070205080204" pitchFamily="34" charset="-128"/>
+              </a:rPr>
+              <a:t>mergesort</a:t>
+            </a:r>
+            <a:r>
+              <a:rPr lang="en-US" altLang="en-US" sz="2000" dirty="0">
+                <a:solidFill>
+                  <a:srgbClr val="000000"/>
+                </a:solidFill>
+                <a:latin typeface="Gill Sans MT" panose="020B0502020104020203" pitchFamily="34" charset="77"/>
+                <a:ea typeface="ＭＳ Ｐゴシック" panose="020B0600070205080204" pitchFamily="34" charset="-128"/>
+              </a:rPr>
+              <a:t>?</a:t>
+            </a:r>
+          </a:p>
+          <a:p>
+            <a:pPr marL="0" indent="0">
+              <a:buNone/>
+            </a:pPr>
+            <a:r>
+              <a:rPr lang="en-US" altLang="en-US" sz="2000" dirty="0">
+                <a:solidFill>
+                  <a:srgbClr val="000000"/>
+                </a:solidFill>
+                <a:latin typeface="Gill Sans MT" panose="020B0502020104020203" pitchFamily="34" charset="77"/>
+                <a:ea typeface="ＭＳ Ｐゴシック" panose="020B0600070205080204" pitchFamily="34" charset="-128"/>
+              </a:rPr>
+              <a:t>Answer: Approximately n*log(n). (slower than linear search(n) but faster than both selection and insertion sort(n^2).</a:t>
+            </a:r>
+          </a:p>
+          <a:p>
+            <a:pPr marL="0" indent="0">
+              <a:buNone/>
+            </a:pPr>
+            <a:endParaRPr lang="en-US" altLang="en-US" sz="2000" dirty="0">
+              <a:solidFill>
+                <a:srgbClr val="000000"/>
+              </a:solidFill>
+              <a:latin typeface="Gill Sans MT" panose="020B0502020104020203" pitchFamily="34" charset="77"/>
+              <a:ea typeface="ＭＳ Ｐゴシック" panose="020B0600070205080204" pitchFamily="34" charset="-128"/>
+            </a:endParaRPr>
+          </a:p>
+        </p:txBody>
+      </p:sp>
+      <p:sp>
+        <p:nvSpPr>
+          <p:cNvPr id="2" name="Slide Number Placeholder 1">
+            <a:extLst>
+              <a:ext uri="{FF2B5EF4-FFF2-40B4-BE49-F238E27FC236}">
+                <a16:creationId xmlns:a16="http://schemas.microsoft.com/office/drawing/2014/main" id="{11284210-85DA-994B-BD88-E726FFF952BC}"/>
+              </a:ext>
+            </a:extLst>
+          </p:cNvPr>
+          <p:cNvSpPr>
+            <a:spLocks noGrp="1"/>
+          </p:cNvSpPr>
+          <p:nvPr>
+            <p:ph type="sldNum" sz="quarter" idx="12"/>
+          </p:nvPr>
+        </p:nvSpPr>
+        <p:spPr/>
+        <p:txBody>
+          <a:bodyPr/>
+          <a:lstStyle/>
+          <a:p>
+            <a:fld id="{D57F1E4F-1CFF-5643-939E-02111984F565}" type="slidenum">
+              <a:rPr lang="en-US" smtClean="0"/>
+              <a:t>20</a:t>
+            </a:fld>
+            <a:endParaRPr lang="en-US" dirty="0"/>
+          </a:p>
+        </p:txBody>
+      </p:sp>
+    </p:spTree>
+    <p:extLst>
+      <p:ext uri="{BB962C8B-B14F-4D97-AF65-F5344CB8AC3E}">
+        <p14:creationId xmlns:p14="http://schemas.microsoft.com/office/powerpoint/2010/main" val="1311847592"/>
+      </p:ext>
+    </p:extLst>
+  </p:cSld>
+  <p:clrMapOvr>
+    <a:masterClrMapping/>
+  </p:clrMapOvr>
+  <p:transition/>
+  <p:timing>
+    <p:tnLst>
+      <p:par>
+        <p:cTn id="1" dur="indefinite" restart="never" nodeType="tmRoot">
+          <p:childTnLst>
+            <p:seq concurrent="1" nextAc="seek">
+              <p:cTn id="2" dur="indefinite" nodeType="mainSeq">
+                <p:childTnLst>
+                  <p:par>
+                    <p:cTn id="3" fill="hold" nodeType="clickPar">
+                      <p:stCondLst>
+                        <p:cond delay="indefinite"/>
+                      </p:stCondLst>
+                      <p:childTnLst>
+                        <p:par>
+                          <p:cTn id="4" fill="hold" nodeType="withGroup">
+                            <p:stCondLst>
+                              <p:cond delay="0"/>
+                            </p:stCondLst>
+                            <p:childTnLst>
+                              <p:par>
+                                <p:cTn id="5" presetID="1" presetClass="entr" presetSubtype="0" fill="hold" nodeType="clickEffect">
+                                  <p:stCondLst>
+                                    <p:cond delay="0"/>
+                                  </p:stCondLst>
+                                  <p:childTnLst>
+                                    <p:set>
+                                      <p:cBhvr>
+                                        <p:cTn id="6" dur="1" fill="hold">
+                                          <p:stCondLst>
+                                            <p:cond delay="0"/>
+                                          </p:stCondLst>
+                                        </p:cTn>
+                                        <p:tgtEl>
+                                          <p:spTgt spid="26627">
+                                            <p:txEl>
+                                              <p:pRg st="7" end="7"/>
+                                            </p:txEl>
+                                          </p:spTgt>
+                                        </p:tgtEl>
+                                        <p:attrNameLst>
+                                          <p:attrName>style.visibility</p:attrName>
+                                        </p:attrNameLst>
+                                      </p:cBhvr>
+                                      <p:to>
+                                        <p:strVal val="visible"/>
+                                      </p:to>
+                                    </p:set>
+                                  </p:childTnLst>
+                                </p:cTn>
+                              </p:par>
+                            </p:childTnLst>
+                          </p:cTn>
+                        </p:par>
+                      </p:childTnLst>
+                    </p:cTn>
+                  </p:par>
+                  <p:par>
+                    <p:cTn id="7" fill="hold" nodeType="clickPar">
+                      <p:stCondLst>
+                        <p:cond delay="indefinite"/>
+                      </p:stCondLst>
+                      <p:childTnLst>
+                        <p:par>
+                          <p:cTn id="8" fill="hold" nodeType="withGroup">
+                            <p:stCondLst>
+                              <p:cond delay="0"/>
+                            </p:stCondLst>
+                            <p:childTnLst>
+                              <p:par>
+                                <p:cTn id="9" presetID="1" presetClass="entr" presetSubtype="0" fill="hold" nodeType="clickEffect">
+                                  <p:stCondLst>
+                                    <p:cond delay="0"/>
+                                  </p:stCondLst>
+                                  <p:childTnLst>
+                                    <p:set>
+                                      <p:cBhvr>
+                                        <p:cTn id="10" dur="1" fill="hold">
+                                          <p:stCondLst>
+                                            <p:cond delay="0"/>
+                                          </p:stCondLst>
+                                        </p:cTn>
+                                        <p:tgtEl>
+                                          <p:spTgt spid="26627">
+                                            <p:txEl>
+                                              <p:pRg st="9" end="9"/>
+                                            </p:txEl>
+                                          </p:spTgt>
+                                        </p:tgtEl>
+                                        <p:attrNameLst>
+                                          <p:attrName>style.visibility</p:attrName>
+                                        </p:attrNameLst>
+                                      </p:cBhvr>
+                                      <p:to>
+                                        <p:strVal val="visible"/>
+                                      </p:to>
+                                    </p:set>
+                                  </p:childTnLst>
+                                </p:cTn>
+                              </p:par>
+                            </p:childTnLst>
+                          </p:cTn>
+                        </p:par>
+                      </p:childTnLst>
+                    </p:cTn>
+                  </p:par>
+                  <p:par>
+                    <p:cTn id="11" fill="hold" nodeType="clickPar">
+                      <p:stCondLst>
+                        <p:cond delay="indefinite"/>
+                      </p:stCondLst>
+                      <p:childTnLst>
+                        <p:par>
+                          <p:cTn id="12" fill="hold" nodeType="withGroup">
+                            <p:stCondLst>
+                              <p:cond delay="0"/>
+                            </p:stCondLst>
+                            <p:childTnLst>
+                              <p:par>
+                                <p:cTn id="13" presetID="1" presetClass="entr" presetSubtype="0" fill="hold" nodeType="clickEffect">
+                                  <p:stCondLst>
+                                    <p:cond delay="0"/>
+                                  </p:stCondLst>
+                                  <p:childTnLst>
+                                    <p:set>
+                                      <p:cBhvr>
+                                        <p:cTn id="14" dur="1" fill="hold">
+                                          <p:stCondLst>
+                                            <p:cond delay="0"/>
+                                          </p:stCondLst>
+                                        </p:cTn>
+                                        <p:tgtEl>
+                                          <p:spTgt spid="26627">
+                                            <p:txEl>
+                                              <p:pRg st="10" end="10"/>
+                                            </p:txEl>
+                                          </p:spTgt>
+                                        </p:tgtEl>
+                                        <p:attrNameLst>
+                                          <p:attrName>style.visibility</p:attrName>
+                                        </p:attrNameLst>
+                                      </p:cBhvr>
+                                      <p:to>
+                                        <p:strVal val="visible"/>
+                                      </p:to>
+                                    </p:set>
+                                  </p:childTnLst>
+                                </p:cTn>
+                              </p:par>
+                            </p:childTnLst>
+                          </p:cTn>
+                        </p:par>
+                      </p:childTnLst>
+                    </p:cTn>
+                  </p:par>
+                </p:childTnLst>
+              </p:cTn>
+              <p:prevCondLst>
+                <p:cond evt="onPrev" delay="0">
+                  <p:tgtEl>
+                    <p:sldTgt/>
+                  </p:tgtEl>
+                </p:cond>
+              </p:prevCondLst>
+              <p:nextCondLst>
+                <p:cond evt="onNext" delay="0">
+                  <p:tgtEl>
+                    <p:sldTgt/>
+                  </p:tgtEl>
+                </p:cond>
+              </p:nextCondLst>
+            </p:seq>
+          </p:childTnLst>
+        </p:cTn>
+      </p:par>
+    </p:tnLst>
+  </p:timing>
+</p:sld>
+</file>
+
+<file path=ppt/slides/slide21.xml><?xml version="1.0" encoding="utf-8"?>
+<p:sld xmlns:a="http://schemas.openxmlformats.org/drawingml/2006/main" xmlns:r="http://schemas.openxmlformats.org/officeDocument/2006/relationships" xmlns:p="http://schemas.openxmlformats.org/presentationml/2006/main">
+  <p:cSld>
+    <p:spTree>
+      <p:nvGrpSpPr>
+        <p:cNvPr id="1" name=""/>
+        <p:cNvGrpSpPr/>
+        <p:nvPr/>
+      </p:nvGrpSpPr>
+      <p:grpSpPr>
+        <a:xfrm>
+          <a:off x="0" y="0"/>
+          <a:ext cx="0" cy="0"/>
+          <a:chOff x="0" y="0"/>
+          <a:chExt cx="0" cy="0"/>
+        </a:xfrm>
+      </p:grpSpPr>
+      <p:sp>
+        <p:nvSpPr>
           <p:cNvPr id="47105" name="Rectangle 2">
             <a:extLst>
               <a:ext uri="{FF2B5EF4-FFF2-40B4-BE49-F238E27FC236}">
@@ -18303,7 +18829,7 @@
           <a:p>
             <a:fld id="{D57F1E4F-1CFF-5643-939E-02111984F565}" type="slidenum">
               <a:rPr lang="en-US" smtClean="0"/>
-              <a:t>20</a:t>
+              <a:t>21</a:t>
             </a:fld>
             <a:endParaRPr lang="en-US" dirty="0"/>
           </a:p>
@@ -18322,7 +18848,7 @@
 </p:sld>
 </file>
 
-<file path=ppt/slides/slide21.xml><?xml version="1.0" encoding="utf-8"?>
+<file path=ppt/slides/slide22.xml><?xml version="1.0" encoding="utf-8"?>
 <p:sld xmlns:a="http://schemas.openxmlformats.org/drawingml/2006/main" xmlns:r="http://schemas.openxmlformats.org/officeDocument/2006/relationships" xmlns:p="http://schemas.openxmlformats.org/presentationml/2006/main">
   <p:cSld>
     <p:spTree>
@@ -18457,7 +18983,7 @@
           <a:p>
             <a:fld id="{D57F1E4F-1CFF-5643-939E-02111984F565}" type="slidenum">
               <a:rPr lang="en-US" smtClean="0"/>
-              <a:t>21</a:t>
+              <a:t>22</a:t>
             </a:fld>
             <a:endParaRPr lang="en-US" dirty="0"/>
           </a:p>
@@ -18619,7 +19145,7 @@
 </p:sld>
 </file>
 
-<file path=ppt/slides/slide22.xml><?xml version="1.0" encoding="utf-8"?>
+<file path=ppt/slides/slide23.xml><?xml version="1.0" encoding="utf-8"?>
 <p:sld xmlns:a="http://schemas.openxmlformats.org/drawingml/2006/main" xmlns:r="http://schemas.openxmlformats.org/officeDocument/2006/relationships" xmlns:p="http://schemas.openxmlformats.org/presentationml/2006/main">
   <p:cSld>
     <p:spTree>
@@ -18796,7 +19322,7 @@
           <a:p>
             <a:fld id="{D57F1E4F-1CFF-5643-939E-02111984F565}" type="slidenum">
               <a:rPr lang="en-US" smtClean="0"/>
-              <a:t>22</a:t>
+              <a:t>23</a:t>
             </a:fld>
             <a:endParaRPr lang="en-US" dirty="0"/>
           </a:p>
@@ -18944,7 +19470,7 @@
 </p:sld>
 </file>
 
-<file path=ppt/slides/slide23.xml><?xml version="1.0" encoding="utf-8"?>
+<file path=ppt/slides/slide24.xml><?xml version="1.0" encoding="utf-8"?>
 <p:sld xmlns:a="http://schemas.openxmlformats.org/drawingml/2006/main" xmlns:r="http://schemas.openxmlformats.org/officeDocument/2006/relationships" xmlns:p="http://schemas.openxmlformats.org/presentationml/2006/main">
   <p:cSld>
     <p:spTree>
@@ -19148,7 +19674,7 @@
           <a:p>
             <a:fld id="{D57F1E4F-1CFF-5643-939E-02111984F565}" type="slidenum">
               <a:rPr lang="en-US" smtClean="0"/>
-              <a:t>23</a:t>
+              <a:t>24</a:t>
             </a:fld>
             <a:endParaRPr lang="en-US" dirty="0"/>
           </a:p>
@@ -19344,7 +19870,7 @@
 </p:sld>
 </file>
 
-<file path=ppt/slides/slide24.xml><?xml version="1.0" encoding="utf-8"?>
+<file path=ppt/slides/slide25.xml><?xml version="1.0" encoding="utf-8"?>
 <p:sld xmlns:a="http://schemas.openxmlformats.org/drawingml/2006/main" xmlns:r="http://schemas.openxmlformats.org/officeDocument/2006/relationships" xmlns:p="http://schemas.openxmlformats.org/presentationml/2006/main">
   <p:cSld>
     <p:spTree>
@@ -19616,7 +20142,7 @@
           <a:p>
             <a:fld id="{D57F1E4F-1CFF-5643-939E-02111984F565}" type="slidenum">
               <a:rPr lang="en-US" smtClean="0"/>
-              <a:t>24</a:t>
+              <a:t>25</a:t>
             </a:fld>
             <a:endParaRPr lang="en-US" dirty="0"/>
           </a:p>
@@ -19892,7 +20418,7 @@
 </p:sld>
 </file>
 
-<file path=ppt/slides/slide25.xml><?xml version="1.0" encoding="utf-8"?>
+<file path=ppt/slides/slide26.xml><?xml version="1.0" encoding="utf-8"?>
 <p:sld xmlns:a="http://schemas.openxmlformats.org/drawingml/2006/main" xmlns:r="http://schemas.openxmlformats.org/officeDocument/2006/relationships" xmlns:p="http://schemas.openxmlformats.org/presentationml/2006/main">
   <p:cSld>
     <p:spTree>
@@ -20100,7 +20626,7 @@
           <a:p>
             <a:fld id="{D57F1E4F-1CFF-5643-939E-02111984F565}" type="slidenum">
               <a:rPr lang="en-US" smtClean="0"/>
-              <a:t>25</a:t>
+              <a:t>26</a:t>
             </a:fld>
             <a:endParaRPr lang="en-US" dirty="0"/>
           </a:p>
@@ -20247,7 +20773,7 @@
 </p:sld>
 </file>
 
-<file path=ppt/slides/slide26.xml><?xml version="1.0" encoding="utf-8"?>
+<file path=ppt/slides/slide27.xml><?xml version="1.0" encoding="utf-8"?>
 <p:sld xmlns:a="http://schemas.openxmlformats.org/drawingml/2006/main" xmlns:r="http://schemas.openxmlformats.org/officeDocument/2006/relationships" xmlns:p="http://schemas.openxmlformats.org/presentationml/2006/main">
   <p:cSld>
     <p:spTree>
@@ -20572,7 +21098,7 @@
           <a:p>
             <a:fld id="{D57F1E4F-1CFF-5643-939E-02111984F565}" type="slidenum">
               <a:rPr lang="en-US" smtClean="0"/>
-              <a:t>26</a:t>
+              <a:t>27</a:t>
             </a:fld>
             <a:endParaRPr lang="en-US" dirty="0"/>
           </a:p>
@@ -21044,7 +21570,7 @@
 </p:sld>
 </file>
 
-<file path=ppt/slides/slide27.xml><?xml version="1.0" encoding="utf-8"?>
+<file path=ppt/slides/slide28.xml><?xml version="1.0" encoding="utf-8"?>
 <p:sld xmlns:a="http://schemas.openxmlformats.org/drawingml/2006/main" xmlns:r="http://schemas.openxmlformats.org/officeDocument/2006/relationships" xmlns:p="http://schemas.openxmlformats.org/presentationml/2006/main">
   <p:cSld>
     <p:spTree>
@@ -21522,7 +22048,7 @@
           <a:p>
             <a:fld id="{D57F1E4F-1CFF-5643-939E-02111984F565}" type="slidenum">
               <a:rPr lang="en-US" smtClean="0"/>
-              <a:t>27</a:t>
+              <a:t>28</a:t>
             </a:fld>
             <a:endParaRPr lang="en-US" dirty="0"/>
           </a:p>
@@ -22358,7 +22884,7 @@
 </p:sld>
 </file>
 
-<file path=ppt/slides/slide28.xml><?xml version="1.0" encoding="utf-8"?>
+<file path=ppt/slides/slide29.xml><?xml version="1.0" encoding="utf-8"?>
 <p:sld xmlns:a="http://schemas.openxmlformats.org/drawingml/2006/main" xmlns:r="http://schemas.openxmlformats.org/officeDocument/2006/relationships" xmlns:p="http://schemas.openxmlformats.org/presentationml/2006/main">
   <p:cSld>
     <p:spTree>
@@ -22751,7 +23277,7 @@
           <a:p>
             <a:fld id="{D57F1E4F-1CFF-5643-939E-02111984F565}" type="slidenum">
               <a:rPr lang="en-US" smtClean="0"/>
-              <a:t>28</a:t>
+              <a:t>29</a:t>
             </a:fld>
             <a:endParaRPr lang="en-US" dirty="0"/>
           </a:p>
@@ -23339,457 +23865,6 @@
 </p:sld>
 </file>
 
-<file path=ppt/slides/slide29.xml><?xml version="1.0" encoding="utf-8"?>
-<p:sld xmlns:a="http://schemas.openxmlformats.org/drawingml/2006/main" xmlns:r="http://schemas.openxmlformats.org/officeDocument/2006/relationships" xmlns:p="http://schemas.openxmlformats.org/presentationml/2006/main">
-  <p:cSld>
-    <p:spTree>
-      <p:nvGrpSpPr>
-        <p:cNvPr id="1" name=""/>
-        <p:cNvGrpSpPr/>
-        <p:nvPr/>
-      </p:nvGrpSpPr>
-      <p:grpSpPr>
-        <a:xfrm>
-          <a:off x="0" y="0"/>
-          <a:ext cx="0" cy="0"/>
-          <a:chOff x="0" y="0"/>
-          <a:chExt cx="0" cy="0"/>
-        </a:xfrm>
-      </p:grpSpPr>
-      <p:sp>
-        <p:nvSpPr>
-          <p:cNvPr id="57345" name="Rectangle 2">
-            <a:extLst>
-              <a:ext uri="{FF2B5EF4-FFF2-40B4-BE49-F238E27FC236}">
-                <a16:creationId xmlns:a16="http://schemas.microsoft.com/office/drawing/2014/main" id="{53AFC3D9-E72E-2B4F-B892-82CAC5FCF163}"/>
-              </a:ext>
-            </a:extLst>
-          </p:cNvPr>
-          <p:cNvSpPr>
-            <a:spLocks noGrp="1" noChangeArrowheads="1"/>
-          </p:cNvSpPr>
-          <p:nvPr>
-            <p:ph type="title"/>
-          </p:nvPr>
-        </p:nvSpPr>
-        <p:spPr>
-          <a:xfrm>
-            <a:off x="164387" y="127000"/>
-            <a:ext cx="7888626" cy="638345"/>
-          </a:xfrm>
-        </p:spPr>
-        <p:txBody>
-          <a:bodyPr/>
-          <a:lstStyle/>
-          <a:p>
-            <a:pPr eaLnBrk="1" hangingPunct="1"/>
-            <a:r>
-              <a:rPr lang="en-US" altLang="en-US" sz="2500" dirty="0">
-                <a:latin typeface="Gill Sans MT" panose="020B0502020104020203" pitchFamily="34" charset="77"/>
-                <a:ea typeface="ＭＳ Ｐゴシック" panose="020B0600070205080204" pitchFamily="34" charset="-128"/>
-              </a:rPr>
-              <a:t>Decidability</a:t>
-            </a:r>
-          </a:p>
-        </p:txBody>
-      </p:sp>
-      <p:sp>
-        <p:nvSpPr>
-          <p:cNvPr id="26627" name="Rectangle 3">
-            <a:extLst>
-              <a:ext uri="{FF2B5EF4-FFF2-40B4-BE49-F238E27FC236}">
-                <a16:creationId xmlns:a16="http://schemas.microsoft.com/office/drawing/2014/main" id="{2866E521-C643-A640-8C85-770D4B956A75}"/>
-              </a:ext>
-            </a:extLst>
-          </p:cNvPr>
-          <p:cNvSpPr>
-            <a:spLocks noGrp="1" noChangeArrowheads="1"/>
-          </p:cNvSpPr>
-          <p:nvPr>
-            <p:ph type="body" idx="1"/>
-          </p:nvPr>
-        </p:nvSpPr>
-        <p:spPr>
-          <a:xfrm>
-            <a:off x="236306" y="765345"/>
-            <a:ext cx="8145694" cy="4822655"/>
-          </a:xfrm>
-        </p:spPr>
-        <p:txBody>
-          <a:bodyPr>
-            <a:noAutofit/>
-          </a:bodyPr>
-          <a:lstStyle/>
-          <a:p>
-            <a:pPr marL="0" indent="0">
-              <a:buNone/>
-            </a:pPr>
-            <a:r>
-              <a:rPr lang="en-US" altLang="en-US" sz="2000" dirty="0">
-                <a:latin typeface="Gill Sans MT" panose="020B0502020104020203" pitchFamily="34" charset="77"/>
-                <a:ea typeface="ＭＳ Ｐゴシック" panose="020B0600070205080204" pitchFamily="34" charset="-128"/>
-              </a:rPr>
-              <a:t>A </a:t>
-            </a:r>
-            <a:r>
-              <a:rPr lang="en-US" altLang="en-US" sz="2000" b="1" dirty="0">
-                <a:latin typeface="Gill Sans MT" panose="020B0502020104020203" pitchFamily="34" charset="77"/>
-                <a:ea typeface="ＭＳ Ｐゴシック" panose="020B0600070205080204" pitchFamily="34" charset="-128"/>
-              </a:rPr>
-              <a:t>decidable problem</a:t>
-            </a:r>
-            <a:r>
-              <a:rPr lang="en-US" altLang="en-US" sz="2000" dirty="0">
-                <a:latin typeface="Gill Sans MT" panose="020B0502020104020203" pitchFamily="34" charset="77"/>
-                <a:ea typeface="ＭＳ Ｐゴシック" panose="020B0600070205080204" pitchFamily="34" charset="-128"/>
-              </a:rPr>
-              <a:t> is a decision problem for which an algorithm can be written to produce a correct output for all inputs.</a:t>
-            </a:r>
-          </a:p>
-          <a:p>
-            <a:pPr lvl="1" eaLnBrk="1" hangingPunct="1"/>
-            <a:r>
-              <a:rPr lang="en-US" altLang="en-US" sz="2000" dirty="0">
-                <a:latin typeface="Gill Sans MT" panose="020B0502020104020203" pitchFamily="34" charset="77"/>
-              </a:rPr>
-              <a:t>E.g. Is the number even?</a:t>
-            </a:r>
-          </a:p>
-          <a:p>
-            <a:pPr lvl="1" eaLnBrk="1" hangingPunct="1"/>
-            <a:endParaRPr lang="en-US" altLang="en-US" sz="2000" dirty="0">
-              <a:latin typeface="Gill Sans MT" panose="020B0502020104020203" pitchFamily="34" charset="77"/>
-            </a:endParaRPr>
-          </a:p>
-          <a:p>
-            <a:pPr marL="0" indent="0">
-              <a:buNone/>
-            </a:pPr>
-            <a:r>
-              <a:rPr lang="en-US" altLang="en-US" sz="2000" dirty="0">
-                <a:latin typeface="Gill Sans MT" panose="020B0502020104020203" pitchFamily="34" charset="77"/>
-                <a:ea typeface="ＭＳ Ｐゴシック" panose="020B0600070205080204" pitchFamily="34" charset="-128"/>
-              </a:rPr>
-              <a:t>An undecidable problem is one for which no algorithm can be constructed that is always capable of providing a correct yes-or-no answer. </a:t>
-            </a:r>
-          </a:p>
-          <a:p>
-            <a:pPr marL="0" indent="0" eaLnBrk="1" hangingPunct="1">
-              <a:buNone/>
-            </a:pPr>
-            <a:endParaRPr lang="en-US" altLang="en-US" sz="2000" dirty="0">
-              <a:latin typeface="Gill Sans MT" panose="020B0502020104020203" pitchFamily="34" charset="77"/>
-              <a:ea typeface="ＭＳ Ｐゴシック" panose="020B0600070205080204" pitchFamily="34" charset="-128"/>
-            </a:endParaRPr>
-          </a:p>
-          <a:p>
-            <a:pPr marL="0" indent="0">
-              <a:buNone/>
-            </a:pPr>
-            <a:r>
-              <a:rPr lang="en-US" dirty="0"/>
-              <a:t>An undecidable problem may have some instances that have an algorithmic solution, but there is no algorithmic solution that could solve all instances of the problem. </a:t>
-            </a:r>
-            <a:endParaRPr lang="en-US" sz="2000" dirty="0"/>
-          </a:p>
-          <a:p>
-            <a:pPr marL="0" indent="0" eaLnBrk="1" hangingPunct="1">
-              <a:buNone/>
-            </a:pPr>
-            <a:endParaRPr lang="en-US" altLang="en-US" sz="2000" dirty="0">
-              <a:latin typeface="Gill Sans MT" panose="020B0502020104020203" pitchFamily="34" charset="77"/>
-              <a:ea typeface="ＭＳ Ｐゴシック" panose="020B0600070205080204" pitchFamily="34" charset="-128"/>
-            </a:endParaRPr>
-          </a:p>
-          <a:p>
-            <a:pPr marL="0" indent="0" eaLnBrk="1" hangingPunct="1">
-              <a:buNone/>
-            </a:pPr>
-            <a:r>
-              <a:rPr lang="en-US" altLang="en-US" sz="2000" dirty="0">
-                <a:latin typeface="Gill Sans MT" panose="020B0502020104020203" pitchFamily="34" charset="77"/>
-                <a:ea typeface="ＭＳ Ｐゴシック" panose="020B0600070205080204" pitchFamily="34" charset="-128"/>
-              </a:rPr>
-              <a:t>Alan Turing, considered by many to be the father of computer science, proved that there exists undecidable problems.  An example he posed is the Halting Problem. </a:t>
-            </a:r>
-          </a:p>
-          <a:p>
-            <a:pPr eaLnBrk="1" hangingPunct="1"/>
-            <a:endParaRPr lang="en-US" altLang="en-US" sz="2000" dirty="0">
-              <a:latin typeface="Gill Sans MT" panose="020B0502020104020203" pitchFamily="34" charset="77"/>
-              <a:ea typeface="ＭＳ Ｐゴシック" panose="020B0600070205080204" pitchFamily="34" charset="-128"/>
-            </a:endParaRPr>
-          </a:p>
-          <a:p>
-            <a:pPr eaLnBrk="1" hangingPunct="1">
-              <a:buFontTx/>
-              <a:buNone/>
-            </a:pPr>
-            <a:endParaRPr lang="en-US" altLang="en-US" sz="2000" dirty="0">
-              <a:latin typeface="Gill Sans MT" panose="020B0502020104020203" pitchFamily="34" charset="77"/>
-              <a:ea typeface="ＭＳ Ｐゴシック" panose="020B0600070205080204" pitchFamily="34" charset="-128"/>
-            </a:endParaRPr>
-          </a:p>
-          <a:p>
-            <a:pPr eaLnBrk="1" hangingPunct="1"/>
-            <a:endParaRPr lang="en-US" altLang="en-US" sz="2000" dirty="0">
-              <a:latin typeface="Gill Sans MT" panose="020B0502020104020203" pitchFamily="34" charset="77"/>
-              <a:ea typeface="ＭＳ Ｐゴシック" panose="020B0600070205080204" pitchFamily="34" charset="-128"/>
-            </a:endParaRPr>
-          </a:p>
-          <a:p>
-            <a:pPr eaLnBrk="1" hangingPunct="1"/>
-            <a:endParaRPr lang="en-US" altLang="en-US" sz="2000" dirty="0">
-              <a:latin typeface="Gill Sans MT" panose="020B0502020104020203" pitchFamily="34" charset="77"/>
-              <a:ea typeface="ＭＳ Ｐゴシック" panose="020B0600070205080204" pitchFamily="34" charset="-128"/>
-            </a:endParaRPr>
-          </a:p>
-          <a:p>
-            <a:pPr lvl="1" eaLnBrk="1" hangingPunct="1">
-              <a:buFontTx/>
-              <a:buNone/>
-            </a:pPr>
-            <a:r>
-              <a:rPr lang="en-US" altLang="en-US" sz="2000" dirty="0">
-                <a:latin typeface="Gill Sans MT" panose="020B0502020104020203" pitchFamily="34" charset="77"/>
-              </a:rPr>
-              <a:t>	</a:t>
-            </a:r>
-          </a:p>
-          <a:p>
-            <a:pPr lvl="1" eaLnBrk="1" hangingPunct="1">
-              <a:buFontTx/>
-              <a:buNone/>
-            </a:pPr>
-            <a:r>
-              <a:rPr lang="en-US" altLang="en-US" sz="2000" dirty="0">
-                <a:latin typeface="Gill Sans MT" panose="020B0502020104020203" pitchFamily="34" charset="77"/>
-              </a:rPr>
-              <a:t>	</a:t>
-            </a:r>
-          </a:p>
-        </p:txBody>
-      </p:sp>
-      <p:sp>
-        <p:nvSpPr>
-          <p:cNvPr id="2" name="Slide Number Placeholder 1">
-            <a:extLst>
-              <a:ext uri="{FF2B5EF4-FFF2-40B4-BE49-F238E27FC236}">
-                <a16:creationId xmlns:a16="http://schemas.microsoft.com/office/drawing/2014/main" id="{890C1C5E-5C56-5440-8BE4-54237F383ACA}"/>
-              </a:ext>
-            </a:extLst>
-          </p:cNvPr>
-          <p:cNvSpPr>
-            <a:spLocks noGrp="1"/>
-          </p:cNvSpPr>
-          <p:nvPr>
-            <p:ph type="sldNum" sz="quarter" idx="12"/>
-          </p:nvPr>
-        </p:nvSpPr>
-        <p:spPr/>
-        <p:txBody>
-          <a:bodyPr/>
-          <a:lstStyle/>
-          <a:p>
-            <a:fld id="{D57F1E4F-1CFF-5643-939E-02111984F565}" type="slidenum">
-              <a:rPr lang="en-US" smtClean="0"/>
-              <a:t>29</a:t>
-            </a:fld>
-            <a:endParaRPr lang="en-US" dirty="0"/>
-          </a:p>
-        </p:txBody>
-      </p:sp>
-    </p:spTree>
-    <p:extLst>
-      <p:ext uri="{BB962C8B-B14F-4D97-AF65-F5344CB8AC3E}">
-        <p14:creationId xmlns:p14="http://schemas.microsoft.com/office/powerpoint/2010/main" val="51278377"/>
-      </p:ext>
-    </p:extLst>
-  </p:cSld>
-  <p:clrMapOvr>
-    <a:masterClrMapping/>
-  </p:clrMapOvr>
-  <p:transition/>
-  <p:timing>
-    <p:tnLst>
-      <p:par>
-        <p:cTn id="1" dur="indefinite" restart="never" nodeType="tmRoot">
-          <p:childTnLst>
-            <p:seq concurrent="1" nextAc="seek">
-              <p:cTn id="2" dur="indefinite" nodeType="mainSeq">
-                <p:childTnLst>
-                  <p:par>
-                    <p:cTn id="3" fill="hold">
-                      <p:stCondLst>
-                        <p:cond delay="indefinite"/>
-                      </p:stCondLst>
-                      <p:childTnLst>
-                        <p:par>
-                          <p:cTn id="4" fill="hold">
-                            <p:stCondLst>
-                              <p:cond delay="0"/>
-                            </p:stCondLst>
-                            <p:childTnLst>
-                              <p:par>
-                                <p:cTn id="5" presetID="1" presetClass="entr" presetSubtype="0" fill="hold" nodeType="clickEffect">
-                                  <p:stCondLst>
-                                    <p:cond delay="0"/>
-                                  </p:stCondLst>
-                                  <p:childTnLst>
-                                    <p:set>
-                                      <p:cBhvr>
-                                        <p:cTn id="6" dur="1" fill="hold">
-                                          <p:stCondLst>
-                                            <p:cond delay="0"/>
-                                          </p:stCondLst>
-                                        </p:cTn>
-                                        <p:tgtEl>
-                                          <p:spTgt spid="26627">
-                                            <p:txEl>
-                                              <p:pRg st="3" end="3"/>
-                                            </p:txEl>
-                                          </p:spTgt>
-                                        </p:tgtEl>
-                                        <p:attrNameLst>
-                                          <p:attrName>style.visibility</p:attrName>
-                                        </p:attrNameLst>
-                                      </p:cBhvr>
-                                      <p:to>
-                                        <p:strVal val="visible"/>
-                                      </p:to>
-                                    </p:set>
-                                  </p:childTnLst>
-                                </p:cTn>
-                              </p:par>
-                            </p:childTnLst>
-                          </p:cTn>
-                        </p:par>
-                      </p:childTnLst>
-                    </p:cTn>
-                  </p:par>
-                  <p:par>
-                    <p:cTn id="7" fill="hold">
-                      <p:stCondLst>
-                        <p:cond delay="indefinite"/>
-                      </p:stCondLst>
-                      <p:childTnLst>
-                        <p:par>
-                          <p:cTn id="8" fill="hold">
-                            <p:stCondLst>
-                              <p:cond delay="0"/>
-                            </p:stCondLst>
-                            <p:childTnLst>
-                              <p:par>
-                                <p:cTn id="9" presetID="1" presetClass="entr" presetSubtype="0" fill="hold" nodeType="clickEffect">
-                                  <p:stCondLst>
-                                    <p:cond delay="0"/>
-                                  </p:stCondLst>
-                                  <p:childTnLst>
-                                    <p:set>
-                                      <p:cBhvr>
-                                        <p:cTn id="10" dur="1" fill="hold">
-                                          <p:stCondLst>
-                                            <p:cond delay="0"/>
-                                          </p:stCondLst>
-                                        </p:cTn>
-                                        <p:tgtEl>
-                                          <p:spTgt spid="26627">
-                                            <p:txEl>
-                                              <p:pRg st="5" end="5"/>
-                                            </p:txEl>
-                                          </p:spTgt>
-                                        </p:tgtEl>
-                                        <p:attrNameLst>
-                                          <p:attrName>style.visibility</p:attrName>
-                                        </p:attrNameLst>
-                                      </p:cBhvr>
-                                      <p:to>
-                                        <p:strVal val="visible"/>
-                                      </p:to>
-                                    </p:set>
-                                  </p:childTnLst>
-                                </p:cTn>
-                              </p:par>
-                            </p:childTnLst>
-                          </p:cTn>
-                        </p:par>
-                      </p:childTnLst>
-                    </p:cTn>
-                  </p:par>
-                  <p:par>
-                    <p:cTn id="11" fill="hold">
-                      <p:stCondLst>
-                        <p:cond delay="indefinite"/>
-                      </p:stCondLst>
-                      <p:childTnLst>
-                        <p:par>
-                          <p:cTn id="12" fill="hold">
-                            <p:stCondLst>
-                              <p:cond delay="0"/>
-                            </p:stCondLst>
-                            <p:childTnLst>
-                              <p:par>
-                                <p:cTn id="13" presetID="1" presetClass="entr" presetSubtype="0" fill="hold" nodeType="clickEffect">
-                                  <p:stCondLst>
-                                    <p:cond delay="0"/>
-                                  </p:stCondLst>
-                                  <p:childTnLst>
-                                    <p:set>
-                                      <p:cBhvr>
-                                        <p:cTn id="14" dur="1" fill="hold">
-                                          <p:stCondLst>
-                                            <p:cond delay="0"/>
-                                          </p:stCondLst>
-                                        </p:cTn>
-                                        <p:tgtEl>
-                                          <p:spTgt spid="26627">
-                                            <p:txEl>
-                                              <p:pRg st="7" end="7"/>
-                                            </p:txEl>
-                                          </p:spTgt>
-                                        </p:tgtEl>
-                                        <p:attrNameLst>
-                                          <p:attrName>style.visibility</p:attrName>
-                                        </p:attrNameLst>
-                                      </p:cBhvr>
-                                      <p:to>
-                                        <p:strVal val="visible"/>
-                                      </p:to>
-                                    </p:set>
-                                  </p:childTnLst>
-                                </p:cTn>
-                              </p:par>
-                            </p:childTnLst>
-                          </p:cTn>
-                        </p:par>
-                      </p:childTnLst>
-                    </p:cTn>
-                  </p:par>
-                </p:childTnLst>
-              </p:cTn>
-              <p:prevCondLst>
-                <p:cond evt="onPrev" delay="0">
-                  <p:tgtEl>
-                    <p:sldTgt/>
-                  </p:tgtEl>
-                </p:cond>
-              </p:prevCondLst>
-              <p:nextCondLst>
-                <p:cond evt="onNext" delay="0">
-                  <p:tgtEl>
-                    <p:sldTgt/>
-                  </p:tgtEl>
-                </p:cond>
-              </p:nextCondLst>
-            </p:seq>
-          </p:childTnLst>
-        </p:cTn>
-      </p:par>
-    </p:tnLst>
-  </p:timing>
-</p:sld>
-</file>
-
 <file path=ppt/slides/slide3.xml><?xml version="1.0" encoding="utf-8"?>
 <p:sld xmlns:a="http://schemas.openxmlformats.org/drawingml/2006/main" xmlns:r="http://schemas.openxmlformats.org/officeDocument/2006/relationships" xmlns:p="http://schemas.openxmlformats.org/presentationml/2006/main">
   <p:cSld>
@@ -24775,6 +24850,457 @@
       </p:grpSpPr>
       <p:sp>
         <p:nvSpPr>
+          <p:cNvPr id="57345" name="Rectangle 2">
+            <a:extLst>
+              <a:ext uri="{FF2B5EF4-FFF2-40B4-BE49-F238E27FC236}">
+                <a16:creationId xmlns:a16="http://schemas.microsoft.com/office/drawing/2014/main" id="{53AFC3D9-E72E-2B4F-B892-82CAC5FCF163}"/>
+              </a:ext>
+            </a:extLst>
+          </p:cNvPr>
+          <p:cNvSpPr>
+            <a:spLocks noGrp="1" noChangeArrowheads="1"/>
+          </p:cNvSpPr>
+          <p:nvPr>
+            <p:ph type="title"/>
+          </p:nvPr>
+        </p:nvSpPr>
+        <p:spPr>
+          <a:xfrm>
+            <a:off x="164387" y="127000"/>
+            <a:ext cx="7888626" cy="638345"/>
+          </a:xfrm>
+        </p:spPr>
+        <p:txBody>
+          <a:bodyPr/>
+          <a:lstStyle/>
+          <a:p>
+            <a:pPr eaLnBrk="1" hangingPunct="1"/>
+            <a:r>
+              <a:rPr lang="en-US" altLang="en-US" sz="2500" dirty="0">
+                <a:latin typeface="Gill Sans MT" panose="020B0502020104020203" pitchFamily="34" charset="77"/>
+                <a:ea typeface="ＭＳ Ｐゴシック" panose="020B0600070205080204" pitchFamily="34" charset="-128"/>
+              </a:rPr>
+              <a:t>Decidability</a:t>
+            </a:r>
+          </a:p>
+        </p:txBody>
+      </p:sp>
+      <p:sp>
+        <p:nvSpPr>
+          <p:cNvPr id="26627" name="Rectangle 3">
+            <a:extLst>
+              <a:ext uri="{FF2B5EF4-FFF2-40B4-BE49-F238E27FC236}">
+                <a16:creationId xmlns:a16="http://schemas.microsoft.com/office/drawing/2014/main" id="{2866E521-C643-A640-8C85-770D4B956A75}"/>
+              </a:ext>
+            </a:extLst>
+          </p:cNvPr>
+          <p:cNvSpPr>
+            <a:spLocks noGrp="1" noChangeArrowheads="1"/>
+          </p:cNvSpPr>
+          <p:nvPr>
+            <p:ph type="body" idx="1"/>
+          </p:nvPr>
+        </p:nvSpPr>
+        <p:spPr>
+          <a:xfrm>
+            <a:off x="236306" y="765345"/>
+            <a:ext cx="8145694" cy="4822655"/>
+          </a:xfrm>
+        </p:spPr>
+        <p:txBody>
+          <a:bodyPr>
+            <a:noAutofit/>
+          </a:bodyPr>
+          <a:lstStyle/>
+          <a:p>
+            <a:pPr marL="0" indent="0">
+              <a:buNone/>
+            </a:pPr>
+            <a:r>
+              <a:rPr lang="en-US" altLang="en-US" sz="2000" dirty="0">
+                <a:latin typeface="Gill Sans MT" panose="020B0502020104020203" pitchFamily="34" charset="77"/>
+                <a:ea typeface="ＭＳ Ｐゴシック" panose="020B0600070205080204" pitchFamily="34" charset="-128"/>
+              </a:rPr>
+              <a:t>A </a:t>
+            </a:r>
+            <a:r>
+              <a:rPr lang="en-US" altLang="en-US" sz="2000" b="1" dirty="0">
+                <a:latin typeface="Gill Sans MT" panose="020B0502020104020203" pitchFamily="34" charset="77"/>
+                <a:ea typeface="ＭＳ Ｐゴシック" panose="020B0600070205080204" pitchFamily="34" charset="-128"/>
+              </a:rPr>
+              <a:t>decidable problem</a:t>
+            </a:r>
+            <a:r>
+              <a:rPr lang="en-US" altLang="en-US" sz="2000" dirty="0">
+                <a:latin typeface="Gill Sans MT" panose="020B0502020104020203" pitchFamily="34" charset="77"/>
+                <a:ea typeface="ＭＳ Ｐゴシック" panose="020B0600070205080204" pitchFamily="34" charset="-128"/>
+              </a:rPr>
+              <a:t> is a decision problem for which an algorithm can be written to produce a correct output for all inputs.</a:t>
+            </a:r>
+          </a:p>
+          <a:p>
+            <a:pPr lvl="1" eaLnBrk="1" hangingPunct="1"/>
+            <a:r>
+              <a:rPr lang="en-US" altLang="en-US" sz="2000" dirty="0">
+                <a:latin typeface="Gill Sans MT" panose="020B0502020104020203" pitchFamily="34" charset="77"/>
+              </a:rPr>
+              <a:t>E.g. Is the number even?</a:t>
+            </a:r>
+          </a:p>
+          <a:p>
+            <a:pPr lvl="1" eaLnBrk="1" hangingPunct="1"/>
+            <a:endParaRPr lang="en-US" altLang="en-US" sz="2000" dirty="0">
+              <a:latin typeface="Gill Sans MT" panose="020B0502020104020203" pitchFamily="34" charset="77"/>
+            </a:endParaRPr>
+          </a:p>
+          <a:p>
+            <a:pPr marL="0" indent="0">
+              <a:buNone/>
+            </a:pPr>
+            <a:r>
+              <a:rPr lang="en-US" altLang="en-US" sz="2000" dirty="0">
+                <a:latin typeface="Gill Sans MT" panose="020B0502020104020203" pitchFamily="34" charset="77"/>
+                <a:ea typeface="ＭＳ Ｐゴシック" panose="020B0600070205080204" pitchFamily="34" charset="-128"/>
+              </a:rPr>
+              <a:t>An undecidable problem is one for which no algorithm can be constructed that is always capable of providing a correct yes-or-no answer. </a:t>
+            </a:r>
+          </a:p>
+          <a:p>
+            <a:pPr marL="0" indent="0" eaLnBrk="1" hangingPunct="1">
+              <a:buNone/>
+            </a:pPr>
+            <a:endParaRPr lang="en-US" altLang="en-US" sz="2000" dirty="0">
+              <a:latin typeface="Gill Sans MT" panose="020B0502020104020203" pitchFamily="34" charset="77"/>
+              <a:ea typeface="ＭＳ Ｐゴシック" panose="020B0600070205080204" pitchFamily="34" charset="-128"/>
+            </a:endParaRPr>
+          </a:p>
+          <a:p>
+            <a:pPr marL="0" indent="0">
+              <a:buNone/>
+            </a:pPr>
+            <a:r>
+              <a:rPr lang="en-US" dirty="0"/>
+              <a:t>An undecidable problem may have some instances that have an algorithmic solution, but there is no algorithmic solution that could solve all instances of the problem. </a:t>
+            </a:r>
+            <a:endParaRPr lang="en-US" sz="2000" dirty="0"/>
+          </a:p>
+          <a:p>
+            <a:pPr marL="0" indent="0" eaLnBrk="1" hangingPunct="1">
+              <a:buNone/>
+            </a:pPr>
+            <a:endParaRPr lang="en-US" altLang="en-US" sz="2000" dirty="0">
+              <a:latin typeface="Gill Sans MT" panose="020B0502020104020203" pitchFamily="34" charset="77"/>
+              <a:ea typeface="ＭＳ Ｐゴシック" panose="020B0600070205080204" pitchFamily="34" charset="-128"/>
+            </a:endParaRPr>
+          </a:p>
+          <a:p>
+            <a:pPr marL="0" indent="0" eaLnBrk="1" hangingPunct="1">
+              <a:buNone/>
+            </a:pPr>
+            <a:r>
+              <a:rPr lang="en-US" altLang="en-US" sz="2000" dirty="0">
+                <a:latin typeface="Gill Sans MT" panose="020B0502020104020203" pitchFamily="34" charset="77"/>
+                <a:ea typeface="ＭＳ Ｐゴシック" panose="020B0600070205080204" pitchFamily="34" charset="-128"/>
+              </a:rPr>
+              <a:t>Alan Turing, considered by many to be the father of computer science, proved that there exists undecidable problems.  An example he posed is the Halting Problem. </a:t>
+            </a:r>
+          </a:p>
+          <a:p>
+            <a:pPr eaLnBrk="1" hangingPunct="1"/>
+            <a:endParaRPr lang="en-US" altLang="en-US" sz="2000" dirty="0">
+              <a:latin typeface="Gill Sans MT" panose="020B0502020104020203" pitchFamily="34" charset="77"/>
+              <a:ea typeface="ＭＳ Ｐゴシック" panose="020B0600070205080204" pitchFamily="34" charset="-128"/>
+            </a:endParaRPr>
+          </a:p>
+          <a:p>
+            <a:pPr eaLnBrk="1" hangingPunct="1">
+              <a:buFontTx/>
+              <a:buNone/>
+            </a:pPr>
+            <a:endParaRPr lang="en-US" altLang="en-US" sz="2000" dirty="0">
+              <a:latin typeface="Gill Sans MT" panose="020B0502020104020203" pitchFamily="34" charset="77"/>
+              <a:ea typeface="ＭＳ Ｐゴシック" panose="020B0600070205080204" pitchFamily="34" charset="-128"/>
+            </a:endParaRPr>
+          </a:p>
+          <a:p>
+            <a:pPr eaLnBrk="1" hangingPunct="1"/>
+            <a:endParaRPr lang="en-US" altLang="en-US" sz="2000" dirty="0">
+              <a:latin typeface="Gill Sans MT" panose="020B0502020104020203" pitchFamily="34" charset="77"/>
+              <a:ea typeface="ＭＳ Ｐゴシック" panose="020B0600070205080204" pitchFamily="34" charset="-128"/>
+            </a:endParaRPr>
+          </a:p>
+          <a:p>
+            <a:pPr eaLnBrk="1" hangingPunct="1"/>
+            <a:endParaRPr lang="en-US" altLang="en-US" sz="2000" dirty="0">
+              <a:latin typeface="Gill Sans MT" panose="020B0502020104020203" pitchFamily="34" charset="77"/>
+              <a:ea typeface="ＭＳ Ｐゴシック" panose="020B0600070205080204" pitchFamily="34" charset="-128"/>
+            </a:endParaRPr>
+          </a:p>
+          <a:p>
+            <a:pPr lvl="1" eaLnBrk="1" hangingPunct="1">
+              <a:buFontTx/>
+              <a:buNone/>
+            </a:pPr>
+            <a:r>
+              <a:rPr lang="en-US" altLang="en-US" sz="2000" dirty="0">
+                <a:latin typeface="Gill Sans MT" panose="020B0502020104020203" pitchFamily="34" charset="77"/>
+              </a:rPr>
+              <a:t>	</a:t>
+            </a:r>
+          </a:p>
+          <a:p>
+            <a:pPr lvl="1" eaLnBrk="1" hangingPunct="1">
+              <a:buFontTx/>
+              <a:buNone/>
+            </a:pPr>
+            <a:r>
+              <a:rPr lang="en-US" altLang="en-US" sz="2000" dirty="0">
+                <a:latin typeface="Gill Sans MT" panose="020B0502020104020203" pitchFamily="34" charset="77"/>
+              </a:rPr>
+              <a:t>	</a:t>
+            </a:r>
+          </a:p>
+        </p:txBody>
+      </p:sp>
+      <p:sp>
+        <p:nvSpPr>
+          <p:cNvPr id="2" name="Slide Number Placeholder 1">
+            <a:extLst>
+              <a:ext uri="{FF2B5EF4-FFF2-40B4-BE49-F238E27FC236}">
+                <a16:creationId xmlns:a16="http://schemas.microsoft.com/office/drawing/2014/main" id="{890C1C5E-5C56-5440-8BE4-54237F383ACA}"/>
+              </a:ext>
+            </a:extLst>
+          </p:cNvPr>
+          <p:cNvSpPr>
+            <a:spLocks noGrp="1"/>
+          </p:cNvSpPr>
+          <p:nvPr>
+            <p:ph type="sldNum" sz="quarter" idx="12"/>
+          </p:nvPr>
+        </p:nvSpPr>
+        <p:spPr/>
+        <p:txBody>
+          <a:bodyPr/>
+          <a:lstStyle/>
+          <a:p>
+            <a:fld id="{D57F1E4F-1CFF-5643-939E-02111984F565}" type="slidenum">
+              <a:rPr lang="en-US" smtClean="0"/>
+              <a:t>30</a:t>
+            </a:fld>
+            <a:endParaRPr lang="en-US" dirty="0"/>
+          </a:p>
+        </p:txBody>
+      </p:sp>
+    </p:spTree>
+    <p:extLst>
+      <p:ext uri="{BB962C8B-B14F-4D97-AF65-F5344CB8AC3E}">
+        <p14:creationId xmlns:p14="http://schemas.microsoft.com/office/powerpoint/2010/main" val="51278377"/>
+      </p:ext>
+    </p:extLst>
+  </p:cSld>
+  <p:clrMapOvr>
+    <a:masterClrMapping/>
+  </p:clrMapOvr>
+  <p:transition/>
+  <p:timing>
+    <p:tnLst>
+      <p:par>
+        <p:cTn id="1" dur="indefinite" restart="never" nodeType="tmRoot">
+          <p:childTnLst>
+            <p:seq concurrent="1" nextAc="seek">
+              <p:cTn id="2" dur="indefinite" nodeType="mainSeq">
+                <p:childTnLst>
+                  <p:par>
+                    <p:cTn id="3" fill="hold">
+                      <p:stCondLst>
+                        <p:cond delay="indefinite"/>
+                      </p:stCondLst>
+                      <p:childTnLst>
+                        <p:par>
+                          <p:cTn id="4" fill="hold">
+                            <p:stCondLst>
+                              <p:cond delay="0"/>
+                            </p:stCondLst>
+                            <p:childTnLst>
+                              <p:par>
+                                <p:cTn id="5" presetID="1" presetClass="entr" presetSubtype="0" fill="hold" nodeType="clickEffect">
+                                  <p:stCondLst>
+                                    <p:cond delay="0"/>
+                                  </p:stCondLst>
+                                  <p:childTnLst>
+                                    <p:set>
+                                      <p:cBhvr>
+                                        <p:cTn id="6" dur="1" fill="hold">
+                                          <p:stCondLst>
+                                            <p:cond delay="0"/>
+                                          </p:stCondLst>
+                                        </p:cTn>
+                                        <p:tgtEl>
+                                          <p:spTgt spid="26627">
+                                            <p:txEl>
+                                              <p:pRg st="3" end="3"/>
+                                            </p:txEl>
+                                          </p:spTgt>
+                                        </p:tgtEl>
+                                        <p:attrNameLst>
+                                          <p:attrName>style.visibility</p:attrName>
+                                        </p:attrNameLst>
+                                      </p:cBhvr>
+                                      <p:to>
+                                        <p:strVal val="visible"/>
+                                      </p:to>
+                                    </p:set>
+                                  </p:childTnLst>
+                                </p:cTn>
+                              </p:par>
+                            </p:childTnLst>
+                          </p:cTn>
+                        </p:par>
+                      </p:childTnLst>
+                    </p:cTn>
+                  </p:par>
+                  <p:par>
+                    <p:cTn id="7" fill="hold">
+                      <p:stCondLst>
+                        <p:cond delay="indefinite"/>
+                      </p:stCondLst>
+                      <p:childTnLst>
+                        <p:par>
+                          <p:cTn id="8" fill="hold">
+                            <p:stCondLst>
+                              <p:cond delay="0"/>
+                            </p:stCondLst>
+                            <p:childTnLst>
+                              <p:par>
+                                <p:cTn id="9" presetID="1" presetClass="entr" presetSubtype="0" fill="hold" nodeType="clickEffect">
+                                  <p:stCondLst>
+                                    <p:cond delay="0"/>
+                                  </p:stCondLst>
+                                  <p:childTnLst>
+                                    <p:set>
+                                      <p:cBhvr>
+                                        <p:cTn id="10" dur="1" fill="hold">
+                                          <p:stCondLst>
+                                            <p:cond delay="0"/>
+                                          </p:stCondLst>
+                                        </p:cTn>
+                                        <p:tgtEl>
+                                          <p:spTgt spid="26627">
+                                            <p:txEl>
+                                              <p:pRg st="5" end="5"/>
+                                            </p:txEl>
+                                          </p:spTgt>
+                                        </p:tgtEl>
+                                        <p:attrNameLst>
+                                          <p:attrName>style.visibility</p:attrName>
+                                        </p:attrNameLst>
+                                      </p:cBhvr>
+                                      <p:to>
+                                        <p:strVal val="visible"/>
+                                      </p:to>
+                                    </p:set>
+                                  </p:childTnLst>
+                                </p:cTn>
+                              </p:par>
+                            </p:childTnLst>
+                          </p:cTn>
+                        </p:par>
+                      </p:childTnLst>
+                    </p:cTn>
+                  </p:par>
+                  <p:par>
+                    <p:cTn id="11" fill="hold">
+                      <p:stCondLst>
+                        <p:cond delay="indefinite"/>
+                      </p:stCondLst>
+                      <p:childTnLst>
+                        <p:par>
+                          <p:cTn id="12" fill="hold">
+                            <p:stCondLst>
+                              <p:cond delay="0"/>
+                            </p:stCondLst>
+                            <p:childTnLst>
+                              <p:par>
+                                <p:cTn id="13" presetID="1" presetClass="entr" presetSubtype="0" fill="hold" nodeType="clickEffect">
+                                  <p:stCondLst>
+                                    <p:cond delay="0"/>
+                                  </p:stCondLst>
+                                  <p:childTnLst>
+                                    <p:set>
+                                      <p:cBhvr>
+                                        <p:cTn id="14" dur="1" fill="hold">
+                                          <p:stCondLst>
+                                            <p:cond delay="0"/>
+                                          </p:stCondLst>
+                                        </p:cTn>
+                                        <p:tgtEl>
+                                          <p:spTgt spid="26627">
+                                            <p:txEl>
+                                              <p:pRg st="7" end="7"/>
+                                            </p:txEl>
+                                          </p:spTgt>
+                                        </p:tgtEl>
+                                        <p:attrNameLst>
+                                          <p:attrName>style.visibility</p:attrName>
+                                        </p:attrNameLst>
+                                      </p:cBhvr>
+                                      <p:to>
+                                        <p:strVal val="visible"/>
+                                      </p:to>
+                                    </p:set>
+                                  </p:childTnLst>
+                                </p:cTn>
+                              </p:par>
+                            </p:childTnLst>
+                          </p:cTn>
+                        </p:par>
+                      </p:childTnLst>
+                    </p:cTn>
+                  </p:par>
+                </p:childTnLst>
+              </p:cTn>
+              <p:prevCondLst>
+                <p:cond evt="onPrev" delay="0">
+                  <p:tgtEl>
+                    <p:sldTgt/>
+                  </p:tgtEl>
+                </p:cond>
+              </p:prevCondLst>
+              <p:nextCondLst>
+                <p:cond evt="onNext" delay="0">
+                  <p:tgtEl>
+                    <p:sldTgt/>
+                  </p:tgtEl>
+                </p:cond>
+              </p:nextCondLst>
+            </p:seq>
+          </p:childTnLst>
+        </p:cTn>
+      </p:par>
+    </p:tnLst>
+  </p:timing>
+</p:sld>
+</file>
+
+<file path=ppt/slides/slide31.xml><?xml version="1.0" encoding="utf-8"?>
+<p:sld xmlns:a="http://schemas.openxmlformats.org/drawingml/2006/main" xmlns:r="http://schemas.openxmlformats.org/officeDocument/2006/relationships" xmlns:p="http://schemas.openxmlformats.org/presentationml/2006/main">
+  <p:cSld>
+    <p:spTree>
+      <p:nvGrpSpPr>
+        <p:cNvPr id="1" name=""/>
+        <p:cNvGrpSpPr/>
+        <p:nvPr/>
+      </p:nvGrpSpPr>
+      <p:grpSpPr>
+        <a:xfrm>
+          <a:off x="0" y="0"/>
+          <a:ext cx="0" cy="0"/>
+          <a:chOff x="0" y="0"/>
+          <a:chExt cx="0" cy="0"/>
+        </a:xfrm>
+      </p:grpSpPr>
+      <p:sp>
+        <p:nvSpPr>
           <p:cNvPr id="59393" name="Rectangle 2">
             <a:extLst>
               <a:ext uri="{FF2B5EF4-FFF2-40B4-BE49-F238E27FC236}">
@@ -25031,7 +25557,7 @@
           <a:p>
             <a:fld id="{D57F1E4F-1CFF-5643-939E-02111984F565}" type="slidenum">
               <a:rPr lang="en-US" smtClean="0"/>
-              <a:t>30</a:t>
+              <a:t>31</a:t>
             </a:fld>
             <a:endParaRPr lang="en-US" dirty="0"/>
           </a:p>
@@ -25241,7 +25767,7 @@
 </p:sld>
 </file>
 
-<file path=ppt/slides/slide31.xml><?xml version="1.0" encoding="utf-8"?>
+<file path=ppt/slides/slide32.xml><?xml version="1.0" encoding="utf-8"?>
 <p:sld xmlns:a="http://schemas.openxmlformats.org/drawingml/2006/main" xmlns:r="http://schemas.openxmlformats.org/officeDocument/2006/relationships" xmlns:p="http://schemas.openxmlformats.org/presentationml/2006/main">
   <p:cSld>
     <p:spTree>
@@ -25564,7 +26090,7 @@
           <a:p>
             <a:fld id="{D57F1E4F-1CFF-5643-939E-02111984F565}" type="slidenum">
               <a:rPr lang="en-US" smtClean="0"/>
-              <a:t>31</a:t>
+              <a:t>32</a:t>
             </a:fld>
             <a:endParaRPr lang="en-US" dirty="0"/>
           </a:p>

--- a/courses/apcsp/lect22.pptx
+++ b/courses/apcsp/lect22.pptx
@@ -149,7 +149,7 @@
 <file path=ppt/revisionInfo.xml><?xml version="1.0" encoding="utf-8"?>
 <p1510:revInfo xmlns:a="http://schemas.openxmlformats.org/drawingml/2006/main" xmlns:r="http://schemas.openxmlformats.org/officeDocument/2006/relationships" xmlns:p1510="http://schemas.microsoft.com/office/powerpoint/2015/10/main">
   <p1510:revLst>
-    <p1510:client id="{0E2AE9A0-AA60-BB4A-B160-C870111F23F3}" v="3631" dt="2021-05-21T12:24:06.437"/>
+    <p1510:client id="{D8E0FF47-5D02-BE42-82DB-1C73A03F4240}" v="22" dt="2021-06-10T13:08:07.118"/>
   </p1510:revLst>
 </p1510:revInfo>
 </file>
@@ -157,28 +157,2965 @@
 <file path=ppt/changesInfos/changesInfo1.xml><?xml version="1.0" encoding="utf-8"?>
 <pc:chgInfo xmlns:a="http://schemas.openxmlformats.org/drawingml/2006/main" xmlns:r="http://schemas.openxmlformats.org/officeDocument/2006/relationships" xmlns:ac="http://schemas.microsoft.com/office/drawing/2013/main/command" xmlns:pc="http://schemas.microsoft.com/office/powerpoint/2013/main/command">
   <pc:docChgLst>
-    <pc:chgData name="Long B Nguyen" userId="f59fb8f3-a021-417a-8bc1-65c8d471c621" providerId="ADAL" clId="{6AC26564-89E3-E046-BFB4-F80582D7E17B}"/>
-    <pc:docChg chg="custSel addSld delSld modSld">
-      <pc:chgData name="Long B Nguyen" userId="f59fb8f3-a021-417a-8bc1-65c8d471c621" providerId="ADAL" clId="{6AC26564-89E3-E046-BFB4-F80582D7E17B}" dt="2020-01-13T13:46:56.810" v="92" actId="2696"/>
+    <pc:chgData name="Long B Nguyen" userId="f59fb8f3-a021-417a-8bc1-65c8d471c621" providerId="ADAL" clId="{A54A5039-9BC6-1548-AC61-7314DB675A9D}"/>
+    <pc:docChg chg="undo custSel addSld delSld modSld">
+      <pc:chgData name="Long B Nguyen" userId="f59fb8f3-a021-417a-8bc1-65c8d471c621" providerId="ADAL" clId="{A54A5039-9BC6-1548-AC61-7314DB675A9D}" dt="2019-09-25T14:26:33.714" v="2899" actId="20577"/>
       <pc:docMkLst>
         <pc:docMk/>
       </pc:docMkLst>
       <pc:sldChg chg="modSp">
-        <pc:chgData name="Long B Nguyen" userId="f59fb8f3-a021-417a-8bc1-65c8d471c621" providerId="ADAL" clId="{6AC26564-89E3-E046-BFB4-F80582D7E17B}" dt="2020-01-13T13:44:20.464" v="85" actId="20577"/>
+        <pc:chgData name="Long B Nguyen" userId="f59fb8f3-a021-417a-8bc1-65c8d471c621" providerId="ADAL" clId="{A54A5039-9BC6-1548-AC61-7314DB675A9D}" dt="2019-09-25T14:17:33.020" v="2843" actId="20577"/>
         <pc:sldMkLst>
           <pc:docMk/>
           <pc:sldMk cId="4247104139" sldId="256"/>
         </pc:sldMkLst>
         <pc:spChg chg="mod">
-          <ac:chgData name="Long B Nguyen" userId="f59fb8f3-a021-417a-8bc1-65c8d471c621" providerId="ADAL" clId="{6AC26564-89E3-E046-BFB4-F80582D7E17B}" dt="2020-01-13T13:43:45.441" v="40" actId="20577"/>
+          <ac:chgData name="Long B Nguyen" userId="f59fb8f3-a021-417a-8bc1-65c8d471c621" providerId="ADAL" clId="{A54A5039-9BC6-1548-AC61-7314DB675A9D}" dt="2019-09-25T14:17:33.020" v="2843" actId="20577"/>
+          <ac:spMkLst>
+            <pc:docMk/>
+            <pc:sldMk cId="4247104139" sldId="256"/>
+            <ac:spMk id="3" creationId="{1BDC47C8-6776-7B44-9CD4-95FC91452D62}"/>
+          </ac:spMkLst>
+        </pc:spChg>
+      </pc:sldChg>
+      <pc:sldChg chg="modSp modAnim">
+        <pc:chgData name="Long B Nguyen" userId="f59fb8f3-a021-417a-8bc1-65c8d471c621" providerId="ADAL" clId="{A54A5039-9BC6-1548-AC61-7314DB675A9D}" dt="2019-09-24T11:45:26.007" v="2185" actId="20577"/>
+        <pc:sldMkLst>
+          <pc:docMk/>
+          <pc:sldMk cId="1438711869" sldId="284"/>
+        </pc:sldMkLst>
+        <pc:spChg chg="mod">
+          <ac:chgData name="Long B Nguyen" userId="f59fb8f3-a021-417a-8bc1-65c8d471c621" providerId="ADAL" clId="{A54A5039-9BC6-1548-AC61-7314DB675A9D}" dt="2019-09-24T11:43:23.898" v="2145" actId="20577"/>
+          <ac:spMkLst>
+            <pc:docMk/>
+            <pc:sldMk cId="1438711869" sldId="284"/>
+            <ac:spMk id="2" creationId="{AA3A228F-61D0-D949-A5E7-F83756230BF8}"/>
+          </ac:spMkLst>
+        </pc:spChg>
+        <pc:spChg chg="mod">
+          <ac:chgData name="Long B Nguyen" userId="f59fb8f3-a021-417a-8bc1-65c8d471c621" providerId="ADAL" clId="{A54A5039-9BC6-1548-AC61-7314DB675A9D}" dt="2019-09-24T11:45:26.007" v="2185" actId="20577"/>
+          <ac:spMkLst>
+            <pc:docMk/>
+            <pc:sldMk cId="1438711869" sldId="284"/>
+            <ac:spMk id="9" creationId="{E3B2E017-30B2-884B-A113-B419A2ED51AD}"/>
+          </ac:spMkLst>
+        </pc:spChg>
+      </pc:sldChg>
+      <pc:sldChg chg="modSp">
+        <pc:chgData name="Long B Nguyen" userId="f59fb8f3-a021-417a-8bc1-65c8d471c621" providerId="ADAL" clId="{A54A5039-9BC6-1548-AC61-7314DB675A9D}" dt="2019-09-19T14:18:56.959" v="28" actId="20577"/>
+        <pc:sldMkLst>
+          <pc:docMk/>
+          <pc:sldMk cId="131840209" sldId="286"/>
+        </pc:sldMkLst>
+        <pc:spChg chg="mod">
+          <ac:chgData name="Long B Nguyen" userId="f59fb8f3-a021-417a-8bc1-65c8d471c621" providerId="ADAL" clId="{A54A5039-9BC6-1548-AC61-7314DB675A9D}" dt="2019-09-19T14:18:56.959" v="28" actId="20577"/>
+          <ac:spMkLst>
+            <pc:docMk/>
+            <pc:sldMk cId="131840209" sldId="286"/>
+            <ac:spMk id="9" creationId="{E3B2E017-30B2-884B-A113-B419A2ED51AD}"/>
+          </ac:spMkLst>
+        </pc:spChg>
+      </pc:sldChg>
+      <pc:sldChg chg="modSp add del modAnim">
+        <pc:chgData name="Long B Nguyen" userId="f59fb8f3-a021-417a-8bc1-65c8d471c621" providerId="ADAL" clId="{A54A5039-9BC6-1548-AC61-7314DB675A9D}" dt="2019-09-24T11:43:26.738" v="2146" actId="2696"/>
+        <pc:sldMkLst>
+          <pc:docMk/>
+          <pc:sldMk cId="3439768680" sldId="294"/>
+        </pc:sldMkLst>
+        <pc:spChg chg="mod">
+          <ac:chgData name="Long B Nguyen" userId="f59fb8f3-a021-417a-8bc1-65c8d471c621" providerId="ADAL" clId="{A54A5039-9BC6-1548-AC61-7314DB675A9D}" dt="2019-09-24T11:40:12.100" v="2004"/>
+          <ac:spMkLst>
+            <pc:docMk/>
+            <pc:sldMk cId="3439768680" sldId="294"/>
+            <ac:spMk id="40963" creationId="{66AA56B3-AB86-6341-92AC-3BDB5774CCA3}"/>
+          </ac:spMkLst>
+        </pc:spChg>
+      </pc:sldChg>
+      <pc:sldChg chg="addSp modSp modAnim">
+        <pc:chgData name="Long B Nguyen" userId="f59fb8f3-a021-417a-8bc1-65c8d471c621" providerId="ADAL" clId="{A54A5039-9BC6-1548-AC61-7314DB675A9D}" dt="2019-09-23T12:04:10.373" v="1911"/>
+        <pc:sldMkLst>
+          <pc:docMk/>
+          <pc:sldMk cId="1816941262" sldId="295"/>
+        </pc:sldMkLst>
+        <pc:spChg chg="add mod">
+          <ac:chgData name="Long B Nguyen" userId="f59fb8f3-a021-417a-8bc1-65c8d471c621" providerId="ADAL" clId="{A54A5039-9BC6-1548-AC61-7314DB675A9D}" dt="2019-09-23T12:03:30.239" v="1901" actId="1076"/>
+          <ac:spMkLst>
+            <pc:docMk/>
+            <pc:sldMk cId="1816941262" sldId="295"/>
+            <ac:spMk id="3" creationId="{53AD888D-2F6F-BB43-86CA-1A3B376061A2}"/>
+          </ac:spMkLst>
+        </pc:spChg>
+        <pc:spChg chg="mod">
+          <ac:chgData name="Long B Nguyen" userId="f59fb8f3-a021-417a-8bc1-65c8d471c621" providerId="ADAL" clId="{A54A5039-9BC6-1548-AC61-7314DB675A9D}" dt="2019-09-23T11:58:12.789" v="1765" actId="20577"/>
+          <ac:spMkLst>
+            <pc:docMk/>
+            <pc:sldMk cId="1816941262" sldId="295"/>
+            <ac:spMk id="9" creationId="{E3B2E017-30B2-884B-A113-B419A2ED51AD}"/>
+          </ac:spMkLst>
+        </pc:spChg>
+        <pc:cxnChg chg="add mod">
+          <ac:chgData name="Long B Nguyen" userId="f59fb8f3-a021-417a-8bc1-65c8d471c621" providerId="ADAL" clId="{A54A5039-9BC6-1548-AC61-7314DB675A9D}" dt="2019-09-23T12:03:49.489" v="1909" actId="692"/>
+          <ac:cxnSpMkLst>
+            <pc:docMk/>
+            <pc:sldMk cId="1816941262" sldId="295"/>
+            <ac:cxnSpMk id="5" creationId="{0FA56ED4-EC25-B14C-B73E-DC4E17ADBF86}"/>
+          </ac:cxnSpMkLst>
+        </pc:cxnChg>
+      </pc:sldChg>
+      <pc:sldChg chg="modSp modAnim">
+        <pc:chgData name="Long B Nguyen" userId="f59fb8f3-a021-417a-8bc1-65c8d471c621" providerId="ADAL" clId="{A54A5039-9BC6-1548-AC61-7314DB675A9D}" dt="2019-09-23T11:59:17.508" v="1794"/>
+        <pc:sldMkLst>
+          <pc:docMk/>
+          <pc:sldMk cId="553003360" sldId="296"/>
+        </pc:sldMkLst>
+        <pc:spChg chg="mod">
+          <ac:chgData name="Long B Nguyen" userId="f59fb8f3-a021-417a-8bc1-65c8d471c621" providerId="ADAL" clId="{A54A5039-9BC6-1548-AC61-7314DB675A9D}" dt="2019-09-23T11:59:10.982" v="1792" actId="20577"/>
+          <ac:spMkLst>
+            <pc:docMk/>
+            <pc:sldMk cId="553003360" sldId="296"/>
+            <ac:spMk id="9" creationId="{E3B2E017-30B2-884B-A113-B419A2ED51AD}"/>
+          </ac:spMkLst>
+        </pc:spChg>
+      </pc:sldChg>
+      <pc:sldChg chg="modSp modAnim">
+        <pc:chgData name="Long B Nguyen" userId="f59fb8f3-a021-417a-8bc1-65c8d471c621" providerId="ADAL" clId="{A54A5039-9BC6-1548-AC61-7314DB675A9D}" dt="2019-09-23T11:59:34.632" v="1798"/>
+        <pc:sldMkLst>
+          <pc:docMk/>
+          <pc:sldMk cId="3006175481" sldId="297"/>
+        </pc:sldMkLst>
+        <pc:spChg chg="mod">
+          <ac:chgData name="Long B Nguyen" userId="f59fb8f3-a021-417a-8bc1-65c8d471c621" providerId="ADAL" clId="{A54A5039-9BC6-1548-AC61-7314DB675A9D}" dt="2019-09-23T11:59:28.174" v="1796" actId="20577"/>
+          <ac:spMkLst>
+            <pc:docMk/>
+            <pc:sldMk cId="3006175481" sldId="297"/>
+            <ac:spMk id="9" creationId="{E3B2E017-30B2-884B-A113-B419A2ED51AD}"/>
+          </ac:spMkLst>
+        </pc:spChg>
+      </pc:sldChg>
+      <pc:sldChg chg="modSp modAnim">
+        <pc:chgData name="Long B Nguyen" userId="f59fb8f3-a021-417a-8bc1-65c8d471c621" providerId="ADAL" clId="{A54A5039-9BC6-1548-AC61-7314DB675A9D}" dt="2019-09-23T12:06:41.861" v="1992"/>
+        <pc:sldMkLst>
+          <pc:docMk/>
+          <pc:sldMk cId="3150557076" sldId="298"/>
+        </pc:sldMkLst>
+        <pc:spChg chg="mod">
+          <ac:chgData name="Long B Nguyen" userId="f59fb8f3-a021-417a-8bc1-65c8d471c621" providerId="ADAL" clId="{A54A5039-9BC6-1548-AC61-7314DB675A9D}" dt="2019-09-23T12:05:19.573" v="1985" actId="20577"/>
+          <ac:spMkLst>
+            <pc:docMk/>
+            <pc:sldMk cId="3150557076" sldId="298"/>
+            <ac:spMk id="9" creationId="{E3B2E017-30B2-884B-A113-B419A2ED51AD}"/>
+          </ac:spMkLst>
+        </pc:spChg>
+      </pc:sldChg>
+      <pc:sldChg chg="addSp delSp modSp modAnim">
+        <pc:chgData name="Long B Nguyen" userId="f59fb8f3-a021-417a-8bc1-65c8d471c621" providerId="ADAL" clId="{A54A5039-9BC6-1548-AC61-7314DB675A9D}" dt="2019-09-23T12:01:44.436" v="1840"/>
+        <pc:sldMkLst>
+          <pc:docMk/>
+          <pc:sldMk cId="128704095" sldId="302"/>
+        </pc:sldMkLst>
+        <pc:spChg chg="add del">
+          <ac:chgData name="Long B Nguyen" userId="f59fb8f3-a021-417a-8bc1-65c8d471c621" providerId="ADAL" clId="{A54A5039-9BC6-1548-AC61-7314DB675A9D}" dt="2019-09-19T16:47:34.465" v="464"/>
+          <ac:spMkLst>
+            <pc:docMk/>
+            <pc:sldMk cId="128704095" sldId="302"/>
+            <ac:spMk id="3" creationId="{EA19F625-AB76-8A4B-B39A-0F2D018DC68D}"/>
+          </ac:spMkLst>
+        </pc:spChg>
+        <pc:spChg chg="mod">
+          <ac:chgData name="Long B Nguyen" userId="f59fb8f3-a021-417a-8bc1-65c8d471c621" providerId="ADAL" clId="{A54A5039-9BC6-1548-AC61-7314DB675A9D}" dt="2019-09-23T12:01:36.243" v="1838" actId="20577"/>
+          <ac:spMkLst>
+            <pc:docMk/>
+            <pc:sldMk cId="128704095" sldId="302"/>
+            <ac:spMk id="9" creationId="{E3B2E017-30B2-884B-A113-B419A2ED51AD}"/>
+          </ac:spMkLst>
+        </pc:spChg>
+      </pc:sldChg>
+      <pc:sldChg chg="modSp add modAnim">
+        <pc:chgData name="Long B Nguyen" userId="f59fb8f3-a021-417a-8bc1-65c8d471c621" providerId="ADAL" clId="{A54A5039-9BC6-1548-AC61-7314DB675A9D}" dt="2019-09-23T12:00:26.516" v="1826" actId="20577"/>
+        <pc:sldMkLst>
+          <pc:docMk/>
+          <pc:sldMk cId="3275945509" sldId="303"/>
+        </pc:sldMkLst>
+        <pc:spChg chg="mod">
+          <ac:chgData name="Long B Nguyen" userId="f59fb8f3-a021-417a-8bc1-65c8d471c621" providerId="ADAL" clId="{A54A5039-9BC6-1548-AC61-7314DB675A9D}" dt="2019-09-23T12:00:26.516" v="1826" actId="20577"/>
+          <ac:spMkLst>
+            <pc:docMk/>
+            <pc:sldMk cId="3275945509" sldId="303"/>
+            <ac:spMk id="9" creationId="{E3B2E017-30B2-884B-A113-B419A2ED51AD}"/>
+          </ac:spMkLst>
+        </pc:spChg>
+      </pc:sldChg>
+      <pc:sldChg chg="modSp add modAnim">
+        <pc:chgData name="Long B Nguyen" userId="f59fb8f3-a021-417a-8bc1-65c8d471c621" providerId="ADAL" clId="{A54A5039-9BC6-1548-AC61-7314DB675A9D}" dt="2019-09-23T12:00:38.314" v="1827"/>
+        <pc:sldMkLst>
+          <pc:docMk/>
+          <pc:sldMk cId="406772024" sldId="304"/>
+        </pc:sldMkLst>
+        <pc:spChg chg="mod">
+          <ac:chgData name="Long B Nguyen" userId="f59fb8f3-a021-417a-8bc1-65c8d471c621" providerId="ADAL" clId="{A54A5039-9BC6-1548-AC61-7314DB675A9D}" dt="2019-09-23T12:00:12.500" v="1808" actId="20577"/>
+          <ac:spMkLst>
+            <pc:docMk/>
+            <pc:sldMk cId="406772024" sldId="304"/>
+            <ac:spMk id="9" creationId="{E3B2E017-30B2-884B-A113-B419A2ED51AD}"/>
+          </ac:spMkLst>
+        </pc:spChg>
+      </pc:sldChg>
+      <pc:sldChg chg="modSp add modAnim">
+        <pc:chgData name="Long B Nguyen" userId="f59fb8f3-a021-417a-8bc1-65c8d471c621" providerId="ADAL" clId="{A54A5039-9BC6-1548-AC61-7314DB675A9D}" dt="2019-09-23T13:27:58.707" v="2000" actId="20577"/>
+        <pc:sldMkLst>
+          <pc:docMk/>
+          <pc:sldMk cId="1703902501" sldId="305"/>
+        </pc:sldMkLst>
+        <pc:spChg chg="mod">
+          <ac:chgData name="Long B Nguyen" userId="f59fb8f3-a021-417a-8bc1-65c8d471c621" providerId="ADAL" clId="{A54A5039-9BC6-1548-AC61-7314DB675A9D}" dt="2019-09-19T14:31:00.333" v="110" actId="20577"/>
+          <ac:spMkLst>
+            <pc:docMk/>
+            <pc:sldMk cId="1703902501" sldId="305"/>
+            <ac:spMk id="2" creationId="{AA3A228F-61D0-D949-A5E7-F83756230BF8}"/>
+          </ac:spMkLst>
+        </pc:spChg>
+        <pc:spChg chg="mod">
+          <ac:chgData name="Long B Nguyen" userId="f59fb8f3-a021-417a-8bc1-65c8d471c621" providerId="ADAL" clId="{A54A5039-9BC6-1548-AC61-7314DB675A9D}" dt="2019-09-23T13:27:58.707" v="2000" actId="20577"/>
+          <ac:spMkLst>
+            <pc:docMk/>
+            <pc:sldMk cId="1703902501" sldId="305"/>
+            <ac:spMk id="9" creationId="{E3B2E017-30B2-884B-A113-B419A2ED51AD}"/>
+          </ac:spMkLst>
+        </pc:spChg>
+      </pc:sldChg>
+      <pc:sldChg chg="modSp add modAnim">
+        <pc:chgData name="Long B Nguyen" userId="f59fb8f3-a021-417a-8bc1-65c8d471c621" providerId="ADAL" clId="{A54A5039-9BC6-1548-AC61-7314DB675A9D}" dt="2019-09-23T12:01:58.728" v="1843"/>
+        <pc:sldMkLst>
+          <pc:docMk/>
+          <pc:sldMk cId="3614829039" sldId="306"/>
+        </pc:sldMkLst>
+        <pc:spChg chg="mod">
+          <ac:chgData name="Long B Nguyen" userId="f59fb8f3-a021-417a-8bc1-65c8d471c621" providerId="ADAL" clId="{A54A5039-9BC6-1548-AC61-7314DB675A9D}" dt="2019-09-19T16:51:57.917" v="536" actId="20577"/>
+          <ac:spMkLst>
+            <pc:docMk/>
+            <pc:sldMk cId="3614829039" sldId="306"/>
+            <ac:spMk id="2" creationId="{AA3A228F-61D0-D949-A5E7-F83756230BF8}"/>
+          </ac:spMkLst>
+        </pc:spChg>
+        <pc:spChg chg="mod">
+          <ac:chgData name="Long B Nguyen" userId="f59fb8f3-a021-417a-8bc1-65c8d471c621" providerId="ADAL" clId="{A54A5039-9BC6-1548-AC61-7314DB675A9D}" dt="2019-09-23T12:01:50.092" v="1842" actId="20577"/>
+          <ac:spMkLst>
+            <pc:docMk/>
+            <pc:sldMk cId="3614829039" sldId="306"/>
+            <ac:spMk id="9" creationId="{E3B2E017-30B2-884B-A113-B419A2ED51AD}"/>
+          </ac:spMkLst>
+        </pc:spChg>
+      </pc:sldChg>
+      <pc:sldChg chg="modSp add modAnim">
+        <pc:chgData name="Long B Nguyen" userId="f59fb8f3-a021-417a-8bc1-65c8d471c621" providerId="ADAL" clId="{A54A5039-9BC6-1548-AC61-7314DB675A9D}" dt="2019-09-23T12:02:15.154" v="1846"/>
+        <pc:sldMkLst>
+          <pc:docMk/>
+          <pc:sldMk cId="295911327" sldId="307"/>
+        </pc:sldMkLst>
+        <pc:spChg chg="mod">
+          <ac:chgData name="Long B Nguyen" userId="f59fb8f3-a021-417a-8bc1-65c8d471c621" providerId="ADAL" clId="{A54A5039-9BC6-1548-AC61-7314DB675A9D}" dt="2019-09-19T17:17:25.590" v="539" actId="20577"/>
+          <ac:spMkLst>
+            <pc:docMk/>
+            <pc:sldMk cId="295911327" sldId="307"/>
+            <ac:spMk id="2" creationId="{AA3A228F-61D0-D949-A5E7-F83756230BF8}"/>
+          </ac:spMkLst>
+        </pc:spChg>
+        <pc:spChg chg="mod">
+          <ac:chgData name="Long B Nguyen" userId="f59fb8f3-a021-417a-8bc1-65c8d471c621" providerId="ADAL" clId="{A54A5039-9BC6-1548-AC61-7314DB675A9D}" dt="2019-09-23T12:02:10.526" v="1845" actId="20577"/>
+          <ac:spMkLst>
+            <pc:docMk/>
+            <pc:sldMk cId="295911327" sldId="307"/>
+            <ac:spMk id="9" creationId="{E3B2E017-30B2-884B-A113-B419A2ED51AD}"/>
+          </ac:spMkLst>
+        </pc:spChg>
+      </pc:sldChg>
+      <pc:sldChg chg="modSp add modAnim">
+        <pc:chgData name="Long B Nguyen" userId="f59fb8f3-a021-417a-8bc1-65c8d471c621" providerId="ADAL" clId="{A54A5039-9BC6-1548-AC61-7314DB675A9D}" dt="2019-09-23T12:01:05.311" v="1832"/>
+        <pc:sldMkLst>
+          <pc:docMk/>
+          <pc:sldMk cId="67957925" sldId="308"/>
+        </pc:sldMkLst>
+        <pc:spChg chg="mod">
+          <ac:chgData name="Long B Nguyen" userId="f59fb8f3-a021-417a-8bc1-65c8d471c621" providerId="ADAL" clId="{A54A5039-9BC6-1548-AC61-7314DB675A9D}" dt="2019-09-20T12:22:34.233" v="599" actId="20577"/>
+          <ac:spMkLst>
+            <pc:docMk/>
+            <pc:sldMk cId="67957925" sldId="308"/>
+            <ac:spMk id="2" creationId="{AA3A228F-61D0-D949-A5E7-F83756230BF8}"/>
+          </ac:spMkLst>
+        </pc:spChg>
+        <pc:spChg chg="mod">
+          <ac:chgData name="Long B Nguyen" userId="f59fb8f3-a021-417a-8bc1-65c8d471c621" providerId="ADAL" clId="{A54A5039-9BC6-1548-AC61-7314DB675A9D}" dt="2019-09-20T12:37:26.490" v="1123" actId="20577"/>
+          <ac:spMkLst>
+            <pc:docMk/>
+            <pc:sldMk cId="67957925" sldId="308"/>
+            <ac:spMk id="9" creationId="{E3B2E017-30B2-884B-A113-B419A2ED51AD}"/>
+          </ac:spMkLst>
+        </pc:spChg>
+      </pc:sldChg>
+      <pc:sldChg chg="modSp add modAnim">
+        <pc:chgData name="Long B Nguyen" userId="f59fb8f3-a021-417a-8bc1-65c8d471c621" providerId="ADAL" clId="{A54A5039-9BC6-1548-AC61-7314DB675A9D}" dt="2019-09-23T12:01:18.117" v="1835"/>
+        <pc:sldMkLst>
+          <pc:docMk/>
+          <pc:sldMk cId="1872435103" sldId="309"/>
+        </pc:sldMkLst>
+        <pc:spChg chg="mod">
+          <ac:chgData name="Long B Nguyen" userId="f59fb8f3-a021-417a-8bc1-65c8d471c621" providerId="ADAL" clId="{A54A5039-9BC6-1548-AC61-7314DB675A9D}" dt="2019-09-20T12:24:39.851" v="793" actId="20577"/>
+          <ac:spMkLst>
+            <pc:docMk/>
+            <pc:sldMk cId="1872435103" sldId="309"/>
+            <ac:spMk id="2" creationId="{AA3A228F-61D0-D949-A5E7-F83756230BF8}"/>
+          </ac:spMkLst>
+        </pc:spChg>
+        <pc:spChg chg="mod">
+          <ac:chgData name="Long B Nguyen" userId="f59fb8f3-a021-417a-8bc1-65c8d471c621" providerId="ADAL" clId="{A54A5039-9BC6-1548-AC61-7314DB675A9D}" dt="2019-09-20T12:37:20.580" v="1117" actId="20577"/>
+          <ac:spMkLst>
+            <pc:docMk/>
+            <pc:sldMk cId="1872435103" sldId="309"/>
+            <ac:spMk id="9" creationId="{E3B2E017-30B2-884B-A113-B419A2ED51AD}"/>
+          </ac:spMkLst>
+        </pc:spChg>
+      </pc:sldChg>
+      <pc:sldChg chg="modSp add">
+        <pc:chgData name="Long B Nguyen" userId="f59fb8f3-a021-417a-8bc1-65c8d471c621" providerId="ADAL" clId="{A54A5039-9BC6-1548-AC61-7314DB675A9D}" dt="2019-09-20T12:40:48.118" v="1409" actId="20577"/>
+        <pc:sldMkLst>
+          <pc:docMk/>
+          <pc:sldMk cId="4088965571" sldId="310"/>
+        </pc:sldMkLst>
+        <pc:spChg chg="mod">
+          <ac:chgData name="Long B Nguyen" userId="f59fb8f3-a021-417a-8bc1-65c8d471c621" providerId="ADAL" clId="{A54A5039-9BC6-1548-AC61-7314DB675A9D}" dt="2019-09-20T12:40:48.118" v="1409" actId="20577"/>
+          <ac:spMkLst>
+            <pc:docMk/>
+            <pc:sldMk cId="4088965571" sldId="310"/>
+            <ac:spMk id="2" creationId="{AA3A228F-61D0-D949-A5E7-F83756230BF8}"/>
+          </ac:spMkLst>
+        </pc:spChg>
+        <pc:spChg chg="mod">
+          <ac:chgData name="Long B Nguyen" userId="f59fb8f3-a021-417a-8bc1-65c8d471c621" providerId="ADAL" clId="{A54A5039-9BC6-1548-AC61-7314DB675A9D}" dt="2019-09-20T12:40:27.809" v="1394" actId="255"/>
+          <ac:spMkLst>
+            <pc:docMk/>
+            <pc:sldMk cId="4088965571" sldId="310"/>
+            <ac:spMk id="9" creationId="{E3B2E017-30B2-884B-A113-B419A2ED51AD}"/>
+          </ac:spMkLst>
+        </pc:spChg>
+      </pc:sldChg>
+      <pc:sldChg chg="modSp add modAnim">
+        <pc:chgData name="Long B Nguyen" userId="f59fb8f3-a021-417a-8bc1-65c8d471c621" providerId="ADAL" clId="{A54A5039-9BC6-1548-AC61-7314DB675A9D}" dt="2019-09-23T12:01:26.997" v="1836"/>
+        <pc:sldMkLst>
+          <pc:docMk/>
+          <pc:sldMk cId="2255846137" sldId="311"/>
+        </pc:sldMkLst>
+        <pc:spChg chg="mod">
+          <ac:chgData name="Long B Nguyen" userId="f59fb8f3-a021-417a-8bc1-65c8d471c621" providerId="ADAL" clId="{A54A5039-9BC6-1548-AC61-7314DB675A9D}" dt="2019-09-20T12:42:38.115" v="1565" actId="20577"/>
+          <ac:spMkLst>
+            <pc:docMk/>
+            <pc:sldMk cId="2255846137" sldId="311"/>
+            <ac:spMk id="2" creationId="{AA3A228F-61D0-D949-A5E7-F83756230BF8}"/>
+          </ac:spMkLst>
+        </pc:spChg>
+        <pc:spChg chg="mod">
+          <ac:chgData name="Long B Nguyen" userId="f59fb8f3-a021-417a-8bc1-65c8d471c621" providerId="ADAL" clId="{A54A5039-9BC6-1548-AC61-7314DB675A9D}" dt="2019-09-20T12:43:18.312" v="1623" actId="20577"/>
+          <ac:spMkLst>
+            <pc:docMk/>
+            <pc:sldMk cId="2255846137" sldId="311"/>
+            <ac:spMk id="9" creationId="{E3B2E017-30B2-884B-A113-B419A2ED51AD}"/>
+          </ac:spMkLst>
+        </pc:spChg>
+      </pc:sldChg>
+      <pc:sldChg chg="modSp add">
+        <pc:chgData name="Long B Nguyen" userId="f59fb8f3-a021-417a-8bc1-65c8d471c621" providerId="ADAL" clId="{A54A5039-9BC6-1548-AC61-7314DB675A9D}" dt="2019-09-23T11:49:40.764" v="1759" actId="20577"/>
+        <pc:sldMkLst>
+          <pc:docMk/>
+          <pc:sldMk cId="1513627164" sldId="312"/>
+        </pc:sldMkLst>
+        <pc:spChg chg="mod">
+          <ac:chgData name="Long B Nguyen" userId="f59fb8f3-a021-417a-8bc1-65c8d471c621" providerId="ADAL" clId="{A54A5039-9BC6-1548-AC61-7314DB675A9D}" dt="2019-09-20T12:44:10.623" v="1625" actId="20577"/>
+          <ac:spMkLst>
+            <pc:docMk/>
+            <pc:sldMk cId="1513627164" sldId="312"/>
+            <ac:spMk id="2" creationId="{AA3A228F-61D0-D949-A5E7-F83756230BF8}"/>
+          </ac:spMkLst>
+        </pc:spChg>
+        <pc:spChg chg="mod">
+          <ac:chgData name="Long B Nguyen" userId="f59fb8f3-a021-417a-8bc1-65c8d471c621" providerId="ADAL" clId="{A54A5039-9BC6-1548-AC61-7314DB675A9D}" dt="2019-09-23T11:49:40.764" v="1759" actId="20577"/>
+          <ac:spMkLst>
+            <pc:docMk/>
+            <pc:sldMk cId="1513627164" sldId="312"/>
+            <ac:spMk id="9" creationId="{E3B2E017-30B2-884B-A113-B419A2ED51AD}"/>
+          </ac:spMkLst>
+        </pc:spChg>
+      </pc:sldChg>
+      <pc:sldChg chg="modSp add modAnim">
+        <pc:chgData name="Long B Nguyen" userId="f59fb8f3-a021-417a-8bc1-65c8d471c621" providerId="ADAL" clId="{A54A5039-9BC6-1548-AC61-7314DB675A9D}" dt="2019-09-23T11:58:57.499" v="1789"/>
+        <pc:sldMkLst>
+          <pc:docMk/>
+          <pc:sldMk cId="2097059918" sldId="313"/>
+        </pc:sldMkLst>
+        <pc:spChg chg="mod">
+          <ac:chgData name="Long B Nguyen" userId="f59fb8f3-a021-417a-8bc1-65c8d471c621" providerId="ADAL" clId="{A54A5039-9BC6-1548-AC61-7314DB675A9D}" dt="2019-09-23T11:58:47.576" v="1783" actId="20577"/>
+          <ac:spMkLst>
+            <pc:docMk/>
+            <pc:sldMk cId="2097059918" sldId="313"/>
+            <ac:spMk id="9" creationId="{E3B2E017-30B2-884B-A113-B419A2ED51AD}"/>
+          </ac:spMkLst>
+        </pc:spChg>
+      </pc:sldChg>
+      <pc:sldChg chg="modSp add del">
+        <pc:chgData name="Long B Nguyen" userId="f59fb8f3-a021-417a-8bc1-65c8d471c621" providerId="ADAL" clId="{A54A5039-9BC6-1548-AC61-7314DB675A9D}" dt="2019-09-24T11:43:27.284" v="2147" actId="2696"/>
+        <pc:sldMkLst>
+          <pc:docMk/>
+          <pc:sldMk cId="3916896519" sldId="314"/>
+        </pc:sldMkLst>
+        <pc:spChg chg="mod">
+          <ac:chgData name="Long B Nguyen" userId="f59fb8f3-a021-417a-8bc1-65c8d471c621" providerId="ADAL" clId="{A54A5039-9BC6-1548-AC61-7314DB675A9D}" dt="2019-09-24T11:40:07.514" v="2003"/>
+          <ac:spMkLst>
+            <pc:docMk/>
+            <pc:sldMk cId="3916896519" sldId="314"/>
+            <ac:spMk id="2" creationId="{AA3A228F-61D0-D949-A5E7-F83756230BF8}"/>
+          </ac:spMkLst>
+        </pc:spChg>
+        <pc:spChg chg="mod">
+          <ac:chgData name="Long B Nguyen" userId="f59fb8f3-a021-417a-8bc1-65c8d471c621" providerId="ADAL" clId="{A54A5039-9BC6-1548-AC61-7314DB675A9D}" dt="2019-09-24T11:41:32.486" v="2043"/>
+          <ac:spMkLst>
+            <pc:docMk/>
+            <pc:sldMk cId="3916896519" sldId="314"/>
+            <ac:spMk id="9" creationId="{E3B2E017-30B2-884B-A113-B419A2ED51AD}"/>
+          </ac:spMkLst>
+        </pc:spChg>
+      </pc:sldChg>
+      <pc:sldChg chg="modSp add del">
+        <pc:chgData name="Long B Nguyen" userId="f59fb8f3-a021-417a-8bc1-65c8d471c621" providerId="ADAL" clId="{A54A5039-9BC6-1548-AC61-7314DB675A9D}" dt="2019-09-24T14:05:24.942" v="2839" actId="2696"/>
+        <pc:sldMkLst>
+          <pc:docMk/>
+          <pc:sldMk cId="2798321153" sldId="315"/>
+        </pc:sldMkLst>
+        <pc:spChg chg="mod">
+          <ac:chgData name="Long B Nguyen" userId="f59fb8f3-a021-417a-8bc1-65c8d471c621" providerId="ADAL" clId="{A54A5039-9BC6-1548-AC61-7314DB675A9D}" dt="2019-09-24T11:47:07.801" v="2189" actId="20577"/>
+          <ac:spMkLst>
+            <pc:docMk/>
+            <pc:sldMk cId="2798321153" sldId="315"/>
+            <ac:spMk id="2" creationId="{AA3A228F-61D0-D949-A5E7-F83756230BF8}"/>
+          </ac:spMkLst>
+        </pc:spChg>
+        <pc:spChg chg="mod">
+          <ac:chgData name="Long B Nguyen" userId="f59fb8f3-a021-417a-8bc1-65c8d471c621" providerId="ADAL" clId="{A54A5039-9BC6-1548-AC61-7314DB675A9D}" dt="2019-09-24T11:53:13.884" v="2630" actId="20577"/>
+          <ac:spMkLst>
+            <pc:docMk/>
+            <pc:sldMk cId="2798321153" sldId="315"/>
+            <ac:spMk id="9" creationId="{E3B2E017-30B2-884B-A113-B419A2ED51AD}"/>
+          </ac:spMkLst>
+        </pc:spChg>
+      </pc:sldChg>
+      <pc:sldChg chg="add">
+        <pc:chgData name="Long B Nguyen" userId="f59fb8f3-a021-417a-8bc1-65c8d471c621" providerId="ADAL" clId="{A54A5039-9BC6-1548-AC61-7314DB675A9D}" dt="2019-09-24T11:47:01.081" v="2186"/>
+        <pc:sldMkLst>
+          <pc:docMk/>
+          <pc:sldMk cId="1452600724" sldId="316"/>
+        </pc:sldMkLst>
+      </pc:sldChg>
+      <pc:sldChg chg="modSp add">
+        <pc:chgData name="Long B Nguyen" userId="f59fb8f3-a021-417a-8bc1-65c8d471c621" providerId="ADAL" clId="{A54A5039-9BC6-1548-AC61-7314DB675A9D}" dt="2019-09-25T14:26:33.714" v="2899" actId="20577"/>
+        <pc:sldMkLst>
+          <pc:docMk/>
+          <pc:sldMk cId="1787114790" sldId="317"/>
+        </pc:sldMkLst>
+        <pc:spChg chg="mod">
+          <ac:chgData name="Long B Nguyen" userId="f59fb8f3-a021-417a-8bc1-65c8d471c621" providerId="ADAL" clId="{A54A5039-9BC6-1548-AC61-7314DB675A9D}" dt="2019-09-24T11:53:24.383" v="2634" actId="20577"/>
+          <ac:spMkLst>
+            <pc:docMk/>
+            <pc:sldMk cId="1787114790" sldId="317"/>
+            <ac:spMk id="2" creationId="{AA3A228F-61D0-D949-A5E7-F83756230BF8}"/>
+          </ac:spMkLst>
+        </pc:spChg>
+        <pc:spChg chg="mod">
+          <ac:chgData name="Long B Nguyen" userId="f59fb8f3-a021-417a-8bc1-65c8d471c621" providerId="ADAL" clId="{A54A5039-9BC6-1548-AC61-7314DB675A9D}" dt="2019-09-25T14:26:33.714" v="2899" actId="20577"/>
+          <ac:spMkLst>
+            <pc:docMk/>
+            <pc:sldMk cId="1787114790" sldId="317"/>
+            <ac:spMk id="9" creationId="{E3B2E017-30B2-884B-A113-B419A2ED51AD}"/>
+          </ac:spMkLst>
+        </pc:spChg>
+      </pc:sldChg>
+      <pc:sldChg chg="modSp add">
+        <pc:chgData name="Long B Nguyen" userId="f59fb8f3-a021-417a-8bc1-65c8d471c621" providerId="ADAL" clId="{A54A5039-9BC6-1548-AC61-7314DB675A9D}" dt="2019-09-24T13:44:10.963" v="2838" actId="20577"/>
+        <pc:sldMkLst>
+          <pc:docMk/>
+          <pc:sldMk cId="1215229427" sldId="318"/>
+        </pc:sldMkLst>
+        <pc:spChg chg="mod">
+          <ac:chgData name="Long B Nguyen" userId="f59fb8f3-a021-417a-8bc1-65c8d471c621" providerId="ADAL" clId="{A54A5039-9BC6-1548-AC61-7314DB675A9D}" dt="2019-09-24T13:44:10.963" v="2838" actId="20577"/>
+          <ac:spMkLst>
+            <pc:docMk/>
+            <pc:sldMk cId="1215229427" sldId="318"/>
+            <ac:spMk id="9" creationId="{E3B2E017-30B2-884B-A113-B419A2ED51AD}"/>
+          </ac:spMkLst>
+        </pc:spChg>
+      </pc:sldChg>
+    </pc:docChg>
+  </pc:docChgLst>
+  <pc:docChgLst>
+    <pc:chgData name="Long B Nguyen" userId="f59fb8f3-a021-417a-8bc1-65c8d471c621" providerId="ADAL" clId="{E3DA9E26-CE90-3A40-9745-4D67E6DCA3BF}"/>
+    <pc:docChg chg="custSel addSld delSld modSld">
+      <pc:chgData name="Long B Nguyen" userId="f59fb8f3-a021-417a-8bc1-65c8d471c621" providerId="ADAL" clId="{E3DA9E26-CE90-3A40-9745-4D67E6DCA3BF}" dt="2020-03-31T22:15:23.810" v="680" actId="20577"/>
+      <pc:docMkLst>
+        <pc:docMk/>
+      </pc:docMkLst>
+      <pc:sldChg chg="modSp">
+        <pc:chgData name="Long B Nguyen" userId="f59fb8f3-a021-417a-8bc1-65c8d471c621" providerId="ADAL" clId="{E3DA9E26-CE90-3A40-9745-4D67E6DCA3BF}" dt="2020-03-30T02:24:25.886" v="32" actId="20577"/>
+        <pc:sldMkLst>
+          <pc:docMk/>
+          <pc:sldMk cId="4247104139" sldId="256"/>
+        </pc:sldMkLst>
+        <pc:spChg chg="mod">
+          <ac:chgData name="Long B Nguyen" userId="f59fb8f3-a021-417a-8bc1-65c8d471c621" providerId="ADAL" clId="{E3DA9E26-CE90-3A40-9745-4D67E6DCA3BF}" dt="2020-03-30T02:24:25.886" v="32" actId="20577"/>
           <ac:spMkLst>
             <pc:docMk/>
             <pc:sldMk cId="4247104139" sldId="256"/>
             <ac:spMk id="2" creationId="{6117A749-B1BA-E24B-8FB0-0604EF651FB3}"/>
           </ac:spMkLst>
         </pc:spChg>
-        <pc:spChg chg="mod">
-          <ac:chgData name="Long B Nguyen" userId="f59fb8f3-a021-417a-8bc1-65c8d471c621" providerId="ADAL" clId="{6AC26564-89E3-E046-BFB4-F80582D7E17B}" dt="2020-01-13T13:44:20.464" v="85" actId="20577"/>
+      </pc:sldChg>
+      <pc:sldChg chg="del">
+        <pc:chgData name="Long B Nguyen" userId="f59fb8f3-a021-417a-8bc1-65c8d471c621" providerId="ADAL" clId="{E3DA9E26-CE90-3A40-9745-4D67E6DCA3BF}" dt="2020-03-30T02:24:14.534" v="16" actId="2696"/>
+        <pc:sldMkLst>
+          <pc:docMk/>
+          <pc:sldMk cId="2902676313" sldId="485"/>
+        </pc:sldMkLst>
+      </pc:sldChg>
+      <pc:sldChg chg="add">
+        <pc:chgData name="Long B Nguyen" userId="f59fb8f3-a021-417a-8bc1-65c8d471c621" providerId="ADAL" clId="{E3DA9E26-CE90-3A40-9745-4D67E6DCA3BF}" dt="2020-03-30T02:24:16.379" v="18"/>
+        <pc:sldMkLst>
+          <pc:docMk/>
+          <pc:sldMk cId="3533528898" sldId="485"/>
+        </pc:sldMkLst>
+      </pc:sldChg>
+      <pc:sldChg chg="modSp add modAnim">
+        <pc:chgData name="Long B Nguyen" userId="f59fb8f3-a021-417a-8bc1-65c8d471c621" providerId="ADAL" clId="{E3DA9E26-CE90-3A40-9745-4D67E6DCA3BF}" dt="2020-03-30T02:26:11.243" v="75" actId="20577"/>
+        <pc:sldMkLst>
+          <pc:docMk/>
+          <pc:sldMk cId="3162068906" sldId="527"/>
+        </pc:sldMkLst>
+        <pc:spChg chg="mod">
+          <ac:chgData name="Long B Nguyen" userId="f59fb8f3-a021-417a-8bc1-65c8d471c621" providerId="ADAL" clId="{E3DA9E26-CE90-3A40-9745-4D67E6DCA3BF}" dt="2020-03-30T02:24:38.289" v="34" actId="1076"/>
+          <ac:spMkLst>
+            <pc:docMk/>
+            <pc:sldMk cId="3162068906" sldId="527"/>
+            <ac:spMk id="16385" creationId="{20481C6E-9468-904F-B39A-1BBDC3FBBF72}"/>
+          </ac:spMkLst>
+        </pc:spChg>
+        <pc:spChg chg="mod">
+          <ac:chgData name="Long B Nguyen" userId="f59fb8f3-a021-417a-8bc1-65c8d471c621" providerId="ADAL" clId="{E3DA9E26-CE90-3A40-9745-4D67E6DCA3BF}" dt="2020-03-30T02:26:11.243" v="75" actId="20577"/>
+          <ac:spMkLst>
+            <pc:docMk/>
+            <pc:sldMk cId="3162068906" sldId="527"/>
+            <ac:spMk id="16386" creationId="{68E5F79A-ADEF-9749-ACDC-BD05BB57A172}"/>
+          </ac:spMkLst>
+        </pc:spChg>
+      </pc:sldChg>
+      <pc:sldChg chg="add">
+        <pc:chgData name="Long B Nguyen" userId="f59fb8f3-a021-417a-8bc1-65c8d471c621" providerId="ADAL" clId="{E3DA9E26-CE90-3A40-9745-4D67E6DCA3BF}" dt="2020-03-30T02:24:16.379" v="18"/>
+        <pc:sldMkLst>
+          <pc:docMk/>
+          <pc:sldMk cId="3102825031" sldId="528"/>
+        </pc:sldMkLst>
+      </pc:sldChg>
+      <pc:sldChg chg="modSp add modAnim">
+        <pc:chgData name="Long B Nguyen" userId="f59fb8f3-a021-417a-8bc1-65c8d471c621" providerId="ADAL" clId="{E3DA9E26-CE90-3A40-9745-4D67E6DCA3BF}" dt="2020-03-30T02:30:12.894" v="213" actId="20577"/>
+        <pc:sldMkLst>
+          <pc:docMk/>
+          <pc:sldMk cId="4057016805" sldId="529"/>
+        </pc:sldMkLst>
+        <pc:spChg chg="mod">
+          <ac:chgData name="Long B Nguyen" userId="f59fb8f3-a021-417a-8bc1-65c8d471c621" providerId="ADAL" clId="{E3DA9E26-CE90-3A40-9745-4D67E6DCA3BF}" dt="2020-03-30T02:30:12.894" v="213" actId="20577"/>
+          <ac:spMkLst>
+            <pc:docMk/>
+            <pc:sldMk cId="4057016805" sldId="529"/>
+            <ac:spMk id="16386" creationId="{C8D6CAF5-AF75-C349-8DAC-5E7C5ABB4ADD}"/>
+          </ac:spMkLst>
+        </pc:spChg>
+        <pc:spChg chg="mod">
+          <ac:chgData name="Long B Nguyen" userId="f59fb8f3-a021-417a-8bc1-65c8d471c621" providerId="ADAL" clId="{E3DA9E26-CE90-3A40-9745-4D67E6DCA3BF}" dt="2020-03-30T02:29:11.134" v="142" actId="1076"/>
+          <ac:spMkLst>
+            <pc:docMk/>
+            <pc:sldMk cId="4057016805" sldId="529"/>
+            <ac:spMk id="26625" creationId="{D98E8C97-22A5-5648-8897-6FD0C34ABA7B}"/>
+          </ac:spMkLst>
+        </pc:spChg>
+        <pc:picChg chg="mod">
+          <ac:chgData name="Long B Nguyen" userId="f59fb8f3-a021-417a-8bc1-65c8d471c621" providerId="ADAL" clId="{E3DA9E26-CE90-3A40-9745-4D67E6DCA3BF}" dt="2020-03-30T02:30:10.872" v="212" actId="1076"/>
+          <ac:picMkLst>
+            <pc:docMk/>
+            <pc:sldMk cId="4057016805" sldId="529"/>
+            <ac:picMk id="26627" creationId="{9ED681A2-8B02-8143-B1FC-F86FC2BD5336}"/>
+          </ac:picMkLst>
+        </pc:picChg>
+      </pc:sldChg>
+      <pc:sldChg chg="modSp add modAnim">
+        <pc:chgData name="Long B Nguyen" userId="f59fb8f3-a021-417a-8bc1-65c8d471c621" providerId="ADAL" clId="{E3DA9E26-CE90-3A40-9745-4D67E6DCA3BF}" dt="2020-03-30T02:26:55.226" v="88" actId="255"/>
+        <pc:sldMkLst>
+          <pc:docMk/>
+          <pc:sldMk cId="1925924244" sldId="556"/>
+        </pc:sldMkLst>
+        <pc:spChg chg="mod">
+          <ac:chgData name="Long B Nguyen" userId="f59fb8f3-a021-417a-8bc1-65c8d471c621" providerId="ADAL" clId="{E3DA9E26-CE90-3A40-9745-4D67E6DCA3BF}" dt="2020-03-30T02:26:55.226" v="88" actId="255"/>
+          <ac:spMkLst>
+            <pc:docMk/>
+            <pc:sldMk cId="1925924244" sldId="556"/>
+            <ac:spMk id="16386" creationId="{2A7E0F38-3D69-FA4C-A13E-BC74CAF926EB}"/>
+          </ac:spMkLst>
+        </pc:spChg>
+        <pc:spChg chg="mod">
+          <ac:chgData name="Long B Nguyen" userId="f59fb8f3-a021-417a-8bc1-65c8d471c621" providerId="ADAL" clId="{E3DA9E26-CE90-3A40-9745-4D67E6DCA3BF}" dt="2020-03-30T02:26:26.087" v="77" actId="1076"/>
+          <ac:spMkLst>
+            <pc:docMk/>
+            <pc:sldMk cId="1925924244" sldId="556"/>
+            <ac:spMk id="18433" creationId="{02AE339C-E512-214C-87AC-C7DED5975191}"/>
+          </ac:spMkLst>
+        </pc:spChg>
+        <pc:picChg chg="mod">
+          <ac:chgData name="Long B Nguyen" userId="f59fb8f3-a021-417a-8bc1-65c8d471c621" providerId="ADAL" clId="{E3DA9E26-CE90-3A40-9745-4D67E6DCA3BF}" dt="2020-03-30T02:26:48.286" v="87" actId="14100"/>
+          <ac:picMkLst>
+            <pc:docMk/>
+            <pc:sldMk cId="1925924244" sldId="556"/>
+            <ac:picMk id="3" creationId="{5F05013A-B779-4441-83CC-226A1BAC92E2}"/>
+          </ac:picMkLst>
+        </pc:picChg>
+      </pc:sldChg>
+      <pc:sldChg chg="add">
+        <pc:chgData name="Long B Nguyen" userId="f59fb8f3-a021-417a-8bc1-65c8d471c621" providerId="ADAL" clId="{E3DA9E26-CE90-3A40-9745-4D67E6DCA3BF}" dt="2020-03-30T02:24:16.379" v="18"/>
+        <pc:sldMkLst>
+          <pc:docMk/>
+          <pc:sldMk cId="1994733491" sldId="557"/>
+        </pc:sldMkLst>
+      </pc:sldChg>
+      <pc:sldChg chg="modSp add">
+        <pc:chgData name="Long B Nguyen" userId="f59fb8f3-a021-417a-8bc1-65c8d471c621" providerId="ADAL" clId="{E3DA9E26-CE90-3A40-9745-4D67E6DCA3BF}" dt="2020-03-30T02:30:43.362" v="220" actId="5793"/>
+        <pc:sldMkLst>
+          <pc:docMk/>
+          <pc:sldMk cId="748879865" sldId="559"/>
+        </pc:sldMkLst>
+        <pc:spChg chg="mod">
+          <ac:chgData name="Long B Nguyen" userId="f59fb8f3-a021-417a-8bc1-65c8d471c621" providerId="ADAL" clId="{E3DA9E26-CE90-3A40-9745-4D67E6DCA3BF}" dt="2020-03-30T02:30:43.362" v="220" actId="5793"/>
+          <ac:spMkLst>
+            <pc:docMk/>
+            <pc:sldMk cId="748879865" sldId="559"/>
+            <ac:spMk id="16386" creationId="{663BA5C3-BA40-5A4D-8A32-C7FE38AA5585}"/>
+          </ac:spMkLst>
+        </pc:spChg>
+        <pc:spChg chg="mod">
+          <ac:chgData name="Long B Nguyen" userId="f59fb8f3-a021-417a-8bc1-65c8d471c621" providerId="ADAL" clId="{E3DA9E26-CE90-3A40-9745-4D67E6DCA3BF}" dt="2020-03-30T02:30:31.126" v="216" actId="1076"/>
+          <ac:spMkLst>
+            <pc:docMk/>
+            <pc:sldMk cId="748879865" sldId="559"/>
+            <ac:spMk id="28673" creationId="{29C221BA-D3D7-5A49-A5D0-DC2CA4B3B469}"/>
+          </ac:spMkLst>
+        </pc:spChg>
+      </pc:sldChg>
+      <pc:sldChg chg="modSp add modAnim">
+        <pc:chgData name="Long B Nguyen" userId="f59fb8f3-a021-417a-8bc1-65c8d471c621" providerId="ADAL" clId="{E3DA9E26-CE90-3A40-9745-4D67E6DCA3BF}" dt="2020-03-30T02:32:51.237" v="236" actId="14100"/>
+        <pc:sldMkLst>
+          <pc:docMk/>
+          <pc:sldMk cId="3841479407" sldId="560"/>
+        </pc:sldMkLst>
+        <pc:spChg chg="mod">
+          <ac:chgData name="Long B Nguyen" userId="f59fb8f3-a021-417a-8bc1-65c8d471c621" providerId="ADAL" clId="{E3DA9E26-CE90-3A40-9745-4D67E6DCA3BF}" dt="2020-03-30T02:32:51.237" v="236" actId="14100"/>
+          <ac:spMkLst>
+            <pc:docMk/>
+            <pc:sldMk cId="3841479407" sldId="560"/>
+            <ac:spMk id="16386" creationId="{F4A55099-1D6D-794F-86C3-1AE8A802E8FF}"/>
+          </ac:spMkLst>
+        </pc:spChg>
+        <pc:spChg chg="mod">
+          <ac:chgData name="Long B Nguyen" userId="f59fb8f3-a021-417a-8bc1-65c8d471c621" providerId="ADAL" clId="{E3DA9E26-CE90-3A40-9745-4D67E6DCA3BF}" dt="2020-03-30T02:32:48.374" v="235" actId="1076"/>
+          <ac:spMkLst>
+            <pc:docMk/>
+            <pc:sldMk cId="3841479407" sldId="560"/>
+            <ac:spMk id="30721" creationId="{21730CA2-2673-194A-BEF2-68659ADB5D96}"/>
+          </ac:spMkLst>
+        </pc:spChg>
+      </pc:sldChg>
+      <pc:sldChg chg="modSp add modAnim">
+        <pc:chgData name="Long B Nguyen" userId="f59fb8f3-a021-417a-8bc1-65c8d471c621" providerId="ADAL" clId="{E3DA9E26-CE90-3A40-9745-4D67E6DCA3BF}" dt="2020-03-30T02:33:16.319" v="248" actId="20577"/>
+        <pc:sldMkLst>
+          <pc:docMk/>
+          <pc:sldMk cId="558292674" sldId="561"/>
+        </pc:sldMkLst>
+        <pc:spChg chg="mod">
+          <ac:chgData name="Long B Nguyen" userId="f59fb8f3-a021-417a-8bc1-65c8d471c621" providerId="ADAL" clId="{E3DA9E26-CE90-3A40-9745-4D67E6DCA3BF}" dt="2020-03-30T02:33:16.319" v="248" actId="20577"/>
+          <ac:spMkLst>
+            <pc:docMk/>
+            <pc:sldMk cId="558292674" sldId="561"/>
+            <ac:spMk id="16386" creationId="{3185AAF4-BE97-6F4A-B9F7-2CF7E78E26EA}"/>
+          </ac:spMkLst>
+        </pc:spChg>
+        <pc:spChg chg="mod">
+          <ac:chgData name="Long B Nguyen" userId="f59fb8f3-a021-417a-8bc1-65c8d471c621" providerId="ADAL" clId="{E3DA9E26-CE90-3A40-9745-4D67E6DCA3BF}" dt="2020-03-30T02:33:03.691" v="239" actId="1076"/>
+          <ac:spMkLst>
+            <pc:docMk/>
+            <pc:sldMk cId="558292674" sldId="561"/>
+            <ac:spMk id="32769" creationId="{1AAEA145-136D-F74A-BD41-5DFAA9C09F92}"/>
+          </ac:spMkLst>
+        </pc:spChg>
+      </pc:sldChg>
+      <pc:sldChg chg="modSp add modAnim">
+        <pc:chgData name="Long B Nguyen" userId="f59fb8f3-a021-417a-8bc1-65c8d471c621" providerId="ADAL" clId="{E3DA9E26-CE90-3A40-9745-4D67E6DCA3BF}" dt="2020-03-30T02:33:48.312" v="256" actId="5793"/>
+        <pc:sldMkLst>
+          <pc:docMk/>
+          <pc:sldMk cId="3239512120" sldId="562"/>
+        </pc:sldMkLst>
+        <pc:spChg chg="mod">
+          <ac:chgData name="Long B Nguyen" userId="f59fb8f3-a021-417a-8bc1-65c8d471c621" providerId="ADAL" clId="{E3DA9E26-CE90-3A40-9745-4D67E6DCA3BF}" dt="2020-03-30T02:33:48.312" v="256" actId="5793"/>
+          <ac:spMkLst>
+            <pc:docMk/>
+            <pc:sldMk cId="3239512120" sldId="562"/>
+            <ac:spMk id="16386" creationId="{BEECF8C6-48A2-4844-8DE5-A821793BF5B7}"/>
+          </ac:spMkLst>
+        </pc:spChg>
+        <pc:spChg chg="mod">
+          <ac:chgData name="Long B Nguyen" userId="f59fb8f3-a021-417a-8bc1-65c8d471c621" providerId="ADAL" clId="{E3DA9E26-CE90-3A40-9745-4D67E6DCA3BF}" dt="2020-03-30T02:33:37.931" v="250" actId="1076"/>
+          <ac:spMkLst>
+            <pc:docMk/>
+            <pc:sldMk cId="3239512120" sldId="562"/>
+            <ac:spMk id="34817" creationId="{A0866BCF-5E35-B741-A5DE-A0C27EB5D25F}"/>
+          </ac:spMkLst>
+        </pc:spChg>
+      </pc:sldChg>
+      <pc:sldChg chg="modSp add">
+        <pc:chgData name="Long B Nguyen" userId="f59fb8f3-a021-417a-8bc1-65c8d471c621" providerId="ADAL" clId="{E3DA9E26-CE90-3A40-9745-4D67E6DCA3BF}" dt="2020-03-30T02:36:37.565" v="348" actId="20577"/>
+        <pc:sldMkLst>
+          <pc:docMk/>
+          <pc:sldMk cId="62561003" sldId="564"/>
+        </pc:sldMkLst>
+        <pc:spChg chg="mod">
+          <ac:chgData name="Long B Nguyen" userId="f59fb8f3-a021-417a-8bc1-65c8d471c621" providerId="ADAL" clId="{E3DA9E26-CE90-3A40-9745-4D67E6DCA3BF}" dt="2020-03-30T02:36:09.987" v="332" actId="1076"/>
+          <ac:spMkLst>
+            <pc:docMk/>
+            <pc:sldMk cId="62561003" sldId="564"/>
+            <ac:spMk id="38913" creationId="{DAEFB4BB-DC31-B549-9EE1-1D17944461D0}"/>
+          </ac:spMkLst>
+        </pc:spChg>
+        <pc:spChg chg="mod">
+          <ac:chgData name="Long B Nguyen" userId="f59fb8f3-a021-417a-8bc1-65c8d471c621" providerId="ADAL" clId="{E3DA9E26-CE90-3A40-9745-4D67E6DCA3BF}" dt="2020-03-30T02:36:37.565" v="348" actId="20577"/>
+          <ac:spMkLst>
+            <pc:docMk/>
+            <pc:sldMk cId="62561003" sldId="564"/>
+            <ac:spMk id="38914" creationId="{C52A9286-7410-5345-BECD-ADFEC8E3A113}"/>
+          </ac:spMkLst>
+        </pc:spChg>
+        <pc:picChg chg="mod">
+          <ac:chgData name="Long B Nguyen" userId="f59fb8f3-a021-417a-8bc1-65c8d471c621" providerId="ADAL" clId="{E3DA9E26-CE90-3A40-9745-4D67E6DCA3BF}" dt="2020-03-30T02:36:26.918" v="342" actId="1076"/>
+          <ac:picMkLst>
+            <pc:docMk/>
+            <pc:sldMk cId="62561003" sldId="564"/>
+            <ac:picMk id="38915" creationId="{31163D27-FB0A-2947-8204-DB300563CD0E}"/>
+          </ac:picMkLst>
+        </pc:picChg>
+      </pc:sldChg>
+      <pc:sldChg chg="modSp add modAnim">
+        <pc:chgData name="Long B Nguyen" userId="f59fb8f3-a021-417a-8bc1-65c8d471c621" providerId="ADAL" clId="{E3DA9E26-CE90-3A40-9745-4D67E6DCA3BF}" dt="2020-03-30T02:35:35.607" v="328" actId="20577"/>
+        <pc:sldMkLst>
+          <pc:docMk/>
+          <pc:sldMk cId="1496186937" sldId="565"/>
+        </pc:sldMkLst>
+        <pc:spChg chg="mod">
+          <ac:chgData name="Long B Nguyen" userId="f59fb8f3-a021-417a-8bc1-65c8d471c621" providerId="ADAL" clId="{E3DA9E26-CE90-3A40-9745-4D67E6DCA3BF}" dt="2020-03-30T02:35:35.607" v="328" actId="20577"/>
+          <ac:spMkLst>
+            <pc:docMk/>
+            <pc:sldMk cId="1496186937" sldId="565"/>
+            <ac:spMk id="16386" creationId="{D5C314AE-7E3E-9049-8D14-D91FF0323DDF}"/>
+          </ac:spMkLst>
+        </pc:spChg>
+        <pc:spChg chg="mod">
+          <ac:chgData name="Long B Nguyen" userId="f59fb8f3-a021-417a-8bc1-65c8d471c621" providerId="ADAL" clId="{E3DA9E26-CE90-3A40-9745-4D67E6DCA3BF}" dt="2020-03-30T02:34:07.720" v="259" actId="1076"/>
+          <ac:spMkLst>
+            <pc:docMk/>
+            <pc:sldMk cId="1496186937" sldId="565"/>
+            <ac:spMk id="36865" creationId="{F994A541-5449-9B46-AF88-7579EF6134B0}"/>
+          </ac:spMkLst>
+        </pc:spChg>
+        <pc:picChg chg="mod">
+          <ac:chgData name="Long B Nguyen" userId="f59fb8f3-a021-417a-8bc1-65c8d471c621" providerId="ADAL" clId="{E3DA9E26-CE90-3A40-9745-4D67E6DCA3BF}" dt="2020-03-30T02:34:22.591" v="262" actId="1076"/>
+          <ac:picMkLst>
+            <pc:docMk/>
+            <pc:sldMk cId="1496186937" sldId="565"/>
+            <ac:picMk id="2" creationId="{98A1C59E-79D9-AF4A-920B-640EF307C3F1}"/>
+          </ac:picMkLst>
+        </pc:picChg>
+      </pc:sldChg>
+      <pc:sldChg chg="modSp add">
+        <pc:chgData name="Long B Nguyen" userId="f59fb8f3-a021-417a-8bc1-65c8d471c621" providerId="ADAL" clId="{E3DA9E26-CE90-3A40-9745-4D67E6DCA3BF}" dt="2020-03-30T02:37:08.542" v="359" actId="20577"/>
+        <pc:sldMkLst>
+          <pc:docMk/>
+          <pc:sldMk cId="1123629102" sldId="566"/>
+        </pc:sldMkLst>
+        <pc:spChg chg="mod">
+          <ac:chgData name="Long B Nguyen" userId="f59fb8f3-a021-417a-8bc1-65c8d471c621" providerId="ADAL" clId="{E3DA9E26-CE90-3A40-9745-4D67E6DCA3BF}" dt="2020-03-30T02:37:08.542" v="359" actId="20577"/>
+          <ac:spMkLst>
+            <pc:docMk/>
+            <pc:sldMk cId="1123629102" sldId="566"/>
+            <ac:spMk id="16386" creationId="{2DF216D7-8A85-6A4B-A2B3-8EE0E2D71E0D}"/>
+          </ac:spMkLst>
+        </pc:spChg>
+        <pc:spChg chg="mod">
+          <ac:chgData name="Long B Nguyen" userId="f59fb8f3-a021-417a-8bc1-65c8d471c621" providerId="ADAL" clId="{E3DA9E26-CE90-3A40-9745-4D67E6DCA3BF}" dt="2020-03-30T02:37:00.974" v="353" actId="1076"/>
+          <ac:spMkLst>
+            <pc:docMk/>
+            <pc:sldMk cId="1123629102" sldId="566"/>
+            <ac:spMk id="40961" creationId="{1FEDAAFA-F0E6-1146-9EA2-D4901F6BA1B3}"/>
+          </ac:spMkLst>
+        </pc:spChg>
+        <pc:picChg chg="mod">
+          <ac:chgData name="Long B Nguyen" userId="f59fb8f3-a021-417a-8bc1-65c8d471c621" providerId="ADAL" clId="{E3DA9E26-CE90-3A40-9745-4D67E6DCA3BF}" dt="2020-03-30T02:37:05.669" v="355" actId="1076"/>
+          <ac:picMkLst>
+            <pc:docMk/>
+            <pc:sldMk cId="1123629102" sldId="566"/>
+            <ac:picMk id="40963" creationId="{CBF3E8A9-6DD5-1B44-9FB5-7DB205C3F480}"/>
+          </ac:picMkLst>
+        </pc:picChg>
+      </pc:sldChg>
+      <pc:sldChg chg="modSp add">
+        <pc:chgData name="Long B Nguyen" userId="f59fb8f3-a021-417a-8bc1-65c8d471c621" providerId="ADAL" clId="{E3DA9E26-CE90-3A40-9745-4D67E6DCA3BF}" dt="2020-03-30T02:37:55.628" v="370" actId="20577"/>
+        <pc:sldMkLst>
+          <pc:docMk/>
+          <pc:sldMk cId="3949497385" sldId="567"/>
+        </pc:sldMkLst>
+        <pc:spChg chg="mod">
+          <ac:chgData name="Long B Nguyen" userId="f59fb8f3-a021-417a-8bc1-65c8d471c621" providerId="ADAL" clId="{E3DA9E26-CE90-3A40-9745-4D67E6DCA3BF}" dt="2020-03-30T02:37:55.628" v="370" actId="20577"/>
+          <ac:spMkLst>
+            <pc:docMk/>
+            <pc:sldMk cId="3949497385" sldId="567"/>
+            <ac:spMk id="16386" creationId="{ABB9BDC1-08D7-8143-B399-6CBC458EF0C2}"/>
+          </ac:spMkLst>
+        </pc:spChg>
+        <pc:spChg chg="mod">
+          <ac:chgData name="Long B Nguyen" userId="f59fb8f3-a021-417a-8bc1-65c8d471c621" providerId="ADAL" clId="{E3DA9E26-CE90-3A40-9745-4D67E6DCA3BF}" dt="2020-03-30T02:37:43.097" v="362" actId="1076"/>
+          <ac:spMkLst>
+            <pc:docMk/>
+            <pc:sldMk cId="3949497385" sldId="567"/>
+            <ac:spMk id="43009" creationId="{D73127DF-5485-7648-9DD8-F565B7C20333}"/>
+          </ac:spMkLst>
+        </pc:spChg>
+        <pc:picChg chg="mod">
+          <ac:chgData name="Long B Nguyen" userId="f59fb8f3-a021-417a-8bc1-65c8d471c621" providerId="ADAL" clId="{E3DA9E26-CE90-3A40-9745-4D67E6DCA3BF}" dt="2020-03-30T02:37:49.960" v="364" actId="1076"/>
+          <ac:picMkLst>
+            <pc:docMk/>
+            <pc:sldMk cId="3949497385" sldId="567"/>
+            <ac:picMk id="43011" creationId="{3F30234C-2778-F247-82DB-EBC943CDA205}"/>
+          </ac:picMkLst>
+        </pc:picChg>
+      </pc:sldChg>
+      <pc:sldChg chg="modSp add modAnim">
+        <pc:chgData name="Long B Nguyen" userId="f59fb8f3-a021-417a-8bc1-65c8d471c621" providerId="ADAL" clId="{E3DA9E26-CE90-3A40-9745-4D67E6DCA3BF}" dt="2020-03-30T02:39:19.976" v="384" actId="20577"/>
+        <pc:sldMkLst>
+          <pc:docMk/>
+          <pc:sldMk cId="2869642700" sldId="568"/>
+        </pc:sldMkLst>
+        <pc:spChg chg="mod">
+          <ac:chgData name="Long B Nguyen" userId="f59fb8f3-a021-417a-8bc1-65c8d471c621" providerId="ADAL" clId="{E3DA9E26-CE90-3A40-9745-4D67E6DCA3BF}" dt="2020-03-30T02:39:19.976" v="384" actId="20577"/>
+          <ac:spMkLst>
+            <pc:docMk/>
+            <pc:sldMk cId="2869642700" sldId="568"/>
+            <ac:spMk id="16386" creationId="{64803469-0351-BA45-ABE6-B6F61CAA9AC7}"/>
+          </ac:spMkLst>
+        </pc:spChg>
+        <pc:spChg chg="mod">
+          <ac:chgData name="Long B Nguyen" userId="f59fb8f3-a021-417a-8bc1-65c8d471c621" providerId="ADAL" clId="{E3DA9E26-CE90-3A40-9745-4D67E6DCA3BF}" dt="2020-03-30T02:38:33.138" v="374" actId="1076"/>
+          <ac:spMkLst>
+            <pc:docMk/>
+            <pc:sldMk cId="2869642700" sldId="568"/>
+            <ac:spMk id="45057" creationId="{19D0F0DD-820D-1247-A6AE-CE798E9BA930}"/>
+          </ac:spMkLst>
+        </pc:spChg>
+      </pc:sldChg>
+      <pc:sldChg chg="modSp add modAnim">
+        <pc:chgData name="Long B Nguyen" userId="f59fb8f3-a021-417a-8bc1-65c8d471c621" providerId="ADAL" clId="{E3DA9E26-CE90-3A40-9745-4D67E6DCA3BF}" dt="2020-03-30T02:41:24.551" v="412" actId="20577"/>
+        <pc:sldMkLst>
+          <pc:docMk/>
+          <pc:sldMk cId="3333082340" sldId="569"/>
+        </pc:sldMkLst>
+        <pc:spChg chg="mod">
+          <ac:chgData name="Long B Nguyen" userId="f59fb8f3-a021-417a-8bc1-65c8d471c621" providerId="ADAL" clId="{E3DA9E26-CE90-3A40-9745-4D67E6DCA3BF}" dt="2020-03-30T02:41:24.551" v="412" actId="20577"/>
+          <ac:spMkLst>
+            <pc:docMk/>
+            <pc:sldMk cId="3333082340" sldId="569"/>
+            <ac:spMk id="16386" creationId="{971DAD30-53B6-3446-A665-81B33697B4B9}"/>
+          </ac:spMkLst>
+        </pc:spChg>
+        <pc:spChg chg="mod">
+          <ac:chgData name="Long B Nguyen" userId="f59fb8f3-a021-417a-8bc1-65c8d471c621" providerId="ADAL" clId="{E3DA9E26-CE90-3A40-9745-4D67E6DCA3BF}" dt="2020-03-30T02:40:08.125" v="388" actId="1076"/>
+          <ac:spMkLst>
+            <pc:docMk/>
+            <pc:sldMk cId="3333082340" sldId="569"/>
+            <ac:spMk id="47105" creationId="{741C59B0-DD4C-2549-9269-EB2C2DF6E577}"/>
+          </ac:spMkLst>
+        </pc:spChg>
+      </pc:sldChg>
+      <pc:sldChg chg="modSp add">
+        <pc:chgData name="Long B Nguyen" userId="f59fb8f3-a021-417a-8bc1-65c8d471c621" providerId="ADAL" clId="{E3DA9E26-CE90-3A40-9745-4D67E6DCA3BF}" dt="2020-03-30T02:27:22.857" v="94" actId="5793"/>
+        <pc:sldMkLst>
+          <pc:docMk/>
+          <pc:sldMk cId="2526255488" sldId="570"/>
+        </pc:sldMkLst>
+        <pc:spChg chg="mod">
+          <ac:chgData name="Long B Nguyen" userId="f59fb8f3-a021-417a-8bc1-65c8d471c621" providerId="ADAL" clId="{E3DA9E26-CE90-3A40-9745-4D67E6DCA3BF}" dt="2020-03-30T02:27:10.180" v="89" actId="1076"/>
+          <ac:spMkLst>
+            <pc:docMk/>
+            <pc:sldMk cId="2526255488" sldId="570"/>
+            <ac:spMk id="20481" creationId="{5A3AE34F-9938-AB4E-97EB-92987E0698C0}"/>
+          </ac:spMkLst>
+        </pc:spChg>
+        <pc:spChg chg="mod">
+          <ac:chgData name="Long B Nguyen" userId="f59fb8f3-a021-417a-8bc1-65c8d471c621" providerId="ADAL" clId="{E3DA9E26-CE90-3A40-9745-4D67E6DCA3BF}" dt="2020-03-30T02:27:22.857" v="94" actId="5793"/>
+          <ac:spMkLst>
+            <pc:docMk/>
+            <pc:sldMk cId="2526255488" sldId="570"/>
+            <ac:spMk id="20482" creationId="{5E8218B3-465D-6F42-A92F-9D686809D45C}"/>
+          </ac:spMkLst>
+        </pc:spChg>
+      </pc:sldChg>
+      <pc:sldChg chg="modSp add">
+        <pc:chgData name="Long B Nguyen" userId="f59fb8f3-a021-417a-8bc1-65c8d471c621" providerId="ADAL" clId="{E3DA9E26-CE90-3A40-9745-4D67E6DCA3BF}" dt="2020-03-30T02:42:54.505" v="430" actId="207"/>
+        <pc:sldMkLst>
+          <pc:docMk/>
+          <pc:sldMk cId="2952073042" sldId="571"/>
+        </pc:sldMkLst>
+        <pc:spChg chg="mod">
+          <ac:chgData name="Long B Nguyen" userId="f59fb8f3-a021-417a-8bc1-65c8d471c621" providerId="ADAL" clId="{E3DA9E26-CE90-3A40-9745-4D67E6DCA3BF}" dt="2020-03-30T02:42:54.505" v="430" actId="207"/>
+          <ac:spMkLst>
+            <pc:docMk/>
+            <pc:sldMk cId="2952073042" sldId="571"/>
+            <ac:spMk id="16386" creationId="{329B2B06-1922-5C41-84A6-22DCD0FD3F20}"/>
+          </ac:spMkLst>
+        </pc:spChg>
+        <pc:spChg chg="mod">
+          <ac:chgData name="Long B Nguyen" userId="f59fb8f3-a021-417a-8bc1-65c8d471c621" providerId="ADAL" clId="{E3DA9E26-CE90-3A40-9745-4D67E6DCA3BF}" dt="2020-03-30T02:42:02.067" v="416" actId="1076"/>
+          <ac:spMkLst>
+            <pc:docMk/>
+            <pc:sldMk cId="2952073042" sldId="571"/>
+            <ac:spMk id="49153" creationId="{F54483B9-1658-FE4F-8E2E-F3A29FFD393E}"/>
+          </ac:spMkLst>
+        </pc:spChg>
+        <pc:spChg chg="mod">
+          <ac:chgData name="Long B Nguyen" userId="f59fb8f3-a021-417a-8bc1-65c8d471c621" providerId="ADAL" clId="{E3DA9E26-CE90-3A40-9745-4D67E6DCA3BF}" dt="2020-03-30T02:42:16.874" v="423" actId="14100"/>
+          <ac:spMkLst>
+            <pc:docMk/>
+            <pc:sldMk cId="2952073042" sldId="571"/>
+            <ac:spMk id="49165" creationId="{CCF6A84E-52CA-FA40-BE94-3E4D8C7E82C5}"/>
+          </ac:spMkLst>
+        </pc:spChg>
+      </pc:sldChg>
+      <pc:sldChg chg="modSp add modAnim">
+        <pc:chgData name="Long B Nguyen" userId="f59fb8f3-a021-417a-8bc1-65c8d471c621" providerId="ADAL" clId="{E3DA9E26-CE90-3A40-9745-4D67E6DCA3BF}" dt="2020-03-31T22:15:23.810" v="680" actId="20577"/>
+        <pc:sldMkLst>
+          <pc:docMk/>
+          <pc:sldMk cId="270817839" sldId="572"/>
+        </pc:sldMkLst>
+        <pc:spChg chg="mod">
+          <ac:chgData name="Long B Nguyen" userId="f59fb8f3-a021-417a-8bc1-65c8d471c621" providerId="ADAL" clId="{E3DA9E26-CE90-3A40-9745-4D67E6DCA3BF}" dt="2020-03-31T22:15:23.810" v="680" actId="20577"/>
+          <ac:spMkLst>
+            <pc:docMk/>
+            <pc:sldMk cId="270817839" sldId="572"/>
+            <ac:spMk id="16386" creationId="{D2C45497-8912-0F44-8527-E1D3516D268F}"/>
+          </ac:spMkLst>
+        </pc:spChg>
+        <pc:spChg chg="mod">
+          <ac:chgData name="Long B Nguyen" userId="f59fb8f3-a021-417a-8bc1-65c8d471c621" providerId="ADAL" clId="{E3DA9E26-CE90-3A40-9745-4D67E6DCA3BF}" dt="2020-03-30T02:43:10.028" v="434" actId="1076"/>
+          <ac:spMkLst>
+            <pc:docMk/>
+            <pc:sldMk cId="270817839" sldId="572"/>
+            <ac:spMk id="51201" creationId="{34CF5F37-80CE-C64F-905D-26669F2C2011}"/>
+          </ac:spMkLst>
+        </pc:spChg>
+        <pc:spChg chg="mod">
+          <ac:chgData name="Long B Nguyen" userId="f59fb8f3-a021-417a-8bc1-65c8d471c621" providerId="ADAL" clId="{E3DA9E26-CE90-3A40-9745-4D67E6DCA3BF}" dt="2020-03-30T02:43:19.171" v="436" actId="14100"/>
+          <ac:spMkLst>
+            <pc:docMk/>
+            <pc:sldMk cId="270817839" sldId="572"/>
+            <ac:spMk id="51213" creationId="{B43FFE58-E029-D14C-8250-0E69A0B99C42}"/>
+          </ac:spMkLst>
+        </pc:spChg>
+      </pc:sldChg>
+      <pc:sldChg chg="modSp add modAnim">
+        <pc:chgData name="Long B Nguyen" userId="f59fb8f3-a021-417a-8bc1-65c8d471c621" providerId="ADAL" clId="{E3DA9E26-CE90-3A40-9745-4D67E6DCA3BF}" dt="2020-03-30T02:44:56.097" v="449" actId="20577"/>
+        <pc:sldMkLst>
+          <pc:docMk/>
+          <pc:sldMk cId="4110945301" sldId="574"/>
+        </pc:sldMkLst>
+        <pc:spChg chg="mod">
+          <ac:chgData name="Long B Nguyen" userId="f59fb8f3-a021-417a-8bc1-65c8d471c621" providerId="ADAL" clId="{E3DA9E26-CE90-3A40-9745-4D67E6DCA3BF}" dt="2020-03-30T02:44:56.097" v="449" actId="20577"/>
+          <ac:spMkLst>
+            <pc:docMk/>
+            <pc:sldMk cId="4110945301" sldId="574"/>
+            <ac:spMk id="16386" creationId="{A771A9EC-0DB4-C846-A010-6B39E76CB14D}"/>
+          </ac:spMkLst>
+        </pc:spChg>
+        <pc:spChg chg="mod">
+          <ac:chgData name="Long B Nguyen" userId="f59fb8f3-a021-417a-8bc1-65c8d471c621" providerId="ADAL" clId="{E3DA9E26-CE90-3A40-9745-4D67E6DCA3BF}" dt="2020-03-30T02:44:04.073" v="446" actId="1076"/>
+          <ac:spMkLst>
+            <pc:docMk/>
+            <pc:sldMk cId="4110945301" sldId="574"/>
+            <ac:spMk id="53249" creationId="{156C50AE-1816-7544-8B1D-90768E8FE77C}"/>
+          </ac:spMkLst>
+        </pc:spChg>
+      </pc:sldChg>
+      <pc:sldChg chg="modSp add">
+        <pc:chgData name="Long B Nguyen" userId="f59fb8f3-a021-417a-8bc1-65c8d471c621" providerId="ADAL" clId="{E3DA9E26-CE90-3A40-9745-4D67E6DCA3BF}" dt="2020-03-30T02:45:29.891" v="457" actId="5793"/>
+        <pc:sldMkLst>
+          <pc:docMk/>
+          <pc:sldMk cId="1553353509" sldId="575"/>
+        </pc:sldMkLst>
+        <pc:spChg chg="mod">
+          <ac:chgData name="Long B Nguyen" userId="f59fb8f3-a021-417a-8bc1-65c8d471c621" providerId="ADAL" clId="{E3DA9E26-CE90-3A40-9745-4D67E6DCA3BF}" dt="2020-03-30T02:45:29.891" v="457" actId="5793"/>
+          <ac:spMkLst>
+            <pc:docMk/>
+            <pc:sldMk cId="1553353509" sldId="575"/>
+            <ac:spMk id="16386" creationId="{C563149A-FB03-7F41-801D-086D70B22CED}"/>
+          </ac:spMkLst>
+        </pc:spChg>
+        <pc:spChg chg="mod">
+          <ac:chgData name="Long B Nguyen" userId="f59fb8f3-a021-417a-8bc1-65c8d471c621" providerId="ADAL" clId="{E3DA9E26-CE90-3A40-9745-4D67E6DCA3BF}" dt="2020-03-30T02:45:22.067" v="453" actId="1076"/>
+          <ac:spMkLst>
+            <pc:docMk/>
+            <pc:sldMk cId="1553353509" sldId="575"/>
+            <ac:spMk id="55297" creationId="{1AF853D6-D0AB-854B-B143-5FDFC529A2E5}"/>
+          </ac:spMkLst>
+        </pc:spChg>
+      </pc:sldChg>
+      <pc:sldChg chg="addSp delSp modSp add">
+        <pc:chgData name="Long B Nguyen" userId="f59fb8f3-a021-417a-8bc1-65c8d471c621" providerId="ADAL" clId="{E3DA9E26-CE90-3A40-9745-4D67E6DCA3BF}" dt="2020-03-30T02:49:46.797" v="479"/>
+        <pc:sldMkLst>
+          <pc:docMk/>
+          <pc:sldMk cId="2954573052" sldId="576"/>
+        </pc:sldMkLst>
+        <pc:spChg chg="add del mod">
+          <ac:chgData name="Long B Nguyen" userId="f59fb8f3-a021-417a-8bc1-65c8d471c621" providerId="ADAL" clId="{E3DA9E26-CE90-3A40-9745-4D67E6DCA3BF}" dt="2020-03-30T02:49:46.797" v="479"/>
+          <ac:spMkLst>
+            <pc:docMk/>
+            <pc:sldMk cId="2954573052" sldId="576"/>
+            <ac:spMk id="2" creationId="{D4D0B958-B73E-474A-8E9F-19903F8193B5}"/>
+          </ac:spMkLst>
+        </pc:spChg>
+        <pc:spChg chg="mod">
+          <ac:chgData name="Long B Nguyen" userId="f59fb8f3-a021-417a-8bc1-65c8d471c621" providerId="ADAL" clId="{E3DA9E26-CE90-3A40-9745-4D67E6DCA3BF}" dt="2020-03-30T02:49:34.607" v="475" actId="20577"/>
+          <ac:spMkLst>
+            <pc:docMk/>
+            <pc:sldMk cId="2954573052" sldId="576"/>
+            <ac:spMk id="16386" creationId="{69AB210F-7E66-6D48-B863-12C1BF9C1807}"/>
+          </ac:spMkLst>
+        </pc:spChg>
+      </pc:sldChg>
+      <pc:sldChg chg="modSp add">
+        <pc:chgData name="Long B Nguyen" userId="f59fb8f3-a021-417a-8bc1-65c8d471c621" providerId="ADAL" clId="{E3DA9E26-CE90-3A40-9745-4D67E6DCA3BF}" dt="2020-03-30T02:49:55.663" v="484" actId="5793"/>
+        <pc:sldMkLst>
+          <pc:docMk/>
+          <pc:sldMk cId="1547101256" sldId="577"/>
+        </pc:sldMkLst>
+        <pc:spChg chg="mod">
+          <ac:chgData name="Long B Nguyen" userId="f59fb8f3-a021-417a-8bc1-65c8d471c621" providerId="ADAL" clId="{E3DA9E26-CE90-3A40-9745-4D67E6DCA3BF}" dt="2020-03-30T02:49:55.663" v="484" actId="5793"/>
+          <ac:spMkLst>
+            <pc:docMk/>
+            <pc:sldMk cId="1547101256" sldId="577"/>
+            <ac:spMk id="16386" creationId="{CC939BED-4BEB-8545-AC03-0CDF0017FCC9}"/>
+          </ac:spMkLst>
+        </pc:spChg>
+      </pc:sldChg>
+      <pc:sldChg chg="delSp modSp add modAnim">
+        <pc:chgData name="Long B Nguyen" userId="f59fb8f3-a021-417a-8bc1-65c8d471c621" providerId="ADAL" clId="{E3DA9E26-CE90-3A40-9745-4D67E6DCA3BF}" dt="2020-03-30T02:53:08.569" v="632" actId="14100"/>
+        <pc:sldMkLst>
+          <pc:docMk/>
+          <pc:sldMk cId="891751900" sldId="579"/>
+        </pc:sldMkLst>
+        <pc:spChg chg="mod">
+          <ac:chgData name="Long B Nguyen" userId="f59fb8f3-a021-417a-8bc1-65c8d471c621" providerId="ADAL" clId="{E3DA9E26-CE90-3A40-9745-4D67E6DCA3BF}" dt="2020-03-30T02:53:08.569" v="632" actId="14100"/>
+          <ac:spMkLst>
+            <pc:docMk/>
+            <pc:sldMk cId="891751900" sldId="579"/>
+            <ac:spMk id="16386" creationId="{6B9A5847-1AA8-4A43-AE7E-BF49B20DE6A5}"/>
+          </ac:spMkLst>
+        </pc:spChg>
+        <pc:spChg chg="del">
+          <ac:chgData name="Long B Nguyen" userId="f59fb8f3-a021-417a-8bc1-65c8d471c621" providerId="ADAL" clId="{E3DA9E26-CE90-3A40-9745-4D67E6DCA3BF}" dt="2020-03-30T02:50:44.212" v="491" actId="478"/>
+          <ac:spMkLst>
+            <pc:docMk/>
+            <pc:sldMk cId="891751900" sldId="579"/>
+            <ac:spMk id="61441" creationId="{2E63A166-F43D-9C4C-A68A-7D4558E4615D}"/>
+          </ac:spMkLst>
+        </pc:spChg>
+      </pc:sldChg>
+      <pc:sldChg chg="modSp add modAnim">
+        <pc:chgData name="Long B Nguyen" userId="f59fb8f3-a021-417a-8bc1-65c8d471c621" providerId="ADAL" clId="{E3DA9E26-CE90-3A40-9745-4D67E6DCA3BF}" dt="2020-03-30T02:58:26.541" v="656" actId="20577"/>
+        <pc:sldMkLst>
+          <pc:docMk/>
+          <pc:sldMk cId="2483610180" sldId="580"/>
+        </pc:sldMkLst>
+        <pc:spChg chg="mod">
+          <ac:chgData name="Long B Nguyen" userId="f59fb8f3-a021-417a-8bc1-65c8d471c621" providerId="ADAL" clId="{E3DA9E26-CE90-3A40-9745-4D67E6DCA3BF}" dt="2020-03-30T02:58:26.541" v="656" actId="20577"/>
+          <ac:spMkLst>
+            <pc:docMk/>
+            <pc:sldMk cId="2483610180" sldId="580"/>
+            <ac:spMk id="16386" creationId="{13E0CFFE-50A4-1C4C-9001-CF21878F6693}"/>
+          </ac:spMkLst>
+        </pc:spChg>
+        <pc:spChg chg="mod">
+          <ac:chgData name="Long B Nguyen" userId="f59fb8f3-a021-417a-8bc1-65c8d471c621" providerId="ADAL" clId="{E3DA9E26-CE90-3A40-9745-4D67E6DCA3BF}" dt="2020-03-30T02:53:25.214" v="636" actId="1076"/>
+          <ac:spMkLst>
+            <pc:docMk/>
+            <pc:sldMk cId="2483610180" sldId="580"/>
+            <ac:spMk id="63489" creationId="{0E7B4791-3A32-1042-A62C-C7EDD1EA9627}"/>
+          </ac:spMkLst>
+        </pc:spChg>
+      </pc:sldChg>
+      <pc:sldChg chg="modSp add">
+        <pc:chgData name="Long B Nguyen" userId="f59fb8f3-a021-417a-8bc1-65c8d471c621" providerId="ADAL" clId="{E3DA9E26-CE90-3A40-9745-4D67E6DCA3BF}" dt="2020-03-30T02:58:07.071" v="646" actId="5793"/>
+        <pc:sldMkLst>
+          <pc:docMk/>
+          <pc:sldMk cId="830544632" sldId="581"/>
+        </pc:sldMkLst>
+        <pc:spChg chg="mod">
+          <ac:chgData name="Long B Nguyen" userId="f59fb8f3-a021-417a-8bc1-65c8d471c621" providerId="ADAL" clId="{E3DA9E26-CE90-3A40-9745-4D67E6DCA3BF}" dt="2020-03-30T02:58:07.071" v="646" actId="5793"/>
+          <ac:spMkLst>
+            <pc:docMk/>
+            <pc:sldMk cId="830544632" sldId="581"/>
+            <ac:spMk id="16386" creationId="{DCDEDE68-7370-A049-B607-4EE7C1C097CC}"/>
+          </ac:spMkLst>
+        </pc:spChg>
+        <pc:spChg chg="mod">
+          <ac:chgData name="Long B Nguyen" userId="f59fb8f3-a021-417a-8bc1-65c8d471c621" providerId="ADAL" clId="{E3DA9E26-CE90-3A40-9745-4D67E6DCA3BF}" dt="2020-03-30T02:57:53.663" v="641" actId="1076"/>
+          <ac:spMkLst>
+            <pc:docMk/>
+            <pc:sldMk cId="830544632" sldId="581"/>
+            <ac:spMk id="65537" creationId="{07CB10DC-D333-F84F-AEFA-826E23CDD585}"/>
+          </ac:spMkLst>
+        </pc:spChg>
+        <pc:picChg chg="mod">
+          <ac:chgData name="Long B Nguyen" userId="f59fb8f3-a021-417a-8bc1-65c8d471c621" providerId="ADAL" clId="{E3DA9E26-CE90-3A40-9745-4D67E6DCA3BF}" dt="2020-03-30T02:58:04.700" v="645" actId="1076"/>
+          <ac:picMkLst>
+            <pc:docMk/>
+            <pc:sldMk cId="830544632" sldId="581"/>
+            <ac:picMk id="65539" creationId="{E53CD132-E85D-D245-AAD8-83FB82CE3B68}"/>
+          </ac:picMkLst>
+        </pc:picChg>
+      </pc:sldChg>
+      <pc:sldChg chg="modSp add modAnim">
+        <pc:chgData name="Long B Nguyen" userId="f59fb8f3-a021-417a-8bc1-65c8d471c621" providerId="ADAL" clId="{E3DA9E26-CE90-3A40-9745-4D67E6DCA3BF}" dt="2020-03-30T02:59:41.902" v="678" actId="20577"/>
+        <pc:sldMkLst>
+          <pc:docMk/>
+          <pc:sldMk cId="1603111093" sldId="582"/>
+        </pc:sldMkLst>
+        <pc:spChg chg="mod">
+          <ac:chgData name="Long B Nguyen" userId="f59fb8f3-a021-417a-8bc1-65c8d471c621" providerId="ADAL" clId="{E3DA9E26-CE90-3A40-9745-4D67E6DCA3BF}" dt="2020-03-30T02:59:41.902" v="678" actId="20577"/>
+          <ac:spMkLst>
+            <pc:docMk/>
+            <pc:sldMk cId="1603111093" sldId="582"/>
+            <ac:spMk id="16386" creationId="{114BB159-C41E-A046-9481-C57D33802B19}"/>
+          </ac:spMkLst>
+        </pc:spChg>
+        <pc:spChg chg="mod">
+          <ac:chgData name="Long B Nguyen" userId="f59fb8f3-a021-417a-8bc1-65c8d471c621" providerId="ADAL" clId="{E3DA9E26-CE90-3A40-9745-4D67E6DCA3BF}" dt="2020-03-30T02:59:23.703" v="660" actId="1076"/>
+          <ac:spMkLst>
+            <pc:docMk/>
+            <pc:sldMk cId="1603111093" sldId="582"/>
+            <ac:spMk id="67585" creationId="{300BB9E0-C0BE-124F-82D0-0DD61E546BD9}"/>
+          </ac:spMkLst>
+        </pc:spChg>
+      </pc:sldChg>
+      <pc:sldChg chg="add">
+        <pc:chgData name="Long B Nguyen" userId="f59fb8f3-a021-417a-8bc1-65c8d471c621" providerId="ADAL" clId="{E3DA9E26-CE90-3A40-9745-4D67E6DCA3BF}" dt="2020-03-30T02:24:16.379" v="18"/>
+        <pc:sldMkLst>
+          <pc:docMk/>
+          <pc:sldMk cId="788052383" sldId="583"/>
+        </pc:sldMkLst>
+      </pc:sldChg>
+      <pc:sldChg chg="del">
+        <pc:chgData name="Long B Nguyen" userId="f59fb8f3-a021-417a-8bc1-65c8d471c621" providerId="ADAL" clId="{E3DA9E26-CE90-3A40-9745-4D67E6DCA3BF}" dt="2020-03-30T02:24:14.222" v="0" actId="2696"/>
+        <pc:sldMkLst>
+          <pc:docMk/>
+          <pc:sldMk cId="4205479306" sldId="594"/>
+        </pc:sldMkLst>
+      </pc:sldChg>
+      <pc:sldChg chg="del">
+        <pc:chgData name="Long B Nguyen" userId="f59fb8f3-a021-417a-8bc1-65c8d471c621" providerId="ADAL" clId="{E3DA9E26-CE90-3A40-9745-4D67E6DCA3BF}" dt="2020-03-30T02:24:14.242" v="1" actId="2696"/>
+        <pc:sldMkLst>
+          <pc:docMk/>
+          <pc:sldMk cId="1994033935" sldId="595"/>
+        </pc:sldMkLst>
+      </pc:sldChg>
+      <pc:sldChg chg="del">
+        <pc:chgData name="Long B Nguyen" userId="f59fb8f3-a021-417a-8bc1-65c8d471c621" providerId="ADAL" clId="{E3DA9E26-CE90-3A40-9745-4D67E6DCA3BF}" dt="2020-03-30T02:24:14.265" v="2" actId="2696"/>
+        <pc:sldMkLst>
+          <pc:docMk/>
+          <pc:sldMk cId="3986464372" sldId="596"/>
+        </pc:sldMkLst>
+      </pc:sldChg>
+      <pc:sldChg chg="del">
+        <pc:chgData name="Long B Nguyen" userId="f59fb8f3-a021-417a-8bc1-65c8d471c621" providerId="ADAL" clId="{E3DA9E26-CE90-3A40-9745-4D67E6DCA3BF}" dt="2020-03-30T02:24:14.287" v="3" actId="2696"/>
+        <pc:sldMkLst>
+          <pc:docMk/>
+          <pc:sldMk cId="2566405133" sldId="597"/>
+        </pc:sldMkLst>
+      </pc:sldChg>
+      <pc:sldChg chg="del">
+        <pc:chgData name="Long B Nguyen" userId="f59fb8f3-a021-417a-8bc1-65c8d471c621" providerId="ADAL" clId="{E3DA9E26-CE90-3A40-9745-4D67E6DCA3BF}" dt="2020-03-30T02:24:14.307" v="4" actId="2696"/>
+        <pc:sldMkLst>
+          <pc:docMk/>
+          <pc:sldMk cId="1098067599" sldId="598"/>
+        </pc:sldMkLst>
+      </pc:sldChg>
+      <pc:sldChg chg="del">
+        <pc:chgData name="Long B Nguyen" userId="f59fb8f3-a021-417a-8bc1-65c8d471c621" providerId="ADAL" clId="{E3DA9E26-CE90-3A40-9745-4D67E6DCA3BF}" dt="2020-03-30T02:24:14.334" v="5" actId="2696"/>
+        <pc:sldMkLst>
+          <pc:docMk/>
+          <pc:sldMk cId="2135983872" sldId="599"/>
+        </pc:sldMkLst>
+      </pc:sldChg>
+      <pc:sldChg chg="del">
+        <pc:chgData name="Long B Nguyen" userId="f59fb8f3-a021-417a-8bc1-65c8d471c621" providerId="ADAL" clId="{E3DA9E26-CE90-3A40-9745-4D67E6DCA3BF}" dt="2020-03-30T02:24:14.358" v="6" actId="2696"/>
+        <pc:sldMkLst>
+          <pc:docMk/>
+          <pc:sldMk cId="3082545194" sldId="600"/>
+        </pc:sldMkLst>
+      </pc:sldChg>
+      <pc:sldChg chg="del">
+        <pc:chgData name="Long B Nguyen" userId="f59fb8f3-a021-417a-8bc1-65c8d471c621" providerId="ADAL" clId="{E3DA9E26-CE90-3A40-9745-4D67E6DCA3BF}" dt="2020-03-30T02:24:14.375" v="7" actId="2696"/>
+        <pc:sldMkLst>
+          <pc:docMk/>
+          <pc:sldMk cId="3805116294" sldId="601"/>
+        </pc:sldMkLst>
+      </pc:sldChg>
+      <pc:sldChg chg="del">
+        <pc:chgData name="Long B Nguyen" userId="f59fb8f3-a021-417a-8bc1-65c8d471c621" providerId="ADAL" clId="{E3DA9E26-CE90-3A40-9745-4D67E6DCA3BF}" dt="2020-03-30T02:24:14.390" v="8" actId="2696"/>
+        <pc:sldMkLst>
+          <pc:docMk/>
+          <pc:sldMk cId="2482297390" sldId="602"/>
+        </pc:sldMkLst>
+      </pc:sldChg>
+      <pc:sldChg chg="del">
+        <pc:chgData name="Long B Nguyen" userId="f59fb8f3-a021-417a-8bc1-65c8d471c621" providerId="ADAL" clId="{E3DA9E26-CE90-3A40-9745-4D67E6DCA3BF}" dt="2020-03-30T02:24:14.410" v="9" actId="2696"/>
+        <pc:sldMkLst>
+          <pc:docMk/>
+          <pc:sldMk cId="3316801220" sldId="603"/>
+        </pc:sldMkLst>
+      </pc:sldChg>
+      <pc:sldChg chg="del">
+        <pc:chgData name="Long B Nguyen" userId="f59fb8f3-a021-417a-8bc1-65c8d471c621" providerId="ADAL" clId="{E3DA9E26-CE90-3A40-9745-4D67E6DCA3BF}" dt="2020-03-30T02:24:14.428" v="10" actId="2696"/>
+        <pc:sldMkLst>
+          <pc:docMk/>
+          <pc:sldMk cId="1665439849" sldId="605"/>
+        </pc:sldMkLst>
+      </pc:sldChg>
+      <pc:sldChg chg="del">
+        <pc:chgData name="Long B Nguyen" userId="f59fb8f3-a021-417a-8bc1-65c8d471c621" providerId="ADAL" clId="{E3DA9E26-CE90-3A40-9745-4D67E6DCA3BF}" dt="2020-03-30T02:24:14.443" v="11" actId="2696"/>
+        <pc:sldMkLst>
+          <pc:docMk/>
+          <pc:sldMk cId="1196991583" sldId="606"/>
+        </pc:sldMkLst>
+      </pc:sldChg>
+      <pc:sldChg chg="del">
+        <pc:chgData name="Long B Nguyen" userId="f59fb8f3-a021-417a-8bc1-65c8d471c621" providerId="ADAL" clId="{E3DA9E26-CE90-3A40-9745-4D67E6DCA3BF}" dt="2020-03-30T02:24:14.466" v="12" actId="2696"/>
+        <pc:sldMkLst>
+          <pc:docMk/>
+          <pc:sldMk cId="2747083858" sldId="607"/>
+        </pc:sldMkLst>
+      </pc:sldChg>
+      <pc:sldChg chg="del">
+        <pc:chgData name="Long B Nguyen" userId="f59fb8f3-a021-417a-8bc1-65c8d471c621" providerId="ADAL" clId="{E3DA9E26-CE90-3A40-9745-4D67E6DCA3BF}" dt="2020-03-30T02:24:14.485" v="13" actId="2696"/>
+        <pc:sldMkLst>
+          <pc:docMk/>
+          <pc:sldMk cId="2430561500" sldId="609"/>
+        </pc:sldMkLst>
+      </pc:sldChg>
+      <pc:sldChg chg="del">
+        <pc:chgData name="Long B Nguyen" userId="f59fb8f3-a021-417a-8bc1-65c8d471c621" providerId="ADAL" clId="{E3DA9E26-CE90-3A40-9745-4D67E6DCA3BF}" dt="2020-03-30T02:24:14.498" v="14" actId="2696"/>
+        <pc:sldMkLst>
+          <pc:docMk/>
+          <pc:sldMk cId="1660288031" sldId="610"/>
+        </pc:sldMkLst>
+      </pc:sldChg>
+      <pc:sldChg chg="del">
+        <pc:chgData name="Long B Nguyen" userId="f59fb8f3-a021-417a-8bc1-65c8d471c621" providerId="ADAL" clId="{E3DA9E26-CE90-3A40-9745-4D67E6DCA3BF}" dt="2020-03-30T02:24:14.522" v="15" actId="2696"/>
+        <pc:sldMkLst>
+          <pc:docMk/>
+          <pc:sldMk cId="1203333742" sldId="611"/>
+        </pc:sldMkLst>
+      </pc:sldChg>
+      <pc:sldChg chg="del">
+        <pc:chgData name="Long B Nguyen" userId="f59fb8f3-a021-417a-8bc1-65c8d471c621" providerId="ADAL" clId="{E3DA9E26-CE90-3A40-9745-4D67E6DCA3BF}" dt="2020-03-30T02:24:14.544" v="17" actId="2696"/>
+        <pc:sldMkLst>
+          <pc:docMk/>
+          <pc:sldMk cId="186989517" sldId="612"/>
+        </pc:sldMkLst>
+      </pc:sldChg>
+    </pc:docChg>
+  </pc:docChgLst>
+  <pc:docChgLst>
+    <pc:chgData name="Long B Nguyen" userId="f59fb8f3-a021-417a-8bc1-65c8d471c621" providerId="ADAL" clId="{D8E0FF47-5D02-BE42-82DB-1C73A03F4240}"/>
+    <pc:docChg chg="custSel addSld delSld modSld">
+      <pc:chgData name="Long B Nguyen" userId="f59fb8f3-a021-417a-8bc1-65c8d471c621" providerId="ADAL" clId="{D8E0FF47-5D02-BE42-82DB-1C73A03F4240}" dt="2021-06-10T13:08:25.817" v="23" actId="2696"/>
+      <pc:docMkLst>
+        <pc:docMk/>
+      </pc:docMkLst>
+      <pc:sldChg chg="modSp mod modAnim">
+        <pc:chgData name="Long B Nguyen" userId="f59fb8f3-a021-417a-8bc1-65c8d471c621" providerId="ADAL" clId="{D8E0FF47-5D02-BE42-82DB-1C73A03F4240}" dt="2021-06-10T13:08:01.279" v="20" actId="20577"/>
+        <pc:sldMkLst>
+          <pc:docMk/>
+          <pc:sldMk cId="2431525960" sldId="557"/>
+        </pc:sldMkLst>
+        <pc:spChg chg="mod">
+          <ac:chgData name="Long B Nguyen" userId="f59fb8f3-a021-417a-8bc1-65c8d471c621" providerId="ADAL" clId="{D8E0FF47-5D02-BE42-82DB-1C73A03F4240}" dt="2021-06-10T13:08:01.279" v="20" actId="20577"/>
+          <ac:spMkLst>
+            <pc:docMk/>
+            <pc:sldMk cId="2431525960" sldId="557"/>
+            <ac:spMk id="6146" creationId="{EAA042DF-FAF2-DA4B-9FB9-A8E93FAB0389}"/>
+          </ac:spMkLst>
+        </pc:spChg>
+      </pc:sldChg>
+      <pc:sldChg chg="modSp add del modAnim">
+        <pc:chgData name="Long B Nguyen" userId="f59fb8f3-a021-417a-8bc1-65c8d471c621" providerId="ADAL" clId="{D8E0FF47-5D02-BE42-82DB-1C73A03F4240}" dt="2021-06-10T13:08:25.817" v="23" actId="2696"/>
+        <pc:sldMkLst>
+          <pc:docMk/>
+          <pc:sldMk cId="2545936015" sldId="626"/>
+        </pc:sldMkLst>
+        <pc:spChg chg="mod">
+          <ac:chgData name="Long B Nguyen" userId="f59fb8f3-a021-417a-8bc1-65c8d471c621" providerId="ADAL" clId="{D8E0FF47-5D02-BE42-82DB-1C73A03F4240}" dt="2021-06-10T13:08:07.118" v="22" actId="20577"/>
+          <ac:spMkLst>
+            <pc:docMk/>
+            <pc:sldMk cId="2545936015" sldId="626"/>
+            <ac:spMk id="6146" creationId="{EAA042DF-FAF2-DA4B-9FB9-A8E93FAB0389}"/>
+          </ac:spMkLst>
+        </pc:spChg>
+      </pc:sldChg>
+    </pc:docChg>
+  </pc:docChgLst>
+  <pc:docChgLst>
+    <pc:chgData name="Long B Nguyen" userId="f59fb8f3-a021-417a-8bc1-65c8d471c621" providerId="ADAL" clId="{B81BBD53-AC1D-D74E-8CB3-F09B139D79C3}"/>
+    <pc:docChg chg="modSld">
+      <pc:chgData name="Long B Nguyen" userId="f59fb8f3-a021-417a-8bc1-65c8d471c621" providerId="ADAL" clId="{B81BBD53-AC1D-D74E-8CB3-F09B139D79C3}" dt="2021-04-13T13:04:47.732" v="101" actId="20577"/>
+      <pc:docMkLst>
+        <pc:docMk/>
+      </pc:docMkLst>
+      <pc:sldChg chg="modSp modAnim">
+        <pc:chgData name="Long B Nguyen" userId="f59fb8f3-a021-417a-8bc1-65c8d471c621" providerId="ADAL" clId="{B81BBD53-AC1D-D74E-8CB3-F09B139D79C3}" dt="2021-04-12T13:47:12.338" v="98" actId="20577"/>
+        <pc:sldMkLst>
+          <pc:docMk/>
+          <pc:sldMk cId="1925924244" sldId="556"/>
+        </pc:sldMkLst>
+        <pc:spChg chg="mod">
+          <ac:chgData name="Long B Nguyen" userId="f59fb8f3-a021-417a-8bc1-65c8d471c621" providerId="ADAL" clId="{B81BBD53-AC1D-D74E-8CB3-F09B139D79C3}" dt="2021-04-12T13:47:12.338" v="98" actId="20577"/>
+          <ac:spMkLst>
+            <pc:docMk/>
+            <pc:sldMk cId="1925924244" sldId="556"/>
+            <ac:spMk id="16386" creationId="{2A7E0F38-3D69-FA4C-A13E-BC74CAF926EB}"/>
+          </ac:spMkLst>
+        </pc:spChg>
+      </pc:sldChg>
+      <pc:sldChg chg="modSp modAnim">
+        <pc:chgData name="Long B Nguyen" userId="f59fb8f3-a021-417a-8bc1-65c8d471c621" providerId="ADAL" clId="{B81BBD53-AC1D-D74E-8CB3-F09B139D79C3}" dt="2021-04-12T13:20:37.684" v="94"/>
+        <pc:sldMkLst>
+          <pc:docMk/>
+          <pc:sldMk cId="1603111093" sldId="582"/>
+        </pc:sldMkLst>
+        <pc:spChg chg="mod">
+          <ac:chgData name="Long B Nguyen" userId="f59fb8f3-a021-417a-8bc1-65c8d471c621" providerId="ADAL" clId="{B81BBD53-AC1D-D74E-8CB3-F09B139D79C3}" dt="2021-04-12T13:20:37.684" v="94"/>
+          <ac:spMkLst>
+            <pc:docMk/>
+            <pc:sldMk cId="1603111093" sldId="582"/>
+            <ac:spMk id="16386" creationId="{114BB159-C41E-A046-9481-C57D33802B19}"/>
+          </ac:spMkLst>
+        </pc:spChg>
+      </pc:sldChg>
+      <pc:sldChg chg="modSp">
+        <pc:chgData name="Long B Nguyen" userId="f59fb8f3-a021-417a-8bc1-65c8d471c621" providerId="ADAL" clId="{B81BBD53-AC1D-D74E-8CB3-F09B139D79C3}" dt="2021-04-13T13:04:47.732" v="101" actId="20577"/>
+        <pc:sldMkLst>
+          <pc:docMk/>
+          <pc:sldMk cId="3142613135" sldId="588"/>
+        </pc:sldMkLst>
+        <pc:spChg chg="mod">
+          <ac:chgData name="Long B Nguyen" userId="f59fb8f3-a021-417a-8bc1-65c8d471c621" providerId="ADAL" clId="{B81BBD53-AC1D-D74E-8CB3-F09B139D79C3}" dt="2021-04-13T13:04:47.732" v="101" actId="20577"/>
+          <ac:spMkLst>
+            <pc:docMk/>
+            <pc:sldMk cId="3142613135" sldId="588"/>
+            <ac:spMk id="16386" creationId="{64803469-0351-BA45-ABE6-B6F61CAA9AC7}"/>
+          </ac:spMkLst>
+        </pc:spChg>
+      </pc:sldChg>
+      <pc:sldChg chg="modSp">
+        <pc:chgData name="Long B Nguyen" userId="f59fb8f3-a021-417a-8bc1-65c8d471c621" providerId="ADAL" clId="{B81BBD53-AC1D-D74E-8CB3-F09B139D79C3}" dt="2021-04-13T12:30:31.024" v="99" actId="113"/>
+        <pc:sldMkLst>
+          <pc:docMk/>
+          <pc:sldMk cId="3535386674" sldId="593"/>
+        </pc:sldMkLst>
+        <pc:spChg chg="mod">
+          <ac:chgData name="Long B Nguyen" userId="f59fb8f3-a021-417a-8bc1-65c8d471c621" providerId="ADAL" clId="{B81BBD53-AC1D-D74E-8CB3-F09B139D79C3}" dt="2021-04-13T12:30:31.024" v="99" actId="113"/>
+          <ac:spMkLst>
+            <pc:docMk/>
+            <pc:sldMk cId="3535386674" sldId="593"/>
+            <ac:spMk id="16386" creationId="{DCDEDE68-7370-A049-B607-4EE7C1C097CC}"/>
+          </ac:spMkLst>
+        </pc:spChg>
+      </pc:sldChg>
+    </pc:docChg>
+  </pc:docChgLst>
+  <pc:docChgLst>
+    <pc:chgData name="Long B Nguyen" userId="f59fb8f3-a021-417a-8bc1-65c8d471c621" providerId="ADAL" clId="{0E2AE9A0-AA60-BB4A-B160-C870111F23F3}"/>
+    <pc:docChg chg="undo custSel addSld delSld modSld">
+      <pc:chgData name="Long B Nguyen" userId="f59fb8f3-a021-417a-8bc1-65c8d471c621" providerId="ADAL" clId="{0E2AE9A0-AA60-BB4A-B160-C870111F23F3}" dt="2021-05-21T12:24:06.436" v="7279" actId="20577"/>
+      <pc:docMkLst>
+        <pc:docMk/>
+      </pc:docMkLst>
+      <pc:sldChg chg="modSp mod">
+        <pc:chgData name="Long B Nguyen" userId="f59fb8f3-a021-417a-8bc1-65c8d471c621" providerId="ADAL" clId="{0E2AE9A0-AA60-BB4A-B160-C870111F23F3}" dt="2021-05-04T16:19:17.537" v="15" actId="20577"/>
+        <pc:sldMkLst>
+          <pc:docMk/>
+          <pc:sldMk cId="4247104139" sldId="256"/>
+        </pc:sldMkLst>
+        <pc:spChg chg="mod">
+          <ac:chgData name="Long B Nguyen" userId="f59fb8f3-a021-417a-8bc1-65c8d471c621" providerId="ADAL" clId="{0E2AE9A0-AA60-BB4A-B160-C870111F23F3}" dt="2021-05-04T16:19:17.537" v="15" actId="20577"/>
+          <ac:spMkLst>
+            <pc:docMk/>
+            <pc:sldMk cId="4247104139" sldId="256"/>
+            <ac:spMk id="2" creationId="{6117A749-B1BA-E24B-8FB0-0604EF651FB3}"/>
+          </ac:spMkLst>
+        </pc:spChg>
+      </pc:sldChg>
+      <pc:sldChg chg="addSp delSp modSp add mod delAnim">
+        <pc:chgData name="Long B Nguyen" userId="f59fb8f3-a021-417a-8bc1-65c8d471c621" providerId="ADAL" clId="{0E2AE9A0-AA60-BB4A-B160-C870111F23F3}" dt="2021-05-07T13:50:56.834" v="6615" actId="1038"/>
+        <pc:sldMkLst>
+          <pc:docMk/>
+          <pc:sldMk cId="1088193638" sldId="302"/>
+        </pc:sldMkLst>
+        <pc:spChg chg="add mod">
+          <ac:chgData name="Long B Nguyen" userId="f59fb8f3-a021-417a-8bc1-65c8d471c621" providerId="ADAL" clId="{0E2AE9A0-AA60-BB4A-B160-C870111F23F3}" dt="2021-05-06T04:39:59.717" v="5760"/>
+          <ac:spMkLst>
+            <pc:docMk/>
+            <pc:sldMk cId="1088193638" sldId="302"/>
+            <ac:spMk id="2" creationId="{09AE974D-65F1-154D-B8DE-CE3BC7D05E95}"/>
+          </ac:spMkLst>
+        </pc:spChg>
+        <pc:spChg chg="add del mod">
+          <ac:chgData name="Long B Nguyen" userId="f59fb8f3-a021-417a-8bc1-65c8d471c621" providerId="ADAL" clId="{0E2AE9A0-AA60-BB4A-B160-C870111F23F3}" dt="2021-05-04T16:42:43.807" v="863" actId="478"/>
+          <ac:spMkLst>
+            <pc:docMk/>
+            <pc:sldMk cId="1088193638" sldId="302"/>
+            <ac:spMk id="5" creationId="{908EFC06-6CFF-0847-8F93-27681A8BADC5}"/>
+          </ac:spMkLst>
+        </pc:spChg>
+        <pc:spChg chg="del mod">
+          <ac:chgData name="Long B Nguyen" userId="f59fb8f3-a021-417a-8bc1-65c8d471c621" providerId="ADAL" clId="{0E2AE9A0-AA60-BB4A-B160-C870111F23F3}" dt="2021-05-04T16:42:40.402" v="862" actId="478"/>
+          <ac:spMkLst>
+            <pc:docMk/>
+            <pc:sldMk cId="1088193638" sldId="302"/>
+            <ac:spMk id="171010" creationId="{0F6341AF-A3FF-AB43-978C-231459FD1315}"/>
+          </ac:spMkLst>
+        </pc:spChg>
+        <pc:spChg chg="del mod">
+          <ac:chgData name="Long B Nguyen" userId="f59fb8f3-a021-417a-8bc1-65c8d471c621" providerId="ADAL" clId="{0E2AE9A0-AA60-BB4A-B160-C870111F23F3}" dt="2021-05-04T16:42:45.231" v="864" actId="478"/>
+          <ac:spMkLst>
+            <pc:docMk/>
+            <pc:sldMk cId="1088193638" sldId="302"/>
+            <ac:spMk id="171011" creationId="{D0BF670E-9E67-A04C-931B-9589B2C0F291}"/>
+          </ac:spMkLst>
+        </pc:spChg>
+        <pc:grpChg chg="del">
+          <ac:chgData name="Long B Nguyen" userId="f59fb8f3-a021-417a-8bc1-65c8d471c621" providerId="ADAL" clId="{0E2AE9A0-AA60-BB4A-B160-C870111F23F3}" dt="2021-05-06T03:35:05.259" v="5605" actId="478"/>
+          <ac:grpSpMkLst>
+            <pc:docMk/>
+            <pc:sldMk cId="1088193638" sldId="302"/>
+            <ac:grpSpMk id="171072" creationId="{4CED5D91-F794-8E41-A9C8-40FABF213AC0}"/>
+          </ac:grpSpMkLst>
+        </pc:grpChg>
+        <pc:grpChg chg="del mod">
+          <ac:chgData name="Long B Nguyen" userId="f59fb8f3-a021-417a-8bc1-65c8d471c621" providerId="ADAL" clId="{0E2AE9A0-AA60-BB4A-B160-C870111F23F3}" dt="2021-05-06T03:35:05.259" v="5605" actId="478"/>
+          <ac:grpSpMkLst>
+            <pc:docMk/>
+            <pc:sldMk cId="1088193638" sldId="302"/>
+            <ac:grpSpMk id="171075" creationId="{DC0A7996-75E0-4344-BCB7-1C09FC24AE1D}"/>
+          </ac:grpSpMkLst>
+        </pc:grpChg>
+        <pc:grpChg chg="del mod">
+          <ac:chgData name="Long B Nguyen" userId="f59fb8f3-a021-417a-8bc1-65c8d471c621" providerId="ADAL" clId="{0E2AE9A0-AA60-BB4A-B160-C870111F23F3}" dt="2021-05-06T03:35:05.259" v="5605" actId="478"/>
+          <ac:grpSpMkLst>
+            <pc:docMk/>
+            <pc:sldMk cId="1088193638" sldId="302"/>
+            <ac:grpSpMk id="171078" creationId="{192F648A-880F-2948-9B75-1BB8D02741CD}"/>
+          </ac:grpSpMkLst>
+        </pc:grpChg>
+        <pc:graphicFrameChg chg="del mod modGraphic">
+          <ac:chgData name="Long B Nguyen" userId="f59fb8f3-a021-417a-8bc1-65c8d471c621" providerId="ADAL" clId="{0E2AE9A0-AA60-BB4A-B160-C870111F23F3}" dt="2021-05-04T16:31:35.898" v="491" actId="478"/>
+          <ac:graphicFrameMkLst>
+            <pc:docMk/>
+            <pc:sldMk cId="1088193638" sldId="302"/>
+            <ac:graphicFrameMk id="171012" creationId="{15E5A27C-A49E-2548-9DE7-F5A26CBB8B3B}"/>
+          </ac:graphicFrameMkLst>
+        </pc:graphicFrameChg>
+        <pc:picChg chg="add mod">
+          <ac:chgData name="Long B Nguyen" userId="f59fb8f3-a021-417a-8bc1-65c8d471c621" providerId="ADAL" clId="{0E2AE9A0-AA60-BB4A-B160-C870111F23F3}" dt="2021-05-07T13:50:56.834" v="6615" actId="1038"/>
+          <ac:picMkLst>
+            <pc:docMk/>
+            <pc:sldMk cId="1088193638" sldId="302"/>
+            <ac:picMk id="3" creationId="{6BCAB826-F3FF-C34A-9701-CB1AB4066329}"/>
+          </ac:picMkLst>
+        </pc:picChg>
+        <pc:picChg chg="add del mod">
+          <ac:chgData name="Long B Nguyen" userId="f59fb8f3-a021-417a-8bc1-65c8d471c621" providerId="ADAL" clId="{0E2AE9A0-AA60-BB4A-B160-C870111F23F3}" dt="2021-05-06T03:34:34.257" v="5604" actId="478"/>
+          <ac:picMkLst>
+            <pc:docMk/>
+            <pc:sldMk cId="1088193638" sldId="302"/>
+            <ac:picMk id="14" creationId="{E84CF6D2-5B47-6E46-B2F2-FF597F2E11FC}"/>
+          </ac:picMkLst>
+        </pc:picChg>
+      </pc:sldChg>
+      <pc:sldChg chg="addSp delSp modSp add del mod delAnim modAnim">
+        <pc:chgData name="Long B Nguyen" userId="f59fb8f3-a021-417a-8bc1-65c8d471c621" providerId="ADAL" clId="{0E2AE9A0-AA60-BB4A-B160-C870111F23F3}" dt="2021-05-04T20:42:24.107" v="1126" actId="2696"/>
+        <pc:sldMkLst>
+          <pc:docMk/>
+          <pc:sldMk cId="3391067489" sldId="317"/>
+        </pc:sldMkLst>
+        <pc:spChg chg="mod">
+          <ac:chgData name="Long B Nguyen" userId="f59fb8f3-a021-417a-8bc1-65c8d471c621" providerId="ADAL" clId="{0E2AE9A0-AA60-BB4A-B160-C870111F23F3}" dt="2021-05-04T16:21:46.976" v="45" actId="20577"/>
+          <ac:spMkLst>
+            <pc:docMk/>
+            <pc:sldMk cId="3391067489" sldId="317"/>
+            <ac:spMk id="5183" creationId="{D65883C0-ADEB-7844-9CAE-3479D7A5A75B}"/>
+          </ac:spMkLst>
+        </pc:spChg>
+        <pc:spChg chg="mod">
+          <ac:chgData name="Long B Nguyen" userId="f59fb8f3-a021-417a-8bc1-65c8d471c621" providerId="ADAL" clId="{0E2AE9A0-AA60-BB4A-B160-C870111F23F3}" dt="2021-05-04T16:20:17.947" v="19" actId="1076"/>
+          <ac:spMkLst>
+            <pc:docMk/>
+            <pc:sldMk cId="3391067489" sldId="317"/>
+            <ac:spMk id="186370" creationId="{D6E10FAF-E655-D943-A67A-780B97487E72}"/>
+          </ac:spMkLst>
+        </pc:spChg>
+        <pc:spChg chg="mod">
+          <ac:chgData name="Long B Nguyen" userId="f59fb8f3-a021-417a-8bc1-65c8d471c621" providerId="ADAL" clId="{0E2AE9A0-AA60-BB4A-B160-C870111F23F3}" dt="2021-05-04T16:22:19.536" v="58" actId="20577"/>
+          <ac:spMkLst>
+            <pc:docMk/>
+            <pc:sldMk cId="3391067489" sldId="317"/>
+            <ac:spMk id="186371" creationId="{214E48A6-BA1C-C34E-86B2-AEA085EF0B60}"/>
+          </ac:spMkLst>
+        </pc:spChg>
+        <pc:grpChg chg="del">
+          <ac:chgData name="Long B Nguyen" userId="f59fb8f3-a021-417a-8bc1-65c8d471c621" providerId="ADAL" clId="{0E2AE9A0-AA60-BB4A-B160-C870111F23F3}" dt="2021-05-04T16:21:48.652" v="46" actId="478"/>
+          <ac:grpSpMkLst>
+            <pc:docMk/>
+            <pc:sldMk cId="3391067489" sldId="317"/>
+            <ac:grpSpMk id="186432" creationId="{542A0A7C-BDE9-9647-876F-96A88AC8A7D0}"/>
+          </ac:grpSpMkLst>
+        </pc:grpChg>
+        <pc:graphicFrameChg chg="del mod modGraphic">
+          <ac:chgData name="Long B Nguyen" userId="f59fb8f3-a021-417a-8bc1-65c8d471c621" providerId="ADAL" clId="{0E2AE9A0-AA60-BB4A-B160-C870111F23F3}" dt="2021-05-04T16:20:41.570" v="25" actId="478"/>
+          <ac:graphicFrameMkLst>
+            <pc:docMk/>
+            <pc:sldMk cId="3391067489" sldId="317"/>
+            <ac:graphicFrameMk id="186372" creationId="{4CAA3F07-5CBD-3349-A038-9E8E665A22F4}"/>
+          </ac:graphicFrameMkLst>
+        </pc:graphicFrameChg>
+        <pc:picChg chg="add mod">
+          <ac:chgData name="Long B Nguyen" userId="f59fb8f3-a021-417a-8bc1-65c8d471c621" providerId="ADAL" clId="{0E2AE9A0-AA60-BB4A-B160-C870111F23F3}" dt="2021-05-04T16:21:28.275" v="27" actId="1076"/>
+          <ac:picMkLst>
+            <pc:docMk/>
+            <pc:sldMk cId="3391067489" sldId="317"/>
+            <ac:picMk id="2" creationId="{20D4FFD0-EE39-D747-BEF8-1F8589FB3176}"/>
+          </ac:picMkLst>
+        </pc:picChg>
+      </pc:sldChg>
+      <pc:sldChg chg="add del">
+        <pc:chgData name="Long B Nguyen" userId="f59fb8f3-a021-417a-8bc1-65c8d471c621" providerId="ADAL" clId="{0E2AE9A0-AA60-BB4A-B160-C870111F23F3}" dt="2021-05-04T22:27:25.910" v="1174" actId="2696"/>
+        <pc:sldMkLst>
+          <pc:docMk/>
+          <pc:sldMk cId="661658842" sldId="372"/>
+        </pc:sldMkLst>
+      </pc:sldChg>
+      <pc:sldChg chg="add del">
+        <pc:chgData name="Long B Nguyen" userId="f59fb8f3-a021-417a-8bc1-65c8d471c621" providerId="ADAL" clId="{0E2AE9A0-AA60-BB4A-B160-C870111F23F3}" dt="2021-05-04T22:27:25.910" v="1174" actId="2696"/>
+        <pc:sldMkLst>
+          <pc:docMk/>
+          <pc:sldMk cId="4175075890" sldId="374"/>
+        </pc:sldMkLst>
+      </pc:sldChg>
+      <pc:sldChg chg="add del">
+        <pc:chgData name="Long B Nguyen" userId="f59fb8f3-a021-417a-8bc1-65c8d471c621" providerId="ADAL" clId="{0E2AE9A0-AA60-BB4A-B160-C870111F23F3}" dt="2021-05-04T22:27:25.910" v="1174" actId="2696"/>
+        <pc:sldMkLst>
+          <pc:docMk/>
+          <pc:sldMk cId="2154343632" sldId="375"/>
+        </pc:sldMkLst>
+      </pc:sldChg>
+      <pc:sldChg chg="add del">
+        <pc:chgData name="Long B Nguyen" userId="f59fb8f3-a021-417a-8bc1-65c8d471c621" providerId="ADAL" clId="{0E2AE9A0-AA60-BB4A-B160-C870111F23F3}" dt="2021-05-04T22:27:25.910" v="1174" actId="2696"/>
+        <pc:sldMkLst>
+          <pc:docMk/>
+          <pc:sldMk cId="3197895650" sldId="376"/>
+        </pc:sldMkLst>
+      </pc:sldChg>
+      <pc:sldChg chg="add del">
+        <pc:chgData name="Long B Nguyen" userId="f59fb8f3-a021-417a-8bc1-65c8d471c621" providerId="ADAL" clId="{0E2AE9A0-AA60-BB4A-B160-C870111F23F3}" dt="2021-05-04T22:27:25.910" v="1174" actId="2696"/>
+        <pc:sldMkLst>
+          <pc:docMk/>
+          <pc:sldMk cId="2087436691" sldId="377"/>
+        </pc:sldMkLst>
+      </pc:sldChg>
+      <pc:sldChg chg="add del">
+        <pc:chgData name="Long B Nguyen" userId="f59fb8f3-a021-417a-8bc1-65c8d471c621" providerId="ADAL" clId="{0E2AE9A0-AA60-BB4A-B160-C870111F23F3}" dt="2021-05-04T22:27:25.910" v="1174" actId="2696"/>
+        <pc:sldMkLst>
+          <pc:docMk/>
+          <pc:sldMk cId="2728668299" sldId="379"/>
+        </pc:sldMkLst>
+      </pc:sldChg>
+      <pc:sldChg chg="del">
+        <pc:chgData name="Long B Nguyen" userId="f59fb8f3-a021-417a-8bc1-65c8d471c621" providerId="ADAL" clId="{0E2AE9A0-AA60-BB4A-B160-C870111F23F3}" dt="2021-05-04T16:19:25.283" v="16" actId="2696"/>
+        <pc:sldMkLst>
+          <pc:docMk/>
+          <pc:sldMk cId="3533528898" sldId="485"/>
+        </pc:sldMkLst>
+      </pc:sldChg>
+      <pc:sldChg chg="del">
+        <pc:chgData name="Long B Nguyen" userId="f59fb8f3-a021-417a-8bc1-65c8d471c621" providerId="ADAL" clId="{0E2AE9A0-AA60-BB4A-B160-C870111F23F3}" dt="2021-05-04T16:19:25.283" v="16" actId="2696"/>
+        <pc:sldMkLst>
+          <pc:docMk/>
+          <pc:sldMk cId="3162068906" sldId="527"/>
+        </pc:sldMkLst>
+      </pc:sldChg>
+      <pc:sldChg chg="del">
+        <pc:chgData name="Long B Nguyen" userId="f59fb8f3-a021-417a-8bc1-65c8d471c621" providerId="ADAL" clId="{0E2AE9A0-AA60-BB4A-B160-C870111F23F3}" dt="2021-05-04T16:19:25.283" v="16" actId="2696"/>
+        <pc:sldMkLst>
+          <pc:docMk/>
+          <pc:sldMk cId="3102825031" sldId="528"/>
+        </pc:sldMkLst>
+      </pc:sldChg>
+      <pc:sldChg chg="del">
+        <pc:chgData name="Long B Nguyen" userId="f59fb8f3-a021-417a-8bc1-65c8d471c621" providerId="ADAL" clId="{0E2AE9A0-AA60-BB4A-B160-C870111F23F3}" dt="2021-05-04T16:19:25.283" v="16" actId="2696"/>
+        <pc:sldMkLst>
+          <pc:docMk/>
+          <pc:sldMk cId="4057016805" sldId="529"/>
+        </pc:sldMkLst>
+      </pc:sldChg>
+      <pc:sldChg chg="add del">
+        <pc:chgData name="Long B Nguyen" userId="f59fb8f3-a021-417a-8bc1-65c8d471c621" providerId="ADAL" clId="{0E2AE9A0-AA60-BB4A-B160-C870111F23F3}" dt="2021-05-04T16:22:28.929" v="59" actId="2696"/>
+        <pc:sldMkLst>
+          <pc:docMk/>
+          <pc:sldMk cId="1650994070" sldId="540"/>
+        </pc:sldMkLst>
+      </pc:sldChg>
+      <pc:sldChg chg="addSp modSp add mod modAnim">
+        <pc:chgData name="Long B Nguyen" userId="f59fb8f3-a021-417a-8bc1-65c8d471c621" providerId="ADAL" clId="{0E2AE9A0-AA60-BB4A-B160-C870111F23F3}" dt="2021-05-06T04:39:59.717" v="5760"/>
+        <pc:sldMkLst>
+          <pc:docMk/>
+          <pc:sldMk cId="1844406166" sldId="540"/>
+        </pc:sldMkLst>
+        <pc:spChg chg="add mod">
+          <ac:chgData name="Long B Nguyen" userId="f59fb8f3-a021-417a-8bc1-65c8d471c621" providerId="ADAL" clId="{0E2AE9A0-AA60-BB4A-B160-C870111F23F3}" dt="2021-05-06T04:39:59.717" v="5760"/>
+          <ac:spMkLst>
+            <pc:docMk/>
+            <pc:sldMk cId="1844406166" sldId="540"/>
+            <ac:spMk id="2" creationId="{4C64C124-274A-7B49-AF43-41B6CD5BD0DB}"/>
+          </ac:spMkLst>
+        </pc:spChg>
+        <pc:spChg chg="mod">
+          <ac:chgData name="Long B Nguyen" userId="f59fb8f3-a021-417a-8bc1-65c8d471c621" providerId="ADAL" clId="{0E2AE9A0-AA60-BB4A-B160-C870111F23F3}" dt="2021-05-06T03:31:48.457" v="5590" actId="113"/>
+          <ac:spMkLst>
+            <pc:docMk/>
+            <pc:sldMk cId="1844406166" sldId="540"/>
+            <ac:spMk id="6146" creationId="{EAA042DF-FAF2-DA4B-9FB9-A8E93FAB0389}"/>
+          </ac:spMkLst>
+        </pc:spChg>
+        <pc:spChg chg="mod">
+          <ac:chgData name="Long B Nguyen" userId="f59fb8f3-a021-417a-8bc1-65c8d471c621" providerId="ADAL" clId="{0E2AE9A0-AA60-BB4A-B160-C870111F23F3}" dt="2021-05-04T20:42:36.123" v="1137" actId="20577"/>
+          <ac:spMkLst>
+            <pc:docMk/>
+            <pc:sldMk cId="1844406166" sldId="540"/>
+            <ac:spMk id="186370" creationId="{C5506108-D6E6-9641-98CC-A9DA92AF0478}"/>
+          </ac:spMkLst>
+        </pc:spChg>
+      </pc:sldChg>
+      <pc:sldChg chg="add del">
+        <pc:chgData name="Long B Nguyen" userId="f59fb8f3-a021-417a-8bc1-65c8d471c621" providerId="ADAL" clId="{0E2AE9A0-AA60-BB4A-B160-C870111F23F3}" dt="2021-05-04T16:46:58.729" v="1122" actId="2696"/>
+        <pc:sldMkLst>
+          <pc:docMk/>
+          <pc:sldMk cId="1534853267" sldId="541"/>
+        </pc:sldMkLst>
+      </pc:sldChg>
+      <pc:sldChg chg="add del">
+        <pc:chgData name="Long B Nguyen" userId="f59fb8f3-a021-417a-8bc1-65c8d471c621" providerId="ADAL" clId="{0E2AE9A0-AA60-BB4A-B160-C870111F23F3}" dt="2021-05-04T22:27:25.910" v="1174" actId="2696"/>
+        <pc:sldMkLst>
+          <pc:docMk/>
+          <pc:sldMk cId="3737473332" sldId="542"/>
+        </pc:sldMkLst>
+      </pc:sldChg>
+      <pc:sldChg chg="add del">
+        <pc:chgData name="Long B Nguyen" userId="f59fb8f3-a021-417a-8bc1-65c8d471c621" providerId="ADAL" clId="{0E2AE9A0-AA60-BB4A-B160-C870111F23F3}" dt="2021-05-04T22:27:25.910" v="1174" actId="2696"/>
+        <pc:sldMkLst>
+          <pc:docMk/>
+          <pc:sldMk cId="906339742" sldId="543"/>
+        </pc:sldMkLst>
+      </pc:sldChg>
+      <pc:sldChg chg="add del">
+        <pc:chgData name="Long B Nguyen" userId="f59fb8f3-a021-417a-8bc1-65c8d471c621" providerId="ADAL" clId="{0E2AE9A0-AA60-BB4A-B160-C870111F23F3}" dt="2021-05-04T22:27:25.910" v="1174" actId="2696"/>
+        <pc:sldMkLst>
+          <pc:docMk/>
+          <pc:sldMk cId="3145498210" sldId="549"/>
+        </pc:sldMkLst>
+      </pc:sldChg>
+      <pc:sldChg chg="add del">
+        <pc:chgData name="Long B Nguyen" userId="f59fb8f3-a021-417a-8bc1-65c8d471c621" providerId="ADAL" clId="{0E2AE9A0-AA60-BB4A-B160-C870111F23F3}" dt="2021-05-04T16:43:16.606" v="865" actId="2696"/>
+        <pc:sldMkLst>
+          <pc:docMk/>
+          <pc:sldMk cId="3284391586" sldId="550"/>
+        </pc:sldMkLst>
+      </pc:sldChg>
+      <pc:sldChg chg="addSp modSp add mod modAnim">
+        <pc:chgData name="Long B Nguyen" userId="f59fb8f3-a021-417a-8bc1-65c8d471c621" providerId="ADAL" clId="{0E2AE9A0-AA60-BB4A-B160-C870111F23F3}" dt="2021-05-07T12:04:44.914" v="6588" actId="20577"/>
+        <pc:sldMkLst>
+          <pc:docMk/>
+          <pc:sldMk cId="1466770109" sldId="551"/>
+        </pc:sldMkLst>
+        <pc:spChg chg="add mod">
+          <ac:chgData name="Long B Nguyen" userId="f59fb8f3-a021-417a-8bc1-65c8d471c621" providerId="ADAL" clId="{0E2AE9A0-AA60-BB4A-B160-C870111F23F3}" dt="2021-05-06T04:39:59.717" v="5760"/>
+          <ac:spMkLst>
+            <pc:docMk/>
+            <pc:sldMk cId="1466770109" sldId="551"/>
+            <ac:spMk id="3" creationId="{33128759-E241-B749-9574-6BA836BFE00B}"/>
+          </ac:spMkLst>
+        </pc:spChg>
+        <pc:spChg chg="mod">
+          <ac:chgData name="Long B Nguyen" userId="f59fb8f3-a021-417a-8bc1-65c8d471c621" providerId="ADAL" clId="{0E2AE9A0-AA60-BB4A-B160-C870111F23F3}" dt="2021-05-04T22:16:36.074" v="1169" actId="1076"/>
+          <ac:spMkLst>
+            <pc:docMk/>
+            <pc:sldMk cId="1466770109" sldId="551"/>
+            <ac:spMk id="186370" creationId="{D6E10FAF-E655-D943-A67A-780B97487E72}"/>
+          </ac:spMkLst>
+        </pc:spChg>
+        <pc:spChg chg="mod">
+          <ac:chgData name="Long B Nguyen" userId="f59fb8f3-a021-417a-8bc1-65c8d471c621" providerId="ADAL" clId="{0E2AE9A0-AA60-BB4A-B160-C870111F23F3}" dt="2021-05-07T12:04:44.914" v="6588" actId="20577"/>
+          <ac:spMkLst>
+            <pc:docMk/>
+            <pc:sldMk cId="1466770109" sldId="551"/>
+            <ac:spMk id="186371" creationId="{214E48A6-BA1C-C34E-86B2-AEA085EF0B60}"/>
+          </ac:spMkLst>
+        </pc:spChg>
+        <pc:picChg chg="mod">
+          <ac:chgData name="Long B Nguyen" userId="f59fb8f3-a021-417a-8bc1-65c8d471c621" providerId="ADAL" clId="{0E2AE9A0-AA60-BB4A-B160-C870111F23F3}" dt="2021-05-04T22:16:32.182" v="1168" actId="1076"/>
+          <ac:picMkLst>
+            <pc:docMk/>
+            <pc:sldMk cId="1466770109" sldId="551"/>
+            <ac:picMk id="2" creationId="{20D4FFD0-EE39-D747-BEF8-1F8589FB3176}"/>
+          </ac:picMkLst>
+        </pc:picChg>
+      </pc:sldChg>
+      <pc:sldChg chg="addSp modSp add del mod modAnim">
+        <pc:chgData name="Long B Nguyen" userId="f59fb8f3-a021-417a-8bc1-65c8d471c621" providerId="ADAL" clId="{0E2AE9A0-AA60-BB4A-B160-C870111F23F3}" dt="2021-05-07T11:56:35.417" v="6391" actId="2696"/>
+        <pc:sldMkLst>
+          <pc:docMk/>
+          <pc:sldMk cId="2853411292" sldId="552"/>
+        </pc:sldMkLst>
+        <pc:spChg chg="add mod">
+          <ac:chgData name="Long B Nguyen" userId="f59fb8f3-a021-417a-8bc1-65c8d471c621" providerId="ADAL" clId="{0E2AE9A0-AA60-BB4A-B160-C870111F23F3}" dt="2021-05-06T04:39:59.717" v="5760"/>
+          <ac:spMkLst>
+            <pc:docMk/>
+            <pc:sldMk cId="2853411292" sldId="552"/>
+            <ac:spMk id="2" creationId="{676CE5E9-0770-7D40-A2D2-7D96FDD0BEB5}"/>
+          </ac:spMkLst>
+        </pc:spChg>
+        <pc:spChg chg="mod">
+          <ac:chgData name="Long B Nguyen" userId="f59fb8f3-a021-417a-8bc1-65c8d471c621" providerId="ADAL" clId="{0E2AE9A0-AA60-BB4A-B160-C870111F23F3}" dt="2021-05-04T22:17:27.755" v="1173" actId="255"/>
+          <ac:spMkLst>
+            <pc:docMk/>
+            <pc:sldMk cId="2853411292" sldId="552"/>
+            <ac:spMk id="6146" creationId="{EAA042DF-FAF2-DA4B-9FB9-A8E93FAB0389}"/>
+          </ac:spMkLst>
+        </pc:spChg>
+        <pc:spChg chg="mod">
+          <ac:chgData name="Long B Nguyen" userId="f59fb8f3-a021-417a-8bc1-65c8d471c621" providerId="ADAL" clId="{0E2AE9A0-AA60-BB4A-B160-C870111F23F3}" dt="2021-05-04T16:46:39.267" v="1117" actId="1076"/>
+          <ac:spMkLst>
+            <pc:docMk/>
+            <pc:sldMk cId="2853411292" sldId="552"/>
+            <ac:spMk id="186370" creationId="{C5506108-D6E6-9641-98CC-A9DA92AF0478}"/>
+          </ac:spMkLst>
+        </pc:spChg>
+      </pc:sldChg>
+      <pc:sldChg chg="add">
+        <pc:chgData name="Long B Nguyen" userId="f59fb8f3-a021-417a-8bc1-65c8d471c621" providerId="ADAL" clId="{0E2AE9A0-AA60-BB4A-B160-C870111F23F3}" dt="2021-05-07T11:56:39.185" v="6392"/>
+        <pc:sldMkLst>
+          <pc:docMk/>
+          <pc:sldMk cId="3614929084" sldId="552"/>
+        </pc:sldMkLst>
+      </pc:sldChg>
+      <pc:sldChg chg="addSp modSp add mod modAnim">
+        <pc:chgData name="Long B Nguyen" userId="f59fb8f3-a021-417a-8bc1-65c8d471c621" providerId="ADAL" clId="{0E2AE9A0-AA60-BB4A-B160-C870111F23F3}" dt="2021-05-07T12:01:25.594" v="6545"/>
+        <pc:sldMkLst>
+          <pc:docMk/>
+          <pc:sldMk cId="3802582321" sldId="553"/>
+        </pc:sldMkLst>
+        <pc:spChg chg="add mod">
+          <ac:chgData name="Long B Nguyen" userId="f59fb8f3-a021-417a-8bc1-65c8d471c621" providerId="ADAL" clId="{0E2AE9A0-AA60-BB4A-B160-C870111F23F3}" dt="2021-05-06T04:39:59.717" v="5760"/>
+          <ac:spMkLst>
+            <pc:docMk/>
+            <pc:sldMk cId="3802582321" sldId="553"/>
+            <ac:spMk id="2" creationId="{212358BB-7F38-DE4B-B13F-EC3F7FF7E613}"/>
+          </ac:spMkLst>
+        </pc:spChg>
+        <pc:spChg chg="mod">
+          <ac:chgData name="Long B Nguyen" userId="f59fb8f3-a021-417a-8bc1-65c8d471c621" providerId="ADAL" clId="{0E2AE9A0-AA60-BB4A-B160-C870111F23F3}" dt="2021-05-07T12:00:55.561" v="6543" actId="20577"/>
+          <ac:spMkLst>
+            <pc:docMk/>
+            <pc:sldMk cId="3802582321" sldId="553"/>
+            <ac:spMk id="6146" creationId="{EAA042DF-FAF2-DA4B-9FB9-A8E93FAB0389}"/>
+          </ac:spMkLst>
+        </pc:spChg>
+        <pc:spChg chg="mod">
+          <ac:chgData name="Long B Nguyen" userId="f59fb8f3-a021-417a-8bc1-65c8d471c621" providerId="ADAL" clId="{0E2AE9A0-AA60-BB4A-B160-C870111F23F3}" dt="2021-05-04T22:15:42.997" v="1160" actId="1076"/>
+          <ac:spMkLst>
+            <pc:docMk/>
+            <pc:sldMk cId="3802582321" sldId="553"/>
+            <ac:spMk id="186370" creationId="{C5506108-D6E6-9641-98CC-A9DA92AF0478}"/>
+          </ac:spMkLst>
+        </pc:spChg>
+        <pc:cxnChg chg="add mod">
+          <ac:chgData name="Long B Nguyen" userId="f59fb8f3-a021-417a-8bc1-65c8d471c621" providerId="ADAL" clId="{0E2AE9A0-AA60-BB4A-B160-C870111F23F3}" dt="2021-05-07T12:00:07.539" v="6539" actId="692"/>
+          <ac:cxnSpMkLst>
+            <pc:docMk/>
+            <pc:sldMk cId="3802582321" sldId="553"/>
+            <ac:cxnSpMk id="4" creationId="{6F7FAA95-1CB1-6246-9247-83FDFD7281C5}"/>
+          </ac:cxnSpMkLst>
+        </pc:cxnChg>
+        <pc:cxnChg chg="add mod">
+          <ac:chgData name="Long B Nguyen" userId="f59fb8f3-a021-417a-8bc1-65c8d471c621" providerId="ADAL" clId="{0E2AE9A0-AA60-BB4A-B160-C870111F23F3}" dt="2021-05-07T12:00:16.595" v="6541" actId="1076"/>
+          <ac:cxnSpMkLst>
+            <pc:docMk/>
+            <pc:sldMk cId="3802582321" sldId="553"/>
+            <ac:cxnSpMk id="9" creationId="{696833A3-9446-104B-8B36-CF472B191E13}"/>
+          </ac:cxnSpMkLst>
+        </pc:cxnChg>
+      </pc:sldChg>
+      <pc:sldChg chg="add">
+        <pc:chgData name="Long B Nguyen" userId="f59fb8f3-a021-417a-8bc1-65c8d471c621" providerId="ADAL" clId="{0E2AE9A0-AA60-BB4A-B160-C870111F23F3}" dt="2021-05-07T13:34:46.957" v="6596"/>
+        <pc:sldMkLst>
+          <pc:docMk/>
+          <pc:sldMk cId="394221605" sldId="554"/>
+        </pc:sldMkLst>
+      </pc:sldChg>
+      <pc:sldChg chg="addSp delSp modSp add del mod modAnim">
+        <pc:chgData name="Long B Nguyen" userId="f59fb8f3-a021-417a-8bc1-65c8d471c621" providerId="ADAL" clId="{0E2AE9A0-AA60-BB4A-B160-C870111F23F3}" dt="2021-05-07T13:34:31.161" v="6589" actId="2696"/>
+        <pc:sldMkLst>
+          <pc:docMk/>
+          <pc:sldMk cId="2716603920" sldId="554"/>
+        </pc:sldMkLst>
+        <pc:spChg chg="add del mod">
+          <ac:chgData name="Long B Nguyen" userId="f59fb8f3-a021-417a-8bc1-65c8d471c621" providerId="ADAL" clId="{0E2AE9A0-AA60-BB4A-B160-C870111F23F3}" dt="2021-05-04T22:31:56.106" v="1250"/>
+          <ac:spMkLst>
+            <pc:docMk/>
+            <pc:sldMk cId="2716603920" sldId="554"/>
+            <ac:spMk id="2" creationId="{91FACAD6-67CF-D048-A67F-38828B978B2A}"/>
+          </ac:spMkLst>
+        </pc:spChg>
+        <pc:spChg chg="add mod">
+          <ac:chgData name="Long B Nguyen" userId="f59fb8f3-a021-417a-8bc1-65c8d471c621" providerId="ADAL" clId="{0E2AE9A0-AA60-BB4A-B160-C870111F23F3}" dt="2021-05-06T04:39:59.717" v="5760"/>
+          <ac:spMkLst>
+            <pc:docMk/>
+            <pc:sldMk cId="2716603920" sldId="554"/>
+            <ac:spMk id="2" creationId="{EAEC08EF-B495-0248-BDF8-D62158BA5FFD}"/>
+          </ac:spMkLst>
+        </pc:spChg>
+        <pc:spChg chg="mod">
+          <ac:chgData name="Long B Nguyen" userId="f59fb8f3-a021-417a-8bc1-65c8d471c621" providerId="ADAL" clId="{0E2AE9A0-AA60-BB4A-B160-C870111F23F3}" dt="2021-05-06T03:36:30.204" v="5620" actId="113"/>
+          <ac:spMkLst>
+            <pc:docMk/>
+            <pc:sldMk cId="2716603920" sldId="554"/>
+            <ac:spMk id="6146" creationId="{EAA042DF-FAF2-DA4B-9FB9-A8E93FAB0389}"/>
+          </ac:spMkLst>
+        </pc:spChg>
+        <pc:spChg chg="mod">
+          <ac:chgData name="Long B Nguyen" userId="f59fb8f3-a021-417a-8bc1-65c8d471c621" providerId="ADAL" clId="{0E2AE9A0-AA60-BB4A-B160-C870111F23F3}" dt="2021-05-04T22:28:32.008" v="1198" actId="20577"/>
+          <ac:spMkLst>
+            <pc:docMk/>
+            <pc:sldMk cId="2716603920" sldId="554"/>
+            <ac:spMk id="186370" creationId="{C5506108-D6E6-9641-98CC-A9DA92AF0478}"/>
+          </ac:spMkLst>
+        </pc:spChg>
+      </pc:sldChg>
+      <pc:sldChg chg="new del">
+        <pc:chgData name="Long B Nguyen" userId="f59fb8f3-a021-417a-8bc1-65c8d471c621" providerId="ADAL" clId="{0E2AE9A0-AA60-BB4A-B160-C870111F23F3}" dt="2021-05-05T22:24:48.929" v="5448" actId="2696"/>
+        <pc:sldMkLst>
+          <pc:docMk/>
+          <pc:sldMk cId="1079926079" sldId="555"/>
+        </pc:sldMkLst>
+      </pc:sldChg>
+      <pc:sldChg chg="addSp modSp add del mod modAnim">
+        <pc:chgData name="Long B Nguyen" userId="f59fb8f3-a021-417a-8bc1-65c8d471c621" providerId="ADAL" clId="{0E2AE9A0-AA60-BB4A-B160-C870111F23F3}" dt="2021-05-07T13:34:31.259" v="6593" actId="2696"/>
+        <pc:sldMkLst>
+          <pc:docMk/>
+          <pc:sldMk cId="63885118" sldId="556"/>
+        </pc:sldMkLst>
+        <pc:spChg chg="add mod">
+          <ac:chgData name="Long B Nguyen" userId="f59fb8f3-a021-417a-8bc1-65c8d471c621" providerId="ADAL" clId="{0E2AE9A0-AA60-BB4A-B160-C870111F23F3}" dt="2021-05-06T04:39:59.717" v="5760"/>
+          <ac:spMkLst>
+            <pc:docMk/>
+            <pc:sldMk cId="63885118" sldId="556"/>
+            <ac:spMk id="2" creationId="{B20B7105-DF5A-C340-AECE-D8A3C15DF162}"/>
+          </ac:spMkLst>
+        </pc:spChg>
+        <pc:spChg chg="mod">
+          <ac:chgData name="Long B Nguyen" userId="f59fb8f3-a021-417a-8bc1-65c8d471c621" providerId="ADAL" clId="{0E2AE9A0-AA60-BB4A-B160-C870111F23F3}" dt="2021-05-06T03:38:16.367" v="5660" actId="20577"/>
+          <ac:spMkLst>
+            <pc:docMk/>
+            <pc:sldMk cId="63885118" sldId="556"/>
+            <ac:spMk id="6146" creationId="{EAA042DF-FAF2-DA4B-9FB9-A8E93FAB0389}"/>
+          </ac:spMkLst>
+        </pc:spChg>
+        <pc:spChg chg="mod">
+          <ac:chgData name="Long B Nguyen" userId="f59fb8f3-a021-417a-8bc1-65c8d471c621" providerId="ADAL" clId="{0E2AE9A0-AA60-BB4A-B160-C870111F23F3}" dt="2021-05-05T02:21:16.279" v="2187" actId="20577"/>
+          <ac:spMkLst>
+            <pc:docMk/>
+            <pc:sldMk cId="63885118" sldId="556"/>
+            <ac:spMk id="186370" creationId="{C5506108-D6E6-9641-98CC-A9DA92AF0478}"/>
+          </ac:spMkLst>
+        </pc:spChg>
+      </pc:sldChg>
+      <pc:sldChg chg="del">
+        <pc:chgData name="Long B Nguyen" userId="f59fb8f3-a021-417a-8bc1-65c8d471c621" providerId="ADAL" clId="{0E2AE9A0-AA60-BB4A-B160-C870111F23F3}" dt="2021-05-04T16:19:25.283" v="16" actId="2696"/>
+        <pc:sldMkLst>
+          <pc:docMk/>
+          <pc:sldMk cId="1925924244" sldId="556"/>
+        </pc:sldMkLst>
+      </pc:sldChg>
+      <pc:sldChg chg="add">
+        <pc:chgData name="Long B Nguyen" userId="f59fb8f3-a021-417a-8bc1-65c8d471c621" providerId="ADAL" clId="{0E2AE9A0-AA60-BB4A-B160-C870111F23F3}" dt="2021-05-07T13:34:46.957" v="6596"/>
+        <pc:sldMkLst>
+          <pc:docMk/>
+          <pc:sldMk cId="2114242178" sldId="556"/>
+        </pc:sldMkLst>
+      </pc:sldChg>
+      <pc:sldChg chg="addSp modSp add del mod modAnim">
+        <pc:chgData name="Long B Nguyen" userId="f59fb8f3-a021-417a-8bc1-65c8d471c621" providerId="ADAL" clId="{0E2AE9A0-AA60-BB4A-B160-C870111F23F3}" dt="2021-05-07T13:34:31.183" v="6590" actId="2696"/>
+        <pc:sldMkLst>
+          <pc:docMk/>
+          <pc:sldMk cId="1296694967" sldId="557"/>
+        </pc:sldMkLst>
+        <pc:spChg chg="add mod">
+          <ac:chgData name="Long B Nguyen" userId="f59fb8f3-a021-417a-8bc1-65c8d471c621" providerId="ADAL" clId="{0E2AE9A0-AA60-BB4A-B160-C870111F23F3}" dt="2021-05-06T04:39:59.717" v="5760"/>
+          <ac:spMkLst>
+            <pc:docMk/>
+            <pc:sldMk cId="1296694967" sldId="557"/>
+            <ac:spMk id="2" creationId="{8E7659A5-BFDF-0941-9706-1003922E6812}"/>
+          </ac:spMkLst>
+        </pc:spChg>
+        <pc:spChg chg="mod">
+          <ac:chgData name="Long B Nguyen" userId="f59fb8f3-a021-417a-8bc1-65c8d471c621" providerId="ADAL" clId="{0E2AE9A0-AA60-BB4A-B160-C870111F23F3}" dt="2021-05-06T03:37:27.977" v="5644" actId="20577"/>
+          <ac:spMkLst>
+            <pc:docMk/>
+            <pc:sldMk cId="1296694967" sldId="557"/>
+            <ac:spMk id="6146" creationId="{EAA042DF-FAF2-DA4B-9FB9-A8E93FAB0389}"/>
+          </ac:spMkLst>
+        </pc:spChg>
+        <pc:spChg chg="mod">
+          <ac:chgData name="Long B Nguyen" userId="f59fb8f3-a021-417a-8bc1-65c8d471c621" providerId="ADAL" clId="{0E2AE9A0-AA60-BB4A-B160-C870111F23F3}" dt="2021-05-04T22:39:28.485" v="1429" actId="20577"/>
+          <ac:spMkLst>
+            <pc:docMk/>
+            <pc:sldMk cId="1296694967" sldId="557"/>
+            <ac:spMk id="186370" creationId="{C5506108-D6E6-9641-98CC-A9DA92AF0478}"/>
+          </ac:spMkLst>
+        </pc:spChg>
+      </pc:sldChg>
+      <pc:sldChg chg="add">
+        <pc:chgData name="Long B Nguyen" userId="f59fb8f3-a021-417a-8bc1-65c8d471c621" providerId="ADAL" clId="{0E2AE9A0-AA60-BB4A-B160-C870111F23F3}" dt="2021-05-07T13:34:46.957" v="6596"/>
+        <pc:sldMkLst>
+          <pc:docMk/>
+          <pc:sldMk cId="2431525960" sldId="557"/>
+        </pc:sldMkLst>
+      </pc:sldChg>
+      <pc:sldChg chg="modSp add del mod">
+        <pc:chgData name="Long B Nguyen" userId="f59fb8f3-a021-417a-8bc1-65c8d471c621" providerId="ADAL" clId="{0E2AE9A0-AA60-BB4A-B160-C870111F23F3}" dt="2021-05-05T21:33:32.440" v="3641" actId="2696"/>
+        <pc:sldMkLst>
+          <pc:docMk/>
+          <pc:sldMk cId="2441755984" sldId="558"/>
+        </pc:sldMkLst>
+        <pc:spChg chg="mod">
+          <ac:chgData name="Long B Nguyen" userId="f59fb8f3-a021-417a-8bc1-65c8d471c621" providerId="ADAL" clId="{0E2AE9A0-AA60-BB4A-B160-C870111F23F3}" dt="2021-05-05T02:17:38.279" v="2075" actId="20577"/>
+          <ac:spMkLst>
+            <pc:docMk/>
+            <pc:sldMk cId="2441755984" sldId="558"/>
+            <ac:spMk id="6146" creationId="{EAA042DF-FAF2-DA4B-9FB9-A8E93FAB0389}"/>
+          </ac:spMkLst>
+        </pc:spChg>
+      </pc:sldChg>
+      <pc:sldChg chg="del">
+        <pc:chgData name="Long B Nguyen" userId="f59fb8f3-a021-417a-8bc1-65c8d471c621" providerId="ADAL" clId="{0E2AE9A0-AA60-BB4A-B160-C870111F23F3}" dt="2021-05-04T16:19:25.283" v="16" actId="2696"/>
+        <pc:sldMkLst>
+          <pc:docMk/>
+          <pc:sldMk cId="748879865" sldId="559"/>
+        </pc:sldMkLst>
+      </pc:sldChg>
+      <pc:sldChg chg="add">
+        <pc:chgData name="Long B Nguyen" userId="f59fb8f3-a021-417a-8bc1-65c8d471c621" providerId="ADAL" clId="{0E2AE9A0-AA60-BB4A-B160-C870111F23F3}" dt="2021-05-07T13:34:46.957" v="6596"/>
+        <pc:sldMkLst>
+          <pc:docMk/>
+          <pc:sldMk cId="1567828261" sldId="559"/>
+        </pc:sldMkLst>
+      </pc:sldChg>
+      <pc:sldChg chg="addSp modSp add del mod modAnim">
+        <pc:chgData name="Long B Nguyen" userId="f59fb8f3-a021-417a-8bc1-65c8d471c621" providerId="ADAL" clId="{0E2AE9A0-AA60-BB4A-B160-C870111F23F3}" dt="2021-05-07T13:34:31.201" v="6591" actId="2696"/>
+        <pc:sldMkLst>
+          <pc:docMk/>
+          <pc:sldMk cId="2856452792" sldId="559"/>
+        </pc:sldMkLst>
+        <pc:spChg chg="add mod">
+          <ac:chgData name="Long B Nguyen" userId="f59fb8f3-a021-417a-8bc1-65c8d471c621" providerId="ADAL" clId="{0E2AE9A0-AA60-BB4A-B160-C870111F23F3}" dt="2021-05-06T04:39:59.717" v="5760"/>
+          <ac:spMkLst>
+            <pc:docMk/>
+            <pc:sldMk cId="2856452792" sldId="559"/>
+            <ac:spMk id="2" creationId="{9C3CA69A-9F9B-CC4B-BBCA-6F6F89332FC4}"/>
+          </ac:spMkLst>
+        </pc:spChg>
+        <pc:spChg chg="mod">
+          <ac:chgData name="Long B Nguyen" userId="f59fb8f3-a021-417a-8bc1-65c8d471c621" providerId="ADAL" clId="{0E2AE9A0-AA60-BB4A-B160-C870111F23F3}" dt="2021-05-06T03:39:23.431" v="5671" actId="20577"/>
+          <ac:spMkLst>
+            <pc:docMk/>
+            <pc:sldMk cId="2856452792" sldId="559"/>
+            <ac:spMk id="6146" creationId="{EAA042DF-FAF2-DA4B-9FB9-A8E93FAB0389}"/>
+          </ac:spMkLst>
+        </pc:spChg>
+        <pc:spChg chg="mod">
+          <ac:chgData name="Long B Nguyen" userId="f59fb8f3-a021-417a-8bc1-65c8d471c621" providerId="ADAL" clId="{0E2AE9A0-AA60-BB4A-B160-C870111F23F3}" dt="2021-05-05T02:28:29.285" v="2493" actId="20577"/>
+          <ac:spMkLst>
+            <pc:docMk/>
+            <pc:sldMk cId="2856452792" sldId="559"/>
+            <ac:spMk id="186370" creationId="{C5506108-D6E6-9641-98CC-A9DA92AF0478}"/>
+          </ac:spMkLst>
+        </pc:spChg>
+      </pc:sldChg>
+      <pc:sldChg chg="addSp delSp modSp add del mod modAnim">
+        <pc:chgData name="Long B Nguyen" userId="f59fb8f3-a021-417a-8bc1-65c8d471c621" providerId="ADAL" clId="{0E2AE9A0-AA60-BB4A-B160-C870111F23F3}" dt="2021-05-07T13:34:31.303" v="6594" actId="2696"/>
+        <pc:sldMkLst>
+          <pc:docMk/>
+          <pc:sldMk cId="1421442645" sldId="560"/>
+        </pc:sldMkLst>
+        <pc:spChg chg="add mod">
+          <ac:chgData name="Long B Nguyen" userId="f59fb8f3-a021-417a-8bc1-65c8d471c621" providerId="ADAL" clId="{0E2AE9A0-AA60-BB4A-B160-C870111F23F3}" dt="2021-05-06T04:39:59.717" v="5760"/>
+          <ac:spMkLst>
+            <pc:docMk/>
+            <pc:sldMk cId="1421442645" sldId="560"/>
+            <ac:spMk id="2" creationId="{3F3777BB-3610-4B44-80AB-6B366FF42E17}"/>
+          </ac:spMkLst>
+        </pc:spChg>
+        <pc:spChg chg="add del mod">
+          <ac:chgData name="Long B Nguyen" userId="f59fb8f3-a021-417a-8bc1-65c8d471c621" providerId="ADAL" clId="{0E2AE9A0-AA60-BB4A-B160-C870111F23F3}" dt="2021-05-05T21:29:34.660" v="3553" actId="478"/>
+          <ac:spMkLst>
+            <pc:docMk/>
+            <pc:sldMk cId="1421442645" sldId="560"/>
+            <ac:spMk id="3" creationId="{AB4FE4FC-2971-B943-A976-B130B6E93B71}"/>
+          </ac:spMkLst>
+        </pc:spChg>
+        <pc:spChg chg="mod">
+          <ac:chgData name="Long B Nguyen" userId="f59fb8f3-a021-417a-8bc1-65c8d471c621" providerId="ADAL" clId="{0E2AE9A0-AA60-BB4A-B160-C870111F23F3}" dt="2021-05-06T03:42:05.881" v="5676" actId="20577"/>
+          <ac:spMkLst>
+            <pc:docMk/>
+            <pc:sldMk cId="1421442645" sldId="560"/>
+            <ac:spMk id="6146" creationId="{EAA042DF-FAF2-DA4B-9FB9-A8E93FAB0389}"/>
+          </ac:spMkLst>
+        </pc:spChg>
+        <pc:spChg chg="del mod">
+          <ac:chgData name="Long B Nguyen" userId="f59fb8f3-a021-417a-8bc1-65c8d471c621" providerId="ADAL" clId="{0E2AE9A0-AA60-BB4A-B160-C870111F23F3}" dt="2021-05-05T21:29:32.583" v="3552" actId="478"/>
+          <ac:spMkLst>
+            <pc:docMk/>
+            <pc:sldMk cId="1421442645" sldId="560"/>
+            <ac:spMk id="186370" creationId="{C5506108-D6E6-9641-98CC-A9DA92AF0478}"/>
+          </ac:spMkLst>
+        </pc:spChg>
+      </pc:sldChg>
+      <pc:sldChg chg="add">
+        <pc:chgData name="Long B Nguyen" userId="f59fb8f3-a021-417a-8bc1-65c8d471c621" providerId="ADAL" clId="{0E2AE9A0-AA60-BB4A-B160-C870111F23F3}" dt="2021-05-07T13:34:46.957" v="6596"/>
+        <pc:sldMkLst>
+          <pc:docMk/>
+          <pc:sldMk cId="2659410340" sldId="560"/>
+        </pc:sldMkLst>
+      </pc:sldChg>
+      <pc:sldChg chg="del">
+        <pc:chgData name="Long B Nguyen" userId="f59fb8f3-a021-417a-8bc1-65c8d471c621" providerId="ADAL" clId="{0E2AE9A0-AA60-BB4A-B160-C870111F23F3}" dt="2021-05-04T16:19:25.283" v="16" actId="2696"/>
+        <pc:sldMkLst>
+          <pc:docMk/>
+          <pc:sldMk cId="3841479407" sldId="560"/>
+        </pc:sldMkLst>
+      </pc:sldChg>
+      <pc:sldChg chg="del">
+        <pc:chgData name="Long B Nguyen" userId="f59fb8f3-a021-417a-8bc1-65c8d471c621" providerId="ADAL" clId="{0E2AE9A0-AA60-BB4A-B160-C870111F23F3}" dt="2021-05-04T16:19:25.283" v="16" actId="2696"/>
+        <pc:sldMkLst>
+          <pc:docMk/>
+          <pc:sldMk cId="558292674" sldId="561"/>
+        </pc:sldMkLst>
+      </pc:sldChg>
+      <pc:sldChg chg="add">
+        <pc:chgData name="Long B Nguyen" userId="f59fb8f3-a021-417a-8bc1-65c8d471c621" providerId="ADAL" clId="{0E2AE9A0-AA60-BB4A-B160-C870111F23F3}" dt="2021-05-07T13:34:46.957" v="6596"/>
+        <pc:sldMkLst>
+          <pc:docMk/>
+          <pc:sldMk cId="1610208212" sldId="561"/>
+        </pc:sldMkLst>
+      </pc:sldChg>
+      <pc:sldChg chg="addSp modSp add del mod modAnim">
+        <pc:chgData name="Long B Nguyen" userId="f59fb8f3-a021-417a-8bc1-65c8d471c621" providerId="ADAL" clId="{0E2AE9A0-AA60-BB4A-B160-C870111F23F3}" dt="2021-05-07T13:34:31.330" v="6595" actId="2696"/>
+        <pc:sldMkLst>
+          <pc:docMk/>
+          <pc:sldMk cId="4162457998" sldId="561"/>
+        </pc:sldMkLst>
+        <pc:spChg chg="add mod">
+          <ac:chgData name="Long B Nguyen" userId="f59fb8f3-a021-417a-8bc1-65c8d471c621" providerId="ADAL" clId="{0E2AE9A0-AA60-BB4A-B160-C870111F23F3}" dt="2021-05-06T04:39:59.717" v="5760"/>
+          <ac:spMkLst>
+            <pc:docMk/>
+            <pc:sldMk cId="4162457998" sldId="561"/>
+            <ac:spMk id="2" creationId="{8FBD42D2-FB35-334B-9DC6-7C44CA59319B}"/>
+          </ac:spMkLst>
+        </pc:spChg>
+        <pc:spChg chg="mod">
+          <ac:chgData name="Long B Nguyen" userId="f59fb8f3-a021-417a-8bc1-65c8d471c621" providerId="ADAL" clId="{0E2AE9A0-AA60-BB4A-B160-C870111F23F3}" dt="2021-05-05T21:55:59.668" v="4288" actId="20577"/>
+          <ac:spMkLst>
+            <pc:docMk/>
+            <pc:sldMk cId="4162457998" sldId="561"/>
+            <ac:spMk id="6146" creationId="{EAA042DF-FAF2-DA4B-9FB9-A8E93FAB0389}"/>
+          </ac:spMkLst>
+        </pc:spChg>
+      </pc:sldChg>
+      <pc:sldChg chg="del">
+        <pc:chgData name="Long B Nguyen" userId="f59fb8f3-a021-417a-8bc1-65c8d471c621" providerId="ADAL" clId="{0E2AE9A0-AA60-BB4A-B160-C870111F23F3}" dt="2021-05-04T16:19:25.283" v="16" actId="2696"/>
+        <pc:sldMkLst>
+          <pc:docMk/>
+          <pc:sldMk cId="3239512120" sldId="562"/>
+        </pc:sldMkLst>
+      </pc:sldChg>
+      <pc:sldChg chg="del">
+        <pc:chgData name="Long B Nguyen" userId="f59fb8f3-a021-417a-8bc1-65c8d471c621" providerId="ADAL" clId="{0E2AE9A0-AA60-BB4A-B160-C870111F23F3}" dt="2021-05-04T16:19:25.283" v="16" actId="2696"/>
+        <pc:sldMkLst>
+          <pc:docMk/>
+          <pc:sldMk cId="62561003" sldId="564"/>
+        </pc:sldMkLst>
+      </pc:sldChg>
+      <pc:sldChg chg="del">
+        <pc:chgData name="Long B Nguyen" userId="f59fb8f3-a021-417a-8bc1-65c8d471c621" providerId="ADAL" clId="{0E2AE9A0-AA60-BB4A-B160-C870111F23F3}" dt="2021-05-04T16:19:25.283" v="16" actId="2696"/>
+        <pc:sldMkLst>
+          <pc:docMk/>
+          <pc:sldMk cId="1496186937" sldId="565"/>
+        </pc:sldMkLst>
+      </pc:sldChg>
+      <pc:sldChg chg="del">
+        <pc:chgData name="Long B Nguyen" userId="f59fb8f3-a021-417a-8bc1-65c8d471c621" providerId="ADAL" clId="{0E2AE9A0-AA60-BB4A-B160-C870111F23F3}" dt="2021-05-04T16:19:25.283" v="16" actId="2696"/>
+        <pc:sldMkLst>
+          <pc:docMk/>
+          <pc:sldMk cId="1123629102" sldId="566"/>
+        </pc:sldMkLst>
+      </pc:sldChg>
+      <pc:sldChg chg="del">
+        <pc:chgData name="Long B Nguyen" userId="f59fb8f3-a021-417a-8bc1-65c8d471c621" providerId="ADAL" clId="{0E2AE9A0-AA60-BB4A-B160-C870111F23F3}" dt="2021-05-04T16:19:25.283" v="16" actId="2696"/>
+        <pc:sldMkLst>
+          <pc:docMk/>
+          <pc:sldMk cId="3949497385" sldId="567"/>
+        </pc:sldMkLst>
+      </pc:sldChg>
+      <pc:sldChg chg="del">
+        <pc:chgData name="Long B Nguyen" userId="f59fb8f3-a021-417a-8bc1-65c8d471c621" providerId="ADAL" clId="{0E2AE9A0-AA60-BB4A-B160-C870111F23F3}" dt="2021-05-04T16:19:25.283" v="16" actId="2696"/>
+        <pc:sldMkLst>
+          <pc:docMk/>
+          <pc:sldMk cId="3008892020" sldId="569"/>
+        </pc:sldMkLst>
+      </pc:sldChg>
+      <pc:sldChg chg="del">
+        <pc:chgData name="Long B Nguyen" userId="f59fb8f3-a021-417a-8bc1-65c8d471c621" providerId="ADAL" clId="{0E2AE9A0-AA60-BB4A-B160-C870111F23F3}" dt="2021-05-04T16:19:25.283" v="16" actId="2696"/>
+        <pc:sldMkLst>
+          <pc:docMk/>
+          <pc:sldMk cId="2526255488" sldId="570"/>
+        </pc:sldMkLst>
+      </pc:sldChg>
+      <pc:sldChg chg="del">
+        <pc:chgData name="Long B Nguyen" userId="f59fb8f3-a021-417a-8bc1-65c8d471c621" providerId="ADAL" clId="{0E2AE9A0-AA60-BB4A-B160-C870111F23F3}" dt="2021-05-04T16:19:25.283" v="16" actId="2696"/>
+        <pc:sldMkLst>
+          <pc:docMk/>
+          <pc:sldMk cId="4110945301" sldId="574"/>
+        </pc:sldMkLst>
+      </pc:sldChg>
+      <pc:sldChg chg="del">
+        <pc:chgData name="Long B Nguyen" userId="f59fb8f3-a021-417a-8bc1-65c8d471c621" providerId="ADAL" clId="{0E2AE9A0-AA60-BB4A-B160-C870111F23F3}" dt="2021-05-04T16:19:25.283" v="16" actId="2696"/>
+        <pc:sldMkLst>
+          <pc:docMk/>
+          <pc:sldMk cId="2954573052" sldId="576"/>
+        </pc:sldMkLst>
+      </pc:sldChg>
+      <pc:sldChg chg="del">
+        <pc:chgData name="Long B Nguyen" userId="f59fb8f3-a021-417a-8bc1-65c8d471c621" providerId="ADAL" clId="{0E2AE9A0-AA60-BB4A-B160-C870111F23F3}" dt="2021-05-04T16:19:25.283" v="16" actId="2696"/>
+        <pc:sldMkLst>
+          <pc:docMk/>
+          <pc:sldMk cId="1547101256" sldId="577"/>
+        </pc:sldMkLst>
+      </pc:sldChg>
+      <pc:sldChg chg="del">
+        <pc:chgData name="Long B Nguyen" userId="f59fb8f3-a021-417a-8bc1-65c8d471c621" providerId="ADAL" clId="{0E2AE9A0-AA60-BB4A-B160-C870111F23F3}" dt="2021-05-04T16:19:25.283" v="16" actId="2696"/>
+        <pc:sldMkLst>
+          <pc:docMk/>
+          <pc:sldMk cId="891751900" sldId="579"/>
+        </pc:sldMkLst>
+      </pc:sldChg>
+      <pc:sldChg chg="del">
+        <pc:chgData name="Long B Nguyen" userId="f59fb8f3-a021-417a-8bc1-65c8d471c621" providerId="ADAL" clId="{0E2AE9A0-AA60-BB4A-B160-C870111F23F3}" dt="2021-05-04T16:19:25.283" v="16" actId="2696"/>
+        <pc:sldMkLst>
+          <pc:docMk/>
+          <pc:sldMk cId="2483610180" sldId="580"/>
+        </pc:sldMkLst>
+      </pc:sldChg>
+      <pc:sldChg chg="del">
+        <pc:chgData name="Long B Nguyen" userId="f59fb8f3-a021-417a-8bc1-65c8d471c621" providerId="ADAL" clId="{0E2AE9A0-AA60-BB4A-B160-C870111F23F3}" dt="2021-05-04T16:19:25.283" v="16" actId="2696"/>
+        <pc:sldMkLst>
+          <pc:docMk/>
+          <pc:sldMk cId="830544632" sldId="581"/>
+        </pc:sldMkLst>
+      </pc:sldChg>
+      <pc:sldChg chg="del">
+        <pc:chgData name="Long B Nguyen" userId="f59fb8f3-a021-417a-8bc1-65c8d471c621" providerId="ADAL" clId="{0E2AE9A0-AA60-BB4A-B160-C870111F23F3}" dt="2021-05-04T16:19:25.283" v="16" actId="2696"/>
+        <pc:sldMkLst>
+          <pc:docMk/>
+          <pc:sldMk cId="1603111093" sldId="582"/>
+        </pc:sldMkLst>
+      </pc:sldChg>
+      <pc:sldChg chg="del">
+        <pc:chgData name="Long B Nguyen" userId="f59fb8f3-a021-417a-8bc1-65c8d471c621" providerId="ADAL" clId="{0E2AE9A0-AA60-BB4A-B160-C870111F23F3}" dt="2021-05-04T16:19:25.283" v="16" actId="2696"/>
+        <pc:sldMkLst>
+          <pc:docMk/>
+          <pc:sldMk cId="788052383" sldId="583"/>
+        </pc:sldMkLst>
+      </pc:sldChg>
+      <pc:sldChg chg="del">
+        <pc:chgData name="Long B Nguyen" userId="f59fb8f3-a021-417a-8bc1-65c8d471c621" providerId="ADAL" clId="{0E2AE9A0-AA60-BB4A-B160-C870111F23F3}" dt="2021-05-04T16:19:25.283" v="16" actId="2696"/>
+        <pc:sldMkLst>
+          <pc:docMk/>
+          <pc:sldMk cId="865366439" sldId="584"/>
+        </pc:sldMkLst>
+      </pc:sldChg>
+      <pc:sldChg chg="del">
+        <pc:chgData name="Long B Nguyen" userId="f59fb8f3-a021-417a-8bc1-65c8d471c621" providerId="ADAL" clId="{0E2AE9A0-AA60-BB4A-B160-C870111F23F3}" dt="2021-05-04T16:19:25.283" v="16" actId="2696"/>
+        <pc:sldMkLst>
+          <pc:docMk/>
+          <pc:sldMk cId="1535655186" sldId="585"/>
+        </pc:sldMkLst>
+      </pc:sldChg>
+      <pc:sldChg chg="del">
+        <pc:chgData name="Long B Nguyen" userId="f59fb8f3-a021-417a-8bc1-65c8d471c621" providerId="ADAL" clId="{0E2AE9A0-AA60-BB4A-B160-C870111F23F3}" dt="2021-05-04T16:19:25.283" v="16" actId="2696"/>
+        <pc:sldMkLst>
+          <pc:docMk/>
+          <pc:sldMk cId="976775625" sldId="586"/>
+        </pc:sldMkLst>
+      </pc:sldChg>
+      <pc:sldChg chg="del">
+        <pc:chgData name="Long B Nguyen" userId="f59fb8f3-a021-417a-8bc1-65c8d471c621" providerId="ADAL" clId="{0E2AE9A0-AA60-BB4A-B160-C870111F23F3}" dt="2021-05-04T16:19:25.283" v="16" actId="2696"/>
+        <pc:sldMkLst>
+          <pc:docMk/>
+          <pc:sldMk cId="419832948" sldId="587"/>
+        </pc:sldMkLst>
+      </pc:sldChg>
+      <pc:sldChg chg="addSp modSp add mod">
+        <pc:chgData name="Long B Nguyen" userId="f59fb8f3-a021-417a-8bc1-65c8d471c621" providerId="ADAL" clId="{0E2AE9A0-AA60-BB4A-B160-C870111F23F3}" dt="2021-05-06T04:39:59.717" v="5760"/>
+        <pc:sldMkLst>
+          <pc:docMk/>
+          <pc:sldMk cId="3124746191" sldId="588"/>
+        </pc:sldMkLst>
+        <pc:spChg chg="add mod">
+          <ac:chgData name="Long B Nguyen" userId="f59fb8f3-a021-417a-8bc1-65c8d471c621" providerId="ADAL" clId="{0E2AE9A0-AA60-BB4A-B160-C870111F23F3}" dt="2021-05-06T04:39:59.717" v="5760"/>
+          <ac:spMkLst>
+            <pc:docMk/>
+            <pc:sldMk cId="3124746191" sldId="588"/>
+            <ac:spMk id="2" creationId="{F18D6BF9-3478-624B-A505-7A23E9DDF205}"/>
+          </ac:spMkLst>
+        </pc:spChg>
+        <pc:spChg chg="mod">
+          <ac:chgData name="Long B Nguyen" userId="f59fb8f3-a021-417a-8bc1-65c8d471c621" providerId="ADAL" clId="{0E2AE9A0-AA60-BB4A-B160-C870111F23F3}" dt="2021-05-05T21:54:01.272" v="4280" actId="20577"/>
+          <ac:spMkLst>
+            <pc:docMk/>
+            <pc:sldMk cId="3124746191" sldId="588"/>
+            <ac:spMk id="47105" creationId="{C8154E32-04E5-994F-A863-516F32A3B719}"/>
+          </ac:spMkLst>
+        </pc:spChg>
+        <pc:spChg chg="mod">
+          <ac:chgData name="Long B Nguyen" userId="f59fb8f3-a021-417a-8bc1-65c8d471c621" providerId="ADAL" clId="{0E2AE9A0-AA60-BB4A-B160-C870111F23F3}" dt="2021-05-05T21:53:58.077" v="4269" actId="20577"/>
+          <ac:spMkLst>
+            <pc:docMk/>
+            <pc:sldMk cId="3124746191" sldId="588"/>
+            <ac:spMk id="47106" creationId="{03AAE472-E2B9-5B45-9120-3BE39D1BFBEC}"/>
+          </ac:spMkLst>
+        </pc:spChg>
+      </pc:sldChg>
+      <pc:sldChg chg="del">
+        <pc:chgData name="Long B Nguyen" userId="f59fb8f3-a021-417a-8bc1-65c8d471c621" providerId="ADAL" clId="{0E2AE9A0-AA60-BB4A-B160-C870111F23F3}" dt="2021-05-04T16:19:25.283" v="16" actId="2696"/>
+        <pc:sldMkLst>
+          <pc:docMk/>
+          <pc:sldMk cId="3142613135" sldId="588"/>
+        </pc:sldMkLst>
+      </pc:sldChg>
+      <pc:sldChg chg="addSp delSp modSp add mod modAnim">
+        <pc:chgData name="Long B Nguyen" userId="f59fb8f3-a021-417a-8bc1-65c8d471c621" providerId="ADAL" clId="{0E2AE9A0-AA60-BB4A-B160-C870111F23F3}" dt="2021-05-07T11:55:40.426" v="6390"/>
+        <pc:sldMkLst>
+          <pc:docMk/>
+          <pc:sldMk cId="2267031669" sldId="589"/>
+        </pc:sldMkLst>
+        <pc:spChg chg="add mod">
+          <ac:chgData name="Long B Nguyen" userId="f59fb8f3-a021-417a-8bc1-65c8d471c621" providerId="ADAL" clId="{0E2AE9A0-AA60-BB4A-B160-C870111F23F3}" dt="2021-05-06T04:39:59.717" v="5760"/>
+          <ac:spMkLst>
+            <pc:docMk/>
+            <pc:sldMk cId="2267031669" sldId="589"/>
+            <ac:spMk id="2" creationId="{AAE5DC38-A514-8846-BB0C-2845CB131A8A}"/>
+          </ac:spMkLst>
+        </pc:spChg>
+        <pc:spChg chg="add mod">
+          <ac:chgData name="Long B Nguyen" userId="f59fb8f3-a021-417a-8bc1-65c8d471c621" providerId="ADAL" clId="{0E2AE9A0-AA60-BB4A-B160-C870111F23F3}" dt="2021-05-07T11:55:30.477" v="6389" actId="1076"/>
+          <ac:spMkLst>
+            <pc:docMk/>
+            <pc:sldMk cId="2267031669" sldId="589"/>
+            <ac:spMk id="3" creationId="{157C9F1F-BE23-5541-957D-6CB6CA2E8125}"/>
+          </ac:spMkLst>
+        </pc:spChg>
+        <pc:spChg chg="mod">
+          <ac:chgData name="Long B Nguyen" userId="f59fb8f3-a021-417a-8bc1-65c8d471c621" providerId="ADAL" clId="{0E2AE9A0-AA60-BB4A-B160-C870111F23F3}" dt="2021-05-05T21:54:08.346" v="4282" actId="1076"/>
+          <ac:spMkLst>
+            <pc:docMk/>
+            <pc:sldMk cId="2267031669" sldId="589"/>
+            <ac:spMk id="48129" creationId="{033258B3-D657-F847-85DB-E79A81AC8073}"/>
+          </ac:spMkLst>
+        </pc:spChg>
+        <pc:spChg chg="del mod">
+          <ac:chgData name="Long B Nguyen" userId="f59fb8f3-a021-417a-8bc1-65c8d471c621" providerId="ADAL" clId="{0E2AE9A0-AA60-BB4A-B160-C870111F23F3}" dt="2021-05-05T21:54:14.846" v="4285" actId="478"/>
+          <ac:spMkLst>
+            <pc:docMk/>
+            <pc:sldMk cId="2267031669" sldId="589"/>
+            <ac:spMk id="48130" creationId="{CAD9A54B-7E1B-C741-A43A-58B1E3F34507}"/>
+          </ac:spMkLst>
+        </pc:spChg>
+        <pc:picChg chg="mod">
+          <ac:chgData name="Long B Nguyen" userId="f59fb8f3-a021-417a-8bc1-65c8d471c621" providerId="ADAL" clId="{0E2AE9A0-AA60-BB4A-B160-C870111F23F3}" dt="2021-05-07T11:55:19.867" v="6385" actId="1076"/>
+          <ac:picMkLst>
+            <pc:docMk/>
+            <pc:sldMk cId="2267031669" sldId="589"/>
+            <ac:picMk id="48131" creationId="{2083CB2E-F785-864C-8DF6-E24ED0222608}"/>
+          </ac:picMkLst>
+        </pc:picChg>
+      </pc:sldChg>
+      <pc:sldChg chg="del">
+        <pc:chgData name="Long B Nguyen" userId="f59fb8f3-a021-417a-8bc1-65c8d471c621" providerId="ADAL" clId="{0E2AE9A0-AA60-BB4A-B160-C870111F23F3}" dt="2021-05-04T16:19:25.283" v="16" actId="2696"/>
+        <pc:sldMkLst>
+          <pc:docMk/>
+          <pc:sldMk cId="2428880685" sldId="589"/>
+        </pc:sldMkLst>
+      </pc:sldChg>
+      <pc:sldChg chg="del">
+        <pc:chgData name="Long B Nguyen" userId="f59fb8f3-a021-417a-8bc1-65c8d471c621" providerId="ADAL" clId="{0E2AE9A0-AA60-BB4A-B160-C870111F23F3}" dt="2021-05-04T16:19:25.283" v="16" actId="2696"/>
+        <pc:sldMkLst>
+          <pc:docMk/>
+          <pc:sldMk cId="1250769370" sldId="590"/>
+        </pc:sldMkLst>
+      </pc:sldChg>
+      <pc:sldChg chg="del">
+        <pc:chgData name="Long B Nguyen" userId="f59fb8f3-a021-417a-8bc1-65c8d471c621" providerId="ADAL" clId="{0E2AE9A0-AA60-BB4A-B160-C870111F23F3}" dt="2021-05-04T16:19:25.283" v="16" actId="2696"/>
+        <pc:sldMkLst>
+          <pc:docMk/>
+          <pc:sldMk cId="4161194987" sldId="591"/>
+        </pc:sldMkLst>
+      </pc:sldChg>
+      <pc:sldChg chg="del">
+        <pc:chgData name="Long B Nguyen" userId="f59fb8f3-a021-417a-8bc1-65c8d471c621" providerId="ADAL" clId="{0E2AE9A0-AA60-BB4A-B160-C870111F23F3}" dt="2021-05-04T16:19:25.283" v="16" actId="2696"/>
+        <pc:sldMkLst>
+          <pc:docMk/>
+          <pc:sldMk cId="3535386674" sldId="593"/>
+        </pc:sldMkLst>
+      </pc:sldChg>
+      <pc:sldChg chg="del">
+        <pc:chgData name="Long B Nguyen" userId="f59fb8f3-a021-417a-8bc1-65c8d471c621" providerId="ADAL" clId="{0E2AE9A0-AA60-BB4A-B160-C870111F23F3}" dt="2021-05-04T16:19:25.283" v="16" actId="2696"/>
+        <pc:sldMkLst>
+          <pc:docMk/>
+          <pc:sldMk cId="1476079720" sldId="594"/>
+        </pc:sldMkLst>
+      </pc:sldChg>
+      <pc:sldChg chg="addSp modSp add mod modAnim">
+        <pc:chgData name="Long B Nguyen" userId="f59fb8f3-a021-417a-8bc1-65c8d471c621" providerId="ADAL" clId="{0E2AE9A0-AA60-BB4A-B160-C870111F23F3}" dt="2021-05-06T04:39:59.717" v="5760"/>
+        <pc:sldMkLst>
+          <pc:docMk/>
+          <pc:sldMk cId="1028645906" sldId="598"/>
+        </pc:sldMkLst>
+        <pc:spChg chg="add mod">
+          <ac:chgData name="Long B Nguyen" userId="f59fb8f3-a021-417a-8bc1-65c8d471c621" providerId="ADAL" clId="{0E2AE9A0-AA60-BB4A-B160-C870111F23F3}" dt="2021-05-06T04:39:59.717" v="5760"/>
+          <ac:spMkLst>
+            <pc:docMk/>
+            <pc:sldMk cId="1028645906" sldId="598"/>
+            <ac:spMk id="2" creationId="{A4CB0179-28F5-974A-B202-8BFC596C0093}"/>
+          </ac:spMkLst>
+        </pc:spChg>
+        <pc:spChg chg="mod">
+          <ac:chgData name="Long B Nguyen" userId="f59fb8f3-a021-417a-8bc1-65c8d471c621" providerId="ADAL" clId="{0E2AE9A0-AA60-BB4A-B160-C870111F23F3}" dt="2021-05-05T22:06:46.437" v="4530" actId="113"/>
+          <ac:spMkLst>
+            <pc:docMk/>
+            <pc:sldMk cId="1028645906" sldId="598"/>
+            <ac:spMk id="26627" creationId="{BD7CEE5B-C52A-794A-BCE5-C92159F2026F}"/>
+          </ac:spMkLst>
+        </pc:spChg>
+        <pc:spChg chg="mod">
+          <ac:chgData name="Long B Nguyen" userId="f59fb8f3-a021-417a-8bc1-65c8d471c621" providerId="ADAL" clId="{0E2AE9A0-AA60-BB4A-B160-C870111F23F3}" dt="2021-05-05T21:45:53.341" v="3989" actId="20577"/>
+          <ac:spMkLst>
+            <pc:docMk/>
+            <pc:sldMk cId="1028645906" sldId="598"/>
+            <ac:spMk id="40961" creationId="{FE63D7D0-16AC-974E-AF55-6BAED8C880F6}"/>
+          </ac:spMkLst>
+        </pc:spChg>
+      </pc:sldChg>
+      <pc:sldChg chg="addSp modSp add mod modAnim">
+        <pc:chgData name="Long B Nguyen" userId="f59fb8f3-a021-417a-8bc1-65c8d471c621" providerId="ADAL" clId="{0E2AE9A0-AA60-BB4A-B160-C870111F23F3}" dt="2021-05-06T16:55:40.477" v="5821" actId="255"/>
+        <pc:sldMkLst>
+          <pc:docMk/>
+          <pc:sldMk cId="3182606397" sldId="600"/>
+        </pc:sldMkLst>
+        <pc:spChg chg="add mod">
+          <ac:chgData name="Long B Nguyen" userId="f59fb8f3-a021-417a-8bc1-65c8d471c621" providerId="ADAL" clId="{0E2AE9A0-AA60-BB4A-B160-C870111F23F3}" dt="2021-05-06T04:39:59.717" v="5760"/>
+          <ac:spMkLst>
+            <pc:docMk/>
+            <pc:sldMk cId="3182606397" sldId="600"/>
+            <ac:spMk id="2" creationId="{E84E7056-87A5-0548-98A6-537CA8B5F75C}"/>
+          </ac:spMkLst>
+        </pc:spChg>
+        <pc:spChg chg="mod">
+          <ac:chgData name="Long B Nguyen" userId="f59fb8f3-a021-417a-8bc1-65c8d471c621" providerId="ADAL" clId="{0E2AE9A0-AA60-BB4A-B160-C870111F23F3}" dt="2021-05-06T16:55:40.477" v="5821" actId="255"/>
+          <ac:spMkLst>
+            <pc:docMk/>
+            <pc:sldMk cId="3182606397" sldId="600"/>
+            <ac:spMk id="26627" creationId="{B6877C2B-693C-FB47-8825-67E05FA1C999}"/>
+          </ac:spMkLst>
+        </pc:spChg>
+        <pc:spChg chg="mod">
+          <ac:chgData name="Long B Nguyen" userId="f59fb8f3-a021-417a-8bc1-65c8d471c621" providerId="ADAL" clId="{0E2AE9A0-AA60-BB4A-B160-C870111F23F3}" dt="2021-05-05T21:52:36.311" v="4215" actId="2711"/>
+          <ac:spMkLst>
+            <pc:docMk/>
+            <pc:sldMk cId="3182606397" sldId="600"/>
+            <ac:spMk id="43009" creationId="{1CB6B526-C09C-C949-9FC4-4AD8C5153452}"/>
+          </ac:spMkLst>
+        </pc:spChg>
+      </pc:sldChg>
+      <pc:sldChg chg="addSp modSp add mod">
+        <pc:chgData name="Long B Nguyen" userId="f59fb8f3-a021-417a-8bc1-65c8d471c621" providerId="ADAL" clId="{0E2AE9A0-AA60-BB4A-B160-C870111F23F3}" dt="2021-05-07T11:53:49.995" v="6218" actId="20577"/>
+        <pc:sldMkLst>
+          <pc:docMk/>
+          <pc:sldMk cId="1311847592" sldId="601"/>
+        </pc:sldMkLst>
+        <pc:spChg chg="add mod">
+          <ac:chgData name="Long B Nguyen" userId="f59fb8f3-a021-417a-8bc1-65c8d471c621" providerId="ADAL" clId="{0E2AE9A0-AA60-BB4A-B160-C870111F23F3}" dt="2021-05-06T04:39:59.717" v="5760"/>
+          <ac:spMkLst>
+            <pc:docMk/>
+            <pc:sldMk cId="1311847592" sldId="601"/>
+            <ac:spMk id="2" creationId="{11284210-85DA-994B-BD88-E726FFF952BC}"/>
+          </ac:spMkLst>
+        </pc:spChg>
+        <pc:spChg chg="mod">
+          <ac:chgData name="Long B Nguyen" userId="f59fb8f3-a021-417a-8bc1-65c8d471c621" providerId="ADAL" clId="{0E2AE9A0-AA60-BB4A-B160-C870111F23F3}" dt="2021-05-07T11:53:49.995" v="6218" actId="20577"/>
+          <ac:spMkLst>
+            <pc:docMk/>
+            <pc:sldMk cId="1311847592" sldId="601"/>
+            <ac:spMk id="26627" creationId="{2D82B300-4359-6C4B-BE04-DC6C746710D1}"/>
+          </ac:spMkLst>
+        </pc:spChg>
+        <pc:spChg chg="mod">
+          <ac:chgData name="Long B Nguyen" userId="f59fb8f3-a021-417a-8bc1-65c8d471c621" providerId="ADAL" clId="{0E2AE9A0-AA60-BB4A-B160-C870111F23F3}" dt="2021-05-05T21:52:54.612" v="4220" actId="1076"/>
+          <ac:spMkLst>
+            <pc:docMk/>
+            <pc:sldMk cId="1311847592" sldId="601"/>
+            <ac:spMk id="45057" creationId="{D6723D76-6113-A446-B182-A2F6E655CF5E}"/>
+          </ac:spMkLst>
+        </pc:spChg>
+      </pc:sldChg>
+      <pc:sldChg chg="addSp modSp add mod modAnim">
+        <pc:chgData name="Long B Nguyen" userId="f59fb8f3-a021-417a-8bc1-65c8d471c621" providerId="ADAL" clId="{0E2AE9A0-AA60-BB4A-B160-C870111F23F3}" dt="2021-05-06T04:39:59.717" v="5760"/>
+        <pc:sldMkLst>
+          <pc:docMk/>
+          <pc:sldMk cId="62773732" sldId="602"/>
+        </pc:sldMkLst>
+        <pc:spChg chg="add mod">
+          <ac:chgData name="Long B Nguyen" userId="f59fb8f3-a021-417a-8bc1-65c8d471c621" providerId="ADAL" clId="{0E2AE9A0-AA60-BB4A-B160-C870111F23F3}" dt="2021-05-06T04:39:59.717" v="5760"/>
+          <ac:spMkLst>
+            <pc:docMk/>
+            <pc:sldMk cId="62773732" sldId="602"/>
+            <ac:spMk id="2" creationId="{694758AE-C7B2-8844-866A-6BF5B60A2629}"/>
+          </ac:spMkLst>
+        </pc:spChg>
+        <pc:spChg chg="mod">
+          <ac:chgData name="Long B Nguyen" userId="f59fb8f3-a021-417a-8bc1-65c8d471c621" providerId="ADAL" clId="{0E2AE9A0-AA60-BB4A-B160-C870111F23F3}" dt="2021-05-06T04:32:00.312" v="5759" actId="20577"/>
+          <ac:spMkLst>
+            <pc:docMk/>
+            <pc:sldMk cId="62773732" sldId="602"/>
+            <ac:spMk id="26627" creationId="{AA018CDD-1CB9-8C4C-87A2-C27A2A82440A}"/>
+          </ac:spMkLst>
+        </pc:spChg>
+        <pc:spChg chg="mod">
+          <ac:chgData name="Long B Nguyen" userId="f59fb8f3-a021-417a-8bc1-65c8d471c621" providerId="ADAL" clId="{0E2AE9A0-AA60-BB4A-B160-C870111F23F3}" dt="2021-05-05T21:56:42.424" v="4290" actId="1076"/>
+          <ac:spMkLst>
+            <pc:docMk/>
+            <pc:sldMk cId="62773732" sldId="602"/>
+            <ac:spMk id="49153" creationId="{10DC4524-FEAA-1C43-9A5F-D4EED83A9121}"/>
+          </ac:spMkLst>
+        </pc:spChg>
+      </pc:sldChg>
+      <pc:sldChg chg="modSp add del mod modAnim">
+        <pc:chgData name="Long B Nguyen" userId="f59fb8f3-a021-417a-8bc1-65c8d471c621" providerId="ADAL" clId="{0E2AE9A0-AA60-BB4A-B160-C870111F23F3}" dt="2021-05-06T04:30:26.655" v="5754" actId="2696"/>
+        <pc:sldMkLst>
+          <pc:docMk/>
+          <pc:sldMk cId="1303734712" sldId="603"/>
+        </pc:sldMkLst>
+        <pc:spChg chg="mod">
+          <ac:chgData name="Long B Nguyen" userId="f59fb8f3-a021-417a-8bc1-65c8d471c621" providerId="ADAL" clId="{0E2AE9A0-AA60-BB4A-B160-C870111F23F3}" dt="2021-05-05T22:08:04.928" v="4534" actId="113"/>
+          <ac:spMkLst>
+            <pc:docMk/>
+            <pc:sldMk cId="1303734712" sldId="603"/>
+            <ac:spMk id="26627" creationId="{DA672C56-62F0-594F-AFAC-95BCFCA25F4F}"/>
+          </ac:spMkLst>
+        </pc:spChg>
+        <pc:spChg chg="mod">
+          <ac:chgData name="Long B Nguyen" userId="f59fb8f3-a021-417a-8bc1-65c8d471c621" providerId="ADAL" clId="{0E2AE9A0-AA60-BB4A-B160-C870111F23F3}" dt="2021-05-05T22:04:56.968" v="4463" actId="1076"/>
+          <ac:spMkLst>
+            <pc:docMk/>
+            <pc:sldMk cId="1303734712" sldId="603"/>
+            <ac:spMk id="51201" creationId="{CABF62BB-E8D7-884B-841B-9A86F9A3210B}"/>
+          </ac:spMkLst>
+        </pc:spChg>
+      </pc:sldChg>
+      <pc:sldChg chg="modSp add del mod">
+        <pc:chgData name="Long B Nguyen" userId="f59fb8f3-a021-417a-8bc1-65c8d471c621" providerId="ADAL" clId="{0E2AE9A0-AA60-BB4A-B160-C870111F23F3}" dt="2021-05-06T04:30:26.655" v="5754" actId="2696"/>
+        <pc:sldMkLst>
+          <pc:docMk/>
+          <pc:sldMk cId="3406913709" sldId="604"/>
+        </pc:sldMkLst>
+        <pc:spChg chg="mod">
+          <ac:chgData name="Long B Nguyen" userId="f59fb8f3-a021-417a-8bc1-65c8d471c621" providerId="ADAL" clId="{0E2AE9A0-AA60-BB4A-B160-C870111F23F3}" dt="2021-05-05T22:08:29.990" v="4543" actId="2711"/>
+          <ac:spMkLst>
+            <pc:docMk/>
+            <pc:sldMk cId="3406913709" sldId="604"/>
+            <ac:spMk id="26627" creationId="{DB54BE9F-9FF4-8943-9076-C1A8397CB6C0}"/>
+          </ac:spMkLst>
+        </pc:spChg>
+        <pc:spChg chg="mod">
+          <ac:chgData name="Long B Nguyen" userId="f59fb8f3-a021-417a-8bc1-65c8d471c621" providerId="ADAL" clId="{0E2AE9A0-AA60-BB4A-B160-C870111F23F3}" dt="2021-05-05T22:08:12.883" v="4536" actId="1076"/>
+          <ac:spMkLst>
+            <pc:docMk/>
+            <pc:sldMk cId="3406913709" sldId="604"/>
+            <ac:spMk id="53249" creationId="{011FE95C-874D-6A41-8E58-8B312CEF906B}"/>
+          </ac:spMkLst>
+        </pc:spChg>
+      </pc:sldChg>
+      <pc:sldChg chg="modSp add del mod">
+        <pc:chgData name="Long B Nguyen" userId="f59fb8f3-a021-417a-8bc1-65c8d471c621" providerId="ADAL" clId="{0E2AE9A0-AA60-BB4A-B160-C870111F23F3}" dt="2021-05-06T04:30:30.329" v="5755" actId="2696"/>
+        <pc:sldMkLst>
+          <pc:docMk/>
+          <pc:sldMk cId="1178120386" sldId="605"/>
+        </pc:sldMkLst>
+        <pc:spChg chg="mod">
+          <ac:chgData name="Long B Nguyen" userId="f59fb8f3-a021-417a-8bc1-65c8d471c621" providerId="ADAL" clId="{0E2AE9A0-AA60-BB4A-B160-C870111F23F3}" dt="2021-05-05T22:09:04.619" v="4555" actId="14100"/>
+          <ac:spMkLst>
+            <pc:docMk/>
+            <pc:sldMk cId="1178120386" sldId="605"/>
+            <ac:spMk id="26627" creationId="{5ECF4887-5E6B-1943-A540-770B2CF1125F}"/>
+          </ac:spMkLst>
+        </pc:spChg>
+        <pc:spChg chg="mod">
+          <ac:chgData name="Long B Nguyen" userId="f59fb8f3-a021-417a-8bc1-65c8d471c621" providerId="ADAL" clId="{0E2AE9A0-AA60-BB4A-B160-C870111F23F3}" dt="2021-05-05T22:09:01.690" v="4554" actId="2711"/>
+          <ac:spMkLst>
+            <pc:docMk/>
+            <pc:sldMk cId="1178120386" sldId="605"/>
+            <ac:spMk id="55297" creationId="{CC80E267-EFF6-4245-9741-747FE4D6799E}"/>
+          </ac:spMkLst>
+        </pc:spChg>
+      </pc:sldChg>
+      <pc:sldChg chg="addSp modSp add mod modAnim">
+        <pc:chgData name="Long B Nguyen" userId="f59fb8f3-a021-417a-8bc1-65c8d471c621" providerId="ADAL" clId="{0E2AE9A0-AA60-BB4A-B160-C870111F23F3}" dt="2021-05-06T04:39:59.717" v="5760"/>
+        <pc:sldMkLst>
+          <pc:docMk/>
+          <pc:sldMk cId="51278377" sldId="608"/>
+        </pc:sldMkLst>
+        <pc:spChg chg="add mod">
+          <ac:chgData name="Long B Nguyen" userId="f59fb8f3-a021-417a-8bc1-65c8d471c621" providerId="ADAL" clId="{0E2AE9A0-AA60-BB4A-B160-C870111F23F3}" dt="2021-05-06T04:39:59.717" v="5760"/>
+          <ac:spMkLst>
+            <pc:docMk/>
+            <pc:sldMk cId="51278377" sldId="608"/>
+            <ac:spMk id="2" creationId="{890C1C5E-5C56-5440-8BE4-54237F383ACA}"/>
+          </ac:spMkLst>
+        </pc:spChg>
+        <pc:spChg chg="mod">
+          <ac:chgData name="Long B Nguyen" userId="f59fb8f3-a021-417a-8bc1-65c8d471c621" providerId="ADAL" clId="{0E2AE9A0-AA60-BB4A-B160-C870111F23F3}" dt="2021-05-05T22:12:39.852" v="4747" actId="20577"/>
+          <ac:spMkLst>
+            <pc:docMk/>
+            <pc:sldMk cId="51278377" sldId="608"/>
+            <ac:spMk id="26627" creationId="{2866E521-C643-A640-8C85-770D4B956A75}"/>
+          </ac:spMkLst>
+        </pc:spChg>
+        <pc:spChg chg="mod">
+          <ac:chgData name="Long B Nguyen" userId="f59fb8f3-a021-417a-8bc1-65c8d471c621" providerId="ADAL" clId="{0E2AE9A0-AA60-BB4A-B160-C870111F23F3}" dt="2021-05-05T22:09:34.894" v="4563" actId="2711"/>
+          <ac:spMkLst>
+            <pc:docMk/>
+            <pc:sldMk cId="51278377" sldId="608"/>
+            <ac:spMk id="57345" creationId="{53AFC3D9-E72E-2B4F-B892-82CAC5FCF163}"/>
+          </ac:spMkLst>
+        </pc:spChg>
+      </pc:sldChg>
+      <pc:sldChg chg="addSp modSp add mod modAnim">
+        <pc:chgData name="Long B Nguyen" userId="f59fb8f3-a021-417a-8bc1-65c8d471c621" providerId="ADAL" clId="{0E2AE9A0-AA60-BB4A-B160-C870111F23F3}" dt="2021-05-06T04:39:59.717" v="5760"/>
+        <pc:sldMkLst>
+          <pc:docMk/>
+          <pc:sldMk cId="2892160896" sldId="609"/>
+        </pc:sldMkLst>
+        <pc:spChg chg="add mod">
+          <ac:chgData name="Long B Nguyen" userId="f59fb8f3-a021-417a-8bc1-65c8d471c621" providerId="ADAL" clId="{0E2AE9A0-AA60-BB4A-B160-C870111F23F3}" dt="2021-05-06T04:39:59.717" v="5760"/>
+          <ac:spMkLst>
+            <pc:docMk/>
+            <pc:sldMk cId="2892160896" sldId="609"/>
+            <ac:spMk id="2" creationId="{86F49B2A-4E0E-E54E-AC2E-88FD75DD53ED}"/>
+          </ac:spMkLst>
+        </pc:spChg>
+        <pc:spChg chg="mod">
+          <ac:chgData name="Long B Nguyen" userId="f59fb8f3-a021-417a-8bc1-65c8d471c621" providerId="ADAL" clId="{0E2AE9A0-AA60-BB4A-B160-C870111F23F3}" dt="2021-05-05T22:26:44.554" v="5586" actId="20577"/>
+          <ac:spMkLst>
+            <pc:docMk/>
+            <pc:sldMk cId="2892160896" sldId="609"/>
+            <ac:spMk id="26627" creationId="{7661587A-2BF3-9445-BC18-44350E3935D4}"/>
+          </ac:spMkLst>
+        </pc:spChg>
+        <pc:spChg chg="mod">
+          <ac:chgData name="Long B Nguyen" userId="f59fb8f3-a021-417a-8bc1-65c8d471c621" providerId="ADAL" clId="{0E2AE9A0-AA60-BB4A-B160-C870111F23F3}" dt="2021-05-05T22:09:42.112" v="4565" actId="1076"/>
+          <ac:spMkLst>
+            <pc:docMk/>
+            <pc:sldMk cId="2892160896" sldId="609"/>
+            <ac:spMk id="59393" creationId="{ED11F17B-90BB-E643-864C-A7CD96ECBCD5}"/>
+          </ac:spMkLst>
+        </pc:spChg>
+      </pc:sldChg>
+      <pc:sldChg chg="modSp add del mod">
+        <pc:chgData name="Long B Nguyen" userId="f59fb8f3-a021-417a-8bc1-65c8d471c621" providerId="ADAL" clId="{0E2AE9A0-AA60-BB4A-B160-C870111F23F3}" dt="2021-05-05T22:24:47.654" v="5447" actId="2696"/>
+        <pc:sldMkLst>
+          <pc:docMk/>
+          <pc:sldMk cId="4265832579" sldId="611"/>
+        </pc:sldMkLst>
+        <pc:spChg chg="mod">
+          <ac:chgData name="Long B Nguyen" userId="f59fb8f3-a021-417a-8bc1-65c8d471c621" providerId="ADAL" clId="{0E2AE9A0-AA60-BB4A-B160-C870111F23F3}" dt="2021-05-05T22:23:40.889" v="5437" actId="21"/>
+          <ac:spMkLst>
+            <pc:docMk/>
+            <pc:sldMk cId="4265832579" sldId="611"/>
+            <ac:spMk id="26627" creationId="{C0CBE1A7-72E6-1D40-A88E-F7445875D7E7}"/>
+          </ac:spMkLst>
+        </pc:spChg>
+      </pc:sldChg>
+      <pc:sldChg chg="addSp modSp add modAnim">
+        <pc:chgData name="Long B Nguyen" userId="f59fb8f3-a021-417a-8bc1-65c8d471c621" providerId="ADAL" clId="{0E2AE9A0-AA60-BB4A-B160-C870111F23F3}" dt="2021-05-06T04:39:59.717" v="5760"/>
+        <pc:sldMkLst>
+          <pc:docMk/>
+          <pc:sldMk cId="892130114" sldId="612"/>
+        </pc:sldMkLst>
+        <pc:spChg chg="add mod">
+          <ac:chgData name="Long B Nguyen" userId="f59fb8f3-a021-417a-8bc1-65c8d471c621" providerId="ADAL" clId="{0E2AE9A0-AA60-BB4A-B160-C870111F23F3}" dt="2021-05-06T04:39:59.717" v="5760"/>
+          <ac:spMkLst>
+            <pc:docMk/>
+            <pc:sldMk cId="892130114" sldId="612"/>
+            <ac:spMk id="2" creationId="{699FD964-70C4-F341-B4C5-F152247F1F1B}"/>
+          </ac:spMkLst>
+        </pc:spChg>
+      </pc:sldChg>
+      <pc:sldChg chg="addSp modSp add mod modAnim">
+        <pc:chgData name="Long B Nguyen" userId="f59fb8f3-a021-417a-8bc1-65c8d471c621" providerId="ADAL" clId="{0E2AE9A0-AA60-BB4A-B160-C870111F23F3}" dt="2021-05-06T04:39:59.717" v="5760"/>
+        <pc:sldMkLst>
+          <pc:docMk/>
+          <pc:sldMk cId="1241156272" sldId="613"/>
+        </pc:sldMkLst>
+        <pc:spChg chg="add mod">
+          <ac:chgData name="Long B Nguyen" userId="f59fb8f3-a021-417a-8bc1-65c8d471c621" providerId="ADAL" clId="{0E2AE9A0-AA60-BB4A-B160-C870111F23F3}" dt="2021-05-06T04:39:59.717" v="5760"/>
+          <ac:spMkLst>
+            <pc:docMk/>
+            <pc:sldMk cId="1241156272" sldId="613"/>
+            <ac:spMk id="2" creationId="{502FCDCF-F7A3-194E-B43B-D9F5FB7BDC6F}"/>
+          </ac:spMkLst>
+        </pc:spChg>
+        <pc:spChg chg="mod">
+          <ac:chgData name="Long B Nguyen" userId="f59fb8f3-a021-417a-8bc1-65c8d471c621" providerId="ADAL" clId="{0E2AE9A0-AA60-BB4A-B160-C870111F23F3}" dt="2021-05-06T03:46:24.689" v="5715" actId="20577"/>
+          <ac:spMkLst>
+            <pc:docMk/>
+            <pc:sldMk cId="1241156272" sldId="613"/>
+            <ac:spMk id="26627" creationId="{7661587A-2BF3-9445-BC18-44350E3935D4}"/>
+          </ac:spMkLst>
+        </pc:spChg>
+        <pc:spChg chg="mod">
+          <ac:chgData name="Long B Nguyen" userId="f59fb8f3-a021-417a-8bc1-65c8d471c621" providerId="ADAL" clId="{0E2AE9A0-AA60-BB4A-B160-C870111F23F3}" dt="2021-05-05T22:23:48.096" v="5440" actId="1076"/>
+          <ac:spMkLst>
+            <pc:docMk/>
+            <pc:sldMk cId="1241156272" sldId="613"/>
+            <ac:spMk id="59393" creationId="{ED11F17B-90BB-E643-864C-A7CD96ECBCD5}"/>
+          </ac:spMkLst>
+        </pc:spChg>
+      </pc:sldChg>
+      <pc:sldChg chg="addSp modSp new del">
+        <pc:chgData name="Long B Nguyen" userId="f59fb8f3-a021-417a-8bc1-65c8d471c621" providerId="ADAL" clId="{0E2AE9A0-AA60-BB4A-B160-C870111F23F3}" dt="2021-05-06T04:11:03.423" v="5731" actId="2696"/>
+        <pc:sldMkLst>
+          <pc:docMk/>
+          <pc:sldMk cId="4126330051" sldId="614"/>
+        </pc:sldMkLst>
+        <pc:picChg chg="add mod">
+          <ac:chgData name="Long B Nguyen" userId="f59fb8f3-a021-417a-8bc1-65c8d471c621" providerId="ADAL" clId="{0E2AE9A0-AA60-BB4A-B160-C870111F23F3}" dt="2021-05-06T04:08:58.241" v="5721" actId="1076"/>
+          <ac:picMkLst>
+            <pc:docMk/>
+            <pc:sldMk cId="4126330051" sldId="614"/>
+            <ac:picMk id="1026" creationId="{5274FBAC-585F-3F40-BD56-B1619D8E0B32}"/>
+          </ac:picMkLst>
+        </pc:picChg>
+      </pc:sldChg>
+      <pc:sldChg chg="addSp modSp new">
+        <pc:chgData name="Long B Nguyen" userId="f59fb8f3-a021-417a-8bc1-65c8d471c621" providerId="ADAL" clId="{0E2AE9A0-AA60-BB4A-B160-C870111F23F3}" dt="2021-05-06T04:16:04.349" v="5736" actId="1076"/>
+        <pc:sldMkLst>
+          <pc:docMk/>
+          <pc:sldMk cId="4014748011" sldId="615"/>
+        </pc:sldMkLst>
+        <pc:picChg chg="add mod">
+          <ac:chgData name="Long B Nguyen" userId="f59fb8f3-a021-417a-8bc1-65c8d471c621" providerId="ADAL" clId="{0E2AE9A0-AA60-BB4A-B160-C870111F23F3}" dt="2021-05-06T04:16:04.349" v="5736" actId="1076"/>
+          <ac:picMkLst>
+            <pc:docMk/>
+            <pc:sldMk cId="4014748011" sldId="615"/>
+            <ac:picMk id="2050" creationId="{4C1A8568-6BE7-864B-9CB6-B14EFA657C18}"/>
+          </ac:picMkLst>
+        </pc:picChg>
+      </pc:sldChg>
+      <pc:sldChg chg="addSp modSp new">
+        <pc:chgData name="Long B Nguyen" userId="f59fb8f3-a021-417a-8bc1-65c8d471c621" providerId="ADAL" clId="{0E2AE9A0-AA60-BB4A-B160-C870111F23F3}" dt="2021-05-06T04:10:02.295" v="5730" actId="14100"/>
+        <pc:sldMkLst>
+          <pc:docMk/>
+          <pc:sldMk cId="445830501" sldId="616"/>
+        </pc:sldMkLst>
+        <pc:picChg chg="add mod">
+          <ac:chgData name="Long B Nguyen" userId="f59fb8f3-a021-417a-8bc1-65c8d471c621" providerId="ADAL" clId="{0E2AE9A0-AA60-BB4A-B160-C870111F23F3}" dt="2021-05-06T04:10:02.295" v="5730" actId="14100"/>
+          <ac:picMkLst>
+            <pc:docMk/>
+            <pc:sldMk cId="445830501" sldId="616"/>
+            <ac:picMk id="3074" creationId="{99CCC77D-1423-344F-B685-CB69DFD3690B}"/>
+          </ac:picMkLst>
+        </pc:picChg>
+      </pc:sldChg>
+      <pc:sldChg chg="addSp modSp new">
+        <pc:chgData name="Long B Nguyen" userId="f59fb8f3-a021-417a-8bc1-65c8d471c621" providerId="ADAL" clId="{0E2AE9A0-AA60-BB4A-B160-C870111F23F3}" dt="2021-05-06T04:15:59.768" v="5735" actId="1076"/>
+        <pc:sldMkLst>
+          <pc:docMk/>
+          <pc:sldMk cId="3966117082" sldId="617"/>
+        </pc:sldMkLst>
+        <pc:picChg chg="add mod">
+          <ac:chgData name="Long B Nguyen" userId="f59fb8f3-a021-417a-8bc1-65c8d471c621" providerId="ADAL" clId="{0E2AE9A0-AA60-BB4A-B160-C870111F23F3}" dt="2021-05-06T04:15:59.768" v="5735" actId="1076"/>
+          <ac:picMkLst>
+            <pc:docMk/>
+            <pc:sldMk cId="3966117082" sldId="617"/>
+            <ac:picMk id="4098" creationId="{D04E949F-75DA-9B49-B3E8-E0770B3290B3}"/>
+          </ac:picMkLst>
+        </pc:picChg>
+      </pc:sldChg>
+      <pc:sldChg chg="modSp new mod">
+        <pc:chgData name="Long B Nguyen" userId="f59fb8f3-a021-417a-8bc1-65c8d471c621" providerId="ADAL" clId="{0E2AE9A0-AA60-BB4A-B160-C870111F23F3}" dt="2021-05-06T04:19:32.208" v="5753" actId="20577"/>
+        <pc:sldMkLst>
+          <pc:docMk/>
+          <pc:sldMk cId="1946329213" sldId="618"/>
+        </pc:sldMkLst>
+        <pc:spChg chg="mod">
+          <ac:chgData name="Long B Nguyen" userId="f59fb8f3-a021-417a-8bc1-65c8d471c621" providerId="ADAL" clId="{0E2AE9A0-AA60-BB4A-B160-C870111F23F3}" dt="2021-05-06T04:19:09.983" v="5748" actId="20577"/>
+          <ac:spMkLst>
+            <pc:docMk/>
+            <pc:sldMk cId="1946329213" sldId="618"/>
+            <ac:spMk id="2" creationId="{5377AA73-DC96-0B4E-8504-96B84F7CAE34}"/>
+          </ac:spMkLst>
+        </pc:spChg>
+        <pc:spChg chg="mod">
+          <ac:chgData name="Long B Nguyen" userId="f59fb8f3-a021-417a-8bc1-65c8d471c621" providerId="ADAL" clId="{0E2AE9A0-AA60-BB4A-B160-C870111F23F3}" dt="2021-05-06T04:19:32.208" v="5753" actId="20577"/>
+          <ac:spMkLst>
+            <pc:docMk/>
+            <pc:sldMk cId="1946329213" sldId="618"/>
+            <ac:spMk id="3" creationId="{68EE4754-4E64-0E43-8081-45CEF8E72EE2}"/>
+          </ac:spMkLst>
+        </pc:spChg>
+      </pc:sldChg>
+      <pc:sldChg chg="modSp add del mod modAnim">
+        <pc:chgData name="Long B Nguyen" userId="f59fb8f3-a021-417a-8bc1-65c8d471c621" providerId="ADAL" clId="{0E2AE9A0-AA60-BB4A-B160-C870111F23F3}" dt="2021-05-07T13:34:31.226" v="6592" actId="2696"/>
+        <pc:sldMkLst>
+          <pc:docMk/>
+          <pc:sldMk cId="328759724" sldId="619"/>
+        </pc:sldMkLst>
+        <pc:spChg chg="mod">
+          <ac:chgData name="Long B Nguyen" userId="f59fb8f3-a021-417a-8bc1-65c8d471c621" providerId="ADAL" clId="{0E2AE9A0-AA60-BB4A-B160-C870111F23F3}" dt="2021-05-07T11:57:04.458" v="6446" actId="20577"/>
+          <ac:spMkLst>
+            <pc:docMk/>
+            <pc:sldMk cId="328759724" sldId="619"/>
+            <ac:spMk id="6146" creationId="{EAA042DF-FAF2-DA4B-9FB9-A8E93FAB0389}"/>
+          </ac:spMkLst>
+        </pc:spChg>
+        <pc:spChg chg="mod">
+          <ac:chgData name="Long B Nguyen" userId="f59fb8f3-a021-417a-8bc1-65c8d471c621" providerId="ADAL" clId="{0E2AE9A0-AA60-BB4A-B160-C870111F23F3}" dt="2021-05-07T11:57:01.423" v="6445" actId="20577"/>
+          <ac:spMkLst>
+            <pc:docMk/>
+            <pc:sldMk cId="328759724" sldId="619"/>
+            <ac:spMk id="186370" creationId="{C5506108-D6E6-9641-98CC-A9DA92AF0478}"/>
+          </ac:spMkLst>
+        </pc:spChg>
+      </pc:sldChg>
+      <pc:sldChg chg="add del">
+        <pc:chgData name="Long B Nguyen" userId="f59fb8f3-a021-417a-8bc1-65c8d471c621" providerId="ADAL" clId="{0E2AE9A0-AA60-BB4A-B160-C870111F23F3}" dt="2021-05-07T15:45:52.264" v="6616" actId="2696"/>
+        <pc:sldMkLst>
+          <pc:docMk/>
+          <pc:sldMk cId="3714703612" sldId="619"/>
+        </pc:sldMkLst>
+      </pc:sldChg>
+      <pc:sldChg chg="modSp add mod modAnim">
+        <pc:chgData name="Long B Nguyen" userId="f59fb8f3-a021-417a-8bc1-65c8d471c621" providerId="ADAL" clId="{0E2AE9A0-AA60-BB4A-B160-C870111F23F3}" dt="2021-05-07T12:02:33.220" v="6553"/>
+        <pc:sldMkLst>
+          <pc:docMk/>
+          <pc:sldMk cId="2497825085" sldId="620"/>
+        </pc:sldMkLst>
+        <pc:spChg chg="mod">
+          <ac:chgData name="Long B Nguyen" userId="f59fb8f3-a021-417a-8bc1-65c8d471c621" providerId="ADAL" clId="{0E2AE9A0-AA60-BB4A-B160-C870111F23F3}" dt="2021-05-07T12:02:17.851" v="6550" actId="20577"/>
+          <ac:spMkLst>
+            <pc:docMk/>
+            <pc:sldMk cId="2497825085" sldId="620"/>
+            <ac:spMk id="6146" creationId="{EAA042DF-FAF2-DA4B-9FB9-A8E93FAB0389}"/>
+          </ac:spMkLst>
+        </pc:spChg>
+        <pc:cxnChg chg="mod">
+          <ac:chgData name="Long B Nguyen" userId="f59fb8f3-a021-417a-8bc1-65c8d471c621" providerId="ADAL" clId="{0E2AE9A0-AA60-BB4A-B160-C870111F23F3}" dt="2021-05-07T12:01:52.225" v="6547" actId="14100"/>
+          <ac:cxnSpMkLst>
+            <pc:docMk/>
+            <pc:sldMk cId="2497825085" sldId="620"/>
+            <ac:cxnSpMk id="4" creationId="{6F7FAA95-1CB1-6246-9247-83FDFD7281C5}"/>
+          </ac:cxnSpMkLst>
+        </pc:cxnChg>
+        <pc:cxnChg chg="mod">
+          <ac:chgData name="Long B Nguyen" userId="f59fb8f3-a021-417a-8bc1-65c8d471c621" providerId="ADAL" clId="{0E2AE9A0-AA60-BB4A-B160-C870111F23F3}" dt="2021-05-07T12:01:58.428" v="6549" actId="14100"/>
+          <ac:cxnSpMkLst>
+            <pc:docMk/>
+            <pc:sldMk cId="2497825085" sldId="620"/>
+            <ac:cxnSpMk id="9" creationId="{696833A3-9446-104B-8B36-CF472B191E13}"/>
+          </ac:cxnSpMkLst>
+        </pc:cxnChg>
+      </pc:sldChg>
+      <pc:sldChg chg="modSp add mod modAnim">
+        <pc:chgData name="Long B Nguyen" userId="f59fb8f3-a021-417a-8bc1-65c8d471c621" providerId="ADAL" clId="{0E2AE9A0-AA60-BB4A-B160-C870111F23F3}" dt="2021-05-07T12:04:21.599" v="6571" actId="14100"/>
+        <pc:sldMkLst>
+          <pc:docMk/>
+          <pc:sldMk cId="5411246" sldId="621"/>
+        </pc:sldMkLst>
+        <pc:spChg chg="mod">
+          <ac:chgData name="Long B Nguyen" userId="f59fb8f3-a021-417a-8bc1-65c8d471c621" providerId="ADAL" clId="{0E2AE9A0-AA60-BB4A-B160-C870111F23F3}" dt="2021-05-07T12:03:10.838" v="6563" actId="20577"/>
+          <ac:spMkLst>
+            <pc:docMk/>
+            <pc:sldMk cId="5411246" sldId="621"/>
+            <ac:spMk id="6146" creationId="{EAA042DF-FAF2-DA4B-9FB9-A8E93FAB0389}"/>
+          </ac:spMkLst>
+        </pc:spChg>
+        <pc:cxnChg chg="mod">
+          <ac:chgData name="Long B Nguyen" userId="f59fb8f3-a021-417a-8bc1-65c8d471c621" providerId="ADAL" clId="{0E2AE9A0-AA60-BB4A-B160-C870111F23F3}" dt="2021-05-07T12:04:21.599" v="6571" actId="14100"/>
+          <ac:cxnSpMkLst>
+            <pc:docMk/>
+            <pc:sldMk cId="5411246" sldId="621"/>
+            <ac:cxnSpMk id="4" creationId="{6F7FAA95-1CB1-6246-9247-83FDFD7281C5}"/>
+          </ac:cxnSpMkLst>
+        </pc:cxnChg>
+        <pc:cxnChg chg="mod">
+          <ac:chgData name="Long B Nguyen" userId="f59fb8f3-a021-417a-8bc1-65c8d471c621" providerId="ADAL" clId="{0E2AE9A0-AA60-BB4A-B160-C870111F23F3}" dt="2021-05-07T12:04:09.723" v="6568" actId="14100"/>
+          <ac:cxnSpMkLst>
+            <pc:docMk/>
+            <pc:sldMk cId="5411246" sldId="621"/>
+            <ac:cxnSpMk id="9" creationId="{696833A3-9446-104B-8B36-CF472B191E13}"/>
+          </ac:cxnSpMkLst>
+        </pc:cxnChg>
+      </pc:sldChg>
+      <pc:sldChg chg="modSp add mod modAnim">
+        <pc:chgData name="Long B Nguyen" userId="f59fb8f3-a021-417a-8bc1-65c8d471c621" providerId="ADAL" clId="{0E2AE9A0-AA60-BB4A-B160-C870111F23F3}" dt="2021-05-10T13:57:48.483" v="7080"/>
+        <pc:sldMkLst>
+          <pc:docMk/>
+          <pc:sldMk cId="3215879385" sldId="622"/>
+        </pc:sldMkLst>
+        <pc:spChg chg="mod">
+          <ac:chgData name="Long B Nguyen" userId="f59fb8f3-a021-417a-8bc1-65c8d471c621" providerId="ADAL" clId="{0E2AE9A0-AA60-BB4A-B160-C870111F23F3}" dt="2021-05-07T15:50:23.052" v="7017" actId="20577"/>
+          <ac:spMkLst>
+            <pc:docMk/>
+            <pc:sldMk cId="3215879385" sldId="622"/>
+            <ac:spMk id="26627" creationId="{BD7CEE5B-C52A-794A-BCE5-C92159F2026F}"/>
+          </ac:spMkLst>
+        </pc:spChg>
+        <pc:spChg chg="mod">
+          <ac:chgData name="Long B Nguyen" userId="f59fb8f3-a021-417a-8bc1-65c8d471c621" providerId="ADAL" clId="{0E2AE9A0-AA60-BB4A-B160-C870111F23F3}" dt="2021-05-07T15:48:49.073" v="6858" actId="20577"/>
+          <ac:spMkLst>
+            <pc:docMk/>
+            <pc:sldMk cId="3215879385" sldId="622"/>
+            <ac:spMk id="40961" creationId="{FE63D7D0-16AC-974E-AF55-6BAED8C880F6}"/>
+          </ac:spMkLst>
+        </pc:spChg>
+      </pc:sldChg>
+      <pc:sldChg chg="modSp add mod modAnim">
+        <pc:chgData name="Long B Nguyen" userId="f59fb8f3-a021-417a-8bc1-65c8d471c621" providerId="ADAL" clId="{0E2AE9A0-AA60-BB4A-B160-C870111F23F3}" dt="2021-05-10T13:57:35.908" v="7078"/>
+        <pc:sldMkLst>
+          <pc:docMk/>
+          <pc:sldMk cId="2484292394" sldId="623"/>
+        </pc:sldMkLst>
+        <pc:spChg chg="mod">
+          <ac:chgData name="Long B Nguyen" userId="f59fb8f3-a021-417a-8bc1-65c8d471c621" providerId="ADAL" clId="{0E2AE9A0-AA60-BB4A-B160-C870111F23F3}" dt="2021-05-07T15:51:03.427" v="7021" actId="20577"/>
+          <ac:spMkLst>
+            <pc:docMk/>
+            <pc:sldMk cId="2484292394" sldId="623"/>
+            <ac:spMk id="26627" creationId="{BD7CEE5B-C52A-794A-BCE5-C92159F2026F}"/>
+          </ac:spMkLst>
+        </pc:spChg>
+        <pc:spChg chg="mod">
+          <ac:chgData name="Long B Nguyen" userId="f59fb8f3-a021-417a-8bc1-65c8d471c621" providerId="ADAL" clId="{0E2AE9A0-AA60-BB4A-B160-C870111F23F3}" dt="2021-05-07T15:48:45.936" v="6854" actId="20577"/>
+          <ac:spMkLst>
+            <pc:docMk/>
+            <pc:sldMk cId="2484292394" sldId="623"/>
+            <ac:spMk id="40961" creationId="{FE63D7D0-16AC-974E-AF55-6BAED8C880F6}"/>
+          </ac:spMkLst>
+        </pc:spChg>
+      </pc:sldChg>
+      <pc:sldChg chg="modSp add mod modAnim">
+        <pc:chgData name="Long B Nguyen" userId="f59fb8f3-a021-417a-8bc1-65c8d471c621" providerId="ADAL" clId="{0E2AE9A0-AA60-BB4A-B160-C870111F23F3}" dt="2021-05-10T13:57:41.559" v="7079"/>
+        <pc:sldMkLst>
+          <pc:docMk/>
+          <pc:sldMk cId="1444664834" sldId="624"/>
+        </pc:sldMkLst>
+        <pc:spChg chg="mod">
+          <ac:chgData name="Long B Nguyen" userId="f59fb8f3-a021-417a-8bc1-65c8d471c621" providerId="ADAL" clId="{0E2AE9A0-AA60-BB4A-B160-C870111F23F3}" dt="2021-05-07T15:52:06.608" v="7077" actId="20577"/>
+          <ac:spMkLst>
+            <pc:docMk/>
+            <pc:sldMk cId="1444664834" sldId="624"/>
+            <ac:spMk id="26627" creationId="{BD7CEE5B-C52A-794A-BCE5-C92159F2026F}"/>
+          </ac:spMkLst>
+        </pc:spChg>
+        <pc:spChg chg="mod">
+          <ac:chgData name="Long B Nguyen" userId="f59fb8f3-a021-417a-8bc1-65c8d471c621" providerId="ADAL" clId="{0E2AE9A0-AA60-BB4A-B160-C870111F23F3}" dt="2021-05-07T15:51:12.812" v="7024" actId="20577"/>
+          <ac:spMkLst>
+            <pc:docMk/>
+            <pc:sldMk cId="1444664834" sldId="624"/>
+            <ac:spMk id="40961" creationId="{FE63D7D0-16AC-974E-AF55-6BAED8C880F6}"/>
+          </ac:spMkLst>
+        </pc:spChg>
+      </pc:sldChg>
+      <pc:sldChg chg="modSp add modAnim">
+        <pc:chgData name="Long B Nguyen" userId="f59fb8f3-a021-417a-8bc1-65c8d471c621" providerId="ADAL" clId="{0E2AE9A0-AA60-BB4A-B160-C870111F23F3}" dt="2021-05-21T12:24:06.436" v="7279" actId="20577"/>
+        <pc:sldMkLst>
+          <pc:docMk/>
+          <pc:sldMk cId="2393647287" sldId="625"/>
+        </pc:sldMkLst>
+        <pc:spChg chg="mod">
+          <ac:chgData name="Long B Nguyen" userId="f59fb8f3-a021-417a-8bc1-65c8d471c621" providerId="ADAL" clId="{0E2AE9A0-AA60-BB4A-B160-C870111F23F3}" dt="2021-05-21T12:24:06.436" v="7279" actId="20577"/>
+          <ac:spMkLst>
+            <pc:docMk/>
+            <pc:sldMk cId="2393647287" sldId="625"/>
+            <ac:spMk id="26627" creationId="{BD7CEE5B-C52A-794A-BCE5-C92159F2026F}"/>
+          </ac:spMkLst>
+        </pc:spChg>
+      </pc:sldChg>
+    </pc:docChg>
+  </pc:docChgLst>
+  <pc:docChgLst>
+    <pc:chgData name="Long B Nguyen" userId="f59fb8f3-a021-417a-8bc1-65c8d471c621" providerId="ADAL" clId="{4BE6A6D3-80E1-E648-9A65-3053C53C3489}"/>
+    <pc:docChg chg="addSld delSld modSld">
+      <pc:chgData name="Long B Nguyen" userId="f59fb8f3-a021-417a-8bc1-65c8d471c621" providerId="ADAL" clId="{4BE6A6D3-80E1-E648-9A65-3053C53C3489}" dt="2020-01-13T13:50:20.439" v="74" actId="2696"/>
+      <pc:docMkLst>
+        <pc:docMk/>
+      </pc:docMkLst>
+      <pc:sldChg chg="modSp">
+        <pc:chgData name="Long B Nguyen" userId="f59fb8f3-a021-417a-8bc1-65c8d471c621" providerId="ADAL" clId="{4BE6A6D3-80E1-E648-9A65-3053C53C3489}" dt="2020-01-13T13:50:08.533" v="40" actId="20577"/>
+        <pc:sldMkLst>
+          <pc:docMk/>
+          <pc:sldMk cId="4247104139" sldId="256"/>
+        </pc:sldMkLst>
+        <pc:spChg chg="mod">
+          <ac:chgData name="Long B Nguyen" userId="f59fb8f3-a021-417a-8bc1-65c8d471c621" providerId="ADAL" clId="{4BE6A6D3-80E1-E648-9A65-3053C53C3489}" dt="2020-01-13T13:50:08.533" v="40" actId="20577"/>
           <ac:spMkLst>
             <pc:docMk/>
             <pc:sldMk cId="4247104139" sldId="256"/>
@@ -186,384 +3123,1522 @@
           </ac:spMkLst>
         </pc:spChg>
       </pc:sldChg>
-      <pc:sldChg chg="add del">
-        <pc:chgData name="Long B Nguyen" userId="f59fb8f3-a021-417a-8bc1-65c8d471c621" providerId="ADAL" clId="{6AC26564-89E3-E046-BFB4-F80582D7E17B}" dt="2020-01-13T13:46:54.924" v="89" actId="2696"/>
-        <pc:sldMkLst>
-          <pc:docMk/>
-          <pc:sldMk cId="2869331202" sldId="257"/>
+      <pc:sldChg chg="del">
+        <pc:chgData name="Long B Nguyen" userId="f59fb8f3-a021-417a-8bc1-65c8d471c621" providerId="ADAL" clId="{4BE6A6D3-80E1-E648-9A65-3053C53C3489}" dt="2020-01-13T13:50:20.439" v="74" actId="2696"/>
+        <pc:sldMkLst>
+          <pc:docMk/>
+          <pc:sldMk cId="1758448129" sldId="309"/>
+        </pc:sldMkLst>
+      </pc:sldChg>
+      <pc:sldChg chg="del">
+        <pc:chgData name="Long B Nguyen" userId="f59fb8f3-a021-417a-8bc1-65c8d471c621" providerId="ADAL" clId="{4BE6A6D3-80E1-E648-9A65-3053C53C3489}" dt="2020-01-13T13:50:12.196" v="42" actId="2696"/>
+        <pc:sldMkLst>
+          <pc:docMk/>
+          <pc:sldMk cId="3947558204" sldId="313"/>
+        </pc:sldMkLst>
+      </pc:sldChg>
+      <pc:sldChg chg="del">
+        <pc:chgData name="Long B Nguyen" userId="f59fb8f3-a021-417a-8bc1-65c8d471c621" providerId="ADAL" clId="{4BE6A6D3-80E1-E648-9A65-3053C53C3489}" dt="2020-01-13T13:50:19.961" v="43" actId="2696"/>
+        <pc:sldMkLst>
+          <pc:docMk/>
+          <pc:sldMk cId="2054265466" sldId="314"/>
+        </pc:sldMkLst>
+      </pc:sldChg>
+      <pc:sldChg chg="del">
+        <pc:chgData name="Long B Nguyen" userId="f59fb8f3-a021-417a-8bc1-65c8d471c621" providerId="ADAL" clId="{4BE6A6D3-80E1-E648-9A65-3053C53C3489}" dt="2020-01-13T13:50:19.999" v="45" actId="2696"/>
+        <pc:sldMkLst>
+          <pc:docMk/>
+          <pc:sldMk cId="917461937" sldId="315"/>
+        </pc:sldMkLst>
+      </pc:sldChg>
+      <pc:sldChg chg="del">
+        <pc:chgData name="Long B Nguyen" userId="f59fb8f3-a021-417a-8bc1-65c8d471c621" providerId="ADAL" clId="{4BE6A6D3-80E1-E648-9A65-3053C53C3489}" dt="2020-01-13T13:50:20.011" v="46" actId="2696"/>
+        <pc:sldMkLst>
+          <pc:docMk/>
+          <pc:sldMk cId="3266234076" sldId="316"/>
+        </pc:sldMkLst>
+      </pc:sldChg>
+      <pc:sldChg chg="del">
+        <pc:chgData name="Long B Nguyen" userId="f59fb8f3-a021-417a-8bc1-65c8d471c621" providerId="ADAL" clId="{4BE6A6D3-80E1-E648-9A65-3053C53C3489}" dt="2020-01-13T13:50:19.977" v="44" actId="2696"/>
+        <pc:sldMkLst>
+          <pc:docMk/>
+          <pc:sldMk cId="2886319738" sldId="317"/>
+        </pc:sldMkLst>
+      </pc:sldChg>
+      <pc:sldChg chg="del">
+        <pc:chgData name="Long B Nguyen" userId="f59fb8f3-a021-417a-8bc1-65c8d471c621" providerId="ADAL" clId="{4BE6A6D3-80E1-E648-9A65-3053C53C3489}" dt="2020-01-13T13:50:20.047" v="48" actId="2696"/>
+        <pc:sldMkLst>
+          <pc:docMk/>
+          <pc:sldMk cId="3906700287" sldId="319"/>
+        </pc:sldMkLst>
+      </pc:sldChg>
+      <pc:sldChg chg="del">
+        <pc:chgData name="Long B Nguyen" userId="f59fb8f3-a021-417a-8bc1-65c8d471c621" providerId="ADAL" clId="{4BE6A6D3-80E1-E648-9A65-3053C53C3489}" dt="2020-01-13T13:50:20.082" v="50" actId="2696"/>
+        <pc:sldMkLst>
+          <pc:docMk/>
+          <pc:sldMk cId="1810541734" sldId="320"/>
+        </pc:sldMkLst>
+      </pc:sldChg>
+      <pc:sldChg chg="del">
+        <pc:chgData name="Long B Nguyen" userId="f59fb8f3-a021-417a-8bc1-65c8d471c621" providerId="ADAL" clId="{4BE6A6D3-80E1-E648-9A65-3053C53C3489}" dt="2020-01-13T13:50:20.093" v="51" actId="2696"/>
+        <pc:sldMkLst>
+          <pc:docMk/>
+          <pc:sldMk cId="1359731776" sldId="321"/>
+        </pc:sldMkLst>
+      </pc:sldChg>
+      <pc:sldChg chg="del">
+        <pc:chgData name="Long B Nguyen" userId="f59fb8f3-a021-417a-8bc1-65c8d471c621" providerId="ADAL" clId="{4BE6A6D3-80E1-E648-9A65-3053C53C3489}" dt="2020-01-13T13:50:20.107" v="52" actId="2696"/>
+        <pc:sldMkLst>
+          <pc:docMk/>
+          <pc:sldMk cId="3651577480" sldId="322"/>
+        </pc:sldMkLst>
+      </pc:sldChg>
+      <pc:sldChg chg="del">
+        <pc:chgData name="Long B Nguyen" userId="f59fb8f3-a021-417a-8bc1-65c8d471c621" providerId="ADAL" clId="{4BE6A6D3-80E1-E648-9A65-3053C53C3489}" dt="2020-01-13T13:50:20.069" v="49" actId="2696"/>
+        <pc:sldMkLst>
+          <pc:docMk/>
+          <pc:sldMk cId="1496564367" sldId="323"/>
+        </pc:sldMkLst>
+      </pc:sldChg>
+      <pc:sldChg chg="del">
+        <pc:chgData name="Long B Nguyen" userId="f59fb8f3-a021-417a-8bc1-65c8d471c621" providerId="ADAL" clId="{4BE6A6D3-80E1-E648-9A65-3053C53C3489}" dt="2020-01-13T13:50:20.420" v="73" actId="2696"/>
+        <pc:sldMkLst>
+          <pc:docMk/>
+          <pc:sldMk cId="771866096" sldId="324"/>
+        </pc:sldMkLst>
+      </pc:sldChg>
+      <pc:sldChg chg="del">
+        <pc:chgData name="Long B Nguyen" userId="f59fb8f3-a021-417a-8bc1-65c8d471c621" providerId="ADAL" clId="{4BE6A6D3-80E1-E648-9A65-3053C53C3489}" dt="2020-01-13T13:50:20.162" v="56" actId="2696"/>
+        <pc:sldMkLst>
+          <pc:docMk/>
+          <pc:sldMk cId="1025355635" sldId="325"/>
+        </pc:sldMkLst>
+      </pc:sldChg>
+      <pc:sldChg chg="del">
+        <pc:chgData name="Long B Nguyen" userId="f59fb8f3-a021-417a-8bc1-65c8d471c621" providerId="ADAL" clId="{4BE6A6D3-80E1-E648-9A65-3053C53C3489}" dt="2020-01-13T13:50:20.149" v="55" actId="2696"/>
+        <pc:sldMkLst>
+          <pc:docMk/>
+          <pc:sldMk cId="4174920299" sldId="327"/>
+        </pc:sldMkLst>
+      </pc:sldChg>
+      <pc:sldChg chg="del">
+        <pc:chgData name="Long B Nguyen" userId="f59fb8f3-a021-417a-8bc1-65c8d471c621" providerId="ADAL" clId="{4BE6A6D3-80E1-E648-9A65-3053C53C3489}" dt="2020-01-13T13:50:20.176" v="57" actId="2696"/>
+        <pc:sldMkLst>
+          <pc:docMk/>
+          <pc:sldMk cId="2756462650" sldId="328"/>
+        </pc:sldMkLst>
+      </pc:sldChg>
+      <pc:sldChg chg="del">
+        <pc:chgData name="Long B Nguyen" userId="f59fb8f3-a021-417a-8bc1-65c8d471c621" providerId="ADAL" clId="{4BE6A6D3-80E1-E648-9A65-3053C53C3489}" dt="2020-01-13T13:50:20.191" v="58" actId="2696"/>
+        <pc:sldMkLst>
+          <pc:docMk/>
+          <pc:sldMk cId="3080714931" sldId="329"/>
+        </pc:sldMkLst>
+      </pc:sldChg>
+      <pc:sldChg chg="del">
+        <pc:chgData name="Long B Nguyen" userId="f59fb8f3-a021-417a-8bc1-65c8d471c621" providerId="ADAL" clId="{4BE6A6D3-80E1-E648-9A65-3053C53C3489}" dt="2020-01-13T13:50:20.204" v="59" actId="2696"/>
+        <pc:sldMkLst>
+          <pc:docMk/>
+          <pc:sldMk cId="532184546" sldId="330"/>
+        </pc:sldMkLst>
+      </pc:sldChg>
+      <pc:sldChg chg="del">
+        <pc:chgData name="Long B Nguyen" userId="f59fb8f3-a021-417a-8bc1-65c8d471c621" providerId="ADAL" clId="{4BE6A6D3-80E1-E648-9A65-3053C53C3489}" dt="2020-01-13T13:50:20.219" v="60" actId="2696"/>
+        <pc:sldMkLst>
+          <pc:docMk/>
+          <pc:sldMk cId="3264629021" sldId="331"/>
+        </pc:sldMkLst>
+      </pc:sldChg>
+      <pc:sldChg chg="del">
+        <pc:chgData name="Long B Nguyen" userId="f59fb8f3-a021-417a-8bc1-65c8d471c621" providerId="ADAL" clId="{4BE6A6D3-80E1-E648-9A65-3053C53C3489}" dt="2020-01-13T13:50:20.261" v="63" actId="2696"/>
+        <pc:sldMkLst>
+          <pc:docMk/>
+          <pc:sldMk cId="4022722016" sldId="332"/>
+        </pc:sldMkLst>
+      </pc:sldChg>
+      <pc:sldChg chg="del">
+        <pc:chgData name="Long B Nguyen" userId="f59fb8f3-a021-417a-8bc1-65c8d471c621" providerId="ADAL" clId="{4BE6A6D3-80E1-E648-9A65-3053C53C3489}" dt="2020-01-13T13:50:20.283" v="64" actId="2696"/>
+        <pc:sldMkLst>
+          <pc:docMk/>
+          <pc:sldMk cId="1710208723" sldId="333"/>
+        </pc:sldMkLst>
+      </pc:sldChg>
+      <pc:sldChg chg="del">
+        <pc:chgData name="Long B Nguyen" userId="f59fb8f3-a021-417a-8bc1-65c8d471c621" providerId="ADAL" clId="{4BE6A6D3-80E1-E648-9A65-3053C53C3489}" dt="2020-01-13T13:50:20.251" v="62" actId="2696"/>
+        <pc:sldMkLst>
+          <pc:docMk/>
+          <pc:sldMk cId="3404583044" sldId="334"/>
+        </pc:sldMkLst>
+      </pc:sldChg>
+      <pc:sldChg chg="del">
+        <pc:chgData name="Long B Nguyen" userId="f59fb8f3-a021-417a-8bc1-65c8d471c621" providerId="ADAL" clId="{4BE6A6D3-80E1-E648-9A65-3053C53C3489}" dt="2020-01-13T13:50:20.304" v="65" actId="2696"/>
+        <pc:sldMkLst>
+          <pc:docMk/>
+          <pc:sldMk cId="3866550465" sldId="335"/>
+        </pc:sldMkLst>
+      </pc:sldChg>
+      <pc:sldChg chg="del">
+        <pc:chgData name="Long B Nguyen" userId="f59fb8f3-a021-417a-8bc1-65c8d471c621" providerId="ADAL" clId="{4BE6A6D3-80E1-E648-9A65-3053C53C3489}" dt="2020-01-13T13:50:20.324" v="66" actId="2696"/>
+        <pc:sldMkLst>
+          <pc:docMk/>
+          <pc:sldMk cId="3749436800" sldId="336"/>
+        </pc:sldMkLst>
+      </pc:sldChg>
+      <pc:sldChg chg="del">
+        <pc:chgData name="Long B Nguyen" userId="f59fb8f3-a021-417a-8bc1-65c8d471c621" providerId="ADAL" clId="{4BE6A6D3-80E1-E648-9A65-3053C53C3489}" dt="2020-01-13T13:50:20.336" v="67" actId="2696"/>
+        <pc:sldMkLst>
+          <pc:docMk/>
+          <pc:sldMk cId="461704868" sldId="337"/>
+        </pc:sldMkLst>
+      </pc:sldChg>
+      <pc:sldChg chg="del">
+        <pc:chgData name="Long B Nguyen" userId="f59fb8f3-a021-417a-8bc1-65c8d471c621" providerId="ADAL" clId="{4BE6A6D3-80E1-E648-9A65-3053C53C3489}" dt="2020-01-13T13:50:20.351" v="68" actId="2696"/>
+        <pc:sldMkLst>
+          <pc:docMk/>
+          <pc:sldMk cId="545386500" sldId="338"/>
+        </pc:sldMkLst>
+      </pc:sldChg>
+      <pc:sldChg chg="del">
+        <pc:chgData name="Long B Nguyen" userId="f59fb8f3-a021-417a-8bc1-65c8d471c621" providerId="ADAL" clId="{4BE6A6D3-80E1-E648-9A65-3053C53C3489}" dt="2020-01-13T13:50:20.380" v="70" actId="2696"/>
+        <pc:sldMkLst>
+          <pc:docMk/>
+          <pc:sldMk cId="1791361008" sldId="339"/>
+        </pc:sldMkLst>
+      </pc:sldChg>
+      <pc:sldChg chg="del">
+        <pc:chgData name="Long B Nguyen" userId="f59fb8f3-a021-417a-8bc1-65c8d471c621" providerId="ADAL" clId="{4BE6A6D3-80E1-E648-9A65-3053C53C3489}" dt="2020-01-13T13:50:20.367" v="69" actId="2696"/>
+        <pc:sldMkLst>
+          <pc:docMk/>
+          <pc:sldMk cId="678299524" sldId="340"/>
+        </pc:sldMkLst>
+      </pc:sldChg>
+      <pc:sldChg chg="del">
+        <pc:chgData name="Long B Nguyen" userId="f59fb8f3-a021-417a-8bc1-65c8d471c621" providerId="ADAL" clId="{4BE6A6D3-80E1-E648-9A65-3053C53C3489}" dt="2020-01-13T13:50:20.393" v="71" actId="2696"/>
+        <pc:sldMkLst>
+          <pc:docMk/>
+          <pc:sldMk cId="225127645" sldId="341"/>
+        </pc:sldMkLst>
+      </pc:sldChg>
+      <pc:sldChg chg="del">
+        <pc:chgData name="Long B Nguyen" userId="f59fb8f3-a021-417a-8bc1-65c8d471c621" providerId="ADAL" clId="{4BE6A6D3-80E1-E648-9A65-3053C53C3489}" dt="2020-01-13T13:50:20.133" v="54" actId="2696"/>
+        <pc:sldMkLst>
+          <pc:docMk/>
+          <pc:sldMk cId="2214326257" sldId="342"/>
+        </pc:sldMkLst>
+      </pc:sldChg>
+      <pc:sldChg chg="del">
+        <pc:chgData name="Long B Nguyen" userId="f59fb8f3-a021-417a-8bc1-65c8d471c621" providerId="ADAL" clId="{4BE6A6D3-80E1-E648-9A65-3053C53C3489}" dt="2020-01-13T13:50:20.121" v="53" actId="2696"/>
+        <pc:sldMkLst>
+          <pc:docMk/>
+          <pc:sldMk cId="1356056044" sldId="343"/>
+        </pc:sldMkLst>
+      </pc:sldChg>
+      <pc:sldChg chg="del">
+        <pc:chgData name="Long B Nguyen" userId="f59fb8f3-a021-417a-8bc1-65c8d471c621" providerId="ADAL" clId="{4BE6A6D3-80E1-E648-9A65-3053C53C3489}" dt="2020-01-13T13:50:20.028" v="47" actId="2696"/>
+        <pc:sldMkLst>
+          <pc:docMk/>
+          <pc:sldMk cId="902308803" sldId="345"/>
+        </pc:sldMkLst>
+      </pc:sldChg>
+      <pc:sldChg chg="del">
+        <pc:chgData name="Long B Nguyen" userId="f59fb8f3-a021-417a-8bc1-65c8d471c621" providerId="ADAL" clId="{4BE6A6D3-80E1-E648-9A65-3053C53C3489}" dt="2020-01-13T13:50:20.235" v="61" actId="2696"/>
+        <pc:sldMkLst>
+          <pc:docMk/>
+          <pc:sldMk cId="2271372051" sldId="346"/>
+        </pc:sldMkLst>
+      </pc:sldChg>
+      <pc:sldChg chg="del">
+        <pc:chgData name="Long B Nguyen" userId="f59fb8f3-a021-417a-8bc1-65c8d471c621" providerId="ADAL" clId="{4BE6A6D3-80E1-E648-9A65-3053C53C3489}" dt="2020-01-13T13:50:20.403" v="72" actId="2696"/>
+        <pc:sldMkLst>
+          <pc:docMk/>
+          <pc:sldMk cId="198078322" sldId="347"/>
         </pc:sldMkLst>
       </pc:sldChg>
       <pc:sldChg chg="add">
-        <pc:chgData name="Long B Nguyen" userId="f59fb8f3-a021-417a-8bc1-65c8d471c621" providerId="ADAL" clId="{6AC26564-89E3-E046-BFB4-F80582D7E17B}" dt="2020-01-13T13:43:29.420" v="22"/>
-        <pc:sldMkLst>
-          <pc:docMk/>
-          <pc:sldMk cId="1758448129" sldId="309"/>
-        </pc:sldMkLst>
-      </pc:sldChg>
-      <pc:sldChg chg="modSp add del">
-        <pc:chgData name="Long B Nguyen" userId="f59fb8f3-a021-417a-8bc1-65c8d471c621" providerId="ADAL" clId="{6AC26564-89E3-E046-BFB4-F80582D7E17B}" dt="2020-01-13T13:46:55.484" v="90" actId="2696"/>
-        <pc:sldMkLst>
-          <pc:docMk/>
-          <pc:sldMk cId="174202529" sldId="310"/>
-        </pc:sldMkLst>
-        <pc:spChg chg="mod">
-          <ac:chgData name="Long B Nguyen" userId="f59fb8f3-a021-417a-8bc1-65c8d471c621" providerId="ADAL" clId="{6AC26564-89E3-E046-BFB4-F80582D7E17B}" dt="2020-01-13T13:44:35.816" v="86" actId="20577"/>
-          <ac:spMkLst>
-            <pc:docMk/>
-            <pc:sldMk cId="174202529" sldId="310"/>
-            <ac:spMk id="18434" creationId="{72F3E48A-CDFA-CE46-B991-D35BF55EC8E6}"/>
-          </ac:spMkLst>
-        </pc:spChg>
-      </pc:sldChg>
-      <pc:sldChg chg="add del">
-        <pc:chgData name="Long B Nguyen" userId="f59fb8f3-a021-417a-8bc1-65c8d471c621" providerId="ADAL" clId="{6AC26564-89E3-E046-BFB4-F80582D7E17B}" dt="2020-01-13T13:46:56.092" v="91" actId="2696"/>
-        <pc:sldMkLst>
-          <pc:docMk/>
-          <pc:sldMk cId="1098579697" sldId="311"/>
-        </pc:sldMkLst>
-      </pc:sldChg>
-      <pc:sldChg chg="add del">
-        <pc:chgData name="Long B Nguyen" userId="f59fb8f3-a021-417a-8bc1-65c8d471c621" providerId="ADAL" clId="{6AC26564-89E3-E046-BFB4-F80582D7E17B}" dt="2020-01-13T13:46:56.810" v="92" actId="2696"/>
-        <pc:sldMkLst>
-          <pc:docMk/>
-          <pc:sldMk cId="585175195" sldId="312"/>
+        <pc:chgData name="Long B Nguyen" userId="f59fb8f3-a021-417a-8bc1-65c8d471c621" providerId="ADAL" clId="{4BE6A6D3-80E1-E648-9A65-3053C53C3489}" dt="2020-01-13T13:50:10.483" v="41"/>
+        <pc:sldMkLst>
+          <pc:docMk/>
+          <pc:sldMk cId="2218591065" sldId="348"/>
         </pc:sldMkLst>
       </pc:sldChg>
       <pc:sldChg chg="add">
-        <pc:chgData name="Long B Nguyen" userId="f59fb8f3-a021-417a-8bc1-65c8d471c621" providerId="ADAL" clId="{6AC26564-89E3-E046-BFB4-F80582D7E17B}" dt="2020-01-13T13:43:29.420" v="22"/>
-        <pc:sldMkLst>
-          <pc:docMk/>
-          <pc:sldMk cId="3947558204" sldId="313"/>
-        </pc:sldMkLst>
+        <pc:chgData name="Long B Nguyen" userId="f59fb8f3-a021-417a-8bc1-65c8d471c621" providerId="ADAL" clId="{4BE6A6D3-80E1-E648-9A65-3053C53C3489}" dt="2020-01-13T13:50:10.483" v="41"/>
+        <pc:sldMkLst>
+          <pc:docMk/>
+          <pc:sldMk cId="2191981710" sldId="349"/>
+        </pc:sldMkLst>
+      </pc:sldChg>
+    </pc:docChg>
+  </pc:docChgLst>
+  <pc:docChgLst>
+    <pc:chgData name="Long B Nguyen" userId="f59fb8f3-a021-417a-8bc1-65c8d471c621" providerId="ADAL" clId="{CC9C9D9A-5149-2947-86C0-576F501F60DC}"/>
+    <pc:docChg chg="addSld modSld">
+      <pc:chgData name="Long B Nguyen" userId="f59fb8f3-a021-417a-8bc1-65c8d471c621" providerId="ADAL" clId="{CC9C9D9A-5149-2947-86C0-576F501F60DC}" dt="2020-01-05T21:59:55.597" v="2392" actId="14100"/>
+      <pc:docMkLst>
+        <pc:docMk/>
+      </pc:docMkLst>
+      <pc:sldChg chg="modSp add modAnim">
+        <pc:chgData name="Long B Nguyen" userId="f59fb8f3-a021-417a-8bc1-65c8d471c621" providerId="ADAL" clId="{CC9C9D9A-5149-2947-86C0-576F501F60DC}" dt="2020-01-04T15:49:37.373" v="563" actId="20577"/>
+        <pc:sldMkLst>
+          <pc:docMk/>
+          <pc:sldMk cId="924617162" sldId="319"/>
+        </pc:sldMkLst>
+        <pc:spChg chg="mod">
+          <ac:chgData name="Long B Nguyen" userId="f59fb8f3-a021-417a-8bc1-65c8d471c621" providerId="ADAL" clId="{CC9C9D9A-5149-2947-86C0-576F501F60DC}" dt="2020-01-04T15:45:14.876" v="4" actId="20577"/>
+          <ac:spMkLst>
+            <pc:docMk/>
+            <pc:sldMk cId="924617162" sldId="319"/>
+            <ac:spMk id="2" creationId="{AA3A228F-61D0-D949-A5E7-F83756230BF8}"/>
+          </ac:spMkLst>
+        </pc:spChg>
+        <pc:spChg chg="mod">
+          <ac:chgData name="Long B Nguyen" userId="f59fb8f3-a021-417a-8bc1-65c8d471c621" providerId="ADAL" clId="{CC9C9D9A-5149-2947-86C0-576F501F60DC}" dt="2020-01-04T15:49:37.373" v="563" actId="20577"/>
+          <ac:spMkLst>
+            <pc:docMk/>
+            <pc:sldMk cId="924617162" sldId="319"/>
+            <ac:spMk id="9" creationId="{E3B2E017-30B2-884B-A113-B419A2ED51AD}"/>
+          </ac:spMkLst>
+        </pc:spChg>
+      </pc:sldChg>
+      <pc:sldChg chg="modSp add">
+        <pc:chgData name="Long B Nguyen" userId="f59fb8f3-a021-417a-8bc1-65c8d471c621" providerId="ADAL" clId="{CC9C9D9A-5149-2947-86C0-576F501F60DC}" dt="2020-01-04T15:57:55.835" v="789" actId="14100"/>
+        <pc:sldMkLst>
+          <pc:docMk/>
+          <pc:sldMk cId="3758830494" sldId="320"/>
+        </pc:sldMkLst>
+        <pc:spChg chg="mod">
+          <ac:chgData name="Long B Nguyen" userId="f59fb8f3-a021-417a-8bc1-65c8d471c621" providerId="ADAL" clId="{CC9C9D9A-5149-2947-86C0-576F501F60DC}" dt="2020-01-04T15:57:52.065" v="788" actId="1076"/>
+          <ac:spMkLst>
+            <pc:docMk/>
+            <pc:sldMk cId="3758830494" sldId="320"/>
+            <ac:spMk id="2" creationId="{AA3A228F-61D0-D949-A5E7-F83756230BF8}"/>
+          </ac:spMkLst>
+        </pc:spChg>
+        <pc:spChg chg="mod">
+          <ac:chgData name="Long B Nguyen" userId="f59fb8f3-a021-417a-8bc1-65c8d471c621" providerId="ADAL" clId="{CC9C9D9A-5149-2947-86C0-576F501F60DC}" dt="2020-01-04T15:57:55.835" v="789" actId="14100"/>
+          <ac:spMkLst>
+            <pc:docMk/>
+            <pc:sldMk cId="3758830494" sldId="320"/>
+            <ac:spMk id="9" creationId="{E3B2E017-30B2-884B-A113-B419A2ED51AD}"/>
+          </ac:spMkLst>
+        </pc:spChg>
+      </pc:sldChg>
+      <pc:sldChg chg="modSp add">
+        <pc:chgData name="Long B Nguyen" userId="f59fb8f3-a021-417a-8bc1-65c8d471c621" providerId="ADAL" clId="{CC9C9D9A-5149-2947-86C0-576F501F60DC}" dt="2020-01-05T21:51:37.442" v="2325" actId="20577"/>
+        <pc:sldMkLst>
+          <pc:docMk/>
+          <pc:sldMk cId="1022945305" sldId="321"/>
+        </pc:sldMkLst>
+        <pc:spChg chg="mod">
+          <ac:chgData name="Long B Nguyen" userId="f59fb8f3-a021-417a-8bc1-65c8d471c621" providerId="ADAL" clId="{CC9C9D9A-5149-2947-86C0-576F501F60DC}" dt="2020-01-05T21:51:37.442" v="2325" actId="20577"/>
+          <ac:spMkLst>
+            <pc:docMk/>
+            <pc:sldMk cId="1022945305" sldId="321"/>
+            <ac:spMk id="2" creationId="{AA3A228F-61D0-D949-A5E7-F83756230BF8}"/>
+          </ac:spMkLst>
+        </pc:spChg>
+        <pc:spChg chg="mod">
+          <ac:chgData name="Long B Nguyen" userId="f59fb8f3-a021-417a-8bc1-65c8d471c621" providerId="ADAL" clId="{CC9C9D9A-5149-2947-86C0-576F501F60DC}" dt="2020-01-05T21:33:21.485" v="2304" actId="20577"/>
+          <ac:spMkLst>
+            <pc:docMk/>
+            <pc:sldMk cId="1022945305" sldId="321"/>
+            <ac:spMk id="9" creationId="{E3B2E017-30B2-884B-A113-B419A2ED51AD}"/>
+          </ac:spMkLst>
+        </pc:spChg>
+      </pc:sldChg>
+      <pc:sldChg chg="modSp add">
+        <pc:chgData name="Long B Nguyen" userId="f59fb8f3-a021-417a-8bc1-65c8d471c621" providerId="ADAL" clId="{CC9C9D9A-5149-2947-86C0-576F501F60DC}" dt="2020-01-04T17:41:57.489" v="1203" actId="20577"/>
+        <pc:sldMkLst>
+          <pc:docMk/>
+          <pc:sldMk cId="3456840474" sldId="322"/>
+        </pc:sldMkLst>
+        <pc:spChg chg="mod">
+          <ac:chgData name="Long B Nguyen" userId="f59fb8f3-a021-417a-8bc1-65c8d471c621" providerId="ADAL" clId="{CC9C9D9A-5149-2947-86C0-576F501F60DC}" dt="2020-01-04T17:41:57.489" v="1203" actId="20577"/>
+          <ac:spMkLst>
+            <pc:docMk/>
+            <pc:sldMk cId="3456840474" sldId="322"/>
+            <ac:spMk id="9" creationId="{E3B2E017-30B2-884B-A113-B419A2ED51AD}"/>
+          </ac:spMkLst>
+        </pc:spChg>
+      </pc:sldChg>
+      <pc:sldChg chg="modSp add">
+        <pc:chgData name="Long B Nguyen" userId="f59fb8f3-a021-417a-8bc1-65c8d471c621" providerId="ADAL" clId="{CC9C9D9A-5149-2947-86C0-576F501F60DC}" dt="2020-01-04T18:38:26.241" v="1214" actId="113"/>
+        <pc:sldMkLst>
+          <pc:docMk/>
+          <pc:sldMk cId="1062075874" sldId="323"/>
+        </pc:sldMkLst>
+        <pc:spChg chg="mod">
+          <ac:chgData name="Long B Nguyen" userId="f59fb8f3-a021-417a-8bc1-65c8d471c621" providerId="ADAL" clId="{CC9C9D9A-5149-2947-86C0-576F501F60DC}" dt="2020-01-04T18:38:26.241" v="1214" actId="113"/>
+          <ac:spMkLst>
+            <pc:docMk/>
+            <pc:sldMk cId="1062075874" sldId="323"/>
+            <ac:spMk id="9" creationId="{E3B2E017-30B2-884B-A113-B419A2ED51AD}"/>
+          </ac:spMkLst>
+        </pc:spChg>
+      </pc:sldChg>
+      <pc:sldChg chg="modSp add">
+        <pc:chgData name="Long B Nguyen" userId="f59fb8f3-a021-417a-8bc1-65c8d471c621" providerId="ADAL" clId="{CC9C9D9A-5149-2947-86C0-576F501F60DC}" dt="2020-01-04T20:58:36.932" v="1972" actId="20577"/>
+        <pc:sldMkLst>
+          <pc:docMk/>
+          <pc:sldMk cId="1310010799" sldId="324"/>
+        </pc:sldMkLst>
+        <pc:spChg chg="mod">
+          <ac:chgData name="Long B Nguyen" userId="f59fb8f3-a021-417a-8bc1-65c8d471c621" providerId="ADAL" clId="{CC9C9D9A-5149-2947-86C0-576F501F60DC}" dt="2020-01-04T20:55:25.731" v="1962" actId="1076"/>
+          <ac:spMkLst>
+            <pc:docMk/>
+            <pc:sldMk cId="1310010799" sldId="324"/>
+            <ac:spMk id="2" creationId="{AA3A228F-61D0-D949-A5E7-F83756230BF8}"/>
+          </ac:spMkLst>
+        </pc:spChg>
+        <pc:spChg chg="mod">
+          <ac:chgData name="Long B Nguyen" userId="f59fb8f3-a021-417a-8bc1-65c8d471c621" providerId="ADAL" clId="{CC9C9D9A-5149-2947-86C0-576F501F60DC}" dt="2020-01-04T20:58:36.932" v="1972" actId="20577"/>
+          <ac:spMkLst>
+            <pc:docMk/>
+            <pc:sldMk cId="1310010799" sldId="324"/>
+            <ac:spMk id="9" creationId="{E3B2E017-30B2-884B-A113-B419A2ED51AD}"/>
+          </ac:spMkLst>
+        </pc:spChg>
+      </pc:sldChg>
+      <pc:sldChg chg="modSp add">
+        <pc:chgData name="Long B Nguyen" userId="f59fb8f3-a021-417a-8bc1-65c8d471c621" providerId="ADAL" clId="{CC9C9D9A-5149-2947-86C0-576F501F60DC}" dt="2020-01-05T21:27:04.952" v="2119" actId="20577"/>
+        <pc:sldMkLst>
+          <pc:docMk/>
+          <pc:sldMk cId="3314372952" sldId="325"/>
+        </pc:sldMkLst>
+        <pc:spChg chg="mod">
+          <ac:chgData name="Long B Nguyen" userId="f59fb8f3-a021-417a-8bc1-65c8d471c621" providerId="ADAL" clId="{CC9C9D9A-5149-2947-86C0-576F501F60DC}" dt="2020-01-05T21:26:41.210" v="2114" actId="20577"/>
+          <ac:spMkLst>
+            <pc:docMk/>
+            <pc:sldMk cId="3314372952" sldId="325"/>
+            <ac:spMk id="2" creationId="{AA3A228F-61D0-D949-A5E7-F83756230BF8}"/>
+          </ac:spMkLst>
+        </pc:spChg>
+        <pc:spChg chg="mod">
+          <ac:chgData name="Long B Nguyen" userId="f59fb8f3-a021-417a-8bc1-65c8d471c621" providerId="ADAL" clId="{CC9C9D9A-5149-2947-86C0-576F501F60DC}" dt="2020-01-05T21:27:04.952" v="2119" actId="20577"/>
+          <ac:spMkLst>
+            <pc:docMk/>
+            <pc:sldMk cId="3314372952" sldId="325"/>
+            <ac:spMk id="9" creationId="{E3B2E017-30B2-884B-A113-B419A2ED51AD}"/>
+          </ac:spMkLst>
+        </pc:spChg>
+      </pc:sldChg>
+      <pc:sldChg chg="modSp add">
+        <pc:chgData name="Long B Nguyen" userId="f59fb8f3-a021-417a-8bc1-65c8d471c621" providerId="ADAL" clId="{CC9C9D9A-5149-2947-86C0-576F501F60DC}" dt="2020-01-05T21:29:58.563" v="2178" actId="20577"/>
+        <pc:sldMkLst>
+          <pc:docMk/>
+          <pc:sldMk cId="3117943122" sldId="326"/>
+        </pc:sldMkLst>
+        <pc:spChg chg="mod">
+          <ac:chgData name="Long B Nguyen" userId="f59fb8f3-a021-417a-8bc1-65c8d471c621" providerId="ADAL" clId="{CC9C9D9A-5149-2947-86C0-576F501F60DC}" dt="2020-01-05T21:29:58.563" v="2178" actId="20577"/>
+          <ac:spMkLst>
+            <pc:docMk/>
+            <pc:sldMk cId="3117943122" sldId="326"/>
+            <ac:spMk id="9" creationId="{E3B2E017-30B2-884B-A113-B419A2ED51AD}"/>
+          </ac:spMkLst>
+        </pc:spChg>
+      </pc:sldChg>
+      <pc:sldChg chg="modSp add">
+        <pc:chgData name="Long B Nguyen" userId="f59fb8f3-a021-417a-8bc1-65c8d471c621" providerId="ADAL" clId="{CC9C9D9A-5149-2947-86C0-576F501F60DC}" dt="2020-01-05T21:59:55.597" v="2392" actId="14100"/>
+        <pc:sldMkLst>
+          <pc:docMk/>
+          <pc:sldMk cId="1025618360" sldId="327"/>
+        </pc:sldMkLst>
+        <pc:spChg chg="mod">
+          <ac:chgData name="Long B Nguyen" userId="f59fb8f3-a021-417a-8bc1-65c8d471c621" providerId="ADAL" clId="{CC9C9D9A-5149-2947-86C0-576F501F60DC}" dt="2020-01-05T21:59:55.597" v="2392" actId="14100"/>
+          <ac:spMkLst>
+            <pc:docMk/>
+            <pc:sldMk cId="1025618360" sldId="327"/>
+            <ac:spMk id="9" creationId="{E3B2E017-30B2-884B-A113-B419A2ED51AD}"/>
+          </ac:spMkLst>
+        </pc:spChg>
+      </pc:sldChg>
+      <pc:sldChg chg="modSp add">
+        <pc:chgData name="Long B Nguyen" userId="f59fb8f3-a021-417a-8bc1-65c8d471c621" providerId="ADAL" clId="{CC9C9D9A-5149-2947-86C0-576F501F60DC}" dt="2020-01-05T21:54:47.081" v="2356" actId="2711"/>
+        <pc:sldMkLst>
+          <pc:docMk/>
+          <pc:sldMk cId="3894299887" sldId="328"/>
+        </pc:sldMkLst>
+        <pc:spChg chg="mod">
+          <ac:chgData name="Long B Nguyen" userId="f59fb8f3-a021-417a-8bc1-65c8d471c621" providerId="ADAL" clId="{CC9C9D9A-5149-2947-86C0-576F501F60DC}" dt="2020-01-05T21:51:41.306" v="2327" actId="20577"/>
+          <ac:spMkLst>
+            <pc:docMk/>
+            <pc:sldMk cId="3894299887" sldId="328"/>
+            <ac:spMk id="2" creationId="{AA3A228F-61D0-D949-A5E7-F83756230BF8}"/>
+          </ac:spMkLst>
+        </pc:spChg>
+        <pc:spChg chg="mod">
+          <ac:chgData name="Long B Nguyen" userId="f59fb8f3-a021-417a-8bc1-65c8d471c621" providerId="ADAL" clId="{CC9C9D9A-5149-2947-86C0-576F501F60DC}" dt="2020-01-05T21:54:47.081" v="2356" actId="2711"/>
+          <ac:spMkLst>
+            <pc:docMk/>
+            <pc:sldMk cId="3894299887" sldId="328"/>
+            <ac:spMk id="9" creationId="{E3B2E017-30B2-884B-A113-B419A2ED51AD}"/>
+          </ac:spMkLst>
+        </pc:spChg>
       </pc:sldChg>
       <pc:sldChg chg="add">
-        <pc:chgData name="Long B Nguyen" userId="f59fb8f3-a021-417a-8bc1-65c8d471c621" providerId="ADAL" clId="{6AC26564-89E3-E046-BFB4-F80582D7E17B}" dt="2020-01-13T13:43:29.420" v="22"/>
-        <pc:sldMkLst>
-          <pc:docMk/>
-          <pc:sldMk cId="2054265466" sldId="314"/>
-        </pc:sldMkLst>
-      </pc:sldChg>
-      <pc:sldChg chg="add">
-        <pc:chgData name="Long B Nguyen" userId="f59fb8f3-a021-417a-8bc1-65c8d471c621" providerId="ADAL" clId="{6AC26564-89E3-E046-BFB4-F80582D7E17B}" dt="2020-01-13T13:43:29.420" v="22"/>
-        <pc:sldMkLst>
-          <pc:docMk/>
-          <pc:sldMk cId="917461937" sldId="315"/>
-        </pc:sldMkLst>
+        <pc:chgData name="Long B Nguyen" userId="f59fb8f3-a021-417a-8bc1-65c8d471c621" providerId="ADAL" clId="{CC9C9D9A-5149-2947-86C0-576F501F60DC}" dt="2020-01-05T21:57:38.736" v="2357"/>
+        <pc:sldMkLst>
+          <pc:docMk/>
+          <pc:sldMk cId="4294143140" sldId="329"/>
+        </pc:sldMkLst>
+      </pc:sldChg>
+    </pc:docChg>
+  </pc:docChgLst>
+  <pc:docChgLst>
+    <pc:chgData name="Long B Nguyen" userId="f59fb8f3-a021-417a-8bc1-65c8d471c621" providerId="ADAL" clId="{20E1AE71-974B-2D41-AC34-69C850DFDC19}"/>
+    <pc:docChg chg="addSld delSld modSld">
+      <pc:chgData name="Long B Nguyen" userId="f59fb8f3-a021-417a-8bc1-65c8d471c621" providerId="ADAL" clId="{20E1AE71-974B-2D41-AC34-69C850DFDC19}" dt="2020-03-16T17:50:12.029" v="624"/>
+      <pc:docMkLst>
+        <pc:docMk/>
+      </pc:docMkLst>
+      <pc:sldChg chg="modSp">
+        <pc:chgData name="Long B Nguyen" userId="f59fb8f3-a021-417a-8bc1-65c8d471c621" providerId="ADAL" clId="{20E1AE71-974B-2D41-AC34-69C850DFDC19}" dt="2020-03-08T12:15:22.499" v="64" actId="20577"/>
+        <pc:sldMkLst>
+          <pc:docMk/>
+          <pc:sldMk cId="4247104139" sldId="256"/>
+        </pc:sldMkLst>
+        <pc:spChg chg="mod">
+          <ac:chgData name="Long B Nguyen" userId="f59fb8f3-a021-417a-8bc1-65c8d471c621" providerId="ADAL" clId="{20E1AE71-974B-2D41-AC34-69C850DFDC19}" dt="2020-03-08T12:15:19.156" v="63" actId="20577"/>
+          <ac:spMkLst>
+            <pc:docMk/>
+            <pc:sldMk cId="4247104139" sldId="256"/>
+            <ac:spMk id="2" creationId="{6117A749-B1BA-E24B-8FB0-0604EF651FB3}"/>
+          </ac:spMkLst>
+        </pc:spChg>
+        <pc:spChg chg="mod">
+          <ac:chgData name="Long B Nguyen" userId="f59fb8f3-a021-417a-8bc1-65c8d471c621" providerId="ADAL" clId="{20E1AE71-974B-2D41-AC34-69C850DFDC19}" dt="2020-03-08T12:15:22.499" v="64" actId="20577"/>
+          <ac:spMkLst>
+            <pc:docMk/>
+            <pc:sldMk cId="4247104139" sldId="256"/>
+            <ac:spMk id="3" creationId="{1BDC47C8-6776-7B44-9CD4-95FC91452D62}"/>
+          </ac:spMkLst>
+        </pc:spChg>
+      </pc:sldChg>
+      <pc:sldChg chg="add del setBg">
+        <pc:chgData name="Long B Nguyen" userId="f59fb8f3-a021-417a-8bc1-65c8d471c621" providerId="ADAL" clId="{20E1AE71-974B-2D41-AC34-69C850DFDC19}" dt="2020-03-08T12:15:06.174" v="50" actId="2696"/>
+        <pc:sldMkLst>
+          <pc:docMk/>
+          <pc:sldMk cId="1569266242" sldId="257"/>
+        </pc:sldMkLst>
+      </pc:sldChg>
+      <pc:sldChg chg="modSp add">
+        <pc:chgData name="Long B Nguyen" userId="f59fb8f3-a021-417a-8bc1-65c8d471c621" providerId="ADAL" clId="{20E1AE71-974B-2D41-AC34-69C850DFDC19}" dt="2020-03-08T12:39:57.384" v="218" actId="20577"/>
+        <pc:sldMkLst>
+          <pc:docMk/>
+          <pc:sldMk cId="2902676313" sldId="485"/>
+        </pc:sldMkLst>
+        <pc:spChg chg="mod">
+          <ac:chgData name="Long B Nguyen" userId="f59fb8f3-a021-417a-8bc1-65c8d471c621" providerId="ADAL" clId="{20E1AE71-974B-2D41-AC34-69C850DFDC19}" dt="2020-03-08T12:39:41.672" v="215" actId="1076"/>
+          <ac:spMkLst>
+            <pc:docMk/>
+            <pc:sldMk cId="2902676313" sldId="485"/>
+            <ac:spMk id="49153" creationId="{EB0E2C77-F129-0A43-B733-0C0ECA4DFBCB}"/>
+          </ac:spMkLst>
+        </pc:spChg>
+        <pc:spChg chg="mod">
+          <ac:chgData name="Long B Nguyen" userId="f59fb8f3-a021-417a-8bc1-65c8d471c621" providerId="ADAL" clId="{20E1AE71-974B-2D41-AC34-69C850DFDC19}" dt="2020-03-08T12:39:57.384" v="218" actId="20577"/>
+          <ac:spMkLst>
+            <pc:docMk/>
+            <pc:sldMk cId="2902676313" sldId="485"/>
+            <ac:spMk id="49154" creationId="{1463BEFF-3714-A141-A066-C1AF638C6417}"/>
+          </ac:spMkLst>
+        </pc:spChg>
       </pc:sldChg>
       <pc:sldChg chg="del">
-        <pc:chgData name="Long B Nguyen" userId="f59fb8f3-a021-417a-8bc1-65c8d471c621" providerId="ADAL" clId="{6AC26564-89E3-E046-BFB4-F80582D7E17B}" dt="2020-01-13T13:43:17.195" v="13" actId="2696"/>
+        <pc:chgData name="Long B Nguyen" userId="f59fb8f3-a021-417a-8bc1-65c8d471c621" providerId="ADAL" clId="{20E1AE71-974B-2D41-AC34-69C850DFDC19}" dt="2020-03-08T12:14:33.604" v="13" actId="2696"/>
+        <pc:sldMkLst>
+          <pc:docMk/>
+          <pc:sldMk cId="3813527744" sldId="527"/>
+        </pc:sldMkLst>
+      </pc:sldChg>
+      <pc:sldChg chg="del">
+        <pc:chgData name="Long B Nguyen" userId="f59fb8f3-a021-417a-8bc1-65c8d471c621" providerId="ADAL" clId="{20E1AE71-974B-2D41-AC34-69C850DFDC19}" dt="2020-03-08T12:14:33.688" v="18" actId="2696"/>
+        <pc:sldMkLst>
+          <pc:docMk/>
+          <pc:sldMk cId="1445950413" sldId="528"/>
+        </pc:sldMkLst>
+      </pc:sldChg>
+      <pc:sldChg chg="del">
+        <pc:chgData name="Long B Nguyen" userId="f59fb8f3-a021-417a-8bc1-65c8d471c621" providerId="ADAL" clId="{20E1AE71-974B-2D41-AC34-69C850DFDC19}" dt="2020-03-08T12:14:33.708" v="19" actId="2696"/>
+        <pc:sldMkLst>
+          <pc:docMk/>
+          <pc:sldMk cId="1720314276" sldId="566"/>
+        </pc:sldMkLst>
+      </pc:sldChg>
+      <pc:sldChg chg="del">
+        <pc:chgData name="Long B Nguyen" userId="f59fb8f3-a021-417a-8bc1-65c8d471c621" providerId="ADAL" clId="{20E1AE71-974B-2D41-AC34-69C850DFDC19}" dt="2020-03-08T12:14:33.726" v="20" actId="2696"/>
+        <pc:sldMkLst>
+          <pc:docMk/>
+          <pc:sldMk cId="198395083" sldId="567"/>
+        </pc:sldMkLst>
+      </pc:sldChg>
+      <pc:sldChg chg="del">
+        <pc:chgData name="Long B Nguyen" userId="f59fb8f3-a021-417a-8bc1-65c8d471c621" providerId="ADAL" clId="{20E1AE71-974B-2D41-AC34-69C850DFDC19}" dt="2020-03-08T12:14:33.743" v="21" actId="2696"/>
+        <pc:sldMkLst>
+          <pc:docMk/>
+          <pc:sldMk cId="1070622160" sldId="568"/>
+        </pc:sldMkLst>
+      </pc:sldChg>
+      <pc:sldChg chg="del">
+        <pc:chgData name="Long B Nguyen" userId="f59fb8f3-a021-417a-8bc1-65c8d471c621" providerId="ADAL" clId="{20E1AE71-974B-2D41-AC34-69C850DFDC19}" dt="2020-03-08T12:14:33.830" v="26" actId="2696"/>
+        <pc:sldMkLst>
+          <pc:docMk/>
+          <pc:sldMk cId="4001486838" sldId="570"/>
+        </pc:sldMkLst>
+      </pc:sldChg>
+      <pc:sldChg chg="del">
+        <pc:chgData name="Long B Nguyen" userId="f59fb8f3-a021-417a-8bc1-65c8d471c621" providerId="ADAL" clId="{20E1AE71-974B-2D41-AC34-69C850DFDC19}" dt="2020-03-08T12:14:33.760" v="22" actId="2696"/>
+        <pc:sldMkLst>
+          <pc:docMk/>
+          <pc:sldMk cId="2901569448" sldId="571"/>
+        </pc:sldMkLst>
+      </pc:sldChg>
+      <pc:sldChg chg="del">
+        <pc:chgData name="Long B Nguyen" userId="f59fb8f3-a021-417a-8bc1-65c8d471c621" providerId="ADAL" clId="{20E1AE71-974B-2D41-AC34-69C850DFDC19}" dt="2020-03-08T12:14:33.814" v="25" actId="2696"/>
+        <pc:sldMkLst>
+          <pc:docMk/>
+          <pc:sldMk cId="2135159274" sldId="573"/>
+        </pc:sldMkLst>
+      </pc:sldChg>
+      <pc:sldChg chg="del">
+        <pc:chgData name="Long B Nguyen" userId="f59fb8f3-a021-417a-8bc1-65c8d471c621" providerId="ADAL" clId="{20E1AE71-974B-2D41-AC34-69C850DFDC19}" dt="2020-03-08T12:14:33.887" v="29" actId="2696"/>
+        <pc:sldMkLst>
+          <pc:docMk/>
+          <pc:sldMk cId="3391101355" sldId="575"/>
+        </pc:sldMkLst>
+      </pc:sldChg>
+      <pc:sldChg chg="del">
+        <pc:chgData name="Long B Nguyen" userId="f59fb8f3-a021-417a-8bc1-65c8d471c621" providerId="ADAL" clId="{20E1AE71-974B-2D41-AC34-69C850DFDC19}" dt="2020-03-08T12:14:33.850" v="27" actId="2696"/>
+        <pc:sldMkLst>
+          <pc:docMk/>
+          <pc:sldMk cId="3275116272" sldId="576"/>
+        </pc:sldMkLst>
+      </pc:sldChg>
+      <pc:sldChg chg="del">
+        <pc:chgData name="Long B Nguyen" userId="f59fb8f3-a021-417a-8bc1-65c8d471c621" providerId="ADAL" clId="{20E1AE71-974B-2D41-AC34-69C850DFDC19}" dt="2020-03-08T12:14:33.775" v="23" actId="2696"/>
+        <pc:sldMkLst>
+          <pc:docMk/>
+          <pc:sldMk cId="1727266702" sldId="578"/>
+        </pc:sldMkLst>
+      </pc:sldChg>
+      <pc:sldChg chg="del">
+        <pc:chgData name="Long B Nguyen" userId="f59fb8f3-a021-417a-8bc1-65c8d471c621" providerId="ADAL" clId="{20E1AE71-974B-2D41-AC34-69C850DFDC19}" dt="2020-03-08T12:14:33.789" v="24" actId="2696"/>
+        <pc:sldMkLst>
+          <pc:docMk/>
+          <pc:sldMk cId="665490485" sldId="579"/>
+        </pc:sldMkLst>
+      </pc:sldChg>
+      <pc:sldChg chg="del">
+        <pc:chgData name="Long B Nguyen" userId="f59fb8f3-a021-417a-8bc1-65c8d471c621" providerId="ADAL" clId="{20E1AE71-974B-2D41-AC34-69C850DFDC19}" dt="2020-03-08T12:14:33.669" v="17" actId="2696"/>
+        <pc:sldMkLst>
+          <pc:docMk/>
+          <pc:sldMk cId="2801305812" sldId="580"/>
+        </pc:sldMkLst>
+      </pc:sldChg>
+      <pc:sldChg chg="del">
+        <pc:chgData name="Long B Nguyen" userId="f59fb8f3-a021-417a-8bc1-65c8d471c621" providerId="ADAL" clId="{20E1AE71-974B-2D41-AC34-69C850DFDC19}" dt="2020-03-08T12:14:33.654" v="16" actId="2696"/>
+        <pc:sldMkLst>
+          <pc:docMk/>
+          <pc:sldMk cId="156416513" sldId="581"/>
+        </pc:sldMkLst>
+      </pc:sldChg>
+      <pc:sldChg chg="del">
+        <pc:chgData name="Long B Nguyen" userId="f59fb8f3-a021-417a-8bc1-65c8d471c621" providerId="ADAL" clId="{20E1AE71-974B-2D41-AC34-69C850DFDC19}" dt="2020-03-08T12:14:33.870" v="28" actId="2696"/>
+        <pc:sldMkLst>
+          <pc:docMk/>
+          <pc:sldMk cId="1237537268" sldId="583"/>
+        </pc:sldMkLst>
+      </pc:sldChg>
+      <pc:sldChg chg="del">
+        <pc:chgData name="Long B Nguyen" userId="f59fb8f3-a021-417a-8bc1-65c8d471c621" providerId="ADAL" clId="{20E1AE71-974B-2D41-AC34-69C850DFDC19}" dt="2020-03-08T12:14:33.919" v="31" actId="2696"/>
+        <pc:sldMkLst>
+          <pc:docMk/>
+          <pc:sldMk cId="4256317276" sldId="584"/>
+        </pc:sldMkLst>
+      </pc:sldChg>
+      <pc:sldChg chg="del">
+        <pc:chgData name="Long B Nguyen" userId="f59fb8f3-a021-417a-8bc1-65c8d471c621" providerId="ADAL" clId="{20E1AE71-974B-2D41-AC34-69C850DFDC19}" dt="2020-03-08T12:14:33.969" v="34" actId="2696"/>
+        <pc:sldMkLst>
+          <pc:docMk/>
+          <pc:sldMk cId="3977893820" sldId="585"/>
+        </pc:sldMkLst>
+      </pc:sldChg>
+      <pc:sldChg chg="del">
+        <pc:chgData name="Long B Nguyen" userId="f59fb8f3-a021-417a-8bc1-65c8d471c621" providerId="ADAL" clId="{20E1AE71-974B-2D41-AC34-69C850DFDC19}" dt="2020-03-08T12:14:34.016" v="37" actId="2696"/>
+        <pc:sldMkLst>
+          <pc:docMk/>
+          <pc:sldMk cId="1319289224" sldId="586"/>
+        </pc:sldMkLst>
+      </pc:sldChg>
+      <pc:sldChg chg="del">
+        <pc:chgData name="Long B Nguyen" userId="f59fb8f3-a021-417a-8bc1-65c8d471c621" providerId="ADAL" clId="{20E1AE71-974B-2D41-AC34-69C850DFDC19}" dt="2020-03-08T12:14:34.026" v="38" actId="2696"/>
+        <pc:sldMkLst>
+          <pc:docMk/>
+          <pc:sldMk cId="2894020677" sldId="587"/>
+        </pc:sldMkLst>
+      </pc:sldChg>
+      <pc:sldChg chg="del">
+        <pc:chgData name="Long B Nguyen" userId="f59fb8f3-a021-417a-8bc1-65c8d471c621" providerId="ADAL" clId="{20E1AE71-974B-2D41-AC34-69C850DFDC19}" dt="2020-03-08T12:14:33.904" v="30" actId="2696"/>
+        <pc:sldMkLst>
+          <pc:docMk/>
+          <pc:sldMk cId="3609960584" sldId="588"/>
+        </pc:sldMkLst>
+      </pc:sldChg>
+      <pc:sldChg chg="del">
+        <pc:chgData name="Long B Nguyen" userId="f59fb8f3-a021-417a-8bc1-65c8d471c621" providerId="ADAL" clId="{20E1AE71-974B-2D41-AC34-69C850DFDC19}" dt="2020-03-08T12:14:34.036" v="39" actId="2696"/>
+        <pc:sldMkLst>
+          <pc:docMk/>
+          <pc:sldMk cId="2527578196" sldId="589"/>
+        </pc:sldMkLst>
+      </pc:sldChg>
+      <pc:sldChg chg="del">
+        <pc:chgData name="Long B Nguyen" userId="f59fb8f3-a021-417a-8bc1-65c8d471c621" providerId="ADAL" clId="{20E1AE71-974B-2D41-AC34-69C850DFDC19}" dt="2020-03-08T12:14:34.059" v="41" actId="2696"/>
+        <pc:sldMkLst>
+          <pc:docMk/>
+          <pc:sldMk cId="3609937493" sldId="590"/>
+        </pc:sldMkLst>
+      </pc:sldChg>
+      <pc:sldChg chg="del">
+        <pc:chgData name="Long B Nguyen" userId="f59fb8f3-a021-417a-8bc1-65c8d471c621" providerId="ADAL" clId="{20E1AE71-974B-2D41-AC34-69C850DFDC19}" dt="2020-03-08T12:14:34.046" v="40" actId="2696"/>
+        <pc:sldMkLst>
+          <pc:docMk/>
+          <pc:sldMk cId="4266553646" sldId="591"/>
+        </pc:sldMkLst>
+      </pc:sldChg>
+      <pc:sldChg chg="modSp add modAnim">
+        <pc:chgData name="Long B Nguyen" userId="f59fb8f3-a021-417a-8bc1-65c8d471c621" providerId="ADAL" clId="{20E1AE71-974B-2D41-AC34-69C850DFDC19}" dt="2020-03-08T12:15:55.975" v="72" actId="20577"/>
+        <pc:sldMkLst>
+          <pc:docMk/>
+          <pc:sldMk cId="4205479306" sldId="594"/>
+        </pc:sldMkLst>
+        <pc:spChg chg="mod">
+          <ac:chgData name="Long B Nguyen" userId="f59fb8f3-a021-417a-8bc1-65c8d471c621" providerId="ADAL" clId="{20E1AE71-974B-2D41-AC34-69C850DFDC19}" dt="2020-03-08T12:15:38.234" v="67" actId="1076"/>
+          <ac:spMkLst>
+            <pc:docMk/>
+            <pc:sldMk cId="4205479306" sldId="594"/>
+            <ac:spMk id="16385" creationId="{8FAE8CA6-5EB1-544B-9637-4627ADA36986}"/>
+          </ac:spMkLst>
+        </pc:spChg>
+        <pc:spChg chg="mod">
+          <ac:chgData name="Long B Nguyen" userId="f59fb8f3-a021-417a-8bc1-65c8d471c621" providerId="ADAL" clId="{20E1AE71-974B-2D41-AC34-69C850DFDC19}" dt="2020-03-08T12:15:55.975" v="72" actId="20577"/>
+          <ac:spMkLst>
+            <pc:docMk/>
+            <pc:sldMk cId="4205479306" sldId="594"/>
+            <ac:spMk id="16386" creationId="{AC84324A-3724-874B-82A1-71A36E0BBD8D}"/>
+          </ac:spMkLst>
+        </pc:spChg>
+      </pc:sldChg>
+      <pc:sldChg chg="modSp add modAnim">
+        <pc:chgData name="Long B Nguyen" userId="f59fb8f3-a021-417a-8bc1-65c8d471c621" providerId="ADAL" clId="{20E1AE71-974B-2D41-AC34-69C850DFDC19}" dt="2020-03-08T12:16:42.405" v="78" actId="5793"/>
+        <pc:sldMkLst>
+          <pc:docMk/>
+          <pc:sldMk cId="1994033935" sldId="595"/>
+        </pc:sldMkLst>
+        <pc:spChg chg="mod">
+          <ac:chgData name="Long B Nguyen" userId="f59fb8f3-a021-417a-8bc1-65c8d471c621" providerId="ADAL" clId="{20E1AE71-974B-2D41-AC34-69C850DFDC19}" dt="2020-03-08T12:16:42.405" v="78" actId="5793"/>
+          <ac:spMkLst>
+            <pc:docMk/>
+            <pc:sldMk cId="1994033935" sldId="595"/>
+            <ac:spMk id="16386" creationId="{36A84E53-DF55-DE47-BCAA-A26F73181744}"/>
+          </ac:spMkLst>
+        </pc:spChg>
+        <pc:spChg chg="mod">
+          <ac:chgData name="Long B Nguyen" userId="f59fb8f3-a021-417a-8bc1-65c8d471c621" providerId="ADAL" clId="{20E1AE71-974B-2D41-AC34-69C850DFDC19}" dt="2020-03-08T12:16:35.733" v="75" actId="1076"/>
+          <ac:spMkLst>
+            <pc:docMk/>
+            <pc:sldMk cId="1994033935" sldId="595"/>
+            <ac:spMk id="18433" creationId="{9B931521-A580-614B-B405-91EC138B5B42}"/>
+          </ac:spMkLst>
+        </pc:spChg>
+      </pc:sldChg>
+      <pc:sldChg chg="modSp add modAnim">
+        <pc:chgData name="Long B Nguyen" userId="f59fb8f3-a021-417a-8bc1-65c8d471c621" providerId="ADAL" clId="{20E1AE71-974B-2D41-AC34-69C850DFDC19}" dt="2020-03-08T12:17:14.150" v="86" actId="20577"/>
+        <pc:sldMkLst>
+          <pc:docMk/>
+          <pc:sldMk cId="3986464372" sldId="596"/>
+        </pc:sldMkLst>
+        <pc:spChg chg="mod">
+          <ac:chgData name="Long B Nguyen" userId="f59fb8f3-a021-417a-8bc1-65c8d471c621" providerId="ADAL" clId="{20E1AE71-974B-2D41-AC34-69C850DFDC19}" dt="2020-03-08T12:17:14.150" v="86" actId="20577"/>
+          <ac:spMkLst>
+            <pc:docMk/>
+            <pc:sldMk cId="3986464372" sldId="596"/>
+            <ac:spMk id="16386" creationId="{FD72951F-2D30-6F40-A9B8-7104B7D451EB}"/>
+          </ac:spMkLst>
+        </pc:spChg>
+        <pc:spChg chg="mod">
+          <ac:chgData name="Long B Nguyen" userId="f59fb8f3-a021-417a-8bc1-65c8d471c621" providerId="ADAL" clId="{20E1AE71-974B-2D41-AC34-69C850DFDC19}" dt="2020-03-08T12:16:55.229" v="81" actId="1076"/>
+          <ac:spMkLst>
+            <pc:docMk/>
+            <pc:sldMk cId="3986464372" sldId="596"/>
+            <ac:spMk id="20481" creationId="{86757440-FF2F-FC47-B284-FE903228C9F4}"/>
+          </ac:spMkLst>
+        </pc:spChg>
+      </pc:sldChg>
+      <pc:sldChg chg="modSp add modAnim">
+        <pc:chgData name="Long B Nguyen" userId="f59fb8f3-a021-417a-8bc1-65c8d471c621" providerId="ADAL" clId="{20E1AE71-974B-2D41-AC34-69C850DFDC19}" dt="2020-03-08T14:02:24.971" v="621" actId="20577"/>
+        <pc:sldMkLst>
+          <pc:docMk/>
+          <pc:sldMk cId="2566405133" sldId="597"/>
+        </pc:sldMkLst>
+        <pc:spChg chg="mod">
+          <ac:chgData name="Long B Nguyen" userId="f59fb8f3-a021-417a-8bc1-65c8d471c621" providerId="ADAL" clId="{20E1AE71-974B-2D41-AC34-69C850DFDC19}" dt="2020-03-08T14:02:24.971" v="621" actId="20577"/>
+          <ac:spMkLst>
+            <pc:docMk/>
+            <pc:sldMk cId="2566405133" sldId="597"/>
+            <ac:spMk id="16386" creationId="{8AED6484-1413-8C45-B6F1-BD8A0459A082}"/>
+          </ac:spMkLst>
+        </pc:spChg>
+        <pc:spChg chg="mod">
+          <ac:chgData name="Long B Nguyen" userId="f59fb8f3-a021-417a-8bc1-65c8d471c621" providerId="ADAL" clId="{20E1AE71-974B-2D41-AC34-69C850DFDC19}" dt="2020-03-08T12:17:42.044" v="89" actId="1076"/>
+          <ac:spMkLst>
+            <pc:docMk/>
+            <pc:sldMk cId="2566405133" sldId="597"/>
+            <ac:spMk id="22529" creationId="{393BE6F3-36DE-4449-89F7-53FFEB793FE6}"/>
+          </ac:spMkLst>
+        </pc:spChg>
+      </pc:sldChg>
+      <pc:sldChg chg="modSp add modAnim">
+        <pc:chgData name="Long B Nguyen" userId="f59fb8f3-a021-417a-8bc1-65c8d471c621" providerId="ADAL" clId="{20E1AE71-974B-2D41-AC34-69C850DFDC19}" dt="2020-03-08T12:23:10.036" v="98" actId="20577"/>
+        <pc:sldMkLst>
+          <pc:docMk/>
+          <pc:sldMk cId="1098067599" sldId="598"/>
+        </pc:sldMkLst>
+        <pc:spChg chg="mod">
+          <ac:chgData name="Long B Nguyen" userId="f59fb8f3-a021-417a-8bc1-65c8d471c621" providerId="ADAL" clId="{20E1AE71-974B-2D41-AC34-69C850DFDC19}" dt="2020-03-08T12:23:10.036" v="98" actId="20577"/>
+          <ac:spMkLst>
+            <pc:docMk/>
+            <pc:sldMk cId="1098067599" sldId="598"/>
+            <ac:spMk id="16386" creationId="{E697184B-7A3C-5841-8B49-9041842B0E9B}"/>
+          </ac:spMkLst>
+        </pc:spChg>
+        <pc:spChg chg="mod">
+          <ac:chgData name="Long B Nguyen" userId="f59fb8f3-a021-417a-8bc1-65c8d471c621" providerId="ADAL" clId="{20E1AE71-974B-2D41-AC34-69C850DFDC19}" dt="2020-03-08T12:23:03.944" v="95" actId="1076"/>
+          <ac:spMkLst>
+            <pc:docMk/>
+            <pc:sldMk cId="1098067599" sldId="598"/>
+            <ac:spMk id="24577" creationId="{20CDAB21-9A2E-EC4D-B621-9FE5A26D2AED}"/>
+          </ac:spMkLst>
+        </pc:spChg>
+      </pc:sldChg>
+      <pc:sldChg chg="modSp add modAnim">
+        <pc:chgData name="Long B Nguyen" userId="f59fb8f3-a021-417a-8bc1-65c8d471c621" providerId="ADAL" clId="{20E1AE71-974B-2D41-AC34-69C850DFDC19}" dt="2020-03-08T12:28:38.490" v="119" actId="20577"/>
+        <pc:sldMkLst>
+          <pc:docMk/>
+          <pc:sldMk cId="2135983872" sldId="599"/>
+        </pc:sldMkLst>
+        <pc:spChg chg="mod">
+          <ac:chgData name="Long B Nguyen" userId="f59fb8f3-a021-417a-8bc1-65c8d471c621" providerId="ADAL" clId="{20E1AE71-974B-2D41-AC34-69C850DFDC19}" dt="2020-03-08T12:28:38.490" v="119" actId="20577"/>
+          <ac:spMkLst>
+            <pc:docMk/>
+            <pc:sldMk cId="2135983872" sldId="599"/>
+            <ac:spMk id="16386" creationId="{2CA53A1D-0CFC-9346-9F25-D3084700DDD8}"/>
+          </ac:spMkLst>
+        </pc:spChg>
+        <pc:spChg chg="mod">
+          <ac:chgData name="Long B Nguyen" userId="f59fb8f3-a021-417a-8bc1-65c8d471c621" providerId="ADAL" clId="{20E1AE71-974B-2D41-AC34-69C850DFDC19}" dt="2020-03-08T12:23:21.222" v="101" actId="1076"/>
+          <ac:spMkLst>
+            <pc:docMk/>
+            <pc:sldMk cId="2135983872" sldId="599"/>
+            <ac:spMk id="26625" creationId="{D38D7ADF-E686-184F-A04A-069F9601FE24}"/>
+          </ac:spMkLst>
+        </pc:spChg>
+        <pc:spChg chg="mod">
+          <ac:chgData name="Long B Nguyen" userId="f59fb8f3-a021-417a-8bc1-65c8d471c621" providerId="ADAL" clId="{20E1AE71-974B-2D41-AC34-69C850DFDC19}" dt="2020-03-08T12:23:42.313" v="112" actId="1076"/>
+          <ac:spMkLst>
+            <pc:docMk/>
+            <pc:sldMk cId="2135983872" sldId="599"/>
+            <ac:spMk id="26631" creationId="{DD7FEF02-BF15-B943-8B30-0CAF8C1C95CA}"/>
+          </ac:spMkLst>
+        </pc:spChg>
+        <pc:picChg chg="mod">
+          <ac:chgData name="Long B Nguyen" userId="f59fb8f3-a021-417a-8bc1-65c8d471c621" providerId="ADAL" clId="{20E1AE71-974B-2D41-AC34-69C850DFDC19}" dt="2020-03-08T12:23:57.417" v="116" actId="1076"/>
+          <ac:picMkLst>
+            <pc:docMk/>
+            <pc:sldMk cId="2135983872" sldId="599"/>
+            <ac:picMk id="26628" creationId="{B1446CB5-AD27-4C43-9004-B6922BC9B7A5}"/>
+          </ac:picMkLst>
+        </pc:picChg>
+      </pc:sldChg>
+      <pc:sldChg chg="modSp add modAnim">
+        <pc:chgData name="Long B Nguyen" userId="f59fb8f3-a021-417a-8bc1-65c8d471c621" providerId="ADAL" clId="{20E1AE71-974B-2D41-AC34-69C850DFDC19}" dt="2020-03-08T12:28:52.619" v="125" actId="20577"/>
+        <pc:sldMkLst>
+          <pc:docMk/>
+          <pc:sldMk cId="3082545194" sldId="600"/>
+        </pc:sldMkLst>
+        <pc:spChg chg="mod">
+          <ac:chgData name="Long B Nguyen" userId="f59fb8f3-a021-417a-8bc1-65c8d471c621" providerId="ADAL" clId="{20E1AE71-974B-2D41-AC34-69C850DFDC19}" dt="2020-03-08T12:28:52.619" v="125" actId="20577"/>
+          <ac:spMkLst>
+            <pc:docMk/>
+            <pc:sldMk cId="3082545194" sldId="600"/>
+            <ac:spMk id="16386" creationId="{1068C3F6-2B68-0147-A043-67BE3D946ECF}"/>
+          </ac:spMkLst>
+        </pc:spChg>
+        <pc:spChg chg="mod">
+          <ac:chgData name="Long B Nguyen" userId="f59fb8f3-a021-417a-8bc1-65c8d471c621" providerId="ADAL" clId="{20E1AE71-974B-2D41-AC34-69C850DFDC19}" dt="2020-03-08T12:28:48.700" v="122" actId="1076"/>
+          <ac:spMkLst>
+            <pc:docMk/>
+            <pc:sldMk cId="3082545194" sldId="600"/>
+            <ac:spMk id="28673" creationId="{907EFF68-9C71-F04B-B369-88AED7B7A835}"/>
+          </ac:spMkLst>
+        </pc:spChg>
+      </pc:sldChg>
+      <pc:sldChg chg="modSp add modAnim">
+        <pc:chgData name="Long B Nguyen" userId="f59fb8f3-a021-417a-8bc1-65c8d471c621" providerId="ADAL" clId="{20E1AE71-974B-2D41-AC34-69C850DFDC19}" dt="2020-03-08T13:57:55.124" v="509" actId="20577"/>
+        <pc:sldMkLst>
+          <pc:docMk/>
+          <pc:sldMk cId="3805116294" sldId="601"/>
+        </pc:sldMkLst>
+        <pc:spChg chg="mod">
+          <ac:chgData name="Long B Nguyen" userId="f59fb8f3-a021-417a-8bc1-65c8d471c621" providerId="ADAL" clId="{20E1AE71-974B-2D41-AC34-69C850DFDC19}" dt="2020-03-08T13:57:55.124" v="509" actId="20577"/>
+          <ac:spMkLst>
+            <pc:docMk/>
+            <pc:sldMk cId="3805116294" sldId="601"/>
+            <ac:spMk id="16386" creationId="{37FDCEEA-1952-6C42-8C6C-2F8F8FE3796F}"/>
+          </ac:spMkLst>
+        </pc:spChg>
+        <pc:spChg chg="mod">
+          <ac:chgData name="Long B Nguyen" userId="f59fb8f3-a021-417a-8bc1-65c8d471c621" providerId="ADAL" clId="{20E1AE71-974B-2D41-AC34-69C850DFDC19}" dt="2020-03-08T13:55:44.761" v="273" actId="1076"/>
+          <ac:spMkLst>
+            <pc:docMk/>
+            <pc:sldMk cId="3805116294" sldId="601"/>
+            <ac:spMk id="30721" creationId="{CABE8826-3A78-A04B-B3F1-70BBDCFEB024}"/>
+          </ac:spMkLst>
+        </pc:spChg>
+        <pc:picChg chg="mod">
+          <ac:chgData name="Long B Nguyen" userId="f59fb8f3-a021-417a-8bc1-65c8d471c621" providerId="ADAL" clId="{20E1AE71-974B-2D41-AC34-69C850DFDC19}" dt="2020-03-08T13:57:28.589" v="500" actId="1076"/>
+          <ac:picMkLst>
+            <pc:docMk/>
+            <pc:sldMk cId="3805116294" sldId="601"/>
+            <ac:picMk id="30723" creationId="{A19A7F4E-C334-2D45-8068-393FDB2C3A04}"/>
+          </ac:picMkLst>
+        </pc:picChg>
+      </pc:sldChg>
+      <pc:sldChg chg="modSp add">
+        <pc:chgData name="Long B Nguyen" userId="f59fb8f3-a021-417a-8bc1-65c8d471c621" providerId="ADAL" clId="{20E1AE71-974B-2D41-AC34-69C850DFDC19}" dt="2020-03-08T12:29:32.575" v="133" actId="5793"/>
+        <pc:sldMkLst>
+          <pc:docMk/>
+          <pc:sldMk cId="2482297390" sldId="602"/>
+        </pc:sldMkLst>
+        <pc:spChg chg="mod">
+          <ac:chgData name="Long B Nguyen" userId="f59fb8f3-a021-417a-8bc1-65c8d471c621" providerId="ADAL" clId="{20E1AE71-974B-2D41-AC34-69C850DFDC19}" dt="2020-03-08T12:29:32.575" v="133" actId="5793"/>
+          <ac:spMkLst>
+            <pc:docMk/>
+            <pc:sldMk cId="2482297390" sldId="602"/>
+            <ac:spMk id="16386" creationId="{65F76040-0096-2148-BECD-C70AB371E337}"/>
+          </ac:spMkLst>
+        </pc:spChg>
+        <pc:spChg chg="mod">
+          <ac:chgData name="Long B Nguyen" userId="f59fb8f3-a021-417a-8bc1-65c8d471c621" providerId="ADAL" clId="{20E1AE71-974B-2D41-AC34-69C850DFDC19}" dt="2020-03-08T12:29:30.039" v="132" actId="1076"/>
+          <ac:spMkLst>
+            <pc:docMk/>
+            <pc:sldMk cId="2482297390" sldId="602"/>
+            <ac:spMk id="32769" creationId="{4EBBA52F-9DF1-B246-9431-8A81100C5EEF}"/>
+          </ac:spMkLst>
+        </pc:spChg>
+      </pc:sldChg>
+      <pc:sldChg chg="modSp add modAnim">
+        <pc:chgData name="Long B Nguyen" userId="f59fb8f3-a021-417a-8bc1-65c8d471c621" providerId="ADAL" clId="{20E1AE71-974B-2D41-AC34-69C850DFDC19}" dt="2020-03-08T12:30:37.102" v="153" actId="20577"/>
+        <pc:sldMkLst>
+          <pc:docMk/>
+          <pc:sldMk cId="3316801220" sldId="603"/>
+        </pc:sldMkLst>
+        <pc:spChg chg="mod">
+          <ac:chgData name="Long B Nguyen" userId="f59fb8f3-a021-417a-8bc1-65c8d471c621" providerId="ADAL" clId="{20E1AE71-974B-2D41-AC34-69C850DFDC19}" dt="2020-03-08T12:30:37.102" v="153" actId="20577"/>
+          <ac:spMkLst>
+            <pc:docMk/>
+            <pc:sldMk cId="3316801220" sldId="603"/>
+            <ac:spMk id="16386" creationId="{62F9A7B8-3A42-B54D-9D39-DC0EC3FB546A}"/>
+          </ac:spMkLst>
+        </pc:spChg>
+        <pc:spChg chg="mod">
+          <ac:chgData name="Long B Nguyen" userId="f59fb8f3-a021-417a-8bc1-65c8d471c621" providerId="ADAL" clId="{20E1AE71-974B-2D41-AC34-69C850DFDC19}" dt="2020-03-08T12:29:44.488" v="136" actId="1076"/>
+          <ac:spMkLst>
+            <pc:docMk/>
+            <pc:sldMk cId="3316801220" sldId="603"/>
+            <ac:spMk id="34817" creationId="{0DBE2AEE-399E-404E-BC68-4C2DA6AAC63B}"/>
+          </ac:spMkLst>
+        </pc:spChg>
+      </pc:sldChg>
+      <pc:sldChg chg="modSp add">
+        <pc:chgData name="Long B Nguyen" userId="f59fb8f3-a021-417a-8bc1-65c8d471c621" providerId="ADAL" clId="{20E1AE71-974B-2D41-AC34-69C850DFDC19}" dt="2020-03-08T12:31:12.108" v="157" actId="5793"/>
+        <pc:sldMkLst>
+          <pc:docMk/>
+          <pc:sldMk cId="1665439849" sldId="605"/>
+        </pc:sldMkLst>
+        <pc:spChg chg="mod">
+          <ac:chgData name="Long B Nguyen" userId="f59fb8f3-a021-417a-8bc1-65c8d471c621" providerId="ADAL" clId="{20E1AE71-974B-2D41-AC34-69C850DFDC19}" dt="2020-03-08T12:31:12.108" v="157" actId="5793"/>
+          <ac:spMkLst>
+            <pc:docMk/>
+            <pc:sldMk cId="1665439849" sldId="605"/>
+            <ac:spMk id="16386" creationId="{A254C108-CD79-104D-9573-479E5F1E9C53}"/>
+          </ac:spMkLst>
+        </pc:spChg>
+        <pc:spChg chg="mod">
+          <ac:chgData name="Long B Nguyen" userId="f59fb8f3-a021-417a-8bc1-65c8d471c621" providerId="ADAL" clId="{20E1AE71-974B-2D41-AC34-69C850DFDC19}" dt="2020-03-08T12:31:09.246" v="156" actId="1076"/>
+          <ac:spMkLst>
+            <pc:docMk/>
+            <pc:sldMk cId="1665439849" sldId="605"/>
+            <ac:spMk id="36865" creationId="{3FB39C93-22A3-5C43-BE4F-FEE2C42AF6FA}"/>
+          </ac:spMkLst>
+        </pc:spChg>
+      </pc:sldChg>
+      <pc:sldChg chg="modSp add modAnim">
+        <pc:chgData name="Long B Nguyen" userId="f59fb8f3-a021-417a-8bc1-65c8d471c621" providerId="ADAL" clId="{20E1AE71-974B-2D41-AC34-69C850DFDC19}" dt="2020-03-08T12:32:02.124" v="164" actId="20577"/>
+        <pc:sldMkLst>
+          <pc:docMk/>
+          <pc:sldMk cId="1196991583" sldId="606"/>
+        </pc:sldMkLst>
+        <pc:spChg chg="mod">
+          <ac:chgData name="Long B Nguyen" userId="f59fb8f3-a021-417a-8bc1-65c8d471c621" providerId="ADAL" clId="{20E1AE71-974B-2D41-AC34-69C850DFDC19}" dt="2020-03-08T12:32:02.124" v="164" actId="20577"/>
+          <ac:spMkLst>
+            <pc:docMk/>
+            <pc:sldMk cId="1196991583" sldId="606"/>
+            <ac:spMk id="16386" creationId="{AE1781FA-9D5E-A349-85DF-1916B7AC6635}"/>
+          </ac:spMkLst>
+        </pc:spChg>
+        <pc:spChg chg="mod">
+          <ac:chgData name="Long B Nguyen" userId="f59fb8f3-a021-417a-8bc1-65c8d471c621" providerId="ADAL" clId="{20E1AE71-974B-2D41-AC34-69C850DFDC19}" dt="2020-03-08T12:31:48.463" v="160" actId="1076"/>
+          <ac:spMkLst>
+            <pc:docMk/>
+            <pc:sldMk cId="1196991583" sldId="606"/>
+            <ac:spMk id="38913" creationId="{3E233C7B-4CFF-104F-85AD-FB4583A5E86E}"/>
+          </ac:spMkLst>
+        </pc:spChg>
+      </pc:sldChg>
+      <pc:sldChg chg="modSp add modAnim">
+        <pc:chgData name="Long B Nguyen" userId="f59fb8f3-a021-417a-8bc1-65c8d471c621" providerId="ADAL" clId="{20E1AE71-974B-2D41-AC34-69C850DFDC19}" dt="2020-03-08T12:36:27.687" v="186" actId="113"/>
+        <pc:sldMkLst>
+          <pc:docMk/>
+          <pc:sldMk cId="2747083858" sldId="607"/>
+        </pc:sldMkLst>
+        <pc:spChg chg="mod">
+          <ac:chgData name="Long B Nguyen" userId="f59fb8f3-a021-417a-8bc1-65c8d471c621" providerId="ADAL" clId="{20E1AE71-974B-2D41-AC34-69C850DFDC19}" dt="2020-03-08T12:36:27.687" v="186" actId="113"/>
+          <ac:spMkLst>
+            <pc:docMk/>
+            <pc:sldMk cId="2747083858" sldId="607"/>
+            <ac:spMk id="16386" creationId="{482D60F1-187C-864B-B43D-577485A40C08}"/>
+          </ac:spMkLst>
+        </pc:spChg>
+        <pc:spChg chg="mod">
+          <ac:chgData name="Long B Nguyen" userId="f59fb8f3-a021-417a-8bc1-65c8d471c621" providerId="ADAL" clId="{20E1AE71-974B-2D41-AC34-69C850DFDC19}" dt="2020-03-08T12:36:08.893" v="180" actId="1076"/>
+          <ac:spMkLst>
+            <pc:docMk/>
+            <pc:sldMk cId="2747083858" sldId="607"/>
+            <ac:spMk id="40961" creationId="{8FBF48B6-53FB-2C49-A153-963914EAEB88}"/>
+          </ac:spMkLst>
+        </pc:spChg>
+      </pc:sldChg>
+      <pc:sldChg chg="addSp delSp modSp add modAnim">
+        <pc:chgData name="Long B Nguyen" userId="f59fb8f3-a021-417a-8bc1-65c8d471c621" providerId="ADAL" clId="{20E1AE71-974B-2D41-AC34-69C850DFDC19}" dt="2020-03-16T17:50:12.029" v="624"/>
+        <pc:sldMkLst>
+          <pc:docMk/>
+          <pc:sldMk cId="2430561500" sldId="609"/>
+        </pc:sldMkLst>
+        <pc:spChg chg="add del mod">
+          <ac:chgData name="Long B Nguyen" userId="f59fb8f3-a021-417a-8bc1-65c8d471c621" providerId="ADAL" clId="{20E1AE71-974B-2D41-AC34-69C850DFDC19}" dt="2020-03-16T17:50:12.029" v="624"/>
+          <ac:spMkLst>
+            <pc:docMk/>
+            <pc:sldMk cId="2430561500" sldId="609"/>
+            <ac:spMk id="2" creationId="{3D4C4230-2B39-5E4F-A592-6A2ECBBDF748}"/>
+          </ac:spMkLst>
+        </pc:spChg>
+        <pc:spChg chg="mod">
+          <ac:chgData name="Long B Nguyen" userId="f59fb8f3-a021-417a-8bc1-65c8d471c621" providerId="ADAL" clId="{20E1AE71-974B-2D41-AC34-69C850DFDC19}" dt="2020-03-08T12:36:43.699" v="192" actId="20577"/>
+          <ac:spMkLst>
+            <pc:docMk/>
+            <pc:sldMk cId="2430561500" sldId="609"/>
+            <ac:spMk id="16386" creationId="{976F1699-B5AC-2F45-8AD2-94EE6D9AAFEA}"/>
+          </ac:spMkLst>
+        </pc:spChg>
+        <pc:spChg chg="mod">
+          <ac:chgData name="Long B Nguyen" userId="f59fb8f3-a021-417a-8bc1-65c8d471c621" providerId="ADAL" clId="{20E1AE71-974B-2D41-AC34-69C850DFDC19}" dt="2020-03-08T12:36:39.581" v="189" actId="1076"/>
+          <ac:spMkLst>
+            <pc:docMk/>
+            <pc:sldMk cId="2430561500" sldId="609"/>
+            <ac:spMk id="43009" creationId="{5AF8924E-8D8B-8140-81EA-8C0E4EE57514}"/>
+          </ac:spMkLst>
+        </pc:spChg>
+      </pc:sldChg>
+      <pc:sldChg chg="modSp add modAnim">
+        <pc:chgData name="Long B Nguyen" userId="f59fb8f3-a021-417a-8bc1-65c8d471c621" providerId="ADAL" clId="{20E1AE71-974B-2D41-AC34-69C850DFDC19}" dt="2020-03-08T12:38:37.807" v="200" actId="20577"/>
+        <pc:sldMkLst>
+          <pc:docMk/>
+          <pc:sldMk cId="1660288031" sldId="610"/>
+        </pc:sldMkLst>
+        <pc:spChg chg="mod">
+          <ac:chgData name="Long B Nguyen" userId="f59fb8f3-a021-417a-8bc1-65c8d471c621" providerId="ADAL" clId="{20E1AE71-974B-2D41-AC34-69C850DFDC19}" dt="2020-03-08T12:38:37.807" v="200" actId="20577"/>
+          <ac:spMkLst>
+            <pc:docMk/>
+            <pc:sldMk cId="1660288031" sldId="610"/>
+            <ac:spMk id="16386" creationId="{5156306A-4FA5-3D45-9903-BA60307C88D6}"/>
+          </ac:spMkLst>
+        </pc:spChg>
+        <pc:spChg chg="mod">
+          <ac:chgData name="Long B Nguyen" userId="f59fb8f3-a021-417a-8bc1-65c8d471c621" providerId="ADAL" clId="{20E1AE71-974B-2D41-AC34-69C850DFDC19}" dt="2020-03-08T12:38:30.098" v="195" actId="1076"/>
+          <ac:spMkLst>
+            <pc:docMk/>
+            <pc:sldMk cId="1660288031" sldId="610"/>
+            <ac:spMk id="45057" creationId="{64971388-EC5B-404C-A187-A3FCE97E20E3}"/>
+          </ac:spMkLst>
+        </pc:spChg>
+      </pc:sldChg>
+      <pc:sldChg chg="del">
+        <pc:chgData name="Long B Nguyen" userId="f59fb8f3-a021-417a-8bc1-65c8d471c621" providerId="ADAL" clId="{20E1AE71-974B-2D41-AC34-69C850DFDC19}" dt="2020-03-08T12:14:34.140" v="48" actId="2696"/>
+        <pc:sldMkLst>
+          <pc:docMk/>
+          <pc:sldMk cId="2319263073" sldId="610"/>
+        </pc:sldMkLst>
+      </pc:sldChg>
+      <pc:sldChg chg="modSp add modAnim">
+        <pc:chgData name="Long B Nguyen" userId="f59fb8f3-a021-417a-8bc1-65c8d471c621" providerId="ADAL" clId="{20E1AE71-974B-2D41-AC34-69C850DFDC19}" dt="2020-03-08T13:58:18.579" v="510" actId="1076"/>
+        <pc:sldMkLst>
+          <pc:docMk/>
+          <pc:sldMk cId="1203333742" sldId="611"/>
+        </pc:sldMkLst>
+        <pc:spChg chg="mod">
+          <ac:chgData name="Long B Nguyen" userId="f59fb8f3-a021-417a-8bc1-65c8d471c621" providerId="ADAL" clId="{20E1AE71-974B-2D41-AC34-69C850DFDC19}" dt="2020-03-08T12:39:25.550" v="212" actId="20577"/>
+          <ac:spMkLst>
+            <pc:docMk/>
+            <pc:sldMk cId="1203333742" sldId="611"/>
+            <ac:spMk id="16386" creationId="{8A97D40A-E6BF-E14C-B07D-5BAE101CB071}"/>
+          </ac:spMkLst>
+        </pc:spChg>
+        <pc:spChg chg="mod">
+          <ac:chgData name="Long B Nguyen" userId="f59fb8f3-a021-417a-8bc1-65c8d471c621" providerId="ADAL" clId="{20E1AE71-974B-2D41-AC34-69C850DFDC19}" dt="2020-03-08T13:58:18.579" v="510" actId="1076"/>
+          <ac:spMkLst>
+            <pc:docMk/>
+            <pc:sldMk cId="1203333742" sldId="611"/>
+            <ac:spMk id="47105" creationId="{0ACC1611-F859-5B48-9867-1C1AB1970564}"/>
+          </ac:spMkLst>
+        </pc:spChg>
+      </pc:sldChg>
+      <pc:sldChg chg="del">
+        <pc:chgData name="Long B Nguyen" userId="f59fb8f3-a021-417a-8bc1-65c8d471c621" providerId="ADAL" clId="{20E1AE71-974B-2D41-AC34-69C850DFDC19}" dt="2020-03-08T12:14:33.642" v="15" actId="2696"/>
+        <pc:sldMkLst>
+          <pc:docMk/>
+          <pc:sldMk cId="2164029680" sldId="611"/>
+        </pc:sldMkLst>
+      </pc:sldChg>
+      <pc:sldChg chg="modSp add">
+        <pc:chgData name="Long B Nguyen" userId="f59fb8f3-a021-417a-8bc1-65c8d471c621" providerId="ADAL" clId="{20E1AE71-974B-2D41-AC34-69C850DFDC19}" dt="2020-03-08T12:40:17.189" v="226" actId="20577"/>
+        <pc:sldMkLst>
+          <pc:docMk/>
+          <pc:sldMk cId="186989517" sldId="612"/>
+        </pc:sldMkLst>
+        <pc:spChg chg="mod">
+          <ac:chgData name="Long B Nguyen" userId="f59fb8f3-a021-417a-8bc1-65c8d471c621" providerId="ADAL" clId="{20E1AE71-974B-2D41-AC34-69C850DFDC19}" dt="2020-03-08T12:40:17.189" v="226" actId="20577"/>
+          <ac:spMkLst>
+            <pc:docMk/>
+            <pc:sldMk cId="186989517" sldId="612"/>
+            <ac:spMk id="50178" creationId="{327CB0B4-2578-5740-B0E0-F346965CCB10}"/>
+          </ac:spMkLst>
+        </pc:spChg>
+      </pc:sldChg>
+      <pc:sldChg chg="del">
+        <pc:chgData name="Long B Nguyen" userId="f59fb8f3-a021-417a-8bc1-65c8d471c621" providerId="ADAL" clId="{20E1AE71-974B-2D41-AC34-69C850DFDC19}" dt="2020-03-08T12:14:33.624" v="14" actId="2696"/>
+        <pc:sldMkLst>
+          <pc:docMk/>
+          <pc:sldMk cId="2356037138" sldId="612"/>
+        </pc:sldMkLst>
+      </pc:sldChg>
+      <pc:sldChg chg="del">
+        <pc:chgData name="Long B Nguyen" userId="f59fb8f3-a021-417a-8bc1-65c8d471c621" providerId="ADAL" clId="{20E1AE71-974B-2D41-AC34-69C850DFDC19}" dt="2020-03-08T12:14:33.985" v="35" actId="2696"/>
+        <pc:sldMkLst>
+          <pc:docMk/>
+          <pc:sldMk cId="1558241323" sldId="613"/>
+        </pc:sldMkLst>
+      </pc:sldChg>
+      <pc:sldChg chg="del">
+        <pc:chgData name="Long B Nguyen" userId="f59fb8f3-a021-417a-8bc1-65c8d471c621" providerId="ADAL" clId="{20E1AE71-974B-2D41-AC34-69C850DFDC19}" dt="2020-03-08T12:14:34.001" v="36" actId="2696"/>
+        <pc:sldMkLst>
+          <pc:docMk/>
+          <pc:sldMk cId="1678415157" sldId="615"/>
+        </pc:sldMkLst>
+      </pc:sldChg>
+      <pc:sldChg chg="del">
+        <pc:chgData name="Long B Nguyen" userId="f59fb8f3-a021-417a-8bc1-65c8d471c621" providerId="ADAL" clId="{20E1AE71-974B-2D41-AC34-69C850DFDC19}" dt="2020-03-08T12:14:33.932" v="32" actId="2696"/>
+        <pc:sldMkLst>
+          <pc:docMk/>
+          <pc:sldMk cId="827202224" sldId="616"/>
+        </pc:sldMkLst>
+      </pc:sldChg>
+      <pc:sldChg chg="del">
+        <pc:chgData name="Long B Nguyen" userId="f59fb8f3-a021-417a-8bc1-65c8d471c621" providerId="ADAL" clId="{20E1AE71-974B-2D41-AC34-69C850DFDC19}" dt="2020-03-08T12:14:33.953" v="33" actId="2696"/>
+        <pc:sldMkLst>
+          <pc:docMk/>
+          <pc:sldMk cId="971732716" sldId="617"/>
+        </pc:sldMkLst>
+      </pc:sldChg>
+      <pc:sldChg chg="del">
+        <pc:chgData name="Long B Nguyen" userId="f59fb8f3-a021-417a-8bc1-65c8d471c621" providerId="ADAL" clId="{20E1AE71-974B-2D41-AC34-69C850DFDC19}" dt="2020-03-08T12:14:34.105" v="45" actId="2696"/>
+        <pc:sldMkLst>
+          <pc:docMk/>
+          <pc:sldMk cId="1047995035" sldId="618"/>
+        </pc:sldMkLst>
+      </pc:sldChg>
+      <pc:sldChg chg="del">
+        <pc:chgData name="Long B Nguyen" userId="f59fb8f3-a021-417a-8bc1-65c8d471c621" providerId="ADAL" clId="{20E1AE71-974B-2D41-AC34-69C850DFDC19}" dt="2020-03-08T12:14:34.069" v="42" actId="2696"/>
+        <pc:sldMkLst>
+          <pc:docMk/>
+          <pc:sldMk cId="1016158355" sldId="619"/>
+        </pc:sldMkLst>
+      </pc:sldChg>
+      <pc:sldChg chg="del">
+        <pc:chgData name="Long B Nguyen" userId="f59fb8f3-a021-417a-8bc1-65c8d471c621" providerId="ADAL" clId="{20E1AE71-974B-2D41-AC34-69C850DFDC19}" dt="2020-03-08T12:14:34.079" v="43" actId="2696"/>
+        <pc:sldMkLst>
+          <pc:docMk/>
+          <pc:sldMk cId="4204323314" sldId="620"/>
+        </pc:sldMkLst>
+      </pc:sldChg>
+      <pc:sldChg chg="del">
+        <pc:chgData name="Long B Nguyen" userId="f59fb8f3-a021-417a-8bc1-65c8d471c621" providerId="ADAL" clId="{20E1AE71-974B-2D41-AC34-69C850DFDC19}" dt="2020-03-08T12:14:34.093" v="44" actId="2696"/>
+        <pc:sldMkLst>
+          <pc:docMk/>
+          <pc:sldMk cId="1162857972" sldId="621"/>
+        </pc:sldMkLst>
+      </pc:sldChg>
+      <pc:sldChg chg="del">
+        <pc:chgData name="Long B Nguyen" userId="f59fb8f3-a021-417a-8bc1-65c8d471c621" providerId="ADAL" clId="{20E1AE71-974B-2D41-AC34-69C850DFDC19}" dt="2020-03-08T12:14:34.118" v="46" actId="2696"/>
+        <pc:sldMkLst>
+          <pc:docMk/>
+          <pc:sldMk cId="2765543401" sldId="622"/>
+        </pc:sldMkLst>
+      </pc:sldChg>
+      <pc:sldChg chg="del">
+        <pc:chgData name="Long B Nguyen" userId="f59fb8f3-a021-417a-8bc1-65c8d471c621" providerId="ADAL" clId="{20E1AE71-974B-2D41-AC34-69C850DFDC19}" dt="2020-03-08T12:14:34.132" v="47" actId="2696"/>
+        <pc:sldMkLst>
+          <pc:docMk/>
+          <pc:sldMk cId="3553270583" sldId="623"/>
+        </pc:sldMkLst>
+      </pc:sldChg>
+    </pc:docChg>
+  </pc:docChgLst>
+  <pc:docChgLst>
+    <pc:chgData name="Long B Nguyen" userId="f59fb8f3-a021-417a-8bc1-65c8d471c621" providerId="ADAL" clId="{AA9102B5-DACA-D841-B260-AEEBF90FC60A}"/>
+    <pc:docChg chg="custSel addSld delSld modSld">
+      <pc:chgData name="Long B Nguyen" userId="f59fb8f3-a021-417a-8bc1-65c8d471c621" providerId="ADAL" clId="{AA9102B5-DACA-D841-B260-AEEBF90FC60A}" dt="2020-01-06T17:07:10.515" v="1519" actId="2711"/>
+      <pc:docMkLst>
+        <pc:docMk/>
+      </pc:docMkLst>
+      <pc:sldChg chg="modSp">
+        <pc:chgData name="Long B Nguyen" userId="f59fb8f3-a021-417a-8bc1-65c8d471c621" providerId="ADAL" clId="{AA9102B5-DACA-D841-B260-AEEBF90FC60A}" dt="2020-01-05T22:05:23.536" v="23" actId="20577"/>
+        <pc:sldMkLst>
+          <pc:docMk/>
+          <pc:sldMk cId="4247104139" sldId="256"/>
+        </pc:sldMkLst>
+        <pc:spChg chg="mod">
+          <ac:chgData name="Long B Nguyen" userId="f59fb8f3-a021-417a-8bc1-65c8d471c621" providerId="ADAL" clId="{AA9102B5-DACA-D841-B260-AEEBF90FC60A}" dt="2020-01-05T22:05:23.536" v="23" actId="20577"/>
+          <ac:spMkLst>
+            <pc:docMk/>
+            <pc:sldMk cId="4247104139" sldId="256"/>
+            <ac:spMk id="3" creationId="{1BDC47C8-6776-7B44-9CD4-95FC91452D62}"/>
+          </ac:spMkLst>
+        </pc:spChg>
+      </pc:sldChg>
+      <pc:sldChg chg="del">
+        <pc:chgData name="Long B Nguyen" userId="f59fb8f3-a021-417a-8bc1-65c8d471c621" providerId="ADAL" clId="{AA9102B5-DACA-D841-B260-AEEBF90FC60A}" dt="2020-01-05T22:05:52.483" v="41" actId="2696"/>
+        <pc:sldMkLst>
+          <pc:docMk/>
+          <pc:sldMk cId="1438711869" sldId="284"/>
+        </pc:sldMkLst>
+      </pc:sldChg>
+      <pc:sldChg chg="del">
+        <pc:chgData name="Long B Nguyen" userId="f59fb8f3-a021-417a-8bc1-65c8d471c621" providerId="ADAL" clId="{AA9102B5-DACA-D841-B260-AEEBF90FC60A}" dt="2020-01-05T22:05:52.199" v="24" actId="2696"/>
+        <pc:sldMkLst>
+          <pc:docMk/>
+          <pc:sldMk cId="131840209" sldId="286"/>
+        </pc:sldMkLst>
+      </pc:sldChg>
+      <pc:sldChg chg="del">
+        <pc:chgData name="Long B Nguyen" userId="f59fb8f3-a021-417a-8bc1-65c8d471c621" providerId="ADAL" clId="{AA9102B5-DACA-D841-B260-AEEBF90FC60A}" dt="2020-01-05T22:05:52.214" v="25" actId="2696"/>
+        <pc:sldMkLst>
+          <pc:docMk/>
+          <pc:sldMk cId="1816941262" sldId="295"/>
+        </pc:sldMkLst>
+      </pc:sldChg>
+      <pc:sldChg chg="del">
+        <pc:chgData name="Long B Nguyen" userId="f59fb8f3-a021-417a-8bc1-65c8d471c621" providerId="ADAL" clId="{AA9102B5-DACA-D841-B260-AEEBF90FC60A}" dt="2020-01-05T22:05:52.246" v="27" actId="2696"/>
+        <pc:sldMkLst>
+          <pc:docMk/>
+          <pc:sldMk cId="553003360" sldId="296"/>
+        </pc:sldMkLst>
+      </pc:sldChg>
+      <pc:sldChg chg="del">
+        <pc:chgData name="Long B Nguyen" userId="f59fb8f3-a021-417a-8bc1-65c8d471c621" providerId="ADAL" clId="{AA9102B5-DACA-D841-B260-AEEBF90FC60A}" dt="2020-01-05T22:05:52.268" v="28" actId="2696"/>
+        <pc:sldMkLst>
+          <pc:docMk/>
+          <pc:sldMk cId="3006175481" sldId="297"/>
+        </pc:sldMkLst>
+      </pc:sldChg>
+      <pc:sldChg chg="del">
+        <pc:chgData name="Long B Nguyen" userId="f59fb8f3-a021-417a-8bc1-65c8d471c621" providerId="ADAL" clId="{AA9102B5-DACA-D841-B260-AEEBF90FC60A}" dt="2020-01-05T22:05:52.287" v="29" actId="2696"/>
+        <pc:sldMkLst>
+          <pc:docMk/>
+          <pc:sldMk cId="3150557076" sldId="298"/>
+        </pc:sldMkLst>
+      </pc:sldChg>
+      <pc:sldChg chg="del">
+        <pc:chgData name="Long B Nguyen" userId="f59fb8f3-a021-417a-8bc1-65c8d471c621" providerId="ADAL" clId="{AA9102B5-DACA-D841-B260-AEEBF90FC60A}" dt="2020-01-05T22:05:52.442" v="38" actId="2696"/>
+        <pc:sldMkLst>
+          <pc:docMk/>
+          <pc:sldMk cId="128704095" sldId="302"/>
+        </pc:sldMkLst>
+      </pc:sldChg>
+      <pc:sldChg chg="del">
+        <pc:chgData name="Long B Nguyen" userId="f59fb8f3-a021-417a-8bc1-65c8d471c621" providerId="ADAL" clId="{AA9102B5-DACA-D841-B260-AEEBF90FC60A}" dt="2020-01-05T22:05:52.305" v="30" actId="2696"/>
+        <pc:sldMkLst>
+          <pc:docMk/>
+          <pc:sldMk cId="3275945509" sldId="303"/>
+        </pc:sldMkLst>
+      </pc:sldChg>
+      <pc:sldChg chg="del">
+        <pc:chgData name="Long B Nguyen" userId="f59fb8f3-a021-417a-8bc1-65c8d471c621" providerId="ADAL" clId="{AA9102B5-DACA-D841-B260-AEEBF90FC60A}" dt="2020-01-05T22:05:52.321" v="31" actId="2696"/>
+        <pc:sldMkLst>
+          <pc:docMk/>
+          <pc:sldMk cId="406772024" sldId="304"/>
+        </pc:sldMkLst>
+      </pc:sldChg>
+      <pc:sldChg chg="del">
+        <pc:chgData name="Long B Nguyen" userId="f59fb8f3-a021-417a-8bc1-65c8d471c621" providerId="ADAL" clId="{AA9102B5-DACA-D841-B260-AEEBF90FC60A}" dt="2020-01-05T22:05:52.334" v="32" actId="2696"/>
+        <pc:sldMkLst>
+          <pc:docMk/>
+          <pc:sldMk cId="1703902501" sldId="305"/>
+        </pc:sldMkLst>
+      </pc:sldChg>
+      <pc:sldChg chg="del">
+        <pc:chgData name="Long B Nguyen" userId="f59fb8f3-a021-417a-8bc1-65c8d471c621" providerId="ADAL" clId="{AA9102B5-DACA-D841-B260-AEEBF90FC60A}" dt="2020-01-05T22:05:52.461" v="39" actId="2696"/>
+        <pc:sldMkLst>
+          <pc:docMk/>
+          <pc:sldMk cId="3614829039" sldId="306"/>
+        </pc:sldMkLst>
+      </pc:sldChg>
+      <pc:sldChg chg="del">
+        <pc:chgData name="Long B Nguyen" userId="f59fb8f3-a021-417a-8bc1-65c8d471c621" providerId="ADAL" clId="{AA9102B5-DACA-D841-B260-AEEBF90FC60A}" dt="2020-01-05T22:05:52.471" v="40" actId="2696"/>
+        <pc:sldMkLst>
+          <pc:docMk/>
+          <pc:sldMk cId="295911327" sldId="307"/>
+        </pc:sldMkLst>
+      </pc:sldChg>
+      <pc:sldChg chg="del">
+        <pc:chgData name="Long B Nguyen" userId="f59fb8f3-a021-417a-8bc1-65c8d471c621" providerId="ADAL" clId="{AA9102B5-DACA-D841-B260-AEEBF90FC60A}" dt="2020-01-05T22:05:52.353" v="33" actId="2696"/>
+        <pc:sldMkLst>
+          <pc:docMk/>
+          <pc:sldMk cId="67957925" sldId="308"/>
+        </pc:sldMkLst>
+      </pc:sldChg>
+      <pc:sldChg chg="del">
+        <pc:chgData name="Long B Nguyen" userId="f59fb8f3-a021-417a-8bc1-65c8d471c621" providerId="ADAL" clId="{AA9102B5-DACA-D841-B260-AEEBF90FC60A}" dt="2020-01-05T22:05:52.365" v="34" actId="2696"/>
+        <pc:sldMkLst>
+          <pc:docMk/>
+          <pc:sldMk cId="1872435103" sldId="309"/>
+        </pc:sldMkLst>
+      </pc:sldChg>
+      <pc:sldChg chg="del">
+        <pc:chgData name="Long B Nguyen" userId="f59fb8f3-a021-417a-8bc1-65c8d471c621" providerId="ADAL" clId="{AA9102B5-DACA-D841-B260-AEEBF90FC60A}" dt="2020-01-05T22:05:52.385" v="35" actId="2696"/>
+        <pc:sldMkLst>
+          <pc:docMk/>
+          <pc:sldMk cId="4088965571" sldId="310"/>
+        </pc:sldMkLst>
+      </pc:sldChg>
+      <pc:sldChg chg="del">
+        <pc:chgData name="Long B Nguyen" userId="f59fb8f3-a021-417a-8bc1-65c8d471c621" providerId="ADAL" clId="{AA9102B5-DACA-D841-B260-AEEBF90FC60A}" dt="2020-01-05T22:05:52.404" v="36" actId="2696"/>
+        <pc:sldMkLst>
+          <pc:docMk/>
+          <pc:sldMk cId="2255846137" sldId="311"/>
+        </pc:sldMkLst>
+      </pc:sldChg>
+      <pc:sldChg chg="del">
+        <pc:chgData name="Long B Nguyen" userId="f59fb8f3-a021-417a-8bc1-65c8d471c621" providerId="ADAL" clId="{AA9102B5-DACA-D841-B260-AEEBF90FC60A}" dt="2020-01-05T22:05:52.423" v="37" actId="2696"/>
+        <pc:sldMkLst>
+          <pc:docMk/>
+          <pc:sldMk cId="1513627164" sldId="312"/>
+        </pc:sldMkLst>
+      </pc:sldChg>
+      <pc:sldChg chg="del">
+        <pc:chgData name="Long B Nguyen" userId="f59fb8f3-a021-417a-8bc1-65c8d471c621" providerId="ADAL" clId="{AA9102B5-DACA-D841-B260-AEEBF90FC60A}" dt="2020-01-05T22:05:52.231" v="26" actId="2696"/>
+        <pc:sldMkLst>
+          <pc:docMk/>
+          <pc:sldMk cId="2097059918" sldId="313"/>
+        </pc:sldMkLst>
+      </pc:sldChg>
+      <pc:sldChg chg="modSp">
+        <pc:chgData name="Long B Nguyen" userId="f59fb8f3-a021-417a-8bc1-65c8d471c621" providerId="ADAL" clId="{AA9102B5-DACA-D841-B260-AEEBF90FC60A}" dt="2020-01-06T15:37:30.346" v="948" actId="20577"/>
         <pc:sldMkLst>
           <pc:docMk/>
           <pc:sldMk cId="1452600724" sldId="316"/>
         </pc:sldMkLst>
-      </pc:sldChg>
-      <pc:sldChg chg="add">
-        <pc:chgData name="Long B Nguyen" userId="f59fb8f3-a021-417a-8bc1-65c8d471c621" providerId="ADAL" clId="{6AC26564-89E3-E046-BFB4-F80582D7E17B}" dt="2020-01-13T13:43:29.420" v="22"/>
-        <pc:sldMkLst>
-          <pc:docMk/>
-          <pc:sldMk cId="3266234076" sldId="316"/>
-        </pc:sldMkLst>
-      </pc:sldChg>
-      <pc:sldChg chg="add">
-        <pc:chgData name="Long B Nguyen" userId="f59fb8f3-a021-417a-8bc1-65c8d471c621" providerId="ADAL" clId="{6AC26564-89E3-E046-BFB4-F80582D7E17B}" dt="2020-01-13T13:43:29.420" v="22"/>
-        <pc:sldMkLst>
-          <pc:docMk/>
-          <pc:sldMk cId="2886319738" sldId="317"/>
-        </pc:sldMkLst>
+        <pc:spChg chg="mod">
+          <ac:chgData name="Long B Nguyen" userId="f59fb8f3-a021-417a-8bc1-65c8d471c621" providerId="ADAL" clId="{AA9102B5-DACA-D841-B260-AEEBF90FC60A}" dt="2020-01-06T15:37:30.346" v="948" actId="20577"/>
+          <ac:spMkLst>
+            <pc:docMk/>
+            <pc:sldMk cId="1452600724" sldId="316"/>
+            <ac:spMk id="9" creationId="{E3B2E017-30B2-884B-A113-B419A2ED51AD}"/>
+          </ac:spMkLst>
+        </pc:spChg>
       </pc:sldChg>
       <pc:sldChg chg="del">
-        <pc:chgData name="Long B Nguyen" userId="f59fb8f3-a021-417a-8bc1-65c8d471c621" providerId="ADAL" clId="{6AC26564-89E3-E046-BFB4-F80582D7E17B}" dt="2020-01-13T13:43:16.993" v="0" actId="2696"/>
+        <pc:chgData name="Long B Nguyen" userId="f59fb8f3-a021-417a-8bc1-65c8d471c621" providerId="ADAL" clId="{AA9102B5-DACA-D841-B260-AEEBF90FC60A}" dt="2020-01-06T15:03:11.354" v="848" actId="2696"/>
+        <pc:sldMkLst>
+          <pc:docMk/>
+          <pc:sldMk cId="1787114790" sldId="317"/>
+        </pc:sldMkLst>
+      </pc:sldChg>
+      <pc:sldChg chg="del">
+        <pc:chgData name="Long B Nguyen" userId="f59fb8f3-a021-417a-8bc1-65c8d471c621" providerId="ADAL" clId="{AA9102B5-DACA-D841-B260-AEEBF90FC60A}" dt="2020-01-05T22:06:12.101" v="42" actId="2696"/>
+        <pc:sldMkLst>
+          <pc:docMk/>
+          <pc:sldMk cId="1215229427" sldId="318"/>
+        </pc:sldMkLst>
+      </pc:sldChg>
+      <pc:sldChg chg="modSp">
+        <pc:chgData name="Long B Nguyen" userId="f59fb8f3-a021-417a-8bc1-65c8d471c621" providerId="ADAL" clId="{AA9102B5-DACA-D841-B260-AEEBF90FC60A}" dt="2020-01-06T01:48:03.413" v="110" actId="20577"/>
         <pc:sldMkLst>
           <pc:docMk/>
           <pc:sldMk cId="924617162" sldId="319"/>
         </pc:sldMkLst>
-      </pc:sldChg>
-      <pc:sldChg chg="add">
-        <pc:chgData name="Long B Nguyen" userId="f59fb8f3-a021-417a-8bc1-65c8d471c621" providerId="ADAL" clId="{6AC26564-89E3-E046-BFB4-F80582D7E17B}" dt="2020-01-13T13:43:29.420" v="22"/>
-        <pc:sldMkLst>
-          <pc:docMk/>
-          <pc:sldMk cId="3906700287" sldId="319"/>
-        </pc:sldMkLst>
-      </pc:sldChg>
-      <pc:sldChg chg="add">
-        <pc:chgData name="Long B Nguyen" userId="f59fb8f3-a021-417a-8bc1-65c8d471c621" providerId="ADAL" clId="{6AC26564-89E3-E046-BFB4-F80582D7E17B}" dt="2020-01-13T13:43:29.420" v="22"/>
-        <pc:sldMkLst>
-          <pc:docMk/>
-          <pc:sldMk cId="1810541734" sldId="320"/>
-        </pc:sldMkLst>
+        <pc:spChg chg="mod">
+          <ac:chgData name="Long B Nguyen" userId="f59fb8f3-a021-417a-8bc1-65c8d471c621" providerId="ADAL" clId="{AA9102B5-DACA-D841-B260-AEEBF90FC60A}" dt="2020-01-06T01:48:03.413" v="110" actId="20577"/>
+          <ac:spMkLst>
+            <pc:docMk/>
+            <pc:sldMk cId="924617162" sldId="319"/>
+            <ac:spMk id="9" creationId="{E3B2E017-30B2-884B-A113-B419A2ED51AD}"/>
+          </ac:spMkLst>
+        </pc:spChg>
+      </pc:sldChg>
+      <pc:sldChg chg="modSp">
+        <pc:chgData name="Long B Nguyen" userId="f59fb8f3-a021-417a-8bc1-65c8d471c621" providerId="ADAL" clId="{AA9102B5-DACA-D841-B260-AEEBF90FC60A}" dt="2020-01-06T01:56:11.549" v="712" actId="1076"/>
+        <pc:sldMkLst>
+          <pc:docMk/>
+          <pc:sldMk cId="1310010799" sldId="324"/>
+        </pc:sldMkLst>
+        <pc:spChg chg="mod">
+          <ac:chgData name="Long B Nguyen" userId="f59fb8f3-a021-417a-8bc1-65c8d471c621" providerId="ADAL" clId="{AA9102B5-DACA-D841-B260-AEEBF90FC60A}" dt="2020-01-06T01:56:11.549" v="712" actId="1076"/>
+          <ac:spMkLst>
+            <pc:docMk/>
+            <pc:sldMk cId="1310010799" sldId="324"/>
+            <ac:spMk id="9" creationId="{E3B2E017-30B2-884B-A113-B419A2ED51AD}"/>
+          </ac:spMkLst>
+        </pc:spChg>
+      </pc:sldChg>
+      <pc:sldChg chg="modSp">
+        <pc:chgData name="Long B Nguyen" userId="f59fb8f3-a021-417a-8bc1-65c8d471c621" providerId="ADAL" clId="{AA9102B5-DACA-D841-B260-AEEBF90FC60A}" dt="2020-01-06T15:35:11.658" v="853" actId="20577"/>
+        <pc:sldMkLst>
+          <pc:docMk/>
+          <pc:sldMk cId="3314372952" sldId="325"/>
+        </pc:sldMkLst>
+        <pc:spChg chg="mod">
+          <ac:chgData name="Long B Nguyen" userId="f59fb8f3-a021-417a-8bc1-65c8d471c621" providerId="ADAL" clId="{AA9102B5-DACA-D841-B260-AEEBF90FC60A}" dt="2020-01-06T15:35:11.658" v="853" actId="20577"/>
+          <ac:spMkLst>
+            <pc:docMk/>
+            <pc:sldMk cId="3314372952" sldId="325"/>
+            <ac:spMk id="2" creationId="{AA3A228F-61D0-D949-A5E7-F83756230BF8}"/>
+          </ac:spMkLst>
+        </pc:spChg>
+        <pc:spChg chg="mod">
+          <ac:chgData name="Long B Nguyen" userId="f59fb8f3-a021-417a-8bc1-65c8d471c621" providerId="ADAL" clId="{AA9102B5-DACA-D841-B260-AEEBF90FC60A}" dt="2020-01-06T15:02:45.351" v="846" actId="20577"/>
+          <ac:spMkLst>
+            <pc:docMk/>
+            <pc:sldMk cId="3314372952" sldId="325"/>
+            <ac:spMk id="9" creationId="{E3B2E017-30B2-884B-A113-B419A2ED51AD}"/>
+          </ac:spMkLst>
+        </pc:spChg>
       </pc:sldChg>
       <pc:sldChg chg="del">
-        <pc:chgData name="Long B Nguyen" userId="f59fb8f3-a021-417a-8bc1-65c8d471c621" providerId="ADAL" clId="{6AC26564-89E3-E046-BFB4-F80582D7E17B}" dt="2020-01-13T13:43:17.009" v="1" actId="2696"/>
-        <pc:sldMkLst>
-          <pc:docMk/>
-          <pc:sldMk cId="3758830494" sldId="320"/>
+        <pc:chgData name="Long B Nguyen" userId="f59fb8f3-a021-417a-8bc1-65c8d471c621" providerId="ADAL" clId="{AA9102B5-DACA-D841-B260-AEEBF90FC60A}" dt="2020-01-06T15:03:07.580" v="847" actId="2696"/>
+        <pc:sldMkLst>
+          <pc:docMk/>
+          <pc:sldMk cId="3117943122" sldId="326"/>
         </pc:sldMkLst>
       </pc:sldChg>
       <pc:sldChg chg="del">
-        <pc:chgData name="Long B Nguyen" userId="f59fb8f3-a021-417a-8bc1-65c8d471c621" providerId="ADAL" clId="{6AC26564-89E3-E046-BFB4-F80582D7E17B}" dt="2020-01-13T13:43:17.029" v="2" actId="2696"/>
-        <pc:sldMkLst>
-          <pc:docMk/>
-          <pc:sldMk cId="1022945305" sldId="321"/>
-        </pc:sldMkLst>
-      </pc:sldChg>
-      <pc:sldChg chg="add">
-        <pc:chgData name="Long B Nguyen" userId="f59fb8f3-a021-417a-8bc1-65c8d471c621" providerId="ADAL" clId="{6AC26564-89E3-E046-BFB4-F80582D7E17B}" dt="2020-01-13T13:43:29.420" v="22"/>
-        <pc:sldMkLst>
-          <pc:docMk/>
-          <pc:sldMk cId="1359731776" sldId="321"/>
-        </pc:sldMkLst>
-      </pc:sldChg>
-      <pc:sldChg chg="del">
-        <pc:chgData name="Long B Nguyen" userId="f59fb8f3-a021-417a-8bc1-65c8d471c621" providerId="ADAL" clId="{6AC26564-89E3-E046-BFB4-F80582D7E17B}" dt="2020-01-13T13:43:17.080" v="5" actId="2696"/>
-        <pc:sldMkLst>
-          <pc:docMk/>
-          <pc:sldMk cId="3456840474" sldId="322"/>
-        </pc:sldMkLst>
-      </pc:sldChg>
-      <pc:sldChg chg="add">
-        <pc:chgData name="Long B Nguyen" userId="f59fb8f3-a021-417a-8bc1-65c8d471c621" providerId="ADAL" clId="{6AC26564-89E3-E046-BFB4-F80582D7E17B}" dt="2020-01-13T13:43:29.420" v="22"/>
-        <pc:sldMkLst>
-          <pc:docMk/>
-          <pc:sldMk cId="3651577480" sldId="322"/>
-        </pc:sldMkLst>
-      </pc:sldChg>
-      <pc:sldChg chg="del">
-        <pc:chgData name="Long B Nguyen" userId="f59fb8f3-a021-417a-8bc1-65c8d471c621" providerId="ADAL" clId="{6AC26564-89E3-E046-BFB4-F80582D7E17B}" dt="2020-01-13T13:43:17.097" v="6" actId="2696"/>
-        <pc:sldMkLst>
-          <pc:docMk/>
-          <pc:sldMk cId="1062075874" sldId="323"/>
-        </pc:sldMkLst>
-      </pc:sldChg>
-      <pc:sldChg chg="add">
-        <pc:chgData name="Long B Nguyen" userId="f59fb8f3-a021-417a-8bc1-65c8d471c621" providerId="ADAL" clId="{6AC26564-89E3-E046-BFB4-F80582D7E17B}" dt="2020-01-13T13:43:29.420" v="22"/>
-        <pc:sldMkLst>
-          <pc:docMk/>
-          <pc:sldMk cId="1496564367" sldId="323"/>
-        </pc:sldMkLst>
-      </pc:sldChg>
-      <pc:sldChg chg="add">
-        <pc:chgData name="Long B Nguyen" userId="f59fb8f3-a021-417a-8bc1-65c8d471c621" providerId="ADAL" clId="{6AC26564-89E3-E046-BFB4-F80582D7E17B}" dt="2020-01-13T13:46:19.952" v="88"/>
-        <pc:sldMkLst>
-          <pc:docMk/>
-          <pc:sldMk cId="771866096" sldId="324"/>
-        </pc:sldMkLst>
-      </pc:sldChg>
-      <pc:sldChg chg="del">
-        <pc:chgData name="Long B Nguyen" userId="f59fb8f3-a021-417a-8bc1-65c8d471c621" providerId="ADAL" clId="{6AC26564-89E3-E046-BFB4-F80582D7E17B}" dt="2020-01-13T13:43:17.152" v="9" actId="2696"/>
-        <pc:sldMkLst>
-          <pc:docMk/>
-          <pc:sldMk cId="1310010799" sldId="324"/>
-        </pc:sldMkLst>
-      </pc:sldChg>
-      <pc:sldChg chg="add del">
-        <pc:chgData name="Long B Nguyen" userId="f59fb8f3-a021-417a-8bc1-65c8d471c621" providerId="ADAL" clId="{6AC26564-89E3-E046-BFB4-F80582D7E17B}" dt="2020-01-13T13:46:07.690" v="87" actId="2696"/>
-        <pc:sldMkLst>
-          <pc:docMk/>
-          <pc:sldMk cId="3999804732" sldId="324"/>
-        </pc:sldMkLst>
-      </pc:sldChg>
-      <pc:sldChg chg="add">
-        <pc:chgData name="Long B Nguyen" userId="f59fb8f3-a021-417a-8bc1-65c8d471c621" providerId="ADAL" clId="{6AC26564-89E3-E046-BFB4-F80582D7E17B}" dt="2020-01-13T13:43:29.420" v="22"/>
-        <pc:sldMkLst>
-          <pc:docMk/>
-          <pc:sldMk cId="1025355635" sldId="325"/>
-        </pc:sldMkLst>
-      </pc:sldChg>
-      <pc:sldChg chg="del">
-        <pc:chgData name="Long B Nguyen" userId="f59fb8f3-a021-417a-8bc1-65c8d471c621" providerId="ADAL" clId="{6AC26564-89E3-E046-BFB4-F80582D7E17B}" dt="2020-01-13T13:43:17.177" v="11" actId="2696"/>
-        <pc:sldMkLst>
-          <pc:docMk/>
-          <pc:sldMk cId="3314372952" sldId="325"/>
-        </pc:sldMkLst>
-      </pc:sldChg>
-      <pc:sldChg chg="del">
-        <pc:chgData name="Long B Nguyen" userId="f59fb8f3-a021-417a-8bc1-65c8d471c621" providerId="ADAL" clId="{6AC26564-89E3-E046-BFB4-F80582D7E17B}" dt="2020-01-13T13:43:17.116" v="7" actId="2696"/>
+        <pc:chgData name="Long B Nguyen" userId="f59fb8f3-a021-417a-8bc1-65c8d471c621" providerId="ADAL" clId="{AA9102B5-DACA-D841-B260-AEEBF90FC60A}" dt="2020-01-06T01:49:27.456" v="111" actId="2696"/>
+        <pc:sldMkLst>
+          <pc:docMk/>
+          <pc:sldMk cId="1025618360" sldId="327"/>
+        </pc:sldMkLst>
+      </pc:sldChg>
+      <pc:sldChg chg="modSp add">
+        <pc:chgData name="Long B Nguyen" userId="f59fb8f3-a021-417a-8bc1-65c8d471c621" providerId="ADAL" clId="{AA9102B5-DACA-D841-B260-AEEBF90FC60A}" dt="2020-01-06T15:00:48.763" v="818" actId="113"/>
         <pc:sldMkLst>
           <pc:docMk/>
           <pc:sldMk cId="1724104636" sldId="327"/>
         </pc:sldMkLst>
-      </pc:sldChg>
-      <pc:sldChg chg="add">
-        <pc:chgData name="Long B Nguyen" userId="f59fb8f3-a021-417a-8bc1-65c8d471c621" providerId="ADAL" clId="{6AC26564-89E3-E046-BFB4-F80582D7E17B}" dt="2020-01-13T13:43:29.420" v="22"/>
-        <pc:sldMkLst>
-          <pc:docMk/>
-          <pc:sldMk cId="4174920299" sldId="327"/>
-        </pc:sldMkLst>
-      </pc:sldChg>
-      <pc:sldChg chg="add">
-        <pc:chgData name="Long B Nguyen" userId="f59fb8f3-a021-417a-8bc1-65c8d471c621" providerId="ADAL" clId="{6AC26564-89E3-E046-BFB4-F80582D7E17B}" dt="2020-01-13T13:43:29.420" v="22"/>
-        <pc:sldMkLst>
-          <pc:docMk/>
-          <pc:sldMk cId="2756462650" sldId="328"/>
-        </pc:sldMkLst>
-      </pc:sldChg>
-      <pc:sldChg chg="del">
-        <pc:chgData name="Long B Nguyen" userId="f59fb8f3-a021-417a-8bc1-65c8d471c621" providerId="ADAL" clId="{6AC26564-89E3-E046-BFB4-F80582D7E17B}" dt="2020-01-13T13:43:17.045" v="3" actId="2696"/>
-        <pc:sldMkLst>
-          <pc:docMk/>
-          <pc:sldMk cId="3894299887" sldId="328"/>
-        </pc:sldMkLst>
-      </pc:sldChg>
-      <pc:sldChg chg="add">
-        <pc:chgData name="Long B Nguyen" userId="f59fb8f3-a021-417a-8bc1-65c8d471c621" providerId="ADAL" clId="{6AC26564-89E3-E046-BFB4-F80582D7E17B}" dt="2020-01-13T13:43:29.420" v="22"/>
-        <pc:sldMkLst>
-          <pc:docMk/>
-          <pc:sldMk cId="3080714931" sldId="329"/>
-        </pc:sldMkLst>
-      </pc:sldChg>
-      <pc:sldChg chg="del">
-        <pc:chgData name="Long B Nguyen" userId="f59fb8f3-a021-417a-8bc1-65c8d471c621" providerId="ADAL" clId="{6AC26564-89E3-E046-BFB4-F80582D7E17B}" dt="2020-01-13T13:43:17.064" v="4" actId="2696"/>
+        <pc:spChg chg="mod">
+          <ac:chgData name="Long B Nguyen" userId="f59fb8f3-a021-417a-8bc1-65c8d471c621" providerId="ADAL" clId="{AA9102B5-DACA-D841-B260-AEEBF90FC60A}" dt="2020-01-06T15:00:48.763" v="818" actId="113"/>
+          <ac:spMkLst>
+            <pc:docMk/>
+            <pc:sldMk cId="1724104636" sldId="327"/>
+            <ac:spMk id="9" creationId="{E3B2E017-30B2-884B-A113-B419A2ED51AD}"/>
+          </ac:spMkLst>
+        </pc:spChg>
+      </pc:sldChg>
+      <pc:sldChg chg="modSp">
+        <pc:chgData name="Long B Nguyen" userId="f59fb8f3-a021-417a-8bc1-65c8d471c621" providerId="ADAL" clId="{AA9102B5-DACA-D841-B260-AEEBF90FC60A}" dt="2020-01-06T01:55:34.369" v="708" actId="20577"/>
         <pc:sldMkLst>
           <pc:docMk/>
           <pc:sldMk cId="4294143140" sldId="329"/>
         </pc:sldMkLst>
-      </pc:sldChg>
-      <pc:sldChg chg="add">
-        <pc:chgData name="Long B Nguyen" userId="f59fb8f3-a021-417a-8bc1-65c8d471c621" providerId="ADAL" clId="{6AC26564-89E3-E046-BFB4-F80582D7E17B}" dt="2020-01-13T13:43:29.420" v="22"/>
-        <pc:sldMkLst>
-          <pc:docMk/>
-          <pc:sldMk cId="532184546" sldId="330"/>
-        </pc:sldMkLst>
-      </pc:sldChg>
-      <pc:sldChg chg="del">
-        <pc:chgData name="Long B Nguyen" userId="f59fb8f3-a021-417a-8bc1-65c8d471c621" providerId="ADAL" clId="{6AC26564-89E3-E046-BFB4-F80582D7E17B}" dt="2020-01-13T13:43:17.136" v="8" actId="2696"/>
+        <pc:spChg chg="mod">
+          <ac:chgData name="Long B Nguyen" userId="f59fb8f3-a021-417a-8bc1-65c8d471c621" providerId="ADAL" clId="{AA9102B5-DACA-D841-B260-AEEBF90FC60A}" dt="2020-01-06T01:55:34.369" v="708" actId="20577"/>
+          <ac:spMkLst>
+            <pc:docMk/>
+            <pc:sldMk cId="4294143140" sldId="329"/>
+            <ac:spMk id="9" creationId="{E3B2E017-30B2-884B-A113-B419A2ED51AD}"/>
+          </ac:spMkLst>
+        </pc:spChg>
+      </pc:sldChg>
+      <pc:sldChg chg="modSp add">
+        <pc:chgData name="Long B Nguyen" userId="f59fb8f3-a021-417a-8bc1-65c8d471c621" providerId="ADAL" clId="{AA9102B5-DACA-D841-B260-AEEBF90FC60A}" dt="2020-01-06T15:01:01.638" v="819" actId="2711"/>
         <pc:sldMkLst>
           <pc:docMk/>
           <pc:sldMk cId="3594730708" sldId="330"/>
         </pc:sldMkLst>
-      </pc:sldChg>
-      <pc:sldChg chg="add">
-        <pc:chgData name="Long B Nguyen" userId="f59fb8f3-a021-417a-8bc1-65c8d471c621" providerId="ADAL" clId="{6AC26564-89E3-E046-BFB4-F80582D7E17B}" dt="2020-01-13T13:43:29.420" v="22"/>
-        <pc:sldMkLst>
-          <pc:docMk/>
-          <pc:sldMk cId="3264629021" sldId="331"/>
-        </pc:sldMkLst>
-      </pc:sldChg>
-      <pc:sldChg chg="del">
-        <pc:chgData name="Long B Nguyen" userId="f59fb8f3-a021-417a-8bc1-65c8d471c621" providerId="ADAL" clId="{6AC26564-89E3-E046-BFB4-F80582D7E17B}" dt="2020-01-13T13:43:17.188" v="12" actId="2696"/>
+        <pc:spChg chg="mod">
+          <ac:chgData name="Long B Nguyen" userId="f59fb8f3-a021-417a-8bc1-65c8d471c621" providerId="ADAL" clId="{AA9102B5-DACA-D841-B260-AEEBF90FC60A}" dt="2020-01-06T15:01:01.638" v="819" actId="2711"/>
+          <ac:spMkLst>
+            <pc:docMk/>
+            <pc:sldMk cId="3594730708" sldId="330"/>
+            <ac:spMk id="9" creationId="{E3B2E017-30B2-884B-A113-B419A2ED51AD}"/>
+          </ac:spMkLst>
+        </pc:spChg>
+      </pc:sldChg>
+      <pc:sldChg chg="modSp add">
+        <pc:chgData name="Long B Nguyen" userId="f59fb8f3-a021-417a-8bc1-65c8d471c621" providerId="ADAL" clId="{AA9102B5-DACA-D841-B260-AEEBF90FC60A}" dt="2020-01-06T02:00:17.493" v="815" actId="255"/>
         <pc:sldMkLst>
           <pc:docMk/>
           <pc:sldMk cId="3870816631" sldId="331"/>
         </pc:sldMkLst>
-      </pc:sldChg>
-      <pc:sldChg chg="del">
-        <pc:chgData name="Long B Nguyen" userId="f59fb8f3-a021-417a-8bc1-65c8d471c621" providerId="ADAL" clId="{6AC26564-89E3-E046-BFB4-F80582D7E17B}" dt="2020-01-13T13:43:17.163" v="10" actId="2696"/>
+        <pc:spChg chg="mod">
+          <ac:chgData name="Long B Nguyen" userId="f59fb8f3-a021-417a-8bc1-65c8d471c621" providerId="ADAL" clId="{AA9102B5-DACA-D841-B260-AEEBF90FC60A}" dt="2020-01-06T02:00:17.493" v="815" actId="255"/>
+          <ac:spMkLst>
+            <pc:docMk/>
+            <pc:sldMk cId="3870816631" sldId="331"/>
+            <ac:spMk id="9" creationId="{E3B2E017-30B2-884B-A113-B419A2ED51AD}"/>
+          </ac:spMkLst>
+        </pc:spChg>
+      </pc:sldChg>
+      <pc:sldChg chg="modSp add">
+        <pc:chgData name="Long B Nguyen" userId="f59fb8f3-a021-417a-8bc1-65c8d471c621" providerId="ADAL" clId="{AA9102B5-DACA-D841-B260-AEEBF90FC60A}" dt="2020-01-06T17:07:10.515" v="1519" actId="2711"/>
         <pc:sldMkLst>
           <pc:docMk/>
           <pc:sldMk cId="3124353102" sldId="332"/>
         </pc:sldMkLst>
-      </pc:sldChg>
-      <pc:sldChg chg="add">
-        <pc:chgData name="Long B Nguyen" userId="f59fb8f3-a021-417a-8bc1-65c8d471c621" providerId="ADAL" clId="{6AC26564-89E3-E046-BFB4-F80582D7E17B}" dt="2020-01-13T13:43:29.420" v="22"/>
-        <pc:sldMkLst>
-          <pc:docMk/>
-          <pc:sldMk cId="4022722016" sldId="332"/>
-        </pc:sldMkLst>
-      </pc:sldChg>
-      <pc:sldChg chg="add">
-        <pc:chgData name="Long B Nguyen" userId="f59fb8f3-a021-417a-8bc1-65c8d471c621" providerId="ADAL" clId="{6AC26564-89E3-E046-BFB4-F80582D7E17B}" dt="2020-01-13T13:43:29.420" v="22"/>
-        <pc:sldMkLst>
-          <pc:docMk/>
-          <pc:sldMk cId="1710208723" sldId="333"/>
-        </pc:sldMkLst>
-      </pc:sldChg>
-      <pc:sldChg chg="add">
-        <pc:chgData name="Long B Nguyen" userId="f59fb8f3-a021-417a-8bc1-65c8d471c621" providerId="ADAL" clId="{6AC26564-89E3-E046-BFB4-F80582D7E17B}" dt="2020-01-13T13:43:29.420" v="22"/>
-        <pc:sldMkLst>
-          <pc:docMk/>
-          <pc:sldMk cId="3404583044" sldId="334"/>
-        </pc:sldMkLst>
-      </pc:sldChg>
-      <pc:sldChg chg="add">
-        <pc:chgData name="Long B Nguyen" userId="f59fb8f3-a021-417a-8bc1-65c8d471c621" providerId="ADAL" clId="{6AC26564-89E3-E046-BFB4-F80582D7E17B}" dt="2020-01-13T13:43:29.420" v="22"/>
-        <pc:sldMkLst>
-          <pc:docMk/>
-          <pc:sldMk cId="3866550465" sldId="335"/>
-        </pc:sldMkLst>
-      </pc:sldChg>
-      <pc:sldChg chg="add">
-        <pc:chgData name="Long B Nguyen" userId="f59fb8f3-a021-417a-8bc1-65c8d471c621" providerId="ADAL" clId="{6AC26564-89E3-E046-BFB4-F80582D7E17B}" dt="2020-01-13T13:43:29.420" v="22"/>
-        <pc:sldMkLst>
-          <pc:docMk/>
-          <pc:sldMk cId="3749436800" sldId="336"/>
-        </pc:sldMkLst>
-      </pc:sldChg>
-      <pc:sldChg chg="add">
-        <pc:chgData name="Long B Nguyen" userId="f59fb8f3-a021-417a-8bc1-65c8d471c621" providerId="ADAL" clId="{6AC26564-89E3-E046-BFB4-F80582D7E17B}" dt="2020-01-13T13:43:29.420" v="22"/>
-        <pc:sldMkLst>
-          <pc:docMk/>
-          <pc:sldMk cId="461704868" sldId="337"/>
-        </pc:sldMkLst>
-      </pc:sldChg>
-      <pc:sldChg chg="add">
-        <pc:chgData name="Long B Nguyen" userId="f59fb8f3-a021-417a-8bc1-65c8d471c621" providerId="ADAL" clId="{6AC26564-89E3-E046-BFB4-F80582D7E17B}" dt="2020-01-13T13:43:29.420" v="22"/>
-        <pc:sldMkLst>
-          <pc:docMk/>
-          <pc:sldMk cId="545386500" sldId="338"/>
-        </pc:sldMkLst>
-      </pc:sldChg>
-      <pc:sldChg chg="add">
-        <pc:chgData name="Long B Nguyen" userId="f59fb8f3-a021-417a-8bc1-65c8d471c621" providerId="ADAL" clId="{6AC26564-89E3-E046-BFB4-F80582D7E17B}" dt="2020-01-13T13:43:29.420" v="22"/>
-        <pc:sldMkLst>
-          <pc:docMk/>
-          <pc:sldMk cId="1791361008" sldId="339"/>
-        </pc:sldMkLst>
-      </pc:sldChg>
-      <pc:sldChg chg="add">
-        <pc:chgData name="Long B Nguyen" userId="f59fb8f3-a021-417a-8bc1-65c8d471c621" providerId="ADAL" clId="{6AC26564-89E3-E046-BFB4-F80582D7E17B}" dt="2020-01-13T13:43:29.420" v="22"/>
-        <pc:sldMkLst>
-          <pc:docMk/>
-          <pc:sldMk cId="678299524" sldId="340"/>
-        </pc:sldMkLst>
-      </pc:sldChg>
-      <pc:sldChg chg="add">
-        <pc:chgData name="Long B Nguyen" userId="f59fb8f3-a021-417a-8bc1-65c8d471c621" providerId="ADAL" clId="{6AC26564-89E3-E046-BFB4-F80582D7E17B}" dt="2020-01-13T13:43:29.420" v="22"/>
-        <pc:sldMkLst>
-          <pc:docMk/>
-          <pc:sldMk cId="225127645" sldId="341"/>
-        </pc:sldMkLst>
-      </pc:sldChg>
-      <pc:sldChg chg="add">
-        <pc:chgData name="Long B Nguyen" userId="f59fb8f3-a021-417a-8bc1-65c8d471c621" providerId="ADAL" clId="{6AC26564-89E3-E046-BFB4-F80582D7E17B}" dt="2020-01-13T13:43:29.420" v="22"/>
-        <pc:sldMkLst>
-          <pc:docMk/>
-          <pc:sldMk cId="2214326257" sldId="342"/>
-        </pc:sldMkLst>
-      </pc:sldChg>
-      <pc:sldChg chg="add">
-        <pc:chgData name="Long B Nguyen" userId="f59fb8f3-a021-417a-8bc1-65c8d471c621" providerId="ADAL" clId="{6AC26564-89E3-E046-BFB4-F80582D7E17B}" dt="2020-01-13T13:43:29.420" v="22"/>
-        <pc:sldMkLst>
-          <pc:docMk/>
-          <pc:sldMk cId="1356056044" sldId="343"/>
-        </pc:sldMkLst>
-      </pc:sldChg>
-      <pc:sldChg chg="add">
-        <pc:chgData name="Long B Nguyen" userId="f59fb8f3-a021-417a-8bc1-65c8d471c621" providerId="ADAL" clId="{6AC26564-89E3-E046-BFB4-F80582D7E17B}" dt="2020-01-13T13:43:29.420" v="22"/>
-        <pc:sldMkLst>
-          <pc:docMk/>
-          <pc:sldMk cId="1270247652" sldId="344"/>
-        </pc:sldMkLst>
-      </pc:sldChg>
-      <pc:sldChg chg="add">
-        <pc:chgData name="Long B Nguyen" userId="f59fb8f3-a021-417a-8bc1-65c8d471c621" providerId="ADAL" clId="{6AC26564-89E3-E046-BFB4-F80582D7E17B}" dt="2020-01-13T13:43:29.420" v="22"/>
-        <pc:sldMkLst>
-          <pc:docMk/>
-          <pc:sldMk cId="902308803" sldId="345"/>
-        </pc:sldMkLst>
-      </pc:sldChg>
-      <pc:sldChg chg="add">
-        <pc:chgData name="Long B Nguyen" userId="f59fb8f3-a021-417a-8bc1-65c8d471c621" providerId="ADAL" clId="{6AC26564-89E3-E046-BFB4-F80582D7E17B}" dt="2020-01-13T13:43:29.420" v="22"/>
-        <pc:sldMkLst>
-          <pc:docMk/>
-          <pc:sldMk cId="2271372051" sldId="346"/>
-        </pc:sldMkLst>
-      </pc:sldChg>
-      <pc:sldChg chg="add">
-        <pc:chgData name="Long B Nguyen" userId="f59fb8f3-a021-417a-8bc1-65c8d471c621" providerId="ADAL" clId="{6AC26564-89E3-E046-BFB4-F80582D7E17B}" dt="2020-01-13T13:43:29.420" v="22"/>
-        <pc:sldMkLst>
-          <pc:docMk/>
-          <pc:sldMk cId="198078322" sldId="347"/>
-        </pc:sldMkLst>
+        <pc:spChg chg="mod">
+          <ac:chgData name="Long B Nguyen" userId="f59fb8f3-a021-417a-8bc1-65c8d471c621" providerId="ADAL" clId="{AA9102B5-DACA-D841-B260-AEEBF90FC60A}" dt="2020-01-06T17:03:36.721" v="1332" actId="20577"/>
+          <ac:spMkLst>
+            <pc:docMk/>
+            <pc:sldMk cId="3124353102" sldId="332"/>
+            <ac:spMk id="2" creationId="{AA3A228F-61D0-D949-A5E7-F83756230BF8}"/>
+          </ac:spMkLst>
+        </pc:spChg>
+        <pc:spChg chg="mod">
+          <ac:chgData name="Long B Nguyen" userId="f59fb8f3-a021-417a-8bc1-65c8d471c621" providerId="ADAL" clId="{AA9102B5-DACA-D841-B260-AEEBF90FC60A}" dt="2020-01-06T17:07:10.515" v="1519" actId="2711"/>
+          <ac:spMkLst>
+            <pc:docMk/>
+            <pc:sldMk cId="3124353102" sldId="332"/>
+            <ac:spMk id="9" creationId="{E3B2E017-30B2-884B-A113-B419A2ED51AD}"/>
+          </ac:spMkLst>
+        </pc:spChg>
       </pc:sldChg>
     </pc:docChg>
   </pc:docChgLst>
@@ -2478,20 +6553,20 @@
     </pc:docChg>
   </pc:docChgLst>
   <pc:docChgLst>
-    <pc:chgData name="Long B Nguyen" userId="f59fb8f3-a021-417a-8bc1-65c8d471c621" providerId="ADAL" clId="{20E1AE71-974B-2D41-AC34-69C850DFDC19}"/>
-    <pc:docChg chg="addSld delSld modSld">
-      <pc:chgData name="Long B Nguyen" userId="f59fb8f3-a021-417a-8bc1-65c8d471c621" providerId="ADAL" clId="{20E1AE71-974B-2D41-AC34-69C850DFDC19}" dt="2020-03-16T17:50:12.029" v="624"/>
+    <pc:chgData name="Long B Nguyen" userId="f59fb8f3-a021-417a-8bc1-65c8d471c621" providerId="ADAL" clId="{6AC26564-89E3-E046-BFB4-F80582D7E17B}"/>
+    <pc:docChg chg="custSel addSld delSld modSld">
+      <pc:chgData name="Long B Nguyen" userId="f59fb8f3-a021-417a-8bc1-65c8d471c621" providerId="ADAL" clId="{6AC26564-89E3-E046-BFB4-F80582D7E17B}" dt="2020-01-13T13:46:56.810" v="92" actId="2696"/>
       <pc:docMkLst>
         <pc:docMk/>
       </pc:docMkLst>
       <pc:sldChg chg="modSp">
-        <pc:chgData name="Long B Nguyen" userId="f59fb8f3-a021-417a-8bc1-65c8d471c621" providerId="ADAL" clId="{20E1AE71-974B-2D41-AC34-69C850DFDC19}" dt="2020-03-08T12:15:22.499" v="64" actId="20577"/>
+        <pc:chgData name="Long B Nguyen" userId="f59fb8f3-a021-417a-8bc1-65c8d471c621" providerId="ADAL" clId="{6AC26564-89E3-E046-BFB4-F80582D7E17B}" dt="2020-01-13T13:44:20.464" v="85" actId="20577"/>
         <pc:sldMkLst>
           <pc:docMk/>
           <pc:sldMk cId="4247104139" sldId="256"/>
         </pc:sldMkLst>
         <pc:spChg chg="mod">
-          <ac:chgData name="Long B Nguyen" userId="f59fb8f3-a021-417a-8bc1-65c8d471c621" providerId="ADAL" clId="{20E1AE71-974B-2D41-AC34-69C850DFDC19}" dt="2020-03-08T12:15:19.156" v="63" actId="20577"/>
+          <ac:chgData name="Long B Nguyen" userId="f59fb8f3-a021-417a-8bc1-65c8d471c621" providerId="ADAL" clId="{6AC26564-89E3-E046-BFB4-F80582D7E17B}" dt="2020-01-13T13:43:45.441" v="40" actId="20577"/>
           <ac:spMkLst>
             <pc:docMk/>
             <pc:sldMk cId="4247104139" sldId="256"/>
@@ -2499,7 +6574,7 @@
           </ac:spMkLst>
         </pc:spChg>
         <pc:spChg chg="mod">
-          <ac:chgData name="Long B Nguyen" userId="f59fb8f3-a021-417a-8bc1-65c8d471c621" providerId="ADAL" clId="{20E1AE71-974B-2D41-AC34-69C850DFDC19}" dt="2020-03-08T12:15:22.499" v="64" actId="20577"/>
+          <ac:chgData name="Long B Nguyen" userId="f59fb8f3-a021-417a-8bc1-65c8d471c621" providerId="ADAL" clId="{6AC26564-89E3-E046-BFB4-F80582D7E17B}" dt="2020-01-13T13:44:20.464" v="85" actId="20577"/>
           <ac:spMkLst>
             <pc:docMk/>
             <pc:sldMk cId="4247104139" sldId="256"/>
@@ -2507,4420 +6582,384 @@
           </ac:spMkLst>
         </pc:spChg>
       </pc:sldChg>
-      <pc:sldChg chg="add del setBg">
-        <pc:chgData name="Long B Nguyen" userId="f59fb8f3-a021-417a-8bc1-65c8d471c621" providerId="ADAL" clId="{20E1AE71-974B-2D41-AC34-69C850DFDC19}" dt="2020-03-08T12:15:06.174" v="50" actId="2696"/>
-        <pc:sldMkLst>
-          <pc:docMk/>
-          <pc:sldMk cId="1569266242" sldId="257"/>
-        </pc:sldMkLst>
-      </pc:sldChg>
-      <pc:sldChg chg="modSp add">
-        <pc:chgData name="Long B Nguyen" userId="f59fb8f3-a021-417a-8bc1-65c8d471c621" providerId="ADAL" clId="{20E1AE71-974B-2D41-AC34-69C850DFDC19}" dt="2020-03-08T12:39:57.384" v="218" actId="20577"/>
-        <pc:sldMkLst>
-          <pc:docMk/>
-          <pc:sldMk cId="2902676313" sldId="485"/>
-        </pc:sldMkLst>
-        <pc:spChg chg="mod">
-          <ac:chgData name="Long B Nguyen" userId="f59fb8f3-a021-417a-8bc1-65c8d471c621" providerId="ADAL" clId="{20E1AE71-974B-2D41-AC34-69C850DFDC19}" dt="2020-03-08T12:39:41.672" v="215" actId="1076"/>
-          <ac:spMkLst>
-            <pc:docMk/>
-            <pc:sldMk cId="2902676313" sldId="485"/>
-            <ac:spMk id="49153" creationId="{EB0E2C77-F129-0A43-B733-0C0ECA4DFBCB}"/>
-          </ac:spMkLst>
-        </pc:spChg>
-        <pc:spChg chg="mod">
-          <ac:chgData name="Long B Nguyen" userId="f59fb8f3-a021-417a-8bc1-65c8d471c621" providerId="ADAL" clId="{20E1AE71-974B-2D41-AC34-69C850DFDC19}" dt="2020-03-08T12:39:57.384" v="218" actId="20577"/>
-          <ac:spMkLst>
-            <pc:docMk/>
-            <pc:sldMk cId="2902676313" sldId="485"/>
-            <ac:spMk id="49154" creationId="{1463BEFF-3714-A141-A066-C1AF638C6417}"/>
-          </ac:spMkLst>
-        </pc:spChg>
+      <pc:sldChg chg="add del">
+        <pc:chgData name="Long B Nguyen" userId="f59fb8f3-a021-417a-8bc1-65c8d471c621" providerId="ADAL" clId="{6AC26564-89E3-E046-BFB4-F80582D7E17B}" dt="2020-01-13T13:46:54.924" v="89" actId="2696"/>
+        <pc:sldMkLst>
+          <pc:docMk/>
+          <pc:sldMk cId="2869331202" sldId="257"/>
+        </pc:sldMkLst>
+      </pc:sldChg>
+      <pc:sldChg chg="add">
+        <pc:chgData name="Long B Nguyen" userId="f59fb8f3-a021-417a-8bc1-65c8d471c621" providerId="ADAL" clId="{6AC26564-89E3-E046-BFB4-F80582D7E17B}" dt="2020-01-13T13:43:29.420" v="22"/>
+        <pc:sldMkLst>
+          <pc:docMk/>
+          <pc:sldMk cId="1758448129" sldId="309"/>
+        </pc:sldMkLst>
+      </pc:sldChg>
+      <pc:sldChg chg="modSp add del">
+        <pc:chgData name="Long B Nguyen" userId="f59fb8f3-a021-417a-8bc1-65c8d471c621" providerId="ADAL" clId="{6AC26564-89E3-E046-BFB4-F80582D7E17B}" dt="2020-01-13T13:46:55.484" v="90" actId="2696"/>
+        <pc:sldMkLst>
+          <pc:docMk/>
+          <pc:sldMk cId="174202529" sldId="310"/>
+        </pc:sldMkLst>
+        <pc:spChg chg="mod">
+          <ac:chgData name="Long B Nguyen" userId="f59fb8f3-a021-417a-8bc1-65c8d471c621" providerId="ADAL" clId="{6AC26564-89E3-E046-BFB4-F80582D7E17B}" dt="2020-01-13T13:44:35.816" v="86" actId="20577"/>
+          <ac:spMkLst>
+            <pc:docMk/>
+            <pc:sldMk cId="174202529" sldId="310"/>
+            <ac:spMk id="18434" creationId="{72F3E48A-CDFA-CE46-B991-D35BF55EC8E6}"/>
+          </ac:spMkLst>
+        </pc:spChg>
+      </pc:sldChg>
+      <pc:sldChg chg="add del">
+        <pc:chgData name="Long B Nguyen" userId="f59fb8f3-a021-417a-8bc1-65c8d471c621" providerId="ADAL" clId="{6AC26564-89E3-E046-BFB4-F80582D7E17B}" dt="2020-01-13T13:46:56.092" v="91" actId="2696"/>
+        <pc:sldMkLst>
+          <pc:docMk/>
+          <pc:sldMk cId="1098579697" sldId="311"/>
+        </pc:sldMkLst>
+      </pc:sldChg>
+      <pc:sldChg chg="add del">
+        <pc:chgData name="Long B Nguyen" userId="f59fb8f3-a021-417a-8bc1-65c8d471c621" providerId="ADAL" clId="{6AC26564-89E3-E046-BFB4-F80582D7E17B}" dt="2020-01-13T13:46:56.810" v="92" actId="2696"/>
+        <pc:sldMkLst>
+          <pc:docMk/>
+          <pc:sldMk cId="585175195" sldId="312"/>
+        </pc:sldMkLst>
+      </pc:sldChg>
+      <pc:sldChg chg="add">
+        <pc:chgData name="Long B Nguyen" userId="f59fb8f3-a021-417a-8bc1-65c8d471c621" providerId="ADAL" clId="{6AC26564-89E3-E046-BFB4-F80582D7E17B}" dt="2020-01-13T13:43:29.420" v="22"/>
+        <pc:sldMkLst>
+          <pc:docMk/>
+          <pc:sldMk cId="3947558204" sldId="313"/>
+        </pc:sldMkLst>
+      </pc:sldChg>
+      <pc:sldChg chg="add">
+        <pc:chgData name="Long B Nguyen" userId="f59fb8f3-a021-417a-8bc1-65c8d471c621" providerId="ADAL" clId="{6AC26564-89E3-E046-BFB4-F80582D7E17B}" dt="2020-01-13T13:43:29.420" v="22"/>
+        <pc:sldMkLst>
+          <pc:docMk/>
+          <pc:sldMk cId="2054265466" sldId="314"/>
+        </pc:sldMkLst>
+      </pc:sldChg>
+      <pc:sldChg chg="add">
+        <pc:chgData name="Long B Nguyen" userId="f59fb8f3-a021-417a-8bc1-65c8d471c621" providerId="ADAL" clId="{6AC26564-89E3-E046-BFB4-F80582D7E17B}" dt="2020-01-13T13:43:29.420" v="22"/>
+        <pc:sldMkLst>
+          <pc:docMk/>
+          <pc:sldMk cId="917461937" sldId="315"/>
+        </pc:sldMkLst>
       </pc:sldChg>
       <pc:sldChg chg="del">
-        <pc:chgData name="Long B Nguyen" userId="f59fb8f3-a021-417a-8bc1-65c8d471c621" providerId="ADAL" clId="{20E1AE71-974B-2D41-AC34-69C850DFDC19}" dt="2020-03-08T12:14:33.604" v="13" actId="2696"/>
-        <pc:sldMkLst>
-          <pc:docMk/>
-          <pc:sldMk cId="3813527744" sldId="527"/>
+        <pc:chgData name="Long B Nguyen" userId="f59fb8f3-a021-417a-8bc1-65c8d471c621" providerId="ADAL" clId="{6AC26564-89E3-E046-BFB4-F80582D7E17B}" dt="2020-01-13T13:43:17.195" v="13" actId="2696"/>
+        <pc:sldMkLst>
+          <pc:docMk/>
+          <pc:sldMk cId="1452600724" sldId="316"/>
+        </pc:sldMkLst>
+      </pc:sldChg>
+      <pc:sldChg chg="add">
+        <pc:chgData name="Long B Nguyen" userId="f59fb8f3-a021-417a-8bc1-65c8d471c621" providerId="ADAL" clId="{6AC26564-89E3-E046-BFB4-F80582D7E17B}" dt="2020-01-13T13:43:29.420" v="22"/>
+        <pc:sldMkLst>
+          <pc:docMk/>
+          <pc:sldMk cId="3266234076" sldId="316"/>
+        </pc:sldMkLst>
+      </pc:sldChg>
+      <pc:sldChg chg="add">
+        <pc:chgData name="Long B Nguyen" userId="f59fb8f3-a021-417a-8bc1-65c8d471c621" providerId="ADAL" clId="{6AC26564-89E3-E046-BFB4-F80582D7E17B}" dt="2020-01-13T13:43:29.420" v="22"/>
+        <pc:sldMkLst>
+          <pc:docMk/>
+          <pc:sldMk cId="2886319738" sldId="317"/>
         </pc:sldMkLst>
       </pc:sldChg>
       <pc:sldChg chg="del">
-        <pc:chgData name="Long B Nguyen" userId="f59fb8f3-a021-417a-8bc1-65c8d471c621" providerId="ADAL" clId="{20E1AE71-974B-2D41-AC34-69C850DFDC19}" dt="2020-03-08T12:14:33.688" v="18" actId="2696"/>
-        <pc:sldMkLst>
-          <pc:docMk/>
-          <pc:sldMk cId="1445950413" sldId="528"/>
+        <pc:chgData name="Long B Nguyen" userId="f59fb8f3-a021-417a-8bc1-65c8d471c621" providerId="ADAL" clId="{6AC26564-89E3-E046-BFB4-F80582D7E17B}" dt="2020-01-13T13:43:16.993" v="0" actId="2696"/>
+        <pc:sldMkLst>
+          <pc:docMk/>
+          <pc:sldMk cId="924617162" sldId="319"/>
+        </pc:sldMkLst>
+      </pc:sldChg>
+      <pc:sldChg chg="add">
+        <pc:chgData name="Long B Nguyen" userId="f59fb8f3-a021-417a-8bc1-65c8d471c621" providerId="ADAL" clId="{6AC26564-89E3-E046-BFB4-F80582D7E17B}" dt="2020-01-13T13:43:29.420" v="22"/>
+        <pc:sldMkLst>
+          <pc:docMk/>
+          <pc:sldMk cId="3906700287" sldId="319"/>
+        </pc:sldMkLst>
+      </pc:sldChg>
+      <pc:sldChg chg="add">
+        <pc:chgData name="Long B Nguyen" userId="f59fb8f3-a021-417a-8bc1-65c8d471c621" providerId="ADAL" clId="{6AC26564-89E3-E046-BFB4-F80582D7E17B}" dt="2020-01-13T13:43:29.420" v="22"/>
+        <pc:sldMkLst>
+          <pc:docMk/>
+          <pc:sldMk cId="1810541734" sldId="320"/>
         </pc:sldMkLst>
       </pc:sldChg>
       <pc:sldChg chg="del">
-        <pc:chgData name="Long B Nguyen" userId="f59fb8f3-a021-417a-8bc1-65c8d471c621" providerId="ADAL" clId="{20E1AE71-974B-2D41-AC34-69C850DFDC19}" dt="2020-03-08T12:14:33.708" v="19" actId="2696"/>
-        <pc:sldMkLst>
-          <pc:docMk/>
-          <pc:sldMk cId="1720314276" sldId="566"/>
+        <pc:chgData name="Long B Nguyen" userId="f59fb8f3-a021-417a-8bc1-65c8d471c621" providerId="ADAL" clId="{6AC26564-89E3-E046-BFB4-F80582D7E17B}" dt="2020-01-13T13:43:17.009" v="1" actId="2696"/>
+        <pc:sldMkLst>
+          <pc:docMk/>
+          <pc:sldMk cId="3758830494" sldId="320"/>
         </pc:sldMkLst>
       </pc:sldChg>
       <pc:sldChg chg="del">
-        <pc:chgData name="Long B Nguyen" userId="f59fb8f3-a021-417a-8bc1-65c8d471c621" providerId="ADAL" clId="{20E1AE71-974B-2D41-AC34-69C850DFDC19}" dt="2020-03-08T12:14:33.726" v="20" actId="2696"/>
-        <pc:sldMkLst>
-          <pc:docMk/>
-          <pc:sldMk cId="198395083" sldId="567"/>
+        <pc:chgData name="Long B Nguyen" userId="f59fb8f3-a021-417a-8bc1-65c8d471c621" providerId="ADAL" clId="{6AC26564-89E3-E046-BFB4-F80582D7E17B}" dt="2020-01-13T13:43:17.029" v="2" actId="2696"/>
+        <pc:sldMkLst>
+          <pc:docMk/>
+          <pc:sldMk cId="1022945305" sldId="321"/>
+        </pc:sldMkLst>
+      </pc:sldChg>
+      <pc:sldChg chg="add">
+        <pc:chgData name="Long B Nguyen" userId="f59fb8f3-a021-417a-8bc1-65c8d471c621" providerId="ADAL" clId="{6AC26564-89E3-E046-BFB4-F80582D7E17B}" dt="2020-01-13T13:43:29.420" v="22"/>
+        <pc:sldMkLst>
+          <pc:docMk/>
+          <pc:sldMk cId="1359731776" sldId="321"/>
         </pc:sldMkLst>
       </pc:sldChg>
       <pc:sldChg chg="del">
-        <pc:chgData name="Long B Nguyen" userId="f59fb8f3-a021-417a-8bc1-65c8d471c621" providerId="ADAL" clId="{20E1AE71-974B-2D41-AC34-69C850DFDC19}" dt="2020-03-08T12:14:33.743" v="21" actId="2696"/>
-        <pc:sldMkLst>
-          <pc:docMk/>
-          <pc:sldMk cId="1070622160" sldId="568"/>
+        <pc:chgData name="Long B Nguyen" userId="f59fb8f3-a021-417a-8bc1-65c8d471c621" providerId="ADAL" clId="{6AC26564-89E3-E046-BFB4-F80582D7E17B}" dt="2020-01-13T13:43:17.080" v="5" actId="2696"/>
+        <pc:sldMkLst>
+          <pc:docMk/>
+          <pc:sldMk cId="3456840474" sldId="322"/>
+        </pc:sldMkLst>
+      </pc:sldChg>
+      <pc:sldChg chg="add">
+        <pc:chgData name="Long B Nguyen" userId="f59fb8f3-a021-417a-8bc1-65c8d471c621" providerId="ADAL" clId="{6AC26564-89E3-E046-BFB4-F80582D7E17B}" dt="2020-01-13T13:43:29.420" v="22"/>
+        <pc:sldMkLst>
+          <pc:docMk/>
+          <pc:sldMk cId="3651577480" sldId="322"/>
         </pc:sldMkLst>
       </pc:sldChg>
       <pc:sldChg chg="del">
-        <pc:chgData name="Long B Nguyen" userId="f59fb8f3-a021-417a-8bc1-65c8d471c621" providerId="ADAL" clId="{20E1AE71-974B-2D41-AC34-69C850DFDC19}" dt="2020-03-08T12:14:33.830" v="26" actId="2696"/>
-        <pc:sldMkLst>
-          <pc:docMk/>
-          <pc:sldMk cId="4001486838" sldId="570"/>
+        <pc:chgData name="Long B Nguyen" userId="f59fb8f3-a021-417a-8bc1-65c8d471c621" providerId="ADAL" clId="{6AC26564-89E3-E046-BFB4-F80582D7E17B}" dt="2020-01-13T13:43:17.097" v="6" actId="2696"/>
+        <pc:sldMkLst>
+          <pc:docMk/>
+          <pc:sldMk cId="1062075874" sldId="323"/>
+        </pc:sldMkLst>
+      </pc:sldChg>
+      <pc:sldChg chg="add">
+        <pc:chgData name="Long B Nguyen" userId="f59fb8f3-a021-417a-8bc1-65c8d471c621" providerId="ADAL" clId="{6AC26564-89E3-E046-BFB4-F80582D7E17B}" dt="2020-01-13T13:43:29.420" v="22"/>
+        <pc:sldMkLst>
+          <pc:docMk/>
+          <pc:sldMk cId="1496564367" sldId="323"/>
+        </pc:sldMkLst>
+      </pc:sldChg>
+      <pc:sldChg chg="add">
+        <pc:chgData name="Long B Nguyen" userId="f59fb8f3-a021-417a-8bc1-65c8d471c621" providerId="ADAL" clId="{6AC26564-89E3-E046-BFB4-F80582D7E17B}" dt="2020-01-13T13:46:19.952" v="88"/>
+        <pc:sldMkLst>
+          <pc:docMk/>
+          <pc:sldMk cId="771866096" sldId="324"/>
         </pc:sldMkLst>
       </pc:sldChg>
       <pc:sldChg chg="del">
-        <pc:chgData name="Long B Nguyen" userId="f59fb8f3-a021-417a-8bc1-65c8d471c621" providerId="ADAL" clId="{20E1AE71-974B-2D41-AC34-69C850DFDC19}" dt="2020-03-08T12:14:33.760" v="22" actId="2696"/>
-        <pc:sldMkLst>
-          <pc:docMk/>
-          <pc:sldMk cId="2901569448" sldId="571"/>
+        <pc:chgData name="Long B Nguyen" userId="f59fb8f3-a021-417a-8bc1-65c8d471c621" providerId="ADAL" clId="{6AC26564-89E3-E046-BFB4-F80582D7E17B}" dt="2020-01-13T13:43:17.152" v="9" actId="2696"/>
+        <pc:sldMkLst>
+          <pc:docMk/>
+          <pc:sldMk cId="1310010799" sldId="324"/>
+        </pc:sldMkLst>
+      </pc:sldChg>
+      <pc:sldChg chg="add del">
+        <pc:chgData name="Long B Nguyen" userId="f59fb8f3-a021-417a-8bc1-65c8d471c621" providerId="ADAL" clId="{6AC26564-89E3-E046-BFB4-F80582D7E17B}" dt="2020-01-13T13:46:07.690" v="87" actId="2696"/>
+        <pc:sldMkLst>
+          <pc:docMk/>
+          <pc:sldMk cId="3999804732" sldId="324"/>
+        </pc:sldMkLst>
+      </pc:sldChg>
+      <pc:sldChg chg="add">
+        <pc:chgData name="Long B Nguyen" userId="f59fb8f3-a021-417a-8bc1-65c8d471c621" providerId="ADAL" clId="{6AC26564-89E3-E046-BFB4-F80582D7E17B}" dt="2020-01-13T13:43:29.420" v="22"/>
+        <pc:sldMkLst>
+          <pc:docMk/>
+          <pc:sldMk cId="1025355635" sldId="325"/>
         </pc:sldMkLst>
       </pc:sldChg>
       <pc:sldChg chg="del">
-        <pc:chgData name="Long B Nguyen" userId="f59fb8f3-a021-417a-8bc1-65c8d471c621" providerId="ADAL" clId="{20E1AE71-974B-2D41-AC34-69C850DFDC19}" dt="2020-03-08T12:14:33.814" v="25" actId="2696"/>
-        <pc:sldMkLst>
-          <pc:docMk/>
-          <pc:sldMk cId="2135159274" sldId="573"/>
+        <pc:chgData name="Long B Nguyen" userId="f59fb8f3-a021-417a-8bc1-65c8d471c621" providerId="ADAL" clId="{6AC26564-89E3-E046-BFB4-F80582D7E17B}" dt="2020-01-13T13:43:17.177" v="11" actId="2696"/>
+        <pc:sldMkLst>
+          <pc:docMk/>
+          <pc:sldMk cId="3314372952" sldId="325"/>
         </pc:sldMkLst>
       </pc:sldChg>
       <pc:sldChg chg="del">
-        <pc:chgData name="Long B Nguyen" userId="f59fb8f3-a021-417a-8bc1-65c8d471c621" providerId="ADAL" clId="{20E1AE71-974B-2D41-AC34-69C850DFDC19}" dt="2020-03-08T12:14:33.887" v="29" actId="2696"/>
-        <pc:sldMkLst>
-          <pc:docMk/>
-          <pc:sldMk cId="3391101355" sldId="575"/>
+        <pc:chgData name="Long B Nguyen" userId="f59fb8f3-a021-417a-8bc1-65c8d471c621" providerId="ADAL" clId="{6AC26564-89E3-E046-BFB4-F80582D7E17B}" dt="2020-01-13T13:43:17.116" v="7" actId="2696"/>
+        <pc:sldMkLst>
+          <pc:docMk/>
+          <pc:sldMk cId="1724104636" sldId="327"/>
+        </pc:sldMkLst>
+      </pc:sldChg>
+      <pc:sldChg chg="add">
+        <pc:chgData name="Long B Nguyen" userId="f59fb8f3-a021-417a-8bc1-65c8d471c621" providerId="ADAL" clId="{6AC26564-89E3-E046-BFB4-F80582D7E17B}" dt="2020-01-13T13:43:29.420" v="22"/>
+        <pc:sldMkLst>
+          <pc:docMk/>
+          <pc:sldMk cId="4174920299" sldId="327"/>
+        </pc:sldMkLst>
+      </pc:sldChg>
+      <pc:sldChg chg="add">
+        <pc:chgData name="Long B Nguyen" userId="f59fb8f3-a021-417a-8bc1-65c8d471c621" providerId="ADAL" clId="{6AC26564-89E3-E046-BFB4-F80582D7E17B}" dt="2020-01-13T13:43:29.420" v="22"/>
+        <pc:sldMkLst>
+          <pc:docMk/>
+          <pc:sldMk cId="2756462650" sldId="328"/>
         </pc:sldMkLst>
       </pc:sldChg>
       <pc:sldChg chg="del">
-        <pc:chgData name="Long B Nguyen" userId="f59fb8f3-a021-417a-8bc1-65c8d471c621" providerId="ADAL" clId="{20E1AE71-974B-2D41-AC34-69C850DFDC19}" dt="2020-03-08T12:14:33.850" v="27" actId="2696"/>
-        <pc:sldMkLst>
-          <pc:docMk/>
-          <pc:sldMk cId="3275116272" sldId="576"/>
+        <pc:chgData name="Long B Nguyen" userId="f59fb8f3-a021-417a-8bc1-65c8d471c621" providerId="ADAL" clId="{6AC26564-89E3-E046-BFB4-F80582D7E17B}" dt="2020-01-13T13:43:17.045" v="3" actId="2696"/>
+        <pc:sldMkLst>
+          <pc:docMk/>
+          <pc:sldMk cId="3894299887" sldId="328"/>
+        </pc:sldMkLst>
+      </pc:sldChg>
+      <pc:sldChg chg="add">
+        <pc:chgData name="Long B Nguyen" userId="f59fb8f3-a021-417a-8bc1-65c8d471c621" providerId="ADAL" clId="{6AC26564-89E3-E046-BFB4-F80582D7E17B}" dt="2020-01-13T13:43:29.420" v="22"/>
+        <pc:sldMkLst>
+          <pc:docMk/>
+          <pc:sldMk cId="3080714931" sldId="329"/>
         </pc:sldMkLst>
       </pc:sldChg>
       <pc:sldChg chg="del">
-        <pc:chgData name="Long B Nguyen" userId="f59fb8f3-a021-417a-8bc1-65c8d471c621" providerId="ADAL" clId="{20E1AE71-974B-2D41-AC34-69C850DFDC19}" dt="2020-03-08T12:14:33.775" v="23" actId="2696"/>
-        <pc:sldMkLst>
-          <pc:docMk/>
-          <pc:sldMk cId="1727266702" sldId="578"/>
+        <pc:chgData name="Long B Nguyen" userId="f59fb8f3-a021-417a-8bc1-65c8d471c621" providerId="ADAL" clId="{6AC26564-89E3-E046-BFB4-F80582D7E17B}" dt="2020-01-13T13:43:17.064" v="4" actId="2696"/>
+        <pc:sldMkLst>
+          <pc:docMk/>
+          <pc:sldMk cId="4294143140" sldId="329"/>
+        </pc:sldMkLst>
+      </pc:sldChg>
+      <pc:sldChg chg="add">
+        <pc:chgData name="Long B Nguyen" userId="f59fb8f3-a021-417a-8bc1-65c8d471c621" providerId="ADAL" clId="{6AC26564-89E3-E046-BFB4-F80582D7E17B}" dt="2020-01-13T13:43:29.420" v="22"/>
+        <pc:sldMkLst>
+          <pc:docMk/>
+          <pc:sldMk cId="532184546" sldId="330"/>
         </pc:sldMkLst>
       </pc:sldChg>
       <pc:sldChg chg="del">
-        <pc:chgData name="Long B Nguyen" userId="f59fb8f3-a021-417a-8bc1-65c8d471c621" providerId="ADAL" clId="{20E1AE71-974B-2D41-AC34-69C850DFDC19}" dt="2020-03-08T12:14:33.789" v="24" actId="2696"/>
-        <pc:sldMkLst>
-          <pc:docMk/>
-          <pc:sldMk cId="665490485" sldId="579"/>
+        <pc:chgData name="Long B Nguyen" userId="f59fb8f3-a021-417a-8bc1-65c8d471c621" providerId="ADAL" clId="{6AC26564-89E3-E046-BFB4-F80582D7E17B}" dt="2020-01-13T13:43:17.136" v="8" actId="2696"/>
+        <pc:sldMkLst>
+          <pc:docMk/>
+          <pc:sldMk cId="3594730708" sldId="330"/>
+        </pc:sldMkLst>
+      </pc:sldChg>
+      <pc:sldChg chg="add">
+        <pc:chgData name="Long B Nguyen" userId="f59fb8f3-a021-417a-8bc1-65c8d471c621" providerId="ADAL" clId="{6AC26564-89E3-E046-BFB4-F80582D7E17B}" dt="2020-01-13T13:43:29.420" v="22"/>
+        <pc:sldMkLst>
+          <pc:docMk/>
+          <pc:sldMk cId="3264629021" sldId="331"/>
         </pc:sldMkLst>
       </pc:sldChg>
       <pc:sldChg chg="del">
-        <pc:chgData name="Long B Nguyen" userId="f59fb8f3-a021-417a-8bc1-65c8d471c621" providerId="ADAL" clId="{20E1AE71-974B-2D41-AC34-69C850DFDC19}" dt="2020-03-08T12:14:33.669" v="17" actId="2696"/>
-        <pc:sldMkLst>
-          <pc:docMk/>
-          <pc:sldMk cId="2801305812" sldId="580"/>
+        <pc:chgData name="Long B Nguyen" userId="f59fb8f3-a021-417a-8bc1-65c8d471c621" providerId="ADAL" clId="{6AC26564-89E3-E046-BFB4-F80582D7E17B}" dt="2020-01-13T13:43:17.188" v="12" actId="2696"/>
+        <pc:sldMkLst>
+          <pc:docMk/>
+          <pc:sldMk cId="3870816631" sldId="331"/>
         </pc:sldMkLst>
       </pc:sldChg>
       <pc:sldChg chg="del">
-        <pc:chgData name="Long B Nguyen" userId="f59fb8f3-a021-417a-8bc1-65c8d471c621" providerId="ADAL" clId="{20E1AE71-974B-2D41-AC34-69C850DFDC19}" dt="2020-03-08T12:14:33.654" v="16" actId="2696"/>
-        <pc:sldMkLst>
-          <pc:docMk/>
-          <pc:sldMk cId="156416513" sldId="581"/>
-        </pc:sldMkLst>
-      </pc:sldChg>
-      <pc:sldChg chg="del">
-        <pc:chgData name="Long B Nguyen" userId="f59fb8f3-a021-417a-8bc1-65c8d471c621" providerId="ADAL" clId="{20E1AE71-974B-2D41-AC34-69C850DFDC19}" dt="2020-03-08T12:14:33.870" v="28" actId="2696"/>
-        <pc:sldMkLst>
-          <pc:docMk/>
-          <pc:sldMk cId="1237537268" sldId="583"/>
-        </pc:sldMkLst>
-      </pc:sldChg>
-      <pc:sldChg chg="del">
-        <pc:chgData name="Long B Nguyen" userId="f59fb8f3-a021-417a-8bc1-65c8d471c621" providerId="ADAL" clId="{20E1AE71-974B-2D41-AC34-69C850DFDC19}" dt="2020-03-08T12:14:33.919" v="31" actId="2696"/>
-        <pc:sldMkLst>
-          <pc:docMk/>
-          <pc:sldMk cId="4256317276" sldId="584"/>
-        </pc:sldMkLst>
-      </pc:sldChg>
-      <pc:sldChg chg="del">
-        <pc:chgData name="Long B Nguyen" userId="f59fb8f3-a021-417a-8bc1-65c8d471c621" providerId="ADAL" clId="{20E1AE71-974B-2D41-AC34-69C850DFDC19}" dt="2020-03-08T12:14:33.969" v="34" actId="2696"/>
-        <pc:sldMkLst>
-          <pc:docMk/>
-          <pc:sldMk cId="3977893820" sldId="585"/>
-        </pc:sldMkLst>
-      </pc:sldChg>
-      <pc:sldChg chg="del">
-        <pc:chgData name="Long B Nguyen" userId="f59fb8f3-a021-417a-8bc1-65c8d471c621" providerId="ADAL" clId="{20E1AE71-974B-2D41-AC34-69C850DFDC19}" dt="2020-03-08T12:14:34.016" v="37" actId="2696"/>
-        <pc:sldMkLst>
-          <pc:docMk/>
-          <pc:sldMk cId="1319289224" sldId="586"/>
-        </pc:sldMkLst>
-      </pc:sldChg>
-      <pc:sldChg chg="del">
-        <pc:chgData name="Long B Nguyen" userId="f59fb8f3-a021-417a-8bc1-65c8d471c621" providerId="ADAL" clId="{20E1AE71-974B-2D41-AC34-69C850DFDC19}" dt="2020-03-08T12:14:34.026" v="38" actId="2696"/>
-        <pc:sldMkLst>
-          <pc:docMk/>
-          <pc:sldMk cId="2894020677" sldId="587"/>
-        </pc:sldMkLst>
-      </pc:sldChg>
-      <pc:sldChg chg="del">
-        <pc:chgData name="Long B Nguyen" userId="f59fb8f3-a021-417a-8bc1-65c8d471c621" providerId="ADAL" clId="{20E1AE71-974B-2D41-AC34-69C850DFDC19}" dt="2020-03-08T12:14:33.904" v="30" actId="2696"/>
-        <pc:sldMkLst>
-          <pc:docMk/>
-          <pc:sldMk cId="3609960584" sldId="588"/>
-        </pc:sldMkLst>
-      </pc:sldChg>
-      <pc:sldChg chg="del">
-        <pc:chgData name="Long B Nguyen" userId="f59fb8f3-a021-417a-8bc1-65c8d471c621" providerId="ADAL" clId="{20E1AE71-974B-2D41-AC34-69C850DFDC19}" dt="2020-03-08T12:14:34.036" v="39" actId="2696"/>
-        <pc:sldMkLst>
-          <pc:docMk/>
-          <pc:sldMk cId="2527578196" sldId="589"/>
-        </pc:sldMkLst>
-      </pc:sldChg>
-      <pc:sldChg chg="del">
-        <pc:chgData name="Long B Nguyen" userId="f59fb8f3-a021-417a-8bc1-65c8d471c621" providerId="ADAL" clId="{20E1AE71-974B-2D41-AC34-69C850DFDC19}" dt="2020-03-08T12:14:34.059" v="41" actId="2696"/>
-        <pc:sldMkLst>
-          <pc:docMk/>
-          <pc:sldMk cId="3609937493" sldId="590"/>
-        </pc:sldMkLst>
-      </pc:sldChg>
-      <pc:sldChg chg="del">
-        <pc:chgData name="Long B Nguyen" userId="f59fb8f3-a021-417a-8bc1-65c8d471c621" providerId="ADAL" clId="{20E1AE71-974B-2D41-AC34-69C850DFDC19}" dt="2020-03-08T12:14:34.046" v="40" actId="2696"/>
-        <pc:sldMkLst>
-          <pc:docMk/>
-          <pc:sldMk cId="4266553646" sldId="591"/>
-        </pc:sldMkLst>
-      </pc:sldChg>
-      <pc:sldChg chg="modSp add modAnim">
-        <pc:chgData name="Long B Nguyen" userId="f59fb8f3-a021-417a-8bc1-65c8d471c621" providerId="ADAL" clId="{20E1AE71-974B-2D41-AC34-69C850DFDC19}" dt="2020-03-08T12:15:55.975" v="72" actId="20577"/>
-        <pc:sldMkLst>
-          <pc:docMk/>
-          <pc:sldMk cId="4205479306" sldId="594"/>
-        </pc:sldMkLst>
-        <pc:spChg chg="mod">
-          <ac:chgData name="Long B Nguyen" userId="f59fb8f3-a021-417a-8bc1-65c8d471c621" providerId="ADAL" clId="{20E1AE71-974B-2D41-AC34-69C850DFDC19}" dt="2020-03-08T12:15:38.234" v="67" actId="1076"/>
-          <ac:spMkLst>
-            <pc:docMk/>
-            <pc:sldMk cId="4205479306" sldId="594"/>
-            <ac:spMk id="16385" creationId="{8FAE8CA6-5EB1-544B-9637-4627ADA36986}"/>
-          </ac:spMkLst>
-        </pc:spChg>
-        <pc:spChg chg="mod">
-          <ac:chgData name="Long B Nguyen" userId="f59fb8f3-a021-417a-8bc1-65c8d471c621" providerId="ADAL" clId="{20E1AE71-974B-2D41-AC34-69C850DFDC19}" dt="2020-03-08T12:15:55.975" v="72" actId="20577"/>
-          <ac:spMkLst>
-            <pc:docMk/>
-            <pc:sldMk cId="4205479306" sldId="594"/>
-            <ac:spMk id="16386" creationId="{AC84324A-3724-874B-82A1-71A36E0BBD8D}"/>
-          </ac:spMkLst>
-        </pc:spChg>
-      </pc:sldChg>
-      <pc:sldChg chg="modSp add modAnim">
-        <pc:chgData name="Long B Nguyen" userId="f59fb8f3-a021-417a-8bc1-65c8d471c621" providerId="ADAL" clId="{20E1AE71-974B-2D41-AC34-69C850DFDC19}" dt="2020-03-08T12:16:42.405" v="78" actId="5793"/>
-        <pc:sldMkLst>
-          <pc:docMk/>
-          <pc:sldMk cId="1994033935" sldId="595"/>
-        </pc:sldMkLst>
-        <pc:spChg chg="mod">
-          <ac:chgData name="Long B Nguyen" userId="f59fb8f3-a021-417a-8bc1-65c8d471c621" providerId="ADAL" clId="{20E1AE71-974B-2D41-AC34-69C850DFDC19}" dt="2020-03-08T12:16:42.405" v="78" actId="5793"/>
-          <ac:spMkLst>
-            <pc:docMk/>
-            <pc:sldMk cId="1994033935" sldId="595"/>
-            <ac:spMk id="16386" creationId="{36A84E53-DF55-DE47-BCAA-A26F73181744}"/>
-          </ac:spMkLst>
-        </pc:spChg>
-        <pc:spChg chg="mod">
-          <ac:chgData name="Long B Nguyen" userId="f59fb8f3-a021-417a-8bc1-65c8d471c621" providerId="ADAL" clId="{20E1AE71-974B-2D41-AC34-69C850DFDC19}" dt="2020-03-08T12:16:35.733" v="75" actId="1076"/>
-          <ac:spMkLst>
-            <pc:docMk/>
-            <pc:sldMk cId="1994033935" sldId="595"/>
-            <ac:spMk id="18433" creationId="{9B931521-A580-614B-B405-91EC138B5B42}"/>
-          </ac:spMkLst>
-        </pc:spChg>
-      </pc:sldChg>
-      <pc:sldChg chg="modSp add modAnim">
-        <pc:chgData name="Long B Nguyen" userId="f59fb8f3-a021-417a-8bc1-65c8d471c621" providerId="ADAL" clId="{20E1AE71-974B-2D41-AC34-69C850DFDC19}" dt="2020-03-08T12:17:14.150" v="86" actId="20577"/>
-        <pc:sldMkLst>
-          <pc:docMk/>
-          <pc:sldMk cId="3986464372" sldId="596"/>
-        </pc:sldMkLst>
-        <pc:spChg chg="mod">
-          <ac:chgData name="Long B Nguyen" userId="f59fb8f3-a021-417a-8bc1-65c8d471c621" providerId="ADAL" clId="{20E1AE71-974B-2D41-AC34-69C850DFDC19}" dt="2020-03-08T12:17:14.150" v="86" actId="20577"/>
-          <ac:spMkLst>
-            <pc:docMk/>
-            <pc:sldMk cId="3986464372" sldId="596"/>
-            <ac:spMk id="16386" creationId="{FD72951F-2D30-6F40-A9B8-7104B7D451EB}"/>
-          </ac:spMkLst>
-        </pc:spChg>
-        <pc:spChg chg="mod">
-          <ac:chgData name="Long B Nguyen" userId="f59fb8f3-a021-417a-8bc1-65c8d471c621" providerId="ADAL" clId="{20E1AE71-974B-2D41-AC34-69C850DFDC19}" dt="2020-03-08T12:16:55.229" v="81" actId="1076"/>
-          <ac:spMkLst>
-            <pc:docMk/>
-            <pc:sldMk cId="3986464372" sldId="596"/>
-            <ac:spMk id="20481" creationId="{86757440-FF2F-FC47-B284-FE903228C9F4}"/>
-          </ac:spMkLst>
-        </pc:spChg>
-      </pc:sldChg>
-      <pc:sldChg chg="modSp add modAnim">
-        <pc:chgData name="Long B Nguyen" userId="f59fb8f3-a021-417a-8bc1-65c8d471c621" providerId="ADAL" clId="{20E1AE71-974B-2D41-AC34-69C850DFDC19}" dt="2020-03-08T14:02:24.971" v="621" actId="20577"/>
-        <pc:sldMkLst>
-          <pc:docMk/>
-          <pc:sldMk cId="2566405133" sldId="597"/>
-        </pc:sldMkLst>
-        <pc:spChg chg="mod">
-          <ac:chgData name="Long B Nguyen" userId="f59fb8f3-a021-417a-8bc1-65c8d471c621" providerId="ADAL" clId="{20E1AE71-974B-2D41-AC34-69C850DFDC19}" dt="2020-03-08T14:02:24.971" v="621" actId="20577"/>
-          <ac:spMkLst>
-            <pc:docMk/>
-            <pc:sldMk cId="2566405133" sldId="597"/>
-            <ac:spMk id="16386" creationId="{8AED6484-1413-8C45-B6F1-BD8A0459A082}"/>
-          </ac:spMkLst>
-        </pc:spChg>
-        <pc:spChg chg="mod">
-          <ac:chgData name="Long B Nguyen" userId="f59fb8f3-a021-417a-8bc1-65c8d471c621" providerId="ADAL" clId="{20E1AE71-974B-2D41-AC34-69C850DFDC19}" dt="2020-03-08T12:17:42.044" v="89" actId="1076"/>
-          <ac:spMkLst>
-            <pc:docMk/>
-            <pc:sldMk cId="2566405133" sldId="597"/>
-            <ac:spMk id="22529" creationId="{393BE6F3-36DE-4449-89F7-53FFEB793FE6}"/>
-          </ac:spMkLst>
-        </pc:spChg>
-      </pc:sldChg>
-      <pc:sldChg chg="modSp add modAnim">
-        <pc:chgData name="Long B Nguyen" userId="f59fb8f3-a021-417a-8bc1-65c8d471c621" providerId="ADAL" clId="{20E1AE71-974B-2D41-AC34-69C850DFDC19}" dt="2020-03-08T12:23:10.036" v="98" actId="20577"/>
-        <pc:sldMkLst>
-          <pc:docMk/>
-          <pc:sldMk cId="1098067599" sldId="598"/>
-        </pc:sldMkLst>
-        <pc:spChg chg="mod">
-          <ac:chgData name="Long B Nguyen" userId="f59fb8f3-a021-417a-8bc1-65c8d471c621" providerId="ADAL" clId="{20E1AE71-974B-2D41-AC34-69C850DFDC19}" dt="2020-03-08T12:23:10.036" v="98" actId="20577"/>
-          <ac:spMkLst>
-            <pc:docMk/>
-            <pc:sldMk cId="1098067599" sldId="598"/>
-            <ac:spMk id="16386" creationId="{E697184B-7A3C-5841-8B49-9041842B0E9B}"/>
-          </ac:spMkLst>
-        </pc:spChg>
-        <pc:spChg chg="mod">
-          <ac:chgData name="Long B Nguyen" userId="f59fb8f3-a021-417a-8bc1-65c8d471c621" providerId="ADAL" clId="{20E1AE71-974B-2D41-AC34-69C850DFDC19}" dt="2020-03-08T12:23:03.944" v="95" actId="1076"/>
-          <ac:spMkLst>
-            <pc:docMk/>
-            <pc:sldMk cId="1098067599" sldId="598"/>
-            <ac:spMk id="24577" creationId="{20CDAB21-9A2E-EC4D-B621-9FE5A26D2AED}"/>
-          </ac:spMkLst>
-        </pc:spChg>
-      </pc:sldChg>
-      <pc:sldChg chg="modSp add modAnim">
-        <pc:chgData name="Long B Nguyen" userId="f59fb8f3-a021-417a-8bc1-65c8d471c621" providerId="ADAL" clId="{20E1AE71-974B-2D41-AC34-69C850DFDC19}" dt="2020-03-08T12:28:38.490" v="119" actId="20577"/>
-        <pc:sldMkLst>
-          <pc:docMk/>
-          <pc:sldMk cId="2135983872" sldId="599"/>
-        </pc:sldMkLst>
-        <pc:spChg chg="mod">
-          <ac:chgData name="Long B Nguyen" userId="f59fb8f3-a021-417a-8bc1-65c8d471c621" providerId="ADAL" clId="{20E1AE71-974B-2D41-AC34-69C850DFDC19}" dt="2020-03-08T12:28:38.490" v="119" actId="20577"/>
-          <ac:spMkLst>
-            <pc:docMk/>
-            <pc:sldMk cId="2135983872" sldId="599"/>
-            <ac:spMk id="16386" creationId="{2CA53A1D-0CFC-9346-9F25-D3084700DDD8}"/>
-          </ac:spMkLst>
-        </pc:spChg>
-        <pc:spChg chg="mod">
-          <ac:chgData name="Long B Nguyen" userId="f59fb8f3-a021-417a-8bc1-65c8d471c621" providerId="ADAL" clId="{20E1AE71-974B-2D41-AC34-69C850DFDC19}" dt="2020-03-08T12:23:21.222" v="101" actId="1076"/>
-          <ac:spMkLst>
-            <pc:docMk/>
-            <pc:sldMk cId="2135983872" sldId="599"/>
-            <ac:spMk id="26625" creationId="{D38D7ADF-E686-184F-A04A-069F9601FE24}"/>
-          </ac:spMkLst>
-        </pc:spChg>
-        <pc:spChg chg="mod">
-          <ac:chgData name="Long B Nguyen" userId="f59fb8f3-a021-417a-8bc1-65c8d471c621" providerId="ADAL" clId="{20E1AE71-974B-2D41-AC34-69C850DFDC19}" dt="2020-03-08T12:23:42.313" v="112" actId="1076"/>
-          <ac:spMkLst>
-            <pc:docMk/>
-            <pc:sldMk cId="2135983872" sldId="599"/>
-            <ac:spMk id="26631" creationId="{DD7FEF02-BF15-B943-8B30-0CAF8C1C95CA}"/>
-          </ac:spMkLst>
-        </pc:spChg>
-        <pc:picChg chg="mod">
-          <ac:chgData name="Long B Nguyen" userId="f59fb8f3-a021-417a-8bc1-65c8d471c621" providerId="ADAL" clId="{20E1AE71-974B-2D41-AC34-69C850DFDC19}" dt="2020-03-08T12:23:57.417" v="116" actId="1076"/>
-          <ac:picMkLst>
-            <pc:docMk/>
-            <pc:sldMk cId="2135983872" sldId="599"/>
-            <ac:picMk id="26628" creationId="{B1446CB5-AD27-4C43-9004-B6922BC9B7A5}"/>
-          </ac:picMkLst>
-        </pc:picChg>
-      </pc:sldChg>
-      <pc:sldChg chg="modSp add modAnim">
-        <pc:chgData name="Long B Nguyen" userId="f59fb8f3-a021-417a-8bc1-65c8d471c621" providerId="ADAL" clId="{20E1AE71-974B-2D41-AC34-69C850DFDC19}" dt="2020-03-08T12:28:52.619" v="125" actId="20577"/>
-        <pc:sldMkLst>
-          <pc:docMk/>
-          <pc:sldMk cId="3082545194" sldId="600"/>
-        </pc:sldMkLst>
-        <pc:spChg chg="mod">
-          <ac:chgData name="Long B Nguyen" userId="f59fb8f3-a021-417a-8bc1-65c8d471c621" providerId="ADAL" clId="{20E1AE71-974B-2D41-AC34-69C850DFDC19}" dt="2020-03-08T12:28:52.619" v="125" actId="20577"/>
-          <ac:spMkLst>
-            <pc:docMk/>
-            <pc:sldMk cId="3082545194" sldId="600"/>
-            <ac:spMk id="16386" creationId="{1068C3F6-2B68-0147-A043-67BE3D946ECF}"/>
-          </ac:spMkLst>
-        </pc:spChg>
-        <pc:spChg chg="mod">
-          <ac:chgData name="Long B Nguyen" userId="f59fb8f3-a021-417a-8bc1-65c8d471c621" providerId="ADAL" clId="{20E1AE71-974B-2D41-AC34-69C850DFDC19}" dt="2020-03-08T12:28:48.700" v="122" actId="1076"/>
-          <ac:spMkLst>
-            <pc:docMk/>
-            <pc:sldMk cId="3082545194" sldId="600"/>
-            <ac:spMk id="28673" creationId="{907EFF68-9C71-F04B-B369-88AED7B7A835}"/>
-          </ac:spMkLst>
-        </pc:spChg>
-      </pc:sldChg>
-      <pc:sldChg chg="modSp add modAnim">
-        <pc:chgData name="Long B Nguyen" userId="f59fb8f3-a021-417a-8bc1-65c8d471c621" providerId="ADAL" clId="{20E1AE71-974B-2D41-AC34-69C850DFDC19}" dt="2020-03-08T13:57:55.124" v="509" actId="20577"/>
-        <pc:sldMkLst>
-          <pc:docMk/>
-          <pc:sldMk cId="3805116294" sldId="601"/>
-        </pc:sldMkLst>
-        <pc:spChg chg="mod">
-          <ac:chgData name="Long B Nguyen" userId="f59fb8f3-a021-417a-8bc1-65c8d471c621" providerId="ADAL" clId="{20E1AE71-974B-2D41-AC34-69C850DFDC19}" dt="2020-03-08T13:57:55.124" v="509" actId="20577"/>
-          <ac:spMkLst>
-            <pc:docMk/>
-            <pc:sldMk cId="3805116294" sldId="601"/>
-            <ac:spMk id="16386" creationId="{37FDCEEA-1952-6C42-8C6C-2F8F8FE3796F}"/>
-          </ac:spMkLst>
-        </pc:spChg>
-        <pc:spChg chg="mod">
-          <ac:chgData name="Long B Nguyen" userId="f59fb8f3-a021-417a-8bc1-65c8d471c621" providerId="ADAL" clId="{20E1AE71-974B-2D41-AC34-69C850DFDC19}" dt="2020-03-08T13:55:44.761" v="273" actId="1076"/>
-          <ac:spMkLst>
-            <pc:docMk/>
-            <pc:sldMk cId="3805116294" sldId="601"/>
-            <ac:spMk id="30721" creationId="{CABE8826-3A78-A04B-B3F1-70BBDCFEB024}"/>
-          </ac:spMkLst>
-        </pc:spChg>
-        <pc:picChg chg="mod">
-          <ac:chgData name="Long B Nguyen" userId="f59fb8f3-a021-417a-8bc1-65c8d471c621" providerId="ADAL" clId="{20E1AE71-974B-2D41-AC34-69C850DFDC19}" dt="2020-03-08T13:57:28.589" v="500" actId="1076"/>
-          <ac:picMkLst>
-            <pc:docMk/>
-            <pc:sldMk cId="3805116294" sldId="601"/>
-            <ac:picMk id="30723" creationId="{A19A7F4E-C334-2D45-8068-393FDB2C3A04}"/>
-          </ac:picMkLst>
-        </pc:picChg>
-      </pc:sldChg>
-      <pc:sldChg chg="modSp add">
-        <pc:chgData name="Long B Nguyen" userId="f59fb8f3-a021-417a-8bc1-65c8d471c621" providerId="ADAL" clId="{20E1AE71-974B-2D41-AC34-69C850DFDC19}" dt="2020-03-08T12:29:32.575" v="133" actId="5793"/>
-        <pc:sldMkLst>
-          <pc:docMk/>
-          <pc:sldMk cId="2482297390" sldId="602"/>
-        </pc:sldMkLst>
-        <pc:spChg chg="mod">
-          <ac:chgData name="Long B Nguyen" userId="f59fb8f3-a021-417a-8bc1-65c8d471c621" providerId="ADAL" clId="{20E1AE71-974B-2D41-AC34-69C850DFDC19}" dt="2020-03-08T12:29:32.575" v="133" actId="5793"/>
-          <ac:spMkLst>
-            <pc:docMk/>
-            <pc:sldMk cId="2482297390" sldId="602"/>
-            <ac:spMk id="16386" creationId="{65F76040-0096-2148-BECD-C70AB371E337}"/>
-          </ac:spMkLst>
-        </pc:spChg>
-        <pc:spChg chg="mod">
-          <ac:chgData name="Long B Nguyen" userId="f59fb8f3-a021-417a-8bc1-65c8d471c621" providerId="ADAL" clId="{20E1AE71-974B-2D41-AC34-69C850DFDC19}" dt="2020-03-08T12:29:30.039" v="132" actId="1076"/>
-          <ac:spMkLst>
-            <pc:docMk/>
-            <pc:sldMk cId="2482297390" sldId="602"/>
-            <ac:spMk id="32769" creationId="{4EBBA52F-9DF1-B246-9431-8A81100C5EEF}"/>
-          </ac:spMkLst>
-        </pc:spChg>
-      </pc:sldChg>
-      <pc:sldChg chg="modSp add modAnim">
-        <pc:chgData name="Long B Nguyen" userId="f59fb8f3-a021-417a-8bc1-65c8d471c621" providerId="ADAL" clId="{20E1AE71-974B-2D41-AC34-69C850DFDC19}" dt="2020-03-08T12:30:37.102" v="153" actId="20577"/>
-        <pc:sldMkLst>
-          <pc:docMk/>
-          <pc:sldMk cId="3316801220" sldId="603"/>
-        </pc:sldMkLst>
-        <pc:spChg chg="mod">
-          <ac:chgData name="Long B Nguyen" userId="f59fb8f3-a021-417a-8bc1-65c8d471c621" providerId="ADAL" clId="{20E1AE71-974B-2D41-AC34-69C850DFDC19}" dt="2020-03-08T12:30:37.102" v="153" actId="20577"/>
-          <ac:spMkLst>
-            <pc:docMk/>
-            <pc:sldMk cId="3316801220" sldId="603"/>
-            <ac:spMk id="16386" creationId="{62F9A7B8-3A42-B54D-9D39-DC0EC3FB546A}"/>
-          </ac:spMkLst>
-        </pc:spChg>
-        <pc:spChg chg="mod">
-          <ac:chgData name="Long B Nguyen" userId="f59fb8f3-a021-417a-8bc1-65c8d471c621" providerId="ADAL" clId="{20E1AE71-974B-2D41-AC34-69C850DFDC19}" dt="2020-03-08T12:29:44.488" v="136" actId="1076"/>
-          <ac:spMkLst>
-            <pc:docMk/>
-            <pc:sldMk cId="3316801220" sldId="603"/>
-            <ac:spMk id="34817" creationId="{0DBE2AEE-399E-404E-BC68-4C2DA6AAC63B}"/>
-          </ac:spMkLst>
-        </pc:spChg>
-      </pc:sldChg>
-      <pc:sldChg chg="modSp add">
-        <pc:chgData name="Long B Nguyen" userId="f59fb8f3-a021-417a-8bc1-65c8d471c621" providerId="ADAL" clId="{20E1AE71-974B-2D41-AC34-69C850DFDC19}" dt="2020-03-08T12:31:12.108" v="157" actId="5793"/>
-        <pc:sldMkLst>
-          <pc:docMk/>
-          <pc:sldMk cId="1665439849" sldId="605"/>
-        </pc:sldMkLst>
-        <pc:spChg chg="mod">
-          <ac:chgData name="Long B Nguyen" userId="f59fb8f3-a021-417a-8bc1-65c8d471c621" providerId="ADAL" clId="{20E1AE71-974B-2D41-AC34-69C850DFDC19}" dt="2020-03-08T12:31:12.108" v="157" actId="5793"/>
-          <ac:spMkLst>
-            <pc:docMk/>
-            <pc:sldMk cId="1665439849" sldId="605"/>
-            <ac:spMk id="16386" creationId="{A254C108-CD79-104D-9573-479E5F1E9C53}"/>
-          </ac:spMkLst>
-        </pc:spChg>
-        <pc:spChg chg="mod">
-          <ac:chgData name="Long B Nguyen" userId="f59fb8f3-a021-417a-8bc1-65c8d471c621" providerId="ADAL" clId="{20E1AE71-974B-2D41-AC34-69C850DFDC19}" dt="2020-03-08T12:31:09.246" v="156" actId="1076"/>
-          <ac:spMkLst>
-            <pc:docMk/>
-            <pc:sldMk cId="1665439849" sldId="605"/>
-            <ac:spMk id="36865" creationId="{3FB39C93-22A3-5C43-BE4F-FEE2C42AF6FA}"/>
-          </ac:spMkLst>
-        </pc:spChg>
-      </pc:sldChg>
-      <pc:sldChg chg="modSp add modAnim">
-        <pc:chgData name="Long B Nguyen" userId="f59fb8f3-a021-417a-8bc1-65c8d471c621" providerId="ADAL" clId="{20E1AE71-974B-2D41-AC34-69C850DFDC19}" dt="2020-03-08T12:32:02.124" v="164" actId="20577"/>
-        <pc:sldMkLst>
-          <pc:docMk/>
-          <pc:sldMk cId="1196991583" sldId="606"/>
-        </pc:sldMkLst>
-        <pc:spChg chg="mod">
-          <ac:chgData name="Long B Nguyen" userId="f59fb8f3-a021-417a-8bc1-65c8d471c621" providerId="ADAL" clId="{20E1AE71-974B-2D41-AC34-69C850DFDC19}" dt="2020-03-08T12:32:02.124" v="164" actId="20577"/>
-          <ac:spMkLst>
-            <pc:docMk/>
-            <pc:sldMk cId="1196991583" sldId="606"/>
-            <ac:spMk id="16386" creationId="{AE1781FA-9D5E-A349-85DF-1916B7AC6635}"/>
-          </ac:spMkLst>
-        </pc:spChg>
-        <pc:spChg chg="mod">
-          <ac:chgData name="Long B Nguyen" userId="f59fb8f3-a021-417a-8bc1-65c8d471c621" providerId="ADAL" clId="{20E1AE71-974B-2D41-AC34-69C850DFDC19}" dt="2020-03-08T12:31:48.463" v="160" actId="1076"/>
-          <ac:spMkLst>
-            <pc:docMk/>
-            <pc:sldMk cId="1196991583" sldId="606"/>
-            <ac:spMk id="38913" creationId="{3E233C7B-4CFF-104F-85AD-FB4583A5E86E}"/>
-          </ac:spMkLst>
-        </pc:spChg>
-      </pc:sldChg>
-      <pc:sldChg chg="modSp add modAnim">
-        <pc:chgData name="Long B Nguyen" userId="f59fb8f3-a021-417a-8bc1-65c8d471c621" providerId="ADAL" clId="{20E1AE71-974B-2D41-AC34-69C850DFDC19}" dt="2020-03-08T12:36:27.687" v="186" actId="113"/>
-        <pc:sldMkLst>
-          <pc:docMk/>
-          <pc:sldMk cId="2747083858" sldId="607"/>
-        </pc:sldMkLst>
-        <pc:spChg chg="mod">
-          <ac:chgData name="Long B Nguyen" userId="f59fb8f3-a021-417a-8bc1-65c8d471c621" providerId="ADAL" clId="{20E1AE71-974B-2D41-AC34-69C850DFDC19}" dt="2020-03-08T12:36:27.687" v="186" actId="113"/>
-          <ac:spMkLst>
-            <pc:docMk/>
-            <pc:sldMk cId="2747083858" sldId="607"/>
-            <ac:spMk id="16386" creationId="{482D60F1-187C-864B-B43D-577485A40C08}"/>
-          </ac:spMkLst>
-        </pc:spChg>
-        <pc:spChg chg="mod">
-          <ac:chgData name="Long B Nguyen" userId="f59fb8f3-a021-417a-8bc1-65c8d471c621" providerId="ADAL" clId="{20E1AE71-974B-2D41-AC34-69C850DFDC19}" dt="2020-03-08T12:36:08.893" v="180" actId="1076"/>
-          <ac:spMkLst>
-            <pc:docMk/>
-            <pc:sldMk cId="2747083858" sldId="607"/>
-            <ac:spMk id="40961" creationId="{8FBF48B6-53FB-2C49-A153-963914EAEB88}"/>
-          </ac:spMkLst>
-        </pc:spChg>
-      </pc:sldChg>
-      <pc:sldChg chg="addSp delSp modSp add modAnim">
-        <pc:chgData name="Long B Nguyen" userId="f59fb8f3-a021-417a-8bc1-65c8d471c621" providerId="ADAL" clId="{20E1AE71-974B-2D41-AC34-69C850DFDC19}" dt="2020-03-16T17:50:12.029" v="624"/>
-        <pc:sldMkLst>
-          <pc:docMk/>
-          <pc:sldMk cId="2430561500" sldId="609"/>
-        </pc:sldMkLst>
-        <pc:spChg chg="add del mod">
-          <ac:chgData name="Long B Nguyen" userId="f59fb8f3-a021-417a-8bc1-65c8d471c621" providerId="ADAL" clId="{20E1AE71-974B-2D41-AC34-69C850DFDC19}" dt="2020-03-16T17:50:12.029" v="624"/>
-          <ac:spMkLst>
-            <pc:docMk/>
-            <pc:sldMk cId="2430561500" sldId="609"/>
-            <ac:spMk id="2" creationId="{3D4C4230-2B39-5E4F-A592-6A2ECBBDF748}"/>
-          </ac:spMkLst>
-        </pc:spChg>
-        <pc:spChg chg="mod">
-          <ac:chgData name="Long B Nguyen" userId="f59fb8f3-a021-417a-8bc1-65c8d471c621" providerId="ADAL" clId="{20E1AE71-974B-2D41-AC34-69C850DFDC19}" dt="2020-03-08T12:36:43.699" v="192" actId="20577"/>
-          <ac:spMkLst>
-            <pc:docMk/>
-            <pc:sldMk cId="2430561500" sldId="609"/>
-            <ac:spMk id="16386" creationId="{976F1699-B5AC-2F45-8AD2-94EE6D9AAFEA}"/>
-          </ac:spMkLst>
-        </pc:spChg>
-        <pc:spChg chg="mod">
-          <ac:chgData name="Long B Nguyen" userId="f59fb8f3-a021-417a-8bc1-65c8d471c621" providerId="ADAL" clId="{20E1AE71-974B-2D41-AC34-69C850DFDC19}" dt="2020-03-08T12:36:39.581" v="189" actId="1076"/>
-          <ac:spMkLst>
-            <pc:docMk/>
-            <pc:sldMk cId="2430561500" sldId="609"/>
-            <ac:spMk id="43009" creationId="{5AF8924E-8D8B-8140-81EA-8C0E4EE57514}"/>
-          </ac:spMkLst>
-        </pc:spChg>
-      </pc:sldChg>
-      <pc:sldChg chg="modSp add modAnim">
-        <pc:chgData name="Long B Nguyen" userId="f59fb8f3-a021-417a-8bc1-65c8d471c621" providerId="ADAL" clId="{20E1AE71-974B-2D41-AC34-69C850DFDC19}" dt="2020-03-08T12:38:37.807" v="200" actId="20577"/>
-        <pc:sldMkLst>
-          <pc:docMk/>
-          <pc:sldMk cId="1660288031" sldId="610"/>
-        </pc:sldMkLst>
-        <pc:spChg chg="mod">
-          <ac:chgData name="Long B Nguyen" userId="f59fb8f3-a021-417a-8bc1-65c8d471c621" providerId="ADAL" clId="{20E1AE71-974B-2D41-AC34-69C850DFDC19}" dt="2020-03-08T12:38:37.807" v="200" actId="20577"/>
-          <ac:spMkLst>
-            <pc:docMk/>
-            <pc:sldMk cId="1660288031" sldId="610"/>
-            <ac:spMk id="16386" creationId="{5156306A-4FA5-3D45-9903-BA60307C88D6}"/>
-          </ac:spMkLst>
-        </pc:spChg>
-        <pc:spChg chg="mod">
-          <ac:chgData name="Long B Nguyen" userId="f59fb8f3-a021-417a-8bc1-65c8d471c621" providerId="ADAL" clId="{20E1AE71-974B-2D41-AC34-69C850DFDC19}" dt="2020-03-08T12:38:30.098" v="195" actId="1076"/>
-          <ac:spMkLst>
-            <pc:docMk/>
-            <pc:sldMk cId="1660288031" sldId="610"/>
-            <ac:spMk id="45057" creationId="{64971388-EC5B-404C-A187-A3FCE97E20E3}"/>
-          </ac:spMkLst>
-        </pc:spChg>
-      </pc:sldChg>
-      <pc:sldChg chg="del">
-        <pc:chgData name="Long B Nguyen" userId="f59fb8f3-a021-417a-8bc1-65c8d471c621" providerId="ADAL" clId="{20E1AE71-974B-2D41-AC34-69C850DFDC19}" dt="2020-03-08T12:14:34.140" v="48" actId="2696"/>
-        <pc:sldMkLst>
-          <pc:docMk/>
-          <pc:sldMk cId="2319263073" sldId="610"/>
-        </pc:sldMkLst>
-      </pc:sldChg>
-      <pc:sldChg chg="modSp add modAnim">
-        <pc:chgData name="Long B Nguyen" userId="f59fb8f3-a021-417a-8bc1-65c8d471c621" providerId="ADAL" clId="{20E1AE71-974B-2D41-AC34-69C850DFDC19}" dt="2020-03-08T13:58:18.579" v="510" actId="1076"/>
-        <pc:sldMkLst>
-          <pc:docMk/>
-          <pc:sldMk cId="1203333742" sldId="611"/>
-        </pc:sldMkLst>
-        <pc:spChg chg="mod">
-          <ac:chgData name="Long B Nguyen" userId="f59fb8f3-a021-417a-8bc1-65c8d471c621" providerId="ADAL" clId="{20E1AE71-974B-2D41-AC34-69C850DFDC19}" dt="2020-03-08T12:39:25.550" v="212" actId="20577"/>
-          <ac:spMkLst>
-            <pc:docMk/>
-            <pc:sldMk cId="1203333742" sldId="611"/>
-            <ac:spMk id="16386" creationId="{8A97D40A-E6BF-E14C-B07D-5BAE101CB071}"/>
-          </ac:spMkLst>
-        </pc:spChg>
-        <pc:spChg chg="mod">
-          <ac:chgData name="Long B Nguyen" userId="f59fb8f3-a021-417a-8bc1-65c8d471c621" providerId="ADAL" clId="{20E1AE71-974B-2D41-AC34-69C850DFDC19}" dt="2020-03-08T13:58:18.579" v="510" actId="1076"/>
-          <ac:spMkLst>
-            <pc:docMk/>
-            <pc:sldMk cId="1203333742" sldId="611"/>
-            <ac:spMk id="47105" creationId="{0ACC1611-F859-5B48-9867-1C1AB1970564}"/>
-          </ac:spMkLst>
-        </pc:spChg>
-      </pc:sldChg>
-      <pc:sldChg chg="del">
-        <pc:chgData name="Long B Nguyen" userId="f59fb8f3-a021-417a-8bc1-65c8d471c621" providerId="ADAL" clId="{20E1AE71-974B-2D41-AC34-69C850DFDC19}" dt="2020-03-08T12:14:33.642" v="15" actId="2696"/>
-        <pc:sldMkLst>
-          <pc:docMk/>
-          <pc:sldMk cId="2164029680" sldId="611"/>
-        </pc:sldMkLst>
-      </pc:sldChg>
-      <pc:sldChg chg="modSp add">
-        <pc:chgData name="Long B Nguyen" userId="f59fb8f3-a021-417a-8bc1-65c8d471c621" providerId="ADAL" clId="{20E1AE71-974B-2D41-AC34-69C850DFDC19}" dt="2020-03-08T12:40:17.189" v="226" actId="20577"/>
-        <pc:sldMkLst>
-          <pc:docMk/>
-          <pc:sldMk cId="186989517" sldId="612"/>
-        </pc:sldMkLst>
-        <pc:spChg chg="mod">
-          <ac:chgData name="Long B Nguyen" userId="f59fb8f3-a021-417a-8bc1-65c8d471c621" providerId="ADAL" clId="{20E1AE71-974B-2D41-AC34-69C850DFDC19}" dt="2020-03-08T12:40:17.189" v="226" actId="20577"/>
-          <ac:spMkLst>
-            <pc:docMk/>
-            <pc:sldMk cId="186989517" sldId="612"/>
-            <ac:spMk id="50178" creationId="{327CB0B4-2578-5740-B0E0-F346965CCB10}"/>
-          </ac:spMkLst>
-        </pc:spChg>
-      </pc:sldChg>
-      <pc:sldChg chg="del">
-        <pc:chgData name="Long B Nguyen" userId="f59fb8f3-a021-417a-8bc1-65c8d471c621" providerId="ADAL" clId="{20E1AE71-974B-2D41-AC34-69C850DFDC19}" dt="2020-03-08T12:14:33.624" v="14" actId="2696"/>
-        <pc:sldMkLst>
-          <pc:docMk/>
-          <pc:sldMk cId="2356037138" sldId="612"/>
-        </pc:sldMkLst>
-      </pc:sldChg>
-      <pc:sldChg chg="del">
-        <pc:chgData name="Long B Nguyen" userId="f59fb8f3-a021-417a-8bc1-65c8d471c621" providerId="ADAL" clId="{20E1AE71-974B-2D41-AC34-69C850DFDC19}" dt="2020-03-08T12:14:33.985" v="35" actId="2696"/>
-        <pc:sldMkLst>
-          <pc:docMk/>
-          <pc:sldMk cId="1558241323" sldId="613"/>
-        </pc:sldMkLst>
-      </pc:sldChg>
-      <pc:sldChg chg="del">
-        <pc:chgData name="Long B Nguyen" userId="f59fb8f3-a021-417a-8bc1-65c8d471c621" providerId="ADAL" clId="{20E1AE71-974B-2D41-AC34-69C850DFDC19}" dt="2020-03-08T12:14:34.001" v="36" actId="2696"/>
-        <pc:sldMkLst>
-          <pc:docMk/>
-          <pc:sldMk cId="1678415157" sldId="615"/>
-        </pc:sldMkLst>
-      </pc:sldChg>
-      <pc:sldChg chg="del">
-        <pc:chgData name="Long B Nguyen" userId="f59fb8f3-a021-417a-8bc1-65c8d471c621" providerId="ADAL" clId="{20E1AE71-974B-2D41-AC34-69C850DFDC19}" dt="2020-03-08T12:14:33.932" v="32" actId="2696"/>
-        <pc:sldMkLst>
-          <pc:docMk/>
-          <pc:sldMk cId="827202224" sldId="616"/>
-        </pc:sldMkLst>
-      </pc:sldChg>
-      <pc:sldChg chg="del">
-        <pc:chgData name="Long B Nguyen" userId="f59fb8f3-a021-417a-8bc1-65c8d471c621" providerId="ADAL" clId="{20E1AE71-974B-2D41-AC34-69C850DFDC19}" dt="2020-03-08T12:14:33.953" v="33" actId="2696"/>
-        <pc:sldMkLst>
-          <pc:docMk/>
-          <pc:sldMk cId="971732716" sldId="617"/>
-        </pc:sldMkLst>
-      </pc:sldChg>
-      <pc:sldChg chg="del">
-        <pc:chgData name="Long B Nguyen" userId="f59fb8f3-a021-417a-8bc1-65c8d471c621" providerId="ADAL" clId="{20E1AE71-974B-2D41-AC34-69C850DFDC19}" dt="2020-03-08T12:14:34.105" v="45" actId="2696"/>
-        <pc:sldMkLst>
-          <pc:docMk/>
-          <pc:sldMk cId="1047995035" sldId="618"/>
-        </pc:sldMkLst>
-      </pc:sldChg>
-      <pc:sldChg chg="del">
-        <pc:chgData name="Long B Nguyen" userId="f59fb8f3-a021-417a-8bc1-65c8d471c621" providerId="ADAL" clId="{20E1AE71-974B-2D41-AC34-69C850DFDC19}" dt="2020-03-08T12:14:34.069" v="42" actId="2696"/>
-        <pc:sldMkLst>
-          <pc:docMk/>
-          <pc:sldMk cId="1016158355" sldId="619"/>
-        </pc:sldMkLst>
-      </pc:sldChg>
-      <pc:sldChg chg="del">
-        <pc:chgData name="Long B Nguyen" userId="f59fb8f3-a021-417a-8bc1-65c8d471c621" providerId="ADAL" clId="{20E1AE71-974B-2D41-AC34-69C850DFDC19}" dt="2020-03-08T12:14:34.079" v="43" actId="2696"/>
-        <pc:sldMkLst>
-          <pc:docMk/>
-          <pc:sldMk cId="4204323314" sldId="620"/>
-        </pc:sldMkLst>
-      </pc:sldChg>
-      <pc:sldChg chg="del">
-        <pc:chgData name="Long B Nguyen" userId="f59fb8f3-a021-417a-8bc1-65c8d471c621" providerId="ADAL" clId="{20E1AE71-974B-2D41-AC34-69C850DFDC19}" dt="2020-03-08T12:14:34.093" v="44" actId="2696"/>
-        <pc:sldMkLst>
-          <pc:docMk/>
-          <pc:sldMk cId="1162857972" sldId="621"/>
-        </pc:sldMkLst>
-      </pc:sldChg>
-      <pc:sldChg chg="del">
-        <pc:chgData name="Long B Nguyen" userId="f59fb8f3-a021-417a-8bc1-65c8d471c621" providerId="ADAL" clId="{20E1AE71-974B-2D41-AC34-69C850DFDC19}" dt="2020-03-08T12:14:34.118" v="46" actId="2696"/>
-        <pc:sldMkLst>
-          <pc:docMk/>
-          <pc:sldMk cId="2765543401" sldId="622"/>
-        </pc:sldMkLst>
-      </pc:sldChg>
-      <pc:sldChg chg="del">
-        <pc:chgData name="Long B Nguyen" userId="f59fb8f3-a021-417a-8bc1-65c8d471c621" providerId="ADAL" clId="{20E1AE71-974B-2D41-AC34-69C850DFDC19}" dt="2020-03-08T12:14:34.132" v="47" actId="2696"/>
-        <pc:sldMkLst>
-          <pc:docMk/>
-          <pc:sldMk cId="3553270583" sldId="623"/>
-        </pc:sldMkLst>
-      </pc:sldChg>
-    </pc:docChg>
-  </pc:docChgLst>
-  <pc:docChgLst>
-    <pc:chgData name="Long B Nguyen" userId="f59fb8f3-a021-417a-8bc1-65c8d471c621" providerId="ADAL" clId="{4BE6A6D3-80E1-E648-9A65-3053C53C3489}"/>
-    <pc:docChg chg="addSld delSld modSld">
-      <pc:chgData name="Long B Nguyen" userId="f59fb8f3-a021-417a-8bc1-65c8d471c621" providerId="ADAL" clId="{4BE6A6D3-80E1-E648-9A65-3053C53C3489}" dt="2020-01-13T13:50:20.439" v="74" actId="2696"/>
-      <pc:docMkLst>
-        <pc:docMk/>
-      </pc:docMkLst>
-      <pc:sldChg chg="modSp">
-        <pc:chgData name="Long B Nguyen" userId="f59fb8f3-a021-417a-8bc1-65c8d471c621" providerId="ADAL" clId="{4BE6A6D3-80E1-E648-9A65-3053C53C3489}" dt="2020-01-13T13:50:08.533" v="40" actId="20577"/>
-        <pc:sldMkLst>
-          <pc:docMk/>
-          <pc:sldMk cId="4247104139" sldId="256"/>
-        </pc:sldMkLst>
-        <pc:spChg chg="mod">
-          <ac:chgData name="Long B Nguyen" userId="f59fb8f3-a021-417a-8bc1-65c8d471c621" providerId="ADAL" clId="{4BE6A6D3-80E1-E648-9A65-3053C53C3489}" dt="2020-01-13T13:50:08.533" v="40" actId="20577"/>
-          <ac:spMkLst>
-            <pc:docMk/>
-            <pc:sldMk cId="4247104139" sldId="256"/>
-            <ac:spMk id="3" creationId="{1BDC47C8-6776-7B44-9CD4-95FC91452D62}"/>
-          </ac:spMkLst>
-        </pc:spChg>
-      </pc:sldChg>
-      <pc:sldChg chg="del">
-        <pc:chgData name="Long B Nguyen" userId="f59fb8f3-a021-417a-8bc1-65c8d471c621" providerId="ADAL" clId="{4BE6A6D3-80E1-E648-9A65-3053C53C3489}" dt="2020-01-13T13:50:20.439" v="74" actId="2696"/>
-        <pc:sldMkLst>
-          <pc:docMk/>
-          <pc:sldMk cId="1758448129" sldId="309"/>
-        </pc:sldMkLst>
-      </pc:sldChg>
-      <pc:sldChg chg="del">
-        <pc:chgData name="Long B Nguyen" userId="f59fb8f3-a021-417a-8bc1-65c8d471c621" providerId="ADAL" clId="{4BE6A6D3-80E1-E648-9A65-3053C53C3489}" dt="2020-01-13T13:50:12.196" v="42" actId="2696"/>
-        <pc:sldMkLst>
-          <pc:docMk/>
-          <pc:sldMk cId="3947558204" sldId="313"/>
-        </pc:sldMkLst>
-      </pc:sldChg>
-      <pc:sldChg chg="del">
-        <pc:chgData name="Long B Nguyen" userId="f59fb8f3-a021-417a-8bc1-65c8d471c621" providerId="ADAL" clId="{4BE6A6D3-80E1-E648-9A65-3053C53C3489}" dt="2020-01-13T13:50:19.961" v="43" actId="2696"/>
-        <pc:sldMkLst>
-          <pc:docMk/>
-          <pc:sldMk cId="2054265466" sldId="314"/>
-        </pc:sldMkLst>
-      </pc:sldChg>
-      <pc:sldChg chg="del">
-        <pc:chgData name="Long B Nguyen" userId="f59fb8f3-a021-417a-8bc1-65c8d471c621" providerId="ADAL" clId="{4BE6A6D3-80E1-E648-9A65-3053C53C3489}" dt="2020-01-13T13:50:19.999" v="45" actId="2696"/>
-        <pc:sldMkLst>
-          <pc:docMk/>
-          <pc:sldMk cId="917461937" sldId="315"/>
-        </pc:sldMkLst>
-      </pc:sldChg>
-      <pc:sldChg chg="del">
-        <pc:chgData name="Long B Nguyen" userId="f59fb8f3-a021-417a-8bc1-65c8d471c621" providerId="ADAL" clId="{4BE6A6D3-80E1-E648-9A65-3053C53C3489}" dt="2020-01-13T13:50:20.011" v="46" actId="2696"/>
-        <pc:sldMkLst>
-          <pc:docMk/>
-          <pc:sldMk cId="3266234076" sldId="316"/>
-        </pc:sldMkLst>
-      </pc:sldChg>
-      <pc:sldChg chg="del">
-        <pc:chgData name="Long B Nguyen" userId="f59fb8f3-a021-417a-8bc1-65c8d471c621" providerId="ADAL" clId="{4BE6A6D3-80E1-E648-9A65-3053C53C3489}" dt="2020-01-13T13:50:19.977" v="44" actId="2696"/>
-        <pc:sldMkLst>
-          <pc:docMk/>
-          <pc:sldMk cId="2886319738" sldId="317"/>
-        </pc:sldMkLst>
-      </pc:sldChg>
-      <pc:sldChg chg="del">
-        <pc:chgData name="Long B Nguyen" userId="f59fb8f3-a021-417a-8bc1-65c8d471c621" providerId="ADAL" clId="{4BE6A6D3-80E1-E648-9A65-3053C53C3489}" dt="2020-01-13T13:50:20.047" v="48" actId="2696"/>
-        <pc:sldMkLst>
-          <pc:docMk/>
-          <pc:sldMk cId="3906700287" sldId="319"/>
-        </pc:sldMkLst>
-      </pc:sldChg>
-      <pc:sldChg chg="del">
-        <pc:chgData name="Long B Nguyen" userId="f59fb8f3-a021-417a-8bc1-65c8d471c621" providerId="ADAL" clId="{4BE6A6D3-80E1-E648-9A65-3053C53C3489}" dt="2020-01-13T13:50:20.082" v="50" actId="2696"/>
-        <pc:sldMkLst>
-          <pc:docMk/>
-          <pc:sldMk cId="1810541734" sldId="320"/>
-        </pc:sldMkLst>
-      </pc:sldChg>
-      <pc:sldChg chg="del">
-        <pc:chgData name="Long B Nguyen" userId="f59fb8f3-a021-417a-8bc1-65c8d471c621" providerId="ADAL" clId="{4BE6A6D3-80E1-E648-9A65-3053C53C3489}" dt="2020-01-13T13:50:20.093" v="51" actId="2696"/>
-        <pc:sldMkLst>
-          <pc:docMk/>
-          <pc:sldMk cId="1359731776" sldId="321"/>
-        </pc:sldMkLst>
-      </pc:sldChg>
-      <pc:sldChg chg="del">
-        <pc:chgData name="Long B Nguyen" userId="f59fb8f3-a021-417a-8bc1-65c8d471c621" providerId="ADAL" clId="{4BE6A6D3-80E1-E648-9A65-3053C53C3489}" dt="2020-01-13T13:50:20.107" v="52" actId="2696"/>
-        <pc:sldMkLst>
-          <pc:docMk/>
-          <pc:sldMk cId="3651577480" sldId="322"/>
-        </pc:sldMkLst>
-      </pc:sldChg>
-      <pc:sldChg chg="del">
-        <pc:chgData name="Long B Nguyen" userId="f59fb8f3-a021-417a-8bc1-65c8d471c621" providerId="ADAL" clId="{4BE6A6D3-80E1-E648-9A65-3053C53C3489}" dt="2020-01-13T13:50:20.069" v="49" actId="2696"/>
-        <pc:sldMkLst>
-          <pc:docMk/>
-          <pc:sldMk cId="1496564367" sldId="323"/>
-        </pc:sldMkLst>
-      </pc:sldChg>
-      <pc:sldChg chg="del">
-        <pc:chgData name="Long B Nguyen" userId="f59fb8f3-a021-417a-8bc1-65c8d471c621" providerId="ADAL" clId="{4BE6A6D3-80E1-E648-9A65-3053C53C3489}" dt="2020-01-13T13:50:20.420" v="73" actId="2696"/>
-        <pc:sldMkLst>
-          <pc:docMk/>
-          <pc:sldMk cId="771866096" sldId="324"/>
-        </pc:sldMkLst>
-      </pc:sldChg>
-      <pc:sldChg chg="del">
-        <pc:chgData name="Long B Nguyen" userId="f59fb8f3-a021-417a-8bc1-65c8d471c621" providerId="ADAL" clId="{4BE6A6D3-80E1-E648-9A65-3053C53C3489}" dt="2020-01-13T13:50:20.162" v="56" actId="2696"/>
-        <pc:sldMkLst>
-          <pc:docMk/>
-          <pc:sldMk cId="1025355635" sldId="325"/>
-        </pc:sldMkLst>
-      </pc:sldChg>
-      <pc:sldChg chg="del">
-        <pc:chgData name="Long B Nguyen" userId="f59fb8f3-a021-417a-8bc1-65c8d471c621" providerId="ADAL" clId="{4BE6A6D3-80E1-E648-9A65-3053C53C3489}" dt="2020-01-13T13:50:20.149" v="55" actId="2696"/>
-        <pc:sldMkLst>
-          <pc:docMk/>
-          <pc:sldMk cId="4174920299" sldId="327"/>
-        </pc:sldMkLst>
-      </pc:sldChg>
-      <pc:sldChg chg="del">
-        <pc:chgData name="Long B Nguyen" userId="f59fb8f3-a021-417a-8bc1-65c8d471c621" providerId="ADAL" clId="{4BE6A6D3-80E1-E648-9A65-3053C53C3489}" dt="2020-01-13T13:50:20.176" v="57" actId="2696"/>
-        <pc:sldMkLst>
-          <pc:docMk/>
-          <pc:sldMk cId="2756462650" sldId="328"/>
-        </pc:sldMkLst>
-      </pc:sldChg>
-      <pc:sldChg chg="del">
-        <pc:chgData name="Long B Nguyen" userId="f59fb8f3-a021-417a-8bc1-65c8d471c621" providerId="ADAL" clId="{4BE6A6D3-80E1-E648-9A65-3053C53C3489}" dt="2020-01-13T13:50:20.191" v="58" actId="2696"/>
-        <pc:sldMkLst>
-          <pc:docMk/>
-          <pc:sldMk cId="3080714931" sldId="329"/>
-        </pc:sldMkLst>
-      </pc:sldChg>
-      <pc:sldChg chg="del">
-        <pc:chgData name="Long B Nguyen" userId="f59fb8f3-a021-417a-8bc1-65c8d471c621" providerId="ADAL" clId="{4BE6A6D3-80E1-E648-9A65-3053C53C3489}" dt="2020-01-13T13:50:20.204" v="59" actId="2696"/>
-        <pc:sldMkLst>
-          <pc:docMk/>
-          <pc:sldMk cId="532184546" sldId="330"/>
-        </pc:sldMkLst>
-      </pc:sldChg>
-      <pc:sldChg chg="del">
-        <pc:chgData name="Long B Nguyen" userId="f59fb8f3-a021-417a-8bc1-65c8d471c621" providerId="ADAL" clId="{4BE6A6D3-80E1-E648-9A65-3053C53C3489}" dt="2020-01-13T13:50:20.219" v="60" actId="2696"/>
-        <pc:sldMkLst>
-          <pc:docMk/>
-          <pc:sldMk cId="3264629021" sldId="331"/>
-        </pc:sldMkLst>
-      </pc:sldChg>
-      <pc:sldChg chg="del">
-        <pc:chgData name="Long B Nguyen" userId="f59fb8f3-a021-417a-8bc1-65c8d471c621" providerId="ADAL" clId="{4BE6A6D3-80E1-E648-9A65-3053C53C3489}" dt="2020-01-13T13:50:20.261" v="63" actId="2696"/>
+        <pc:chgData name="Long B Nguyen" userId="f59fb8f3-a021-417a-8bc1-65c8d471c621" providerId="ADAL" clId="{6AC26564-89E3-E046-BFB4-F80582D7E17B}" dt="2020-01-13T13:43:17.163" v="10" actId="2696"/>
+        <pc:sldMkLst>
+          <pc:docMk/>
+          <pc:sldMk cId="3124353102" sldId="332"/>
+        </pc:sldMkLst>
+      </pc:sldChg>
+      <pc:sldChg chg="add">
+        <pc:chgData name="Long B Nguyen" userId="f59fb8f3-a021-417a-8bc1-65c8d471c621" providerId="ADAL" clId="{6AC26564-89E3-E046-BFB4-F80582D7E17B}" dt="2020-01-13T13:43:29.420" v="22"/>
         <pc:sldMkLst>
           <pc:docMk/>
           <pc:sldMk cId="4022722016" sldId="332"/>
         </pc:sldMkLst>
       </pc:sldChg>
-      <pc:sldChg chg="del">
-        <pc:chgData name="Long B Nguyen" userId="f59fb8f3-a021-417a-8bc1-65c8d471c621" providerId="ADAL" clId="{4BE6A6D3-80E1-E648-9A65-3053C53C3489}" dt="2020-01-13T13:50:20.283" v="64" actId="2696"/>
+      <pc:sldChg chg="add">
+        <pc:chgData name="Long B Nguyen" userId="f59fb8f3-a021-417a-8bc1-65c8d471c621" providerId="ADAL" clId="{6AC26564-89E3-E046-BFB4-F80582D7E17B}" dt="2020-01-13T13:43:29.420" v="22"/>
         <pc:sldMkLst>
           <pc:docMk/>
           <pc:sldMk cId="1710208723" sldId="333"/>
         </pc:sldMkLst>
       </pc:sldChg>
-      <pc:sldChg chg="del">
-        <pc:chgData name="Long B Nguyen" userId="f59fb8f3-a021-417a-8bc1-65c8d471c621" providerId="ADAL" clId="{4BE6A6D3-80E1-E648-9A65-3053C53C3489}" dt="2020-01-13T13:50:20.251" v="62" actId="2696"/>
+      <pc:sldChg chg="add">
+        <pc:chgData name="Long B Nguyen" userId="f59fb8f3-a021-417a-8bc1-65c8d471c621" providerId="ADAL" clId="{6AC26564-89E3-E046-BFB4-F80582D7E17B}" dt="2020-01-13T13:43:29.420" v="22"/>
         <pc:sldMkLst>
           <pc:docMk/>
           <pc:sldMk cId="3404583044" sldId="334"/>
         </pc:sldMkLst>
       </pc:sldChg>
-      <pc:sldChg chg="del">
-        <pc:chgData name="Long B Nguyen" userId="f59fb8f3-a021-417a-8bc1-65c8d471c621" providerId="ADAL" clId="{4BE6A6D3-80E1-E648-9A65-3053C53C3489}" dt="2020-01-13T13:50:20.304" v="65" actId="2696"/>
+      <pc:sldChg chg="add">
+        <pc:chgData name="Long B Nguyen" userId="f59fb8f3-a021-417a-8bc1-65c8d471c621" providerId="ADAL" clId="{6AC26564-89E3-E046-BFB4-F80582D7E17B}" dt="2020-01-13T13:43:29.420" v="22"/>
         <pc:sldMkLst>
           <pc:docMk/>
           <pc:sldMk cId="3866550465" sldId="335"/>
         </pc:sldMkLst>
       </pc:sldChg>
-      <pc:sldChg chg="del">
-        <pc:chgData name="Long B Nguyen" userId="f59fb8f3-a021-417a-8bc1-65c8d471c621" providerId="ADAL" clId="{4BE6A6D3-80E1-E648-9A65-3053C53C3489}" dt="2020-01-13T13:50:20.324" v="66" actId="2696"/>
+      <pc:sldChg chg="add">
+        <pc:chgData name="Long B Nguyen" userId="f59fb8f3-a021-417a-8bc1-65c8d471c621" providerId="ADAL" clId="{6AC26564-89E3-E046-BFB4-F80582D7E17B}" dt="2020-01-13T13:43:29.420" v="22"/>
         <pc:sldMkLst>
           <pc:docMk/>
           <pc:sldMk cId="3749436800" sldId="336"/>
         </pc:sldMkLst>
       </pc:sldChg>
-      <pc:sldChg chg="del">
-        <pc:chgData name="Long B Nguyen" userId="f59fb8f3-a021-417a-8bc1-65c8d471c621" providerId="ADAL" clId="{4BE6A6D3-80E1-E648-9A65-3053C53C3489}" dt="2020-01-13T13:50:20.336" v="67" actId="2696"/>
+      <pc:sldChg chg="add">
+        <pc:chgData name="Long B Nguyen" userId="f59fb8f3-a021-417a-8bc1-65c8d471c621" providerId="ADAL" clId="{6AC26564-89E3-E046-BFB4-F80582D7E17B}" dt="2020-01-13T13:43:29.420" v="22"/>
         <pc:sldMkLst>
           <pc:docMk/>
           <pc:sldMk cId="461704868" sldId="337"/>
         </pc:sldMkLst>
       </pc:sldChg>
-      <pc:sldChg chg="del">
-        <pc:chgData name="Long B Nguyen" userId="f59fb8f3-a021-417a-8bc1-65c8d471c621" providerId="ADAL" clId="{4BE6A6D3-80E1-E648-9A65-3053C53C3489}" dt="2020-01-13T13:50:20.351" v="68" actId="2696"/>
+      <pc:sldChg chg="add">
+        <pc:chgData name="Long B Nguyen" userId="f59fb8f3-a021-417a-8bc1-65c8d471c621" providerId="ADAL" clId="{6AC26564-89E3-E046-BFB4-F80582D7E17B}" dt="2020-01-13T13:43:29.420" v="22"/>
         <pc:sldMkLst>
           <pc:docMk/>
           <pc:sldMk cId="545386500" sldId="338"/>
         </pc:sldMkLst>
       </pc:sldChg>
-      <pc:sldChg chg="del">
-        <pc:chgData name="Long B Nguyen" userId="f59fb8f3-a021-417a-8bc1-65c8d471c621" providerId="ADAL" clId="{4BE6A6D3-80E1-E648-9A65-3053C53C3489}" dt="2020-01-13T13:50:20.380" v="70" actId="2696"/>
+      <pc:sldChg chg="add">
+        <pc:chgData name="Long B Nguyen" userId="f59fb8f3-a021-417a-8bc1-65c8d471c621" providerId="ADAL" clId="{6AC26564-89E3-E046-BFB4-F80582D7E17B}" dt="2020-01-13T13:43:29.420" v="22"/>
         <pc:sldMkLst>
           <pc:docMk/>
           <pc:sldMk cId="1791361008" sldId="339"/>
         </pc:sldMkLst>
       </pc:sldChg>
-      <pc:sldChg chg="del">
-        <pc:chgData name="Long B Nguyen" userId="f59fb8f3-a021-417a-8bc1-65c8d471c621" providerId="ADAL" clId="{4BE6A6D3-80E1-E648-9A65-3053C53C3489}" dt="2020-01-13T13:50:20.367" v="69" actId="2696"/>
+      <pc:sldChg chg="add">
+        <pc:chgData name="Long B Nguyen" userId="f59fb8f3-a021-417a-8bc1-65c8d471c621" providerId="ADAL" clId="{6AC26564-89E3-E046-BFB4-F80582D7E17B}" dt="2020-01-13T13:43:29.420" v="22"/>
         <pc:sldMkLst>
           <pc:docMk/>
           <pc:sldMk cId="678299524" sldId="340"/>
         </pc:sldMkLst>
       </pc:sldChg>
-      <pc:sldChg chg="del">
-        <pc:chgData name="Long B Nguyen" userId="f59fb8f3-a021-417a-8bc1-65c8d471c621" providerId="ADAL" clId="{4BE6A6D3-80E1-E648-9A65-3053C53C3489}" dt="2020-01-13T13:50:20.393" v="71" actId="2696"/>
+      <pc:sldChg chg="add">
+        <pc:chgData name="Long B Nguyen" userId="f59fb8f3-a021-417a-8bc1-65c8d471c621" providerId="ADAL" clId="{6AC26564-89E3-E046-BFB4-F80582D7E17B}" dt="2020-01-13T13:43:29.420" v="22"/>
         <pc:sldMkLst>
           <pc:docMk/>
           <pc:sldMk cId="225127645" sldId="341"/>
         </pc:sldMkLst>
       </pc:sldChg>
-      <pc:sldChg chg="del">
-        <pc:chgData name="Long B Nguyen" userId="f59fb8f3-a021-417a-8bc1-65c8d471c621" providerId="ADAL" clId="{4BE6A6D3-80E1-E648-9A65-3053C53C3489}" dt="2020-01-13T13:50:20.133" v="54" actId="2696"/>
+      <pc:sldChg chg="add">
+        <pc:chgData name="Long B Nguyen" userId="f59fb8f3-a021-417a-8bc1-65c8d471c621" providerId="ADAL" clId="{6AC26564-89E3-E046-BFB4-F80582D7E17B}" dt="2020-01-13T13:43:29.420" v="22"/>
         <pc:sldMkLst>
           <pc:docMk/>
           <pc:sldMk cId="2214326257" sldId="342"/>
         </pc:sldMkLst>
       </pc:sldChg>
-      <pc:sldChg chg="del">
-        <pc:chgData name="Long B Nguyen" userId="f59fb8f3-a021-417a-8bc1-65c8d471c621" providerId="ADAL" clId="{4BE6A6D3-80E1-E648-9A65-3053C53C3489}" dt="2020-01-13T13:50:20.121" v="53" actId="2696"/>
+      <pc:sldChg chg="add">
+        <pc:chgData name="Long B Nguyen" userId="f59fb8f3-a021-417a-8bc1-65c8d471c621" providerId="ADAL" clId="{6AC26564-89E3-E046-BFB4-F80582D7E17B}" dt="2020-01-13T13:43:29.420" v="22"/>
         <pc:sldMkLst>
           <pc:docMk/>
           <pc:sldMk cId="1356056044" sldId="343"/>
         </pc:sldMkLst>
       </pc:sldChg>
-      <pc:sldChg chg="del">
-        <pc:chgData name="Long B Nguyen" userId="f59fb8f3-a021-417a-8bc1-65c8d471c621" providerId="ADAL" clId="{4BE6A6D3-80E1-E648-9A65-3053C53C3489}" dt="2020-01-13T13:50:20.028" v="47" actId="2696"/>
+      <pc:sldChg chg="add">
+        <pc:chgData name="Long B Nguyen" userId="f59fb8f3-a021-417a-8bc1-65c8d471c621" providerId="ADAL" clId="{6AC26564-89E3-E046-BFB4-F80582D7E17B}" dt="2020-01-13T13:43:29.420" v="22"/>
+        <pc:sldMkLst>
+          <pc:docMk/>
+          <pc:sldMk cId="1270247652" sldId="344"/>
+        </pc:sldMkLst>
+      </pc:sldChg>
+      <pc:sldChg chg="add">
+        <pc:chgData name="Long B Nguyen" userId="f59fb8f3-a021-417a-8bc1-65c8d471c621" providerId="ADAL" clId="{6AC26564-89E3-E046-BFB4-F80582D7E17B}" dt="2020-01-13T13:43:29.420" v="22"/>
         <pc:sldMkLst>
           <pc:docMk/>
           <pc:sldMk cId="902308803" sldId="345"/>
         </pc:sldMkLst>
       </pc:sldChg>
-      <pc:sldChg chg="del">
-        <pc:chgData name="Long B Nguyen" userId="f59fb8f3-a021-417a-8bc1-65c8d471c621" providerId="ADAL" clId="{4BE6A6D3-80E1-E648-9A65-3053C53C3489}" dt="2020-01-13T13:50:20.235" v="61" actId="2696"/>
+      <pc:sldChg chg="add">
+        <pc:chgData name="Long B Nguyen" userId="f59fb8f3-a021-417a-8bc1-65c8d471c621" providerId="ADAL" clId="{6AC26564-89E3-E046-BFB4-F80582D7E17B}" dt="2020-01-13T13:43:29.420" v="22"/>
         <pc:sldMkLst>
           <pc:docMk/>
           <pc:sldMk cId="2271372051" sldId="346"/>
         </pc:sldMkLst>
       </pc:sldChg>
-      <pc:sldChg chg="del">
-        <pc:chgData name="Long B Nguyen" userId="f59fb8f3-a021-417a-8bc1-65c8d471c621" providerId="ADAL" clId="{4BE6A6D3-80E1-E648-9A65-3053C53C3489}" dt="2020-01-13T13:50:20.403" v="72" actId="2696"/>
+      <pc:sldChg chg="add">
+        <pc:chgData name="Long B Nguyen" userId="f59fb8f3-a021-417a-8bc1-65c8d471c621" providerId="ADAL" clId="{6AC26564-89E3-E046-BFB4-F80582D7E17B}" dt="2020-01-13T13:43:29.420" v="22"/>
         <pc:sldMkLst>
           <pc:docMk/>
           <pc:sldMk cId="198078322" sldId="347"/>
         </pc:sldMkLst>
-      </pc:sldChg>
-      <pc:sldChg chg="add">
-        <pc:chgData name="Long B Nguyen" userId="f59fb8f3-a021-417a-8bc1-65c8d471c621" providerId="ADAL" clId="{4BE6A6D3-80E1-E648-9A65-3053C53C3489}" dt="2020-01-13T13:50:10.483" v="41"/>
-        <pc:sldMkLst>
-          <pc:docMk/>
-          <pc:sldMk cId="2218591065" sldId="348"/>
-        </pc:sldMkLst>
-      </pc:sldChg>
-      <pc:sldChg chg="add">
-        <pc:chgData name="Long B Nguyen" userId="f59fb8f3-a021-417a-8bc1-65c8d471c621" providerId="ADAL" clId="{4BE6A6D3-80E1-E648-9A65-3053C53C3489}" dt="2020-01-13T13:50:10.483" v="41"/>
-        <pc:sldMkLst>
-          <pc:docMk/>
-          <pc:sldMk cId="2191981710" sldId="349"/>
-        </pc:sldMkLst>
-      </pc:sldChg>
-    </pc:docChg>
-  </pc:docChgLst>
-  <pc:docChgLst>
-    <pc:chgData name="Long B Nguyen" userId="f59fb8f3-a021-417a-8bc1-65c8d471c621" providerId="ADAL" clId="{A54A5039-9BC6-1548-AC61-7314DB675A9D}"/>
-    <pc:docChg chg="undo custSel addSld delSld modSld">
-      <pc:chgData name="Long B Nguyen" userId="f59fb8f3-a021-417a-8bc1-65c8d471c621" providerId="ADAL" clId="{A54A5039-9BC6-1548-AC61-7314DB675A9D}" dt="2019-09-25T14:26:33.714" v="2899" actId="20577"/>
-      <pc:docMkLst>
-        <pc:docMk/>
-      </pc:docMkLst>
-      <pc:sldChg chg="modSp">
-        <pc:chgData name="Long B Nguyen" userId="f59fb8f3-a021-417a-8bc1-65c8d471c621" providerId="ADAL" clId="{A54A5039-9BC6-1548-AC61-7314DB675A9D}" dt="2019-09-25T14:17:33.020" v="2843" actId="20577"/>
-        <pc:sldMkLst>
-          <pc:docMk/>
-          <pc:sldMk cId="4247104139" sldId="256"/>
-        </pc:sldMkLst>
-        <pc:spChg chg="mod">
-          <ac:chgData name="Long B Nguyen" userId="f59fb8f3-a021-417a-8bc1-65c8d471c621" providerId="ADAL" clId="{A54A5039-9BC6-1548-AC61-7314DB675A9D}" dt="2019-09-25T14:17:33.020" v="2843" actId="20577"/>
-          <ac:spMkLst>
-            <pc:docMk/>
-            <pc:sldMk cId="4247104139" sldId="256"/>
-            <ac:spMk id="3" creationId="{1BDC47C8-6776-7B44-9CD4-95FC91452D62}"/>
-          </ac:spMkLst>
-        </pc:spChg>
-      </pc:sldChg>
-      <pc:sldChg chg="modSp modAnim">
-        <pc:chgData name="Long B Nguyen" userId="f59fb8f3-a021-417a-8bc1-65c8d471c621" providerId="ADAL" clId="{A54A5039-9BC6-1548-AC61-7314DB675A9D}" dt="2019-09-24T11:45:26.007" v="2185" actId="20577"/>
-        <pc:sldMkLst>
-          <pc:docMk/>
-          <pc:sldMk cId="1438711869" sldId="284"/>
-        </pc:sldMkLst>
-        <pc:spChg chg="mod">
-          <ac:chgData name="Long B Nguyen" userId="f59fb8f3-a021-417a-8bc1-65c8d471c621" providerId="ADAL" clId="{A54A5039-9BC6-1548-AC61-7314DB675A9D}" dt="2019-09-24T11:43:23.898" v="2145" actId="20577"/>
-          <ac:spMkLst>
-            <pc:docMk/>
-            <pc:sldMk cId="1438711869" sldId="284"/>
-            <ac:spMk id="2" creationId="{AA3A228F-61D0-D949-A5E7-F83756230BF8}"/>
-          </ac:spMkLst>
-        </pc:spChg>
-        <pc:spChg chg="mod">
-          <ac:chgData name="Long B Nguyen" userId="f59fb8f3-a021-417a-8bc1-65c8d471c621" providerId="ADAL" clId="{A54A5039-9BC6-1548-AC61-7314DB675A9D}" dt="2019-09-24T11:45:26.007" v="2185" actId="20577"/>
-          <ac:spMkLst>
-            <pc:docMk/>
-            <pc:sldMk cId="1438711869" sldId="284"/>
-            <ac:spMk id="9" creationId="{E3B2E017-30B2-884B-A113-B419A2ED51AD}"/>
-          </ac:spMkLst>
-        </pc:spChg>
-      </pc:sldChg>
-      <pc:sldChg chg="modSp">
-        <pc:chgData name="Long B Nguyen" userId="f59fb8f3-a021-417a-8bc1-65c8d471c621" providerId="ADAL" clId="{A54A5039-9BC6-1548-AC61-7314DB675A9D}" dt="2019-09-19T14:18:56.959" v="28" actId="20577"/>
-        <pc:sldMkLst>
-          <pc:docMk/>
-          <pc:sldMk cId="131840209" sldId="286"/>
-        </pc:sldMkLst>
-        <pc:spChg chg="mod">
-          <ac:chgData name="Long B Nguyen" userId="f59fb8f3-a021-417a-8bc1-65c8d471c621" providerId="ADAL" clId="{A54A5039-9BC6-1548-AC61-7314DB675A9D}" dt="2019-09-19T14:18:56.959" v="28" actId="20577"/>
-          <ac:spMkLst>
-            <pc:docMk/>
-            <pc:sldMk cId="131840209" sldId="286"/>
-            <ac:spMk id="9" creationId="{E3B2E017-30B2-884B-A113-B419A2ED51AD}"/>
-          </ac:spMkLst>
-        </pc:spChg>
-      </pc:sldChg>
-      <pc:sldChg chg="modSp add del modAnim">
-        <pc:chgData name="Long B Nguyen" userId="f59fb8f3-a021-417a-8bc1-65c8d471c621" providerId="ADAL" clId="{A54A5039-9BC6-1548-AC61-7314DB675A9D}" dt="2019-09-24T11:43:26.738" v="2146" actId="2696"/>
-        <pc:sldMkLst>
-          <pc:docMk/>
-          <pc:sldMk cId="3439768680" sldId="294"/>
-        </pc:sldMkLst>
-        <pc:spChg chg="mod">
-          <ac:chgData name="Long B Nguyen" userId="f59fb8f3-a021-417a-8bc1-65c8d471c621" providerId="ADAL" clId="{A54A5039-9BC6-1548-AC61-7314DB675A9D}" dt="2019-09-24T11:40:12.100" v="2004"/>
-          <ac:spMkLst>
-            <pc:docMk/>
-            <pc:sldMk cId="3439768680" sldId="294"/>
-            <ac:spMk id="40963" creationId="{66AA56B3-AB86-6341-92AC-3BDB5774CCA3}"/>
-          </ac:spMkLst>
-        </pc:spChg>
-      </pc:sldChg>
-      <pc:sldChg chg="addSp modSp modAnim">
-        <pc:chgData name="Long B Nguyen" userId="f59fb8f3-a021-417a-8bc1-65c8d471c621" providerId="ADAL" clId="{A54A5039-9BC6-1548-AC61-7314DB675A9D}" dt="2019-09-23T12:04:10.373" v="1911"/>
-        <pc:sldMkLst>
-          <pc:docMk/>
-          <pc:sldMk cId="1816941262" sldId="295"/>
-        </pc:sldMkLst>
-        <pc:spChg chg="add mod">
-          <ac:chgData name="Long B Nguyen" userId="f59fb8f3-a021-417a-8bc1-65c8d471c621" providerId="ADAL" clId="{A54A5039-9BC6-1548-AC61-7314DB675A9D}" dt="2019-09-23T12:03:30.239" v="1901" actId="1076"/>
-          <ac:spMkLst>
-            <pc:docMk/>
-            <pc:sldMk cId="1816941262" sldId="295"/>
-            <ac:spMk id="3" creationId="{53AD888D-2F6F-BB43-86CA-1A3B376061A2}"/>
-          </ac:spMkLst>
-        </pc:spChg>
-        <pc:spChg chg="mod">
-          <ac:chgData name="Long B Nguyen" userId="f59fb8f3-a021-417a-8bc1-65c8d471c621" providerId="ADAL" clId="{A54A5039-9BC6-1548-AC61-7314DB675A9D}" dt="2019-09-23T11:58:12.789" v="1765" actId="20577"/>
-          <ac:spMkLst>
-            <pc:docMk/>
-            <pc:sldMk cId="1816941262" sldId="295"/>
-            <ac:spMk id="9" creationId="{E3B2E017-30B2-884B-A113-B419A2ED51AD}"/>
-          </ac:spMkLst>
-        </pc:spChg>
-        <pc:cxnChg chg="add mod">
-          <ac:chgData name="Long B Nguyen" userId="f59fb8f3-a021-417a-8bc1-65c8d471c621" providerId="ADAL" clId="{A54A5039-9BC6-1548-AC61-7314DB675A9D}" dt="2019-09-23T12:03:49.489" v="1909" actId="692"/>
-          <ac:cxnSpMkLst>
-            <pc:docMk/>
-            <pc:sldMk cId="1816941262" sldId="295"/>
-            <ac:cxnSpMk id="5" creationId="{0FA56ED4-EC25-B14C-B73E-DC4E17ADBF86}"/>
-          </ac:cxnSpMkLst>
-        </pc:cxnChg>
-      </pc:sldChg>
-      <pc:sldChg chg="modSp modAnim">
-        <pc:chgData name="Long B Nguyen" userId="f59fb8f3-a021-417a-8bc1-65c8d471c621" providerId="ADAL" clId="{A54A5039-9BC6-1548-AC61-7314DB675A9D}" dt="2019-09-23T11:59:17.508" v="1794"/>
-        <pc:sldMkLst>
-          <pc:docMk/>
-          <pc:sldMk cId="553003360" sldId="296"/>
-        </pc:sldMkLst>
-        <pc:spChg chg="mod">
-          <ac:chgData name="Long B Nguyen" userId="f59fb8f3-a021-417a-8bc1-65c8d471c621" providerId="ADAL" clId="{A54A5039-9BC6-1548-AC61-7314DB675A9D}" dt="2019-09-23T11:59:10.982" v="1792" actId="20577"/>
-          <ac:spMkLst>
-            <pc:docMk/>
-            <pc:sldMk cId="553003360" sldId="296"/>
-            <ac:spMk id="9" creationId="{E3B2E017-30B2-884B-A113-B419A2ED51AD}"/>
-          </ac:spMkLst>
-        </pc:spChg>
-      </pc:sldChg>
-      <pc:sldChg chg="modSp modAnim">
-        <pc:chgData name="Long B Nguyen" userId="f59fb8f3-a021-417a-8bc1-65c8d471c621" providerId="ADAL" clId="{A54A5039-9BC6-1548-AC61-7314DB675A9D}" dt="2019-09-23T11:59:34.632" v="1798"/>
-        <pc:sldMkLst>
-          <pc:docMk/>
-          <pc:sldMk cId="3006175481" sldId="297"/>
-        </pc:sldMkLst>
-        <pc:spChg chg="mod">
-          <ac:chgData name="Long B Nguyen" userId="f59fb8f3-a021-417a-8bc1-65c8d471c621" providerId="ADAL" clId="{A54A5039-9BC6-1548-AC61-7314DB675A9D}" dt="2019-09-23T11:59:28.174" v="1796" actId="20577"/>
-          <ac:spMkLst>
-            <pc:docMk/>
-            <pc:sldMk cId="3006175481" sldId="297"/>
-            <ac:spMk id="9" creationId="{E3B2E017-30B2-884B-A113-B419A2ED51AD}"/>
-          </ac:spMkLst>
-        </pc:spChg>
-      </pc:sldChg>
-      <pc:sldChg chg="modSp modAnim">
-        <pc:chgData name="Long B Nguyen" userId="f59fb8f3-a021-417a-8bc1-65c8d471c621" providerId="ADAL" clId="{A54A5039-9BC6-1548-AC61-7314DB675A9D}" dt="2019-09-23T12:06:41.861" v="1992"/>
-        <pc:sldMkLst>
-          <pc:docMk/>
-          <pc:sldMk cId="3150557076" sldId="298"/>
-        </pc:sldMkLst>
-        <pc:spChg chg="mod">
-          <ac:chgData name="Long B Nguyen" userId="f59fb8f3-a021-417a-8bc1-65c8d471c621" providerId="ADAL" clId="{A54A5039-9BC6-1548-AC61-7314DB675A9D}" dt="2019-09-23T12:05:19.573" v="1985" actId="20577"/>
-          <ac:spMkLst>
-            <pc:docMk/>
-            <pc:sldMk cId="3150557076" sldId="298"/>
-            <ac:spMk id="9" creationId="{E3B2E017-30B2-884B-A113-B419A2ED51AD}"/>
-          </ac:spMkLst>
-        </pc:spChg>
-      </pc:sldChg>
-      <pc:sldChg chg="addSp delSp modSp modAnim">
-        <pc:chgData name="Long B Nguyen" userId="f59fb8f3-a021-417a-8bc1-65c8d471c621" providerId="ADAL" clId="{A54A5039-9BC6-1548-AC61-7314DB675A9D}" dt="2019-09-23T12:01:44.436" v="1840"/>
-        <pc:sldMkLst>
-          <pc:docMk/>
-          <pc:sldMk cId="128704095" sldId="302"/>
-        </pc:sldMkLst>
-        <pc:spChg chg="add del">
-          <ac:chgData name="Long B Nguyen" userId="f59fb8f3-a021-417a-8bc1-65c8d471c621" providerId="ADAL" clId="{A54A5039-9BC6-1548-AC61-7314DB675A9D}" dt="2019-09-19T16:47:34.465" v="464"/>
-          <ac:spMkLst>
-            <pc:docMk/>
-            <pc:sldMk cId="128704095" sldId="302"/>
-            <ac:spMk id="3" creationId="{EA19F625-AB76-8A4B-B39A-0F2D018DC68D}"/>
-          </ac:spMkLst>
-        </pc:spChg>
-        <pc:spChg chg="mod">
-          <ac:chgData name="Long B Nguyen" userId="f59fb8f3-a021-417a-8bc1-65c8d471c621" providerId="ADAL" clId="{A54A5039-9BC6-1548-AC61-7314DB675A9D}" dt="2019-09-23T12:01:36.243" v="1838" actId="20577"/>
-          <ac:spMkLst>
-            <pc:docMk/>
-            <pc:sldMk cId="128704095" sldId="302"/>
-            <ac:spMk id="9" creationId="{E3B2E017-30B2-884B-A113-B419A2ED51AD}"/>
-          </ac:spMkLst>
-        </pc:spChg>
-      </pc:sldChg>
-      <pc:sldChg chg="modSp add modAnim">
-        <pc:chgData name="Long B Nguyen" userId="f59fb8f3-a021-417a-8bc1-65c8d471c621" providerId="ADAL" clId="{A54A5039-9BC6-1548-AC61-7314DB675A9D}" dt="2019-09-23T12:00:26.516" v="1826" actId="20577"/>
-        <pc:sldMkLst>
-          <pc:docMk/>
-          <pc:sldMk cId="3275945509" sldId="303"/>
-        </pc:sldMkLst>
-        <pc:spChg chg="mod">
-          <ac:chgData name="Long B Nguyen" userId="f59fb8f3-a021-417a-8bc1-65c8d471c621" providerId="ADAL" clId="{A54A5039-9BC6-1548-AC61-7314DB675A9D}" dt="2019-09-23T12:00:26.516" v="1826" actId="20577"/>
-          <ac:spMkLst>
-            <pc:docMk/>
-            <pc:sldMk cId="3275945509" sldId="303"/>
-            <ac:spMk id="9" creationId="{E3B2E017-30B2-884B-A113-B419A2ED51AD}"/>
-          </ac:spMkLst>
-        </pc:spChg>
-      </pc:sldChg>
-      <pc:sldChg chg="modSp add modAnim">
-        <pc:chgData name="Long B Nguyen" userId="f59fb8f3-a021-417a-8bc1-65c8d471c621" providerId="ADAL" clId="{A54A5039-9BC6-1548-AC61-7314DB675A9D}" dt="2019-09-23T12:00:38.314" v="1827"/>
-        <pc:sldMkLst>
-          <pc:docMk/>
-          <pc:sldMk cId="406772024" sldId="304"/>
-        </pc:sldMkLst>
-        <pc:spChg chg="mod">
-          <ac:chgData name="Long B Nguyen" userId="f59fb8f3-a021-417a-8bc1-65c8d471c621" providerId="ADAL" clId="{A54A5039-9BC6-1548-AC61-7314DB675A9D}" dt="2019-09-23T12:00:12.500" v="1808" actId="20577"/>
-          <ac:spMkLst>
-            <pc:docMk/>
-            <pc:sldMk cId="406772024" sldId="304"/>
-            <ac:spMk id="9" creationId="{E3B2E017-30B2-884B-A113-B419A2ED51AD}"/>
-          </ac:spMkLst>
-        </pc:spChg>
-      </pc:sldChg>
-      <pc:sldChg chg="modSp add modAnim">
-        <pc:chgData name="Long B Nguyen" userId="f59fb8f3-a021-417a-8bc1-65c8d471c621" providerId="ADAL" clId="{A54A5039-9BC6-1548-AC61-7314DB675A9D}" dt="2019-09-23T13:27:58.707" v="2000" actId="20577"/>
-        <pc:sldMkLst>
-          <pc:docMk/>
-          <pc:sldMk cId="1703902501" sldId="305"/>
-        </pc:sldMkLst>
-        <pc:spChg chg="mod">
-          <ac:chgData name="Long B Nguyen" userId="f59fb8f3-a021-417a-8bc1-65c8d471c621" providerId="ADAL" clId="{A54A5039-9BC6-1548-AC61-7314DB675A9D}" dt="2019-09-19T14:31:00.333" v="110" actId="20577"/>
-          <ac:spMkLst>
-            <pc:docMk/>
-            <pc:sldMk cId="1703902501" sldId="305"/>
-            <ac:spMk id="2" creationId="{AA3A228F-61D0-D949-A5E7-F83756230BF8}"/>
-          </ac:spMkLst>
-        </pc:spChg>
-        <pc:spChg chg="mod">
-          <ac:chgData name="Long B Nguyen" userId="f59fb8f3-a021-417a-8bc1-65c8d471c621" providerId="ADAL" clId="{A54A5039-9BC6-1548-AC61-7314DB675A9D}" dt="2019-09-23T13:27:58.707" v="2000" actId="20577"/>
-          <ac:spMkLst>
-            <pc:docMk/>
-            <pc:sldMk cId="1703902501" sldId="305"/>
-            <ac:spMk id="9" creationId="{E3B2E017-30B2-884B-A113-B419A2ED51AD}"/>
-          </ac:spMkLst>
-        </pc:spChg>
-      </pc:sldChg>
-      <pc:sldChg chg="modSp add modAnim">
-        <pc:chgData name="Long B Nguyen" userId="f59fb8f3-a021-417a-8bc1-65c8d471c621" providerId="ADAL" clId="{A54A5039-9BC6-1548-AC61-7314DB675A9D}" dt="2019-09-23T12:01:58.728" v="1843"/>
-        <pc:sldMkLst>
-          <pc:docMk/>
-          <pc:sldMk cId="3614829039" sldId="306"/>
-        </pc:sldMkLst>
-        <pc:spChg chg="mod">
-          <ac:chgData name="Long B Nguyen" userId="f59fb8f3-a021-417a-8bc1-65c8d471c621" providerId="ADAL" clId="{A54A5039-9BC6-1548-AC61-7314DB675A9D}" dt="2019-09-19T16:51:57.917" v="536" actId="20577"/>
-          <ac:spMkLst>
-            <pc:docMk/>
-            <pc:sldMk cId="3614829039" sldId="306"/>
-            <ac:spMk id="2" creationId="{AA3A228F-61D0-D949-A5E7-F83756230BF8}"/>
-          </ac:spMkLst>
-        </pc:spChg>
-        <pc:spChg chg="mod">
-          <ac:chgData name="Long B Nguyen" userId="f59fb8f3-a021-417a-8bc1-65c8d471c621" providerId="ADAL" clId="{A54A5039-9BC6-1548-AC61-7314DB675A9D}" dt="2019-09-23T12:01:50.092" v="1842" actId="20577"/>
-          <ac:spMkLst>
-            <pc:docMk/>
-            <pc:sldMk cId="3614829039" sldId="306"/>
-            <ac:spMk id="9" creationId="{E3B2E017-30B2-884B-A113-B419A2ED51AD}"/>
-          </ac:spMkLst>
-        </pc:spChg>
-      </pc:sldChg>
-      <pc:sldChg chg="modSp add modAnim">
-        <pc:chgData name="Long B Nguyen" userId="f59fb8f3-a021-417a-8bc1-65c8d471c621" providerId="ADAL" clId="{A54A5039-9BC6-1548-AC61-7314DB675A9D}" dt="2019-09-23T12:02:15.154" v="1846"/>
-        <pc:sldMkLst>
-          <pc:docMk/>
-          <pc:sldMk cId="295911327" sldId="307"/>
-        </pc:sldMkLst>
-        <pc:spChg chg="mod">
-          <ac:chgData name="Long B Nguyen" userId="f59fb8f3-a021-417a-8bc1-65c8d471c621" providerId="ADAL" clId="{A54A5039-9BC6-1548-AC61-7314DB675A9D}" dt="2019-09-19T17:17:25.590" v="539" actId="20577"/>
-          <ac:spMkLst>
-            <pc:docMk/>
-            <pc:sldMk cId="295911327" sldId="307"/>
-            <ac:spMk id="2" creationId="{AA3A228F-61D0-D949-A5E7-F83756230BF8}"/>
-          </ac:spMkLst>
-        </pc:spChg>
-        <pc:spChg chg="mod">
-          <ac:chgData name="Long B Nguyen" userId="f59fb8f3-a021-417a-8bc1-65c8d471c621" providerId="ADAL" clId="{A54A5039-9BC6-1548-AC61-7314DB675A9D}" dt="2019-09-23T12:02:10.526" v="1845" actId="20577"/>
-          <ac:spMkLst>
-            <pc:docMk/>
-            <pc:sldMk cId="295911327" sldId="307"/>
-            <ac:spMk id="9" creationId="{E3B2E017-30B2-884B-A113-B419A2ED51AD}"/>
-          </ac:spMkLst>
-        </pc:spChg>
-      </pc:sldChg>
-      <pc:sldChg chg="modSp add modAnim">
-        <pc:chgData name="Long B Nguyen" userId="f59fb8f3-a021-417a-8bc1-65c8d471c621" providerId="ADAL" clId="{A54A5039-9BC6-1548-AC61-7314DB675A9D}" dt="2019-09-23T12:01:05.311" v="1832"/>
-        <pc:sldMkLst>
-          <pc:docMk/>
-          <pc:sldMk cId="67957925" sldId="308"/>
-        </pc:sldMkLst>
-        <pc:spChg chg="mod">
-          <ac:chgData name="Long B Nguyen" userId="f59fb8f3-a021-417a-8bc1-65c8d471c621" providerId="ADAL" clId="{A54A5039-9BC6-1548-AC61-7314DB675A9D}" dt="2019-09-20T12:22:34.233" v="599" actId="20577"/>
-          <ac:spMkLst>
-            <pc:docMk/>
-            <pc:sldMk cId="67957925" sldId="308"/>
-            <ac:spMk id="2" creationId="{AA3A228F-61D0-D949-A5E7-F83756230BF8}"/>
-          </ac:spMkLst>
-        </pc:spChg>
-        <pc:spChg chg="mod">
-          <ac:chgData name="Long B Nguyen" userId="f59fb8f3-a021-417a-8bc1-65c8d471c621" providerId="ADAL" clId="{A54A5039-9BC6-1548-AC61-7314DB675A9D}" dt="2019-09-20T12:37:26.490" v="1123" actId="20577"/>
-          <ac:spMkLst>
-            <pc:docMk/>
-            <pc:sldMk cId="67957925" sldId="308"/>
-            <ac:spMk id="9" creationId="{E3B2E017-30B2-884B-A113-B419A2ED51AD}"/>
-          </ac:spMkLst>
-        </pc:spChg>
-      </pc:sldChg>
-      <pc:sldChg chg="modSp add modAnim">
-        <pc:chgData name="Long B Nguyen" userId="f59fb8f3-a021-417a-8bc1-65c8d471c621" providerId="ADAL" clId="{A54A5039-9BC6-1548-AC61-7314DB675A9D}" dt="2019-09-23T12:01:18.117" v="1835"/>
-        <pc:sldMkLst>
-          <pc:docMk/>
-          <pc:sldMk cId="1872435103" sldId="309"/>
-        </pc:sldMkLst>
-        <pc:spChg chg="mod">
-          <ac:chgData name="Long B Nguyen" userId="f59fb8f3-a021-417a-8bc1-65c8d471c621" providerId="ADAL" clId="{A54A5039-9BC6-1548-AC61-7314DB675A9D}" dt="2019-09-20T12:24:39.851" v="793" actId="20577"/>
-          <ac:spMkLst>
-            <pc:docMk/>
-            <pc:sldMk cId="1872435103" sldId="309"/>
-            <ac:spMk id="2" creationId="{AA3A228F-61D0-D949-A5E7-F83756230BF8}"/>
-          </ac:spMkLst>
-        </pc:spChg>
-        <pc:spChg chg="mod">
-          <ac:chgData name="Long B Nguyen" userId="f59fb8f3-a021-417a-8bc1-65c8d471c621" providerId="ADAL" clId="{A54A5039-9BC6-1548-AC61-7314DB675A9D}" dt="2019-09-20T12:37:20.580" v="1117" actId="20577"/>
-          <ac:spMkLst>
-            <pc:docMk/>
-            <pc:sldMk cId="1872435103" sldId="309"/>
-            <ac:spMk id="9" creationId="{E3B2E017-30B2-884B-A113-B419A2ED51AD}"/>
-          </ac:spMkLst>
-        </pc:spChg>
-      </pc:sldChg>
-      <pc:sldChg chg="modSp add">
-        <pc:chgData name="Long B Nguyen" userId="f59fb8f3-a021-417a-8bc1-65c8d471c621" providerId="ADAL" clId="{A54A5039-9BC6-1548-AC61-7314DB675A9D}" dt="2019-09-20T12:40:48.118" v="1409" actId="20577"/>
-        <pc:sldMkLst>
-          <pc:docMk/>
-          <pc:sldMk cId="4088965571" sldId="310"/>
-        </pc:sldMkLst>
-        <pc:spChg chg="mod">
-          <ac:chgData name="Long B Nguyen" userId="f59fb8f3-a021-417a-8bc1-65c8d471c621" providerId="ADAL" clId="{A54A5039-9BC6-1548-AC61-7314DB675A9D}" dt="2019-09-20T12:40:48.118" v="1409" actId="20577"/>
-          <ac:spMkLst>
-            <pc:docMk/>
-            <pc:sldMk cId="4088965571" sldId="310"/>
-            <ac:spMk id="2" creationId="{AA3A228F-61D0-D949-A5E7-F83756230BF8}"/>
-          </ac:spMkLst>
-        </pc:spChg>
-        <pc:spChg chg="mod">
-          <ac:chgData name="Long B Nguyen" userId="f59fb8f3-a021-417a-8bc1-65c8d471c621" providerId="ADAL" clId="{A54A5039-9BC6-1548-AC61-7314DB675A9D}" dt="2019-09-20T12:40:27.809" v="1394" actId="255"/>
-          <ac:spMkLst>
-            <pc:docMk/>
-            <pc:sldMk cId="4088965571" sldId="310"/>
-            <ac:spMk id="9" creationId="{E3B2E017-30B2-884B-A113-B419A2ED51AD}"/>
-          </ac:spMkLst>
-        </pc:spChg>
-      </pc:sldChg>
-      <pc:sldChg chg="modSp add modAnim">
-        <pc:chgData name="Long B Nguyen" userId="f59fb8f3-a021-417a-8bc1-65c8d471c621" providerId="ADAL" clId="{A54A5039-9BC6-1548-AC61-7314DB675A9D}" dt="2019-09-23T12:01:26.997" v="1836"/>
-        <pc:sldMkLst>
-          <pc:docMk/>
-          <pc:sldMk cId="2255846137" sldId="311"/>
-        </pc:sldMkLst>
-        <pc:spChg chg="mod">
-          <ac:chgData name="Long B Nguyen" userId="f59fb8f3-a021-417a-8bc1-65c8d471c621" providerId="ADAL" clId="{A54A5039-9BC6-1548-AC61-7314DB675A9D}" dt="2019-09-20T12:42:38.115" v="1565" actId="20577"/>
-          <ac:spMkLst>
-            <pc:docMk/>
-            <pc:sldMk cId="2255846137" sldId="311"/>
-            <ac:spMk id="2" creationId="{AA3A228F-61D0-D949-A5E7-F83756230BF8}"/>
-          </ac:spMkLst>
-        </pc:spChg>
-        <pc:spChg chg="mod">
-          <ac:chgData name="Long B Nguyen" userId="f59fb8f3-a021-417a-8bc1-65c8d471c621" providerId="ADAL" clId="{A54A5039-9BC6-1548-AC61-7314DB675A9D}" dt="2019-09-20T12:43:18.312" v="1623" actId="20577"/>
-          <ac:spMkLst>
-            <pc:docMk/>
-            <pc:sldMk cId="2255846137" sldId="311"/>
-            <ac:spMk id="9" creationId="{E3B2E017-30B2-884B-A113-B419A2ED51AD}"/>
-          </ac:spMkLst>
-        </pc:spChg>
-      </pc:sldChg>
-      <pc:sldChg chg="modSp add">
-        <pc:chgData name="Long B Nguyen" userId="f59fb8f3-a021-417a-8bc1-65c8d471c621" providerId="ADAL" clId="{A54A5039-9BC6-1548-AC61-7314DB675A9D}" dt="2019-09-23T11:49:40.764" v="1759" actId="20577"/>
-        <pc:sldMkLst>
-          <pc:docMk/>
-          <pc:sldMk cId="1513627164" sldId="312"/>
-        </pc:sldMkLst>
-        <pc:spChg chg="mod">
-          <ac:chgData name="Long B Nguyen" userId="f59fb8f3-a021-417a-8bc1-65c8d471c621" providerId="ADAL" clId="{A54A5039-9BC6-1548-AC61-7314DB675A9D}" dt="2019-09-20T12:44:10.623" v="1625" actId="20577"/>
-          <ac:spMkLst>
-            <pc:docMk/>
-            <pc:sldMk cId="1513627164" sldId="312"/>
-            <ac:spMk id="2" creationId="{AA3A228F-61D0-D949-A5E7-F83756230BF8}"/>
-          </ac:spMkLst>
-        </pc:spChg>
-        <pc:spChg chg="mod">
-          <ac:chgData name="Long B Nguyen" userId="f59fb8f3-a021-417a-8bc1-65c8d471c621" providerId="ADAL" clId="{A54A5039-9BC6-1548-AC61-7314DB675A9D}" dt="2019-09-23T11:49:40.764" v="1759" actId="20577"/>
-          <ac:spMkLst>
-            <pc:docMk/>
-            <pc:sldMk cId="1513627164" sldId="312"/>
-            <ac:spMk id="9" creationId="{E3B2E017-30B2-884B-A113-B419A2ED51AD}"/>
-          </ac:spMkLst>
-        </pc:spChg>
-      </pc:sldChg>
-      <pc:sldChg chg="modSp add modAnim">
-        <pc:chgData name="Long B Nguyen" userId="f59fb8f3-a021-417a-8bc1-65c8d471c621" providerId="ADAL" clId="{A54A5039-9BC6-1548-AC61-7314DB675A9D}" dt="2019-09-23T11:58:57.499" v="1789"/>
-        <pc:sldMkLst>
-          <pc:docMk/>
-          <pc:sldMk cId="2097059918" sldId="313"/>
-        </pc:sldMkLst>
-        <pc:spChg chg="mod">
-          <ac:chgData name="Long B Nguyen" userId="f59fb8f3-a021-417a-8bc1-65c8d471c621" providerId="ADAL" clId="{A54A5039-9BC6-1548-AC61-7314DB675A9D}" dt="2019-09-23T11:58:47.576" v="1783" actId="20577"/>
-          <ac:spMkLst>
-            <pc:docMk/>
-            <pc:sldMk cId="2097059918" sldId="313"/>
-            <ac:spMk id="9" creationId="{E3B2E017-30B2-884B-A113-B419A2ED51AD}"/>
-          </ac:spMkLst>
-        </pc:spChg>
-      </pc:sldChg>
-      <pc:sldChg chg="modSp add del">
-        <pc:chgData name="Long B Nguyen" userId="f59fb8f3-a021-417a-8bc1-65c8d471c621" providerId="ADAL" clId="{A54A5039-9BC6-1548-AC61-7314DB675A9D}" dt="2019-09-24T11:43:27.284" v="2147" actId="2696"/>
-        <pc:sldMkLst>
-          <pc:docMk/>
-          <pc:sldMk cId="3916896519" sldId="314"/>
-        </pc:sldMkLst>
-        <pc:spChg chg="mod">
-          <ac:chgData name="Long B Nguyen" userId="f59fb8f3-a021-417a-8bc1-65c8d471c621" providerId="ADAL" clId="{A54A5039-9BC6-1548-AC61-7314DB675A9D}" dt="2019-09-24T11:40:07.514" v="2003"/>
-          <ac:spMkLst>
-            <pc:docMk/>
-            <pc:sldMk cId="3916896519" sldId="314"/>
-            <ac:spMk id="2" creationId="{AA3A228F-61D0-D949-A5E7-F83756230BF8}"/>
-          </ac:spMkLst>
-        </pc:spChg>
-        <pc:spChg chg="mod">
-          <ac:chgData name="Long B Nguyen" userId="f59fb8f3-a021-417a-8bc1-65c8d471c621" providerId="ADAL" clId="{A54A5039-9BC6-1548-AC61-7314DB675A9D}" dt="2019-09-24T11:41:32.486" v="2043"/>
-          <ac:spMkLst>
-            <pc:docMk/>
-            <pc:sldMk cId="3916896519" sldId="314"/>
-            <ac:spMk id="9" creationId="{E3B2E017-30B2-884B-A113-B419A2ED51AD}"/>
-          </ac:spMkLst>
-        </pc:spChg>
-      </pc:sldChg>
-      <pc:sldChg chg="modSp add del">
-        <pc:chgData name="Long B Nguyen" userId="f59fb8f3-a021-417a-8bc1-65c8d471c621" providerId="ADAL" clId="{A54A5039-9BC6-1548-AC61-7314DB675A9D}" dt="2019-09-24T14:05:24.942" v="2839" actId="2696"/>
-        <pc:sldMkLst>
-          <pc:docMk/>
-          <pc:sldMk cId="2798321153" sldId="315"/>
-        </pc:sldMkLst>
-        <pc:spChg chg="mod">
-          <ac:chgData name="Long B Nguyen" userId="f59fb8f3-a021-417a-8bc1-65c8d471c621" providerId="ADAL" clId="{A54A5039-9BC6-1548-AC61-7314DB675A9D}" dt="2019-09-24T11:47:07.801" v="2189" actId="20577"/>
-          <ac:spMkLst>
-            <pc:docMk/>
-            <pc:sldMk cId="2798321153" sldId="315"/>
-            <ac:spMk id="2" creationId="{AA3A228F-61D0-D949-A5E7-F83756230BF8}"/>
-          </ac:spMkLst>
-        </pc:spChg>
-        <pc:spChg chg="mod">
-          <ac:chgData name="Long B Nguyen" userId="f59fb8f3-a021-417a-8bc1-65c8d471c621" providerId="ADAL" clId="{A54A5039-9BC6-1548-AC61-7314DB675A9D}" dt="2019-09-24T11:53:13.884" v="2630" actId="20577"/>
-          <ac:spMkLst>
-            <pc:docMk/>
-            <pc:sldMk cId="2798321153" sldId="315"/>
-            <ac:spMk id="9" creationId="{E3B2E017-30B2-884B-A113-B419A2ED51AD}"/>
-          </ac:spMkLst>
-        </pc:spChg>
-      </pc:sldChg>
-      <pc:sldChg chg="add">
-        <pc:chgData name="Long B Nguyen" userId="f59fb8f3-a021-417a-8bc1-65c8d471c621" providerId="ADAL" clId="{A54A5039-9BC6-1548-AC61-7314DB675A9D}" dt="2019-09-24T11:47:01.081" v="2186"/>
-        <pc:sldMkLst>
-          <pc:docMk/>
-          <pc:sldMk cId="1452600724" sldId="316"/>
-        </pc:sldMkLst>
-      </pc:sldChg>
-      <pc:sldChg chg="modSp add">
-        <pc:chgData name="Long B Nguyen" userId="f59fb8f3-a021-417a-8bc1-65c8d471c621" providerId="ADAL" clId="{A54A5039-9BC6-1548-AC61-7314DB675A9D}" dt="2019-09-25T14:26:33.714" v="2899" actId="20577"/>
-        <pc:sldMkLst>
-          <pc:docMk/>
-          <pc:sldMk cId="1787114790" sldId="317"/>
-        </pc:sldMkLst>
-        <pc:spChg chg="mod">
-          <ac:chgData name="Long B Nguyen" userId="f59fb8f3-a021-417a-8bc1-65c8d471c621" providerId="ADAL" clId="{A54A5039-9BC6-1548-AC61-7314DB675A9D}" dt="2019-09-24T11:53:24.383" v="2634" actId="20577"/>
-          <ac:spMkLst>
-            <pc:docMk/>
-            <pc:sldMk cId="1787114790" sldId="317"/>
-            <ac:spMk id="2" creationId="{AA3A228F-61D0-D949-A5E7-F83756230BF8}"/>
-          </ac:spMkLst>
-        </pc:spChg>
-        <pc:spChg chg="mod">
-          <ac:chgData name="Long B Nguyen" userId="f59fb8f3-a021-417a-8bc1-65c8d471c621" providerId="ADAL" clId="{A54A5039-9BC6-1548-AC61-7314DB675A9D}" dt="2019-09-25T14:26:33.714" v="2899" actId="20577"/>
-          <ac:spMkLst>
-            <pc:docMk/>
-            <pc:sldMk cId="1787114790" sldId="317"/>
-            <ac:spMk id="9" creationId="{E3B2E017-30B2-884B-A113-B419A2ED51AD}"/>
-          </ac:spMkLst>
-        </pc:spChg>
-      </pc:sldChg>
-      <pc:sldChg chg="modSp add">
-        <pc:chgData name="Long B Nguyen" userId="f59fb8f3-a021-417a-8bc1-65c8d471c621" providerId="ADAL" clId="{A54A5039-9BC6-1548-AC61-7314DB675A9D}" dt="2019-09-24T13:44:10.963" v="2838" actId="20577"/>
-        <pc:sldMkLst>
-          <pc:docMk/>
-          <pc:sldMk cId="1215229427" sldId="318"/>
-        </pc:sldMkLst>
-        <pc:spChg chg="mod">
-          <ac:chgData name="Long B Nguyen" userId="f59fb8f3-a021-417a-8bc1-65c8d471c621" providerId="ADAL" clId="{A54A5039-9BC6-1548-AC61-7314DB675A9D}" dt="2019-09-24T13:44:10.963" v="2838" actId="20577"/>
-          <ac:spMkLst>
-            <pc:docMk/>
-            <pc:sldMk cId="1215229427" sldId="318"/>
-            <ac:spMk id="9" creationId="{E3B2E017-30B2-884B-A113-B419A2ED51AD}"/>
-          </ac:spMkLst>
-        </pc:spChg>
-      </pc:sldChg>
-    </pc:docChg>
-  </pc:docChgLst>
-  <pc:docChgLst>
-    <pc:chgData name="Long B Nguyen" userId="f59fb8f3-a021-417a-8bc1-65c8d471c621" providerId="ADAL" clId="{0E2AE9A0-AA60-BB4A-B160-C870111F23F3}"/>
-    <pc:docChg chg="undo custSel addSld delSld modSld">
-      <pc:chgData name="Long B Nguyen" userId="f59fb8f3-a021-417a-8bc1-65c8d471c621" providerId="ADAL" clId="{0E2AE9A0-AA60-BB4A-B160-C870111F23F3}" dt="2021-05-21T12:24:06.436" v="7279" actId="20577"/>
-      <pc:docMkLst>
-        <pc:docMk/>
-      </pc:docMkLst>
-      <pc:sldChg chg="modSp mod">
-        <pc:chgData name="Long B Nguyen" userId="f59fb8f3-a021-417a-8bc1-65c8d471c621" providerId="ADAL" clId="{0E2AE9A0-AA60-BB4A-B160-C870111F23F3}" dt="2021-05-04T16:19:17.537" v="15" actId="20577"/>
-        <pc:sldMkLst>
-          <pc:docMk/>
-          <pc:sldMk cId="4247104139" sldId="256"/>
-        </pc:sldMkLst>
-        <pc:spChg chg="mod">
-          <ac:chgData name="Long B Nguyen" userId="f59fb8f3-a021-417a-8bc1-65c8d471c621" providerId="ADAL" clId="{0E2AE9A0-AA60-BB4A-B160-C870111F23F3}" dt="2021-05-04T16:19:17.537" v="15" actId="20577"/>
-          <ac:spMkLst>
-            <pc:docMk/>
-            <pc:sldMk cId="4247104139" sldId="256"/>
-            <ac:spMk id="2" creationId="{6117A749-B1BA-E24B-8FB0-0604EF651FB3}"/>
-          </ac:spMkLst>
-        </pc:spChg>
-      </pc:sldChg>
-      <pc:sldChg chg="addSp delSp modSp add mod delAnim">
-        <pc:chgData name="Long B Nguyen" userId="f59fb8f3-a021-417a-8bc1-65c8d471c621" providerId="ADAL" clId="{0E2AE9A0-AA60-BB4A-B160-C870111F23F3}" dt="2021-05-07T13:50:56.834" v="6615" actId="1038"/>
-        <pc:sldMkLst>
-          <pc:docMk/>
-          <pc:sldMk cId="1088193638" sldId="302"/>
-        </pc:sldMkLst>
-        <pc:spChg chg="add mod">
-          <ac:chgData name="Long B Nguyen" userId="f59fb8f3-a021-417a-8bc1-65c8d471c621" providerId="ADAL" clId="{0E2AE9A0-AA60-BB4A-B160-C870111F23F3}" dt="2021-05-06T04:39:59.717" v="5760"/>
-          <ac:spMkLst>
-            <pc:docMk/>
-            <pc:sldMk cId="1088193638" sldId="302"/>
-            <ac:spMk id="2" creationId="{09AE974D-65F1-154D-B8DE-CE3BC7D05E95}"/>
-          </ac:spMkLst>
-        </pc:spChg>
-        <pc:spChg chg="add del mod">
-          <ac:chgData name="Long B Nguyen" userId="f59fb8f3-a021-417a-8bc1-65c8d471c621" providerId="ADAL" clId="{0E2AE9A0-AA60-BB4A-B160-C870111F23F3}" dt="2021-05-04T16:42:43.807" v="863" actId="478"/>
-          <ac:spMkLst>
-            <pc:docMk/>
-            <pc:sldMk cId="1088193638" sldId="302"/>
-            <ac:spMk id="5" creationId="{908EFC06-6CFF-0847-8F93-27681A8BADC5}"/>
-          </ac:spMkLst>
-        </pc:spChg>
-        <pc:spChg chg="del mod">
-          <ac:chgData name="Long B Nguyen" userId="f59fb8f3-a021-417a-8bc1-65c8d471c621" providerId="ADAL" clId="{0E2AE9A0-AA60-BB4A-B160-C870111F23F3}" dt="2021-05-04T16:42:40.402" v="862" actId="478"/>
-          <ac:spMkLst>
-            <pc:docMk/>
-            <pc:sldMk cId="1088193638" sldId="302"/>
-            <ac:spMk id="171010" creationId="{0F6341AF-A3FF-AB43-978C-231459FD1315}"/>
-          </ac:spMkLst>
-        </pc:spChg>
-        <pc:spChg chg="del mod">
-          <ac:chgData name="Long B Nguyen" userId="f59fb8f3-a021-417a-8bc1-65c8d471c621" providerId="ADAL" clId="{0E2AE9A0-AA60-BB4A-B160-C870111F23F3}" dt="2021-05-04T16:42:45.231" v="864" actId="478"/>
-          <ac:spMkLst>
-            <pc:docMk/>
-            <pc:sldMk cId="1088193638" sldId="302"/>
-            <ac:spMk id="171011" creationId="{D0BF670E-9E67-A04C-931B-9589B2C0F291}"/>
-          </ac:spMkLst>
-        </pc:spChg>
-        <pc:grpChg chg="del">
-          <ac:chgData name="Long B Nguyen" userId="f59fb8f3-a021-417a-8bc1-65c8d471c621" providerId="ADAL" clId="{0E2AE9A0-AA60-BB4A-B160-C870111F23F3}" dt="2021-05-06T03:35:05.259" v="5605" actId="478"/>
-          <ac:grpSpMkLst>
-            <pc:docMk/>
-            <pc:sldMk cId="1088193638" sldId="302"/>
-            <ac:grpSpMk id="171072" creationId="{4CED5D91-F794-8E41-A9C8-40FABF213AC0}"/>
-          </ac:grpSpMkLst>
-        </pc:grpChg>
-        <pc:grpChg chg="del mod">
-          <ac:chgData name="Long B Nguyen" userId="f59fb8f3-a021-417a-8bc1-65c8d471c621" providerId="ADAL" clId="{0E2AE9A0-AA60-BB4A-B160-C870111F23F3}" dt="2021-05-06T03:35:05.259" v="5605" actId="478"/>
-          <ac:grpSpMkLst>
-            <pc:docMk/>
-            <pc:sldMk cId="1088193638" sldId="302"/>
-            <ac:grpSpMk id="171075" creationId="{DC0A7996-75E0-4344-BCB7-1C09FC24AE1D}"/>
-          </ac:grpSpMkLst>
-        </pc:grpChg>
-        <pc:grpChg chg="del mod">
-          <ac:chgData name="Long B Nguyen" userId="f59fb8f3-a021-417a-8bc1-65c8d471c621" providerId="ADAL" clId="{0E2AE9A0-AA60-BB4A-B160-C870111F23F3}" dt="2021-05-06T03:35:05.259" v="5605" actId="478"/>
-          <ac:grpSpMkLst>
-            <pc:docMk/>
-            <pc:sldMk cId="1088193638" sldId="302"/>
-            <ac:grpSpMk id="171078" creationId="{192F648A-880F-2948-9B75-1BB8D02741CD}"/>
-          </ac:grpSpMkLst>
-        </pc:grpChg>
-        <pc:graphicFrameChg chg="del mod modGraphic">
-          <ac:chgData name="Long B Nguyen" userId="f59fb8f3-a021-417a-8bc1-65c8d471c621" providerId="ADAL" clId="{0E2AE9A0-AA60-BB4A-B160-C870111F23F3}" dt="2021-05-04T16:31:35.898" v="491" actId="478"/>
-          <ac:graphicFrameMkLst>
-            <pc:docMk/>
-            <pc:sldMk cId="1088193638" sldId="302"/>
-            <ac:graphicFrameMk id="171012" creationId="{15E5A27C-A49E-2548-9DE7-F5A26CBB8B3B}"/>
-          </ac:graphicFrameMkLst>
-        </pc:graphicFrameChg>
-        <pc:picChg chg="add mod">
-          <ac:chgData name="Long B Nguyen" userId="f59fb8f3-a021-417a-8bc1-65c8d471c621" providerId="ADAL" clId="{0E2AE9A0-AA60-BB4A-B160-C870111F23F3}" dt="2021-05-07T13:50:56.834" v="6615" actId="1038"/>
-          <ac:picMkLst>
-            <pc:docMk/>
-            <pc:sldMk cId="1088193638" sldId="302"/>
-            <ac:picMk id="3" creationId="{6BCAB826-F3FF-C34A-9701-CB1AB4066329}"/>
-          </ac:picMkLst>
-        </pc:picChg>
-        <pc:picChg chg="add del mod">
-          <ac:chgData name="Long B Nguyen" userId="f59fb8f3-a021-417a-8bc1-65c8d471c621" providerId="ADAL" clId="{0E2AE9A0-AA60-BB4A-B160-C870111F23F3}" dt="2021-05-06T03:34:34.257" v="5604" actId="478"/>
-          <ac:picMkLst>
-            <pc:docMk/>
-            <pc:sldMk cId="1088193638" sldId="302"/>
-            <ac:picMk id="14" creationId="{E84CF6D2-5B47-6E46-B2F2-FF597F2E11FC}"/>
-          </ac:picMkLst>
-        </pc:picChg>
-      </pc:sldChg>
-      <pc:sldChg chg="addSp delSp modSp add del mod delAnim modAnim">
-        <pc:chgData name="Long B Nguyen" userId="f59fb8f3-a021-417a-8bc1-65c8d471c621" providerId="ADAL" clId="{0E2AE9A0-AA60-BB4A-B160-C870111F23F3}" dt="2021-05-04T20:42:24.107" v="1126" actId="2696"/>
-        <pc:sldMkLst>
-          <pc:docMk/>
-          <pc:sldMk cId="3391067489" sldId="317"/>
-        </pc:sldMkLst>
-        <pc:spChg chg="mod">
-          <ac:chgData name="Long B Nguyen" userId="f59fb8f3-a021-417a-8bc1-65c8d471c621" providerId="ADAL" clId="{0E2AE9A0-AA60-BB4A-B160-C870111F23F3}" dt="2021-05-04T16:21:46.976" v="45" actId="20577"/>
-          <ac:spMkLst>
-            <pc:docMk/>
-            <pc:sldMk cId="3391067489" sldId="317"/>
-            <ac:spMk id="5183" creationId="{D65883C0-ADEB-7844-9CAE-3479D7A5A75B}"/>
-          </ac:spMkLst>
-        </pc:spChg>
-        <pc:spChg chg="mod">
-          <ac:chgData name="Long B Nguyen" userId="f59fb8f3-a021-417a-8bc1-65c8d471c621" providerId="ADAL" clId="{0E2AE9A0-AA60-BB4A-B160-C870111F23F3}" dt="2021-05-04T16:20:17.947" v="19" actId="1076"/>
-          <ac:spMkLst>
-            <pc:docMk/>
-            <pc:sldMk cId="3391067489" sldId="317"/>
-            <ac:spMk id="186370" creationId="{D6E10FAF-E655-D943-A67A-780B97487E72}"/>
-          </ac:spMkLst>
-        </pc:spChg>
-        <pc:spChg chg="mod">
-          <ac:chgData name="Long B Nguyen" userId="f59fb8f3-a021-417a-8bc1-65c8d471c621" providerId="ADAL" clId="{0E2AE9A0-AA60-BB4A-B160-C870111F23F3}" dt="2021-05-04T16:22:19.536" v="58" actId="20577"/>
-          <ac:spMkLst>
-            <pc:docMk/>
-            <pc:sldMk cId="3391067489" sldId="317"/>
-            <ac:spMk id="186371" creationId="{214E48A6-BA1C-C34E-86B2-AEA085EF0B60}"/>
-          </ac:spMkLst>
-        </pc:spChg>
-        <pc:grpChg chg="del">
-          <ac:chgData name="Long B Nguyen" userId="f59fb8f3-a021-417a-8bc1-65c8d471c621" providerId="ADAL" clId="{0E2AE9A0-AA60-BB4A-B160-C870111F23F3}" dt="2021-05-04T16:21:48.652" v="46" actId="478"/>
-          <ac:grpSpMkLst>
-            <pc:docMk/>
-            <pc:sldMk cId="3391067489" sldId="317"/>
-            <ac:grpSpMk id="186432" creationId="{542A0A7C-BDE9-9647-876F-96A88AC8A7D0}"/>
-          </ac:grpSpMkLst>
-        </pc:grpChg>
-        <pc:graphicFrameChg chg="del mod modGraphic">
-          <ac:chgData name="Long B Nguyen" userId="f59fb8f3-a021-417a-8bc1-65c8d471c621" providerId="ADAL" clId="{0E2AE9A0-AA60-BB4A-B160-C870111F23F3}" dt="2021-05-04T16:20:41.570" v="25" actId="478"/>
-          <ac:graphicFrameMkLst>
-            <pc:docMk/>
-            <pc:sldMk cId="3391067489" sldId="317"/>
-            <ac:graphicFrameMk id="186372" creationId="{4CAA3F07-5CBD-3349-A038-9E8E665A22F4}"/>
-          </ac:graphicFrameMkLst>
-        </pc:graphicFrameChg>
-        <pc:picChg chg="add mod">
-          <ac:chgData name="Long B Nguyen" userId="f59fb8f3-a021-417a-8bc1-65c8d471c621" providerId="ADAL" clId="{0E2AE9A0-AA60-BB4A-B160-C870111F23F3}" dt="2021-05-04T16:21:28.275" v="27" actId="1076"/>
-          <ac:picMkLst>
-            <pc:docMk/>
-            <pc:sldMk cId="3391067489" sldId="317"/>
-            <ac:picMk id="2" creationId="{20D4FFD0-EE39-D747-BEF8-1F8589FB3176}"/>
-          </ac:picMkLst>
-        </pc:picChg>
-      </pc:sldChg>
-      <pc:sldChg chg="add del">
-        <pc:chgData name="Long B Nguyen" userId="f59fb8f3-a021-417a-8bc1-65c8d471c621" providerId="ADAL" clId="{0E2AE9A0-AA60-BB4A-B160-C870111F23F3}" dt="2021-05-04T22:27:25.910" v="1174" actId="2696"/>
-        <pc:sldMkLst>
-          <pc:docMk/>
-          <pc:sldMk cId="661658842" sldId="372"/>
-        </pc:sldMkLst>
-      </pc:sldChg>
-      <pc:sldChg chg="add del">
-        <pc:chgData name="Long B Nguyen" userId="f59fb8f3-a021-417a-8bc1-65c8d471c621" providerId="ADAL" clId="{0E2AE9A0-AA60-BB4A-B160-C870111F23F3}" dt="2021-05-04T22:27:25.910" v="1174" actId="2696"/>
-        <pc:sldMkLst>
-          <pc:docMk/>
-          <pc:sldMk cId="4175075890" sldId="374"/>
-        </pc:sldMkLst>
-      </pc:sldChg>
-      <pc:sldChg chg="add del">
-        <pc:chgData name="Long B Nguyen" userId="f59fb8f3-a021-417a-8bc1-65c8d471c621" providerId="ADAL" clId="{0E2AE9A0-AA60-BB4A-B160-C870111F23F3}" dt="2021-05-04T22:27:25.910" v="1174" actId="2696"/>
-        <pc:sldMkLst>
-          <pc:docMk/>
-          <pc:sldMk cId="2154343632" sldId="375"/>
-        </pc:sldMkLst>
-      </pc:sldChg>
-      <pc:sldChg chg="add del">
-        <pc:chgData name="Long B Nguyen" userId="f59fb8f3-a021-417a-8bc1-65c8d471c621" providerId="ADAL" clId="{0E2AE9A0-AA60-BB4A-B160-C870111F23F3}" dt="2021-05-04T22:27:25.910" v="1174" actId="2696"/>
-        <pc:sldMkLst>
-          <pc:docMk/>
-          <pc:sldMk cId="3197895650" sldId="376"/>
-        </pc:sldMkLst>
-      </pc:sldChg>
-      <pc:sldChg chg="add del">
-        <pc:chgData name="Long B Nguyen" userId="f59fb8f3-a021-417a-8bc1-65c8d471c621" providerId="ADAL" clId="{0E2AE9A0-AA60-BB4A-B160-C870111F23F3}" dt="2021-05-04T22:27:25.910" v="1174" actId="2696"/>
-        <pc:sldMkLst>
-          <pc:docMk/>
-          <pc:sldMk cId="2087436691" sldId="377"/>
-        </pc:sldMkLst>
-      </pc:sldChg>
-      <pc:sldChg chg="add del">
-        <pc:chgData name="Long B Nguyen" userId="f59fb8f3-a021-417a-8bc1-65c8d471c621" providerId="ADAL" clId="{0E2AE9A0-AA60-BB4A-B160-C870111F23F3}" dt="2021-05-04T22:27:25.910" v="1174" actId="2696"/>
-        <pc:sldMkLst>
-          <pc:docMk/>
-          <pc:sldMk cId="2728668299" sldId="379"/>
-        </pc:sldMkLst>
-      </pc:sldChg>
-      <pc:sldChg chg="del">
-        <pc:chgData name="Long B Nguyen" userId="f59fb8f3-a021-417a-8bc1-65c8d471c621" providerId="ADAL" clId="{0E2AE9A0-AA60-BB4A-B160-C870111F23F3}" dt="2021-05-04T16:19:25.283" v="16" actId="2696"/>
-        <pc:sldMkLst>
-          <pc:docMk/>
-          <pc:sldMk cId="3533528898" sldId="485"/>
-        </pc:sldMkLst>
-      </pc:sldChg>
-      <pc:sldChg chg="del">
-        <pc:chgData name="Long B Nguyen" userId="f59fb8f3-a021-417a-8bc1-65c8d471c621" providerId="ADAL" clId="{0E2AE9A0-AA60-BB4A-B160-C870111F23F3}" dt="2021-05-04T16:19:25.283" v="16" actId="2696"/>
-        <pc:sldMkLst>
-          <pc:docMk/>
-          <pc:sldMk cId="3162068906" sldId="527"/>
-        </pc:sldMkLst>
-      </pc:sldChg>
-      <pc:sldChg chg="del">
-        <pc:chgData name="Long B Nguyen" userId="f59fb8f3-a021-417a-8bc1-65c8d471c621" providerId="ADAL" clId="{0E2AE9A0-AA60-BB4A-B160-C870111F23F3}" dt="2021-05-04T16:19:25.283" v="16" actId="2696"/>
-        <pc:sldMkLst>
-          <pc:docMk/>
-          <pc:sldMk cId="3102825031" sldId="528"/>
-        </pc:sldMkLst>
-      </pc:sldChg>
-      <pc:sldChg chg="del">
-        <pc:chgData name="Long B Nguyen" userId="f59fb8f3-a021-417a-8bc1-65c8d471c621" providerId="ADAL" clId="{0E2AE9A0-AA60-BB4A-B160-C870111F23F3}" dt="2021-05-04T16:19:25.283" v="16" actId="2696"/>
-        <pc:sldMkLst>
-          <pc:docMk/>
-          <pc:sldMk cId="4057016805" sldId="529"/>
-        </pc:sldMkLst>
-      </pc:sldChg>
-      <pc:sldChg chg="add del">
-        <pc:chgData name="Long B Nguyen" userId="f59fb8f3-a021-417a-8bc1-65c8d471c621" providerId="ADAL" clId="{0E2AE9A0-AA60-BB4A-B160-C870111F23F3}" dt="2021-05-04T16:22:28.929" v="59" actId="2696"/>
-        <pc:sldMkLst>
-          <pc:docMk/>
-          <pc:sldMk cId="1650994070" sldId="540"/>
-        </pc:sldMkLst>
-      </pc:sldChg>
-      <pc:sldChg chg="addSp modSp add mod modAnim">
-        <pc:chgData name="Long B Nguyen" userId="f59fb8f3-a021-417a-8bc1-65c8d471c621" providerId="ADAL" clId="{0E2AE9A0-AA60-BB4A-B160-C870111F23F3}" dt="2021-05-06T04:39:59.717" v="5760"/>
-        <pc:sldMkLst>
-          <pc:docMk/>
-          <pc:sldMk cId="1844406166" sldId="540"/>
-        </pc:sldMkLst>
-        <pc:spChg chg="add mod">
-          <ac:chgData name="Long B Nguyen" userId="f59fb8f3-a021-417a-8bc1-65c8d471c621" providerId="ADAL" clId="{0E2AE9A0-AA60-BB4A-B160-C870111F23F3}" dt="2021-05-06T04:39:59.717" v="5760"/>
-          <ac:spMkLst>
-            <pc:docMk/>
-            <pc:sldMk cId="1844406166" sldId="540"/>
-            <ac:spMk id="2" creationId="{4C64C124-274A-7B49-AF43-41B6CD5BD0DB}"/>
-          </ac:spMkLst>
-        </pc:spChg>
-        <pc:spChg chg="mod">
-          <ac:chgData name="Long B Nguyen" userId="f59fb8f3-a021-417a-8bc1-65c8d471c621" providerId="ADAL" clId="{0E2AE9A0-AA60-BB4A-B160-C870111F23F3}" dt="2021-05-06T03:31:48.457" v="5590" actId="113"/>
-          <ac:spMkLst>
-            <pc:docMk/>
-            <pc:sldMk cId="1844406166" sldId="540"/>
-            <ac:spMk id="6146" creationId="{EAA042DF-FAF2-DA4B-9FB9-A8E93FAB0389}"/>
-          </ac:spMkLst>
-        </pc:spChg>
-        <pc:spChg chg="mod">
-          <ac:chgData name="Long B Nguyen" userId="f59fb8f3-a021-417a-8bc1-65c8d471c621" providerId="ADAL" clId="{0E2AE9A0-AA60-BB4A-B160-C870111F23F3}" dt="2021-05-04T20:42:36.123" v="1137" actId="20577"/>
-          <ac:spMkLst>
-            <pc:docMk/>
-            <pc:sldMk cId="1844406166" sldId="540"/>
-            <ac:spMk id="186370" creationId="{C5506108-D6E6-9641-98CC-A9DA92AF0478}"/>
-          </ac:spMkLst>
-        </pc:spChg>
-      </pc:sldChg>
-      <pc:sldChg chg="add del">
-        <pc:chgData name="Long B Nguyen" userId="f59fb8f3-a021-417a-8bc1-65c8d471c621" providerId="ADAL" clId="{0E2AE9A0-AA60-BB4A-B160-C870111F23F3}" dt="2021-05-04T16:46:58.729" v="1122" actId="2696"/>
-        <pc:sldMkLst>
-          <pc:docMk/>
-          <pc:sldMk cId="1534853267" sldId="541"/>
-        </pc:sldMkLst>
-      </pc:sldChg>
-      <pc:sldChg chg="add del">
-        <pc:chgData name="Long B Nguyen" userId="f59fb8f3-a021-417a-8bc1-65c8d471c621" providerId="ADAL" clId="{0E2AE9A0-AA60-BB4A-B160-C870111F23F3}" dt="2021-05-04T22:27:25.910" v="1174" actId="2696"/>
-        <pc:sldMkLst>
-          <pc:docMk/>
-          <pc:sldMk cId="3737473332" sldId="542"/>
-        </pc:sldMkLst>
-      </pc:sldChg>
-      <pc:sldChg chg="add del">
-        <pc:chgData name="Long B Nguyen" userId="f59fb8f3-a021-417a-8bc1-65c8d471c621" providerId="ADAL" clId="{0E2AE9A0-AA60-BB4A-B160-C870111F23F3}" dt="2021-05-04T22:27:25.910" v="1174" actId="2696"/>
-        <pc:sldMkLst>
-          <pc:docMk/>
-          <pc:sldMk cId="906339742" sldId="543"/>
-        </pc:sldMkLst>
-      </pc:sldChg>
-      <pc:sldChg chg="add del">
-        <pc:chgData name="Long B Nguyen" userId="f59fb8f3-a021-417a-8bc1-65c8d471c621" providerId="ADAL" clId="{0E2AE9A0-AA60-BB4A-B160-C870111F23F3}" dt="2021-05-04T22:27:25.910" v="1174" actId="2696"/>
-        <pc:sldMkLst>
-          <pc:docMk/>
-          <pc:sldMk cId="3145498210" sldId="549"/>
-        </pc:sldMkLst>
-      </pc:sldChg>
-      <pc:sldChg chg="add del">
-        <pc:chgData name="Long B Nguyen" userId="f59fb8f3-a021-417a-8bc1-65c8d471c621" providerId="ADAL" clId="{0E2AE9A0-AA60-BB4A-B160-C870111F23F3}" dt="2021-05-04T16:43:16.606" v="865" actId="2696"/>
-        <pc:sldMkLst>
-          <pc:docMk/>
-          <pc:sldMk cId="3284391586" sldId="550"/>
-        </pc:sldMkLst>
-      </pc:sldChg>
-      <pc:sldChg chg="addSp modSp add mod modAnim">
-        <pc:chgData name="Long B Nguyen" userId="f59fb8f3-a021-417a-8bc1-65c8d471c621" providerId="ADAL" clId="{0E2AE9A0-AA60-BB4A-B160-C870111F23F3}" dt="2021-05-07T12:04:44.914" v="6588" actId="20577"/>
-        <pc:sldMkLst>
-          <pc:docMk/>
-          <pc:sldMk cId="1466770109" sldId="551"/>
-        </pc:sldMkLst>
-        <pc:spChg chg="add mod">
-          <ac:chgData name="Long B Nguyen" userId="f59fb8f3-a021-417a-8bc1-65c8d471c621" providerId="ADAL" clId="{0E2AE9A0-AA60-BB4A-B160-C870111F23F3}" dt="2021-05-06T04:39:59.717" v="5760"/>
-          <ac:spMkLst>
-            <pc:docMk/>
-            <pc:sldMk cId="1466770109" sldId="551"/>
-            <ac:spMk id="3" creationId="{33128759-E241-B749-9574-6BA836BFE00B}"/>
-          </ac:spMkLst>
-        </pc:spChg>
-        <pc:spChg chg="mod">
-          <ac:chgData name="Long B Nguyen" userId="f59fb8f3-a021-417a-8bc1-65c8d471c621" providerId="ADAL" clId="{0E2AE9A0-AA60-BB4A-B160-C870111F23F3}" dt="2021-05-04T22:16:36.074" v="1169" actId="1076"/>
-          <ac:spMkLst>
-            <pc:docMk/>
-            <pc:sldMk cId="1466770109" sldId="551"/>
-            <ac:spMk id="186370" creationId="{D6E10FAF-E655-D943-A67A-780B97487E72}"/>
-          </ac:spMkLst>
-        </pc:spChg>
-        <pc:spChg chg="mod">
-          <ac:chgData name="Long B Nguyen" userId="f59fb8f3-a021-417a-8bc1-65c8d471c621" providerId="ADAL" clId="{0E2AE9A0-AA60-BB4A-B160-C870111F23F3}" dt="2021-05-07T12:04:44.914" v="6588" actId="20577"/>
-          <ac:spMkLst>
-            <pc:docMk/>
-            <pc:sldMk cId="1466770109" sldId="551"/>
-            <ac:spMk id="186371" creationId="{214E48A6-BA1C-C34E-86B2-AEA085EF0B60}"/>
-          </ac:spMkLst>
-        </pc:spChg>
-        <pc:picChg chg="mod">
-          <ac:chgData name="Long B Nguyen" userId="f59fb8f3-a021-417a-8bc1-65c8d471c621" providerId="ADAL" clId="{0E2AE9A0-AA60-BB4A-B160-C870111F23F3}" dt="2021-05-04T22:16:32.182" v="1168" actId="1076"/>
-          <ac:picMkLst>
-            <pc:docMk/>
-            <pc:sldMk cId="1466770109" sldId="551"/>
-            <ac:picMk id="2" creationId="{20D4FFD0-EE39-D747-BEF8-1F8589FB3176}"/>
-          </ac:picMkLst>
-        </pc:picChg>
-      </pc:sldChg>
-      <pc:sldChg chg="addSp modSp add del mod modAnim">
-        <pc:chgData name="Long B Nguyen" userId="f59fb8f3-a021-417a-8bc1-65c8d471c621" providerId="ADAL" clId="{0E2AE9A0-AA60-BB4A-B160-C870111F23F3}" dt="2021-05-07T11:56:35.417" v="6391" actId="2696"/>
-        <pc:sldMkLst>
-          <pc:docMk/>
-          <pc:sldMk cId="2853411292" sldId="552"/>
-        </pc:sldMkLst>
-        <pc:spChg chg="add mod">
-          <ac:chgData name="Long B Nguyen" userId="f59fb8f3-a021-417a-8bc1-65c8d471c621" providerId="ADAL" clId="{0E2AE9A0-AA60-BB4A-B160-C870111F23F3}" dt="2021-05-06T04:39:59.717" v="5760"/>
-          <ac:spMkLst>
-            <pc:docMk/>
-            <pc:sldMk cId="2853411292" sldId="552"/>
-            <ac:spMk id="2" creationId="{676CE5E9-0770-7D40-A2D2-7D96FDD0BEB5}"/>
-          </ac:spMkLst>
-        </pc:spChg>
-        <pc:spChg chg="mod">
-          <ac:chgData name="Long B Nguyen" userId="f59fb8f3-a021-417a-8bc1-65c8d471c621" providerId="ADAL" clId="{0E2AE9A0-AA60-BB4A-B160-C870111F23F3}" dt="2021-05-04T22:17:27.755" v="1173" actId="255"/>
-          <ac:spMkLst>
-            <pc:docMk/>
-            <pc:sldMk cId="2853411292" sldId="552"/>
-            <ac:spMk id="6146" creationId="{EAA042DF-FAF2-DA4B-9FB9-A8E93FAB0389}"/>
-          </ac:spMkLst>
-        </pc:spChg>
-        <pc:spChg chg="mod">
-          <ac:chgData name="Long B Nguyen" userId="f59fb8f3-a021-417a-8bc1-65c8d471c621" providerId="ADAL" clId="{0E2AE9A0-AA60-BB4A-B160-C870111F23F3}" dt="2021-05-04T16:46:39.267" v="1117" actId="1076"/>
-          <ac:spMkLst>
-            <pc:docMk/>
-            <pc:sldMk cId="2853411292" sldId="552"/>
-            <ac:spMk id="186370" creationId="{C5506108-D6E6-9641-98CC-A9DA92AF0478}"/>
-          </ac:spMkLst>
-        </pc:spChg>
-      </pc:sldChg>
-      <pc:sldChg chg="add">
-        <pc:chgData name="Long B Nguyen" userId="f59fb8f3-a021-417a-8bc1-65c8d471c621" providerId="ADAL" clId="{0E2AE9A0-AA60-BB4A-B160-C870111F23F3}" dt="2021-05-07T11:56:39.185" v="6392"/>
-        <pc:sldMkLst>
-          <pc:docMk/>
-          <pc:sldMk cId="3614929084" sldId="552"/>
-        </pc:sldMkLst>
-      </pc:sldChg>
-      <pc:sldChg chg="addSp modSp add mod modAnim">
-        <pc:chgData name="Long B Nguyen" userId="f59fb8f3-a021-417a-8bc1-65c8d471c621" providerId="ADAL" clId="{0E2AE9A0-AA60-BB4A-B160-C870111F23F3}" dt="2021-05-07T12:01:25.594" v="6545"/>
-        <pc:sldMkLst>
-          <pc:docMk/>
-          <pc:sldMk cId="3802582321" sldId="553"/>
-        </pc:sldMkLst>
-        <pc:spChg chg="add mod">
-          <ac:chgData name="Long B Nguyen" userId="f59fb8f3-a021-417a-8bc1-65c8d471c621" providerId="ADAL" clId="{0E2AE9A0-AA60-BB4A-B160-C870111F23F3}" dt="2021-05-06T04:39:59.717" v="5760"/>
-          <ac:spMkLst>
-            <pc:docMk/>
-            <pc:sldMk cId="3802582321" sldId="553"/>
-            <ac:spMk id="2" creationId="{212358BB-7F38-DE4B-B13F-EC3F7FF7E613}"/>
-          </ac:spMkLst>
-        </pc:spChg>
-        <pc:spChg chg="mod">
-          <ac:chgData name="Long B Nguyen" userId="f59fb8f3-a021-417a-8bc1-65c8d471c621" providerId="ADAL" clId="{0E2AE9A0-AA60-BB4A-B160-C870111F23F3}" dt="2021-05-07T12:00:55.561" v="6543" actId="20577"/>
-          <ac:spMkLst>
-            <pc:docMk/>
-            <pc:sldMk cId="3802582321" sldId="553"/>
-            <ac:spMk id="6146" creationId="{EAA042DF-FAF2-DA4B-9FB9-A8E93FAB0389}"/>
-          </ac:spMkLst>
-        </pc:spChg>
-        <pc:spChg chg="mod">
-          <ac:chgData name="Long B Nguyen" userId="f59fb8f3-a021-417a-8bc1-65c8d471c621" providerId="ADAL" clId="{0E2AE9A0-AA60-BB4A-B160-C870111F23F3}" dt="2021-05-04T22:15:42.997" v="1160" actId="1076"/>
-          <ac:spMkLst>
-            <pc:docMk/>
-            <pc:sldMk cId="3802582321" sldId="553"/>
-            <ac:spMk id="186370" creationId="{C5506108-D6E6-9641-98CC-A9DA92AF0478}"/>
-          </ac:spMkLst>
-        </pc:spChg>
-        <pc:cxnChg chg="add mod">
-          <ac:chgData name="Long B Nguyen" userId="f59fb8f3-a021-417a-8bc1-65c8d471c621" providerId="ADAL" clId="{0E2AE9A0-AA60-BB4A-B160-C870111F23F3}" dt="2021-05-07T12:00:07.539" v="6539" actId="692"/>
-          <ac:cxnSpMkLst>
-            <pc:docMk/>
-            <pc:sldMk cId="3802582321" sldId="553"/>
-            <ac:cxnSpMk id="4" creationId="{6F7FAA95-1CB1-6246-9247-83FDFD7281C5}"/>
-          </ac:cxnSpMkLst>
-        </pc:cxnChg>
-        <pc:cxnChg chg="add mod">
-          <ac:chgData name="Long B Nguyen" userId="f59fb8f3-a021-417a-8bc1-65c8d471c621" providerId="ADAL" clId="{0E2AE9A0-AA60-BB4A-B160-C870111F23F3}" dt="2021-05-07T12:00:16.595" v="6541" actId="1076"/>
-          <ac:cxnSpMkLst>
-            <pc:docMk/>
-            <pc:sldMk cId="3802582321" sldId="553"/>
-            <ac:cxnSpMk id="9" creationId="{696833A3-9446-104B-8B36-CF472B191E13}"/>
-          </ac:cxnSpMkLst>
-        </pc:cxnChg>
-      </pc:sldChg>
-      <pc:sldChg chg="add">
-        <pc:chgData name="Long B Nguyen" userId="f59fb8f3-a021-417a-8bc1-65c8d471c621" providerId="ADAL" clId="{0E2AE9A0-AA60-BB4A-B160-C870111F23F3}" dt="2021-05-07T13:34:46.957" v="6596"/>
-        <pc:sldMkLst>
-          <pc:docMk/>
-          <pc:sldMk cId="394221605" sldId="554"/>
-        </pc:sldMkLst>
-      </pc:sldChg>
-      <pc:sldChg chg="addSp delSp modSp add del mod modAnim">
-        <pc:chgData name="Long B Nguyen" userId="f59fb8f3-a021-417a-8bc1-65c8d471c621" providerId="ADAL" clId="{0E2AE9A0-AA60-BB4A-B160-C870111F23F3}" dt="2021-05-07T13:34:31.161" v="6589" actId="2696"/>
-        <pc:sldMkLst>
-          <pc:docMk/>
-          <pc:sldMk cId="2716603920" sldId="554"/>
-        </pc:sldMkLst>
-        <pc:spChg chg="add del mod">
-          <ac:chgData name="Long B Nguyen" userId="f59fb8f3-a021-417a-8bc1-65c8d471c621" providerId="ADAL" clId="{0E2AE9A0-AA60-BB4A-B160-C870111F23F3}" dt="2021-05-04T22:31:56.106" v="1250"/>
-          <ac:spMkLst>
-            <pc:docMk/>
-            <pc:sldMk cId="2716603920" sldId="554"/>
-            <ac:spMk id="2" creationId="{91FACAD6-67CF-D048-A67F-38828B978B2A}"/>
-          </ac:spMkLst>
-        </pc:spChg>
-        <pc:spChg chg="add mod">
-          <ac:chgData name="Long B Nguyen" userId="f59fb8f3-a021-417a-8bc1-65c8d471c621" providerId="ADAL" clId="{0E2AE9A0-AA60-BB4A-B160-C870111F23F3}" dt="2021-05-06T04:39:59.717" v="5760"/>
-          <ac:spMkLst>
-            <pc:docMk/>
-            <pc:sldMk cId="2716603920" sldId="554"/>
-            <ac:spMk id="2" creationId="{EAEC08EF-B495-0248-BDF8-D62158BA5FFD}"/>
-          </ac:spMkLst>
-        </pc:spChg>
-        <pc:spChg chg="mod">
-          <ac:chgData name="Long B Nguyen" userId="f59fb8f3-a021-417a-8bc1-65c8d471c621" providerId="ADAL" clId="{0E2AE9A0-AA60-BB4A-B160-C870111F23F3}" dt="2021-05-06T03:36:30.204" v="5620" actId="113"/>
-          <ac:spMkLst>
-            <pc:docMk/>
-            <pc:sldMk cId="2716603920" sldId="554"/>
-            <ac:spMk id="6146" creationId="{EAA042DF-FAF2-DA4B-9FB9-A8E93FAB0389}"/>
-          </ac:spMkLst>
-        </pc:spChg>
-        <pc:spChg chg="mod">
-          <ac:chgData name="Long B Nguyen" userId="f59fb8f3-a021-417a-8bc1-65c8d471c621" providerId="ADAL" clId="{0E2AE9A0-AA60-BB4A-B160-C870111F23F3}" dt="2021-05-04T22:28:32.008" v="1198" actId="20577"/>
-          <ac:spMkLst>
-            <pc:docMk/>
-            <pc:sldMk cId="2716603920" sldId="554"/>
-            <ac:spMk id="186370" creationId="{C5506108-D6E6-9641-98CC-A9DA92AF0478}"/>
-          </ac:spMkLst>
-        </pc:spChg>
-      </pc:sldChg>
-      <pc:sldChg chg="new del">
-        <pc:chgData name="Long B Nguyen" userId="f59fb8f3-a021-417a-8bc1-65c8d471c621" providerId="ADAL" clId="{0E2AE9A0-AA60-BB4A-B160-C870111F23F3}" dt="2021-05-05T22:24:48.929" v="5448" actId="2696"/>
-        <pc:sldMkLst>
-          <pc:docMk/>
-          <pc:sldMk cId="1079926079" sldId="555"/>
-        </pc:sldMkLst>
-      </pc:sldChg>
-      <pc:sldChg chg="addSp modSp add del mod modAnim">
-        <pc:chgData name="Long B Nguyen" userId="f59fb8f3-a021-417a-8bc1-65c8d471c621" providerId="ADAL" clId="{0E2AE9A0-AA60-BB4A-B160-C870111F23F3}" dt="2021-05-07T13:34:31.259" v="6593" actId="2696"/>
-        <pc:sldMkLst>
-          <pc:docMk/>
-          <pc:sldMk cId="63885118" sldId="556"/>
-        </pc:sldMkLst>
-        <pc:spChg chg="add mod">
-          <ac:chgData name="Long B Nguyen" userId="f59fb8f3-a021-417a-8bc1-65c8d471c621" providerId="ADAL" clId="{0E2AE9A0-AA60-BB4A-B160-C870111F23F3}" dt="2021-05-06T04:39:59.717" v="5760"/>
-          <ac:spMkLst>
-            <pc:docMk/>
-            <pc:sldMk cId="63885118" sldId="556"/>
-            <ac:spMk id="2" creationId="{B20B7105-DF5A-C340-AECE-D8A3C15DF162}"/>
-          </ac:spMkLst>
-        </pc:spChg>
-        <pc:spChg chg="mod">
-          <ac:chgData name="Long B Nguyen" userId="f59fb8f3-a021-417a-8bc1-65c8d471c621" providerId="ADAL" clId="{0E2AE9A0-AA60-BB4A-B160-C870111F23F3}" dt="2021-05-06T03:38:16.367" v="5660" actId="20577"/>
-          <ac:spMkLst>
-            <pc:docMk/>
-            <pc:sldMk cId="63885118" sldId="556"/>
-            <ac:spMk id="6146" creationId="{EAA042DF-FAF2-DA4B-9FB9-A8E93FAB0389}"/>
-          </ac:spMkLst>
-        </pc:spChg>
-        <pc:spChg chg="mod">
-          <ac:chgData name="Long B Nguyen" userId="f59fb8f3-a021-417a-8bc1-65c8d471c621" providerId="ADAL" clId="{0E2AE9A0-AA60-BB4A-B160-C870111F23F3}" dt="2021-05-05T02:21:16.279" v="2187" actId="20577"/>
-          <ac:spMkLst>
-            <pc:docMk/>
-            <pc:sldMk cId="63885118" sldId="556"/>
-            <ac:spMk id="186370" creationId="{C5506108-D6E6-9641-98CC-A9DA92AF0478}"/>
-          </ac:spMkLst>
-        </pc:spChg>
-      </pc:sldChg>
-      <pc:sldChg chg="del">
-        <pc:chgData name="Long B Nguyen" userId="f59fb8f3-a021-417a-8bc1-65c8d471c621" providerId="ADAL" clId="{0E2AE9A0-AA60-BB4A-B160-C870111F23F3}" dt="2021-05-04T16:19:25.283" v="16" actId="2696"/>
-        <pc:sldMkLst>
-          <pc:docMk/>
-          <pc:sldMk cId="1925924244" sldId="556"/>
-        </pc:sldMkLst>
-      </pc:sldChg>
-      <pc:sldChg chg="add">
-        <pc:chgData name="Long B Nguyen" userId="f59fb8f3-a021-417a-8bc1-65c8d471c621" providerId="ADAL" clId="{0E2AE9A0-AA60-BB4A-B160-C870111F23F3}" dt="2021-05-07T13:34:46.957" v="6596"/>
-        <pc:sldMkLst>
-          <pc:docMk/>
-          <pc:sldMk cId="2114242178" sldId="556"/>
-        </pc:sldMkLst>
-      </pc:sldChg>
-      <pc:sldChg chg="addSp modSp add del mod modAnim">
-        <pc:chgData name="Long B Nguyen" userId="f59fb8f3-a021-417a-8bc1-65c8d471c621" providerId="ADAL" clId="{0E2AE9A0-AA60-BB4A-B160-C870111F23F3}" dt="2021-05-07T13:34:31.183" v="6590" actId="2696"/>
-        <pc:sldMkLst>
-          <pc:docMk/>
-          <pc:sldMk cId="1296694967" sldId="557"/>
-        </pc:sldMkLst>
-        <pc:spChg chg="add mod">
-          <ac:chgData name="Long B Nguyen" userId="f59fb8f3-a021-417a-8bc1-65c8d471c621" providerId="ADAL" clId="{0E2AE9A0-AA60-BB4A-B160-C870111F23F3}" dt="2021-05-06T04:39:59.717" v="5760"/>
-          <ac:spMkLst>
-            <pc:docMk/>
-            <pc:sldMk cId="1296694967" sldId="557"/>
-            <ac:spMk id="2" creationId="{8E7659A5-BFDF-0941-9706-1003922E6812}"/>
-          </ac:spMkLst>
-        </pc:spChg>
-        <pc:spChg chg="mod">
-          <ac:chgData name="Long B Nguyen" userId="f59fb8f3-a021-417a-8bc1-65c8d471c621" providerId="ADAL" clId="{0E2AE9A0-AA60-BB4A-B160-C870111F23F3}" dt="2021-05-06T03:37:27.977" v="5644" actId="20577"/>
-          <ac:spMkLst>
-            <pc:docMk/>
-            <pc:sldMk cId="1296694967" sldId="557"/>
-            <ac:spMk id="6146" creationId="{EAA042DF-FAF2-DA4B-9FB9-A8E93FAB0389}"/>
-          </ac:spMkLst>
-        </pc:spChg>
-        <pc:spChg chg="mod">
-          <ac:chgData name="Long B Nguyen" userId="f59fb8f3-a021-417a-8bc1-65c8d471c621" providerId="ADAL" clId="{0E2AE9A0-AA60-BB4A-B160-C870111F23F3}" dt="2021-05-04T22:39:28.485" v="1429" actId="20577"/>
-          <ac:spMkLst>
-            <pc:docMk/>
-            <pc:sldMk cId="1296694967" sldId="557"/>
-            <ac:spMk id="186370" creationId="{C5506108-D6E6-9641-98CC-A9DA92AF0478}"/>
-          </ac:spMkLst>
-        </pc:spChg>
-      </pc:sldChg>
-      <pc:sldChg chg="add">
-        <pc:chgData name="Long B Nguyen" userId="f59fb8f3-a021-417a-8bc1-65c8d471c621" providerId="ADAL" clId="{0E2AE9A0-AA60-BB4A-B160-C870111F23F3}" dt="2021-05-07T13:34:46.957" v="6596"/>
-        <pc:sldMkLst>
-          <pc:docMk/>
-          <pc:sldMk cId="2431525960" sldId="557"/>
-        </pc:sldMkLst>
-      </pc:sldChg>
-      <pc:sldChg chg="modSp add del mod">
-        <pc:chgData name="Long B Nguyen" userId="f59fb8f3-a021-417a-8bc1-65c8d471c621" providerId="ADAL" clId="{0E2AE9A0-AA60-BB4A-B160-C870111F23F3}" dt="2021-05-05T21:33:32.440" v="3641" actId="2696"/>
-        <pc:sldMkLst>
-          <pc:docMk/>
-          <pc:sldMk cId="2441755984" sldId="558"/>
-        </pc:sldMkLst>
-        <pc:spChg chg="mod">
-          <ac:chgData name="Long B Nguyen" userId="f59fb8f3-a021-417a-8bc1-65c8d471c621" providerId="ADAL" clId="{0E2AE9A0-AA60-BB4A-B160-C870111F23F3}" dt="2021-05-05T02:17:38.279" v="2075" actId="20577"/>
-          <ac:spMkLst>
-            <pc:docMk/>
-            <pc:sldMk cId="2441755984" sldId="558"/>
-            <ac:spMk id="6146" creationId="{EAA042DF-FAF2-DA4B-9FB9-A8E93FAB0389}"/>
-          </ac:spMkLst>
-        </pc:spChg>
-      </pc:sldChg>
-      <pc:sldChg chg="del">
-        <pc:chgData name="Long B Nguyen" userId="f59fb8f3-a021-417a-8bc1-65c8d471c621" providerId="ADAL" clId="{0E2AE9A0-AA60-BB4A-B160-C870111F23F3}" dt="2021-05-04T16:19:25.283" v="16" actId="2696"/>
-        <pc:sldMkLst>
-          <pc:docMk/>
-          <pc:sldMk cId="748879865" sldId="559"/>
-        </pc:sldMkLst>
-      </pc:sldChg>
-      <pc:sldChg chg="add">
-        <pc:chgData name="Long B Nguyen" userId="f59fb8f3-a021-417a-8bc1-65c8d471c621" providerId="ADAL" clId="{0E2AE9A0-AA60-BB4A-B160-C870111F23F3}" dt="2021-05-07T13:34:46.957" v="6596"/>
-        <pc:sldMkLst>
-          <pc:docMk/>
-          <pc:sldMk cId="1567828261" sldId="559"/>
-        </pc:sldMkLst>
-      </pc:sldChg>
-      <pc:sldChg chg="addSp modSp add del mod modAnim">
-        <pc:chgData name="Long B Nguyen" userId="f59fb8f3-a021-417a-8bc1-65c8d471c621" providerId="ADAL" clId="{0E2AE9A0-AA60-BB4A-B160-C870111F23F3}" dt="2021-05-07T13:34:31.201" v="6591" actId="2696"/>
-        <pc:sldMkLst>
-          <pc:docMk/>
-          <pc:sldMk cId="2856452792" sldId="559"/>
-        </pc:sldMkLst>
-        <pc:spChg chg="add mod">
-          <ac:chgData name="Long B Nguyen" userId="f59fb8f3-a021-417a-8bc1-65c8d471c621" providerId="ADAL" clId="{0E2AE9A0-AA60-BB4A-B160-C870111F23F3}" dt="2021-05-06T04:39:59.717" v="5760"/>
-          <ac:spMkLst>
-            <pc:docMk/>
-            <pc:sldMk cId="2856452792" sldId="559"/>
-            <ac:spMk id="2" creationId="{9C3CA69A-9F9B-CC4B-BBCA-6F6F89332FC4}"/>
-          </ac:spMkLst>
-        </pc:spChg>
-        <pc:spChg chg="mod">
-          <ac:chgData name="Long B Nguyen" userId="f59fb8f3-a021-417a-8bc1-65c8d471c621" providerId="ADAL" clId="{0E2AE9A0-AA60-BB4A-B160-C870111F23F3}" dt="2021-05-06T03:39:23.431" v="5671" actId="20577"/>
-          <ac:spMkLst>
-            <pc:docMk/>
-            <pc:sldMk cId="2856452792" sldId="559"/>
-            <ac:spMk id="6146" creationId="{EAA042DF-FAF2-DA4B-9FB9-A8E93FAB0389}"/>
-          </ac:spMkLst>
-        </pc:spChg>
-        <pc:spChg chg="mod">
-          <ac:chgData name="Long B Nguyen" userId="f59fb8f3-a021-417a-8bc1-65c8d471c621" providerId="ADAL" clId="{0E2AE9A0-AA60-BB4A-B160-C870111F23F3}" dt="2021-05-05T02:28:29.285" v="2493" actId="20577"/>
-          <ac:spMkLst>
-            <pc:docMk/>
-            <pc:sldMk cId="2856452792" sldId="559"/>
-            <ac:spMk id="186370" creationId="{C5506108-D6E6-9641-98CC-A9DA92AF0478}"/>
-          </ac:spMkLst>
-        </pc:spChg>
-      </pc:sldChg>
-      <pc:sldChg chg="addSp delSp modSp add del mod modAnim">
-        <pc:chgData name="Long B Nguyen" userId="f59fb8f3-a021-417a-8bc1-65c8d471c621" providerId="ADAL" clId="{0E2AE9A0-AA60-BB4A-B160-C870111F23F3}" dt="2021-05-07T13:34:31.303" v="6594" actId="2696"/>
-        <pc:sldMkLst>
-          <pc:docMk/>
-          <pc:sldMk cId="1421442645" sldId="560"/>
-        </pc:sldMkLst>
-        <pc:spChg chg="add mod">
-          <ac:chgData name="Long B Nguyen" userId="f59fb8f3-a021-417a-8bc1-65c8d471c621" providerId="ADAL" clId="{0E2AE9A0-AA60-BB4A-B160-C870111F23F3}" dt="2021-05-06T04:39:59.717" v="5760"/>
-          <ac:spMkLst>
-            <pc:docMk/>
-            <pc:sldMk cId="1421442645" sldId="560"/>
-            <ac:spMk id="2" creationId="{3F3777BB-3610-4B44-80AB-6B366FF42E17}"/>
-          </ac:spMkLst>
-        </pc:spChg>
-        <pc:spChg chg="add del mod">
-          <ac:chgData name="Long B Nguyen" userId="f59fb8f3-a021-417a-8bc1-65c8d471c621" providerId="ADAL" clId="{0E2AE9A0-AA60-BB4A-B160-C870111F23F3}" dt="2021-05-05T21:29:34.660" v="3553" actId="478"/>
-          <ac:spMkLst>
-            <pc:docMk/>
-            <pc:sldMk cId="1421442645" sldId="560"/>
-            <ac:spMk id="3" creationId="{AB4FE4FC-2971-B943-A976-B130B6E93B71}"/>
-          </ac:spMkLst>
-        </pc:spChg>
-        <pc:spChg chg="mod">
-          <ac:chgData name="Long B Nguyen" userId="f59fb8f3-a021-417a-8bc1-65c8d471c621" providerId="ADAL" clId="{0E2AE9A0-AA60-BB4A-B160-C870111F23F3}" dt="2021-05-06T03:42:05.881" v="5676" actId="20577"/>
-          <ac:spMkLst>
-            <pc:docMk/>
-            <pc:sldMk cId="1421442645" sldId="560"/>
-            <ac:spMk id="6146" creationId="{EAA042DF-FAF2-DA4B-9FB9-A8E93FAB0389}"/>
-          </ac:spMkLst>
-        </pc:spChg>
-        <pc:spChg chg="del mod">
-          <ac:chgData name="Long B Nguyen" userId="f59fb8f3-a021-417a-8bc1-65c8d471c621" providerId="ADAL" clId="{0E2AE9A0-AA60-BB4A-B160-C870111F23F3}" dt="2021-05-05T21:29:32.583" v="3552" actId="478"/>
-          <ac:spMkLst>
-            <pc:docMk/>
-            <pc:sldMk cId="1421442645" sldId="560"/>
-            <ac:spMk id="186370" creationId="{C5506108-D6E6-9641-98CC-A9DA92AF0478}"/>
-          </ac:spMkLst>
-        </pc:spChg>
-      </pc:sldChg>
-      <pc:sldChg chg="add">
-        <pc:chgData name="Long B Nguyen" userId="f59fb8f3-a021-417a-8bc1-65c8d471c621" providerId="ADAL" clId="{0E2AE9A0-AA60-BB4A-B160-C870111F23F3}" dt="2021-05-07T13:34:46.957" v="6596"/>
-        <pc:sldMkLst>
-          <pc:docMk/>
-          <pc:sldMk cId="2659410340" sldId="560"/>
-        </pc:sldMkLst>
-      </pc:sldChg>
-      <pc:sldChg chg="del">
-        <pc:chgData name="Long B Nguyen" userId="f59fb8f3-a021-417a-8bc1-65c8d471c621" providerId="ADAL" clId="{0E2AE9A0-AA60-BB4A-B160-C870111F23F3}" dt="2021-05-04T16:19:25.283" v="16" actId="2696"/>
-        <pc:sldMkLst>
-          <pc:docMk/>
-          <pc:sldMk cId="3841479407" sldId="560"/>
-        </pc:sldMkLst>
-      </pc:sldChg>
-      <pc:sldChg chg="del">
-        <pc:chgData name="Long B Nguyen" userId="f59fb8f3-a021-417a-8bc1-65c8d471c621" providerId="ADAL" clId="{0E2AE9A0-AA60-BB4A-B160-C870111F23F3}" dt="2021-05-04T16:19:25.283" v="16" actId="2696"/>
-        <pc:sldMkLst>
-          <pc:docMk/>
-          <pc:sldMk cId="558292674" sldId="561"/>
-        </pc:sldMkLst>
-      </pc:sldChg>
-      <pc:sldChg chg="add">
-        <pc:chgData name="Long B Nguyen" userId="f59fb8f3-a021-417a-8bc1-65c8d471c621" providerId="ADAL" clId="{0E2AE9A0-AA60-BB4A-B160-C870111F23F3}" dt="2021-05-07T13:34:46.957" v="6596"/>
-        <pc:sldMkLst>
-          <pc:docMk/>
-          <pc:sldMk cId="1610208212" sldId="561"/>
-        </pc:sldMkLst>
-      </pc:sldChg>
-      <pc:sldChg chg="addSp modSp add del mod modAnim">
-        <pc:chgData name="Long B Nguyen" userId="f59fb8f3-a021-417a-8bc1-65c8d471c621" providerId="ADAL" clId="{0E2AE9A0-AA60-BB4A-B160-C870111F23F3}" dt="2021-05-07T13:34:31.330" v="6595" actId="2696"/>
-        <pc:sldMkLst>
-          <pc:docMk/>
-          <pc:sldMk cId="4162457998" sldId="561"/>
-        </pc:sldMkLst>
-        <pc:spChg chg="add mod">
-          <ac:chgData name="Long B Nguyen" userId="f59fb8f3-a021-417a-8bc1-65c8d471c621" providerId="ADAL" clId="{0E2AE9A0-AA60-BB4A-B160-C870111F23F3}" dt="2021-05-06T04:39:59.717" v="5760"/>
-          <ac:spMkLst>
-            <pc:docMk/>
-            <pc:sldMk cId="4162457998" sldId="561"/>
-            <ac:spMk id="2" creationId="{8FBD42D2-FB35-334B-9DC6-7C44CA59319B}"/>
-          </ac:spMkLst>
-        </pc:spChg>
-        <pc:spChg chg="mod">
-          <ac:chgData name="Long B Nguyen" userId="f59fb8f3-a021-417a-8bc1-65c8d471c621" providerId="ADAL" clId="{0E2AE9A0-AA60-BB4A-B160-C870111F23F3}" dt="2021-05-05T21:55:59.668" v="4288" actId="20577"/>
-          <ac:spMkLst>
-            <pc:docMk/>
-            <pc:sldMk cId="4162457998" sldId="561"/>
-            <ac:spMk id="6146" creationId="{EAA042DF-FAF2-DA4B-9FB9-A8E93FAB0389}"/>
-          </ac:spMkLst>
-        </pc:spChg>
-      </pc:sldChg>
-      <pc:sldChg chg="del">
-        <pc:chgData name="Long B Nguyen" userId="f59fb8f3-a021-417a-8bc1-65c8d471c621" providerId="ADAL" clId="{0E2AE9A0-AA60-BB4A-B160-C870111F23F3}" dt="2021-05-04T16:19:25.283" v="16" actId="2696"/>
-        <pc:sldMkLst>
-          <pc:docMk/>
-          <pc:sldMk cId="3239512120" sldId="562"/>
-        </pc:sldMkLst>
-      </pc:sldChg>
-      <pc:sldChg chg="del">
-        <pc:chgData name="Long B Nguyen" userId="f59fb8f3-a021-417a-8bc1-65c8d471c621" providerId="ADAL" clId="{0E2AE9A0-AA60-BB4A-B160-C870111F23F3}" dt="2021-05-04T16:19:25.283" v="16" actId="2696"/>
-        <pc:sldMkLst>
-          <pc:docMk/>
-          <pc:sldMk cId="62561003" sldId="564"/>
-        </pc:sldMkLst>
-      </pc:sldChg>
-      <pc:sldChg chg="del">
-        <pc:chgData name="Long B Nguyen" userId="f59fb8f3-a021-417a-8bc1-65c8d471c621" providerId="ADAL" clId="{0E2AE9A0-AA60-BB4A-B160-C870111F23F3}" dt="2021-05-04T16:19:25.283" v="16" actId="2696"/>
-        <pc:sldMkLst>
-          <pc:docMk/>
-          <pc:sldMk cId="1496186937" sldId="565"/>
-        </pc:sldMkLst>
-      </pc:sldChg>
-      <pc:sldChg chg="del">
-        <pc:chgData name="Long B Nguyen" userId="f59fb8f3-a021-417a-8bc1-65c8d471c621" providerId="ADAL" clId="{0E2AE9A0-AA60-BB4A-B160-C870111F23F3}" dt="2021-05-04T16:19:25.283" v="16" actId="2696"/>
-        <pc:sldMkLst>
-          <pc:docMk/>
-          <pc:sldMk cId="1123629102" sldId="566"/>
-        </pc:sldMkLst>
-      </pc:sldChg>
-      <pc:sldChg chg="del">
-        <pc:chgData name="Long B Nguyen" userId="f59fb8f3-a021-417a-8bc1-65c8d471c621" providerId="ADAL" clId="{0E2AE9A0-AA60-BB4A-B160-C870111F23F3}" dt="2021-05-04T16:19:25.283" v="16" actId="2696"/>
-        <pc:sldMkLst>
-          <pc:docMk/>
-          <pc:sldMk cId="3949497385" sldId="567"/>
-        </pc:sldMkLst>
-      </pc:sldChg>
-      <pc:sldChg chg="del">
-        <pc:chgData name="Long B Nguyen" userId="f59fb8f3-a021-417a-8bc1-65c8d471c621" providerId="ADAL" clId="{0E2AE9A0-AA60-BB4A-B160-C870111F23F3}" dt="2021-05-04T16:19:25.283" v="16" actId="2696"/>
-        <pc:sldMkLst>
-          <pc:docMk/>
-          <pc:sldMk cId="3008892020" sldId="569"/>
-        </pc:sldMkLst>
-      </pc:sldChg>
-      <pc:sldChg chg="del">
-        <pc:chgData name="Long B Nguyen" userId="f59fb8f3-a021-417a-8bc1-65c8d471c621" providerId="ADAL" clId="{0E2AE9A0-AA60-BB4A-B160-C870111F23F3}" dt="2021-05-04T16:19:25.283" v="16" actId="2696"/>
-        <pc:sldMkLst>
-          <pc:docMk/>
-          <pc:sldMk cId="2526255488" sldId="570"/>
-        </pc:sldMkLst>
-      </pc:sldChg>
-      <pc:sldChg chg="del">
-        <pc:chgData name="Long B Nguyen" userId="f59fb8f3-a021-417a-8bc1-65c8d471c621" providerId="ADAL" clId="{0E2AE9A0-AA60-BB4A-B160-C870111F23F3}" dt="2021-05-04T16:19:25.283" v="16" actId="2696"/>
-        <pc:sldMkLst>
-          <pc:docMk/>
-          <pc:sldMk cId="4110945301" sldId="574"/>
-        </pc:sldMkLst>
-      </pc:sldChg>
-      <pc:sldChg chg="del">
-        <pc:chgData name="Long B Nguyen" userId="f59fb8f3-a021-417a-8bc1-65c8d471c621" providerId="ADAL" clId="{0E2AE9A0-AA60-BB4A-B160-C870111F23F3}" dt="2021-05-04T16:19:25.283" v="16" actId="2696"/>
-        <pc:sldMkLst>
-          <pc:docMk/>
-          <pc:sldMk cId="2954573052" sldId="576"/>
-        </pc:sldMkLst>
-      </pc:sldChg>
-      <pc:sldChg chg="del">
-        <pc:chgData name="Long B Nguyen" userId="f59fb8f3-a021-417a-8bc1-65c8d471c621" providerId="ADAL" clId="{0E2AE9A0-AA60-BB4A-B160-C870111F23F3}" dt="2021-05-04T16:19:25.283" v="16" actId="2696"/>
-        <pc:sldMkLst>
-          <pc:docMk/>
-          <pc:sldMk cId="1547101256" sldId="577"/>
-        </pc:sldMkLst>
-      </pc:sldChg>
-      <pc:sldChg chg="del">
-        <pc:chgData name="Long B Nguyen" userId="f59fb8f3-a021-417a-8bc1-65c8d471c621" providerId="ADAL" clId="{0E2AE9A0-AA60-BB4A-B160-C870111F23F3}" dt="2021-05-04T16:19:25.283" v="16" actId="2696"/>
-        <pc:sldMkLst>
-          <pc:docMk/>
-          <pc:sldMk cId="891751900" sldId="579"/>
-        </pc:sldMkLst>
-      </pc:sldChg>
-      <pc:sldChg chg="del">
-        <pc:chgData name="Long B Nguyen" userId="f59fb8f3-a021-417a-8bc1-65c8d471c621" providerId="ADAL" clId="{0E2AE9A0-AA60-BB4A-B160-C870111F23F3}" dt="2021-05-04T16:19:25.283" v="16" actId="2696"/>
-        <pc:sldMkLst>
-          <pc:docMk/>
-          <pc:sldMk cId="2483610180" sldId="580"/>
-        </pc:sldMkLst>
-      </pc:sldChg>
-      <pc:sldChg chg="del">
-        <pc:chgData name="Long B Nguyen" userId="f59fb8f3-a021-417a-8bc1-65c8d471c621" providerId="ADAL" clId="{0E2AE9A0-AA60-BB4A-B160-C870111F23F3}" dt="2021-05-04T16:19:25.283" v="16" actId="2696"/>
-        <pc:sldMkLst>
-          <pc:docMk/>
-          <pc:sldMk cId="830544632" sldId="581"/>
-        </pc:sldMkLst>
-      </pc:sldChg>
-      <pc:sldChg chg="del">
-        <pc:chgData name="Long B Nguyen" userId="f59fb8f3-a021-417a-8bc1-65c8d471c621" providerId="ADAL" clId="{0E2AE9A0-AA60-BB4A-B160-C870111F23F3}" dt="2021-05-04T16:19:25.283" v="16" actId="2696"/>
-        <pc:sldMkLst>
-          <pc:docMk/>
-          <pc:sldMk cId="1603111093" sldId="582"/>
-        </pc:sldMkLst>
-      </pc:sldChg>
-      <pc:sldChg chg="del">
-        <pc:chgData name="Long B Nguyen" userId="f59fb8f3-a021-417a-8bc1-65c8d471c621" providerId="ADAL" clId="{0E2AE9A0-AA60-BB4A-B160-C870111F23F3}" dt="2021-05-04T16:19:25.283" v="16" actId="2696"/>
-        <pc:sldMkLst>
-          <pc:docMk/>
-          <pc:sldMk cId="788052383" sldId="583"/>
-        </pc:sldMkLst>
-      </pc:sldChg>
-      <pc:sldChg chg="del">
-        <pc:chgData name="Long B Nguyen" userId="f59fb8f3-a021-417a-8bc1-65c8d471c621" providerId="ADAL" clId="{0E2AE9A0-AA60-BB4A-B160-C870111F23F3}" dt="2021-05-04T16:19:25.283" v="16" actId="2696"/>
-        <pc:sldMkLst>
-          <pc:docMk/>
-          <pc:sldMk cId="865366439" sldId="584"/>
-        </pc:sldMkLst>
-      </pc:sldChg>
-      <pc:sldChg chg="del">
-        <pc:chgData name="Long B Nguyen" userId="f59fb8f3-a021-417a-8bc1-65c8d471c621" providerId="ADAL" clId="{0E2AE9A0-AA60-BB4A-B160-C870111F23F3}" dt="2021-05-04T16:19:25.283" v="16" actId="2696"/>
-        <pc:sldMkLst>
-          <pc:docMk/>
-          <pc:sldMk cId="1535655186" sldId="585"/>
-        </pc:sldMkLst>
-      </pc:sldChg>
-      <pc:sldChg chg="del">
-        <pc:chgData name="Long B Nguyen" userId="f59fb8f3-a021-417a-8bc1-65c8d471c621" providerId="ADAL" clId="{0E2AE9A0-AA60-BB4A-B160-C870111F23F3}" dt="2021-05-04T16:19:25.283" v="16" actId="2696"/>
-        <pc:sldMkLst>
-          <pc:docMk/>
-          <pc:sldMk cId="976775625" sldId="586"/>
-        </pc:sldMkLst>
-      </pc:sldChg>
-      <pc:sldChg chg="del">
-        <pc:chgData name="Long B Nguyen" userId="f59fb8f3-a021-417a-8bc1-65c8d471c621" providerId="ADAL" clId="{0E2AE9A0-AA60-BB4A-B160-C870111F23F3}" dt="2021-05-04T16:19:25.283" v="16" actId="2696"/>
-        <pc:sldMkLst>
-          <pc:docMk/>
-          <pc:sldMk cId="419832948" sldId="587"/>
-        </pc:sldMkLst>
-      </pc:sldChg>
-      <pc:sldChg chg="addSp modSp add mod">
-        <pc:chgData name="Long B Nguyen" userId="f59fb8f3-a021-417a-8bc1-65c8d471c621" providerId="ADAL" clId="{0E2AE9A0-AA60-BB4A-B160-C870111F23F3}" dt="2021-05-06T04:39:59.717" v="5760"/>
-        <pc:sldMkLst>
-          <pc:docMk/>
-          <pc:sldMk cId="3124746191" sldId="588"/>
-        </pc:sldMkLst>
-        <pc:spChg chg="add mod">
-          <ac:chgData name="Long B Nguyen" userId="f59fb8f3-a021-417a-8bc1-65c8d471c621" providerId="ADAL" clId="{0E2AE9A0-AA60-BB4A-B160-C870111F23F3}" dt="2021-05-06T04:39:59.717" v="5760"/>
-          <ac:spMkLst>
-            <pc:docMk/>
-            <pc:sldMk cId="3124746191" sldId="588"/>
-            <ac:spMk id="2" creationId="{F18D6BF9-3478-624B-A505-7A23E9DDF205}"/>
-          </ac:spMkLst>
-        </pc:spChg>
-        <pc:spChg chg="mod">
-          <ac:chgData name="Long B Nguyen" userId="f59fb8f3-a021-417a-8bc1-65c8d471c621" providerId="ADAL" clId="{0E2AE9A0-AA60-BB4A-B160-C870111F23F3}" dt="2021-05-05T21:54:01.272" v="4280" actId="20577"/>
-          <ac:spMkLst>
-            <pc:docMk/>
-            <pc:sldMk cId="3124746191" sldId="588"/>
-            <ac:spMk id="47105" creationId="{C8154E32-04E5-994F-A863-516F32A3B719}"/>
-          </ac:spMkLst>
-        </pc:spChg>
-        <pc:spChg chg="mod">
-          <ac:chgData name="Long B Nguyen" userId="f59fb8f3-a021-417a-8bc1-65c8d471c621" providerId="ADAL" clId="{0E2AE9A0-AA60-BB4A-B160-C870111F23F3}" dt="2021-05-05T21:53:58.077" v="4269" actId="20577"/>
-          <ac:spMkLst>
-            <pc:docMk/>
-            <pc:sldMk cId="3124746191" sldId="588"/>
-            <ac:spMk id="47106" creationId="{03AAE472-E2B9-5B45-9120-3BE39D1BFBEC}"/>
-          </ac:spMkLst>
-        </pc:spChg>
-      </pc:sldChg>
-      <pc:sldChg chg="del">
-        <pc:chgData name="Long B Nguyen" userId="f59fb8f3-a021-417a-8bc1-65c8d471c621" providerId="ADAL" clId="{0E2AE9A0-AA60-BB4A-B160-C870111F23F3}" dt="2021-05-04T16:19:25.283" v="16" actId="2696"/>
-        <pc:sldMkLst>
-          <pc:docMk/>
-          <pc:sldMk cId="3142613135" sldId="588"/>
-        </pc:sldMkLst>
-      </pc:sldChg>
-      <pc:sldChg chg="addSp delSp modSp add mod modAnim">
-        <pc:chgData name="Long B Nguyen" userId="f59fb8f3-a021-417a-8bc1-65c8d471c621" providerId="ADAL" clId="{0E2AE9A0-AA60-BB4A-B160-C870111F23F3}" dt="2021-05-07T11:55:40.426" v="6390"/>
-        <pc:sldMkLst>
-          <pc:docMk/>
-          <pc:sldMk cId="2267031669" sldId="589"/>
-        </pc:sldMkLst>
-        <pc:spChg chg="add mod">
-          <ac:chgData name="Long B Nguyen" userId="f59fb8f3-a021-417a-8bc1-65c8d471c621" providerId="ADAL" clId="{0E2AE9A0-AA60-BB4A-B160-C870111F23F3}" dt="2021-05-06T04:39:59.717" v="5760"/>
-          <ac:spMkLst>
-            <pc:docMk/>
-            <pc:sldMk cId="2267031669" sldId="589"/>
-            <ac:spMk id="2" creationId="{AAE5DC38-A514-8846-BB0C-2845CB131A8A}"/>
-          </ac:spMkLst>
-        </pc:spChg>
-        <pc:spChg chg="add mod">
-          <ac:chgData name="Long B Nguyen" userId="f59fb8f3-a021-417a-8bc1-65c8d471c621" providerId="ADAL" clId="{0E2AE9A0-AA60-BB4A-B160-C870111F23F3}" dt="2021-05-07T11:55:30.477" v="6389" actId="1076"/>
-          <ac:spMkLst>
-            <pc:docMk/>
-            <pc:sldMk cId="2267031669" sldId="589"/>
-            <ac:spMk id="3" creationId="{157C9F1F-BE23-5541-957D-6CB6CA2E8125}"/>
-          </ac:spMkLst>
-        </pc:spChg>
-        <pc:spChg chg="mod">
-          <ac:chgData name="Long B Nguyen" userId="f59fb8f3-a021-417a-8bc1-65c8d471c621" providerId="ADAL" clId="{0E2AE9A0-AA60-BB4A-B160-C870111F23F3}" dt="2021-05-05T21:54:08.346" v="4282" actId="1076"/>
-          <ac:spMkLst>
-            <pc:docMk/>
-            <pc:sldMk cId="2267031669" sldId="589"/>
-            <ac:spMk id="48129" creationId="{033258B3-D657-F847-85DB-E79A81AC8073}"/>
-          </ac:spMkLst>
-        </pc:spChg>
-        <pc:spChg chg="del mod">
-          <ac:chgData name="Long B Nguyen" userId="f59fb8f3-a021-417a-8bc1-65c8d471c621" providerId="ADAL" clId="{0E2AE9A0-AA60-BB4A-B160-C870111F23F3}" dt="2021-05-05T21:54:14.846" v="4285" actId="478"/>
-          <ac:spMkLst>
-            <pc:docMk/>
-            <pc:sldMk cId="2267031669" sldId="589"/>
-            <ac:spMk id="48130" creationId="{CAD9A54B-7E1B-C741-A43A-58B1E3F34507}"/>
-          </ac:spMkLst>
-        </pc:spChg>
-        <pc:picChg chg="mod">
-          <ac:chgData name="Long B Nguyen" userId="f59fb8f3-a021-417a-8bc1-65c8d471c621" providerId="ADAL" clId="{0E2AE9A0-AA60-BB4A-B160-C870111F23F3}" dt="2021-05-07T11:55:19.867" v="6385" actId="1076"/>
-          <ac:picMkLst>
-            <pc:docMk/>
-            <pc:sldMk cId="2267031669" sldId="589"/>
-            <ac:picMk id="48131" creationId="{2083CB2E-F785-864C-8DF6-E24ED0222608}"/>
-          </ac:picMkLst>
-        </pc:picChg>
-      </pc:sldChg>
-      <pc:sldChg chg="del">
-        <pc:chgData name="Long B Nguyen" userId="f59fb8f3-a021-417a-8bc1-65c8d471c621" providerId="ADAL" clId="{0E2AE9A0-AA60-BB4A-B160-C870111F23F3}" dt="2021-05-04T16:19:25.283" v="16" actId="2696"/>
-        <pc:sldMkLst>
-          <pc:docMk/>
-          <pc:sldMk cId="2428880685" sldId="589"/>
-        </pc:sldMkLst>
-      </pc:sldChg>
-      <pc:sldChg chg="del">
-        <pc:chgData name="Long B Nguyen" userId="f59fb8f3-a021-417a-8bc1-65c8d471c621" providerId="ADAL" clId="{0E2AE9A0-AA60-BB4A-B160-C870111F23F3}" dt="2021-05-04T16:19:25.283" v="16" actId="2696"/>
-        <pc:sldMkLst>
-          <pc:docMk/>
-          <pc:sldMk cId="1250769370" sldId="590"/>
-        </pc:sldMkLst>
-      </pc:sldChg>
-      <pc:sldChg chg="del">
-        <pc:chgData name="Long B Nguyen" userId="f59fb8f3-a021-417a-8bc1-65c8d471c621" providerId="ADAL" clId="{0E2AE9A0-AA60-BB4A-B160-C870111F23F3}" dt="2021-05-04T16:19:25.283" v="16" actId="2696"/>
-        <pc:sldMkLst>
-          <pc:docMk/>
-          <pc:sldMk cId="4161194987" sldId="591"/>
-        </pc:sldMkLst>
-      </pc:sldChg>
-      <pc:sldChg chg="del">
-        <pc:chgData name="Long B Nguyen" userId="f59fb8f3-a021-417a-8bc1-65c8d471c621" providerId="ADAL" clId="{0E2AE9A0-AA60-BB4A-B160-C870111F23F3}" dt="2021-05-04T16:19:25.283" v="16" actId="2696"/>
-        <pc:sldMkLst>
-          <pc:docMk/>
-          <pc:sldMk cId="3535386674" sldId="593"/>
-        </pc:sldMkLst>
-      </pc:sldChg>
-      <pc:sldChg chg="del">
-        <pc:chgData name="Long B Nguyen" userId="f59fb8f3-a021-417a-8bc1-65c8d471c621" providerId="ADAL" clId="{0E2AE9A0-AA60-BB4A-B160-C870111F23F3}" dt="2021-05-04T16:19:25.283" v="16" actId="2696"/>
-        <pc:sldMkLst>
-          <pc:docMk/>
-          <pc:sldMk cId="1476079720" sldId="594"/>
-        </pc:sldMkLst>
-      </pc:sldChg>
-      <pc:sldChg chg="addSp modSp add mod modAnim">
-        <pc:chgData name="Long B Nguyen" userId="f59fb8f3-a021-417a-8bc1-65c8d471c621" providerId="ADAL" clId="{0E2AE9A0-AA60-BB4A-B160-C870111F23F3}" dt="2021-05-06T04:39:59.717" v="5760"/>
-        <pc:sldMkLst>
-          <pc:docMk/>
-          <pc:sldMk cId="1028645906" sldId="598"/>
-        </pc:sldMkLst>
-        <pc:spChg chg="add mod">
-          <ac:chgData name="Long B Nguyen" userId="f59fb8f3-a021-417a-8bc1-65c8d471c621" providerId="ADAL" clId="{0E2AE9A0-AA60-BB4A-B160-C870111F23F3}" dt="2021-05-06T04:39:59.717" v="5760"/>
-          <ac:spMkLst>
-            <pc:docMk/>
-            <pc:sldMk cId="1028645906" sldId="598"/>
-            <ac:spMk id="2" creationId="{A4CB0179-28F5-974A-B202-8BFC596C0093}"/>
-          </ac:spMkLst>
-        </pc:spChg>
-        <pc:spChg chg="mod">
-          <ac:chgData name="Long B Nguyen" userId="f59fb8f3-a021-417a-8bc1-65c8d471c621" providerId="ADAL" clId="{0E2AE9A0-AA60-BB4A-B160-C870111F23F3}" dt="2021-05-05T22:06:46.437" v="4530" actId="113"/>
-          <ac:spMkLst>
-            <pc:docMk/>
-            <pc:sldMk cId="1028645906" sldId="598"/>
-            <ac:spMk id="26627" creationId="{BD7CEE5B-C52A-794A-BCE5-C92159F2026F}"/>
-          </ac:spMkLst>
-        </pc:spChg>
-        <pc:spChg chg="mod">
-          <ac:chgData name="Long B Nguyen" userId="f59fb8f3-a021-417a-8bc1-65c8d471c621" providerId="ADAL" clId="{0E2AE9A0-AA60-BB4A-B160-C870111F23F3}" dt="2021-05-05T21:45:53.341" v="3989" actId="20577"/>
-          <ac:spMkLst>
-            <pc:docMk/>
-            <pc:sldMk cId="1028645906" sldId="598"/>
-            <ac:spMk id="40961" creationId="{FE63D7D0-16AC-974E-AF55-6BAED8C880F6}"/>
-          </ac:spMkLst>
-        </pc:spChg>
-      </pc:sldChg>
-      <pc:sldChg chg="addSp modSp add mod modAnim">
-        <pc:chgData name="Long B Nguyen" userId="f59fb8f3-a021-417a-8bc1-65c8d471c621" providerId="ADAL" clId="{0E2AE9A0-AA60-BB4A-B160-C870111F23F3}" dt="2021-05-06T16:55:40.477" v="5821" actId="255"/>
-        <pc:sldMkLst>
-          <pc:docMk/>
-          <pc:sldMk cId="3182606397" sldId="600"/>
-        </pc:sldMkLst>
-        <pc:spChg chg="add mod">
-          <ac:chgData name="Long B Nguyen" userId="f59fb8f3-a021-417a-8bc1-65c8d471c621" providerId="ADAL" clId="{0E2AE9A0-AA60-BB4A-B160-C870111F23F3}" dt="2021-05-06T04:39:59.717" v="5760"/>
-          <ac:spMkLst>
-            <pc:docMk/>
-            <pc:sldMk cId="3182606397" sldId="600"/>
-            <ac:spMk id="2" creationId="{E84E7056-87A5-0548-98A6-537CA8B5F75C}"/>
-          </ac:spMkLst>
-        </pc:spChg>
-        <pc:spChg chg="mod">
-          <ac:chgData name="Long B Nguyen" userId="f59fb8f3-a021-417a-8bc1-65c8d471c621" providerId="ADAL" clId="{0E2AE9A0-AA60-BB4A-B160-C870111F23F3}" dt="2021-05-06T16:55:40.477" v="5821" actId="255"/>
-          <ac:spMkLst>
-            <pc:docMk/>
-            <pc:sldMk cId="3182606397" sldId="600"/>
-            <ac:spMk id="26627" creationId="{B6877C2B-693C-FB47-8825-67E05FA1C999}"/>
-          </ac:spMkLst>
-        </pc:spChg>
-        <pc:spChg chg="mod">
-          <ac:chgData name="Long B Nguyen" userId="f59fb8f3-a021-417a-8bc1-65c8d471c621" providerId="ADAL" clId="{0E2AE9A0-AA60-BB4A-B160-C870111F23F3}" dt="2021-05-05T21:52:36.311" v="4215" actId="2711"/>
-          <ac:spMkLst>
-            <pc:docMk/>
-            <pc:sldMk cId="3182606397" sldId="600"/>
-            <ac:spMk id="43009" creationId="{1CB6B526-C09C-C949-9FC4-4AD8C5153452}"/>
-          </ac:spMkLst>
-        </pc:spChg>
-      </pc:sldChg>
-      <pc:sldChg chg="addSp modSp add mod">
-        <pc:chgData name="Long B Nguyen" userId="f59fb8f3-a021-417a-8bc1-65c8d471c621" providerId="ADAL" clId="{0E2AE9A0-AA60-BB4A-B160-C870111F23F3}" dt="2021-05-07T11:53:49.995" v="6218" actId="20577"/>
-        <pc:sldMkLst>
-          <pc:docMk/>
-          <pc:sldMk cId="1311847592" sldId="601"/>
-        </pc:sldMkLst>
-        <pc:spChg chg="add mod">
-          <ac:chgData name="Long B Nguyen" userId="f59fb8f3-a021-417a-8bc1-65c8d471c621" providerId="ADAL" clId="{0E2AE9A0-AA60-BB4A-B160-C870111F23F3}" dt="2021-05-06T04:39:59.717" v="5760"/>
-          <ac:spMkLst>
-            <pc:docMk/>
-            <pc:sldMk cId="1311847592" sldId="601"/>
-            <ac:spMk id="2" creationId="{11284210-85DA-994B-BD88-E726FFF952BC}"/>
-          </ac:spMkLst>
-        </pc:spChg>
-        <pc:spChg chg="mod">
-          <ac:chgData name="Long B Nguyen" userId="f59fb8f3-a021-417a-8bc1-65c8d471c621" providerId="ADAL" clId="{0E2AE9A0-AA60-BB4A-B160-C870111F23F3}" dt="2021-05-07T11:53:49.995" v="6218" actId="20577"/>
-          <ac:spMkLst>
-            <pc:docMk/>
-            <pc:sldMk cId="1311847592" sldId="601"/>
-            <ac:spMk id="26627" creationId="{2D82B300-4359-6C4B-BE04-DC6C746710D1}"/>
-          </ac:spMkLst>
-        </pc:spChg>
-        <pc:spChg chg="mod">
-          <ac:chgData name="Long B Nguyen" userId="f59fb8f3-a021-417a-8bc1-65c8d471c621" providerId="ADAL" clId="{0E2AE9A0-AA60-BB4A-B160-C870111F23F3}" dt="2021-05-05T21:52:54.612" v="4220" actId="1076"/>
-          <ac:spMkLst>
-            <pc:docMk/>
-            <pc:sldMk cId="1311847592" sldId="601"/>
-            <ac:spMk id="45057" creationId="{D6723D76-6113-A446-B182-A2F6E655CF5E}"/>
-          </ac:spMkLst>
-        </pc:spChg>
-      </pc:sldChg>
-      <pc:sldChg chg="addSp modSp add mod modAnim">
-        <pc:chgData name="Long B Nguyen" userId="f59fb8f3-a021-417a-8bc1-65c8d471c621" providerId="ADAL" clId="{0E2AE9A0-AA60-BB4A-B160-C870111F23F3}" dt="2021-05-06T04:39:59.717" v="5760"/>
-        <pc:sldMkLst>
-          <pc:docMk/>
-          <pc:sldMk cId="62773732" sldId="602"/>
-        </pc:sldMkLst>
-        <pc:spChg chg="add mod">
-          <ac:chgData name="Long B Nguyen" userId="f59fb8f3-a021-417a-8bc1-65c8d471c621" providerId="ADAL" clId="{0E2AE9A0-AA60-BB4A-B160-C870111F23F3}" dt="2021-05-06T04:39:59.717" v="5760"/>
-          <ac:spMkLst>
-            <pc:docMk/>
-            <pc:sldMk cId="62773732" sldId="602"/>
-            <ac:spMk id="2" creationId="{694758AE-C7B2-8844-866A-6BF5B60A2629}"/>
-          </ac:spMkLst>
-        </pc:spChg>
-        <pc:spChg chg="mod">
-          <ac:chgData name="Long B Nguyen" userId="f59fb8f3-a021-417a-8bc1-65c8d471c621" providerId="ADAL" clId="{0E2AE9A0-AA60-BB4A-B160-C870111F23F3}" dt="2021-05-06T04:32:00.312" v="5759" actId="20577"/>
-          <ac:spMkLst>
-            <pc:docMk/>
-            <pc:sldMk cId="62773732" sldId="602"/>
-            <ac:spMk id="26627" creationId="{AA018CDD-1CB9-8C4C-87A2-C27A2A82440A}"/>
-          </ac:spMkLst>
-        </pc:spChg>
-        <pc:spChg chg="mod">
-          <ac:chgData name="Long B Nguyen" userId="f59fb8f3-a021-417a-8bc1-65c8d471c621" providerId="ADAL" clId="{0E2AE9A0-AA60-BB4A-B160-C870111F23F3}" dt="2021-05-05T21:56:42.424" v="4290" actId="1076"/>
-          <ac:spMkLst>
-            <pc:docMk/>
-            <pc:sldMk cId="62773732" sldId="602"/>
-            <ac:spMk id="49153" creationId="{10DC4524-FEAA-1C43-9A5F-D4EED83A9121}"/>
-          </ac:spMkLst>
-        </pc:spChg>
-      </pc:sldChg>
-      <pc:sldChg chg="modSp add del mod modAnim">
-        <pc:chgData name="Long B Nguyen" userId="f59fb8f3-a021-417a-8bc1-65c8d471c621" providerId="ADAL" clId="{0E2AE9A0-AA60-BB4A-B160-C870111F23F3}" dt="2021-05-06T04:30:26.655" v="5754" actId="2696"/>
-        <pc:sldMkLst>
-          <pc:docMk/>
-          <pc:sldMk cId="1303734712" sldId="603"/>
-        </pc:sldMkLst>
-        <pc:spChg chg="mod">
-          <ac:chgData name="Long B Nguyen" userId="f59fb8f3-a021-417a-8bc1-65c8d471c621" providerId="ADAL" clId="{0E2AE9A0-AA60-BB4A-B160-C870111F23F3}" dt="2021-05-05T22:08:04.928" v="4534" actId="113"/>
-          <ac:spMkLst>
-            <pc:docMk/>
-            <pc:sldMk cId="1303734712" sldId="603"/>
-            <ac:spMk id="26627" creationId="{DA672C56-62F0-594F-AFAC-95BCFCA25F4F}"/>
-          </ac:spMkLst>
-        </pc:spChg>
-        <pc:spChg chg="mod">
-          <ac:chgData name="Long B Nguyen" userId="f59fb8f3-a021-417a-8bc1-65c8d471c621" providerId="ADAL" clId="{0E2AE9A0-AA60-BB4A-B160-C870111F23F3}" dt="2021-05-05T22:04:56.968" v="4463" actId="1076"/>
-          <ac:spMkLst>
-            <pc:docMk/>
-            <pc:sldMk cId="1303734712" sldId="603"/>
-            <ac:spMk id="51201" creationId="{CABF62BB-E8D7-884B-841B-9A86F9A3210B}"/>
-          </ac:spMkLst>
-        </pc:spChg>
-      </pc:sldChg>
-      <pc:sldChg chg="modSp add del mod">
-        <pc:chgData name="Long B Nguyen" userId="f59fb8f3-a021-417a-8bc1-65c8d471c621" providerId="ADAL" clId="{0E2AE9A0-AA60-BB4A-B160-C870111F23F3}" dt="2021-05-06T04:30:26.655" v="5754" actId="2696"/>
-        <pc:sldMkLst>
-          <pc:docMk/>
-          <pc:sldMk cId="3406913709" sldId="604"/>
-        </pc:sldMkLst>
-        <pc:spChg chg="mod">
-          <ac:chgData name="Long B Nguyen" userId="f59fb8f3-a021-417a-8bc1-65c8d471c621" providerId="ADAL" clId="{0E2AE9A0-AA60-BB4A-B160-C870111F23F3}" dt="2021-05-05T22:08:29.990" v="4543" actId="2711"/>
-          <ac:spMkLst>
-            <pc:docMk/>
-            <pc:sldMk cId="3406913709" sldId="604"/>
-            <ac:spMk id="26627" creationId="{DB54BE9F-9FF4-8943-9076-C1A8397CB6C0}"/>
-          </ac:spMkLst>
-        </pc:spChg>
-        <pc:spChg chg="mod">
-          <ac:chgData name="Long B Nguyen" userId="f59fb8f3-a021-417a-8bc1-65c8d471c621" providerId="ADAL" clId="{0E2AE9A0-AA60-BB4A-B160-C870111F23F3}" dt="2021-05-05T22:08:12.883" v="4536" actId="1076"/>
-          <ac:spMkLst>
-            <pc:docMk/>
-            <pc:sldMk cId="3406913709" sldId="604"/>
-            <ac:spMk id="53249" creationId="{011FE95C-874D-6A41-8E58-8B312CEF906B}"/>
-          </ac:spMkLst>
-        </pc:spChg>
-      </pc:sldChg>
-      <pc:sldChg chg="modSp add del mod">
-        <pc:chgData name="Long B Nguyen" userId="f59fb8f3-a021-417a-8bc1-65c8d471c621" providerId="ADAL" clId="{0E2AE9A0-AA60-BB4A-B160-C870111F23F3}" dt="2021-05-06T04:30:30.329" v="5755" actId="2696"/>
-        <pc:sldMkLst>
-          <pc:docMk/>
-          <pc:sldMk cId="1178120386" sldId="605"/>
-        </pc:sldMkLst>
-        <pc:spChg chg="mod">
-          <ac:chgData name="Long B Nguyen" userId="f59fb8f3-a021-417a-8bc1-65c8d471c621" providerId="ADAL" clId="{0E2AE9A0-AA60-BB4A-B160-C870111F23F3}" dt="2021-05-05T22:09:04.619" v="4555" actId="14100"/>
-          <ac:spMkLst>
-            <pc:docMk/>
-            <pc:sldMk cId="1178120386" sldId="605"/>
-            <ac:spMk id="26627" creationId="{5ECF4887-5E6B-1943-A540-770B2CF1125F}"/>
-          </ac:spMkLst>
-        </pc:spChg>
-        <pc:spChg chg="mod">
-          <ac:chgData name="Long B Nguyen" userId="f59fb8f3-a021-417a-8bc1-65c8d471c621" providerId="ADAL" clId="{0E2AE9A0-AA60-BB4A-B160-C870111F23F3}" dt="2021-05-05T22:09:01.690" v="4554" actId="2711"/>
-          <ac:spMkLst>
-            <pc:docMk/>
-            <pc:sldMk cId="1178120386" sldId="605"/>
-            <ac:spMk id="55297" creationId="{CC80E267-EFF6-4245-9741-747FE4D6799E}"/>
-          </ac:spMkLst>
-        </pc:spChg>
-      </pc:sldChg>
-      <pc:sldChg chg="addSp modSp add mod modAnim">
-        <pc:chgData name="Long B Nguyen" userId="f59fb8f3-a021-417a-8bc1-65c8d471c621" providerId="ADAL" clId="{0E2AE9A0-AA60-BB4A-B160-C870111F23F3}" dt="2021-05-06T04:39:59.717" v="5760"/>
-        <pc:sldMkLst>
-          <pc:docMk/>
-          <pc:sldMk cId="51278377" sldId="608"/>
-        </pc:sldMkLst>
-        <pc:spChg chg="add mod">
-          <ac:chgData name="Long B Nguyen" userId="f59fb8f3-a021-417a-8bc1-65c8d471c621" providerId="ADAL" clId="{0E2AE9A0-AA60-BB4A-B160-C870111F23F3}" dt="2021-05-06T04:39:59.717" v="5760"/>
-          <ac:spMkLst>
-            <pc:docMk/>
-            <pc:sldMk cId="51278377" sldId="608"/>
-            <ac:spMk id="2" creationId="{890C1C5E-5C56-5440-8BE4-54237F383ACA}"/>
-          </ac:spMkLst>
-        </pc:spChg>
-        <pc:spChg chg="mod">
-          <ac:chgData name="Long B Nguyen" userId="f59fb8f3-a021-417a-8bc1-65c8d471c621" providerId="ADAL" clId="{0E2AE9A0-AA60-BB4A-B160-C870111F23F3}" dt="2021-05-05T22:12:39.852" v="4747" actId="20577"/>
-          <ac:spMkLst>
-            <pc:docMk/>
-            <pc:sldMk cId="51278377" sldId="608"/>
-            <ac:spMk id="26627" creationId="{2866E521-C643-A640-8C85-770D4B956A75}"/>
-          </ac:spMkLst>
-        </pc:spChg>
-        <pc:spChg chg="mod">
-          <ac:chgData name="Long B Nguyen" userId="f59fb8f3-a021-417a-8bc1-65c8d471c621" providerId="ADAL" clId="{0E2AE9A0-AA60-BB4A-B160-C870111F23F3}" dt="2021-05-05T22:09:34.894" v="4563" actId="2711"/>
-          <ac:spMkLst>
-            <pc:docMk/>
-            <pc:sldMk cId="51278377" sldId="608"/>
-            <ac:spMk id="57345" creationId="{53AFC3D9-E72E-2B4F-B892-82CAC5FCF163}"/>
-          </ac:spMkLst>
-        </pc:spChg>
-      </pc:sldChg>
-      <pc:sldChg chg="addSp modSp add mod modAnim">
-        <pc:chgData name="Long B Nguyen" userId="f59fb8f3-a021-417a-8bc1-65c8d471c621" providerId="ADAL" clId="{0E2AE9A0-AA60-BB4A-B160-C870111F23F3}" dt="2021-05-06T04:39:59.717" v="5760"/>
-        <pc:sldMkLst>
-          <pc:docMk/>
-          <pc:sldMk cId="2892160896" sldId="609"/>
-        </pc:sldMkLst>
-        <pc:spChg chg="add mod">
-          <ac:chgData name="Long B Nguyen" userId="f59fb8f3-a021-417a-8bc1-65c8d471c621" providerId="ADAL" clId="{0E2AE9A0-AA60-BB4A-B160-C870111F23F3}" dt="2021-05-06T04:39:59.717" v="5760"/>
-          <ac:spMkLst>
-            <pc:docMk/>
-            <pc:sldMk cId="2892160896" sldId="609"/>
-            <ac:spMk id="2" creationId="{86F49B2A-4E0E-E54E-AC2E-88FD75DD53ED}"/>
-          </ac:spMkLst>
-        </pc:spChg>
-        <pc:spChg chg="mod">
-          <ac:chgData name="Long B Nguyen" userId="f59fb8f3-a021-417a-8bc1-65c8d471c621" providerId="ADAL" clId="{0E2AE9A0-AA60-BB4A-B160-C870111F23F3}" dt="2021-05-05T22:26:44.554" v="5586" actId="20577"/>
-          <ac:spMkLst>
-            <pc:docMk/>
-            <pc:sldMk cId="2892160896" sldId="609"/>
-            <ac:spMk id="26627" creationId="{7661587A-2BF3-9445-BC18-44350E3935D4}"/>
-          </ac:spMkLst>
-        </pc:spChg>
-        <pc:spChg chg="mod">
-          <ac:chgData name="Long B Nguyen" userId="f59fb8f3-a021-417a-8bc1-65c8d471c621" providerId="ADAL" clId="{0E2AE9A0-AA60-BB4A-B160-C870111F23F3}" dt="2021-05-05T22:09:42.112" v="4565" actId="1076"/>
-          <ac:spMkLst>
-            <pc:docMk/>
-            <pc:sldMk cId="2892160896" sldId="609"/>
-            <ac:spMk id="59393" creationId="{ED11F17B-90BB-E643-864C-A7CD96ECBCD5}"/>
-          </ac:spMkLst>
-        </pc:spChg>
-      </pc:sldChg>
-      <pc:sldChg chg="modSp add del mod">
-        <pc:chgData name="Long B Nguyen" userId="f59fb8f3-a021-417a-8bc1-65c8d471c621" providerId="ADAL" clId="{0E2AE9A0-AA60-BB4A-B160-C870111F23F3}" dt="2021-05-05T22:24:47.654" v="5447" actId="2696"/>
-        <pc:sldMkLst>
-          <pc:docMk/>
-          <pc:sldMk cId="4265832579" sldId="611"/>
-        </pc:sldMkLst>
-        <pc:spChg chg="mod">
-          <ac:chgData name="Long B Nguyen" userId="f59fb8f3-a021-417a-8bc1-65c8d471c621" providerId="ADAL" clId="{0E2AE9A0-AA60-BB4A-B160-C870111F23F3}" dt="2021-05-05T22:23:40.889" v="5437" actId="21"/>
-          <ac:spMkLst>
-            <pc:docMk/>
-            <pc:sldMk cId="4265832579" sldId="611"/>
-            <ac:spMk id="26627" creationId="{C0CBE1A7-72E6-1D40-A88E-F7445875D7E7}"/>
-          </ac:spMkLst>
-        </pc:spChg>
-      </pc:sldChg>
-      <pc:sldChg chg="addSp modSp add modAnim">
-        <pc:chgData name="Long B Nguyen" userId="f59fb8f3-a021-417a-8bc1-65c8d471c621" providerId="ADAL" clId="{0E2AE9A0-AA60-BB4A-B160-C870111F23F3}" dt="2021-05-06T04:39:59.717" v="5760"/>
-        <pc:sldMkLst>
-          <pc:docMk/>
-          <pc:sldMk cId="892130114" sldId="612"/>
-        </pc:sldMkLst>
-        <pc:spChg chg="add mod">
-          <ac:chgData name="Long B Nguyen" userId="f59fb8f3-a021-417a-8bc1-65c8d471c621" providerId="ADAL" clId="{0E2AE9A0-AA60-BB4A-B160-C870111F23F3}" dt="2021-05-06T04:39:59.717" v="5760"/>
-          <ac:spMkLst>
-            <pc:docMk/>
-            <pc:sldMk cId="892130114" sldId="612"/>
-            <ac:spMk id="2" creationId="{699FD964-70C4-F341-B4C5-F152247F1F1B}"/>
-          </ac:spMkLst>
-        </pc:spChg>
-      </pc:sldChg>
-      <pc:sldChg chg="addSp modSp add mod modAnim">
-        <pc:chgData name="Long B Nguyen" userId="f59fb8f3-a021-417a-8bc1-65c8d471c621" providerId="ADAL" clId="{0E2AE9A0-AA60-BB4A-B160-C870111F23F3}" dt="2021-05-06T04:39:59.717" v="5760"/>
-        <pc:sldMkLst>
-          <pc:docMk/>
-          <pc:sldMk cId="1241156272" sldId="613"/>
-        </pc:sldMkLst>
-        <pc:spChg chg="add mod">
-          <ac:chgData name="Long B Nguyen" userId="f59fb8f3-a021-417a-8bc1-65c8d471c621" providerId="ADAL" clId="{0E2AE9A0-AA60-BB4A-B160-C870111F23F3}" dt="2021-05-06T04:39:59.717" v="5760"/>
-          <ac:spMkLst>
-            <pc:docMk/>
-            <pc:sldMk cId="1241156272" sldId="613"/>
-            <ac:spMk id="2" creationId="{502FCDCF-F7A3-194E-B43B-D9F5FB7BDC6F}"/>
-          </ac:spMkLst>
-        </pc:spChg>
-        <pc:spChg chg="mod">
-          <ac:chgData name="Long B Nguyen" userId="f59fb8f3-a021-417a-8bc1-65c8d471c621" providerId="ADAL" clId="{0E2AE9A0-AA60-BB4A-B160-C870111F23F3}" dt="2021-05-06T03:46:24.689" v="5715" actId="20577"/>
-          <ac:spMkLst>
-            <pc:docMk/>
-            <pc:sldMk cId="1241156272" sldId="613"/>
-            <ac:spMk id="26627" creationId="{7661587A-2BF3-9445-BC18-44350E3935D4}"/>
-          </ac:spMkLst>
-        </pc:spChg>
-        <pc:spChg chg="mod">
-          <ac:chgData name="Long B Nguyen" userId="f59fb8f3-a021-417a-8bc1-65c8d471c621" providerId="ADAL" clId="{0E2AE9A0-AA60-BB4A-B160-C870111F23F3}" dt="2021-05-05T22:23:48.096" v="5440" actId="1076"/>
-          <ac:spMkLst>
-            <pc:docMk/>
-            <pc:sldMk cId="1241156272" sldId="613"/>
-            <ac:spMk id="59393" creationId="{ED11F17B-90BB-E643-864C-A7CD96ECBCD5}"/>
-          </ac:spMkLst>
-        </pc:spChg>
-      </pc:sldChg>
-      <pc:sldChg chg="addSp modSp new del">
-        <pc:chgData name="Long B Nguyen" userId="f59fb8f3-a021-417a-8bc1-65c8d471c621" providerId="ADAL" clId="{0E2AE9A0-AA60-BB4A-B160-C870111F23F3}" dt="2021-05-06T04:11:03.423" v="5731" actId="2696"/>
-        <pc:sldMkLst>
-          <pc:docMk/>
-          <pc:sldMk cId="4126330051" sldId="614"/>
-        </pc:sldMkLst>
-        <pc:picChg chg="add mod">
-          <ac:chgData name="Long B Nguyen" userId="f59fb8f3-a021-417a-8bc1-65c8d471c621" providerId="ADAL" clId="{0E2AE9A0-AA60-BB4A-B160-C870111F23F3}" dt="2021-05-06T04:08:58.241" v="5721" actId="1076"/>
-          <ac:picMkLst>
-            <pc:docMk/>
-            <pc:sldMk cId="4126330051" sldId="614"/>
-            <ac:picMk id="1026" creationId="{5274FBAC-585F-3F40-BD56-B1619D8E0B32}"/>
-          </ac:picMkLst>
-        </pc:picChg>
-      </pc:sldChg>
-      <pc:sldChg chg="addSp modSp new">
-        <pc:chgData name="Long B Nguyen" userId="f59fb8f3-a021-417a-8bc1-65c8d471c621" providerId="ADAL" clId="{0E2AE9A0-AA60-BB4A-B160-C870111F23F3}" dt="2021-05-06T04:16:04.349" v="5736" actId="1076"/>
-        <pc:sldMkLst>
-          <pc:docMk/>
-          <pc:sldMk cId="4014748011" sldId="615"/>
-        </pc:sldMkLst>
-        <pc:picChg chg="add mod">
-          <ac:chgData name="Long B Nguyen" userId="f59fb8f3-a021-417a-8bc1-65c8d471c621" providerId="ADAL" clId="{0E2AE9A0-AA60-BB4A-B160-C870111F23F3}" dt="2021-05-06T04:16:04.349" v="5736" actId="1076"/>
-          <ac:picMkLst>
-            <pc:docMk/>
-            <pc:sldMk cId="4014748011" sldId="615"/>
-            <ac:picMk id="2050" creationId="{4C1A8568-6BE7-864B-9CB6-B14EFA657C18}"/>
-          </ac:picMkLst>
-        </pc:picChg>
-      </pc:sldChg>
-      <pc:sldChg chg="addSp modSp new">
-        <pc:chgData name="Long B Nguyen" userId="f59fb8f3-a021-417a-8bc1-65c8d471c621" providerId="ADAL" clId="{0E2AE9A0-AA60-BB4A-B160-C870111F23F3}" dt="2021-05-06T04:10:02.295" v="5730" actId="14100"/>
-        <pc:sldMkLst>
-          <pc:docMk/>
-          <pc:sldMk cId="445830501" sldId="616"/>
-        </pc:sldMkLst>
-        <pc:picChg chg="add mod">
-          <ac:chgData name="Long B Nguyen" userId="f59fb8f3-a021-417a-8bc1-65c8d471c621" providerId="ADAL" clId="{0E2AE9A0-AA60-BB4A-B160-C870111F23F3}" dt="2021-05-06T04:10:02.295" v="5730" actId="14100"/>
-          <ac:picMkLst>
-            <pc:docMk/>
-            <pc:sldMk cId="445830501" sldId="616"/>
-            <ac:picMk id="3074" creationId="{99CCC77D-1423-344F-B685-CB69DFD3690B}"/>
-          </ac:picMkLst>
-        </pc:picChg>
-      </pc:sldChg>
-      <pc:sldChg chg="addSp modSp new">
-        <pc:chgData name="Long B Nguyen" userId="f59fb8f3-a021-417a-8bc1-65c8d471c621" providerId="ADAL" clId="{0E2AE9A0-AA60-BB4A-B160-C870111F23F3}" dt="2021-05-06T04:15:59.768" v="5735" actId="1076"/>
-        <pc:sldMkLst>
-          <pc:docMk/>
-          <pc:sldMk cId="3966117082" sldId="617"/>
-        </pc:sldMkLst>
-        <pc:picChg chg="add mod">
-          <ac:chgData name="Long B Nguyen" userId="f59fb8f3-a021-417a-8bc1-65c8d471c621" providerId="ADAL" clId="{0E2AE9A0-AA60-BB4A-B160-C870111F23F3}" dt="2021-05-06T04:15:59.768" v="5735" actId="1076"/>
-          <ac:picMkLst>
-            <pc:docMk/>
-            <pc:sldMk cId="3966117082" sldId="617"/>
-            <ac:picMk id="4098" creationId="{D04E949F-75DA-9B49-B3E8-E0770B3290B3}"/>
-          </ac:picMkLst>
-        </pc:picChg>
-      </pc:sldChg>
-      <pc:sldChg chg="modSp new mod">
-        <pc:chgData name="Long B Nguyen" userId="f59fb8f3-a021-417a-8bc1-65c8d471c621" providerId="ADAL" clId="{0E2AE9A0-AA60-BB4A-B160-C870111F23F3}" dt="2021-05-06T04:19:32.208" v="5753" actId="20577"/>
-        <pc:sldMkLst>
-          <pc:docMk/>
-          <pc:sldMk cId="1946329213" sldId="618"/>
-        </pc:sldMkLst>
-        <pc:spChg chg="mod">
-          <ac:chgData name="Long B Nguyen" userId="f59fb8f3-a021-417a-8bc1-65c8d471c621" providerId="ADAL" clId="{0E2AE9A0-AA60-BB4A-B160-C870111F23F3}" dt="2021-05-06T04:19:09.983" v="5748" actId="20577"/>
-          <ac:spMkLst>
-            <pc:docMk/>
-            <pc:sldMk cId="1946329213" sldId="618"/>
-            <ac:spMk id="2" creationId="{5377AA73-DC96-0B4E-8504-96B84F7CAE34}"/>
-          </ac:spMkLst>
-        </pc:spChg>
-        <pc:spChg chg="mod">
-          <ac:chgData name="Long B Nguyen" userId="f59fb8f3-a021-417a-8bc1-65c8d471c621" providerId="ADAL" clId="{0E2AE9A0-AA60-BB4A-B160-C870111F23F3}" dt="2021-05-06T04:19:32.208" v="5753" actId="20577"/>
-          <ac:spMkLst>
-            <pc:docMk/>
-            <pc:sldMk cId="1946329213" sldId="618"/>
-            <ac:spMk id="3" creationId="{68EE4754-4E64-0E43-8081-45CEF8E72EE2}"/>
-          </ac:spMkLst>
-        </pc:spChg>
-      </pc:sldChg>
-      <pc:sldChg chg="modSp add del mod modAnim">
-        <pc:chgData name="Long B Nguyen" userId="f59fb8f3-a021-417a-8bc1-65c8d471c621" providerId="ADAL" clId="{0E2AE9A0-AA60-BB4A-B160-C870111F23F3}" dt="2021-05-07T13:34:31.226" v="6592" actId="2696"/>
-        <pc:sldMkLst>
-          <pc:docMk/>
-          <pc:sldMk cId="328759724" sldId="619"/>
-        </pc:sldMkLst>
-        <pc:spChg chg="mod">
-          <ac:chgData name="Long B Nguyen" userId="f59fb8f3-a021-417a-8bc1-65c8d471c621" providerId="ADAL" clId="{0E2AE9A0-AA60-BB4A-B160-C870111F23F3}" dt="2021-05-07T11:57:04.458" v="6446" actId="20577"/>
-          <ac:spMkLst>
-            <pc:docMk/>
-            <pc:sldMk cId="328759724" sldId="619"/>
-            <ac:spMk id="6146" creationId="{EAA042DF-FAF2-DA4B-9FB9-A8E93FAB0389}"/>
-          </ac:spMkLst>
-        </pc:spChg>
-        <pc:spChg chg="mod">
-          <ac:chgData name="Long B Nguyen" userId="f59fb8f3-a021-417a-8bc1-65c8d471c621" providerId="ADAL" clId="{0E2AE9A0-AA60-BB4A-B160-C870111F23F3}" dt="2021-05-07T11:57:01.423" v="6445" actId="20577"/>
-          <ac:spMkLst>
-            <pc:docMk/>
-            <pc:sldMk cId="328759724" sldId="619"/>
-            <ac:spMk id="186370" creationId="{C5506108-D6E6-9641-98CC-A9DA92AF0478}"/>
-          </ac:spMkLst>
-        </pc:spChg>
-      </pc:sldChg>
-      <pc:sldChg chg="add del">
-        <pc:chgData name="Long B Nguyen" userId="f59fb8f3-a021-417a-8bc1-65c8d471c621" providerId="ADAL" clId="{0E2AE9A0-AA60-BB4A-B160-C870111F23F3}" dt="2021-05-07T15:45:52.264" v="6616" actId="2696"/>
-        <pc:sldMkLst>
-          <pc:docMk/>
-          <pc:sldMk cId="3714703612" sldId="619"/>
-        </pc:sldMkLst>
-      </pc:sldChg>
-      <pc:sldChg chg="modSp add mod modAnim">
-        <pc:chgData name="Long B Nguyen" userId="f59fb8f3-a021-417a-8bc1-65c8d471c621" providerId="ADAL" clId="{0E2AE9A0-AA60-BB4A-B160-C870111F23F3}" dt="2021-05-07T12:02:33.220" v="6553"/>
-        <pc:sldMkLst>
-          <pc:docMk/>
-          <pc:sldMk cId="2497825085" sldId="620"/>
-        </pc:sldMkLst>
-        <pc:spChg chg="mod">
-          <ac:chgData name="Long B Nguyen" userId="f59fb8f3-a021-417a-8bc1-65c8d471c621" providerId="ADAL" clId="{0E2AE9A0-AA60-BB4A-B160-C870111F23F3}" dt="2021-05-07T12:02:17.851" v="6550" actId="20577"/>
-          <ac:spMkLst>
-            <pc:docMk/>
-            <pc:sldMk cId="2497825085" sldId="620"/>
-            <ac:spMk id="6146" creationId="{EAA042DF-FAF2-DA4B-9FB9-A8E93FAB0389}"/>
-          </ac:spMkLst>
-        </pc:spChg>
-        <pc:cxnChg chg="mod">
-          <ac:chgData name="Long B Nguyen" userId="f59fb8f3-a021-417a-8bc1-65c8d471c621" providerId="ADAL" clId="{0E2AE9A0-AA60-BB4A-B160-C870111F23F3}" dt="2021-05-07T12:01:52.225" v="6547" actId="14100"/>
-          <ac:cxnSpMkLst>
-            <pc:docMk/>
-            <pc:sldMk cId="2497825085" sldId="620"/>
-            <ac:cxnSpMk id="4" creationId="{6F7FAA95-1CB1-6246-9247-83FDFD7281C5}"/>
-          </ac:cxnSpMkLst>
-        </pc:cxnChg>
-        <pc:cxnChg chg="mod">
-          <ac:chgData name="Long B Nguyen" userId="f59fb8f3-a021-417a-8bc1-65c8d471c621" providerId="ADAL" clId="{0E2AE9A0-AA60-BB4A-B160-C870111F23F3}" dt="2021-05-07T12:01:58.428" v="6549" actId="14100"/>
-          <ac:cxnSpMkLst>
-            <pc:docMk/>
-            <pc:sldMk cId="2497825085" sldId="620"/>
-            <ac:cxnSpMk id="9" creationId="{696833A3-9446-104B-8B36-CF472B191E13}"/>
-          </ac:cxnSpMkLst>
-        </pc:cxnChg>
-      </pc:sldChg>
-      <pc:sldChg chg="modSp add mod modAnim">
-        <pc:chgData name="Long B Nguyen" userId="f59fb8f3-a021-417a-8bc1-65c8d471c621" providerId="ADAL" clId="{0E2AE9A0-AA60-BB4A-B160-C870111F23F3}" dt="2021-05-07T12:04:21.599" v="6571" actId="14100"/>
-        <pc:sldMkLst>
-          <pc:docMk/>
-          <pc:sldMk cId="5411246" sldId="621"/>
-        </pc:sldMkLst>
-        <pc:spChg chg="mod">
-          <ac:chgData name="Long B Nguyen" userId="f59fb8f3-a021-417a-8bc1-65c8d471c621" providerId="ADAL" clId="{0E2AE9A0-AA60-BB4A-B160-C870111F23F3}" dt="2021-05-07T12:03:10.838" v="6563" actId="20577"/>
-          <ac:spMkLst>
-            <pc:docMk/>
-            <pc:sldMk cId="5411246" sldId="621"/>
-            <ac:spMk id="6146" creationId="{EAA042DF-FAF2-DA4B-9FB9-A8E93FAB0389}"/>
-          </ac:spMkLst>
-        </pc:spChg>
-        <pc:cxnChg chg="mod">
-          <ac:chgData name="Long B Nguyen" userId="f59fb8f3-a021-417a-8bc1-65c8d471c621" providerId="ADAL" clId="{0E2AE9A0-AA60-BB4A-B160-C870111F23F3}" dt="2021-05-07T12:04:21.599" v="6571" actId="14100"/>
-          <ac:cxnSpMkLst>
-            <pc:docMk/>
-            <pc:sldMk cId="5411246" sldId="621"/>
-            <ac:cxnSpMk id="4" creationId="{6F7FAA95-1CB1-6246-9247-83FDFD7281C5}"/>
-          </ac:cxnSpMkLst>
-        </pc:cxnChg>
-        <pc:cxnChg chg="mod">
-          <ac:chgData name="Long B Nguyen" userId="f59fb8f3-a021-417a-8bc1-65c8d471c621" providerId="ADAL" clId="{0E2AE9A0-AA60-BB4A-B160-C870111F23F3}" dt="2021-05-07T12:04:09.723" v="6568" actId="14100"/>
-          <ac:cxnSpMkLst>
-            <pc:docMk/>
-            <pc:sldMk cId="5411246" sldId="621"/>
-            <ac:cxnSpMk id="9" creationId="{696833A3-9446-104B-8B36-CF472B191E13}"/>
-          </ac:cxnSpMkLst>
-        </pc:cxnChg>
-      </pc:sldChg>
-      <pc:sldChg chg="modSp add mod modAnim">
-        <pc:chgData name="Long B Nguyen" userId="f59fb8f3-a021-417a-8bc1-65c8d471c621" providerId="ADAL" clId="{0E2AE9A0-AA60-BB4A-B160-C870111F23F3}" dt="2021-05-10T13:57:48.483" v="7080"/>
-        <pc:sldMkLst>
-          <pc:docMk/>
-          <pc:sldMk cId="3215879385" sldId="622"/>
-        </pc:sldMkLst>
-        <pc:spChg chg="mod">
-          <ac:chgData name="Long B Nguyen" userId="f59fb8f3-a021-417a-8bc1-65c8d471c621" providerId="ADAL" clId="{0E2AE9A0-AA60-BB4A-B160-C870111F23F3}" dt="2021-05-07T15:50:23.052" v="7017" actId="20577"/>
-          <ac:spMkLst>
-            <pc:docMk/>
-            <pc:sldMk cId="3215879385" sldId="622"/>
-            <ac:spMk id="26627" creationId="{BD7CEE5B-C52A-794A-BCE5-C92159F2026F}"/>
-          </ac:spMkLst>
-        </pc:spChg>
-        <pc:spChg chg="mod">
-          <ac:chgData name="Long B Nguyen" userId="f59fb8f3-a021-417a-8bc1-65c8d471c621" providerId="ADAL" clId="{0E2AE9A0-AA60-BB4A-B160-C870111F23F3}" dt="2021-05-07T15:48:49.073" v="6858" actId="20577"/>
-          <ac:spMkLst>
-            <pc:docMk/>
-            <pc:sldMk cId="3215879385" sldId="622"/>
-            <ac:spMk id="40961" creationId="{FE63D7D0-16AC-974E-AF55-6BAED8C880F6}"/>
-          </ac:spMkLst>
-        </pc:spChg>
-      </pc:sldChg>
-      <pc:sldChg chg="modSp add mod modAnim">
-        <pc:chgData name="Long B Nguyen" userId="f59fb8f3-a021-417a-8bc1-65c8d471c621" providerId="ADAL" clId="{0E2AE9A0-AA60-BB4A-B160-C870111F23F3}" dt="2021-05-10T13:57:35.908" v="7078"/>
-        <pc:sldMkLst>
-          <pc:docMk/>
-          <pc:sldMk cId="2484292394" sldId="623"/>
-        </pc:sldMkLst>
-        <pc:spChg chg="mod">
-          <ac:chgData name="Long B Nguyen" userId="f59fb8f3-a021-417a-8bc1-65c8d471c621" providerId="ADAL" clId="{0E2AE9A0-AA60-BB4A-B160-C870111F23F3}" dt="2021-05-07T15:51:03.427" v="7021" actId="20577"/>
-          <ac:spMkLst>
-            <pc:docMk/>
-            <pc:sldMk cId="2484292394" sldId="623"/>
-            <ac:spMk id="26627" creationId="{BD7CEE5B-C52A-794A-BCE5-C92159F2026F}"/>
-          </ac:spMkLst>
-        </pc:spChg>
-        <pc:spChg chg="mod">
-          <ac:chgData name="Long B Nguyen" userId="f59fb8f3-a021-417a-8bc1-65c8d471c621" providerId="ADAL" clId="{0E2AE9A0-AA60-BB4A-B160-C870111F23F3}" dt="2021-05-07T15:48:45.936" v="6854" actId="20577"/>
-          <ac:spMkLst>
-            <pc:docMk/>
-            <pc:sldMk cId="2484292394" sldId="623"/>
-            <ac:spMk id="40961" creationId="{FE63D7D0-16AC-974E-AF55-6BAED8C880F6}"/>
-          </ac:spMkLst>
-        </pc:spChg>
-      </pc:sldChg>
-      <pc:sldChg chg="modSp add mod modAnim">
-        <pc:chgData name="Long B Nguyen" userId="f59fb8f3-a021-417a-8bc1-65c8d471c621" providerId="ADAL" clId="{0E2AE9A0-AA60-BB4A-B160-C870111F23F3}" dt="2021-05-10T13:57:41.559" v="7079"/>
-        <pc:sldMkLst>
-          <pc:docMk/>
-          <pc:sldMk cId="1444664834" sldId="624"/>
-        </pc:sldMkLst>
-        <pc:spChg chg="mod">
-          <ac:chgData name="Long B Nguyen" userId="f59fb8f3-a021-417a-8bc1-65c8d471c621" providerId="ADAL" clId="{0E2AE9A0-AA60-BB4A-B160-C870111F23F3}" dt="2021-05-07T15:52:06.608" v="7077" actId="20577"/>
-          <ac:spMkLst>
-            <pc:docMk/>
-            <pc:sldMk cId="1444664834" sldId="624"/>
-            <ac:spMk id="26627" creationId="{BD7CEE5B-C52A-794A-BCE5-C92159F2026F}"/>
-          </ac:spMkLst>
-        </pc:spChg>
-        <pc:spChg chg="mod">
-          <ac:chgData name="Long B Nguyen" userId="f59fb8f3-a021-417a-8bc1-65c8d471c621" providerId="ADAL" clId="{0E2AE9A0-AA60-BB4A-B160-C870111F23F3}" dt="2021-05-07T15:51:12.812" v="7024" actId="20577"/>
-          <ac:spMkLst>
-            <pc:docMk/>
-            <pc:sldMk cId="1444664834" sldId="624"/>
-            <ac:spMk id="40961" creationId="{FE63D7D0-16AC-974E-AF55-6BAED8C880F6}"/>
-          </ac:spMkLst>
-        </pc:spChg>
-      </pc:sldChg>
-      <pc:sldChg chg="modSp add modAnim">
-        <pc:chgData name="Long B Nguyen" userId="f59fb8f3-a021-417a-8bc1-65c8d471c621" providerId="ADAL" clId="{0E2AE9A0-AA60-BB4A-B160-C870111F23F3}" dt="2021-05-21T12:24:06.436" v="7279" actId="20577"/>
-        <pc:sldMkLst>
-          <pc:docMk/>
-          <pc:sldMk cId="2393647287" sldId="625"/>
-        </pc:sldMkLst>
-        <pc:spChg chg="mod">
-          <ac:chgData name="Long B Nguyen" userId="f59fb8f3-a021-417a-8bc1-65c8d471c621" providerId="ADAL" clId="{0E2AE9A0-AA60-BB4A-B160-C870111F23F3}" dt="2021-05-21T12:24:06.436" v="7279" actId="20577"/>
-          <ac:spMkLst>
-            <pc:docMk/>
-            <pc:sldMk cId="2393647287" sldId="625"/>
-            <ac:spMk id="26627" creationId="{BD7CEE5B-C52A-794A-BCE5-C92159F2026F}"/>
-          </ac:spMkLst>
-        </pc:spChg>
-      </pc:sldChg>
-    </pc:docChg>
-  </pc:docChgLst>
-  <pc:docChgLst>
-    <pc:chgData name="Long B Nguyen" userId="f59fb8f3-a021-417a-8bc1-65c8d471c621" providerId="ADAL" clId="{E3DA9E26-CE90-3A40-9745-4D67E6DCA3BF}"/>
-    <pc:docChg chg="custSel addSld delSld modSld">
-      <pc:chgData name="Long B Nguyen" userId="f59fb8f3-a021-417a-8bc1-65c8d471c621" providerId="ADAL" clId="{E3DA9E26-CE90-3A40-9745-4D67E6DCA3BF}" dt="2020-03-31T22:15:23.810" v="680" actId="20577"/>
-      <pc:docMkLst>
-        <pc:docMk/>
-      </pc:docMkLst>
-      <pc:sldChg chg="modSp">
-        <pc:chgData name="Long B Nguyen" userId="f59fb8f3-a021-417a-8bc1-65c8d471c621" providerId="ADAL" clId="{E3DA9E26-CE90-3A40-9745-4D67E6DCA3BF}" dt="2020-03-30T02:24:25.886" v="32" actId="20577"/>
-        <pc:sldMkLst>
-          <pc:docMk/>
-          <pc:sldMk cId="4247104139" sldId="256"/>
-        </pc:sldMkLst>
-        <pc:spChg chg="mod">
-          <ac:chgData name="Long B Nguyen" userId="f59fb8f3-a021-417a-8bc1-65c8d471c621" providerId="ADAL" clId="{E3DA9E26-CE90-3A40-9745-4D67E6DCA3BF}" dt="2020-03-30T02:24:25.886" v="32" actId="20577"/>
-          <ac:spMkLst>
-            <pc:docMk/>
-            <pc:sldMk cId="4247104139" sldId="256"/>
-            <ac:spMk id="2" creationId="{6117A749-B1BA-E24B-8FB0-0604EF651FB3}"/>
-          </ac:spMkLst>
-        </pc:spChg>
-      </pc:sldChg>
-      <pc:sldChg chg="del">
-        <pc:chgData name="Long B Nguyen" userId="f59fb8f3-a021-417a-8bc1-65c8d471c621" providerId="ADAL" clId="{E3DA9E26-CE90-3A40-9745-4D67E6DCA3BF}" dt="2020-03-30T02:24:14.534" v="16" actId="2696"/>
-        <pc:sldMkLst>
-          <pc:docMk/>
-          <pc:sldMk cId="2902676313" sldId="485"/>
-        </pc:sldMkLst>
-      </pc:sldChg>
-      <pc:sldChg chg="add">
-        <pc:chgData name="Long B Nguyen" userId="f59fb8f3-a021-417a-8bc1-65c8d471c621" providerId="ADAL" clId="{E3DA9E26-CE90-3A40-9745-4D67E6DCA3BF}" dt="2020-03-30T02:24:16.379" v="18"/>
-        <pc:sldMkLst>
-          <pc:docMk/>
-          <pc:sldMk cId="3533528898" sldId="485"/>
-        </pc:sldMkLst>
-      </pc:sldChg>
-      <pc:sldChg chg="modSp add modAnim">
-        <pc:chgData name="Long B Nguyen" userId="f59fb8f3-a021-417a-8bc1-65c8d471c621" providerId="ADAL" clId="{E3DA9E26-CE90-3A40-9745-4D67E6DCA3BF}" dt="2020-03-30T02:26:11.243" v="75" actId="20577"/>
-        <pc:sldMkLst>
-          <pc:docMk/>
-          <pc:sldMk cId="3162068906" sldId="527"/>
-        </pc:sldMkLst>
-        <pc:spChg chg="mod">
-          <ac:chgData name="Long B Nguyen" userId="f59fb8f3-a021-417a-8bc1-65c8d471c621" providerId="ADAL" clId="{E3DA9E26-CE90-3A40-9745-4D67E6DCA3BF}" dt="2020-03-30T02:24:38.289" v="34" actId="1076"/>
-          <ac:spMkLst>
-            <pc:docMk/>
-            <pc:sldMk cId="3162068906" sldId="527"/>
-            <ac:spMk id="16385" creationId="{20481C6E-9468-904F-B39A-1BBDC3FBBF72}"/>
-          </ac:spMkLst>
-        </pc:spChg>
-        <pc:spChg chg="mod">
-          <ac:chgData name="Long B Nguyen" userId="f59fb8f3-a021-417a-8bc1-65c8d471c621" providerId="ADAL" clId="{E3DA9E26-CE90-3A40-9745-4D67E6DCA3BF}" dt="2020-03-30T02:26:11.243" v="75" actId="20577"/>
-          <ac:spMkLst>
-            <pc:docMk/>
-            <pc:sldMk cId="3162068906" sldId="527"/>
-            <ac:spMk id="16386" creationId="{68E5F79A-ADEF-9749-ACDC-BD05BB57A172}"/>
-          </ac:spMkLst>
-        </pc:spChg>
-      </pc:sldChg>
-      <pc:sldChg chg="add">
-        <pc:chgData name="Long B Nguyen" userId="f59fb8f3-a021-417a-8bc1-65c8d471c621" providerId="ADAL" clId="{E3DA9E26-CE90-3A40-9745-4D67E6DCA3BF}" dt="2020-03-30T02:24:16.379" v="18"/>
-        <pc:sldMkLst>
-          <pc:docMk/>
-          <pc:sldMk cId="3102825031" sldId="528"/>
-        </pc:sldMkLst>
-      </pc:sldChg>
-      <pc:sldChg chg="modSp add modAnim">
-        <pc:chgData name="Long B Nguyen" userId="f59fb8f3-a021-417a-8bc1-65c8d471c621" providerId="ADAL" clId="{E3DA9E26-CE90-3A40-9745-4D67E6DCA3BF}" dt="2020-03-30T02:30:12.894" v="213" actId="20577"/>
-        <pc:sldMkLst>
-          <pc:docMk/>
-          <pc:sldMk cId="4057016805" sldId="529"/>
-        </pc:sldMkLst>
-        <pc:spChg chg="mod">
-          <ac:chgData name="Long B Nguyen" userId="f59fb8f3-a021-417a-8bc1-65c8d471c621" providerId="ADAL" clId="{E3DA9E26-CE90-3A40-9745-4D67E6DCA3BF}" dt="2020-03-30T02:30:12.894" v="213" actId="20577"/>
-          <ac:spMkLst>
-            <pc:docMk/>
-            <pc:sldMk cId="4057016805" sldId="529"/>
-            <ac:spMk id="16386" creationId="{C8D6CAF5-AF75-C349-8DAC-5E7C5ABB4ADD}"/>
-          </ac:spMkLst>
-        </pc:spChg>
-        <pc:spChg chg="mod">
-          <ac:chgData name="Long B Nguyen" userId="f59fb8f3-a021-417a-8bc1-65c8d471c621" providerId="ADAL" clId="{E3DA9E26-CE90-3A40-9745-4D67E6DCA3BF}" dt="2020-03-30T02:29:11.134" v="142" actId="1076"/>
-          <ac:spMkLst>
-            <pc:docMk/>
-            <pc:sldMk cId="4057016805" sldId="529"/>
-            <ac:spMk id="26625" creationId="{D98E8C97-22A5-5648-8897-6FD0C34ABA7B}"/>
-          </ac:spMkLst>
-        </pc:spChg>
-        <pc:picChg chg="mod">
-          <ac:chgData name="Long B Nguyen" userId="f59fb8f3-a021-417a-8bc1-65c8d471c621" providerId="ADAL" clId="{E3DA9E26-CE90-3A40-9745-4D67E6DCA3BF}" dt="2020-03-30T02:30:10.872" v="212" actId="1076"/>
-          <ac:picMkLst>
-            <pc:docMk/>
-            <pc:sldMk cId="4057016805" sldId="529"/>
-            <ac:picMk id="26627" creationId="{9ED681A2-8B02-8143-B1FC-F86FC2BD5336}"/>
-          </ac:picMkLst>
-        </pc:picChg>
-      </pc:sldChg>
-      <pc:sldChg chg="modSp add modAnim">
-        <pc:chgData name="Long B Nguyen" userId="f59fb8f3-a021-417a-8bc1-65c8d471c621" providerId="ADAL" clId="{E3DA9E26-CE90-3A40-9745-4D67E6DCA3BF}" dt="2020-03-30T02:26:55.226" v="88" actId="255"/>
-        <pc:sldMkLst>
-          <pc:docMk/>
-          <pc:sldMk cId="1925924244" sldId="556"/>
-        </pc:sldMkLst>
-        <pc:spChg chg="mod">
-          <ac:chgData name="Long B Nguyen" userId="f59fb8f3-a021-417a-8bc1-65c8d471c621" providerId="ADAL" clId="{E3DA9E26-CE90-3A40-9745-4D67E6DCA3BF}" dt="2020-03-30T02:26:55.226" v="88" actId="255"/>
-          <ac:spMkLst>
-            <pc:docMk/>
-            <pc:sldMk cId="1925924244" sldId="556"/>
-            <ac:spMk id="16386" creationId="{2A7E0F38-3D69-FA4C-A13E-BC74CAF926EB}"/>
-          </ac:spMkLst>
-        </pc:spChg>
-        <pc:spChg chg="mod">
-          <ac:chgData name="Long B Nguyen" userId="f59fb8f3-a021-417a-8bc1-65c8d471c621" providerId="ADAL" clId="{E3DA9E26-CE90-3A40-9745-4D67E6DCA3BF}" dt="2020-03-30T02:26:26.087" v="77" actId="1076"/>
-          <ac:spMkLst>
-            <pc:docMk/>
-            <pc:sldMk cId="1925924244" sldId="556"/>
-            <ac:spMk id="18433" creationId="{02AE339C-E512-214C-87AC-C7DED5975191}"/>
-          </ac:spMkLst>
-        </pc:spChg>
-        <pc:picChg chg="mod">
-          <ac:chgData name="Long B Nguyen" userId="f59fb8f3-a021-417a-8bc1-65c8d471c621" providerId="ADAL" clId="{E3DA9E26-CE90-3A40-9745-4D67E6DCA3BF}" dt="2020-03-30T02:26:48.286" v="87" actId="14100"/>
-          <ac:picMkLst>
-            <pc:docMk/>
-            <pc:sldMk cId="1925924244" sldId="556"/>
-            <ac:picMk id="3" creationId="{5F05013A-B779-4441-83CC-226A1BAC92E2}"/>
-          </ac:picMkLst>
-        </pc:picChg>
-      </pc:sldChg>
-      <pc:sldChg chg="add">
-        <pc:chgData name="Long B Nguyen" userId="f59fb8f3-a021-417a-8bc1-65c8d471c621" providerId="ADAL" clId="{E3DA9E26-CE90-3A40-9745-4D67E6DCA3BF}" dt="2020-03-30T02:24:16.379" v="18"/>
-        <pc:sldMkLst>
-          <pc:docMk/>
-          <pc:sldMk cId="1994733491" sldId="557"/>
-        </pc:sldMkLst>
-      </pc:sldChg>
-      <pc:sldChg chg="modSp add">
-        <pc:chgData name="Long B Nguyen" userId="f59fb8f3-a021-417a-8bc1-65c8d471c621" providerId="ADAL" clId="{E3DA9E26-CE90-3A40-9745-4D67E6DCA3BF}" dt="2020-03-30T02:30:43.362" v="220" actId="5793"/>
-        <pc:sldMkLst>
-          <pc:docMk/>
-          <pc:sldMk cId="748879865" sldId="559"/>
-        </pc:sldMkLst>
-        <pc:spChg chg="mod">
-          <ac:chgData name="Long B Nguyen" userId="f59fb8f3-a021-417a-8bc1-65c8d471c621" providerId="ADAL" clId="{E3DA9E26-CE90-3A40-9745-4D67E6DCA3BF}" dt="2020-03-30T02:30:43.362" v="220" actId="5793"/>
-          <ac:spMkLst>
-            <pc:docMk/>
-            <pc:sldMk cId="748879865" sldId="559"/>
-            <ac:spMk id="16386" creationId="{663BA5C3-BA40-5A4D-8A32-C7FE38AA5585}"/>
-          </ac:spMkLst>
-        </pc:spChg>
-        <pc:spChg chg="mod">
-          <ac:chgData name="Long B Nguyen" userId="f59fb8f3-a021-417a-8bc1-65c8d471c621" providerId="ADAL" clId="{E3DA9E26-CE90-3A40-9745-4D67E6DCA3BF}" dt="2020-03-30T02:30:31.126" v="216" actId="1076"/>
-          <ac:spMkLst>
-            <pc:docMk/>
-            <pc:sldMk cId="748879865" sldId="559"/>
-            <ac:spMk id="28673" creationId="{29C221BA-D3D7-5A49-A5D0-DC2CA4B3B469}"/>
-          </ac:spMkLst>
-        </pc:spChg>
-      </pc:sldChg>
-      <pc:sldChg chg="modSp add modAnim">
-        <pc:chgData name="Long B Nguyen" userId="f59fb8f3-a021-417a-8bc1-65c8d471c621" providerId="ADAL" clId="{E3DA9E26-CE90-3A40-9745-4D67E6DCA3BF}" dt="2020-03-30T02:32:51.237" v="236" actId="14100"/>
-        <pc:sldMkLst>
-          <pc:docMk/>
-          <pc:sldMk cId="3841479407" sldId="560"/>
-        </pc:sldMkLst>
-        <pc:spChg chg="mod">
-          <ac:chgData name="Long B Nguyen" userId="f59fb8f3-a021-417a-8bc1-65c8d471c621" providerId="ADAL" clId="{E3DA9E26-CE90-3A40-9745-4D67E6DCA3BF}" dt="2020-03-30T02:32:51.237" v="236" actId="14100"/>
-          <ac:spMkLst>
-            <pc:docMk/>
-            <pc:sldMk cId="3841479407" sldId="560"/>
-            <ac:spMk id="16386" creationId="{F4A55099-1D6D-794F-86C3-1AE8A802E8FF}"/>
-          </ac:spMkLst>
-        </pc:spChg>
-        <pc:spChg chg="mod">
-          <ac:chgData name="Long B Nguyen" userId="f59fb8f3-a021-417a-8bc1-65c8d471c621" providerId="ADAL" clId="{E3DA9E26-CE90-3A40-9745-4D67E6DCA3BF}" dt="2020-03-30T02:32:48.374" v="235" actId="1076"/>
-          <ac:spMkLst>
-            <pc:docMk/>
-            <pc:sldMk cId="3841479407" sldId="560"/>
-            <ac:spMk id="30721" creationId="{21730CA2-2673-194A-BEF2-68659ADB5D96}"/>
-          </ac:spMkLst>
-        </pc:spChg>
-      </pc:sldChg>
-      <pc:sldChg chg="modSp add modAnim">
-        <pc:chgData name="Long B Nguyen" userId="f59fb8f3-a021-417a-8bc1-65c8d471c621" providerId="ADAL" clId="{E3DA9E26-CE90-3A40-9745-4D67E6DCA3BF}" dt="2020-03-30T02:33:16.319" v="248" actId="20577"/>
-        <pc:sldMkLst>
-          <pc:docMk/>
-          <pc:sldMk cId="558292674" sldId="561"/>
-        </pc:sldMkLst>
-        <pc:spChg chg="mod">
-          <ac:chgData name="Long B Nguyen" userId="f59fb8f3-a021-417a-8bc1-65c8d471c621" providerId="ADAL" clId="{E3DA9E26-CE90-3A40-9745-4D67E6DCA3BF}" dt="2020-03-30T02:33:16.319" v="248" actId="20577"/>
-          <ac:spMkLst>
-            <pc:docMk/>
-            <pc:sldMk cId="558292674" sldId="561"/>
-            <ac:spMk id="16386" creationId="{3185AAF4-BE97-6F4A-B9F7-2CF7E78E26EA}"/>
-          </ac:spMkLst>
-        </pc:spChg>
-        <pc:spChg chg="mod">
-          <ac:chgData name="Long B Nguyen" userId="f59fb8f3-a021-417a-8bc1-65c8d471c621" providerId="ADAL" clId="{E3DA9E26-CE90-3A40-9745-4D67E6DCA3BF}" dt="2020-03-30T02:33:03.691" v="239" actId="1076"/>
-          <ac:spMkLst>
-            <pc:docMk/>
-            <pc:sldMk cId="558292674" sldId="561"/>
-            <ac:spMk id="32769" creationId="{1AAEA145-136D-F74A-BD41-5DFAA9C09F92}"/>
-          </ac:spMkLst>
-        </pc:spChg>
-      </pc:sldChg>
-      <pc:sldChg chg="modSp add modAnim">
-        <pc:chgData name="Long B Nguyen" userId="f59fb8f3-a021-417a-8bc1-65c8d471c621" providerId="ADAL" clId="{E3DA9E26-CE90-3A40-9745-4D67E6DCA3BF}" dt="2020-03-30T02:33:48.312" v="256" actId="5793"/>
-        <pc:sldMkLst>
-          <pc:docMk/>
-          <pc:sldMk cId="3239512120" sldId="562"/>
-        </pc:sldMkLst>
-        <pc:spChg chg="mod">
-          <ac:chgData name="Long B Nguyen" userId="f59fb8f3-a021-417a-8bc1-65c8d471c621" providerId="ADAL" clId="{E3DA9E26-CE90-3A40-9745-4D67E6DCA3BF}" dt="2020-03-30T02:33:48.312" v="256" actId="5793"/>
-          <ac:spMkLst>
-            <pc:docMk/>
-            <pc:sldMk cId="3239512120" sldId="562"/>
-            <ac:spMk id="16386" creationId="{BEECF8C6-48A2-4844-8DE5-A821793BF5B7}"/>
-          </ac:spMkLst>
-        </pc:spChg>
-        <pc:spChg chg="mod">
-          <ac:chgData name="Long B Nguyen" userId="f59fb8f3-a021-417a-8bc1-65c8d471c621" providerId="ADAL" clId="{E3DA9E26-CE90-3A40-9745-4D67E6DCA3BF}" dt="2020-03-30T02:33:37.931" v="250" actId="1076"/>
-          <ac:spMkLst>
-            <pc:docMk/>
-            <pc:sldMk cId="3239512120" sldId="562"/>
-            <ac:spMk id="34817" creationId="{A0866BCF-5E35-B741-A5DE-A0C27EB5D25F}"/>
-          </ac:spMkLst>
-        </pc:spChg>
-      </pc:sldChg>
-      <pc:sldChg chg="modSp add">
-        <pc:chgData name="Long B Nguyen" userId="f59fb8f3-a021-417a-8bc1-65c8d471c621" providerId="ADAL" clId="{E3DA9E26-CE90-3A40-9745-4D67E6DCA3BF}" dt="2020-03-30T02:36:37.565" v="348" actId="20577"/>
-        <pc:sldMkLst>
-          <pc:docMk/>
-          <pc:sldMk cId="62561003" sldId="564"/>
-        </pc:sldMkLst>
-        <pc:spChg chg="mod">
-          <ac:chgData name="Long B Nguyen" userId="f59fb8f3-a021-417a-8bc1-65c8d471c621" providerId="ADAL" clId="{E3DA9E26-CE90-3A40-9745-4D67E6DCA3BF}" dt="2020-03-30T02:36:09.987" v="332" actId="1076"/>
-          <ac:spMkLst>
-            <pc:docMk/>
-            <pc:sldMk cId="62561003" sldId="564"/>
-            <ac:spMk id="38913" creationId="{DAEFB4BB-DC31-B549-9EE1-1D17944461D0}"/>
-          </ac:spMkLst>
-        </pc:spChg>
-        <pc:spChg chg="mod">
-          <ac:chgData name="Long B Nguyen" userId="f59fb8f3-a021-417a-8bc1-65c8d471c621" providerId="ADAL" clId="{E3DA9E26-CE90-3A40-9745-4D67E6DCA3BF}" dt="2020-03-30T02:36:37.565" v="348" actId="20577"/>
-          <ac:spMkLst>
-            <pc:docMk/>
-            <pc:sldMk cId="62561003" sldId="564"/>
-            <ac:spMk id="38914" creationId="{C52A9286-7410-5345-BECD-ADFEC8E3A113}"/>
-          </ac:spMkLst>
-        </pc:spChg>
-        <pc:picChg chg="mod">
-          <ac:chgData name="Long B Nguyen" userId="f59fb8f3-a021-417a-8bc1-65c8d471c621" providerId="ADAL" clId="{E3DA9E26-CE90-3A40-9745-4D67E6DCA3BF}" dt="2020-03-30T02:36:26.918" v="342" actId="1076"/>
-          <ac:picMkLst>
-            <pc:docMk/>
-            <pc:sldMk cId="62561003" sldId="564"/>
-            <ac:picMk id="38915" creationId="{31163D27-FB0A-2947-8204-DB300563CD0E}"/>
-          </ac:picMkLst>
-        </pc:picChg>
-      </pc:sldChg>
-      <pc:sldChg chg="modSp add modAnim">
-        <pc:chgData name="Long B Nguyen" userId="f59fb8f3-a021-417a-8bc1-65c8d471c621" providerId="ADAL" clId="{E3DA9E26-CE90-3A40-9745-4D67E6DCA3BF}" dt="2020-03-30T02:35:35.607" v="328" actId="20577"/>
-        <pc:sldMkLst>
-          <pc:docMk/>
-          <pc:sldMk cId="1496186937" sldId="565"/>
-        </pc:sldMkLst>
-        <pc:spChg chg="mod">
-          <ac:chgData name="Long B Nguyen" userId="f59fb8f3-a021-417a-8bc1-65c8d471c621" providerId="ADAL" clId="{E3DA9E26-CE90-3A40-9745-4D67E6DCA3BF}" dt="2020-03-30T02:35:35.607" v="328" actId="20577"/>
-          <ac:spMkLst>
-            <pc:docMk/>
-            <pc:sldMk cId="1496186937" sldId="565"/>
-            <ac:spMk id="16386" creationId="{D5C314AE-7E3E-9049-8D14-D91FF0323DDF}"/>
-          </ac:spMkLst>
-        </pc:spChg>
-        <pc:spChg chg="mod">
-          <ac:chgData name="Long B Nguyen" userId="f59fb8f3-a021-417a-8bc1-65c8d471c621" providerId="ADAL" clId="{E3DA9E26-CE90-3A40-9745-4D67E6DCA3BF}" dt="2020-03-30T02:34:07.720" v="259" actId="1076"/>
-          <ac:spMkLst>
-            <pc:docMk/>
-            <pc:sldMk cId="1496186937" sldId="565"/>
-            <ac:spMk id="36865" creationId="{F994A541-5449-9B46-AF88-7579EF6134B0}"/>
-          </ac:spMkLst>
-        </pc:spChg>
-        <pc:picChg chg="mod">
-          <ac:chgData name="Long B Nguyen" userId="f59fb8f3-a021-417a-8bc1-65c8d471c621" providerId="ADAL" clId="{E3DA9E26-CE90-3A40-9745-4D67E6DCA3BF}" dt="2020-03-30T02:34:22.591" v="262" actId="1076"/>
-          <ac:picMkLst>
-            <pc:docMk/>
-            <pc:sldMk cId="1496186937" sldId="565"/>
-            <ac:picMk id="2" creationId="{98A1C59E-79D9-AF4A-920B-640EF307C3F1}"/>
-          </ac:picMkLst>
-        </pc:picChg>
-      </pc:sldChg>
-      <pc:sldChg chg="modSp add">
-        <pc:chgData name="Long B Nguyen" userId="f59fb8f3-a021-417a-8bc1-65c8d471c621" providerId="ADAL" clId="{E3DA9E26-CE90-3A40-9745-4D67E6DCA3BF}" dt="2020-03-30T02:37:08.542" v="359" actId="20577"/>
-        <pc:sldMkLst>
-          <pc:docMk/>
-          <pc:sldMk cId="1123629102" sldId="566"/>
-        </pc:sldMkLst>
-        <pc:spChg chg="mod">
-          <ac:chgData name="Long B Nguyen" userId="f59fb8f3-a021-417a-8bc1-65c8d471c621" providerId="ADAL" clId="{E3DA9E26-CE90-3A40-9745-4D67E6DCA3BF}" dt="2020-03-30T02:37:08.542" v="359" actId="20577"/>
-          <ac:spMkLst>
-            <pc:docMk/>
-            <pc:sldMk cId="1123629102" sldId="566"/>
-            <ac:spMk id="16386" creationId="{2DF216D7-8A85-6A4B-A2B3-8EE0E2D71E0D}"/>
-          </ac:spMkLst>
-        </pc:spChg>
-        <pc:spChg chg="mod">
-          <ac:chgData name="Long B Nguyen" userId="f59fb8f3-a021-417a-8bc1-65c8d471c621" providerId="ADAL" clId="{E3DA9E26-CE90-3A40-9745-4D67E6DCA3BF}" dt="2020-03-30T02:37:00.974" v="353" actId="1076"/>
-          <ac:spMkLst>
-            <pc:docMk/>
-            <pc:sldMk cId="1123629102" sldId="566"/>
-            <ac:spMk id="40961" creationId="{1FEDAAFA-F0E6-1146-9EA2-D4901F6BA1B3}"/>
-          </ac:spMkLst>
-        </pc:spChg>
-        <pc:picChg chg="mod">
-          <ac:chgData name="Long B Nguyen" userId="f59fb8f3-a021-417a-8bc1-65c8d471c621" providerId="ADAL" clId="{E3DA9E26-CE90-3A40-9745-4D67E6DCA3BF}" dt="2020-03-30T02:37:05.669" v="355" actId="1076"/>
-          <ac:picMkLst>
-            <pc:docMk/>
-            <pc:sldMk cId="1123629102" sldId="566"/>
-            <ac:picMk id="40963" creationId="{CBF3E8A9-6DD5-1B44-9FB5-7DB205C3F480}"/>
-          </ac:picMkLst>
-        </pc:picChg>
-      </pc:sldChg>
-      <pc:sldChg chg="modSp add">
-        <pc:chgData name="Long B Nguyen" userId="f59fb8f3-a021-417a-8bc1-65c8d471c621" providerId="ADAL" clId="{E3DA9E26-CE90-3A40-9745-4D67E6DCA3BF}" dt="2020-03-30T02:37:55.628" v="370" actId="20577"/>
-        <pc:sldMkLst>
-          <pc:docMk/>
-          <pc:sldMk cId="3949497385" sldId="567"/>
-        </pc:sldMkLst>
-        <pc:spChg chg="mod">
-          <ac:chgData name="Long B Nguyen" userId="f59fb8f3-a021-417a-8bc1-65c8d471c621" providerId="ADAL" clId="{E3DA9E26-CE90-3A40-9745-4D67E6DCA3BF}" dt="2020-03-30T02:37:55.628" v="370" actId="20577"/>
-          <ac:spMkLst>
-            <pc:docMk/>
-            <pc:sldMk cId="3949497385" sldId="567"/>
-            <ac:spMk id="16386" creationId="{ABB9BDC1-08D7-8143-B399-6CBC458EF0C2}"/>
-          </ac:spMkLst>
-        </pc:spChg>
-        <pc:spChg chg="mod">
-          <ac:chgData name="Long B Nguyen" userId="f59fb8f3-a021-417a-8bc1-65c8d471c621" providerId="ADAL" clId="{E3DA9E26-CE90-3A40-9745-4D67E6DCA3BF}" dt="2020-03-30T02:37:43.097" v="362" actId="1076"/>
-          <ac:spMkLst>
-            <pc:docMk/>
-            <pc:sldMk cId="3949497385" sldId="567"/>
-            <ac:spMk id="43009" creationId="{D73127DF-5485-7648-9DD8-F565B7C20333}"/>
-          </ac:spMkLst>
-        </pc:spChg>
-        <pc:picChg chg="mod">
-          <ac:chgData name="Long B Nguyen" userId="f59fb8f3-a021-417a-8bc1-65c8d471c621" providerId="ADAL" clId="{E3DA9E26-CE90-3A40-9745-4D67E6DCA3BF}" dt="2020-03-30T02:37:49.960" v="364" actId="1076"/>
-          <ac:picMkLst>
-            <pc:docMk/>
-            <pc:sldMk cId="3949497385" sldId="567"/>
-            <ac:picMk id="43011" creationId="{3F30234C-2778-F247-82DB-EBC943CDA205}"/>
-          </ac:picMkLst>
-        </pc:picChg>
-      </pc:sldChg>
-      <pc:sldChg chg="modSp add modAnim">
-        <pc:chgData name="Long B Nguyen" userId="f59fb8f3-a021-417a-8bc1-65c8d471c621" providerId="ADAL" clId="{E3DA9E26-CE90-3A40-9745-4D67E6DCA3BF}" dt="2020-03-30T02:39:19.976" v="384" actId="20577"/>
-        <pc:sldMkLst>
-          <pc:docMk/>
-          <pc:sldMk cId="2869642700" sldId="568"/>
-        </pc:sldMkLst>
-        <pc:spChg chg="mod">
-          <ac:chgData name="Long B Nguyen" userId="f59fb8f3-a021-417a-8bc1-65c8d471c621" providerId="ADAL" clId="{E3DA9E26-CE90-3A40-9745-4D67E6DCA3BF}" dt="2020-03-30T02:39:19.976" v="384" actId="20577"/>
-          <ac:spMkLst>
-            <pc:docMk/>
-            <pc:sldMk cId="2869642700" sldId="568"/>
-            <ac:spMk id="16386" creationId="{64803469-0351-BA45-ABE6-B6F61CAA9AC7}"/>
-          </ac:spMkLst>
-        </pc:spChg>
-        <pc:spChg chg="mod">
-          <ac:chgData name="Long B Nguyen" userId="f59fb8f3-a021-417a-8bc1-65c8d471c621" providerId="ADAL" clId="{E3DA9E26-CE90-3A40-9745-4D67E6DCA3BF}" dt="2020-03-30T02:38:33.138" v="374" actId="1076"/>
-          <ac:spMkLst>
-            <pc:docMk/>
-            <pc:sldMk cId="2869642700" sldId="568"/>
-            <ac:spMk id="45057" creationId="{19D0F0DD-820D-1247-A6AE-CE798E9BA930}"/>
-          </ac:spMkLst>
-        </pc:spChg>
-      </pc:sldChg>
-      <pc:sldChg chg="modSp add modAnim">
-        <pc:chgData name="Long B Nguyen" userId="f59fb8f3-a021-417a-8bc1-65c8d471c621" providerId="ADAL" clId="{E3DA9E26-CE90-3A40-9745-4D67E6DCA3BF}" dt="2020-03-30T02:41:24.551" v="412" actId="20577"/>
-        <pc:sldMkLst>
-          <pc:docMk/>
-          <pc:sldMk cId="3333082340" sldId="569"/>
-        </pc:sldMkLst>
-        <pc:spChg chg="mod">
-          <ac:chgData name="Long B Nguyen" userId="f59fb8f3-a021-417a-8bc1-65c8d471c621" providerId="ADAL" clId="{E3DA9E26-CE90-3A40-9745-4D67E6DCA3BF}" dt="2020-03-30T02:41:24.551" v="412" actId="20577"/>
-          <ac:spMkLst>
-            <pc:docMk/>
-            <pc:sldMk cId="3333082340" sldId="569"/>
-            <ac:spMk id="16386" creationId="{971DAD30-53B6-3446-A665-81B33697B4B9}"/>
-          </ac:spMkLst>
-        </pc:spChg>
-        <pc:spChg chg="mod">
-          <ac:chgData name="Long B Nguyen" userId="f59fb8f3-a021-417a-8bc1-65c8d471c621" providerId="ADAL" clId="{E3DA9E26-CE90-3A40-9745-4D67E6DCA3BF}" dt="2020-03-30T02:40:08.125" v="388" actId="1076"/>
-          <ac:spMkLst>
-            <pc:docMk/>
-            <pc:sldMk cId="3333082340" sldId="569"/>
-            <ac:spMk id="47105" creationId="{741C59B0-DD4C-2549-9269-EB2C2DF6E577}"/>
-          </ac:spMkLst>
-        </pc:spChg>
-      </pc:sldChg>
-      <pc:sldChg chg="modSp add">
-        <pc:chgData name="Long B Nguyen" userId="f59fb8f3-a021-417a-8bc1-65c8d471c621" providerId="ADAL" clId="{E3DA9E26-CE90-3A40-9745-4D67E6DCA3BF}" dt="2020-03-30T02:27:22.857" v="94" actId="5793"/>
-        <pc:sldMkLst>
-          <pc:docMk/>
-          <pc:sldMk cId="2526255488" sldId="570"/>
-        </pc:sldMkLst>
-        <pc:spChg chg="mod">
-          <ac:chgData name="Long B Nguyen" userId="f59fb8f3-a021-417a-8bc1-65c8d471c621" providerId="ADAL" clId="{E3DA9E26-CE90-3A40-9745-4D67E6DCA3BF}" dt="2020-03-30T02:27:10.180" v="89" actId="1076"/>
-          <ac:spMkLst>
-            <pc:docMk/>
-            <pc:sldMk cId="2526255488" sldId="570"/>
-            <ac:spMk id="20481" creationId="{5A3AE34F-9938-AB4E-97EB-92987E0698C0}"/>
-          </ac:spMkLst>
-        </pc:spChg>
-        <pc:spChg chg="mod">
-          <ac:chgData name="Long B Nguyen" userId="f59fb8f3-a021-417a-8bc1-65c8d471c621" providerId="ADAL" clId="{E3DA9E26-CE90-3A40-9745-4D67E6DCA3BF}" dt="2020-03-30T02:27:22.857" v="94" actId="5793"/>
-          <ac:spMkLst>
-            <pc:docMk/>
-            <pc:sldMk cId="2526255488" sldId="570"/>
-            <ac:spMk id="20482" creationId="{5E8218B3-465D-6F42-A92F-9D686809D45C}"/>
-          </ac:spMkLst>
-        </pc:spChg>
-      </pc:sldChg>
-      <pc:sldChg chg="modSp add">
-        <pc:chgData name="Long B Nguyen" userId="f59fb8f3-a021-417a-8bc1-65c8d471c621" providerId="ADAL" clId="{E3DA9E26-CE90-3A40-9745-4D67E6DCA3BF}" dt="2020-03-30T02:42:54.505" v="430" actId="207"/>
-        <pc:sldMkLst>
-          <pc:docMk/>
-          <pc:sldMk cId="2952073042" sldId="571"/>
-        </pc:sldMkLst>
-        <pc:spChg chg="mod">
-          <ac:chgData name="Long B Nguyen" userId="f59fb8f3-a021-417a-8bc1-65c8d471c621" providerId="ADAL" clId="{E3DA9E26-CE90-3A40-9745-4D67E6DCA3BF}" dt="2020-03-30T02:42:54.505" v="430" actId="207"/>
-          <ac:spMkLst>
-            <pc:docMk/>
-            <pc:sldMk cId="2952073042" sldId="571"/>
-            <ac:spMk id="16386" creationId="{329B2B06-1922-5C41-84A6-22DCD0FD3F20}"/>
-          </ac:spMkLst>
-        </pc:spChg>
-        <pc:spChg chg="mod">
-          <ac:chgData name="Long B Nguyen" userId="f59fb8f3-a021-417a-8bc1-65c8d471c621" providerId="ADAL" clId="{E3DA9E26-CE90-3A40-9745-4D67E6DCA3BF}" dt="2020-03-30T02:42:02.067" v="416" actId="1076"/>
-          <ac:spMkLst>
-            <pc:docMk/>
-            <pc:sldMk cId="2952073042" sldId="571"/>
-            <ac:spMk id="49153" creationId="{F54483B9-1658-FE4F-8E2E-F3A29FFD393E}"/>
-          </ac:spMkLst>
-        </pc:spChg>
-        <pc:spChg chg="mod">
-          <ac:chgData name="Long B Nguyen" userId="f59fb8f3-a021-417a-8bc1-65c8d471c621" providerId="ADAL" clId="{E3DA9E26-CE90-3A40-9745-4D67E6DCA3BF}" dt="2020-03-30T02:42:16.874" v="423" actId="14100"/>
-          <ac:spMkLst>
-            <pc:docMk/>
-            <pc:sldMk cId="2952073042" sldId="571"/>
-            <ac:spMk id="49165" creationId="{CCF6A84E-52CA-FA40-BE94-3E4D8C7E82C5}"/>
-          </ac:spMkLst>
-        </pc:spChg>
-      </pc:sldChg>
-      <pc:sldChg chg="modSp add modAnim">
-        <pc:chgData name="Long B Nguyen" userId="f59fb8f3-a021-417a-8bc1-65c8d471c621" providerId="ADAL" clId="{E3DA9E26-CE90-3A40-9745-4D67E6DCA3BF}" dt="2020-03-31T22:15:23.810" v="680" actId="20577"/>
-        <pc:sldMkLst>
-          <pc:docMk/>
-          <pc:sldMk cId="270817839" sldId="572"/>
-        </pc:sldMkLst>
-        <pc:spChg chg="mod">
-          <ac:chgData name="Long B Nguyen" userId="f59fb8f3-a021-417a-8bc1-65c8d471c621" providerId="ADAL" clId="{E3DA9E26-CE90-3A40-9745-4D67E6DCA3BF}" dt="2020-03-31T22:15:23.810" v="680" actId="20577"/>
-          <ac:spMkLst>
-            <pc:docMk/>
-            <pc:sldMk cId="270817839" sldId="572"/>
-            <ac:spMk id="16386" creationId="{D2C45497-8912-0F44-8527-E1D3516D268F}"/>
-          </ac:spMkLst>
-        </pc:spChg>
-        <pc:spChg chg="mod">
-          <ac:chgData name="Long B Nguyen" userId="f59fb8f3-a021-417a-8bc1-65c8d471c621" providerId="ADAL" clId="{E3DA9E26-CE90-3A40-9745-4D67E6DCA3BF}" dt="2020-03-30T02:43:10.028" v="434" actId="1076"/>
-          <ac:spMkLst>
-            <pc:docMk/>
-            <pc:sldMk cId="270817839" sldId="572"/>
-            <ac:spMk id="51201" creationId="{34CF5F37-80CE-C64F-905D-26669F2C2011}"/>
-          </ac:spMkLst>
-        </pc:spChg>
-        <pc:spChg chg="mod">
-          <ac:chgData name="Long B Nguyen" userId="f59fb8f3-a021-417a-8bc1-65c8d471c621" providerId="ADAL" clId="{E3DA9E26-CE90-3A40-9745-4D67E6DCA3BF}" dt="2020-03-30T02:43:19.171" v="436" actId="14100"/>
-          <ac:spMkLst>
-            <pc:docMk/>
-            <pc:sldMk cId="270817839" sldId="572"/>
-            <ac:spMk id="51213" creationId="{B43FFE58-E029-D14C-8250-0E69A0B99C42}"/>
-          </ac:spMkLst>
-        </pc:spChg>
-      </pc:sldChg>
-      <pc:sldChg chg="modSp add modAnim">
-        <pc:chgData name="Long B Nguyen" userId="f59fb8f3-a021-417a-8bc1-65c8d471c621" providerId="ADAL" clId="{E3DA9E26-CE90-3A40-9745-4D67E6DCA3BF}" dt="2020-03-30T02:44:56.097" v="449" actId="20577"/>
-        <pc:sldMkLst>
-          <pc:docMk/>
-          <pc:sldMk cId="4110945301" sldId="574"/>
-        </pc:sldMkLst>
-        <pc:spChg chg="mod">
-          <ac:chgData name="Long B Nguyen" userId="f59fb8f3-a021-417a-8bc1-65c8d471c621" providerId="ADAL" clId="{E3DA9E26-CE90-3A40-9745-4D67E6DCA3BF}" dt="2020-03-30T02:44:56.097" v="449" actId="20577"/>
-          <ac:spMkLst>
-            <pc:docMk/>
-            <pc:sldMk cId="4110945301" sldId="574"/>
-            <ac:spMk id="16386" creationId="{A771A9EC-0DB4-C846-A010-6B39E76CB14D}"/>
-          </ac:spMkLst>
-        </pc:spChg>
-        <pc:spChg chg="mod">
-          <ac:chgData name="Long B Nguyen" userId="f59fb8f3-a021-417a-8bc1-65c8d471c621" providerId="ADAL" clId="{E3DA9E26-CE90-3A40-9745-4D67E6DCA3BF}" dt="2020-03-30T02:44:04.073" v="446" actId="1076"/>
-          <ac:spMkLst>
-            <pc:docMk/>
-            <pc:sldMk cId="4110945301" sldId="574"/>
-            <ac:spMk id="53249" creationId="{156C50AE-1816-7544-8B1D-90768E8FE77C}"/>
-          </ac:spMkLst>
-        </pc:spChg>
-      </pc:sldChg>
-      <pc:sldChg chg="modSp add">
-        <pc:chgData name="Long B Nguyen" userId="f59fb8f3-a021-417a-8bc1-65c8d471c621" providerId="ADAL" clId="{E3DA9E26-CE90-3A40-9745-4D67E6DCA3BF}" dt="2020-03-30T02:45:29.891" v="457" actId="5793"/>
-        <pc:sldMkLst>
-          <pc:docMk/>
-          <pc:sldMk cId="1553353509" sldId="575"/>
-        </pc:sldMkLst>
-        <pc:spChg chg="mod">
-          <ac:chgData name="Long B Nguyen" userId="f59fb8f3-a021-417a-8bc1-65c8d471c621" providerId="ADAL" clId="{E3DA9E26-CE90-3A40-9745-4D67E6DCA3BF}" dt="2020-03-30T02:45:29.891" v="457" actId="5793"/>
-          <ac:spMkLst>
-            <pc:docMk/>
-            <pc:sldMk cId="1553353509" sldId="575"/>
-            <ac:spMk id="16386" creationId="{C563149A-FB03-7F41-801D-086D70B22CED}"/>
-          </ac:spMkLst>
-        </pc:spChg>
-        <pc:spChg chg="mod">
-          <ac:chgData name="Long B Nguyen" userId="f59fb8f3-a021-417a-8bc1-65c8d471c621" providerId="ADAL" clId="{E3DA9E26-CE90-3A40-9745-4D67E6DCA3BF}" dt="2020-03-30T02:45:22.067" v="453" actId="1076"/>
-          <ac:spMkLst>
-            <pc:docMk/>
-            <pc:sldMk cId="1553353509" sldId="575"/>
-            <ac:spMk id="55297" creationId="{1AF853D6-D0AB-854B-B143-5FDFC529A2E5}"/>
-          </ac:spMkLst>
-        </pc:spChg>
-      </pc:sldChg>
-      <pc:sldChg chg="addSp delSp modSp add">
-        <pc:chgData name="Long B Nguyen" userId="f59fb8f3-a021-417a-8bc1-65c8d471c621" providerId="ADAL" clId="{E3DA9E26-CE90-3A40-9745-4D67E6DCA3BF}" dt="2020-03-30T02:49:46.797" v="479"/>
-        <pc:sldMkLst>
-          <pc:docMk/>
-          <pc:sldMk cId="2954573052" sldId="576"/>
-        </pc:sldMkLst>
-        <pc:spChg chg="add del mod">
-          <ac:chgData name="Long B Nguyen" userId="f59fb8f3-a021-417a-8bc1-65c8d471c621" providerId="ADAL" clId="{E3DA9E26-CE90-3A40-9745-4D67E6DCA3BF}" dt="2020-03-30T02:49:46.797" v="479"/>
-          <ac:spMkLst>
-            <pc:docMk/>
-            <pc:sldMk cId="2954573052" sldId="576"/>
-            <ac:spMk id="2" creationId="{D4D0B958-B73E-474A-8E9F-19903F8193B5}"/>
-          </ac:spMkLst>
-        </pc:spChg>
-        <pc:spChg chg="mod">
-          <ac:chgData name="Long B Nguyen" userId="f59fb8f3-a021-417a-8bc1-65c8d471c621" providerId="ADAL" clId="{E3DA9E26-CE90-3A40-9745-4D67E6DCA3BF}" dt="2020-03-30T02:49:34.607" v="475" actId="20577"/>
-          <ac:spMkLst>
-            <pc:docMk/>
-            <pc:sldMk cId="2954573052" sldId="576"/>
-            <ac:spMk id="16386" creationId="{69AB210F-7E66-6D48-B863-12C1BF9C1807}"/>
-          </ac:spMkLst>
-        </pc:spChg>
-      </pc:sldChg>
-      <pc:sldChg chg="modSp add">
-        <pc:chgData name="Long B Nguyen" userId="f59fb8f3-a021-417a-8bc1-65c8d471c621" providerId="ADAL" clId="{E3DA9E26-CE90-3A40-9745-4D67E6DCA3BF}" dt="2020-03-30T02:49:55.663" v="484" actId="5793"/>
-        <pc:sldMkLst>
-          <pc:docMk/>
-          <pc:sldMk cId="1547101256" sldId="577"/>
-        </pc:sldMkLst>
-        <pc:spChg chg="mod">
-          <ac:chgData name="Long B Nguyen" userId="f59fb8f3-a021-417a-8bc1-65c8d471c621" providerId="ADAL" clId="{E3DA9E26-CE90-3A40-9745-4D67E6DCA3BF}" dt="2020-03-30T02:49:55.663" v="484" actId="5793"/>
-          <ac:spMkLst>
-            <pc:docMk/>
-            <pc:sldMk cId="1547101256" sldId="577"/>
-            <ac:spMk id="16386" creationId="{CC939BED-4BEB-8545-AC03-0CDF0017FCC9}"/>
-          </ac:spMkLst>
-        </pc:spChg>
-      </pc:sldChg>
-      <pc:sldChg chg="delSp modSp add modAnim">
-        <pc:chgData name="Long B Nguyen" userId="f59fb8f3-a021-417a-8bc1-65c8d471c621" providerId="ADAL" clId="{E3DA9E26-CE90-3A40-9745-4D67E6DCA3BF}" dt="2020-03-30T02:53:08.569" v="632" actId="14100"/>
-        <pc:sldMkLst>
-          <pc:docMk/>
-          <pc:sldMk cId="891751900" sldId="579"/>
-        </pc:sldMkLst>
-        <pc:spChg chg="mod">
-          <ac:chgData name="Long B Nguyen" userId="f59fb8f3-a021-417a-8bc1-65c8d471c621" providerId="ADAL" clId="{E3DA9E26-CE90-3A40-9745-4D67E6DCA3BF}" dt="2020-03-30T02:53:08.569" v="632" actId="14100"/>
-          <ac:spMkLst>
-            <pc:docMk/>
-            <pc:sldMk cId="891751900" sldId="579"/>
-            <ac:spMk id="16386" creationId="{6B9A5847-1AA8-4A43-AE7E-BF49B20DE6A5}"/>
-          </ac:spMkLst>
-        </pc:spChg>
-        <pc:spChg chg="del">
-          <ac:chgData name="Long B Nguyen" userId="f59fb8f3-a021-417a-8bc1-65c8d471c621" providerId="ADAL" clId="{E3DA9E26-CE90-3A40-9745-4D67E6DCA3BF}" dt="2020-03-30T02:50:44.212" v="491" actId="478"/>
-          <ac:spMkLst>
-            <pc:docMk/>
-            <pc:sldMk cId="891751900" sldId="579"/>
-            <ac:spMk id="61441" creationId="{2E63A166-F43D-9C4C-A68A-7D4558E4615D}"/>
-          </ac:spMkLst>
-        </pc:spChg>
-      </pc:sldChg>
-      <pc:sldChg chg="modSp add modAnim">
-        <pc:chgData name="Long B Nguyen" userId="f59fb8f3-a021-417a-8bc1-65c8d471c621" providerId="ADAL" clId="{E3DA9E26-CE90-3A40-9745-4D67E6DCA3BF}" dt="2020-03-30T02:58:26.541" v="656" actId="20577"/>
-        <pc:sldMkLst>
-          <pc:docMk/>
-          <pc:sldMk cId="2483610180" sldId="580"/>
-        </pc:sldMkLst>
-        <pc:spChg chg="mod">
-          <ac:chgData name="Long B Nguyen" userId="f59fb8f3-a021-417a-8bc1-65c8d471c621" providerId="ADAL" clId="{E3DA9E26-CE90-3A40-9745-4D67E6DCA3BF}" dt="2020-03-30T02:58:26.541" v="656" actId="20577"/>
-          <ac:spMkLst>
-            <pc:docMk/>
-            <pc:sldMk cId="2483610180" sldId="580"/>
-            <ac:spMk id="16386" creationId="{13E0CFFE-50A4-1C4C-9001-CF21878F6693}"/>
-          </ac:spMkLst>
-        </pc:spChg>
-        <pc:spChg chg="mod">
-          <ac:chgData name="Long B Nguyen" userId="f59fb8f3-a021-417a-8bc1-65c8d471c621" providerId="ADAL" clId="{E3DA9E26-CE90-3A40-9745-4D67E6DCA3BF}" dt="2020-03-30T02:53:25.214" v="636" actId="1076"/>
-          <ac:spMkLst>
-            <pc:docMk/>
-            <pc:sldMk cId="2483610180" sldId="580"/>
-            <ac:spMk id="63489" creationId="{0E7B4791-3A32-1042-A62C-C7EDD1EA9627}"/>
-          </ac:spMkLst>
-        </pc:spChg>
-      </pc:sldChg>
-      <pc:sldChg chg="modSp add">
-        <pc:chgData name="Long B Nguyen" userId="f59fb8f3-a021-417a-8bc1-65c8d471c621" providerId="ADAL" clId="{E3DA9E26-CE90-3A40-9745-4D67E6DCA3BF}" dt="2020-03-30T02:58:07.071" v="646" actId="5793"/>
-        <pc:sldMkLst>
-          <pc:docMk/>
-          <pc:sldMk cId="830544632" sldId="581"/>
-        </pc:sldMkLst>
-        <pc:spChg chg="mod">
-          <ac:chgData name="Long B Nguyen" userId="f59fb8f3-a021-417a-8bc1-65c8d471c621" providerId="ADAL" clId="{E3DA9E26-CE90-3A40-9745-4D67E6DCA3BF}" dt="2020-03-30T02:58:07.071" v="646" actId="5793"/>
-          <ac:spMkLst>
-            <pc:docMk/>
-            <pc:sldMk cId="830544632" sldId="581"/>
-            <ac:spMk id="16386" creationId="{DCDEDE68-7370-A049-B607-4EE7C1C097CC}"/>
-          </ac:spMkLst>
-        </pc:spChg>
-        <pc:spChg chg="mod">
-          <ac:chgData name="Long B Nguyen" userId="f59fb8f3-a021-417a-8bc1-65c8d471c621" providerId="ADAL" clId="{E3DA9E26-CE90-3A40-9745-4D67E6DCA3BF}" dt="2020-03-30T02:57:53.663" v="641" actId="1076"/>
-          <ac:spMkLst>
-            <pc:docMk/>
-            <pc:sldMk cId="830544632" sldId="581"/>
-            <ac:spMk id="65537" creationId="{07CB10DC-D333-F84F-AEFA-826E23CDD585}"/>
-          </ac:spMkLst>
-        </pc:spChg>
-        <pc:picChg chg="mod">
-          <ac:chgData name="Long B Nguyen" userId="f59fb8f3-a021-417a-8bc1-65c8d471c621" providerId="ADAL" clId="{E3DA9E26-CE90-3A40-9745-4D67E6DCA3BF}" dt="2020-03-30T02:58:04.700" v="645" actId="1076"/>
-          <ac:picMkLst>
-            <pc:docMk/>
-            <pc:sldMk cId="830544632" sldId="581"/>
-            <ac:picMk id="65539" creationId="{E53CD132-E85D-D245-AAD8-83FB82CE3B68}"/>
-          </ac:picMkLst>
-        </pc:picChg>
-      </pc:sldChg>
-      <pc:sldChg chg="modSp add modAnim">
-        <pc:chgData name="Long B Nguyen" userId="f59fb8f3-a021-417a-8bc1-65c8d471c621" providerId="ADAL" clId="{E3DA9E26-CE90-3A40-9745-4D67E6DCA3BF}" dt="2020-03-30T02:59:41.902" v="678" actId="20577"/>
-        <pc:sldMkLst>
-          <pc:docMk/>
-          <pc:sldMk cId="1603111093" sldId="582"/>
-        </pc:sldMkLst>
-        <pc:spChg chg="mod">
-          <ac:chgData name="Long B Nguyen" userId="f59fb8f3-a021-417a-8bc1-65c8d471c621" providerId="ADAL" clId="{E3DA9E26-CE90-3A40-9745-4D67E6DCA3BF}" dt="2020-03-30T02:59:41.902" v="678" actId="20577"/>
-          <ac:spMkLst>
-            <pc:docMk/>
-            <pc:sldMk cId="1603111093" sldId="582"/>
-            <ac:spMk id="16386" creationId="{114BB159-C41E-A046-9481-C57D33802B19}"/>
-          </ac:spMkLst>
-        </pc:spChg>
-        <pc:spChg chg="mod">
-          <ac:chgData name="Long B Nguyen" userId="f59fb8f3-a021-417a-8bc1-65c8d471c621" providerId="ADAL" clId="{E3DA9E26-CE90-3A40-9745-4D67E6DCA3BF}" dt="2020-03-30T02:59:23.703" v="660" actId="1076"/>
-          <ac:spMkLst>
-            <pc:docMk/>
-            <pc:sldMk cId="1603111093" sldId="582"/>
-            <ac:spMk id="67585" creationId="{300BB9E0-C0BE-124F-82D0-0DD61E546BD9}"/>
-          </ac:spMkLst>
-        </pc:spChg>
-      </pc:sldChg>
-      <pc:sldChg chg="add">
-        <pc:chgData name="Long B Nguyen" userId="f59fb8f3-a021-417a-8bc1-65c8d471c621" providerId="ADAL" clId="{E3DA9E26-CE90-3A40-9745-4D67E6DCA3BF}" dt="2020-03-30T02:24:16.379" v="18"/>
-        <pc:sldMkLst>
-          <pc:docMk/>
-          <pc:sldMk cId="788052383" sldId="583"/>
-        </pc:sldMkLst>
-      </pc:sldChg>
-      <pc:sldChg chg="del">
-        <pc:chgData name="Long B Nguyen" userId="f59fb8f3-a021-417a-8bc1-65c8d471c621" providerId="ADAL" clId="{E3DA9E26-CE90-3A40-9745-4D67E6DCA3BF}" dt="2020-03-30T02:24:14.222" v="0" actId="2696"/>
-        <pc:sldMkLst>
-          <pc:docMk/>
-          <pc:sldMk cId="4205479306" sldId="594"/>
-        </pc:sldMkLst>
-      </pc:sldChg>
-      <pc:sldChg chg="del">
-        <pc:chgData name="Long B Nguyen" userId="f59fb8f3-a021-417a-8bc1-65c8d471c621" providerId="ADAL" clId="{E3DA9E26-CE90-3A40-9745-4D67E6DCA3BF}" dt="2020-03-30T02:24:14.242" v="1" actId="2696"/>
-        <pc:sldMkLst>
-          <pc:docMk/>
-          <pc:sldMk cId="1994033935" sldId="595"/>
-        </pc:sldMkLst>
-      </pc:sldChg>
-      <pc:sldChg chg="del">
-        <pc:chgData name="Long B Nguyen" userId="f59fb8f3-a021-417a-8bc1-65c8d471c621" providerId="ADAL" clId="{E3DA9E26-CE90-3A40-9745-4D67E6DCA3BF}" dt="2020-03-30T02:24:14.265" v="2" actId="2696"/>
-        <pc:sldMkLst>
-          <pc:docMk/>
-          <pc:sldMk cId="3986464372" sldId="596"/>
-        </pc:sldMkLst>
-      </pc:sldChg>
-      <pc:sldChg chg="del">
-        <pc:chgData name="Long B Nguyen" userId="f59fb8f3-a021-417a-8bc1-65c8d471c621" providerId="ADAL" clId="{E3DA9E26-CE90-3A40-9745-4D67E6DCA3BF}" dt="2020-03-30T02:24:14.287" v="3" actId="2696"/>
-        <pc:sldMkLst>
-          <pc:docMk/>
-          <pc:sldMk cId="2566405133" sldId="597"/>
-        </pc:sldMkLst>
-      </pc:sldChg>
-      <pc:sldChg chg="del">
-        <pc:chgData name="Long B Nguyen" userId="f59fb8f3-a021-417a-8bc1-65c8d471c621" providerId="ADAL" clId="{E3DA9E26-CE90-3A40-9745-4D67E6DCA3BF}" dt="2020-03-30T02:24:14.307" v="4" actId="2696"/>
-        <pc:sldMkLst>
-          <pc:docMk/>
-          <pc:sldMk cId="1098067599" sldId="598"/>
-        </pc:sldMkLst>
-      </pc:sldChg>
-      <pc:sldChg chg="del">
-        <pc:chgData name="Long B Nguyen" userId="f59fb8f3-a021-417a-8bc1-65c8d471c621" providerId="ADAL" clId="{E3DA9E26-CE90-3A40-9745-4D67E6DCA3BF}" dt="2020-03-30T02:24:14.334" v="5" actId="2696"/>
-        <pc:sldMkLst>
-          <pc:docMk/>
-          <pc:sldMk cId="2135983872" sldId="599"/>
-        </pc:sldMkLst>
-      </pc:sldChg>
-      <pc:sldChg chg="del">
-        <pc:chgData name="Long B Nguyen" userId="f59fb8f3-a021-417a-8bc1-65c8d471c621" providerId="ADAL" clId="{E3DA9E26-CE90-3A40-9745-4D67E6DCA3BF}" dt="2020-03-30T02:24:14.358" v="6" actId="2696"/>
-        <pc:sldMkLst>
-          <pc:docMk/>
-          <pc:sldMk cId="3082545194" sldId="600"/>
-        </pc:sldMkLst>
-      </pc:sldChg>
-      <pc:sldChg chg="del">
-        <pc:chgData name="Long B Nguyen" userId="f59fb8f3-a021-417a-8bc1-65c8d471c621" providerId="ADAL" clId="{E3DA9E26-CE90-3A40-9745-4D67E6DCA3BF}" dt="2020-03-30T02:24:14.375" v="7" actId="2696"/>
-        <pc:sldMkLst>
-          <pc:docMk/>
-          <pc:sldMk cId="3805116294" sldId="601"/>
-        </pc:sldMkLst>
-      </pc:sldChg>
-      <pc:sldChg chg="del">
-        <pc:chgData name="Long B Nguyen" userId="f59fb8f3-a021-417a-8bc1-65c8d471c621" providerId="ADAL" clId="{E3DA9E26-CE90-3A40-9745-4D67E6DCA3BF}" dt="2020-03-30T02:24:14.390" v="8" actId="2696"/>
-        <pc:sldMkLst>
-          <pc:docMk/>
-          <pc:sldMk cId="2482297390" sldId="602"/>
-        </pc:sldMkLst>
-      </pc:sldChg>
-      <pc:sldChg chg="del">
-        <pc:chgData name="Long B Nguyen" userId="f59fb8f3-a021-417a-8bc1-65c8d471c621" providerId="ADAL" clId="{E3DA9E26-CE90-3A40-9745-4D67E6DCA3BF}" dt="2020-03-30T02:24:14.410" v="9" actId="2696"/>
-        <pc:sldMkLst>
-          <pc:docMk/>
-          <pc:sldMk cId="3316801220" sldId="603"/>
-        </pc:sldMkLst>
-      </pc:sldChg>
-      <pc:sldChg chg="del">
-        <pc:chgData name="Long B Nguyen" userId="f59fb8f3-a021-417a-8bc1-65c8d471c621" providerId="ADAL" clId="{E3DA9E26-CE90-3A40-9745-4D67E6DCA3BF}" dt="2020-03-30T02:24:14.428" v="10" actId="2696"/>
-        <pc:sldMkLst>
-          <pc:docMk/>
-          <pc:sldMk cId="1665439849" sldId="605"/>
-        </pc:sldMkLst>
-      </pc:sldChg>
-      <pc:sldChg chg="del">
-        <pc:chgData name="Long B Nguyen" userId="f59fb8f3-a021-417a-8bc1-65c8d471c621" providerId="ADAL" clId="{E3DA9E26-CE90-3A40-9745-4D67E6DCA3BF}" dt="2020-03-30T02:24:14.443" v="11" actId="2696"/>
-        <pc:sldMkLst>
-          <pc:docMk/>
-          <pc:sldMk cId="1196991583" sldId="606"/>
-        </pc:sldMkLst>
-      </pc:sldChg>
-      <pc:sldChg chg="del">
-        <pc:chgData name="Long B Nguyen" userId="f59fb8f3-a021-417a-8bc1-65c8d471c621" providerId="ADAL" clId="{E3DA9E26-CE90-3A40-9745-4D67E6DCA3BF}" dt="2020-03-30T02:24:14.466" v="12" actId="2696"/>
-        <pc:sldMkLst>
-          <pc:docMk/>
-          <pc:sldMk cId="2747083858" sldId="607"/>
-        </pc:sldMkLst>
-      </pc:sldChg>
-      <pc:sldChg chg="del">
-        <pc:chgData name="Long B Nguyen" userId="f59fb8f3-a021-417a-8bc1-65c8d471c621" providerId="ADAL" clId="{E3DA9E26-CE90-3A40-9745-4D67E6DCA3BF}" dt="2020-03-30T02:24:14.485" v="13" actId="2696"/>
-        <pc:sldMkLst>
-          <pc:docMk/>
-          <pc:sldMk cId="2430561500" sldId="609"/>
-        </pc:sldMkLst>
-      </pc:sldChg>
-      <pc:sldChg chg="del">
-        <pc:chgData name="Long B Nguyen" userId="f59fb8f3-a021-417a-8bc1-65c8d471c621" providerId="ADAL" clId="{E3DA9E26-CE90-3A40-9745-4D67E6DCA3BF}" dt="2020-03-30T02:24:14.498" v="14" actId="2696"/>
-        <pc:sldMkLst>
-          <pc:docMk/>
-          <pc:sldMk cId="1660288031" sldId="610"/>
-        </pc:sldMkLst>
-      </pc:sldChg>
-      <pc:sldChg chg="del">
-        <pc:chgData name="Long B Nguyen" userId="f59fb8f3-a021-417a-8bc1-65c8d471c621" providerId="ADAL" clId="{E3DA9E26-CE90-3A40-9745-4D67E6DCA3BF}" dt="2020-03-30T02:24:14.522" v="15" actId="2696"/>
-        <pc:sldMkLst>
-          <pc:docMk/>
-          <pc:sldMk cId="1203333742" sldId="611"/>
-        </pc:sldMkLst>
-      </pc:sldChg>
-      <pc:sldChg chg="del">
-        <pc:chgData name="Long B Nguyen" userId="f59fb8f3-a021-417a-8bc1-65c8d471c621" providerId="ADAL" clId="{E3DA9E26-CE90-3A40-9745-4D67E6DCA3BF}" dt="2020-03-30T02:24:14.544" v="17" actId="2696"/>
-        <pc:sldMkLst>
-          <pc:docMk/>
-          <pc:sldMk cId="186989517" sldId="612"/>
-        </pc:sldMkLst>
-      </pc:sldChg>
-    </pc:docChg>
-  </pc:docChgLst>
-  <pc:docChgLst>
-    <pc:chgData name="Long B Nguyen" userId="f59fb8f3-a021-417a-8bc1-65c8d471c621" providerId="ADAL" clId="{AA9102B5-DACA-D841-B260-AEEBF90FC60A}"/>
-    <pc:docChg chg="custSel addSld delSld modSld">
-      <pc:chgData name="Long B Nguyen" userId="f59fb8f3-a021-417a-8bc1-65c8d471c621" providerId="ADAL" clId="{AA9102B5-DACA-D841-B260-AEEBF90FC60A}" dt="2020-01-06T17:07:10.515" v="1519" actId="2711"/>
-      <pc:docMkLst>
-        <pc:docMk/>
-      </pc:docMkLst>
-      <pc:sldChg chg="modSp">
-        <pc:chgData name="Long B Nguyen" userId="f59fb8f3-a021-417a-8bc1-65c8d471c621" providerId="ADAL" clId="{AA9102B5-DACA-D841-B260-AEEBF90FC60A}" dt="2020-01-05T22:05:23.536" v="23" actId="20577"/>
-        <pc:sldMkLst>
-          <pc:docMk/>
-          <pc:sldMk cId="4247104139" sldId="256"/>
-        </pc:sldMkLst>
-        <pc:spChg chg="mod">
-          <ac:chgData name="Long B Nguyen" userId="f59fb8f3-a021-417a-8bc1-65c8d471c621" providerId="ADAL" clId="{AA9102B5-DACA-D841-B260-AEEBF90FC60A}" dt="2020-01-05T22:05:23.536" v="23" actId="20577"/>
-          <ac:spMkLst>
-            <pc:docMk/>
-            <pc:sldMk cId="4247104139" sldId="256"/>
-            <ac:spMk id="3" creationId="{1BDC47C8-6776-7B44-9CD4-95FC91452D62}"/>
-          </ac:spMkLst>
-        </pc:spChg>
-      </pc:sldChg>
-      <pc:sldChg chg="del">
-        <pc:chgData name="Long B Nguyen" userId="f59fb8f3-a021-417a-8bc1-65c8d471c621" providerId="ADAL" clId="{AA9102B5-DACA-D841-B260-AEEBF90FC60A}" dt="2020-01-05T22:05:52.483" v="41" actId="2696"/>
-        <pc:sldMkLst>
-          <pc:docMk/>
-          <pc:sldMk cId="1438711869" sldId="284"/>
-        </pc:sldMkLst>
-      </pc:sldChg>
-      <pc:sldChg chg="del">
-        <pc:chgData name="Long B Nguyen" userId="f59fb8f3-a021-417a-8bc1-65c8d471c621" providerId="ADAL" clId="{AA9102B5-DACA-D841-B260-AEEBF90FC60A}" dt="2020-01-05T22:05:52.199" v="24" actId="2696"/>
-        <pc:sldMkLst>
-          <pc:docMk/>
-          <pc:sldMk cId="131840209" sldId="286"/>
-        </pc:sldMkLst>
-      </pc:sldChg>
-      <pc:sldChg chg="del">
-        <pc:chgData name="Long B Nguyen" userId="f59fb8f3-a021-417a-8bc1-65c8d471c621" providerId="ADAL" clId="{AA9102B5-DACA-D841-B260-AEEBF90FC60A}" dt="2020-01-05T22:05:52.214" v="25" actId="2696"/>
-        <pc:sldMkLst>
-          <pc:docMk/>
-          <pc:sldMk cId="1816941262" sldId="295"/>
-        </pc:sldMkLst>
-      </pc:sldChg>
-      <pc:sldChg chg="del">
-        <pc:chgData name="Long B Nguyen" userId="f59fb8f3-a021-417a-8bc1-65c8d471c621" providerId="ADAL" clId="{AA9102B5-DACA-D841-B260-AEEBF90FC60A}" dt="2020-01-05T22:05:52.246" v="27" actId="2696"/>
-        <pc:sldMkLst>
-          <pc:docMk/>
-          <pc:sldMk cId="553003360" sldId="296"/>
-        </pc:sldMkLst>
-      </pc:sldChg>
-      <pc:sldChg chg="del">
-        <pc:chgData name="Long B Nguyen" userId="f59fb8f3-a021-417a-8bc1-65c8d471c621" providerId="ADAL" clId="{AA9102B5-DACA-D841-B260-AEEBF90FC60A}" dt="2020-01-05T22:05:52.268" v="28" actId="2696"/>
-        <pc:sldMkLst>
-          <pc:docMk/>
-          <pc:sldMk cId="3006175481" sldId="297"/>
-        </pc:sldMkLst>
-      </pc:sldChg>
-      <pc:sldChg chg="del">
-        <pc:chgData name="Long B Nguyen" userId="f59fb8f3-a021-417a-8bc1-65c8d471c621" providerId="ADAL" clId="{AA9102B5-DACA-D841-B260-AEEBF90FC60A}" dt="2020-01-05T22:05:52.287" v="29" actId="2696"/>
-        <pc:sldMkLst>
-          <pc:docMk/>
-          <pc:sldMk cId="3150557076" sldId="298"/>
-        </pc:sldMkLst>
-      </pc:sldChg>
-      <pc:sldChg chg="del">
-        <pc:chgData name="Long B Nguyen" userId="f59fb8f3-a021-417a-8bc1-65c8d471c621" providerId="ADAL" clId="{AA9102B5-DACA-D841-B260-AEEBF90FC60A}" dt="2020-01-05T22:05:52.442" v="38" actId="2696"/>
-        <pc:sldMkLst>
-          <pc:docMk/>
-          <pc:sldMk cId="128704095" sldId="302"/>
-        </pc:sldMkLst>
-      </pc:sldChg>
-      <pc:sldChg chg="del">
-        <pc:chgData name="Long B Nguyen" userId="f59fb8f3-a021-417a-8bc1-65c8d471c621" providerId="ADAL" clId="{AA9102B5-DACA-D841-B260-AEEBF90FC60A}" dt="2020-01-05T22:05:52.305" v="30" actId="2696"/>
-        <pc:sldMkLst>
-          <pc:docMk/>
-          <pc:sldMk cId="3275945509" sldId="303"/>
-        </pc:sldMkLst>
-      </pc:sldChg>
-      <pc:sldChg chg="del">
-        <pc:chgData name="Long B Nguyen" userId="f59fb8f3-a021-417a-8bc1-65c8d471c621" providerId="ADAL" clId="{AA9102B5-DACA-D841-B260-AEEBF90FC60A}" dt="2020-01-05T22:05:52.321" v="31" actId="2696"/>
-        <pc:sldMkLst>
-          <pc:docMk/>
-          <pc:sldMk cId="406772024" sldId="304"/>
-        </pc:sldMkLst>
-      </pc:sldChg>
-      <pc:sldChg chg="del">
-        <pc:chgData name="Long B Nguyen" userId="f59fb8f3-a021-417a-8bc1-65c8d471c621" providerId="ADAL" clId="{AA9102B5-DACA-D841-B260-AEEBF90FC60A}" dt="2020-01-05T22:05:52.334" v="32" actId="2696"/>
-        <pc:sldMkLst>
-          <pc:docMk/>
-          <pc:sldMk cId="1703902501" sldId="305"/>
-        </pc:sldMkLst>
-      </pc:sldChg>
-      <pc:sldChg chg="del">
-        <pc:chgData name="Long B Nguyen" userId="f59fb8f3-a021-417a-8bc1-65c8d471c621" providerId="ADAL" clId="{AA9102B5-DACA-D841-B260-AEEBF90FC60A}" dt="2020-01-05T22:05:52.461" v="39" actId="2696"/>
-        <pc:sldMkLst>
-          <pc:docMk/>
-          <pc:sldMk cId="3614829039" sldId="306"/>
-        </pc:sldMkLst>
-      </pc:sldChg>
-      <pc:sldChg chg="del">
-        <pc:chgData name="Long B Nguyen" userId="f59fb8f3-a021-417a-8bc1-65c8d471c621" providerId="ADAL" clId="{AA9102B5-DACA-D841-B260-AEEBF90FC60A}" dt="2020-01-05T22:05:52.471" v="40" actId="2696"/>
-        <pc:sldMkLst>
-          <pc:docMk/>
-          <pc:sldMk cId="295911327" sldId="307"/>
-        </pc:sldMkLst>
-      </pc:sldChg>
-      <pc:sldChg chg="del">
-        <pc:chgData name="Long B Nguyen" userId="f59fb8f3-a021-417a-8bc1-65c8d471c621" providerId="ADAL" clId="{AA9102B5-DACA-D841-B260-AEEBF90FC60A}" dt="2020-01-05T22:05:52.353" v="33" actId="2696"/>
-        <pc:sldMkLst>
-          <pc:docMk/>
-          <pc:sldMk cId="67957925" sldId="308"/>
-        </pc:sldMkLst>
-      </pc:sldChg>
-      <pc:sldChg chg="del">
-        <pc:chgData name="Long B Nguyen" userId="f59fb8f3-a021-417a-8bc1-65c8d471c621" providerId="ADAL" clId="{AA9102B5-DACA-D841-B260-AEEBF90FC60A}" dt="2020-01-05T22:05:52.365" v="34" actId="2696"/>
-        <pc:sldMkLst>
-          <pc:docMk/>
-          <pc:sldMk cId="1872435103" sldId="309"/>
-        </pc:sldMkLst>
-      </pc:sldChg>
-      <pc:sldChg chg="del">
-        <pc:chgData name="Long B Nguyen" userId="f59fb8f3-a021-417a-8bc1-65c8d471c621" providerId="ADAL" clId="{AA9102B5-DACA-D841-B260-AEEBF90FC60A}" dt="2020-01-05T22:05:52.385" v="35" actId="2696"/>
-        <pc:sldMkLst>
-          <pc:docMk/>
-          <pc:sldMk cId="4088965571" sldId="310"/>
-        </pc:sldMkLst>
-      </pc:sldChg>
-      <pc:sldChg chg="del">
-        <pc:chgData name="Long B Nguyen" userId="f59fb8f3-a021-417a-8bc1-65c8d471c621" providerId="ADAL" clId="{AA9102B5-DACA-D841-B260-AEEBF90FC60A}" dt="2020-01-05T22:05:52.404" v="36" actId="2696"/>
-        <pc:sldMkLst>
-          <pc:docMk/>
-          <pc:sldMk cId="2255846137" sldId="311"/>
-        </pc:sldMkLst>
-      </pc:sldChg>
-      <pc:sldChg chg="del">
-        <pc:chgData name="Long B Nguyen" userId="f59fb8f3-a021-417a-8bc1-65c8d471c621" providerId="ADAL" clId="{AA9102B5-DACA-D841-B260-AEEBF90FC60A}" dt="2020-01-05T22:05:52.423" v="37" actId="2696"/>
-        <pc:sldMkLst>
-          <pc:docMk/>
-          <pc:sldMk cId="1513627164" sldId="312"/>
-        </pc:sldMkLst>
-      </pc:sldChg>
-      <pc:sldChg chg="del">
-        <pc:chgData name="Long B Nguyen" userId="f59fb8f3-a021-417a-8bc1-65c8d471c621" providerId="ADAL" clId="{AA9102B5-DACA-D841-B260-AEEBF90FC60A}" dt="2020-01-05T22:05:52.231" v="26" actId="2696"/>
-        <pc:sldMkLst>
-          <pc:docMk/>
-          <pc:sldMk cId="2097059918" sldId="313"/>
-        </pc:sldMkLst>
-      </pc:sldChg>
-      <pc:sldChg chg="modSp">
-        <pc:chgData name="Long B Nguyen" userId="f59fb8f3-a021-417a-8bc1-65c8d471c621" providerId="ADAL" clId="{AA9102B5-DACA-D841-B260-AEEBF90FC60A}" dt="2020-01-06T15:37:30.346" v="948" actId="20577"/>
-        <pc:sldMkLst>
-          <pc:docMk/>
-          <pc:sldMk cId="1452600724" sldId="316"/>
-        </pc:sldMkLst>
-        <pc:spChg chg="mod">
-          <ac:chgData name="Long B Nguyen" userId="f59fb8f3-a021-417a-8bc1-65c8d471c621" providerId="ADAL" clId="{AA9102B5-DACA-D841-B260-AEEBF90FC60A}" dt="2020-01-06T15:37:30.346" v="948" actId="20577"/>
-          <ac:spMkLst>
-            <pc:docMk/>
-            <pc:sldMk cId="1452600724" sldId="316"/>
-            <ac:spMk id="9" creationId="{E3B2E017-30B2-884B-A113-B419A2ED51AD}"/>
-          </ac:spMkLst>
-        </pc:spChg>
-      </pc:sldChg>
-      <pc:sldChg chg="del">
-        <pc:chgData name="Long B Nguyen" userId="f59fb8f3-a021-417a-8bc1-65c8d471c621" providerId="ADAL" clId="{AA9102B5-DACA-D841-B260-AEEBF90FC60A}" dt="2020-01-06T15:03:11.354" v="848" actId="2696"/>
-        <pc:sldMkLst>
-          <pc:docMk/>
-          <pc:sldMk cId="1787114790" sldId="317"/>
-        </pc:sldMkLst>
-      </pc:sldChg>
-      <pc:sldChg chg="del">
-        <pc:chgData name="Long B Nguyen" userId="f59fb8f3-a021-417a-8bc1-65c8d471c621" providerId="ADAL" clId="{AA9102B5-DACA-D841-B260-AEEBF90FC60A}" dt="2020-01-05T22:06:12.101" v="42" actId="2696"/>
-        <pc:sldMkLst>
-          <pc:docMk/>
-          <pc:sldMk cId="1215229427" sldId="318"/>
-        </pc:sldMkLst>
-      </pc:sldChg>
-      <pc:sldChg chg="modSp">
-        <pc:chgData name="Long B Nguyen" userId="f59fb8f3-a021-417a-8bc1-65c8d471c621" providerId="ADAL" clId="{AA9102B5-DACA-D841-B260-AEEBF90FC60A}" dt="2020-01-06T01:48:03.413" v="110" actId="20577"/>
-        <pc:sldMkLst>
-          <pc:docMk/>
-          <pc:sldMk cId="924617162" sldId="319"/>
-        </pc:sldMkLst>
-        <pc:spChg chg="mod">
-          <ac:chgData name="Long B Nguyen" userId="f59fb8f3-a021-417a-8bc1-65c8d471c621" providerId="ADAL" clId="{AA9102B5-DACA-D841-B260-AEEBF90FC60A}" dt="2020-01-06T01:48:03.413" v="110" actId="20577"/>
-          <ac:spMkLst>
-            <pc:docMk/>
-            <pc:sldMk cId="924617162" sldId="319"/>
-            <ac:spMk id="9" creationId="{E3B2E017-30B2-884B-A113-B419A2ED51AD}"/>
-          </ac:spMkLst>
-        </pc:spChg>
-      </pc:sldChg>
-      <pc:sldChg chg="modSp">
-        <pc:chgData name="Long B Nguyen" userId="f59fb8f3-a021-417a-8bc1-65c8d471c621" providerId="ADAL" clId="{AA9102B5-DACA-D841-B260-AEEBF90FC60A}" dt="2020-01-06T01:56:11.549" v="712" actId="1076"/>
-        <pc:sldMkLst>
-          <pc:docMk/>
-          <pc:sldMk cId="1310010799" sldId="324"/>
-        </pc:sldMkLst>
-        <pc:spChg chg="mod">
-          <ac:chgData name="Long B Nguyen" userId="f59fb8f3-a021-417a-8bc1-65c8d471c621" providerId="ADAL" clId="{AA9102B5-DACA-D841-B260-AEEBF90FC60A}" dt="2020-01-06T01:56:11.549" v="712" actId="1076"/>
-          <ac:spMkLst>
-            <pc:docMk/>
-            <pc:sldMk cId="1310010799" sldId="324"/>
-            <ac:spMk id="9" creationId="{E3B2E017-30B2-884B-A113-B419A2ED51AD}"/>
-          </ac:spMkLst>
-        </pc:spChg>
-      </pc:sldChg>
-      <pc:sldChg chg="modSp">
-        <pc:chgData name="Long B Nguyen" userId="f59fb8f3-a021-417a-8bc1-65c8d471c621" providerId="ADAL" clId="{AA9102B5-DACA-D841-B260-AEEBF90FC60A}" dt="2020-01-06T15:35:11.658" v="853" actId="20577"/>
-        <pc:sldMkLst>
-          <pc:docMk/>
-          <pc:sldMk cId="3314372952" sldId="325"/>
-        </pc:sldMkLst>
-        <pc:spChg chg="mod">
-          <ac:chgData name="Long B Nguyen" userId="f59fb8f3-a021-417a-8bc1-65c8d471c621" providerId="ADAL" clId="{AA9102B5-DACA-D841-B260-AEEBF90FC60A}" dt="2020-01-06T15:35:11.658" v="853" actId="20577"/>
-          <ac:spMkLst>
-            <pc:docMk/>
-            <pc:sldMk cId="3314372952" sldId="325"/>
-            <ac:spMk id="2" creationId="{AA3A228F-61D0-D949-A5E7-F83756230BF8}"/>
-          </ac:spMkLst>
-        </pc:spChg>
-        <pc:spChg chg="mod">
-          <ac:chgData name="Long B Nguyen" userId="f59fb8f3-a021-417a-8bc1-65c8d471c621" providerId="ADAL" clId="{AA9102B5-DACA-D841-B260-AEEBF90FC60A}" dt="2020-01-06T15:02:45.351" v="846" actId="20577"/>
-          <ac:spMkLst>
-            <pc:docMk/>
-            <pc:sldMk cId="3314372952" sldId="325"/>
-            <ac:spMk id="9" creationId="{E3B2E017-30B2-884B-A113-B419A2ED51AD}"/>
-          </ac:spMkLst>
-        </pc:spChg>
-      </pc:sldChg>
-      <pc:sldChg chg="del">
-        <pc:chgData name="Long B Nguyen" userId="f59fb8f3-a021-417a-8bc1-65c8d471c621" providerId="ADAL" clId="{AA9102B5-DACA-D841-B260-AEEBF90FC60A}" dt="2020-01-06T15:03:07.580" v="847" actId="2696"/>
-        <pc:sldMkLst>
-          <pc:docMk/>
-          <pc:sldMk cId="3117943122" sldId="326"/>
-        </pc:sldMkLst>
-      </pc:sldChg>
-      <pc:sldChg chg="del">
-        <pc:chgData name="Long B Nguyen" userId="f59fb8f3-a021-417a-8bc1-65c8d471c621" providerId="ADAL" clId="{AA9102B5-DACA-D841-B260-AEEBF90FC60A}" dt="2020-01-06T01:49:27.456" v="111" actId="2696"/>
-        <pc:sldMkLst>
-          <pc:docMk/>
-          <pc:sldMk cId="1025618360" sldId="327"/>
-        </pc:sldMkLst>
-      </pc:sldChg>
-      <pc:sldChg chg="modSp add">
-        <pc:chgData name="Long B Nguyen" userId="f59fb8f3-a021-417a-8bc1-65c8d471c621" providerId="ADAL" clId="{AA9102B5-DACA-D841-B260-AEEBF90FC60A}" dt="2020-01-06T15:00:48.763" v="818" actId="113"/>
-        <pc:sldMkLst>
-          <pc:docMk/>
-          <pc:sldMk cId="1724104636" sldId="327"/>
-        </pc:sldMkLst>
-        <pc:spChg chg="mod">
-          <ac:chgData name="Long B Nguyen" userId="f59fb8f3-a021-417a-8bc1-65c8d471c621" providerId="ADAL" clId="{AA9102B5-DACA-D841-B260-AEEBF90FC60A}" dt="2020-01-06T15:00:48.763" v="818" actId="113"/>
-          <ac:spMkLst>
-            <pc:docMk/>
-            <pc:sldMk cId="1724104636" sldId="327"/>
-            <ac:spMk id="9" creationId="{E3B2E017-30B2-884B-A113-B419A2ED51AD}"/>
-          </ac:spMkLst>
-        </pc:spChg>
-      </pc:sldChg>
-      <pc:sldChg chg="modSp">
-        <pc:chgData name="Long B Nguyen" userId="f59fb8f3-a021-417a-8bc1-65c8d471c621" providerId="ADAL" clId="{AA9102B5-DACA-D841-B260-AEEBF90FC60A}" dt="2020-01-06T01:55:34.369" v="708" actId="20577"/>
-        <pc:sldMkLst>
-          <pc:docMk/>
-          <pc:sldMk cId="4294143140" sldId="329"/>
-        </pc:sldMkLst>
-        <pc:spChg chg="mod">
-          <ac:chgData name="Long B Nguyen" userId="f59fb8f3-a021-417a-8bc1-65c8d471c621" providerId="ADAL" clId="{AA9102B5-DACA-D841-B260-AEEBF90FC60A}" dt="2020-01-06T01:55:34.369" v="708" actId="20577"/>
-          <ac:spMkLst>
-            <pc:docMk/>
-            <pc:sldMk cId="4294143140" sldId="329"/>
-            <ac:spMk id="9" creationId="{E3B2E017-30B2-884B-A113-B419A2ED51AD}"/>
-          </ac:spMkLst>
-        </pc:spChg>
-      </pc:sldChg>
-      <pc:sldChg chg="modSp add">
-        <pc:chgData name="Long B Nguyen" userId="f59fb8f3-a021-417a-8bc1-65c8d471c621" providerId="ADAL" clId="{AA9102B5-DACA-D841-B260-AEEBF90FC60A}" dt="2020-01-06T15:01:01.638" v="819" actId="2711"/>
-        <pc:sldMkLst>
-          <pc:docMk/>
-          <pc:sldMk cId="3594730708" sldId="330"/>
-        </pc:sldMkLst>
-        <pc:spChg chg="mod">
-          <ac:chgData name="Long B Nguyen" userId="f59fb8f3-a021-417a-8bc1-65c8d471c621" providerId="ADAL" clId="{AA9102B5-DACA-D841-B260-AEEBF90FC60A}" dt="2020-01-06T15:01:01.638" v="819" actId="2711"/>
-          <ac:spMkLst>
-            <pc:docMk/>
-            <pc:sldMk cId="3594730708" sldId="330"/>
-            <ac:spMk id="9" creationId="{E3B2E017-30B2-884B-A113-B419A2ED51AD}"/>
-          </ac:spMkLst>
-        </pc:spChg>
-      </pc:sldChg>
-      <pc:sldChg chg="modSp add">
-        <pc:chgData name="Long B Nguyen" userId="f59fb8f3-a021-417a-8bc1-65c8d471c621" providerId="ADAL" clId="{AA9102B5-DACA-D841-B260-AEEBF90FC60A}" dt="2020-01-06T02:00:17.493" v="815" actId="255"/>
-        <pc:sldMkLst>
-          <pc:docMk/>
-          <pc:sldMk cId="3870816631" sldId="331"/>
-        </pc:sldMkLst>
-        <pc:spChg chg="mod">
-          <ac:chgData name="Long B Nguyen" userId="f59fb8f3-a021-417a-8bc1-65c8d471c621" providerId="ADAL" clId="{AA9102B5-DACA-D841-B260-AEEBF90FC60A}" dt="2020-01-06T02:00:17.493" v="815" actId="255"/>
-          <ac:spMkLst>
-            <pc:docMk/>
-            <pc:sldMk cId="3870816631" sldId="331"/>
-            <ac:spMk id="9" creationId="{E3B2E017-30B2-884B-A113-B419A2ED51AD}"/>
-          </ac:spMkLst>
-        </pc:spChg>
-      </pc:sldChg>
-      <pc:sldChg chg="modSp add">
-        <pc:chgData name="Long B Nguyen" userId="f59fb8f3-a021-417a-8bc1-65c8d471c621" providerId="ADAL" clId="{AA9102B5-DACA-D841-B260-AEEBF90FC60A}" dt="2020-01-06T17:07:10.515" v="1519" actId="2711"/>
-        <pc:sldMkLst>
-          <pc:docMk/>
-          <pc:sldMk cId="3124353102" sldId="332"/>
-        </pc:sldMkLst>
-        <pc:spChg chg="mod">
-          <ac:chgData name="Long B Nguyen" userId="f59fb8f3-a021-417a-8bc1-65c8d471c621" providerId="ADAL" clId="{AA9102B5-DACA-D841-B260-AEEBF90FC60A}" dt="2020-01-06T17:03:36.721" v="1332" actId="20577"/>
-          <ac:spMkLst>
-            <pc:docMk/>
-            <pc:sldMk cId="3124353102" sldId="332"/>
-            <ac:spMk id="2" creationId="{AA3A228F-61D0-D949-A5E7-F83756230BF8}"/>
-          </ac:spMkLst>
-        </pc:spChg>
-        <pc:spChg chg="mod">
-          <ac:chgData name="Long B Nguyen" userId="f59fb8f3-a021-417a-8bc1-65c8d471c621" providerId="ADAL" clId="{AA9102B5-DACA-D841-B260-AEEBF90FC60A}" dt="2020-01-06T17:07:10.515" v="1519" actId="2711"/>
-          <ac:spMkLst>
-            <pc:docMk/>
-            <pc:sldMk cId="3124353102" sldId="332"/>
-            <ac:spMk id="9" creationId="{E3B2E017-30B2-884B-A113-B419A2ED51AD}"/>
-          </ac:spMkLst>
-        </pc:spChg>
-      </pc:sldChg>
-    </pc:docChg>
-  </pc:docChgLst>
-  <pc:docChgLst>
-    <pc:chgData name="Long B Nguyen" userId="f59fb8f3-a021-417a-8bc1-65c8d471c621" providerId="ADAL" clId="{CC9C9D9A-5149-2947-86C0-576F501F60DC}"/>
-    <pc:docChg chg="addSld modSld">
-      <pc:chgData name="Long B Nguyen" userId="f59fb8f3-a021-417a-8bc1-65c8d471c621" providerId="ADAL" clId="{CC9C9D9A-5149-2947-86C0-576F501F60DC}" dt="2020-01-05T21:59:55.597" v="2392" actId="14100"/>
-      <pc:docMkLst>
-        <pc:docMk/>
-      </pc:docMkLst>
-      <pc:sldChg chg="modSp add modAnim">
-        <pc:chgData name="Long B Nguyen" userId="f59fb8f3-a021-417a-8bc1-65c8d471c621" providerId="ADAL" clId="{CC9C9D9A-5149-2947-86C0-576F501F60DC}" dt="2020-01-04T15:49:37.373" v="563" actId="20577"/>
-        <pc:sldMkLst>
-          <pc:docMk/>
-          <pc:sldMk cId="924617162" sldId="319"/>
-        </pc:sldMkLst>
-        <pc:spChg chg="mod">
-          <ac:chgData name="Long B Nguyen" userId="f59fb8f3-a021-417a-8bc1-65c8d471c621" providerId="ADAL" clId="{CC9C9D9A-5149-2947-86C0-576F501F60DC}" dt="2020-01-04T15:45:14.876" v="4" actId="20577"/>
-          <ac:spMkLst>
-            <pc:docMk/>
-            <pc:sldMk cId="924617162" sldId="319"/>
-            <ac:spMk id="2" creationId="{AA3A228F-61D0-D949-A5E7-F83756230BF8}"/>
-          </ac:spMkLst>
-        </pc:spChg>
-        <pc:spChg chg="mod">
-          <ac:chgData name="Long B Nguyen" userId="f59fb8f3-a021-417a-8bc1-65c8d471c621" providerId="ADAL" clId="{CC9C9D9A-5149-2947-86C0-576F501F60DC}" dt="2020-01-04T15:49:37.373" v="563" actId="20577"/>
-          <ac:spMkLst>
-            <pc:docMk/>
-            <pc:sldMk cId="924617162" sldId="319"/>
-            <ac:spMk id="9" creationId="{E3B2E017-30B2-884B-A113-B419A2ED51AD}"/>
-          </ac:spMkLst>
-        </pc:spChg>
-      </pc:sldChg>
-      <pc:sldChg chg="modSp add">
-        <pc:chgData name="Long B Nguyen" userId="f59fb8f3-a021-417a-8bc1-65c8d471c621" providerId="ADAL" clId="{CC9C9D9A-5149-2947-86C0-576F501F60DC}" dt="2020-01-04T15:57:55.835" v="789" actId="14100"/>
-        <pc:sldMkLst>
-          <pc:docMk/>
-          <pc:sldMk cId="3758830494" sldId="320"/>
-        </pc:sldMkLst>
-        <pc:spChg chg="mod">
-          <ac:chgData name="Long B Nguyen" userId="f59fb8f3-a021-417a-8bc1-65c8d471c621" providerId="ADAL" clId="{CC9C9D9A-5149-2947-86C0-576F501F60DC}" dt="2020-01-04T15:57:52.065" v="788" actId="1076"/>
-          <ac:spMkLst>
-            <pc:docMk/>
-            <pc:sldMk cId="3758830494" sldId="320"/>
-            <ac:spMk id="2" creationId="{AA3A228F-61D0-D949-A5E7-F83756230BF8}"/>
-          </ac:spMkLst>
-        </pc:spChg>
-        <pc:spChg chg="mod">
-          <ac:chgData name="Long B Nguyen" userId="f59fb8f3-a021-417a-8bc1-65c8d471c621" providerId="ADAL" clId="{CC9C9D9A-5149-2947-86C0-576F501F60DC}" dt="2020-01-04T15:57:55.835" v="789" actId="14100"/>
-          <ac:spMkLst>
-            <pc:docMk/>
-            <pc:sldMk cId="3758830494" sldId="320"/>
-            <ac:spMk id="9" creationId="{E3B2E017-30B2-884B-A113-B419A2ED51AD}"/>
-          </ac:spMkLst>
-        </pc:spChg>
-      </pc:sldChg>
-      <pc:sldChg chg="modSp add">
-        <pc:chgData name="Long B Nguyen" userId="f59fb8f3-a021-417a-8bc1-65c8d471c621" providerId="ADAL" clId="{CC9C9D9A-5149-2947-86C0-576F501F60DC}" dt="2020-01-05T21:51:37.442" v="2325" actId="20577"/>
-        <pc:sldMkLst>
-          <pc:docMk/>
-          <pc:sldMk cId="1022945305" sldId="321"/>
-        </pc:sldMkLst>
-        <pc:spChg chg="mod">
-          <ac:chgData name="Long B Nguyen" userId="f59fb8f3-a021-417a-8bc1-65c8d471c621" providerId="ADAL" clId="{CC9C9D9A-5149-2947-86C0-576F501F60DC}" dt="2020-01-05T21:51:37.442" v="2325" actId="20577"/>
-          <ac:spMkLst>
-            <pc:docMk/>
-            <pc:sldMk cId="1022945305" sldId="321"/>
-            <ac:spMk id="2" creationId="{AA3A228F-61D0-D949-A5E7-F83756230BF8}"/>
-          </ac:spMkLst>
-        </pc:spChg>
-        <pc:spChg chg="mod">
-          <ac:chgData name="Long B Nguyen" userId="f59fb8f3-a021-417a-8bc1-65c8d471c621" providerId="ADAL" clId="{CC9C9D9A-5149-2947-86C0-576F501F60DC}" dt="2020-01-05T21:33:21.485" v="2304" actId="20577"/>
-          <ac:spMkLst>
-            <pc:docMk/>
-            <pc:sldMk cId="1022945305" sldId="321"/>
-            <ac:spMk id="9" creationId="{E3B2E017-30B2-884B-A113-B419A2ED51AD}"/>
-          </ac:spMkLst>
-        </pc:spChg>
-      </pc:sldChg>
-      <pc:sldChg chg="modSp add">
-        <pc:chgData name="Long B Nguyen" userId="f59fb8f3-a021-417a-8bc1-65c8d471c621" providerId="ADAL" clId="{CC9C9D9A-5149-2947-86C0-576F501F60DC}" dt="2020-01-04T17:41:57.489" v="1203" actId="20577"/>
-        <pc:sldMkLst>
-          <pc:docMk/>
-          <pc:sldMk cId="3456840474" sldId="322"/>
-        </pc:sldMkLst>
-        <pc:spChg chg="mod">
-          <ac:chgData name="Long B Nguyen" userId="f59fb8f3-a021-417a-8bc1-65c8d471c621" providerId="ADAL" clId="{CC9C9D9A-5149-2947-86C0-576F501F60DC}" dt="2020-01-04T17:41:57.489" v="1203" actId="20577"/>
-          <ac:spMkLst>
-            <pc:docMk/>
-            <pc:sldMk cId="3456840474" sldId="322"/>
-            <ac:spMk id="9" creationId="{E3B2E017-30B2-884B-A113-B419A2ED51AD}"/>
-          </ac:spMkLst>
-        </pc:spChg>
-      </pc:sldChg>
-      <pc:sldChg chg="modSp add">
-        <pc:chgData name="Long B Nguyen" userId="f59fb8f3-a021-417a-8bc1-65c8d471c621" providerId="ADAL" clId="{CC9C9D9A-5149-2947-86C0-576F501F60DC}" dt="2020-01-04T18:38:26.241" v="1214" actId="113"/>
-        <pc:sldMkLst>
-          <pc:docMk/>
-          <pc:sldMk cId="1062075874" sldId="323"/>
-        </pc:sldMkLst>
-        <pc:spChg chg="mod">
-          <ac:chgData name="Long B Nguyen" userId="f59fb8f3-a021-417a-8bc1-65c8d471c621" providerId="ADAL" clId="{CC9C9D9A-5149-2947-86C0-576F501F60DC}" dt="2020-01-04T18:38:26.241" v="1214" actId="113"/>
-          <ac:spMkLst>
-            <pc:docMk/>
-            <pc:sldMk cId="1062075874" sldId="323"/>
-            <ac:spMk id="9" creationId="{E3B2E017-30B2-884B-A113-B419A2ED51AD}"/>
-          </ac:spMkLst>
-        </pc:spChg>
-      </pc:sldChg>
-      <pc:sldChg chg="modSp add">
-        <pc:chgData name="Long B Nguyen" userId="f59fb8f3-a021-417a-8bc1-65c8d471c621" providerId="ADAL" clId="{CC9C9D9A-5149-2947-86C0-576F501F60DC}" dt="2020-01-04T20:58:36.932" v="1972" actId="20577"/>
-        <pc:sldMkLst>
-          <pc:docMk/>
-          <pc:sldMk cId="1310010799" sldId="324"/>
-        </pc:sldMkLst>
-        <pc:spChg chg="mod">
-          <ac:chgData name="Long B Nguyen" userId="f59fb8f3-a021-417a-8bc1-65c8d471c621" providerId="ADAL" clId="{CC9C9D9A-5149-2947-86C0-576F501F60DC}" dt="2020-01-04T20:55:25.731" v="1962" actId="1076"/>
-          <ac:spMkLst>
-            <pc:docMk/>
-            <pc:sldMk cId="1310010799" sldId="324"/>
-            <ac:spMk id="2" creationId="{AA3A228F-61D0-D949-A5E7-F83756230BF8}"/>
-          </ac:spMkLst>
-        </pc:spChg>
-        <pc:spChg chg="mod">
-          <ac:chgData name="Long B Nguyen" userId="f59fb8f3-a021-417a-8bc1-65c8d471c621" providerId="ADAL" clId="{CC9C9D9A-5149-2947-86C0-576F501F60DC}" dt="2020-01-04T20:58:36.932" v="1972" actId="20577"/>
-          <ac:spMkLst>
-            <pc:docMk/>
-            <pc:sldMk cId="1310010799" sldId="324"/>
-            <ac:spMk id="9" creationId="{E3B2E017-30B2-884B-A113-B419A2ED51AD}"/>
-          </ac:spMkLst>
-        </pc:spChg>
-      </pc:sldChg>
-      <pc:sldChg chg="modSp add">
-        <pc:chgData name="Long B Nguyen" userId="f59fb8f3-a021-417a-8bc1-65c8d471c621" providerId="ADAL" clId="{CC9C9D9A-5149-2947-86C0-576F501F60DC}" dt="2020-01-05T21:27:04.952" v="2119" actId="20577"/>
-        <pc:sldMkLst>
-          <pc:docMk/>
-          <pc:sldMk cId="3314372952" sldId="325"/>
-        </pc:sldMkLst>
-        <pc:spChg chg="mod">
-          <ac:chgData name="Long B Nguyen" userId="f59fb8f3-a021-417a-8bc1-65c8d471c621" providerId="ADAL" clId="{CC9C9D9A-5149-2947-86C0-576F501F60DC}" dt="2020-01-05T21:26:41.210" v="2114" actId="20577"/>
-          <ac:spMkLst>
-            <pc:docMk/>
-            <pc:sldMk cId="3314372952" sldId="325"/>
-            <ac:spMk id="2" creationId="{AA3A228F-61D0-D949-A5E7-F83756230BF8}"/>
-          </ac:spMkLst>
-        </pc:spChg>
-        <pc:spChg chg="mod">
-          <ac:chgData name="Long B Nguyen" userId="f59fb8f3-a021-417a-8bc1-65c8d471c621" providerId="ADAL" clId="{CC9C9D9A-5149-2947-86C0-576F501F60DC}" dt="2020-01-05T21:27:04.952" v="2119" actId="20577"/>
-          <ac:spMkLst>
-            <pc:docMk/>
-            <pc:sldMk cId="3314372952" sldId="325"/>
-            <ac:spMk id="9" creationId="{E3B2E017-30B2-884B-A113-B419A2ED51AD}"/>
-          </ac:spMkLst>
-        </pc:spChg>
-      </pc:sldChg>
-      <pc:sldChg chg="modSp add">
-        <pc:chgData name="Long B Nguyen" userId="f59fb8f3-a021-417a-8bc1-65c8d471c621" providerId="ADAL" clId="{CC9C9D9A-5149-2947-86C0-576F501F60DC}" dt="2020-01-05T21:29:58.563" v="2178" actId="20577"/>
-        <pc:sldMkLst>
-          <pc:docMk/>
-          <pc:sldMk cId="3117943122" sldId="326"/>
-        </pc:sldMkLst>
-        <pc:spChg chg="mod">
-          <ac:chgData name="Long B Nguyen" userId="f59fb8f3-a021-417a-8bc1-65c8d471c621" providerId="ADAL" clId="{CC9C9D9A-5149-2947-86C0-576F501F60DC}" dt="2020-01-05T21:29:58.563" v="2178" actId="20577"/>
-          <ac:spMkLst>
-            <pc:docMk/>
-            <pc:sldMk cId="3117943122" sldId="326"/>
-            <ac:spMk id="9" creationId="{E3B2E017-30B2-884B-A113-B419A2ED51AD}"/>
-          </ac:spMkLst>
-        </pc:spChg>
-      </pc:sldChg>
-      <pc:sldChg chg="modSp add">
-        <pc:chgData name="Long B Nguyen" userId="f59fb8f3-a021-417a-8bc1-65c8d471c621" providerId="ADAL" clId="{CC9C9D9A-5149-2947-86C0-576F501F60DC}" dt="2020-01-05T21:59:55.597" v="2392" actId="14100"/>
-        <pc:sldMkLst>
-          <pc:docMk/>
-          <pc:sldMk cId="1025618360" sldId="327"/>
-        </pc:sldMkLst>
-        <pc:spChg chg="mod">
-          <ac:chgData name="Long B Nguyen" userId="f59fb8f3-a021-417a-8bc1-65c8d471c621" providerId="ADAL" clId="{CC9C9D9A-5149-2947-86C0-576F501F60DC}" dt="2020-01-05T21:59:55.597" v="2392" actId="14100"/>
-          <ac:spMkLst>
-            <pc:docMk/>
-            <pc:sldMk cId="1025618360" sldId="327"/>
-            <ac:spMk id="9" creationId="{E3B2E017-30B2-884B-A113-B419A2ED51AD}"/>
-          </ac:spMkLst>
-        </pc:spChg>
-      </pc:sldChg>
-      <pc:sldChg chg="modSp add">
-        <pc:chgData name="Long B Nguyen" userId="f59fb8f3-a021-417a-8bc1-65c8d471c621" providerId="ADAL" clId="{CC9C9D9A-5149-2947-86C0-576F501F60DC}" dt="2020-01-05T21:54:47.081" v="2356" actId="2711"/>
-        <pc:sldMkLst>
-          <pc:docMk/>
-          <pc:sldMk cId="3894299887" sldId="328"/>
-        </pc:sldMkLst>
-        <pc:spChg chg="mod">
-          <ac:chgData name="Long B Nguyen" userId="f59fb8f3-a021-417a-8bc1-65c8d471c621" providerId="ADAL" clId="{CC9C9D9A-5149-2947-86C0-576F501F60DC}" dt="2020-01-05T21:51:41.306" v="2327" actId="20577"/>
-          <ac:spMkLst>
-            <pc:docMk/>
-            <pc:sldMk cId="3894299887" sldId="328"/>
-            <ac:spMk id="2" creationId="{AA3A228F-61D0-D949-A5E7-F83756230BF8}"/>
-          </ac:spMkLst>
-        </pc:spChg>
-        <pc:spChg chg="mod">
-          <ac:chgData name="Long B Nguyen" userId="f59fb8f3-a021-417a-8bc1-65c8d471c621" providerId="ADAL" clId="{CC9C9D9A-5149-2947-86C0-576F501F60DC}" dt="2020-01-05T21:54:47.081" v="2356" actId="2711"/>
-          <ac:spMkLst>
-            <pc:docMk/>
-            <pc:sldMk cId="3894299887" sldId="328"/>
-            <ac:spMk id="9" creationId="{E3B2E017-30B2-884B-A113-B419A2ED51AD}"/>
-          </ac:spMkLst>
-        </pc:spChg>
-      </pc:sldChg>
-      <pc:sldChg chg="add">
-        <pc:chgData name="Long B Nguyen" userId="f59fb8f3-a021-417a-8bc1-65c8d471c621" providerId="ADAL" clId="{CC9C9D9A-5149-2947-86C0-576F501F60DC}" dt="2020-01-05T21:57:38.736" v="2357"/>
-        <pc:sldMkLst>
-          <pc:docMk/>
-          <pc:sldMk cId="4294143140" sldId="329"/>
-        </pc:sldMkLst>
-      </pc:sldChg>
-    </pc:docChg>
-  </pc:docChgLst>
-  <pc:docChgLst>
-    <pc:chgData name="Long B Nguyen" userId="f59fb8f3-a021-417a-8bc1-65c8d471c621" providerId="ADAL" clId="{B81BBD53-AC1D-D74E-8CB3-F09B139D79C3}"/>
-    <pc:docChg chg="modSld">
-      <pc:chgData name="Long B Nguyen" userId="f59fb8f3-a021-417a-8bc1-65c8d471c621" providerId="ADAL" clId="{B81BBD53-AC1D-D74E-8CB3-F09B139D79C3}" dt="2021-04-13T13:04:47.732" v="101" actId="20577"/>
-      <pc:docMkLst>
-        <pc:docMk/>
-      </pc:docMkLst>
-      <pc:sldChg chg="modSp modAnim">
-        <pc:chgData name="Long B Nguyen" userId="f59fb8f3-a021-417a-8bc1-65c8d471c621" providerId="ADAL" clId="{B81BBD53-AC1D-D74E-8CB3-F09B139D79C3}" dt="2021-04-12T13:47:12.338" v="98" actId="20577"/>
-        <pc:sldMkLst>
-          <pc:docMk/>
-          <pc:sldMk cId="1925924244" sldId="556"/>
-        </pc:sldMkLst>
-        <pc:spChg chg="mod">
-          <ac:chgData name="Long B Nguyen" userId="f59fb8f3-a021-417a-8bc1-65c8d471c621" providerId="ADAL" clId="{B81BBD53-AC1D-D74E-8CB3-F09B139D79C3}" dt="2021-04-12T13:47:12.338" v="98" actId="20577"/>
-          <ac:spMkLst>
-            <pc:docMk/>
-            <pc:sldMk cId="1925924244" sldId="556"/>
-            <ac:spMk id="16386" creationId="{2A7E0F38-3D69-FA4C-A13E-BC74CAF926EB}"/>
-          </ac:spMkLst>
-        </pc:spChg>
-      </pc:sldChg>
-      <pc:sldChg chg="modSp modAnim">
-        <pc:chgData name="Long B Nguyen" userId="f59fb8f3-a021-417a-8bc1-65c8d471c621" providerId="ADAL" clId="{B81BBD53-AC1D-D74E-8CB3-F09B139D79C3}" dt="2021-04-12T13:20:37.684" v="94"/>
-        <pc:sldMkLst>
-          <pc:docMk/>
-          <pc:sldMk cId="1603111093" sldId="582"/>
-        </pc:sldMkLst>
-        <pc:spChg chg="mod">
-          <ac:chgData name="Long B Nguyen" userId="f59fb8f3-a021-417a-8bc1-65c8d471c621" providerId="ADAL" clId="{B81BBD53-AC1D-D74E-8CB3-F09B139D79C3}" dt="2021-04-12T13:20:37.684" v="94"/>
-          <ac:spMkLst>
-            <pc:docMk/>
-            <pc:sldMk cId="1603111093" sldId="582"/>
-            <ac:spMk id="16386" creationId="{114BB159-C41E-A046-9481-C57D33802B19}"/>
-          </ac:spMkLst>
-        </pc:spChg>
-      </pc:sldChg>
-      <pc:sldChg chg="modSp">
-        <pc:chgData name="Long B Nguyen" userId="f59fb8f3-a021-417a-8bc1-65c8d471c621" providerId="ADAL" clId="{B81BBD53-AC1D-D74E-8CB3-F09B139D79C3}" dt="2021-04-13T13:04:47.732" v="101" actId="20577"/>
-        <pc:sldMkLst>
-          <pc:docMk/>
-          <pc:sldMk cId="3142613135" sldId="588"/>
-        </pc:sldMkLst>
-        <pc:spChg chg="mod">
-          <ac:chgData name="Long B Nguyen" userId="f59fb8f3-a021-417a-8bc1-65c8d471c621" providerId="ADAL" clId="{B81BBD53-AC1D-D74E-8CB3-F09B139D79C3}" dt="2021-04-13T13:04:47.732" v="101" actId="20577"/>
-          <ac:spMkLst>
-            <pc:docMk/>
-            <pc:sldMk cId="3142613135" sldId="588"/>
-            <ac:spMk id="16386" creationId="{64803469-0351-BA45-ABE6-B6F61CAA9AC7}"/>
-          </ac:spMkLst>
-        </pc:spChg>
-      </pc:sldChg>
-      <pc:sldChg chg="modSp">
-        <pc:chgData name="Long B Nguyen" userId="f59fb8f3-a021-417a-8bc1-65c8d471c621" providerId="ADAL" clId="{B81BBD53-AC1D-D74E-8CB3-F09B139D79C3}" dt="2021-04-13T12:30:31.024" v="99" actId="113"/>
-        <pc:sldMkLst>
-          <pc:docMk/>
-          <pc:sldMk cId="3535386674" sldId="593"/>
-        </pc:sldMkLst>
-        <pc:spChg chg="mod">
-          <ac:chgData name="Long B Nguyen" userId="f59fb8f3-a021-417a-8bc1-65c8d471c621" providerId="ADAL" clId="{B81BBD53-AC1D-D74E-8CB3-F09B139D79C3}" dt="2021-04-13T12:30:31.024" v="99" actId="113"/>
-          <ac:spMkLst>
-            <pc:docMk/>
-            <pc:sldMk cId="3535386674" sldId="593"/>
-            <ac:spMk id="16386" creationId="{DCDEDE68-7370-A049-B607-4EE7C1C097CC}"/>
-          </ac:spMkLst>
-        </pc:spChg>
       </pc:sldChg>
     </pc:docChg>
   </pc:docChgLst>
@@ -7009,7 +7048,7 @@
           <a:p>
             <a:fld id="{6EDD99D2-A624-5E4F-A4E3-584054837B5A}" type="datetimeFigureOut">
               <a:rPr lang="en-US" smtClean="0"/>
-              <a:t>5/21/21</a:t>
+              <a:t>6/10/21</a:t>
             </a:fld>
             <a:endParaRPr lang="en-US"/>
           </a:p>
@@ -10971,7 +11010,7 @@
           <a:p>
             <a:fld id="{C96F47CA-F895-6945-BE27-26692229FACF}" type="datetime1">
               <a:rPr lang="en-US" smtClean="0"/>
-              <a:t>5/21/21</a:t>
+              <a:t>6/10/21</a:t>
             </a:fld>
             <a:endParaRPr lang="en-US" dirty="0"/>
           </a:p>
@@ -11141,7 +11180,7 @@
           <a:p>
             <a:fld id="{AF706D67-2012-D043-9F80-5C2BDD609BD3}" type="datetime1">
               <a:rPr lang="en-US" smtClean="0"/>
-              <a:t>5/21/21</a:t>
+              <a:t>6/10/21</a:t>
             </a:fld>
             <a:endParaRPr lang="en-US" dirty="0"/>
           </a:p>
@@ -11321,7 +11360,7 @@
           <a:p>
             <a:fld id="{5B79ACE4-03B6-794A-A48C-13F9598CCD28}" type="datetime1">
               <a:rPr lang="en-US" smtClean="0"/>
-              <a:t>5/21/21</a:t>
+              <a:t>6/10/21</a:t>
             </a:fld>
             <a:endParaRPr lang="en-US" dirty="0"/>
           </a:p>
@@ -11491,7 +11530,7 @@
           <a:p>
             <a:fld id="{6DA7C96B-D6FF-5D47-8EF3-542FD5A88E7C}" type="datetime1">
               <a:rPr lang="en-US" smtClean="0"/>
-              <a:t>5/21/21</a:t>
+              <a:t>6/10/21</a:t>
             </a:fld>
             <a:endParaRPr lang="en-US" dirty="0"/>
           </a:p>
@@ -11737,7 +11776,7 @@
           <a:p>
             <a:fld id="{5A6358E7-4856-3046-9420-8ADBF7A86D8C}" type="datetime1">
               <a:rPr lang="en-US" smtClean="0"/>
-              <a:t>5/21/21</a:t>
+              <a:t>6/10/21</a:t>
             </a:fld>
             <a:endParaRPr lang="en-US" dirty="0"/>
           </a:p>
@@ -11969,7 +12008,7 @@
           <a:p>
             <a:fld id="{6779F35A-9F43-7048-AA95-2DCA7E8C0780}" type="datetime1">
               <a:rPr lang="en-US" smtClean="0"/>
-              <a:t>5/21/21</a:t>
+              <a:t>6/10/21</a:t>
             </a:fld>
             <a:endParaRPr lang="en-US" dirty="0"/>
           </a:p>
@@ -12336,7 +12375,7 @@
           <a:p>
             <a:fld id="{B7CB2D7C-E370-DC40-8D10-DF8CB1A188CA}" type="datetime1">
               <a:rPr lang="en-US" smtClean="0"/>
-              <a:t>5/21/21</a:t>
+              <a:t>6/10/21</a:t>
             </a:fld>
             <a:endParaRPr lang="en-US" dirty="0"/>
           </a:p>
@@ -12454,7 +12493,7 @@
           <a:p>
             <a:fld id="{68AA69A2-3CD0-BE49-AF6E-9E037A40F43F}" type="datetime1">
               <a:rPr lang="en-US" smtClean="0"/>
-              <a:t>5/21/21</a:t>
+              <a:t>6/10/21</a:t>
             </a:fld>
             <a:endParaRPr lang="en-US" dirty="0"/>
           </a:p>
@@ -12549,7 +12588,7 @@
           <a:p>
             <a:fld id="{1EB50D9D-ACA9-3C4A-A3FC-7A265C0CEBD3}" type="datetime1">
               <a:rPr lang="en-US" smtClean="0"/>
-              <a:t>5/21/21</a:t>
+              <a:t>6/10/21</a:t>
             </a:fld>
             <a:endParaRPr lang="en-US" dirty="0"/>
           </a:p>
@@ -12826,7 +12865,7 @@
           <a:p>
             <a:fld id="{A08B2DD4-8739-D748-B308-CD7D801B0131}" type="datetime1">
               <a:rPr lang="en-US" smtClean="0"/>
-              <a:t>5/21/21</a:t>
+              <a:t>6/10/21</a:t>
             </a:fld>
             <a:endParaRPr lang="en-US" dirty="0"/>
           </a:p>
@@ -13083,7 +13122,7 @@
           <a:p>
             <a:fld id="{98622575-E24A-D548-838B-E385F9D0E59A}" type="datetime1">
               <a:rPr lang="en-US" smtClean="0"/>
-              <a:t>5/21/21</a:t>
+              <a:t>6/10/21</a:t>
             </a:fld>
             <a:endParaRPr lang="en-US" dirty="0"/>
           </a:p>
@@ -13296,7 +13335,7 @@
           <a:p>
             <a:fld id="{272BAF4E-9F7C-284D-B40D-0B83E546F887}" type="datetime1">
               <a:rPr lang="en-US" smtClean="0"/>
-              <a:t>5/21/21</a:t>
+              <a:t>6/10/21</a:t>
             </a:fld>
             <a:endParaRPr lang="en-US" dirty="0"/>
           </a:p>
@@ -19945,7 +19984,7 @@
         <p:spPr>
           <a:xfrm>
             <a:off x="133564" y="783961"/>
-            <a:ext cx="8537825" cy="4931039"/>
+            <a:ext cx="9010436" cy="4817269"/>
           </a:xfrm>
         </p:spPr>
         <p:txBody>
@@ -19956,12 +19995,25 @@
               <a:buNone/>
             </a:pPr>
             <a:r>
-              <a:rPr lang="en-US" sz="2000" b="1" dirty="0"/>
+              <a:rPr lang="en-US" b="1" dirty="0"/>
               <a:t>Abstraction</a:t>
             </a:r>
             <a:r>
-              <a:rPr lang="en-US" sz="2000" dirty="0"/>
-              <a:t> means displaying only essential information and hiding the details. </a:t>
+              <a:rPr lang="en-US" i="1" dirty="0"/>
+              <a:t> </a:t>
+            </a:r>
+            <a:r>
+              <a:rPr lang="en-US" dirty="0"/>
+              <a:t>is the process of reducing complexity by focusing on the main idea. </a:t>
+            </a:r>
+          </a:p>
+          <a:p>
+            <a:pPr marL="0" indent="0">
+              <a:buNone/>
+            </a:pPr>
+            <a:r>
+              <a:rPr lang="en-US" dirty="0"/>
+              <a:t>By hiding details irrelevant to the question at hand and bringing together related and useful details, abstraction reduces complexity and allows one to focus on the idea. </a:t>
             </a:r>
           </a:p>
           <a:p>
@@ -20066,26 +20118,25 @@
               </a:rPr>
               <a:t>() function is implemented to be able use it. </a:t>
             </a:r>
+          </a:p>
+          <a:p>
+            <a:pPr marL="0" indent="0">
+              <a:buNone/>
+            </a:pPr>
+            <a:endParaRPr lang="en-US" sz="2000" dirty="0">
+              <a:latin typeface="Gill Sans MT" panose="020B0502020104020203" pitchFamily="34" charset="77"/>
+            </a:endParaRPr>
+          </a:p>
+          <a:p>
+            <a:pPr marL="0" indent="0">
+              <a:buNone/>
+            </a:pPr>
             <a:endParaRPr lang="en-US" sz="2000" dirty="0"/>
           </a:p>
           <a:p>
             <a:pPr marL="0" indent="0">
               <a:buNone/>
             </a:pPr>
-            <a:endParaRPr lang="en-US" sz="2000" dirty="0"/>
-          </a:p>
-          <a:p>
-            <a:pPr marL="0" indent="0">
-              <a:buNone/>
-            </a:pPr>
-            <a:r>
-              <a:rPr lang="en-US" sz="2000" dirty="0"/>
-              <a:t>When implementing algorithms, p</a:t>
-            </a:r>
-            <a:r>
-              <a:rPr lang="en-US" dirty="0"/>
-              <a:t>rocedural abstraction allows a solution to a large problem to be based on the solutions of smaller subproblems. </a:t>
-            </a:r>
             <a:endParaRPr lang="en-US" sz="2000" dirty="0"/>
           </a:p>
           <a:p>
@@ -20194,7 +20245,7 @@
                                         <p:tgtEl>
                                           <p:spTgt spid="6146">
                                             <p:txEl>
-                                              <p:pRg st="2" end="2"/>
+                                              <p:pRg st="3" end="3"/>
                                             </p:txEl>
                                           </p:spTgt>
                                         </p:tgtEl>
@@ -20243,7 +20294,7 @@
                                         <p:tgtEl>
                                           <p:spTgt spid="6146">
                                             <p:txEl>
-                                              <p:pRg st="4" end="4"/>
+                                              <p:pRg st="5" end="5"/>
                                             </p:txEl>
                                           </p:spTgt>
                                         </p:tgtEl>
@@ -20274,7 +20325,7 @@
                                         <p:tgtEl>
                                           <p:spTgt spid="6146">
                                             <p:txEl>
-                                              <p:pRg st="5" end="5"/>
+                                              <p:pRg st="6" end="6"/>
                                             </p:txEl>
                                           </p:spTgt>
                                         </p:tgtEl>
@@ -20323,56 +20374,7 @@
                                         <p:tgtEl>
                                           <p:spTgt spid="6146">
                                             <p:txEl>
-                                              <p:pRg st="7" end="7"/>
-                                            </p:txEl>
-                                          </p:spTgt>
-                                        </p:tgtEl>
-                                        <p:attrNameLst>
-                                          <p:attrName>style.visibility</p:attrName>
-                                        </p:attrNameLst>
-                                      </p:cBhvr>
-                                      <p:to>
-                                        <p:strVal val="visible"/>
-                                      </p:to>
-                                    </p:set>
-                                  </p:childTnLst>
-                                </p:cTn>
-                              </p:par>
-                            </p:childTnLst>
-                          </p:cTn>
-                        </p:par>
-                      </p:childTnLst>
-                    </p:cTn>
-                  </p:par>
-                  <p:par>
-                    <p:cTn id="17" fill="hold">
-                      <p:stCondLst>
-                        <p:cond delay="indefinite"/>
-                      </p:stCondLst>
-                      <p:childTnLst>
-                        <p:par>
-                          <p:cTn id="18" fill="hold">
-                            <p:stCondLst>
-                              <p:cond delay="0"/>
-                            </p:stCondLst>
-                            <p:childTnLst>
-                              <p:par>
-                                <p:cTn id="19" presetID="1" presetClass="entr" presetSubtype="0" fill="hold" nodeType="clickEffect">
-                                  <p:stCondLst>
-                                    <p:cond delay="0"/>
-                                  </p:stCondLst>
-                                  <p:childTnLst>
-                                    <p:set>
-                                      <p:cBhvr>
-                                        <p:cTn id="20" dur="1" fill="hold">
-                                          <p:stCondLst>
-                                            <p:cond delay="0"/>
-                                          </p:stCondLst>
-                                        </p:cTn>
-                                        <p:tgtEl>
-                                          <p:spTgt spid="6146">
-                                            <p:txEl>
-                                              <p:pRg st="9" end="9"/>
+                                              <p:pRg st="8" end="8"/>
                                             </p:txEl>
                                           </p:spTgt>
                                         </p:tgtEl>

--- a/courses/apcsp/lect22.pptx
+++ b/courses/apcsp/lect22.pptx
@@ -150,7 +150,7 @@
 <file path=ppt/revisionInfo.xml><?xml version="1.0" encoding="utf-8"?>
 <p1510:revInfo xmlns:a="http://schemas.openxmlformats.org/drawingml/2006/main" xmlns:r="http://schemas.openxmlformats.org/officeDocument/2006/relationships" xmlns:p1510="http://schemas.microsoft.com/office/powerpoint/2015/10/main">
   <p1510:revLst>
-    <p1510:client id="{4147FC6E-99C4-2241-9195-7A95286B3603}" v="884" dt="2022-01-04T18:16:58.141"/>
+    <p1510:client id="{4147FC6E-99C4-2241-9195-7A95286B3603}" v="1196" dt="2022-01-04T18:24:48.991"/>
   </p1510:revLst>
 </p1510:revInfo>
 </file>
@@ -160,7 +160,7 @@
   <pc:docChgLst>
     <pc:chgData name="Long B Nguyen" userId="f59fb8f3-a021-417a-8bc1-65c8d471c621" providerId="ADAL" clId="{4147FC6E-99C4-2241-9195-7A95286B3603}"/>
     <pc:docChg chg="undo custSel addSld modSld">
-      <pc:chgData name="Long B Nguyen" userId="f59fb8f3-a021-417a-8bc1-65c8d471c621" providerId="ADAL" clId="{4147FC6E-99C4-2241-9195-7A95286B3603}" dt="2022-01-04T18:16:58.141" v="1148" actId="20577"/>
+      <pc:chgData name="Long B Nguyen" userId="f59fb8f3-a021-417a-8bc1-65c8d471c621" providerId="ADAL" clId="{4147FC6E-99C4-2241-9195-7A95286B3603}" dt="2022-01-04T18:24:48.991" v="1460" actId="20577"/>
       <pc:docMkLst>
         <pc:docMk/>
       </pc:docMkLst>
@@ -371,13 +371,13 @@
         </pc:spChg>
       </pc:sldChg>
       <pc:sldChg chg="modSp add mod modAnim">
-        <pc:chgData name="Long B Nguyen" userId="f59fb8f3-a021-417a-8bc1-65c8d471c621" providerId="ADAL" clId="{4147FC6E-99C4-2241-9195-7A95286B3603}" dt="2022-01-04T18:16:58.141" v="1148" actId="20577"/>
+        <pc:chgData name="Long B Nguyen" userId="f59fb8f3-a021-417a-8bc1-65c8d471c621" providerId="ADAL" clId="{4147FC6E-99C4-2241-9195-7A95286B3603}" dt="2022-01-04T18:24:48.991" v="1460" actId="20577"/>
         <pc:sldMkLst>
           <pc:docMk/>
           <pc:sldMk cId="1656957266" sldId="626"/>
         </pc:sldMkLst>
         <pc:spChg chg="mod">
-          <ac:chgData name="Long B Nguyen" userId="f59fb8f3-a021-417a-8bc1-65c8d471c621" providerId="ADAL" clId="{4147FC6E-99C4-2241-9195-7A95286B3603}" dt="2022-01-04T18:16:58.141" v="1148" actId="20577"/>
+          <ac:chgData name="Long B Nguyen" userId="f59fb8f3-a021-417a-8bc1-65c8d471c621" providerId="ADAL" clId="{4147FC6E-99C4-2241-9195-7A95286B3603}" dt="2022-01-04T18:24:48.991" v="1460" actId="20577"/>
           <ac:spMkLst>
             <pc:docMk/>
             <pc:sldMk cId="1656957266" sldId="626"/>
@@ -26849,48 +26849,67 @@
           </a:xfrm>
         </p:spPr>
         <p:txBody>
-          <a:bodyPr/>
+          <a:bodyPr>
+            <a:normAutofit/>
+          </a:bodyPr>
           <a:lstStyle/>
           <a:p>
             <a:pPr marL="0" indent="0">
               <a:buNone/>
             </a:pPr>
-            <a:endParaRPr lang="en-US" altLang="en-US" sz="1833" dirty="0">
+            <a:r>
+              <a:rPr lang="en-US" altLang="en-US" sz="2000" dirty="0">
+                <a:latin typeface="Gill Sans MT" panose="020B0502020104020203" pitchFamily="34" charset="77"/>
+                <a:ea typeface="ＭＳ Ｐゴシック" panose="020B0600070205080204" pitchFamily="34" charset="-128"/>
+              </a:rPr>
+              <a:t>You should know how to implement(write the code for) the following algorithms. The </a:t>
+            </a:r>
+            <a:r>
+              <a:rPr lang="en-US" altLang="en-US" sz="2000">
+                <a:latin typeface="Gill Sans MT" panose="020B0502020104020203" pitchFamily="34" charset="77"/>
+                <a:ea typeface="ＭＳ Ｐゴシック" panose="020B0600070205080204" pitchFamily="34" charset="-128"/>
+              </a:rPr>
+              <a:t>AP exam </a:t>
+            </a:r>
+            <a:r>
+              <a:rPr lang="en-US" altLang="en-US" sz="2000" dirty="0">
+                <a:latin typeface="Gill Sans MT" panose="020B0502020104020203" pitchFamily="34" charset="77"/>
+                <a:ea typeface="ＭＳ Ｐゴシック" panose="020B0600070205080204" pitchFamily="34" charset="-128"/>
+              </a:rPr>
+              <a:t>may give you the code for an algorithm and ask you to find the error or </a:t>
+            </a:r>
+            <a:r>
+              <a:rPr lang="en-US" altLang="en-US" sz="2000">
+                <a:latin typeface="Gill Sans MT" panose="020B0502020104020203" pitchFamily="34" charset="77"/>
+                <a:ea typeface="ＭＳ Ｐゴシック" panose="020B0600070205080204" pitchFamily="34" charset="-128"/>
+              </a:rPr>
+              <a:t>explain what it does. </a:t>
+            </a:r>
+            <a:endParaRPr lang="en-US" altLang="en-US" sz="2000" dirty="0">
+              <a:latin typeface="Gill Sans MT" panose="020B0502020104020203" pitchFamily="34" charset="77"/>
+              <a:ea typeface="ＭＳ Ｐゴシック" panose="020B0600070205080204" pitchFamily="34" charset="-128"/>
+            </a:endParaRPr>
+          </a:p>
+          <a:p>
+            <a:pPr marL="0" indent="0">
+              <a:buNone/>
+            </a:pPr>
+            <a:endParaRPr lang="en-US" altLang="en-US" sz="2000" dirty="0">
               <a:latin typeface="Courier New" panose="02070309020205020404" pitchFamily="49" charset="0"/>
               <a:ea typeface="ＭＳ Ｐゴシック" panose="020B0600070205080204" pitchFamily="34" charset="-128"/>
             </a:endParaRPr>
           </a:p>
           <a:p>
-            <a:pPr marL="0" indent="0">
-              <a:buNone/>
-            </a:pPr>
-            <a:endParaRPr lang="en-US" altLang="en-US" sz="1833" dirty="0">
-              <a:latin typeface="Courier New" panose="02070309020205020404" pitchFamily="49" charset="0"/>
-              <a:ea typeface="ＭＳ Ｐゴシック" panose="020B0600070205080204" pitchFamily="34" charset="-128"/>
-            </a:endParaRPr>
-          </a:p>
-          <a:p>
             <a:pPr marL="457200" indent="-457200">
               <a:buAutoNum type="arabicParenR"/>
             </a:pPr>
             <a:r>
-              <a:rPr lang="en-US" altLang="en-US" sz="1833" dirty="0">
+              <a:rPr lang="en-US" altLang="en-US" sz="2000" dirty="0">
                 <a:latin typeface="Gill Sans MT" panose="020B0502020104020203" pitchFamily="34" charset="77"/>
                 <a:ea typeface="ＭＳ Ｐゴシック" panose="020B0600070205080204" pitchFamily="34" charset="-128"/>
               </a:rPr>
-              <a:t>Finding an item in a list</a:t>
-            </a:r>
-            <a:r>
-              <a:rPr lang="en-US" altLang="en-US" sz="1833">
-                <a:latin typeface="Gill Sans MT" panose="020B0502020104020203" pitchFamily="34" charset="77"/>
-                <a:ea typeface="ＭＳ Ｐゴシック" panose="020B0600070205080204" pitchFamily="34" charset="-128"/>
-              </a:rPr>
-              <a:t>(sequential search).</a:t>
-            </a:r>
-            <a:endParaRPr lang="en-US" altLang="en-US" sz="1833" dirty="0">
-              <a:latin typeface="Gill Sans MT" panose="020B0502020104020203" pitchFamily="34" charset="77"/>
-              <a:ea typeface="ＭＳ Ｐゴシック" panose="020B0600070205080204" pitchFamily="34" charset="-128"/>
-            </a:endParaRPr>
+              <a:t>Finding an item in a list(sequential search).</a:t>
+            </a:r>
           </a:p>
           <a:p>
             <a:pPr marL="800100" lvl="1" indent="-457200">
@@ -26898,7 +26917,7 @@
               <a:buAutoNum type="alphaLcParenR"/>
             </a:pPr>
             <a:r>
-              <a:rPr lang="en-US" altLang="en-US" sz="1533" dirty="0">
+              <a:rPr lang="en-US" altLang="en-US" dirty="0">
                 <a:latin typeface="Gill Sans MT" panose="020B0502020104020203" pitchFamily="34" charset="77"/>
                 <a:ea typeface="ＭＳ Ｐゴシック" panose="020B0600070205080204" pitchFamily="34" charset="-128"/>
               </a:rPr>
@@ -26911,7 +26930,7 @@
               <a:buAutoNum type="alphaLcParenR"/>
             </a:pPr>
             <a:r>
-              <a:rPr lang="en-US" altLang="en-US" sz="1533" dirty="0">
+              <a:rPr lang="en-US" altLang="en-US" dirty="0">
                 <a:latin typeface="Gill Sans MT" panose="020B0502020104020203" pitchFamily="34" charset="77"/>
                 <a:ea typeface="ＭＳ Ｐゴシック" panose="020B0600070205080204" pitchFamily="34" charset="-128"/>
               </a:rPr>
@@ -26924,7 +26943,7 @@
               <a:buAutoNum type="arabicParenR"/>
             </a:pPr>
             <a:r>
-              <a:rPr lang="en-US" altLang="en-US" sz="1833" dirty="0">
+              <a:rPr lang="en-US" altLang="en-US" sz="2000" dirty="0">
                 <a:latin typeface="Gill Sans MT" panose="020B0502020104020203" pitchFamily="34" charset="77"/>
                 <a:ea typeface="ＭＳ Ｐゴシック" panose="020B0600070205080204" pitchFamily="34" charset="-128"/>
               </a:rPr>
@@ -26937,7 +26956,7 @@
               <a:buAutoNum type="arabicParenR"/>
             </a:pPr>
             <a:r>
-              <a:rPr lang="en-US" altLang="en-US" sz="1833" dirty="0">
+              <a:rPr lang="en-US" altLang="en-US" sz="2000" dirty="0">
                 <a:latin typeface="Gill Sans MT" panose="020B0502020104020203" pitchFamily="34" charset="77"/>
                 <a:ea typeface="ＭＳ Ｐゴシック" panose="020B0600070205080204" pitchFamily="34" charset="-128"/>
               </a:rPr>
@@ -26948,7 +26967,7 @@
             <a:pPr marL="0" indent="0">
               <a:buNone/>
             </a:pPr>
-            <a:endParaRPr lang="en-US" altLang="en-US" sz="1833" dirty="0">
+            <a:endParaRPr lang="en-US" altLang="en-US" sz="2000" dirty="0">
               <a:latin typeface="Courier New" panose="02070309020205020404" pitchFamily="49" charset="0"/>
               <a:ea typeface="ＭＳ Ｐゴシック" panose="020B0600070205080204" pitchFamily="34" charset="-128"/>
             </a:endParaRPr>
@@ -26994,6 +27013,330 @@
   <p:clrMapOvr>
     <a:masterClrMapping/>
   </p:clrMapOvr>
+  <p:timing>
+    <p:tnLst>
+      <p:par>
+        <p:cTn id="1" dur="indefinite" restart="never" nodeType="tmRoot">
+          <p:childTnLst>
+            <p:seq concurrent="1" nextAc="seek">
+              <p:cTn id="2" dur="indefinite" nodeType="mainSeq">
+                <p:childTnLst>
+                  <p:par>
+                    <p:cTn id="3" fill="hold">
+                      <p:stCondLst>
+                        <p:cond delay="indefinite"/>
+                      </p:stCondLst>
+                      <p:childTnLst>
+                        <p:par>
+                          <p:cTn id="4" fill="hold">
+                            <p:stCondLst>
+                              <p:cond delay="0"/>
+                            </p:stCondLst>
+                            <p:childTnLst>
+                              <p:par>
+                                <p:cTn id="5" presetID="1" presetClass="entr" presetSubtype="0" fill="hold" nodeType="clickEffect">
+                                  <p:stCondLst>
+                                    <p:cond delay="0"/>
+                                  </p:stCondLst>
+                                  <p:childTnLst>
+                                    <p:set>
+                                      <p:cBhvr>
+                                        <p:cTn id="6" dur="1" fill="hold">
+                                          <p:stCondLst>
+                                            <p:cond delay="0"/>
+                                          </p:stCondLst>
+                                        </p:cTn>
+                                        <p:tgtEl>
+                                          <p:spTgt spid="6146">
+                                            <p:txEl>
+                                              <p:pRg st="2" end="2"/>
+                                            </p:txEl>
+                                          </p:spTgt>
+                                        </p:tgtEl>
+                                        <p:attrNameLst>
+                                          <p:attrName>style.visibility</p:attrName>
+                                        </p:attrNameLst>
+                                      </p:cBhvr>
+                                      <p:to>
+                                        <p:strVal val="visible"/>
+                                      </p:to>
+                                    </p:set>
+                                  </p:childTnLst>
+                                </p:cTn>
+                              </p:par>
+                            </p:childTnLst>
+                          </p:cTn>
+                        </p:par>
+                      </p:childTnLst>
+                    </p:cTn>
+                  </p:par>
+                  <p:par>
+                    <p:cTn id="7" fill="hold">
+                      <p:stCondLst>
+                        <p:cond delay="indefinite"/>
+                      </p:stCondLst>
+                      <p:childTnLst>
+                        <p:par>
+                          <p:cTn id="8" fill="hold">
+                            <p:stCondLst>
+                              <p:cond delay="0"/>
+                            </p:stCondLst>
+                            <p:childTnLst>
+                              <p:par>
+                                <p:cTn id="9" presetID="1" presetClass="entr" presetSubtype="0" fill="hold" nodeType="clickEffect">
+                                  <p:stCondLst>
+                                    <p:cond delay="0"/>
+                                  </p:stCondLst>
+                                  <p:childTnLst>
+                                    <p:set>
+                                      <p:cBhvr>
+                                        <p:cTn id="10" dur="1" fill="hold">
+                                          <p:stCondLst>
+                                            <p:cond delay="0"/>
+                                          </p:stCondLst>
+                                        </p:cTn>
+                                        <p:tgtEl>
+                                          <p:spTgt spid="6146">
+                                            <p:txEl>
+                                              <p:pRg st="0" end="0"/>
+                                            </p:txEl>
+                                          </p:spTgt>
+                                        </p:tgtEl>
+                                        <p:attrNameLst>
+                                          <p:attrName>style.visibility</p:attrName>
+                                        </p:attrNameLst>
+                                      </p:cBhvr>
+                                      <p:to>
+                                        <p:strVal val="visible"/>
+                                      </p:to>
+                                    </p:set>
+                                  </p:childTnLst>
+                                </p:cTn>
+                              </p:par>
+                            </p:childTnLst>
+                          </p:cTn>
+                        </p:par>
+                      </p:childTnLst>
+                    </p:cTn>
+                  </p:par>
+                  <p:par>
+                    <p:cTn id="11" fill="hold">
+                      <p:stCondLst>
+                        <p:cond delay="indefinite"/>
+                      </p:stCondLst>
+                      <p:childTnLst>
+                        <p:par>
+                          <p:cTn id="12" fill="hold">
+                            <p:stCondLst>
+                              <p:cond delay="0"/>
+                            </p:stCondLst>
+                            <p:childTnLst>
+                              <p:par>
+                                <p:cTn id="13" presetID="1" presetClass="entr" presetSubtype="0" fill="hold" nodeType="clickEffect">
+                                  <p:stCondLst>
+                                    <p:cond delay="0"/>
+                                  </p:stCondLst>
+                                  <p:childTnLst>
+                                    <p:set>
+                                      <p:cBhvr>
+                                        <p:cTn id="14" dur="1" fill="hold">
+                                          <p:stCondLst>
+                                            <p:cond delay="0"/>
+                                          </p:stCondLst>
+                                        </p:cTn>
+                                        <p:tgtEl>
+                                          <p:spTgt spid="6146">
+                                            <p:txEl>
+                                              <p:pRg st="3" end="3"/>
+                                            </p:txEl>
+                                          </p:spTgt>
+                                        </p:tgtEl>
+                                        <p:attrNameLst>
+                                          <p:attrName>style.visibility</p:attrName>
+                                        </p:attrNameLst>
+                                      </p:cBhvr>
+                                      <p:to>
+                                        <p:strVal val="visible"/>
+                                      </p:to>
+                                    </p:set>
+                                  </p:childTnLst>
+                                </p:cTn>
+                              </p:par>
+                            </p:childTnLst>
+                          </p:cTn>
+                        </p:par>
+                      </p:childTnLst>
+                    </p:cTn>
+                  </p:par>
+                  <p:par>
+                    <p:cTn id="15" fill="hold">
+                      <p:stCondLst>
+                        <p:cond delay="indefinite"/>
+                      </p:stCondLst>
+                      <p:childTnLst>
+                        <p:par>
+                          <p:cTn id="16" fill="hold">
+                            <p:stCondLst>
+                              <p:cond delay="0"/>
+                            </p:stCondLst>
+                            <p:childTnLst>
+                              <p:par>
+                                <p:cTn id="17" presetID="1" presetClass="entr" presetSubtype="0" fill="hold" nodeType="clickEffect">
+                                  <p:stCondLst>
+                                    <p:cond delay="0"/>
+                                  </p:stCondLst>
+                                  <p:childTnLst>
+                                    <p:set>
+                                      <p:cBhvr>
+                                        <p:cTn id="18" dur="1" fill="hold">
+                                          <p:stCondLst>
+                                            <p:cond delay="0"/>
+                                          </p:stCondLst>
+                                        </p:cTn>
+                                        <p:tgtEl>
+                                          <p:spTgt spid="6146">
+                                            <p:txEl>
+                                              <p:pRg st="4" end="4"/>
+                                            </p:txEl>
+                                          </p:spTgt>
+                                        </p:tgtEl>
+                                        <p:attrNameLst>
+                                          <p:attrName>style.visibility</p:attrName>
+                                        </p:attrNameLst>
+                                      </p:cBhvr>
+                                      <p:to>
+                                        <p:strVal val="visible"/>
+                                      </p:to>
+                                    </p:set>
+                                  </p:childTnLst>
+                                </p:cTn>
+                              </p:par>
+                            </p:childTnLst>
+                          </p:cTn>
+                        </p:par>
+                      </p:childTnLst>
+                    </p:cTn>
+                  </p:par>
+                  <p:par>
+                    <p:cTn id="19" fill="hold">
+                      <p:stCondLst>
+                        <p:cond delay="indefinite"/>
+                      </p:stCondLst>
+                      <p:childTnLst>
+                        <p:par>
+                          <p:cTn id="20" fill="hold">
+                            <p:stCondLst>
+                              <p:cond delay="0"/>
+                            </p:stCondLst>
+                            <p:childTnLst>
+                              <p:par>
+                                <p:cTn id="21" presetID="1" presetClass="entr" presetSubtype="0" fill="hold" nodeType="clickEffect">
+                                  <p:stCondLst>
+                                    <p:cond delay="0"/>
+                                  </p:stCondLst>
+                                  <p:childTnLst>
+                                    <p:set>
+                                      <p:cBhvr>
+                                        <p:cTn id="22" dur="1" fill="hold">
+                                          <p:stCondLst>
+                                            <p:cond delay="0"/>
+                                          </p:stCondLst>
+                                        </p:cTn>
+                                        <p:tgtEl>
+                                          <p:spTgt spid="6146">
+                                            <p:txEl>
+                                              <p:pRg st="5" end="5"/>
+                                            </p:txEl>
+                                          </p:spTgt>
+                                        </p:tgtEl>
+                                        <p:attrNameLst>
+                                          <p:attrName>style.visibility</p:attrName>
+                                        </p:attrNameLst>
+                                      </p:cBhvr>
+                                      <p:to>
+                                        <p:strVal val="visible"/>
+                                      </p:to>
+                                    </p:set>
+                                  </p:childTnLst>
+                                </p:cTn>
+                              </p:par>
+                            </p:childTnLst>
+                          </p:cTn>
+                        </p:par>
+                      </p:childTnLst>
+                    </p:cTn>
+                  </p:par>
+                  <p:par>
+                    <p:cTn id="23" fill="hold">
+                      <p:stCondLst>
+                        <p:cond delay="indefinite"/>
+                      </p:stCondLst>
+                      <p:childTnLst>
+                        <p:par>
+                          <p:cTn id="24" fill="hold">
+                            <p:stCondLst>
+                              <p:cond delay="0"/>
+                            </p:stCondLst>
+                            <p:childTnLst>
+                              <p:par>
+                                <p:cTn id="25" presetID="1" presetClass="entr" presetSubtype="0" fill="hold" nodeType="clickEffect">
+                                  <p:stCondLst>
+                                    <p:cond delay="0"/>
+                                  </p:stCondLst>
+                                  <p:childTnLst>
+                                    <p:set>
+                                      <p:cBhvr>
+                                        <p:cTn id="26" dur="1" fill="hold">
+                                          <p:stCondLst>
+                                            <p:cond delay="0"/>
+                                          </p:stCondLst>
+                                        </p:cTn>
+                                        <p:tgtEl>
+                                          <p:spTgt spid="6146">
+                                            <p:txEl>
+                                              <p:pRg st="6" end="6"/>
+                                            </p:txEl>
+                                          </p:spTgt>
+                                        </p:tgtEl>
+                                        <p:attrNameLst>
+                                          <p:attrName>style.visibility</p:attrName>
+                                        </p:attrNameLst>
+                                      </p:cBhvr>
+                                      <p:to>
+                                        <p:strVal val="visible"/>
+                                      </p:to>
+                                    </p:set>
+                                  </p:childTnLst>
+                                </p:cTn>
+                              </p:par>
+                            </p:childTnLst>
+                          </p:cTn>
+                        </p:par>
+                      </p:childTnLst>
+                    </p:cTn>
+                  </p:par>
+                </p:childTnLst>
+              </p:cTn>
+              <p:prevCondLst>
+                <p:cond evt="onPrev" delay="0">
+                  <p:tgtEl>
+                    <p:sldTgt/>
+                  </p:tgtEl>
+                </p:cond>
+              </p:prevCondLst>
+              <p:nextCondLst>
+                <p:cond evt="onNext" delay="0">
+                  <p:tgtEl>
+                    <p:sldTgt/>
+                  </p:tgtEl>
+                </p:cond>
+              </p:nextCondLst>
+            </p:seq>
+          </p:childTnLst>
+        </p:cTn>
+      </p:par>
+    </p:tnLst>
+  </p:timing>
 </p:sld>
 </file>
 

--- a/courses/apcsp/lect22.pptx
+++ b/courses/apcsp/lect22.pptx
@@ -150,7 +150,7 @@
 <file path=ppt/revisionInfo.xml><?xml version="1.0" encoding="utf-8"?>
 <p1510:revInfo xmlns:a="http://schemas.openxmlformats.org/drawingml/2006/main" xmlns:r="http://schemas.openxmlformats.org/officeDocument/2006/relationships" xmlns:p1510="http://schemas.microsoft.com/office/powerpoint/2015/10/main">
   <p1510:revLst>
-    <p1510:client id="{4147FC6E-99C4-2241-9195-7A95286B3603}" v="1196" dt="2022-01-04T18:24:48.991"/>
+    <p1510:client id="{4147FC6E-99C4-2241-9195-7A95286B3603}" v="1598" dt="2022-01-05T12:33:10.449"/>
   </p1510:revLst>
 </p1510:revInfo>
 </file>
@@ -160,7 +160,7 @@
   <pc:docChgLst>
     <pc:chgData name="Long B Nguyen" userId="f59fb8f3-a021-417a-8bc1-65c8d471c621" providerId="ADAL" clId="{4147FC6E-99C4-2241-9195-7A95286B3603}"/>
     <pc:docChg chg="undo custSel addSld modSld">
-      <pc:chgData name="Long B Nguyen" userId="f59fb8f3-a021-417a-8bc1-65c8d471c621" providerId="ADAL" clId="{4147FC6E-99C4-2241-9195-7A95286B3603}" dt="2022-01-04T18:24:48.991" v="1460" actId="20577"/>
+      <pc:chgData name="Long B Nguyen" userId="f59fb8f3-a021-417a-8bc1-65c8d471c621" providerId="ADAL" clId="{4147FC6E-99C4-2241-9195-7A95286B3603}" dt="2022-01-05T12:33:35.549" v="1871" actId="20577"/>
       <pc:docMkLst>
         <pc:docMk/>
       </pc:docMkLst>
@@ -233,17 +233,48 @@
         </pc:spChg>
       </pc:sldChg>
       <pc:sldChg chg="modSp mod">
-        <pc:chgData name="Long B Nguyen" userId="f59fb8f3-a021-417a-8bc1-65c8d471c621" providerId="ADAL" clId="{4147FC6E-99C4-2241-9195-7A95286B3603}" dt="2022-01-04T18:00:27.668" v="220" actId="1035"/>
+        <pc:chgData name="Long B Nguyen" userId="f59fb8f3-a021-417a-8bc1-65c8d471c621" providerId="ADAL" clId="{4147FC6E-99C4-2241-9195-7A95286B3603}" dt="2022-01-05T12:33:23.043" v="1864" actId="20577"/>
+        <pc:sldMkLst>
+          <pc:docMk/>
+          <pc:sldMk cId="2892160896" sldId="609"/>
+        </pc:sldMkLst>
+        <pc:spChg chg="mod">
+          <ac:chgData name="Long B Nguyen" userId="f59fb8f3-a021-417a-8bc1-65c8d471c621" providerId="ADAL" clId="{4147FC6E-99C4-2241-9195-7A95286B3603}" dt="2022-01-05T12:29:15.740" v="1463" actId="20577"/>
+          <ac:spMkLst>
+            <pc:docMk/>
+            <pc:sldMk cId="2892160896" sldId="609"/>
+            <ac:spMk id="26627" creationId="{7661587A-2BF3-9445-BC18-44350E3935D4}"/>
+          </ac:spMkLst>
+        </pc:spChg>
+        <pc:spChg chg="mod">
+          <ac:chgData name="Long B Nguyen" userId="f59fb8f3-a021-417a-8bc1-65c8d471c621" providerId="ADAL" clId="{4147FC6E-99C4-2241-9195-7A95286B3603}" dt="2022-01-05T12:33:23.043" v="1864" actId="20577"/>
+          <ac:spMkLst>
+            <pc:docMk/>
+            <pc:sldMk cId="2892160896" sldId="609"/>
+            <ac:spMk id="59393" creationId="{ED11F17B-90BB-E643-864C-A7CD96ECBCD5}"/>
+          </ac:spMkLst>
+        </pc:spChg>
+      </pc:sldChg>
+      <pc:sldChg chg="modSp mod">
+        <pc:chgData name="Long B Nguyen" userId="f59fb8f3-a021-417a-8bc1-65c8d471c621" providerId="ADAL" clId="{4147FC6E-99C4-2241-9195-7A95286B3603}" dt="2022-01-05T12:33:35.549" v="1871" actId="20577"/>
         <pc:sldMkLst>
           <pc:docMk/>
           <pc:sldMk cId="1241156272" sldId="613"/>
         </pc:sldMkLst>
         <pc:spChg chg="mod">
-          <ac:chgData name="Long B Nguyen" userId="f59fb8f3-a021-417a-8bc1-65c8d471c621" providerId="ADAL" clId="{4147FC6E-99C4-2241-9195-7A95286B3603}" dt="2022-01-04T18:00:27.668" v="220" actId="1035"/>
+          <ac:chgData name="Long B Nguyen" userId="f59fb8f3-a021-417a-8bc1-65c8d471c621" providerId="ADAL" clId="{4147FC6E-99C4-2241-9195-7A95286B3603}" dt="2022-01-05T12:33:10.448" v="1862" actId="20577"/>
           <ac:spMkLst>
             <pc:docMk/>
             <pc:sldMk cId="1241156272" sldId="613"/>
             <ac:spMk id="26627" creationId="{7661587A-2BF3-9445-BC18-44350E3935D4}"/>
+          </ac:spMkLst>
+        </pc:spChg>
+        <pc:spChg chg="mod">
+          <ac:chgData name="Long B Nguyen" userId="f59fb8f3-a021-417a-8bc1-65c8d471c621" providerId="ADAL" clId="{4147FC6E-99C4-2241-9195-7A95286B3603}" dt="2022-01-05T12:33:35.549" v="1871" actId="20577"/>
+          <ac:spMkLst>
+            <pc:docMk/>
+            <pc:sldMk cId="1241156272" sldId="613"/>
+            <ac:spMk id="59393" creationId="{ED11F17B-90BB-E643-864C-A7CD96ECBCD5}"/>
           </ac:spMkLst>
         </pc:spChg>
       </pc:sldChg>
@@ -25697,7 +25728,7 @@
               <a:rPr lang="en-US" altLang="en-US" sz="2000" dirty="0">
                 <a:ea typeface="ＭＳ Ｐゴシック" panose="020B0600070205080204" pitchFamily="34" charset="-128"/>
               </a:rPr>
-              <a:t>Here's a problem: In other words, can you write a program that takes the source code of another program and some input and returns whether the program will terminate(not go into an infinite loop) with the given input?</a:t>
+              <a:t>Can you write a program that takes the source code of another program and some input and returns whether the program will terminate(not go into an infinite loop) with the given input?</a:t>
             </a:r>
           </a:p>
           <a:p>
@@ -26140,12 +26171,16 @@
           <a:p>
             <a:pPr eaLnBrk="1" hangingPunct="1"/>
             <a:r>
-              <a:rPr lang="en-US" altLang="en-US" sz="2500" dirty="0">
+              <a:rPr lang="en-US" altLang="en-US" sz="2500">
                 <a:latin typeface="Tahoma" panose="020B0604030504040204" pitchFamily="34" charset="0"/>
                 <a:ea typeface="ＭＳ Ｐゴシック" panose="020B0600070205080204" pitchFamily="34" charset="-128"/>
               </a:rPr>
-              <a:t>The Halting Problem</a:t>
-            </a:r>
+              <a:t>Example</a:t>
+            </a:r>
+            <a:endParaRPr lang="en-US" altLang="en-US" sz="2500" dirty="0">
+              <a:latin typeface="Tahoma" panose="020B0604030504040204" pitchFamily="34" charset="0"/>
+              <a:ea typeface="ＭＳ Ｐゴシック" panose="020B0600070205080204" pitchFamily="34" charset="-128"/>
+            </a:endParaRPr>
           </a:p>
         </p:txBody>
       </p:sp>
@@ -26182,7 +26217,7 @@
               <a:rPr lang="en-US" altLang="en-US" sz="2000" dirty="0">
                 <a:ea typeface="ＭＳ Ｐゴシック" panose="020B0600070205080204" pitchFamily="34" charset="-128"/>
               </a:rPr>
-              <a:t>Here's a problem: In other words, can you write a function that takes the source code of another function and some input and returns whether the function will terminate(not go into an infinite loop) with the given input?</a:t>
+              <a:t>IF the halting function can be implemented, it will give the following outputs for the sum function(sum 1 to 10 with step size= increment).</a:t>
             </a:r>
             <a:endParaRPr lang="en-US" sz="2000" b="1" dirty="0">
               <a:solidFill>
@@ -26338,7 +26373,7 @@
                 <a:latin typeface="Gill Sans MT" panose="020B0502020104020203" pitchFamily="34" charset="77"/>
                 <a:ea typeface="ＭＳ Ｐゴシック" panose="020B0600070205080204" pitchFamily="34" charset="-128"/>
               </a:rPr>
-              <a:t>Alan Turing proved that such a function(halting) does not exist. </a:t>
+              <a:t>Alan Turing proved that such a function(halting) does not exist(cannot be</a:t>
             </a:r>
           </a:p>
           <a:p>
@@ -26350,7 +26385,7 @@
                 <a:latin typeface="Gill Sans MT" panose="020B0502020104020203" pitchFamily="34" charset="77"/>
                 <a:ea typeface="ＭＳ Ｐゴシック" panose="020B0600070205080204" pitchFamily="34" charset="-128"/>
               </a:rPr>
-              <a:t>Alan Turing is portrayed by the incredible Benedict Cumberbatch in movie "The </a:t>
+              <a:t>implemented).  Alan Turing is portrayed by the incredible Benedict Cumberbatch in </a:t>
             </a:r>
           </a:p>
           <a:p>
@@ -26362,7 +26397,7 @@
                 <a:latin typeface="Gill Sans MT" panose="020B0502020104020203" pitchFamily="34" charset="77"/>
                 <a:ea typeface="ＭＳ Ｐゴシック" panose="020B0600070205080204" pitchFamily="34" charset="-128"/>
               </a:rPr>
-              <a:t>Imitation Game". </a:t>
+              <a:t>movie "The Imitation Game". </a:t>
             </a:r>
           </a:p>
           <a:p>
@@ -26862,33 +26897,8 @@
                 <a:latin typeface="Gill Sans MT" panose="020B0502020104020203" pitchFamily="34" charset="77"/>
                 <a:ea typeface="ＭＳ Ｐゴシック" panose="020B0600070205080204" pitchFamily="34" charset="-128"/>
               </a:rPr>
-              <a:t>You should know how to implement(write the code for) the following algorithms. The </a:t>
-            </a:r>
-            <a:r>
-              <a:rPr lang="en-US" altLang="en-US" sz="2000">
-                <a:latin typeface="Gill Sans MT" panose="020B0502020104020203" pitchFamily="34" charset="77"/>
-                <a:ea typeface="ＭＳ Ｐゴシック" panose="020B0600070205080204" pitchFamily="34" charset="-128"/>
-              </a:rPr>
-              <a:t>AP exam </a:t>
-            </a:r>
-            <a:r>
-              <a:rPr lang="en-US" altLang="en-US" sz="2000" dirty="0">
-                <a:latin typeface="Gill Sans MT" panose="020B0502020104020203" pitchFamily="34" charset="77"/>
-                <a:ea typeface="ＭＳ Ｐゴシック" panose="020B0600070205080204" pitchFamily="34" charset="-128"/>
-              </a:rPr>
-              <a:t>may give you the code for an algorithm and ask you to find the error or </a:t>
-            </a:r>
-            <a:r>
-              <a:rPr lang="en-US" altLang="en-US" sz="2000">
-                <a:latin typeface="Gill Sans MT" panose="020B0502020104020203" pitchFamily="34" charset="77"/>
-                <a:ea typeface="ＭＳ Ｐゴシック" panose="020B0600070205080204" pitchFamily="34" charset="-128"/>
-              </a:rPr>
-              <a:t>explain what it does. </a:t>
-            </a:r>
-            <a:endParaRPr lang="en-US" altLang="en-US" sz="2000" dirty="0">
-              <a:latin typeface="Gill Sans MT" panose="020B0502020104020203" pitchFamily="34" charset="77"/>
-              <a:ea typeface="ＭＳ Ｐゴシック" panose="020B0600070205080204" pitchFamily="34" charset="-128"/>
-            </a:endParaRPr>
+              <a:t>You should know how to implement(write the code for) the following algorithms. The AP exam may give you the code for an algorithm and ask you to find the error or explain what it does. </a:t>
+            </a:r>
           </a:p>
           <a:p>
             <a:pPr marL="0" indent="0">

--- a/courses/apcsp/lect22.pptx
+++ b/courses/apcsp/lect22.pptx
@@ -150,7 +150,7 @@
 <file path=ppt/revisionInfo.xml><?xml version="1.0" encoding="utf-8"?>
 <p1510:revInfo xmlns:a="http://schemas.openxmlformats.org/drawingml/2006/main" xmlns:r="http://schemas.openxmlformats.org/officeDocument/2006/relationships" xmlns:p1510="http://schemas.microsoft.com/office/powerpoint/2015/10/main">
   <p1510:revLst>
-    <p1510:client id="{4147FC6E-99C4-2241-9195-7A95286B3603}" v="1598" dt="2022-01-05T12:33:10.449"/>
+    <p1510:client id="{4147FC6E-99C4-2241-9195-7A95286B3603}" v="1602" dt="2022-01-05T14:18:06.710"/>
   </p1510:revLst>
 </p1510:revInfo>
 </file>
@@ -160,7 +160,7 @@
   <pc:docChgLst>
     <pc:chgData name="Long B Nguyen" userId="f59fb8f3-a021-417a-8bc1-65c8d471c621" providerId="ADAL" clId="{4147FC6E-99C4-2241-9195-7A95286B3603}"/>
     <pc:docChg chg="undo custSel addSld modSld">
-      <pc:chgData name="Long B Nguyen" userId="f59fb8f3-a021-417a-8bc1-65c8d471c621" providerId="ADAL" clId="{4147FC6E-99C4-2241-9195-7A95286B3603}" dt="2022-01-05T12:33:35.549" v="1871" actId="20577"/>
+      <pc:chgData name="Long B Nguyen" userId="f59fb8f3-a021-417a-8bc1-65c8d471c621" providerId="ADAL" clId="{4147FC6E-99C4-2241-9195-7A95286B3603}" dt="2022-01-05T14:19:47.965" v="2007" actId="20577"/>
       <pc:docMkLst>
         <pc:docMk/>
       </pc:docMkLst>
@@ -256,13 +256,13 @@
         </pc:spChg>
       </pc:sldChg>
       <pc:sldChg chg="modSp mod">
-        <pc:chgData name="Long B Nguyen" userId="f59fb8f3-a021-417a-8bc1-65c8d471c621" providerId="ADAL" clId="{4147FC6E-99C4-2241-9195-7A95286B3603}" dt="2022-01-05T12:33:35.549" v="1871" actId="20577"/>
+        <pc:chgData name="Long B Nguyen" userId="f59fb8f3-a021-417a-8bc1-65c8d471c621" providerId="ADAL" clId="{4147FC6E-99C4-2241-9195-7A95286B3603}" dt="2022-01-05T14:18:06.710" v="1875" actId="20577"/>
         <pc:sldMkLst>
           <pc:docMk/>
           <pc:sldMk cId="1241156272" sldId="613"/>
         </pc:sldMkLst>
         <pc:spChg chg="mod">
-          <ac:chgData name="Long B Nguyen" userId="f59fb8f3-a021-417a-8bc1-65c8d471c621" providerId="ADAL" clId="{4147FC6E-99C4-2241-9195-7A95286B3603}" dt="2022-01-05T12:33:10.448" v="1862" actId="20577"/>
+          <ac:chgData name="Long B Nguyen" userId="f59fb8f3-a021-417a-8bc1-65c8d471c621" providerId="ADAL" clId="{4147FC6E-99C4-2241-9195-7A95286B3603}" dt="2022-01-05T14:18:06.710" v="1875" actId="20577"/>
           <ac:spMkLst>
             <pc:docMk/>
             <pc:sldMk cId="1241156272" sldId="613"/>
@@ -372,7 +372,7 @@
         </pc:picChg>
       </pc:sldChg>
       <pc:sldChg chg="modSp mod">
-        <pc:chgData name="Long B Nguyen" userId="f59fb8f3-a021-417a-8bc1-65c8d471c621" providerId="ADAL" clId="{4147FC6E-99C4-2241-9195-7A95286B3603}" dt="2022-01-04T16:42:07.304" v="10" actId="20577"/>
+        <pc:chgData name="Long B Nguyen" userId="f59fb8f3-a021-417a-8bc1-65c8d471c621" providerId="ADAL" clId="{4147FC6E-99C4-2241-9195-7A95286B3603}" dt="2022-01-05T14:19:47.965" v="2007" actId="20577"/>
         <pc:sldMkLst>
           <pc:docMk/>
           <pc:sldMk cId="1946329213" sldId="618"/>
@@ -383,6 +383,14 @@
             <pc:docMk/>
             <pc:sldMk cId="1946329213" sldId="618"/>
             <ac:spMk id="2" creationId="{5377AA73-DC96-0B4E-8504-96B84F7CAE34}"/>
+          </ac:spMkLst>
+        </pc:spChg>
+        <pc:spChg chg="mod">
+          <ac:chgData name="Long B Nguyen" userId="f59fb8f3-a021-417a-8bc1-65c8d471c621" providerId="ADAL" clId="{4147FC6E-99C4-2241-9195-7A95286B3603}" dt="2022-01-05T14:19:47.965" v="2007" actId="20577"/>
+          <ac:spMkLst>
+            <pc:docMk/>
+            <pc:sldMk cId="1946329213" sldId="618"/>
+            <ac:spMk id="3" creationId="{68EE4754-4E64-0E43-8081-45CEF8E72EE2}"/>
           </ac:spMkLst>
         </pc:spChg>
       </pc:sldChg>
@@ -26171,16 +26179,12 @@
           <a:p>
             <a:pPr eaLnBrk="1" hangingPunct="1"/>
             <a:r>
-              <a:rPr lang="en-US" altLang="en-US" sz="2500">
+              <a:rPr lang="en-US" altLang="en-US" sz="2500" dirty="0">
                 <a:latin typeface="Tahoma" panose="020B0604030504040204" pitchFamily="34" charset="0"/>
                 <a:ea typeface="ＭＳ Ｐゴシック" panose="020B0600070205080204" pitchFamily="34" charset="-128"/>
               </a:rPr>
               <a:t>Example</a:t>
             </a:r>
-            <a:endParaRPr lang="en-US" altLang="en-US" sz="2500" dirty="0">
-              <a:latin typeface="Tahoma" panose="020B0604030504040204" pitchFamily="34" charset="0"/>
-              <a:ea typeface="ＭＳ Ｐゴシック" panose="020B0600070205080204" pitchFamily="34" charset="-128"/>
-            </a:endParaRPr>
           </a:p>
         </p:txBody>
       </p:sp>
@@ -26397,7 +26401,7 @@
                 <a:latin typeface="Gill Sans MT" panose="020B0502020104020203" pitchFamily="34" charset="77"/>
                 <a:ea typeface="ＭＳ Ｐゴシック" panose="020B0600070205080204" pitchFamily="34" charset="-128"/>
               </a:rPr>
-              <a:t>movie "The Imitation Game". </a:t>
+              <a:t>the movie "The Imitation Game". </a:t>
             </a:r>
           </a:p>
           <a:p>
@@ -30483,6 +30487,24 @@
             </a:r>
           </a:p>
           <a:p>
+            <a:pPr lvl="1">
+              <a:defRPr/>
+            </a:pPr>
+            <a:r>
+              <a:rPr lang="en-US" dirty="0"/>
+              <a:t>sorts products on Amazon based on ratings or price</a:t>
+            </a:r>
+          </a:p>
+          <a:p>
+            <a:pPr lvl="1">
+              <a:defRPr/>
+            </a:pPr>
+            <a:r>
+              <a:rPr lang="en-US" dirty="0"/>
+              <a:t>sorts contacts on phone in alphabetical order</a:t>
+            </a:r>
+          </a:p>
+          <a:p>
             <a:pPr>
               <a:defRPr/>
             </a:pPr>

--- a/courses/apcsp/lect22.pptx
+++ b/courses/apcsp/lect22.pptx
@@ -33,14 +33,14 @@
     <p:sldId id="602" r:id="rId24"/>
     <p:sldId id="554" r:id="rId25"/>
     <p:sldId id="557" r:id="rId26"/>
-    <p:sldId id="559" r:id="rId27"/>
-    <p:sldId id="556" r:id="rId28"/>
-    <p:sldId id="560" r:id="rId29"/>
-    <p:sldId id="561" r:id="rId30"/>
-    <p:sldId id="608" r:id="rId31"/>
-    <p:sldId id="609" r:id="rId32"/>
-    <p:sldId id="613" r:id="rId33"/>
-    <p:sldId id="626" r:id="rId34"/>
+    <p:sldId id="608" r:id="rId27"/>
+    <p:sldId id="609" r:id="rId28"/>
+    <p:sldId id="613" r:id="rId29"/>
+    <p:sldId id="626" r:id="rId30"/>
+    <p:sldId id="559" r:id="rId31"/>
+    <p:sldId id="556" r:id="rId32"/>
+    <p:sldId id="560" r:id="rId33"/>
+    <p:sldId id="561" r:id="rId34"/>
   </p:sldIdLst>
   <p:sldSz cx="9144000" cy="5715000" type="screen16x10"/>
   <p:notesSz cx="6858000" cy="9144000"/>
@@ -150,13 +150,282 @@
 <file path=ppt/revisionInfo.xml><?xml version="1.0" encoding="utf-8"?>
 <p1510:revInfo xmlns:a="http://schemas.openxmlformats.org/drawingml/2006/main" xmlns:r="http://schemas.openxmlformats.org/officeDocument/2006/relationships" xmlns:p1510="http://schemas.microsoft.com/office/powerpoint/2015/10/main">
   <p1510:revLst>
-    <p1510:client id="{4147FC6E-99C4-2241-9195-7A95286B3603}" v="1602" dt="2022-01-05T14:18:06.710"/>
+    <p1510:client id="{D771689A-171D-5A4D-9451-F2C4A9D1B70D}" v="307" dt="2022-01-13T12:43:46.035"/>
   </p1510:revLst>
 </p1510:revInfo>
 </file>
 
 <file path=ppt/changesInfos/changesInfo1.xml><?xml version="1.0" encoding="utf-8"?>
 <pc:chgInfo xmlns:a="http://schemas.openxmlformats.org/drawingml/2006/main" xmlns:r="http://schemas.openxmlformats.org/officeDocument/2006/relationships" xmlns:ac="http://schemas.microsoft.com/office/drawing/2013/main/command" xmlns:pc="http://schemas.microsoft.com/office/powerpoint/2013/main/command">
+  <pc:docChgLst>
+    <pc:chgData name="Long Nguyen" userId="f59fb8f3-a021-417a-8bc1-65c8d471c621" providerId="ADAL" clId="{D771689A-171D-5A4D-9451-F2C4A9D1B70D}"/>
+    <pc:docChg chg="custSel addSld delSld modSld">
+      <pc:chgData name="Long Nguyen" userId="f59fb8f3-a021-417a-8bc1-65c8d471c621" providerId="ADAL" clId="{D771689A-171D-5A4D-9451-F2C4A9D1B70D}" dt="2022-01-13T12:43:46.035" v="349" actId="20577"/>
+      <pc:docMkLst>
+        <pc:docMk/>
+      </pc:docMkLst>
+      <pc:sldChg chg="modSp">
+        <pc:chgData name="Long Nguyen" userId="f59fb8f3-a021-417a-8bc1-65c8d471c621" providerId="ADAL" clId="{D771689A-171D-5A4D-9451-F2C4A9D1B70D}" dt="2022-01-12T12:40:57.406" v="134" actId="114"/>
+        <pc:sldMkLst>
+          <pc:docMk/>
+          <pc:sldMk cId="1844406166" sldId="540"/>
+        </pc:sldMkLst>
+        <pc:spChg chg="mod">
+          <ac:chgData name="Long Nguyen" userId="f59fb8f3-a021-417a-8bc1-65c8d471c621" providerId="ADAL" clId="{D771689A-171D-5A4D-9451-F2C4A9D1B70D}" dt="2022-01-12T12:40:57.406" v="134" actId="114"/>
+          <ac:spMkLst>
+            <pc:docMk/>
+            <pc:sldMk cId="1844406166" sldId="540"/>
+            <ac:spMk id="6146" creationId="{EAA042DF-FAF2-DA4B-9FB9-A8E93FAB0389}"/>
+          </ac:spMkLst>
+        </pc:spChg>
+      </pc:sldChg>
+      <pc:sldChg chg="del">
+        <pc:chgData name="Long Nguyen" userId="f59fb8f3-a021-417a-8bc1-65c8d471c621" providerId="ADAL" clId="{D771689A-171D-5A4D-9451-F2C4A9D1B70D}" dt="2022-01-13T12:35:51.434" v="141" actId="2696"/>
+        <pc:sldMkLst>
+          <pc:docMk/>
+          <pc:sldMk cId="2114242178" sldId="556"/>
+        </pc:sldMkLst>
+      </pc:sldChg>
+      <pc:sldChg chg="modSp add mod">
+        <pc:chgData name="Long Nguyen" userId="f59fb8f3-a021-417a-8bc1-65c8d471c621" providerId="ADAL" clId="{D771689A-171D-5A4D-9451-F2C4A9D1B70D}" dt="2022-01-13T12:37:01.869" v="172" actId="20577"/>
+        <pc:sldMkLst>
+          <pc:docMk/>
+          <pc:sldMk cId="2722290652" sldId="556"/>
+        </pc:sldMkLst>
+        <pc:spChg chg="mod">
+          <ac:chgData name="Long Nguyen" userId="f59fb8f3-a021-417a-8bc1-65c8d471c621" providerId="ADAL" clId="{D771689A-171D-5A4D-9451-F2C4A9D1B70D}" dt="2022-01-13T12:37:01.869" v="172" actId="20577"/>
+          <ac:spMkLst>
+            <pc:docMk/>
+            <pc:sldMk cId="2722290652" sldId="556"/>
+            <ac:spMk id="186370" creationId="{C5506108-D6E6-9641-98CC-A9DA92AF0478}"/>
+          </ac:spMkLst>
+        </pc:spChg>
+      </pc:sldChg>
+      <pc:sldChg chg="modSp add mod">
+        <pc:chgData name="Long Nguyen" userId="f59fb8f3-a021-417a-8bc1-65c8d471c621" providerId="ADAL" clId="{D771689A-171D-5A4D-9451-F2C4A9D1B70D}" dt="2022-01-13T12:36:55.330" v="162" actId="20577"/>
+        <pc:sldMkLst>
+          <pc:docMk/>
+          <pc:sldMk cId="258849706" sldId="559"/>
+        </pc:sldMkLst>
+        <pc:spChg chg="mod">
+          <ac:chgData name="Long Nguyen" userId="f59fb8f3-a021-417a-8bc1-65c8d471c621" providerId="ADAL" clId="{D771689A-171D-5A4D-9451-F2C4A9D1B70D}" dt="2022-01-13T12:36:55.330" v="162" actId="20577"/>
+          <ac:spMkLst>
+            <pc:docMk/>
+            <pc:sldMk cId="258849706" sldId="559"/>
+            <ac:spMk id="186370" creationId="{C5506108-D6E6-9641-98CC-A9DA92AF0478}"/>
+          </ac:spMkLst>
+        </pc:spChg>
+      </pc:sldChg>
+      <pc:sldChg chg="del">
+        <pc:chgData name="Long Nguyen" userId="f59fb8f3-a021-417a-8bc1-65c8d471c621" providerId="ADAL" clId="{D771689A-171D-5A4D-9451-F2C4A9D1B70D}" dt="2022-01-13T12:36:42.838" v="143" actId="2696"/>
+        <pc:sldMkLst>
+          <pc:docMk/>
+          <pc:sldMk cId="1567828261" sldId="559"/>
+        </pc:sldMkLst>
+      </pc:sldChg>
+      <pc:sldChg chg="modSp add modAnim">
+        <pc:chgData name="Long Nguyen" userId="f59fb8f3-a021-417a-8bc1-65c8d471c621" providerId="ADAL" clId="{D771689A-171D-5A4D-9451-F2C4A9D1B70D}" dt="2022-01-13T12:37:39.289" v="198" actId="255"/>
+        <pc:sldMkLst>
+          <pc:docMk/>
+          <pc:sldMk cId="2633210752" sldId="560"/>
+        </pc:sldMkLst>
+        <pc:spChg chg="mod">
+          <ac:chgData name="Long Nguyen" userId="f59fb8f3-a021-417a-8bc1-65c8d471c621" providerId="ADAL" clId="{D771689A-171D-5A4D-9451-F2C4A9D1B70D}" dt="2022-01-13T12:37:39.289" v="198" actId="255"/>
+          <ac:spMkLst>
+            <pc:docMk/>
+            <pc:sldMk cId="2633210752" sldId="560"/>
+            <ac:spMk id="6146" creationId="{EAA042DF-FAF2-DA4B-9FB9-A8E93FAB0389}"/>
+          </ac:spMkLst>
+        </pc:spChg>
+      </pc:sldChg>
+      <pc:sldChg chg="del">
+        <pc:chgData name="Long Nguyen" userId="f59fb8f3-a021-417a-8bc1-65c8d471c621" providerId="ADAL" clId="{D771689A-171D-5A4D-9451-F2C4A9D1B70D}" dt="2022-01-13T12:35:51.434" v="141" actId="2696"/>
+        <pc:sldMkLst>
+          <pc:docMk/>
+          <pc:sldMk cId="2659410340" sldId="560"/>
+        </pc:sldMkLst>
+      </pc:sldChg>
+      <pc:sldChg chg="del">
+        <pc:chgData name="Long Nguyen" userId="f59fb8f3-a021-417a-8bc1-65c8d471c621" providerId="ADAL" clId="{D771689A-171D-5A4D-9451-F2C4A9D1B70D}" dt="2022-01-13T12:35:51.434" v="141" actId="2696"/>
+        <pc:sldMkLst>
+          <pc:docMk/>
+          <pc:sldMk cId="1610208212" sldId="561"/>
+        </pc:sldMkLst>
+      </pc:sldChg>
+      <pc:sldChg chg="addSp modSp add mod">
+        <pc:chgData name="Long Nguyen" userId="f59fb8f3-a021-417a-8bc1-65c8d471c621" providerId="ADAL" clId="{D771689A-171D-5A4D-9451-F2C4A9D1B70D}" dt="2022-01-13T12:37:52.962" v="202" actId="255"/>
+        <pc:sldMkLst>
+          <pc:docMk/>
+          <pc:sldMk cId="2072460006" sldId="561"/>
+        </pc:sldMkLst>
+        <pc:spChg chg="add mod">
+          <ac:chgData name="Long Nguyen" userId="f59fb8f3-a021-417a-8bc1-65c8d471c621" providerId="ADAL" clId="{D771689A-171D-5A4D-9451-F2C4A9D1B70D}" dt="2022-01-13T12:37:52.962" v="202" actId="255"/>
+          <ac:spMkLst>
+            <pc:docMk/>
+            <pc:sldMk cId="2072460006" sldId="561"/>
+            <ac:spMk id="3" creationId="{000F94B9-FA26-9B4B-954E-BBCC432AB7ED}"/>
+          </ac:spMkLst>
+        </pc:spChg>
+      </pc:sldChg>
+      <pc:sldChg chg="modSp mod">
+        <pc:chgData name="Long Nguyen" userId="f59fb8f3-a021-417a-8bc1-65c8d471c621" providerId="ADAL" clId="{D771689A-171D-5A4D-9451-F2C4A9D1B70D}" dt="2022-01-12T12:40:01.361" v="5" actId="27636"/>
+        <pc:sldMkLst>
+          <pc:docMk/>
+          <pc:sldMk cId="1028645906" sldId="598"/>
+        </pc:sldMkLst>
+        <pc:spChg chg="mod">
+          <ac:chgData name="Long Nguyen" userId="f59fb8f3-a021-417a-8bc1-65c8d471c621" providerId="ADAL" clId="{D771689A-171D-5A4D-9451-F2C4A9D1B70D}" dt="2022-01-12T12:40:01.361" v="5" actId="27636"/>
+          <ac:spMkLst>
+            <pc:docMk/>
+            <pc:sldMk cId="1028645906" sldId="598"/>
+            <ac:spMk id="26627" creationId="{BD7CEE5B-C52A-794A-BCE5-C92159F2026F}"/>
+          </ac:spMkLst>
+        </pc:spChg>
+      </pc:sldChg>
+      <pc:sldChg chg="modAnim">
+        <pc:chgData name="Long Nguyen" userId="f59fb8f3-a021-417a-8bc1-65c8d471c621" providerId="ADAL" clId="{D771689A-171D-5A4D-9451-F2C4A9D1B70D}" dt="2022-01-13T12:34:44.745" v="140"/>
+        <pc:sldMkLst>
+          <pc:docMk/>
+          <pc:sldMk cId="1311847592" sldId="601"/>
+        </pc:sldMkLst>
+      </pc:sldChg>
+      <pc:sldChg chg="modSp mod">
+        <pc:chgData name="Long Nguyen" userId="f59fb8f3-a021-417a-8bc1-65c8d471c621" providerId="ADAL" clId="{D771689A-171D-5A4D-9451-F2C4A9D1B70D}" dt="2022-01-13T12:43:46.035" v="349" actId="20577"/>
+        <pc:sldMkLst>
+          <pc:docMk/>
+          <pc:sldMk cId="892130114" sldId="612"/>
+        </pc:sldMkLst>
+        <pc:spChg chg="mod">
+          <ac:chgData name="Long Nguyen" userId="f59fb8f3-a021-417a-8bc1-65c8d471c621" providerId="ADAL" clId="{D771689A-171D-5A4D-9451-F2C4A9D1B70D}" dt="2022-01-13T12:43:46.035" v="349" actId="20577"/>
+          <ac:spMkLst>
+            <pc:docMk/>
+            <pc:sldMk cId="892130114" sldId="612"/>
+            <ac:spMk id="26627" creationId="{BD7CEE5B-C52A-794A-BCE5-C92159F2026F}"/>
+          </ac:spMkLst>
+        </pc:spChg>
+      </pc:sldChg>
+      <pc:sldChg chg="modSp mod">
+        <pc:chgData name="Long Nguyen" userId="f59fb8f3-a021-417a-8bc1-65c8d471c621" providerId="ADAL" clId="{D771689A-171D-5A4D-9451-F2C4A9D1B70D}" dt="2022-01-12T12:40:01.456" v="11" actId="27636"/>
+        <pc:sldMkLst>
+          <pc:docMk/>
+          <pc:sldMk cId="1241156272" sldId="613"/>
+        </pc:sldMkLst>
+        <pc:spChg chg="mod">
+          <ac:chgData name="Long Nguyen" userId="f59fb8f3-a021-417a-8bc1-65c8d471c621" providerId="ADAL" clId="{D771689A-171D-5A4D-9451-F2C4A9D1B70D}" dt="2022-01-12T12:40:01.456" v="11" actId="27636"/>
+          <ac:spMkLst>
+            <pc:docMk/>
+            <pc:sldMk cId="1241156272" sldId="613"/>
+            <ac:spMk id="26627" creationId="{7661587A-2BF3-9445-BC18-44350E3935D4}"/>
+          </ac:spMkLst>
+        </pc:spChg>
+      </pc:sldChg>
+      <pc:sldChg chg="modSp mod">
+        <pc:chgData name="Long Nguyen" userId="f59fb8f3-a021-417a-8bc1-65c8d471c621" providerId="ADAL" clId="{D771689A-171D-5A4D-9451-F2C4A9D1B70D}" dt="2022-01-12T12:40:01.346" v="2" actId="27636"/>
+        <pc:sldMkLst>
+          <pc:docMk/>
+          <pc:sldMk cId="4014748011" sldId="615"/>
+        </pc:sldMkLst>
+        <pc:spChg chg="mod">
+          <ac:chgData name="Long Nguyen" userId="f59fb8f3-a021-417a-8bc1-65c8d471c621" providerId="ADAL" clId="{D771689A-171D-5A4D-9451-F2C4A9D1B70D}" dt="2022-01-12T12:40:01.346" v="2" actId="27636"/>
+          <ac:spMkLst>
+            <pc:docMk/>
+            <pc:sldMk cId="4014748011" sldId="615"/>
+            <ac:spMk id="2" creationId="{7464CC47-36D9-624B-9F3B-C88093C610C7}"/>
+          </ac:spMkLst>
+        </pc:spChg>
+      </pc:sldChg>
+      <pc:sldChg chg="modSp mod">
+        <pc:chgData name="Long Nguyen" userId="f59fb8f3-a021-417a-8bc1-65c8d471c621" providerId="ADAL" clId="{D771689A-171D-5A4D-9451-F2C4A9D1B70D}" dt="2022-01-12T12:40:01.350" v="3" actId="27636"/>
+        <pc:sldMkLst>
+          <pc:docMk/>
+          <pc:sldMk cId="445830501" sldId="616"/>
+        </pc:sldMkLst>
+        <pc:spChg chg="mod">
+          <ac:chgData name="Long Nguyen" userId="f59fb8f3-a021-417a-8bc1-65c8d471c621" providerId="ADAL" clId="{D771689A-171D-5A4D-9451-F2C4A9D1B70D}" dt="2022-01-12T12:40:01.350" v="3" actId="27636"/>
+          <ac:spMkLst>
+            <pc:docMk/>
+            <pc:sldMk cId="445830501" sldId="616"/>
+            <ac:spMk id="6" creationId="{4D9F94BD-D7C3-EC4B-80A4-AEB66905FD98}"/>
+          </ac:spMkLst>
+        </pc:spChg>
+      </pc:sldChg>
+      <pc:sldChg chg="modSp mod">
+        <pc:chgData name="Long Nguyen" userId="f59fb8f3-a021-417a-8bc1-65c8d471c621" providerId="ADAL" clId="{D771689A-171D-5A4D-9451-F2C4A9D1B70D}" dt="2022-01-12T12:40:01.353" v="4" actId="27636"/>
+        <pc:sldMkLst>
+          <pc:docMk/>
+          <pc:sldMk cId="3966117082" sldId="617"/>
+        </pc:sldMkLst>
+        <pc:spChg chg="mod">
+          <ac:chgData name="Long Nguyen" userId="f59fb8f3-a021-417a-8bc1-65c8d471c621" providerId="ADAL" clId="{D771689A-171D-5A4D-9451-F2C4A9D1B70D}" dt="2022-01-12T12:40:01.353" v="4" actId="27636"/>
+          <ac:spMkLst>
+            <pc:docMk/>
+            <pc:sldMk cId="3966117082" sldId="617"/>
+            <ac:spMk id="7" creationId="{328A4C4A-3903-8545-A432-37549FB32997}"/>
+          </ac:spMkLst>
+        </pc:spChg>
+      </pc:sldChg>
+      <pc:sldChg chg="modSp mod">
+        <pc:chgData name="Long Nguyen" userId="f59fb8f3-a021-417a-8bc1-65c8d471c621" providerId="ADAL" clId="{D771689A-171D-5A4D-9451-F2C4A9D1B70D}" dt="2022-01-12T12:40:01.339" v="1" actId="27636"/>
+        <pc:sldMkLst>
+          <pc:docMk/>
+          <pc:sldMk cId="1946329213" sldId="618"/>
+        </pc:sldMkLst>
+        <pc:spChg chg="mod">
+          <ac:chgData name="Long Nguyen" userId="f59fb8f3-a021-417a-8bc1-65c8d471c621" providerId="ADAL" clId="{D771689A-171D-5A4D-9451-F2C4A9D1B70D}" dt="2022-01-12T12:40:01.339" v="1" actId="27636"/>
+          <ac:spMkLst>
+            <pc:docMk/>
+            <pc:sldMk cId="1946329213" sldId="618"/>
+            <ac:spMk id="2" creationId="{5377AA73-DC96-0B4E-8504-96B84F7CAE34}"/>
+          </ac:spMkLst>
+        </pc:spChg>
+      </pc:sldChg>
+      <pc:sldChg chg="modSp mod">
+        <pc:chgData name="Long Nguyen" userId="f59fb8f3-a021-417a-8bc1-65c8d471c621" providerId="ADAL" clId="{D771689A-171D-5A4D-9451-F2C4A9D1B70D}" dt="2022-01-12T12:40:01.387" v="7" actId="27636"/>
+        <pc:sldMkLst>
+          <pc:docMk/>
+          <pc:sldMk cId="3215879385" sldId="622"/>
+        </pc:sldMkLst>
+        <pc:spChg chg="mod">
+          <ac:chgData name="Long Nguyen" userId="f59fb8f3-a021-417a-8bc1-65c8d471c621" providerId="ADAL" clId="{D771689A-171D-5A4D-9451-F2C4A9D1B70D}" dt="2022-01-12T12:40:01.387" v="7" actId="27636"/>
+          <ac:spMkLst>
+            <pc:docMk/>
+            <pc:sldMk cId="3215879385" sldId="622"/>
+            <ac:spMk id="26627" creationId="{BD7CEE5B-C52A-794A-BCE5-C92159F2026F}"/>
+          </ac:spMkLst>
+        </pc:spChg>
+      </pc:sldChg>
+      <pc:sldChg chg="modSp mod">
+        <pc:chgData name="Long Nguyen" userId="f59fb8f3-a021-417a-8bc1-65c8d471c621" providerId="ADAL" clId="{D771689A-171D-5A4D-9451-F2C4A9D1B70D}" dt="2022-01-12T12:40:01.413" v="9" actId="27636"/>
+        <pc:sldMkLst>
+          <pc:docMk/>
+          <pc:sldMk cId="2484292394" sldId="623"/>
+        </pc:sldMkLst>
+        <pc:spChg chg="mod">
+          <ac:chgData name="Long Nguyen" userId="f59fb8f3-a021-417a-8bc1-65c8d471c621" providerId="ADAL" clId="{D771689A-171D-5A4D-9451-F2C4A9D1B70D}" dt="2022-01-12T12:40:01.413" v="9" actId="27636"/>
+          <ac:spMkLst>
+            <pc:docMk/>
+            <pc:sldMk cId="2484292394" sldId="623"/>
+            <ac:spMk id="26627" creationId="{BD7CEE5B-C52A-794A-BCE5-C92159F2026F}"/>
+          </ac:spMkLst>
+        </pc:spChg>
+      </pc:sldChg>
+      <pc:sldChg chg="modSp mod">
+        <pc:chgData name="Long Nguyen" userId="f59fb8f3-a021-417a-8bc1-65c8d471c621" providerId="ADAL" clId="{D771689A-171D-5A4D-9451-F2C4A9D1B70D}" dt="2022-01-12T12:40:01.427" v="10" actId="27636"/>
+        <pc:sldMkLst>
+          <pc:docMk/>
+          <pc:sldMk cId="1444664834" sldId="624"/>
+        </pc:sldMkLst>
+        <pc:spChg chg="mod">
+          <ac:chgData name="Long Nguyen" userId="f59fb8f3-a021-417a-8bc1-65c8d471c621" providerId="ADAL" clId="{D771689A-171D-5A4D-9451-F2C4A9D1B70D}" dt="2022-01-12T12:40:01.427" v="10" actId="27636"/>
+          <ac:spMkLst>
+            <pc:docMk/>
+            <pc:sldMk cId="1444664834" sldId="624"/>
+            <ac:spMk id="26627" creationId="{BD7CEE5B-C52A-794A-BCE5-C92159F2026F}"/>
+          </ac:spMkLst>
+        </pc:spChg>
+      </pc:sldChg>
+    </pc:docChg>
+  </pc:docChgLst>
   <pc:docChgLst>
     <pc:chgData name="Long B Nguyen" userId="f59fb8f3-a021-417a-8bc1-65c8d471c621" providerId="ADAL" clId="{4147FC6E-99C4-2241-9195-7A95286B3603}"/>
     <pc:docChg chg="undo custSel addSld modSld">
@@ -7326,7 +7595,7 @@
           <a:p>
             <a:fld id="{6EDD99D2-A624-5E4F-A4E3-584054837B5A}" type="datetimeFigureOut">
               <a:rPr lang="en-US" smtClean="0"/>
-              <a:t>1/4/22</a:t>
+              <a:t>1/12/22</a:t>
             </a:fld>
             <a:endParaRPr lang="en-US"/>
           </a:p>
@@ -8058,7 +8327,7 @@
             <a:fld id="{DCBB9DCE-5A7A-B94F-B67C-E0D6D63D7B14}" type="slidenum">
               <a:rPr lang="en-US" altLang="en-US"/>
               <a:pPr/>
-              <a:t>30</a:t>
+              <a:t>26</a:t>
             </a:fld>
             <a:endParaRPr lang="en-US" altLang="en-US"/>
           </a:p>
@@ -8355,7 +8624,7 @@
             <a:fld id="{A7B9A0AC-20AE-7345-A5A8-A613CAD6762C}" type="slidenum">
               <a:rPr lang="en-US" altLang="en-US"/>
               <a:pPr/>
-              <a:t>31</a:t>
+              <a:t>27</a:t>
             </a:fld>
             <a:endParaRPr lang="en-US" altLang="en-US"/>
           </a:p>
@@ -8652,7 +8921,7 @@
             <a:fld id="{A7B9A0AC-20AE-7345-A5A8-A613CAD6762C}" type="slidenum">
               <a:rPr lang="en-US" altLang="en-US"/>
               <a:pPr/>
-              <a:t>32</a:t>
+              <a:t>28</a:t>
             </a:fld>
             <a:endParaRPr lang="en-US" altLang="en-US"/>
           </a:p>
@@ -11288,7 +11557,7 @@
           <a:p>
             <a:fld id="{C96F47CA-F895-6945-BE27-26692229FACF}" type="datetime1">
               <a:rPr lang="en-US" smtClean="0"/>
-              <a:t>1/4/22</a:t>
+              <a:t>1/12/22</a:t>
             </a:fld>
             <a:endParaRPr lang="en-US" dirty="0"/>
           </a:p>
@@ -11458,7 +11727,7 @@
           <a:p>
             <a:fld id="{AF706D67-2012-D043-9F80-5C2BDD609BD3}" type="datetime1">
               <a:rPr lang="en-US" smtClean="0"/>
-              <a:t>1/4/22</a:t>
+              <a:t>1/12/22</a:t>
             </a:fld>
             <a:endParaRPr lang="en-US" dirty="0"/>
           </a:p>
@@ -11638,7 +11907,7 @@
           <a:p>
             <a:fld id="{5B79ACE4-03B6-794A-A48C-13F9598CCD28}" type="datetime1">
               <a:rPr lang="en-US" smtClean="0"/>
-              <a:t>1/4/22</a:t>
+              <a:t>1/12/22</a:t>
             </a:fld>
             <a:endParaRPr lang="en-US" dirty="0"/>
           </a:p>
@@ -11808,7 +12077,7 @@
           <a:p>
             <a:fld id="{6DA7C96B-D6FF-5D47-8EF3-542FD5A88E7C}" type="datetime1">
               <a:rPr lang="en-US" smtClean="0"/>
-              <a:t>1/4/22</a:t>
+              <a:t>1/12/22</a:t>
             </a:fld>
             <a:endParaRPr lang="en-US" dirty="0"/>
           </a:p>
@@ -12054,7 +12323,7 @@
           <a:p>
             <a:fld id="{5A6358E7-4856-3046-9420-8ADBF7A86D8C}" type="datetime1">
               <a:rPr lang="en-US" smtClean="0"/>
-              <a:t>1/4/22</a:t>
+              <a:t>1/12/22</a:t>
             </a:fld>
             <a:endParaRPr lang="en-US" dirty="0"/>
           </a:p>
@@ -12286,7 +12555,7 @@
           <a:p>
             <a:fld id="{6779F35A-9F43-7048-AA95-2DCA7E8C0780}" type="datetime1">
               <a:rPr lang="en-US" smtClean="0"/>
-              <a:t>1/4/22</a:t>
+              <a:t>1/12/22</a:t>
             </a:fld>
             <a:endParaRPr lang="en-US" dirty="0"/>
           </a:p>
@@ -12653,7 +12922,7 @@
           <a:p>
             <a:fld id="{B7CB2D7C-E370-DC40-8D10-DF8CB1A188CA}" type="datetime1">
               <a:rPr lang="en-US" smtClean="0"/>
-              <a:t>1/4/22</a:t>
+              <a:t>1/12/22</a:t>
             </a:fld>
             <a:endParaRPr lang="en-US" dirty="0"/>
           </a:p>
@@ -12771,7 +13040,7 @@
           <a:p>
             <a:fld id="{68AA69A2-3CD0-BE49-AF6E-9E037A40F43F}" type="datetime1">
               <a:rPr lang="en-US" smtClean="0"/>
-              <a:t>1/4/22</a:t>
+              <a:t>1/12/22</a:t>
             </a:fld>
             <a:endParaRPr lang="en-US" dirty="0"/>
           </a:p>
@@ -12866,7 +13135,7 @@
           <a:p>
             <a:fld id="{1EB50D9D-ACA9-3C4A-A3FC-7A265C0CEBD3}" type="datetime1">
               <a:rPr lang="en-US" smtClean="0"/>
-              <a:t>1/4/22</a:t>
+              <a:t>1/12/22</a:t>
             </a:fld>
             <a:endParaRPr lang="en-US" dirty="0"/>
           </a:p>
@@ -13143,7 +13412,7 @@
           <a:p>
             <a:fld id="{A08B2DD4-8739-D748-B308-CD7D801B0131}" type="datetime1">
               <a:rPr lang="en-US" smtClean="0"/>
-              <a:t>1/4/22</a:t>
+              <a:t>1/12/22</a:t>
             </a:fld>
             <a:endParaRPr lang="en-US" dirty="0"/>
           </a:p>
@@ -13400,7 +13669,7 @@
           <a:p>
             <a:fld id="{98622575-E24A-D548-838B-E385F9D0E59A}" type="datetime1">
               <a:rPr lang="en-US" smtClean="0"/>
-              <a:t>1/4/22</a:t>
+              <a:t>1/12/22</a:t>
             </a:fld>
             <a:endParaRPr lang="en-US" dirty="0"/>
           </a:p>
@@ -13613,7 +13882,7 @@
           <a:p>
             <a:fld id="{272BAF4E-9F7C-284D-B40D-0B83E546F887}" type="datetime1">
               <a:rPr lang="en-US" smtClean="0"/>
-              <a:t>1/4/22</a:t>
+              <a:t>1/12/22</a:t>
             </a:fld>
             <a:endParaRPr lang="en-US" dirty="0"/>
           </a:p>
@@ -14511,7 +14780,9 @@
           </a:xfrm>
         </p:spPr>
         <p:txBody>
-          <a:bodyPr/>
+          <a:bodyPr>
+            <a:normAutofit fontScale="90000"/>
+          </a:bodyPr>
           <a:lstStyle/>
           <a:p>
             <a:r>
@@ -14776,7 +15047,9 @@
           </a:xfrm>
         </p:spPr>
         <p:txBody>
-          <a:bodyPr/>
+          <a:bodyPr>
+            <a:normAutofit fontScale="90000"/>
+          </a:bodyPr>
           <a:lstStyle/>
           <a:p>
             <a:r>
@@ -14940,7 +15213,9 @@
           </a:xfrm>
         </p:spPr>
         <p:txBody>
-          <a:bodyPr/>
+          <a:bodyPr>
+            <a:normAutofit fontScale="90000"/>
+          </a:bodyPr>
           <a:lstStyle/>
           <a:p>
             <a:r>
@@ -15041,7 +15316,7 @@
         </p:spPr>
         <p:txBody>
           <a:bodyPr>
-            <a:normAutofit/>
+            <a:normAutofit fontScale="92500" lnSpcReduction="20000"/>
           </a:bodyPr>
           <a:lstStyle/>
           <a:p>
@@ -15497,7 +15772,7 @@
         </p:spPr>
         <p:txBody>
           <a:bodyPr>
-            <a:normAutofit/>
+            <a:normAutofit fontScale="92500" lnSpcReduction="20000"/>
           </a:bodyPr>
           <a:lstStyle/>
           <a:p>
@@ -15578,7 +15853,11 @@
             </a:pPr>
             <a:r>
               <a:rPr lang="en-US" dirty="0"/>
-              <a:t>Different correct algorithms for the same problem can have different efficiencies. </a:t>
+              <a:t>Different correct algorithms for the same problem can have different efficiencies. For example, a sorting algorithm that requires more computations is slower than a different sorting algorithm </a:t>
+            </a:r>
+            <a:r>
+              <a:rPr lang="en-US"/>
+              <a:t>that requires less. </a:t>
             </a:r>
             <a:endParaRPr lang="en-US" sz="2000" dirty="0"/>
           </a:p>
@@ -16124,7 +16403,7 @@
         </p:spPr>
         <p:txBody>
           <a:bodyPr>
-            <a:normAutofit/>
+            <a:normAutofit fontScale="85000" lnSpcReduction="20000"/>
           </a:bodyPr>
           <a:lstStyle/>
           <a:p>
@@ -16597,7 +16876,7 @@
         </p:spPr>
         <p:txBody>
           <a:bodyPr>
-            <a:normAutofit/>
+            <a:normAutofit fontScale="77500" lnSpcReduction="20000"/>
           </a:bodyPr>
           <a:lstStyle/>
           <a:p>
@@ -17135,7 +17414,7 @@
         </p:spPr>
         <p:txBody>
           <a:bodyPr>
-            <a:normAutofit/>
+            <a:normAutofit fontScale="85000" lnSpcReduction="20000"/>
           </a:bodyPr>
           <a:lstStyle/>
           <a:p>
@@ -18173,7 +18452,7 @@
             </a:r>
             <a:r>
               <a:rPr lang="en-US" dirty="0"/>
-              <a:t>is the application of each step of an algorithm in the order in which the code statements are given. </a:t>
+              <a:t>is the application of each step of an algorithm in the order in which the code statements are given. (for example, following a baking recipe requires that steps are taken in a certain order)</a:t>
             </a:r>
             <a:endParaRPr lang="en-US" i="1" dirty="0"/>
           </a:p>
@@ -18182,7 +18461,7 @@
               <a:buNone/>
             </a:pPr>
             <a:r>
-              <a:rPr lang="en-US" b="1" i="1" dirty="0"/>
+              <a:rPr lang="en-US" b="1" dirty="0"/>
               <a:t>Iteration</a:t>
             </a:r>
             <a:r>
@@ -18200,7 +18479,7 @@
               <a:buNone/>
             </a:pPr>
             <a:r>
-              <a:rPr lang="en-US" b="1" i="1" dirty="0"/>
+              <a:rPr lang="en-US" b="1" dirty="0"/>
               <a:t>Selection</a:t>
             </a:r>
             <a:r>
@@ -18892,13 +19171,13 @@
               <p:cTn id="2" dur="indefinite" nodeType="mainSeq">
                 <p:childTnLst>
                   <p:par>
-                    <p:cTn id="3" fill="hold" nodeType="clickPar">
+                    <p:cTn id="3" fill="hold">
                       <p:stCondLst>
                         <p:cond delay="indefinite"/>
                       </p:stCondLst>
                       <p:childTnLst>
                         <p:par>
-                          <p:cTn id="4" fill="hold" nodeType="withGroup">
+                          <p:cTn id="4" fill="hold">
                             <p:stCondLst>
                               <p:cond delay="0"/>
                             </p:stCondLst>
@@ -18912,6 +19191,104 @@
                                     <p:set>
                                       <p:cBhvr>
                                         <p:cTn id="6" dur="1" fill="hold">
+                                          <p:stCondLst>
+                                            <p:cond delay="0"/>
+                                          </p:stCondLst>
+                                        </p:cTn>
+                                        <p:tgtEl>
+                                          <p:spTgt spid="26627">
+                                            <p:txEl>
+                                              <p:pRg st="4" end="4"/>
+                                            </p:txEl>
+                                          </p:spTgt>
+                                        </p:tgtEl>
+                                        <p:attrNameLst>
+                                          <p:attrName>style.visibility</p:attrName>
+                                        </p:attrNameLst>
+                                      </p:cBhvr>
+                                      <p:to>
+                                        <p:strVal val="visible"/>
+                                      </p:to>
+                                    </p:set>
+                                  </p:childTnLst>
+                                </p:cTn>
+                              </p:par>
+                            </p:childTnLst>
+                          </p:cTn>
+                        </p:par>
+                      </p:childTnLst>
+                    </p:cTn>
+                  </p:par>
+                  <p:par>
+                    <p:cTn id="7" fill="hold">
+                      <p:stCondLst>
+                        <p:cond delay="indefinite"/>
+                      </p:stCondLst>
+                      <p:childTnLst>
+                        <p:par>
+                          <p:cTn id="8" fill="hold">
+                            <p:stCondLst>
+                              <p:cond delay="0"/>
+                            </p:stCondLst>
+                            <p:childTnLst>
+                              <p:par>
+                                <p:cTn id="9" presetID="1" presetClass="entr" presetSubtype="0" fill="hold" nodeType="clickEffect">
+                                  <p:stCondLst>
+                                    <p:cond delay="0"/>
+                                  </p:stCondLst>
+                                  <p:childTnLst>
+                                    <p:set>
+                                      <p:cBhvr>
+                                        <p:cTn id="10" dur="1" fill="hold">
+                                          <p:stCondLst>
+                                            <p:cond delay="0"/>
+                                          </p:stCondLst>
+                                        </p:cTn>
+                                        <p:tgtEl>
+                                          <p:spTgt spid="26627">
+                                            <p:txEl>
+                                              <p:pRg st="6" end="6"/>
+                                            </p:txEl>
+                                          </p:spTgt>
+                                        </p:tgtEl>
+                                        <p:attrNameLst>
+                                          <p:attrName>style.visibility</p:attrName>
+                                        </p:attrNameLst>
+                                      </p:cBhvr>
+                                      <p:to>
+                                        <p:strVal val="visible"/>
+                                      </p:to>
+                                    </p:set>
+                                  </p:childTnLst>
+                                </p:cTn>
+                              </p:par>
+                            </p:childTnLst>
+                          </p:cTn>
+                        </p:par>
+                      </p:childTnLst>
+                    </p:cTn>
+                  </p:par>
+                  <p:par>
+                    <p:cTn id="11" fill="hold">
+                      <p:stCondLst>
+                        <p:cond delay="indefinite"/>
+                      </p:stCondLst>
+                      <p:childTnLst>
+                        <p:par>
+                          <p:cTn id="12" fill="hold">
+                            <p:stCondLst>
+                              <p:cond delay="0"/>
+                            </p:stCondLst>
+                            <p:childTnLst>
+                              <p:par>
+                                <p:cTn id="13" presetID="1" presetClass="entr" presetSubtype="0" fill="hold" nodeType="clickEffect">
+                                  <p:stCondLst>
+                                    <p:cond delay="0"/>
+                                  </p:stCondLst>
+                                  <p:childTnLst>
+                                    <p:set>
+                                      <p:cBhvr>
+                                        <p:cTn id="14" dur="1" fill="hold">
                                           <p:stCondLst>
                                             <p:cond delay="0"/>
                                           </p:stCondLst>
@@ -18941,26 +19318,26 @@
                     </p:cTn>
                   </p:par>
                   <p:par>
-                    <p:cTn id="7" fill="hold" nodeType="clickPar">
+                    <p:cTn id="15" fill="hold">
                       <p:stCondLst>
                         <p:cond delay="indefinite"/>
                       </p:stCondLst>
                       <p:childTnLst>
                         <p:par>
-                          <p:cTn id="8" fill="hold" nodeType="withGroup">
+                          <p:cTn id="16" fill="hold">
                             <p:stCondLst>
                               <p:cond delay="0"/>
                             </p:stCondLst>
                             <p:childTnLst>
                               <p:par>
-                                <p:cTn id="9" presetID="1" presetClass="entr" presetSubtype="0" fill="hold" nodeType="clickEffect">
+                                <p:cTn id="17" presetID="1" presetClass="entr" presetSubtype="0" fill="hold" nodeType="clickEffect">
                                   <p:stCondLst>
                                     <p:cond delay="0"/>
                                   </p:stCondLst>
                                   <p:childTnLst>
                                     <p:set>
                                       <p:cBhvr>
-                                        <p:cTn id="10" dur="1" fill="hold">
+                                        <p:cTn id="18" dur="1" fill="hold">
                                           <p:stCondLst>
                                             <p:cond delay="0"/>
                                           </p:stCondLst>
@@ -18990,26 +19367,26 @@
                     </p:cTn>
                   </p:par>
                   <p:par>
-                    <p:cTn id="11" fill="hold" nodeType="clickPar">
+                    <p:cTn id="19" fill="hold">
                       <p:stCondLst>
                         <p:cond delay="indefinite"/>
                       </p:stCondLst>
                       <p:childTnLst>
                         <p:par>
-                          <p:cTn id="12" fill="hold" nodeType="withGroup">
+                          <p:cTn id="20" fill="hold">
                             <p:stCondLst>
                               <p:cond delay="0"/>
                             </p:stCondLst>
                             <p:childTnLst>
                               <p:par>
-                                <p:cTn id="13" presetID="1" presetClass="entr" presetSubtype="0" fill="hold" nodeType="clickEffect">
+                                <p:cTn id="21" presetID="1" presetClass="entr" presetSubtype="0" fill="hold" nodeType="clickEffect">
                                   <p:stCondLst>
                                     <p:cond delay="0"/>
                                   </p:stCondLst>
                                   <p:childTnLst>
                                     <p:set>
                                       <p:cBhvr>
-                                        <p:cTn id="14" dur="1" fill="hold">
+                                        <p:cTn id="22" dur="1" fill="hold">
                                           <p:stCondLst>
                                             <p:cond delay="0"/>
                                           </p:stCondLst>
@@ -20804,10 +21181,10 @@
       </p:grpSpPr>
       <p:sp>
         <p:nvSpPr>
-          <p:cNvPr id="186370" name="Rectangle 2">
+          <p:cNvPr id="57345" name="Rectangle 2">
             <a:extLst>
               <a:ext uri="{FF2B5EF4-FFF2-40B4-BE49-F238E27FC236}">
-                <a16:creationId xmlns:a16="http://schemas.microsoft.com/office/drawing/2014/main" id="{C5506108-D6E6-9641-98CC-A9DA92AF0478}"/>
+                <a16:creationId xmlns:a16="http://schemas.microsoft.com/office/drawing/2014/main" id="{53AFC3D9-E72E-2B4F-B892-82CAC5FCF163}"/>
               </a:ext>
             </a:extLst>
           </p:cNvPr>
@@ -20820,33 +21197,31 @@
         </p:nvSpPr>
         <p:spPr>
           <a:xfrm>
-            <a:off x="133564" y="104519"/>
-            <a:ext cx="7724240" cy="679442"/>
+            <a:off x="164387" y="127000"/>
+            <a:ext cx="7888626" cy="638345"/>
           </a:xfrm>
         </p:spPr>
         <p:txBody>
           <a:bodyPr/>
           <a:lstStyle/>
           <a:p>
-            <a:pPr eaLnBrk="1" hangingPunct="1">
-              <a:defRPr/>
-            </a:pPr>
-            <a:r>
-              <a:rPr lang="en-US" dirty="0">
-                <a:cs typeface="+mj-cs"/>
-              </a:rPr>
-              <a:t>Index of Two Smallest Values</a:t>
-            </a:r>
-            <a:endParaRPr lang="en-US" sz="2333" dirty="0"/>
+            <a:pPr eaLnBrk="1" hangingPunct="1"/>
+            <a:r>
+              <a:rPr lang="en-US" altLang="en-US" sz="2500" dirty="0">
+                <a:latin typeface="Gill Sans MT" panose="020B0502020104020203" pitchFamily="34" charset="77"/>
+                <a:ea typeface="ＭＳ Ｐゴシック" panose="020B0600070205080204" pitchFamily="34" charset="-128"/>
+              </a:rPr>
+              <a:t>Decidability</a:t>
+            </a:r>
           </a:p>
         </p:txBody>
       </p:sp>
       <p:sp>
         <p:nvSpPr>
-          <p:cNvPr id="6146" name="Rectangle 3">
+          <p:cNvPr id="26627" name="Rectangle 3">
             <a:extLst>
               <a:ext uri="{FF2B5EF4-FFF2-40B4-BE49-F238E27FC236}">
-                <a16:creationId xmlns:a16="http://schemas.microsoft.com/office/drawing/2014/main" id="{EAA042DF-FAF2-DA4B-9FB9-A8E93FAB0389}"/>
+                <a16:creationId xmlns:a16="http://schemas.microsoft.com/office/drawing/2014/main" id="{2866E521-C643-A640-8C85-770D4B956A75}"/>
               </a:ext>
             </a:extLst>
           </p:cNvPr>
@@ -20859,8 +21234,8 @@
         </p:nvSpPr>
         <p:spPr>
           <a:xfrm>
-            <a:off x="133564" y="783961"/>
-            <a:ext cx="8537825" cy="4931039"/>
+            <a:off x="236306" y="765345"/>
+            <a:ext cx="8145694" cy="4822655"/>
           </a:xfrm>
         </p:spPr>
         <p:txBody>
@@ -20872,90 +21247,61 @@
             <a:pPr marL="0" indent="0">
               <a:buNone/>
             </a:pPr>
-            <a:endParaRPr lang="en-US" sz="2000" dirty="0"/>
+            <a:r>
+              <a:rPr lang="en-US" altLang="en-US" sz="2000" dirty="0">
+                <a:latin typeface="Gill Sans MT" panose="020B0502020104020203" pitchFamily="34" charset="77"/>
+                <a:ea typeface="ＭＳ Ｐゴシック" panose="020B0600070205080204" pitchFamily="34" charset="-128"/>
+              </a:rPr>
+              <a:t>A </a:t>
+            </a:r>
+            <a:r>
+              <a:rPr lang="en-US" altLang="en-US" sz="2000" b="1" dirty="0">
+                <a:latin typeface="Gill Sans MT" panose="020B0502020104020203" pitchFamily="34" charset="77"/>
+                <a:ea typeface="ＭＳ Ｐゴシック" panose="020B0600070205080204" pitchFamily="34" charset="-128"/>
+              </a:rPr>
+              <a:t>decidable problem</a:t>
+            </a:r>
+            <a:r>
+              <a:rPr lang="en-US" altLang="en-US" sz="2000" dirty="0">
+                <a:latin typeface="Gill Sans MT" panose="020B0502020104020203" pitchFamily="34" charset="77"/>
+                <a:ea typeface="ＭＳ Ｐゴシック" panose="020B0600070205080204" pitchFamily="34" charset="-128"/>
+              </a:rPr>
+              <a:t> is a decision problem for which an algorithm can be written to produce a correct output for all inputs.</a:t>
+            </a:r>
+          </a:p>
+          <a:p>
+            <a:pPr lvl="1" eaLnBrk="1" hangingPunct="1"/>
+            <a:r>
+              <a:rPr lang="en-US" altLang="en-US" sz="2000" dirty="0">
+                <a:latin typeface="Gill Sans MT" panose="020B0502020104020203" pitchFamily="34" charset="77"/>
+              </a:rPr>
+              <a:t>E.g. Is the number even?</a:t>
+            </a:r>
+          </a:p>
+          <a:p>
+            <a:pPr lvl="1" eaLnBrk="1" hangingPunct="1"/>
+            <a:endParaRPr lang="en-US" altLang="en-US" sz="2000" dirty="0">
+              <a:latin typeface="Gill Sans MT" panose="020B0502020104020203" pitchFamily="34" charset="77"/>
+            </a:endParaRPr>
           </a:p>
           <a:p>
             <a:pPr marL="0" indent="0">
               <a:buNone/>
             </a:pPr>
-            <a:endParaRPr lang="en-US" sz="2000" dirty="0"/>
-          </a:p>
-          <a:p>
-            <a:pPr marL="0" indent="0">
-              <a:buNone/>
-            </a:pPr>
-            <a:r>
-              <a:rPr lang="en-US" sz="2000" dirty="0"/>
-              <a:t>Given a list of numbers, find the </a:t>
-            </a:r>
-            <a:r>
-              <a:rPr lang="en-US" sz="2000" b="1" dirty="0"/>
-              <a:t>indices </a:t>
-            </a:r>
-            <a:r>
-              <a:rPr lang="en-US" sz="2000" dirty="0"/>
-              <a:t>of the two smallest numbers in the list.  </a:t>
-            </a:r>
-          </a:p>
-          <a:p>
-            <a:pPr marL="0" indent="0">
-              <a:buNone/>
-            </a:pPr>
-            <a:endParaRPr lang="en-US" sz="2000" dirty="0"/>
-          </a:p>
-          <a:p>
-            <a:pPr marL="0" indent="0">
-              <a:buNone/>
-            </a:pPr>
-            <a:r>
-              <a:rPr lang="en-US" sz="2000" dirty="0"/>
-              <a:t>We'll implement two algorithms to solve the above problem. We'll use top-down design by first using pseudocode and break down problems into smaller and smaller parts until the pseudocode is easily translated into Python code.</a:t>
-            </a:r>
-          </a:p>
-          <a:p>
-            <a:pPr marL="0" indent="0">
-              <a:buNone/>
-            </a:pPr>
-            <a:endParaRPr lang="en-US" sz="2000" dirty="0"/>
-          </a:p>
-          <a:p>
-            <a:pPr marL="0" indent="0">
-              <a:buNone/>
-            </a:pPr>
-            <a:r>
-              <a:rPr lang="en-US" sz="2000" dirty="0"/>
-              <a:t>We'll use both built-in functions(</a:t>
-            </a:r>
-            <a:r>
-              <a:rPr lang="en-US" sz="2000" b="1" dirty="0"/>
-              <a:t>min, sorted</a:t>
-            </a:r>
-            <a:r>
-              <a:rPr lang="en-US" sz="2000" dirty="0"/>
-              <a:t>) and list methods(</a:t>
-            </a:r>
-            <a:r>
-              <a:rPr lang="en-US" sz="2000" b="1" dirty="0">
-                <a:latin typeface="INCONSOLATA" panose="020B0609030003000000" pitchFamily="49" charset="77"/>
-              </a:rPr>
-              <a:t>index, </a:t>
-            </a:r>
-            <a:r>
-              <a:rPr lang="en-US" sz="2000" b="1" dirty="0" err="1">
-                <a:latin typeface="INCONSOLATA" panose="020B0609030003000000" pitchFamily="49" charset="77"/>
-              </a:rPr>
-              <a:t>remove,insert</a:t>
-            </a:r>
-            <a:r>
-              <a:rPr lang="en-US" sz="2000" dirty="0"/>
-              <a:t>) to abstract away some of the smaller tasks in the problem(procedure abstraction).</a:t>
-            </a:r>
-          </a:p>
-          <a:p>
-            <a:pPr marL="0" indent="0">
+            <a:r>
+              <a:rPr lang="en-US" altLang="en-US" sz="2000" dirty="0">
+                <a:latin typeface="Gill Sans MT" panose="020B0502020104020203" pitchFamily="34" charset="77"/>
+                <a:ea typeface="ＭＳ Ｐゴシック" panose="020B0600070205080204" pitchFamily="34" charset="-128"/>
+              </a:rPr>
+              <a:t>An undecidable problem is one for which no algorithm can be constructed that is always capable of providing a correct yes-or-no answer. </a:t>
+            </a:r>
+          </a:p>
+          <a:p>
+            <a:pPr marL="0" indent="0" eaLnBrk="1" hangingPunct="1">
               <a:buNone/>
             </a:pPr>
             <a:endParaRPr lang="en-US" altLang="en-US" sz="2000" dirty="0">
+              <a:latin typeface="Gill Sans MT" panose="020B0502020104020203" pitchFamily="34" charset="77"/>
               <a:ea typeface="ＭＳ Ｐゴシック" panose="020B0600070205080204" pitchFamily="34" charset="-128"/>
             </a:endParaRPr>
           </a:p>
@@ -20963,10 +21309,87 @@
             <a:pPr marL="0" indent="0">
               <a:buNone/>
             </a:pPr>
+            <a:r>
+              <a:rPr lang="en-US" dirty="0"/>
+              <a:t>An undecidable problem may have some instances that have an algorithmic solution, but there is no algorithmic solution that could solve all instances of the problem. </a:t>
+            </a:r>
+            <a:endParaRPr lang="en-US" sz="2000" dirty="0"/>
+          </a:p>
+          <a:p>
+            <a:pPr marL="0" indent="0" eaLnBrk="1" hangingPunct="1">
+              <a:buNone/>
+            </a:pPr>
             <a:endParaRPr lang="en-US" altLang="en-US" sz="2000" dirty="0">
-              <a:latin typeface="Courier New" panose="02070309020205020404" pitchFamily="49" charset="0"/>
+              <a:latin typeface="Gill Sans MT" panose="020B0502020104020203" pitchFamily="34" charset="77"/>
               <a:ea typeface="ＭＳ Ｐゴシック" panose="020B0600070205080204" pitchFamily="34" charset="-128"/>
             </a:endParaRPr>
+          </a:p>
+          <a:p>
+            <a:pPr marL="0" indent="0" eaLnBrk="1" hangingPunct="1">
+              <a:buNone/>
+            </a:pPr>
+            <a:r>
+              <a:rPr lang="en-US" altLang="en-US" sz="2000" dirty="0">
+                <a:latin typeface="Gill Sans MT" panose="020B0502020104020203" pitchFamily="34" charset="77"/>
+                <a:ea typeface="ＭＳ Ｐゴシック" panose="020B0600070205080204" pitchFamily="34" charset="-128"/>
+              </a:rPr>
+              <a:t>Alan Turing, considered by many to be the father of computer science, proved that there exists undecidable problems.  An example he posed is the Halting Problem. </a:t>
+            </a:r>
+          </a:p>
+          <a:p>
+            <a:pPr eaLnBrk="1" hangingPunct="1"/>
+            <a:endParaRPr lang="en-US" altLang="en-US" sz="2000" dirty="0">
+              <a:latin typeface="Gill Sans MT" panose="020B0502020104020203" pitchFamily="34" charset="77"/>
+              <a:ea typeface="ＭＳ Ｐゴシック" panose="020B0600070205080204" pitchFamily="34" charset="-128"/>
+            </a:endParaRPr>
+          </a:p>
+          <a:p>
+            <a:pPr eaLnBrk="1" hangingPunct="1">
+              <a:buFontTx/>
+              <a:buNone/>
+            </a:pPr>
+            <a:endParaRPr lang="en-US" altLang="en-US" sz="2000" dirty="0">
+              <a:latin typeface="Gill Sans MT" panose="020B0502020104020203" pitchFamily="34" charset="77"/>
+              <a:ea typeface="ＭＳ Ｐゴシック" panose="020B0600070205080204" pitchFamily="34" charset="-128"/>
+            </a:endParaRPr>
+          </a:p>
+          <a:p>
+            <a:pPr eaLnBrk="1" hangingPunct="1"/>
+            <a:endParaRPr lang="en-US" altLang="en-US" sz="2000" dirty="0">
+              <a:latin typeface="Gill Sans MT" panose="020B0502020104020203" pitchFamily="34" charset="77"/>
+              <a:ea typeface="ＭＳ Ｐゴシック" panose="020B0600070205080204" pitchFamily="34" charset="-128"/>
+            </a:endParaRPr>
+          </a:p>
+          <a:p>
+            <a:pPr eaLnBrk="1" hangingPunct="1"/>
+            <a:endParaRPr lang="en-US" altLang="en-US" sz="2000" dirty="0">
+              <a:latin typeface="Gill Sans MT" panose="020B0502020104020203" pitchFamily="34" charset="77"/>
+              <a:ea typeface="ＭＳ Ｐゴシック" panose="020B0600070205080204" pitchFamily="34" charset="-128"/>
+            </a:endParaRPr>
+          </a:p>
+          <a:p>
+            <a:pPr lvl="1" eaLnBrk="1" hangingPunct="1">
+              <a:buFontTx/>
+              <a:buNone/>
+            </a:pPr>
+            <a:r>
+              <a:rPr lang="en-US" altLang="en-US" sz="2000" dirty="0">
+                <a:latin typeface="Gill Sans MT" panose="020B0502020104020203" pitchFamily="34" charset="77"/>
+              </a:rPr>
+              <a:t>	</a:t>
+            </a:r>
+          </a:p>
+          <a:p>
+            <a:pPr lvl="1" eaLnBrk="1" hangingPunct="1">
+              <a:buFontTx/>
+              <a:buNone/>
+            </a:pPr>
+            <a:r>
+              <a:rPr lang="en-US" altLang="en-US" sz="2000" dirty="0">
+                <a:latin typeface="Gill Sans MT" panose="020B0502020104020203" pitchFamily="34" charset="77"/>
+              </a:rPr>
+              <a:t>	</a:t>
+            </a:r>
           </a:p>
         </p:txBody>
       </p:sp>
@@ -20975,7 +21398,7 @@
           <p:cNvPr id="2" name="Slide Number Placeholder 1">
             <a:extLst>
               <a:ext uri="{FF2B5EF4-FFF2-40B4-BE49-F238E27FC236}">
-                <a16:creationId xmlns:a16="http://schemas.microsoft.com/office/drawing/2014/main" id="{9C3CA69A-9F9B-CC4B-BBCA-6F6F89332FC4}"/>
+                <a16:creationId xmlns:a16="http://schemas.microsoft.com/office/drawing/2014/main" id="{890C1C5E-5C56-5440-8BE4-54237F383ACA}"/>
               </a:ext>
             </a:extLst>
           </p:cNvPr>
@@ -21002,13 +21425,14 @@
     </p:spTree>
     <p:extLst>
       <p:ext uri="{BB962C8B-B14F-4D97-AF65-F5344CB8AC3E}">
-        <p14:creationId xmlns:p14="http://schemas.microsoft.com/office/powerpoint/2010/main" val="1567828261"/>
+        <p14:creationId xmlns:p14="http://schemas.microsoft.com/office/powerpoint/2010/main" val="51278377"/>
       </p:ext>
     </p:extLst>
   </p:cSld>
   <p:clrMapOvr>
     <a:masterClrMapping/>
   </p:clrMapOvr>
+  <p:transition/>
   <p:timing>
     <p:tnLst>
       <p:par>
@@ -21043,9 +21467,9 @@
                                           </p:stCondLst>
                                         </p:cTn>
                                         <p:tgtEl>
-                                          <p:spTgt spid="6146">
+                                          <p:spTgt spid="26627">
                                             <p:txEl>
-                                              <p:pRg st="4" end="4"/>
+                                              <p:pRg st="3" end="3"/>
                                             </p:txEl>
                                           </p:spTgt>
                                         </p:tgtEl>
@@ -21092,9 +21516,58 @@
                                           </p:stCondLst>
                                         </p:cTn>
                                         <p:tgtEl>
-                                          <p:spTgt spid="6146">
+                                          <p:spTgt spid="26627">
                                             <p:txEl>
-                                              <p:pRg st="6" end="6"/>
+                                              <p:pRg st="5" end="5"/>
+                                            </p:txEl>
+                                          </p:spTgt>
+                                        </p:tgtEl>
+                                        <p:attrNameLst>
+                                          <p:attrName>style.visibility</p:attrName>
+                                        </p:attrNameLst>
+                                      </p:cBhvr>
+                                      <p:to>
+                                        <p:strVal val="visible"/>
+                                      </p:to>
+                                    </p:set>
+                                  </p:childTnLst>
+                                </p:cTn>
+                              </p:par>
+                            </p:childTnLst>
+                          </p:cTn>
+                        </p:par>
+                      </p:childTnLst>
+                    </p:cTn>
+                  </p:par>
+                  <p:par>
+                    <p:cTn id="11" fill="hold">
+                      <p:stCondLst>
+                        <p:cond delay="indefinite"/>
+                      </p:stCondLst>
+                      <p:childTnLst>
+                        <p:par>
+                          <p:cTn id="12" fill="hold">
+                            <p:stCondLst>
+                              <p:cond delay="0"/>
+                            </p:stCondLst>
+                            <p:childTnLst>
+                              <p:par>
+                                <p:cTn id="13" presetID="1" presetClass="entr" presetSubtype="0" fill="hold" nodeType="clickEffect">
+                                  <p:stCondLst>
+                                    <p:cond delay="0"/>
+                                  </p:stCondLst>
+                                  <p:childTnLst>
+                                    <p:set>
+                                      <p:cBhvr>
+                                        <p:cTn id="14" dur="1" fill="hold">
+                                          <p:stCondLst>
+                                            <p:cond delay="0"/>
+                                          </p:stCondLst>
+                                        </p:cTn>
+                                        <p:tgtEl>
+                                          <p:spTgt spid="26627">
+                                            <p:txEl>
+                                              <p:pRg st="7" end="7"/>
                                             </p:txEl>
                                           </p:spTgt>
                                         </p:tgtEl>
@@ -21159,10 +21632,10 @@
       </p:grpSpPr>
       <p:sp>
         <p:nvSpPr>
-          <p:cNvPr id="186370" name="Rectangle 2">
+          <p:cNvPr id="59393" name="Rectangle 2">
             <a:extLst>
               <a:ext uri="{FF2B5EF4-FFF2-40B4-BE49-F238E27FC236}">
-                <a16:creationId xmlns:a16="http://schemas.microsoft.com/office/drawing/2014/main" id="{C5506108-D6E6-9641-98CC-A9DA92AF0478}"/>
+                <a16:creationId xmlns:a16="http://schemas.microsoft.com/office/drawing/2014/main" id="{ED11F17B-90BB-E643-864C-A7CD96ECBCD5}"/>
               </a:ext>
             </a:extLst>
           </p:cNvPr>
@@ -21175,33 +21648,31 @@
         </p:nvSpPr>
         <p:spPr>
           <a:xfrm>
-            <a:off x="133563" y="104519"/>
-            <a:ext cx="8003569" cy="679442"/>
+            <a:off x="154112" y="127000"/>
+            <a:ext cx="7847530" cy="607523"/>
           </a:xfrm>
         </p:spPr>
         <p:txBody>
           <a:bodyPr/>
           <a:lstStyle/>
           <a:p>
-            <a:pPr eaLnBrk="1" hangingPunct="1">
-              <a:defRPr/>
-            </a:pPr>
-            <a:r>
-              <a:rPr lang="en-US" dirty="0">
-                <a:cs typeface="+mj-cs"/>
-              </a:rPr>
-              <a:t>Index of Two Smallest Values</a:t>
-            </a:r>
-            <a:endParaRPr lang="en-US" sz="2333" dirty="0"/>
+            <a:pPr eaLnBrk="1" hangingPunct="1"/>
+            <a:r>
+              <a:rPr lang="en-US" altLang="en-US" sz="2500" dirty="0">
+                <a:latin typeface="Tahoma" panose="020B0604030504040204" pitchFamily="34" charset="0"/>
+                <a:ea typeface="ＭＳ Ｐゴシック" panose="020B0600070205080204" pitchFamily="34" charset="-128"/>
+              </a:rPr>
+              <a:t>The Halting Problem</a:t>
+            </a:r>
           </a:p>
         </p:txBody>
       </p:sp>
       <p:sp>
         <p:nvSpPr>
-          <p:cNvPr id="6146" name="Rectangle 3">
+          <p:cNvPr id="26627" name="Rectangle 3">
             <a:extLst>
               <a:ext uri="{FF2B5EF4-FFF2-40B4-BE49-F238E27FC236}">
-                <a16:creationId xmlns:a16="http://schemas.microsoft.com/office/drawing/2014/main" id="{EAA042DF-FAF2-DA4B-9FB9-A8E93FAB0389}"/>
+                <a16:creationId xmlns:a16="http://schemas.microsoft.com/office/drawing/2014/main" id="{7661587A-2BF3-9445-BC18-44350E3935D4}"/>
               </a:ext>
             </a:extLst>
           </p:cNvPr>
@@ -21214,231 +21685,183 @@
         </p:nvSpPr>
         <p:spPr>
           <a:xfrm>
-            <a:off x="133564" y="783961"/>
-            <a:ext cx="8537825" cy="4931039"/>
+            <a:off x="154112" y="734523"/>
+            <a:ext cx="8753582" cy="4853477"/>
           </a:xfrm>
         </p:spPr>
         <p:txBody>
           <a:bodyPr/>
           <a:lstStyle/>
           <a:p>
+            <a:pPr marL="0" indent="0" eaLnBrk="1" hangingPunct="1">
+              <a:buNone/>
+            </a:pPr>
+            <a:r>
+              <a:rPr lang="en-US" altLang="en-US" sz="2000" dirty="0">
+                <a:ea typeface="ＭＳ Ｐゴシック" panose="020B0600070205080204" pitchFamily="34" charset="-128"/>
+              </a:rPr>
+              <a:t>Can you write a program that takes the source code of another program and some input and returns whether the program will terminate(not go into an infinite loop) with the given input?</a:t>
+            </a:r>
+          </a:p>
+          <a:p>
+            <a:pPr marL="0" indent="0" eaLnBrk="1" hangingPunct="1">
+              <a:buNone/>
+            </a:pPr>
+            <a:endParaRPr lang="en-US" altLang="en-US" sz="2000" dirty="0">
+              <a:latin typeface="Tahoma" panose="020B0604030504040204" pitchFamily="34" charset="0"/>
+              <a:ea typeface="ＭＳ Ｐゴシック" panose="020B0600070205080204" pitchFamily="34" charset="-128"/>
+            </a:endParaRPr>
+          </a:p>
+          <a:p>
             <a:pPr marL="0" indent="0">
               <a:buNone/>
             </a:pPr>
             <a:r>
-              <a:rPr lang="en-US" sz="2000" dirty="0"/>
-              <a:t>Given a list of numbers, find the </a:t>
-            </a:r>
-            <a:r>
-              <a:rPr lang="en-US" sz="2000" b="1" dirty="0"/>
-              <a:t>indices </a:t>
-            </a:r>
-            <a:r>
-              <a:rPr lang="en-US" sz="2000" dirty="0"/>
-              <a:t>of the two smallest numbers in the list.  </a:t>
+              <a:rPr lang="en-US" sz="2000" b="1" dirty="0">
+                <a:solidFill>
+                  <a:srgbClr val="34A327"/>
+                </a:solidFill>
+                <a:latin typeface="Inconsolata" panose="020B0609030003000000" pitchFamily="49" charset="77"/>
+              </a:rPr>
+              <a:t>def</a:t>
+            </a:r>
+            <a:r>
+              <a:rPr lang="en-US" sz="2000" b="1" dirty="0">
+                <a:solidFill>
+                  <a:srgbClr val="000000"/>
+                </a:solidFill>
+                <a:latin typeface="Inconsolata" panose="020B0609030003000000" pitchFamily="49" charset="77"/>
+              </a:rPr>
+              <a:t> </a:t>
+            </a:r>
+            <a:r>
+              <a:rPr lang="en-US" sz="2000" b="1" dirty="0">
+                <a:solidFill>
+                  <a:srgbClr val="3C9FF2"/>
+                </a:solidFill>
+                <a:latin typeface="Inconsolata" panose="020B0609030003000000" pitchFamily="49" charset="77"/>
+              </a:rPr>
+              <a:t>halting</a:t>
+            </a:r>
+            <a:r>
+              <a:rPr lang="en-US" sz="2000" b="1" dirty="0">
+                <a:solidFill>
+                  <a:srgbClr val="000000"/>
+                </a:solidFill>
+                <a:latin typeface="Inconsolata" panose="020B0609030003000000" pitchFamily="49" charset="77"/>
+              </a:rPr>
+              <a:t>(function, input):  </a:t>
             </a:r>
           </a:p>
           <a:p>
             <a:pPr marL="0" indent="0">
               <a:buNone/>
             </a:pPr>
-            <a:endParaRPr lang="en-US" sz="2000" dirty="0">
-              <a:latin typeface="Gill Sans MT" panose="020B0502020104020203" pitchFamily="34" charset="77"/>
+            <a:r>
+              <a:rPr lang="en-US" sz="2000" b="1" dirty="0">
+                <a:solidFill>
+                  <a:srgbClr val="006699"/>
+                </a:solidFill>
+                <a:latin typeface="Inconsolata" panose="020B0609030003000000" pitchFamily="49" charset="77"/>
+              </a:rPr>
+              <a:t>	# returns whether the function terminates with 	</a:t>
+            </a:r>
+          </a:p>
+          <a:p>
+            <a:pPr marL="0" indent="0">
+              <a:buNone/>
+            </a:pPr>
+            <a:r>
+              <a:rPr lang="en-US" sz="2000" b="1" dirty="0">
+                <a:solidFill>
+                  <a:srgbClr val="006699"/>
+                </a:solidFill>
+                <a:latin typeface="Inconsolata" panose="020B0609030003000000" pitchFamily="49" charset="77"/>
+              </a:rPr>
+              <a:t>	# given input. </a:t>
+            </a:r>
+          </a:p>
+          <a:p>
+            <a:pPr marL="0" indent="0">
+              <a:buNone/>
+            </a:pPr>
+            <a:r>
+              <a:rPr lang="en-US" altLang="en-US" sz="2000" b="1" dirty="0">
+                <a:latin typeface="INCONSOLATA" panose="020B0609030003000000" pitchFamily="49" charset="77"/>
+                <a:ea typeface="ＭＳ Ｐゴシック" panose="020B0600070205080204" pitchFamily="34" charset="-128"/>
+              </a:rPr>
+              <a:t>	</a:t>
+            </a:r>
+            <a:r>
+              <a:rPr lang="en-US" sz="2000" b="1" dirty="0">
+                <a:solidFill>
+                  <a:srgbClr val="006699"/>
+                </a:solidFill>
+                <a:latin typeface="INCONSOLATA" panose="020B0609030003000000" pitchFamily="49" charset="77"/>
+              </a:rPr>
+              <a:t># Is there an implementation of this function?</a:t>
+            </a:r>
+          </a:p>
+          <a:p>
+            <a:pPr marL="0" indent="0" eaLnBrk="1" hangingPunct="1">
+              <a:buNone/>
+            </a:pPr>
+            <a:endParaRPr lang="en-US" altLang="en-US" sz="1833" dirty="0">
+              <a:latin typeface="Tahoma" panose="020B0604030504040204" pitchFamily="34" charset="0"/>
+              <a:ea typeface="ＭＳ Ｐゴシック" panose="020B0600070205080204" pitchFamily="34" charset="-128"/>
             </a:endParaRPr>
           </a:p>
           <a:p>
-            <a:pPr marL="0" indent="0">
-              <a:buNone/>
-            </a:pPr>
-            <a:r>
-              <a:rPr lang="en-US" sz="2000" dirty="0">
-                <a:latin typeface="Gill Sans MT" panose="020B0502020104020203" pitchFamily="34" charset="77"/>
-              </a:rPr>
-              <a:t>Jumping right into coding this problem without planning will be tricky.</a:t>
-            </a:r>
-          </a:p>
-          <a:p>
-            <a:pPr marL="0" indent="0">
-              <a:buNone/>
-            </a:pPr>
-            <a:r>
-              <a:rPr lang="en-US" sz="2000" dirty="0">
-                <a:latin typeface="Gill Sans MT" panose="020B0502020104020203" pitchFamily="34" charset="77"/>
-              </a:rPr>
-              <a:t>Let's think carefully how we would solve this by writing out the pseudocode. </a:t>
-            </a:r>
-          </a:p>
-          <a:p>
-            <a:pPr marL="0" indent="0">
-              <a:buNone/>
-            </a:pPr>
-            <a:endParaRPr lang="en-US" sz="2000" b="1" dirty="0">
-              <a:solidFill>
-                <a:srgbClr val="34A327"/>
-              </a:solidFill>
-              <a:latin typeface="Inconsolata" panose="020B0609030003000000" pitchFamily="49" charset="77"/>
+            <a:pPr eaLnBrk="1" hangingPunct="1">
+              <a:buFontTx/>
+              <a:buNone/>
+            </a:pPr>
+            <a:endParaRPr lang="en-US" altLang="en-US" sz="1833" dirty="0">
+              <a:latin typeface="Tahoma" panose="020B0604030504040204" pitchFamily="34" charset="0"/>
+              <a:ea typeface="ＭＳ Ｐゴシック" panose="020B0600070205080204" pitchFamily="34" charset="-128"/>
             </a:endParaRPr>
           </a:p>
           <a:p>
-            <a:pPr marL="0" indent="0">
-              <a:buNone/>
-            </a:pPr>
-            <a:r>
-              <a:rPr lang="en-US" sz="2000" b="1" dirty="0">
-                <a:solidFill>
-                  <a:srgbClr val="34A327"/>
-                </a:solidFill>
-                <a:latin typeface="Inconsolata" panose="020B0609030003000000" pitchFamily="49" charset="77"/>
-              </a:rPr>
-              <a:t>def</a:t>
-            </a:r>
-            <a:r>
-              <a:rPr lang="en-US" sz="2000" b="1" dirty="0">
-                <a:solidFill>
-                  <a:srgbClr val="000000"/>
-                </a:solidFill>
-                <a:latin typeface="Inconsolata" panose="020B0609030003000000" pitchFamily="49" charset="77"/>
-              </a:rPr>
-              <a:t> </a:t>
-            </a:r>
-            <a:r>
-              <a:rPr lang="en-US" sz="2000" b="1" dirty="0" err="1">
-                <a:solidFill>
-                  <a:srgbClr val="3C9FF2"/>
-                </a:solidFill>
-                <a:latin typeface="Inconsolata" panose="020B0609030003000000" pitchFamily="49" charset="77"/>
-              </a:rPr>
-              <a:t>two_smallest</a:t>
-            </a:r>
-            <a:r>
-              <a:rPr lang="en-US" sz="2000" b="1" dirty="0">
-                <a:solidFill>
-                  <a:srgbClr val="000000"/>
-                </a:solidFill>
-                <a:latin typeface="Inconsolata" panose="020B0609030003000000" pitchFamily="49" charset="77"/>
-              </a:rPr>
-              <a:t>(</a:t>
-            </a:r>
-            <a:r>
-              <a:rPr lang="en-US" sz="2000" b="1" dirty="0" err="1">
-                <a:solidFill>
-                  <a:srgbClr val="000000"/>
-                </a:solidFill>
-                <a:latin typeface="Inconsolata" panose="020B0609030003000000" pitchFamily="49" charset="77"/>
-              </a:rPr>
-              <a:t>lst</a:t>
-            </a:r>
-            <a:r>
-              <a:rPr lang="en-US" sz="2000" b="1" dirty="0">
-                <a:solidFill>
-                  <a:srgbClr val="000000"/>
-                </a:solidFill>
-                <a:latin typeface="Inconsolata" panose="020B0609030003000000" pitchFamily="49" charset="77"/>
-              </a:rPr>
-              <a:t>):  </a:t>
-            </a:r>
-          </a:p>
-          <a:p>
-            <a:pPr marL="0" indent="0">
-              <a:buNone/>
-            </a:pPr>
-            <a:r>
-              <a:rPr lang="en-US" sz="2000" b="1" dirty="0">
-                <a:solidFill>
-                  <a:srgbClr val="006699"/>
-                </a:solidFill>
-                <a:latin typeface="Inconsolata" panose="020B0609030003000000" pitchFamily="49" charset="77"/>
-              </a:rPr>
-              <a:t>	# Find the index of the minimum item in </a:t>
-            </a:r>
-            <a:r>
-              <a:rPr lang="en-US" sz="2000" b="1" dirty="0" err="1">
-                <a:solidFill>
-                  <a:srgbClr val="006699"/>
-                </a:solidFill>
-                <a:latin typeface="Inconsolata" panose="020B0609030003000000" pitchFamily="49" charset="77"/>
-              </a:rPr>
-              <a:t>lst</a:t>
-            </a:r>
-            <a:r>
-              <a:rPr lang="en-US" sz="2000" b="1" dirty="0">
-                <a:solidFill>
-                  <a:srgbClr val="006699"/>
-                </a:solidFill>
-                <a:latin typeface="Inconsolata" panose="020B0609030003000000" pitchFamily="49" charset="77"/>
-              </a:rPr>
-              <a:t> </a:t>
-            </a:r>
-          </a:p>
-          <a:p>
-            <a:pPr marL="0" indent="0">
-              <a:buNone/>
-            </a:pPr>
-            <a:r>
-              <a:rPr lang="en-US" sz="2000" b="1" dirty="0">
-                <a:solidFill>
-                  <a:srgbClr val="006699"/>
-                </a:solidFill>
-                <a:latin typeface="Inconsolata" panose="020B0609030003000000" pitchFamily="49" charset="77"/>
-              </a:rPr>
-              <a:t>	# Remove that item from the list </a:t>
-            </a:r>
-          </a:p>
-          <a:p>
-            <a:pPr marL="0" indent="0">
-              <a:buNone/>
-            </a:pPr>
-            <a:r>
-              <a:rPr lang="en-US" sz="2000" b="1" dirty="0">
-                <a:solidFill>
-                  <a:srgbClr val="006699"/>
-                </a:solidFill>
-                <a:latin typeface="Inconsolata" panose="020B0609030003000000" pitchFamily="49" charset="77"/>
-              </a:rPr>
-              <a:t>	# Find the index of the new minimum item in the list </a:t>
-            </a:r>
-          </a:p>
-          <a:p>
-            <a:pPr marL="0" indent="0">
-              <a:buNone/>
-            </a:pPr>
-            <a:r>
-              <a:rPr lang="en-US" sz="2000" b="1" dirty="0">
-                <a:solidFill>
-                  <a:srgbClr val="006699"/>
-                </a:solidFill>
-                <a:latin typeface="Inconsolata" panose="020B0609030003000000" pitchFamily="49" charset="77"/>
-              </a:rPr>
-              <a:t>	# Put the smallest item back in the list </a:t>
-            </a:r>
-          </a:p>
-          <a:p>
-            <a:pPr marL="0" indent="0">
-              <a:buNone/>
-            </a:pPr>
-            <a:r>
-              <a:rPr lang="en-US" sz="2000" b="1" dirty="0">
-                <a:solidFill>
-                  <a:srgbClr val="006699"/>
-                </a:solidFill>
-                <a:latin typeface="Inconsolata" panose="020B0609030003000000" pitchFamily="49" charset="77"/>
-              </a:rPr>
-              <a:t>	# If necessary, adjust the second index </a:t>
-            </a:r>
-          </a:p>
-          <a:p>
-            <a:pPr marL="0" indent="0">
-              <a:buNone/>
-            </a:pPr>
-            <a:r>
-              <a:rPr lang="en-US" sz="2000" b="1" dirty="0">
-                <a:solidFill>
-                  <a:srgbClr val="006699"/>
-                </a:solidFill>
-                <a:latin typeface="Inconsolata" panose="020B0609030003000000" pitchFamily="49" charset="77"/>
-              </a:rPr>
-              <a:t>	# Return the two indices </a:t>
-            </a:r>
+            <a:pPr eaLnBrk="1" hangingPunct="1">
+              <a:buFontTx/>
+              <a:buNone/>
+            </a:pPr>
+            <a:endParaRPr lang="en-US" altLang="en-US" sz="1833" dirty="0">
+              <a:latin typeface="Tahoma" panose="020B0604030504040204" pitchFamily="34" charset="0"/>
+              <a:ea typeface="ＭＳ Ｐゴシック" panose="020B0600070205080204" pitchFamily="34" charset="-128"/>
+            </a:endParaRPr>
+          </a:p>
+          <a:p>
+            <a:pPr eaLnBrk="1" hangingPunct="1"/>
+            <a:endParaRPr lang="en-US" altLang="en-US" sz="1833" dirty="0">
+              <a:latin typeface="Tahoma" panose="020B0604030504040204" pitchFamily="34" charset="0"/>
+              <a:ea typeface="ＭＳ Ｐゴシック" panose="020B0600070205080204" pitchFamily="34" charset="-128"/>
+            </a:endParaRPr>
+          </a:p>
+          <a:p>
+            <a:pPr marL="380985" lvl="1" indent="0">
+              <a:buNone/>
+            </a:pPr>
+            <a:r>
+              <a:rPr lang="en-US" altLang="en-US" sz="1500" dirty="0">
+                <a:latin typeface="Tahoma" panose="020B0604030504040204" pitchFamily="34" charset="0"/>
+              </a:rPr>
+              <a:t>	</a:t>
+            </a:r>
+          </a:p>
+          <a:p>
+            <a:pPr marL="380985" lvl="1" indent="0">
+              <a:buNone/>
+            </a:pPr>
+            <a:r>
+              <a:rPr lang="en-US" altLang="en-US" sz="1500" dirty="0">
+                <a:latin typeface="Tahoma" panose="020B0604030504040204" pitchFamily="34" charset="0"/>
+              </a:rPr>
+              <a:t>	</a:t>
+            </a:r>
+            <a:endParaRPr lang="en-US" altLang="en-US" sz="1833" dirty="0">
+              <a:latin typeface="Tahoma" panose="020B0604030504040204" pitchFamily="34" charset="0"/>
+            </a:endParaRPr>
           </a:p>
         </p:txBody>
       </p:sp>
@@ -21447,7 +21870,7 @@
           <p:cNvPr id="2" name="Slide Number Placeholder 1">
             <a:extLst>
               <a:ext uri="{FF2B5EF4-FFF2-40B4-BE49-F238E27FC236}">
-                <a16:creationId xmlns:a16="http://schemas.microsoft.com/office/drawing/2014/main" id="{B20B7105-DF5A-C340-AECE-D8A3C15DF162}"/>
+                <a16:creationId xmlns:a16="http://schemas.microsoft.com/office/drawing/2014/main" id="{86F49B2A-4E0E-E54E-AC2E-88FD75DD53ED}"/>
               </a:ext>
             </a:extLst>
           </p:cNvPr>
@@ -21474,13 +21897,14 @@
     </p:spTree>
     <p:extLst>
       <p:ext uri="{BB962C8B-B14F-4D97-AF65-F5344CB8AC3E}">
-        <p14:creationId xmlns:p14="http://schemas.microsoft.com/office/powerpoint/2010/main" val="2114242178"/>
+        <p14:creationId xmlns:p14="http://schemas.microsoft.com/office/powerpoint/2010/main" val="2892160896"/>
       </p:ext>
     </p:extLst>
   </p:cSld>
   <p:clrMapOvr>
     <a:masterClrMapping/>
   </p:clrMapOvr>
+  <p:transition/>
   <p:timing>
     <p:tnLst>
       <p:par>
@@ -21515,40 +21939,9 @@
                                           </p:stCondLst>
                                         </p:cTn>
                                         <p:tgtEl>
-                                          <p:spTgt spid="6146">
+                                          <p:spTgt spid="26627">
                                             <p:txEl>
                                               <p:pRg st="2" end="2"/>
-                                            </p:txEl>
-                                          </p:spTgt>
-                                        </p:tgtEl>
-                                        <p:attrNameLst>
-                                          <p:attrName>style.visibility</p:attrName>
-                                        </p:attrNameLst>
-                                      </p:cBhvr>
-                                      <p:to>
-                                        <p:strVal val="visible"/>
-                                      </p:to>
-                                    </p:set>
-                                  </p:childTnLst>
-                                </p:cTn>
-                              </p:par>
-                              <p:par>
-                                <p:cTn id="7" presetID="1" presetClass="entr" presetSubtype="0" fill="hold" nodeType="withEffect">
-                                  <p:stCondLst>
-                                    <p:cond delay="0"/>
-                                  </p:stCondLst>
-                                  <p:childTnLst>
-                                    <p:set>
-                                      <p:cBhvr>
-                                        <p:cTn id="8" dur="1" fill="hold">
-                                          <p:stCondLst>
-                                            <p:cond delay="0"/>
-                                          </p:stCondLst>
-                                        </p:cTn>
-                                        <p:tgtEl>
-                                          <p:spTgt spid="6146">
-                                            <p:txEl>
-                                              <p:pRg st="3" end="3"/>
                                             </p:txEl>
                                           </p:spTgt>
                                         </p:tgtEl>
@@ -21570,34 +21963,34 @@
                     </p:cTn>
                   </p:par>
                   <p:par>
-                    <p:cTn id="9" fill="hold">
+                    <p:cTn id="7" fill="hold">
                       <p:stCondLst>
                         <p:cond delay="indefinite"/>
                       </p:stCondLst>
                       <p:childTnLst>
                         <p:par>
-                          <p:cTn id="10" fill="hold">
+                          <p:cTn id="8" fill="hold">
                             <p:stCondLst>
                               <p:cond delay="0"/>
                             </p:stCondLst>
                             <p:childTnLst>
                               <p:par>
-                                <p:cTn id="11" presetID="1" presetClass="entr" presetSubtype="0" fill="hold" nodeType="clickEffect">
+                                <p:cTn id="9" presetID="1" presetClass="entr" presetSubtype="0" fill="hold" nodeType="clickEffect">
                                   <p:stCondLst>
                                     <p:cond delay="0"/>
                                   </p:stCondLst>
                                   <p:childTnLst>
                                     <p:set>
                                       <p:cBhvr>
-                                        <p:cTn id="12" dur="1" fill="hold">
+                                        <p:cTn id="10" dur="1" fill="hold">
                                           <p:stCondLst>
                                             <p:cond delay="0"/>
                                           </p:stCondLst>
                                         </p:cTn>
                                         <p:tgtEl>
-                                          <p:spTgt spid="6146">
+                                          <p:spTgt spid="26627">
                                             <p:txEl>
-                                              <p:pRg st="5" end="5"/>
+                                              <p:pRg st="3" end="3"/>
                                             </p:txEl>
                                           </p:spTgt>
                                         </p:tgtEl>
@@ -21612,41 +22005,23 @@
                                   </p:childTnLst>
                                 </p:cTn>
                               </p:par>
-                            </p:childTnLst>
-                          </p:cTn>
-                        </p:par>
-                      </p:childTnLst>
-                    </p:cTn>
-                  </p:par>
-                  <p:par>
-                    <p:cTn id="13" fill="hold">
-                      <p:stCondLst>
-                        <p:cond delay="indefinite"/>
-                      </p:stCondLst>
-                      <p:childTnLst>
-                        <p:par>
-                          <p:cTn id="14" fill="hold">
-                            <p:stCondLst>
-                              <p:cond delay="0"/>
-                            </p:stCondLst>
-                            <p:childTnLst>
                               <p:par>
-                                <p:cTn id="15" presetID="1" presetClass="entr" presetSubtype="0" fill="hold" nodeType="clickEffect">
+                                <p:cTn id="11" presetID="1" presetClass="entr" presetSubtype="0" fill="hold" nodeType="withEffect">
                                   <p:stCondLst>
                                     <p:cond delay="0"/>
                                   </p:stCondLst>
                                   <p:childTnLst>
                                     <p:set>
                                       <p:cBhvr>
-                                        <p:cTn id="16" dur="1" fill="hold">
+                                        <p:cTn id="12" dur="1" fill="hold">
                                           <p:stCondLst>
                                             <p:cond delay="0"/>
                                           </p:stCondLst>
                                         </p:cTn>
                                         <p:tgtEl>
-                                          <p:spTgt spid="6146">
+                                          <p:spTgt spid="26627">
                                             <p:txEl>
-                                              <p:pRg st="6" end="6"/>
+                                              <p:pRg st="4" end="4"/>
                                             </p:txEl>
                                           </p:spTgt>
                                         </p:tgtEl>
@@ -21661,237 +22036,23 @@
                                   </p:childTnLst>
                                 </p:cTn>
                               </p:par>
-                            </p:childTnLst>
-                          </p:cTn>
-                        </p:par>
-                      </p:childTnLst>
-                    </p:cTn>
-                  </p:par>
-                  <p:par>
-                    <p:cTn id="17" fill="hold">
-                      <p:stCondLst>
-                        <p:cond delay="indefinite"/>
-                      </p:stCondLst>
-                      <p:childTnLst>
-                        <p:par>
-                          <p:cTn id="18" fill="hold">
-                            <p:stCondLst>
-                              <p:cond delay="0"/>
-                            </p:stCondLst>
-                            <p:childTnLst>
                               <p:par>
-                                <p:cTn id="19" presetID="1" presetClass="entr" presetSubtype="0" fill="hold" nodeType="clickEffect">
+                                <p:cTn id="13" presetID="1" presetClass="entr" presetSubtype="0" fill="hold" nodeType="withEffect">
                                   <p:stCondLst>
                                     <p:cond delay="0"/>
                                   </p:stCondLst>
                                   <p:childTnLst>
                                     <p:set>
                                       <p:cBhvr>
-                                        <p:cTn id="20" dur="1" fill="hold">
+                                        <p:cTn id="14" dur="1" fill="hold">
                                           <p:stCondLst>
                                             <p:cond delay="0"/>
                                           </p:stCondLst>
                                         </p:cTn>
                                         <p:tgtEl>
-                                          <p:spTgt spid="6146">
+                                          <p:spTgt spid="26627">
                                             <p:txEl>
-                                              <p:pRg st="7" end="7"/>
-                                            </p:txEl>
-                                          </p:spTgt>
-                                        </p:tgtEl>
-                                        <p:attrNameLst>
-                                          <p:attrName>style.visibility</p:attrName>
-                                        </p:attrNameLst>
-                                      </p:cBhvr>
-                                      <p:to>
-                                        <p:strVal val="visible"/>
-                                      </p:to>
-                                    </p:set>
-                                  </p:childTnLst>
-                                </p:cTn>
-                              </p:par>
-                            </p:childTnLst>
-                          </p:cTn>
-                        </p:par>
-                      </p:childTnLst>
-                    </p:cTn>
-                  </p:par>
-                  <p:par>
-                    <p:cTn id="21" fill="hold">
-                      <p:stCondLst>
-                        <p:cond delay="indefinite"/>
-                      </p:stCondLst>
-                      <p:childTnLst>
-                        <p:par>
-                          <p:cTn id="22" fill="hold">
-                            <p:stCondLst>
-                              <p:cond delay="0"/>
-                            </p:stCondLst>
-                            <p:childTnLst>
-                              <p:par>
-                                <p:cTn id="23" presetID="1" presetClass="entr" presetSubtype="0" fill="hold" nodeType="clickEffect">
-                                  <p:stCondLst>
-                                    <p:cond delay="0"/>
-                                  </p:stCondLst>
-                                  <p:childTnLst>
-                                    <p:set>
-                                      <p:cBhvr>
-                                        <p:cTn id="24" dur="1" fill="hold">
-                                          <p:stCondLst>
-                                            <p:cond delay="0"/>
-                                          </p:stCondLst>
-                                        </p:cTn>
-                                        <p:tgtEl>
-                                          <p:spTgt spid="6146">
-                                            <p:txEl>
-                                              <p:pRg st="8" end="8"/>
-                                            </p:txEl>
-                                          </p:spTgt>
-                                        </p:tgtEl>
-                                        <p:attrNameLst>
-                                          <p:attrName>style.visibility</p:attrName>
-                                        </p:attrNameLst>
-                                      </p:cBhvr>
-                                      <p:to>
-                                        <p:strVal val="visible"/>
-                                      </p:to>
-                                    </p:set>
-                                  </p:childTnLst>
-                                </p:cTn>
-                              </p:par>
-                            </p:childTnLst>
-                          </p:cTn>
-                        </p:par>
-                      </p:childTnLst>
-                    </p:cTn>
-                  </p:par>
-                  <p:par>
-                    <p:cTn id="25" fill="hold">
-                      <p:stCondLst>
-                        <p:cond delay="indefinite"/>
-                      </p:stCondLst>
-                      <p:childTnLst>
-                        <p:par>
-                          <p:cTn id="26" fill="hold">
-                            <p:stCondLst>
-                              <p:cond delay="0"/>
-                            </p:stCondLst>
-                            <p:childTnLst>
-                              <p:par>
-                                <p:cTn id="27" presetID="1" presetClass="entr" presetSubtype="0" fill="hold" nodeType="clickEffect">
-                                  <p:stCondLst>
-                                    <p:cond delay="0"/>
-                                  </p:stCondLst>
-                                  <p:childTnLst>
-                                    <p:set>
-                                      <p:cBhvr>
-                                        <p:cTn id="28" dur="1" fill="hold">
-                                          <p:stCondLst>
-                                            <p:cond delay="0"/>
-                                          </p:stCondLst>
-                                        </p:cTn>
-                                        <p:tgtEl>
-                                          <p:spTgt spid="6146">
-                                            <p:txEl>
-                                              <p:pRg st="9" end="9"/>
-                                            </p:txEl>
-                                          </p:spTgt>
-                                        </p:tgtEl>
-                                        <p:attrNameLst>
-                                          <p:attrName>style.visibility</p:attrName>
-                                        </p:attrNameLst>
-                                      </p:cBhvr>
-                                      <p:to>
-                                        <p:strVal val="visible"/>
-                                      </p:to>
-                                    </p:set>
-                                  </p:childTnLst>
-                                </p:cTn>
-                              </p:par>
-                            </p:childTnLst>
-                          </p:cTn>
-                        </p:par>
-                      </p:childTnLst>
-                    </p:cTn>
-                  </p:par>
-                  <p:par>
-                    <p:cTn id="29" fill="hold">
-                      <p:stCondLst>
-                        <p:cond delay="indefinite"/>
-                      </p:stCondLst>
-                      <p:childTnLst>
-                        <p:par>
-                          <p:cTn id="30" fill="hold">
-                            <p:stCondLst>
-                              <p:cond delay="0"/>
-                            </p:stCondLst>
-                            <p:childTnLst>
-                              <p:par>
-                                <p:cTn id="31" presetID="1" presetClass="entr" presetSubtype="0" fill="hold" nodeType="clickEffect">
-                                  <p:stCondLst>
-                                    <p:cond delay="0"/>
-                                  </p:stCondLst>
-                                  <p:childTnLst>
-                                    <p:set>
-                                      <p:cBhvr>
-                                        <p:cTn id="32" dur="1" fill="hold">
-                                          <p:stCondLst>
-                                            <p:cond delay="0"/>
-                                          </p:stCondLst>
-                                        </p:cTn>
-                                        <p:tgtEl>
-                                          <p:spTgt spid="6146">
-                                            <p:txEl>
-                                              <p:pRg st="10" end="10"/>
-                                            </p:txEl>
-                                          </p:spTgt>
-                                        </p:tgtEl>
-                                        <p:attrNameLst>
-                                          <p:attrName>style.visibility</p:attrName>
-                                        </p:attrNameLst>
-                                      </p:cBhvr>
-                                      <p:to>
-                                        <p:strVal val="visible"/>
-                                      </p:to>
-                                    </p:set>
-                                  </p:childTnLst>
-                                </p:cTn>
-                              </p:par>
-                            </p:childTnLst>
-                          </p:cTn>
-                        </p:par>
-                      </p:childTnLst>
-                    </p:cTn>
-                  </p:par>
-                  <p:par>
-                    <p:cTn id="33" fill="hold">
-                      <p:stCondLst>
-                        <p:cond delay="indefinite"/>
-                      </p:stCondLst>
-                      <p:childTnLst>
-                        <p:par>
-                          <p:cTn id="34" fill="hold">
-                            <p:stCondLst>
-                              <p:cond delay="0"/>
-                            </p:stCondLst>
-                            <p:childTnLst>
-                              <p:par>
-                                <p:cTn id="35" presetID="1" presetClass="entr" presetSubtype="0" fill="hold" nodeType="clickEffect">
-                                  <p:stCondLst>
-                                    <p:cond delay="0"/>
-                                  </p:stCondLst>
-                                  <p:childTnLst>
-                                    <p:set>
-                                      <p:cBhvr>
-                                        <p:cTn id="36" dur="1" fill="hold">
-                                          <p:stCondLst>
-                                            <p:cond delay="0"/>
-                                          </p:stCondLst>
-                                        </p:cTn>
-                                        <p:tgtEl>
-                                          <p:spTgt spid="6146">
-                                            <p:txEl>
-                                              <p:pRg st="11" end="11"/>
+                                              <p:pRg st="5" end="5"/>
                                             </p:txEl>
                                           </p:spTgt>
                                         </p:tgtEl>
@@ -21956,6 +22117,722 @@
       </p:grpSpPr>
       <p:sp>
         <p:nvSpPr>
+          <p:cNvPr id="59393" name="Rectangle 2">
+            <a:extLst>
+              <a:ext uri="{FF2B5EF4-FFF2-40B4-BE49-F238E27FC236}">
+                <a16:creationId xmlns:a16="http://schemas.microsoft.com/office/drawing/2014/main" id="{ED11F17B-90BB-E643-864C-A7CD96ECBCD5}"/>
+              </a:ext>
+            </a:extLst>
+          </p:cNvPr>
+          <p:cNvSpPr>
+            <a:spLocks noGrp="1" noChangeArrowheads="1"/>
+          </p:cNvSpPr>
+          <p:nvPr>
+            <p:ph type="title"/>
+          </p:nvPr>
+        </p:nvSpPr>
+        <p:spPr>
+          <a:xfrm>
+            <a:off x="154112" y="110162"/>
+            <a:ext cx="7847530" cy="607523"/>
+          </a:xfrm>
+        </p:spPr>
+        <p:txBody>
+          <a:bodyPr/>
+          <a:lstStyle/>
+          <a:p>
+            <a:pPr eaLnBrk="1" hangingPunct="1"/>
+            <a:r>
+              <a:rPr lang="en-US" altLang="en-US" sz="2500" dirty="0">
+                <a:latin typeface="Tahoma" panose="020B0604030504040204" pitchFamily="34" charset="0"/>
+                <a:ea typeface="ＭＳ Ｐゴシック" panose="020B0600070205080204" pitchFamily="34" charset="-128"/>
+              </a:rPr>
+              <a:t>Example</a:t>
+            </a:r>
+          </a:p>
+        </p:txBody>
+      </p:sp>
+      <p:sp>
+        <p:nvSpPr>
+          <p:cNvPr id="26627" name="Rectangle 3">
+            <a:extLst>
+              <a:ext uri="{FF2B5EF4-FFF2-40B4-BE49-F238E27FC236}">
+                <a16:creationId xmlns:a16="http://schemas.microsoft.com/office/drawing/2014/main" id="{7661587A-2BF3-9445-BC18-44350E3935D4}"/>
+              </a:ext>
+            </a:extLst>
+          </p:cNvPr>
+          <p:cNvSpPr>
+            <a:spLocks noGrp="1" noChangeArrowheads="1"/>
+          </p:cNvSpPr>
+          <p:nvPr>
+            <p:ph type="body" idx="1"/>
+          </p:nvPr>
+        </p:nvSpPr>
+        <p:spPr>
+          <a:xfrm>
+            <a:off x="154111" y="681358"/>
+            <a:ext cx="8819767" cy="4980477"/>
+          </a:xfrm>
+        </p:spPr>
+        <p:txBody>
+          <a:bodyPr>
+            <a:normAutofit fontScale="85000" lnSpcReduction="20000"/>
+          </a:bodyPr>
+          <a:lstStyle/>
+          <a:p>
+            <a:pPr marL="0" indent="0" eaLnBrk="1" hangingPunct="1">
+              <a:buNone/>
+            </a:pPr>
+            <a:r>
+              <a:rPr lang="en-US" altLang="en-US" sz="2000" dirty="0">
+                <a:ea typeface="ＭＳ Ｐゴシック" panose="020B0600070205080204" pitchFamily="34" charset="-128"/>
+              </a:rPr>
+              <a:t>IF the halting function can be implemented, it will give the following outputs for the sum function(sum 1 to 10 with step size= increment).</a:t>
+            </a:r>
+            <a:endParaRPr lang="en-US" sz="2000" b="1" dirty="0">
+              <a:solidFill>
+                <a:srgbClr val="34A327"/>
+              </a:solidFill>
+              <a:latin typeface="Inconsolata" panose="020B0609030003000000" pitchFamily="49" charset="77"/>
+            </a:endParaRPr>
+          </a:p>
+          <a:p>
+            <a:pPr marL="0" indent="0">
+              <a:buNone/>
+            </a:pPr>
+            <a:r>
+              <a:rPr lang="en-US" sz="2000" b="1" dirty="0">
+                <a:solidFill>
+                  <a:srgbClr val="34A327"/>
+                </a:solidFill>
+                <a:latin typeface="Inconsolata" panose="020B0609030003000000" pitchFamily="49" charset="77"/>
+              </a:rPr>
+              <a:t>def</a:t>
+            </a:r>
+            <a:r>
+              <a:rPr lang="en-US" sz="2000" b="1" dirty="0">
+                <a:solidFill>
+                  <a:srgbClr val="000000"/>
+                </a:solidFill>
+                <a:latin typeface="Inconsolata" panose="020B0609030003000000" pitchFamily="49" charset="77"/>
+              </a:rPr>
+              <a:t> </a:t>
+            </a:r>
+            <a:r>
+              <a:rPr lang="en-US" sz="2000" b="1" dirty="0">
+                <a:solidFill>
+                  <a:srgbClr val="3C9FF2"/>
+                </a:solidFill>
+                <a:latin typeface="Inconsolata" panose="020B0609030003000000" pitchFamily="49" charset="77"/>
+              </a:rPr>
+              <a:t>sum</a:t>
+            </a:r>
+            <a:r>
+              <a:rPr lang="en-US" sz="2000" b="1" dirty="0">
+                <a:solidFill>
+                  <a:srgbClr val="000000"/>
+                </a:solidFill>
+                <a:latin typeface="Inconsolata" panose="020B0609030003000000" pitchFamily="49" charset="77"/>
+              </a:rPr>
+              <a:t>(increment):</a:t>
+            </a:r>
+          </a:p>
+          <a:p>
+            <a:pPr marL="0" indent="0">
+              <a:buNone/>
+            </a:pPr>
+            <a:r>
+              <a:rPr lang="en-US" sz="2000" b="1" dirty="0">
+                <a:solidFill>
+                  <a:srgbClr val="000000"/>
+                </a:solidFill>
+                <a:latin typeface="Inconsolata" panose="020B0609030003000000" pitchFamily="49" charset="77"/>
+              </a:rPr>
+              <a:t>	</a:t>
+            </a:r>
+            <a:r>
+              <a:rPr lang="en-US" sz="2000" b="1" dirty="0">
+                <a:latin typeface="Inconsolata" panose="020B0609030003000000" pitchFamily="49" charset="77"/>
+              </a:rPr>
+              <a:t>x = 1  </a:t>
+            </a:r>
+          </a:p>
+          <a:p>
+            <a:pPr marL="0" indent="0">
+              <a:buNone/>
+            </a:pPr>
+            <a:r>
+              <a:rPr lang="en-US" sz="2000" b="1" dirty="0">
+                <a:latin typeface="Inconsolata" panose="020B0609030003000000" pitchFamily="49" charset="77"/>
+              </a:rPr>
+              <a:t>	while x &lt;= 10:</a:t>
+            </a:r>
+          </a:p>
+          <a:p>
+            <a:pPr marL="0" indent="0">
+              <a:buNone/>
+            </a:pPr>
+            <a:r>
+              <a:rPr lang="en-US" altLang="en-US" sz="2000" b="1" dirty="0">
+                <a:latin typeface="Inconsolata" panose="020B0609030003000000" pitchFamily="49" charset="77"/>
+                <a:ea typeface="ＭＳ Ｐゴシック" panose="020B0600070205080204" pitchFamily="34" charset="-128"/>
+              </a:rPr>
+              <a:t>		x += increment</a:t>
+            </a:r>
+          </a:p>
+          <a:p>
+            <a:pPr marL="0" indent="0">
+              <a:buNone/>
+            </a:pPr>
+            <a:r>
+              <a:rPr lang="en-US" altLang="en-US" sz="2000" b="1" dirty="0">
+                <a:latin typeface="Inconsolata" panose="020B0609030003000000" pitchFamily="49" charset="77"/>
+                <a:ea typeface="ＭＳ Ｐゴシック" panose="020B0600070205080204" pitchFamily="34" charset="-128"/>
+              </a:rPr>
+              <a:t>	return x</a:t>
+            </a:r>
+          </a:p>
+          <a:p>
+            <a:pPr marL="0" indent="0">
+              <a:buNone/>
+            </a:pPr>
+            <a:r>
+              <a:rPr lang="en-US" altLang="en-US" sz="2000" b="1" dirty="0">
+                <a:latin typeface="Inconsolata" panose="020B0609030003000000" pitchFamily="49" charset="77"/>
+                <a:ea typeface="ＭＳ Ｐゴシック" panose="020B0600070205080204" pitchFamily="34" charset="-128"/>
+              </a:rPr>
+              <a:t>print(halting(sum, 1)) # True</a:t>
+            </a:r>
+            <a:endParaRPr lang="en-US" altLang="en-US" sz="1833" dirty="0">
+              <a:latin typeface="Tahoma" panose="020B0604030504040204" pitchFamily="34" charset="0"/>
+              <a:ea typeface="ＭＳ Ｐゴシック" panose="020B0600070205080204" pitchFamily="34" charset="-128"/>
+            </a:endParaRPr>
+          </a:p>
+          <a:p>
+            <a:pPr>
+              <a:buNone/>
+            </a:pPr>
+            <a:r>
+              <a:rPr lang="en-US" altLang="en-US" sz="2000" b="1" dirty="0">
+                <a:latin typeface="Inconsolata" panose="020B0609030003000000" pitchFamily="49" charset="77"/>
+                <a:ea typeface="ＭＳ Ｐゴシック" panose="020B0600070205080204" pitchFamily="34" charset="-128"/>
+              </a:rPr>
+              <a:t>print(halting(sum, -1)) # False (infinite loop)</a:t>
+            </a:r>
+            <a:endParaRPr lang="en-US" altLang="en-US" sz="2000" dirty="0">
+              <a:latin typeface="Tahoma" panose="020B0604030504040204" pitchFamily="34" charset="0"/>
+              <a:ea typeface="ＭＳ Ｐゴシック" panose="020B0600070205080204" pitchFamily="34" charset="-128"/>
+            </a:endParaRPr>
+          </a:p>
+          <a:p>
+            <a:pPr eaLnBrk="1" hangingPunct="1">
+              <a:buFontTx/>
+              <a:buNone/>
+            </a:pPr>
+            <a:endParaRPr lang="en-US" altLang="en-US" sz="1833" dirty="0">
+              <a:latin typeface="Tahoma" panose="020B0604030504040204" pitchFamily="34" charset="0"/>
+              <a:ea typeface="ＭＳ Ｐゴシック" panose="020B0600070205080204" pitchFamily="34" charset="-128"/>
+            </a:endParaRPr>
+          </a:p>
+          <a:p>
+            <a:pPr>
+              <a:buNone/>
+            </a:pPr>
+            <a:r>
+              <a:rPr lang="en-US" altLang="en-US" sz="2000" dirty="0">
+                <a:latin typeface="Gill Sans MT" panose="020B0502020104020203" pitchFamily="34" charset="77"/>
+                <a:ea typeface="ＭＳ Ｐゴシック" panose="020B0600070205080204" pitchFamily="34" charset="-128"/>
+              </a:rPr>
+              <a:t>Alan Turing proved that such a function(halting) does not exist(cannot be</a:t>
+            </a:r>
+          </a:p>
+          <a:p>
+            <a:pPr>
+              <a:buNone/>
+            </a:pPr>
+            <a:r>
+              <a:rPr lang="en-US" altLang="en-US" sz="2000" dirty="0">
+                <a:latin typeface="Gill Sans MT" panose="020B0502020104020203" pitchFamily="34" charset="77"/>
+                <a:ea typeface="ＭＳ Ｐゴシック" panose="020B0600070205080204" pitchFamily="34" charset="-128"/>
+              </a:rPr>
+              <a:t>implemented).  Alan Turing is portrayed by the incredible Benedict Cumberbatch in </a:t>
+            </a:r>
+          </a:p>
+          <a:p>
+            <a:pPr>
+              <a:buNone/>
+            </a:pPr>
+            <a:r>
+              <a:rPr lang="en-US" altLang="en-US" sz="2000" dirty="0">
+                <a:latin typeface="Gill Sans MT" panose="020B0502020104020203" pitchFamily="34" charset="77"/>
+                <a:ea typeface="ＭＳ Ｐゴシック" panose="020B0600070205080204" pitchFamily="34" charset="-128"/>
+              </a:rPr>
+              <a:t>the movie "The Imitation Game". </a:t>
+            </a:r>
+          </a:p>
+          <a:p>
+            <a:pPr eaLnBrk="1" hangingPunct="1">
+              <a:buFontTx/>
+              <a:buNone/>
+            </a:pPr>
+            <a:endParaRPr lang="en-US" altLang="en-US" sz="1833" dirty="0">
+              <a:latin typeface="Tahoma" panose="020B0604030504040204" pitchFamily="34" charset="0"/>
+              <a:ea typeface="ＭＳ Ｐゴシック" panose="020B0600070205080204" pitchFamily="34" charset="-128"/>
+            </a:endParaRPr>
+          </a:p>
+          <a:p>
+            <a:pPr eaLnBrk="1" hangingPunct="1">
+              <a:buFontTx/>
+              <a:buNone/>
+            </a:pPr>
+            <a:endParaRPr lang="en-US" altLang="en-US" sz="1833" dirty="0">
+              <a:latin typeface="Tahoma" panose="020B0604030504040204" pitchFamily="34" charset="0"/>
+              <a:ea typeface="ＭＳ Ｐゴシック" panose="020B0600070205080204" pitchFamily="34" charset="-128"/>
+            </a:endParaRPr>
+          </a:p>
+          <a:p>
+            <a:pPr eaLnBrk="1" hangingPunct="1"/>
+            <a:endParaRPr lang="en-US" altLang="en-US" sz="1833" dirty="0">
+              <a:latin typeface="Tahoma" panose="020B0604030504040204" pitchFamily="34" charset="0"/>
+              <a:ea typeface="ＭＳ Ｐゴシック" panose="020B0600070205080204" pitchFamily="34" charset="-128"/>
+            </a:endParaRPr>
+          </a:p>
+          <a:p>
+            <a:pPr marL="380985" lvl="1" indent="0">
+              <a:buNone/>
+            </a:pPr>
+            <a:r>
+              <a:rPr lang="en-US" altLang="en-US" sz="1500" dirty="0">
+                <a:latin typeface="Tahoma" panose="020B0604030504040204" pitchFamily="34" charset="0"/>
+              </a:rPr>
+              <a:t>	</a:t>
+            </a:r>
+          </a:p>
+          <a:p>
+            <a:pPr marL="380985" lvl="1" indent="0">
+              <a:buNone/>
+            </a:pPr>
+            <a:r>
+              <a:rPr lang="en-US" altLang="en-US" sz="1500" dirty="0">
+                <a:latin typeface="Tahoma" panose="020B0604030504040204" pitchFamily="34" charset="0"/>
+              </a:rPr>
+              <a:t>	</a:t>
+            </a:r>
+            <a:endParaRPr lang="en-US" altLang="en-US" sz="1833" dirty="0">
+              <a:latin typeface="Tahoma" panose="020B0604030504040204" pitchFamily="34" charset="0"/>
+            </a:endParaRPr>
+          </a:p>
+        </p:txBody>
+      </p:sp>
+      <p:sp>
+        <p:nvSpPr>
+          <p:cNvPr id="2" name="Slide Number Placeholder 1">
+            <a:extLst>
+              <a:ext uri="{FF2B5EF4-FFF2-40B4-BE49-F238E27FC236}">
+                <a16:creationId xmlns:a16="http://schemas.microsoft.com/office/drawing/2014/main" id="{502FCDCF-F7A3-194E-B43B-D9F5FB7BDC6F}"/>
+              </a:ext>
+            </a:extLst>
+          </p:cNvPr>
+          <p:cNvSpPr>
+            <a:spLocks noGrp="1"/>
+          </p:cNvSpPr>
+          <p:nvPr>
+            <p:ph type="sldNum" sz="quarter" idx="12"/>
+          </p:nvPr>
+        </p:nvSpPr>
+        <p:spPr/>
+        <p:txBody>
+          <a:bodyPr/>
+          <a:lstStyle/>
+          <a:p>
+            <a:fld id="{D57F1E4F-1CFF-5643-939E-02111984F565}" type="slidenum">
+              <a:rPr lang="en-US" smtClean="0"/>
+              <a:t>28</a:t>
+            </a:fld>
+            <a:endParaRPr lang="en-US" dirty="0"/>
+          </a:p>
+        </p:txBody>
+      </p:sp>
+    </p:spTree>
+    <p:extLst>
+      <p:ext uri="{BB962C8B-B14F-4D97-AF65-F5344CB8AC3E}">
+        <p14:creationId xmlns:p14="http://schemas.microsoft.com/office/powerpoint/2010/main" val="1241156272"/>
+      </p:ext>
+    </p:extLst>
+  </p:cSld>
+  <p:clrMapOvr>
+    <a:masterClrMapping/>
+  </p:clrMapOvr>
+  <p:transition/>
+  <p:timing>
+    <p:tnLst>
+      <p:par>
+        <p:cTn id="1" dur="indefinite" restart="never" nodeType="tmRoot">
+          <p:childTnLst>
+            <p:seq concurrent="1" nextAc="seek">
+              <p:cTn id="2" dur="indefinite" nodeType="mainSeq">
+                <p:childTnLst>
+                  <p:par>
+                    <p:cTn id="3" fill="hold">
+                      <p:stCondLst>
+                        <p:cond delay="indefinite"/>
+                      </p:stCondLst>
+                      <p:childTnLst>
+                        <p:par>
+                          <p:cTn id="4" fill="hold">
+                            <p:stCondLst>
+                              <p:cond delay="0"/>
+                            </p:stCondLst>
+                            <p:childTnLst>
+                              <p:par>
+                                <p:cTn id="5" presetID="1" presetClass="entr" presetSubtype="0" fill="hold" nodeType="clickEffect">
+                                  <p:stCondLst>
+                                    <p:cond delay="0"/>
+                                  </p:stCondLst>
+                                  <p:childTnLst>
+                                    <p:set>
+                                      <p:cBhvr>
+                                        <p:cTn id="6" dur="1" fill="hold">
+                                          <p:stCondLst>
+                                            <p:cond delay="0"/>
+                                          </p:stCondLst>
+                                        </p:cTn>
+                                        <p:tgtEl>
+                                          <p:spTgt spid="26627">
+                                            <p:txEl>
+                                              <p:pRg st="1" end="1"/>
+                                            </p:txEl>
+                                          </p:spTgt>
+                                        </p:tgtEl>
+                                        <p:attrNameLst>
+                                          <p:attrName>style.visibility</p:attrName>
+                                        </p:attrNameLst>
+                                      </p:cBhvr>
+                                      <p:to>
+                                        <p:strVal val="visible"/>
+                                      </p:to>
+                                    </p:set>
+                                  </p:childTnLst>
+                                </p:cTn>
+                              </p:par>
+                              <p:par>
+                                <p:cTn id="7" presetID="1" presetClass="entr" presetSubtype="0" fill="hold" nodeType="withEffect">
+                                  <p:stCondLst>
+                                    <p:cond delay="0"/>
+                                  </p:stCondLst>
+                                  <p:childTnLst>
+                                    <p:set>
+                                      <p:cBhvr>
+                                        <p:cTn id="8" dur="1" fill="hold">
+                                          <p:stCondLst>
+                                            <p:cond delay="0"/>
+                                          </p:stCondLst>
+                                        </p:cTn>
+                                        <p:tgtEl>
+                                          <p:spTgt spid="26627">
+                                            <p:txEl>
+                                              <p:pRg st="2" end="2"/>
+                                            </p:txEl>
+                                          </p:spTgt>
+                                        </p:tgtEl>
+                                        <p:attrNameLst>
+                                          <p:attrName>style.visibility</p:attrName>
+                                        </p:attrNameLst>
+                                      </p:cBhvr>
+                                      <p:to>
+                                        <p:strVal val="visible"/>
+                                      </p:to>
+                                    </p:set>
+                                  </p:childTnLst>
+                                </p:cTn>
+                              </p:par>
+                              <p:par>
+                                <p:cTn id="9" presetID="1" presetClass="entr" presetSubtype="0" fill="hold" nodeType="withEffect">
+                                  <p:stCondLst>
+                                    <p:cond delay="0"/>
+                                  </p:stCondLst>
+                                  <p:childTnLst>
+                                    <p:set>
+                                      <p:cBhvr>
+                                        <p:cTn id="10" dur="1" fill="hold">
+                                          <p:stCondLst>
+                                            <p:cond delay="0"/>
+                                          </p:stCondLst>
+                                        </p:cTn>
+                                        <p:tgtEl>
+                                          <p:spTgt spid="26627">
+                                            <p:txEl>
+                                              <p:pRg st="3" end="3"/>
+                                            </p:txEl>
+                                          </p:spTgt>
+                                        </p:tgtEl>
+                                        <p:attrNameLst>
+                                          <p:attrName>style.visibility</p:attrName>
+                                        </p:attrNameLst>
+                                      </p:cBhvr>
+                                      <p:to>
+                                        <p:strVal val="visible"/>
+                                      </p:to>
+                                    </p:set>
+                                  </p:childTnLst>
+                                </p:cTn>
+                              </p:par>
+                              <p:par>
+                                <p:cTn id="11" presetID="1" presetClass="entr" presetSubtype="0" fill="hold" nodeType="withEffect">
+                                  <p:stCondLst>
+                                    <p:cond delay="0"/>
+                                  </p:stCondLst>
+                                  <p:childTnLst>
+                                    <p:set>
+                                      <p:cBhvr>
+                                        <p:cTn id="12" dur="1" fill="hold">
+                                          <p:stCondLst>
+                                            <p:cond delay="0"/>
+                                          </p:stCondLst>
+                                        </p:cTn>
+                                        <p:tgtEl>
+                                          <p:spTgt spid="26627">
+                                            <p:txEl>
+                                              <p:pRg st="4" end="4"/>
+                                            </p:txEl>
+                                          </p:spTgt>
+                                        </p:tgtEl>
+                                        <p:attrNameLst>
+                                          <p:attrName>style.visibility</p:attrName>
+                                        </p:attrNameLst>
+                                      </p:cBhvr>
+                                      <p:to>
+                                        <p:strVal val="visible"/>
+                                      </p:to>
+                                    </p:set>
+                                  </p:childTnLst>
+                                </p:cTn>
+                              </p:par>
+                              <p:par>
+                                <p:cTn id="13" presetID="1" presetClass="entr" presetSubtype="0" fill="hold" nodeType="withEffect">
+                                  <p:stCondLst>
+                                    <p:cond delay="0"/>
+                                  </p:stCondLst>
+                                  <p:childTnLst>
+                                    <p:set>
+                                      <p:cBhvr>
+                                        <p:cTn id="14" dur="1" fill="hold">
+                                          <p:stCondLst>
+                                            <p:cond delay="0"/>
+                                          </p:stCondLst>
+                                        </p:cTn>
+                                        <p:tgtEl>
+                                          <p:spTgt spid="26627">
+                                            <p:txEl>
+                                              <p:pRg st="5" end="5"/>
+                                            </p:txEl>
+                                          </p:spTgt>
+                                        </p:tgtEl>
+                                        <p:attrNameLst>
+                                          <p:attrName>style.visibility</p:attrName>
+                                        </p:attrNameLst>
+                                      </p:cBhvr>
+                                      <p:to>
+                                        <p:strVal val="visible"/>
+                                      </p:to>
+                                    </p:set>
+                                  </p:childTnLst>
+                                </p:cTn>
+                              </p:par>
+                            </p:childTnLst>
+                          </p:cTn>
+                        </p:par>
+                      </p:childTnLst>
+                    </p:cTn>
+                  </p:par>
+                  <p:par>
+                    <p:cTn id="15" fill="hold">
+                      <p:stCondLst>
+                        <p:cond delay="indefinite"/>
+                      </p:stCondLst>
+                      <p:childTnLst>
+                        <p:par>
+                          <p:cTn id="16" fill="hold">
+                            <p:stCondLst>
+                              <p:cond delay="0"/>
+                            </p:stCondLst>
+                            <p:childTnLst>
+                              <p:par>
+                                <p:cTn id="17" presetID="1" presetClass="entr" presetSubtype="0" fill="hold" nodeType="clickEffect">
+                                  <p:stCondLst>
+                                    <p:cond delay="0"/>
+                                  </p:stCondLst>
+                                  <p:childTnLst>
+                                    <p:set>
+                                      <p:cBhvr>
+                                        <p:cTn id="18" dur="1" fill="hold">
+                                          <p:stCondLst>
+                                            <p:cond delay="0"/>
+                                          </p:stCondLst>
+                                        </p:cTn>
+                                        <p:tgtEl>
+                                          <p:spTgt spid="26627">
+                                            <p:txEl>
+                                              <p:pRg st="6" end="6"/>
+                                            </p:txEl>
+                                          </p:spTgt>
+                                        </p:tgtEl>
+                                        <p:attrNameLst>
+                                          <p:attrName>style.visibility</p:attrName>
+                                        </p:attrNameLst>
+                                      </p:cBhvr>
+                                      <p:to>
+                                        <p:strVal val="visible"/>
+                                      </p:to>
+                                    </p:set>
+                                  </p:childTnLst>
+                                </p:cTn>
+                              </p:par>
+                            </p:childTnLst>
+                          </p:cTn>
+                        </p:par>
+                      </p:childTnLst>
+                    </p:cTn>
+                  </p:par>
+                  <p:par>
+                    <p:cTn id="19" fill="hold">
+                      <p:stCondLst>
+                        <p:cond delay="indefinite"/>
+                      </p:stCondLst>
+                      <p:childTnLst>
+                        <p:par>
+                          <p:cTn id="20" fill="hold">
+                            <p:stCondLst>
+                              <p:cond delay="0"/>
+                            </p:stCondLst>
+                            <p:childTnLst>
+                              <p:par>
+                                <p:cTn id="21" presetID="1" presetClass="entr" presetSubtype="0" fill="hold" nodeType="clickEffect">
+                                  <p:stCondLst>
+                                    <p:cond delay="0"/>
+                                  </p:stCondLst>
+                                  <p:childTnLst>
+                                    <p:set>
+                                      <p:cBhvr>
+                                        <p:cTn id="22" dur="1" fill="hold">
+                                          <p:stCondLst>
+                                            <p:cond delay="0"/>
+                                          </p:stCondLst>
+                                        </p:cTn>
+                                        <p:tgtEl>
+                                          <p:spTgt spid="26627">
+                                            <p:txEl>
+                                              <p:pRg st="7" end="7"/>
+                                            </p:txEl>
+                                          </p:spTgt>
+                                        </p:tgtEl>
+                                        <p:attrNameLst>
+                                          <p:attrName>style.visibility</p:attrName>
+                                        </p:attrNameLst>
+                                      </p:cBhvr>
+                                      <p:to>
+                                        <p:strVal val="visible"/>
+                                      </p:to>
+                                    </p:set>
+                                  </p:childTnLst>
+                                </p:cTn>
+                              </p:par>
+                            </p:childTnLst>
+                          </p:cTn>
+                        </p:par>
+                      </p:childTnLst>
+                    </p:cTn>
+                  </p:par>
+                </p:childTnLst>
+              </p:cTn>
+              <p:prevCondLst>
+                <p:cond evt="onPrev" delay="0">
+                  <p:tgtEl>
+                    <p:sldTgt/>
+                  </p:tgtEl>
+                </p:cond>
+              </p:prevCondLst>
+              <p:nextCondLst>
+                <p:cond evt="onNext" delay="0">
+                  <p:tgtEl>
+                    <p:sldTgt/>
+                  </p:tgtEl>
+                </p:cond>
+              </p:nextCondLst>
+            </p:seq>
+          </p:childTnLst>
+        </p:cTn>
+      </p:par>
+    </p:tnLst>
+  </p:timing>
+</p:sld>
+</file>
+
+<file path=ppt/slides/slide29.xml><?xml version="1.0" encoding="utf-8"?>
+<p:sld xmlns:a="http://schemas.openxmlformats.org/drawingml/2006/main" xmlns:r="http://schemas.openxmlformats.org/officeDocument/2006/relationships" xmlns:p="http://schemas.openxmlformats.org/presentationml/2006/main">
+  <p:cSld>
+    <p:spTree>
+      <p:nvGrpSpPr>
+        <p:cNvPr id="1" name=""/>
+        <p:cNvGrpSpPr/>
+        <p:nvPr/>
+      </p:nvGrpSpPr>
+      <p:grpSpPr>
+        <a:xfrm>
+          <a:off x="0" y="0"/>
+          <a:ext cx="0" cy="0"/>
+          <a:chOff x="0" y="0"/>
+          <a:chExt cx="0" cy="0"/>
+        </a:xfrm>
+      </p:grpSpPr>
+      <p:sp>
+        <p:nvSpPr>
+          <p:cNvPr id="186370" name="Rectangle 2">
+            <a:extLst>
+              <a:ext uri="{FF2B5EF4-FFF2-40B4-BE49-F238E27FC236}">
+                <a16:creationId xmlns:a16="http://schemas.microsoft.com/office/drawing/2014/main" id="{C5506108-D6E6-9641-98CC-A9DA92AF0478}"/>
+              </a:ext>
+            </a:extLst>
+          </p:cNvPr>
+          <p:cNvSpPr>
+            <a:spLocks noGrp="1" noChangeArrowheads="1"/>
+          </p:cNvSpPr>
+          <p:nvPr>
+            <p:ph type="title"/>
+          </p:nvPr>
+        </p:nvSpPr>
+        <p:spPr>
+          <a:xfrm>
+            <a:off x="133564" y="104519"/>
+            <a:ext cx="7724240" cy="679442"/>
+          </a:xfrm>
+        </p:spPr>
+        <p:txBody>
+          <a:bodyPr/>
+          <a:lstStyle/>
+          <a:p>
+            <a:pPr eaLnBrk="1" hangingPunct="1">
+              <a:defRPr/>
+            </a:pPr>
+            <a:r>
+              <a:rPr lang="en-US" dirty="0">
+                <a:solidFill>
+                  <a:srgbClr val="FF0000"/>
+                </a:solidFill>
+                <a:cs typeface="+mj-cs"/>
+              </a:rPr>
+              <a:t>Algorithms to know for AP Exam</a:t>
+            </a:r>
+            <a:endParaRPr lang="en-US" sz="2333" dirty="0">
+              <a:solidFill>
+                <a:srgbClr val="FF0000"/>
+              </a:solidFill>
+            </a:endParaRPr>
+          </a:p>
+        </p:txBody>
+      </p:sp>
+      <p:sp>
+        <p:nvSpPr>
           <p:cNvPr id="6146" name="Rectangle 3">
             <a:extLst>
               <a:ext uri="{FF2B5EF4-FFF2-40B4-BE49-F238E27FC236}">
@@ -21972,8 +22849,8 @@
         </p:nvSpPr>
         <p:spPr>
           <a:xfrm>
-            <a:off x="143838" y="0"/>
-            <a:ext cx="8527551" cy="5591710"/>
+            <a:off x="133564" y="783961"/>
+            <a:ext cx="8537825" cy="4931039"/>
           </a:xfrm>
         </p:spPr>
         <p:txBody>
@@ -21985,410 +22862,95 @@
             <a:pPr marL="0" indent="0">
               <a:buNone/>
             </a:pPr>
-            <a:endParaRPr lang="en-US" sz="1600" b="1" dirty="0">
-              <a:solidFill>
-                <a:srgbClr val="34A327"/>
-              </a:solidFill>
-              <a:latin typeface="Inconsolata" panose="020B0609030003000000" pitchFamily="49" charset="77"/>
+            <a:r>
+              <a:rPr lang="en-US" altLang="en-US" sz="2000" dirty="0">
+                <a:latin typeface="Gill Sans MT" panose="020B0502020104020203" pitchFamily="34" charset="77"/>
+                <a:ea typeface="ＭＳ Ｐゴシック" panose="020B0600070205080204" pitchFamily="34" charset="-128"/>
+              </a:rPr>
+              <a:t>You should know how to implement(write the code for) the following algorithms. The AP exam may give you the code for an algorithm and ask you to find the error or explain what it does. </a:t>
+            </a:r>
+          </a:p>
+          <a:p>
+            <a:pPr marL="0" indent="0">
+              <a:buNone/>
+            </a:pPr>
+            <a:endParaRPr lang="en-US" altLang="en-US" sz="2000" dirty="0">
+              <a:latin typeface="Courier New" panose="02070309020205020404" pitchFamily="49" charset="0"/>
+              <a:ea typeface="ＭＳ Ｐゴシック" panose="020B0600070205080204" pitchFamily="34" charset="-128"/>
             </a:endParaRPr>
           </a:p>
           <a:p>
+            <a:pPr marL="457200" indent="-457200">
+              <a:buAutoNum type="arabicParenR"/>
+            </a:pPr>
+            <a:r>
+              <a:rPr lang="en-US" altLang="en-US" sz="2000" dirty="0">
+                <a:latin typeface="Gill Sans MT" panose="020B0502020104020203" pitchFamily="34" charset="77"/>
+                <a:ea typeface="ＭＳ Ｐゴシック" panose="020B0600070205080204" pitchFamily="34" charset="-128"/>
+              </a:rPr>
+              <a:t>Finding an item in a list(sequential search).</a:t>
+            </a:r>
+          </a:p>
+          <a:p>
+            <a:pPr marL="800100" lvl="1" indent="-457200">
+              <a:buFont typeface="+mj-lt"/>
+              <a:buAutoNum type="alphaLcParenR"/>
+            </a:pPr>
+            <a:r>
+              <a:rPr lang="en-US" altLang="en-US" dirty="0">
+                <a:latin typeface="Gill Sans MT" panose="020B0502020104020203" pitchFamily="34" charset="77"/>
+                <a:ea typeface="ＭＳ Ｐゴシック" panose="020B0600070205080204" pitchFamily="34" charset="-128"/>
+              </a:rPr>
+              <a:t>Given a list and an item, return whether(True or False) the item is in the list</a:t>
+            </a:r>
+          </a:p>
+          <a:p>
+            <a:pPr marL="800100" lvl="1" indent="-457200">
+              <a:buFont typeface="+mj-lt"/>
+              <a:buAutoNum type="alphaLcParenR"/>
+            </a:pPr>
+            <a:r>
+              <a:rPr lang="en-US" altLang="en-US" dirty="0">
+                <a:latin typeface="Gill Sans MT" panose="020B0502020104020203" pitchFamily="34" charset="77"/>
+                <a:ea typeface="ＭＳ Ｐゴシック" panose="020B0600070205080204" pitchFamily="34" charset="-128"/>
+              </a:rPr>
+              <a:t>Give a list an an item, return the index of the item in the list(-1 if not found).</a:t>
+            </a:r>
+          </a:p>
+          <a:p>
+            <a:pPr marL="457200" indent="-457200">
+              <a:buFont typeface="+mj-lt"/>
+              <a:buAutoNum type="arabicParenR"/>
+            </a:pPr>
+            <a:r>
+              <a:rPr lang="en-US" altLang="en-US" sz="2000" dirty="0">
+                <a:latin typeface="Gill Sans MT" panose="020B0502020104020203" pitchFamily="34" charset="77"/>
+                <a:ea typeface="ＭＳ Ｐゴシック" panose="020B0600070205080204" pitchFamily="34" charset="-128"/>
+              </a:rPr>
+              <a:t>Compute the sum or average of a list of numbers.</a:t>
+            </a:r>
+          </a:p>
+          <a:p>
+            <a:pPr marL="457200" indent="-457200">
+              <a:buFont typeface="+mj-lt"/>
+              <a:buAutoNum type="arabicParenR"/>
+            </a:pPr>
+            <a:r>
+              <a:rPr lang="en-US" altLang="en-US" sz="2000" dirty="0">
+                <a:latin typeface="Gill Sans MT" panose="020B0502020104020203" pitchFamily="34" charset="77"/>
+                <a:ea typeface="ＭＳ Ｐゴシック" panose="020B0600070205080204" pitchFamily="34" charset="-128"/>
+              </a:rPr>
+              <a:t>Find the minimum or maximum value of a list of numbers.</a:t>
+            </a:r>
+          </a:p>
+          <a:p>
             <a:pPr marL="0" indent="0">
               <a:buNone/>
             </a:pPr>
-            <a:r>
-              <a:rPr lang="en-US" sz="1600" b="1" dirty="0">
-                <a:solidFill>
-                  <a:srgbClr val="34A327"/>
-                </a:solidFill>
-                <a:latin typeface="Inconsolata" panose="020B0609030003000000" pitchFamily="49" charset="77"/>
-              </a:rPr>
-              <a:t>def</a:t>
-            </a:r>
-            <a:r>
-              <a:rPr lang="en-US" sz="1600" b="1" dirty="0">
-                <a:solidFill>
-                  <a:srgbClr val="000000"/>
-                </a:solidFill>
-                <a:latin typeface="Inconsolata" panose="020B0609030003000000" pitchFamily="49" charset="77"/>
-              </a:rPr>
-              <a:t> </a:t>
-            </a:r>
-            <a:r>
-              <a:rPr lang="en-US" sz="1600" b="1" dirty="0" err="1">
-                <a:solidFill>
-                  <a:srgbClr val="3C9FF2"/>
-                </a:solidFill>
-                <a:latin typeface="Inconsolata" panose="020B0609030003000000" pitchFamily="49" charset="77"/>
-              </a:rPr>
-              <a:t>two_smallest</a:t>
-            </a:r>
-            <a:r>
-              <a:rPr lang="en-US" sz="1600" b="1" dirty="0">
-                <a:solidFill>
-                  <a:srgbClr val="000000"/>
-                </a:solidFill>
-                <a:latin typeface="Inconsolata" panose="020B0609030003000000" pitchFamily="49" charset="77"/>
-              </a:rPr>
-              <a:t>(</a:t>
-            </a:r>
-            <a:r>
-              <a:rPr lang="en-US" sz="1600" b="1" dirty="0" err="1">
-                <a:solidFill>
-                  <a:srgbClr val="000000"/>
-                </a:solidFill>
-                <a:latin typeface="Inconsolata" panose="020B0609030003000000" pitchFamily="49" charset="77"/>
-              </a:rPr>
-              <a:t>lst</a:t>
-            </a:r>
-            <a:r>
-              <a:rPr lang="en-US" sz="1600" b="1" dirty="0">
-                <a:solidFill>
-                  <a:srgbClr val="000000"/>
-                </a:solidFill>
-                <a:latin typeface="Inconsolata" panose="020B0609030003000000" pitchFamily="49" charset="77"/>
-              </a:rPr>
-              <a:t>):  </a:t>
-            </a:r>
-          </a:p>
-          <a:p>
-            <a:pPr marL="0" indent="0">
-              <a:buNone/>
-            </a:pPr>
-            <a:r>
-              <a:rPr lang="en-US" sz="1600" b="1" dirty="0">
-                <a:solidFill>
-                  <a:srgbClr val="006699"/>
-                </a:solidFill>
-                <a:latin typeface="Inconsolata" panose="020B0609030003000000" pitchFamily="49" charset="77"/>
-              </a:rPr>
-              <a:t>	# Find the index of the minimum item in </a:t>
-            </a:r>
-            <a:r>
-              <a:rPr lang="en-US" sz="1600" b="1" dirty="0" err="1">
-                <a:solidFill>
-                  <a:srgbClr val="006699"/>
-                </a:solidFill>
-                <a:latin typeface="Inconsolata" panose="020B0609030003000000" pitchFamily="49" charset="77"/>
-              </a:rPr>
-              <a:t>lst</a:t>
-            </a:r>
-            <a:r>
-              <a:rPr lang="en-US" sz="1600" b="1" dirty="0">
-                <a:solidFill>
-                  <a:srgbClr val="006699"/>
-                </a:solidFill>
-                <a:latin typeface="Inconsolata" panose="020B0609030003000000" pitchFamily="49" charset="77"/>
-              </a:rPr>
-              <a:t> </a:t>
-            </a:r>
-          </a:p>
-          <a:p>
-            <a:pPr marL="0" indent="0">
-              <a:buNone/>
-            </a:pPr>
-            <a:r>
-              <a:rPr lang="en-US" sz="1600" b="1" dirty="0">
-                <a:solidFill>
-                  <a:srgbClr val="006699"/>
-                </a:solidFill>
-                <a:latin typeface="Inconsolata" panose="020B0609030003000000" pitchFamily="49" charset="77"/>
-              </a:rPr>
-              <a:t>	</a:t>
-            </a:r>
-            <a:r>
-              <a:rPr lang="en-US" sz="1600" b="1" dirty="0">
-                <a:latin typeface="Inconsolata" panose="020B0609030003000000" pitchFamily="49" charset="77"/>
-              </a:rPr>
-              <a:t>smallest = min(</a:t>
-            </a:r>
-            <a:r>
-              <a:rPr lang="en-US" sz="1600" b="1" dirty="0" err="1">
-                <a:latin typeface="Inconsolata" panose="020B0609030003000000" pitchFamily="49" charset="77"/>
-              </a:rPr>
-              <a:t>lst</a:t>
-            </a:r>
-            <a:r>
-              <a:rPr lang="en-US" sz="1600" b="1" dirty="0">
-                <a:latin typeface="Inconsolata" panose="020B0609030003000000" pitchFamily="49" charset="77"/>
-              </a:rPr>
-              <a:t>)</a:t>
-            </a:r>
-            <a:endParaRPr lang="en-US" sz="1600" b="1" dirty="0">
-              <a:solidFill>
-                <a:srgbClr val="006699"/>
-              </a:solidFill>
-              <a:latin typeface="Inconsolata" panose="020B0609030003000000" pitchFamily="49" charset="77"/>
+            <a:endParaRPr lang="en-US" altLang="en-US" sz="2000" dirty="0">
+              <a:latin typeface="Courier New" panose="02070309020205020404" pitchFamily="49" charset="0"/>
+              <a:ea typeface="ＭＳ Ｐゴシック" panose="020B0600070205080204" pitchFamily="34" charset="-128"/>
             </a:endParaRPr>
-          </a:p>
-          <a:p>
-            <a:pPr marL="0" indent="0">
-              <a:buNone/>
-            </a:pPr>
-            <a:r>
-              <a:rPr lang="en-US" sz="1600" b="1" dirty="0">
-                <a:latin typeface="Inconsolata" panose="020B0609030003000000" pitchFamily="49" charset="77"/>
-              </a:rPr>
-              <a:t>	min1 = </a:t>
-            </a:r>
-            <a:r>
-              <a:rPr lang="en-US" sz="1600" b="1" dirty="0" err="1">
-                <a:latin typeface="Inconsolata" panose="020B0609030003000000" pitchFamily="49" charset="77"/>
-              </a:rPr>
-              <a:t>lst.index</a:t>
-            </a:r>
-            <a:r>
-              <a:rPr lang="en-US" sz="1600" b="1" dirty="0">
-                <a:latin typeface="Inconsolata" panose="020B0609030003000000" pitchFamily="49" charset="77"/>
-              </a:rPr>
-              <a:t>(smallest)</a:t>
-            </a:r>
-          </a:p>
-          <a:p>
-            <a:pPr marL="0" indent="0">
-              <a:buNone/>
-            </a:pPr>
-            <a:r>
-              <a:rPr lang="en-US" sz="1600" b="1" dirty="0">
-                <a:solidFill>
-                  <a:srgbClr val="006699"/>
-                </a:solidFill>
-                <a:latin typeface="Inconsolata" panose="020B0609030003000000" pitchFamily="49" charset="77"/>
-              </a:rPr>
-              <a:t>	# Remove that item from the list </a:t>
-            </a:r>
-          </a:p>
-          <a:p>
-            <a:pPr marL="0" indent="0">
-              <a:buNone/>
-            </a:pPr>
-            <a:r>
-              <a:rPr lang="en-US" sz="1600" b="1" dirty="0">
-                <a:latin typeface="Inconsolata" panose="020B0609030003000000" pitchFamily="49" charset="77"/>
-              </a:rPr>
-              <a:t>	</a:t>
-            </a:r>
-            <a:r>
-              <a:rPr lang="en-US" sz="1600" b="1" dirty="0" err="1">
-                <a:latin typeface="Inconsolata" panose="020B0609030003000000" pitchFamily="49" charset="77"/>
-              </a:rPr>
-              <a:t>lst.remove</a:t>
-            </a:r>
-            <a:r>
-              <a:rPr lang="en-US" sz="1600" b="1" dirty="0">
-                <a:latin typeface="Inconsolata" panose="020B0609030003000000" pitchFamily="49" charset="77"/>
-              </a:rPr>
-              <a:t>(smallest)</a:t>
-            </a:r>
-            <a:endParaRPr lang="en-US" sz="1600" b="1" dirty="0">
-              <a:solidFill>
-                <a:srgbClr val="006699"/>
-              </a:solidFill>
-              <a:latin typeface="Inconsolata" panose="020B0609030003000000" pitchFamily="49" charset="77"/>
-            </a:endParaRPr>
-          </a:p>
-          <a:p>
-            <a:pPr marL="0" indent="0">
-              <a:buNone/>
-            </a:pPr>
-            <a:r>
-              <a:rPr lang="en-US" sz="1600" b="1" dirty="0">
-                <a:solidFill>
-                  <a:srgbClr val="006699"/>
-                </a:solidFill>
-                <a:latin typeface="Inconsolata" panose="020B0609030003000000" pitchFamily="49" charset="77"/>
-              </a:rPr>
-              <a:t>	# Find the index of the new minimum item in the list </a:t>
-            </a:r>
-          </a:p>
-          <a:p>
-            <a:pPr marL="0" indent="0">
-              <a:buNone/>
-            </a:pPr>
-            <a:r>
-              <a:rPr lang="en-US" sz="1600" b="1" dirty="0">
-                <a:latin typeface="Inconsolata" panose="020B0609030003000000" pitchFamily="49" charset="77"/>
-              </a:rPr>
-              <a:t>	</a:t>
-            </a:r>
-            <a:r>
-              <a:rPr lang="en-US" sz="1600" b="1" dirty="0" err="1">
-                <a:latin typeface="Inconsolata" panose="020B0609030003000000" pitchFamily="49" charset="77"/>
-              </a:rPr>
-              <a:t>next_smallest</a:t>
-            </a:r>
-            <a:r>
-              <a:rPr lang="en-US" sz="1600" b="1" dirty="0">
-                <a:latin typeface="Inconsolata" panose="020B0609030003000000" pitchFamily="49" charset="77"/>
-              </a:rPr>
-              <a:t> = min(</a:t>
-            </a:r>
-            <a:r>
-              <a:rPr lang="en-US" sz="1600" b="1" dirty="0" err="1">
-                <a:latin typeface="Inconsolata" panose="020B0609030003000000" pitchFamily="49" charset="77"/>
-              </a:rPr>
-              <a:t>lst</a:t>
-            </a:r>
-            <a:r>
-              <a:rPr lang="en-US" sz="1600" b="1" dirty="0">
-                <a:latin typeface="Inconsolata" panose="020B0609030003000000" pitchFamily="49" charset="77"/>
-              </a:rPr>
-              <a:t>)</a:t>
-            </a:r>
-            <a:endParaRPr lang="en-US" sz="1600" b="1" dirty="0">
-              <a:solidFill>
-                <a:srgbClr val="006699"/>
-              </a:solidFill>
-              <a:latin typeface="Inconsolata" panose="020B0609030003000000" pitchFamily="49" charset="77"/>
-            </a:endParaRPr>
-          </a:p>
-          <a:p>
-            <a:pPr marL="0" indent="0">
-              <a:buNone/>
-            </a:pPr>
-            <a:r>
-              <a:rPr lang="en-US" sz="1600" b="1" dirty="0">
-                <a:latin typeface="Inconsolata" panose="020B0609030003000000" pitchFamily="49" charset="77"/>
-              </a:rPr>
-              <a:t>	min2 = </a:t>
-            </a:r>
-            <a:r>
-              <a:rPr lang="en-US" sz="1600" b="1" dirty="0" err="1">
-                <a:latin typeface="Inconsolata" panose="020B0609030003000000" pitchFamily="49" charset="77"/>
-              </a:rPr>
-              <a:t>lst.index</a:t>
-            </a:r>
-            <a:r>
-              <a:rPr lang="en-US" sz="1600" b="1" dirty="0">
-                <a:latin typeface="Inconsolata" panose="020B0609030003000000" pitchFamily="49" charset="77"/>
-              </a:rPr>
-              <a:t>(</a:t>
-            </a:r>
-            <a:r>
-              <a:rPr lang="en-US" sz="1600" b="1" dirty="0" err="1">
-                <a:latin typeface="Inconsolata" panose="020B0609030003000000" pitchFamily="49" charset="77"/>
-              </a:rPr>
-              <a:t>next_smallest</a:t>
-            </a:r>
-            <a:r>
-              <a:rPr lang="en-US" sz="1600" b="1" dirty="0">
-                <a:latin typeface="Inconsolata" panose="020B0609030003000000" pitchFamily="49" charset="77"/>
-              </a:rPr>
-              <a:t>)</a:t>
-            </a:r>
-            <a:endParaRPr lang="en-US" sz="1600" b="1" dirty="0">
-              <a:solidFill>
-                <a:srgbClr val="006699"/>
-              </a:solidFill>
-              <a:latin typeface="Inconsolata" panose="020B0609030003000000" pitchFamily="49" charset="77"/>
-            </a:endParaRPr>
-          </a:p>
-          <a:p>
-            <a:pPr marL="0" indent="0">
-              <a:buNone/>
-            </a:pPr>
-            <a:r>
-              <a:rPr lang="en-US" sz="1600" b="1" dirty="0">
-                <a:solidFill>
-                  <a:srgbClr val="006699"/>
-                </a:solidFill>
-                <a:latin typeface="Inconsolata" panose="020B0609030003000000" pitchFamily="49" charset="77"/>
-              </a:rPr>
-              <a:t>	# Put the smallest item back in the list </a:t>
-            </a:r>
-          </a:p>
-          <a:p>
-            <a:pPr marL="0" indent="0">
-              <a:buNone/>
-            </a:pPr>
-            <a:r>
-              <a:rPr lang="en-US" sz="1600" b="1" dirty="0">
-                <a:latin typeface="Inconsolata" panose="020B0609030003000000" pitchFamily="49" charset="77"/>
-              </a:rPr>
-              <a:t>	</a:t>
-            </a:r>
-            <a:r>
-              <a:rPr lang="en-US" sz="1600" b="1" dirty="0" err="1">
-                <a:latin typeface="Inconsolata" panose="020B0609030003000000" pitchFamily="49" charset="77"/>
-              </a:rPr>
-              <a:t>lst.insert</a:t>
-            </a:r>
-            <a:r>
-              <a:rPr lang="en-US" sz="1600" b="1" dirty="0">
-                <a:latin typeface="Inconsolata" panose="020B0609030003000000" pitchFamily="49" charset="77"/>
-              </a:rPr>
-              <a:t>(min1, smallest)</a:t>
-            </a:r>
-          </a:p>
-          <a:p>
-            <a:pPr marL="0" indent="0">
-              <a:buNone/>
-            </a:pPr>
-            <a:r>
-              <a:rPr lang="en-US" sz="1600" b="1" dirty="0">
-                <a:solidFill>
-                  <a:srgbClr val="006699"/>
-                </a:solidFill>
-                <a:latin typeface="Inconsolata" panose="020B0609030003000000" pitchFamily="49" charset="77"/>
-              </a:rPr>
-              <a:t>	# If necessary, adjust the second index</a:t>
-            </a:r>
-          </a:p>
-          <a:p>
-            <a:pPr marL="0" indent="0">
-              <a:buNone/>
-            </a:pPr>
-            <a:r>
-              <a:rPr lang="en-US" sz="1600" b="1" dirty="0">
-                <a:latin typeface="Inconsolata" panose="020B0609030003000000" pitchFamily="49" charset="77"/>
-              </a:rPr>
-              <a:t>	if min1 &lt;= min2:</a:t>
-            </a:r>
-          </a:p>
-          <a:p>
-            <a:pPr marL="0" indent="0">
-              <a:buNone/>
-            </a:pPr>
-            <a:r>
-              <a:rPr lang="en-US" sz="1600" b="1" dirty="0">
-                <a:latin typeface="Inconsolata" panose="020B0609030003000000" pitchFamily="49" charset="77"/>
-              </a:rPr>
-              <a:t>		min2 += 1</a:t>
-            </a:r>
-            <a:r>
-              <a:rPr lang="en-US" sz="1600" b="1" dirty="0">
-                <a:solidFill>
-                  <a:srgbClr val="006699"/>
-                </a:solidFill>
-                <a:latin typeface="Inconsolata" panose="020B0609030003000000" pitchFamily="49" charset="77"/>
-              </a:rPr>
-              <a:t>		</a:t>
-            </a:r>
-          </a:p>
-          <a:p>
-            <a:pPr marL="0" indent="0">
-              <a:buNone/>
-            </a:pPr>
-            <a:r>
-              <a:rPr lang="en-US" sz="1600" b="1" dirty="0">
-                <a:solidFill>
-                  <a:srgbClr val="006699"/>
-                </a:solidFill>
-                <a:latin typeface="Inconsolata" panose="020B0609030003000000" pitchFamily="49" charset="77"/>
-              </a:rPr>
-              <a:t>	# Return the two indices </a:t>
-            </a:r>
-          </a:p>
-          <a:p>
-            <a:pPr marL="0" indent="0">
-              <a:buNone/>
-            </a:pPr>
-            <a:r>
-              <a:rPr lang="en-US" sz="1600" b="1" dirty="0">
-                <a:latin typeface="Inconsolata" panose="020B0609030003000000" pitchFamily="49" charset="77"/>
-              </a:rPr>
-              <a:t>	return (min1, min2)</a:t>
-            </a:r>
           </a:p>
         </p:txBody>
       </p:sp>
@@ -22397,7 +22959,7 @@
           <p:cNvPr id="2" name="Slide Number Placeholder 1">
             <a:extLst>
               <a:ext uri="{FF2B5EF4-FFF2-40B4-BE49-F238E27FC236}">
-                <a16:creationId xmlns:a16="http://schemas.microsoft.com/office/drawing/2014/main" id="{3F3777BB-3610-4B44-80AB-6B366FF42E17}"/>
+                <a16:creationId xmlns:a16="http://schemas.microsoft.com/office/drawing/2014/main" id="{EAEC08EF-B495-0248-BDF8-D62158BA5FFD}"/>
               </a:ext>
             </a:extLst>
           </p:cNvPr>
@@ -22415,7 +22977,7 @@
           <a:p>
             <a:fld id="{D57F1E4F-1CFF-5643-939E-02111984F565}" type="slidenum">
               <a:rPr lang="en-US" smtClean="0"/>
-              <a:t>28</a:t>
+              <a:t>29</a:t>
             </a:fld>
             <a:endParaRPr lang="en-US" dirty="0"/>
           </a:p>
@@ -22424,7 +22986,7 @@
     </p:spTree>
     <p:extLst>
       <p:ext uri="{BB962C8B-B14F-4D97-AF65-F5344CB8AC3E}">
-        <p14:creationId xmlns:p14="http://schemas.microsoft.com/office/powerpoint/2010/main" val="2659410340"/>
+        <p14:creationId xmlns:p14="http://schemas.microsoft.com/office/powerpoint/2010/main" val="1656957266"/>
       </p:ext>
     </p:extLst>
   </p:cSld>
@@ -22452,7 +23014,7 @@
                             </p:stCondLst>
                             <p:childTnLst>
                               <p:par>
-                                <p:cTn id="5" presetID="1" presetClass="entr" presetSubtype="0" fill="hold" grpId="0" nodeType="clickEffect">
+                                <p:cTn id="5" presetID="1" presetClass="entr" presetSubtype="0" fill="hold" nodeType="clickEffect">
                                   <p:stCondLst>
                                     <p:cond delay="0"/>
                                   </p:stCondLst>
@@ -22467,7 +23029,7 @@
                                         <p:tgtEl>
                                           <p:spTgt spid="6146">
                                             <p:txEl>
-                                              <p:pRg st="1" end="1"/>
+                                              <p:pRg st="2" end="2"/>
                                             </p:txEl>
                                           </p:spTgt>
                                         </p:tgtEl>
@@ -22501,7 +23063,7 @@
                             </p:stCondLst>
                             <p:childTnLst>
                               <p:par>
-                                <p:cTn id="9" presetID="1" presetClass="entr" presetSubtype="0" fill="hold" grpId="0" nodeType="clickEffect">
+                                <p:cTn id="9" presetID="1" presetClass="entr" presetSubtype="0" fill="hold" nodeType="clickEffect">
                                   <p:stCondLst>
                                     <p:cond delay="0"/>
                                   </p:stCondLst>
@@ -22516,7 +23078,7 @@
                                         <p:tgtEl>
                                           <p:spTgt spid="6146">
                                             <p:txEl>
-                                              <p:pRg st="2" end="2"/>
+                                              <p:pRg st="0" end="0"/>
                                             </p:txEl>
                                           </p:spTgt>
                                         </p:tgtEl>
@@ -22550,7 +23112,7 @@
                             </p:stCondLst>
                             <p:childTnLst>
                               <p:par>
-                                <p:cTn id="13" presetID="1" presetClass="entr" presetSubtype="0" fill="hold" grpId="0" nodeType="clickEffect">
+                                <p:cTn id="13" presetID="1" presetClass="entr" presetSubtype="0" fill="hold" nodeType="clickEffect">
                                   <p:stCondLst>
                                     <p:cond delay="0"/>
                                   </p:stCondLst>
@@ -22599,7 +23161,7 @@
                             </p:stCondLst>
                             <p:childTnLst>
                               <p:par>
-                                <p:cTn id="17" presetID="1" presetClass="entr" presetSubtype="0" fill="hold" grpId="0" nodeType="clickEffect">
+                                <p:cTn id="17" presetID="1" presetClass="entr" presetSubtype="0" fill="hold" nodeType="clickEffect">
                                   <p:stCondLst>
                                     <p:cond delay="0"/>
                                   </p:stCondLst>
@@ -22648,7 +23210,7 @@
                             </p:stCondLst>
                             <p:childTnLst>
                               <p:par>
-                                <p:cTn id="21" presetID="1" presetClass="entr" presetSubtype="0" fill="hold" grpId="0" nodeType="clickEffect">
+                                <p:cTn id="21" presetID="1" presetClass="entr" presetSubtype="0" fill="hold" nodeType="clickEffect">
                                   <p:stCondLst>
                                     <p:cond delay="0"/>
                                   </p:stCondLst>
@@ -22697,7 +23259,7 @@
                             </p:stCondLst>
                             <p:childTnLst>
                               <p:par>
-                                <p:cTn id="25" presetID="1" presetClass="entr" presetSubtype="0" fill="hold" grpId="0" nodeType="clickEffect">
+                                <p:cTn id="25" presetID="1" presetClass="entr" presetSubtype="0" fill="hold" nodeType="clickEffect">
                                   <p:stCondLst>
                                     <p:cond delay="0"/>
                                   </p:stCondLst>
@@ -22713,1480 +23275,6 @@
                                           <p:spTgt spid="6146">
                                             <p:txEl>
                                               <p:pRg st="6" end="6"/>
-                                            </p:txEl>
-                                          </p:spTgt>
-                                        </p:tgtEl>
-                                        <p:attrNameLst>
-                                          <p:attrName>style.visibility</p:attrName>
-                                        </p:attrNameLst>
-                                      </p:cBhvr>
-                                      <p:to>
-                                        <p:strVal val="visible"/>
-                                      </p:to>
-                                    </p:set>
-                                  </p:childTnLst>
-                                </p:cTn>
-                              </p:par>
-                            </p:childTnLst>
-                          </p:cTn>
-                        </p:par>
-                      </p:childTnLst>
-                    </p:cTn>
-                  </p:par>
-                  <p:par>
-                    <p:cTn id="27" fill="hold">
-                      <p:stCondLst>
-                        <p:cond delay="indefinite"/>
-                      </p:stCondLst>
-                      <p:childTnLst>
-                        <p:par>
-                          <p:cTn id="28" fill="hold">
-                            <p:stCondLst>
-                              <p:cond delay="0"/>
-                            </p:stCondLst>
-                            <p:childTnLst>
-                              <p:par>
-                                <p:cTn id="29" presetID="1" presetClass="entr" presetSubtype="0" fill="hold" grpId="0" nodeType="clickEffect">
-                                  <p:stCondLst>
-                                    <p:cond delay="0"/>
-                                  </p:stCondLst>
-                                  <p:childTnLst>
-                                    <p:set>
-                                      <p:cBhvr>
-                                        <p:cTn id="30" dur="1" fill="hold">
-                                          <p:stCondLst>
-                                            <p:cond delay="0"/>
-                                          </p:stCondLst>
-                                        </p:cTn>
-                                        <p:tgtEl>
-                                          <p:spTgt spid="6146">
-                                            <p:txEl>
-                                              <p:pRg st="7" end="7"/>
-                                            </p:txEl>
-                                          </p:spTgt>
-                                        </p:tgtEl>
-                                        <p:attrNameLst>
-                                          <p:attrName>style.visibility</p:attrName>
-                                        </p:attrNameLst>
-                                      </p:cBhvr>
-                                      <p:to>
-                                        <p:strVal val="visible"/>
-                                      </p:to>
-                                    </p:set>
-                                  </p:childTnLst>
-                                </p:cTn>
-                              </p:par>
-                            </p:childTnLst>
-                          </p:cTn>
-                        </p:par>
-                      </p:childTnLst>
-                    </p:cTn>
-                  </p:par>
-                  <p:par>
-                    <p:cTn id="31" fill="hold">
-                      <p:stCondLst>
-                        <p:cond delay="indefinite"/>
-                      </p:stCondLst>
-                      <p:childTnLst>
-                        <p:par>
-                          <p:cTn id="32" fill="hold">
-                            <p:stCondLst>
-                              <p:cond delay="0"/>
-                            </p:stCondLst>
-                            <p:childTnLst>
-                              <p:par>
-                                <p:cTn id="33" presetID="1" presetClass="entr" presetSubtype="0" fill="hold" grpId="0" nodeType="clickEffect">
-                                  <p:stCondLst>
-                                    <p:cond delay="0"/>
-                                  </p:stCondLst>
-                                  <p:childTnLst>
-                                    <p:set>
-                                      <p:cBhvr>
-                                        <p:cTn id="34" dur="1" fill="hold">
-                                          <p:stCondLst>
-                                            <p:cond delay="0"/>
-                                          </p:stCondLst>
-                                        </p:cTn>
-                                        <p:tgtEl>
-                                          <p:spTgt spid="6146">
-                                            <p:txEl>
-                                              <p:pRg st="8" end="8"/>
-                                            </p:txEl>
-                                          </p:spTgt>
-                                        </p:tgtEl>
-                                        <p:attrNameLst>
-                                          <p:attrName>style.visibility</p:attrName>
-                                        </p:attrNameLst>
-                                      </p:cBhvr>
-                                      <p:to>
-                                        <p:strVal val="visible"/>
-                                      </p:to>
-                                    </p:set>
-                                  </p:childTnLst>
-                                </p:cTn>
-                              </p:par>
-                            </p:childTnLst>
-                          </p:cTn>
-                        </p:par>
-                      </p:childTnLst>
-                    </p:cTn>
-                  </p:par>
-                  <p:par>
-                    <p:cTn id="35" fill="hold">
-                      <p:stCondLst>
-                        <p:cond delay="indefinite"/>
-                      </p:stCondLst>
-                      <p:childTnLst>
-                        <p:par>
-                          <p:cTn id="36" fill="hold">
-                            <p:stCondLst>
-                              <p:cond delay="0"/>
-                            </p:stCondLst>
-                            <p:childTnLst>
-                              <p:par>
-                                <p:cTn id="37" presetID="1" presetClass="entr" presetSubtype="0" fill="hold" grpId="0" nodeType="clickEffect">
-                                  <p:stCondLst>
-                                    <p:cond delay="0"/>
-                                  </p:stCondLst>
-                                  <p:childTnLst>
-                                    <p:set>
-                                      <p:cBhvr>
-                                        <p:cTn id="38" dur="1" fill="hold">
-                                          <p:stCondLst>
-                                            <p:cond delay="0"/>
-                                          </p:stCondLst>
-                                        </p:cTn>
-                                        <p:tgtEl>
-                                          <p:spTgt spid="6146">
-                                            <p:txEl>
-                                              <p:pRg st="9" end="9"/>
-                                            </p:txEl>
-                                          </p:spTgt>
-                                        </p:tgtEl>
-                                        <p:attrNameLst>
-                                          <p:attrName>style.visibility</p:attrName>
-                                        </p:attrNameLst>
-                                      </p:cBhvr>
-                                      <p:to>
-                                        <p:strVal val="visible"/>
-                                      </p:to>
-                                    </p:set>
-                                  </p:childTnLst>
-                                </p:cTn>
-                              </p:par>
-                            </p:childTnLst>
-                          </p:cTn>
-                        </p:par>
-                      </p:childTnLst>
-                    </p:cTn>
-                  </p:par>
-                  <p:par>
-                    <p:cTn id="39" fill="hold">
-                      <p:stCondLst>
-                        <p:cond delay="indefinite"/>
-                      </p:stCondLst>
-                      <p:childTnLst>
-                        <p:par>
-                          <p:cTn id="40" fill="hold">
-                            <p:stCondLst>
-                              <p:cond delay="0"/>
-                            </p:stCondLst>
-                            <p:childTnLst>
-                              <p:par>
-                                <p:cTn id="41" presetID="1" presetClass="entr" presetSubtype="0" fill="hold" grpId="0" nodeType="clickEffect">
-                                  <p:stCondLst>
-                                    <p:cond delay="0"/>
-                                  </p:stCondLst>
-                                  <p:childTnLst>
-                                    <p:set>
-                                      <p:cBhvr>
-                                        <p:cTn id="42" dur="1" fill="hold">
-                                          <p:stCondLst>
-                                            <p:cond delay="0"/>
-                                          </p:stCondLst>
-                                        </p:cTn>
-                                        <p:tgtEl>
-                                          <p:spTgt spid="6146">
-                                            <p:txEl>
-                                              <p:pRg st="10" end="10"/>
-                                            </p:txEl>
-                                          </p:spTgt>
-                                        </p:tgtEl>
-                                        <p:attrNameLst>
-                                          <p:attrName>style.visibility</p:attrName>
-                                        </p:attrNameLst>
-                                      </p:cBhvr>
-                                      <p:to>
-                                        <p:strVal val="visible"/>
-                                      </p:to>
-                                    </p:set>
-                                  </p:childTnLst>
-                                </p:cTn>
-                              </p:par>
-                            </p:childTnLst>
-                          </p:cTn>
-                        </p:par>
-                      </p:childTnLst>
-                    </p:cTn>
-                  </p:par>
-                  <p:par>
-                    <p:cTn id="43" fill="hold">
-                      <p:stCondLst>
-                        <p:cond delay="indefinite"/>
-                      </p:stCondLst>
-                      <p:childTnLst>
-                        <p:par>
-                          <p:cTn id="44" fill="hold">
-                            <p:stCondLst>
-                              <p:cond delay="0"/>
-                            </p:stCondLst>
-                            <p:childTnLst>
-                              <p:par>
-                                <p:cTn id="45" presetID="1" presetClass="entr" presetSubtype="0" fill="hold" grpId="0" nodeType="clickEffect">
-                                  <p:stCondLst>
-                                    <p:cond delay="0"/>
-                                  </p:stCondLst>
-                                  <p:childTnLst>
-                                    <p:set>
-                                      <p:cBhvr>
-                                        <p:cTn id="46" dur="1" fill="hold">
-                                          <p:stCondLst>
-                                            <p:cond delay="0"/>
-                                          </p:stCondLst>
-                                        </p:cTn>
-                                        <p:tgtEl>
-                                          <p:spTgt spid="6146">
-                                            <p:txEl>
-                                              <p:pRg st="11" end="11"/>
-                                            </p:txEl>
-                                          </p:spTgt>
-                                        </p:tgtEl>
-                                        <p:attrNameLst>
-                                          <p:attrName>style.visibility</p:attrName>
-                                        </p:attrNameLst>
-                                      </p:cBhvr>
-                                      <p:to>
-                                        <p:strVal val="visible"/>
-                                      </p:to>
-                                    </p:set>
-                                  </p:childTnLst>
-                                </p:cTn>
-                              </p:par>
-                            </p:childTnLst>
-                          </p:cTn>
-                        </p:par>
-                      </p:childTnLst>
-                    </p:cTn>
-                  </p:par>
-                  <p:par>
-                    <p:cTn id="47" fill="hold">
-                      <p:stCondLst>
-                        <p:cond delay="indefinite"/>
-                      </p:stCondLst>
-                      <p:childTnLst>
-                        <p:par>
-                          <p:cTn id="48" fill="hold">
-                            <p:stCondLst>
-                              <p:cond delay="0"/>
-                            </p:stCondLst>
-                            <p:childTnLst>
-                              <p:par>
-                                <p:cTn id="49" presetID="1" presetClass="entr" presetSubtype="0" fill="hold" grpId="0" nodeType="clickEffect">
-                                  <p:stCondLst>
-                                    <p:cond delay="0"/>
-                                  </p:stCondLst>
-                                  <p:childTnLst>
-                                    <p:set>
-                                      <p:cBhvr>
-                                        <p:cTn id="50" dur="1" fill="hold">
-                                          <p:stCondLst>
-                                            <p:cond delay="0"/>
-                                          </p:stCondLst>
-                                        </p:cTn>
-                                        <p:tgtEl>
-                                          <p:spTgt spid="6146">
-                                            <p:txEl>
-                                              <p:pRg st="12" end="12"/>
-                                            </p:txEl>
-                                          </p:spTgt>
-                                        </p:tgtEl>
-                                        <p:attrNameLst>
-                                          <p:attrName>style.visibility</p:attrName>
-                                        </p:attrNameLst>
-                                      </p:cBhvr>
-                                      <p:to>
-                                        <p:strVal val="visible"/>
-                                      </p:to>
-                                    </p:set>
-                                  </p:childTnLst>
-                                </p:cTn>
-                              </p:par>
-                            </p:childTnLst>
-                          </p:cTn>
-                        </p:par>
-                      </p:childTnLst>
-                    </p:cTn>
-                  </p:par>
-                  <p:par>
-                    <p:cTn id="51" fill="hold">
-                      <p:stCondLst>
-                        <p:cond delay="indefinite"/>
-                      </p:stCondLst>
-                      <p:childTnLst>
-                        <p:par>
-                          <p:cTn id="52" fill="hold">
-                            <p:stCondLst>
-                              <p:cond delay="0"/>
-                            </p:stCondLst>
-                            <p:childTnLst>
-                              <p:par>
-                                <p:cTn id="53" presetID="1" presetClass="entr" presetSubtype="0" fill="hold" grpId="0" nodeType="clickEffect">
-                                  <p:stCondLst>
-                                    <p:cond delay="0"/>
-                                  </p:stCondLst>
-                                  <p:childTnLst>
-                                    <p:set>
-                                      <p:cBhvr>
-                                        <p:cTn id="54" dur="1" fill="hold">
-                                          <p:stCondLst>
-                                            <p:cond delay="0"/>
-                                          </p:stCondLst>
-                                        </p:cTn>
-                                        <p:tgtEl>
-                                          <p:spTgt spid="6146">
-                                            <p:txEl>
-                                              <p:pRg st="13" end="13"/>
-                                            </p:txEl>
-                                          </p:spTgt>
-                                        </p:tgtEl>
-                                        <p:attrNameLst>
-                                          <p:attrName>style.visibility</p:attrName>
-                                        </p:attrNameLst>
-                                      </p:cBhvr>
-                                      <p:to>
-                                        <p:strVal val="visible"/>
-                                      </p:to>
-                                    </p:set>
-                                  </p:childTnLst>
-                                </p:cTn>
-                              </p:par>
-                            </p:childTnLst>
-                          </p:cTn>
-                        </p:par>
-                      </p:childTnLst>
-                    </p:cTn>
-                  </p:par>
-                  <p:par>
-                    <p:cTn id="55" fill="hold">
-                      <p:stCondLst>
-                        <p:cond delay="indefinite"/>
-                      </p:stCondLst>
-                      <p:childTnLst>
-                        <p:par>
-                          <p:cTn id="56" fill="hold">
-                            <p:stCondLst>
-                              <p:cond delay="0"/>
-                            </p:stCondLst>
-                            <p:childTnLst>
-                              <p:par>
-                                <p:cTn id="57" presetID="1" presetClass="entr" presetSubtype="0" fill="hold" grpId="0" nodeType="clickEffect">
-                                  <p:stCondLst>
-                                    <p:cond delay="0"/>
-                                  </p:stCondLst>
-                                  <p:childTnLst>
-                                    <p:set>
-                                      <p:cBhvr>
-                                        <p:cTn id="58" dur="1" fill="hold">
-                                          <p:stCondLst>
-                                            <p:cond delay="0"/>
-                                          </p:stCondLst>
-                                        </p:cTn>
-                                        <p:tgtEl>
-                                          <p:spTgt spid="6146">
-                                            <p:txEl>
-                                              <p:pRg st="14" end="14"/>
-                                            </p:txEl>
-                                          </p:spTgt>
-                                        </p:tgtEl>
-                                        <p:attrNameLst>
-                                          <p:attrName>style.visibility</p:attrName>
-                                        </p:attrNameLst>
-                                      </p:cBhvr>
-                                      <p:to>
-                                        <p:strVal val="visible"/>
-                                      </p:to>
-                                    </p:set>
-                                  </p:childTnLst>
-                                </p:cTn>
-                              </p:par>
-                            </p:childTnLst>
-                          </p:cTn>
-                        </p:par>
-                      </p:childTnLst>
-                    </p:cTn>
-                  </p:par>
-                  <p:par>
-                    <p:cTn id="59" fill="hold">
-                      <p:stCondLst>
-                        <p:cond delay="indefinite"/>
-                      </p:stCondLst>
-                      <p:childTnLst>
-                        <p:par>
-                          <p:cTn id="60" fill="hold">
-                            <p:stCondLst>
-                              <p:cond delay="0"/>
-                            </p:stCondLst>
-                            <p:childTnLst>
-                              <p:par>
-                                <p:cTn id="61" presetID="1" presetClass="entr" presetSubtype="0" fill="hold" grpId="0" nodeType="clickEffect">
-                                  <p:stCondLst>
-                                    <p:cond delay="0"/>
-                                  </p:stCondLst>
-                                  <p:childTnLst>
-                                    <p:set>
-                                      <p:cBhvr>
-                                        <p:cTn id="62" dur="1" fill="hold">
-                                          <p:stCondLst>
-                                            <p:cond delay="0"/>
-                                          </p:stCondLst>
-                                        </p:cTn>
-                                        <p:tgtEl>
-                                          <p:spTgt spid="6146">
-                                            <p:txEl>
-                                              <p:pRg st="15" end="15"/>
-                                            </p:txEl>
-                                          </p:spTgt>
-                                        </p:tgtEl>
-                                        <p:attrNameLst>
-                                          <p:attrName>style.visibility</p:attrName>
-                                        </p:attrNameLst>
-                                      </p:cBhvr>
-                                      <p:to>
-                                        <p:strVal val="visible"/>
-                                      </p:to>
-                                    </p:set>
-                                  </p:childTnLst>
-                                </p:cTn>
-                              </p:par>
-                            </p:childTnLst>
-                          </p:cTn>
-                        </p:par>
-                      </p:childTnLst>
-                    </p:cTn>
-                  </p:par>
-                  <p:par>
-                    <p:cTn id="63" fill="hold">
-                      <p:stCondLst>
-                        <p:cond delay="indefinite"/>
-                      </p:stCondLst>
-                      <p:childTnLst>
-                        <p:par>
-                          <p:cTn id="64" fill="hold">
-                            <p:stCondLst>
-                              <p:cond delay="0"/>
-                            </p:stCondLst>
-                            <p:childTnLst>
-                              <p:par>
-                                <p:cTn id="65" presetID="1" presetClass="entr" presetSubtype="0" fill="hold" grpId="0" nodeType="clickEffect">
-                                  <p:stCondLst>
-                                    <p:cond delay="0"/>
-                                  </p:stCondLst>
-                                  <p:childTnLst>
-                                    <p:set>
-                                      <p:cBhvr>
-                                        <p:cTn id="66" dur="1" fill="hold">
-                                          <p:stCondLst>
-                                            <p:cond delay="0"/>
-                                          </p:stCondLst>
-                                        </p:cTn>
-                                        <p:tgtEl>
-                                          <p:spTgt spid="6146">
-                                            <p:txEl>
-                                              <p:pRg st="16" end="16"/>
-                                            </p:txEl>
-                                          </p:spTgt>
-                                        </p:tgtEl>
-                                        <p:attrNameLst>
-                                          <p:attrName>style.visibility</p:attrName>
-                                        </p:attrNameLst>
-                                      </p:cBhvr>
-                                      <p:to>
-                                        <p:strVal val="visible"/>
-                                      </p:to>
-                                    </p:set>
-                                  </p:childTnLst>
-                                </p:cTn>
-                              </p:par>
-                            </p:childTnLst>
-                          </p:cTn>
-                        </p:par>
-                      </p:childTnLst>
-                    </p:cTn>
-                  </p:par>
-                </p:childTnLst>
-              </p:cTn>
-              <p:prevCondLst>
-                <p:cond evt="onPrev" delay="0">
-                  <p:tgtEl>
-                    <p:sldTgt/>
-                  </p:tgtEl>
-                </p:cond>
-              </p:prevCondLst>
-              <p:nextCondLst>
-                <p:cond evt="onNext" delay="0">
-                  <p:tgtEl>
-                    <p:sldTgt/>
-                  </p:tgtEl>
-                </p:cond>
-              </p:nextCondLst>
-            </p:seq>
-          </p:childTnLst>
-        </p:cTn>
-      </p:par>
-    </p:tnLst>
-    <p:bldLst>
-      <p:bldP spid="6146" grpId="0" uiExpand="1" build="p"/>
-    </p:bldLst>
-  </p:timing>
-</p:sld>
-</file>
-
-<file path=ppt/slides/slide29.xml><?xml version="1.0" encoding="utf-8"?>
-<p:sld xmlns:a="http://schemas.openxmlformats.org/drawingml/2006/main" xmlns:r="http://schemas.openxmlformats.org/officeDocument/2006/relationships" xmlns:p="http://schemas.openxmlformats.org/presentationml/2006/main">
-  <p:cSld>
-    <p:spTree>
-      <p:nvGrpSpPr>
-        <p:cNvPr id="1" name=""/>
-        <p:cNvGrpSpPr/>
-        <p:nvPr/>
-      </p:nvGrpSpPr>
-      <p:grpSpPr>
-        <a:xfrm>
-          <a:off x="0" y="0"/>
-          <a:ext cx="0" cy="0"/>
-          <a:chOff x="0" y="0"/>
-          <a:chExt cx="0" cy="0"/>
-        </a:xfrm>
-      </p:grpSpPr>
-      <p:sp>
-        <p:nvSpPr>
-          <p:cNvPr id="6146" name="Rectangle 3">
-            <a:extLst>
-              <a:ext uri="{FF2B5EF4-FFF2-40B4-BE49-F238E27FC236}">
-                <a16:creationId xmlns:a16="http://schemas.microsoft.com/office/drawing/2014/main" id="{EAA042DF-FAF2-DA4B-9FB9-A8E93FAB0389}"/>
-              </a:ext>
-            </a:extLst>
-          </p:cNvPr>
-          <p:cNvSpPr>
-            <a:spLocks noGrp="1" noChangeArrowheads="1"/>
-          </p:cNvSpPr>
-          <p:nvPr>
-            <p:ph type="body" idx="1"/>
-          </p:nvPr>
-        </p:nvSpPr>
-        <p:spPr>
-          <a:xfrm>
-            <a:off x="133564" y="236306"/>
-            <a:ext cx="8527551" cy="5088276"/>
-          </a:xfrm>
-        </p:spPr>
-        <p:txBody>
-          <a:bodyPr>
-            <a:normAutofit/>
-          </a:bodyPr>
-          <a:lstStyle/>
-          <a:p>
-            <a:pPr marL="0" indent="0">
-              <a:buNone/>
-            </a:pPr>
-            <a:endParaRPr lang="en-US" sz="2000" dirty="0">
-              <a:latin typeface="Gill Sans MT" panose="020B0502020104020203" pitchFamily="34" charset="77"/>
-            </a:endParaRPr>
-          </a:p>
-          <a:p>
-            <a:pPr marL="0" indent="0">
-              <a:buNone/>
-            </a:pPr>
-            <a:r>
-              <a:rPr lang="en-US" sz="2000" dirty="0">
-                <a:latin typeface="Gill Sans MT" panose="020B0502020104020203" pitchFamily="34" charset="77"/>
-              </a:rPr>
-              <a:t>Here's another algorithm to find the indices of the two smallest numbers.</a:t>
-            </a:r>
-          </a:p>
-          <a:p>
-            <a:pPr marL="0" indent="0">
-              <a:buNone/>
-            </a:pPr>
-            <a:endParaRPr lang="en-US" sz="1600" b="1" dirty="0">
-              <a:solidFill>
-                <a:srgbClr val="34A327"/>
-              </a:solidFill>
-              <a:latin typeface="Inconsolata" panose="020B0609030003000000" pitchFamily="49" charset="77"/>
-            </a:endParaRPr>
-          </a:p>
-          <a:p>
-            <a:pPr marL="0" indent="0">
-              <a:buNone/>
-            </a:pPr>
-            <a:r>
-              <a:rPr lang="en-US" sz="1600" b="1" dirty="0">
-                <a:solidFill>
-                  <a:srgbClr val="34A327"/>
-                </a:solidFill>
-                <a:latin typeface="Inconsolata" panose="020B0609030003000000" pitchFamily="49" charset="77"/>
-              </a:rPr>
-              <a:t>def</a:t>
-            </a:r>
-            <a:r>
-              <a:rPr lang="en-US" sz="1600" b="1" dirty="0">
-                <a:solidFill>
-                  <a:srgbClr val="000000"/>
-                </a:solidFill>
-                <a:latin typeface="Inconsolata" panose="020B0609030003000000" pitchFamily="49" charset="77"/>
-              </a:rPr>
-              <a:t> </a:t>
-            </a:r>
-            <a:r>
-              <a:rPr lang="en-US" sz="1600" b="1" dirty="0" err="1">
-                <a:solidFill>
-                  <a:srgbClr val="3C9FF2"/>
-                </a:solidFill>
-                <a:latin typeface="Inconsolata" panose="020B0609030003000000" pitchFamily="49" charset="77"/>
-              </a:rPr>
-              <a:t>two_smallest</a:t>
-            </a:r>
-            <a:r>
-              <a:rPr lang="en-US" sz="1600" b="1" dirty="0">
-                <a:solidFill>
-                  <a:srgbClr val="000000"/>
-                </a:solidFill>
-                <a:latin typeface="Inconsolata" panose="020B0609030003000000" pitchFamily="49" charset="77"/>
-              </a:rPr>
-              <a:t>(</a:t>
-            </a:r>
-            <a:r>
-              <a:rPr lang="en-US" sz="1600" b="1" dirty="0" err="1">
-                <a:solidFill>
-                  <a:srgbClr val="000000"/>
-                </a:solidFill>
-                <a:latin typeface="Inconsolata" panose="020B0609030003000000" pitchFamily="49" charset="77"/>
-              </a:rPr>
-              <a:t>lst</a:t>
-            </a:r>
-            <a:r>
-              <a:rPr lang="en-US" sz="1600" b="1" dirty="0">
-                <a:solidFill>
-                  <a:srgbClr val="000000"/>
-                </a:solidFill>
-                <a:latin typeface="Inconsolata" panose="020B0609030003000000" pitchFamily="49" charset="77"/>
-              </a:rPr>
-              <a:t>):  </a:t>
-            </a:r>
-          </a:p>
-          <a:p>
-            <a:pPr marL="0" indent="0">
-              <a:buNone/>
-            </a:pPr>
-            <a:r>
-              <a:rPr lang="en-US" sz="1600" b="1" dirty="0">
-                <a:solidFill>
-                  <a:srgbClr val="006699"/>
-                </a:solidFill>
-                <a:latin typeface="Inconsolata" panose="020B0609030003000000" pitchFamily="49" charset="77"/>
-              </a:rPr>
-              <a:t>	# Sort a copy of </a:t>
-            </a:r>
-            <a:r>
-              <a:rPr lang="en-US" sz="1600" b="1" dirty="0" err="1">
-                <a:solidFill>
-                  <a:srgbClr val="006699"/>
-                </a:solidFill>
-                <a:latin typeface="Inconsolata" panose="020B0609030003000000" pitchFamily="49" charset="77"/>
-              </a:rPr>
-              <a:t>lst</a:t>
-            </a:r>
-            <a:r>
-              <a:rPr lang="en-US" sz="1600" b="1" dirty="0">
-                <a:solidFill>
-                  <a:srgbClr val="006699"/>
-                </a:solidFill>
-                <a:latin typeface="Inconsolata" panose="020B0609030003000000" pitchFamily="49" charset="77"/>
-              </a:rPr>
-              <a:t> </a:t>
-            </a:r>
-          </a:p>
-          <a:p>
-            <a:pPr marL="0" indent="0">
-              <a:buNone/>
-            </a:pPr>
-            <a:r>
-              <a:rPr lang="en-US" sz="1600" b="1" dirty="0">
-                <a:latin typeface="Inconsolata" panose="020B0609030003000000" pitchFamily="49" charset="77"/>
-              </a:rPr>
-              <a:t>	</a:t>
-            </a:r>
-            <a:r>
-              <a:rPr lang="en-US" sz="1600" b="1" dirty="0" err="1">
-                <a:latin typeface="Inconsolata" panose="020B0609030003000000" pitchFamily="49" charset="77"/>
-              </a:rPr>
-              <a:t>sorted_list</a:t>
-            </a:r>
-            <a:r>
-              <a:rPr lang="en-US" sz="1600" b="1" dirty="0">
-                <a:latin typeface="Inconsolata" panose="020B0609030003000000" pitchFamily="49" charset="77"/>
-              </a:rPr>
-              <a:t> = sorted(</a:t>
-            </a:r>
-            <a:r>
-              <a:rPr lang="en-US" sz="1600" b="1" dirty="0" err="1">
-                <a:latin typeface="Inconsolata" panose="020B0609030003000000" pitchFamily="49" charset="77"/>
-              </a:rPr>
-              <a:t>lst</a:t>
-            </a:r>
-            <a:r>
-              <a:rPr lang="en-US" sz="1600" b="1" dirty="0">
-                <a:latin typeface="Inconsolata" panose="020B0609030003000000" pitchFamily="49" charset="77"/>
-              </a:rPr>
-              <a:t>)</a:t>
-            </a:r>
-          </a:p>
-          <a:p>
-            <a:pPr marL="0" indent="0">
-              <a:buNone/>
-            </a:pPr>
-            <a:r>
-              <a:rPr lang="en-US" sz="1600" b="1" dirty="0">
-                <a:solidFill>
-                  <a:srgbClr val="006699"/>
-                </a:solidFill>
-                <a:latin typeface="Inconsolata" panose="020B0609030003000000" pitchFamily="49" charset="77"/>
-              </a:rPr>
-              <a:t>	# Get the two smallest numbers </a:t>
-            </a:r>
-          </a:p>
-          <a:p>
-            <a:pPr marL="0" indent="0">
-              <a:buNone/>
-            </a:pPr>
-            <a:r>
-              <a:rPr lang="en-US" sz="1600" b="1" dirty="0">
-                <a:latin typeface="Inconsolata" panose="020B0609030003000000" pitchFamily="49" charset="77"/>
-              </a:rPr>
-              <a:t>	small1 = </a:t>
-            </a:r>
-            <a:r>
-              <a:rPr lang="en-US" sz="1600" b="1" dirty="0" err="1">
-                <a:latin typeface="Inconsolata" panose="020B0609030003000000" pitchFamily="49" charset="77"/>
-              </a:rPr>
-              <a:t>sorted_list</a:t>
-            </a:r>
-            <a:r>
-              <a:rPr lang="en-US" sz="1600" b="1" dirty="0">
-                <a:latin typeface="Inconsolata" panose="020B0609030003000000" pitchFamily="49" charset="77"/>
-              </a:rPr>
-              <a:t>[0]</a:t>
-            </a:r>
-          </a:p>
-          <a:p>
-            <a:pPr marL="0" indent="0">
-              <a:buNone/>
-            </a:pPr>
-            <a:r>
-              <a:rPr lang="en-US" sz="1600" b="1" dirty="0">
-                <a:latin typeface="Inconsolata" panose="020B0609030003000000" pitchFamily="49" charset="77"/>
-              </a:rPr>
-              <a:t>	small2 = </a:t>
-            </a:r>
-            <a:r>
-              <a:rPr lang="en-US" sz="1600" b="1" dirty="0" err="1">
-                <a:latin typeface="Inconsolata" panose="020B0609030003000000" pitchFamily="49" charset="77"/>
-              </a:rPr>
-              <a:t>sorted_list</a:t>
-            </a:r>
-            <a:r>
-              <a:rPr lang="en-US" sz="1600" b="1" dirty="0">
-                <a:latin typeface="Inconsolata" panose="020B0609030003000000" pitchFamily="49" charset="77"/>
-              </a:rPr>
-              <a:t>[1]</a:t>
-            </a:r>
-          </a:p>
-          <a:p>
-            <a:pPr marL="0" indent="0">
-              <a:buNone/>
-            </a:pPr>
-            <a:r>
-              <a:rPr lang="en-US" sz="1600" b="1" dirty="0">
-                <a:solidFill>
-                  <a:srgbClr val="006699"/>
-                </a:solidFill>
-                <a:latin typeface="Inconsolata" panose="020B0609030003000000" pitchFamily="49" charset="77"/>
-              </a:rPr>
-              <a:t>	# Find their indices in the original list </a:t>
-            </a:r>
-            <a:r>
-              <a:rPr lang="en-US" sz="1600" b="1" dirty="0" err="1">
-                <a:solidFill>
-                  <a:srgbClr val="006699"/>
-                </a:solidFill>
-                <a:latin typeface="Inconsolata" panose="020B0609030003000000" pitchFamily="49" charset="77"/>
-              </a:rPr>
-              <a:t>lst</a:t>
-            </a:r>
-            <a:endParaRPr lang="en-US" sz="1600" b="1" dirty="0">
-              <a:solidFill>
-                <a:srgbClr val="006699"/>
-              </a:solidFill>
-              <a:latin typeface="Inconsolata" panose="020B0609030003000000" pitchFamily="49" charset="77"/>
-            </a:endParaRPr>
-          </a:p>
-          <a:p>
-            <a:pPr marL="0" indent="0">
-              <a:buNone/>
-            </a:pPr>
-            <a:r>
-              <a:rPr lang="en-US" sz="1600" b="1" dirty="0">
-                <a:latin typeface="Inconsolata" panose="020B0609030003000000" pitchFamily="49" charset="77"/>
-              </a:rPr>
-              <a:t>	index1 = </a:t>
-            </a:r>
-            <a:r>
-              <a:rPr lang="en-US" sz="1600" b="1" dirty="0" err="1">
-                <a:latin typeface="Inconsolata" panose="020B0609030003000000" pitchFamily="49" charset="77"/>
-              </a:rPr>
-              <a:t>lst.index</a:t>
-            </a:r>
-            <a:r>
-              <a:rPr lang="en-US" sz="1600" b="1" dirty="0">
-                <a:latin typeface="Inconsolata" panose="020B0609030003000000" pitchFamily="49" charset="77"/>
-              </a:rPr>
-              <a:t>(small1)</a:t>
-            </a:r>
-          </a:p>
-          <a:p>
-            <a:pPr marL="0" indent="0">
-              <a:buNone/>
-            </a:pPr>
-            <a:r>
-              <a:rPr lang="en-US" sz="1600" b="1" dirty="0">
-                <a:latin typeface="Inconsolata" panose="020B0609030003000000" pitchFamily="49" charset="77"/>
-              </a:rPr>
-              <a:t>	index2 = </a:t>
-            </a:r>
-            <a:r>
-              <a:rPr lang="en-US" sz="1600" b="1" dirty="0" err="1">
-                <a:latin typeface="Inconsolata" panose="020B0609030003000000" pitchFamily="49" charset="77"/>
-              </a:rPr>
-              <a:t>lst.index</a:t>
-            </a:r>
-            <a:r>
-              <a:rPr lang="en-US" sz="1600" b="1" dirty="0">
-                <a:latin typeface="Inconsolata" panose="020B0609030003000000" pitchFamily="49" charset="77"/>
-              </a:rPr>
-              <a:t>(small2)</a:t>
-            </a:r>
-          </a:p>
-          <a:p>
-            <a:pPr marL="0" indent="0">
-              <a:buNone/>
-            </a:pPr>
-            <a:r>
-              <a:rPr lang="en-US" sz="1600" b="1" dirty="0">
-                <a:solidFill>
-                  <a:srgbClr val="006699"/>
-                </a:solidFill>
-                <a:latin typeface="Inconsolata" panose="020B0609030003000000" pitchFamily="49" charset="77"/>
-              </a:rPr>
-              <a:t>	# Return the two indices </a:t>
-            </a:r>
-          </a:p>
-          <a:p>
-            <a:pPr marL="0" indent="0">
-              <a:buNone/>
-            </a:pPr>
-            <a:r>
-              <a:rPr lang="en-US" sz="1600" b="1" dirty="0">
-                <a:latin typeface="Inconsolata" panose="020B0609030003000000" pitchFamily="49" charset="77"/>
-              </a:rPr>
-              <a:t>	return index1, index2</a:t>
-            </a:r>
-          </a:p>
-          <a:p>
-            <a:pPr marL="0" indent="0">
-              <a:buNone/>
-            </a:pPr>
-            <a:endParaRPr lang="en-US" sz="1600" b="1" dirty="0">
-              <a:latin typeface="Inconsolata" panose="020B0609030003000000" pitchFamily="49" charset="77"/>
-            </a:endParaRPr>
-          </a:p>
-        </p:txBody>
-      </p:sp>
-      <p:sp>
-        <p:nvSpPr>
-          <p:cNvPr id="2" name="Slide Number Placeholder 1">
-            <a:extLst>
-              <a:ext uri="{FF2B5EF4-FFF2-40B4-BE49-F238E27FC236}">
-                <a16:creationId xmlns:a16="http://schemas.microsoft.com/office/drawing/2014/main" id="{8FBD42D2-FB35-334B-9DC6-7C44CA59319B}"/>
-              </a:ext>
-            </a:extLst>
-          </p:cNvPr>
-          <p:cNvSpPr>
-            <a:spLocks noGrp="1"/>
-          </p:cNvSpPr>
-          <p:nvPr>
-            <p:ph type="sldNum" sz="quarter" idx="12"/>
-          </p:nvPr>
-        </p:nvSpPr>
-        <p:spPr/>
-        <p:txBody>
-          <a:bodyPr/>
-          <a:lstStyle/>
-          <a:p>
-            <a:fld id="{D57F1E4F-1CFF-5643-939E-02111984F565}" type="slidenum">
-              <a:rPr lang="en-US" smtClean="0"/>
-              <a:t>29</a:t>
-            </a:fld>
-            <a:endParaRPr lang="en-US" dirty="0"/>
-          </a:p>
-        </p:txBody>
-      </p:sp>
-    </p:spTree>
-    <p:extLst>
-      <p:ext uri="{BB962C8B-B14F-4D97-AF65-F5344CB8AC3E}">
-        <p14:creationId xmlns:p14="http://schemas.microsoft.com/office/powerpoint/2010/main" val="1610208212"/>
-      </p:ext>
-    </p:extLst>
-  </p:cSld>
-  <p:clrMapOvr>
-    <a:masterClrMapping/>
-  </p:clrMapOvr>
-  <p:timing>
-    <p:tnLst>
-      <p:par>
-        <p:cTn id="1" dur="indefinite" restart="never" nodeType="tmRoot">
-          <p:childTnLst>
-            <p:seq concurrent="1" nextAc="seek">
-              <p:cTn id="2" dur="indefinite" nodeType="mainSeq">
-                <p:childTnLst>
-                  <p:par>
-                    <p:cTn id="3" fill="hold">
-                      <p:stCondLst>
-                        <p:cond delay="indefinite"/>
-                      </p:stCondLst>
-                      <p:childTnLst>
-                        <p:par>
-                          <p:cTn id="4" fill="hold">
-                            <p:stCondLst>
-                              <p:cond delay="0"/>
-                            </p:stCondLst>
-                            <p:childTnLst>
-                              <p:par>
-                                <p:cTn id="5" presetID="1" presetClass="entr" presetSubtype="0" fill="hold" nodeType="clickEffect">
-                                  <p:stCondLst>
-                                    <p:cond delay="0"/>
-                                  </p:stCondLst>
-                                  <p:childTnLst>
-                                    <p:set>
-                                      <p:cBhvr>
-                                        <p:cTn id="6" dur="1" fill="hold">
-                                          <p:stCondLst>
-                                            <p:cond delay="0"/>
-                                          </p:stCondLst>
-                                        </p:cTn>
-                                        <p:tgtEl>
-                                          <p:spTgt spid="6146">
-                                            <p:txEl>
-                                              <p:pRg st="3" end="3"/>
-                                            </p:txEl>
-                                          </p:spTgt>
-                                        </p:tgtEl>
-                                        <p:attrNameLst>
-                                          <p:attrName>style.visibility</p:attrName>
-                                        </p:attrNameLst>
-                                      </p:cBhvr>
-                                      <p:to>
-                                        <p:strVal val="visible"/>
-                                      </p:to>
-                                    </p:set>
-                                  </p:childTnLst>
-                                </p:cTn>
-                              </p:par>
-                            </p:childTnLst>
-                          </p:cTn>
-                        </p:par>
-                      </p:childTnLst>
-                    </p:cTn>
-                  </p:par>
-                  <p:par>
-                    <p:cTn id="7" fill="hold">
-                      <p:stCondLst>
-                        <p:cond delay="indefinite"/>
-                      </p:stCondLst>
-                      <p:childTnLst>
-                        <p:par>
-                          <p:cTn id="8" fill="hold">
-                            <p:stCondLst>
-                              <p:cond delay="0"/>
-                            </p:stCondLst>
-                            <p:childTnLst>
-                              <p:par>
-                                <p:cTn id="9" presetID="1" presetClass="entr" presetSubtype="0" fill="hold" nodeType="clickEffect">
-                                  <p:stCondLst>
-                                    <p:cond delay="0"/>
-                                  </p:stCondLst>
-                                  <p:childTnLst>
-                                    <p:set>
-                                      <p:cBhvr>
-                                        <p:cTn id="10" dur="1" fill="hold">
-                                          <p:stCondLst>
-                                            <p:cond delay="0"/>
-                                          </p:stCondLst>
-                                        </p:cTn>
-                                        <p:tgtEl>
-                                          <p:spTgt spid="6146">
-                                            <p:txEl>
-                                              <p:pRg st="4" end="4"/>
-                                            </p:txEl>
-                                          </p:spTgt>
-                                        </p:tgtEl>
-                                        <p:attrNameLst>
-                                          <p:attrName>style.visibility</p:attrName>
-                                        </p:attrNameLst>
-                                      </p:cBhvr>
-                                      <p:to>
-                                        <p:strVal val="visible"/>
-                                      </p:to>
-                                    </p:set>
-                                  </p:childTnLst>
-                                </p:cTn>
-                              </p:par>
-                            </p:childTnLst>
-                          </p:cTn>
-                        </p:par>
-                      </p:childTnLst>
-                    </p:cTn>
-                  </p:par>
-                  <p:par>
-                    <p:cTn id="11" fill="hold">
-                      <p:stCondLst>
-                        <p:cond delay="indefinite"/>
-                      </p:stCondLst>
-                      <p:childTnLst>
-                        <p:par>
-                          <p:cTn id="12" fill="hold">
-                            <p:stCondLst>
-                              <p:cond delay="0"/>
-                            </p:stCondLst>
-                            <p:childTnLst>
-                              <p:par>
-                                <p:cTn id="13" presetID="1" presetClass="entr" presetSubtype="0" fill="hold" nodeType="clickEffect">
-                                  <p:stCondLst>
-                                    <p:cond delay="0"/>
-                                  </p:stCondLst>
-                                  <p:childTnLst>
-                                    <p:set>
-                                      <p:cBhvr>
-                                        <p:cTn id="14" dur="1" fill="hold">
-                                          <p:stCondLst>
-                                            <p:cond delay="0"/>
-                                          </p:stCondLst>
-                                        </p:cTn>
-                                        <p:tgtEl>
-                                          <p:spTgt spid="6146">
-                                            <p:txEl>
-                                              <p:pRg st="5" end="5"/>
-                                            </p:txEl>
-                                          </p:spTgt>
-                                        </p:tgtEl>
-                                        <p:attrNameLst>
-                                          <p:attrName>style.visibility</p:attrName>
-                                        </p:attrNameLst>
-                                      </p:cBhvr>
-                                      <p:to>
-                                        <p:strVal val="visible"/>
-                                      </p:to>
-                                    </p:set>
-                                  </p:childTnLst>
-                                </p:cTn>
-                              </p:par>
-                            </p:childTnLst>
-                          </p:cTn>
-                        </p:par>
-                      </p:childTnLst>
-                    </p:cTn>
-                  </p:par>
-                  <p:par>
-                    <p:cTn id="15" fill="hold">
-                      <p:stCondLst>
-                        <p:cond delay="indefinite"/>
-                      </p:stCondLst>
-                      <p:childTnLst>
-                        <p:par>
-                          <p:cTn id="16" fill="hold">
-                            <p:stCondLst>
-                              <p:cond delay="0"/>
-                            </p:stCondLst>
-                            <p:childTnLst>
-                              <p:par>
-                                <p:cTn id="17" presetID="1" presetClass="entr" presetSubtype="0" fill="hold" nodeType="clickEffect">
-                                  <p:stCondLst>
-                                    <p:cond delay="0"/>
-                                  </p:stCondLst>
-                                  <p:childTnLst>
-                                    <p:set>
-                                      <p:cBhvr>
-                                        <p:cTn id="18" dur="1" fill="hold">
-                                          <p:stCondLst>
-                                            <p:cond delay="0"/>
-                                          </p:stCondLst>
-                                        </p:cTn>
-                                        <p:tgtEl>
-                                          <p:spTgt spid="6146">
-                                            <p:txEl>
-                                              <p:pRg st="6" end="6"/>
-                                            </p:txEl>
-                                          </p:spTgt>
-                                        </p:tgtEl>
-                                        <p:attrNameLst>
-                                          <p:attrName>style.visibility</p:attrName>
-                                        </p:attrNameLst>
-                                      </p:cBhvr>
-                                      <p:to>
-                                        <p:strVal val="visible"/>
-                                      </p:to>
-                                    </p:set>
-                                  </p:childTnLst>
-                                </p:cTn>
-                              </p:par>
-                            </p:childTnLst>
-                          </p:cTn>
-                        </p:par>
-                      </p:childTnLst>
-                    </p:cTn>
-                  </p:par>
-                  <p:par>
-                    <p:cTn id="19" fill="hold">
-                      <p:stCondLst>
-                        <p:cond delay="indefinite"/>
-                      </p:stCondLst>
-                      <p:childTnLst>
-                        <p:par>
-                          <p:cTn id="20" fill="hold">
-                            <p:stCondLst>
-                              <p:cond delay="0"/>
-                            </p:stCondLst>
-                            <p:childTnLst>
-                              <p:par>
-                                <p:cTn id="21" presetID="1" presetClass="entr" presetSubtype="0" fill="hold" nodeType="clickEffect">
-                                  <p:stCondLst>
-                                    <p:cond delay="0"/>
-                                  </p:stCondLst>
-                                  <p:childTnLst>
-                                    <p:set>
-                                      <p:cBhvr>
-                                        <p:cTn id="22" dur="1" fill="hold">
-                                          <p:stCondLst>
-                                            <p:cond delay="0"/>
-                                          </p:stCondLst>
-                                        </p:cTn>
-                                        <p:tgtEl>
-                                          <p:spTgt spid="6146">
-                                            <p:txEl>
-                                              <p:pRg st="7" end="7"/>
-                                            </p:txEl>
-                                          </p:spTgt>
-                                        </p:tgtEl>
-                                        <p:attrNameLst>
-                                          <p:attrName>style.visibility</p:attrName>
-                                        </p:attrNameLst>
-                                      </p:cBhvr>
-                                      <p:to>
-                                        <p:strVal val="visible"/>
-                                      </p:to>
-                                    </p:set>
-                                  </p:childTnLst>
-                                </p:cTn>
-                              </p:par>
-                            </p:childTnLst>
-                          </p:cTn>
-                        </p:par>
-                      </p:childTnLst>
-                    </p:cTn>
-                  </p:par>
-                  <p:par>
-                    <p:cTn id="23" fill="hold">
-                      <p:stCondLst>
-                        <p:cond delay="indefinite"/>
-                      </p:stCondLst>
-                      <p:childTnLst>
-                        <p:par>
-                          <p:cTn id="24" fill="hold">
-                            <p:stCondLst>
-                              <p:cond delay="0"/>
-                            </p:stCondLst>
-                            <p:childTnLst>
-                              <p:par>
-                                <p:cTn id="25" presetID="1" presetClass="entr" presetSubtype="0" fill="hold" nodeType="clickEffect">
-                                  <p:stCondLst>
-                                    <p:cond delay="0"/>
-                                  </p:stCondLst>
-                                  <p:childTnLst>
-                                    <p:set>
-                                      <p:cBhvr>
-                                        <p:cTn id="26" dur="1" fill="hold">
-                                          <p:stCondLst>
-                                            <p:cond delay="0"/>
-                                          </p:stCondLst>
-                                        </p:cTn>
-                                        <p:tgtEl>
-                                          <p:spTgt spid="6146">
-                                            <p:txEl>
-                                              <p:pRg st="8" end="8"/>
-                                            </p:txEl>
-                                          </p:spTgt>
-                                        </p:tgtEl>
-                                        <p:attrNameLst>
-                                          <p:attrName>style.visibility</p:attrName>
-                                        </p:attrNameLst>
-                                      </p:cBhvr>
-                                      <p:to>
-                                        <p:strVal val="visible"/>
-                                      </p:to>
-                                    </p:set>
-                                  </p:childTnLst>
-                                </p:cTn>
-                              </p:par>
-                            </p:childTnLst>
-                          </p:cTn>
-                        </p:par>
-                      </p:childTnLst>
-                    </p:cTn>
-                  </p:par>
-                  <p:par>
-                    <p:cTn id="27" fill="hold">
-                      <p:stCondLst>
-                        <p:cond delay="indefinite"/>
-                      </p:stCondLst>
-                      <p:childTnLst>
-                        <p:par>
-                          <p:cTn id="28" fill="hold">
-                            <p:stCondLst>
-                              <p:cond delay="0"/>
-                            </p:stCondLst>
-                            <p:childTnLst>
-                              <p:par>
-                                <p:cTn id="29" presetID="1" presetClass="entr" presetSubtype="0" fill="hold" nodeType="clickEffect">
-                                  <p:stCondLst>
-                                    <p:cond delay="0"/>
-                                  </p:stCondLst>
-                                  <p:childTnLst>
-                                    <p:set>
-                                      <p:cBhvr>
-                                        <p:cTn id="30" dur="1" fill="hold">
-                                          <p:stCondLst>
-                                            <p:cond delay="0"/>
-                                          </p:stCondLst>
-                                        </p:cTn>
-                                        <p:tgtEl>
-                                          <p:spTgt spid="6146">
-                                            <p:txEl>
-                                              <p:pRg st="9" end="9"/>
-                                            </p:txEl>
-                                          </p:spTgt>
-                                        </p:tgtEl>
-                                        <p:attrNameLst>
-                                          <p:attrName>style.visibility</p:attrName>
-                                        </p:attrNameLst>
-                                      </p:cBhvr>
-                                      <p:to>
-                                        <p:strVal val="visible"/>
-                                      </p:to>
-                                    </p:set>
-                                  </p:childTnLst>
-                                </p:cTn>
-                              </p:par>
-                            </p:childTnLst>
-                          </p:cTn>
-                        </p:par>
-                      </p:childTnLst>
-                    </p:cTn>
-                  </p:par>
-                  <p:par>
-                    <p:cTn id="31" fill="hold">
-                      <p:stCondLst>
-                        <p:cond delay="indefinite"/>
-                      </p:stCondLst>
-                      <p:childTnLst>
-                        <p:par>
-                          <p:cTn id="32" fill="hold">
-                            <p:stCondLst>
-                              <p:cond delay="0"/>
-                            </p:stCondLst>
-                            <p:childTnLst>
-                              <p:par>
-                                <p:cTn id="33" presetID="1" presetClass="entr" presetSubtype="0" fill="hold" nodeType="clickEffect">
-                                  <p:stCondLst>
-                                    <p:cond delay="0"/>
-                                  </p:stCondLst>
-                                  <p:childTnLst>
-                                    <p:set>
-                                      <p:cBhvr>
-                                        <p:cTn id="34" dur="1" fill="hold">
-                                          <p:stCondLst>
-                                            <p:cond delay="0"/>
-                                          </p:stCondLst>
-                                        </p:cTn>
-                                        <p:tgtEl>
-                                          <p:spTgt spid="6146">
-                                            <p:txEl>
-                                              <p:pRg st="10" end="10"/>
-                                            </p:txEl>
-                                          </p:spTgt>
-                                        </p:tgtEl>
-                                        <p:attrNameLst>
-                                          <p:attrName>style.visibility</p:attrName>
-                                        </p:attrNameLst>
-                                      </p:cBhvr>
-                                      <p:to>
-                                        <p:strVal val="visible"/>
-                                      </p:to>
-                                    </p:set>
-                                  </p:childTnLst>
-                                </p:cTn>
-                              </p:par>
-                            </p:childTnLst>
-                          </p:cTn>
-                        </p:par>
-                      </p:childTnLst>
-                    </p:cTn>
-                  </p:par>
-                  <p:par>
-                    <p:cTn id="35" fill="hold">
-                      <p:stCondLst>
-                        <p:cond delay="indefinite"/>
-                      </p:stCondLst>
-                      <p:childTnLst>
-                        <p:par>
-                          <p:cTn id="36" fill="hold">
-                            <p:stCondLst>
-                              <p:cond delay="0"/>
-                            </p:stCondLst>
-                            <p:childTnLst>
-                              <p:par>
-                                <p:cTn id="37" presetID="1" presetClass="entr" presetSubtype="0" fill="hold" nodeType="clickEffect">
-                                  <p:stCondLst>
-                                    <p:cond delay="0"/>
-                                  </p:stCondLst>
-                                  <p:childTnLst>
-                                    <p:set>
-                                      <p:cBhvr>
-                                        <p:cTn id="38" dur="1" fill="hold">
-                                          <p:stCondLst>
-                                            <p:cond delay="0"/>
-                                          </p:stCondLst>
-                                        </p:cTn>
-                                        <p:tgtEl>
-                                          <p:spTgt spid="6146">
-                                            <p:txEl>
-                                              <p:pRg st="11" end="11"/>
-                                            </p:txEl>
-                                          </p:spTgt>
-                                        </p:tgtEl>
-                                        <p:attrNameLst>
-                                          <p:attrName>style.visibility</p:attrName>
-                                        </p:attrNameLst>
-                                      </p:cBhvr>
-                                      <p:to>
-                                        <p:strVal val="visible"/>
-                                      </p:to>
-                                    </p:set>
-                                  </p:childTnLst>
-                                </p:cTn>
-                              </p:par>
-                            </p:childTnLst>
-                          </p:cTn>
-                        </p:par>
-                      </p:childTnLst>
-                    </p:cTn>
-                  </p:par>
-                  <p:par>
-                    <p:cTn id="39" fill="hold">
-                      <p:stCondLst>
-                        <p:cond delay="indefinite"/>
-                      </p:stCondLst>
-                      <p:childTnLst>
-                        <p:par>
-                          <p:cTn id="40" fill="hold">
-                            <p:stCondLst>
-                              <p:cond delay="0"/>
-                            </p:stCondLst>
-                            <p:childTnLst>
-                              <p:par>
-                                <p:cTn id="41" presetID="1" presetClass="entr" presetSubtype="0" fill="hold" nodeType="clickEffect">
-                                  <p:stCondLst>
-                                    <p:cond delay="0"/>
-                                  </p:stCondLst>
-                                  <p:childTnLst>
-                                    <p:set>
-                                      <p:cBhvr>
-                                        <p:cTn id="42" dur="1" fill="hold">
-                                          <p:stCondLst>
-                                            <p:cond delay="0"/>
-                                          </p:stCondLst>
-                                        </p:cTn>
-                                        <p:tgtEl>
-                                          <p:spTgt spid="6146">
-                                            <p:txEl>
-                                              <p:pRg st="12" end="12"/>
-                                            </p:txEl>
-                                          </p:spTgt>
-                                        </p:tgtEl>
-                                        <p:attrNameLst>
-                                          <p:attrName>style.visibility</p:attrName>
-                                        </p:attrNameLst>
-                                      </p:cBhvr>
-                                      <p:to>
-                                        <p:strVal val="visible"/>
-                                      </p:to>
-                                    </p:set>
-                                  </p:childTnLst>
-                                </p:cTn>
-                              </p:par>
-                            </p:childTnLst>
-                          </p:cTn>
-                        </p:par>
-                      </p:childTnLst>
-                    </p:cTn>
-                  </p:par>
-                  <p:par>
-                    <p:cTn id="43" fill="hold">
-                      <p:stCondLst>
-                        <p:cond delay="indefinite"/>
-                      </p:stCondLst>
-                      <p:childTnLst>
-                        <p:par>
-                          <p:cTn id="44" fill="hold">
-                            <p:stCondLst>
-                              <p:cond delay="0"/>
-                            </p:stCondLst>
-                            <p:childTnLst>
-                              <p:par>
-                                <p:cTn id="45" presetID="1" presetClass="entr" presetSubtype="0" fill="hold" nodeType="clickEffect">
-                                  <p:stCondLst>
-                                    <p:cond delay="0"/>
-                                  </p:stCondLst>
-                                  <p:childTnLst>
-                                    <p:set>
-                                      <p:cBhvr>
-                                        <p:cTn id="46" dur="1" fill="hold">
-                                          <p:stCondLst>
-                                            <p:cond delay="0"/>
-                                          </p:stCondLst>
-                                        </p:cTn>
-                                        <p:tgtEl>
-                                          <p:spTgt spid="6146">
-                                            <p:txEl>
-                                              <p:pRg st="13" end="13"/>
                                             </p:txEl>
                                           </p:spTgt>
                                         </p:tgtEl>
@@ -25217,10 +24305,10 @@
       </p:grpSpPr>
       <p:sp>
         <p:nvSpPr>
-          <p:cNvPr id="57345" name="Rectangle 2">
+          <p:cNvPr id="186370" name="Rectangle 2">
             <a:extLst>
               <a:ext uri="{FF2B5EF4-FFF2-40B4-BE49-F238E27FC236}">
-                <a16:creationId xmlns:a16="http://schemas.microsoft.com/office/drawing/2014/main" id="{53AFC3D9-E72E-2B4F-B892-82CAC5FCF163}"/>
+                <a16:creationId xmlns:a16="http://schemas.microsoft.com/office/drawing/2014/main" id="{C5506108-D6E6-9641-98CC-A9DA92AF0478}"/>
               </a:ext>
             </a:extLst>
           </p:cNvPr>
@@ -25233,31 +24321,37 @@
         </p:nvSpPr>
         <p:spPr>
           <a:xfrm>
-            <a:off x="164387" y="127000"/>
-            <a:ext cx="7888626" cy="638345"/>
+            <a:off x="133564" y="104519"/>
+            <a:ext cx="7724240" cy="679442"/>
           </a:xfrm>
         </p:spPr>
         <p:txBody>
           <a:bodyPr/>
           <a:lstStyle/>
           <a:p>
-            <a:pPr eaLnBrk="1" hangingPunct="1"/>
-            <a:r>
-              <a:rPr lang="en-US" altLang="en-US" sz="2500" dirty="0">
-                <a:latin typeface="Gill Sans MT" panose="020B0502020104020203" pitchFamily="34" charset="77"/>
-                <a:ea typeface="ＭＳ Ｐゴシック" panose="020B0600070205080204" pitchFamily="34" charset="-128"/>
-              </a:rPr>
-              <a:t>Decidability</a:t>
-            </a:r>
+            <a:pPr eaLnBrk="1" hangingPunct="1">
+              <a:defRPr/>
+            </a:pPr>
+            <a:r>
+              <a:rPr lang="en-US" dirty="0">
+                <a:cs typeface="+mj-cs"/>
+              </a:rPr>
+              <a:t>Index of Two Smallest Values(</a:t>
+            </a:r>
+            <a:r>
+              <a:rPr lang="en-US" dirty="0"/>
+              <a:t>optional)</a:t>
+            </a:r>
+            <a:endParaRPr lang="en-US" sz="2333" dirty="0"/>
           </a:p>
         </p:txBody>
       </p:sp>
       <p:sp>
         <p:nvSpPr>
-          <p:cNvPr id="26627" name="Rectangle 3">
+          <p:cNvPr id="6146" name="Rectangle 3">
             <a:extLst>
               <a:ext uri="{FF2B5EF4-FFF2-40B4-BE49-F238E27FC236}">
-                <a16:creationId xmlns:a16="http://schemas.microsoft.com/office/drawing/2014/main" id="{2866E521-C643-A640-8C85-770D4B956A75}"/>
+                <a16:creationId xmlns:a16="http://schemas.microsoft.com/office/drawing/2014/main" id="{EAA042DF-FAF2-DA4B-9FB9-A8E93FAB0389}"/>
               </a:ext>
             </a:extLst>
           </p:cNvPr>
@@ -25270,8 +24364,8 @@
         </p:nvSpPr>
         <p:spPr>
           <a:xfrm>
-            <a:off x="236306" y="765345"/>
-            <a:ext cx="8145694" cy="4822655"/>
+            <a:off x="133564" y="783961"/>
+            <a:ext cx="8537825" cy="4931039"/>
           </a:xfrm>
         </p:spPr>
         <p:txBody>
@@ -25283,61 +24377,90 @@
             <a:pPr marL="0" indent="0">
               <a:buNone/>
             </a:pPr>
-            <a:r>
-              <a:rPr lang="en-US" altLang="en-US" sz="2000" dirty="0">
-                <a:latin typeface="Gill Sans MT" panose="020B0502020104020203" pitchFamily="34" charset="77"/>
-                <a:ea typeface="ＭＳ Ｐゴシック" panose="020B0600070205080204" pitchFamily="34" charset="-128"/>
-              </a:rPr>
-              <a:t>A </a:t>
-            </a:r>
-            <a:r>
-              <a:rPr lang="en-US" altLang="en-US" sz="2000" b="1" dirty="0">
-                <a:latin typeface="Gill Sans MT" panose="020B0502020104020203" pitchFamily="34" charset="77"/>
-                <a:ea typeface="ＭＳ Ｐゴシック" panose="020B0600070205080204" pitchFamily="34" charset="-128"/>
-              </a:rPr>
-              <a:t>decidable problem</a:t>
-            </a:r>
-            <a:r>
-              <a:rPr lang="en-US" altLang="en-US" sz="2000" dirty="0">
-                <a:latin typeface="Gill Sans MT" panose="020B0502020104020203" pitchFamily="34" charset="77"/>
-                <a:ea typeface="ＭＳ Ｐゴシック" panose="020B0600070205080204" pitchFamily="34" charset="-128"/>
-              </a:rPr>
-              <a:t> is a decision problem for which an algorithm can be written to produce a correct output for all inputs.</a:t>
-            </a:r>
-          </a:p>
-          <a:p>
-            <a:pPr lvl="1" eaLnBrk="1" hangingPunct="1"/>
-            <a:r>
-              <a:rPr lang="en-US" altLang="en-US" sz="2000" dirty="0">
-                <a:latin typeface="Gill Sans MT" panose="020B0502020104020203" pitchFamily="34" charset="77"/>
-              </a:rPr>
-              <a:t>E.g. Is the number even?</a:t>
-            </a:r>
-          </a:p>
-          <a:p>
-            <a:pPr lvl="1" eaLnBrk="1" hangingPunct="1"/>
+            <a:endParaRPr lang="en-US" sz="2000" dirty="0"/>
+          </a:p>
+          <a:p>
+            <a:pPr marL="0" indent="0">
+              <a:buNone/>
+            </a:pPr>
+            <a:endParaRPr lang="en-US" sz="2000" dirty="0"/>
+          </a:p>
+          <a:p>
+            <a:pPr marL="0" indent="0">
+              <a:buNone/>
+            </a:pPr>
+            <a:r>
+              <a:rPr lang="en-US" sz="2000" dirty="0"/>
+              <a:t>Given a list of numbers, find the </a:t>
+            </a:r>
+            <a:r>
+              <a:rPr lang="en-US" sz="2000" b="1" dirty="0"/>
+              <a:t>indices </a:t>
+            </a:r>
+            <a:r>
+              <a:rPr lang="en-US" sz="2000" dirty="0"/>
+              <a:t>of the two smallest numbers in the list.  </a:t>
+            </a:r>
+          </a:p>
+          <a:p>
+            <a:pPr marL="0" indent="0">
+              <a:buNone/>
+            </a:pPr>
+            <a:endParaRPr lang="en-US" sz="2000" dirty="0"/>
+          </a:p>
+          <a:p>
+            <a:pPr marL="0" indent="0">
+              <a:buNone/>
+            </a:pPr>
+            <a:r>
+              <a:rPr lang="en-US" sz="2000" dirty="0"/>
+              <a:t>We'll implement two algorithms to solve the above problem. We'll use top-down design by first using pseudocode and break down problems into smaller and smaller parts until the pseudocode is easily translated into Python code.</a:t>
+            </a:r>
+          </a:p>
+          <a:p>
+            <a:pPr marL="0" indent="0">
+              <a:buNone/>
+            </a:pPr>
+            <a:endParaRPr lang="en-US" sz="2000" dirty="0"/>
+          </a:p>
+          <a:p>
+            <a:pPr marL="0" indent="0">
+              <a:buNone/>
+            </a:pPr>
+            <a:r>
+              <a:rPr lang="en-US" sz="2000" dirty="0"/>
+              <a:t>We'll use both built-in functions(</a:t>
+            </a:r>
+            <a:r>
+              <a:rPr lang="en-US" sz="2000" b="1" dirty="0"/>
+              <a:t>min, sorted</a:t>
+            </a:r>
+            <a:r>
+              <a:rPr lang="en-US" sz="2000" dirty="0"/>
+              <a:t>) and list methods(</a:t>
+            </a:r>
+            <a:r>
+              <a:rPr lang="en-US" sz="2000" b="1" dirty="0">
+                <a:latin typeface="INCONSOLATA" panose="020B0609030003000000" pitchFamily="49" charset="77"/>
+              </a:rPr>
+              <a:t>index, </a:t>
+            </a:r>
+            <a:r>
+              <a:rPr lang="en-US" sz="2000" b="1" dirty="0" err="1">
+                <a:latin typeface="INCONSOLATA" panose="020B0609030003000000" pitchFamily="49" charset="77"/>
+              </a:rPr>
+              <a:t>remove,insert</a:t>
+            </a:r>
+            <a:r>
+              <a:rPr lang="en-US" sz="2000" dirty="0"/>
+              <a:t>) to abstract away some of the smaller tasks in the problem(procedure abstraction).</a:t>
+            </a:r>
+          </a:p>
+          <a:p>
+            <a:pPr marL="0" indent="0">
+              <a:buNone/>
+            </a:pPr>
             <a:endParaRPr lang="en-US" altLang="en-US" sz="2000" dirty="0">
-              <a:latin typeface="Gill Sans MT" panose="020B0502020104020203" pitchFamily="34" charset="77"/>
-            </a:endParaRPr>
-          </a:p>
-          <a:p>
-            <a:pPr marL="0" indent="0">
-              <a:buNone/>
-            </a:pPr>
-            <a:r>
-              <a:rPr lang="en-US" altLang="en-US" sz="2000" dirty="0">
-                <a:latin typeface="Gill Sans MT" panose="020B0502020104020203" pitchFamily="34" charset="77"/>
-                <a:ea typeface="ＭＳ Ｐゴシック" panose="020B0600070205080204" pitchFamily="34" charset="-128"/>
-              </a:rPr>
-              <a:t>An undecidable problem is one for which no algorithm can be constructed that is always capable of providing a correct yes-or-no answer. </a:t>
-            </a:r>
-          </a:p>
-          <a:p>
-            <a:pPr marL="0" indent="0" eaLnBrk="1" hangingPunct="1">
-              <a:buNone/>
-            </a:pPr>
-            <a:endParaRPr lang="en-US" altLang="en-US" sz="2000" dirty="0">
-              <a:latin typeface="Gill Sans MT" panose="020B0502020104020203" pitchFamily="34" charset="77"/>
               <a:ea typeface="ＭＳ Ｐゴシック" panose="020B0600070205080204" pitchFamily="34" charset="-128"/>
             </a:endParaRPr>
           </a:p>
@@ -25345,87 +24468,10 @@
             <a:pPr marL="0" indent="0">
               <a:buNone/>
             </a:pPr>
-            <a:r>
-              <a:rPr lang="en-US" dirty="0"/>
-              <a:t>An undecidable problem may have some instances that have an algorithmic solution, but there is no algorithmic solution that could solve all instances of the problem. </a:t>
-            </a:r>
-            <a:endParaRPr lang="en-US" sz="2000" dirty="0"/>
-          </a:p>
-          <a:p>
-            <a:pPr marL="0" indent="0" eaLnBrk="1" hangingPunct="1">
-              <a:buNone/>
-            </a:pPr>
             <a:endParaRPr lang="en-US" altLang="en-US" sz="2000" dirty="0">
-              <a:latin typeface="Gill Sans MT" panose="020B0502020104020203" pitchFamily="34" charset="77"/>
+              <a:latin typeface="Courier New" panose="02070309020205020404" pitchFamily="49" charset="0"/>
               <a:ea typeface="ＭＳ Ｐゴシック" panose="020B0600070205080204" pitchFamily="34" charset="-128"/>
             </a:endParaRPr>
-          </a:p>
-          <a:p>
-            <a:pPr marL="0" indent="0" eaLnBrk="1" hangingPunct="1">
-              <a:buNone/>
-            </a:pPr>
-            <a:r>
-              <a:rPr lang="en-US" altLang="en-US" sz="2000" dirty="0">
-                <a:latin typeface="Gill Sans MT" panose="020B0502020104020203" pitchFamily="34" charset="77"/>
-                <a:ea typeface="ＭＳ Ｐゴシック" panose="020B0600070205080204" pitchFamily="34" charset="-128"/>
-              </a:rPr>
-              <a:t>Alan Turing, considered by many to be the father of computer science, proved that there exists undecidable problems.  An example he posed is the Halting Problem. </a:t>
-            </a:r>
-          </a:p>
-          <a:p>
-            <a:pPr eaLnBrk="1" hangingPunct="1"/>
-            <a:endParaRPr lang="en-US" altLang="en-US" sz="2000" dirty="0">
-              <a:latin typeface="Gill Sans MT" panose="020B0502020104020203" pitchFamily="34" charset="77"/>
-              <a:ea typeface="ＭＳ Ｐゴシック" panose="020B0600070205080204" pitchFamily="34" charset="-128"/>
-            </a:endParaRPr>
-          </a:p>
-          <a:p>
-            <a:pPr eaLnBrk="1" hangingPunct="1">
-              <a:buFontTx/>
-              <a:buNone/>
-            </a:pPr>
-            <a:endParaRPr lang="en-US" altLang="en-US" sz="2000" dirty="0">
-              <a:latin typeface="Gill Sans MT" panose="020B0502020104020203" pitchFamily="34" charset="77"/>
-              <a:ea typeface="ＭＳ Ｐゴシック" panose="020B0600070205080204" pitchFamily="34" charset="-128"/>
-            </a:endParaRPr>
-          </a:p>
-          <a:p>
-            <a:pPr eaLnBrk="1" hangingPunct="1"/>
-            <a:endParaRPr lang="en-US" altLang="en-US" sz="2000" dirty="0">
-              <a:latin typeface="Gill Sans MT" panose="020B0502020104020203" pitchFamily="34" charset="77"/>
-              <a:ea typeface="ＭＳ Ｐゴシック" panose="020B0600070205080204" pitchFamily="34" charset="-128"/>
-            </a:endParaRPr>
-          </a:p>
-          <a:p>
-            <a:pPr eaLnBrk="1" hangingPunct="1"/>
-            <a:endParaRPr lang="en-US" altLang="en-US" sz="2000" dirty="0">
-              <a:latin typeface="Gill Sans MT" panose="020B0502020104020203" pitchFamily="34" charset="77"/>
-              <a:ea typeface="ＭＳ Ｐゴシック" panose="020B0600070205080204" pitchFamily="34" charset="-128"/>
-            </a:endParaRPr>
-          </a:p>
-          <a:p>
-            <a:pPr lvl="1" eaLnBrk="1" hangingPunct="1">
-              <a:buFontTx/>
-              <a:buNone/>
-            </a:pPr>
-            <a:r>
-              <a:rPr lang="en-US" altLang="en-US" sz="2000" dirty="0">
-                <a:latin typeface="Gill Sans MT" panose="020B0502020104020203" pitchFamily="34" charset="77"/>
-              </a:rPr>
-              <a:t>	</a:t>
-            </a:r>
-          </a:p>
-          <a:p>
-            <a:pPr lvl="1" eaLnBrk="1" hangingPunct="1">
-              <a:buFontTx/>
-              <a:buNone/>
-            </a:pPr>
-            <a:r>
-              <a:rPr lang="en-US" altLang="en-US" sz="2000" dirty="0">
-                <a:latin typeface="Gill Sans MT" panose="020B0502020104020203" pitchFamily="34" charset="77"/>
-              </a:rPr>
-              <a:t>	</a:t>
-            </a:r>
           </a:p>
         </p:txBody>
       </p:sp>
@@ -25434,7 +24480,7 @@
           <p:cNvPr id="2" name="Slide Number Placeholder 1">
             <a:extLst>
               <a:ext uri="{FF2B5EF4-FFF2-40B4-BE49-F238E27FC236}">
-                <a16:creationId xmlns:a16="http://schemas.microsoft.com/office/drawing/2014/main" id="{890C1C5E-5C56-5440-8BE4-54237F383ACA}"/>
+                <a16:creationId xmlns:a16="http://schemas.microsoft.com/office/drawing/2014/main" id="{9C3CA69A-9F9B-CC4B-BBCA-6F6F89332FC4}"/>
               </a:ext>
             </a:extLst>
           </p:cNvPr>
@@ -25461,14 +24507,13 @@
     </p:spTree>
     <p:extLst>
       <p:ext uri="{BB962C8B-B14F-4D97-AF65-F5344CB8AC3E}">
-        <p14:creationId xmlns:p14="http://schemas.microsoft.com/office/powerpoint/2010/main" val="51278377"/>
+        <p14:creationId xmlns:p14="http://schemas.microsoft.com/office/powerpoint/2010/main" val="258849706"/>
       </p:ext>
     </p:extLst>
   </p:cSld>
   <p:clrMapOvr>
     <a:masterClrMapping/>
   </p:clrMapOvr>
-  <p:transition/>
   <p:timing>
     <p:tnLst>
       <p:par>
@@ -25503,9 +24548,9 @@
                                           </p:stCondLst>
                                         </p:cTn>
                                         <p:tgtEl>
-                                          <p:spTgt spid="26627">
+                                          <p:spTgt spid="6146">
                                             <p:txEl>
-                                              <p:pRg st="3" end="3"/>
+                                              <p:pRg st="4" end="4"/>
                                             </p:txEl>
                                           </p:spTgt>
                                         </p:tgtEl>
@@ -25552,58 +24597,9 @@
                                           </p:stCondLst>
                                         </p:cTn>
                                         <p:tgtEl>
-                                          <p:spTgt spid="26627">
+                                          <p:spTgt spid="6146">
                                             <p:txEl>
-                                              <p:pRg st="5" end="5"/>
-                                            </p:txEl>
-                                          </p:spTgt>
-                                        </p:tgtEl>
-                                        <p:attrNameLst>
-                                          <p:attrName>style.visibility</p:attrName>
-                                        </p:attrNameLst>
-                                      </p:cBhvr>
-                                      <p:to>
-                                        <p:strVal val="visible"/>
-                                      </p:to>
-                                    </p:set>
-                                  </p:childTnLst>
-                                </p:cTn>
-                              </p:par>
-                            </p:childTnLst>
-                          </p:cTn>
-                        </p:par>
-                      </p:childTnLst>
-                    </p:cTn>
-                  </p:par>
-                  <p:par>
-                    <p:cTn id="11" fill="hold">
-                      <p:stCondLst>
-                        <p:cond delay="indefinite"/>
-                      </p:stCondLst>
-                      <p:childTnLst>
-                        <p:par>
-                          <p:cTn id="12" fill="hold">
-                            <p:stCondLst>
-                              <p:cond delay="0"/>
-                            </p:stCondLst>
-                            <p:childTnLst>
-                              <p:par>
-                                <p:cTn id="13" presetID="1" presetClass="entr" presetSubtype="0" fill="hold" nodeType="clickEffect">
-                                  <p:stCondLst>
-                                    <p:cond delay="0"/>
-                                  </p:stCondLst>
-                                  <p:childTnLst>
-                                    <p:set>
-                                      <p:cBhvr>
-                                        <p:cTn id="14" dur="1" fill="hold">
-                                          <p:stCondLst>
-                                            <p:cond delay="0"/>
-                                          </p:stCondLst>
-                                        </p:cTn>
-                                        <p:tgtEl>
-                                          <p:spTgt spid="26627">
-                                            <p:txEl>
-                                              <p:pRg st="7" end="7"/>
+                                              <p:pRg st="6" end="6"/>
                                             </p:txEl>
                                           </p:spTgt>
                                         </p:tgtEl>
@@ -25668,10 +24664,10 @@
       </p:grpSpPr>
       <p:sp>
         <p:nvSpPr>
-          <p:cNvPr id="59393" name="Rectangle 2">
+          <p:cNvPr id="186370" name="Rectangle 2">
             <a:extLst>
               <a:ext uri="{FF2B5EF4-FFF2-40B4-BE49-F238E27FC236}">
-                <a16:creationId xmlns:a16="http://schemas.microsoft.com/office/drawing/2014/main" id="{ED11F17B-90BB-E643-864C-A7CD96ECBCD5}"/>
+                <a16:creationId xmlns:a16="http://schemas.microsoft.com/office/drawing/2014/main" id="{C5506108-D6E6-9641-98CC-A9DA92AF0478}"/>
               </a:ext>
             </a:extLst>
           </p:cNvPr>
@@ -25684,31 +24680,33 @@
         </p:nvSpPr>
         <p:spPr>
           <a:xfrm>
-            <a:off x="154112" y="127000"/>
-            <a:ext cx="7847530" cy="607523"/>
+            <a:off x="133563" y="104519"/>
+            <a:ext cx="8003569" cy="679442"/>
           </a:xfrm>
         </p:spPr>
         <p:txBody>
           <a:bodyPr/>
           <a:lstStyle/>
           <a:p>
-            <a:pPr eaLnBrk="1" hangingPunct="1"/>
-            <a:r>
-              <a:rPr lang="en-US" altLang="en-US" sz="2500" dirty="0">
-                <a:latin typeface="Tahoma" panose="020B0604030504040204" pitchFamily="34" charset="0"/>
-                <a:ea typeface="ＭＳ Ｐゴシック" panose="020B0600070205080204" pitchFamily="34" charset="-128"/>
-              </a:rPr>
-              <a:t>The Halting Problem</a:t>
-            </a:r>
+            <a:pPr eaLnBrk="1" hangingPunct="1">
+              <a:defRPr/>
+            </a:pPr>
+            <a:r>
+              <a:rPr lang="en-US" dirty="0">
+                <a:cs typeface="+mj-cs"/>
+              </a:rPr>
+              <a:t>Index of Two Smallest Values(optional)</a:t>
+            </a:r>
+            <a:endParaRPr lang="en-US" sz="2333" dirty="0"/>
           </a:p>
         </p:txBody>
       </p:sp>
       <p:sp>
         <p:nvSpPr>
-          <p:cNvPr id="26627" name="Rectangle 3">
+          <p:cNvPr id="6146" name="Rectangle 3">
             <a:extLst>
               <a:ext uri="{FF2B5EF4-FFF2-40B4-BE49-F238E27FC236}">
-                <a16:creationId xmlns:a16="http://schemas.microsoft.com/office/drawing/2014/main" id="{7661587A-2BF3-9445-BC18-44350E3935D4}"/>
+                <a16:creationId xmlns:a16="http://schemas.microsoft.com/office/drawing/2014/main" id="{EAA042DF-FAF2-DA4B-9FB9-A8E93FAB0389}"/>
               </a:ext>
             </a:extLst>
           </p:cNvPr>
@@ -25721,31 +24719,36 @@
         </p:nvSpPr>
         <p:spPr>
           <a:xfrm>
-            <a:off x="154112" y="734523"/>
-            <a:ext cx="8753582" cy="4853477"/>
+            <a:off x="133564" y="783961"/>
+            <a:ext cx="8537825" cy="4931039"/>
           </a:xfrm>
         </p:spPr>
         <p:txBody>
           <a:bodyPr/>
           <a:lstStyle/>
           <a:p>
-            <a:pPr marL="0" indent="0" eaLnBrk="1" hangingPunct="1">
-              <a:buNone/>
-            </a:pPr>
-            <a:r>
-              <a:rPr lang="en-US" altLang="en-US" sz="2000" dirty="0">
-                <a:ea typeface="ＭＳ Ｐゴシック" panose="020B0600070205080204" pitchFamily="34" charset="-128"/>
-              </a:rPr>
-              <a:t>Can you write a program that takes the source code of another program and some input and returns whether the program will terminate(not go into an infinite loop) with the given input?</a:t>
-            </a:r>
-          </a:p>
-          <a:p>
-            <a:pPr marL="0" indent="0" eaLnBrk="1" hangingPunct="1">
-              <a:buNone/>
-            </a:pPr>
-            <a:endParaRPr lang="en-US" altLang="en-US" sz="2000" dirty="0">
-              <a:latin typeface="Tahoma" panose="020B0604030504040204" pitchFamily="34" charset="0"/>
-              <a:ea typeface="ＭＳ Ｐゴシック" panose="020B0600070205080204" pitchFamily="34" charset="-128"/>
+            <a:pPr marL="0" indent="0">
+              <a:buNone/>
+            </a:pPr>
+            <a:r>
+              <a:rPr lang="en-US" sz="2000" dirty="0"/>
+              <a:t>Given a list of numbers, find the </a:t>
+            </a:r>
+            <a:r>
+              <a:rPr lang="en-US" sz="2000" b="1" dirty="0"/>
+              <a:t>indices </a:t>
+            </a:r>
+            <a:r>
+              <a:rPr lang="en-US" sz="2000" dirty="0"/>
+              <a:t>of the two smallest numbers in the list.  </a:t>
+            </a:r>
+          </a:p>
+          <a:p>
+            <a:pPr marL="0" indent="0">
+              <a:buNone/>
+            </a:pPr>
+            <a:endParaRPr lang="en-US" sz="2000" dirty="0">
+              <a:latin typeface="Gill Sans MT" panose="020B0502020104020203" pitchFamily="34" charset="77"/>
             </a:endParaRPr>
           </a:p>
           <a:p>
@@ -25753,6 +24756,39 @@
               <a:buNone/>
             </a:pPr>
             <a:r>
+              <a:rPr lang="en-US" sz="2000" dirty="0">
+                <a:latin typeface="Gill Sans MT" panose="020B0502020104020203" pitchFamily="34" charset="77"/>
+              </a:rPr>
+              <a:t>Jumping right into coding this problem without planning will be tricky.</a:t>
+            </a:r>
+          </a:p>
+          <a:p>
+            <a:pPr marL="0" indent="0">
+              <a:buNone/>
+            </a:pPr>
+            <a:r>
+              <a:rPr lang="en-US" sz="2000" dirty="0">
+                <a:latin typeface="Gill Sans MT" panose="020B0502020104020203" pitchFamily="34" charset="77"/>
+              </a:rPr>
+              <a:t>Let's think carefully how we would solve this by writing out the pseudocode. </a:t>
+            </a:r>
+          </a:p>
+          <a:p>
+            <a:pPr marL="0" indent="0">
+              <a:buNone/>
+            </a:pPr>
+            <a:endParaRPr lang="en-US" sz="2000" b="1" dirty="0">
+              <a:solidFill>
+                <a:srgbClr val="34A327"/>
+              </a:solidFill>
+              <a:latin typeface="Inconsolata" panose="020B0609030003000000" pitchFamily="49" charset="77"/>
+            </a:endParaRPr>
+          </a:p>
+          <a:p>
+            <a:pPr marL="0" indent="0">
+              <a:buNone/>
+            </a:pPr>
+            <a:r>
               <a:rPr lang="en-US" sz="2000" b="1" dirty="0">
                 <a:solidFill>
                   <a:srgbClr val="34A327"/>
@@ -25771,13 +24807,31 @@
               <a:t> </a:t>
             </a:r>
             <a:r>
+              <a:rPr lang="en-US" sz="2000" b="1" dirty="0" err="1">
+                <a:solidFill>
+                  <a:srgbClr val="3C9FF2"/>
+                </a:solidFill>
+                <a:latin typeface="Inconsolata" panose="020B0609030003000000" pitchFamily="49" charset="77"/>
+              </a:rPr>
+              <a:t>two_smallest</a:t>
+            </a:r>
+            <a:r>
               <a:rPr lang="en-US" sz="2000" b="1" dirty="0">
                 <a:solidFill>
-                  <a:srgbClr val="3C9FF2"/>
+                  <a:srgbClr val="000000"/>
                 </a:solidFill>
                 <a:latin typeface="Inconsolata" panose="020B0609030003000000" pitchFamily="49" charset="77"/>
               </a:rPr>
-              <a:t>halting</a:t>
+              <a:t>(</a:t>
+            </a:r>
+            <a:r>
+              <a:rPr lang="en-US" sz="2000" b="1" dirty="0" err="1">
+                <a:solidFill>
+                  <a:srgbClr val="000000"/>
+                </a:solidFill>
+                <a:latin typeface="Inconsolata" panose="020B0609030003000000" pitchFamily="49" charset="77"/>
+              </a:rPr>
+              <a:t>lst</a:t>
             </a:r>
             <a:r>
               <a:rPr lang="en-US" sz="2000" b="1" dirty="0">
@@ -25786,7 +24840,7 @@
                 </a:solidFill>
                 <a:latin typeface="Inconsolata" panose="020B0609030003000000" pitchFamily="49" charset="77"/>
               </a:rPr>
-              <a:t>(function, input):  </a:t>
+              <a:t>):  </a:t>
             </a:r>
           </a:p>
           <a:p>
@@ -25800,7 +24854,25 @@
                 </a:solidFill>
                 <a:latin typeface="Inconsolata" panose="020B0609030003000000" pitchFamily="49" charset="77"/>
               </a:rPr>
-              <a:t>	# returns whether the function terminates with 	</a:t>
+              <a:t>	# Find the index of the minimum item in </a:t>
+            </a:r>
+            <a:r>
+              <a:rPr lang="en-US" sz="2000" b="1" dirty="0" err="1">
+                <a:solidFill>
+                  <a:srgbClr val="006699"/>
+                </a:solidFill>
+                <a:latin typeface="Inconsolata" panose="020B0609030003000000" pitchFamily="49" charset="77"/>
+              </a:rPr>
+              <a:t>lst</a:t>
+            </a:r>
+            <a:r>
+              <a:rPr lang="en-US" sz="2000" b="1" dirty="0">
+                <a:solidFill>
+                  <a:srgbClr val="006699"/>
+                </a:solidFill>
+                <a:latin typeface="Inconsolata" panose="020B0609030003000000" pitchFamily="49" charset="77"/>
+              </a:rPr>
+              <a:t> </a:t>
             </a:r>
           </a:p>
           <a:p>
@@ -25814,7 +24886,7 @@
                 </a:solidFill>
                 <a:latin typeface="Inconsolata" panose="020B0609030003000000" pitchFamily="49" charset="77"/>
               </a:rPr>
-              <a:t>	# given input. </a:t>
+              <a:t>	# Remove that item from the list </a:t>
             </a:r>
           </a:p>
           <a:p>
@@ -25822,82 +24894,56 @@
               <a:buNone/>
             </a:pPr>
             <a:r>
-              <a:rPr lang="en-US" altLang="en-US" sz="2000" b="1" dirty="0">
-                <a:latin typeface="INCONSOLATA" panose="020B0609030003000000" pitchFamily="49" charset="77"/>
-                <a:ea typeface="ＭＳ Ｐゴシック" panose="020B0600070205080204" pitchFamily="34" charset="-128"/>
-              </a:rPr>
-              <a:t>	</a:t>
-            </a:r>
-            <a:r>
               <a:rPr lang="en-US" sz="2000" b="1" dirty="0">
                 <a:solidFill>
                   <a:srgbClr val="006699"/>
                 </a:solidFill>
-                <a:latin typeface="INCONSOLATA" panose="020B0609030003000000" pitchFamily="49" charset="77"/>
-              </a:rPr>
-              <a:t># Is there an implementation of this function?</a:t>
-            </a:r>
-          </a:p>
-          <a:p>
-            <a:pPr marL="0" indent="0" eaLnBrk="1" hangingPunct="1">
-              <a:buNone/>
-            </a:pPr>
-            <a:endParaRPr lang="en-US" altLang="en-US" sz="1833" dirty="0">
-              <a:latin typeface="Tahoma" panose="020B0604030504040204" pitchFamily="34" charset="0"/>
-              <a:ea typeface="ＭＳ Ｐゴシック" panose="020B0600070205080204" pitchFamily="34" charset="-128"/>
-            </a:endParaRPr>
-          </a:p>
-          <a:p>
-            <a:pPr eaLnBrk="1" hangingPunct="1">
-              <a:buFontTx/>
-              <a:buNone/>
-            </a:pPr>
-            <a:endParaRPr lang="en-US" altLang="en-US" sz="1833" dirty="0">
-              <a:latin typeface="Tahoma" panose="020B0604030504040204" pitchFamily="34" charset="0"/>
-              <a:ea typeface="ＭＳ Ｐゴシック" panose="020B0600070205080204" pitchFamily="34" charset="-128"/>
-            </a:endParaRPr>
-          </a:p>
-          <a:p>
-            <a:pPr eaLnBrk="1" hangingPunct="1">
-              <a:buFontTx/>
-              <a:buNone/>
-            </a:pPr>
-            <a:endParaRPr lang="en-US" altLang="en-US" sz="1833" dirty="0">
-              <a:latin typeface="Tahoma" panose="020B0604030504040204" pitchFamily="34" charset="0"/>
-              <a:ea typeface="ＭＳ Ｐゴシック" panose="020B0600070205080204" pitchFamily="34" charset="-128"/>
-            </a:endParaRPr>
-          </a:p>
-          <a:p>
-            <a:pPr eaLnBrk="1" hangingPunct="1"/>
-            <a:endParaRPr lang="en-US" altLang="en-US" sz="1833" dirty="0">
-              <a:latin typeface="Tahoma" panose="020B0604030504040204" pitchFamily="34" charset="0"/>
-              <a:ea typeface="ＭＳ Ｐゴシック" panose="020B0600070205080204" pitchFamily="34" charset="-128"/>
-            </a:endParaRPr>
-          </a:p>
-          <a:p>
-            <a:pPr marL="380985" lvl="1" indent="0">
-              <a:buNone/>
-            </a:pPr>
-            <a:r>
-              <a:rPr lang="en-US" altLang="en-US" sz="1500" dirty="0">
-                <a:latin typeface="Tahoma" panose="020B0604030504040204" pitchFamily="34" charset="0"/>
-              </a:rPr>
-              <a:t>	</a:t>
-            </a:r>
-          </a:p>
-          <a:p>
-            <a:pPr marL="380985" lvl="1" indent="0">
-              <a:buNone/>
-            </a:pPr>
-            <a:r>
-              <a:rPr lang="en-US" altLang="en-US" sz="1500" dirty="0">
-                <a:latin typeface="Tahoma" panose="020B0604030504040204" pitchFamily="34" charset="0"/>
-              </a:rPr>
-              <a:t>	</a:t>
-            </a:r>
-            <a:endParaRPr lang="en-US" altLang="en-US" sz="1833" dirty="0">
-              <a:latin typeface="Tahoma" panose="020B0604030504040204" pitchFamily="34" charset="0"/>
-            </a:endParaRPr>
+                <a:latin typeface="Inconsolata" panose="020B0609030003000000" pitchFamily="49" charset="77"/>
+              </a:rPr>
+              <a:t>	# Find the index of the new minimum item in the list </a:t>
+            </a:r>
+          </a:p>
+          <a:p>
+            <a:pPr marL="0" indent="0">
+              <a:buNone/>
+            </a:pPr>
+            <a:r>
+              <a:rPr lang="en-US" sz="2000" b="1" dirty="0">
+                <a:solidFill>
+                  <a:srgbClr val="006699"/>
+                </a:solidFill>
+                <a:latin typeface="Inconsolata" panose="020B0609030003000000" pitchFamily="49" charset="77"/>
+              </a:rPr>
+              <a:t>	# Put the smallest item back in the list </a:t>
+            </a:r>
+          </a:p>
+          <a:p>
+            <a:pPr marL="0" indent="0">
+              <a:buNone/>
+            </a:pPr>
+            <a:r>
+              <a:rPr lang="en-US" sz="2000" b="1" dirty="0">
+                <a:solidFill>
+                  <a:srgbClr val="006699"/>
+                </a:solidFill>
+                <a:latin typeface="Inconsolata" panose="020B0609030003000000" pitchFamily="49" charset="77"/>
+              </a:rPr>
+              <a:t>	# If necessary, adjust the second index </a:t>
+            </a:r>
+          </a:p>
+          <a:p>
+            <a:pPr marL="0" indent="0">
+              <a:buNone/>
+            </a:pPr>
+            <a:r>
+              <a:rPr lang="en-US" sz="2000" b="1" dirty="0">
+                <a:solidFill>
+                  <a:srgbClr val="006699"/>
+                </a:solidFill>
+                <a:latin typeface="Inconsolata" panose="020B0609030003000000" pitchFamily="49" charset="77"/>
+              </a:rPr>
+              <a:t>	# Return the two indices </a:t>
+            </a:r>
           </a:p>
         </p:txBody>
       </p:sp>
@@ -25906,7 +24952,7 @@
           <p:cNvPr id="2" name="Slide Number Placeholder 1">
             <a:extLst>
               <a:ext uri="{FF2B5EF4-FFF2-40B4-BE49-F238E27FC236}">
-                <a16:creationId xmlns:a16="http://schemas.microsoft.com/office/drawing/2014/main" id="{86F49B2A-4E0E-E54E-AC2E-88FD75DD53ED}"/>
+                <a16:creationId xmlns:a16="http://schemas.microsoft.com/office/drawing/2014/main" id="{B20B7105-DF5A-C340-AECE-D8A3C15DF162}"/>
               </a:ext>
             </a:extLst>
           </p:cNvPr>
@@ -25933,14 +24979,13 @@
     </p:spTree>
     <p:extLst>
       <p:ext uri="{BB962C8B-B14F-4D97-AF65-F5344CB8AC3E}">
-        <p14:creationId xmlns:p14="http://schemas.microsoft.com/office/powerpoint/2010/main" val="2892160896"/>
+        <p14:creationId xmlns:p14="http://schemas.microsoft.com/office/powerpoint/2010/main" val="2722290652"/>
       </p:ext>
     </p:extLst>
   </p:cSld>
   <p:clrMapOvr>
     <a:masterClrMapping/>
   </p:clrMapOvr>
-  <p:transition/>
   <p:timing>
     <p:tnLst>
       <p:par>
@@ -25975,9 +25020,40 @@
                                           </p:stCondLst>
                                         </p:cTn>
                                         <p:tgtEl>
-                                          <p:spTgt spid="26627">
+                                          <p:spTgt spid="6146">
                                             <p:txEl>
                                               <p:pRg st="2" end="2"/>
+                                            </p:txEl>
+                                          </p:spTgt>
+                                        </p:tgtEl>
+                                        <p:attrNameLst>
+                                          <p:attrName>style.visibility</p:attrName>
+                                        </p:attrNameLst>
+                                      </p:cBhvr>
+                                      <p:to>
+                                        <p:strVal val="visible"/>
+                                      </p:to>
+                                    </p:set>
+                                  </p:childTnLst>
+                                </p:cTn>
+                              </p:par>
+                              <p:par>
+                                <p:cTn id="7" presetID="1" presetClass="entr" presetSubtype="0" fill="hold" nodeType="withEffect">
+                                  <p:stCondLst>
+                                    <p:cond delay="0"/>
+                                  </p:stCondLst>
+                                  <p:childTnLst>
+                                    <p:set>
+                                      <p:cBhvr>
+                                        <p:cTn id="8" dur="1" fill="hold">
+                                          <p:stCondLst>
+                                            <p:cond delay="0"/>
+                                          </p:stCondLst>
+                                        </p:cTn>
+                                        <p:tgtEl>
+                                          <p:spTgt spid="6146">
+                                            <p:txEl>
+                                              <p:pRg st="3" end="3"/>
                                             </p:txEl>
                                           </p:spTgt>
                                         </p:tgtEl>
@@ -25999,34 +25075,34 @@
                     </p:cTn>
                   </p:par>
                   <p:par>
-                    <p:cTn id="7" fill="hold">
+                    <p:cTn id="9" fill="hold">
                       <p:stCondLst>
                         <p:cond delay="indefinite"/>
                       </p:stCondLst>
                       <p:childTnLst>
                         <p:par>
-                          <p:cTn id="8" fill="hold">
+                          <p:cTn id="10" fill="hold">
                             <p:stCondLst>
                               <p:cond delay="0"/>
                             </p:stCondLst>
                             <p:childTnLst>
                               <p:par>
-                                <p:cTn id="9" presetID="1" presetClass="entr" presetSubtype="0" fill="hold" nodeType="clickEffect">
+                                <p:cTn id="11" presetID="1" presetClass="entr" presetSubtype="0" fill="hold" nodeType="clickEffect">
                                   <p:stCondLst>
                                     <p:cond delay="0"/>
                                   </p:stCondLst>
                                   <p:childTnLst>
                                     <p:set>
                                       <p:cBhvr>
-                                        <p:cTn id="10" dur="1" fill="hold">
+                                        <p:cTn id="12" dur="1" fill="hold">
                                           <p:stCondLst>
                                             <p:cond delay="0"/>
                                           </p:stCondLst>
                                         </p:cTn>
                                         <p:tgtEl>
-                                          <p:spTgt spid="26627">
+                                          <p:spTgt spid="6146">
                                             <p:txEl>
-                                              <p:pRg st="3" end="3"/>
+                                              <p:pRg st="5" end="5"/>
                                             </p:txEl>
                                           </p:spTgt>
                                         </p:tgtEl>
@@ -26041,23 +25117,41 @@
                                   </p:childTnLst>
                                 </p:cTn>
                               </p:par>
+                            </p:childTnLst>
+                          </p:cTn>
+                        </p:par>
+                      </p:childTnLst>
+                    </p:cTn>
+                  </p:par>
+                  <p:par>
+                    <p:cTn id="13" fill="hold">
+                      <p:stCondLst>
+                        <p:cond delay="indefinite"/>
+                      </p:stCondLst>
+                      <p:childTnLst>
+                        <p:par>
+                          <p:cTn id="14" fill="hold">
+                            <p:stCondLst>
+                              <p:cond delay="0"/>
+                            </p:stCondLst>
+                            <p:childTnLst>
                               <p:par>
-                                <p:cTn id="11" presetID="1" presetClass="entr" presetSubtype="0" fill="hold" nodeType="withEffect">
+                                <p:cTn id="15" presetID="1" presetClass="entr" presetSubtype="0" fill="hold" nodeType="clickEffect">
                                   <p:stCondLst>
                                     <p:cond delay="0"/>
                                   </p:stCondLst>
                                   <p:childTnLst>
                                     <p:set>
                                       <p:cBhvr>
-                                        <p:cTn id="12" dur="1" fill="hold">
+                                        <p:cTn id="16" dur="1" fill="hold">
                                           <p:stCondLst>
                                             <p:cond delay="0"/>
                                           </p:stCondLst>
                                         </p:cTn>
                                         <p:tgtEl>
-                                          <p:spTgt spid="26627">
+                                          <p:spTgt spid="6146">
                                             <p:txEl>
-                                              <p:pRg st="4" end="4"/>
+                                              <p:pRg st="6" end="6"/>
                                             </p:txEl>
                                           </p:spTgt>
                                         </p:tgtEl>
@@ -26072,23 +25166,237 @@
                                   </p:childTnLst>
                                 </p:cTn>
                               </p:par>
+                            </p:childTnLst>
+                          </p:cTn>
+                        </p:par>
+                      </p:childTnLst>
+                    </p:cTn>
+                  </p:par>
+                  <p:par>
+                    <p:cTn id="17" fill="hold">
+                      <p:stCondLst>
+                        <p:cond delay="indefinite"/>
+                      </p:stCondLst>
+                      <p:childTnLst>
+                        <p:par>
+                          <p:cTn id="18" fill="hold">
+                            <p:stCondLst>
+                              <p:cond delay="0"/>
+                            </p:stCondLst>
+                            <p:childTnLst>
                               <p:par>
-                                <p:cTn id="13" presetID="1" presetClass="entr" presetSubtype="0" fill="hold" nodeType="withEffect">
+                                <p:cTn id="19" presetID="1" presetClass="entr" presetSubtype="0" fill="hold" nodeType="clickEffect">
                                   <p:stCondLst>
                                     <p:cond delay="0"/>
                                   </p:stCondLst>
                                   <p:childTnLst>
                                     <p:set>
                                       <p:cBhvr>
-                                        <p:cTn id="14" dur="1" fill="hold">
+                                        <p:cTn id="20" dur="1" fill="hold">
                                           <p:stCondLst>
                                             <p:cond delay="0"/>
                                           </p:stCondLst>
                                         </p:cTn>
                                         <p:tgtEl>
-                                          <p:spTgt spid="26627">
+                                          <p:spTgt spid="6146">
                                             <p:txEl>
-                                              <p:pRg st="5" end="5"/>
+                                              <p:pRg st="7" end="7"/>
+                                            </p:txEl>
+                                          </p:spTgt>
+                                        </p:tgtEl>
+                                        <p:attrNameLst>
+                                          <p:attrName>style.visibility</p:attrName>
+                                        </p:attrNameLst>
+                                      </p:cBhvr>
+                                      <p:to>
+                                        <p:strVal val="visible"/>
+                                      </p:to>
+                                    </p:set>
+                                  </p:childTnLst>
+                                </p:cTn>
+                              </p:par>
+                            </p:childTnLst>
+                          </p:cTn>
+                        </p:par>
+                      </p:childTnLst>
+                    </p:cTn>
+                  </p:par>
+                  <p:par>
+                    <p:cTn id="21" fill="hold">
+                      <p:stCondLst>
+                        <p:cond delay="indefinite"/>
+                      </p:stCondLst>
+                      <p:childTnLst>
+                        <p:par>
+                          <p:cTn id="22" fill="hold">
+                            <p:stCondLst>
+                              <p:cond delay="0"/>
+                            </p:stCondLst>
+                            <p:childTnLst>
+                              <p:par>
+                                <p:cTn id="23" presetID="1" presetClass="entr" presetSubtype="0" fill="hold" nodeType="clickEffect">
+                                  <p:stCondLst>
+                                    <p:cond delay="0"/>
+                                  </p:stCondLst>
+                                  <p:childTnLst>
+                                    <p:set>
+                                      <p:cBhvr>
+                                        <p:cTn id="24" dur="1" fill="hold">
+                                          <p:stCondLst>
+                                            <p:cond delay="0"/>
+                                          </p:stCondLst>
+                                        </p:cTn>
+                                        <p:tgtEl>
+                                          <p:spTgt spid="6146">
+                                            <p:txEl>
+                                              <p:pRg st="8" end="8"/>
+                                            </p:txEl>
+                                          </p:spTgt>
+                                        </p:tgtEl>
+                                        <p:attrNameLst>
+                                          <p:attrName>style.visibility</p:attrName>
+                                        </p:attrNameLst>
+                                      </p:cBhvr>
+                                      <p:to>
+                                        <p:strVal val="visible"/>
+                                      </p:to>
+                                    </p:set>
+                                  </p:childTnLst>
+                                </p:cTn>
+                              </p:par>
+                            </p:childTnLst>
+                          </p:cTn>
+                        </p:par>
+                      </p:childTnLst>
+                    </p:cTn>
+                  </p:par>
+                  <p:par>
+                    <p:cTn id="25" fill="hold">
+                      <p:stCondLst>
+                        <p:cond delay="indefinite"/>
+                      </p:stCondLst>
+                      <p:childTnLst>
+                        <p:par>
+                          <p:cTn id="26" fill="hold">
+                            <p:stCondLst>
+                              <p:cond delay="0"/>
+                            </p:stCondLst>
+                            <p:childTnLst>
+                              <p:par>
+                                <p:cTn id="27" presetID="1" presetClass="entr" presetSubtype="0" fill="hold" nodeType="clickEffect">
+                                  <p:stCondLst>
+                                    <p:cond delay="0"/>
+                                  </p:stCondLst>
+                                  <p:childTnLst>
+                                    <p:set>
+                                      <p:cBhvr>
+                                        <p:cTn id="28" dur="1" fill="hold">
+                                          <p:stCondLst>
+                                            <p:cond delay="0"/>
+                                          </p:stCondLst>
+                                        </p:cTn>
+                                        <p:tgtEl>
+                                          <p:spTgt spid="6146">
+                                            <p:txEl>
+                                              <p:pRg st="9" end="9"/>
+                                            </p:txEl>
+                                          </p:spTgt>
+                                        </p:tgtEl>
+                                        <p:attrNameLst>
+                                          <p:attrName>style.visibility</p:attrName>
+                                        </p:attrNameLst>
+                                      </p:cBhvr>
+                                      <p:to>
+                                        <p:strVal val="visible"/>
+                                      </p:to>
+                                    </p:set>
+                                  </p:childTnLst>
+                                </p:cTn>
+                              </p:par>
+                            </p:childTnLst>
+                          </p:cTn>
+                        </p:par>
+                      </p:childTnLst>
+                    </p:cTn>
+                  </p:par>
+                  <p:par>
+                    <p:cTn id="29" fill="hold">
+                      <p:stCondLst>
+                        <p:cond delay="indefinite"/>
+                      </p:stCondLst>
+                      <p:childTnLst>
+                        <p:par>
+                          <p:cTn id="30" fill="hold">
+                            <p:stCondLst>
+                              <p:cond delay="0"/>
+                            </p:stCondLst>
+                            <p:childTnLst>
+                              <p:par>
+                                <p:cTn id="31" presetID="1" presetClass="entr" presetSubtype="0" fill="hold" nodeType="clickEffect">
+                                  <p:stCondLst>
+                                    <p:cond delay="0"/>
+                                  </p:stCondLst>
+                                  <p:childTnLst>
+                                    <p:set>
+                                      <p:cBhvr>
+                                        <p:cTn id="32" dur="1" fill="hold">
+                                          <p:stCondLst>
+                                            <p:cond delay="0"/>
+                                          </p:stCondLst>
+                                        </p:cTn>
+                                        <p:tgtEl>
+                                          <p:spTgt spid="6146">
+                                            <p:txEl>
+                                              <p:pRg st="10" end="10"/>
+                                            </p:txEl>
+                                          </p:spTgt>
+                                        </p:tgtEl>
+                                        <p:attrNameLst>
+                                          <p:attrName>style.visibility</p:attrName>
+                                        </p:attrNameLst>
+                                      </p:cBhvr>
+                                      <p:to>
+                                        <p:strVal val="visible"/>
+                                      </p:to>
+                                    </p:set>
+                                  </p:childTnLst>
+                                </p:cTn>
+                              </p:par>
+                            </p:childTnLst>
+                          </p:cTn>
+                        </p:par>
+                      </p:childTnLst>
+                    </p:cTn>
+                  </p:par>
+                  <p:par>
+                    <p:cTn id="33" fill="hold">
+                      <p:stCondLst>
+                        <p:cond delay="indefinite"/>
+                      </p:stCondLst>
+                      <p:childTnLst>
+                        <p:par>
+                          <p:cTn id="34" fill="hold">
+                            <p:stCondLst>
+                              <p:cond delay="0"/>
+                            </p:stCondLst>
+                            <p:childTnLst>
+                              <p:par>
+                                <p:cTn id="35" presetID="1" presetClass="entr" presetSubtype="0" fill="hold" nodeType="clickEffect">
+                                  <p:stCondLst>
+                                    <p:cond delay="0"/>
+                                  </p:stCondLst>
+                                  <p:childTnLst>
+                                    <p:set>
+                                      <p:cBhvr>
+                                        <p:cTn id="36" dur="1" fill="hold">
+                                          <p:stCondLst>
+                                            <p:cond delay="0"/>
+                                          </p:stCondLst>
+                                        </p:cTn>
+                                        <p:tgtEl>
+                                          <p:spTgt spid="6146">
+                                            <p:txEl>
+                                              <p:pRg st="11" end="11"/>
                                             </p:txEl>
                                           </p:spTgt>
                                         </p:tgtEl>
@@ -26153,47 +25461,10 @@
       </p:grpSpPr>
       <p:sp>
         <p:nvSpPr>
-          <p:cNvPr id="59393" name="Rectangle 2">
+          <p:cNvPr id="6146" name="Rectangle 3">
             <a:extLst>
               <a:ext uri="{FF2B5EF4-FFF2-40B4-BE49-F238E27FC236}">
-                <a16:creationId xmlns:a16="http://schemas.microsoft.com/office/drawing/2014/main" id="{ED11F17B-90BB-E643-864C-A7CD96ECBCD5}"/>
-              </a:ext>
-            </a:extLst>
-          </p:cNvPr>
-          <p:cNvSpPr>
-            <a:spLocks noGrp="1" noChangeArrowheads="1"/>
-          </p:cNvSpPr>
-          <p:nvPr>
-            <p:ph type="title"/>
-          </p:nvPr>
-        </p:nvSpPr>
-        <p:spPr>
-          <a:xfrm>
-            <a:off x="154112" y="110162"/>
-            <a:ext cx="7847530" cy="607523"/>
-          </a:xfrm>
-        </p:spPr>
-        <p:txBody>
-          <a:bodyPr/>
-          <a:lstStyle/>
-          <a:p>
-            <a:pPr eaLnBrk="1" hangingPunct="1"/>
-            <a:r>
-              <a:rPr lang="en-US" altLang="en-US" sz="2500" dirty="0">
-                <a:latin typeface="Tahoma" panose="020B0604030504040204" pitchFamily="34" charset="0"/>
-                <a:ea typeface="ＭＳ Ｐゴシック" panose="020B0600070205080204" pitchFamily="34" charset="-128"/>
-              </a:rPr>
-              <a:t>Example</a:t>
-            </a:r>
-          </a:p>
-        </p:txBody>
-      </p:sp>
-      <p:sp>
-        <p:nvSpPr>
-          <p:cNvPr id="26627" name="Rectangle 3">
-            <a:extLst>
-              <a:ext uri="{FF2B5EF4-FFF2-40B4-BE49-F238E27FC236}">
-                <a16:creationId xmlns:a16="http://schemas.microsoft.com/office/drawing/2014/main" id="{7661587A-2BF3-9445-BC18-44350E3935D4}"/>
+                <a16:creationId xmlns:a16="http://schemas.microsoft.com/office/drawing/2014/main" id="{EAA042DF-FAF2-DA4B-9FB9-A8E93FAB0389}"/>
               </a:ext>
             </a:extLst>
           </p:cNvPr>
@@ -26206,26 +25477,170 @@
         </p:nvSpPr>
         <p:spPr>
           <a:xfrm>
-            <a:off x="154111" y="681358"/>
-            <a:ext cx="8819767" cy="4980477"/>
+            <a:off x="143838" y="0"/>
+            <a:ext cx="8527551" cy="5591710"/>
           </a:xfrm>
         </p:spPr>
         <p:txBody>
-          <a:bodyPr/>
+          <a:bodyPr>
+            <a:normAutofit/>
+          </a:bodyPr>
           <a:lstStyle/>
           <a:p>
-            <a:pPr marL="0" indent="0" eaLnBrk="1" hangingPunct="1">
-              <a:buNone/>
-            </a:pPr>
-            <a:r>
-              <a:rPr lang="en-US" altLang="en-US" sz="2000" dirty="0">
-                <a:ea typeface="ＭＳ Ｐゴシック" panose="020B0600070205080204" pitchFamily="34" charset="-128"/>
-              </a:rPr>
-              <a:t>IF the halting function can be implemented, it will give the following outputs for the sum function(sum 1 to 10 with step size= increment).</a:t>
-            </a:r>
-            <a:endParaRPr lang="en-US" sz="2000" b="1" dirty="0">
+            <a:pPr marL="0" indent="0">
+              <a:buNone/>
+            </a:pPr>
+            <a:r>
+              <a:rPr lang="en-US" sz="2000" b="1" dirty="0">
+                <a:latin typeface="Gill Sans MT" panose="020B0502020104020203" pitchFamily="34" charset="77"/>
+              </a:rPr>
+              <a:t>(Optional)</a:t>
+            </a:r>
+          </a:p>
+          <a:p>
+            <a:pPr marL="0" indent="0">
+              <a:buNone/>
+            </a:pPr>
+            <a:r>
+              <a:rPr lang="en-US" sz="1600" b="1" dirty="0">
+                <a:solidFill>
+                  <a:srgbClr val="34A327"/>
+                </a:solidFill>
+                <a:latin typeface="Inconsolata" panose="020B0609030003000000" pitchFamily="49" charset="77"/>
+              </a:rPr>
+              <a:t>def</a:t>
+            </a:r>
+            <a:r>
+              <a:rPr lang="en-US" sz="1600" b="1" dirty="0">
+                <a:solidFill>
+                  <a:srgbClr val="000000"/>
+                </a:solidFill>
+                <a:latin typeface="Inconsolata" panose="020B0609030003000000" pitchFamily="49" charset="77"/>
+              </a:rPr>
+              <a:t> </a:t>
+            </a:r>
+            <a:r>
+              <a:rPr lang="en-US" sz="1600" b="1" dirty="0" err="1">
+                <a:solidFill>
+                  <a:srgbClr val="3C9FF2"/>
+                </a:solidFill>
+                <a:latin typeface="Inconsolata" panose="020B0609030003000000" pitchFamily="49" charset="77"/>
+              </a:rPr>
+              <a:t>two_smallest</a:t>
+            </a:r>
+            <a:r>
+              <a:rPr lang="en-US" sz="1600" b="1" dirty="0">
+                <a:solidFill>
+                  <a:srgbClr val="000000"/>
+                </a:solidFill>
+                <a:latin typeface="Inconsolata" panose="020B0609030003000000" pitchFamily="49" charset="77"/>
+              </a:rPr>
+              <a:t>(</a:t>
+            </a:r>
+            <a:r>
+              <a:rPr lang="en-US" sz="1600" b="1" dirty="0" err="1">
+                <a:solidFill>
+                  <a:srgbClr val="000000"/>
+                </a:solidFill>
+                <a:latin typeface="Inconsolata" panose="020B0609030003000000" pitchFamily="49" charset="77"/>
+              </a:rPr>
+              <a:t>lst</a:t>
+            </a:r>
+            <a:r>
+              <a:rPr lang="en-US" sz="1600" b="1" dirty="0">
+                <a:solidFill>
+                  <a:srgbClr val="000000"/>
+                </a:solidFill>
+                <a:latin typeface="Inconsolata" panose="020B0609030003000000" pitchFamily="49" charset="77"/>
+              </a:rPr>
+              <a:t>)</a:t>
+            </a:r>
+            <a:r>
+              <a:rPr lang="en-US" sz="1600" b="1" dirty="0">
+                <a:solidFill>
+                  <a:srgbClr val="000000"/>
+                </a:solidFill>
+                <a:latin typeface="Inconsolata" panose="020B0609030003000000" pitchFamily="49" charset="77"/>
+                <a:sym typeface="Wingdings" pitchFamily="2" charset="2"/>
+              </a:rPr>
+              <a:t>:</a:t>
+            </a:r>
+            <a:r>
+              <a:rPr lang="en-US" sz="1600" b="1" dirty="0">
+                <a:solidFill>
+                  <a:srgbClr val="000000"/>
+                </a:solidFill>
+                <a:latin typeface="Inconsolata" panose="020B0609030003000000" pitchFamily="49" charset="77"/>
+              </a:rPr>
+              <a:t>  </a:t>
+            </a:r>
+          </a:p>
+          <a:p>
+            <a:pPr marL="0" indent="0">
+              <a:buNone/>
+            </a:pPr>
+            <a:r>
+              <a:rPr lang="en-US" sz="1600" b="1" dirty="0">
+                <a:solidFill>
+                  <a:srgbClr val="006699"/>
+                </a:solidFill>
+                <a:latin typeface="Inconsolata" panose="020B0609030003000000" pitchFamily="49" charset="77"/>
+              </a:rPr>
+              <a:t>	# Find the index of the minimum item in </a:t>
+            </a:r>
+            <a:r>
+              <a:rPr lang="en-US" sz="1600" b="1" dirty="0" err="1">
+                <a:solidFill>
+                  <a:srgbClr val="006699"/>
+                </a:solidFill>
+                <a:latin typeface="Inconsolata" panose="020B0609030003000000" pitchFamily="49" charset="77"/>
+              </a:rPr>
+              <a:t>lst</a:t>
+            </a:r>
+            <a:r>
+              <a:rPr lang="en-US" sz="1600" b="1" dirty="0">
+                <a:solidFill>
+                  <a:srgbClr val="006699"/>
+                </a:solidFill>
+                <a:latin typeface="Inconsolata" panose="020B0609030003000000" pitchFamily="49" charset="77"/>
+              </a:rPr>
+              <a:t> </a:t>
+            </a:r>
+          </a:p>
+          <a:p>
+            <a:pPr marL="0" indent="0">
+              <a:buNone/>
+            </a:pPr>
+            <a:r>
+              <a:rPr lang="en-US" sz="1600" b="1" dirty="0">
+                <a:solidFill>
+                  <a:srgbClr val="006699"/>
+                </a:solidFill>
+                <a:latin typeface="Inconsolata" panose="020B0609030003000000" pitchFamily="49" charset="77"/>
+              </a:rPr>
+              <a:t>	</a:t>
+            </a:r>
+            <a:r>
+              <a:rPr lang="en-US" sz="1600" b="1" dirty="0">
+                <a:latin typeface="Inconsolata" panose="020B0609030003000000" pitchFamily="49" charset="77"/>
+              </a:rPr>
+              <a:t>smallest = min(</a:t>
+            </a:r>
+            <a:r>
+              <a:rPr lang="en-US" sz="1600" b="1" dirty="0" err="1">
+                <a:latin typeface="Inconsolata" panose="020B0609030003000000" pitchFamily="49" charset="77"/>
+              </a:rPr>
+              <a:t>lst</a:t>
+            </a:r>
+            <a:r>
+              <a:rPr lang="en-US" sz="1600" b="1" dirty="0">
+                <a:latin typeface="Inconsolata" panose="020B0609030003000000" pitchFamily="49" charset="77"/>
+              </a:rPr>
+              <a:t>)</a:t>
+            </a:r>
+            <a:endParaRPr lang="en-US" sz="1600" b="1" dirty="0">
               <a:solidFill>
-                <a:srgbClr val="34A327"/>
+                <a:srgbClr val="006699"/>
               </a:solidFill>
               <a:latin typeface="Inconsolata" panose="020B0609030003000000" pitchFamily="49" charset="77"/>
             </a:endParaRPr>
@@ -26235,40 +25650,36 @@
               <a:buNone/>
             </a:pPr>
             <a:r>
-              <a:rPr lang="en-US" sz="2000" b="1" dirty="0">
-                <a:solidFill>
-                  <a:srgbClr val="34A327"/>
-                </a:solidFill>
+              <a:rPr lang="en-US" sz="1600" b="1" dirty="0">
                 <a:latin typeface="Inconsolata" panose="020B0609030003000000" pitchFamily="49" charset="77"/>
               </a:rPr>
-              <a:t>def</a:t>
-            </a:r>
-            <a:r>
-              <a:rPr lang="en-US" sz="2000" b="1" dirty="0">
-                <a:solidFill>
-                  <a:srgbClr val="000000"/>
-                </a:solidFill>
+              <a:t>	min1 = </a:t>
+            </a:r>
+            <a:r>
+              <a:rPr lang="en-US" sz="1600" b="1" dirty="0" err="1">
                 <a:latin typeface="Inconsolata" panose="020B0609030003000000" pitchFamily="49" charset="77"/>
               </a:rPr>
-              <a:t> </a:t>
-            </a:r>
-            <a:r>
-              <a:rPr lang="en-US" sz="2000" b="1" dirty="0">
-                <a:solidFill>
-                  <a:srgbClr val="3C9FF2"/>
-                </a:solidFill>
+              <a:t>lst.index</a:t>
+            </a:r>
+            <a:r>
+              <a:rPr lang="en-US" sz="1600" b="1" dirty="0">
                 <a:latin typeface="Inconsolata" panose="020B0609030003000000" pitchFamily="49" charset="77"/>
               </a:rPr>
-              <a:t>sum</a:t>
-            </a:r>
-            <a:r>
-              <a:rPr lang="en-US" sz="2000" b="1" dirty="0">
-                <a:solidFill>
-                  <a:srgbClr val="000000"/>
+              <a:t>(smallest)</a:t>
+            </a:r>
+          </a:p>
+          <a:p>
+            <a:pPr marL="0" indent="0">
+              <a:buNone/>
+            </a:pPr>
+            <a:r>
+              <a:rPr lang="en-US" sz="1600" b="1" dirty="0">
+                <a:solidFill>
+                  <a:srgbClr val="006699"/>
                 </a:solidFill>
                 <a:latin typeface="Inconsolata" panose="020B0609030003000000" pitchFamily="49" charset="77"/>
               </a:rPr>
-              <a:t>(increment):</a:t>
+              <a:t>	# Remove that item from the list </a:t>
             </a:r>
           </a:p>
           <a:p>
@@ -26276,30 +25687,42 @@
               <a:buNone/>
             </a:pPr>
             <a:r>
-              <a:rPr lang="en-US" sz="2000" b="1" dirty="0">
-                <a:solidFill>
-                  <a:srgbClr val="000000"/>
-                </a:solidFill>
+              <a:rPr lang="en-US" sz="1600" b="1" dirty="0">
                 <a:latin typeface="Inconsolata" panose="020B0609030003000000" pitchFamily="49" charset="77"/>
               </a:rPr>
               <a:t>	</a:t>
             </a:r>
             <a:r>
-              <a:rPr lang="en-US" sz="2000" b="1" dirty="0">
+              <a:rPr lang="en-US" sz="1600" b="1" dirty="0" err="1">
                 <a:latin typeface="Inconsolata" panose="020B0609030003000000" pitchFamily="49" charset="77"/>
               </a:rPr>
-              <a:t>x = 1  </a:t>
-            </a:r>
+              <a:t>lst.remove</a:t>
+            </a:r>
+            <a:r>
+              <a:rPr lang="en-US" sz="1600" b="1" dirty="0">
+                <a:latin typeface="Inconsolata" panose="020B0609030003000000" pitchFamily="49" charset="77"/>
+              </a:rPr>
+              <a:t>(smallest)</a:t>
+            </a:r>
+            <a:endParaRPr lang="en-US" sz="1600" b="1" dirty="0">
+              <a:solidFill>
+                <a:srgbClr val="006699"/>
+              </a:solidFill>
+              <a:latin typeface="Inconsolata" panose="020B0609030003000000" pitchFamily="49" charset="77"/>
+            </a:endParaRPr>
           </a:p>
           <a:p>
             <a:pPr marL="0" indent="0">
               <a:buNone/>
             </a:pPr>
             <a:r>
-              <a:rPr lang="en-US" sz="2000" b="1" dirty="0">
+              <a:rPr lang="en-US" sz="1600" b="1" dirty="0">
+                <a:solidFill>
+                  <a:srgbClr val="006699"/>
+                </a:solidFill>
                 <a:latin typeface="Inconsolata" panose="020B0609030003000000" pitchFamily="49" charset="77"/>
               </a:rPr>
-              <a:t>	while x &lt;= 10:</a:t>
+              <a:t>	# Find the index of the new minimum item in the list </a:t>
             </a:r>
           </a:p>
           <a:p>
@@ -26307,154 +25730,189 @@
               <a:buNone/>
             </a:pPr>
             <a:r>
-              <a:rPr lang="en-US" altLang="en-US" sz="2000" b="1" dirty="0">
+              <a:rPr lang="en-US" sz="1600" b="1" dirty="0">
                 <a:latin typeface="Inconsolata" panose="020B0609030003000000" pitchFamily="49" charset="77"/>
-                <a:ea typeface="ＭＳ Ｐゴシック" panose="020B0600070205080204" pitchFamily="34" charset="-128"/>
-              </a:rPr>
-              <a:t>		x += increment</a:t>
-            </a:r>
+              </a:rPr>
+              <a:t>	</a:t>
+            </a:r>
+            <a:r>
+              <a:rPr lang="en-US" sz="1600" b="1" dirty="0" err="1">
+                <a:latin typeface="Inconsolata" panose="020B0609030003000000" pitchFamily="49" charset="77"/>
+              </a:rPr>
+              <a:t>next_smallest</a:t>
+            </a:r>
+            <a:r>
+              <a:rPr lang="en-US" sz="1600" b="1" dirty="0">
+                <a:latin typeface="Inconsolata" panose="020B0609030003000000" pitchFamily="49" charset="77"/>
+              </a:rPr>
+              <a:t> = min(</a:t>
+            </a:r>
+            <a:r>
+              <a:rPr lang="en-US" sz="1600" b="1" dirty="0" err="1">
+                <a:latin typeface="Inconsolata" panose="020B0609030003000000" pitchFamily="49" charset="77"/>
+              </a:rPr>
+              <a:t>lst</a:t>
+            </a:r>
+            <a:r>
+              <a:rPr lang="en-US" sz="1600" b="1" dirty="0">
+                <a:latin typeface="Inconsolata" panose="020B0609030003000000" pitchFamily="49" charset="77"/>
+              </a:rPr>
+              <a:t>)</a:t>
+            </a:r>
+            <a:endParaRPr lang="en-US" sz="1600" b="1" dirty="0">
+              <a:solidFill>
+                <a:srgbClr val="006699"/>
+              </a:solidFill>
+              <a:latin typeface="Inconsolata" panose="020B0609030003000000" pitchFamily="49" charset="77"/>
+            </a:endParaRPr>
           </a:p>
           <a:p>
             <a:pPr marL="0" indent="0">
               <a:buNone/>
             </a:pPr>
             <a:r>
-              <a:rPr lang="en-US" altLang="en-US" sz="2000" b="1" dirty="0">
+              <a:rPr lang="en-US" sz="1600" b="1" dirty="0">
                 <a:latin typeface="Inconsolata" panose="020B0609030003000000" pitchFamily="49" charset="77"/>
-                <a:ea typeface="ＭＳ Ｐゴシック" panose="020B0600070205080204" pitchFamily="34" charset="-128"/>
-              </a:rPr>
-              <a:t>	return x</a:t>
-            </a:r>
+              </a:rPr>
+              <a:t>	min2 = </a:t>
+            </a:r>
+            <a:r>
+              <a:rPr lang="en-US" sz="1600" b="1" dirty="0" err="1">
+                <a:latin typeface="Inconsolata" panose="020B0609030003000000" pitchFamily="49" charset="77"/>
+              </a:rPr>
+              <a:t>lst.index</a:t>
+            </a:r>
+            <a:r>
+              <a:rPr lang="en-US" sz="1600" b="1" dirty="0">
+                <a:latin typeface="Inconsolata" panose="020B0609030003000000" pitchFamily="49" charset="77"/>
+              </a:rPr>
+              <a:t>(</a:t>
+            </a:r>
+            <a:r>
+              <a:rPr lang="en-US" sz="1600" b="1" dirty="0" err="1">
+                <a:latin typeface="Inconsolata" panose="020B0609030003000000" pitchFamily="49" charset="77"/>
+              </a:rPr>
+              <a:t>next_smallest</a:t>
+            </a:r>
+            <a:r>
+              <a:rPr lang="en-US" sz="1600" b="1" dirty="0">
+                <a:latin typeface="Inconsolata" panose="020B0609030003000000" pitchFamily="49" charset="77"/>
+              </a:rPr>
+              <a:t>)</a:t>
+            </a:r>
+            <a:endParaRPr lang="en-US" sz="1600" b="1" dirty="0">
+              <a:solidFill>
+                <a:srgbClr val="006699"/>
+              </a:solidFill>
+              <a:latin typeface="Inconsolata" panose="020B0609030003000000" pitchFamily="49" charset="77"/>
+            </a:endParaRPr>
           </a:p>
           <a:p>
             <a:pPr marL="0" indent="0">
               <a:buNone/>
             </a:pPr>
             <a:r>
-              <a:rPr lang="en-US" altLang="en-US" sz="2000" b="1" dirty="0">
+              <a:rPr lang="en-US" sz="1600" b="1" dirty="0">
+                <a:solidFill>
+                  <a:srgbClr val="006699"/>
+                </a:solidFill>
                 <a:latin typeface="Inconsolata" panose="020B0609030003000000" pitchFamily="49" charset="77"/>
-                <a:ea typeface="ＭＳ Ｐゴシック" panose="020B0600070205080204" pitchFamily="34" charset="-128"/>
-              </a:rPr>
-              <a:t>print(halting(sum, 1)) # True</a:t>
-            </a:r>
-            <a:endParaRPr lang="en-US" altLang="en-US" sz="1833" dirty="0">
-              <a:latin typeface="Tahoma" panose="020B0604030504040204" pitchFamily="34" charset="0"/>
-              <a:ea typeface="ＭＳ Ｐゴシック" panose="020B0600070205080204" pitchFamily="34" charset="-128"/>
-            </a:endParaRPr>
-          </a:p>
-          <a:p>
-            <a:pPr>
-              <a:buNone/>
-            </a:pPr>
-            <a:r>
-              <a:rPr lang="en-US" altLang="en-US" sz="2000" b="1" dirty="0">
+              </a:rPr>
+              <a:t>	# Put the smallest item back in the list </a:t>
+            </a:r>
+          </a:p>
+          <a:p>
+            <a:pPr marL="0" indent="0">
+              <a:buNone/>
+            </a:pPr>
+            <a:r>
+              <a:rPr lang="en-US" sz="1600" b="1" dirty="0">
                 <a:latin typeface="Inconsolata" panose="020B0609030003000000" pitchFamily="49" charset="77"/>
-                <a:ea typeface="ＭＳ Ｐゴシック" panose="020B0600070205080204" pitchFamily="34" charset="-128"/>
-              </a:rPr>
-              <a:t>print(halting(sum, -1)) # False (infinite loop)</a:t>
-            </a:r>
-            <a:endParaRPr lang="en-US" altLang="en-US" sz="2000" dirty="0">
-              <a:latin typeface="Tahoma" panose="020B0604030504040204" pitchFamily="34" charset="0"/>
-              <a:ea typeface="ＭＳ Ｐゴシック" panose="020B0600070205080204" pitchFamily="34" charset="-128"/>
-            </a:endParaRPr>
-          </a:p>
-          <a:p>
-            <a:pPr eaLnBrk="1" hangingPunct="1">
-              <a:buFontTx/>
-              <a:buNone/>
-            </a:pPr>
-            <a:endParaRPr lang="en-US" altLang="en-US" sz="1833" dirty="0">
-              <a:latin typeface="Tahoma" panose="020B0604030504040204" pitchFamily="34" charset="0"/>
-              <a:ea typeface="ＭＳ Ｐゴシック" panose="020B0600070205080204" pitchFamily="34" charset="-128"/>
-            </a:endParaRPr>
-          </a:p>
-          <a:p>
-            <a:pPr>
-              <a:buNone/>
-            </a:pPr>
-            <a:r>
-              <a:rPr lang="en-US" altLang="en-US" sz="2000" dirty="0">
-                <a:latin typeface="Gill Sans MT" panose="020B0502020104020203" pitchFamily="34" charset="77"/>
-                <a:ea typeface="ＭＳ Ｐゴシック" panose="020B0600070205080204" pitchFamily="34" charset="-128"/>
-              </a:rPr>
-              <a:t>Alan Turing proved that such a function(halting) does not exist(cannot be</a:t>
-            </a:r>
-          </a:p>
-          <a:p>
-            <a:pPr>
-              <a:buNone/>
-            </a:pPr>
-            <a:r>
-              <a:rPr lang="en-US" altLang="en-US" sz="2000" dirty="0">
-                <a:latin typeface="Gill Sans MT" panose="020B0502020104020203" pitchFamily="34" charset="77"/>
-                <a:ea typeface="ＭＳ Ｐゴシック" panose="020B0600070205080204" pitchFamily="34" charset="-128"/>
-              </a:rPr>
-              <a:t>implemented).  Alan Turing is portrayed by the incredible Benedict Cumberbatch in </a:t>
-            </a:r>
-          </a:p>
-          <a:p>
-            <a:pPr>
-              <a:buNone/>
-            </a:pPr>
-            <a:r>
-              <a:rPr lang="en-US" altLang="en-US" sz="2000" dirty="0">
-                <a:latin typeface="Gill Sans MT" panose="020B0502020104020203" pitchFamily="34" charset="77"/>
-                <a:ea typeface="ＭＳ Ｐゴシック" panose="020B0600070205080204" pitchFamily="34" charset="-128"/>
-              </a:rPr>
-              <a:t>the movie "The Imitation Game". </a:t>
-            </a:r>
-          </a:p>
-          <a:p>
-            <a:pPr eaLnBrk="1" hangingPunct="1">
-              <a:buFontTx/>
-              <a:buNone/>
-            </a:pPr>
-            <a:endParaRPr lang="en-US" altLang="en-US" sz="1833" dirty="0">
-              <a:latin typeface="Tahoma" panose="020B0604030504040204" pitchFamily="34" charset="0"/>
-              <a:ea typeface="ＭＳ Ｐゴシック" panose="020B0600070205080204" pitchFamily="34" charset="-128"/>
-            </a:endParaRPr>
-          </a:p>
-          <a:p>
-            <a:pPr eaLnBrk="1" hangingPunct="1">
-              <a:buFontTx/>
-              <a:buNone/>
-            </a:pPr>
-            <a:endParaRPr lang="en-US" altLang="en-US" sz="1833" dirty="0">
-              <a:latin typeface="Tahoma" panose="020B0604030504040204" pitchFamily="34" charset="0"/>
-              <a:ea typeface="ＭＳ Ｐゴシック" panose="020B0600070205080204" pitchFamily="34" charset="-128"/>
-            </a:endParaRPr>
-          </a:p>
-          <a:p>
-            <a:pPr eaLnBrk="1" hangingPunct="1"/>
-            <a:endParaRPr lang="en-US" altLang="en-US" sz="1833" dirty="0">
-              <a:latin typeface="Tahoma" panose="020B0604030504040204" pitchFamily="34" charset="0"/>
-              <a:ea typeface="ＭＳ Ｐゴシック" panose="020B0600070205080204" pitchFamily="34" charset="-128"/>
-            </a:endParaRPr>
-          </a:p>
-          <a:p>
-            <a:pPr marL="380985" lvl="1" indent="0">
-              <a:buNone/>
-            </a:pPr>
-            <a:r>
-              <a:rPr lang="en-US" altLang="en-US" sz="1500" dirty="0">
-                <a:latin typeface="Tahoma" panose="020B0604030504040204" pitchFamily="34" charset="0"/>
               </a:rPr>
               <a:t>	</a:t>
             </a:r>
-          </a:p>
-          <a:p>
-            <a:pPr marL="380985" lvl="1" indent="0">
-              <a:buNone/>
-            </a:pPr>
-            <a:r>
-              <a:rPr lang="en-US" altLang="en-US" sz="1500" dirty="0">
-                <a:latin typeface="Tahoma" panose="020B0604030504040204" pitchFamily="34" charset="0"/>
-              </a:rPr>
-              <a:t>	</a:t>
-            </a:r>
-            <a:endParaRPr lang="en-US" altLang="en-US" sz="1833" dirty="0">
-              <a:latin typeface="Tahoma" panose="020B0604030504040204" pitchFamily="34" charset="0"/>
-            </a:endParaRPr>
+            <a:r>
+              <a:rPr lang="en-US" sz="1600" b="1" dirty="0" err="1">
+                <a:latin typeface="Inconsolata" panose="020B0609030003000000" pitchFamily="49" charset="77"/>
+              </a:rPr>
+              <a:t>lst.insert</a:t>
+            </a:r>
+            <a:r>
+              <a:rPr lang="en-US" sz="1600" b="1" dirty="0">
+                <a:latin typeface="Inconsolata" panose="020B0609030003000000" pitchFamily="49" charset="77"/>
+              </a:rPr>
+              <a:t>(min1, smallest)</a:t>
+            </a:r>
+          </a:p>
+          <a:p>
+            <a:pPr marL="0" indent="0">
+              <a:buNone/>
+            </a:pPr>
+            <a:r>
+              <a:rPr lang="en-US" sz="1600" b="1" dirty="0">
+                <a:solidFill>
+                  <a:srgbClr val="006699"/>
+                </a:solidFill>
+                <a:latin typeface="Inconsolata" panose="020B0609030003000000" pitchFamily="49" charset="77"/>
+              </a:rPr>
+              <a:t>	# If necessary, adjust the second index</a:t>
+            </a:r>
+          </a:p>
+          <a:p>
+            <a:pPr marL="0" indent="0">
+              <a:buNone/>
+            </a:pPr>
+            <a:r>
+              <a:rPr lang="en-US" sz="1600" b="1" dirty="0">
+                <a:latin typeface="Inconsolata" panose="020B0609030003000000" pitchFamily="49" charset="77"/>
+              </a:rPr>
+              <a:t>	if min1 &lt;= min2:</a:t>
+            </a:r>
+          </a:p>
+          <a:p>
+            <a:pPr marL="0" indent="0">
+              <a:buNone/>
+            </a:pPr>
+            <a:r>
+              <a:rPr lang="en-US" sz="1600" b="1" dirty="0">
+                <a:latin typeface="Inconsolata" panose="020B0609030003000000" pitchFamily="49" charset="77"/>
+              </a:rPr>
+              <a:t>		min2 += 1</a:t>
+            </a:r>
+            <a:r>
+              <a:rPr lang="en-US" sz="1600" b="1" dirty="0">
+                <a:solidFill>
+                  <a:srgbClr val="006699"/>
+                </a:solidFill>
+                <a:latin typeface="Inconsolata" panose="020B0609030003000000" pitchFamily="49" charset="77"/>
+              </a:rPr>
+              <a:t>		</a:t>
+            </a:r>
+          </a:p>
+          <a:p>
+            <a:pPr marL="0" indent="0">
+              <a:buNone/>
+            </a:pPr>
+            <a:r>
+              <a:rPr lang="en-US" sz="1600" b="1" dirty="0">
+                <a:solidFill>
+                  <a:srgbClr val="006699"/>
+                </a:solidFill>
+                <a:latin typeface="Inconsolata" panose="020B0609030003000000" pitchFamily="49" charset="77"/>
+              </a:rPr>
+              <a:t>	# Return the two indices </a:t>
+            </a:r>
+          </a:p>
+          <a:p>
+            <a:pPr marL="0" indent="0">
+              <a:buNone/>
+            </a:pPr>
+            <a:r>
+              <a:rPr lang="en-US" sz="1600" b="1" dirty="0">
+                <a:latin typeface="Inconsolata" panose="020B0609030003000000" pitchFamily="49" charset="77"/>
+              </a:rPr>
+              <a:t>	return (min1, min2)</a:t>
+            </a:r>
           </a:p>
         </p:txBody>
       </p:sp>
@@ -26463,7 +25921,7 @@
           <p:cNvPr id="2" name="Slide Number Placeholder 1">
             <a:extLst>
               <a:ext uri="{FF2B5EF4-FFF2-40B4-BE49-F238E27FC236}">
-                <a16:creationId xmlns:a16="http://schemas.microsoft.com/office/drawing/2014/main" id="{502FCDCF-F7A3-194E-B43B-D9F5FB7BDC6F}"/>
+                <a16:creationId xmlns:a16="http://schemas.microsoft.com/office/drawing/2014/main" id="{3F3777BB-3610-4B44-80AB-6B366FF42E17}"/>
               </a:ext>
             </a:extLst>
           </p:cNvPr>
@@ -26490,14 +25948,1331 @@
     </p:spTree>
     <p:extLst>
       <p:ext uri="{BB962C8B-B14F-4D97-AF65-F5344CB8AC3E}">
-        <p14:creationId xmlns:p14="http://schemas.microsoft.com/office/powerpoint/2010/main" val="1241156272"/>
+        <p14:creationId xmlns:p14="http://schemas.microsoft.com/office/powerpoint/2010/main" val="2633210752"/>
       </p:ext>
     </p:extLst>
   </p:cSld>
   <p:clrMapOvr>
     <a:masterClrMapping/>
   </p:clrMapOvr>
-  <p:transition/>
+  <p:timing>
+    <p:tnLst>
+      <p:par>
+        <p:cTn id="1" dur="indefinite" restart="never" nodeType="tmRoot">
+          <p:childTnLst>
+            <p:seq concurrent="1" nextAc="seek">
+              <p:cTn id="2" dur="indefinite" nodeType="mainSeq">
+                <p:childTnLst>
+                  <p:par>
+                    <p:cTn id="3" fill="hold">
+                      <p:stCondLst>
+                        <p:cond delay="indefinite"/>
+                      </p:stCondLst>
+                      <p:childTnLst>
+                        <p:par>
+                          <p:cTn id="4" fill="hold">
+                            <p:stCondLst>
+                              <p:cond delay="0"/>
+                            </p:stCondLst>
+                            <p:childTnLst>
+                              <p:par>
+                                <p:cTn id="5" presetID="1" presetClass="entr" presetSubtype="0" fill="hold" grpId="0" nodeType="clickEffect">
+                                  <p:stCondLst>
+                                    <p:cond delay="0"/>
+                                  </p:stCondLst>
+                                  <p:childTnLst>
+                                    <p:set>
+                                      <p:cBhvr>
+                                        <p:cTn id="6" dur="1" fill="hold">
+                                          <p:stCondLst>
+                                            <p:cond delay="0"/>
+                                          </p:stCondLst>
+                                        </p:cTn>
+                                        <p:tgtEl>
+                                          <p:spTgt spid="6146">
+                                            <p:txEl>
+                                              <p:pRg st="0" end="0"/>
+                                            </p:txEl>
+                                          </p:spTgt>
+                                        </p:tgtEl>
+                                        <p:attrNameLst>
+                                          <p:attrName>style.visibility</p:attrName>
+                                        </p:attrNameLst>
+                                      </p:cBhvr>
+                                      <p:to>
+                                        <p:strVal val="visible"/>
+                                      </p:to>
+                                    </p:set>
+                                  </p:childTnLst>
+                                </p:cTn>
+                              </p:par>
+                            </p:childTnLst>
+                          </p:cTn>
+                        </p:par>
+                      </p:childTnLst>
+                    </p:cTn>
+                  </p:par>
+                  <p:par>
+                    <p:cTn id="7" fill="hold">
+                      <p:stCondLst>
+                        <p:cond delay="indefinite"/>
+                      </p:stCondLst>
+                      <p:childTnLst>
+                        <p:par>
+                          <p:cTn id="8" fill="hold">
+                            <p:stCondLst>
+                              <p:cond delay="0"/>
+                            </p:stCondLst>
+                            <p:childTnLst>
+                              <p:par>
+                                <p:cTn id="9" presetID="1" presetClass="entr" presetSubtype="0" fill="hold" grpId="0" nodeType="clickEffect">
+                                  <p:stCondLst>
+                                    <p:cond delay="0"/>
+                                  </p:stCondLst>
+                                  <p:childTnLst>
+                                    <p:set>
+                                      <p:cBhvr>
+                                        <p:cTn id="10" dur="1" fill="hold">
+                                          <p:stCondLst>
+                                            <p:cond delay="0"/>
+                                          </p:stCondLst>
+                                        </p:cTn>
+                                        <p:tgtEl>
+                                          <p:spTgt spid="6146">
+                                            <p:txEl>
+                                              <p:pRg st="1" end="1"/>
+                                            </p:txEl>
+                                          </p:spTgt>
+                                        </p:tgtEl>
+                                        <p:attrNameLst>
+                                          <p:attrName>style.visibility</p:attrName>
+                                        </p:attrNameLst>
+                                      </p:cBhvr>
+                                      <p:to>
+                                        <p:strVal val="visible"/>
+                                      </p:to>
+                                    </p:set>
+                                  </p:childTnLst>
+                                </p:cTn>
+                              </p:par>
+                            </p:childTnLst>
+                          </p:cTn>
+                        </p:par>
+                      </p:childTnLst>
+                    </p:cTn>
+                  </p:par>
+                  <p:par>
+                    <p:cTn id="11" fill="hold">
+                      <p:stCondLst>
+                        <p:cond delay="indefinite"/>
+                      </p:stCondLst>
+                      <p:childTnLst>
+                        <p:par>
+                          <p:cTn id="12" fill="hold">
+                            <p:stCondLst>
+                              <p:cond delay="0"/>
+                            </p:stCondLst>
+                            <p:childTnLst>
+                              <p:par>
+                                <p:cTn id="13" presetID="1" presetClass="entr" presetSubtype="0" fill="hold" grpId="0" nodeType="clickEffect">
+                                  <p:stCondLst>
+                                    <p:cond delay="0"/>
+                                  </p:stCondLst>
+                                  <p:childTnLst>
+                                    <p:set>
+                                      <p:cBhvr>
+                                        <p:cTn id="14" dur="1" fill="hold">
+                                          <p:stCondLst>
+                                            <p:cond delay="0"/>
+                                          </p:stCondLst>
+                                        </p:cTn>
+                                        <p:tgtEl>
+                                          <p:spTgt spid="6146">
+                                            <p:txEl>
+                                              <p:pRg st="2" end="2"/>
+                                            </p:txEl>
+                                          </p:spTgt>
+                                        </p:tgtEl>
+                                        <p:attrNameLst>
+                                          <p:attrName>style.visibility</p:attrName>
+                                        </p:attrNameLst>
+                                      </p:cBhvr>
+                                      <p:to>
+                                        <p:strVal val="visible"/>
+                                      </p:to>
+                                    </p:set>
+                                  </p:childTnLst>
+                                </p:cTn>
+                              </p:par>
+                            </p:childTnLst>
+                          </p:cTn>
+                        </p:par>
+                      </p:childTnLst>
+                    </p:cTn>
+                  </p:par>
+                  <p:par>
+                    <p:cTn id="15" fill="hold">
+                      <p:stCondLst>
+                        <p:cond delay="indefinite"/>
+                      </p:stCondLst>
+                      <p:childTnLst>
+                        <p:par>
+                          <p:cTn id="16" fill="hold">
+                            <p:stCondLst>
+                              <p:cond delay="0"/>
+                            </p:stCondLst>
+                            <p:childTnLst>
+                              <p:par>
+                                <p:cTn id="17" presetID="1" presetClass="entr" presetSubtype="0" fill="hold" grpId="0" nodeType="clickEffect">
+                                  <p:stCondLst>
+                                    <p:cond delay="0"/>
+                                  </p:stCondLst>
+                                  <p:childTnLst>
+                                    <p:set>
+                                      <p:cBhvr>
+                                        <p:cTn id="18" dur="1" fill="hold">
+                                          <p:stCondLst>
+                                            <p:cond delay="0"/>
+                                          </p:stCondLst>
+                                        </p:cTn>
+                                        <p:tgtEl>
+                                          <p:spTgt spid="6146">
+                                            <p:txEl>
+                                              <p:pRg st="3" end="3"/>
+                                            </p:txEl>
+                                          </p:spTgt>
+                                        </p:tgtEl>
+                                        <p:attrNameLst>
+                                          <p:attrName>style.visibility</p:attrName>
+                                        </p:attrNameLst>
+                                      </p:cBhvr>
+                                      <p:to>
+                                        <p:strVal val="visible"/>
+                                      </p:to>
+                                    </p:set>
+                                  </p:childTnLst>
+                                </p:cTn>
+                              </p:par>
+                            </p:childTnLst>
+                          </p:cTn>
+                        </p:par>
+                      </p:childTnLst>
+                    </p:cTn>
+                  </p:par>
+                  <p:par>
+                    <p:cTn id="19" fill="hold">
+                      <p:stCondLst>
+                        <p:cond delay="indefinite"/>
+                      </p:stCondLst>
+                      <p:childTnLst>
+                        <p:par>
+                          <p:cTn id="20" fill="hold">
+                            <p:stCondLst>
+                              <p:cond delay="0"/>
+                            </p:stCondLst>
+                            <p:childTnLst>
+                              <p:par>
+                                <p:cTn id="21" presetID="1" presetClass="entr" presetSubtype="0" fill="hold" grpId="0" nodeType="clickEffect">
+                                  <p:stCondLst>
+                                    <p:cond delay="0"/>
+                                  </p:stCondLst>
+                                  <p:childTnLst>
+                                    <p:set>
+                                      <p:cBhvr>
+                                        <p:cTn id="22" dur="1" fill="hold">
+                                          <p:stCondLst>
+                                            <p:cond delay="0"/>
+                                          </p:stCondLst>
+                                        </p:cTn>
+                                        <p:tgtEl>
+                                          <p:spTgt spid="6146">
+                                            <p:txEl>
+                                              <p:pRg st="4" end="4"/>
+                                            </p:txEl>
+                                          </p:spTgt>
+                                        </p:tgtEl>
+                                        <p:attrNameLst>
+                                          <p:attrName>style.visibility</p:attrName>
+                                        </p:attrNameLst>
+                                      </p:cBhvr>
+                                      <p:to>
+                                        <p:strVal val="visible"/>
+                                      </p:to>
+                                    </p:set>
+                                  </p:childTnLst>
+                                </p:cTn>
+                              </p:par>
+                            </p:childTnLst>
+                          </p:cTn>
+                        </p:par>
+                      </p:childTnLst>
+                    </p:cTn>
+                  </p:par>
+                  <p:par>
+                    <p:cTn id="23" fill="hold">
+                      <p:stCondLst>
+                        <p:cond delay="indefinite"/>
+                      </p:stCondLst>
+                      <p:childTnLst>
+                        <p:par>
+                          <p:cTn id="24" fill="hold">
+                            <p:stCondLst>
+                              <p:cond delay="0"/>
+                            </p:stCondLst>
+                            <p:childTnLst>
+                              <p:par>
+                                <p:cTn id="25" presetID="1" presetClass="entr" presetSubtype="0" fill="hold" grpId="0" nodeType="clickEffect">
+                                  <p:stCondLst>
+                                    <p:cond delay="0"/>
+                                  </p:stCondLst>
+                                  <p:childTnLst>
+                                    <p:set>
+                                      <p:cBhvr>
+                                        <p:cTn id="26" dur="1" fill="hold">
+                                          <p:stCondLst>
+                                            <p:cond delay="0"/>
+                                          </p:stCondLst>
+                                        </p:cTn>
+                                        <p:tgtEl>
+                                          <p:spTgt spid="6146">
+                                            <p:txEl>
+                                              <p:pRg st="5" end="5"/>
+                                            </p:txEl>
+                                          </p:spTgt>
+                                        </p:tgtEl>
+                                        <p:attrNameLst>
+                                          <p:attrName>style.visibility</p:attrName>
+                                        </p:attrNameLst>
+                                      </p:cBhvr>
+                                      <p:to>
+                                        <p:strVal val="visible"/>
+                                      </p:to>
+                                    </p:set>
+                                  </p:childTnLst>
+                                </p:cTn>
+                              </p:par>
+                            </p:childTnLst>
+                          </p:cTn>
+                        </p:par>
+                      </p:childTnLst>
+                    </p:cTn>
+                  </p:par>
+                  <p:par>
+                    <p:cTn id="27" fill="hold">
+                      <p:stCondLst>
+                        <p:cond delay="indefinite"/>
+                      </p:stCondLst>
+                      <p:childTnLst>
+                        <p:par>
+                          <p:cTn id="28" fill="hold">
+                            <p:stCondLst>
+                              <p:cond delay="0"/>
+                            </p:stCondLst>
+                            <p:childTnLst>
+                              <p:par>
+                                <p:cTn id="29" presetID="1" presetClass="entr" presetSubtype="0" fill="hold" grpId="0" nodeType="clickEffect">
+                                  <p:stCondLst>
+                                    <p:cond delay="0"/>
+                                  </p:stCondLst>
+                                  <p:childTnLst>
+                                    <p:set>
+                                      <p:cBhvr>
+                                        <p:cTn id="30" dur="1" fill="hold">
+                                          <p:stCondLst>
+                                            <p:cond delay="0"/>
+                                          </p:stCondLst>
+                                        </p:cTn>
+                                        <p:tgtEl>
+                                          <p:spTgt spid="6146">
+                                            <p:txEl>
+                                              <p:pRg st="6" end="6"/>
+                                            </p:txEl>
+                                          </p:spTgt>
+                                        </p:tgtEl>
+                                        <p:attrNameLst>
+                                          <p:attrName>style.visibility</p:attrName>
+                                        </p:attrNameLst>
+                                      </p:cBhvr>
+                                      <p:to>
+                                        <p:strVal val="visible"/>
+                                      </p:to>
+                                    </p:set>
+                                  </p:childTnLst>
+                                </p:cTn>
+                              </p:par>
+                            </p:childTnLst>
+                          </p:cTn>
+                        </p:par>
+                      </p:childTnLst>
+                    </p:cTn>
+                  </p:par>
+                  <p:par>
+                    <p:cTn id="31" fill="hold">
+                      <p:stCondLst>
+                        <p:cond delay="indefinite"/>
+                      </p:stCondLst>
+                      <p:childTnLst>
+                        <p:par>
+                          <p:cTn id="32" fill="hold">
+                            <p:stCondLst>
+                              <p:cond delay="0"/>
+                            </p:stCondLst>
+                            <p:childTnLst>
+                              <p:par>
+                                <p:cTn id="33" presetID="1" presetClass="entr" presetSubtype="0" fill="hold" grpId="0" nodeType="clickEffect">
+                                  <p:stCondLst>
+                                    <p:cond delay="0"/>
+                                  </p:stCondLst>
+                                  <p:childTnLst>
+                                    <p:set>
+                                      <p:cBhvr>
+                                        <p:cTn id="34" dur="1" fill="hold">
+                                          <p:stCondLst>
+                                            <p:cond delay="0"/>
+                                          </p:stCondLst>
+                                        </p:cTn>
+                                        <p:tgtEl>
+                                          <p:spTgt spid="6146">
+                                            <p:txEl>
+                                              <p:pRg st="7" end="7"/>
+                                            </p:txEl>
+                                          </p:spTgt>
+                                        </p:tgtEl>
+                                        <p:attrNameLst>
+                                          <p:attrName>style.visibility</p:attrName>
+                                        </p:attrNameLst>
+                                      </p:cBhvr>
+                                      <p:to>
+                                        <p:strVal val="visible"/>
+                                      </p:to>
+                                    </p:set>
+                                  </p:childTnLst>
+                                </p:cTn>
+                              </p:par>
+                            </p:childTnLst>
+                          </p:cTn>
+                        </p:par>
+                      </p:childTnLst>
+                    </p:cTn>
+                  </p:par>
+                  <p:par>
+                    <p:cTn id="35" fill="hold">
+                      <p:stCondLst>
+                        <p:cond delay="indefinite"/>
+                      </p:stCondLst>
+                      <p:childTnLst>
+                        <p:par>
+                          <p:cTn id="36" fill="hold">
+                            <p:stCondLst>
+                              <p:cond delay="0"/>
+                            </p:stCondLst>
+                            <p:childTnLst>
+                              <p:par>
+                                <p:cTn id="37" presetID="1" presetClass="entr" presetSubtype="0" fill="hold" grpId="0" nodeType="clickEffect">
+                                  <p:stCondLst>
+                                    <p:cond delay="0"/>
+                                  </p:stCondLst>
+                                  <p:childTnLst>
+                                    <p:set>
+                                      <p:cBhvr>
+                                        <p:cTn id="38" dur="1" fill="hold">
+                                          <p:stCondLst>
+                                            <p:cond delay="0"/>
+                                          </p:stCondLst>
+                                        </p:cTn>
+                                        <p:tgtEl>
+                                          <p:spTgt spid="6146">
+                                            <p:txEl>
+                                              <p:pRg st="8" end="8"/>
+                                            </p:txEl>
+                                          </p:spTgt>
+                                        </p:tgtEl>
+                                        <p:attrNameLst>
+                                          <p:attrName>style.visibility</p:attrName>
+                                        </p:attrNameLst>
+                                      </p:cBhvr>
+                                      <p:to>
+                                        <p:strVal val="visible"/>
+                                      </p:to>
+                                    </p:set>
+                                  </p:childTnLst>
+                                </p:cTn>
+                              </p:par>
+                            </p:childTnLst>
+                          </p:cTn>
+                        </p:par>
+                      </p:childTnLst>
+                    </p:cTn>
+                  </p:par>
+                  <p:par>
+                    <p:cTn id="39" fill="hold">
+                      <p:stCondLst>
+                        <p:cond delay="indefinite"/>
+                      </p:stCondLst>
+                      <p:childTnLst>
+                        <p:par>
+                          <p:cTn id="40" fill="hold">
+                            <p:stCondLst>
+                              <p:cond delay="0"/>
+                            </p:stCondLst>
+                            <p:childTnLst>
+                              <p:par>
+                                <p:cTn id="41" presetID="1" presetClass="entr" presetSubtype="0" fill="hold" grpId="0" nodeType="clickEffect">
+                                  <p:stCondLst>
+                                    <p:cond delay="0"/>
+                                  </p:stCondLst>
+                                  <p:childTnLst>
+                                    <p:set>
+                                      <p:cBhvr>
+                                        <p:cTn id="42" dur="1" fill="hold">
+                                          <p:stCondLst>
+                                            <p:cond delay="0"/>
+                                          </p:stCondLst>
+                                        </p:cTn>
+                                        <p:tgtEl>
+                                          <p:spTgt spid="6146">
+                                            <p:txEl>
+                                              <p:pRg st="9" end="9"/>
+                                            </p:txEl>
+                                          </p:spTgt>
+                                        </p:tgtEl>
+                                        <p:attrNameLst>
+                                          <p:attrName>style.visibility</p:attrName>
+                                        </p:attrNameLst>
+                                      </p:cBhvr>
+                                      <p:to>
+                                        <p:strVal val="visible"/>
+                                      </p:to>
+                                    </p:set>
+                                  </p:childTnLst>
+                                </p:cTn>
+                              </p:par>
+                            </p:childTnLst>
+                          </p:cTn>
+                        </p:par>
+                      </p:childTnLst>
+                    </p:cTn>
+                  </p:par>
+                  <p:par>
+                    <p:cTn id="43" fill="hold">
+                      <p:stCondLst>
+                        <p:cond delay="indefinite"/>
+                      </p:stCondLst>
+                      <p:childTnLst>
+                        <p:par>
+                          <p:cTn id="44" fill="hold">
+                            <p:stCondLst>
+                              <p:cond delay="0"/>
+                            </p:stCondLst>
+                            <p:childTnLst>
+                              <p:par>
+                                <p:cTn id="45" presetID="1" presetClass="entr" presetSubtype="0" fill="hold" grpId="0" nodeType="clickEffect">
+                                  <p:stCondLst>
+                                    <p:cond delay="0"/>
+                                  </p:stCondLst>
+                                  <p:childTnLst>
+                                    <p:set>
+                                      <p:cBhvr>
+                                        <p:cTn id="46" dur="1" fill="hold">
+                                          <p:stCondLst>
+                                            <p:cond delay="0"/>
+                                          </p:stCondLst>
+                                        </p:cTn>
+                                        <p:tgtEl>
+                                          <p:spTgt spid="6146">
+                                            <p:txEl>
+                                              <p:pRg st="10" end="10"/>
+                                            </p:txEl>
+                                          </p:spTgt>
+                                        </p:tgtEl>
+                                        <p:attrNameLst>
+                                          <p:attrName>style.visibility</p:attrName>
+                                        </p:attrNameLst>
+                                      </p:cBhvr>
+                                      <p:to>
+                                        <p:strVal val="visible"/>
+                                      </p:to>
+                                    </p:set>
+                                  </p:childTnLst>
+                                </p:cTn>
+                              </p:par>
+                            </p:childTnLst>
+                          </p:cTn>
+                        </p:par>
+                      </p:childTnLst>
+                    </p:cTn>
+                  </p:par>
+                  <p:par>
+                    <p:cTn id="47" fill="hold">
+                      <p:stCondLst>
+                        <p:cond delay="indefinite"/>
+                      </p:stCondLst>
+                      <p:childTnLst>
+                        <p:par>
+                          <p:cTn id="48" fill="hold">
+                            <p:stCondLst>
+                              <p:cond delay="0"/>
+                            </p:stCondLst>
+                            <p:childTnLst>
+                              <p:par>
+                                <p:cTn id="49" presetID="1" presetClass="entr" presetSubtype="0" fill="hold" grpId="0" nodeType="clickEffect">
+                                  <p:stCondLst>
+                                    <p:cond delay="0"/>
+                                  </p:stCondLst>
+                                  <p:childTnLst>
+                                    <p:set>
+                                      <p:cBhvr>
+                                        <p:cTn id="50" dur="1" fill="hold">
+                                          <p:stCondLst>
+                                            <p:cond delay="0"/>
+                                          </p:stCondLst>
+                                        </p:cTn>
+                                        <p:tgtEl>
+                                          <p:spTgt spid="6146">
+                                            <p:txEl>
+                                              <p:pRg st="11" end="11"/>
+                                            </p:txEl>
+                                          </p:spTgt>
+                                        </p:tgtEl>
+                                        <p:attrNameLst>
+                                          <p:attrName>style.visibility</p:attrName>
+                                        </p:attrNameLst>
+                                      </p:cBhvr>
+                                      <p:to>
+                                        <p:strVal val="visible"/>
+                                      </p:to>
+                                    </p:set>
+                                  </p:childTnLst>
+                                </p:cTn>
+                              </p:par>
+                            </p:childTnLst>
+                          </p:cTn>
+                        </p:par>
+                      </p:childTnLst>
+                    </p:cTn>
+                  </p:par>
+                  <p:par>
+                    <p:cTn id="51" fill="hold">
+                      <p:stCondLst>
+                        <p:cond delay="indefinite"/>
+                      </p:stCondLst>
+                      <p:childTnLst>
+                        <p:par>
+                          <p:cTn id="52" fill="hold">
+                            <p:stCondLst>
+                              <p:cond delay="0"/>
+                            </p:stCondLst>
+                            <p:childTnLst>
+                              <p:par>
+                                <p:cTn id="53" presetID="1" presetClass="entr" presetSubtype="0" fill="hold" grpId="0" nodeType="clickEffect">
+                                  <p:stCondLst>
+                                    <p:cond delay="0"/>
+                                  </p:stCondLst>
+                                  <p:childTnLst>
+                                    <p:set>
+                                      <p:cBhvr>
+                                        <p:cTn id="54" dur="1" fill="hold">
+                                          <p:stCondLst>
+                                            <p:cond delay="0"/>
+                                          </p:stCondLst>
+                                        </p:cTn>
+                                        <p:tgtEl>
+                                          <p:spTgt spid="6146">
+                                            <p:txEl>
+                                              <p:pRg st="12" end="12"/>
+                                            </p:txEl>
+                                          </p:spTgt>
+                                        </p:tgtEl>
+                                        <p:attrNameLst>
+                                          <p:attrName>style.visibility</p:attrName>
+                                        </p:attrNameLst>
+                                      </p:cBhvr>
+                                      <p:to>
+                                        <p:strVal val="visible"/>
+                                      </p:to>
+                                    </p:set>
+                                  </p:childTnLst>
+                                </p:cTn>
+                              </p:par>
+                            </p:childTnLst>
+                          </p:cTn>
+                        </p:par>
+                      </p:childTnLst>
+                    </p:cTn>
+                  </p:par>
+                  <p:par>
+                    <p:cTn id="55" fill="hold">
+                      <p:stCondLst>
+                        <p:cond delay="indefinite"/>
+                      </p:stCondLst>
+                      <p:childTnLst>
+                        <p:par>
+                          <p:cTn id="56" fill="hold">
+                            <p:stCondLst>
+                              <p:cond delay="0"/>
+                            </p:stCondLst>
+                            <p:childTnLst>
+                              <p:par>
+                                <p:cTn id="57" presetID="1" presetClass="entr" presetSubtype="0" fill="hold" grpId="0" nodeType="clickEffect">
+                                  <p:stCondLst>
+                                    <p:cond delay="0"/>
+                                  </p:stCondLst>
+                                  <p:childTnLst>
+                                    <p:set>
+                                      <p:cBhvr>
+                                        <p:cTn id="58" dur="1" fill="hold">
+                                          <p:stCondLst>
+                                            <p:cond delay="0"/>
+                                          </p:stCondLst>
+                                        </p:cTn>
+                                        <p:tgtEl>
+                                          <p:spTgt spid="6146">
+                                            <p:txEl>
+                                              <p:pRg st="13" end="13"/>
+                                            </p:txEl>
+                                          </p:spTgt>
+                                        </p:tgtEl>
+                                        <p:attrNameLst>
+                                          <p:attrName>style.visibility</p:attrName>
+                                        </p:attrNameLst>
+                                      </p:cBhvr>
+                                      <p:to>
+                                        <p:strVal val="visible"/>
+                                      </p:to>
+                                    </p:set>
+                                  </p:childTnLst>
+                                </p:cTn>
+                              </p:par>
+                            </p:childTnLst>
+                          </p:cTn>
+                        </p:par>
+                      </p:childTnLst>
+                    </p:cTn>
+                  </p:par>
+                  <p:par>
+                    <p:cTn id="59" fill="hold">
+                      <p:stCondLst>
+                        <p:cond delay="indefinite"/>
+                      </p:stCondLst>
+                      <p:childTnLst>
+                        <p:par>
+                          <p:cTn id="60" fill="hold">
+                            <p:stCondLst>
+                              <p:cond delay="0"/>
+                            </p:stCondLst>
+                            <p:childTnLst>
+                              <p:par>
+                                <p:cTn id="61" presetID="1" presetClass="entr" presetSubtype="0" fill="hold" grpId="0" nodeType="clickEffect">
+                                  <p:stCondLst>
+                                    <p:cond delay="0"/>
+                                  </p:stCondLst>
+                                  <p:childTnLst>
+                                    <p:set>
+                                      <p:cBhvr>
+                                        <p:cTn id="62" dur="1" fill="hold">
+                                          <p:stCondLst>
+                                            <p:cond delay="0"/>
+                                          </p:stCondLst>
+                                        </p:cTn>
+                                        <p:tgtEl>
+                                          <p:spTgt spid="6146">
+                                            <p:txEl>
+                                              <p:pRg st="14" end="14"/>
+                                            </p:txEl>
+                                          </p:spTgt>
+                                        </p:tgtEl>
+                                        <p:attrNameLst>
+                                          <p:attrName>style.visibility</p:attrName>
+                                        </p:attrNameLst>
+                                      </p:cBhvr>
+                                      <p:to>
+                                        <p:strVal val="visible"/>
+                                      </p:to>
+                                    </p:set>
+                                  </p:childTnLst>
+                                </p:cTn>
+                              </p:par>
+                            </p:childTnLst>
+                          </p:cTn>
+                        </p:par>
+                      </p:childTnLst>
+                    </p:cTn>
+                  </p:par>
+                  <p:par>
+                    <p:cTn id="63" fill="hold">
+                      <p:stCondLst>
+                        <p:cond delay="indefinite"/>
+                      </p:stCondLst>
+                      <p:childTnLst>
+                        <p:par>
+                          <p:cTn id="64" fill="hold">
+                            <p:stCondLst>
+                              <p:cond delay="0"/>
+                            </p:stCondLst>
+                            <p:childTnLst>
+                              <p:par>
+                                <p:cTn id="65" presetID="1" presetClass="entr" presetSubtype="0" fill="hold" grpId="0" nodeType="clickEffect">
+                                  <p:stCondLst>
+                                    <p:cond delay="0"/>
+                                  </p:stCondLst>
+                                  <p:childTnLst>
+                                    <p:set>
+                                      <p:cBhvr>
+                                        <p:cTn id="66" dur="1" fill="hold">
+                                          <p:stCondLst>
+                                            <p:cond delay="0"/>
+                                          </p:stCondLst>
+                                        </p:cTn>
+                                        <p:tgtEl>
+                                          <p:spTgt spid="6146">
+                                            <p:txEl>
+                                              <p:pRg st="15" end="15"/>
+                                            </p:txEl>
+                                          </p:spTgt>
+                                        </p:tgtEl>
+                                        <p:attrNameLst>
+                                          <p:attrName>style.visibility</p:attrName>
+                                        </p:attrNameLst>
+                                      </p:cBhvr>
+                                      <p:to>
+                                        <p:strVal val="visible"/>
+                                      </p:to>
+                                    </p:set>
+                                  </p:childTnLst>
+                                </p:cTn>
+                              </p:par>
+                            </p:childTnLst>
+                          </p:cTn>
+                        </p:par>
+                      </p:childTnLst>
+                    </p:cTn>
+                  </p:par>
+                  <p:par>
+                    <p:cTn id="67" fill="hold">
+                      <p:stCondLst>
+                        <p:cond delay="indefinite"/>
+                      </p:stCondLst>
+                      <p:childTnLst>
+                        <p:par>
+                          <p:cTn id="68" fill="hold">
+                            <p:stCondLst>
+                              <p:cond delay="0"/>
+                            </p:stCondLst>
+                            <p:childTnLst>
+                              <p:par>
+                                <p:cTn id="69" presetID="1" presetClass="entr" presetSubtype="0" fill="hold" grpId="0" nodeType="clickEffect">
+                                  <p:stCondLst>
+                                    <p:cond delay="0"/>
+                                  </p:stCondLst>
+                                  <p:childTnLst>
+                                    <p:set>
+                                      <p:cBhvr>
+                                        <p:cTn id="70" dur="1" fill="hold">
+                                          <p:stCondLst>
+                                            <p:cond delay="0"/>
+                                          </p:stCondLst>
+                                        </p:cTn>
+                                        <p:tgtEl>
+                                          <p:spTgt spid="6146">
+                                            <p:txEl>
+                                              <p:pRg st="16" end="16"/>
+                                            </p:txEl>
+                                          </p:spTgt>
+                                        </p:tgtEl>
+                                        <p:attrNameLst>
+                                          <p:attrName>style.visibility</p:attrName>
+                                        </p:attrNameLst>
+                                      </p:cBhvr>
+                                      <p:to>
+                                        <p:strVal val="visible"/>
+                                      </p:to>
+                                    </p:set>
+                                  </p:childTnLst>
+                                </p:cTn>
+                              </p:par>
+                            </p:childTnLst>
+                          </p:cTn>
+                        </p:par>
+                      </p:childTnLst>
+                    </p:cTn>
+                  </p:par>
+                </p:childTnLst>
+              </p:cTn>
+              <p:prevCondLst>
+                <p:cond evt="onPrev" delay="0">
+                  <p:tgtEl>
+                    <p:sldTgt/>
+                  </p:tgtEl>
+                </p:cond>
+              </p:prevCondLst>
+              <p:nextCondLst>
+                <p:cond evt="onNext" delay="0">
+                  <p:tgtEl>
+                    <p:sldTgt/>
+                  </p:tgtEl>
+                </p:cond>
+              </p:nextCondLst>
+            </p:seq>
+          </p:childTnLst>
+        </p:cTn>
+      </p:par>
+    </p:tnLst>
+    <p:bldLst>
+      <p:bldP spid="6146" grpId="0" uiExpand="1" build="p"/>
+    </p:bldLst>
+  </p:timing>
+</p:sld>
+</file>
+
+<file path=ppt/slides/slide33.xml><?xml version="1.0" encoding="utf-8"?>
+<p:sld xmlns:a="http://schemas.openxmlformats.org/drawingml/2006/main" xmlns:r="http://schemas.openxmlformats.org/officeDocument/2006/relationships" xmlns:p="http://schemas.openxmlformats.org/presentationml/2006/main">
+  <p:cSld>
+    <p:spTree>
+      <p:nvGrpSpPr>
+        <p:cNvPr id="1" name=""/>
+        <p:cNvGrpSpPr/>
+        <p:nvPr/>
+      </p:nvGrpSpPr>
+      <p:grpSpPr>
+        <a:xfrm>
+          <a:off x="0" y="0"/>
+          <a:ext cx="0" cy="0"/>
+          <a:chOff x="0" y="0"/>
+          <a:chExt cx="0" cy="0"/>
+        </a:xfrm>
+      </p:grpSpPr>
+      <p:sp>
+        <p:nvSpPr>
+          <p:cNvPr id="6146" name="Rectangle 3">
+            <a:extLst>
+              <a:ext uri="{FF2B5EF4-FFF2-40B4-BE49-F238E27FC236}">
+                <a16:creationId xmlns:a16="http://schemas.microsoft.com/office/drawing/2014/main" id="{EAA042DF-FAF2-DA4B-9FB9-A8E93FAB0389}"/>
+              </a:ext>
+            </a:extLst>
+          </p:cNvPr>
+          <p:cNvSpPr>
+            <a:spLocks noGrp="1" noChangeArrowheads="1"/>
+          </p:cNvSpPr>
+          <p:nvPr>
+            <p:ph type="body" idx="1"/>
+          </p:nvPr>
+        </p:nvSpPr>
+        <p:spPr>
+          <a:xfrm>
+            <a:off x="133564" y="236306"/>
+            <a:ext cx="8527551" cy="5088276"/>
+          </a:xfrm>
+        </p:spPr>
+        <p:txBody>
+          <a:bodyPr>
+            <a:normAutofit/>
+          </a:bodyPr>
+          <a:lstStyle/>
+          <a:p>
+            <a:pPr marL="0" indent="0">
+              <a:buNone/>
+            </a:pPr>
+            <a:endParaRPr lang="en-US" sz="2000" dirty="0">
+              <a:latin typeface="Gill Sans MT" panose="020B0502020104020203" pitchFamily="34" charset="77"/>
+            </a:endParaRPr>
+          </a:p>
+          <a:p>
+            <a:pPr marL="0" indent="0">
+              <a:buNone/>
+            </a:pPr>
+            <a:r>
+              <a:rPr lang="en-US" sz="2000" dirty="0">
+                <a:latin typeface="Gill Sans MT" panose="020B0502020104020203" pitchFamily="34" charset="77"/>
+              </a:rPr>
+              <a:t>Here's another algorithm to find the indices of the two smallest numbers.</a:t>
+            </a:r>
+          </a:p>
+          <a:p>
+            <a:pPr marL="0" indent="0">
+              <a:buNone/>
+            </a:pPr>
+            <a:endParaRPr lang="en-US" sz="1600" b="1" dirty="0">
+              <a:solidFill>
+                <a:srgbClr val="34A327"/>
+              </a:solidFill>
+              <a:latin typeface="Inconsolata" panose="020B0609030003000000" pitchFamily="49" charset="77"/>
+            </a:endParaRPr>
+          </a:p>
+          <a:p>
+            <a:pPr marL="0" indent="0">
+              <a:buNone/>
+            </a:pPr>
+            <a:r>
+              <a:rPr lang="en-US" sz="1600" b="1" dirty="0">
+                <a:solidFill>
+                  <a:srgbClr val="34A327"/>
+                </a:solidFill>
+                <a:latin typeface="Inconsolata" panose="020B0609030003000000" pitchFamily="49" charset="77"/>
+              </a:rPr>
+              <a:t>def</a:t>
+            </a:r>
+            <a:r>
+              <a:rPr lang="en-US" sz="1600" b="1" dirty="0">
+                <a:solidFill>
+                  <a:srgbClr val="000000"/>
+                </a:solidFill>
+                <a:latin typeface="Inconsolata" panose="020B0609030003000000" pitchFamily="49" charset="77"/>
+              </a:rPr>
+              <a:t> </a:t>
+            </a:r>
+            <a:r>
+              <a:rPr lang="en-US" sz="1600" b="1" dirty="0" err="1">
+                <a:solidFill>
+                  <a:srgbClr val="3C9FF2"/>
+                </a:solidFill>
+                <a:latin typeface="Inconsolata" panose="020B0609030003000000" pitchFamily="49" charset="77"/>
+              </a:rPr>
+              <a:t>two_smallest</a:t>
+            </a:r>
+            <a:r>
+              <a:rPr lang="en-US" sz="1600" b="1" dirty="0">
+                <a:solidFill>
+                  <a:srgbClr val="000000"/>
+                </a:solidFill>
+                <a:latin typeface="Inconsolata" panose="020B0609030003000000" pitchFamily="49" charset="77"/>
+              </a:rPr>
+              <a:t>(</a:t>
+            </a:r>
+            <a:r>
+              <a:rPr lang="en-US" sz="1600" b="1" dirty="0" err="1">
+                <a:solidFill>
+                  <a:srgbClr val="000000"/>
+                </a:solidFill>
+                <a:latin typeface="Inconsolata" panose="020B0609030003000000" pitchFamily="49" charset="77"/>
+              </a:rPr>
+              <a:t>lst</a:t>
+            </a:r>
+            <a:r>
+              <a:rPr lang="en-US" sz="1600" b="1" dirty="0">
+                <a:solidFill>
+                  <a:srgbClr val="000000"/>
+                </a:solidFill>
+                <a:latin typeface="Inconsolata" panose="020B0609030003000000" pitchFamily="49" charset="77"/>
+              </a:rPr>
+              <a:t>):  </a:t>
+            </a:r>
+          </a:p>
+          <a:p>
+            <a:pPr marL="0" indent="0">
+              <a:buNone/>
+            </a:pPr>
+            <a:r>
+              <a:rPr lang="en-US" sz="1600" b="1" dirty="0">
+                <a:solidFill>
+                  <a:srgbClr val="006699"/>
+                </a:solidFill>
+                <a:latin typeface="Inconsolata" panose="020B0609030003000000" pitchFamily="49" charset="77"/>
+              </a:rPr>
+              <a:t>	# Sort a copy of </a:t>
+            </a:r>
+            <a:r>
+              <a:rPr lang="en-US" sz="1600" b="1" dirty="0" err="1">
+                <a:solidFill>
+                  <a:srgbClr val="006699"/>
+                </a:solidFill>
+                <a:latin typeface="Inconsolata" panose="020B0609030003000000" pitchFamily="49" charset="77"/>
+              </a:rPr>
+              <a:t>lst</a:t>
+            </a:r>
+            <a:r>
+              <a:rPr lang="en-US" sz="1600" b="1" dirty="0">
+                <a:solidFill>
+                  <a:srgbClr val="006699"/>
+                </a:solidFill>
+                <a:latin typeface="Inconsolata" panose="020B0609030003000000" pitchFamily="49" charset="77"/>
+              </a:rPr>
+              <a:t> </a:t>
+            </a:r>
+          </a:p>
+          <a:p>
+            <a:pPr marL="0" indent="0">
+              <a:buNone/>
+            </a:pPr>
+            <a:r>
+              <a:rPr lang="en-US" sz="1600" b="1" dirty="0">
+                <a:latin typeface="Inconsolata" panose="020B0609030003000000" pitchFamily="49" charset="77"/>
+              </a:rPr>
+              <a:t>	</a:t>
+            </a:r>
+            <a:r>
+              <a:rPr lang="en-US" sz="1600" b="1" dirty="0" err="1">
+                <a:latin typeface="Inconsolata" panose="020B0609030003000000" pitchFamily="49" charset="77"/>
+              </a:rPr>
+              <a:t>sorted_list</a:t>
+            </a:r>
+            <a:r>
+              <a:rPr lang="en-US" sz="1600" b="1" dirty="0">
+                <a:latin typeface="Inconsolata" panose="020B0609030003000000" pitchFamily="49" charset="77"/>
+              </a:rPr>
+              <a:t> = sorted(</a:t>
+            </a:r>
+            <a:r>
+              <a:rPr lang="en-US" sz="1600" b="1" dirty="0" err="1">
+                <a:latin typeface="Inconsolata" panose="020B0609030003000000" pitchFamily="49" charset="77"/>
+              </a:rPr>
+              <a:t>lst</a:t>
+            </a:r>
+            <a:r>
+              <a:rPr lang="en-US" sz="1600" b="1" dirty="0">
+                <a:latin typeface="Inconsolata" panose="020B0609030003000000" pitchFamily="49" charset="77"/>
+              </a:rPr>
+              <a:t>)</a:t>
+            </a:r>
+          </a:p>
+          <a:p>
+            <a:pPr marL="0" indent="0">
+              <a:buNone/>
+            </a:pPr>
+            <a:r>
+              <a:rPr lang="en-US" sz="1600" b="1" dirty="0">
+                <a:solidFill>
+                  <a:srgbClr val="006699"/>
+                </a:solidFill>
+                <a:latin typeface="Inconsolata" panose="020B0609030003000000" pitchFamily="49" charset="77"/>
+              </a:rPr>
+              <a:t>	# Get the two smallest numbers </a:t>
+            </a:r>
+          </a:p>
+          <a:p>
+            <a:pPr marL="0" indent="0">
+              <a:buNone/>
+            </a:pPr>
+            <a:r>
+              <a:rPr lang="en-US" sz="1600" b="1" dirty="0">
+                <a:latin typeface="Inconsolata" panose="020B0609030003000000" pitchFamily="49" charset="77"/>
+              </a:rPr>
+              <a:t>	small1 = </a:t>
+            </a:r>
+            <a:r>
+              <a:rPr lang="en-US" sz="1600" b="1" dirty="0" err="1">
+                <a:latin typeface="Inconsolata" panose="020B0609030003000000" pitchFamily="49" charset="77"/>
+              </a:rPr>
+              <a:t>sorted_list</a:t>
+            </a:r>
+            <a:r>
+              <a:rPr lang="en-US" sz="1600" b="1" dirty="0">
+                <a:latin typeface="Inconsolata" panose="020B0609030003000000" pitchFamily="49" charset="77"/>
+              </a:rPr>
+              <a:t>[0]</a:t>
+            </a:r>
+          </a:p>
+          <a:p>
+            <a:pPr marL="0" indent="0">
+              <a:buNone/>
+            </a:pPr>
+            <a:r>
+              <a:rPr lang="en-US" sz="1600" b="1" dirty="0">
+                <a:latin typeface="Inconsolata" panose="020B0609030003000000" pitchFamily="49" charset="77"/>
+              </a:rPr>
+              <a:t>	small2 = </a:t>
+            </a:r>
+            <a:r>
+              <a:rPr lang="en-US" sz="1600" b="1" dirty="0" err="1">
+                <a:latin typeface="Inconsolata" panose="020B0609030003000000" pitchFamily="49" charset="77"/>
+              </a:rPr>
+              <a:t>sorted_list</a:t>
+            </a:r>
+            <a:r>
+              <a:rPr lang="en-US" sz="1600" b="1" dirty="0">
+                <a:latin typeface="Inconsolata" panose="020B0609030003000000" pitchFamily="49" charset="77"/>
+              </a:rPr>
+              <a:t>[1]</a:t>
+            </a:r>
+          </a:p>
+          <a:p>
+            <a:pPr marL="0" indent="0">
+              <a:buNone/>
+            </a:pPr>
+            <a:r>
+              <a:rPr lang="en-US" sz="1600" b="1" dirty="0">
+                <a:solidFill>
+                  <a:srgbClr val="006699"/>
+                </a:solidFill>
+                <a:latin typeface="Inconsolata" panose="020B0609030003000000" pitchFamily="49" charset="77"/>
+              </a:rPr>
+              <a:t>	# Find their indices in the original list </a:t>
+            </a:r>
+            <a:r>
+              <a:rPr lang="en-US" sz="1600" b="1" dirty="0" err="1">
+                <a:solidFill>
+                  <a:srgbClr val="006699"/>
+                </a:solidFill>
+                <a:latin typeface="Inconsolata" panose="020B0609030003000000" pitchFamily="49" charset="77"/>
+              </a:rPr>
+              <a:t>lst</a:t>
+            </a:r>
+            <a:endParaRPr lang="en-US" sz="1600" b="1" dirty="0">
+              <a:solidFill>
+                <a:srgbClr val="006699"/>
+              </a:solidFill>
+              <a:latin typeface="Inconsolata" panose="020B0609030003000000" pitchFamily="49" charset="77"/>
+            </a:endParaRPr>
+          </a:p>
+          <a:p>
+            <a:pPr marL="0" indent="0">
+              <a:buNone/>
+            </a:pPr>
+            <a:r>
+              <a:rPr lang="en-US" sz="1600" b="1" dirty="0">
+                <a:latin typeface="Inconsolata" panose="020B0609030003000000" pitchFamily="49" charset="77"/>
+              </a:rPr>
+              <a:t>	index1 = </a:t>
+            </a:r>
+            <a:r>
+              <a:rPr lang="en-US" sz="1600" b="1" dirty="0" err="1">
+                <a:latin typeface="Inconsolata" panose="020B0609030003000000" pitchFamily="49" charset="77"/>
+              </a:rPr>
+              <a:t>lst.index</a:t>
+            </a:r>
+            <a:r>
+              <a:rPr lang="en-US" sz="1600" b="1" dirty="0">
+                <a:latin typeface="Inconsolata" panose="020B0609030003000000" pitchFamily="49" charset="77"/>
+              </a:rPr>
+              <a:t>(small1)</a:t>
+            </a:r>
+          </a:p>
+          <a:p>
+            <a:pPr marL="0" indent="0">
+              <a:buNone/>
+            </a:pPr>
+            <a:r>
+              <a:rPr lang="en-US" sz="1600" b="1" dirty="0">
+                <a:latin typeface="Inconsolata" panose="020B0609030003000000" pitchFamily="49" charset="77"/>
+              </a:rPr>
+              <a:t>	index2 = </a:t>
+            </a:r>
+            <a:r>
+              <a:rPr lang="en-US" sz="1600" b="1" dirty="0" err="1">
+                <a:latin typeface="Inconsolata" panose="020B0609030003000000" pitchFamily="49" charset="77"/>
+              </a:rPr>
+              <a:t>lst.index</a:t>
+            </a:r>
+            <a:r>
+              <a:rPr lang="en-US" sz="1600" b="1" dirty="0">
+                <a:latin typeface="Inconsolata" panose="020B0609030003000000" pitchFamily="49" charset="77"/>
+              </a:rPr>
+              <a:t>(small2)</a:t>
+            </a:r>
+          </a:p>
+          <a:p>
+            <a:pPr marL="0" indent="0">
+              <a:buNone/>
+            </a:pPr>
+            <a:r>
+              <a:rPr lang="en-US" sz="1600" b="1" dirty="0">
+                <a:solidFill>
+                  <a:srgbClr val="006699"/>
+                </a:solidFill>
+                <a:latin typeface="Inconsolata" panose="020B0609030003000000" pitchFamily="49" charset="77"/>
+              </a:rPr>
+              <a:t>	# Return the two indices </a:t>
+            </a:r>
+          </a:p>
+          <a:p>
+            <a:pPr marL="0" indent="0">
+              <a:buNone/>
+            </a:pPr>
+            <a:r>
+              <a:rPr lang="en-US" sz="1600" b="1" dirty="0">
+                <a:latin typeface="Inconsolata" panose="020B0609030003000000" pitchFamily="49" charset="77"/>
+              </a:rPr>
+              <a:t>	return index1, index2</a:t>
+            </a:r>
+          </a:p>
+          <a:p>
+            <a:pPr marL="0" indent="0">
+              <a:buNone/>
+            </a:pPr>
+            <a:endParaRPr lang="en-US" sz="1600" b="1" dirty="0">
+              <a:latin typeface="Inconsolata" panose="020B0609030003000000" pitchFamily="49" charset="77"/>
+            </a:endParaRPr>
+          </a:p>
+        </p:txBody>
+      </p:sp>
+      <p:sp>
+        <p:nvSpPr>
+          <p:cNvPr id="2" name="Slide Number Placeholder 1">
+            <a:extLst>
+              <a:ext uri="{FF2B5EF4-FFF2-40B4-BE49-F238E27FC236}">
+                <a16:creationId xmlns:a16="http://schemas.microsoft.com/office/drawing/2014/main" id="{8FBD42D2-FB35-334B-9DC6-7C44CA59319B}"/>
+              </a:ext>
+            </a:extLst>
+          </p:cNvPr>
+          <p:cNvSpPr>
+            <a:spLocks noGrp="1"/>
+          </p:cNvSpPr>
+          <p:nvPr>
+            <p:ph type="sldNum" sz="quarter" idx="12"/>
+          </p:nvPr>
+        </p:nvSpPr>
+        <p:spPr/>
+        <p:txBody>
+          <a:bodyPr/>
+          <a:lstStyle/>
+          <a:p>
+            <a:fld id="{D57F1E4F-1CFF-5643-939E-02111984F565}" type="slidenum">
+              <a:rPr lang="en-US" smtClean="0"/>
+              <a:t>33</a:t>
+            </a:fld>
+            <a:endParaRPr lang="en-US" dirty="0"/>
+          </a:p>
+        </p:txBody>
+      </p:sp>
+      <p:sp>
+        <p:nvSpPr>
+          <p:cNvPr id="3" name="TextBox 2">
+            <a:extLst>
+              <a:ext uri="{FF2B5EF4-FFF2-40B4-BE49-F238E27FC236}">
+                <a16:creationId xmlns:a16="http://schemas.microsoft.com/office/drawing/2014/main" id="{000F94B9-FA26-9B4B-954E-BBCC432AB7ED}"/>
+              </a:ext>
+            </a:extLst>
+          </p:cNvPr>
+          <p:cNvSpPr txBox="1"/>
+          <p:nvPr/>
+        </p:nvSpPr>
+        <p:spPr>
+          <a:xfrm>
+            <a:off x="133564" y="113098"/>
+            <a:ext cx="1436612" cy="616194"/>
+          </a:xfrm>
+          <a:prstGeom prst="rect">
+            <a:avLst/>
+          </a:prstGeom>
+          <a:noFill/>
+        </p:spPr>
+        <p:txBody>
+          <a:bodyPr wrap="none" rtlCol="0">
+            <a:spAutoFit/>
+          </a:bodyPr>
+          <a:lstStyle/>
+          <a:p>
+            <a:r>
+              <a:rPr lang="en-US" sz="2000" b="1" dirty="0">
+                <a:latin typeface="Gill Sans MT" panose="020B0502020104020203" pitchFamily="34" charset="77"/>
+              </a:rPr>
+              <a:t>(Optional)</a:t>
+            </a:r>
+          </a:p>
+          <a:p>
+            <a:endParaRPr lang="en-US" dirty="0"/>
+          </a:p>
+        </p:txBody>
+      </p:sp>
+    </p:spTree>
+    <p:extLst>
+      <p:ext uri="{BB962C8B-B14F-4D97-AF65-F5344CB8AC3E}">
+        <p14:creationId xmlns:p14="http://schemas.microsoft.com/office/powerpoint/2010/main" val="2072460006"/>
+      </p:ext>
+    </p:extLst>
+  </p:cSld>
+  <p:clrMapOvr>
+    <a:masterClrMapping/>
+  </p:clrMapOvr>
   <p:timing>
     <p:tnLst>
       <p:par>
@@ -26532,69 +27307,7 @@
                                           </p:stCondLst>
                                         </p:cTn>
                                         <p:tgtEl>
-                                          <p:spTgt spid="26627">
-                                            <p:txEl>
-                                              <p:pRg st="1" end="1"/>
-                                            </p:txEl>
-                                          </p:spTgt>
-                                        </p:tgtEl>
-                                        <p:attrNameLst>
-                                          <p:attrName>style.visibility</p:attrName>
-                                        </p:attrNameLst>
-                                      </p:cBhvr>
-                                      <p:to>
-                                        <p:strVal val="visible"/>
-                                      </p:to>
-                                    </p:set>
-                                  </p:childTnLst>
-                                </p:cTn>
-                              </p:par>
-                              <p:par>
-                                <p:cTn id="7" presetID="1" presetClass="entr" presetSubtype="0" fill="hold" nodeType="withEffect">
-                                  <p:stCondLst>
-                                    <p:cond delay="0"/>
-                                  </p:stCondLst>
-                                  <p:childTnLst>
-                                    <p:set>
-                                      <p:cBhvr>
-                                        <p:cTn id="8" dur="1" fill="hold">
-                                          <p:stCondLst>
-                                            <p:cond delay="0"/>
-                                          </p:stCondLst>
-                                        </p:cTn>
-                                        <p:tgtEl>
-                                          <p:spTgt spid="26627">
-                                            <p:txEl>
-                                              <p:pRg st="2" end="2"/>
-                                            </p:txEl>
-                                          </p:spTgt>
-                                        </p:tgtEl>
-                                        <p:attrNameLst>
-                                          <p:attrName>style.visibility</p:attrName>
-                                        </p:attrNameLst>
-                                      </p:cBhvr>
-                                      <p:to>
-                                        <p:strVal val="visible"/>
-                                      </p:to>
-                                    </p:set>
-                                  </p:childTnLst>
-                                </p:cTn>
-                              </p:par>
-                              <p:par>
-                                <p:cTn id="9" presetID="1" presetClass="entr" presetSubtype="0" fill="hold" nodeType="withEffect">
-                                  <p:stCondLst>
-                                    <p:cond delay="0"/>
-                                  </p:stCondLst>
-                                  <p:childTnLst>
-                                    <p:set>
-                                      <p:cBhvr>
-                                        <p:cTn id="10" dur="1" fill="hold">
-                                          <p:stCondLst>
-                                            <p:cond delay="0"/>
-                                          </p:stCondLst>
-                                        </p:cTn>
-                                        <p:tgtEl>
-                                          <p:spTgt spid="26627">
+                                          <p:spTgt spid="6146">
                                             <p:txEl>
                                               <p:pRg st="3" end="3"/>
                                             </p:txEl>
@@ -26611,21 +27324,39 @@
                                   </p:childTnLst>
                                 </p:cTn>
                               </p:par>
+                            </p:childTnLst>
+                          </p:cTn>
+                        </p:par>
+                      </p:childTnLst>
+                    </p:cTn>
+                  </p:par>
+                  <p:par>
+                    <p:cTn id="7" fill="hold">
+                      <p:stCondLst>
+                        <p:cond delay="indefinite"/>
+                      </p:stCondLst>
+                      <p:childTnLst>
+                        <p:par>
+                          <p:cTn id="8" fill="hold">
+                            <p:stCondLst>
+                              <p:cond delay="0"/>
+                            </p:stCondLst>
+                            <p:childTnLst>
                               <p:par>
-                                <p:cTn id="11" presetID="1" presetClass="entr" presetSubtype="0" fill="hold" nodeType="withEffect">
+                                <p:cTn id="9" presetID="1" presetClass="entr" presetSubtype="0" fill="hold" nodeType="clickEffect">
                                   <p:stCondLst>
                                     <p:cond delay="0"/>
                                   </p:stCondLst>
                                   <p:childTnLst>
                                     <p:set>
                                       <p:cBhvr>
-                                        <p:cTn id="12" dur="1" fill="hold">
+                                        <p:cTn id="10" dur="1" fill="hold">
                                           <p:stCondLst>
                                             <p:cond delay="0"/>
                                           </p:stCondLst>
                                         </p:cTn>
                                         <p:tgtEl>
-                                          <p:spTgt spid="26627">
+                                          <p:spTgt spid="6146">
                                             <p:txEl>
                                               <p:pRg st="4" end="4"/>
                                             </p:txEl>
@@ -26642,8 +27373,26 @@
                                   </p:childTnLst>
                                 </p:cTn>
                               </p:par>
+                            </p:childTnLst>
+                          </p:cTn>
+                        </p:par>
+                      </p:childTnLst>
+                    </p:cTn>
+                  </p:par>
+                  <p:par>
+                    <p:cTn id="11" fill="hold">
+                      <p:stCondLst>
+                        <p:cond delay="indefinite"/>
+                      </p:stCondLst>
+                      <p:childTnLst>
+                        <p:par>
+                          <p:cTn id="12" fill="hold">
+                            <p:stCondLst>
+                              <p:cond delay="0"/>
+                            </p:stCondLst>
+                            <p:childTnLst>
                               <p:par>
-                                <p:cTn id="13" presetID="1" presetClass="entr" presetSubtype="0" fill="hold" nodeType="withEffect">
+                                <p:cTn id="13" presetID="1" presetClass="entr" presetSubtype="0" fill="hold" nodeType="clickEffect">
                                   <p:stCondLst>
                                     <p:cond delay="0"/>
                                   </p:stCondLst>
@@ -26656,7 +27405,7 @@
                                           </p:stCondLst>
                                         </p:cTn>
                                         <p:tgtEl>
-                                          <p:spTgt spid="26627">
+                                          <p:spTgt spid="6146">
                                             <p:txEl>
                                               <p:pRg st="5" end="5"/>
                                             </p:txEl>
@@ -26705,7 +27454,7 @@
                                           </p:stCondLst>
                                         </p:cTn>
                                         <p:tgtEl>
-                                          <p:spTgt spid="26627">
+                                          <p:spTgt spid="6146">
                                             <p:txEl>
                                               <p:pRg st="6" end="6"/>
                                             </p:txEl>
@@ -26754,512 +27503,9 @@
                                           </p:stCondLst>
                                         </p:cTn>
                                         <p:tgtEl>
-                                          <p:spTgt spid="26627">
+                                          <p:spTgt spid="6146">
                                             <p:txEl>
                                               <p:pRg st="7" end="7"/>
-                                            </p:txEl>
-                                          </p:spTgt>
-                                        </p:tgtEl>
-                                        <p:attrNameLst>
-                                          <p:attrName>style.visibility</p:attrName>
-                                        </p:attrNameLst>
-                                      </p:cBhvr>
-                                      <p:to>
-                                        <p:strVal val="visible"/>
-                                      </p:to>
-                                    </p:set>
-                                  </p:childTnLst>
-                                </p:cTn>
-                              </p:par>
-                            </p:childTnLst>
-                          </p:cTn>
-                        </p:par>
-                      </p:childTnLst>
-                    </p:cTn>
-                  </p:par>
-                </p:childTnLst>
-              </p:cTn>
-              <p:prevCondLst>
-                <p:cond evt="onPrev" delay="0">
-                  <p:tgtEl>
-                    <p:sldTgt/>
-                  </p:tgtEl>
-                </p:cond>
-              </p:prevCondLst>
-              <p:nextCondLst>
-                <p:cond evt="onNext" delay="0">
-                  <p:tgtEl>
-                    <p:sldTgt/>
-                  </p:tgtEl>
-                </p:cond>
-              </p:nextCondLst>
-            </p:seq>
-          </p:childTnLst>
-        </p:cTn>
-      </p:par>
-    </p:tnLst>
-  </p:timing>
-</p:sld>
-</file>
-
-<file path=ppt/slides/slide33.xml><?xml version="1.0" encoding="utf-8"?>
-<p:sld xmlns:a="http://schemas.openxmlformats.org/drawingml/2006/main" xmlns:r="http://schemas.openxmlformats.org/officeDocument/2006/relationships" xmlns:p="http://schemas.openxmlformats.org/presentationml/2006/main">
-  <p:cSld>
-    <p:spTree>
-      <p:nvGrpSpPr>
-        <p:cNvPr id="1" name=""/>
-        <p:cNvGrpSpPr/>
-        <p:nvPr/>
-      </p:nvGrpSpPr>
-      <p:grpSpPr>
-        <a:xfrm>
-          <a:off x="0" y="0"/>
-          <a:ext cx="0" cy="0"/>
-          <a:chOff x="0" y="0"/>
-          <a:chExt cx="0" cy="0"/>
-        </a:xfrm>
-      </p:grpSpPr>
-      <p:sp>
-        <p:nvSpPr>
-          <p:cNvPr id="186370" name="Rectangle 2">
-            <a:extLst>
-              <a:ext uri="{FF2B5EF4-FFF2-40B4-BE49-F238E27FC236}">
-                <a16:creationId xmlns:a16="http://schemas.microsoft.com/office/drawing/2014/main" id="{C5506108-D6E6-9641-98CC-A9DA92AF0478}"/>
-              </a:ext>
-            </a:extLst>
-          </p:cNvPr>
-          <p:cNvSpPr>
-            <a:spLocks noGrp="1" noChangeArrowheads="1"/>
-          </p:cNvSpPr>
-          <p:nvPr>
-            <p:ph type="title"/>
-          </p:nvPr>
-        </p:nvSpPr>
-        <p:spPr>
-          <a:xfrm>
-            <a:off x="133564" y="104519"/>
-            <a:ext cx="7724240" cy="679442"/>
-          </a:xfrm>
-        </p:spPr>
-        <p:txBody>
-          <a:bodyPr/>
-          <a:lstStyle/>
-          <a:p>
-            <a:pPr eaLnBrk="1" hangingPunct="1">
-              <a:defRPr/>
-            </a:pPr>
-            <a:r>
-              <a:rPr lang="en-US" dirty="0">
-                <a:solidFill>
-                  <a:srgbClr val="FF0000"/>
-                </a:solidFill>
-                <a:cs typeface="+mj-cs"/>
-              </a:rPr>
-              <a:t>Algorithms to know for AP Exam</a:t>
-            </a:r>
-            <a:endParaRPr lang="en-US" sz="2333" dirty="0">
-              <a:solidFill>
-                <a:srgbClr val="FF0000"/>
-              </a:solidFill>
-            </a:endParaRPr>
-          </a:p>
-        </p:txBody>
-      </p:sp>
-      <p:sp>
-        <p:nvSpPr>
-          <p:cNvPr id="6146" name="Rectangle 3">
-            <a:extLst>
-              <a:ext uri="{FF2B5EF4-FFF2-40B4-BE49-F238E27FC236}">
-                <a16:creationId xmlns:a16="http://schemas.microsoft.com/office/drawing/2014/main" id="{EAA042DF-FAF2-DA4B-9FB9-A8E93FAB0389}"/>
-              </a:ext>
-            </a:extLst>
-          </p:cNvPr>
-          <p:cNvSpPr>
-            <a:spLocks noGrp="1" noChangeArrowheads="1"/>
-          </p:cNvSpPr>
-          <p:nvPr>
-            <p:ph type="body" idx="1"/>
-          </p:nvPr>
-        </p:nvSpPr>
-        <p:spPr>
-          <a:xfrm>
-            <a:off x="133564" y="783961"/>
-            <a:ext cx="8537825" cy="4931039"/>
-          </a:xfrm>
-        </p:spPr>
-        <p:txBody>
-          <a:bodyPr>
-            <a:normAutofit/>
-          </a:bodyPr>
-          <a:lstStyle/>
-          <a:p>
-            <a:pPr marL="0" indent="0">
-              <a:buNone/>
-            </a:pPr>
-            <a:r>
-              <a:rPr lang="en-US" altLang="en-US" sz="2000" dirty="0">
-                <a:latin typeface="Gill Sans MT" panose="020B0502020104020203" pitchFamily="34" charset="77"/>
-                <a:ea typeface="ＭＳ Ｐゴシック" panose="020B0600070205080204" pitchFamily="34" charset="-128"/>
-              </a:rPr>
-              <a:t>You should know how to implement(write the code for) the following algorithms. The AP exam may give you the code for an algorithm and ask you to find the error or explain what it does. </a:t>
-            </a:r>
-          </a:p>
-          <a:p>
-            <a:pPr marL="0" indent="0">
-              <a:buNone/>
-            </a:pPr>
-            <a:endParaRPr lang="en-US" altLang="en-US" sz="2000" dirty="0">
-              <a:latin typeface="Courier New" panose="02070309020205020404" pitchFamily="49" charset="0"/>
-              <a:ea typeface="ＭＳ Ｐゴシック" panose="020B0600070205080204" pitchFamily="34" charset="-128"/>
-            </a:endParaRPr>
-          </a:p>
-          <a:p>
-            <a:pPr marL="457200" indent="-457200">
-              <a:buAutoNum type="arabicParenR"/>
-            </a:pPr>
-            <a:r>
-              <a:rPr lang="en-US" altLang="en-US" sz="2000" dirty="0">
-                <a:latin typeface="Gill Sans MT" panose="020B0502020104020203" pitchFamily="34" charset="77"/>
-                <a:ea typeface="ＭＳ Ｐゴシック" panose="020B0600070205080204" pitchFamily="34" charset="-128"/>
-              </a:rPr>
-              <a:t>Finding an item in a list(sequential search).</a:t>
-            </a:r>
-          </a:p>
-          <a:p>
-            <a:pPr marL="800100" lvl="1" indent="-457200">
-              <a:buFont typeface="+mj-lt"/>
-              <a:buAutoNum type="alphaLcParenR"/>
-            </a:pPr>
-            <a:r>
-              <a:rPr lang="en-US" altLang="en-US" dirty="0">
-                <a:latin typeface="Gill Sans MT" panose="020B0502020104020203" pitchFamily="34" charset="77"/>
-                <a:ea typeface="ＭＳ Ｐゴシック" panose="020B0600070205080204" pitchFamily="34" charset="-128"/>
-              </a:rPr>
-              <a:t>Given a list and an item, return whether(True or False) the item is in the list</a:t>
-            </a:r>
-          </a:p>
-          <a:p>
-            <a:pPr marL="800100" lvl="1" indent="-457200">
-              <a:buFont typeface="+mj-lt"/>
-              <a:buAutoNum type="alphaLcParenR"/>
-            </a:pPr>
-            <a:r>
-              <a:rPr lang="en-US" altLang="en-US" dirty="0">
-                <a:latin typeface="Gill Sans MT" panose="020B0502020104020203" pitchFamily="34" charset="77"/>
-                <a:ea typeface="ＭＳ Ｐゴシック" panose="020B0600070205080204" pitchFamily="34" charset="-128"/>
-              </a:rPr>
-              <a:t>Give a list an an item, return the index of the item in the list(-1 if not found).</a:t>
-            </a:r>
-          </a:p>
-          <a:p>
-            <a:pPr marL="457200" indent="-457200">
-              <a:buFont typeface="+mj-lt"/>
-              <a:buAutoNum type="arabicParenR"/>
-            </a:pPr>
-            <a:r>
-              <a:rPr lang="en-US" altLang="en-US" sz="2000" dirty="0">
-                <a:latin typeface="Gill Sans MT" panose="020B0502020104020203" pitchFamily="34" charset="77"/>
-                <a:ea typeface="ＭＳ Ｐゴシック" panose="020B0600070205080204" pitchFamily="34" charset="-128"/>
-              </a:rPr>
-              <a:t>Compute the sum or average of a list of numbers.</a:t>
-            </a:r>
-          </a:p>
-          <a:p>
-            <a:pPr marL="457200" indent="-457200">
-              <a:buFont typeface="+mj-lt"/>
-              <a:buAutoNum type="arabicParenR"/>
-            </a:pPr>
-            <a:r>
-              <a:rPr lang="en-US" altLang="en-US" sz="2000" dirty="0">
-                <a:latin typeface="Gill Sans MT" panose="020B0502020104020203" pitchFamily="34" charset="77"/>
-                <a:ea typeface="ＭＳ Ｐゴシック" panose="020B0600070205080204" pitchFamily="34" charset="-128"/>
-              </a:rPr>
-              <a:t>Find the minimum or maximum value of a list of numbers.</a:t>
-            </a:r>
-          </a:p>
-          <a:p>
-            <a:pPr marL="0" indent="0">
-              <a:buNone/>
-            </a:pPr>
-            <a:endParaRPr lang="en-US" altLang="en-US" sz="2000" dirty="0">
-              <a:latin typeface="Courier New" panose="02070309020205020404" pitchFamily="49" charset="0"/>
-              <a:ea typeface="ＭＳ Ｐゴシック" panose="020B0600070205080204" pitchFamily="34" charset="-128"/>
-            </a:endParaRPr>
-          </a:p>
-        </p:txBody>
-      </p:sp>
-      <p:sp>
-        <p:nvSpPr>
-          <p:cNvPr id="2" name="Slide Number Placeholder 1">
-            <a:extLst>
-              <a:ext uri="{FF2B5EF4-FFF2-40B4-BE49-F238E27FC236}">
-                <a16:creationId xmlns:a16="http://schemas.microsoft.com/office/drawing/2014/main" id="{EAEC08EF-B495-0248-BDF8-D62158BA5FFD}"/>
-              </a:ext>
-            </a:extLst>
-          </p:cNvPr>
-          <p:cNvSpPr>
-            <a:spLocks noGrp="1"/>
-          </p:cNvSpPr>
-          <p:nvPr>
-            <p:ph type="sldNum" sz="quarter" idx="12"/>
-          </p:nvPr>
-        </p:nvSpPr>
-        <p:spPr/>
-        <p:txBody>
-          <a:bodyPr/>
-          <a:lstStyle/>
-          <a:p>
-            <a:fld id="{D57F1E4F-1CFF-5643-939E-02111984F565}" type="slidenum">
-              <a:rPr lang="en-US" smtClean="0"/>
-              <a:t>33</a:t>
-            </a:fld>
-            <a:endParaRPr lang="en-US" dirty="0"/>
-          </a:p>
-        </p:txBody>
-      </p:sp>
-    </p:spTree>
-    <p:extLst>
-      <p:ext uri="{BB962C8B-B14F-4D97-AF65-F5344CB8AC3E}">
-        <p14:creationId xmlns:p14="http://schemas.microsoft.com/office/powerpoint/2010/main" val="1656957266"/>
-      </p:ext>
-    </p:extLst>
-  </p:cSld>
-  <p:clrMapOvr>
-    <a:masterClrMapping/>
-  </p:clrMapOvr>
-  <p:timing>
-    <p:tnLst>
-      <p:par>
-        <p:cTn id="1" dur="indefinite" restart="never" nodeType="tmRoot">
-          <p:childTnLst>
-            <p:seq concurrent="1" nextAc="seek">
-              <p:cTn id="2" dur="indefinite" nodeType="mainSeq">
-                <p:childTnLst>
-                  <p:par>
-                    <p:cTn id="3" fill="hold">
-                      <p:stCondLst>
-                        <p:cond delay="indefinite"/>
-                      </p:stCondLst>
-                      <p:childTnLst>
-                        <p:par>
-                          <p:cTn id="4" fill="hold">
-                            <p:stCondLst>
-                              <p:cond delay="0"/>
-                            </p:stCondLst>
-                            <p:childTnLst>
-                              <p:par>
-                                <p:cTn id="5" presetID="1" presetClass="entr" presetSubtype="0" fill="hold" nodeType="clickEffect">
-                                  <p:stCondLst>
-                                    <p:cond delay="0"/>
-                                  </p:stCondLst>
-                                  <p:childTnLst>
-                                    <p:set>
-                                      <p:cBhvr>
-                                        <p:cTn id="6" dur="1" fill="hold">
-                                          <p:stCondLst>
-                                            <p:cond delay="0"/>
-                                          </p:stCondLst>
-                                        </p:cTn>
-                                        <p:tgtEl>
-                                          <p:spTgt spid="6146">
-                                            <p:txEl>
-                                              <p:pRg st="2" end="2"/>
-                                            </p:txEl>
-                                          </p:spTgt>
-                                        </p:tgtEl>
-                                        <p:attrNameLst>
-                                          <p:attrName>style.visibility</p:attrName>
-                                        </p:attrNameLst>
-                                      </p:cBhvr>
-                                      <p:to>
-                                        <p:strVal val="visible"/>
-                                      </p:to>
-                                    </p:set>
-                                  </p:childTnLst>
-                                </p:cTn>
-                              </p:par>
-                            </p:childTnLst>
-                          </p:cTn>
-                        </p:par>
-                      </p:childTnLst>
-                    </p:cTn>
-                  </p:par>
-                  <p:par>
-                    <p:cTn id="7" fill="hold">
-                      <p:stCondLst>
-                        <p:cond delay="indefinite"/>
-                      </p:stCondLst>
-                      <p:childTnLst>
-                        <p:par>
-                          <p:cTn id="8" fill="hold">
-                            <p:stCondLst>
-                              <p:cond delay="0"/>
-                            </p:stCondLst>
-                            <p:childTnLst>
-                              <p:par>
-                                <p:cTn id="9" presetID="1" presetClass="entr" presetSubtype="0" fill="hold" nodeType="clickEffect">
-                                  <p:stCondLst>
-                                    <p:cond delay="0"/>
-                                  </p:stCondLst>
-                                  <p:childTnLst>
-                                    <p:set>
-                                      <p:cBhvr>
-                                        <p:cTn id="10" dur="1" fill="hold">
-                                          <p:stCondLst>
-                                            <p:cond delay="0"/>
-                                          </p:stCondLst>
-                                        </p:cTn>
-                                        <p:tgtEl>
-                                          <p:spTgt spid="6146">
-                                            <p:txEl>
-                                              <p:pRg st="0" end="0"/>
-                                            </p:txEl>
-                                          </p:spTgt>
-                                        </p:tgtEl>
-                                        <p:attrNameLst>
-                                          <p:attrName>style.visibility</p:attrName>
-                                        </p:attrNameLst>
-                                      </p:cBhvr>
-                                      <p:to>
-                                        <p:strVal val="visible"/>
-                                      </p:to>
-                                    </p:set>
-                                  </p:childTnLst>
-                                </p:cTn>
-                              </p:par>
-                            </p:childTnLst>
-                          </p:cTn>
-                        </p:par>
-                      </p:childTnLst>
-                    </p:cTn>
-                  </p:par>
-                  <p:par>
-                    <p:cTn id="11" fill="hold">
-                      <p:stCondLst>
-                        <p:cond delay="indefinite"/>
-                      </p:stCondLst>
-                      <p:childTnLst>
-                        <p:par>
-                          <p:cTn id="12" fill="hold">
-                            <p:stCondLst>
-                              <p:cond delay="0"/>
-                            </p:stCondLst>
-                            <p:childTnLst>
-                              <p:par>
-                                <p:cTn id="13" presetID="1" presetClass="entr" presetSubtype="0" fill="hold" nodeType="clickEffect">
-                                  <p:stCondLst>
-                                    <p:cond delay="0"/>
-                                  </p:stCondLst>
-                                  <p:childTnLst>
-                                    <p:set>
-                                      <p:cBhvr>
-                                        <p:cTn id="14" dur="1" fill="hold">
-                                          <p:stCondLst>
-                                            <p:cond delay="0"/>
-                                          </p:stCondLst>
-                                        </p:cTn>
-                                        <p:tgtEl>
-                                          <p:spTgt spid="6146">
-                                            <p:txEl>
-                                              <p:pRg st="3" end="3"/>
-                                            </p:txEl>
-                                          </p:spTgt>
-                                        </p:tgtEl>
-                                        <p:attrNameLst>
-                                          <p:attrName>style.visibility</p:attrName>
-                                        </p:attrNameLst>
-                                      </p:cBhvr>
-                                      <p:to>
-                                        <p:strVal val="visible"/>
-                                      </p:to>
-                                    </p:set>
-                                  </p:childTnLst>
-                                </p:cTn>
-                              </p:par>
-                            </p:childTnLst>
-                          </p:cTn>
-                        </p:par>
-                      </p:childTnLst>
-                    </p:cTn>
-                  </p:par>
-                  <p:par>
-                    <p:cTn id="15" fill="hold">
-                      <p:stCondLst>
-                        <p:cond delay="indefinite"/>
-                      </p:stCondLst>
-                      <p:childTnLst>
-                        <p:par>
-                          <p:cTn id="16" fill="hold">
-                            <p:stCondLst>
-                              <p:cond delay="0"/>
-                            </p:stCondLst>
-                            <p:childTnLst>
-                              <p:par>
-                                <p:cTn id="17" presetID="1" presetClass="entr" presetSubtype="0" fill="hold" nodeType="clickEffect">
-                                  <p:stCondLst>
-                                    <p:cond delay="0"/>
-                                  </p:stCondLst>
-                                  <p:childTnLst>
-                                    <p:set>
-                                      <p:cBhvr>
-                                        <p:cTn id="18" dur="1" fill="hold">
-                                          <p:stCondLst>
-                                            <p:cond delay="0"/>
-                                          </p:stCondLst>
-                                        </p:cTn>
-                                        <p:tgtEl>
-                                          <p:spTgt spid="6146">
-                                            <p:txEl>
-                                              <p:pRg st="4" end="4"/>
-                                            </p:txEl>
-                                          </p:spTgt>
-                                        </p:tgtEl>
-                                        <p:attrNameLst>
-                                          <p:attrName>style.visibility</p:attrName>
-                                        </p:attrNameLst>
-                                      </p:cBhvr>
-                                      <p:to>
-                                        <p:strVal val="visible"/>
-                                      </p:to>
-                                    </p:set>
-                                  </p:childTnLst>
-                                </p:cTn>
-                              </p:par>
-                            </p:childTnLst>
-                          </p:cTn>
-                        </p:par>
-                      </p:childTnLst>
-                    </p:cTn>
-                  </p:par>
-                  <p:par>
-                    <p:cTn id="19" fill="hold">
-                      <p:stCondLst>
-                        <p:cond delay="indefinite"/>
-                      </p:stCondLst>
-                      <p:childTnLst>
-                        <p:par>
-                          <p:cTn id="20" fill="hold">
-                            <p:stCondLst>
-                              <p:cond delay="0"/>
-                            </p:stCondLst>
-                            <p:childTnLst>
-                              <p:par>
-                                <p:cTn id="21" presetID="1" presetClass="entr" presetSubtype="0" fill="hold" nodeType="clickEffect">
-                                  <p:stCondLst>
-                                    <p:cond delay="0"/>
-                                  </p:stCondLst>
-                                  <p:childTnLst>
-                                    <p:set>
-                                      <p:cBhvr>
-                                        <p:cTn id="22" dur="1" fill="hold">
-                                          <p:stCondLst>
-                                            <p:cond delay="0"/>
-                                          </p:stCondLst>
-                                        </p:cTn>
-                                        <p:tgtEl>
-                                          <p:spTgt spid="6146">
-                                            <p:txEl>
-                                              <p:pRg st="5" end="5"/>
                                             </p:txEl>
                                           </p:spTgt>
                                         </p:tgtEl>
@@ -27308,7 +27554,252 @@
                                         <p:tgtEl>
                                           <p:spTgt spid="6146">
                                             <p:txEl>
-                                              <p:pRg st="6" end="6"/>
+                                              <p:pRg st="8" end="8"/>
+                                            </p:txEl>
+                                          </p:spTgt>
+                                        </p:tgtEl>
+                                        <p:attrNameLst>
+                                          <p:attrName>style.visibility</p:attrName>
+                                        </p:attrNameLst>
+                                      </p:cBhvr>
+                                      <p:to>
+                                        <p:strVal val="visible"/>
+                                      </p:to>
+                                    </p:set>
+                                  </p:childTnLst>
+                                </p:cTn>
+                              </p:par>
+                            </p:childTnLst>
+                          </p:cTn>
+                        </p:par>
+                      </p:childTnLst>
+                    </p:cTn>
+                  </p:par>
+                  <p:par>
+                    <p:cTn id="27" fill="hold">
+                      <p:stCondLst>
+                        <p:cond delay="indefinite"/>
+                      </p:stCondLst>
+                      <p:childTnLst>
+                        <p:par>
+                          <p:cTn id="28" fill="hold">
+                            <p:stCondLst>
+                              <p:cond delay="0"/>
+                            </p:stCondLst>
+                            <p:childTnLst>
+                              <p:par>
+                                <p:cTn id="29" presetID="1" presetClass="entr" presetSubtype="0" fill="hold" nodeType="clickEffect">
+                                  <p:stCondLst>
+                                    <p:cond delay="0"/>
+                                  </p:stCondLst>
+                                  <p:childTnLst>
+                                    <p:set>
+                                      <p:cBhvr>
+                                        <p:cTn id="30" dur="1" fill="hold">
+                                          <p:stCondLst>
+                                            <p:cond delay="0"/>
+                                          </p:stCondLst>
+                                        </p:cTn>
+                                        <p:tgtEl>
+                                          <p:spTgt spid="6146">
+                                            <p:txEl>
+                                              <p:pRg st="9" end="9"/>
+                                            </p:txEl>
+                                          </p:spTgt>
+                                        </p:tgtEl>
+                                        <p:attrNameLst>
+                                          <p:attrName>style.visibility</p:attrName>
+                                        </p:attrNameLst>
+                                      </p:cBhvr>
+                                      <p:to>
+                                        <p:strVal val="visible"/>
+                                      </p:to>
+                                    </p:set>
+                                  </p:childTnLst>
+                                </p:cTn>
+                              </p:par>
+                            </p:childTnLst>
+                          </p:cTn>
+                        </p:par>
+                      </p:childTnLst>
+                    </p:cTn>
+                  </p:par>
+                  <p:par>
+                    <p:cTn id="31" fill="hold">
+                      <p:stCondLst>
+                        <p:cond delay="indefinite"/>
+                      </p:stCondLst>
+                      <p:childTnLst>
+                        <p:par>
+                          <p:cTn id="32" fill="hold">
+                            <p:stCondLst>
+                              <p:cond delay="0"/>
+                            </p:stCondLst>
+                            <p:childTnLst>
+                              <p:par>
+                                <p:cTn id="33" presetID="1" presetClass="entr" presetSubtype="0" fill="hold" nodeType="clickEffect">
+                                  <p:stCondLst>
+                                    <p:cond delay="0"/>
+                                  </p:stCondLst>
+                                  <p:childTnLst>
+                                    <p:set>
+                                      <p:cBhvr>
+                                        <p:cTn id="34" dur="1" fill="hold">
+                                          <p:stCondLst>
+                                            <p:cond delay="0"/>
+                                          </p:stCondLst>
+                                        </p:cTn>
+                                        <p:tgtEl>
+                                          <p:spTgt spid="6146">
+                                            <p:txEl>
+                                              <p:pRg st="10" end="10"/>
+                                            </p:txEl>
+                                          </p:spTgt>
+                                        </p:tgtEl>
+                                        <p:attrNameLst>
+                                          <p:attrName>style.visibility</p:attrName>
+                                        </p:attrNameLst>
+                                      </p:cBhvr>
+                                      <p:to>
+                                        <p:strVal val="visible"/>
+                                      </p:to>
+                                    </p:set>
+                                  </p:childTnLst>
+                                </p:cTn>
+                              </p:par>
+                            </p:childTnLst>
+                          </p:cTn>
+                        </p:par>
+                      </p:childTnLst>
+                    </p:cTn>
+                  </p:par>
+                  <p:par>
+                    <p:cTn id="35" fill="hold">
+                      <p:stCondLst>
+                        <p:cond delay="indefinite"/>
+                      </p:stCondLst>
+                      <p:childTnLst>
+                        <p:par>
+                          <p:cTn id="36" fill="hold">
+                            <p:stCondLst>
+                              <p:cond delay="0"/>
+                            </p:stCondLst>
+                            <p:childTnLst>
+                              <p:par>
+                                <p:cTn id="37" presetID="1" presetClass="entr" presetSubtype="0" fill="hold" nodeType="clickEffect">
+                                  <p:stCondLst>
+                                    <p:cond delay="0"/>
+                                  </p:stCondLst>
+                                  <p:childTnLst>
+                                    <p:set>
+                                      <p:cBhvr>
+                                        <p:cTn id="38" dur="1" fill="hold">
+                                          <p:stCondLst>
+                                            <p:cond delay="0"/>
+                                          </p:stCondLst>
+                                        </p:cTn>
+                                        <p:tgtEl>
+                                          <p:spTgt spid="6146">
+                                            <p:txEl>
+                                              <p:pRg st="11" end="11"/>
+                                            </p:txEl>
+                                          </p:spTgt>
+                                        </p:tgtEl>
+                                        <p:attrNameLst>
+                                          <p:attrName>style.visibility</p:attrName>
+                                        </p:attrNameLst>
+                                      </p:cBhvr>
+                                      <p:to>
+                                        <p:strVal val="visible"/>
+                                      </p:to>
+                                    </p:set>
+                                  </p:childTnLst>
+                                </p:cTn>
+                              </p:par>
+                            </p:childTnLst>
+                          </p:cTn>
+                        </p:par>
+                      </p:childTnLst>
+                    </p:cTn>
+                  </p:par>
+                  <p:par>
+                    <p:cTn id="39" fill="hold">
+                      <p:stCondLst>
+                        <p:cond delay="indefinite"/>
+                      </p:stCondLst>
+                      <p:childTnLst>
+                        <p:par>
+                          <p:cTn id="40" fill="hold">
+                            <p:stCondLst>
+                              <p:cond delay="0"/>
+                            </p:stCondLst>
+                            <p:childTnLst>
+                              <p:par>
+                                <p:cTn id="41" presetID="1" presetClass="entr" presetSubtype="0" fill="hold" nodeType="clickEffect">
+                                  <p:stCondLst>
+                                    <p:cond delay="0"/>
+                                  </p:stCondLst>
+                                  <p:childTnLst>
+                                    <p:set>
+                                      <p:cBhvr>
+                                        <p:cTn id="42" dur="1" fill="hold">
+                                          <p:stCondLst>
+                                            <p:cond delay="0"/>
+                                          </p:stCondLst>
+                                        </p:cTn>
+                                        <p:tgtEl>
+                                          <p:spTgt spid="6146">
+                                            <p:txEl>
+                                              <p:pRg st="12" end="12"/>
+                                            </p:txEl>
+                                          </p:spTgt>
+                                        </p:tgtEl>
+                                        <p:attrNameLst>
+                                          <p:attrName>style.visibility</p:attrName>
+                                        </p:attrNameLst>
+                                      </p:cBhvr>
+                                      <p:to>
+                                        <p:strVal val="visible"/>
+                                      </p:to>
+                                    </p:set>
+                                  </p:childTnLst>
+                                </p:cTn>
+                              </p:par>
+                            </p:childTnLst>
+                          </p:cTn>
+                        </p:par>
+                      </p:childTnLst>
+                    </p:cTn>
+                  </p:par>
+                  <p:par>
+                    <p:cTn id="43" fill="hold">
+                      <p:stCondLst>
+                        <p:cond delay="indefinite"/>
+                      </p:stCondLst>
+                      <p:childTnLst>
+                        <p:par>
+                          <p:cTn id="44" fill="hold">
+                            <p:stCondLst>
+                              <p:cond delay="0"/>
+                            </p:stCondLst>
+                            <p:childTnLst>
+                              <p:par>
+                                <p:cTn id="45" presetID="1" presetClass="entr" presetSubtype="0" fill="hold" nodeType="clickEffect">
+                                  <p:stCondLst>
+                                    <p:cond delay="0"/>
+                                  </p:stCondLst>
+                                  <p:childTnLst>
+                                    <p:set>
+                                      <p:cBhvr>
+                                        <p:cTn id="46" dur="1" fill="hold">
+                                          <p:stCondLst>
+                                            <p:cond delay="0"/>
+                                          </p:stCondLst>
+                                        </p:cTn>
+                                        <p:tgtEl>
+                                          <p:spTgt spid="6146">
+                                            <p:txEl>
+                                              <p:pRg st="13" end="13"/>
                                             </p:txEl>
                                           </p:spTgt>
                                         </p:tgtEl>
@@ -30422,7 +30913,9 @@
           </a:xfrm>
         </p:spPr>
         <p:txBody>
-          <a:bodyPr/>
+          <a:bodyPr>
+            <a:normAutofit fontScale="90000"/>
+          </a:bodyPr>
           <a:lstStyle/>
           <a:p>
             <a:r>

--- a/courses/apcsp/lect22.pptx
+++ b/courses/apcsp/lect22.pptx
@@ -150,7 +150,7 @@
 <file path=ppt/revisionInfo.xml><?xml version="1.0" encoding="utf-8"?>
 <p1510:revInfo xmlns:a="http://schemas.openxmlformats.org/drawingml/2006/main" xmlns:r="http://schemas.openxmlformats.org/officeDocument/2006/relationships" xmlns:p1510="http://schemas.microsoft.com/office/powerpoint/2015/10/main">
   <p1510:revLst>
-    <p1510:client id="{D771689A-171D-5A4D-9451-F2C4A9D1B70D}" v="307" dt="2022-01-13T12:43:46.035"/>
+    <p1510:client id="{D771689A-171D-5A4D-9451-F2C4A9D1B70D}" v="308" dt="2022-01-19T12:53:56.346"/>
   </p1510:revLst>
 </p1510:revInfo>
 </file>
@@ -160,7 +160,7 @@
   <pc:docChgLst>
     <pc:chgData name="Long Nguyen" userId="f59fb8f3-a021-417a-8bc1-65c8d471c621" providerId="ADAL" clId="{D771689A-171D-5A4D-9451-F2C4A9D1B70D}"/>
     <pc:docChg chg="custSel addSld delSld modSld">
-      <pc:chgData name="Long Nguyen" userId="f59fb8f3-a021-417a-8bc1-65c8d471c621" providerId="ADAL" clId="{D771689A-171D-5A4D-9451-F2C4A9D1B70D}" dt="2022-01-13T12:43:46.035" v="349" actId="20577"/>
+      <pc:chgData name="Long Nguyen" userId="f59fb8f3-a021-417a-8bc1-65c8d471c621" providerId="ADAL" clId="{D771689A-171D-5A4D-9451-F2C4A9D1B70D}" dt="2022-01-19T12:53:56.344" v="350" actId="113"/>
       <pc:docMkLst>
         <pc:docMk/>
       </pc:docMkLst>
@@ -288,6 +288,21 @@
           <pc:docMk/>
           <pc:sldMk cId="1311847592" sldId="601"/>
         </pc:sldMkLst>
+      </pc:sldChg>
+      <pc:sldChg chg="modSp">
+        <pc:chgData name="Long Nguyen" userId="f59fb8f3-a021-417a-8bc1-65c8d471c621" providerId="ADAL" clId="{D771689A-171D-5A4D-9451-F2C4A9D1B70D}" dt="2022-01-19T12:53:56.344" v="350" actId="113"/>
+        <pc:sldMkLst>
+          <pc:docMk/>
+          <pc:sldMk cId="51278377" sldId="608"/>
+        </pc:sldMkLst>
+        <pc:spChg chg="mod">
+          <ac:chgData name="Long Nguyen" userId="f59fb8f3-a021-417a-8bc1-65c8d471c621" providerId="ADAL" clId="{D771689A-171D-5A4D-9451-F2C4A9D1B70D}" dt="2022-01-19T12:53:56.344" v="350" actId="113"/>
+          <ac:spMkLst>
+            <pc:docMk/>
+            <pc:sldMk cId="51278377" sldId="608"/>
+            <ac:spMk id="26627" creationId="{2866E521-C643-A640-8C85-770D4B956A75}"/>
+          </ac:spMkLst>
+        </pc:spChg>
       </pc:sldChg>
       <pc:sldChg chg="modSp mod">
         <pc:chgData name="Long Nguyen" userId="f59fb8f3-a021-417a-8bc1-65c8d471c621" providerId="ADAL" clId="{D771689A-171D-5A4D-9451-F2C4A9D1B70D}" dt="2022-01-13T12:43:46.035" v="349" actId="20577"/>
@@ -7595,7 +7610,7 @@
           <a:p>
             <a:fld id="{6EDD99D2-A624-5E4F-A4E3-584054837B5A}" type="datetimeFigureOut">
               <a:rPr lang="en-US" smtClean="0"/>
-              <a:t>1/12/22</a:t>
+              <a:t>1/19/22</a:t>
             </a:fld>
             <a:endParaRPr lang="en-US"/>
           </a:p>
@@ -11557,7 +11572,7 @@
           <a:p>
             <a:fld id="{C96F47CA-F895-6945-BE27-26692229FACF}" type="datetime1">
               <a:rPr lang="en-US" smtClean="0"/>
-              <a:t>1/12/22</a:t>
+              <a:t>1/19/22</a:t>
             </a:fld>
             <a:endParaRPr lang="en-US" dirty="0"/>
           </a:p>
@@ -11727,7 +11742,7 @@
           <a:p>
             <a:fld id="{AF706D67-2012-D043-9F80-5C2BDD609BD3}" type="datetime1">
               <a:rPr lang="en-US" smtClean="0"/>
-              <a:t>1/12/22</a:t>
+              <a:t>1/19/22</a:t>
             </a:fld>
             <a:endParaRPr lang="en-US" dirty="0"/>
           </a:p>
@@ -11907,7 +11922,7 @@
           <a:p>
             <a:fld id="{5B79ACE4-03B6-794A-A48C-13F9598CCD28}" type="datetime1">
               <a:rPr lang="en-US" smtClean="0"/>
-              <a:t>1/12/22</a:t>
+              <a:t>1/19/22</a:t>
             </a:fld>
             <a:endParaRPr lang="en-US" dirty="0"/>
           </a:p>
@@ -12077,7 +12092,7 @@
           <a:p>
             <a:fld id="{6DA7C96B-D6FF-5D47-8EF3-542FD5A88E7C}" type="datetime1">
               <a:rPr lang="en-US" smtClean="0"/>
-              <a:t>1/12/22</a:t>
+              <a:t>1/19/22</a:t>
             </a:fld>
             <a:endParaRPr lang="en-US" dirty="0"/>
           </a:p>
@@ -12323,7 +12338,7 @@
           <a:p>
             <a:fld id="{5A6358E7-4856-3046-9420-8ADBF7A86D8C}" type="datetime1">
               <a:rPr lang="en-US" smtClean="0"/>
-              <a:t>1/12/22</a:t>
+              <a:t>1/19/22</a:t>
             </a:fld>
             <a:endParaRPr lang="en-US" dirty="0"/>
           </a:p>
@@ -12555,7 +12570,7 @@
           <a:p>
             <a:fld id="{6779F35A-9F43-7048-AA95-2DCA7E8C0780}" type="datetime1">
               <a:rPr lang="en-US" smtClean="0"/>
-              <a:t>1/12/22</a:t>
+              <a:t>1/19/22</a:t>
             </a:fld>
             <a:endParaRPr lang="en-US" dirty="0"/>
           </a:p>
@@ -12922,7 +12937,7 @@
           <a:p>
             <a:fld id="{B7CB2D7C-E370-DC40-8D10-DF8CB1A188CA}" type="datetime1">
               <a:rPr lang="en-US" smtClean="0"/>
-              <a:t>1/12/22</a:t>
+              <a:t>1/19/22</a:t>
             </a:fld>
             <a:endParaRPr lang="en-US" dirty="0"/>
           </a:p>
@@ -13040,7 +13055,7 @@
           <a:p>
             <a:fld id="{68AA69A2-3CD0-BE49-AF6E-9E037A40F43F}" type="datetime1">
               <a:rPr lang="en-US" smtClean="0"/>
-              <a:t>1/12/22</a:t>
+              <a:t>1/19/22</a:t>
             </a:fld>
             <a:endParaRPr lang="en-US" dirty="0"/>
           </a:p>
@@ -13135,7 +13150,7 @@
           <a:p>
             <a:fld id="{1EB50D9D-ACA9-3C4A-A3FC-7A265C0CEBD3}" type="datetime1">
               <a:rPr lang="en-US" smtClean="0"/>
-              <a:t>1/12/22</a:t>
+              <a:t>1/19/22</a:t>
             </a:fld>
             <a:endParaRPr lang="en-US" dirty="0"/>
           </a:p>
@@ -13412,7 +13427,7 @@
           <a:p>
             <a:fld id="{A08B2DD4-8739-D748-B308-CD7D801B0131}" type="datetime1">
               <a:rPr lang="en-US" smtClean="0"/>
-              <a:t>1/12/22</a:t>
+              <a:t>1/19/22</a:t>
             </a:fld>
             <a:endParaRPr lang="en-US" dirty="0"/>
           </a:p>
@@ -13669,7 +13684,7 @@
           <a:p>
             <a:fld id="{98622575-E24A-D548-838B-E385F9D0E59A}" type="datetime1">
               <a:rPr lang="en-US" smtClean="0"/>
-              <a:t>1/12/22</a:t>
+              <a:t>1/19/22</a:t>
             </a:fld>
             <a:endParaRPr lang="en-US" dirty="0"/>
           </a:p>
@@ -13882,7 +13897,7 @@
           <a:p>
             <a:fld id="{272BAF4E-9F7C-284D-B40D-0B83E546F887}" type="datetime1">
               <a:rPr lang="en-US" smtClean="0"/>
-              <a:t>1/12/22</a:t>
+              <a:t>1/19/22</a:t>
             </a:fld>
             <a:endParaRPr lang="en-US" dirty="0"/>
           </a:p>
@@ -21293,7 +21308,21 @@
                 <a:latin typeface="Gill Sans MT" panose="020B0502020104020203" pitchFamily="34" charset="77"/>
                 <a:ea typeface="ＭＳ Ｐゴシック" panose="020B0600070205080204" pitchFamily="34" charset="-128"/>
               </a:rPr>
-              <a:t>An undecidable problem is one for which no algorithm can be constructed that is always capable of providing a correct yes-or-no answer. </a:t>
+              <a:t>An </a:t>
+            </a:r>
+            <a:r>
+              <a:rPr lang="en-US" altLang="en-US" sz="2000" b="1" dirty="0">
+                <a:latin typeface="Gill Sans MT" panose="020B0502020104020203" pitchFamily="34" charset="77"/>
+                <a:ea typeface="ＭＳ Ｐゴシック" panose="020B0600070205080204" pitchFamily="34" charset="-128"/>
+              </a:rPr>
+              <a:t>undecidable problem </a:t>
+            </a:r>
+            <a:r>
+              <a:rPr lang="en-US" altLang="en-US" sz="2000" dirty="0">
+                <a:latin typeface="Gill Sans MT" panose="020B0502020104020203" pitchFamily="34" charset="77"/>
+                <a:ea typeface="ＭＳ Ｐゴシック" panose="020B0600070205080204" pitchFamily="34" charset="-128"/>
+              </a:rPr>
+              <a:t>is one for which no algorithm can be constructed that is always capable of providing a correct yes-or-no answer. </a:t>
             </a:r>
           </a:p>
           <a:p>

--- a/courses/apcsp/lect22.pptx
+++ b/courses/apcsp/lect22.pptx
@@ -22,16 +22,16 @@
     <p:sldId id="617" r:id="rId13"/>
     <p:sldId id="598" r:id="rId14"/>
     <p:sldId id="612" r:id="rId15"/>
-    <p:sldId id="625" r:id="rId16"/>
-    <p:sldId id="622" r:id="rId17"/>
-    <p:sldId id="623" r:id="rId18"/>
-    <p:sldId id="624" r:id="rId19"/>
-    <p:sldId id="600" r:id="rId20"/>
-    <p:sldId id="601" r:id="rId21"/>
-    <p:sldId id="588" r:id="rId22"/>
-    <p:sldId id="589" r:id="rId23"/>
-    <p:sldId id="602" r:id="rId24"/>
-    <p:sldId id="557" r:id="rId25"/>
+    <p:sldId id="622" r:id="rId16"/>
+    <p:sldId id="623" r:id="rId17"/>
+    <p:sldId id="624" r:id="rId18"/>
+    <p:sldId id="600" r:id="rId19"/>
+    <p:sldId id="627" r:id="rId20"/>
+    <p:sldId id="625" r:id="rId21"/>
+    <p:sldId id="601" r:id="rId22"/>
+    <p:sldId id="588" r:id="rId23"/>
+    <p:sldId id="589" r:id="rId24"/>
+    <p:sldId id="602" r:id="rId25"/>
     <p:sldId id="608" r:id="rId26"/>
     <p:sldId id="609" r:id="rId27"/>
     <p:sldId id="613" r:id="rId28"/>
@@ -142,6 +142,14 @@
 </p:presentation>
 </file>
 
+<file path=ppt/revisionInfo.xml><?xml version="1.0" encoding="utf-8"?>
+<p1510:revInfo xmlns:a="http://schemas.openxmlformats.org/drawingml/2006/main" xmlns:r="http://schemas.openxmlformats.org/officeDocument/2006/relationships" xmlns:p1510="http://schemas.microsoft.com/office/powerpoint/2015/10/main">
+  <p1510:revLst>
+    <p1510:client id="{41F97D0F-9B80-C04B-A6BA-DF33B437D3D1}" v="2" dt="2023-01-19T17:42:24.853"/>
+  </p1510:revLst>
+</p1510:revInfo>
+</file>
+
 <file path=ppt/changesInfos/changesInfo1.xml><?xml version="1.0" encoding="utf-8"?>
 <pc:chgInfo xmlns:a="http://schemas.openxmlformats.org/drawingml/2006/main" xmlns:r="http://schemas.openxmlformats.org/officeDocument/2006/relationships" xmlns:ac="http://schemas.microsoft.com/office/drawing/2013/main/command" xmlns:pc="http://schemas.microsoft.com/office/powerpoint/2013/main/command">
   <pc:docChgLst>
@@ -5952,6 +5960,80 @@
     </pc:docChg>
   </pc:docChgLst>
   <pc:docChgLst>
+    <pc:chgData name="Long Nguyen" userId="f59fb8f3-a021-417a-8bc1-65c8d471c621" providerId="ADAL" clId="{41F97D0F-9B80-C04B-A6BA-DF33B437D3D1}"/>
+    <pc:docChg chg="undo addSld delSld modSld">
+      <pc:chgData name="Long Nguyen" userId="f59fb8f3-a021-417a-8bc1-65c8d471c621" providerId="ADAL" clId="{41F97D0F-9B80-C04B-A6BA-DF33B437D3D1}" dt="2023-01-19T17:42:24.843" v="37"/>
+      <pc:docMkLst>
+        <pc:docMk/>
+      </pc:docMkLst>
+      <pc:sldChg chg="add del">
+        <pc:chgData name="Long Nguyen" userId="f59fb8f3-a021-417a-8bc1-65c8d471c621" providerId="ADAL" clId="{41F97D0F-9B80-C04B-A6BA-DF33B437D3D1}" dt="2023-01-19T17:40:02.921" v="34" actId="2696"/>
+        <pc:sldMkLst>
+          <pc:docMk/>
+          <pc:sldMk cId="2431525960" sldId="557"/>
+        </pc:sldMkLst>
+      </pc:sldChg>
+      <pc:sldChg chg="modSp mod">
+        <pc:chgData name="Long Nguyen" userId="f59fb8f3-a021-417a-8bc1-65c8d471c621" providerId="ADAL" clId="{41F97D0F-9B80-C04B-A6BA-DF33B437D3D1}" dt="2023-01-19T17:38:56.696" v="21" actId="20577"/>
+        <pc:sldMkLst>
+          <pc:docMk/>
+          <pc:sldMk cId="2892160896" sldId="609"/>
+        </pc:sldMkLst>
+        <pc:spChg chg="mod">
+          <ac:chgData name="Long Nguyen" userId="f59fb8f3-a021-417a-8bc1-65c8d471c621" providerId="ADAL" clId="{41F97D0F-9B80-C04B-A6BA-DF33B437D3D1}" dt="2023-01-19T17:38:56.696" v="21" actId="20577"/>
+          <ac:spMkLst>
+            <pc:docMk/>
+            <pc:sldMk cId="2892160896" sldId="609"/>
+            <ac:spMk id="59393" creationId="{ED11F17B-90BB-E643-864C-A7CD96ECBCD5}"/>
+          </ac:spMkLst>
+        </pc:spChg>
+      </pc:sldChg>
+      <pc:sldChg chg="modSp mod">
+        <pc:chgData name="Long Nguyen" userId="f59fb8f3-a021-417a-8bc1-65c8d471c621" providerId="ADAL" clId="{41F97D0F-9B80-C04B-A6BA-DF33B437D3D1}" dt="2023-01-19T17:39:11.343" v="31" actId="20577"/>
+        <pc:sldMkLst>
+          <pc:docMk/>
+          <pc:sldMk cId="1241156272" sldId="613"/>
+        </pc:sldMkLst>
+        <pc:spChg chg="mod">
+          <ac:chgData name="Long Nguyen" userId="f59fb8f3-a021-417a-8bc1-65c8d471c621" providerId="ADAL" clId="{41F97D0F-9B80-C04B-A6BA-DF33B437D3D1}" dt="2023-01-19T17:39:11.343" v="31" actId="20577"/>
+          <ac:spMkLst>
+            <pc:docMk/>
+            <pc:sldMk cId="1241156272" sldId="613"/>
+            <ac:spMk id="59393" creationId="{ED11F17B-90BB-E643-864C-A7CD96ECBCD5}"/>
+          </ac:spMkLst>
+        </pc:spChg>
+      </pc:sldChg>
+      <pc:sldChg chg="add">
+        <pc:chgData name="Long Nguyen" userId="f59fb8f3-a021-417a-8bc1-65c8d471c621" providerId="ADAL" clId="{41F97D0F-9B80-C04B-A6BA-DF33B437D3D1}" dt="2023-01-19T17:42:24.843" v="37"/>
+        <pc:sldMkLst>
+          <pc:docMk/>
+          <pc:sldMk cId="628729618" sldId="625"/>
+        </pc:sldMkLst>
+      </pc:sldChg>
+      <pc:sldChg chg="del">
+        <pc:chgData name="Long Nguyen" userId="f59fb8f3-a021-417a-8bc1-65c8d471c621" providerId="ADAL" clId="{41F97D0F-9B80-C04B-A6BA-DF33B437D3D1}" dt="2023-01-19T17:42:11.280" v="36" actId="2696"/>
+        <pc:sldMkLst>
+          <pc:docMk/>
+          <pc:sldMk cId="2393647287" sldId="625"/>
+        </pc:sldMkLst>
+      </pc:sldChg>
+      <pc:sldChg chg="add">
+        <pc:chgData name="Long Nguyen" userId="f59fb8f3-a021-417a-8bc1-65c8d471c621" providerId="ADAL" clId="{41F97D0F-9B80-C04B-A6BA-DF33B437D3D1}" dt="2023-01-19T17:42:24.843" v="37"/>
+        <pc:sldMkLst>
+          <pc:docMk/>
+          <pc:sldMk cId="151427428" sldId="627"/>
+        </pc:sldMkLst>
+      </pc:sldChg>
+      <pc:sldChg chg="add del">
+        <pc:chgData name="Long Nguyen" userId="f59fb8f3-a021-417a-8bc1-65c8d471c621" providerId="ADAL" clId="{41F97D0F-9B80-C04B-A6BA-DF33B437D3D1}" dt="2023-01-19T17:42:11.280" v="36" actId="2696"/>
+        <pc:sldMkLst>
+          <pc:docMk/>
+          <pc:sldMk cId="930683078" sldId="627"/>
+        </pc:sldMkLst>
+      </pc:sldChg>
+    </pc:docChg>
+  </pc:docChgLst>
+  <pc:docChgLst>
     <pc:chgData name="Long B Nguyen" userId="f59fb8f3-a021-417a-8bc1-65c8d471c621" providerId="ADAL" clId="{E3DA9E26-CE90-3A40-9745-4D67E6DCA3BF}"/>
     <pc:docChg chg="custSel addSld delSld modSld">
       <pc:chgData name="Long B Nguyen" userId="f59fb8f3-a021-417a-8bc1-65c8d471c621" providerId="ADAL" clId="{E3DA9E26-CE90-3A40-9745-4D67E6DCA3BF}" dt="2020-03-31T22:15:23.810" v="680" actId="20577"/>
@@ -6742,6 +6824,290 @@
           <pc:docMk/>
           <pc:sldMk cId="186989517" sldId="612"/>
         </pc:sldMkLst>
+      </pc:sldChg>
+    </pc:docChg>
+  </pc:docChgLst>
+  <pc:docChgLst>
+    <pc:chgData name="Long Nguyen" userId="f59fb8f3-a021-417a-8bc1-65c8d471c621" providerId="ADAL" clId="{D771689A-171D-5A4D-9451-F2C4A9D1B70D}"/>
+    <pc:docChg chg="custSel addSld delSld modSld">
+      <pc:chgData name="Long Nguyen" userId="f59fb8f3-a021-417a-8bc1-65c8d471c621" providerId="ADAL" clId="{D771689A-171D-5A4D-9451-F2C4A9D1B70D}" dt="2022-01-19T12:53:56.344" v="350" actId="113"/>
+      <pc:docMkLst>
+        <pc:docMk/>
+      </pc:docMkLst>
+      <pc:sldChg chg="modSp">
+        <pc:chgData name="Long Nguyen" userId="f59fb8f3-a021-417a-8bc1-65c8d471c621" providerId="ADAL" clId="{D771689A-171D-5A4D-9451-F2C4A9D1B70D}" dt="2022-01-12T12:40:57.406" v="134" actId="114"/>
+        <pc:sldMkLst>
+          <pc:docMk/>
+          <pc:sldMk cId="1844406166" sldId="540"/>
+        </pc:sldMkLst>
+        <pc:spChg chg="mod">
+          <ac:chgData name="Long Nguyen" userId="f59fb8f3-a021-417a-8bc1-65c8d471c621" providerId="ADAL" clId="{D771689A-171D-5A4D-9451-F2C4A9D1B70D}" dt="2022-01-12T12:40:57.406" v="134" actId="114"/>
+          <ac:spMkLst>
+            <pc:docMk/>
+            <pc:sldMk cId="1844406166" sldId="540"/>
+            <ac:spMk id="6146" creationId="{EAA042DF-FAF2-DA4B-9FB9-A8E93FAB0389}"/>
+          </ac:spMkLst>
+        </pc:spChg>
+      </pc:sldChg>
+      <pc:sldChg chg="del">
+        <pc:chgData name="Long Nguyen" userId="f59fb8f3-a021-417a-8bc1-65c8d471c621" providerId="ADAL" clId="{D771689A-171D-5A4D-9451-F2C4A9D1B70D}" dt="2022-01-13T12:35:51.434" v="141" actId="2696"/>
+        <pc:sldMkLst>
+          <pc:docMk/>
+          <pc:sldMk cId="2114242178" sldId="556"/>
+        </pc:sldMkLst>
+      </pc:sldChg>
+      <pc:sldChg chg="modSp add mod">
+        <pc:chgData name="Long Nguyen" userId="f59fb8f3-a021-417a-8bc1-65c8d471c621" providerId="ADAL" clId="{D771689A-171D-5A4D-9451-F2C4A9D1B70D}" dt="2022-01-13T12:37:01.869" v="172" actId="20577"/>
+        <pc:sldMkLst>
+          <pc:docMk/>
+          <pc:sldMk cId="2722290652" sldId="556"/>
+        </pc:sldMkLst>
+        <pc:spChg chg="mod">
+          <ac:chgData name="Long Nguyen" userId="f59fb8f3-a021-417a-8bc1-65c8d471c621" providerId="ADAL" clId="{D771689A-171D-5A4D-9451-F2C4A9D1B70D}" dt="2022-01-13T12:37:01.869" v="172" actId="20577"/>
+          <ac:spMkLst>
+            <pc:docMk/>
+            <pc:sldMk cId="2722290652" sldId="556"/>
+            <ac:spMk id="186370" creationId="{C5506108-D6E6-9641-98CC-A9DA92AF0478}"/>
+          </ac:spMkLst>
+        </pc:spChg>
+      </pc:sldChg>
+      <pc:sldChg chg="modSp add mod">
+        <pc:chgData name="Long Nguyen" userId="f59fb8f3-a021-417a-8bc1-65c8d471c621" providerId="ADAL" clId="{D771689A-171D-5A4D-9451-F2C4A9D1B70D}" dt="2022-01-13T12:36:55.330" v="162" actId="20577"/>
+        <pc:sldMkLst>
+          <pc:docMk/>
+          <pc:sldMk cId="258849706" sldId="559"/>
+        </pc:sldMkLst>
+        <pc:spChg chg="mod">
+          <ac:chgData name="Long Nguyen" userId="f59fb8f3-a021-417a-8bc1-65c8d471c621" providerId="ADAL" clId="{D771689A-171D-5A4D-9451-F2C4A9D1B70D}" dt="2022-01-13T12:36:55.330" v="162" actId="20577"/>
+          <ac:spMkLst>
+            <pc:docMk/>
+            <pc:sldMk cId="258849706" sldId="559"/>
+            <ac:spMk id="186370" creationId="{C5506108-D6E6-9641-98CC-A9DA92AF0478}"/>
+          </ac:spMkLst>
+        </pc:spChg>
+      </pc:sldChg>
+      <pc:sldChg chg="del">
+        <pc:chgData name="Long Nguyen" userId="f59fb8f3-a021-417a-8bc1-65c8d471c621" providerId="ADAL" clId="{D771689A-171D-5A4D-9451-F2C4A9D1B70D}" dt="2022-01-13T12:36:42.838" v="143" actId="2696"/>
+        <pc:sldMkLst>
+          <pc:docMk/>
+          <pc:sldMk cId="1567828261" sldId="559"/>
+        </pc:sldMkLst>
+      </pc:sldChg>
+      <pc:sldChg chg="modSp add modAnim">
+        <pc:chgData name="Long Nguyen" userId="f59fb8f3-a021-417a-8bc1-65c8d471c621" providerId="ADAL" clId="{D771689A-171D-5A4D-9451-F2C4A9D1B70D}" dt="2022-01-13T12:37:39.289" v="198" actId="255"/>
+        <pc:sldMkLst>
+          <pc:docMk/>
+          <pc:sldMk cId="2633210752" sldId="560"/>
+        </pc:sldMkLst>
+        <pc:spChg chg="mod">
+          <ac:chgData name="Long Nguyen" userId="f59fb8f3-a021-417a-8bc1-65c8d471c621" providerId="ADAL" clId="{D771689A-171D-5A4D-9451-F2C4A9D1B70D}" dt="2022-01-13T12:37:39.289" v="198" actId="255"/>
+          <ac:spMkLst>
+            <pc:docMk/>
+            <pc:sldMk cId="2633210752" sldId="560"/>
+            <ac:spMk id="6146" creationId="{EAA042DF-FAF2-DA4B-9FB9-A8E93FAB0389}"/>
+          </ac:spMkLst>
+        </pc:spChg>
+      </pc:sldChg>
+      <pc:sldChg chg="del">
+        <pc:chgData name="Long Nguyen" userId="f59fb8f3-a021-417a-8bc1-65c8d471c621" providerId="ADAL" clId="{D771689A-171D-5A4D-9451-F2C4A9D1B70D}" dt="2022-01-13T12:35:51.434" v="141" actId="2696"/>
+        <pc:sldMkLst>
+          <pc:docMk/>
+          <pc:sldMk cId="2659410340" sldId="560"/>
+        </pc:sldMkLst>
+      </pc:sldChg>
+      <pc:sldChg chg="del">
+        <pc:chgData name="Long Nguyen" userId="f59fb8f3-a021-417a-8bc1-65c8d471c621" providerId="ADAL" clId="{D771689A-171D-5A4D-9451-F2C4A9D1B70D}" dt="2022-01-13T12:35:51.434" v="141" actId="2696"/>
+        <pc:sldMkLst>
+          <pc:docMk/>
+          <pc:sldMk cId="1610208212" sldId="561"/>
+        </pc:sldMkLst>
+      </pc:sldChg>
+      <pc:sldChg chg="addSp modSp add mod">
+        <pc:chgData name="Long Nguyen" userId="f59fb8f3-a021-417a-8bc1-65c8d471c621" providerId="ADAL" clId="{D771689A-171D-5A4D-9451-F2C4A9D1B70D}" dt="2022-01-13T12:37:52.962" v="202" actId="255"/>
+        <pc:sldMkLst>
+          <pc:docMk/>
+          <pc:sldMk cId="2072460006" sldId="561"/>
+        </pc:sldMkLst>
+        <pc:spChg chg="add mod">
+          <ac:chgData name="Long Nguyen" userId="f59fb8f3-a021-417a-8bc1-65c8d471c621" providerId="ADAL" clId="{D771689A-171D-5A4D-9451-F2C4A9D1B70D}" dt="2022-01-13T12:37:52.962" v="202" actId="255"/>
+          <ac:spMkLst>
+            <pc:docMk/>
+            <pc:sldMk cId="2072460006" sldId="561"/>
+            <ac:spMk id="3" creationId="{000F94B9-FA26-9B4B-954E-BBCC432AB7ED}"/>
+          </ac:spMkLst>
+        </pc:spChg>
+      </pc:sldChg>
+      <pc:sldChg chg="modSp mod">
+        <pc:chgData name="Long Nguyen" userId="f59fb8f3-a021-417a-8bc1-65c8d471c621" providerId="ADAL" clId="{D771689A-171D-5A4D-9451-F2C4A9D1B70D}" dt="2022-01-12T12:40:01.361" v="5" actId="27636"/>
+        <pc:sldMkLst>
+          <pc:docMk/>
+          <pc:sldMk cId="1028645906" sldId="598"/>
+        </pc:sldMkLst>
+        <pc:spChg chg="mod">
+          <ac:chgData name="Long Nguyen" userId="f59fb8f3-a021-417a-8bc1-65c8d471c621" providerId="ADAL" clId="{D771689A-171D-5A4D-9451-F2C4A9D1B70D}" dt="2022-01-12T12:40:01.361" v="5" actId="27636"/>
+          <ac:spMkLst>
+            <pc:docMk/>
+            <pc:sldMk cId="1028645906" sldId="598"/>
+            <ac:spMk id="26627" creationId="{BD7CEE5B-C52A-794A-BCE5-C92159F2026F}"/>
+          </ac:spMkLst>
+        </pc:spChg>
+      </pc:sldChg>
+      <pc:sldChg chg="modAnim">
+        <pc:chgData name="Long Nguyen" userId="f59fb8f3-a021-417a-8bc1-65c8d471c621" providerId="ADAL" clId="{D771689A-171D-5A4D-9451-F2C4A9D1B70D}" dt="2022-01-13T12:34:44.745" v="140"/>
+        <pc:sldMkLst>
+          <pc:docMk/>
+          <pc:sldMk cId="1311847592" sldId="601"/>
+        </pc:sldMkLst>
+      </pc:sldChg>
+      <pc:sldChg chg="modSp">
+        <pc:chgData name="Long Nguyen" userId="f59fb8f3-a021-417a-8bc1-65c8d471c621" providerId="ADAL" clId="{D771689A-171D-5A4D-9451-F2C4A9D1B70D}" dt="2022-01-19T12:53:56.344" v="350" actId="113"/>
+        <pc:sldMkLst>
+          <pc:docMk/>
+          <pc:sldMk cId="51278377" sldId="608"/>
+        </pc:sldMkLst>
+        <pc:spChg chg="mod">
+          <ac:chgData name="Long Nguyen" userId="f59fb8f3-a021-417a-8bc1-65c8d471c621" providerId="ADAL" clId="{D771689A-171D-5A4D-9451-F2C4A9D1B70D}" dt="2022-01-19T12:53:56.344" v="350" actId="113"/>
+          <ac:spMkLst>
+            <pc:docMk/>
+            <pc:sldMk cId="51278377" sldId="608"/>
+            <ac:spMk id="26627" creationId="{2866E521-C643-A640-8C85-770D4B956A75}"/>
+          </ac:spMkLst>
+        </pc:spChg>
+      </pc:sldChg>
+      <pc:sldChg chg="modSp mod">
+        <pc:chgData name="Long Nguyen" userId="f59fb8f3-a021-417a-8bc1-65c8d471c621" providerId="ADAL" clId="{D771689A-171D-5A4D-9451-F2C4A9D1B70D}" dt="2022-01-13T12:43:46.035" v="349" actId="20577"/>
+        <pc:sldMkLst>
+          <pc:docMk/>
+          <pc:sldMk cId="892130114" sldId="612"/>
+        </pc:sldMkLst>
+        <pc:spChg chg="mod">
+          <ac:chgData name="Long Nguyen" userId="f59fb8f3-a021-417a-8bc1-65c8d471c621" providerId="ADAL" clId="{D771689A-171D-5A4D-9451-F2C4A9D1B70D}" dt="2022-01-13T12:43:46.035" v="349" actId="20577"/>
+          <ac:spMkLst>
+            <pc:docMk/>
+            <pc:sldMk cId="892130114" sldId="612"/>
+            <ac:spMk id="26627" creationId="{BD7CEE5B-C52A-794A-BCE5-C92159F2026F}"/>
+          </ac:spMkLst>
+        </pc:spChg>
+      </pc:sldChg>
+      <pc:sldChg chg="modSp mod">
+        <pc:chgData name="Long Nguyen" userId="f59fb8f3-a021-417a-8bc1-65c8d471c621" providerId="ADAL" clId="{D771689A-171D-5A4D-9451-F2C4A9D1B70D}" dt="2022-01-12T12:40:01.456" v="11" actId="27636"/>
+        <pc:sldMkLst>
+          <pc:docMk/>
+          <pc:sldMk cId="1241156272" sldId="613"/>
+        </pc:sldMkLst>
+        <pc:spChg chg="mod">
+          <ac:chgData name="Long Nguyen" userId="f59fb8f3-a021-417a-8bc1-65c8d471c621" providerId="ADAL" clId="{D771689A-171D-5A4D-9451-F2C4A9D1B70D}" dt="2022-01-12T12:40:01.456" v="11" actId="27636"/>
+          <ac:spMkLst>
+            <pc:docMk/>
+            <pc:sldMk cId="1241156272" sldId="613"/>
+            <ac:spMk id="26627" creationId="{7661587A-2BF3-9445-BC18-44350E3935D4}"/>
+          </ac:spMkLst>
+        </pc:spChg>
+      </pc:sldChg>
+      <pc:sldChg chg="modSp mod">
+        <pc:chgData name="Long Nguyen" userId="f59fb8f3-a021-417a-8bc1-65c8d471c621" providerId="ADAL" clId="{D771689A-171D-5A4D-9451-F2C4A9D1B70D}" dt="2022-01-12T12:40:01.346" v="2" actId="27636"/>
+        <pc:sldMkLst>
+          <pc:docMk/>
+          <pc:sldMk cId="4014748011" sldId="615"/>
+        </pc:sldMkLst>
+        <pc:spChg chg="mod">
+          <ac:chgData name="Long Nguyen" userId="f59fb8f3-a021-417a-8bc1-65c8d471c621" providerId="ADAL" clId="{D771689A-171D-5A4D-9451-F2C4A9D1B70D}" dt="2022-01-12T12:40:01.346" v="2" actId="27636"/>
+          <ac:spMkLst>
+            <pc:docMk/>
+            <pc:sldMk cId="4014748011" sldId="615"/>
+            <ac:spMk id="2" creationId="{7464CC47-36D9-624B-9F3B-C88093C610C7}"/>
+          </ac:spMkLst>
+        </pc:spChg>
+      </pc:sldChg>
+      <pc:sldChg chg="modSp mod">
+        <pc:chgData name="Long Nguyen" userId="f59fb8f3-a021-417a-8bc1-65c8d471c621" providerId="ADAL" clId="{D771689A-171D-5A4D-9451-F2C4A9D1B70D}" dt="2022-01-12T12:40:01.350" v="3" actId="27636"/>
+        <pc:sldMkLst>
+          <pc:docMk/>
+          <pc:sldMk cId="445830501" sldId="616"/>
+        </pc:sldMkLst>
+        <pc:spChg chg="mod">
+          <ac:chgData name="Long Nguyen" userId="f59fb8f3-a021-417a-8bc1-65c8d471c621" providerId="ADAL" clId="{D771689A-171D-5A4D-9451-F2C4A9D1B70D}" dt="2022-01-12T12:40:01.350" v="3" actId="27636"/>
+          <ac:spMkLst>
+            <pc:docMk/>
+            <pc:sldMk cId="445830501" sldId="616"/>
+            <ac:spMk id="6" creationId="{4D9F94BD-D7C3-EC4B-80A4-AEB66905FD98}"/>
+          </ac:spMkLst>
+        </pc:spChg>
+      </pc:sldChg>
+      <pc:sldChg chg="modSp mod">
+        <pc:chgData name="Long Nguyen" userId="f59fb8f3-a021-417a-8bc1-65c8d471c621" providerId="ADAL" clId="{D771689A-171D-5A4D-9451-F2C4A9D1B70D}" dt="2022-01-12T12:40:01.353" v="4" actId="27636"/>
+        <pc:sldMkLst>
+          <pc:docMk/>
+          <pc:sldMk cId="3966117082" sldId="617"/>
+        </pc:sldMkLst>
+        <pc:spChg chg="mod">
+          <ac:chgData name="Long Nguyen" userId="f59fb8f3-a021-417a-8bc1-65c8d471c621" providerId="ADAL" clId="{D771689A-171D-5A4D-9451-F2C4A9D1B70D}" dt="2022-01-12T12:40:01.353" v="4" actId="27636"/>
+          <ac:spMkLst>
+            <pc:docMk/>
+            <pc:sldMk cId="3966117082" sldId="617"/>
+            <ac:spMk id="7" creationId="{328A4C4A-3903-8545-A432-37549FB32997}"/>
+          </ac:spMkLst>
+        </pc:spChg>
+      </pc:sldChg>
+      <pc:sldChg chg="modSp mod">
+        <pc:chgData name="Long Nguyen" userId="f59fb8f3-a021-417a-8bc1-65c8d471c621" providerId="ADAL" clId="{D771689A-171D-5A4D-9451-F2C4A9D1B70D}" dt="2022-01-12T12:40:01.339" v="1" actId="27636"/>
+        <pc:sldMkLst>
+          <pc:docMk/>
+          <pc:sldMk cId="1946329213" sldId="618"/>
+        </pc:sldMkLst>
+        <pc:spChg chg="mod">
+          <ac:chgData name="Long Nguyen" userId="f59fb8f3-a021-417a-8bc1-65c8d471c621" providerId="ADAL" clId="{D771689A-171D-5A4D-9451-F2C4A9D1B70D}" dt="2022-01-12T12:40:01.339" v="1" actId="27636"/>
+          <ac:spMkLst>
+            <pc:docMk/>
+            <pc:sldMk cId="1946329213" sldId="618"/>
+            <ac:spMk id="2" creationId="{5377AA73-DC96-0B4E-8504-96B84F7CAE34}"/>
+          </ac:spMkLst>
+        </pc:spChg>
+      </pc:sldChg>
+      <pc:sldChg chg="modSp mod">
+        <pc:chgData name="Long Nguyen" userId="f59fb8f3-a021-417a-8bc1-65c8d471c621" providerId="ADAL" clId="{D771689A-171D-5A4D-9451-F2C4A9D1B70D}" dt="2022-01-12T12:40:01.387" v="7" actId="27636"/>
+        <pc:sldMkLst>
+          <pc:docMk/>
+          <pc:sldMk cId="3215879385" sldId="622"/>
+        </pc:sldMkLst>
+        <pc:spChg chg="mod">
+          <ac:chgData name="Long Nguyen" userId="f59fb8f3-a021-417a-8bc1-65c8d471c621" providerId="ADAL" clId="{D771689A-171D-5A4D-9451-F2C4A9D1B70D}" dt="2022-01-12T12:40:01.387" v="7" actId="27636"/>
+          <ac:spMkLst>
+            <pc:docMk/>
+            <pc:sldMk cId="3215879385" sldId="622"/>
+            <ac:spMk id="26627" creationId="{BD7CEE5B-C52A-794A-BCE5-C92159F2026F}"/>
+          </ac:spMkLst>
+        </pc:spChg>
+      </pc:sldChg>
+      <pc:sldChg chg="modSp mod">
+        <pc:chgData name="Long Nguyen" userId="f59fb8f3-a021-417a-8bc1-65c8d471c621" providerId="ADAL" clId="{D771689A-171D-5A4D-9451-F2C4A9D1B70D}" dt="2022-01-12T12:40:01.413" v="9" actId="27636"/>
+        <pc:sldMkLst>
+          <pc:docMk/>
+          <pc:sldMk cId="2484292394" sldId="623"/>
+        </pc:sldMkLst>
+        <pc:spChg chg="mod">
+          <ac:chgData name="Long Nguyen" userId="f59fb8f3-a021-417a-8bc1-65c8d471c621" providerId="ADAL" clId="{D771689A-171D-5A4D-9451-F2C4A9D1B70D}" dt="2022-01-12T12:40:01.413" v="9" actId="27636"/>
+          <ac:spMkLst>
+            <pc:docMk/>
+            <pc:sldMk cId="2484292394" sldId="623"/>
+            <ac:spMk id="26627" creationId="{BD7CEE5B-C52A-794A-BCE5-C92159F2026F}"/>
+          </ac:spMkLst>
+        </pc:spChg>
+      </pc:sldChg>
+      <pc:sldChg chg="modSp mod">
+        <pc:chgData name="Long Nguyen" userId="f59fb8f3-a021-417a-8bc1-65c8d471c621" providerId="ADAL" clId="{D771689A-171D-5A4D-9451-F2C4A9D1B70D}" dt="2022-01-12T12:40:01.427" v="10" actId="27636"/>
+        <pc:sldMkLst>
+          <pc:docMk/>
+          <pc:sldMk cId="1444664834" sldId="624"/>
+        </pc:sldMkLst>
+        <pc:spChg chg="mod">
+          <ac:chgData name="Long Nguyen" userId="f59fb8f3-a021-417a-8bc1-65c8d471c621" providerId="ADAL" clId="{D771689A-171D-5A4D-9451-F2C4A9D1B70D}" dt="2022-01-12T12:40:01.427" v="10" actId="27636"/>
+          <ac:spMkLst>
+            <pc:docMk/>
+            <pc:sldMk cId="1444664834" sldId="624"/>
+            <ac:spMk id="26627" creationId="{BD7CEE5B-C52A-794A-BCE5-C92159F2026F}"/>
+          </ac:spMkLst>
+        </pc:spChg>
       </pc:sldChg>
     </pc:docChg>
   </pc:docChgLst>
@@ -6786,290 +7152,6 @@
           <pc:docMk/>
           <pc:sldMk cId="2072460006" sldId="561"/>
         </pc:sldMkLst>
-      </pc:sldChg>
-    </pc:docChg>
-  </pc:docChgLst>
-  <pc:docChgLst>
-    <pc:chgData name="Long Nguyen" userId="f59fb8f3-a021-417a-8bc1-65c8d471c621" providerId="ADAL" clId="{D771689A-171D-5A4D-9451-F2C4A9D1B70D}"/>
-    <pc:docChg chg="custSel addSld delSld modSld">
-      <pc:chgData name="Long Nguyen" userId="f59fb8f3-a021-417a-8bc1-65c8d471c621" providerId="ADAL" clId="{D771689A-171D-5A4D-9451-F2C4A9D1B70D}" dt="2022-01-19T12:53:56.344" v="350" actId="113"/>
-      <pc:docMkLst>
-        <pc:docMk/>
-      </pc:docMkLst>
-      <pc:sldChg chg="modSp">
-        <pc:chgData name="Long Nguyen" userId="f59fb8f3-a021-417a-8bc1-65c8d471c621" providerId="ADAL" clId="{D771689A-171D-5A4D-9451-F2C4A9D1B70D}" dt="2022-01-12T12:40:57.406" v="134" actId="114"/>
-        <pc:sldMkLst>
-          <pc:docMk/>
-          <pc:sldMk cId="1844406166" sldId="540"/>
-        </pc:sldMkLst>
-        <pc:spChg chg="mod">
-          <ac:chgData name="Long Nguyen" userId="f59fb8f3-a021-417a-8bc1-65c8d471c621" providerId="ADAL" clId="{D771689A-171D-5A4D-9451-F2C4A9D1B70D}" dt="2022-01-12T12:40:57.406" v="134" actId="114"/>
-          <ac:spMkLst>
-            <pc:docMk/>
-            <pc:sldMk cId="1844406166" sldId="540"/>
-            <ac:spMk id="6146" creationId="{EAA042DF-FAF2-DA4B-9FB9-A8E93FAB0389}"/>
-          </ac:spMkLst>
-        </pc:spChg>
-      </pc:sldChg>
-      <pc:sldChg chg="del">
-        <pc:chgData name="Long Nguyen" userId="f59fb8f3-a021-417a-8bc1-65c8d471c621" providerId="ADAL" clId="{D771689A-171D-5A4D-9451-F2C4A9D1B70D}" dt="2022-01-13T12:35:51.434" v="141" actId="2696"/>
-        <pc:sldMkLst>
-          <pc:docMk/>
-          <pc:sldMk cId="2114242178" sldId="556"/>
-        </pc:sldMkLst>
-      </pc:sldChg>
-      <pc:sldChg chg="modSp add mod">
-        <pc:chgData name="Long Nguyen" userId="f59fb8f3-a021-417a-8bc1-65c8d471c621" providerId="ADAL" clId="{D771689A-171D-5A4D-9451-F2C4A9D1B70D}" dt="2022-01-13T12:37:01.869" v="172" actId="20577"/>
-        <pc:sldMkLst>
-          <pc:docMk/>
-          <pc:sldMk cId="2722290652" sldId="556"/>
-        </pc:sldMkLst>
-        <pc:spChg chg="mod">
-          <ac:chgData name="Long Nguyen" userId="f59fb8f3-a021-417a-8bc1-65c8d471c621" providerId="ADAL" clId="{D771689A-171D-5A4D-9451-F2C4A9D1B70D}" dt="2022-01-13T12:37:01.869" v="172" actId="20577"/>
-          <ac:spMkLst>
-            <pc:docMk/>
-            <pc:sldMk cId="2722290652" sldId="556"/>
-            <ac:spMk id="186370" creationId="{C5506108-D6E6-9641-98CC-A9DA92AF0478}"/>
-          </ac:spMkLst>
-        </pc:spChg>
-      </pc:sldChg>
-      <pc:sldChg chg="modSp add mod">
-        <pc:chgData name="Long Nguyen" userId="f59fb8f3-a021-417a-8bc1-65c8d471c621" providerId="ADAL" clId="{D771689A-171D-5A4D-9451-F2C4A9D1B70D}" dt="2022-01-13T12:36:55.330" v="162" actId="20577"/>
-        <pc:sldMkLst>
-          <pc:docMk/>
-          <pc:sldMk cId="258849706" sldId="559"/>
-        </pc:sldMkLst>
-        <pc:spChg chg="mod">
-          <ac:chgData name="Long Nguyen" userId="f59fb8f3-a021-417a-8bc1-65c8d471c621" providerId="ADAL" clId="{D771689A-171D-5A4D-9451-F2C4A9D1B70D}" dt="2022-01-13T12:36:55.330" v="162" actId="20577"/>
-          <ac:spMkLst>
-            <pc:docMk/>
-            <pc:sldMk cId="258849706" sldId="559"/>
-            <ac:spMk id="186370" creationId="{C5506108-D6E6-9641-98CC-A9DA92AF0478}"/>
-          </ac:spMkLst>
-        </pc:spChg>
-      </pc:sldChg>
-      <pc:sldChg chg="del">
-        <pc:chgData name="Long Nguyen" userId="f59fb8f3-a021-417a-8bc1-65c8d471c621" providerId="ADAL" clId="{D771689A-171D-5A4D-9451-F2C4A9D1B70D}" dt="2022-01-13T12:36:42.838" v="143" actId="2696"/>
-        <pc:sldMkLst>
-          <pc:docMk/>
-          <pc:sldMk cId="1567828261" sldId="559"/>
-        </pc:sldMkLst>
-      </pc:sldChg>
-      <pc:sldChg chg="modSp add modAnim">
-        <pc:chgData name="Long Nguyen" userId="f59fb8f3-a021-417a-8bc1-65c8d471c621" providerId="ADAL" clId="{D771689A-171D-5A4D-9451-F2C4A9D1B70D}" dt="2022-01-13T12:37:39.289" v="198" actId="255"/>
-        <pc:sldMkLst>
-          <pc:docMk/>
-          <pc:sldMk cId="2633210752" sldId="560"/>
-        </pc:sldMkLst>
-        <pc:spChg chg="mod">
-          <ac:chgData name="Long Nguyen" userId="f59fb8f3-a021-417a-8bc1-65c8d471c621" providerId="ADAL" clId="{D771689A-171D-5A4D-9451-F2C4A9D1B70D}" dt="2022-01-13T12:37:39.289" v="198" actId="255"/>
-          <ac:spMkLst>
-            <pc:docMk/>
-            <pc:sldMk cId="2633210752" sldId="560"/>
-            <ac:spMk id="6146" creationId="{EAA042DF-FAF2-DA4B-9FB9-A8E93FAB0389}"/>
-          </ac:spMkLst>
-        </pc:spChg>
-      </pc:sldChg>
-      <pc:sldChg chg="del">
-        <pc:chgData name="Long Nguyen" userId="f59fb8f3-a021-417a-8bc1-65c8d471c621" providerId="ADAL" clId="{D771689A-171D-5A4D-9451-F2C4A9D1B70D}" dt="2022-01-13T12:35:51.434" v="141" actId="2696"/>
-        <pc:sldMkLst>
-          <pc:docMk/>
-          <pc:sldMk cId="2659410340" sldId="560"/>
-        </pc:sldMkLst>
-      </pc:sldChg>
-      <pc:sldChg chg="del">
-        <pc:chgData name="Long Nguyen" userId="f59fb8f3-a021-417a-8bc1-65c8d471c621" providerId="ADAL" clId="{D771689A-171D-5A4D-9451-F2C4A9D1B70D}" dt="2022-01-13T12:35:51.434" v="141" actId="2696"/>
-        <pc:sldMkLst>
-          <pc:docMk/>
-          <pc:sldMk cId="1610208212" sldId="561"/>
-        </pc:sldMkLst>
-      </pc:sldChg>
-      <pc:sldChg chg="addSp modSp add mod">
-        <pc:chgData name="Long Nguyen" userId="f59fb8f3-a021-417a-8bc1-65c8d471c621" providerId="ADAL" clId="{D771689A-171D-5A4D-9451-F2C4A9D1B70D}" dt="2022-01-13T12:37:52.962" v="202" actId="255"/>
-        <pc:sldMkLst>
-          <pc:docMk/>
-          <pc:sldMk cId="2072460006" sldId="561"/>
-        </pc:sldMkLst>
-        <pc:spChg chg="add mod">
-          <ac:chgData name="Long Nguyen" userId="f59fb8f3-a021-417a-8bc1-65c8d471c621" providerId="ADAL" clId="{D771689A-171D-5A4D-9451-F2C4A9D1B70D}" dt="2022-01-13T12:37:52.962" v="202" actId="255"/>
-          <ac:spMkLst>
-            <pc:docMk/>
-            <pc:sldMk cId="2072460006" sldId="561"/>
-            <ac:spMk id="3" creationId="{000F94B9-FA26-9B4B-954E-BBCC432AB7ED}"/>
-          </ac:spMkLst>
-        </pc:spChg>
-      </pc:sldChg>
-      <pc:sldChg chg="modSp mod">
-        <pc:chgData name="Long Nguyen" userId="f59fb8f3-a021-417a-8bc1-65c8d471c621" providerId="ADAL" clId="{D771689A-171D-5A4D-9451-F2C4A9D1B70D}" dt="2022-01-12T12:40:01.361" v="5" actId="27636"/>
-        <pc:sldMkLst>
-          <pc:docMk/>
-          <pc:sldMk cId="1028645906" sldId="598"/>
-        </pc:sldMkLst>
-        <pc:spChg chg="mod">
-          <ac:chgData name="Long Nguyen" userId="f59fb8f3-a021-417a-8bc1-65c8d471c621" providerId="ADAL" clId="{D771689A-171D-5A4D-9451-F2C4A9D1B70D}" dt="2022-01-12T12:40:01.361" v="5" actId="27636"/>
-          <ac:spMkLst>
-            <pc:docMk/>
-            <pc:sldMk cId="1028645906" sldId="598"/>
-            <ac:spMk id="26627" creationId="{BD7CEE5B-C52A-794A-BCE5-C92159F2026F}"/>
-          </ac:spMkLst>
-        </pc:spChg>
-      </pc:sldChg>
-      <pc:sldChg chg="modAnim">
-        <pc:chgData name="Long Nguyen" userId="f59fb8f3-a021-417a-8bc1-65c8d471c621" providerId="ADAL" clId="{D771689A-171D-5A4D-9451-F2C4A9D1B70D}" dt="2022-01-13T12:34:44.745" v="140"/>
-        <pc:sldMkLst>
-          <pc:docMk/>
-          <pc:sldMk cId="1311847592" sldId="601"/>
-        </pc:sldMkLst>
-      </pc:sldChg>
-      <pc:sldChg chg="modSp">
-        <pc:chgData name="Long Nguyen" userId="f59fb8f3-a021-417a-8bc1-65c8d471c621" providerId="ADAL" clId="{D771689A-171D-5A4D-9451-F2C4A9D1B70D}" dt="2022-01-19T12:53:56.344" v="350" actId="113"/>
-        <pc:sldMkLst>
-          <pc:docMk/>
-          <pc:sldMk cId="51278377" sldId="608"/>
-        </pc:sldMkLst>
-        <pc:spChg chg="mod">
-          <ac:chgData name="Long Nguyen" userId="f59fb8f3-a021-417a-8bc1-65c8d471c621" providerId="ADAL" clId="{D771689A-171D-5A4D-9451-F2C4A9D1B70D}" dt="2022-01-19T12:53:56.344" v="350" actId="113"/>
-          <ac:spMkLst>
-            <pc:docMk/>
-            <pc:sldMk cId="51278377" sldId="608"/>
-            <ac:spMk id="26627" creationId="{2866E521-C643-A640-8C85-770D4B956A75}"/>
-          </ac:spMkLst>
-        </pc:spChg>
-      </pc:sldChg>
-      <pc:sldChg chg="modSp mod">
-        <pc:chgData name="Long Nguyen" userId="f59fb8f3-a021-417a-8bc1-65c8d471c621" providerId="ADAL" clId="{D771689A-171D-5A4D-9451-F2C4A9D1B70D}" dt="2022-01-13T12:43:46.035" v="349" actId="20577"/>
-        <pc:sldMkLst>
-          <pc:docMk/>
-          <pc:sldMk cId="892130114" sldId="612"/>
-        </pc:sldMkLst>
-        <pc:spChg chg="mod">
-          <ac:chgData name="Long Nguyen" userId="f59fb8f3-a021-417a-8bc1-65c8d471c621" providerId="ADAL" clId="{D771689A-171D-5A4D-9451-F2C4A9D1B70D}" dt="2022-01-13T12:43:46.035" v="349" actId="20577"/>
-          <ac:spMkLst>
-            <pc:docMk/>
-            <pc:sldMk cId="892130114" sldId="612"/>
-            <ac:spMk id="26627" creationId="{BD7CEE5B-C52A-794A-BCE5-C92159F2026F}"/>
-          </ac:spMkLst>
-        </pc:spChg>
-      </pc:sldChg>
-      <pc:sldChg chg="modSp mod">
-        <pc:chgData name="Long Nguyen" userId="f59fb8f3-a021-417a-8bc1-65c8d471c621" providerId="ADAL" clId="{D771689A-171D-5A4D-9451-F2C4A9D1B70D}" dt="2022-01-12T12:40:01.456" v="11" actId="27636"/>
-        <pc:sldMkLst>
-          <pc:docMk/>
-          <pc:sldMk cId="1241156272" sldId="613"/>
-        </pc:sldMkLst>
-        <pc:spChg chg="mod">
-          <ac:chgData name="Long Nguyen" userId="f59fb8f3-a021-417a-8bc1-65c8d471c621" providerId="ADAL" clId="{D771689A-171D-5A4D-9451-F2C4A9D1B70D}" dt="2022-01-12T12:40:01.456" v="11" actId="27636"/>
-          <ac:spMkLst>
-            <pc:docMk/>
-            <pc:sldMk cId="1241156272" sldId="613"/>
-            <ac:spMk id="26627" creationId="{7661587A-2BF3-9445-BC18-44350E3935D4}"/>
-          </ac:spMkLst>
-        </pc:spChg>
-      </pc:sldChg>
-      <pc:sldChg chg="modSp mod">
-        <pc:chgData name="Long Nguyen" userId="f59fb8f3-a021-417a-8bc1-65c8d471c621" providerId="ADAL" clId="{D771689A-171D-5A4D-9451-F2C4A9D1B70D}" dt="2022-01-12T12:40:01.346" v="2" actId="27636"/>
-        <pc:sldMkLst>
-          <pc:docMk/>
-          <pc:sldMk cId="4014748011" sldId="615"/>
-        </pc:sldMkLst>
-        <pc:spChg chg="mod">
-          <ac:chgData name="Long Nguyen" userId="f59fb8f3-a021-417a-8bc1-65c8d471c621" providerId="ADAL" clId="{D771689A-171D-5A4D-9451-F2C4A9D1B70D}" dt="2022-01-12T12:40:01.346" v="2" actId="27636"/>
-          <ac:spMkLst>
-            <pc:docMk/>
-            <pc:sldMk cId="4014748011" sldId="615"/>
-            <ac:spMk id="2" creationId="{7464CC47-36D9-624B-9F3B-C88093C610C7}"/>
-          </ac:spMkLst>
-        </pc:spChg>
-      </pc:sldChg>
-      <pc:sldChg chg="modSp mod">
-        <pc:chgData name="Long Nguyen" userId="f59fb8f3-a021-417a-8bc1-65c8d471c621" providerId="ADAL" clId="{D771689A-171D-5A4D-9451-F2C4A9D1B70D}" dt="2022-01-12T12:40:01.350" v="3" actId="27636"/>
-        <pc:sldMkLst>
-          <pc:docMk/>
-          <pc:sldMk cId="445830501" sldId="616"/>
-        </pc:sldMkLst>
-        <pc:spChg chg="mod">
-          <ac:chgData name="Long Nguyen" userId="f59fb8f3-a021-417a-8bc1-65c8d471c621" providerId="ADAL" clId="{D771689A-171D-5A4D-9451-F2C4A9D1B70D}" dt="2022-01-12T12:40:01.350" v="3" actId="27636"/>
-          <ac:spMkLst>
-            <pc:docMk/>
-            <pc:sldMk cId="445830501" sldId="616"/>
-            <ac:spMk id="6" creationId="{4D9F94BD-D7C3-EC4B-80A4-AEB66905FD98}"/>
-          </ac:spMkLst>
-        </pc:spChg>
-      </pc:sldChg>
-      <pc:sldChg chg="modSp mod">
-        <pc:chgData name="Long Nguyen" userId="f59fb8f3-a021-417a-8bc1-65c8d471c621" providerId="ADAL" clId="{D771689A-171D-5A4D-9451-F2C4A9D1B70D}" dt="2022-01-12T12:40:01.353" v="4" actId="27636"/>
-        <pc:sldMkLst>
-          <pc:docMk/>
-          <pc:sldMk cId="3966117082" sldId="617"/>
-        </pc:sldMkLst>
-        <pc:spChg chg="mod">
-          <ac:chgData name="Long Nguyen" userId="f59fb8f3-a021-417a-8bc1-65c8d471c621" providerId="ADAL" clId="{D771689A-171D-5A4D-9451-F2C4A9D1B70D}" dt="2022-01-12T12:40:01.353" v="4" actId="27636"/>
-          <ac:spMkLst>
-            <pc:docMk/>
-            <pc:sldMk cId="3966117082" sldId="617"/>
-            <ac:spMk id="7" creationId="{328A4C4A-3903-8545-A432-37549FB32997}"/>
-          </ac:spMkLst>
-        </pc:spChg>
-      </pc:sldChg>
-      <pc:sldChg chg="modSp mod">
-        <pc:chgData name="Long Nguyen" userId="f59fb8f3-a021-417a-8bc1-65c8d471c621" providerId="ADAL" clId="{D771689A-171D-5A4D-9451-F2C4A9D1B70D}" dt="2022-01-12T12:40:01.339" v="1" actId="27636"/>
-        <pc:sldMkLst>
-          <pc:docMk/>
-          <pc:sldMk cId="1946329213" sldId="618"/>
-        </pc:sldMkLst>
-        <pc:spChg chg="mod">
-          <ac:chgData name="Long Nguyen" userId="f59fb8f3-a021-417a-8bc1-65c8d471c621" providerId="ADAL" clId="{D771689A-171D-5A4D-9451-F2C4A9D1B70D}" dt="2022-01-12T12:40:01.339" v="1" actId="27636"/>
-          <ac:spMkLst>
-            <pc:docMk/>
-            <pc:sldMk cId="1946329213" sldId="618"/>
-            <ac:spMk id="2" creationId="{5377AA73-DC96-0B4E-8504-96B84F7CAE34}"/>
-          </ac:spMkLst>
-        </pc:spChg>
-      </pc:sldChg>
-      <pc:sldChg chg="modSp mod">
-        <pc:chgData name="Long Nguyen" userId="f59fb8f3-a021-417a-8bc1-65c8d471c621" providerId="ADAL" clId="{D771689A-171D-5A4D-9451-F2C4A9D1B70D}" dt="2022-01-12T12:40:01.387" v="7" actId="27636"/>
-        <pc:sldMkLst>
-          <pc:docMk/>
-          <pc:sldMk cId="3215879385" sldId="622"/>
-        </pc:sldMkLst>
-        <pc:spChg chg="mod">
-          <ac:chgData name="Long Nguyen" userId="f59fb8f3-a021-417a-8bc1-65c8d471c621" providerId="ADAL" clId="{D771689A-171D-5A4D-9451-F2C4A9D1B70D}" dt="2022-01-12T12:40:01.387" v="7" actId="27636"/>
-          <ac:spMkLst>
-            <pc:docMk/>
-            <pc:sldMk cId="3215879385" sldId="622"/>
-            <ac:spMk id="26627" creationId="{BD7CEE5B-C52A-794A-BCE5-C92159F2026F}"/>
-          </ac:spMkLst>
-        </pc:spChg>
-      </pc:sldChg>
-      <pc:sldChg chg="modSp mod">
-        <pc:chgData name="Long Nguyen" userId="f59fb8f3-a021-417a-8bc1-65c8d471c621" providerId="ADAL" clId="{D771689A-171D-5A4D-9451-F2C4A9D1B70D}" dt="2022-01-12T12:40:01.413" v="9" actId="27636"/>
-        <pc:sldMkLst>
-          <pc:docMk/>
-          <pc:sldMk cId="2484292394" sldId="623"/>
-        </pc:sldMkLst>
-        <pc:spChg chg="mod">
-          <ac:chgData name="Long Nguyen" userId="f59fb8f3-a021-417a-8bc1-65c8d471c621" providerId="ADAL" clId="{D771689A-171D-5A4D-9451-F2C4A9D1B70D}" dt="2022-01-12T12:40:01.413" v="9" actId="27636"/>
-          <ac:spMkLst>
-            <pc:docMk/>
-            <pc:sldMk cId="2484292394" sldId="623"/>
-            <ac:spMk id="26627" creationId="{BD7CEE5B-C52A-794A-BCE5-C92159F2026F}"/>
-          </ac:spMkLst>
-        </pc:spChg>
-      </pc:sldChg>
-      <pc:sldChg chg="modSp mod">
-        <pc:chgData name="Long Nguyen" userId="f59fb8f3-a021-417a-8bc1-65c8d471c621" providerId="ADAL" clId="{D771689A-171D-5A4D-9451-F2C4A9D1B70D}" dt="2022-01-12T12:40:01.427" v="10" actId="27636"/>
-        <pc:sldMkLst>
-          <pc:docMk/>
-          <pc:sldMk cId="1444664834" sldId="624"/>
-        </pc:sldMkLst>
-        <pc:spChg chg="mod">
-          <ac:chgData name="Long Nguyen" userId="f59fb8f3-a021-417a-8bc1-65c8d471c621" providerId="ADAL" clId="{D771689A-171D-5A4D-9451-F2C4A9D1B70D}" dt="2022-01-12T12:40:01.427" v="10" actId="27636"/>
-          <ac:spMkLst>
-            <pc:docMk/>
-            <pc:sldMk cId="1444664834" sldId="624"/>
-            <ac:spMk id="26627" creationId="{BD7CEE5B-C52A-794A-BCE5-C92159F2026F}"/>
-          </ac:spMkLst>
-        </pc:spChg>
       </pc:sldChg>
     </pc:docChg>
   </pc:docChgLst>
@@ -7641,7 +7723,7 @@
           <a:p>
             <a:fld id="{6EDD99D2-A624-5E4F-A4E3-584054837B5A}" type="datetimeFigureOut">
               <a:rPr lang="en-US" smtClean="0"/>
-              <a:t>11/28/22</a:t>
+              <a:t>1/19/23</a:t>
             </a:fld>
             <a:endParaRPr lang="en-US"/>
           </a:p>
@@ -8224,6 +8306,303 @@
       </p:grpSpPr>
       <p:sp>
         <p:nvSpPr>
+          <p:cNvPr id="50177" name="Rectangle 7">
+            <a:extLst>
+              <a:ext uri="{FF2B5EF4-FFF2-40B4-BE49-F238E27FC236}">
+                <a16:creationId xmlns:a16="http://schemas.microsoft.com/office/drawing/2014/main" id="{986CDDE5-1C0D-9040-8169-7E861A543B80}"/>
+              </a:ext>
+            </a:extLst>
+          </p:cNvPr>
+          <p:cNvSpPr>
+            <a:spLocks noGrp="1" noChangeArrowheads="1"/>
+          </p:cNvSpPr>
+          <p:nvPr>
+            <p:ph type="sldNum" sz="quarter" idx="5"/>
+          </p:nvPr>
+        </p:nvSpPr>
+        <p:spPr bwMode="auto">
+          <a:noFill/>
+          <a:extLst>
+            <a:ext uri="{909E8E84-426E-40DD-AFC4-6F175D3DCCD1}">
+              <a14:hiddenFill xmlns:a14="http://schemas.microsoft.com/office/drawing/2010/main">
+                <a:solidFill>
+                  <a:srgbClr val="FFFFFF"/>
+                </a:solidFill>
+              </a14:hiddenFill>
+            </a:ext>
+            <a:ext uri="{91240B29-F687-4F45-9708-019B960494DF}">
+              <a14:hiddenLine xmlns:a14="http://schemas.microsoft.com/office/drawing/2010/main" w="9525">
+                <a:solidFill>
+                  <a:srgbClr val="000000"/>
+                </a:solidFill>
+                <a:miter lim="800000"/>
+                <a:headEnd/>
+                <a:tailEnd/>
+              </a14:hiddenLine>
+            </a:ext>
+          </a:extLst>
+        </p:spPr>
+        <p:txBody>
+          <a:bodyPr/>
+          <a:lstStyle>
+            <a:lvl1pPr>
+              <a:defRPr>
+                <a:solidFill>
+                  <a:schemeClr val="tx1"/>
+                </a:solidFill>
+                <a:latin typeface="Arial" panose="020B0604020202020204" pitchFamily="34" charset="0"/>
+                <a:ea typeface="ＭＳ Ｐゴシック" panose="020B0600070205080204" pitchFamily="34" charset="-128"/>
+              </a:defRPr>
+            </a:lvl1pPr>
+            <a:lvl2pPr marL="742950" indent="-285750">
+              <a:defRPr>
+                <a:solidFill>
+                  <a:schemeClr val="tx1"/>
+                </a:solidFill>
+                <a:latin typeface="Arial" panose="020B0604020202020204" pitchFamily="34" charset="0"/>
+                <a:ea typeface="ＭＳ Ｐゴシック" panose="020B0600070205080204" pitchFamily="34" charset="-128"/>
+              </a:defRPr>
+            </a:lvl2pPr>
+            <a:lvl3pPr marL="1143000" indent="-228600">
+              <a:defRPr>
+                <a:solidFill>
+                  <a:schemeClr val="tx1"/>
+                </a:solidFill>
+                <a:latin typeface="Arial" panose="020B0604020202020204" pitchFamily="34" charset="0"/>
+                <a:ea typeface="ＭＳ Ｐゴシック" panose="020B0600070205080204" pitchFamily="34" charset="-128"/>
+              </a:defRPr>
+            </a:lvl3pPr>
+            <a:lvl4pPr marL="1600200" indent="-228600">
+              <a:defRPr>
+                <a:solidFill>
+                  <a:schemeClr val="tx1"/>
+                </a:solidFill>
+                <a:latin typeface="Arial" panose="020B0604020202020204" pitchFamily="34" charset="0"/>
+                <a:ea typeface="ＭＳ Ｐゴシック" panose="020B0600070205080204" pitchFamily="34" charset="-128"/>
+              </a:defRPr>
+            </a:lvl4pPr>
+            <a:lvl5pPr marL="2057400" indent="-228600">
+              <a:defRPr>
+                <a:solidFill>
+                  <a:schemeClr val="tx1"/>
+                </a:solidFill>
+                <a:latin typeface="Arial" panose="020B0604020202020204" pitchFamily="34" charset="0"/>
+                <a:ea typeface="ＭＳ Ｐゴシック" panose="020B0600070205080204" pitchFamily="34" charset="-128"/>
+              </a:defRPr>
+            </a:lvl5pPr>
+            <a:lvl6pPr marL="2514600" indent="-228600" eaLnBrk="0" fontAlgn="base" hangingPunct="0">
+              <a:spcBef>
+                <a:spcPct val="0"/>
+              </a:spcBef>
+              <a:spcAft>
+                <a:spcPct val="0"/>
+              </a:spcAft>
+              <a:defRPr>
+                <a:solidFill>
+                  <a:schemeClr val="tx1"/>
+                </a:solidFill>
+                <a:latin typeface="Arial" panose="020B0604020202020204" pitchFamily="34" charset="0"/>
+                <a:ea typeface="ＭＳ Ｐゴシック" panose="020B0600070205080204" pitchFamily="34" charset="-128"/>
+              </a:defRPr>
+            </a:lvl6pPr>
+            <a:lvl7pPr marL="2971800" indent="-228600" eaLnBrk="0" fontAlgn="base" hangingPunct="0">
+              <a:spcBef>
+                <a:spcPct val="0"/>
+              </a:spcBef>
+              <a:spcAft>
+                <a:spcPct val="0"/>
+              </a:spcAft>
+              <a:defRPr>
+                <a:solidFill>
+                  <a:schemeClr val="tx1"/>
+                </a:solidFill>
+                <a:latin typeface="Arial" panose="020B0604020202020204" pitchFamily="34" charset="0"/>
+                <a:ea typeface="ＭＳ Ｐゴシック" panose="020B0600070205080204" pitchFamily="34" charset="-128"/>
+              </a:defRPr>
+            </a:lvl7pPr>
+            <a:lvl8pPr marL="3429000" indent="-228600" eaLnBrk="0" fontAlgn="base" hangingPunct="0">
+              <a:spcBef>
+                <a:spcPct val="0"/>
+              </a:spcBef>
+              <a:spcAft>
+                <a:spcPct val="0"/>
+              </a:spcAft>
+              <a:defRPr>
+                <a:solidFill>
+                  <a:schemeClr val="tx1"/>
+                </a:solidFill>
+                <a:latin typeface="Arial" panose="020B0604020202020204" pitchFamily="34" charset="0"/>
+                <a:ea typeface="ＭＳ Ｐゴシック" panose="020B0600070205080204" pitchFamily="34" charset="-128"/>
+              </a:defRPr>
+            </a:lvl8pPr>
+            <a:lvl9pPr marL="3886200" indent="-228600" eaLnBrk="0" fontAlgn="base" hangingPunct="0">
+              <a:spcBef>
+                <a:spcPct val="0"/>
+              </a:spcBef>
+              <a:spcAft>
+                <a:spcPct val="0"/>
+              </a:spcAft>
+              <a:defRPr>
+                <a:solidFill>
+                  <a:schemeClr val="tx1"/>
+                </a:solidFill>
+                <a:latin typeface="Arial" panose="020B0604020202020204" pitchFamily="34" charset="0"/>
+                <a:ea typeface="ＭＳ Ｐゴシック" panose="020B0600070205080204" pitchFamily="34" charset="-128"/>
+              </a:defRPr>
+            </a:lvl9pPr>
+          </a:lstStyle>
+          <a:p>
+            <a:fld id="{6E6D6B7F-7411-6E4B-BF22-D422F16A5770}" type="slidenum">
+              <a:rPr lang="en-US" altLang="en-US"/>
+              <a:pPr/>
+              <a:t>24</a:t>
+            </a:fld>
+            <a:endParaRPr lang="en-US" altLang="en-US"/>
+          </a:p>
+        </p:txBody>
+      </p:sp>
+      <p:sp>
+        <p:nvSpPr>
+          <p:cNvPr id="50178" name="Rectangle 2">
+            <a:extLst>
+              <a:ext uri="{FF2B5EF4-FFF2-40B4-BE49-F238E27FC236}">
+                <a16:creationId xmlns:a16="http://schemas.microsoft.com/office/drawing/2014/main" id="{9ABDCF39-59D4-E749-8EDA-840F12D47EF1}"/>
+              </a:ext>
+            </a:extLst>
+          </p:cNvPr>
+          <p:cNvSpPr>
+            <a:spLocks noGrp="1" noRot="1" noChangeAspect="1" noChangeArrowheads="1" noTextEdit="1"/>
+          </p:cNvSpPr>
+          <p:nvPr>
+            <p:ph type="sldImg"/>
+          </p:nvPr>
+        </p:nvSpPr>
+        <p:spPr bwMode="auto">
+          <a:xfrm>
+            <a:off x="687388" y="685800"/>
+            <a:ext cx="5486400" cy="3429000"/>
+          </a:xfrm>
+          <a:noFill/>
+          <a:ln>
+            <a:solidFill>
+              <a:srgbClr val="000000"/>
+            </a:solidFill>
+            <a:miter lim="800000"/>
+            <a:headEnd/>
+            <a:tailEnd/>
+          </a:ln>
+          <a:extLst>
+            <a:ext uri="{909E8E84-426E-40DD-AFC4-6F175D3DCCD1}">
+              <a14:hiddenFill xmlns:a14="http://schemas.microsoft.com/office/drawing/2010/main">
+                <a:solidFill>
+                  <a:srgbClr val="FFFFFF"/>
+                </a:solidFill>
+              </a14:hiddenFill>
+            </a:ext>
+          </a:extLst>
+        </p:spPr>
+      </p:sp>
+      <p:sp>
+        <p:nvSpPr>
+          <p:cNvPr id="55300" name="Rectangle 3">
+            <a:extLst>
+              <a:ext uri="{FF2B5EF4-FFF2-40B4-BE49-F238E27FC236}">
+                <a16:creationId xmlns:a16="http://schemas.microsoft.com/office/drawing/2014/main" id="{CD5E002F-4752-684C-973B-F1B5922093E4}"/>
+              </a:ext>
+            </a:extLst>
+          </p:cNvPr>
+          <p:cNvSpPr>
+            <a:spLocks noGrp="1" noChangeArrowheads="1"/>
+          </p:cNvSpPr>
+          <p:nvPr>
+            <p:ph type="body" idx="1"/>
+          </p:nvPr>
+        </p:nvSpPr>
+        <p:spPr bwMode="auto">
+          <a:xfrm>
+            <a:off x="914400" y="4343400"/>
+            <a:ext cx="5029200" cy="4114800"/>
+          </a:xfrm>
+          <a:extLst>
+            <a:ext uri="{909E8E84-426E-40DD-AFC4-6F175D3DCCD1}">
+              <a14:hiddenFill xmlns:a14="http://schemas.microsoft.com/office/drawing/2010/main">
+                <a:solidFill>
+                  <a:srgbClr val="FFFFFF"/>
+                </a:solidFill>
+              </a14:hiddenFill>
+            </a:ext>
+            <a:ext uri="{91240B29-F687-4F45-9708-019B960494DF}">
+              <a14:hiddenLine xmlns:a14="http://schemas.microsoft.com/office/drawing/2010/main" w="9525">
+                <a:solidFill>
+                  <a:srgbClr val="000000"/>
+                </a:solidFill>
+                <a:miter lim="800000"/>
+                <a:headEnd/>
+                <a:tailEnd/>
+              </a14:hiddenLine>
+            </a:ext>
+            <a:ext uri="{AF507438-7753-43E0-B8FC-AC1667EBCBE1}">
+              <a14:hiddenEffects xmlns:a14="http://schemas.microsoft.com/office/drawing/2010/main">
+                <a:effectLst>
+                  <a:outerShdw blurRad="63500" dist="38099" dir="2700000" algn="ctr" rotWithShape="0">
+                    <a:schemeClr val="bg2">
+                      <a:alpha val="74997"/>
+                    </a:schemeClr>
+                  </a:outerShdw>
+                </a:effectLst>
+              </a14:hiddenEffects>
+            </a:ext>
+          </a:extLst>
+        </p:spPr>
+        <p:txBody>
+          <a:bodyPr wrap="square" numCol="1" anchor="t" anchorCtr="0" compatLnSpc="1">
+            <a:prstTxWarp prst="textNoShape">
+              <a:avLst/>
+            </a:prstTxWarp>
+          </a:bodyPr>
+          <a:lstStyle/>
+          <a:p>
+            <a:pPr eaLnBrk="1" hangingPunct="1">
+              <a:defRPr/>
+            </a:pPr>
+            <a:endParaRPr lang="en-US">
+              <a:cs typeface="+mn-cs"/>
+            </a:endParaRPr>
+          </a:p>
+        </p:txBody>
+      </p:sp>
+    </p:spTree>
+    <p:extLst>
+      <p:ext uri="{BB962C8B-B14F-4D97-AF65-F5344CB8AC3E}">
+        <p14:creationId xmlns:p14="http://schemas.microsoft.com/office/powerpoint/2010/main" val="1233734162"/>
+      </p:ext>
+    </p:extLst>
+  </p:cSld>
+  <p:clrMapOvr>
+    <a:masterClrMapping/>
+  </p:clrMapOvr>
+</p:notes>
+</file>
+
+<file path=ppt/notesSlides/notesSlide11.xml><?xml version="1.0" encoding="utf-8"?>
+<p:notes xmlns:a="http://schemas.openxmlformats.org/drawingml/2006/main" xmlns:r="http://schemas.openxmlformats.org/officeDocument/2006/relationships" xmlns:p="http://schemas.openxmlformats.org/presentationml/2006/main">
+  <p:cSld>
+    <p:spTree>
+      <p:nvGrpSpPr>
+        <p:cNvPr id="1" name=""/>
+        <p:cNvGrpSpPr/>
+        <p:nvPr/>
+      </p:nvGrpSpPr>
+      <p:grpSpPr>
+        <a:xfrm>
+          <a:off x="0" y="0"/>
+          <a:ext cx="0" cy="0"/>
+          <a:chOff x="0" y="0"/>
+          <a:chExt cx="0" cy="0"/>
+        </a:xfrm>
+      </p:grpSpPr>
+      <p:sp>
+        <p:nvSpPr>
           <p:cNvPr id="58369" name="Rectangle 7">
             <a:extLst>
               <a:ext uri="{FF2B5EF4-FFF2-40B4-BE49-F238E27FC236}">
@@ -8502,7 +8881,7 @@
 </p:notes>
 </file>
 
-<file path=ppt/notesSlides/notesSlide11.xml><?xml version="1.0" encoding="utf-8"?>
+<file path=ppt/notesSlides/notesSlide12.xml><?xml version="1.0" encoding="utf-8"?>
 <p:notes xmlns:a="http://schemas.openxmlformats.org/drawingml/2006/main" xmlns:r="http://schemas.openxmlformats.org/officeDocument/2006/relationships" xmlns:p="http://schemas.openxmlformats.org/presentationml/2006/main">
   <p:cSld>
     <p:spTree>
@@ -8799,7 +9178,7 @@
 </p:notes>
 </file>
 
-<file path=ppt/notesSlides/notesSlide12.xml><?xml version="1.0" encoding="utf-8"?>
+<file path=ppt/notesSlides/notesSlide13.xml><?xml version="1.0" encoding="utf-8"?>
 <p:notes xmlns:a="http://schemas.openxmlformats.org/drawingml/2006/main" xmlns:r="http://schemas.openxmlformats.org/officeDocument/2006/relationships" xmlns:p="http://schemas.openxmlformats.org/presentationml/2006/main">
   <p:cSld>
     <p:spTree>
@@ -9680,7 +10059,7 @@
     </p:spTree>
     <p:extLst>
       <p:ext uri="{BB962C8B-B14F-4D97-AF65-F5344CB8AC3E}">
-        <p14:creationId xmlns:p14="http://schemas.microsoft.com/office/powerpoint/2010/main" val="1382014638"/>
+        <p14:creationId xmlns:p14="http://schemas.microsoft.com/office/powerpoint/2010/main" val="174926328"/>
       </p:ext>
     </p:extLst>
   </p:cSld>
@@ -9977,7 +10356,7 @@
     </p:spTree>
     <p:extLst>
       <p:ext uri="{BB962C8B-B14F-4D97-AF65-F5344CB8AC3E}">
-        <p14:creationId xmlns:p14="http://schemas.microsoft.com/office/powerpoint/2010/main" val="174926328"/>
+        <p14:creationId xmlns:p14="http://schemas.microsoft.com/office/powerpoint/2010/main" val="2910542383"/>
       </p:ext>
     </p:extLst>
   </p:cSld>
@@ -10274,7 +10653,7 @@
     </p:spTree>
     <p:extLst>
       <p:ext uri="{BB962C8B-B14F-4D97-AF65-F5344CB8AC3E}">
-        <p14:creationId xmlns:p14="http://schemas.microsoft.com/office/powerpoint/2010/main" val="2910542383"/>
+        <p14:creationId xmlns:p14="http://schemas.microsoft.com/office/powerpoint/2010/main" val="1039853726"/>
       </p:ext>
     </p:extLst>
   </p:cSld>
@@ -10285,6 +10664,600 @@
 </file>
 
 <file path=ppt/notesSlides/notesSlide6.xml><?xml version="1.0" encoding="utf-8"?>
+<p:notes xmlns:a="http://schemas.openxmlformats.org/drawingml/2006/main" xmlns:r="http://schemas.openxmlformats.org/officeDocument/2006/relationships" xmlns:p="http://schemas.openxmlformats.org/presentationml/2006/main">
+  <p:cSld>
+    <p:spTree>
+      <p:nvGrpSpPr>
+        <p:cNvPr id="1" name=""/>
+        <p:cNvGrpSpPr/>
+        <p:nvPr/>
+      </p:nvGrpSpPr>
+      <p:grpSpPr>
+        <a:xfrm>
+          <a:off x="0" y="0"/>
+          <a:ext cx="0" cy="0"/>
+          <a:chOff x="0" y="0"/>
+          <a:chExt cx="0" cy="0"/>
+        </a:xfrm>
+      </p:grpSpPr>
+      <p:sp>
+        <p:nvSpPr>
+          <p:cNvPr id="44033" name="Rectangle 7">
+            <a:extLst>
+              <a:ext uri="{FF2B5EF4-FFF2-40B4-BE49-F238E27FC236}">
+                <a16:creationId xmlns:a16="http://schemas.microsoft.com/office/drawing/2014/main" id="{E8095FB6-B64A-F146-9476-9C433CC38818}"/>
+              </a:ext>
+            </a:extLst>
+          </p:cNvPr>
+          <p:cNvSpPr>
+            <a:spLocks noGrp="1" noChangeArrowheads="1"/>
+          </p:cNvSpPr>
+          <p:nvPr>
+            <p:ph type="sldNum" sz="quarter" idx="5"/>
+          </p:nvPr>
+        </p:nvSpPr>
+        <p:spPr bwMode="auto">
+          <a:noFill/>
+          <a:extLst>
+            <a:ext uri="{909E8E84-426E-40DD-AFC4-6F175D3DCCD1}">
+              <a14:hiddenFill xmlns:a14="http://schemas.microsoft.com/office/drawing/2010/main">
+                <a:solidFill>
+                  <a:srgbClr val="FFFFFF"/>
+                </a:solidFill>
+              </a14:hiddenFill>
+            </a:ext>
+            <a:ext uri="{91240B29-F687-4F45-9708-019B960494DF}">
+              <a14:hiddenLine xmlns:a14="http://schemas.microsoft.com/office/drawing/2010/main" w="9525">
+                <a:solidFill>
+                  <a:srgbClr val="000000"/>
+                </a:solidFill>
+                <a:miter lim="800000"/>
+                <a:headEnd/>
+                <a:tailEnd/>
+              </a14:hiddenLine>
+            </a:ext>
+          </a:extLst>
+        </p:spPr>
+        <p:txBody>
+          <a:bodyPr/>
+          <a:lstStyle>
+            <a:lvl1pPr>
+              <a:defRPr>
+                <a:solidFill>
+                  <a:schemeClr val="tx1"/>
+                </a:solidFill>
+                <a:latin typeface="Arial" panose="020B0604020202020204" pitchFamily="34" charset="0"/>
+                <a:ea typeface="ＭＳ Ｐゴシック" panose="020B0600070205080204" pitchFamily="34" charset="-128"/>
+              </a:defRPr>
+            </a:lvl1pPr>
+            <a:lvl2pPr marL="742950" indent="-285750">
+              <a:defRPr>
+                <a:solidFill>
+                  <a:schemeClr val="tx1"/>
+                </a:solidFill>
+                <a:latin typeface="Arial" panose="020B0604020202020204" pitchFamily="34" charset="0"/>
+                <a:ea typeface="ＭＳ Ｐゴシック" panose="020B0600070205080204" pitchFamily="34" charset="-128"/>
+              </a:defRPr>
+            </a:lvl2pPr>
+            <a:lvl3pPr marL="1143000" indent="-228600">
+              <a:defRPr>
+                <a:solidFill>
+                  <a:schemeClr val="tx1"/>
+                </a:solidFill>
+                <a:latin typeface="Arial" panose="020B0604020202020204" pitchFamily="34" charset="0"/>
+                <a:ea typeface="ＭＳ Ｐゴシック" panose="020B0600070205080204" pitchFamily="34" charset="-128"/>
+              </a:defRPr>
+            </a:lvl3pPr>
+            <a:lvl4pPr marL="1600200" indent="-228600">
+              <a:defRPr>
+                <a:solidFill>
+                  <a:schemeClr val="tx1"/>
+                </a:solidFill>
+                <a:latin typeface="Arial" panose="020B0604020202020204" pitchFamily="34" charset="0"/>
+                <a:ea typeface="ＭＳ Ｐゴシック" panose="020B0600070205080204" pitchFamily="34" charset="-128"/>
+              </a:defRPr>
+            </a:lvl4pPr>
+            <a:lvl5pPr marL="2057400" indent="-228600">
+              <a:defRPr>
+                <a:solidFill>
+                  <a:schemeClr val="tx1"/>
+                </a:solidFill>
+                <a:latin typeface="Arial" panose="020B0604020202020204" pitchFamily="34" charset="0"/>
+                <a:ea typeface="ＭＳ Ｐゴシック" panose="020B0600070205080204" pitchFamily="34" charset="-128"/>
+              </a:defRPr>
+            </a:lvl5pPr>
+            <a:lvl6pPr marL="2514600" indent="-228600" eaLnBrk="0" fontAlgn="base" hangingPunct="0">
+              <a:spcBef>
+                <a:spcPct val="0"/>
+              </a:spcBef>
+              <a:spcAft>
+                <a:spcPct val="0"/>
+              </a:spcAft>
+              <a:defRPr>
+                <a:solidFill>
+                  <a:schemeClr val="tx1"/>
+                </a:solidFill>
+                <a:latin typeface="Arial" panose="020B0604020202020204" pitchFamily="34" charset="0"/>
+                <a:ea typeface="ＭＳ Ｐゴシック" panose="020B0600070205080204" pitchFamily="34" charset="-128"/>
+              </a:defRPr>
+            </a:lvl6pPr>
+            <a:lvl7pPr marL="2971800" indent="-228600" eaLnBrk="0" fontAlgn="base" hangingPunct="0">
+              <a:spcBef>
+                <a:spcPct val="0"/>
+              </a:spcBef>
+              <a:spcAft>
+                <a:spcPct val="0"/>
+              </a:spcAft>
+              <a:defRPr>
+                <a:solidFill>
+                  <a:schemeClr val="tx1"/>
+                </a:solidFill>
+                <a:latin typeface="Arial" panose="020B0604020202020204" pitchFamily="34" charset="0"/>
+                <a:ea typeface="ＭＳ Ｐゴシック" panose="020B0600070205080204" pitchFamily="34" charset="-128"/>
+              </a:defRPr>
+            </a:lvl7pPr>
+            <a:lvl8pPr marL="3429000" indent="-228600" eaLnBrk="0" fontAlgn="base" hangingPunct="0">
+              <a:spcBef>
+                <a:spcPct val="0"/>
+              </a:spcBef>
+              <a:spcAft>
+                <a:spcPct val="0"/>
+              </a:spcAft>
+              <a:defRPr>
+                <a:solidFill>
+                  <a:schemeClr val="tx1"/>
+                </a:solidFill>
+                <a:latin typeface="Arial" panose="020B0604020202020204" pitchFamily="34" charset="0"/>
+                <a:ea typeface="ＭＳ Ｐゴシック" panose="020B0600070205080204" pitchFamily="34" charset="-128"/>
+              </a:defRPr>
+            </a:lvl8pPr>
+            <a:lvl9pPr marL="3886200" indent="-228600" eaLnBrk="0" fontAlgn="base" hangingPunct="0">
+              <a:spcBef>
+                <a:spcPct val="0"/>
+              </a:spcBef>
+              <a:spcAft>
+                <a:spcPct val="0"/>
+              </a:spcAft>
+              <a:defRPr>
+                <a:solidFill>
+                  <a:schemeClr val="tx1"/>
+                </a:solidFill>
+                <a:latin typeface="Arial" panose="020B0604020202020204" pitchFamily="34" charset="0"/>
+                <a:ea typeface="ＭＳ Ｐゴシック" panose="020B0600070205080204" pitchFamily="34" charset="-128"/>
+              </a:defRPr>
+            </a:lvl9pPr>
+          </a:lstStyle>
+          <a:p>
+            <a:fld id="{FCBA7E5D-E628-7140-9B10-1F7D24B99C84}" type="slidenum">
+              <a:rPr lang="en-US" altLang="en-US"/>
+              <a:pPr/>
+              <a:t>18</a:t>
+            </a:fld>
+            <a:endParaRPr lang="en-US" altLang="en-US"/>
+          </a:p>
+        </p:txBody>
+      </p:sp>
+      <p:sp>
+        <p:nvSpPr>
+          <p:cNvPr id="44034" name="Rectangle 2">
+            <a:extLst>
+              <a:ext uri="{FF2B5EF4-FFF2-40B4-BE49-F238E27FC236}">
+                <a16:creationId xmlns:a16="http://schemas.microsoft.com/office/drawing/2014/main" id="{DEFD57A4-9FBE-EC4B-B869-559A34F103D5}"/>
+              </a:ext>
+            </a:extLst>
+          </p:cNvPr>
+          <p:cNvSpPr>
+            <a:spLocks noGrp="1" noRot="1" noChangeAspect="1" noChangeArrowheads="1" noTextEdit="1"/>
+          </p:cNvSpPr>
+          <p:nvPr>
+            <p:ph type="sldImg"/>
+          </p:nvPr>
+        </p:nvSpPr>
+        <p:spPr bwMode="auto">
+          <a:xfrm>
+            <a:off x="687388" y="685800"/>
+            <a:ext cx="5486400" cy="3429000"/>
+          </a:xfrm>
+          <a:noFill/>
+          <a:ln>
+            <a:solidFill>
+              <a:srgbClr val="000000"/>
+            </a:solidFill>
+            <a:miter lim="800000"/>
+            <a:headEnd/>
+            <a:tailEnd/>
+          </a:ln>
+          <a:extLst>
+            <a:ext uri="{909E8E84-426E-40DD-AFC4-6F175D3DCCD1}">
+              <a14:hiddenFill xmlns:a14="http://schemas.microsoft.com/office/drawing/2010/main">
+                <a:solidFill>
+                  <a:srgbClr val="FFFFFF"/>
+                </a:solidFill>
+              </a14:hiddenFill>
+            </a:ext>
+          </a:extLst>
+        </p:spPr>
+      </p:sp>
+      <p:sp>
+        <p:nvSpPr>
+          <p:cNvPr id="55300" name="Rectangle 3">
+            <a:extLst>
+              <a:ext uri="{FF2B5EF4-FFF2-40B4-BE49-F238E27FC236}">
+                <a16:creationId xmlns:a16="http://schemas.microsoft.com/office/drawing/2014/main" id="{DD5A7D2F-C0FB-754C-8DCB-07BFDEC44F79}"/>
+              </a:ext>
+            </a:extLst>
+          </p:cNvPr>
+          <p:cNvSpPr>
+            <a:spLocks noGrp="1" noChangeArrowheads="1"/>
+          </p:cNvSpPr>
+          <p:nvPr>
+            <p:ph type="body" idx="1"/>
+          </p:nvPr>
+        </p:nvSpPr>
+        <p:spPr bwMode="auto">
+          <a:xfrm>
+            <a:off x="914400" y="4343400"/>
+            <a:ext cx="5029200" cy="4114800"/>
+          </a:xfrm>
+          <a:extLst>
+            <a:ext uri="{909E8E84-426E-40DD-AFC4-6F175D3DCCD1}">
+              <a14:hiddenFill xmlns:a14="http://schemas.microsoft.com/office/drawing/2010/main">
+                <a:solidFill>
+                  <a:srgbClr val="FFFFFF"/>
+                </a:solidFill>
+              </a14:hiddenFill>
+            </a:ext>
+            <a:ext uri="{91240B29-F687-4F45-9708-019B960494DF}">
+              <a14:hiddenLine xmlns:a14="http://schemas.microsoft.com/office/drawing/2010/main" w="9525">
+                <a:solidFill>
+                  <a:srgbClr val="000000"/>
+                </a:solidFill>
+                <a:miter lim="800000"/>
+                <a:headEnd/>
+                <a:tailEnd/>
+              </a14:hiddenLine>
+            </a:ext>
+            <a:ext uri="{AF507438-7753-43E0-B8FC-AC1667EBCBE1}">
+              <a14:hiddenEffects xmlns:a14="http://schemas.microsoft.com/office/drawing/2010/main">
+                <a:effectLst>
+                  <a:outerShdw blurRad="63500" dist="38099" dir="2700000" algn="ctr" rotWithShape="0">
+                    <a:schemeClr val="bg2">
+                      <a:alpha val="74997"/>
+                    </a:schemeClr>
+                  </a:outerShdw>
+                </a:effectLst>
+              </a14:hiddenEffects>
+            </a:ext>
+          </a:extLst>
+        </p:spPr>
+        <p:txBody>
+          <a:bodyPr wrap="square" numCol="1" anchor="t" anchorCtr="0" compatLnSpc="1">
+            <a:prstTxWarp prst="textNoShape">
+              <a:avLst/>
+            </a:prstTxWarp>
+          </a:bodyPr>
+          <a:lstStyle/>
+          <a:p>
+            <a:pPr eaLnBrk="1" hangingPunct="1">
+              <a:defRPr/>
+            </a:pPr>
+            <a:endParaRPr lang="en-US">
+              <a:cs typeface="+mn-cs"/>
+            </a:endParaRPr>
+          </a:p>
+        </p:txBody>
+      </p:sp>
+    </p:spTree>
+    <p:extLst>
+      <p:ext uri="{BB962C8B-B14F-4D97-AF65-F5344CB8AC3E}">
+        <p14:creationId xmlns:p14="http://schemas.microsoft.com/office/powerpoint/2010/main" val="585955198"/>
+      </p:ext>
+    </p:extLst>
+  </p:cSld>
+  <p:clrMapOvr>
+    <a:masterClrMapping/>
+  </p:clrMapOvr>
+</p:notes>
+</file>
+
+<file path=ppt/notesSlides/notesSlide7.xml><?xml version="1.0" encoding="utf-8"?>
+<p:notes xmlns:a="http://schemas.openxmlformats.org/drawingml/2006/main" xmlns:r="http://schemas.openxmlformats.org/officeDocument/2006/relationships" xmlns:p="http://schemas.openxmlformats.org/presentationml/2006/main">
+  <p:cSld>
+    <p:spTree>
+      <p:nvGrpSpPr>
+        <p:cNvPr id="1" name=""/>
+        <p:cNvGrpSpPr/>
+        <p:nvPr/>
+      </p:nvGrpSpPr>
+      <p:grpSpPr>
+        <a:xfrm>
+          <a:off x="0" y="0"/>
+          <a:ext cx="0" cy="0"/>
+          <a:chOff x="0" y="0"/>
+          <a:chExt cx="0" cy="0"/>
+        </a:xfrm>
+      </p:grpSpPr>
+      <p:sp>
+        <p:nvSpPr>
+          <p:cNvPr id="50177" name="Rectangle 7">
+            <a:extLst>
+              <a:ext uri="{FF2B5EF4-FFF2-40B4-BE49-F238E27FC236}">
+                <a16:creationId xmlns:a16="http://schemas.microsoft.com/office/drawing/2014/main" id="{986CDDE5-1C0D-9040-8169-7E861A543B80}"/>
+              </a:ext>
+            </a:extLst>
+          </p:cNvPr>
+          <p:cNvSpPr>
+            <a:spLocks noGrp="1" noChangeArrowheads="1"/>
+          </p:cNvSpPr>
+          <p:nvPr>
+            <p:ph type="sldNum" sz="quarter" idx="5"/>
+          </p:nvPr>
+        </p:nvSpPr>
+        <p:spPr bwMode="auto">
+          <a:noFill/>
+          <a:extLst>
+            <a:ext uri="{909E8E84-426E-40DD-AFC4-6F175D3DCCD1}">
+              <a14:hiddenFill xmlns:a14="http://schemas.microsoft.com/office/drawing/2010/main">
+                <a:solidFill>
+                  <a:srgbClr val="FFFFFF"/>
+                </a:solidFill>
+              </a14:hiddenFill>
+            </a:ext>
+            <a:ext uri="{91240B29-F687-4F45-9708-019B960494DF}">
+              <a14:hiddenLine xmlns:a14="http://schemas.microsoft.com/office/drawing/2010/main" w="9525">
+                <a:solidFill>
+                  <a:srgbClr val="000000"/>
+                </a:solidFill>
+                <a:miter lim="800000"/>
+                <a:headEnd/>
+                <a:tailEnd/>
+              </a14:hiddenLine>
+            </a:ext>
+          </a:extLst>
+        </p:spPr>
+        <p:txBody>
+          <a:bodyPr/>
+          <a:lstStyle>
+            <a:lvl1pPr>
+              <a:defRPr>
+                <a:solidFill>
+                  <a:schemeClr val="tx1"/>
+                </a:solidFill>
+                <a:latin typeface="Arial" panose="020B0604020202020204" pitchFamily="34" charset="0"/>
+                <a:ea typeface="ＭＳ Ｐゴシック" panose="020B0600070205080204" pitchFamily="34" charset="-128"/>
+              </a:defRPr>
+            </a:lvl1pPr>
+            <a:lvl2pPr marL="742950" indent="-285750">
+              <a:defRPr>
+                <a:solidFill>
+                  <a:schemeClr val="tx1"/>
+                </a:solidFill>
+                <a:latin typeface="Arial" panose="020B0604020202020204" pitchFamily="34" charset="0"/>
+                <a:ea typeface="ＭＳ Ｐゴシック" panose="020B0600070205080204" pitchFamily="34" charset="-128"/>
+              </a:defRPr>
+            </a:lvl2pPr>
+            <a:lvl3pPr marL="1143000" indent="-228600">
+              <a:defRPr>
+                <a:solidFill>
+                  <a:schemeClr val="tx1"/>
+                </a:solidFill>
+                <a:latin typeface="Arial" panose="020B0604020202020204" pitchFamily="34" charset="0"/>
+                <a:ea typeface="ＭＳ Ｐゴシック" panose="020B0600070205080204" pitchFamily="34" charset="-128"/>
+              </a:defRPr>
+            </a:lvl3pPr>
+            <a:lvl4pPr marL="1600200" indent="-228600">
+              <a:defRPr>
+                <a:solidFill>
+                  <a:schemeClr val="tx1"/>
+                </a:solidFill>
+                <a:latin typeface="Arial" panose="020B0604020202020204" pitchFamily="34" charset="0"/>
+                <a:ea typeface="ＭＳ Ｐゴシック" panose="020B0600070205080204" pitchFamily="34" charset="-128"/>
+              </a:defRPr>
+            </a:lvl4pPr>
+            <a:lvl5pPr marL="2057400" indent="-228600">
+              <a:defRPr>
+                <a:solidFill>
+                  <a:schemeClr val="tx1"/>
+                </a:solidFill>
+                <a:latin typeface="Arial" panose="020B0604020202020204" pitchFamily="34" charset="0"/>
+                <a:ea typeface="ＭＳ Ｐゴシック" panose="020B0600070205080204" pitchFamily="34" charset="-128"/>
+              </a:defRPr>
+            </a:lvl5pPr>
+            <a:lvl6pPr marL="2514600" indent="-228600" eaLnBrk="0" fontAlgn="base" hangingPunct="0">
+              <a:spcBef>
+                <a:spcPct val="0"/>
+              </a:spcBef>
+              <a:spcAft>
+                <a:spcPct val="0"/>
+              </a:spcAft>
+              <a:defRPr>
+                <a:solidFill>
+                  <a:schemeClr val="tx1"/>
+                </a:solidFill>
+                <a:latin typeface="Arial" panose="020B0604020202020204" pitchFamily="34" charset="0"/>
+                <a:ea typeface="ＭＳ Ｐゴシック" panose="020B0600070205080204" pitchFamily="34" charset="-128"/>
+              </a:defRPr>
+            </a:lvl6pPr>
+            <a:lvl7pPr marL="2971800" indent="-228600" eaLnBrk="0" fontAlgn="base" hangingPunct="0">
+              <a:spcBef>
+                <a:spcPct val="0"/>
+              </a:spcBef>
+              <a:spcAft>
+                <a:spcPct val="0"/>
+              </a:spcAft>
+              <a:defRPr>
+                <a:solidFill>
+                  <a:schemeClr val="tx1"/>
+                </a:solidFill>
+                <a:latin typeface="Arial" panose="020B0604020202020204" pitchFamily="34" charset="0"/>
+                <a:ea typeface="ＭＳ Ｐゴシック" panose="020B0600070205080204" pitchFamily="34" charset="-128"/>
+              </a:defRPr>
+            </a:lvl7pPr>
+            <a:lvl8pPr marL="3429000" indent="-228600" eaLnBrk="0" fontAlgn="base" hangingPunct="0">
+              <a:spcBef>
+                <a:spcPct val="0"/>
+              </a:spcBef>
+              <a:spcAft>
+                <a:spcPct val="0"/>
+              </a:spcAft>
+              <a:defRPr>
+                <a:solidFill>
+                  <a:schemeClr val="tx1"/>
+                </a:solidFill>
+                <a:latin typeface="Arial" panose="020B0604020202020204" pitchFamily="34" charset="0"/>
+                <a:ea typeface="ＭＳ Ｐゴシック" panose="020B0600070205080204" pitchFamily="34" charset="-128"/>
+              </a:defRPr>
+            </a:lvl8pPr>
+            <a:lvl9pPr marL="3886200" indent="-228600" eaLnBrk="0" fontAlgn="base" hangingPunct="0">
+              <a:spcBef>
+                <a:spcPct val="0"/>
+              </a:spcBef>
+              <a:spcAft>
+                <a:spcPct val="0"/>
+              </a:spcAft>
+              <a:defRPr>
+                <a:solidFill>
+                  <a:schemeClr val="tx1"/>
+                </a:solidFill>
+                <a:latin typeface="Arial" panose="020B0604020202020204" pitchFamily="34" charset="0"/>
+                <a:ea typeface="ＭＳ Ｐゴシック" panose="020B0600070205080204" pitchFamily="34" charset="-128"/>
+              </a:defRPr>
+            </a:lvl9pPr>
+          </a:lstStyle>
+          <a:p>
+            <a:fld id="{6E6D6B7F-7411-6E4B-BF22-D422F16A5770}" type="slidenum">
+              <a:rPr lang="en-US" altLang="en-US"/>
+              <a:pPr/>
+              <a:t>19</a:t>
+            </a:fld>
+            <a:endParaRPr lang="en-US" altLang="en-US"/>
+          </a:p>
+        </p:txBody>
+      </p:sp>
+      <p:sp>
+        <p:nvSpPr>
+          <p:cNvPr id="50178" name="Rectangle 2">
+            <a:extLst>
+              <a:ext uri="{FF2B5EF4-FFF2-40B4-BE49-F238E27FC236}">
+                <a16:creationId xmlns:a16="http://schemas.microsoft.com/office/drawing/2014/main" id="{9ABDCF39-59D4-E749-8EDA-840F12D47EF1}"/>
+              </a:ext>
+            </a:extLst>
+          </p:cNvPr>
+          <p:cNvSpPr>
+            <a:spLocks noGrp="1" noRot="1" noChangeAspect="1" noChangeArrowheads="1" noTextEdit="1"/>
+          </p:cNvSpPr>
+          <p:nvPr>
+            <p:ph type="sldImg"/>
+          </p:nvPr>
+        </p:nvSpPr>
+        <p:spPr bwMode="auto">
+          <a:xfrm>
+            <a:off x="687388" y="685800"/>
+            <a:ext cx="5486400" cy="3429000"/>
+          </a:xfrm>
+          <a:noFill/>
+          <a:ln>
+            <a:solidFill>
+              <a:srgbClr val="000000"/>
+            </a:solidFill>
+            <a:miter lim="800000"/>
+            <a:headEnd/>
+            <a:tailEnd/>
+          </a:ln>
+          <a:extLst>
+            <a:ext uri="{909E8E84-426E-40DD-AFC4-6F175D3DCCD1}">
+              <a14:hiddenFill xmlns:a14="http://schemas.microsoft.com/office/drawing/2010/main">
+                <a:solidFill>
+                  <a:srgbClr val="FFFFFF"/>
+                </a:solidFill>
+              </a14:hiddenFill>
+            </a:ext>
+          </a:extLst>
+        </p:spPr>
+      </p:sp>
+      <p:sp>
+        <p:nvSpPr>
+          <p:cNvPr id="55300" name="Rectangle 3">
+            <a:extLst>
+              <a:ext uri="{FF2B5EF4-FFF2-40B4-BE49-F238E27FC236}">
+                <a16:creationId xmlns:a16="http://schemas.microsoft.com/office/drawing/2014/main" id="{CD5E002F-4752-684C-973B-F1B5922093E4}"/>
+              </a:ext>
+            </a:extLst>
+          </p:cNvPr>
+          <p:cNvSpPr>
+            <a:spLocks noGrp="1" noChangeArrowheads="1"/>
+          </p:cNvSpPr>
+          <p:nvPr>
+            <p:ph type="body" idx="1"/>
+          </p:nvPr>
+        </p:nvSpPr>
+        <p:spPr bwMode="auto">
+          <a:xfrm>
+            <a:off x="914400" y="4343400"/>
+            <a:ext cx="5029200" cy="4114800"/>
+          </a:xfrm>
+          <a:extLst>
+            <a:ext uri="{909E8E84-426E-40DD-AFC4-6F175D3DCCD1}">
+              <a14:hiddenFill xmlns:a14="http://schemas.microsoft.com/office/drawing/2010/main">
+                <a:solidFill>
+                  <a:srgbClr val="FFFFFF"/>
+                </a:solidFill>
+              </a14:hiddenFill>
+            </a:ext>
+            <a:ext uri="{91240B29-F687-4F45-9708-019B960494DF}">
+              <a14:hiddenLine xmlns:a14="http://schemas.microsoft.com/office/drawing/2010/main" w="9525">
+                <a:solidFill>
+                  <a:srgbClr val="000000"/>
+                </a:solidFill>
+                <a:miter lim="800000"/>
+                <a:headEnd/>
+                <a:tailEnd/>
+              </a14:hiddenLine>
+            </a:ext>
+            <a:ext uri="{AF507438-7753-43E0-B8FC-AC1667EBCBE1}">
+              <a14:hiddenEffects xmlns:a14="http://schemas.microsoft.com/office/drawing/2010/main">
+                <a:effectLst>
+                  <a:outerShdw blurRad="63500" dist="38099" dir="2700000" algn="ctr" rotWithShape="0">
+                    <a:schemeClr val="bg2">
+                      <a:alpha val="74997"/>
+                    </a:schemeClr>
+                  </a:outerShdw>
+                </a:effectLst>
+              </a14:hiddenEffects>
+            </a:ext>
+          </a:extLst>
+        </p:spPr>
+        <p:txBody>
+          <a:bodyPr wrap="square" numCol="1" anchor="t" anchorCtr="0" compatLnSpc="1">
+            <a:prstTxWarp prst="textNoShape">
+              <a:avLst/>
+            </a:prstTxWarp>
+          </a:bodyPr>
+          <a:lstStyle/>
+          <a:p>
+            <a:pPr eaLnBrk="1" hangingPunct="1">
+              <a:defRPr/>
+            </a:pPr>
+            <a:endParaRPr lang="en-US">
+              <a:cs typeface="+mn-cs"/>
+            </a:endParaRPr>
+          </a:p>
+        </p:txBody>
+      </p:sp>
+    </p:spTree>
+    <p:extLst>
+      <p:ext uri="{BB962C8B-B14F-4D97-AF65-F5344CB8AC3E}">
+        <p14:creationId xmlns:p14="http://schemas.microsoft.com/office/powerpoint/2010/main" val="802880466"/>
+      </p:ext>
+    </p:extLst>
+  </p:cSld>
+  <p:clrMapOvr>
+    <a:masterClrMapping/>
+  </p:clrMapOvr>
+</p:notes>
+</file>
+
+<file path=ppt/notesSlides/notesSlide8.xml><?xml version="1.0" encoding="utf-8"?>
 <p:notes xmlns:a="http://schemas.openxmlformats.org/drawingml/2006/main" xmlns:r="http://schemas.openxmlformats.org/officeDocument/2006/relationships" xmlns:p="http://schemas.openxmlformats.org/presentationml/2006/main">
   <p:cSld>
     <p:spTree>
@@ -10452,7 +11425,7 @@
             <a:fld id="{5D14BB6E-FC96-344A-B4E0-27895B327A35}" type="slidenum">
               <a:rPr lang="en-US" altLang="en-US"/>
               <a:pPr/>
-              <a:t>18</a:t>
+              <a:t>20</a:t>
             </a:fld>
             <a:endParaRPr lang="en-US" altLang="en-US"/>
           </a:p>
@@ -10571,7 +11544,7 @@
     </p:spTree>
     <p:extLst>
       <p:ext uri="{BB962C8B-B14F-4D97-AF65-F5344CB8AC3E}">
-        <p14:creationId xmlns:p14="http://schemas.microsoft.com/office/powerpoint/2010/main" val="1039853726"/>
+        <p14:creationId xmlns:p14="http://schemas.microsoft.com/office/powerpoint/2010/main" val="4017338537"/>
       </p:ext>
     </p:extLst>
   </p:cSld>
@@ -10581,304 +11554,7 @@
 </p:notes>
 </file>
 
-<file path=ppt/notesSlides/notesSlide7.xml><?xml version="1.0" encoding="utf-8"?>
-<p:notes xmlns:a="http://schemas.openxmlformats.org/drawingml/2006/main" xmlns:r="http://schemas.openxmlformats.org/officeDocument/2006/relationships" xmlns:p="http://schemas.openxmlformats.org/presentationml/2006/main">
-  <p:cSld>
-    <p:spTree>
-      <p:nvGrpSpPr>
-        <p:cNvPr id="1" name=""/>
-        <p:cNvGrpSpPr/>
-        <p:nvPr/>
-      </p:nvGrpSpPr>
-      <p:grpSpPr>
-        <a:xfrm>
-          <a:off x="0" y="0"/>
-          <a:ext cx="0" cy="0"/>
-          <a:chOff x="0" y="0"/>
-          <a:chExt cx="0" cy="0"/>
-        </a:xfrm>
-      </p:grpSpPr>
-      <p:sp>
-        <p:nvSpPr>
-          <p:cNvPr id="44033" name="Rectangle 7">
-            <a:extLst>
-              <a:ext uri="{FF2B5EF4-FFF2-40B4-BE49-F238E27FC236}">
-                <a16:creationId xmlns:a16="http://schemas.microsoft.com/office/drawing/2014/main" id="{E8095FB6-B64A-F146-9476-9C433CC38818}"/>
-              </a:ext>
-            </a:extLst>
-          </p:cNvPr>
-          <p:cNvSpPr>
-            <a:spLocks noGrp="1" noChangeArrowheads="1"/>
-          </p:cNvSpPr>
-          <p:nvPr>
-            <p:ph type="sldNum" sz="quarter" idx="5"/>
-          </p:nvPr>
-        </p:nvSpPr>
-        <p:spPr bwMode="auto">
-          <a:noFill/>
-          <a:extLst>
-            <a:ext uri="{909E8E84-426E-40DD-AFC4-6F175D3DCCD1}">
-              <a14:hiddenFill xmlns:a14="http://schemas.microsoft.com/office/drawing/2010/main">
-                <a:solidFill>
-                  <a:srgbClr val="FFFFFF"/>
-                </a:solidFill>
-              </a14:hiddenFill>
-            </a:ext>
-            <a:ext uri="{91240B29-F687-4F45-9708-019B960494DF}">
-              <a14:hiddenLine xmlns:a14="http://schemas.microsoft.com/office/drawing/2010/main" w="9525">
-                <a:solidFill>
-                  <a:srgbClr val="000000"/>
-                </a:solidFill>
-                <a:miter lim="800000"/>
-                <a:headEnd/>
-                <a:tailEnd/>
-              </a14:hiddenLine>
-            </a:ext>
-          </a:extLst>
-        </p:spPr>
-        <p:txBody>
-          <a:bodyPr/>
-          <a:lstStyle>
-            <a:lvl1pPr>
-              <a:defRPr>
-                <a:solidFill>
-                  <a:schemeClr val="tx1"/>
-                </a:solidFill>
-                <a:latin typeface="Arial" panose="020B0604020202020204" pitchFamily="34" charset="0"/>
-                <a:ea typeface="ＭＳ Ｐゴシック" panose="020B0600070205080204" pitchFamily="34" charset="-128"/>
-              </a:defRPr>
-            </a:lvl1pPr>
-            <a:lvl2pPr marL="742950" indent="-285750">
-              <a:defRPr>
-                <a:solidFill>
-                  <a:schemeClr val="tx1"/>
-                </a:solidFill>
-                <a:latin typeface="Arial" panose="020B0604020202020204" pitchFamily="34" charset="0"/>
-                <a:ea typeface="ＭＳ Ｐゴシック" panose="020B0600070205080204" pitchFamily="34" charset="-128"/>
-              </a:defRPr>
-            </a:lvl2pPr>
-            <a:lvl3pPr marL="1143000" indent="-228600">
-              <a:defRPr>
-                <a:solidFill>
-                  <a:schemeClr val="tx1"/>
-                </a:solidFill>
-                <a:latin typeface="Arial" panose="020B0604020202020204" pitchFamily="34" charset="0"/>
-                <a:ea typeface="ＭＳ Ｐゴシック" panose="020B0600070205080204" pitchFamily="34" charset="-128"/>
-              </a:defRPr>
-            </a:lvl3pPr>
-            <a:lvl4pPr marL="1600200" indent="-228600">
-              <a:defRPr>
-                <a:solidFill>
-                  <a:schemeClr val="tx1"/>
-                </a:solidFill>
-                <a:latin typeface="Arial" panose="020B0604020202020204" pitchFamily="34" charset="0"/>
-                <a:ea typeface="ＭＳ Ｐゴシック" panose="020B0600070205080204" pitchFamily="34" charset="-128"/>
-              </a:defRPr>
-            </a:lvl4pPr>
-            <a:lvl5pPr marL="2057400" indent="-228600">
-              <a:defRPr>
-                <a:solidFill>
-                  <a:schemeClr val="tx1"/>
-                </a:solidFill>
-                <a:latin typeface="Arial" panose="020B0604020202020204" pitchFamily="34" charset="0"/>
-                <a:ea typeface="ＭＳ Ｐゴシック" panose="020B0600070205080204" pitchFamily="34" charset="-128"/>
-              </a:defRPr>
-            </a:lvl5pPr>
-            <a:lvl6pPr marL="2514600" indent="-228600" eaLnBrk="0" fontAlgn="base" hangingPunct="0">
-              <a:spcBef>
-                <a:spcPct val="0"/>
-              </a:spcBef>
-              <a:spcAft>
-                <a:spcPct val="0"/>
-              </a:spcAft>
-              <a:defRPr>
-                <a:solidFill>
-                  <a:schemeClr val="tx1"/>
-                </a:solidFill>
-                <a:latin typeface="Arial" panose="020B0604020202020204" pitchFamily="34" charset="0"/>
-                <a:ea typeface="ＭＳ Ｐゴシック" panose="020B0600070205080204" pitchFamily="34" charset="-128"/>
-              </a:defRPr>
-            </a:lvl6pPr>
-            <a:lvl7pPr marL="2971800" indent="-228600" eaLnBrk="0" fontAlgn="base" hangingPunct="0">
-              <a:spcBef>
-                <a:spcPct val="0"/>
-              </a:spcBef>
-              <a:spcAft>
-                <a:spcPct val="0"/>
-              </a:spcAft>
-              <a:defRPr>
-                <a:solidFill>
-                  <a:schemeClr val="tx1"/>
-                </a:solidFill>
-                <a:latin typeface="Arial" panose="020B0604020202020204" pitchFamily="34" charset="0"/>
-                <a:ea typeface="ＭＳ Ｐゴシック" panose="020B0600070205080204" pitchFamily="34" charset="-128"/>
-              </a:defRPr>
-            </a:lvl7pPr>
-            <a:lvl8pPr marL="3429000" indent="-228600" eaLnBrk="0" fontAlgn="base" hangingPunct="0">
-              <a:spcBef>
-                <a:spcPct val="0"/>
-              </a:spcBef>
-              <a:spcAft>
-                <a:spcPct val="0"/>
-              </a:spcAft>
-              <a:defRPr>
-                <a:solidFill>
-                  <a:schemeClr val="tx1"/>
-                </a:solidFill>
-                <a:latin typeface="Arial" panose="020B0604020202020204" pitchFamily="34" charset="0"/>
-                <a:ea typeface="ＭＳ Ｐゴシック" panose="020B0600070205080204" pitchFamily="34" charset="-128"/>
-              </a:defRPr>
-            </a:lvl8pPr>
-            <a:lvl9pPr marL="3886200" indent="-228600" eaLnBrk="0" fontAlgn="base" hangingPunct="0">
-              <a:spcBef>
-                <a:spcPct val="0"/>
-              </a:spcBef>
-              <a:spcAft>
-                <a:spcPct val="0"/>
-              </a:spcAft>
-              <a:defRPr>
-                <a:solidFill>
-                  <a:schemeClr val="tx1"/>
-                </a:solidFill>
-                <a:latin typeface="Arial" panose="020B0604020202020204" pitchFamily="34" charset="0"/>
-                <a:ea typeface="ＭＳ Ｐゴシック" panose="020B0600070205080204" pitchFamily="34" charset="-128"/>
-              </a:defRPr>
-            </a:lvl9pPr>
-          </a:lstStyle>
-          <a:p>
-            <a:fld id="{FCBA7E5D-E628-7140-9B10-1F7D24B99C84}" type="slidenum">
-              <a:rPr lang="en-US" altLang="en-US"/>
-              <a:pPr/>
-              <a:t>19</a:t>
-            </a:fld>
-            <a:endParaRPr lang="en-US" altLang="en-US"/>
-          </a:p>
-        </p:txBody>
-      </p:sp>
-      <p:sp>
-        <p:nvSpPr>
-          <p:cNvPr id="44034" name="Rectangle 2">
-            <a:extLst>
-              <a:ext uri="{FF2B5EF4-FFF2-40B4-BE49-F238E27FC236}">
-                <a16:creationId xmlns:a16="http://schemas.microsoft.com/office/drawing/2014/main" id="{DEFD57A4-9FBE-EC4B-B869-559A34F103D5}"/>
-              </a:ext>
-            </a:extLst>
-          </p:cNvPr>
-          <p:cNvSpPr>
-            <a:spLocks noGrp="1" noRot="1" noChangeAspect="1" noChangeArrowheads="1" noTextEdit="1"/>
-          </p:cNvSpPr>
-          <p:nvPr>
-            <p:ph type="sldImg"/>
-          </p:nvPr>
-        </p:nvSpPr>
-        <p:spPr bwMode="auto">
-          <a:xfrm>
-            <a:off x="687388" y="685800"/>
-            <a:ext cx="5486400" cy="3429000"/>
-          </a:xfrm>
-          <a:noFill/>
-          <a:ln>
-            <a:solidFill>
-              <a:srgbClr val="000000"/>
-            </a:solidFill>
-            <a:miter lim="800000"/>
-            <a:headEnd/>
-            <a:tailEnd/>
-          </a:ln>
-          <a:extLst>
-            <a:ext uri="{909E8E84-426E-40DD-AFC4-6F175D3DCCD1}">
-              <a14:hiddenFill xmlns:a14="http://schemas.microsoft.com/office/drawing/2010/main">
-                <a:solidFill>
-                  <a:srgbClr val="FFFFFF"/>
-                </a:solidFill>
-              </a14:hiddenFill>
-            </a:ext>
-          </a:extLst>
-        </p:spPr>
-      </p:sp>
-      <p:sp>
-        <p:nvSpPr>
-          <p:cNvPr id="55300" name="Rectangle 3">
-            <a:extLst>
-              <a:ext uri="{FF2B5EF4-FFF2-40B4-BE49-F238E27FC236}">
-                <a16:creationId xmlns:a16="http://schemas.microsoft.com/office/drawing/2014/main" id="{DD5A7D2F-C0FB-754C-8DCB-07BFDEC44F79}"/>
-              </a:ext>
-            </a:extLst>
-          </p:cNvPr>
-          <p:cNvSpPr>
-            <a:spLocks noGrp="1" noChangeArrowheads="1"/>
-          </p:cNvSpPr>
-          <p:nvPr>
-            <p:ph type="body" idx="1"/>
-          </p:nvPr>
-        </p:nvSpPr>
-        <p:spPr bwMode="auto">
-          <a:xfrm>
-            <a:off x="914400" y="4343400"/>
-            <a:ext cx="5029200" cy="4114800"/>
-          </a:xfrm>
-          <a:extLst>
-            <a:ext uri="{909E8E84-426E-40DD-AFC4-6F175D3DCCD1}">
-              <a14:hiddenFill xmlns:a14="http://schemas.microsoft.com/office/drawing/2010/main">
-                <a:solidFill>
-                  <a:srgbClr val="FFFFFF"/>
-                </a:solidFill>
-              </a14:hiddenFill>
-            </a:ext>
-            <a:ext uri="{91240B29-F687-4F45-9708-019B960494DF}">
-              <a14:hiddenLine xmlns:a14="http://schemas.microsoft.com/office/drawing/2010/main" w="9525">
-                <a:solidFill>
-                  <a:srgbClr val="000000"/>
-                </a:solidFill>
-                <a:miter lim="800000"/>
-                <a:headEnd/>
-                <a:tailEnd/>
-              </a14:hiddenLine>
-            </a:ext>
-            <a:ext uri="{AF507438-7753-43E0-B8FC-AC1667EBCBE1}">
-              <a14:hiddenEffects xmlns:a14="http://schemas.microsoft.com/office/drawing/2010/main">
-                <a:effectLst>
-                  <a:outerShdw blurRad="63500" dist="38099" dir="2700000" algn="ctr" rotWithShape="0">
-                    <a:schemeClr val="bg2">
-                      <a:alpha val="74997"/>
-                    </a:schemeClr>
-                  </a:outerShdw>
-                </a:effectLst>
-              </a14:hiddenEffects>
-            </a:ext>
-          </a:extLst>
-        </p:spPr>
-        <p:txBody>
-          <a:bodyPr wrap="square" numCol="1" anchor="t" anchorCtr="0" compatLnSpc="1">
-            <a:prstTxWarp prst="textNoShape">
-              <a:avLst/>
-            </a:prstTxWarp>
-          </a:bodyPr>
-          <a:lstStyle/>
-          <a:p>
-            <a:pPr eaLnBrk="1" hangingPunct="1">
-              <a:defRPr/>
-            </a:pPr>
-            <a:endParaRPr lang="en-US">
-              <a:cs typeface="+mn-cs"/>
-            </a:endParaRPr>
-          </a:p>
-        </p:txBody>
-      </p:sp>
-    </p:spTree>
-    <p:extLst>
-      <p:ext uri="{BB962C8B-B14F-4D97-AF65-F5344CB8AC3E}">
-        <p14:creationId xmlns:p14="http://schemas.microsoft.com/office/powerpoint/2010/main" val="585955198"/>
-      </p:ext>
-    </p:extLst>
-  </p:cSld>
-  <p:clrMapOvr>
-    <a:masterClrMapping/>
-  </p:clrMapOvr>
-</p:notes>
-</file>
-
-<file path=ppt/notesSlides/notesSlide8.xml><?xml version="1.0" encoding="utf-8"?>
+<file path=ppt/notesSlides/notesSlide9.xml><?xml version="1.0" encoding="utf-8"?>
 <p:notes xmlns:a="http://schemas.openxmlformats.org/drawingml/2006/main" xmlns:r="http://schemas.openxmlformats.org/officeDocument/2006/relationships" xmlns:p="http://schemas.openxmlformats.org/presentationml/2006/main">
   <p:cSld>
     <p:spTree>
@@ -11046,7 +11722,7 @@
             <a:fld id="{0008C2E0-0108-EB41-994F-E03D233417C9}" type="slidenum">
               <a:rPr lang="en-US" altLang="en-US"/>
               <a:pPr/>
-              <a:t>20</a:t>
+              <a:t>21</a:t>
             </a:fld>
             <a:endParaRPr lang="en-US" altLang="en-US"/>
           </a:p>
@@ -11166,303 +11842,6 @@
     <p:extLst>
       <p:ext uri="{BB962C8B-B14F-4D97-AF65-F5344CB8AC3E}">
         <p14:creationId xmlns:p14="http://schemas.microsoft.com/office/powerpoint/2010/main" val="2127988552"/>
-      </p:ext>
-    </p:extLst>
-  </p:cSld>
-  <p:clrMapOvr>
-    <a:masterClrMapping/>
-  </p:clrMapOvr>
-</p:notes>
-</file>
-
-<file path=ppt/notesSlides/notesSlide9.xml><?xml version="1.0" encoding="utf-8"?>
-<p:notes xmlns:a="http://schemas.openxmlformats.org/drawingml/2006/main" xmlns:r="http://schemas.openxmlformats.org/officeDocument/2006/relationships" xmlns:p="http://schemas.openxmlformats.org/presentationml/2006/main">
-  <p:cSld>
-    <p:spTree>
-      <p:nvGrpSpPr>
-        <p:cNvPr id="1" name=""/>
-        <p:cNvGrpSpPr/>
-        <p:nvPr/>
-      </p:nvGrpSpPr>
-      <p:grpSpPr>
-        <a:xfrm>
-          <a:off x="0" y="0"/>
-          <a:ext cx="0" cy="0"/>
-          <a:chOff x="0" y="0"/>
-          <a:chExt cx="0" cy="0"/>
-        </a:xfrm>
-      </p:grpSpPr>
-      <p:sp>
-        <p:nvSpPr>
-          <p:cNvPr id="50177" name="Rectangle 7">
-            <a:extLst>
-              <a:ext uri="{FF2B5EF4-FFF2-40B4-BE49-F238E27FC236}">
-                <a16:creationId xmlns:a16="http://schemas.microsoft.com/office/drawing/2014/main" id="{986CDDE5-1C0D-9040-8169-7E861A543B80}"/>
-              </a:ext>
-            </a:extLst>
-          </p:cNvPr>
-          <p:cNvSpPr>
-            <a:spLocks noGrp="1" noChangeArrowheads="1"/>
-          </p:cNvSpPr>
-          <p:nvPr>
-            <p:ph type="sldNum" sz="quarter" idx="5"/>
-          </p:nvPr>
-        </p:nvSpPr>
-        <p:spPr bwMode="auto">
-          <a:noFill/>
-          <a:extLst>
-            <a:ext uri="{909E8E84-426E-40DD-AFC4-6F175D3DCCD1}">
-              <a14:hiddenFill xmlns:a14="http://schemas.microsoft.com/office/drawing/2010/main">
-                <a:solidFill>
-                  <a:srgbClr val="FFFFFF"/>
-                </a:solidFill>
-              </a14:hiddenFill>
-            </a:ext>
-            <a:ext uri="{91240B29-F687-4F45-9708-019B960494DF}">
-              <a14:hiddenLine xmlns:a14="http://schemas.microsoft.com/office/drawing/2010/main" w="9525">
-                <a:solidFill>
-                  <a:srgbClr val="000000"/>
-                </a:solidFill>
-                <a:miter lim="800000"/>
-                <a:headEnd/>
-                <a:tailEnd/>
-              </a14:hiddenLine>
-            </a:ext>
-          </a:extLst>
-        </p:spPr>
-        <p:txBody>
-          <a:bodyPr/>
-          <a:lstStyle>
-            <a:lvl1pPr>
-              <a:defRPr>
-                <a:solidFill>
-                  <a:schemeClr val="tx1"/>
-                </a:solidFill>
-                <a:latin typeface="Arial" panose="020B0604020202020204" pitchFamily="34" charset="0"/>
-                <a:ea typeface="ＭＳ Ｐゴシック" panose="020B0600070205080204" pitchFamily="34" charset="-128"/>
-              </a:defRPr>
-            </a:lvl1pPr>
-            <a:lvl2pPr marL="742950" indent="-285750">
-              <a:defRPr>
-                <a:solidFill>
-                  <a:schemeClr val="tx1"/>
-                </a:solidFill>
-                <a:latin typeface="Arial" panose="020B0604020202020204" pitchFamily="34" charset="0"/>
-                <a:ea typeface="ＭＳ Ｐゴシック" panose="020B0600070205080204" pitchFamily="34" charset="-128"/>
-              </a:defRPr>
-            </a:lvl2pPr>
-            <a:lvl3pPr marL="1143000" indent="-228600">
-              <a:defRPr>
-                <a:solidFill>
-                  <a:schemeClr val="tx1"/>
-                </a:solidFill>
-                <a:latin typeface="Arial" panose="020B0604020202020204" pitchFamily="34" charset="0"/>
-                <a:ea typeface="ＭＳ Ｐゴシック" panose="020B0600070205080204" pitchFamily="34" charset="-128"/>
-              </a:defRPr>
-            </a:lvl3pPr>
-            <a:lvl4pPr marL="1600200" indent="-228600">
-              <a:defRPr>
-                <a:solidFill>
-                  <a:schemeClr val="tx1"/>
-                </a:solidFill>
-                <a:latin typeface="Arial" panose="020B0604020202020204" pitchFamily="34" charset="0"/>
-                <a:ea typeface="ＭＳ Ｐゴシック" panose="020B0600070205080204" pitchFamily="34" charset="-128"/>
-              </a:defRPr>
-            </a:lvl4pPr>
-            <a:lvl5pPr marL="2057400" indent="-228600">
-              <a:defRPr>
-                <a:solidFill>
-                  <a:schemeClr val="tx1"/>
-                </a:solidFill>
-                <a:latin typeface="Arial" panose="020B0604020202020204" pitchFamily="34" charset="0"/>
-                <a:ea typeface="ＭＳ Ｐゴシック" panose="020B0600070205080204" pitchFamily="34" charset="-128"/>
-              </a:defRPr>
-            </a:lvl5pPr>
-            <a:lvl6pPr marL="2514600" indent="-228600" eaLnBrk="0" fontAlgn="base" hangingPunct="0">
-              <a:spcBef>
-                <a:spcPct val="0"/>
-              </a:spcBef>
-              <a:spcAft>
-                <a:spcPct val="0"/>
-              </a:spcAft>
-              <a:defRPr>
-                <a:solidFill>
-                  <a:schemeClr val="tx1"/>
-                </a:solidFill>
-                <a:latin typeface="Arial" panose="020B0604020202020204" pitchFamily="34" charset="0"/>
-                <a:ea typeface="ＭＳ Ｐゴシック" panose="020B0600070205080204" pitchFamily="34" charset="-128"/>
-              </a:defRPr>
-            </a:lvl6pPr>
-            <a:lvl7pPr marL="2971800" indent="-228600" eaLnBrk="0" fontAlgn="base" hangingPunct="0">
-              <a:spcBef>
-                <a:spcPct val="0"/>
-              </a:spcBef>
-              <a:spcAft>
-                <a:spcPct val="0"/>
-              </a:spcAft>
-              <a:defRPr>
-                <a:solidFill>
-                  <a:schemeClr val="tx1"/>
-                </a:solidFill>
-                <a:latin typeface="Arial" panose="020B0604020202020204" pitchFamily="34" charset="0"/>
-                <a:ea typeface="ＭＳ Ｐゴシック" panose="020B0600070205080204" pitchFamily="34" charset="-128"/>
-              </a:defRPr>
-            </a:lvl7pPr>
-            <a:lvl8pPr marL="3429000" indent="-228600" eaLnBrk="0" fontAlgn="base" hangingPunct="0">
-              <a:spcBef>
-                <a:spcPct val="0"/>
-              </a:spcBef>
-              <a:spcAft>
-                <a:spcPct val="0"/>
-              </a:spcAft>
-              <a:defRPr>
-                <a:solidFill>
-                  <a:schemeClr val="tx1"/>
-                </a:solidFill>
-                <a:latin typeface="Arial" panose="020B0604020202020204" pitchFamily="34" charset="0"/>
-                <a:ea typeface="ＭＳ Ｐゴシック" panose="020B0600070205080204" pitchFamily="34" charset="-128"/>
-              </a:defRPr>
-            </a:lvl8pPr>
-            <a:lvl9pPr marL="3886200" indent="-228600" eaLnBrk="0" fontAlgn="base" hangingPunct="0">
-              <a:spcBef>
-                <a:spcPct val="0"/>
-              </a:spcBef>
-              <a:spcAft>
-                <a:spcPct val="0"/>
-              </a:spcAft>
-              <a:defRPr>
-                <a:solidFill>
-                  <a:schemeClr val="tx1"/>
-                </a:solidFill>
-                <a:latin typeface="Arial" panose="020B0604020202020204" pitchFamily="34" charset="0"/>
-                <a:ea typeface="ＭＳ Ｐゴシック" panose="020B0600070205080204" pitchFamily="34" charset="-128"/>
-              </a:defRPr>
-            </a:lvl9pPr>
-          </a:lstStyle>
-          <a:p>
-            <a:fld id="{6E6D6B7F-7411-6E4B-BF22-D422F16A5770}" type="slidenum">
-              <a:rPr lang="en-US" altLang="en-US"/>
-              <a:pPr/>
-              <a:t>23</a:t>
-            </a:fld>
-            <a:endParaRPr lang="en-US" altLang="en-US"/>
-          </a:p>
-        </p:txBody>
-      </p:sp>
-      <p:sp>
-        <p:nvSpPr>
-          <p:cNvPr id="50178" name="Rectangle 2">
-            <a:extLst>
-              <a:ext uri="{FF2B5EF4-FFF2-40B4-BE49-F238E27FC236}">
-                <a16:creationId xmlns:a16="http://schemas.microsoft.com/office/drawing/2014/main" id="{9ABDCF39-59D4-E749-8EDA-840F12D47EF1}"/>
-              </a:ext>
-            </a:extLst>
-          </p:cNvPr>
-          <p:cNvSpPr>
-            <a:spLocks noGrp="1" noRot="1" noChangeAspect="1" noChangeArrowheads="1" noTextEdit="1"/>
-          </p:cNvSpPr>
-          <p:nvPr>
-            <p:ph type="sldImg"/>
-          </p:nvPr>
-        </p:nvSpPr>
-        <p:spPr bwMode="auto">
-          <a:xfrm>
-            <a:off x="687388" y="685800"/>
-            <a:ext cx="5486400" cy="3429000"/>
-          </a:xfrm>
-          <a:noFill/>
-          <a:ln>
-            <a:solidFill>
-              <a:srgbClr val="000000"/>
-            </a:solidFill>
-            <a:miter lim="800000"/>
-            <a:headEnd/>
-            <a:tailEnd/>
-          </a:ln>
-          <a:extLst>
-            <a:ext uri="{909E8E84-426E-40DD-AFC4-6F175D3DCCD1}">
-              <a14:hiddenFill xmlns:a14="http://schemas.microsoft.com/office/drawing/2010/main">
-                <a:solidFill>
-                  <a:srgbClr val="FFFFFF"/>
-                </a:solidFill>
-              </a14:hiddenFill>
-            </a:ext>
-          </a:extLst>
-        </p:spPr>
-      </p:sp>
-      <p:sp>
-        <p:nvSpPr>
-          <p:cNvPr id="55300" name="Rectangle 3">
-            <a:extLst>
-              <a:ext uri="{FF2B5EF4-FFF2-40B4-BE49-F238E27FC236}">
-                <a16:creationId xmlns:a16="http://schemas.microsoft.com/office/drawing/2014/main" id="{CD5E002F-4752-684C-973B-F1B5922093E4}"/>
-              </a:ext>
-            </a:extLst>
-          </p:cNvPr>
-          <p:cNvSpPr>
-            <a:spLocks noGrp="1" noChangeArrowheads="1"/>
-          </p:cNvSpPr>
-          <p:nvPr>
-            <p:ph type="body" idx="1"/>
-          </p:nvPr>
-        </p:nvSpPr>
-        <p:spPr bwMode="auto">
-          <a:xfrm>
-            <a:off x="914400" y="4343400"/>
-            <a:ext cx="5029200" cy="4114800"/>
-          </a:xfrm>
-          <a:extLst>
-            <a:ext uri="{909E8E84-426E-40DD-AFC4-6F175D3DCCD1}">
-              <a14:hiddenFill xmlns:a14="http://schemas.microsoft.com/office/drawing/2010/main">
-                <a:solidFill>
-                  <a:srgbClr val="FFFFFF"/>
-                </a:solidFill>
-              </a14:hiddenFill>
-            </a:ext>
-            <a:ext uri="{91240B29-F687-4F45-9708-019B960494DF}">
-              <a14:hiddenLine xmlns:a14="http://schemas.microsoft.com/office/drawing/2010/main" w="9525">
-                <a:solidFill>
-                  <a:srgbClr val="000000"/>
-                </a:solidFill>
-                <a:miter lim="800000"/>
-                <a:headEnd/>
-                <a:tailEnd/>
-              </a14:hiddenLine>
-            </a:ext>
-            <a:ext uri="{AF507438-7753-43E0-B8FC-AC1667EBCBE1}">
-              <a14:hiddenEffects xmlns:a14="http://schemas.microsoft.com/office/drawing/2010/main">
-                <a:effectLst>
-                  <a:outerShdw blurRad="63500" dist="38099" dir="2700000" algn="ctr" rotWithShape="0">
-                    <a:schemeClr val="bg2">
-                      <a:alpha val="74997"/>
-                    </a:schemeClr>
-                  </a:outerShdw>
-                </a:effectLst>
-              </a14:hiddenEffects>
-            </a:ext>
-          </a:extLst>
-        </p:spPr>
-        <p:txBody>
-          <a:bodyPr wrap="square" numCol="1" anchor="t" anchorCtr="0" compatLnSpc="1">
-            <a:prstTxWarp prst="textNoShape">
-              <a:avLst/>
-            </a:prstTxWarp>
-          </a:bodyPr>
-          <a:lstStyle/>
-          <a:p>
-            <a:pPr eaLnBrk="1" hangingPunct="1">
-              <a:defRPr/>
-            </a:pPr>
-            <a:endParaRPr lang="en-US">
-              <a:cs typeface="+mn-cs"/>
-            </a:endParaRPr>
-          </a:p>
-        </p:txBody>
-      </p:sp>
-    </p:spTree>
-    <p:extLst>
-      <p:ext uri="{BB962C8B-B14F-4D97-AF65-F5344CB8AC3E}">
-        <p14:creationId xmlns:p14="http://schemas.microsoft.com/office/powerpoint/2010/main" val="1233734162"/>
       </p:ext>
     </p:extLst>
   </p:cSld>
@@ -11603,7 +11982,7 @@
           <a:p>
             <a:fld id="{C96F47CA-F895-6945-BE27-26692229FACF}" type="datetime1">
               <a:rPr lang="en-US" smtClean="0"/>
-              <a:t>11/28/22</a:t>
+              <a:t>1/19/23</a:t>
             </a:fld>
             <a:endParaRPr lang="en-US" dirty="0"/>
           </a:p>
@@ -11773,7 +12152,7 @@
           <a:p>
             <a:fld id="{AF706D67-2012-D043-9F80-5C2BDD609BD3}" type="datetime1">
               <a:rPr lang="en-US" smtClean="0"/>
-              <a:t>11/28/22</a:t>
+              <a:t>1/19/23</a:t>
             </a:fld>
             <a:endParaRPr lang="en-US" dirty="0"/>
           </a:p>
@@ -11953,7 +12332,7 @@
           <a:p>
             <a:fld id="{5B79ACE4-03B6-794A-A48C-13F9598CCD28}" type="datetime1">
               <a:rPr lang="en-US" smtClean="0"/>
-              <a:t>11/28/22</a:t>
+              <a:t>1/19/23</a:t>
             </a:fld>
             <a:endParaRPr lang="en-US" dirty="0"/>
           </a:p>
@@ -12123,7 +12502,7 @@
           <a:p>
             <a:fld id="{6DA7C96B-D6FF-5D47-8EF3-542FD5A88E7C}" type="datetime1">
               <a:rPr lang="en-US" smtClean="0"/>
-              <a:t>11/28/22</a:t>
+              <a:t>1/19/23</a:t>
             </a:fld>
             <a:endParaRPr lang="en-US" dirty="0"/>
           </a:p>
@@ -12369,7 +12748,7 @@
           <a:p>
             <a:fld id="{5A6358E7-4856-3046-9420-8ADBF7A86D8C}" type="datetime1">
               <a:rPr lang="en-US" smtClean="0"/>
-              <a:t>11/28/22</a:t>
+              <a:t>1/19/23</a:t>
             </a:fld>
             <a:endParaRPr lang="en-US" dirty="0"/>
           </a:p>
@@ -12601,7 +12980,7 @@
           <a:p>
             <a:fld id="{6779F35A-9F43-7048-AA95-2DCA7E8C0780}" type="datetime1">
               <a:rPr lang="en-US" smtClean="0"/>
-              <a:t>11/28/22</a:t>
+              <a:t>1/19/23</a:t>
             </a:fld>
             <a:endParaRPr lang="en-US" dirty="0"/>
           </a:p>
@@ -12968,7 +13347,7 @@
           <a:p>
             <a:fld id="{B7CB2D7C-E370-DC40-8D10-DF8CB1A188CA}" type="datetime1">
               <a:rPr lang="en-US" smtClean="0"/>
-              <a:t>11/28/22</a:t>
+              <a:t>1/19/23</a:t>
             </a:fld>
             <a:endParaRPr lang="en-US" dirty="0"/>
           </a:p>
@@ -13086,7 +13465,7 @@
           <a:p>
             <a:fld id="{68AA69A2-3CD0-BE49-AF6E-9E037A40F43F}" type="datetime1">
               <a:rPr lang="en-US" smtClean="0"/>
-              <a:t>11/28/22</a:t>
+              <a:t>1/19/23</a:t>
             </a:fld>
             <a:endParaRPr lang="en-US" dirty="0"/>
           </a:p>
@@ -13181,7 +13560,7 @@
           <a:p>
             <a:fld id="{1EB50D9D-ACA9-3C4A-A3FC-7A265C0CEBD3}" type="datetime1">
               <a:rPr lang="en-US" smtClean="0"/>
-              <a:t>11/28/22</a:t>
+              <a:t>1/19/23</a:t>
             </a:fld>
             <a:endParaRPr lang="en-US" dirty="0"/>
           </a:p>
@@ -13458,7 +13837,7 @@
           <a:p>
             <a:fld id="{A08B2DD4-8739-D748-B308-CD7D801B0131}" type="datetime1">
               <a:rPr lang="en-US" smtClean="0"/>
-              <a:t>11/28/22</a:t>
+              <a:t>1/19/23</a:t>
             </a:fld>
             <a:endParaRPr lang="en-US" dirty="0"/>
           </a:p>
@@ -13715,7 +14094,7 @@
           <a:p>
             <a:fld id="{98622575-E24A-D548-838B-E385F9D0E59A}" type="datetime1">
               <a:rPr lang="en-US" smtClean="0"/>
-              <a:t>11/28/22</a:t>
+              <a:t>1/19/23</a:t>
             </a:fld>
             <a:endParaRPr lang="en-US" dirty="0"/>
           </a:p>
@@ -13928,7 +14307,7 @@
           <a:p>
             <a:fld id="{272BAF4E-9F7C-284D-B40D-0B83E546F887}" type="datetime1">
               <a:rPr lang="en-US" smtClean="0"/>
-              <a:t>11/28/22</a:t>
+              <a:t>1/19/23</a:t>
             </a:fld>
             <a:endParaRPr lang="en-US" dirty="0"/>
           </a:p>
@@ -16220,206 +16599,6 @@
                 <a:latin typeface="Tahoma" panose="020B0604030504040204" pitchFamily="34" charset="0"/>
                 <a:ea typeface="ＭＳ Ｐゴシック" panose="020B0600070205080204" pitchFamily="34" charset="-128"/>
               </a:rPr>
-              <a:t>Algorithmic Efficiency</a:t>
-            </a:r>
-          </a:p>
-        </p:txBody>
-      </p:sp>
-      <p:sp>
-        <p:nvSpPr>
-          <p:cNvPr id="26627" name="Rectangle 3">
-            <a:extLst>
-              <a:ext uri="{FF2B5EF4-FFF2-40B4-BE49-F238E27FC236}">
-                <a16:creationId xmlns:a16="http://schemas.microsoft.com/office/drawing/2014/main" id="{BD7CEE5B-C52A-794A-BCE5-C92159F2026F}"/>
-              </a:ext>
-            </a:extLst>
-          </p:cNvPr>
-          <p:cNvSpPr>
-            <a:spLocks noGrp="1" noChangeArrowheads="1"/>
-          </p:cNvSpPr>
-          <p:nvPr>
-            <p:ph type="body" idx="1"/>
-          </p:nvPr>
-        </p:nvSpPr>
-        <p:spPr>
-          <a:xfrm>
-            <a:off x="123290" y="842481"/>
-            <a:ext cx="8763856" cy="4541177"/>
-          </a:xfrm>
-        </p:spPr>
-        <p:txBody>
-          <a:bodyPr>
-            <a:normAutofit/>
-          </a:bodyPr>
-          <a:lstStyle/>
-          <a:p>
-            <a:pPr marL="0" indent="0">
-              <a:buNone/>
-            </a:pPr>
-            <a:r>
-              <a:rPr lang="en-US" dirty="0"/>
-              <a:t>Some problems cannot be solved in a reasonable amount of time because there is no efficient algorithm for solving them. In these cases, approximate solutions are sought. </a:t>
-            </a:r>
-          </a:p>
-          <a:p>
-            <a:pPr marL="0" indent="0">
-              <a:buNone/>
-            </a:pPr>
-            <a:endParaRPr lang="en-US" sz="2000" dirty="0"/>
-          </a:p>
-          <a:p>
-            <a:pPr marL="0" indent="0">
-              <a:buNone/>
-            </a:pPr>
-            <a:r>
-              <a:rPr lang="en-US" dirty="0"/>
-              <a:t>A </a:t>
-            </a:r>
-            <a:r>
-              <a:rPr lang="en-US" b="1" dirty="0"/>
-              <a:t>heuristic</a:t>
-            </a:r>
-            <a:r>
-              <a:rPr lang="en-US" i="1" dirty="0"/>
-              <a:t> </a:t>
-            </a:r>
-            <a:r>
-              <a:rPr lang="en-US" dirty="0"/>
-              <a:t>is an approach to a problem that produces a solution that is not guaranteed to be optimal but may be used when techniques that are guaranteed to always find an optimal solution are impractical. </a:t>
-            </a:r>
-          </a:p>
-          <a:p>
-            <a:pPr marL="0" indent="0">
-              <a:buNone/>
-            </a:pPr>
-            <a:endParaRPr lang="en-US" sz="2000" dirty="0"/>
-          </a:p>
-          <a:p>
-            <a:pPr marL="0" indent="0">
-              <a:buNone/>
-            </a:pPr>
-            <a:r>
-              <a:rPr lang="en-US" sz="2000" dirty="0"/>
-              <a:t>For example, ﻿a file-organizing algorithm(sorting a folder based on file types e.g. pdf, docs, jpegs) determines the content of a file based on a certain number of bytes in the beginning of the file. This is an approximate solution since only a few bytes are examined. But it is more practical and faster to run than examining every byte of every file. </a:t>
-            </a:r>
-          </a:p>
-          <a:p>
-            <a:pPr marL="0" indent="0">
-              <a:buNone/>
-            </a:pPr>
-            <a:endParaRPr lang="en-US" sz="2000" dirty="0"/>
-          </a:p>
-          <a:p>
-            <a:pPr marL="0" indent="0">
-              <a:buNone/>
-            </a:pPr>
-            <a:endParaRPr lang="en-US" sz="2000" dirty="0"/>
-          </a:p>
-          <a:p>
-            <a:pPr marL="0" indent="0">
-              <a:buNone/>
-            </a:pPr>
-            <a:endParaRPr lang="en-US" altLang="en-US" sz="2000" b="1" dirty="0">
-              <a:solidFill>
-                <a:srgbClr val="008000"/>
-              </a:solidFill>
-              <a:latin typeface="Gill Sans MT" panose="020B0502020104020203" pitchFamily="34" charset="77"/>
-            </a:endParaRPr>
-          </a:p>
-        </p:txBody>
-      </p:sp>
-      <p:sp>
-        <p:nvSpPr>
-          <p:cNvPr id="2" name="Slide Number Placeholder 1">
-            <a:extLst>
-              <a:ext uri="{FF2B5EF4-FFF2-40B4-BE49-F238E27FC236}">
-                <a16:creationId xmlns:a16="http://schemas.microsoft.com/office/drawing/2014/main" id="{699FD964-70C4-F341-B4C5-F152247F1F1B}"/>
-              </a:ext>
-            </a:extLst>
-          </p:cNvPr>
-          <p:cNvSpPr>
-            <a:spLocks noGrp="1"/>
-          </p:cNvSpPr>
-          <p:nvPr>
-            <p:ph type="sldNum" sz="quarter" idx="12"/>
-          </p:nvPr>
-        </p:nvSpPr>
-        <p:spPr/>
-        <p:txBody>
-          <a:bodyPr/>
-          <a:lstStyle/>
-          <a:p>
-            <a:fld id="{D57F1E4F-1CFF-5643-939E-02111984F565}" type="slidenum">
-              <a:rPr lang="en-US" smtClean="0"/>
-              <a:t>15</a:t>
-            </a:fld>
-            <a:endParaRPr lang="en-US" dirty="0"/>
-          </a:p>
-        </p:txBody>
-      </p:sp>
-    </p:spTree>
-    <p:extLst>
-      <p:ext uri="{BB962C8B-B14F-4D97-AF65-F5344CB8AC3E}">
-        <p14:creationId xmlns:p14="http://schemas.microsoft.com/office/powerpoint/2010/main" val="2393647287"/>
-      </p:ext>
-    </p:extLst>
-  </p:cSld>
-  <p:clrMapOvr>
-    <a:masterClrMapping/>
-  </p:clrMapOvr>
-  <p:transition/>
-</p:sld>
-</file>
-
-<file path=ppt/slides/slide16.xml><?xml version="1.0" encoding="utf-8"?>
-<p:sld xmlns:a="http://schemas.openxmlformats.org/drawingml/2006/main" xmlns:r="http://schemas.openxmlformats.org/officeDocument/2006/relationships" xmlns:p="http://schemas.openxmlformats.org/presentationml/2006/main">
-  <p:cSld>
-    <p:spTree>
-      <p:nvGrpSpPr>
-        <p:cNvPr id="1" name=""/>
-        <p:cNvGrpSpPr/>
-        <p:nvPr/>
-      </p:nvGrpSpPr>
-      <p:grpSpPr>
-        <a:xfrm>
-          <a:off x="0" y="0"/>
-          <a:ext cx="0" cy="0"/>
-          <a:chOff x="0" y="0"/>
-          <a:chExt cx="0" cy="0"/>
-        </a:xfrm>
-      </p:grpSpPr>
-      <p:sp>
-        <p:nvSpPr>
-          <p:cNvPr id="40961" name="Rectangle 2">
-            <a:extLst>
-              <a:ext uri="{FF2B5EF4-FFF2-40B4-BE49-F238E27FC236}">
-                <a16:creationId xmlns:a16="http://schemas.microsoft.com/office/drawing/2014/main" id="{FE63D7D0-16AC-974E-AF55-6BAED8C880F6}"/>
-              </a:ext>
-            </a:extLst>
-          </p:cNvPr>
-          <p:cNvSpPr>
-            <a:spLocks noGrp="1" noChangeArrowheads="1"/>
-          </p:cNvSpPr>
-          <p:nvPr>
-            <p:ph type="title"/>
-          </p:nvPr>
-        </p:nvSpPr>
-        <p:spPr>
-          <a:xfrm>
-            <a:off x="0" y="127000"/>
-            <a:ext cx="7888626" cy="638345"/>
-          </a:xfrm>
-        </p:spPr>
-        <p:txBody>
-          <a:bodyPr/>
-          <a:lstStyle/>
-          <a:p>
-            <a:pPr eaLnBrk="1" hangingPunct="1"/>
-            <a:r>
-              <a:rPr lang="en-US" altLang="en-US" sz="2500" dirty="0">
-                <a:latin typeface="Tahoma" panose="020B0604030504040204" pitchFamily="34" charset="0"/>
-                <a:ea typeface="ＭＳ Ｐゴシック" panose="020B0600070205080204" pitchFamily="34" charset="-128"/>
-              </a:rPr>
               <a:t>Example 1 of Algorithmic Efficiency</a:t>
             </a:r>
           </a:p>
@@ -16745,7 +16924,7 @@
           <a:p>
             <a:fld id="{D57F1E4F-1CFF-5643-939E-02111984F565}" type="slidenum">
               <a:rPr lang="en-US" smtClean="0"/>
-              <a:t>16</a:t>
+              <a:t>15</a:t>
             </a:fld>
             <a:endParaRPr lang="en-US" dirty="0"/>
           </a:p>
@@ -16844,7 +17023,7 @@
 </p:sld>
 </file>
 
-<file path=ppt/slides/slide17.xml><?xml version="1.0" encoding="utf-8"?>
+<file path=ppt/slides/slide16.xml><?xml version="1.0" encoding="utf-8"?>
 <p:sld xmlns:a="http://schemas.openxmlformats.org/drawingml/2006/main" xmlns:r="http://schemas.openxmlformats.org/officeDocument/2006/relationships" xmlns:p="http://schemas.openxmlformats.org/presentationml/2006/main">
   <p:cSld>
     <p:spTree>
@@ -17283,7 +17462,7 @@
           <a:p>
             <a:fld id="{D57F1E4F-1CFF-5643-939E-02111984F565}" type="slidenum">
               <a:rPr lang="en-US" smtClean="0"/>
-              <a:t>17</a:t>
+              <a:t>16</a:t>
             </a:fld>
             <a:endParaRPr lang="en-US" dirty="0"/>
           </a:p>
@@ -17382,7 +17561,7 @@
 </p:sld>
 </file>
 
-<file path=ppt/slides/slide18.xml><?xml version="1.0" encoding="utf-8"?>
+<file path=ppt/slides/slide17.xml><?xml version="1.0" encoding="utf-8"?>
 <p:sld xmlns:a="http://schemas.openxmlformats.org/drawingml/2006/main" xmlns:r="http://schemas.openxmlformats.org/officeDocument/2006/relationships" xmlns:p="http://schemas.openxmlformats.org/presentationml/2006/main">
   <p:cSld>
     <p:spTree>
@@ -17771,7 +17950,7 @@
           <a:p>
             <a:fld id="{D57F1E4F-1CFF-5643-939E-02111984F565}" type="slidenum">
               <a:rPr lang="en-US" smtClean="0"/>
-              <a:t>18</a:t>
+              <a:t>17</a:t>
             </a:fld>
             <a:endParaRPr lang="en-US" dirty="0"/>
           </a:p>
@@ -17870,7 +18049,7 @@
 </p:sld>
 </file>
 
-<file path=ppt/slides/slide19.xml><?xml version="1.0" encoding="utf-8"?>
+<file path=ppt/slides/slide18.xml><?xml version="1.0" encoding="utf-8"?>
 <p:sld xmlns:a="http://schemas.openxmlformats.org/drawingml/2006/main" xmlns:r="http://schemas.openxmlformats.org/officeDocument/2006/relationships" xmlns:p="http://schemas.openxmlformats.org/presentationml/2006/main">
   <p:cSld>
     <p:spTree>
@@ -18114,7 +18293,7 @@
           <a:p>
             <a:fld id="{D57F1E4F-1CFF-5643-939E-02111984F565}" type="slidenum">
               <a:rPr lang="en-US" smtClean="0"/>
-              <a:t>19</a:t>
+              <a:t>18</a:t>
             </a:fld>
             <a:endParaRPr lang="en-US" dirty="0"/>
           </a:p>
@@ -18315,6 +18494,331 @@
                                           <p:spTgt spid="26627">
                                             <p:txEl>
                                               <p:pRg st="8" end="8"/>
+                                            </p:txEl>
+                                          </p:spTgt>
+                                        </p:tgtEl>
+                                        <p:attrNameLst>
+                                          <p:attrName>style.visibility</p:attrName>
+                                        </p:attrNameLst>
+                                      </p:cBhvr>
+                                      <p:to>
+                                        <p:strVal val="visible"/>
+                                      </p:to>
+                                    </p:set>
+                                  </p:childTnLst>
+                                </p:cTn>
+                              </p:par>
+                            </p:childTnLst>
+                          </p:cTn>
+                        </p:par>
+                      </p:childTnLst>
+                    </p:cTn>
+                  </p:par>
+                </p:childTnLst>
+              </p:cTn>
+              <p:prevCondLst>
+                <p:cond evt="onPrev" delay="0">
+                  <p:tgtEl>
+                    <p:sldTgt/>
+                  </p:tgtEl>
+                </p:cond>
+              </p:prevCondLst>
+              <p:nextCondLst>
+                <p:cond evt="onNext" delay="0">
+                  <p:tgtEl>
+                    <p:sldTgt/>
+                  </p:tgtEl>
+                </p:cond>
+              </p:nextCondLst>
+            </p:seq>
+          </p:childTnLst>
+        </p:cTn>
+      </p:par>
+    </p:tnLst>
+  </p:timing>
+</p:sld>
+</file>
+
+<file path=ppt/slides/slide19.xml><?xml version="1.0" encoding="utf-8"?>
+<p:sld xmlns:a="http://schemas.openxmlformats.org/drawingml/2006/main" xmlns:r="http://schemas.openxmlformats.org/officeDocument/2006/relationships" xmlns:p="http://schemas.openxmlformats.org/presentationml/2006/main">
+  <p:cSld>
+    <p:spTree>
+      <p:nvGrpSpPr>
+        <p:cNvPr id="1" name=""/>
+        <p:cNvGrpSpPr/>
+        <p:nvPr/>
+      </p:nvGrpSpPr>
+      <p:grpSpPr>
+        <a:xfrm>
+          <a:off x="0" y="0"/>
+          <a:ext cx="0" cy="0"/>
+          <a:chOff x="0" y="0"/>
+          <a:chExt cx="0" cy="0"/>
+        </a:xfrm>
+      </p:grpSpPr>
+      <p:sp>
+        <p:nvSpPr>
+          <p:cNvPr id="49153" name="Rectangle 2">
+            <a:extLst>
+              <a:ext uri="{FF2B5EF4-FFF2-40B4-BE49-F238E27FC236}">
+                <a16:creationId xmlns:a16="http://schemas.microsoft.com/office/drawing/2014/main" id="{10DC4524-FEAA-1C43-9A5F-D4EED83A9121}"/>
+              </a:ext>
+            </a:extLst>
+          </p:cNvPr>
+          <p:cNvSpPr>
+            <a:spLocks noGrp="1" noChangeArrowheads="1"/>
+          </p:cNvSpPr>
+          <p:nvPr>
+            <p:ph type="title"/>
+          </p:nvPr>
+        </p:nvSpPr>
+        <p:spPr>
+          <a:xfrm>
+            <a:off x="102742" y="127000"/>
+            <a:ext cx="7878352" cy="586974"/>
+          </a:xfrm>
+        </p:spPr>
+        <p:txBody>
+          <a:bodyPr/>
+          <a:lstStyle/>
+          <a:p>
+            <a:pPr eaLnBrk="1" hangingPunct="1"/>
+            <a:r>
+              <a:rPr lang="en-US" altLang="en-US" sz="2500" dirty="0">
+                <a:latin typeface="Tahoma" panose="020B0604030504040204" pitchFamily="34" charset="0"/>
+                <a:ea typeface="ＭＳ Ｐゴシック" panose="020B0600070205080204" pitchFamily="34" charset="-128"/>
+              </a:rPr>
+              <a:t>Exponential Complexity Problems</a:t>
+            </a:r>
+          </a:p>
+        </p:txBody>
+      </p:sp>
+      <p:sp>
+        <p:nvSpPr>
+          <p:cNvPr id="26627" name="Rectangle 3">
+            <a:extLst>
+              <a:ext uri="{FF2B5EF4-FFF2-40B4-BE49-F238E27FC236}">
+                <a16:creationId xmlns:a16="http://schemas.microsoft.com/office/drawing/2014/main" id="{AA018CDD-1CB9-8C4C-87A2-C27A2A82440A}"/>
+              </a:ext>
+            </a:extLst>
+          </p:cNvPr>
+          <p:cNvSpPr>
+            <a:spLocks noGrp="1" noChangeArrowheads="1"/>
+          </p:cNvSpPr>
+          <p:nvPr>
+            <p:ph type="body" idx="1"/>
+          </p:nvPr>
+        </p:nvSpPr>
+        <p:spPr>
+          <a:xfrm>
+            <a:off x="174661" y="713974"/>
+            <a:ext cx="8774130" cy="4659410"/>
+          </a:xfrm>
+        </p:spPr>
+        <p:txBody>
+          <a:bodyPr/>
+          <a:lstStyle/>
+          <a:p>
+            <a:pPr marL="0" indent="0">
+              <a:buNone/>
+            </a:pPr>
+            <a:endParaRPr lang="en-US" dirty="0"/>
+          </a:p>
+          <a:p>
+            <a:pPr marL="0" indent="0">
+              <a:buNone/>
+            </a:pPr>
+            <a:r>
+              <a:rPr lang="en-US" dirty="0"/>
+              <a:t>Algorithms with a polynomial efficiency(constant, linear, square, cube, etc.)</a:t>
+            </a:r>
+            <a:br>
+              <a:rPr lang="en-US" dirty="0"/>
+            </a:br>
+            <a:r>
+              <a:rPr lang="en-US" dirty="0"/>
+              <a:t>are said to run in a </a:t>
+            </a:r>
+            <a:r>
+              <a:rPr lang="en-US" i="1" dirty="0"/>
+              <a:t>reasonable amount of time</a:t>
+            </a:r>
+            <a:r>
+              <a:rPr lang="en-US" dirty="0"/>
+              <a:t>. They can be executed quickly on a modern processor. </a:t>
+            </a:r>
+          </a:p>
+          <a:p>
+            <a:pPr marL="0" indent="0">
+              <a:buNone/>
+            </a:pPr>
+            <a:endParaRPr lang="en-US" dirty="0"/>
+          </a:p>
+          <a:p>
+            <a:pPr marL="0" indent="0">
+              <a:buNone/>
+            </a:pPr>
+            <a:r>
+              <a:rPr lang="en-US" dirty="0"/>
+              <a:t>However, there exists important and practical problems for which there exists no known polynomial time algorithm.  Algorithms with exponential or factorial efficiencies are examples of algorithms that run in an </a:t>
+            </a:r>
+            <a:r>
+              <a:rPr lang="en-US" i="1" dirty="0"/>
+              <a:t>unreasonable amount of time</a:t>
+            </a:r>
+            <a:r>
+              <a:rPr lang="en-US" dirty="0"/>
+              <a:t>.</a:t>
+            </a:r>
+            <a:r>
+              <a:rPr lang="en-US" sz="2000" dirty="0">
+                <a:latin typeface="Gill Sans MT" panose="020B0502020104020203" pitchFamily="34" charset="77"/>
+                <a:ea typeface="ＭＳ Ｐゴシック" panose="020B0600070205080204" pitchFamily="34" charset="-128"/>
+              </a:rPr>
+              <a:t> </a:t>
+            </a:r>
+            <a:endParaRPr lang="en-US" altLang="en-US" sz="2000" dirty="0">
+              <a:latin typeface="Gill Sans MT" panose="020B0502020104020203" pitchFamily="34" charset="77"/>
+              <a:ea typeface="ＭＳ Ｐゴシック" panose="020B0600070205080204" pitchFamily="34" charset="-128"/>
+            </a:endParaRPr>
+          </a:p>
+          <a:p>
+            <a:pPr lvl="1" eaLnBrk="1" hangingPunct="1"/>
+            <a:r>
+              <a:rPr lang="en-US" altLang="en-US" sz="2000" dirty="0">
+                <a:latin typeface="Gill Sans MT" panose="020B0502020104020203" pitchFamily="34" charset="77"/>
+              </a:rPr>
+              <a:t>For example, given a set of integers, find a subset that sums to zero. A brute-force algorithm would try every possible subset. But there are 2^n different subsets. This is an example of an exponential time algorithm. If n is large, even the fastest computers would take too long.  </a:t>
+            </a:r>
+          </a:p>
+        </p:txBody>
+      </p:sp>
+      <p:sp>
+        <p:nvSpPr>
+          <p:cNvPr id="2" name="Slide Number Placeholder 1">
+            <a:extLst>
+              <a:ext uri="{FF2B5EF4-FFF2-40B4-BE49-F238E27FC236}">
+                <a16:creationId xmlns:a16="http://schemas.microsoft.com/office/drawing/2014/main" id="{694758AE-C7B2-8844-866A-6BF5B60A2629}"/>
+              </a:ext>
+            </a:extLst>
+          </p:cNvPr>
+          <p:cNvSpPr>
+            <a:spLocks noGrp="1"/>
+          </p:cNvSpPr>
+          <p:nvPr>
+            <p:ph type="sldNum" sz="quarter" idx="12"/>
+          </p:nvPr>
+        </p:nvSpPr>
+        <p:spPr/>
+        <p:txBody>
+          <a:bodyPr/>
+          <a:lstStyle/>
+          <a:p>
+            <a:fld id="{D57F1E4F-1CFF-5643-939E-02111984F565}" type="slidenum">
+              <a:rPr lang="en-US" smtClean="0"/>
+              <a:t>19</a:t>
+            </a:fld>
+            <a:endParaRPr lang="en-US" dirty="0"/>
+          </a:p>
+        </p:txBody>
+      </p:sp>
+    </p:spTree>
+    <p:extLst>
+      <p:ext uri="{BB962C8B-B14F-4D97-AF65-F5344CB8AC3E}">
+        <p14:creationId xmlns:p14="http://schemas.microsoft.com/office/powerpoint/2010/main" val="151427428"/>
+      </p:ext>
+    </p:extLst>
+  </p:cSld>
+  <p:clrMapOvr>
+    <a:masterClrMapping/>
+  </p:clrMapOvr>
+  <p:transition/>
+  <p:timing>
+    <p:tnLst>
+      <p:par>
+        <p:cTn id="1" dur="indefinite" restart="never" nodeType="tmRoot">
+          <p:childTnLst>
+            <p:seq concurrent="1" nextAc="seek">
+              <p:cTn id="2" dur="indefinite" nodeType="mainSeq">
+                <p:childTnLst>
+                  <p:par>
+                    <p:cTn id="3" fill="hold">
+                      <p:stCondLst>
+                        <p:cond delay="indefinite"/>
+                      </p:stCondLst>
+                      <p:childTnLst>
+                        <p:par>
+                          <p:cTn id="4" fill="hold">
+                            <p:stCondLst>
+                              <p:cond delay="0"/>
+                            </p:stCondLst>
+                            <p:childTnLst>
+                              <p:par>
+                                <p:cTn id="5" presetID="1" presetClass="entr" presetSubtype="0" fill="hold" nodeType="clickEffect">
+                                  <p:stCondLst>
+                                    <p:cond delay="0"/>
+                                  </p:stCondLst>
+                                  <p:childTnLst>
+                                    <p:set>
+                                      <p:cBhvr>
+                                        <p:cTn id="6" dur="1" fill="hold">
+                                          <p:stCondLst>
+                                            <p:cond delay="0"/>
+                                          </p:stCondLst>
+                                        </p:cTn>
+                                        <p:tgtEl>
+                                          <p:spTgt spid="26627">
+                                            <p:txEl>
+                                              <p:pRg st="3" end="3"/>
+                                            </p:txEl>
+                                          </p:spTgt>
+                                        </p:tgtEl>
+                                        <p:attrNameLst>
+                                          <p:attrName>style.visibility</p:attrName>
+                                        </p:attrNameLst>
+                                      </p:cBhvr>
+                                      <p:to>
+                                        <p:strVal val="visible"/>
+                                      </p:to>
+                                    </p:set>
+                                  </p:childTnLst>
+                                </p:cTn>
+                              </p:par>
+                            </p:childTnLst>
+                          </p:cTn>
+                        </p:par>
+                      </p:childTnLst>
+                    </p:cTn>
+                  </p:par>
+                  <p:par>
+                    <p:cTn id="7" fill="hold">
+                      <p:stCondLst>
+                        <p:cond delay="indefinite"/>
+                      </p:stCondLst>
+                      <p:childTnLst>
+                        <p:par>
+                          <p:cTn id="8" fill="hold">
+                            <p:stCondLst>
+                              <p:cond delay="0"/>
+                            </p:stCondLst>
+                            <p:childTnLst>
+                              <p:par>
+                                <p:cTn id="9" presetID="1" presetClass="entr" presetSubtype="0" fill="hold" nodeType="clickEffect">
+                                  <p:stCondLst>
+                                    <p:cond delay="0"/>
+                                  </p:stCondLst>
+                                  <p:childTnLst>
+                                    <p:set>
+                                      <p:cBhvr>
+                                        <p:cTn id="10" dur="1" fill="hold">
+                                          <p:stCondLst>
+                                            <p:cond delay="0"/>
+                                          </p:stCondLst>
+                                        </p:cTn>
+                                        <p:tgtEl>
+                                          <p:spTgt spid="26627">
+                                            <p:txEl>
+                                              <p:pRg st="4" end="4"/>
                                             </p:txEl>
                                           </p:spTgt>
                                         </p:tgtEl>
@@ -18919,6 +19423,206 @@
       </p:grpSpPr>
       <p:sp>
         <p:nvSpPr>
+          <p:cNvPr id="40961" name="Rectangle 2">
+            <a:extLst>
+              <a:ext uri="{FF2B5EF4-FFF2-40B4-BE49-F238E27FC236}">
+                <a16:creationId xmlns:a16="http://schemas.microsoft.com/office/drawing/2014/main" id="{FE63D7D0-16AC-974E-AF55-6BAED8C880F6}"/>
+              </a:ext>
+            </a:extLst>
+          </p:cNvPr>
+          <p:cNvSpPr>
+            <a:spLocks noGrp="1" noChangeArrowheads="1"/>
+          </p:cNvSpPr>
+          <p:nvPr>
+            <p:ph type="title"/>
+          </p:nvPr>
+        </p:nvSpPr>
+        <p:spPr>
+          <a:xfrm>
+            <a:off x="0" y="127000"/>
+            <a:ext cx="7888626" cy="638345"/>
+          </a:xfrm>
+        </p:spPr>
+        <p:txBody>
+          <a:bodyPr/>
+          <a:lstStyle/>
+          <a:p>
+            <a:pPr eaLnBrk="1" hangingPunct="1"/>
+            <a:r>
+              <a:rPr lang="en-US" altLang="en-US" sz="2500" dirty="0">
+                <a:latin typeface="Tahoma" panose="020B0604030504040204" pitchFamily="34" charset="0"/>
+                <a:ea typeface="ＭＳ Ｐゴシック" panose="020B0600070205080204" pitchFamily="34" charset="-128"/>
+              </a:rPr>
+              <a:t>Algorithmic Efficiency</a:t>
+            </a:r>
+          </a:p>
+        </p:txBody>
+      </p:sp>
+      <p:sp>
+        <p:nvSpPr>
+          <p:cNvPr id="26627" name="Rectangle 3">
+            <a:extLst>
+              <a:ext uri="{FF2B5EF4-FFF2-40B4-BE49-F238E27FC236}">
+                <a16:creationId xmlns:a16="http://schemas.microsoft.com/office/drawing/2014/main" id="{BD7CEE5B-C52A-794A-BCE5-C92159F2026F}"/>
+              </a:ext>
+            </a:extLst>
+          </p:cNvPr>
+          <p:cNvSpPr>
+            <a:spLocks noGrp="1" noChangeArrowheads="1"/>
+          </p:cNvSpPr>
+          <p:nvPr>
+            <p:ph type="body" idx="1"/>
+          </p:nvPr>
+        </p:nvSpPr>
+        <p:spPr>
+          <a:xfrm>
+            <a:off x="123290" y="842481"/>
+            <a:ext cx="8763856" cy="4541177"/>
+          </a:xfrm>
+        </p:spPr>
+        <p:txBody>
+          <a:bodyPr>
+            <a:normAutofit/>
+          </a:bodyPr>
+          <a:lstStyle/>
+          <a:p>
+            <a:pPr marL="0" indent="0">
+              <a:buNone/>
+            </a:pPr>
+            <a:r>
+              <a:rPr lang="en-US" dirty="0"/>
+              <a:t>Some problems cannot be solved in a reasonable amount of time because there is no efficient algorithm for solving them. In these cases, approximate solutions are sought. </a:t>
+            </a:r>
+          </a:p>
+          <a:p>
+            <a:pPr marL="0" indent="0">
+              <a:buNone/>
+            </a:pPr>
+            <a:endParaRPr lang="en-US" sz="2000" dirty="0"/>
+          </a:p>
+          <a:p>
+            <a:pPr marL="0" indent="0">
+              <a:buNone/>
+            </a:pPr>
+            <a:r>
+              <a:rPr lang="en-US" dirty="0"/>
+              <a:t>A </a:t>
+            </a:r>
+            <a:r>
+              <a:rPr lang="en-US" b="1" dirty="0"/>
+              <a:t>heuristic</a:t>
+            </a:r>
+            <a:r>
+              <a:rPr lang="en-US" i="1" dirty="0"/>
+              <a:t> </a:t>
+            </a:r>
+            <a:r>
+              <a:rPr lang="en-US" dirty="0"/>
+              <a:t>is an approach to a problem that produces a solution that is not guaranteed to be optimal but may be used when techniques that are guaranteed to always find an optimal solution are impractical. </a:t>
+            </a:r>
+          </a:p>
+          <a:p>
+            <a:pPr marL="0" indent="0">
+              <a:buNone/>
+            </a:pPr>
+            <a:endParaRPr lang="en-US" sz="2000" dirty="0"/>
+          </a:p>
+          <a:p>
+            <a:pPr marL="0" indent="0">
+              <a:buNone/>
+            </a:pPr>
+            <a:r>
+              <a:rPr lang="en-US" sz="2000" dirty="0"/>
+              <a:t>For example, ﻿a file-organizing algorithm(sorting a folder based on file types e.g. pdf, docs, jpegs) determines the content of a file based on a certain number of bytes in the beginning of the file. This is an approximate solution since only a few bytes are examined. But it is more practical and faster to run than examining every byte of every file. </a:t>
+            </a:r>
+          </a:p>
+          <a:p>
+            <a:pPr marL="0" indent="0">
+              <a:buNone/>
+            </a:pPr>
+            <a:endParaRPr lang="en-US" sz="2000" dirty="0"/>
+          </a:p>
+          <a:p>
+            <a:pPr marL="0" indent="0">
+              <a:buNone/>
+            </a:pPr>
+            <a:endParaRPr lang="en-US" sz="2000" dirty="0"/>
+          </a:p>
+          <a:p>
+            <a:pPr marL="0" indent="0">
+              <a:buNone/>
+            </a:pPr>
+            <a:endParaRPr lang="en-US" altLang="en-US" sz="2000" b="1" dirty="0">
+              <a:solidFill>
+                <a:srgbClr val="008000"/>
+              </a:solidFill>
+              <a:latin typeface="Gill Sans MT" panose="020B0502020104020203" pitchFamily="34" charset="77"/>
+            </a:endParaRPr>
+          </a:p>
+        </p:txBody>
+      </p:sp>
+      <p:sp>
+        <p:nvSpPr>
+          <p:cNvPr id="2" name="Slide Number Placeholder 1">
+            <a:extLst>
+              <a:ext uri="{FF2B5EF4-FFF2-40B4-BE49-F238E27FC236}">
+                <a16:creationId xmlns:a16="http://schemas.microsoft.com/office/drawing/2014/main" id="{699FD964-70C4-F341-B4C5-F152247F1F1B}"/>
+              </a:ext>
+            </a:extLst>
+          </p:cNvPr>
+          <p:cNvSpPr>
+            <a:spLocks noGrp="1"/>
+          </p:cNvSpPr>
+          <p:nvPr>
+            <p:ph type="sldNum" sz="quarter" idx="12"/>
+          </p:nvPr>
+        </p:nvSpPr>
+        <p:spPr/>
+        <p:txBody>
+          <a:bodyPr/>
+          <a:lstStyle/>
+          <a:p>
+            <a:fld id="{D57F1E4F-1CFF-5643-939E-02111984F565}" type="slidenum">
+              <a:rPr lang="en-US" smtClean="0"/>
+              <a:t>20</a:t>
+            </a:fld>
+            <a:endParaRPr lang="en-US" dirty="0"/>
+          </a:p>
+        </p:txBody>
+      </p:sp>
+    </p:spTree>
+    <p:extLst>
+      <p:ext uri="{BB962C8B-B14F-4D97-AF65-F5344CB8AC3E}">
+        <p14:creationId xmlns:p14="http://schemas.microsoft.com/office/powerpoint/2010/main" val="628729618"/>
+      </p:ext>
+    </p:extLst>
+  </p:cSld>
+  <p:clrMapOvr>
+    <a:masterClrMapping/>
+  </p:clrMapOvr>
+ 